--- a/Document/Final report/Slide Present E-Learning.pptx
+++ b/Document/Final report/Slide Present E-Learning.pptx
@@ -7266,6 +7266,13 @@
   <p:clrMapOvr>
     <a:masterClrMapping/>
   </p:clrMapOvr>
+  <p:timing>
+    <p:tnLst>
+      <p:par>
+        <p:cTn id="1" dur="indefinite" restart="never" nodeType="tmRoot"/>
+      </p:par>
+    </p:tnLst>
+  </p:timing>
 </p:sld>
 </file>
 
@@ -7334,82 +7341,39 @@
           </a:p>
         </p:txBody>
       </p:sp>
-      <p:sp>
-        <p:nvSpPr>
-          <p:cNvPr id="4" name="Date Placeholder 3"/>
-          <p:cNvSpPr>
-            <a:spLocks noGrp="1"/>
-          </p:cNvSpPr>
-          <p:nvPr>
-            <p:ph type="dt" sz="half" idx="10"/>
-          </p:nvPr>
-        </p:nvSpPr>
-        <p:spPr/>
-        <p:txBody>
-          <a:bodyPr/>
-          <a:lstStyle/>
-          <a:p>
-            <a:r>
-              <a:rPr lang="en-US" smtClean="0"/>
-              <a:t>www.themegallery.com</a:t>
-            </a:r>
-            <a:endParaRPr lang="en-US"/>
-          </a:p>
-        </p:txBody>
-      </p:sp>
-      <p:sp>
-        <p:nvSpPr>
-          <p:cNvPr id="5" name="Footer Placeholder 4"/>
-          <p:cNvSpPr>
-            <a:spLocks noGrp="1"/>
-          </p:cNvSpPr>
-          <p:nvPr>
-            <p:ph type="ftr" sz="quarter" idx="11"/>
-          </p:nvPr>
-        </p:nvSpPr>
-        <p:spPr/>
-        <p:txBody>
-          <a:bodyPr/>
-          <a:lstStyle/>
-          <a:p>
-            <a:r>
-              <a:rPr lang="en-US" smtClean="0"/>
-              <a:t>Company Logo</a:t>
-            </a:r>
-            <a:endParaRPr lang="en-US"/>
-          </a:p>
-        </p:txBody>
-      </p:sp>
-      <p:sp>
-        <p:nvSpPr>
-          <p:cNvPr id="6" name="TextBox 5"/>
-          <p:cNvSpPr txBox="1"/>
+      <p:pic>
+        <p:nvPicPr>
+          <p:cNvPr id="7" name="Picture 6" descr="D:\e-learning-website\Document\Diagram,Image Report\Image Diagram Report 4\Images 4\SystemArchitectureDesign.png"/>
+          <p:cNvPicPr/>
           <p:nvPr/>
-        </p:nvSpPr>
-        <p:spPr>
+        </p:nvPicPr>
+        <p:blipFill>
+          <a:blip r:embed="rId2">
+            <a:extLst>
+              <a:ext uri="{28A0092B-C50C-407E-A947-70E740481C1C}">
+                <a14:useLocalDpi xmlns:a14="http://schemas.microsoft.com/office/drawing/2010/main" val="0"/>
+              </a:ext>
+            </a:extLst>
+          </a:blip>
+          <a:srcRect/>
+          <a:stretch>
+            <a:fillRect/>
+          </a:stretch>
+        </p:blipFill>
+        <p:spPr bwMode="auto">
           <a:xfrm>
-            <a:off x="381000" y="4724400"/>
-            <a:ext cx="1600200" cy="369332"/>
+            <a:off x="1524000" y="1590675"/>
+            <a:ext cx="6106476" cy="5181600"/>
           </a:xfrm>
           <a:prstGeom prst="rect">
             <a:avLst/>
           </a:prstGeom>
           <a:noFill/>
+          <a:ln>
+            <a:noFill/>
+          </a:ln>
         </p:spPr>
-        <p:txBody>
-          <a:bodyPr wrap="square" rtlCol="0">
-            <a:spAutoFit/>
-          </a:bodyPr>
-          <a:lstStyle/>
-          <a:p>
-            <a:r>
-              <a:rPr lang="en-US" dirty="0" err="1" smtClean="0"/>
-              <a:t>NamNH</a:t>
-            </a:r>
-            <a:endParaRPr lang="en-US" dirty="0"/>
-          </a:p>
-        </p:txBody>
-      </p:sp>
+      </p:pic>
     </p:spTree>
     <p:extLst>
       <p:ext uri="{BB962C8B-B14F-4D97-AF65-F5344CB8AC3E}">
@@ -7420,6 +7384,13 @@
   <p:clrMapOvr>
     <a:masterClrMapping/>
   </p:clrMapOvr>
+  <p:timing>
+    <p:tnLst>
+      <p:par>
+        <p:cTn id="1" dur="indefinite" restart="never" nodeType="tmRoot"/>
+      </p:par>
+    </p:tnLst>
+  </p:timing>
 </p:sld>
 </file>
 
@@ -7487,82 +7458,39 @@
           </a:p>
         </p:txBody>
       </p:sp>
-      <p:sp>
-        <p:nvSpPr>
-          <p:cNvPr id="4" name="Date Placeholder 3"/>
-          <p:cNvSpPr>
-            <a:spLocks noGrp="1"/>
-          </p:cNvSpPr>
-          <p:nvPr>
-            <p:ph type="dt" sz="half" idx="10"/>
-          </p:nvPr>
-        </p:nvSpPr>
-        <p:spPr/>
-        <p:txBody>
-          <a:bodyPr/>
-          <a:lstStyle/>
-          <a:p>
-            <a:r>
-              <a:rPr lang="en-US" smtClean="0"/>
-              <a:t>www.themegallery.com</a:t>
-            </a:r>
-            <a:endParaRPr lang="en-US"/>
-          </a:p>
-        </p:txBody>
-      </p:sp>
-      <p:sp>
-        <p:nvSpPr>
-          <p:cNvPr id="5" name="Footer Placeholder 4"/>
-          <p:cNvSpPr>
-            <a:spLocks noGrp="1"/>
-          </p:cNvSpPr>
-          <p:nvPr>
-            <p:ph type="ftr" sz="quarter" idx="11"/>
-          </p:nvPr>
-        </p:nvSpPr>
-        <p:spPr/>
-        <p:txBody>
-          <a:bodyPr/>
-          <a:lstStyle/>
-          <a:p>
-            <a:r>
-              <a:rPr lang="en-US" smtClean="0"/>
-              <a:t>Company Logo</a:t>
-            </a:r>
-            <a:endParaRPr lang="en-US"/>
-          </a:p>
-        </p:txBody>
-      </p:sp>
-      <p:sp>
-        <p:nvSpPr>
-          <p:cNvPr id="6" name="TextBox 5"/>
-          <p:cNvSpPr txBox="1"/>
+      <p:pic>
+        <p:nvPicPr>
+          <p:cNvPr id="7" name="Picture 6" descr="D:\e-learning-website\User\NamKT\db_e-learning.png"/>
+          <p:cNvPicPr/>
           <p:nvPr/>
-        </p:nvSpPr>
-        <p:spPr>
+        </p:nvPicPr>
+        <p:blipFill>
+          <a:blip r:embed="rId2">
+            <a:extLst>
+              <a:ext uri="{28A0092B-C50C-407E-A947-70E740481C1C}">
+                <a14:useLocalDpi xmlns:a14="http://schemas.microsoft.com/office/drawing/2010/main" val="0"/>
+              </a:ext>
+            </a:extLst>
+          </a:blip>
+          <a:srcRect/>
+          <a:stretch>
+            <a:fillRect/>
+          </a:stretch>
+        </p:blipFill>
+        <p:spPr bwMode="auto">
           <a:xfrm>
-            <a:off x="381000" y="4724400"/>
-            <a:ext cx="1600200" cy="369332"/>
+            <a:off x="438150" y="19050"/>
+            <a:ext cx="8153400" cy="6838950"/>
           </a:xfrm>
           <a:prstGeom prst="rect">
             <a:avLst/>
           </a:prstGeom>
           <a:noFill/>
+          <a:ln>
+            <a:noFill/>
+          </a:ln>
         </p:spPr>
-        <p:txBody>
-          <a:bodyPr wrap="square" rtlCol="0">
-            <a:spAutoFit/>
-          </a:bodyPr>
-          <a:lstStyle/>
-          <a:p>
-            <a:r>
-              <a:rPr lang="en-US" dirty="0" err="1" smtClean="0"/>
-              <a:t>NamNH</a:t>
-            </a:r>
-            <a:endParaRPr lang="en-US" dirty="0"/>
-          </a:p>
-        </p:txBody>
-      </p:sp>
+      </p:pic>
     </p:spTree>
     <p:extLst>
       <p:ext uri="{BB962C8B-B14F-4D97-AF65-F5344CB8AC3E}">
@@ -7573,6 +7501,13 @@
   <p:clrMapOvr>
     <a:masterClrMapping/>
   </p:clrMapOvr>
+  <p:timing>
+    <p:tnLst>
+      <p:par>
+        <p:cTn id="1" dur="indefinite" restart="never" nodeType="tmRoot"/>
+      </p:par>
+    </p:tnLst>
+  </p:timing>
 </p:sld>
 </file>
 
@@ -7726,6 +7661,13 @@
   <p:clrMapOvr>
     <a:masterClrMapping/>
   </p:clrMapOvr>
+  <p:timing>
+    <p:tnLst>
+      <p:par>
+        <p:cTn id="1" dur="indefinite" restart="never" nodeType="tmRoot"/>
+      </p:par>
+    </p:tnLst>
+  </p:timing>
 </p:sld>
 </file>
 
@@ -7879,6 +7821,13 @@
   <p:clrMapOvr>
     <a:masterClrMapping/>
   </p:clrMapOvr>
+  <p:timing>
+    <p:tnLst>
+      <p:par>
+        <p:cTn id="1" dur="indefinite" restart="never" nodeType="tmRoot"/>
+      </p:par>
+    </p:tnLst>
+  </p:timing>
 </p:sld>
 </file>
 

--- a/Document/Final report/Slide Present E-Learning.pptx
+++ b/Document/Final report/Slide Present E-Learning.pptx
@@ -3128,24 +3128,24 @@
     </dgm:pt>
   </dgm:ptLst>
   <dgm:cxnLst>
-    <dgm:cxn modelId="{2673677B-DDD7-4AF1-AE85-A8794D9B396F}" srcId="{0B62ADEF-0BBB-4B92-B431-A66FD58BE450}" destId="{4AFB5DD7-04C3-4B93-BFD6-A2D442B2ED93}" srcOrd="3" destOrd="0" parTransId="{66D17250-25EC-496E-BB40-5125A9C7DB56}" sibTransId="{19DAC631-33C5-469C-B6BB-C7F852AA6264}"/>
-    <dgm:cxn modelId="{054A2284-7A0C-4A1F-8D04-95403E5D8ACB}" type="presOf" srcId="{8CBCBC9C-052B-41A5-8260-95586DFF636D}" destId="{DDB2AC96-4872-498A-A5AB-FB25614A8DBA}" srcOrd="0" destOrd="0" presId="urn:microsoft.com/office/officeart/2005/8/layout/pList1"/>
+    <dgm:cxn modelId="{78FAEC05-BB36-45D2-A20F-2F2C44615076}" type="presOf" srcId="{4AFB5DD7-04C3-4B93-BFD6-A2D442B2ED93}" destId="{BF2EC32E-06F6-45A3-81DB-A48DF395D35F}" srcOrd="0" destOrd="0" presId="urn:microsoft.com/office/officeart/2005/8/layout/pList1"/>
+    <dgm:cxn modelId="{5F231BD1-5348-400C-AC61-14A34A5957C0}" type="presOf" srcId="{ECDC624A-2ACD-4348-BD5D-289F149F5CE5}" destId="{A91F5D5F-BD3C-41D9-BB0F-1174B0E8DFA4}" srcOrd="0" destOrd="0" presId="urn:microsoft.com/office/officeart/2005/8/layout/pList1"/>
+    <dgm:cxn modelId="{DB68FF06-C452-4070-88F5-FB5060C92A06}" srcId="{0B62ADEF-0BBB-4B92-B431-A66FD58BE450}" destId="{0D0D668E-5687-45D6-A2CD-AC429AF8E4B8}" srcOrd="0" destOrd="0" parTransId="{8D287E04-03E9-434E-BA42-7CEB1893B755}" sibTransId="{FB26DCF8-680D-4497-90F0-E818C03E9A3F}"/>
+    <dgm:cxn modelId="{FFC21C2A-DDC1-4AE6-8A9B-4E59ABEA4B46}" type="presOf" srcId="{AEB7B52C-DDD7-4E8A-8AE5-79CFA3A9F4EC}" destId="{1FE39B37-32EE-4847-950F-2B715FC71A00}" srcOrd="0" destOrd="0" presId="urn:microsoft.com/office/officeart/2005/8/layout/pList1"/>
+    <dgm:cxn modelId="{D848DA01-C5C6-4A63-B700-65E9250F7165}" type="presOf" srcId="{32BC4747-B6D6-4ACC-9F11-804FA8919654}" destId="{DBC5C327-F8F4-4B08-B7A8-350C7F0E73B4}" srcOrd="0" destOrd="0" presId="urn:microsoft.com/office/officeart/2005/8/layout/pList1"/>
     <dgm:cxn modelId="{A1A98AAE-371E-4A85-B707-4C6F57ABBA6E}" type="presOf" srcId="{4B2D61E7-0FFC-434B-B4F9-FF0477803416}" destId="{0A671C77-DFAA-415B-9949-AD98BB3853FC}" srcOrd="0" destOrd="0" presId="urn:microsoft.com/office/officeart/2005/8/layout/pList1"/>
     <dgm:cxn modelId="{0666264E-096F-4284-A69C-12E3521131F2}" type="presOf" srcId="{0D0D668E-5687-45D6-A2CD-AC429AF8E4B8}" destId="{E0B4EB5E-327E-48D3-BEA7-7D36239FC5B7}" srcOrd="0" destOrd="0" presId="urn:microsoft.com/office/officeart/2005/8/layout/pList1"/>
-    <dgm:cxn modelId="{D848DA01-C5C6-4A63-B700-65E9250F7165}" type="presOf" srcId="{32BC4747-B6D6-4ACC-9F11-804FA8919654}" destId="{DBC5C327-F8F4-4B08-B7A8-350C7F0E73B4}" srcOrd="0" destOrd="0" presId="urn:microsoft.com/office/officeart/2005/8/layout/pList1"/>
+    <dgm:cxn modelId="{054A2284-7A0C-4A1F-8D04-95403E5D8ACB}" type="presOf" srcId="{8CBCBC9C-052B-41A5-8260-95586DFF636D}" destId="{DDB2AC96-4872-498A-A5AB-FB25614A8DBA}" srcOrd="0" destOrd="0" presId="urn:microsoft.com/office/officeart/2005/8/layout/pList1"/>
+    <dgm:cxn modelId="{389C7248-40D0-4DF9-B7B5-59ADB12883DA}" type="presOf" srcId="{26339C4F-3BAD-42C2-BC91-33C30730894A}" destId="{A8354376-BE2F-41AD-8335-9C68C335A830}" srcOrd="0" destOrd="0" presId="urn:microsoft.com/office/officeart/2005/8/layout/pList1"/>
+    <dgm:cxn modelId="{03609A64-C11A-49B7-A0ED-E583EFFCF3F2}" type="presOf" srcId="{19DAC631-33C5-469C-B6BB-C7F852AA6264}" destId="{3C7815D1-D809-4587-AAEB-5AFA3454E8A7}" srcOrd="0" destOrd="0" presId="urn:microsoft.com/office/officeart/2005/8/layout/pList1"/>
+    <dgm:cxn modelId="{473D190B-8084-4127-A874-42D0CF89E860}" srcId="{0B62ADEF-0BBB-4B92-B431-A66FD58BE450}" destId="{ECDC624A-2ACD-4348-BD5D-289F149F5CE5}" srcOrd="4" destOrd="0" parTransId="{3E26156C-570F-4FEE-B7A7-C2C845147F32}" sibTransId="{AA627876-276E-4A0E-8C4E-CF70697BFDE7}"/>
+    <dgm:cxn modelId="{99A05B3D-6068-4A7E-BE1C-8762C2D540BD}" srcId="{0B62ADEF-0BBB-4B92-B431-A66FD58BE450}" destId="{26339C4F-3BAD-42C2-BC91-33C30730894A}" srcOrd="2" destOrd="0" parTransId="{5FDEBB4F-8F8A-4D1E-9A37-749AF0FE71AC}" sibTransId="{8CBCBC9C-052B-41A5-8260-95586DFF636D}"/>
     <dgm:cxn modelId="{64913892-B575-4CC5-9132-904D26FBF9A9}" type="presOf" srcId="{0B62ADEF-0BBB-4B92-B431-A66FD58BE450}" destId="{A8FFFDC1-86CE-4F7F-A969-20565ECF27A4}" srcOrd="0" destOrd="0" presId="urn:microsoft.com/office/officeart/2005/8/layout/pList1"/>
-    <dgm:cxn modelId="{5F231BD1-5348-400C-AC61-14A34A5957C0}" type="presOf" srcId="{ECDC624A-2ACD-4348-BD5D-289F149F5CE5}" destId="{A91F5D5F-BD3C-41D9-BB0F-1174B0E8DFA4}" srcOrd="0" destOrd="0" presId="urn:microsoft.com/office/officeart/2005/8/layout/pList1"/>
-    <dgm:cxn modelId="{389C7248-40D0-4DF9-B7B5-59ADB12883DA}" type="presOf" srcId="{26339C4F-3BAD-42C2-BC91-33C30730894A}" destId="{A8354376-BE2F-41AD-8335-9C68C335A830}" srcOrd="0" destOrd="0" presId="urn:microsoft.com/office/officeart/2005/8/layout/pList1"/>
-    <dgm:cxn modelId="{473D190B-8084-4127-A874-42D0CF89E860}" srcId="{0B62ADEF-0BBB-4B92-B431-A66FD58BE450}" destId="{ECDC624A-2ACD-4348-BD5D-289F149F5CE5}" srcOrd="4" destOrd="0" parTransId="{3E26156C-570F-4FEE-B7A7-C2C845147F32}" sibTransId="{AA627876-276E-4A0E-8C4E-CF70697BFDE7}"/>
+    <dgm:cxn modelId="{2673677B-DDD7-4AF1-AE85-A8794D9B396F}" srcId="{0B62ADEF-0BBB-4B92-B431-A66FD58BE450}" destId="{4AFB5DD7-04C3-4B93-BFD6-A2D442B2ED93}" srcOrd="3" destOrd="0" parTransId="{66D17250-25EC-496E-BB40-5125A9C7DB56}" sibTransId="{19DAC631-33C5-469C-B6BB-C7F852AA6264}"/>
     <dgm:cxn modelId="{6D1E03E6-7BF6-4F0B-B960-5D04CABABC49}" type="presOf" srcId="{AA627876-276E-4A0E-8C4E-CF70697BFDE7}" destId="{214FBA32-A3B1-4A25-A8CA-3AFB433D04BA}" srcOrd="0" destOrd="0" presId="urn:microsoft.com/office/officeart/2005/8/layout/pList1"/>
-    <dgm:cxn modelId="{03609A64-C11A-49B7-A0ED-E583EFFCF3F2}" type="presOf" srcId="{19DAC631-33C5-469C-B6BB-C7F852AA6264}" destId="{3C7815D1-D809-4587-AAEB-5AFA3454E8A7}" srcOrd="0" destOrd="0" presId="urn:microsoft.com/office/officeart/2005/8/layout/pList1"/>
+    <dgm:cxn modelId="{9A5B42AE-40AB-426F-AEBC-A1F3B5B7E7D4}" srcId="{0B62ADEF-0BBB-4B92-B431-A66FD58BE450}" destId="{4B2D61E7-0FFC-434B-B4F9-FF0477803416}" srcOrd="1" destOrd="0" parTransId="{774B255B-A184-441F-8661-AA96141FF0CC}" sibTransId="{AEB7B52C-DDD7-4E8A-8AE5-79CFA3A9F4EC}"/>
+    <dgm:cxn modelId="{1E785257-6B02-4E53-92B5-20F103353E50}" type="presOf" srcId="{FB26DCF8-680D-4497-90F0-E818C03E9A3F}" destId="{D26C07D9-73F4-4E89-94A4-68EEE251E945}" srcOrd="0" destOrd="0" presId="urn:microsoft.com/office/officeart/2005/8/layout/pList1"/>
     <dgm:cxn modelId="{D5E63036-47C5-4A89-9F8E-A576F5D770CA}" srcId="{0B62ADEF-0BBB-4B92-B431-A66FD58BE450}" destId="{32BC4747-B6D6-4ACC-9F11-804FA8919654}" srcOrd="5" destOrd="0" parTransId="{BCF8086A-C43B-47DA-93F1-AEEDAD69D3A3}" sibTransId="{FB089497-7A21-44E6-8768-ADBD6D05CCAD}"/>
-    <dgm:cxn modelId="{FFC21C2A-DDC1-4AE6-8A9B-4E59ABEA4B46}" type="presOf" srcId="{AEB7B52C-DDD7-4E8A-8AE5-79CFA3A9F4EC}" destId="{1FE39B37-32EE-4847-950F-2B715FC71A00}" srcOrd="0" destOrd="0" presId="urn:microsoft.com/office/officeart/2005/8/layout/pList1"/>
-    <dgm:cxn modelId="{9A5B42AE-40AB-426F-AEBC-A1F3B5B7E7D4}" srcId="{0B62ADEF-0BBB-4B92-B431-A66FD58BE450}" destId="{4B2D61E7-0FFC-434B-B4F9-FF0477803416}" srcOrd="1" destOrd="0" parTransId="{774B255B-A184-441F-8661-AA96141FF0CC}" sibTransId="{AEB7B52C-DDD7-4E8A-8AE5-79CFA3A9F4EC}"/>
-    <dgm:cxn modelId="{99A05B3D-6068-4A7E-BE1C-8762C2D540BD}" srcId="{0B62ADEF-0BBB-4B92-B431-A66FD58BE450}" destId="{26339C4F-3BAD-42C2-BC91-33C30730894A}" srcOrd="2" destOrd="0" parTransId="{5FDEBB4F-8F8A-4D1E-9A37-749AF0FE71AC}" sibTransId="{8CBCBC9C-052B-41A5-8260-95586DFF636D}"/>
-    <dgm:cxn modelId="{DB68FF06-C452-4070-88F5-FB5060C92A06}" srcId="{0B62ADEF-0BBB-4B92-B431-A66FD58BE450}" destId="{0D0D668E-5687-45D6-A2CD-AC429AF8E4B8}" srcOrd="0" destOrd="0" parTransId="{8D287E04-03E9-434E-BA42-7CEB1893B755}" sibTransId="{FB26DCF8-680D-4497-90F0-E818C03E9A3F}"/>
-    <dgm:cxn modelId="{1E785257-6B02-4E53-92B5-20F103353E50}" type="presOf" srcId="{FB26DCF8-680D-4497-90F0-E818C03E9A3F}" destId="{D26C07D9-73F4-4E89-94A4-68EEE251E945}" srcOrd="0" destOrd="0" presId="urn:microsoft.com/office/officeart/2005/8/layout/pList1"/>
-    <dgm:cxn modelId="{78FAEC05-BB36-45D2-A20F-2F2C44615076}" type="presOf" srcId="{4AFB5DD7-04C3-4B93-BFD6-A2D442B2ED93}" destId="{BF2EC32E-06F6-45A3-81DB-A48DF395D35F}" srcOrd="0" destOrd="0" presId="urn:microsoft.com/office/officeart/2005/8/layout/pList1"/>
     <dgm:cxn modelId="{C9FEFA9A-EE5C-48FE-AA2C-9862B07E7FCB}" type="presParOf" srcId="{A8FFFDC1-86CE-4F7F-A969-20565ECF27A4}" destId="{EA5E1098-64DD-4332-92C6-EFA0CF343E4E}" srcOrd="0" destOrd="0" presId="urn:microsoft.com/office/officeart/2005/8/layout/pList1"/>
     <dgm:cxn modelId="{3E94F164-A985-4C7A-8109-4521C59356E3}" type="presParOf" srcId="{EA5E1098-64DD-4332-92C6-EFA0CF343E4E}" destId="{351B8509-CC5F-4337-ADF7-03F3B107521B}" srcOrd="0" destOrd="0" presId="urn:microsoft.com/office/officeart/2005/8/layout/pList1"/>
     <dgm:cxn modelId="{4AC62A91-1370-4545-BB93-B7D5C484A40F}" type="presParOf" srcId="{EA5E1098-64DD-4332-92C6-EFA0CF343E4E}" destId="{E0B4EB5E-327E-48D3-BEA7-7D36239FC5B7}" srcOrd="1" destOrd="0" presId="urn:microsoft.com/office/officeart/2005/8/layout/pList1"/>
@@ -13085,7 +13085,7 @@
           <a:p>
             <a:fld id="{0B043F58-E72F-4617-9A15-6B7F181D3BA1}" type="datetimeFigureOut">
               <a:rPr lang="en-US" smtClean="0"/>
-              <a:t>8/21/2012</a:t>
+              <a:t>8/22/2012</a:t>
             </a:fld>
             <a:endParaRPr lang="en-US"/>
           </a:p>
@@ -13437,6 +13437,3299 @@
 </p:notes>
 </file>
 
+<file path=ppt/notesSlides/notesSlide10.xml><?xml version="1.0" encoding="utf-8"?>
+<p:notes xmlns:a="http://schemas.openxmlformats.org/drawingml/2006/main" xmlns:r="http://schemas.openxmlformats.org/officeDocument/2006/relationships" xmlns:p="http://schemas.openxmlformats.org/presentationml/2006/main">
+  <p:cSld>
+    <p:spTree>
+      <p:nvGrpSpPr>
+        <p:cNvPr id="1" name=""/>
+        <p:cNvGrpSpPr/>
+        <p:nvPr/>
+      </p:nvGrpSpPr>
+      <p:grpSpPr>
+        <a:xfrm>
+          <a:off x="0" y="0"/>
+          <a:ext cx="0" cy="0"/>
+          <a:chOff x="0" y="0"/>
+          <a:chExt cx="0" cy="0"/>
+        </a:xfrm>
+      </p:grpSpPr>
+      <p:sp>
+        <p:nvSpPr>
+          <p:cNvPr id="2" name="Slide Image Placeholder 1"/>
+          <p:cNvSpPr>
+            <a:spLocks noGrp="1" noRot="1" noChangeAspect="1"/>
+          </p:cNvSpPr>
+          <p:nvPr>
+            <p:ph type="sldImg"/>
+          </p:nvPr>
+        </p:nvSpPr>
+        <p:spPr/>
+      </p:sp>
+      <p:sp>
+        <p:nvSpPr>
+          <p:cNvPr id="3" name="Notes Placeholder 2"/>
+          <p:cNvSpPr>
+            <a:spLocks noGrp="1"/>
+          </p:cNvSpPr>
+          <p:nvPr>
+            <p:ph type="body" idx="1"/>
+          </p:nvPr>
+        </p:nvSpPr>
+        <p:spPr/>
+        <p:txBody>
+          <a:bodyPr/>
+          <a:lstStyle/>
+          <a:p>
+            <a:pPr marL="0" marR="0" indent="0" algn="l" defTabSz="914400" rtl="0" eaLnBrk="1" fontAlgn="auto" latinLnBrk="0" hangingPunct="1">
+              <a:lnSpc>
+                <a:spcPct val="100000"/>
+              </a:lnSpc>
+              <a:spcBef>
+                <a:spcPts val="0"/>
+              </a:spcBef>
+              <a:spcAft>
+                <a:spcPts val="0"/>
+              </a:spcAft>
+              <a:buClrTx/>
+              <a:buSzTx/>
+              <a:buFontTx/>
+              <a:buNone/>
+              <a:tabLst/>
+              <a:defRPr/>
+            </a:pPr>
+            <a:r>
+              <a:rPr lang="en-US" dirty="0" err="1" smtClean="0"/>
+              <a:t>Cái</a:t>
+            </a:r>
+            <a:r>
+              <a:rPr lang="en-US" baseline="0" dirty="0" smtClean="0"/>
+              <a:t> </a:t>
+            </a:r>
+            <a:r>
+              <a:rPr lang="en-US" baseline="0" dirty="0" err="1" smtClean="0"/>
+              <a:t>này</a:t>
+            </a:r>
+            <a:r>
+              <a:rPr lang="en-US" baseline="0" dirty="0" smtClean="0"/>
+              <a:t> </a:t>
+            </a:r>
+            <a:r>
+              <a:rPr lang="en-US" baseline="0" dirty="0" err="1" smtClean="0"/>
+              <a:t>viết</a:t>
+            </a:r>
+            <a:r>
+              <a:rPr lang="en-US" baseline="0" dirty="0" smtClean="0"/>
+              <a:t> </a:t>
+            </a:r>
+            <a:r>
+              <a:rPr lang="en-US" baseline="0" dirty="0" err="1" smtClean="0"/>
+              <a:t>lại</a:t>
+            </a:r>
+            <a:r>
+              <a:rPr lang="en-US" baseline="0" dirty="0" smtClean="0"/>
+              <a:t> </a:t>
+            </a:r>
+            <a:r>
+              <a:rPr lang="en-US" baseline="0" dirty="0" err="1" smtClean="0"/>
+              <a:t>hết</a:t>
+            </a:r>
+            <a:r>
+              <a:rPr lang="en-US" baseline="0" dirty="0" smtClean="0"/>
+              <a:t> </a:t>
+            </a:r>
+            <a:r>
+              <a:rPr lang="en-US" baseline="0" dirty="0" err="1" smtClean="0"/>
+              <a:t>theo</a:t>
+            </a:r>
+            <a:r>
+              <a:rPr lang="en-US" baseline="0" dirty="0" smtClean="0"/>
+              <a:t> </a:t>
+            </a:r>
+            <a:r>
+              <a:rPr lang="en-US" baseline="0" dirty="0" err="1" smtClean="0"/>
+              <a:t>cái</a:t>
+            </a:r>
+            <a:r>
+              <a:rPr lang="en-US" baseline="0" dirty="0" smtClean="0"/>
+              <a:t> </a:t>
+            </a:r>
+            <a:r>
+              <a:rPr lang="en-US" baseline="0" dirty="0" err="1" smtClean="0"/>
+              <a:t>mình</a:t>
+            </a:r>
+            <a:r>
+              <a:rPr lang="en-US" baseline="0" dirty="0" smtClean="0"/>
+              <a:t> </a:t>
+            </a:r>
+            <a:r>
+              <a:rPr lang="en-US" baseline="0" dirty="0" err="1" smtClean="0"/>
+              <a:t>làm</a:t>
+            </a:r>
+            <a:r>
+              <a:rPr lang="en-US" baseline="0" dirty="0" smtClean="0"/>
+              <a:t>. </a:t>
+            </a:r>
+            <a:r>
+              <a:rPr lang="en-US" baseline="0" dirty="0" err="1" smtClean="0"/>
+              <a:t>Mình</a:t>
+            </a:r>
+            <a:r>
+              <a:rPr lang="en-US" baseline="0" dirty="0" smtClean="0"/>
+              <a:t> </a:t>
+            </a:r>
+            <a:r>
+              <a:rPr lang="en-US" baseline="0" dirty="0" err="1" smtClean="0"/>
+              <a:t>làm</a:t>
+            </a:r>
+            <a:r>
+              <a:rPr lang="en-US" baseline="0" dirty="0" smtClean="0"/>
+              <a:t> </a:t>
+            </a:r>
+            <a:r>
+              <a:rPr lang="en-US" baseline="0" dirty="0" err="1" smtClean="0"/>
+              <a:t>có</a:t>
+            </a:r>
+            <a:r>
+              <a:rPr lang="en-US" baseline="0" dirty="0" smtClean="0"/>
+              <a:t> </a:t>
+            </a:r>
+            <a:r>
+              <a:rPr lang="en-US" baseline="0" dirty="0" err="1" smtClean="0"/>
+              <a:t>những</a:t>
+            </a:r>
+            <a:r>
+              <a:rPr lang="en-US" baseline="0" dirty="0" smtClean="0"/>
+              <a:t> non-functional </a:t>
+            </a:r>
+            <a:r>
+              <a:rPr lang="en-US" baseline="0" dirty="0" err="1" smtClean="0"/>
+              <a:t>nào</a:t>
+            </a:r>
+            <a:r>
+              <a:rPr lang="en-US" baseline="0" dirty="0" smtClean="0"/>
+              <a:t> </a:t>
+            </a:r>
+            <a:r>
+              <a:rPr lang="en-US" baseline="0" dirty="0" err="1" smtClean="0"/>
+              <a:t>thì</a:t>
+            </a:r>
+            <a:r>
+              <a:rPr lang="en-US" baseline="0" dirty="0" smtClean="0"/>
+              <a:t> </a:t>
+            </a:r>
+            <a:r>
+              <a:rPr lang="en-US" baseline="0" dirty="0" err="1" smtClean="0"/>
+              <a:t>cho</a:t>
+            </a:r>
+            <a:r>
+              <a:rPr lang="en-US" baseline="0" dirty="0" smtClean="0"/>
+              <a:t> </a:t>
+            </a:r>
+            <a:r>
+              <a:rPr lang="en-US" baseline="0" dirty="0" err="1" smtClean="0"/>
+              <a:t>vào</a:t>
+            </a:r>
+            <a:r>
+              <a:rPr lang="en-US" baseline="0" dirty="0" smtClean="0"/>
+              <a:t>.</a:t>
+            </a:r>
+          </a:p>
+          <a:p>
+            <a:pPr marL="0" marR="0" indent="0" algn="l" defTabSz="914400" rtl="0" eaLnBrk="1" fontAlgn="auto" latinLnBrk="0" hangingPunct="1">
+              <a:lnSpc>
+                <a:spcPct val="100000"/>
+              </a:lnSpc>
+              <a:spcBef>
+                <a:spcPts val="0"/>
+              </a:spcBef>
+              <a:spcAft>
+                <a:spcPts val="0"/>
+              </a:spcAft>
+              <a:buClrTx/>
+              <a:buSzTx/>
+              <a:buFontTx/>
+              <a:buNone/>
+              <a:tabLst/>
+              <a:defRPr/>
+            </a:pPr>
+            <a:r>
+              <a:rPr lang="en-US" baseline="0" dirty="0" smtClean="0"/>
+              <a:t>Cho </a:t>
+            </a:r>
+            <a:r>
+              <a:rPr lang="en-US" baseline="0" dirty="0" err="1" smtClean="0"/>
+              <a:t>vào</a:t>
+            </a:r>
+            <a:r>
+              <a:rPr lang="en-US" baseline="0" dirty="0" smtClean="0"/>
+              <a:t> </a:t>
+            </a:r>
+            <a:r>
+              <a:rPr lang="en-US" baseline="0" dirty="0" err="1" smtClean="0"/>
+              <a:t>dưới</a:t>
+            </a:r>
+            <a:r>
+              <a:rPr lang="en-US" baseline="0" dirty="0" smtClean="0"/>
+              <a:t> </a:t>
+            </a:r>
+            <a:r>
+              <a:rPr lang="en-US" baseline="0" dirty="0" err="1" smtClean="0"/>
+              <a:t>dạng</a:t>
+            </a:r>
+            <a:r>
+              <a:rPr lang="en-US" baseline="0" dirty="0" smtClean="0"/>
+              <a:t> </a:t>
+            </a:r>
+            <a:r>
+              <a:rPr lang="en-US" baseline="0" dirty="0" err="1" smtClean="0"/>
+              <a:t>bảng</a:t>
+            </a:r>
+            <a:r>
+              <a:rPr lang="en-US" baseline="0" dirty="0" smtClean="0"/>
+              <a:t>:</a:t>
+            </a:r>
+          </a:p>
+          <a:p>
+            <a:pPr marL="0" marR="0" indent="0" algn="l" defTabSz="914400" rtl="0" eaLnBrk="1" fontAlgn="auto" latinLnBrk="0" hangingPunct="1">
+              <a:lnSpc>
+                <a:spcPct val="100000"/>
+              </a:lnSpc>
+              <a:spcBef>
+                <a:spcPts val="0"/>
+              </a:spcBef>
+              <a:spcAft>
+                <a:spcPts val="0"/>
+              </a:spcAft>
+              <a:buClrTx/>
+              <a:buSzTx/>
+              <a:buFontTx/>
+              <a:buNone/>
+              <a:tabLst/>
+              <a:defRPr/>
+            </a:pPr>
+            <a:r>
+              <a:rPr lang="en-US" baseline="0" dirty="0" err="1" smtClean="0"/>
+              <a:t>Tên</a:t>
+            </a:r>
+            <a:r>
+              <a:rPr lang="en-US" baseline="0" dirty="0" smtClean="0"/>
+              <a:t> non-functional – </a:t>
+            </a:r>
+            <a:r>
+              <a:rPr lang="en-US" baseline="0" dirty="0" err="1" smtClean="0"/>
+              <a:t>Mô</a:t>
+            </a:r>
+            <a:r>
+              <a:rPr lang="en-US" baseline="0" dirty="0" smtClean="0"/>
+              <a:t> </a:t>
+            </a:r>
+            <a:r>
+              <a:rPr lang="en-US" baseline="0" dirty="0" err="1" smtClean="0"/>
+              <a:t>tả</a:t>
+            </a:r>
+            <a:r>
+              <a:rPr lang="en-US" baseline="0" dirty="0" smtClean="0"/>
+              <a:t> </a:t>
+            </a:r>
+            <a:r>
+              <a:rPr lang="en-US" baseline="0" dirty="0" err="1" smtClean="0"/>
+              <a:t>xem</a:t>
+            </a:r>
+            <a:r>
+              <a:rPr lang="en-US" baseline="0" dirty="0" smtClean="0"/>
+              <a:t> </a:t>
+            </a:r>
+            <a:r>
+              <a:rPr lang="en-US" baseline="0" dirty="0" err="1" smtClean="0"/>
+              <a:t>mình</a:t>
+            </a:r>
+            <a:r>
+              <a:rPr lang="en-US" baseline="0" dirty="0" smtClean="0"/>
+              <a:t> </a:t>
+            </a:r>
+            <a:r>
+              <a:rPr lang="en-US" baseline="0" dirty="0" err="1" smtClean="0"/>
+              <a:t>làm</a:t>
+            </a:r>
+            <a:r>
+              <a:rPr lang="en-US" baseline="0" dirty="0" smtClean="0"/>
+              <a:t> </a:t>
+            </a:r>
+            <a:r>
+              <a:rPr lang="en-US" baseline="0" dirty="0" err="1" smtClean="0"/>
+              <a:t>gì</a:t>
+            </a:r>
+            <a:r>
+              <a:rPr lang="en-US" baseline="0" dirty="0" smtClean="0"/>
+              <a:t> </a:t>
+            </a:r>
+            <a:r>
+              <a:rPr lang="en-US" baseline="0" dirty="0" err="1" smtClean="0"/>
+              <a:t>để</a:t>
+            </a:r>
+            <a:r>
+              <a:rPr lang="en-US" baseline="0" dirty="0" smtClean="0"/>
+              <a:t> </a:t>
+            </a:r>
+            <a:r>
+              <a:rPr lang="en-US" baseline="0" dirty="0" err="1" smtClean="0"/>
+              <a:t>đạt</a:t>
+            </a:r>
+            <a:r>
+              <a:rPr lang="en-US" baseline="0" dirty="0" smtClean="0"/>
+              <a:t> </a:t>
+            </a:r>
+            <a:r>
+              <a:rPr lang="en-US" baseline="0" dirty="0" err="1" smtClean="0"/>
+              <a:t>cái</a:t>
+            </a:r>
+            <a:r>
+              <a:rPr lang="en-US" baseline="0" dirty="0" smtClean="0"/>
+              <a:t> non-functional </a:t>
+            </a:r>
+            <a:r>
+              <a:rPr lang="en-US" baseline="0" dirty="0" err="1" smtClean="0"/>
+              <a:t>đó</a:t>
+            </a:r>
+            <a:r>
+              <a:rPr lang="en-US" baseline="0" dirty="0" smtClean="0"/>
+              <a:t>.</a:t>
+            </a:r>
+          </a:p>
+          <a:p>
+            <a:pPr marL="0" marR="0" indent="0" algn="l" defTabSz="914400" rtl="0" eaLnBrk="1" fontAlgn="auto" latinLnBrk="0" hangingPunct="1">
+              <a:lnSpc>
+                <a:spcPct val="100000"/>
+              </a:lnSpc>
+              <a:spcBef>
+                <a:spcPts val="0"/>
+              </a:spcBef>
+              <a:spcAft>
+                <a:spcPts val="0"/>
+              </a:spcAft>
+              <a:buClrTx/>
+              <a:buSzTx/>
+              <a:buFontTx/>
+              <a:buNone/>
+              <a:tabLst/>
+              <a:defRPr/>
+            </a:pPr>
+            <a:r>
+              <a:rPr lang="en-US" baseline="0" dirty="0" smtClean="0"/>
+              <a:t>Tao </a:t>
+            </a:r>
+            <a:r>
+              <a:rPr lang="en-US" baseline="0" dirty="0" err="1" smtClean="0"/>
+              <a:t>lấy</a:t>
+            </a:r>
+            <a:r>
+              <a:rPr lang="en-US" baseline="0" dirty="0" smtClean="0"/>
+              <a:t> VD </a:t>
+            </a:r>
+            <a:r>
+              <a:rPr lang="en-US" baseline="0" dirty="0" err="1" smtClean="0"/>
+              <a:t>như</a:t>
+            </a:r>
+            <a:r>
+              <a:rPr lang="en-US" baseline="0" dirty="0" smtClean="0"/>
+              <a:t> </a:t>
+            </a:r>
+            <a:r>
+              <a:rPr lang="en-US" baseline="0" dirty="0" err="1" smtClean="0"/>
+              <a:t>là</a:t>
+            </a:r>
+            <a:r>
+              <a:rPr lang="en-US" baseline="0" dirty="0" smtClean="0"/>
+              <a:t> </a:t>
+            </a:r>
+            <a:r>
+              <a:rPr lang="en-US" baseline="0" dirty="0" err="1" smtClean="0"/>
+              <a:t>cái</a:t>
+            </a:r>
+            <a:r>
+              <a:rPr lang="en-US" baseline="0" dirty="0" smtClean="0"/>
+              <a:t> </a:t>
+            </a:r>
+            <a:r>
+              <a:rPr lang="en-US" baseline="0" dirty="0" err="1" smtClean="0"/>
+              <a:t>maintainabiity</a:t>
+            </a:r>
+            <a:r>
+              <a:rPr lang="en-US" baseline="0" dirty="0" smtClean="0"/>
+              <a:t> </a:t>
+            </a:r>
+            <a:r>
+              <a:rPr lang="en-US" baseline="0" dirty="0" err="1" smtClean="0"/>
+              <a:t>thì</a:t>
+            </a:r>
+            <a:r>
+              <a:rPr lang="en-US" baseline="0" dirty="0" smtClean="0"/>
+              <a:t> </a:t>
+            </a:r>
+            <a:r>
+              <a:rPr lang="en-US" baseline="0" dirty="0" err="1" smtClean="0"/>
+              <a:t>mình</a:t>
+            </a:r>
+            <a:r>
+              <a:rPr lang="en-US" baseline="0" dirty="0" smtClean="0"/>
+              <a:t> code </a:t>
+            </a:r>
+            <a:r>
+              <a:rPr lang="en-US" baseline="0" dirty="0" err="1" smtClean="0"/>
+              <a:t>theo</a:t>
+            </a:r>
+            <a:r>
+              <a:rPr lang="en-US" baseline="0" dirty="0" smtClean="0"/>
+              <a:t> </a:t>
+            </a:r>
+            <a:r>
+              <a:rPr lang="en-US" baseline="0" dirty="0" err="1" smtClean="0"/>
+              <a:t>đúng</a:t>
+            </a:r>
+            <a:r>
+              <a:rPr lang="en-US" baseline="0" dirty="0" smtClean="0"/>
+              <a:t> </a:t>
+            </a:r>
+            <a:r>
+              <a:rPr lang="en-US" baseline="0" dirty="0" err="1" smtClean="0"/>
+              <a:t>chuẩn</a:t>
+            </a:r>
+            <a:r>
+              <a:rPr lang="en-US" baseline="0" dirty="0" smtClean="0"/>
+              <a:t> </a:t>
+            </a:r>
+            <a:r>
+              <a:rPr lang="en-US" baseline="0" dirty="0" err="1" smtClean="0"/>
+              <a:t>của</a:t>
+            </a:r>
+            <a:r>
+              <a:rPr lang="en-US" baseline="0" dirty="0" smtClean="0"/>
+              <a:t> </a:t>
+            </a:r>
+            <a:r>
+              <a:rPr lang="en-US" baseline="0" dirty="0" err="1" smtClean="0"/>
+              <a:t>joomla</a:t>
+            </a:r>
+            <a:r>
+              <a:rPr lang="en-US" baseline="0" dirty="0" smtClean="0"/>
+              <a:t>, </a:t>
+            </a:r>
+            <a:r>
+              <a:rPr lang="en-US" baseline="0" dirty="0" err="1" smtClean="0"/>
+              <a:t>mà</a:t>
+            </a:r>
+            <a:r>
+              <a:rPr lang="en-US" baseline="0" dirty="0" smtClean="0"/>
+              <a:t> framework </a:t>
+            </a:r>
+            <a:r>
+              <a:rPr lang="en-US" baseline="0" dirty="0" err="1" smtClean="0"/>
+              <a:t>joomla</a:t>
+            </a:r>
+            <a:r>
+              <a:rPr lang="en-US" baseline="0" dirty="0" smtClean="0"/>
+              <a:t> </a:t>
+            </a:r>
+            <a:r>
+              <a:rPr lang="en-US" baseline="0" dirty="0" err="1" smtClean="0"/>
+              <a:t>đã</a:t>
+            </a:r>
+            <a:r>
+              <a:rPr lang="en-US" baseline="0" dirty="0" smtClean="0"/>
+              <a:t> </a:t>
+            </a:r>
+            <a:r>
+              <a:rPr lang="en-US" baseline="0" dirty="0" err="1" smtClean="0"/>
+              <a:t>đảm</a:t>
+            </a:r>
+            <a:r>
+              <a:rPr lang="en-US" baseline="0" dirty="0" smtClean="0"/>
+              <a:t> </a:t>
+            </a:r>
+            <a:r>
+              <a:rPr lang="en-US" baseline="0" dirty="0" err="1" smtClean="0"/>
+              <a:t>bảo</a:t>
+            </a:r>
+            <a:r>
+              <a:rPr lang="en-US" baseline="0" dirty="0" smtClean="0"/>
+              <a:t> </a:t>
+            </a:r>
+            <a:r>
+              <a:rPr lang="en-US" baseline="0" dirty="0" err="1" smtClean="0"/>
+              <a:t>tính</a:t>
+            </a:r>
+            <a:r>
+              <a:rPr lang="en-US" baseline="0" dirty="0" smtClean="0"/>
+              <a:t> </a:t>
+            </a:r>
+            <a:r>
+              <a:rPr lang="en-US" baseline="0" dirty="0" err="1" smtClean="0"/>
+              <a:t>dễ</a:t>
+            </a:r>
+            <a:r>
+              <a:rPr lang="en-US" baseline="0" dirty="0" smtClean="0"/>
+              <a:t> </a:t>
+            </a:r>
+            <a:r>
+              <a:rPr lang="en-US" baseline="0" dirty="0" err="1" smtClean="0"/>
+              <a:t>bảo</a:t>
+            </a:r>
+            <a:r>
+              <a:rPr lang="en-US" baseline="0" dirty="0" smtClean="0"/>
+              <a:t> </a:t>
+            </a:r>
+            <a:r>
+              <a:rPr lang="en-US" baseline="0" dirty="0" err="1" smtClean="0"/>
+              <a:t>trì</a:t>
+            </a:r>
+            <a:r>
+              <a:rPr lang="en-US" baseline="0" dirty="0" smtClean="0"/>
+              <a:t> </a:t>
+            </a:r>
+            <a:r>
+              <a:rPr lang="en-US" baseline="0" dirty="0" err="1" smtClean="0"/>
+              <a:t>khi</a:t>
+            </a:r>
+            <a:r>
+              <a:rPr lang="en-US" baseline="0" dirty="0" smtClean="0"/>
+              <a:t> </a:t>
+            </a:r>
+            <a:r>
+              <a:rPr lang="en-US" baseline="0" dirty="0" err="1" smtClean="0"/>
+              <a:t>phân</a:t>
+            </a:r>
+            <a:r>
+              <a:rPr lang="en-US" baseline="0" dirty="0" smtClean="0"/>
+              <a:t> </a:t>
+            </a:r>
+            <a:r>
+              <a:rPr lang="en-US" baseline="0" dirty="0" err="1" smtClean="0"/>
+              <a:t>tách</a:t>
+            </a:r>
+            <a:r>
+              <a:rPr lang="en-US" baseline="0" dirty="0" smtClean="0"/>
+              <a:t> </a:t>
+            </a:r>
+            <a:r>
+              <a:rPr lang="en-US" baseline="0" dirty="0" err="1" smtClean="0"/>
+              <a:t>cụ</a:t>
+            </a:r>
+            <a:r>
+              <a:rPr lang="en-US" baseline="0" dirty="0" smtClean="0"/>
+              <a:t> </a:t>
+            </a:r>
+            <a:r>
+              <a:rPr lang="en-US" baseline="0" dirty="0" err="1" smtClean="0"/>
+              <a:t>thể</a:t>
+            </a:r>
+            <a:r>
+              <a:rPr lang="en-US" baseline="0" dirty="0" smtClean="0"/>
+              <a:t> </a:t>
+            </a:r>
+            <a:r>
+              <a:rPr lang="en-US" baseline="0" dirty="0" err="1" smtClean="0"/>
+              <a:t>từng</a:t>
+            </a:r>
+            <a:r>
+              <a:rPr lang="en-US" baseline="0" dirty="0" smtClean="0"/>
+              <a:t> layer.</a:t>
+            </a:r>
+          </a:p>
+          <a:p>
+            <a:pPr marL="0" marR="0" indent="0" algn="l" defTabSz="914400" rtl="0" eaLnBrk="1" fontAlgn="auto" latinLnBrk="0" hangingPunct="1">
+              <a:lnSpc>
+                <a:spcPct val="100000"/>
+              </a:lnSpc>
+              <a:spcBef>
+                <a:spcPts val="0"/>
+              </a:spcBef>
+              <a:spcAft>
+                <a:spcPts val="0"/>
+              </a:spcAft>
+              <a:buClrTx/>
+              <a:buSzTx/>
+              <a:buFontTx/>
+              <a:buNone/>
+              <a:tabLst/>
+              <a:defRPr/>
+            </a:pPr>
+            <a:r>
+              <a:rPr lang="en-US" baseline="0" dirty="0" err="1" smtClean="0"/>
+              <a:t>Hoặc</a:t>
+            </a:r>
+            <a:r>
+              <a:rPr lang="en-US" baseline="0" dirty="0" smtClean="0"/>
+              <a:t> </a:t>
+            </a:r>
+            <a:r>
+              <a:rPr lang="en-US" baseline="0" dirty="0" err="1" smtClean="0"/>
+              <a:t>như</a:t>
+            </a:r>
+            <a:r>
+              <a:rPr lang="en-US" baseline="0" dirty="0" smtClean="0"/>
+              <a:t> </a:t>
+            </a:r>
+            <a:r>
+              <a:rPr lang="en-US" baseline="0" dirty="0" err="1" smtClean="0"/>
+              <a:t>là</a:t>
+            </a:r>
+            <a:r>
+              <a:rPr lang="en-US" baseline="0" dirty="0" smtClean="0"/>
+              <a:t> </a:t>
+            </a:r>
+            <a:r>
+              <a:rPr lang="en-US" baseline="0" dirty="0" err="1" smtClean="0"/>
+              <a:t>tính</a:t>
+            </a:r>
+            <a:r>
+              <a:rPr lang="en-US" baseline="0" dirty="0" smtClean="0"/>
+              <a:t> </a:t>
+            </a:r>
+            <a:r>
+              <a:rPr lang="en-US" baseline="0" dirty="0" err="1" smtClean="0"/>
+              <a:t>useability</a:t>
+            </a:r>
+            <a:r>
+              <a:rPr lang="en-US" baseline="0" dirty="0" smtClean="0"/>
+              <a:t> </a:t>
+            </a:r>
+            <a:r>
+              <a:rPr lang="en-US" baseline="0" dirty="0" err="1" smtClean="0"/>
+              <a:t>là</a:t>
+            </a:r>
+            <a:r>
+              <a:rPr lang="en-US" baseline="0" dirty="0" smtClean="0"/>
+              <a:t> </a:t>
+            </a:r>
+            <a:r>
+              <a:rPr lang="en-US" baseline="0" dirty="0" err="1" smtClean="0"/>
+              <a:t>mình</a:t>
+            </a:r>
+            <a:r>
+              <a:rPr lang="en-US" baseline="0" dirty="0" smtClean="0"/>
+              <a:t> </a:t>
+            </a:r>
+            <a:r>
+              <a:rPr lang="en-US" baseline="0" dirty="0" err="1" smtClean="0"/>
+              <a:t>làm</a:t>
+            </a:r>
+            <a:r>
+              <a:rPr lang="en-US" baseline="0" dirty="0" smtClean="0"/>
+              <a:t> </a:t>
+            </a:r>
+            <a:r>
+              <a:rPr lang="en-US" baseline="0" dirty="0" err="1" smtClean="0"/>
+              <a:t>trang</a:t>
+            </a:r>
+            <a:r>
+              <a:rPr lang="en-US" baseline="0" dirty="0" smtClean="0"/>
+              <a:t> web </a:t>
+            </a:r>
+            <a:r>
+              <a:rPr lang="en-US" baseline="0" dirty="0" err="1" smtClean="0"/>
+              <a:t>đơn</a:t>
+            </a:r>
+            <a:r>
+              <a:rPr lang="en-US" baseline="0" dirty="0" smtClean="0"/>
+              <a:t> </a:t>
+            </a:r>
+            <a:r>
+              <a:rPr lang="en-US" baseline="0" dirty="0" err="1" smtClean="0"/>
+              <a:t>giản</a:t>
+            </a:r>
+            <a:r>
+              <a:rPr lang="en-US" baseline="0" dirty="0" smtClean="0"/>
+              <a:t>, </a:t>
+            </a:r>
+            <a:r>
+              <a:rPr lang="en-US" baseline="0" dirty="0" err="1" smtClean="0"/>
+              <a:t>ít</a:t>
+            </a:r>
+            <a:r>
+              <a:rPr lang="en-US" baseline="0" dirty="0" smtClean="0"/>
+              <a:t> </a:t>
+            </a:r>
+            <a:r>
+              <a:rPr lang="en-US" baseline="0" dirty="0" err="1" smtClean="0"/>
+              <a:t>nút</a:t>
+            </a:r>
+            <a:r>
+              <a:rPr lang="en-US" baseline="0" dirty="0" smtClean="0"/>
+              <a:t>, </a:t>
+            </a:r>
+            <a:r>
+              <a:rPr lang="en-US" baseline="0" dirty="0" err="1" smtClean="0"/>
+              <a:t>các</a:t>
+            </a:r>
+            <a:r>
+              <a:rPr lang="en-US" baseline="0" dirty="0" smtClean="0"/>
+              <a:t> </a:t>
+            </a:r>
+            <a:r>
+              <a:rPr lang="en-US" baseline="0" dirty="0" err="1" smtClean="0"/>
+              <a:t>nút</a:t>
+            </a:r>
+            <a:r>
+              <a:rPr lang="en-US" baseline="0" dirty="0" smtClean="0"/>
+              <a:t> to, </a:t>
+            </a:r>
+            <a:r>
+              <a:rPr lang="en-US" baseline="0" dirty="0" err="1" smtClean="0"/>
+              <a:t>chữ</a:t>
+            </a:r>
+            <a:r>
+              <a:rPr lang="en-US" baseline="0" dirty="0" smtClean="0"/>
+              <a:t> </a:t>
+            </a:r>
+            <a:r>
+              <a:rPr lang="en-US" baseline="0" dirty="0" err="1" smtClean="0"/>
+              <a:t>dễ</a:t>
+            </a:r>
+            <a:r>
+              <a:rPr lang="en-US" baseline="0" dirty="0" smtClean="0"/>
+              <a:t> </a:t>
+            </a:r>
+            <a:r>
+              <a:rPr lang="en-US" baseline="0" dirty="0" err="1" smtClean="0"/>
+              <a:t>nhìn</a:t>
+            </a:r>
+            <a:r>
+              <a:rPr lang="en-US" baseline="0" dirty="0" smtClean="0"/>
+              <a:t>, </a:t>
+            </a:r>
+            <a:r>
+              <a:rPr lang="en-US" baseline="0" dirty="0" err="1" smtClean="0"/>
+              <a:t>màu</a:t>
+            </a:r>
+            <a:r>
+              <a:rPr lang="en-US" baseline="0" dirty="0" smtClean="0"/>
+              <a:t> </a:t>
+            </a:r>
+            <a:r>
+              <a:rPr lang="en-US" baseline="0" dirty="0" err="1" smtClean="0"/>
+              <a:t>xanh</a:t>
+            </a:r>
+            <a:r>
+              <a:rPr lang="en-US" baseline="0" dirty="0" smtClean="0"/>
+              <a:t> </a:t>
+            </a:r>
+            <a:r>
+              <a:rPr lang="en-US" baseline="0" dirty="0" err="1" smtClean="0"/>
+              <a:t>mát</a:t>
+            </a:r>
+            <a:r>
+              <a:rPr lang="en-US" baseline="0" dirty="0" smtClean="0"/>
+              <a:t> </a:t>
+            </a:r>
+            <a:r>
+              <a:rPr lang="en-US" baseline="0" dirty="0" err="1" smtClean="0"/>
+              <a:t>mắt</a:t>
+            </a:r>
+            <a:r>
+              <a:rPr lang="en-US" baseline="0" dirty="0" smtClean="0"/>
+              <a:t>.</a:t>
+            </a:r>
+          </a:p>
+          <a:p>
+            <a:pPr marL="0" marR="0" indent="0" algn="l" defTabSz="914400" rtl="0" eaLnBrk="1" fontAlgn="auto" latinLnBrk="0" hangingPunct="1">
+              <a:lnSpc>
+                <a:spcPct val="100000"/>
+              </a:lnSpc>
+              <a:spcBef>
+                <a:spcPts val="0"/>
+              </a:spcBef>
+              <a:spcAft>
+                <a:spcPts val="0"/>
+              </a:spcAft>
+              <a:buClrTx/>
+              <a:buSzTx/>
+              <a:buFontTx/>
+              <a:buNone/>
+              <a:tabLst/>
+              <a:defRPr/>
+            </a:pPr>
+            <a:r>
+              <a:rPr lang="en-US" baseline="0" dirty="0" smtClean="0"/>
+              <a:t>Portability </a:t>
+            </a:r>
+            <a:r>
+              <a:rPr lang="en-US" baseline="0" dirty="0" err="1" smtClean="0"/>
+              <a:t>là</a:t>
+            </a:r>
+            <a:r>
+              <a:rPr lang="en-US" baseline="0" dirty="0" smtClean="0"/>
+              <a:t> do </a:t>
+            </a:r>
+            <a:r>
+              <a:rPr lang="en-US" baseline="0" dirty="0" err="1" smtClean="0"/>
+              <a:t>mình</a:t>
+            </a:r>
+            <a:r>
+              <a:rPr lang="en-US" baseline="0" dirty="0" smtClean="0"/>
+              <a:t> code </a:t>
+            </a:r>
+            <a:r>
+              <a:rPr lang="en-US" baseline="0" dirty="0" err="1" smtClean="0"/>
+              <a:t>bằng</a:t>
+            </a:r>
+            <a:r>
+              <a:rPr lang="en-US" baseline="0" dirty="0" smtClean="0"/>
+              <a:t> </a:t>
+            </a:r>
+            <a:r>
+              <a:rPr lang="en-US" baseline="0" dirty="0" err="1" smtClean="0"/>
+              <a:t>php</a:t>
+            </a:r>
+            <a:r>
+              <a:rPr lang="en-US" baseline="0" dirty="0" smtClean="0"/>
+              <a:t>, </a:t>
+            </a:r>
+            <a:r>
+              <a:rPr lang="en-US" baseline="0" dirty="0" err="1" smtClean="0"/>
+              <a:t>có</a:t>
+            </a:r>
+            <a:r>
+              <a:rPr lang="en-US" baseline="0" dirty="0" smtClean="0"/>
+              <a:t> </a:t>
+            </a:r>
+            <a:r>
+              <a:rPr lang="en-US" baseline="0" dirty="0" err="1" smtClean="0"/>
+              <a:t>thể</a:t>
+            </a:r>
+            <a:r>
+              <a:rPr lang="en-US" baseline="0" dirty="0" smtClean="0"/>
+              <a:t> </a:t>
+            </a:r>
+            <a:r>
+              <a:rPr lang="en-US" baseline="0" dirty="0" err="1" smtClean="0"/>
+              <a:t>chạy</a:t>
+            </a:r>
+            <a:r>
+              <a:rPr lang="en-US" baseline="0" dirty="0" smtClean="0"/>
+              <a:t> </a:t>
+            </a:r>
+            <a:r>
+              <a:rPr lang="en-US" baseline="0" dirty="0" err="1" smtClean="0"/>
+              <a:t>trên</a:t>
+            </a:r>
+            <a:r>
+              <a:rPr lang="en-US" baseline="0" dirty="0" smtClean="0"/>
+              <a:t> </a:t>
+            </a:r>
+            <a:r>
+              <a:rPr lang="en-US" baseline="0" dirty="0" err="1" smtClean="0"/>
+              <a:t>nhiều</a:t>
+            </a:r>
+            <a:r>
+              <a:rPr lang="en-US" baseline="0" dirty="0" smtClean="0"/>
+              <a:t> </a:t>
+            </a:r>
+            <a:r>
+              <a:rPr lang="en-US" baseline="0" dirty="0" err="1" smtClean="0"/>
+              <a:t>hệ</a:t>
+            </a:r>
+            <a:r>
+              <a:rPr lang="en-US" baseline="0" dirty="0" smtClean="0"/>
+              <a:t> </a:t>
+            </a:r>
+            <a:r>
+              <a:rPr lang="en-US" baseline="0" dirty="0" err="1" smtClean="0"/>
+              <a:t>điều</a:t>
+            </a:r>
+            <a:r>
+              <a:rPr lang="en-US" baseline="0" dirty="0" smtClean="0"/>
+              <a:t> </a:t>
+            </a:r>
+            <a:r>
+              <a:rPr lang="en-US" baseline="0" dirty="0" err="1" smtClean="0"/>
+              <a:t>hành</a:t>
+            </a:r>
+            <a:endParaRPr lang="en-US" baseline="0" dirty="0" smtClean="0"/>
+          </a:p>
+          <a:p>
+            <a:endParaRPr lang="en-US" dirty="0"/>
+          </a:p>
+        </p:txBody>
+      </p:sp>
+      <p:sp>
+        <p:nvSpPr>
+          <p:cNvPr id="4" name="Slide Number Placeholder 3"/>
+          <p:cNvSpPr>
+            <a:spLocks noGrp="1"/>
+          </p:cNvSpPr>
+          <p:nvPr>
+            <p:ph type="sldNum" sz="quarter" idx="10"/>
+          </p:nvPr>
+        </p:nvSpPr>
+        <p:spPr/>
+        <p:txBody>
+          <a:bodyPr/>
+          <a:lstStyle/>
+          <a:p>
+            <a:fld id="{94349F02-7B7E-4405-841E-9FEA710E9D5A}" type="slidenum">
+              <a:rPr lang="en-US" smtClean="0"/>
+              <a:t>20</a:t>
+            </a:fld>
+            <a:endParaRPr lang="en-US"/>
+          </a:p>
+        </p:txBody>
+      </p:sp>
+    </p:spTree>
+    <p:extLst>
+      <p:ext uri="{BB962C8B-B14F-4D97-AF65-F5344CB8AC3E}">
+        <p14:creationId xmlns:p14="http://schemas.microsoft.com/office/powerpoint/2010/main" val="566254435"/>
+      </p:ext>
+    </p:extLst>
+  </p:cSld>
+  <p:clrMapOvr>
+    <a:masterClrMapping/>
+  </p:clrMapOvr>
+</p:notes>
+</file>
+
+<file path=ppt/notesSlides/notesSlide11.xml><?xml version="1.0" encoding="utf-8"?>
+<p:notes xmlns:a="http://schemas.openxmlformats.org/drawingml/2006/main" xmlns:r="http://schemas.openxmlformats.org/officeDocument/2006/relationships" xmlns:p="http://schemas.openxmlformats.org/presentationml/2006/main">
+  <p:cSld>
+    <p:spTree>
+      <p:nvGrpSpPr>
+        <p:cNvPr id="1" name=""/>
+        <p:cNvGrpSpPr/>
+        <p:nvPr/>
+      </p:nvGrpSpPr>
+      <p:grpSpPr>
+        <a:xfrm>
+          <a:off x="0" y="0"/>
+          <a:ext cx="0" cy="0"/>
+          <a:chOff x="0" y="0"/>
+          <a:chExt cx="0" cy="0"/>
+        </a:xfrm>
+      </p:grpSpPr>
+      <p:sp>
+        <p:nvSpPr>
+          <p:cNvPr id="2" name="Slide Image Placeholder 1"/>
+          <p:cNvSpPr>
+            <a:spLocks noGrp="1" noRot="1" noChangeAspect="1"/>
+          </p:cNvSpPr>
+          <p:nvPr>
+            <p:ph type="sldImg"/>
+          </p:nvPr>
+        </p:nvSpPr>
+        <p:spPr/>
+      </p:sp>
+      <p:sp>
+        <p:nvSpPr>
+          <p:cNvPr id="3" name="Notes Placeholder 2"/>
+          <p:cNvSpPr>
+            <a:spLocks noGrp="1"/>
+          </p:cNvSpPr>
+          <p:nvPr>
+            <p:ph type="body" idx="1"/>
+          </p:nvPr>
+        </p:nvSpPr>
+        <p:spPr/>
+        <p:txBody>
+          <a:bodyPr/>
+          <a:lstStyle/>
+          <a:p>
+            <a:pPr marL="0" marR="0" indent="0" algn="l" defTabSz="914400" rtl="0" eaLnBrk="1" fontAlgn="auto" latinLnBrk="0" hangingPunct="1">
+              <a:lnSpc>
+                <a:spcPct val="100000"/>
+              </a:lnSpc>
+              <a:spcBef>
+                <a:spcPts val="0"/>
+              </a:spcBef>
+              <a:spcAft>
+                <a:spcPts val="0"/>
+              </a:spcAft>
+              <a:buClrTx/>
+              <a:buSzTx/>
+              <a:buFontTx/>
+              <a:buNone/>
+              <a:tabLst/>
+              <a:defRPr/>
+            </a:pPr>
+            <a:r>
+              <a:rPr lang="en-US" dirty="0" err="1" smtClean="0"/>
+              <a:t>Cau</a:t>
+            </a:r>
+            <a:r>
+              <a:rPr lang="en-US" baseline="0" dirty="0" smtClean="0"/>
+              <a:t> </a:t>
+            </a:r>
+            <a:r>
+              <a:rPr lang="en-US" baseline="0" dirty="0" err="1" smtClean="0"/>
+              <a:t>truc</a:t>
+            </a:r>
+            <a:r>
+              <a:rPr lang="en-US" baseline="0" dirty="0" smtClean="0"/>
+              <a:t> he thong: </a:t>
+            </a:r>
+            <a:r>
+              <a:rPr lang="en-US" baseline="0" dirty="0" err="1" smtClean="0"/>
+              <a:t>gom</a:t>
+            </a:r>
+            <a:r>
+              <a:rPr lang="en-US" baseline="0" dirty="0" smtClean="0"/>
+              <a:t> 2 tang, tang client </a:t>
+            </a:r>
+            <a:r>
+              <a:rPr lang="en-US" baseline="0" dirty="0" err="1" smtClean="0"/>
+              <a:t>phia</a:t>
+            </a:r>
+            <a:r>
+              <a:rPr lang="en-US" baseline="0" dirty="0" smtClean="0"/>
+              <a:t> </a:t>
+            </a:r>
+            <a:r>
+              <a:rPr lang="en-US" baseline="0" dirty="0" err="1" smtClean="0"/>
+              <a:t>ng</a:t>
+            </a:r>
+            <a:r>
+              <a:rPr lang="en-US" baseline="0" dirty="0" smtClean="0"/>
+              <a:t>` </a:t>
+            </a:r>
+            <a:r>
+              <a:rPr lang="en-US" baseline="0" dirty="0" err="1" smtClean="0"/>
+              <a:t>su</a:t>
+            </a:r>
+            <a:r>
+              <a:rPr lang="en-US" baseline="0" dirty="0" smtClean="0"/>
+              <a:t> dung, </a:t>
+            </a:r>
+            <a:r>
+              <a:rPr lang="en-US" baseline="0" dirty="0" err="1" smtClean="0"/>
+              <a:t>va</a:t>
+            </a:r>
+            <a:r>
+              <a:rPr lang="en-US" baseline="0" dirty="0" smtClean="0"/>
+              <a:t> tang web server la he thong </a:t>
+            </a:r>
+            <a:r>
+              <a:rPr lang="en-US" baseline="0" dirty="0" err="1" smtClean="0"/>
+              <a:t>cua</a:t>
+            </a:r>
+            <a:r>
+              <a:rPr lang="en-US" baseline="0" dirty="0" smtClean="0"/>
+              <a:t> </a:t>
+            </a:r>
+            <a:r>
+              <a:rPr lang="en-US" baseline="0" dirty="0" err="1" smtClean="0"/>
+              <a:t>chung</a:t>
+            </a:r>
+            <a:r>
+              <a:rPr lang="en-US" baseline="0" dirty="0" smtClean="0"/>
+              <a:t> ta. </a:t>
+            </a:r>
+            <a:r>
+              <a:rPr lang="en-US" baseline="0" dirty="0" err="1" smtClean="0"/>
+              <a:t>nguoi</a:t>
+            </a:r>
+            <a:r>
+              <a:rPr lang="en-US" baseline="0" dirty="0" smtClean="0"/>
+              <a:t> </a:t>
+            </a:r>
+            <a:r>
+              <a:rPr lang="en-US" baseline="0" dirty="0" err="1" smtClean="0"/>
+              <a:t>su</a:t>
+            </a:r>
+            <a:r>
+              <a:rPr lang="en-US" baseline="0" dirty="0" smtClean="0"/>
+              <a:t> dung </a:t>
+            </a:r>
+            <a:r>
+              <a:rPr lang="en-US" baseline="0" dirty="0" err="1" smtClean="0"/>
+              <a:t>dung</a:t>
+            </a:r>
+            <a:r>
+              <a:rPr lang="en-US" baseline="0" dirty="0" smtClean="0"/>
+              <a:t> </a:t>
+            </a:r>
+            <a:r>
+              <a:rPr lang="en-US" baseline="0" dirty="0" err="1" smtClean="0"/>
+              <a:t>broswer</a:t>
+            </a:r>
+            <a:r>
+              <a:rPr lang="en-US" baseline="0" dirty="0" smtClean="0"/>
+              <a:t> de </a:t>
+            </a:r>
+            <a:r>
+              <a:rPr lang="en-US" baseline="0" dirty="0" err="1" smtClean="0"/>
+              <a:t>truy</a:t>
+            </a:r>
+            <a:r>
+              <a:rPr lang="en-US" baseline="0" dirty="0" smtClean="0"/>
+              <a:t> cap </a:t>
+            </a:r>
+            <a:r>
+              <a:rPr lang="en-US" baseline="0" dirty="0" err="1" smtClean="0"/>
+              <a:t>vao</a:t>
+            </a:r>
+            <a:r>
+              <a:rPr lang="en-US" baseline="0" dirty="0" smtClean="0"/>
+              <a:t> website he thong, thong qua </a:t>
+            </a:r>
+            <a:r>
+              <a:rPr lang="en-US" baseline="0" dirty="0" err="1" smtClean="0"/>
+              <a:t>giao</a:t>
+            </a:r>
+            <a:r>
+              <a:rPr lang="en-US" baseline="0" dirty="0" smtClean="0"/>
+              <a:t> </a:t>
+            </a:r>
+            <a:r>
+              <a:rPr lang="en-US" baseline="0" dirty="0" err="1" smtClean="0"/>
+              <a:t>thuc</a:t>
+            </a:r>
+            <a:r>
+              <a:rPr lang="en-US" baseline="0" dirty="0" smtClean="0"/>
+              <a:t> </a:t>
+            </a:r>
+            <a:r>
+              <a:rPr lang="en-US" baseline="0" dirty="0" smtClean="0"/>
+              <a:t>http. </a:t>
+            </a:r>
+            <a:endParaRPr lang="en-US" dirty="0" smtClean="0"/>
+          </a:p>
+          <a:p>
+            <a:r>
+              <a:rPr lang="en-US" baseline="0" dirty="0" err="1" smtClean="0"/>
+              <a:t>Mấy</a:t>
+            </a:r>
+            <a:r>
+              <a:rPr lang="en-US" baseline="0" dirty="0" smtClean="0"/>
+              <a:t> </a:t>
+            </a:r>
+            <a:r>
+              <a:rPr lang="en-US" baseline="0" dirty="0" err="1" smtClean="0"/>
+              <a:t>cái</a:t>
+            </a:r>
+            <a:r>
+              <a:rPr lang="en-US" baseline="0" dirty="0" smtClean="0"/>
+              <a:t> </a:t>
+            </a:r>
+            <a:r>
+              <a:rPr lang="en-US" baseline="0" dirty="0" err="1" smtClean="0"/>
+              <a:t>như</a:t>
+            </a:r>
+            <a:r>
+              <a:rPr lang="en-US" baseline="0" dirty="0" smtClean="0"/>
+              <a:t> </a:t>
+            </a:r>
+            <a:r>
+              <a:rPr lang="en-US" baseline="0" dirty="0" err="1" smtClean="0"/>
+              <a:t>iGiveTest</a:t>
+            </a:r>
+            <a:r>
+              <a:rPr lang="en-US" baseline="0" dirty="0" smtClean="0"/>
+              <a:t>, phpB3.0 </a:t>
+            </a:r>
+            <a:r>
+              <a:rPr lang="en-US" baseline="0" dirty="0" err="1" smtClean="0"/>
+              <a:t>dùng</a:t>
+            </a:r>
+            <a:r>
+              <a:rPr lang="en-US" baseline="0" dirty="0" smtClean="0"/>
+              <a:t> </a:t>
+            </a:r>
+            <a:r>
+              <a:rPr lang="en-US" baseline="0" dirty="0" err="1" smtClean="0"/>
+              <a:t>cái</a:t>
+            </a:r>
+            <a:r>
+              <a:rPr lang="en-US" baseline="0" dirty="0" smtClean="0"/>
+              <a:t> </a:t>
+            </a:r>
+            <a:r>
+              <a:rPr lang="en-US" baseline="0" dirty="0" err="1" smtClean="0"/>
+              <a:t>gì</a:t>
+            </a:r>
+            <a:r>
+              <a:rPr lang="en-US" baseline="0" dirty="0" smtClean="0"/>
+              <a:t> </a:t>
+            </a:r>
+            <a:r>
+              <a:rPr lang="en-US" baseline="0" dirty="0" err="1" smtClean="0"/>
+              <a:t>của</a:t>
+            </a:r>
+            <a:r>
+              <a:rPr lang="en-US" baseline="0" dirty="0" smtClean="0"/>
+              <a:t> </a:t>
+            </a:r>
+            <a:r>
+              <a:rPr lang="en-US" baseline="0" dirty="0" err="1" smtClean="0"/>
+              <a:t>nó</a:t>
+            </a:r>
+            <a:r>
+              <a:rPr lang="en-US" baseline="0" dirty="0" smtClean="0"/>
+              <a:t> </a:t>
+            </a:r>
+            <a:r>
+              <a:rPr lang="en-US" baseline="0" dirty="0" err="1" smtClean="0"/>
+              <a:t>thì</a:t>
+            </a:r>
+            <a:r>
+              <a:rPr lang="en-US" baseline="0" dirty="0" smtClean="0"/>
+              <a:t> </a:t>
+            </a:r>
+            <a:r>
+              <a:rPr lang="en-US" baseline="0" dirty="0" err="1" smtClean="0"/>
+              <a:t>ghi</a:t>
+            </a:r>
+            <a:r>
+              <a:rPr lang="en-US" baseline="0" dirty="0" smtClean="0"/>
+              <a:t> </a:t>
+            </a:r>
+            <a:r>
+              <a:rPr lang="en-US" baseline="0" dirty="0" err="1" smtClean="0"/>
+              <a:t>vào</a:t>
+            </a:r>
+            <a:endParaRPr lang="en-US" dirty="0"/>
+          </a:p>
+        </p:txBody>
+      </p:sp>
+      <p:sp>
+        <p:nvSpPr>
+          <p:cNvPr id="4" name="Slide Number Placeholder 3"/>
+          <p:cNvSpPr>
+            <a:spLocks noGrp="1"/>
+          </p:cNvSpPr>
+          <p:nvPr>
+            <p:ph type="sldNum" sz="quarter" idx="10"/>
+          </p:nvPr>
+        </p:nvSpPr>
+        <p:spPr/>
+        <p:txBody>
+          <a:bodyPr/>
+          <a:lstStyle/>
+          <a:p>
+            <a:fld id="{94349F02-7B7E-4405-841E-9FEA710E9D5A}" type="slidenum">
+              <a:rPr lang="en-US" smtClean="0"/>
+              <a:t>21</a:t>
+            </a:fld>
+            <a:endParaRPr lang="en-US"/>
+          </a:p>
+        </p:txBody>
+      </p:sp>
+    </p:spTree>
+    <p:extLst>
+      <p:ext uri="{BB962C8B-B14F-4D97-AF65-F5344CB8AC3E}">
+        <p14:creationId xmlns:p14="http://schemas.microsoft.com/office/powerpoint/2010/main" val="536148658"/>
+      </p:ext>
+    </p:extLst>
+  </p:cSld>
+  <p:clrMapOvr>
+    <a:masterClrMapping/>
+  </p:clrMapOvr>
+</p:notes>
+</file>
+
+<file path=ppt/notesSlides/notesSlide12.xml><?xml version="1.0" encoding="utf-8"?>
+<p:notes xmlns:a="http://schemas.openxmlformats.org/drawingml/2006/main" xmlns:r="http://schemas.openxmlformats.org/officeDocument/2006/relationships" xmlns:p="http://schemas.openxmlformats.org/presentationml/2006/main">
+  <p:cSld>
+    <p:spTree>
+      <p:nvGrpSpPr>
+        <p:cNvPr id="1" name=""/>
+        <p:cNvGrpSpPr/>
+        <p:nvPr/>
+      </p:nvGrpSpPr>
+      <p:grpSpPr>
+        <a:xfrm>
+          <a:off x="0" y="0"/>
+          <a:ext cx="0" cy="0"/>
+          <a:chOff x="0" y="0"/>
+          <a:chExt cx="0" cy="0"/>
+        </a:xfrm>
+      </p:grpSpPr>
+      <p:sp>
+        <p:nvSpPr>
+          <p:cNvPr id="2" name="Slide Image Placeholder 1"/>
+          <p:cNvSpPr>
+            <a:spLocks noGrp="1" noRot="1" noChangeAspect="1"/>
+          </p:cNvSpPr>
+          <p:nvPr>
+            <p:ph type="sldImg"/>
+          </p:nvPr>
+        </p:nvSpPr>
+        <p:spPr/>
+      </p:sp>
+      <p:sp>
+        <p:nvSpPr>
+          <p:cNvPr id="3" name="Notes Placeholder 2"/>
+          <p:cNvSpPr>
+            <a:spLocks noGrp="1"/>
+          </p:cNvSpPr>
+          <p:nvPr>
+            <p:ph type="body" idx="1"/>
+          </p:nvPr>
+        </p:nvSpPr>
+        <p:spPr/>
+        <p:txBody>
+          <a:bodyPr/>
+          <a:lstStyle/>
+          <a:p>
+            <a:r>
+              <a:rPr lang="en-US" dirty="0" err="1" smtClean="0"/>
+              <a:t>Cái</a:t>
+            </a:r>
+            <a:r>
+              <a:rPr lang="en-US" baseline="0" dirty="0" smtClean="0"/>
+              <a:t> slide </a:t>
+            </a:r>
+            <a:r>
+              <a:rPr lang="en-US" baseline="0" dirty="0" err="1" smtClean="0"/>
+              <a:t>này</a:t>
+            </a:r>
+            <a:r>
+              <a:rPr lang="en-US" baseline="0" dirty="0" smtClean="0"/>
+              <a:t> </a:t>
+            </a:r>
+            <a:r>
+              <a:rPr lang="en-US" baseline="0" dirty="0" err="1" smtClean="0"/>
+              <a:t>bảng</a:t>
+            </a:r>
+            <a:r>
+              <a:rPr lang="en-US" baseline="0" dirty="0" smtClean="0"/>
+              <a:t> </a:t>
+            </a:r>
+            <a:r>
+              <a:rPr lang="en-US" baseline="0" dirty="0" err="1" smtClean="0"/>
+              <a:t>nào</a:t>
+            </a:r>
+            <a:r>
+              <a:rPr lang="en-US" baseline="0" dirty="0" smtClean="0"/>
+              <a:t> </a:t>
+            </a:r>
+            <a:r>
+              <a:rPr lang="en-US" baseline="0" dirty="0" err="1" smtClean="0"/>
+              <a:t>là</a:t>
+            </a:r>
+            <a:r>
+              <a:rPr lang="en-US" baseline="0" dirty="0" smtClean="0"/>
+              <a:t> </a:t>
+            </a:r>
+            <a:r>
+              <a:rPr lang="en-US" baseline="0" dirty="0" err="1" smtClean="0"/>
+              <a:t>bảnh</a:t>
+            </a:r>
+            <a:r>
+              <a:rPr lang="en-US" baseline="0" dirty="0" smtClean="0"/>
+              <a:t> </a:t>
+            </a:r>
+            <a:r>
+              <a:rPr lang="en-US" baseline="0" dirty="0" err="1" smtClean="0"/>
+              <a:t>chính</a:t>
+            </a:r>
+            <a:r>
+              <a:rPr lang="en-US" baseline="0" dirty="0" smtClean="0"/>
+              <a:t> </a:t>
+            </a:r>
+            <a:r>
+              <a:rPr lang="en-US" baseline="0" dirty="0" err="1" smtClean="0"/>
+              <a:t>thì</a:t>
+            </a:r>
+            <a:r>
+              <a:rPr lang="en-US" baseline="0" dirty="0" smtClean="0"/>
+              <a:t> </a:t>
+            </a:r>
+            <a:r>
+              <a:rPr lang="en-US" baseline="0" dirty="0" err="1" smtClean="0"/>
+              <a:t>bôi</a:t>
+            </a:r>
+            <a:r>
+              <a:rPr lang="en-US" baseline="0" dirty="0" smtClean="0"/>
+              <a:t> </a:t>
+            </a:r>
+            <a:r>
+              <a:rPr lang="en-US" baseline="0" dirty="0" err="1" smtClean="0"/>
+              <a:t>màu</a:t>
+            </a:r>
+            <a:r>
+              <a:rPr lang="en-US" baseline="0" dirty="0" smtClean="0"/>
+              <a:t> </a:t>
+            </a:r>
+            <a:r>
+              <a:rPr lang="en-US" baseline="0" dirty="0" err="1" smtClean="0"/>
+              <a:t>quanh</a:t>
+            </a:r>
+            <a:r>
+              <a:rPr lang="en-US" baseline="0" dirty="0" smtClean="0"/>
+              <a:t> </a:t>
+            </a:r>
+            <a:r>
+              <a:rPr lang="en-US" baseline="0" dirty="0" err="1" smtClean="0"/>
+              <a:t>bảng</a:t>
+            </a:r>
+            <a:r>
+              <a:rPr lang="en-US" baseline="0" dirty="0" smtClean="0"/>
+              <a:t> </a:t>
+            </a:r>
+            <a:r>
+              <a:rPr lang="en-US" baseline="0" dirty="0" err="1" smtClean="0"/>
+              <a:t>đó</a:t>
+            </a:r>
+            <a:r>
+              <a:rPr lang="en-US" baseline="0" dirty="0" smtClean="0"/>
+              <a:t> </a:t>
+            </a:r>
+            <a:r>
+              <a:rPr lang="en-US" baseline="0" dirty="0" err="1" smtClean="0"/>
+              <a:t>đi</a:t>
+            </a:r>
+            <a:r>
+              <a:rPr lang="en-US" baseline="0" dirty="0" smtClean="0"/>
+              <a:t> </a:t>
+            </a:r>
+            <a:r>
+              <a:rPr lang="en-US" baseline="0" dirty="0" err="1" smtClean="0"/>
+              <a:t>cho</a:t>
+            </a:r>
+            <a:r>
+              <a:rPr lang="en-US" baseline="0" dirty="0" smtClean="0"/>
+              <a:t> </a:t>
+            </a:r>
+            <a:r>
+              <a:rPr lang="en-US" baseline="0" dirty="0" err="1" smtClean="0"/>
+              <a:t>dễ</a:t>
+            </a:r>
+            <a:r>
+              <a:rPr lang="en-US" baseline="0" dirty="0" smtClean="0"/>
+              <a:t> </a:t>
+            </a:r>
+            <a:r>
+              <a:rPr lang="en-US" baseline="0" dirty="0" err="1" smtClean="0"/>
+              <a:t>nhìn</a:t>
+            </a:r>
+            <a:r>
+              <a:rPr lang="en-US" baseline="0" dirty="0" smtClean="0"/>
+              <a:t>, </a:t>
+            </a:r>
+            <a:r>
+              <a:rPr lang="en-US" baseline="0" dirty="0" err="1" smtClean="0"/>
+              <a:t>cả</a:t>
+            </a:r>
+            <a:r>
+              <a:rPr lang="en-US" baseline="0" dirty="0" smtClean="0"/>
+              <a:t> </a:t>
+            </a:r>
+            <a:r>
+              <a:rPr lang="en-US" baseline="0" dirty="0" err="1" smtClean="0"/>
+              <a:t>cái</a:t>
+            </a:r>
+            <a:r>
+              <a:rPr lang="en-US" baseline="0" dirty="0" smtClean="0"/>
+              <a:t> file class diagram </a:t>
+            </a:r>
+            <a:r>
+              <a:rPr lang="en-US" baseline="0" dirty="0" err="1" smtClean="0"/>
+              <a:t>bên</a:t>
+            </a:r>
+            <a:r>
+              <a:rPr lang="en-US" baseline="0" dirty="0" smtClean="0"/>
+              <a:t> </a:t>
+            </a:r>
+            <a:r>
+              <a:rPr lang="en-US" baseline="0" dirty="0" err="1" smtClean="0"/>
+              <a:t>ngoài</a:t>
+            </a:r>
+            <a:r>
+              <a:rPr lang="en-US" baseline="0" dirty="0" smtClean="0"/>
+              <a:t> </a:t>
+            </a:r>
+            <a:r>
+              <a:rPr lang="en-US" baseline="0" dirty="0" err="1" smtClean="0"/>
+              <a:t>nữa</a:t>
+            </a:r>
+            <a:r>
+              <a:rPr lang="en-US" baseline="0" dirty="0" smtClean="0"/>
+              <a:t>. </a:t>
+            </a:r>
+            <a:r>
+              <a:rPr lang="en-US" baseline="0" dirty="0" err="1" smtClean="0"/>
+              <a:t>Bôi</a:t>
+            </a:r>
+            <a:r>
+              <a:rPr lang="en-US" baseline="0" dirty="0" smtClean="0"/>
+              <a:t> </a:t>
+            </a:r>
+            <a:r>
+              <a:rPr lang="en-US" baseline="0" dirty="0" err="1" smtClean="0"/>
+              <a:t>màu</a:t>
+            </a:r>
+            <a:r>
+              <a:rPr lang="en-US" baseline="0" dirty="0" smtClean="0"/>
+              <a:t> </a:t>
+            </a:r>
+            <a:r>
+              <a:rPr lang="en-US" baseline="0" dirty="0" err="1" smtClean="0"/>
+              <a:t>rõ</a:t>
+            </a:r>
+            <a:r>
+              <a:rPr lang="en-US" baseline="0" dirty="0" smtClean="0"/>
+              <a:t> </a:t>
+            </a:r>
+            <a:r>
+              <a:rPr lang="en-US" baseline="0" dirty="0" err="1" smtClean="0"/>
+              <a:t>bảng</a:t>
+            </a:r>
+            <a:r>
+              <a:rPr lang="en-US" baseline="0" dirty="0" smtClean="0"/>
+              <a:t> </a:t>
+            </a:r>
+            <a:r>
+              <a:rPr lang="en-US" baseline="0" dirty="0" err="1" smtClean="0"/>
+              <a:t>chính</a:t>
+            </a:r>
+            <a:r>
+              <a:rPr lang="en-US" baseline="0" dirty="0" smtClean="0"/>
+              <a:t> </a:t>
+            </a:r>
+            <a:r>
+              <a:rPr lang="en-US" baseline="0" dirty="0" err="1" smtClean="0"/>
+              <a:t>và</a:t>
+            </a:r>
+            <a:r>
+              <a:rPr lang="en-US" baseline="0" dirty="0" smtClean="0"/>
+              <a:t> </a:t>
+            </a:r>
+            <a:r>
+              <a:rPr lang="en-US" baseline="0" dirty="0" err="1" smtClean="0"/>
+              <a:t>khi</a:t>
+            </a:r>
+            <a:r>
+              <a:rPr lang="en-US" baseline="0" dirty="0" smtClean="0"/>
+              <a:t> </a:t>
+            </a:r>
+            <a:r>
+              <a:rPr lang="en-US" baseline="0" dirty="0" err="1" smtClean="0"/>
+              <a:t>nói</a:t>
+            </a:r>
+            <a:r>
+              <a:rPr lang="en-US" baseline="0" dirty="0" smtClean="0"/>
+              <a:t> </a:t>
+            </a:r>
+            <a:r>
+              <a:rPr lang="en-US" baseline="0" dirty="0" err="1" smtClean="0"/>
+              <a:t>thì</a:t>
+            </a:r>
+            <a:r>
+              <a:rPr lang="en-US" baseline="0" dirty="0" smtClean="0"/>
+              <a:t> </a:t>
+            </a:r>
+            <a:r>
+              <a:rPr lang="en-US" baseline="0" dirty="0" err="1" smtClean="0"/>
+              <a:t>giải</a:t>
+            </a:r>
+            <a:r>
+              <a:rPr lang="en-US" baseline="0" dirty="0" smtClean="0"/>
+              <a:t> </a:t>
+            </a:r>
+            <a:r>
+              <a:rPr lang="en-US" baseline="0" dirty="0" err="1" smtClean="0"/>
+              <a:t>thích</a:t>
+            </a:r>
+            <a:r>
+              <a:rPr lang="en-US" baseline="0" dirty="0" smtClean="0"/>
+              <a:t> </a:t>
+            </a:r>
+            <a:r>
+              <a:rPr lang="en-US" baseline="0" dirty="0" err="1" smtClean="0"/>
+              <a:t>rõ</a:t>
+            </a:r>
+            <a:r>
+              <a:rPr lang="en-US" baseline="0" dirty="0" smtClean="0"/>
+              <a:t> </a:t>
+            </a:r>
+            <a:r>
+              <a:rPr lang="en-US" baseline="0" dirty="0" err="1" smtClean="0"/>
+              <a:t>quan</a:t>
+            </a:r>
+            <a:r>
+              <a:rPr lang="en-US" baseline="0" dirty="0" smtClean="0"/>
+              <a:t> </a:t>
+            </a:r>
+            <a:r>
+              <a:rPr lang="en-US" baseline="0" dirty="0" err="1" smtClean="0"/>
+              <a:t>hệ</a:t>
+            </a:r>
+            <a:r>
+              <a:rPr lang="en-US" baseline="0" dirty="0" smtClean="0"/>
+              <a:t> </a:t>
+            </a:r>
+            <a:r>
+              <a:rPr lang="en-US" baseline="0" dirty="0" err="1" smtClean="0"/>
+              <a:t>của</a:t>
+            </a:r>
+            <a:r>
+              <a:rPr lang="en-US" baseline="0" dirty="0" smtClean="0"/>
+              <a:t> </a:t>
+            </a:r>
+            <a:r>
+              <a:rPr lang="en-US" baseline="0" dirty="0" err="1" smtClean="0"/>
+              <a:t>bảng</a:t>
+            </a:r>
+            <a:r>
+              <a:rPr lang="en-US" baseline="0" dirty="0" smtClean="0"/>
+              <a:t> </a:t>
+            </a:r>
+            <a:r>
+              <a:rPr lang="en-US" baseline="0" dirty="0" err="1" smtClean="0"/>
+              <a:t>chính</a:t>
+            </a:r>
+            <a:r>
+              <a:rPr lang="en-US" baseline="0" dirty="0" smtClean="0"/>
+              <a:t> </a:t>
+            </a:r>
+            <a:r>
+              <a:rPr lang="en-US" baseline="0" dirty="0" err="1" smtClean="0"/>
+              <a:t>và</a:t>
+            </a:r>
+            <a:r>
+              <a:rPr lang="en-US" baseline="0" dirty="0" smtClean="0"/>
+              <a:t> </a:t>
+            </a:r>
+            <a:r>
+              <a:rPr lang="en-US" baseline="0" dirty="0" err="1" smtClean="0"/>
+              <a:t>các</a:t>
+            </a:r>
+            <a:r>
+              <a:rPr lang="en-US" baseline="0" dirty="0" smtClean="0"/>
+              <a:t> </a:t>
+            </a:r>
+            <a:r>
+              <a:rPr lang="en-US" baseline="0" dirty="0" err="1" smtClean="0"/>
+              <a:t>bảng</a:t>
+            </a:r>
+            <a:r>
+              <a:rPr lang="en-US" baseline="0" dirty="0" smtClean="0"/>
+              <a:t> </a:t>
+            </a:r>
+            <a:r>
+              <a:rPr lang="en-US" baseline="0" dirty="0" err="1" smtClean="0"/>
+              <a:t>khác</a:t>
+            </a:r>
+            <a:r>
+              <a:rPr lang="en-US" baseline="0" dirty="0" smtClean="0"/>
+              <a:t>. </a:t>
+            </a:r>
+            <a:r>
+              <a:rPr lang="en-US" baseline="0" dirty="0" err="1" smtClean="0"/>
+              <a:t>Bảng</a:t>
+            </a:r>
+            <a:r>
+              <a:rPr lang="en-US" baseline="0" dirty="0" smtClean="0"/>
+              <a:t> </a:t>
+            </a:r>
+            <a:r>
+              <a:rPr lang="en-US" baseline="0" dirty="0" err="1" smtClean="0"/>
+              <a:t>chính</a:t>
+            </a:r>
+            <a:r>
+              <a:rPr lang="en-US" baseline="0" dirty="0" smtClean="0"/>
+              <a:t> ở </a:t>
+            </a:r>
+            <a:r>
+              <a:rPr lang="en-US" baseline="0" dirty="0" err="1" smtClean="0"/>
+              <a:t>đây</a:t>
+            </a:r>
+            <a:r>
+              <a:rPr lang="en-US" baseline="0" dirty="0" smtClean="0"/>
+              <a:t> </a:t>
+            </a:r>
+            <a:r>
+              <a:rPr lang="en-US" baseline="0" dirty="0" err="1" smtClean="0"/>
+              <a:t>mày</a:t>
+            </a:r>
+            <a:r>
+              <a:rPr lang="en-US" baseline="0" dirty="0" smtClean="0"/>
+              <a:t> </a:t>
+            </a:r>
+            <a:r>
+              <a:rPr lang="en-US" baseline="0" dirty="0" err="1" smtClean="0"/>
+              <a:t>làm</a:t>
+            </a:r>
+            <a:r>
+              <a:rPr lang="en-US" baseline="0" dirty="0" smtClean="0"/>
+              <a:t> </a:t>
+            </a:r>
+            <a:r>
+              <a:rPr lang="en-US" baseline="0" dirty="0" err="1" smtClean="0"/>
+              <a:t>cho</a:t>
+            </a:r>
+            <a:r>
+              <a:rPr lang="en-US" baseline="0" dirty="0" smtClean="0"/>
+              <a:t> </a:t>
+            </a:r>
+            <a:r>
+              <a:rPr lang="en-US" baseline="0" dirty="0" err="1" smtClean="0"/>
+              <a:t>tao</a:t>
+            </a:r>
+            <a:r>
+              <a:rPr lang="en-US" baseline="0" dirty="0" smtClean="0"/>
+              <a:t> 2 </a:t>
+            </a:r>
+            <a:r>
+              <a:rPr lang="en-US" baseline="0" dirty="0" err="1" smtClean="0"/>
+              <a:t>bảng</a:t>
+            </a:r>
+            <a:r>
+              <a:rPr lang="en-US" baseline="0" dirty="0" smtClean="0"/>
+              <a:t> </a:t>
+            </a:r>
+            <a:r>
+              <a:rPr lang="en-US" baseline="0" dirty="0" err="1" smtClean="0"/>
+              <a:t>là</a:t>
+            </a:r>
+            <a:r>
+              <a:rPr lang="en-US" baseline="0" dirty="0" smtClean="0"/>
+              <a:t> question </a:t>
+            </a:r>
+            <a:r>
+              <a:rPr lang="en-US" baseline="0" dirty="0" err="1" smtClean="0"/>
+              <a:t>và</a:t>
+            </a:r>
+            <a:r>
+              <a:rPr lang="en-US" baseline="0" dirty="0" smtClean="0"/>
+              <a:t> answer. 2 </a:t>
+            </a:r>
+            <a:r>
+              <a:rPr lang="en-US" baseline="0" dirty="0" err="1" smtClean="0"/>
+              <a:t>bảng</a:t>
+            </a:r>
+            <a:r>
+              <a:rPr lang="en-US" baseline="0" dirty="0" smtClean="0"/>
+              <a:t> </a:t>
+            </a:r>
+            <a:r>
+              <a:rPr lang="en-US" baseline="0" dirty="0" err="1" smtClean="0"/>
+              <a:t>đấy</a:t>
+            </a:r>
+            <a:r>
+              <a:rPr lang="en-US" baseline="0" dirty="0" smtClean="0"/>
+              <a:t> </a:t>
+            </a:r>
+            <a:r>
+              <a:rPr lang="en-US" baseline="0" dirty="0" err="1" smtClean="0"/>
+              <a:t>dễ</a:t>
+            </a:r>
+            <a:r>
+              <a:rPr lang="en-US" baseline="0" dirty="0" smtClean="0"/>
+              <a:t> </a:t>
+            </a:r>
+            <a:r>
+              <a:rPr lang="en-US" baseline="0" dirty="0" err="1" smtClean="0"/>
+              <a:t>nói</a:t>
+            </a:r>
+            <a:r>
+              <a:rPr lang="en-US" baseline="0" dirty="0" smtClean="0"/>
+              <a:t> </a:t>
+            </a:r>
+            <a:r>
+              <a:rPr lang="en-US" baseline="0" dirty="0" err="1" smtClean="0"/>
+              <a:t>nhất</a:t>
+            </a:r>
+            <a:r>
+              <a:rPr lang="en-US" baseline="0" dirty="0" smtClean="0"/>
+              <a:t> </a:t>
+            </a:r>
+            <a:r>
+              <a:rPr lang="en-US" baseline="0" dirty="0" err="1" smtClean="0"/>
+              <a:t>mà</a:t>
+            </a:r>
+            <a:r>
+              <a:rPr lang="en-US" baseline="0" dirty="0" smtClean="0"/>
+              <a:t> </a:t>
+            </a:r>
+            <a:r>
+              <a:rPr lang="en-US" baseline="0" dirty="0" err="1" smtClean="0"/>
+              <a:t>mình</a:t>
+            </a:r>
+            <a:r>
+              <a:rPr lang="en-US" baseline="0" dirty="0" smtClean="0"/>
+              <a:t> code </a:t>
+            </a:r>
+            <a:r>
+              <a:rPr lang="en-US" baseline="0" dirty="0" err="1" smtClean="0"/>
+              <a:t>cũng</a:t>
+            </a:r>
+            <a:r>
+              <a:rPr lang="en-US" baseline="0" dirty="0" smtClean="0"/>
+              <a:t> </a:t>
+            </a:r>
+            <a:r>
+              <a:rPr lang="en-US" baseline="0" dirty="0" err="1" smtClean="0"/>
+              <a:t>xoáy</a:t>
+            </a:r>
+            <a:r>
+              <a:rPr lang="en-US" baseline="0" dirty="0" smtClean="0"/>
+              <a:t> </a:t>
+            </a:r>
+            <a:r>
+              <a:rPr lang="en-US" baseline="0" dirty="0" err="1" smtClean="0"/>
+              <a:t>vào</a:t>
+            </a:r>
+            <a:r>
+              <a:rPr lang="en-US" baseline="0" dirty="0" smtClean="0"/>
+              <a:t> 2 </a:t>
+            </a:r>
+            <a:r>
+              <a:rPr lang="en-US" baseline="0" dirty="0" err="1" smtClean="0"/>
+              <a:t>bảng</a:t>
+            </a:r>
+            <a:r>
+              <a:rPr lang="en-US" baseline="0" dirty="0" smtClean="0"/>
+              <a:t> </a:t>
+            </a:r>
+            <a:r>
+              <a:rPr lang="en-US" baseline="0" dirty="0" err="1" smtClean="0"/>
+              <a:t>đấy</a:t>
+            </a:r>
+            <a:r>
+              <a:rPr lang="en-US" baseline="0" dirty="0" smtClean="0"/>
+              <a:t> </a:t>
+            </a:r>
+            <a:r>
+              <a:rPr lang="en-US" baseline="0" dirty="0" err="1" smtClean="0"/>
+              <a:t>thôi</a:t>
+            </a:r>
+            <a:r>
+              <a:rPr lang="en-US" baseline="0" dirty="0" smtClean="0"/>
+              <a:t>. </a:t>
+            </a:r>
+            <a:r>
+              <a:rPr lang="en-US" baseline="0" dirty="0" err="1" smtClean="0"/>
+              <a:t>Bôi</a:t>
+            </a:r>
+            <a:r>
+              <a:rPr lang="en-US" baseline="0" dirty="0" smtClean="0"/>
+              <a:t> </a:t>
+            </a:r>
+            <a:r>
+              <a:rPr lang="en-US" baseline="0" dirty="0" err="1" smtClean="0"/>
+              <a:t>màu</a:t>
+            </a:r>
+            <a:r>
+              <a:rPr lang="en-US" baseline="0" dirty="0" smtClean="0"/>
+              <a:t> </a:t>
+            </a:r>
+            <a:r>
+              <a:rPr lang="en-US" baseline="0" dirty="0" err="1" smtClean="0"/>
+              <a:t>xanh</a:t>
+            </a:r>
+            <a:r>
+              <a:rPr lang="en-US" baseline="0" dirty="0" smtClean="0"/>
+              <a:t> </a:t>
+            </a:r>
+            <a:r>
+              <a:rPr lang="en-US" baseline="0" dirty="0" err="1" smtClean="0"/>
+              <a:t>đỏ</a:t>
+            </a:r>
+            <a:r>
+              <a:rPr lang="en-US" baseline="0" dirty="0" smtClean="0"/>
+              <a:t> </a:t>
+            </a:r>
+            <a:r>
+              <a:rPr lang="en-US" baseline="0" dirty="0" err="1" smtClean="0"/>
+              <a:t>tím</a:t>
+            </a:r>
+            <a:r>
+              <a:rPr lang="en-US" baseline="0" dirty="0" smtClean="0"/>
+              <a:t> </a:t>
+            </a:r>
+            <a:r>
+              <a:rPr lang="en-US" baseline="0" dirty="0" err="1" smtClean="0"/>
+              <a:t>vàng</a:t>
+            </a:r>
+            <a:r>
+              <a:rPr lang="en-US" baseline="0" dirty="0" smtClean="0"/>
+              <a:t> </a:t>
+            </a:r>
+            <a:r>
+              <a:rPr lang="en-US" baseline="0" dirty="0" err="1" smtClean="0"/>
+              <a:t>gì</a:t>
+            </a:r>
+            <a:r>
+              <a:rPr lang="en-US" baseline="0" dirty="0" smtClean="0"/>
+              <a:t> </a:t>
+            </a:r>
+            <a:r>
+              <a:rPr lang="en-US" baseline="0" dirty="0" err="1" smtClean="0"/>
+              <a:t>gì</a:t>
+            </a:r>
+            <a:r>
+              <a:rPr lang="en-US" baseline="0" dirty="0" smtClean="0"/>
+              <a:t> </a:t>
+            </a:r>
+            <a:r>
+              <a:rPr lang="en-US" baseline="0" dirty="0" err="1" smtClean="0"/>
+              <a:t>đấy</a:t>
+            </a:r>
+            <a:r>
+              <a:rPr lang="en-US" baseline="0" dirty="0" smtClean="0"/>
+              <a:t> </a:t>
+            </a:r>
+            <a:r>
+              <a:rPr lang="en-US" baseline="0" dirty="0" err="1" smtClean="0"/>
+              <a:t>quanh</a:t>
+            </a:r>
+            <a:r>
+              <a:rPr lang="en-US" baseline="0" dirty="0" smtClean="0"/>
+              <a:t> </a:t>
+            </a:r>
+            <a:r>
+              <a:rPr lang="en-US" baseline="0" dirty="0" err="1" smtClean="0"/>
+              <a:t>cái</a:t>
+            </a:r>
+            <a:r>
+              <a:rPr lang="en-US" baseline="0" dirty="0" smtClean="0"/>
+              <a:t> </a:t>
+            </a:r>
+            <a:r>
+              <a:rPr lang="en-US" baseline="0" dirty="0" err="1" smtClean="0"/>
+              <a:t>bảng</a:t>
+            </a:r>
+            <a:r>
+              <a:rPr lang="en-US" baseline="0" dirty="0" smtClean="0"/>
+              <a:t> </a:t>
+            </a:r>
+            <a:r>
+              <a:rPr lang="en-US" baseline="0" dirty="0" err="1" smtClean="0"/>
+              <a:t>chính</a:t>
+            </a:r>
+            <a:r>
+              <a:rPr lang="en-US" baseline="0" dirty="0" smtClean="0"/>
+              <a:t> </a:t>
+            </a:r>
+            <a:r>
+              <a:rPr lang="en-US" baseline="0" dirty="0" err="1" smtClean="0"/>
+              <a:t>cho</a:t>
+            </a:r>
+            <a:r>
+              <a:rPr lang="en-US" baseline="0" dirty="0" smtClean="0"/>
+              <a:t> </a:t>
+            </a:r>
+            <a:r>
+              <a:rPr lang="en-US" baseline="0" dirty="0" err="1" smtClean="0"/>
+              <a:t>nó</a:t>
+            </a:r>
+            <a:r>
+              <a:rPr lang="en-US" baseline="0" dirty="0" smtClean="0"/>
+              <a:t> </a:t>
+            </a:r>
+            <a:r>
+              <a:rPr lang="en-US" baseline="0" dirty="0" err="1" smtClean="0"/>
+              <a:t>nổi</a:t>
+            </a:r>
+            <a:r>
+              <a:rPr lang="en-US" baseline="0" dirty="0" smtClean="0"/>
+              <a:t> </a:t>
+            </a:r>
+            <a:r>
+              <a:rPr lang="en-US" baseline="0" dirty="0" err="1" smtClean="0"/>
+              <a:t>bật</a:t>
+            </a:r>
+            <a:r>
+              <a:rPr lang="en-US" baseline="0" dirty="0" smtClean="0"/>
+              <a:t> </a:t>
+            </a:r>
+            <a:r>
+              <a:rPr lang="en-US" baseline="0" dirty="0" err="1" smtClean="0"/>
+              <a:t>lên</a:t>
+            </a:r>
+            <a:endParaRPr lang="en-US" dirty="0"/>
+          </a:p>
+        </p:txBody>
+      </p:sp>
+      <p:sp>
+        <p:nvSpPr>
+          <p:cNvPr id="4" name="Slide Number Placeholder 3"/>
+          <p:cNvSpPr>
+            <a:spLocks noGrp="1"/>
+          </p:cNvSpPr>
+          <p:nvPr>
+            <p:ph type="sldNum" sz="quarter" idx="10"/>
+          </p:nvPr>
+        </p:nvSpPr>
+        <p:spPr/>
+        <p:txBody>
+          <a:bodyPr/>
+          <a:lstStyle/>
+          <a:p>
+            <a:fld id="{94349F02-7B7E-4405-841E-9FEA710E9D5A}" type="slidenum">
+              <a:rPr lang="en-US" smtClean="0"/>
+              <a:t>23</a:t>
+            </a:fld>
+            <a:endParaRPr lang="en-US"/>
+          </a:p>
+        </p:txBody>
+      </p:sp>
+    </p:spTree>
+    <p:extLst>
+      <p:ext uri="{BB962C8B-B14F-4D97-AF65-F5344CB8AC3E}">
+        <p14:creationId xmlns:p14="http://schemas.microsoft.com/office/powerpoint/2010/main" val="4240182568"/>
+      </p:ext>
+    </p:extLst>
+  </p:cSld>
+  <p:clrMapOvr>
+    <a:masterClrMapping/>
+  </p:clrMapOvr>
+</p:notes>
+</file>
+
+<file path=ppt/notesSlides/notesSlide13.xml><?xml version="1.0" encoding="utf-8"?>
+<p:notes xmlns:a="http://schemas.openxmlformats.org/drawingml/2006/main" xmlns:r="http://schemas.openxmlformats.org/officeDocument/2006/relationships" xmlns:p="http://schemas.openxmlformats.org/presentationml/2006/main">
+  <p:cSld>
+    <p:spTree>
+      <p:nvGrpSpPr>
+        <p:cNvPr id="1" name=""/>
+        <p:cNvGrpSpPr/>
+        <p:nvPr/>
+      </p:nvGrpSpPr>
+      <p:grpSpPr>
+        <a:xfrm>
+          <a:off x="0" y="0"/>
+          <a:ext cx="0" cy="0"/>
+          <a:chOff x="0" y="0"/>
+          <a:chExt cx="0" cy="0"/>
+        </a:xfrm>
+      </p:grpSpPr>
+      <p:sp>
+        <p:nvSpPr>
+          <p:cNvPr id="2" name="Slide Image Placeholder 1"/>
+          <p:cNvSpPr>
+            <a:spLocks noGrp="1" noRot="1" noChangeAspect="1"/>
+          </p:cNvSpPr>
+          <p:nvPr>
+            <p:ph type="sldImg"/>
+          </p:nvPr>
+        </p:nvSpPr>
+        <p:spPr/>
+      </p:sp>
+      <p:sp>
+        <p:nvSpPr>
+          <p:cNvPr id="3" name="Notes Placeholder 2"/>
+          <p:cNvSpPr>
+            <a:spLocks noGrp="1"/>
+          </p:cNvSpPr>
+          <p:nvPr>
+            <p:ph type="body" idx="1"/>
+          </p:nvPr>
+        </p:nvSpPr>
+        <p:spPr/>
+        <p:txBody>
+          <a:bodyPr/>
+          <a:lstStyle/>
+          <a:p>
+            <a:r>
+              <a:rPr lang="en-US" dirty="0" err="1" smtClean="0"/>
+              <a:t>Cả</a:t>
+            </a:r>
+            <a:r>
+              <a:rPr lang="en-US" baseline="0" dirty="0" smtClean="0"/>
+              <a:t> </a:t>
+            </a:r>
+            <a:r>
+              <a:rPr lang="en-US" baseline="0" dirty="0" err="1" smtClean="0"/>
+              <a:t>cái</a:t>
+            </a:r>
+            <a:r>
+              <a:rPr lang="en-US" baseline="0" dirty="0" smtClean="0"/>
+              <a:t> </a:t>
+            </a:r>
+            <a:r>
+              <a:rPr lang="en-US" baseline="0" dirty="0" err="1" smtClean="0"/>
+              <a:t>phần</a:t>
+            </a:r>
+            <a:r>
+              <a:rPr lang="en-US" baseline="0" dirty="0" smtClean="0"/>
+              <a:t> test </a:t>
+            </a:r>
+            <a:r>
+              <a:rPr lang="en-US" baseline="0" dirty="0" err="1" smtClean="0"/>
+              <a:t>viết</a:t>
+            </a:r>
+            <a:r>
+              <a:rPr lang="en-US" baseline="0" dirty="0" smtClean="0"/>
+              <a:t> </a:t>
+            </a:r>
+            <a:r>
+              <a:rPr lang="en-US" baseline="0" dirty="0" err="1" smtClean="0"/>
+              <a:t>lại</a:t>
+            </a:r>
+            <a:r>
+              <a:rPr lang="en-US" baseline="0" dirty="0" smtClean="0"/>
+              <a:t> </a:t>
+            </a:r>
+            <a:r>
+              <a:rPr lang="en-US" baseline="0" dirty="0" err="1" smtClean="0"/>
+              <a:t>hết</a:t>
+            </a:r>
+            <a:r>
+              <a:rPr lang="en-US" baseline="0" dirty="0" smtClean="0"/>
+              <a:t> </a:t>
+            </a:r>
+            <a:r>
+              <a:rPr lang="en-US" baseline="0" dirty="0" err="1" smtClean="0"/>
+              <a:t>cho</a:t>
+            </a:r>
+            <a:r>
+              <a:rPr lang="en-US" baseline="0" dirty="0" smtClean="0"/>
+              <a:t> </a:t>
+            </a:r>
+            <a:r>
+              <a:rPr lang="en-US" baseline="0" dirty="0" err="1" smtClean="0"/>
+              <a:t>tao</a:t>
+            </a:r>
+            <a:r>
+              <a:rPr lang="en-US" baseline="0" dirty="0" smtClean="0"/>
+              <a:t>. </a:t>
+            </a:r>
+            <a:r>
+              <a:rPr lang="en-US" baseline="0" dirty="0" err="1" smtClean="0"/>
+              <a:t>Thằng</a:t>
+            </a:r>
+            <a:r>
+              <a:rPr lang="en-US" baseline="0" dirty="0" smtClean="0"/>
+              <a:t> </a:t>
+            </a:r>
+            <a:r>
+              <a:rPr lang="en-US" baseline="0" dirty="0" err="1" smtClean="0"/>
+              <a:t>Hưng</a:t>
+            </a:r>
+            <a:r>
+              <a:rPr lang="en-US" baseline="0" dirty="0" smtClean="0"/>
+              <a:t> </a:t>
+            </a:r>
+            <a:r>
+              <a:rPr lang="en-US" baseline="0" dirty="0" err="1" smtClean="0"/>
+              <a:t>toàn</a:t>
+            </a:r>
+            <a:r>
+              <a:rPr lang="en-US" baseline="0" dirty="0" smtClean="0"/>
+              <a:t> </a:t>
+            </a:r>
+            <a:r>
+              <a:rPr lang="en-US" baseline="0" dirty="0" err="1" smtClean="0"/>
+              <a:t>viết</a:t>
+            </a:r>
+            <a:r>
+              <a:rPr lang="en-US" baseline="0" dirty="0" smtClean="0"/>
+              <a:t> </a:t>
+            </a:r>
+            <a:r>
+              <a:rPr lang="en-US" baseline="0" dirty="0" err="1" smtClean="0"/>
+              <a:t>nhố</a:t>
+            </a:r>
+            <a:r>
+              <a:rPr lang="en-US" baseline="0" dirty="0" smtClean="0"/>
+              <a:t> </a:t>
+            </a:r>
+            <a:r>
+              <a:rPr lang="en-US" baseline="0" dirty="0" err="1" smtClean="0"/>
+              <a:t>nhăng</a:t>
+            </a:r>
+            <a:r>
+              <a:rPr lang="en-US" baseline="0" dirty="0" smtClean="0"/>
+              <a:t>.</a:t>
+            </a:r>
+          </a:p>
+          <a:p>
+            <a:r>
+              <a:rPr lang="en-US" baseline="0" dirty="0" err="1" smtClean="0"/>
+              <a:t>Quản</a:t>
+            </a:r>
+            <a:r>
+              <a:rPr lang="en-US" baseline="0" dirty="0" smtClean="0"/>
+              <a:t> </a:t>
+            </a:r>
+            <a:r>
+              <a:rPr lang="en-US" baseline="0" dirty="0" err="1" smtClean="0"/>
+              <a:t>lý</a:t>
+            </a:r>
+            <a:r>
+              <a:rPr lang="en-US" baseline="0" dirty="0" smtClean="0"/>
+              <a:t> bug </a:t>
+            </a:r>
+            <a:r>
+              <a:rPr lang="en-US" baseline="0" dirty="0" err="1" smtClean="0"/>
+              <a:t>như</a:t>
+            </a:r>
+            <a:r>
+              <a:rPr lang="en-US" baseline="0" dirty="0" smtClean="0"/>
+              <a:t> </a:t>
+            </a:r>
+            <a:r>
+              <a:rPr lang="en-US" baseline="0" dirty="0" err="1" smtClean="0"/>
+              <a:t>nào</a:t>
+            </a:r>
+            <a:r>
+              <a:rPr lang="en-US" baseline="0" dirty="0" smtClean="0"/>
+              <a:t>, </a:t>
+            </a:r>
+            <a:r>
+              <a:rPr lang="en-US" baseline="0" dirty="0" err="1" smtClean="0"/>
+              <a:t>vòng</a:t>
+            </a:r>
+            <a:r>
+              <a:rPr lang="en-US" baseline="0" dirty="0" smtClean="0"/>
+              <a:t> </a:t>
+            </a:r>
+            <a:r>
+              <a:rPr lang="en-US" baseline="0" dirty="0" err="1" smtClean="0"/>
+              <a:t>đời</a:t>
+            </a:r>
+            <a:r>
+              <a:rPr lang="en-US" baseline="0" dirty="0" smtClean="0"/>
+              <a:t> test </a:t>
+            </a:r>
+            <a:r>
+              <a:rPr lang="en-US" baseline="0" dirty="0" err="1" smtClean="0"/>
+              <a:t>như</a:t>
+            </a:r>
+            <a:r>
+              <a:rPr lang="en-US" baseline="0" dirty="0" smtClean="0"/>
+              <a:t> </a:t>
+            </a:r>
+            <a:r>
+              <a:rPr lang="en-US" baseline="0" dirty="0" err="1" smtClean="0"/>
+              <a:t>nào</a:t>
+            </a:r>
+            <a:r>
+              <a:rPr lang="en-US" baseline="0" dirty="0" smtClean="0"/>
+              <a:t>, test </a:t>
+            </a:r>
+            <a:r>
+              <a:rPr lang="en-US" baseline="0" dirty="0" err="1" smtClean="0"/>
+              <a:t>mỗi</a:t>
+            </a:r>
+            <a:r>
+              <a:rPr lang="en-US" baseline="0" dirty="0" smtClean="0"/>
+              <a:t> </a:t>
+            </a:r>
+            <a:r>
+              <a:rPr lang="en-US" baseline="0" dirty="0" err="1" smtClean="0"/>
+              <a:t>bước</a:t>
+            </a:r>
+            <a:r>
+              <a:rPr lang="en-US" baseline="0" dirty="0" smtClean="0"/>
+              <a:t> </a:t>
+            </a:r>
+            <a:r>
+              <a:rPr lang="en-US" baseline="0" dirty="0" err="1" smtClean="0"/>
+              <a:t>từ</a:t>
+            </a:r>
+            <a:r>
+              <a:rPr lang="en-US" baseline="0" dirty="0" smtClean="0"/>
+              <a:t> </a:t>
+            </a:r>
+            <a:r>
+              <a:rPr lang="en-US" baseline="0" dirty="0" err="1" smtClean="0"/>
+              <a:t>ngày</a:t>
+            </a:r>
+            <a:r>
+              <a:rPr lang="en-US" baseline="0" dirty="0" smtClean="0"/>
+              <a:t> </a:t>
+            </a:r>
+            <a:r>
+              <a:rPr lang="en-US" baseline="0" dirty="0" err="1" smtClean="0"/>
+              <a:t>nào</a:t>
+            </a:r>
+            <a:r>
+              <a:rPr lang="en-US" baseline="0" dirty="0" smtClean="0"/>
+              <a:t> </a:t>
+            </a:r>
+            <a:r>
+              <a:rPr lang="en-US" baseline="0" dirty="0" err="1" smtClean="0"/>
+              <a:t>đến</a:t>
+            </a:r>
+            <a:r>
+              <a:rPr lang="en-US" baseline="0" dirty="0" smtClean="0"/>
+              <a:t> </a:t>
+            </a:r>
+            <a:r>
+              <a:rPr lang="en-US" baseline="0" dirty="0" err="1" smtClean="0"/>
+              <a:t>ngày</a:t>
+            </a:r>
+            <a:r>
+              <a:rPr lang="en-US" baseline="0" dirty="0" smtClean="0"/>
+              <a:t> </a:t>
+            </a:r>
+            <a:r>
+              <a:rPr lang="en-US" baseline="0" dirty="0" err="1" smtClean="0"/>
+              <a:t>nào</a:t>
+            </a:r>
+            <a:r>
+              <a:rPr lang="en-US" baseline="0" dirty="0" smtClean="0"/>
+              <a:t> </a:t>
+            </a:r>
+            <a:r>
+              <a:rPr lang="en-US" baseline="0" dirty="0" err="1" smtClean="0"/>
+              <a:t>thì</a:t>
+            </a:r>
+            <a:r>
+              <a:rPr lang="en-US" baseline="0" dirty="0" smtClean="0"/>
+              <a:t> </a:t>
+            </a:r>
+            <a:r>
+              <a:rPr lang="en-US" baseline="0" dirty="0" err="1" smtClean="0"/>
+              <a:t>cho</a:t>
+            </a:r>
+            <a:r>
+              <a:rPr lang="en-US" baseline="0" dirty="0" smtClean="0"/>
+              <a:t> </a:t>
+            </a:r>
+            <a:r>
+              <a:rPr lang="en-US" baseline="0" dirty="0" err="1" smtClean="0"/>
+              <a:t>vào</a:t>
+            </a:r>
+            <a:r>
+              <a:rPr lang="en-US" baseline="0" dirty="0" smtClean="0"/>
+              <a:t> </a:t>
+            </a:r>
+            <a:r>
+              <a:rPr lang="en-US" baseline="0" dirty="0" err="1" smtClean="0"/>
+              <a:t>đây</a:t>
+            </a:r>
+            <a:r>
+              <a:rPr lang="en-US" baseline="0" dirty="0" smtClean="0"/>
+              <a:t>.</a:t>
+            </a:r>
+          </a:p>
+          <a:p>
+            <a:r>
+              <a:rPr lang="en-US" baseline="0" dirty="0" smtClean="0"/>
+              <a:t>VD </a:t>
+            </a:r>
+            <a:r>
+              <a:rPr lang="en-US" baseline="0" dirty="0" err="1" smtClean="0"/>
+              <a:t>như</a:t>
+            </a:r>
+            <a:r>
+              <a:rPr lang="en-US" baseline="0" dirty="0" smtClean="0"/>
+              <a:t> </a:t>
+            </a:r>
+            <a:r>
+              <a:rPr lang="en-US" baseline="0" dirty="0" err="1" smtClean="0"/>
+              <a:t>là</a:t>
+            </a:r>
+            <a:r>
+              <a:rPr lang="en-US" baseline="0" dirty="0" smtClean="0"/>
+              <a:t> </a:t>
+            </a:r>
+            <a:r>
+              <a:rPr lang="en-US" baseline="0" dirty="0" err="1" smtClean="0"/>
+              <a:t>quản</a:t>
+            </a:r>
+            <a:r>
+              <a:rPr lang="en-US" baseline="0" dirty="0" smtClean="0"/>
+              <a:t> </a:t>
+            </a:r>
+            <a:r>
+              <a:rPr lang="en-US" baseline="0" dirty="0" err="1" smtClean="0"/>
+              <a:t>lý</a:t>
+            </a:r>
+            <a:r>
+              <a:rPr lang="en-US" baseline="0" dirty="0" smtClean="0"/>
+              <a:t> bug </a:t>
+            </a:r>
+            <a:r>
+              <a:rPr lang="en-US" baseline="0" dirty="0" err="1" smtClean="0"/>
+              <a:t>bằng</a:t>
+            </a:r>
+            <a:r>
+              <a:rPr lang="en-US" baseline="0" dirty="0" smtClean="0"/>
+              <a:t> file excel, </a:t>
+            </a:r>
+            <a:r>
+              <a:rPr lang="en-US" baseline="0" dirty="0" err="1" smtClean="0"/>
+              <a:t>trong</a:t>
+            </a:r>
+            <a:r>
+              <a:rPr lang="en-US" baseline="0" dirty="0" smtClean="0"/>
+              <a:t> file excel </a:t>
+            </a:r>
+            <a:r>
+              <a:rPr lang="en-US" baseline="0" dirty="0" err="1" smtClean="0"/>
+              <a:t>có</a:t>
+            </a:r>
+            <a:r>
+              <a:rPr lang="en-US" baseline="0" dirty="0" smtClean="0"/>
+              <a:t> </a:t>
+            </a:r>
+            <a:r>
+              <a:rPr lang="en-US" baseline="0" dirty="0" err="1" smtClean="0"/>
+              <a:t>nhưng</a:t>
+            </a:r>
+            <a:r>
+              <a:rPr lang="en-US" baseline="0" dirty="0" smtClean="0"/>
+              <a:t> </a:t>
+            </a:r>
+            <a:r>
+              <a:rPr lang="en-US" baseline="0" dirty="0" err="1" smtClean="0"/>
+              <a:t>cái</a:t>
+            </a:r>
+            <a:r>
+              <a:rPr lang="en-US" baseline="0" dirty="0" smtClean="0"/>
+              <a:t> </a:t>
+            </a:r>
+            <a:r>
+              <a:rPr lang="en-US" baseline="0" dirty="0" err="1" smtClean="0"/>
+              <a:t>cột</a:t>
+            </a:r>
+            <a:r>
+              <a:rPr lang="en-US" baseline="0" dirty="0" smtClean="0"/>
+              <a:t> </a:t>
+            </a:r>
+            <a:r>
+              <a:rPr lang="en-US" baseline="0" dirty="0" err="1" smtClean="0"/>
+              <a:t>nào</a:t>
+            </a:r>
+            <a:r>
+              <a:rPr lang="en-US" baseline="0" dirty="0" smtClean="0"/>
+              <a:t>…</a:t>
+            </a:r>
+          </a:p>
+          <a:p>
+            <a:r>
+              <a:rPr lang="en-US" baseline="0" dirty="0" err="1" smtClean="0"/>
+              <a:t>Cách</a:t>
+            </a:r>
+            <a:r>
+              <a:rPr lang="en-US" baseline="0" dirty="0" smtClean="0"/>
+              <a:t> test </a:t>
+            </a:r>
+            <a:r>
+              <a:rPr lang="en-US" baseline="0" dirty="0" err="1" smtClean="0"/>
+              <a:t>thì</a:t>
+            </a:r>
+            <a:r>
+              <a:rPr lang="en-US" baseline="0" dirty="0" smtClean="0"/>
+              <a:t> </a:t>
+            </a:r>
+            <a:r>
+              <a:rPr lang="en-US" baseline="0" dirty="0" err="1" smtClean="0"/>
+              <a:t>bê</a:t>
+            </a:r>
+            <a:r>
+              <a:rPr lang="en-US" baseline="0" dirty="0" smtClean="0"/>
+              <a:t> </a:t>
+            </a:r>
+            <a:r>
+              <a:rPr lang="en-US" baseline="0" dirty="0" err="1" smtClean="0"/>
+              <a:t>cái</a:t>
+            </a:r>
+            <a:r>
+              <a:rPr lang="en-US" baseline="0" dirty="0" smtClean="0"/>
+              <a:t> </a:t>
+            </a:r>
+            <a:r>
+              <a:rPr lang="en-US" baseline="0" dirty="0" err="1" smtClean="0"/>
+              <a:t>mô</a:t>
+            </a:r>
+            <a:r>
+              <a:rPr lang="en-US" baseline="0" dirty="0" smtClean="0"/>
+              <a:t> </a:t>
+            </a:r>
+            <a:r>
+              <a:rPr lang="en-US" baseline="0" dirty="0" err="1" smtClean="0"/>
+              <a:t>hình</a:t>
+            </a:r>
+            <a:r>
+              <a:rPr lang="en-US" baseline="0" dirty="0" smtClean="0"/>
+              <a:t> V </a:t>
+            </a:r>
+            <a:r>
+              <a:rPr lang="en-US" baseline="0" dirty="0" err="1" smtClean="0"/>
+              <a:t>vào</a:t>
+            </a:r>
+            <a:r>
+              <a:rPr lang="en-US" baseline="0" dirty="0" smtClean="0"/>
+              <a:t> </a:t>
+            </a:r>
+            <a:r>
+              <a:rPr lang="en-US" baseline="0" dirty="0" err="1" smtClean="0"/>
+              <a:t>đây</a:t>
+            </a:r>
+            <a:r>
+              <a:rPr lang="en-US" baseline="0" dirty="0" smtClean="0"/>
+              <a:t>. Search </a:t>
+            </a:r>
+            <a:r>
+              <a:rPr lang="en-US" baseline="0" dirty="0" err="1" smtClean="0"/>
+              <a:t>mạng</a:t>
+            </a:r>
+            <a:r>
+              <a:rPr lang="en-US" baseline="0" dirty="0" smtClean="0"/>
+              <a:t> </a:t>
+            </a:r>
+            <a:r>
+              <a:rPr lang="en-US" baseline="0" dirty="0" err="1" smtClean="0"/>
+              <a:t>cái</a:t>
+            </a:r>
+            <a:r>
+              <a:rPr lang="en-US" baseline="0" dirty="0" smtClean="0"/>
+              <a:t> </a:t>
+            </a:r>
+            <a:r>
+              <a:rPr lang="en-US" baseline="0" dirty="0" err="1" smtClean="0"/>
+              <a:t>mô</a:t>
+            </a:r>
+            <a:r>
+              <a:rPr lang="en-US" baseline="0" dirty="0" smtClean="0"/>
+              <a:t> </a:t>
+            </a:r>
+            <a:r>
+              <a:rPr lang="en-US" baseline="0" dirty="0" err="1" smtClean="0"/>
+              <a:t>hình</a:t>
+            </a:r>
+            <a:r>
+              <a:rPr lang="en-US" baseline="0" dirty="0" smtClean="0"/>
+              <a:t> </a:t>
+            </a:r>
+            <a:r>
+              <a:rPr lang="en-US" baseline="0" dirty="0" err="1" smtClean="0"/>
+              <a:t>chữ</a:t>
+            </a:r>
+            <a:r>
+              <a:rPr lang="en-US" baseline="0" dirty="0" smtClean="0"/>
+              <a:t> V ý, </a:t>
+            </a:r>
+            <a:r>
+              <a:rPr lang="en-US" baseline="0" dirty="0" err="1" smtClean="0"/>
+              <a:t>hoặc</a:t>
+            </a:r>
+            <a:r>
+              <a:rPr lang="en-US" baseline="0" dirty="0" smtClean="0"/>
+              <a:t> </a:t>
+            </a:r>
+            <a:r>
+              <a:rPr lang="en-US" baseline="0" dirty="0" err="1" smtClean="0"/>
+              <a:t>là</a:t>
+            </a:r>
+            <a:r>
+              <a:rPr lang="en-US" baseline="0" dirty="0" smtClean="0"/>
+              <a:t> </a:t>
+            </a:r>
+            <a:r>
+              <a:rPr lang="en-US" baseline="0" dirty="0" err="1" smtClean="0"/>
+              <a:t>mở</a:t>
+            </a:r>
+            <a:r>
+              <a:rPr lang="en-US" baseline="0" dirty="0" smtClean="0"/>
+              <a:t> </a:t>
+            </a:r>
+            <a:r>
+              <a:rPr lang="en-US" baseline="0" dirty="0" err="1" smtClean="0"/>
+              <a:t>cái</a:t>
+            </a:r>
+            <a:r>
+              <a:rPr lang="en-US" baseline="0" dirty="0" smtClean="0"/>
+              <a:t> quality plan </a:t>
+            </a:r>
+            <a:r>
+              <a:rPr lang="en-US" baseline="0" dirty="0" err="1" smtClean="0"/>
+              <a:t>mà</a:t>
+            </a:r>
+            <a:r>
+              <a:rPr lang="en-US" baseline="0" dirty="0" smtClean="0"/>
+              <a:t> </a:t>
+            </a:r>
+            <a:r>
+              <a:rPr lang="en-US" baseline="0" dirty="0" err="1" smtClean="0"/>
+              <a:t>thầy</a:t>
+            </a:r>
+            <a:r>
+              <a:rPr lang="en-US" baseline="0" dirty="0" smtClean="0"/>
+              <a:t> </a:t>
+            </a:r>
+            <a:r>
+              <a:rPr lang="en-US" baseline="0" dirty="0" err="1" smtClean="0"/>
+              <a:t>Trung</a:t>
+            </a:r>
+            <a:r>
+              <a:rPr lang="en-US" baseline="0" dirty="0" smtClean="0"/>
+              <a:t> send ý, </a:t>
+            </a:r>
+            <a:r>
+              <a:rPr lang="en-US" baseline="0" dirty="0" err="1" smtClean="0"/>
+              <a:t>cái</a:t>
+            </a:r>
+            <a:r>
+              <a:rPr lang="en-US" baseline="0" dirty="0" smtClean="0"/>
+              <a:t> file </a:t>
+            </a:r>
+            <a:r>
+              <a:rPr lang="en-US" baseline="0" dirty="0" err="1" smtClean="0"/>
+              <a:t>pdf</a:t>
+            </a:r>
+            <a:r>
+              <a:rPr lang="en-US" baseline="0" dirty="0" smtClean="0"/>
+              <a:t> </a:t>
+            </a:r>
+            <a:r>
+              <a:rPr lang="en-US" baseline="0" dirty="0" err="1" smtClean="0"/>
+              <a:t>tầm</a:t>
+            </a:r>
+            <a:r>
+              <a:rPr lang="en-US" baseline="0" dirty="0" smtClean="0"/>
+              <a:t> 50 </a:t>
+            </a:r>
+            <a:r>
+              <a:rPr lang="en-US" baseline="0" dirty="0" err="1" smtClean="0"/>
+              <a:t>trang</a:t>
+            </a:r>
+            <a:r>
+              <a:rPr lang="en-US" baseline="0" dirty="0" smtClean="0"/>
+              <a:t> ý, </a:t>
+            </a:r>
+            <a:r>
+              <a:rPr lang="en-US" baseline="0" dirty="0" err="1" smtClean="0"/>
+              <a:t>hình</a:t>
+            </a:r>
+            <a:r>
+              <a:rPr lang="en-US" baseline="0" dirty="0" smtClean="0"/>
+              <a:t> </a:t>
+            </a:r>
+            <a:r>
+              <a:rPr lang="en-US" baseline="0" dirty="0" err="1" smtClean="0"/>
+              <a:t>như</a:t>
+            </a:r>
+            <a:r>
+              <a:rPr lang="en-US" baseline="0" dirty="0" smtClean="0"/>
+              <a:t> </a:t>
+            </a:r>
+            <a:r>
+              <a:rPr lang="en-US" baseline="0" dirty="0" err="1" smtClean="0"/>
+              <a:t>nó</a:t>
+            </a:r>
+            <a:r>
+              <a:rPr lang="en-US" baseline="0" dirty="0" smtClean="0"/>
+              <a:t> </a:t>
+            </a:r>
+            <a:r>
+              <a:rPr lang="en-US" baseline="0" dirty="0" err="1" smtClean="0"/>
+              <a:t>cũng</a:t>
+            </a:r>
+            <a:r>
+              <a:rPr lang="en-US" baseline="0" dirty="0" smtClean="0"/>
+              <a:t> </a:t>
+            </a:r>
+            <a:r>
+              <a:rPr lang="en-US" baseline="0" dirty="0" err="1" smtClean="0"/>
+              <a:t>có</a:t>
+            </a:r>
+            <a:r>
+              <a:rPr lang="en-US" baseline="0" dirty="0" smtClean="0"/>
+              <a:t>. </a:t>
+            </a:r>
+            <a:r>
+              <a:rPr lang="en-US" baseline="0" dirty="0" err="1" smtClean="0"/>
+              <a:t>Ghi</a:t>
+            </a:r>
+            <a:r>
+              <a:rPr lang="en-US" baseline="0" dirty="0" smtClean="0"/>
+              <a:t> </a:t>
+            </a:r>
+            <a:r>
+              <a:rPr lang="en-US" baseline="0" dirty="0" err="1" smtClean="0"/>
+              <a:t>rõ</a:t>
+            </a:r>
+            <a:r>
+              <a:rPr lang="en-US" baseline="0" dirty="0" smtClean="0"/>
+              <a:t> </a:t>
+            </a:r>
+            <a:r>
+              <a:rPr lang="en-US" baseline="0" dirty="0" err="1" smtClean="0"/>
+              <a:t>là</a:t>
+            </a:r>
+            <a:r>
+              <a:rPr lang="en-US" baseline="0" dirty="0" smtClean="0"/>
+              <a:t> </a:t>
+            </a:r>
+            <a:r>
+              <a:rPr lang="en-US" baseline="0" dirty="0" err="1" smtClean="0"/>
+              <a:t>mình</a:t>
+            </a:r>
+            <a:r>
+              <a:rPr lang="en-US" baseline="0" dirty="0" smtClean="0"/>
+              <a:t> </a:t>
+            </a:r>
+            <a:r>
+              <a:rPr lang="en-US" baseline="0" dirty="0" err="1" smtClean="0"/>
+              <a:t>làm</a:t>
+            </a:r>
+            <a:r>
+              <a:rPr lang="en-US" baseline="0" dirty="0" smtClean="0"/>
+              <a:t> </a:t>
+            </a:r>
+            <a:r>
+              <a:rPr lang="en-US" baseline="0" dirty="0" err="1" smtClean="0"/>
+              <a:t>những</a:t>
+            </a:r>
+            <a:r>
+              <a:rPr lang="en-US" baseline="0" dirty="0" smtClean="0"/>
+              <a:t> </a:t>
+            </a:r>
+            <a:r>
+              <a:rPr lang="en-US" baseline="0" dirty="0" err="1" smtClean="0"/>
+              <a:t>loại</a:t>
+            </a:r>
+            <a:r>
+              <a:rPr lang="en-US" baseline="0" dirty="0" smtClean="0"/>
+              <a:t> test </a:t>
+            </a:r>
+            <a:r>
+              <a:rPr lang="en-US" baseline="0" dirty="0" err="1" smtClean="0"/>
+              <a:t>gì</a:t>
+            </a:r>
+            <a:r>
+              <a:rPr lang="en-US" baseline="0" dirty="0" smtClean="0"/>
+              <a:t>.</a:t>
+            </a:r>
+          </a:p>
+          <a:p>
+            <a:r>
+              <a:rPr lang="en-US" baseline="0" dirty="0" err="1" smtClean="0"/>
+              <a:t>Nếu</a:t>
+            </a:r>
+            <a:r>
+              <a:rPr lang="en-US" baseline="0" dirty="0" smtClean="0"/>
+              <a:t> </a:t>
+            </a:r>
+            <a:r>
+              <a:rPr lang="en-US" baseline="0" dirty="0" err="1" smtClean="0"/>
+              <a:t>mày</a:t>
+            </a:r>
+            <a:r>
+              <a:rPr lang="en-US" baseline="0" dirty="0" smtClean="0"/>
+              <a:t> </a:t>
+            </a:r>
+            <a:r>
+              <a:rPr lang="en-US" baseline="0" dirty="0" err="1" smtClean="0"/>
+              <a:t>ko</a:t>
+            </a:r>
+            <a:r>
+              <a:rPr lang="en-US" baseline="0" dirty="0" smtClean="0"/>
+              <a:t> </a:t>
+            </a:r>
+            <a:r>
+              <a:rPr lang="en-US" baseline="0" dirty="0" err="1" smtClean="0"/>
+              <a:t>nhớ</a:t>
+            </a:r>
+            <a:r>
+              <a:rPr lang="en-US" baseline="0" dirty="0" smtClean="0"/>
+              <a:t> </a:t>
+            </a:r>
+            <a:r>
+              <a:rPr lang="en-US" baseline="0" dirty="0" err="1" smtClean="0"/>
+              <a:t>thì</a:t>
+            </a:r>
+            <a:r>
+              <a:rPr lang="en-US" baseline="0" dirty="0" smtClean="0"/>
+              <a:t> </a:t>
+            </a:r>
+            <a:r>
+              <a:rPr lang="en-US" baseline="0" dirty="0" err="1" smtClean="0"/>
+              <a:t>tao</a:t>
+            </a:r>
+            <a:r>
+              <a:rPr lang="en-US" baseline="0" dirty="0" smtClean="0"/>
+              <a:t> </a:t>
+            </a:r>
+            <a:r>
+              <a:rPr lang="en-US" baseline="0" dirty="0" err="1" smtClean="0"/>
+              <a:t>gợi</a:t>
+            </a:r>
+            <a:r>
+              <a:rPr lang="en-US" baseline="0" dirty="0" smtClean="0"/>
+              <a:t> ý </a:t>
+            </a:r>
+            <a:r>
+              <a:rPr lang="en-US" baseline="0" dirty="0" err="1" smtClean="0"/>
+              <a:t>là</a:t>
+            </a:r>
+            <a:r>
+              <a:rPr lang="en-US" baseline="0" dirty="0" smtClean="0"/>
+              <a:t> </a:t>
+            </a:r>
+            <a:r>
+              <a:rPr lang="en-US" baseline="0" dirty="0" err="1" smtClean="0"/>
+              <a:t>có</a:t>
+            </a:r>
+            <a:r>
+              <a:rPr lang="en-US" baseline="0" dirty="0" smtClean="0"/>
+              <a:t> </a:t>
+            </a:r>
+            <a:r>
+              <a:rPr lang="en-US" baseline="0" dirty="0" err="1" smtClean="0"/>
+              <a:t>mấy</a:t>
+            </a:r>
+            <a:r>
+              <a:rPr lang="en-US" baseline="0" dirty="0" smtClean="0"/>
+              <a:t> </a:t>
+            </a:r>
+            <a:r>
+              <a:rPr lang="en-US" baseline="0" dirty="0" err="1" smtClean="0"/>
+              <a:t>loại</a:t>
+            </a:r>
+            <a:r>
+              <a:rPr lang="en-US" baseline="0" dirty="0" smtClean="0"/>
+              <a:t> test </a:t>
+            </a:r>
+            <a:r>
+              <a:rPr lang="en-US" baseline="0" dirty="0" err="1" smtClean="0"/>
+              <a:t>như</a:t>
+            </a:r>
+            <a:r>
+              <a:rPr lang="en-US" baseline="0" dirty="0" smtClean="0"/>
+              <a:t>:</a:t>
+            </a:r>
+          </a:p>
+          <a:p>
+            <a:r>
+              <a:rPr lang="en-US" baseline="0" dirty="0" smtClean="0"/>
+              <a:t>Unit test, system test, integration test…</a:t>
+            </a:r>
+          </a:p>
+          <a:p>
+            <a:r>
+              <a:rPr lang="en-US" baseline="0" dirty="0" err="1" smtClean="0"/>
+              <a:t>Mình</a:t>
+            </a:r>
+            <a:r>
+              <a:rPr lang="en-US" baseline="0" dirty="0" smtClean="0"/>
+              <a:t> </a:t>
+            </a:r>
+            <a:r>
+              <a:rPr lang="en-US" baseline="0" dirty="0" err="1" smtClean="0"/>
+              <a:t>chắc</a:t>
+            </a:r>
+            <a:r>
+              <a:rPr lang="en-US" baseline="0" dirty="0" smtClean="0"/>
+              <a:t> </a:t>
+            </a:r>
+            <a:r>
+              <a:rPr lang="en-US" baseline="0" dirty="0" err="1" smtClean="0"/>
+              <a:t>chỉ</a:t>
+            </a:r>
+            <a:r>
+              <a:rPr lang="en-US" baseline="0" dirty="0" smtClean="0"/>
+              <a:t> </a:t>
+            </a:r>
+            <a:r>
+              <a:rPr lang="en-US" baseline="0" dirty="0" err="1" smtClean="0"/>
+              <a:t>có</a:t>
+            </a:r>
+            <a:r>
+              <a:rPr lang="en-US" baseline="0" dirty="0" smtClean="0"/>
+              <a:t> unit test </a:t>
+            </a:r>
+            <a:r>
+              <a:rPr lang="en-US" baseline="0" dirty="0" err="1" smtClean="0"/>
+              <a:t>và</a:t>
+            </a:r>
+            <a:r>
+              <a:rPr lang="en-US" baseline="0" dirty="0" smtClean="0"/>
+              <a:t> integration test </a:t>
+            </a:r>
+            <a:r>
+              <a:rPr lang="en-US" baseline="0" dirty="0" err="1" smtClean="0"/>
+              <a:t>thôi</a:t>
+            </a:r>
+            <a:r>
+              <a:rPr lang="en-US" baseline="0" dirty="0" smtClean="0"/>
+              <a:t>. </a:t>
+            </a:r>
+            <a:r>
+              <a:rPr lang="en-US" baseline="0" dirty="0" err="1" smtClean="0"/>
+              <a:t>Mở</a:t>
+            </a:r>
+            <a:r>
+              <a:rPr lang="en-US" baseline="0" dirty="0" smtClean="0"/>
+              <a:t> </a:t>
+            </a:r>
+            <a:r>
+              <a:rPr lang="en-US" baseline="0" dirty="0" err="1" smtClean="0"/>
+              <a:t>cái</a:t>
+            </a:r>
+            <a:r>
+              <a:rPr lang="en-US" baseline="0" dirty="0" smtClean="0"/>
+              <a:t> V model </a:t>
+            </a:r>
+            <a:r>
+              <a:rPr lang="en-US" baseline="0" dirty="0" err="1" smtClean="0"/>
+              <a:t>ra</a:t>
+            </a:r>
+            <a:r>
+              <a:rPr lang="en-US" baseline="0" dirty="0" smtClean="0"/>
+              <a:t> </a:t>
+            </a:r>
+            <a:r>
+              <a:rPr lang="en-US" baseline="0" dirty="0" err="1" smtClean="0"/>
+              <a:t>là</a:t>
+            </a:r>
+            <a:r>
+              <a:rPr lang="en-US" baseline="0" dirty="0" smtClean="0"/>
+              <a:t> </a:t>
+            </a:r>
+            <a:r>
+              <a:rPr lang="en-US" baseline="0" dirty="0" err="1" smtClean="0"/>
+              <a:t>hiểu</a:t>
+            </a:r>
+            <a:r>
+              <a:rPr lang="en-US" baseline="0" dirty="0" smtClean="0"/>
+              <a:t> </a:t>
+            </a:r>
+            <a:r>
+              <a:rPr lang="en-US" baseline="0" dirty="0" err="1" smtClean="0"/>
+              <a:t>ngay</a:t>
+            </a:r>
+            <a:r>
+              <a:rPr lang="en-US" baseline="0" dirty="0" smtClean="0"/>
+              <a:t> </a:t>
+            </a:r>
+            <a:r>
+              <a:rPr lang="en-US" baseline="0" dirty="0" err="1" smtClean="0"/>
+              <a:t>từng</a:t>
+            </a:r>
+            <a:r>
+              <a:rPr lang="en-US" baseline="0" dirty="0" smtClean="0"/>
+              <a:t> </a:t>
+            </a:r>
+            <a:r>
+              <a:rPr lang="en-US" baseline="0" dirty="0" err="1" smtClean="0"/>
+              <a:t>bước</a:t>
+            </a:r>
+            <a:r>
+              <a:rPr lang="en-US" baseline="0" dirty="0" smtClean="0"/>
+              <a:t> test </a:t>
+            </a:r>
+            <a:r>
+              <a:rPr lang="en-US" baseline="0" dirty="0" err="1" smtClean="0"/>
+              <a:t>ấy</a:t>
+            </a:r>
+            <a:r>
+              <a:rPr lang="en-US" baseline="0" dirty="0" smtClean="0"/>
+              <a:t> </a:t>
+            </a:r>
+            <a:r>
+              <a:rPr lang="en-US" baseline="0" dirty="0" err="1" smtClean="0"/>
+              <a:t>là</a:t>
+            </a:r>
+            <a:r>
+              <a:rPr lang="en-US" baseline="0" dirty="0" smtClean="0"/>
+              <a:t> </a:t>
+            </a:r>
+            <a:r>
+              <a:rPr lang="en-US" baseline="0" dirty="0" err="1" smtClean="0"/>
+              <a:t>như</a:t>
+            </a:r>
+            <a:r>
+              <a:rPr lang="en-US" baseline="0" dirty="0" smtClean="0"/>
+              <a:t> </a:t>
+            </a:r>
+            <a:r>
+              <a:rPr lang="en-US" baseline="0" dirty="0" err="1" smtClean="0"/>
+              <a:t>nào</a:t>
+            </a:r>
+            <a:r>
+              <a:rPr lang="en-US" baseline="0" dirty="0" smtClean="0"/>
+              <a:t>.</a:t>
+            </a:r>
+          </a:p>
+          <a:p>
+            <a:r>
+              <a:rPr lang="en-US" baseline="0" dirty="0" err="1" smtClean="0"/>
+              <a:t>Cái</a:t>
+            </a:r>
+            <a:r>
+              <a:rPr lang="en-US" baseline="0" dirty="0" smtClean="0"/>
+              <a:t> </a:t>
+            </a:r>
+            <a:r>
+              <a:rPr lang="en-US" baseline="0" dirty="0" err="1" smtClean="0"/>
+              <a:t>quản</a:t>
+            </a:r>
+            <a:r>
+              <a:rPr lang="en-US" baseline="0" dirty="0" smtClean="0"/>
+              <a:t> </a:t>
+            </a:r>
+            <a:r>
+              <a:rPr lang="en-US" baseline="0" dirty="0" err="1" smtClean="0"/>
+              <a:t>lý</a:t>
+            </a:r>
+            <a:r>
+              <a:rPr lang="en-US" baseline="0" dirty="0" smtClean="0"/>
+              <a:t> </a:t>
+            </a:r>
+            <a:r>
+              <a:rPr lang="en-US" baseline="0" dirty="0" err="1" smtClean="0"/>
+              <a:t>vòng</a:t>
+            </a:r>
+            <a:r>
+              <a:rPr lang="en-US" baseline="0" dirty="0" smtClean="0"/>
+              <a:t> </a:t>
+            </a:r>
+            <a:r>
+              <a:rPr lang="en-US" baseline="0" dirty="0" err="1" smtClean="0"/>
+              <a:t>đời</a:t>
+            </a:r>
+            <a:r>
+              <a:rPr lang="en-US" baseline="0" dirty="0" smtClean="0"/>
+              <a:t> bug </a:t>
+            </a:r>
+            <a:r>
+              <a:rPr lang="en-US" baseline="0" dirty="0" err="1" smtClean="0"/>
+              <a:t>thì</a:t>
+            </a:r>
+            <a:r>
+              <a:rPr lang="en-US" baseline="0" dirty="0" smtClean="0"/>
+              <a:t> </a:t>
+            </a:r>
+            <a:r>
+              <a:rPr lang="en-US" baseline="0" dirty="0" err="1" smtClean="0"/>
+              <a:t>chỉ</a:t>
+            </a:r>
+            <a:r>
+              <a:rPr lang="en-US" baseline="0" dirty="0" smtClean="0"/>
+              <a:t> </a:t>
+            </a:r>
+            <a:r>
+              <a:rPr lang="en-US" baseline="0" dirty="0" err="1" smtClean="0"/>
+              <a:t>rõ</a:t>
+            </a:r>
+            <a:r>
+              <a:rPr lang="en-US" baseline="0" dirty="0" smtClean="0"/>
+              <a:t> </a:t>
+            </a:r>
+            <a:r>
+              <a:rPr lang="en-US" baseline="0" dirty="0" err="1" smtClean="0"/>
+              <a:t>ra</a:t>
+            </a:r>
+            <a:r>
+              <a:rPr lang="en-US" baseline="0" dirty="0" smtClean="0"/>
+              <a:t> </a:t>
+            </a:r>
+            <a:r>
+              <a:rPr lang="en-US" baseline="0" dirty="0" err="1" smtClean="0"/>
+              <a:t>là</a:t>
+            </a:r>
+            <a:r>
+              <a:rPr lang="en-US" baseline="0" dirty="0" smtClean="0"/>
+              <a:t> </a:t>
+            </a:r>
+            <a:r>
+              <a:rPr lang="en-US" baseline="0" dirty="0" err="1" smtClean="0"/>
+              <a:t>từng</a:t>
+            </a:r>
+            <a:r>
+              <a:rPr lang="en-US" baseline="0" dirty="0" smtClean="0"/>
+              <a:t> </a:t>
+            </a:r>
+            <a:r>
+              <a:rPr lang="en-US" baseline="0" dirty="0" err="1" smtClean="0"/>
+              <a:t>bước</a:t>
+            </a:r>
+            <a:r>
+              <a:rPr lang="en-US" baseline="0" dirty="0" smtClean="0"/>
+              <a:t> </a:t>
+            </a:r>
+            <a:r>
+              <a:rPr lang="en-US" baseline="0" dirty="0" err="1" smtClean="0"/>
+              <a:t>như</a:t>
+            </a:r>
+            <a:r>
+              <a:rPr lang="en-US" baseline="0" dirty="0" smtClean="0"/>
+              <a:t> </a:t>
+            </a:r>
+            <a:r>
+              <a:rPr lang="en-US" baseline="0" dirty="0" err="1" smtClean="0"/>
+              <a:t>nào</a:t>
+            </a:r>
+            <a:r>
+              <a:rPr lang="en-US" baseline="0" dirty="0" smtClean="0"/>
+              <a:t>. Tester </a:t>
+            </a:r>
+            <a:r>
+              <a:rPr lang="en-US" baseline="0" dirty="0" err="1" smtClean="0"/>
+              <a:t>phát</a:t>
+            </a:r>
+            <a:r>
+              <a:rPr lang="en-US" baseline="0" dirty="0" smtClean="0"/>
+              <a:t> </a:t>
+            </a:r>
+            <a:r>
+              <a:rPr lang="en-US" baseline="0" dirty="0" err="1" smtClean="0"/>
+              <a:t>hiện</a:t>
+            </a:r>
+            <a:r>
+              <a:rPr lang="en-US" baseline="0" dirty="0" smtClean="0"/>
+              <a:t> </a:t>
+            </a:r>
+            <a:r>
+              <a:rPr lang="en-US" baseline="0" dirty="0" err="1" smtClean="0"/>
+              <a:t>lỗi</a:t>
+            </a:r>
+            <a:r>
+              <a:rPr lang="en-US" baseline="0" dirty="0" smtClean="0"/>
+              <a:t> =&gt; raise </a:t>
+            </a:r>
+            <a:r>
+              <a:rPr lang="en-US" baseline="0" dirty="0" err="1" smtClean="0"/>
+              <a:t>lên</a:t>
+            </a:r>
+            <a:r>
+              <a:rPr lang="en-US" baseline="0" dirty="0" smtClean="0"/>
+              <a:t> (file excel </a:t>
+            </a:r>
+            <a:r>
+              <a:rPr lang="en-US" baseline="0" dirty="0" err="1" smtClean="0"/>
+              <a:t>trên</a:t>
+            </a:r>
+            <a:r>
+              <a:rPr lang="en-US" baseline="0" dirty="0" smtClean="0"/>
+              <a:t> </a:t>
+            </a:r>
+            <a:r>
+              <a:rPr lang="en-US" baseline="0" dirty="0" err="1" smtClean="0"/>
+              <a:t>svn</a:t>
+            </a:r>
+            <a:r>
+              <a:rPr lang="en-US" baseline="0" dirty="0" smtClean="0"/>
+              <a:t> </a:t>
+            </a:r>
+            <a:r>
+              <a:rPr lang="en-US" baseline="0" dirty="0" err="1" smtClean="0"/>
+              <a:t>chẳng</a:t>
+            </a:r>
+            <a:r>
+              <a:rPr lang="en-US" baseline="0" dirty="0" smtClean="0"/>
+              <a:t> </a:t>
+            </a:r>
+            <a:r>
+              <a:rPr lang="en-US" baseline="0" dirty="0" err="1" smtClean="0"/>
+              <a:t>hạn</a:t>
+            </a:r>
+            <a:r>
+              <a:rPr lang="en-US" baseline="0" dirty="0" smtClean="0"/>
+              <a:t>) </a:t>
+            </a:r>
+            <a:r>
+              <a:rPr lang="en-US" baseline="0" dirty="0" err="1" smtClean="0"/>
+              <a:t>dev</a:t>
+            </a:r>
+            <a:r>
+              <a:rPr lang="en-US" baseline="0" dirty="0" smtClean="0"/>
+              <a:t> </a:t>
+            </a:r>
+            <a:r>
+              <a:rPr lang="en-US" baseline="0" dirty="0" err="1" smtClean="0"/>
+              <a:t>lấy</a:t>
+            </a:r>
+            <a:r>
+              <a:rPr lang="en-US" baseline="0" dirty="0" smtClean="0"/>
+              <a:t> </a:t>
+            </a:r>
+            <a:r>
+              <a:rPr lang="en-US" baseline="0" dirty="0" err="1" smtClean="0"/>
+              <a:t>về</a:t>
+            </a:r>
+            <a:r>
+              <a:rPr lang="en-US" baseline="0" dirty="0" smtClean="0"/>
+              <a:t> </a:t>
+            </a:r>
+            <a:r>
+              <a:rPr lang="en-US" baseline="0" dirty="0" err="1" smtClean="0"/>
+              <a:t>sửa</a:t>
+            </a:r>
+            <a:r>
+              <a:rPr lang="en-US" baseline="0" dirty="0" smtClean="0"/>
+              <a:t>, tester test </a:t>
+            </a:r>
+            <a:r>
+              <a:rPr lang="en-US" baseline="0" dirty="0" err="1" smtClean="0"/>
+              <a:t>lại</a:t>
+            </a:r>
+            <a:r>
+              <a:rPr lang="en-US" baseline="0" dirty="0" smtClean="0"/>
+              <a:t>, ok </a:t>
+            </a:r>
+            <a:r>
+              <a:rPr lang="en-US" baseline="0" dirty="0" err="1" smtClean="0"/>
+              <a:t>thi</a:t>
+            </a:r>
+            <a:r>
+              <a:rPr lang="en-US" baseline="0" dirty="0" smtClean="0"/>
+              <a:t> close bug </a:t>
+            </a:r>
+            <a:r>
+              <a:rPr lang="en-US" baseline="0" dirty="0" err="1" smtClean="0"/>
+              <a:t>ko</a:t>
+            </a:r>
+            <a:r>
+              <a:rPr lang="en-US" baseline="0" dirty="0" smtClean="0"/>
+              <a:t> </a:t>
+            </a:r>
+            <a:r>
+              <a:rPr lang="en-US" baseline="0" dirty="0" err="1" smtClean="0"/>
+              <a:t>thì</a:t>
+            </a:r>
+            <a:r>
+              <a:rPr lang="en-US" baseline="0" dirty="0" smtClean="0"/>
+              <a:t> </a:t>
+            </a:r>
+            <a:r>
+              <a:rPr lang="en-US" baseline="0" dirty="0" err="1" smtClean="0"/>
+              <a:t>làm</a:t>
+            </a:r>
+            <a:r>
+              <a:rPr lang="en-US" baseline="0" dirty="0" smtClean="0"/>
+              <a:t> </a:t>
+            </a:r>
+            <a:r>
+              <a:rPr lang="en-US" baseline="0" dirty="0" err="1" smtClean="0"/>
+              <a:t>lại</a:t>
+            </a:r>
+            <a:endParaRPr lang="en-US" dirty="0"/>
+          </a:p>
+        </p:txBody>
+      </p:sp>
+      <p:sp>
+        <p:nvSpPr>
+          <p:cNvPr id="4" name="Slide Number Placeholder 3"/>
+          <p:cNvSpPr>
+            <a:spLocks noGrp="1"/>
+          </p:cNvSpPr>
+          <p:nvPr>
+            <p:ph type="sldNum" sz="quarter" idx="10"/>
+          </p:nvPr>
+        </p:nvSpPr>
+        <p:spPr/>
+        <p:txBody>
+          <a:bodyPr/>
+          <a:lstStyle/>
+          <a:p>
+            <a:fld id="{94349F02-7B7E-4405-841E-9FEA710E9D5A}" type="slidenum">
+              <a:rPr lang="en-US" smtClean="0"/>
+              <a:t>26</a:t>
+            </a:fld>
+            <a:endParaRPr lang="en-US"/>
+          </a:p>
+        </p:txBody>
+      </p:sp>
+    </p:spTree>
+    <p:extLst>
+      <p:ext uri="{BB962C8B-B14F-4D97-AF65-F5344CB8AC3E}">
+        <p14:creationId xmlns:p14="http://schemas.microsoft.com/office/powerpoint/2010/main" val="4200932393"/>
+      </p:ext>
+    </p:extLst>
+  </p:cSld>
+  <p:clrMapOvr>
+    <a:masterClrMapping/>
+  </p:clrMapOvr>
+</p:notes>
+</file>
+
 <file path=ppt/notesSlides/notesSlide2.xml><?xml version="1.0" encoding="utf-8"?>
 <p:notes xmlns:a="http://schemas.openxmlformats.org/drawingml/2006/main" xmlns:r="http://schemas.openxmlformats.org/officeDocument/2006/relationships" xmlns:p="http://schemas.openxmlformats.org/presentationml/2006/main">
   <p:cSld>
@@ -13565,7 +16858,395 @@
           <a:bodyPr/>
           <a:lstStyle/>
           <a:p>
-            <a:endParaRPr lang="en-US" dirty="0"/>
+            <a:r>
+              <a:rPr lang="en-US" dirty="0" err="1" smtClean="0"/>
+              <a:t>Cái</a:t>
+            </a:r>
+            <a:r>
+              <a:rPr lang="en-US" baseline="0" dirty="0" smtClean="0"/>
+              <a:t> SPM </a:t>
+            </a:r>
+            <a:r>
+              <a:rPr lang="en-US" baseline="0" dirty="0" err="1" smtClean="0"/>
+              <a:t>cho</a:t>
+            </a:r>
+            <a:r>
+              <a:rPr lang="en-US" baseline="0" dirty="0" smtClean="0"/>
+              <a:t> </a:t>
+            </a:r>
+            <a:r>
+              <a:rPr lang="en-US" baseline="0" dirty="0" err="1" smtClean="0"/>
+              <a:t>thêm</a:t>
+            </a:r>
+            <a:r>
+              <a:rPr lang="en-US" baseline="0" dirty="0" smtClean="0"/>
+              <a:t> </a:t>
+            </a:r>
+            <a:r>
+              <a:rPr lang="en-US" baseline="0" dirty="0" err="1" smtClean="0"/>
+              <a:t>cái</a:t>
+            </a:r>
+            <a:r>
+              <a:rPr lang="en-US" baseline="0" dirty="0" smtClean="0"/>
+              <a:t> </a:t>
+            </a:r>
+            <a:r>
+              <a:rPr lang="en-US" baseline="0" dirty="0" err="1" smtClean="0"/>
+              <a:t>phần</a:t>
+            </a:r>
+            <a:r>
+              <a:rPr lang="en-US" baseline="0" dirty="0" smtClean="0"/>
+              <a:t> communication </a:t>
+            </a:r>
+            <a:r>
+              <a:rPr lang="en-US" baseline="0" dirty="0" err="1" smtClean="0"/>
+              <a:t>vào</a:t>
+            </a:r>
+            <a:r>
+              <a:rPr lang="en-US" baseline="0" dirty="0" smtClean="0"/>
+              <a:t> </a:t>
+            </a:r>
+            <a:r>
+              <a:rPr lang="en-US" baseline="0" dirty="0" err="1" smtClean="0"/>
+              <a:t>cho</a:t>
+            </a:r>
+            <a:r>
+              <a:rPr lang="en-US" baseline="0" dirty="0" smtClean="0"/>
+              <a:t> </a:t>
+            </a:r>
+            <a:r>
+              <a:rPr lang="en-US" baseline="0" dirty="0" err="1" smtClean="0"/>
+              <a:t>tao</a:t>
+            </a:r>
+            <a:r>
+              <a:rPr lang="en-US" baseline="0" dirty="0" smtClean="0"/>
+              <a:t>.</a:t>
+            </a:r>
+          </a:p>
+          <a:p>
+            <a:r>
+              <a:rPr lang="en-US" baseline="0" dirty="0" err="1" smtClean="0"/>
+              <a:t>Quản</a:t>
+            </a:r>
+            <a:r>
+              <a:rPr lang="en-US" baseline="0" dirty="0" smtClean="0"/>
+              <a:t> </a:t>
+            </a:r>
+            <a:r>
+              <a:rPr lang="en-US" baseline="0" dirty="0" err="1" smtClean="0"/>
+              <a:t>lý</a:t>
+            </a:r>
+            <a:r>
+              <a:rPr lang="en-US" baseline="0" dirty="0" smtClean="0"/>
+              <a:t> team, </a:t>
+            </a:r>
+            <a:r>
+              <a:rPr lang="en-US" baseline="0" dirty="0" err="1" smtClean="0"/>
+              <a:t>giao</a:t>
+            </a:r>
+            <a:r>
+              <a:rPr lang="en-US" baseline="0" dirty="0" smtClean="0"/>
+              <a:t> </a:t>
+            </a:r>
+            <a:r>
+              <a:rPr lang="en-US" baseline="0" dirty="0" err="1" smtClean="0"/>
+              <a:t>tiếp</a:t>
+            </a:r>
+            <a:r>
+              <a:rPr lang="en-US" baseline="0" dirty="0" smtClean="0"/>
+              <a:t> </a:t>
+            </a:r>
+            <a:r>
+              <a:rPr lang="en-US" baseline="0" dirty="0" err="1" smtClean="0"/>
+              <a:t>kiểu</a:t>
+            </a:r>
+            <a:r>
+              <a:rPr lang="en-US" baseline="0" dirty="0" smtClean="0"/>
+              <a:t> </a:t>
+            </a:r>
+            <a:r>
+              <a:rPr lang="en-US" baseline="0" dirty="0" err="1" smtClean="0"/>
+              <a:t>gì</a:t>
+            </a:r>
+            <a:r>
+              <a:rPr lang="en-US" baseline="0" dirty="0" smtClean="0"/>
+              <a:t>, qua yahoo, mail, </a:t>
+            </a:r>
+            <a:r>
+              <a:rPr lang="en-US" baseline="0" dirty="0" err="1" smtClean="0"/>
+              <a:t>họp</a:t>
+            </a:r>
+            <a:r>
+              <a:rPr lang="en-US" baseline="0" dirty="0" smtClean="0"/>
+              <a:t> </a:t>
+            </a:r>
+            <a:r>
+              <a:rPr lang="en-US" baseline="0" dirty="0" err="1" smtClean="0"/>
+              <a:t>nhóm</a:t>
+            </a:r>
+            <a:r>
+              <a:rPr lang="en-US" baseline="0" dirty="0" smtClean="0"/>
+              <a:t>… (</a:t>
+            </a:r>
+            <a:r>
+              <a:rPr lang="en-US" baseline="0" dirty="0" err="1" smtClean="0"/>
+              <a:t>ghi</a:t>
+            </a:r>
+            <a:r>
+              <a:rPr lang="en-US" baseline="0" dirty="0" smtClean="0"/>
+              <a:t> </a:t>
+            </a:r>
+            <a:r>
+              <a:rPr lang="en-US" baseline="0" dirty="0" err="1" smtClean="0"/>
+              <a:t>rõ</a:t>
+            </a:r>
+            <a:r>
+              <a:rPr lang="en-US" baseline="0" dirty="0" smtClean="0"/>
+              <a:t> version </a:t>
+            </a:r>
+            <a:r>
+              <a:rPr lang="en-US" baseline="0" dirty="0" err="1" smtClean="0"/>
+              <a:t>nếu</a:t>
+            </a:r>
+            <a:r>
+              <a:rPr lang="en-US" baseline="0" dirty="0" smtClean="0"/>
+              <a:t> </a:t>
+            </a:r>
+            <a:r>
+              <a:rPr lang="en-US" baseline="0" dirty="0" err="1" smtClean="0"/>
+              <a:t>dùng</a:t>
+            </a:r>
+            <a:r>
+              <a:rPr lang="en-US" baseline="0" dirty="0" smtClean="0"/>
+              <a:t> </a:t>
+            </a:r>
+            <a:r>
+              <a:rPr lang="en-US" baseline="0" dirty="0" err="1" smtClean="0"/>
+              <a:t>phần</a:t>
+            </a:r>
+            <a:r>
+              <a:rPr lang="en-US" baseline="0" dirty="0" smtClean="0"/>
+              <a:t> </a:t>
+            </a:r>
+            <a:r>
+              <a:rPr lang="en-US" baseline="0" dirty="0" err="1" smtClean="0"/>
+              <a:t>mềm</a:t>
+            </a:r>
+            <a:r>
+              <a:rPr lang="en-US" baseline="0" dirty="0" smtClean="0"/>
+              <a:t>). </a:t>
+            </a:r>
+            <a:r>
+              <a:rPr lang="en-US" baseline="0" dirty="0" err="1" smtClean="0"/>
+              <a:t>Tuần</a:t>
+            </a:r>
+            <a:r>
+              <a:rPr lang="en-US" baseline="0" dirty="0" smtClean="0"/>
+              <a:t> </a:t>
+            </a:r>
+            <a:r>
+              <a:rPr lang="en-US" baseline="0" dirty="0" err="1" smtClean="0"/>
+              <a:t>họp</a:t>
+            </a:r>
+            <a:r>
+              <a:rPr lang="en-US" baseline="0" dirty="0" smtClean="0"/>
+              <a:t> </a:t>
+            </a:r>
+            <a:r>
+              <a:rPr lang="en-US" baseline="0" dirty="0" err="1" smtClean="0"/>
+              <a:t>mấy</a:t>
+            </a:r>
+            <a:r>
+              <a:rPr lang="en-US" baseline="0" dirty="0" smtClean="0"/>
+              <a:t> </a:t>
+            </a:r>
+            <a:r>
+              <a:rPr lang="en-US" baseline="0" dirty="0" err="1" smtClean="0"/>
+              <a:t>buổi</a:t>
+            </a:r>
+            <a:r>
+              <a:rPr lang="en-US" baseline="0" dirty="0" smtClean="0"/>
+              <a:t>, </a:t>
+            </a:r>
+            <a:r>
+              <a:rPr lang="en-US" baseline="0" dirty="0" err="1" smtClean="0"/>
+              <a:t>từ</a:t>
+            </a:r>
+            <a:r>
+              <a:rPr lang="en-US" baseline="0" dirty="0" smtClean="0"/>
+              <a:t> </a:t>
+            </a:r>
+            <a:r>
+              <a:rPr lang="en-US" baseline="0" dirty="0" err="1" smtClean="0"/>
+              <a:t>mấy</a:t>
+            </a:r>
+            <a:r>
+              <a:rPr lang="en-US" baseline="0" dirty="0" smtClean="0"/>
+              <a:t> h </a:t>
+            </a:r>
+            <a:r>
+              <a:rPr lang="en-US" baseline="0" dirty="0" err="1" smtClean="0"/>
+              <a:t>đến</a:t>
+            </a:r>
+            <a:r>
+              <a:rPr lang="en-US" baseline="0" dirty="0" smtClean="0"/>
+              <a:t> </a:t>
+            </a:r>
+            <a:r>
+              <a:rPr lang="en-US" baseline="0" dirty="0" err="1" smtClean="0"/>
+              <a:t>mấy</a:t>
+            </a:r>
+            <a:r>
+              <a:rPr lang="en-US" baseline="0" dirty="0" smtClean="0"/>
+              <a:t> h</a:t>
+            </a:r>
+          </a:p>
+          <a:p>
+            <a:r>
+              <a:rPr lang="en-US" baseline="0" dirty="0" err="1" smtClean="0"/>
+              <a:t>Làm</a:t>
+            </a:r>
+            <a:r>
+              <a:rPr lang="en-US" baseline="0" dirty="0" smtClean="0"/>
+              <a:t> 6 </a:t>
+            </a:r>
+            <a:r>
+              <a:rPr lang="en-US" baseline="0" dirty="0" err="1" smtClean="0"/>
+              <a:t>ngày</a:t>
+            </a:r>
+            <a:r>
+              <a:rPr lang="en-US" baseline="0" dirty="0" smtClean="0"/>
+              <a:t> 1 </a:t>
+            </a:r>
+            <a:r>
+              <a:rPr lang="en-US" baseline="0" dirty="0" err="1" smtClean="0"/>
+              <a:t>tuần</a:t>
+            </a:r>
+            <a:r>
+              <a:rPr lang="en-US" baseline="0" dirty="0" smtClean="0"/>
+              <a:t>, </a:t>
+            </a:r>
+            <a:r>
+              <a:rPr lang="en-US" baseline="0" dirty="0" err="1" smtClean="0"/>
+              <a:t>mỗi</a:t>
+            </a:r>
+            <a:r>
+              <a:rPr lang="en-US" baseline="0" dirty="0" smtClean="0"/>
+              <a:t> </a:t>
+            </a:r>
+            <a:r>
+              <a:rPr lang="en-US" baseline="0" dirty="0" err="1" smtClean="0"/>
+              <a:t>ngày</a:t>
+            </a:r>
+            <a:r>
+              <a:rPr lang="en-US" baseline="0" dirty="0" smtClean="0"/>
+              <a:t> 8 </a:t>
+            </a:r>
+            <a:r>
+              <a:rPr lang="en-US" baseline="0" dirty="0" err="1" smtClean="0"/>
+              <a:t>tiếng</a:t>
+            </a:r>
+            <a:r>
+              <a:rPr lang="en-US" baseline="0" dirty="0" smtClean="0"/>
+              <a:t>, </a:t>
+            </a:r>
+            <a:r>
+              <a:rPr lang="en-US" baseline="0" dirty="0" err="1" smtClean="0"/>
+              <a:t>từ</a:t>
+            </a:r>
+            <a:r>
+              <a:rPr lang="en-US" baseline="0" dirty="0" smtClean="0"/>
+              <a:t> 8h </a:t>
+            </a:r>
+            <a:r>
+              <a:rPr lang="en-US" baseline="0" dirty="0" err="1" smtClean="0"/>
+              <a:t>sáng</a:t>
+            </a:r>
+            <a:r>
+              <a:rPr lang="en-US" baseline="0" dirty="0" smtClean="0"/>
+              <a:t> </a:t>
+            </a:r>
+            <a:r>
+              <a:rPr lang="en-US" baseline="0" dirty="0" err="1" smtClean="0"/>
+              <a:t>đến</a:t>
+            </a:r>
+            <a:r>
+              <a:rPr lang="en-US" baseline="0" dirty="0" smtClean="0"/>
+              <a:t> 5h </a:t>
+            </a:r>
+            <a:r>
+              <a:rPr lang="en-US" baseline="0" dirty="0" err="1" smtClean="0"/>
+              <a:t>chiều</a:t>
+            </a:r>
+            <a:r>
+              <a:rPr lang="en-US" baseline="0" dirty="0" smtClean="0"/>
+              <a:t>, </a:t>
+            </a:r>
+            <a:r>
+              <a:rPr lang="en-US" baseline="0" dirty="0" err="1" smtClean="0"/>
+              <a:t>nghỉ</a:t>
+            </a:r>
+            <a:r>
+              <a:rPr lang="en-US" baseline="0" dirty="0" smtClean="0"/>
+              <a:t> </a:t>
+            </a:r>
+            <a:r>
+              <a:rPr lang="en-US" baseline="0" dirty="0" err="1" smtClean="0"/>
+              <a:t>trưa</a:t>
+            </a:r>
+            <a:r>
+              <a:rPr lang="en-US" baseline="0" dirty="0" smtClean="0"/>
+              <a:t> </a:t>
+            </a:r>
+            <a:r>
+              <a:rPr lang="en-US" baseline="0" dirty="0" err="1" smtClean="0"/>
+              <a:t>từ</a:t>
+            </a:r>
+            <a:r>
+              <a:rPr lang="en-US" baseline="0" dirty="0" smtClean="0"/>
+              <a:t> 12h </a:t>
+            </a:r>
+            <a:r>
+              <a:rPr lang="en-US" baseline="0" dirty="0" err="1" smtClean="0"/>
+              <a:t>đến</a:t>
+            </a:r>
+            <a:r>
+              <a:rPr lang="en-US" baseline="0" dirty="0" smtClean="0"/>
+              <a:t> 1h. </a:t>
+            </a:r>
+            <a:r>
+              <a:rPr lang="en-US" baseline="0" dirty="0" err="1" smtClean="0"/>
+              <a:t>Ghi</a:t>
+            </a:r>
+            <a:r>
+              <a:rPr lang="en-US" baseline="0" dirty="0" smtClean="0"/>
+              <a:t> </a:t>
+            </a:r>
+            <a:r>
+              <a:rPr lang="en-US" baseline="0" dirty="0" err="1" smtClean="0"/>
+              <a:t>mie</a:t>
+            </a:r>
+            <a:r>
+              <a:rPr lang="en-US" baseline="0" dirty="0" smtClean="0"/>
+              <a:t> </a:t>
+            </a:r>
+            <a:r>
+              <a:rPr lang="en-US" baseline="0" dirty="0" err="1" smtClean="0"/>
+              <a:t>vào</a:t>
+            </a:r>
+            <a:r>
+              <a:rPr lang="en-US" baseline="0" dirty="0" smtClean="0"/>
+              <a:t> </a:t>
+            </a:r>
+            <a:r>
+              <a:rPr lang="en-US" baseline="0" dirty="0" err="1" smtClean="0"/>
+              <a:t>đấy</a:t>
+            </a:r>
+            <a:r>
+              <a:rPr lang="en-US" baseline="0" smtClean="0"/>
+              <a:t>.</a:t>
+            </a:r>
+            <a:endParaRPr lang="en-US" baseline="0" dirty="0" smtClean="0"/>
           </a:p>
         </p:txBody>
       </p:sp>
@@ -13649,6 +17330,166 @@
           <a:bodyPr/>
           <a:lstStyle/>
           <a:p>
+            <a:r>
+              <a:rPr lang="en-US" dirty="0" err="1" smtClean="0"/>
+              <a:t>Chỗ</a:t>
+            </a:r>
+            <a:r>
+              <a:rPr lang="en-US" baseline="0" dirty="0" smtClean="0"/>
+              <a:t> </a:t>
+            </a:r>
+            <a:r>
+              <a:rPr lang="en-US" baseline="0" dirty="0" err="1" smtClean="0"/>
+              <a:t>này</a:t>
+            </a:r>
+            <a:r>
+              <a:rPr lang="en-US" baseline="0" dirty="0" smtClean="0"/>
+              <a:t> </a:t>
+            </a:r>
+            <a:r>
+              <a:rPr lang="en-US" baseline="0" dirty="0" err="1" smtClean="0"/>
+              <a:t>sửa</a:t>
+            </a:r>
+            <a:r>
+              <a:rPr lang="en-US" baseline="0" dirty="0" smtClean="0"/>
+              <a:t> </a:t>
+            </a:r>
+            <a:r>
+              <a:rPr lang="en-US" baseline="0" dirty="0" err="1" smtClean="0"/>
+              <a:t>lại</a:t>
+            </a:r>
+            <a:r>
+              <a:rPr lang="en-US" baseline="0" dirty="0" smtClean="0"/>
+              <a:t> </a:t>
+            </a:r>
+            <a:r>
+              <a:rPr lang="en-US" baseline="0" dirty="0" err="1" smtClean="0"/>
+              <a:t>thêm</a:t>
+            </a:r>
+            <a:r>
+              <a:rPr lang="en-US" baseline="0" dirty="0" smtClean="0"/>
+              <a:t> </a:t>
+            </a:r>
+            <a:r>
+              <a:rPr lang="en-US" baseline="0" dirty="0" err="1" smtClean="0"/>
+              <a:t>cái</a:t>
+            </a:r>
+            <a:r>
+              <a:rPr lang="en-US" baseline="0" dirty="0" smtClean="0"/>
+              <a:t> mile stone </a:t>
+            </a:r>
+            <a:r>
+              <a:rPr lang="en-US" baseline="0" dirty="0" err="1" smtClean="0"/>
+              <a:t>đê</a:t>
+            </a:r>
+            <a:r>
+              <a:rPr lang="en-US" baseline="0" dirty="0" smtClean="0"/>
+              <a:t>, </a:t>
+            </a:r>
+            <a:r>
+              <a:rPr lang="en-US" baseline="0" dirty="0" err="1" smtClean="0"/>
+              <a:t>ko</a:t>
+            </a:r>
+            <a:r>
+              <a:rPr lang="en-US" baseline="0" dirty="0" smtClean="0"/>
+              <a:t> </a:t>
+            </a:r>
+            <a:r>
+              <a:rPr lang="en-US" baseline="0" dirty="0" err="1" smtClean="0"/>
+              <a:t>biết</a:t>
+            </a:r>
+            <a:r>
+              <a:rPr lang="en-US" baseline="0" dirty="0" smtClean="0"/>
+              <a:t> </a:t>
+            </a:r>
+            <a:r>
+              <a:rPr lang="en-US" baseline="0" dirty="0" err="1" smtClean="0"/>
+              <a:t>làm</a:t>
+            </a:r>
+            <a:r>
+              <a:rPr lang="en-US" baseline="0" dirty="0" smtClean="0"/>
+              <a:t> </a:t>
+            </a:r>
+            <a:r>
+              <a:rPr lang="en-US" baseline="0" dirty="0" err="1" smtClean="0"/>
+              <a:t>thì</a:t>
+            </a:r>
+            <a:r>
+              <a:rPr lang="en-US" baseline="0" dirty="0" smtClean="0"/>
+              <a:t> </a:t>
+            </a:r>
+            <a:r>
+              <a:rPr lang="en-US" baseline="0" dirty="0" err="1" smtClean="0"/>
+              <a:t>xem</a:t>
+            </a:r>
+            <a:r>
+              <a:rPr lang="en-US" baseline="0" dirty="0" smtClean="0"/>
+              <a:t> </a:t>
+            </a:r>
+            <a:r>
+              <a:rPr lang="en-US" baseline="0" dirty="0" err="1" smtClean="0"/>
+              <a:t>trên</a:t>
+            </a:r>
+            <a:r>
+              <a:rPr lang="en-US" baseline="0" dirty="0" smtClean="0"/>
+              <a:t> </a:t>
+            </a:r>
+            <a:r>
+              <a:rPr lang="en-US" baseline="0" dirty="0" err="1" smtClean="0"/>
+              <a:t>mạng</a:t>
+            </a:r>
+            <a:r>
+              <a:rPr lang="en-US" baseline="0" dirty="0" smtClean="0"/>
+              <a:t>, search </a:t>
+            </a:r>
+            <a:r>
+              <a:rPr lang="en-US" baseline="0" dirty="0" err="1" smtClean="0"/>
+              <a:t>cái</a:t>
+            </a:r>
+            <a:r>
+              <a:rPr lang="en-US" baseline="0" dirty="0" smtClean="0"/>
+              <a:t> </a:t>
+            </a:r>
+            <a:r>
+              <a:rPr lang="en-US" baseline="0" dirty="0" err="1" smtClean="0"/>
+              <a:t>quản</a:t>
+            </a:r>
+            <a:r>
+              <a:rPr lang="en-US" baseline="0" dirty="0" smtClean="0"/>
+              <a:t> </a:t>
+            </a:r>
+            <a:r>
+              <a:rPr lang="en-US" baseline="0" dirty="0" err="1" smtClean="0"/>
+              <a:t>lý</a:t>
+            </a:r>
+            <a:r>
+              <a:rPr lang="en-US" baseline="0" dirty="0" smtClean="0"/>
+              <a:t> </a:t>
+            </a:r>
+            <a:r>
+              <a:rPr lang="en-US" baseline="0" dirty="0" err="1" smtClean="0"/>
+              <a:t>thời</a:t>
+            </a:r>
+            <a:r>
+              <a:rPr lang="en-US" baseline="0" dirty="0" smtClean="0"/>
+              <a:t> </a:t>
+            </a:r>
+            <a:r>
+              <a:rPr lang="en-US" baseline="0" dirty="0" err="1" smtClean="0"/>
+              <a:t>gian</a:t>
+            </a:r>
+            <a:r>
+              <a:rPr lang="en-US" baseline="0" dirty="0" smtClean="0"/>
+              <a:t> </a:t>
+            </a:r>
+            <a:r>
+              <a:rPr lang="en-US" baseline="0" dirty="0" err="1" smtClean="0"/>
+              <a:t>của</a:t>
+            </a:r>
+            <a:r>
+              <a:rPr lang="en-US" baseline="0" dirty="0" smtClean="0"/>
+              <a:t> Microsoft Project Plan ý (Timing Management)</a:t>
+            </a:r>
             <a:endParaRPr lang="en-US" dirty="0"/>
           </a:p>
         </p:txBody>
@@ -13733,6 +17574,868 @@
           <a:bodyPr/>
           <a:lstStyle/>
           <a:p>
+            <a:r>
+              <a:rPr lang="en-US" dirty="0" err="1" smtClean="0"/>
+              <a:t>Cả</a:t>
+            </a:r>
+            <a:r>
+              <a:rPr lang="en-US" baseline="0" dirty="0" smtClean="0"/>
+              <a:t> slide </a:t>
+            </a:r>
+            <a:r>
+              <a:rPr lang="en-US" baseline="0" dirty="0" err="1" smtClean="0"/>
+              <a:t>này</a:t>
+            </a:r>
+            <a:r>
+              <a:rPr lang="en-US" baseline="0" dirty="0" smtClean="0"/>
+              <a:t> </a:t>
+            </a:r>
+            <a:r>
+              <a:rPr lang="en-US" baseline="0" dirty="0" err="1" smtClean="0"/>
+              <a:t>làm</a:t>
+            </a:r>
+            <a:r>
+              <a:rPr lang="en-US" baseline="0" dirty="0" smtClean="0"/>
+              <a:t> </a:t>
+            </a:r>
+            <a:r>
+              <a:rPr lang="en-US" baseline="0" dirty="0" err="1" smtClean="0"/>
+              <a:t>lại</a:t>
+            </a:r>
+            <a:r>
+              <a:rPr lang="en-US" baseline="0" dirty="0" smtClean="0"/>
+              <a:t>.</a:t>
+            </a:r>
+          </a:p>
+          <a:p>
+            <a:pPr marL="171450" indent="-171450">
+              <a:buFontTx/>
+              <a:buChar char="-"/>
+            </a:pPr>
+            <a:r>
+              <a:rPr lang="en-US" baseline="0" dirty="0" err="1" smtClean="0"/>
+              <a:t>Sửa</a:t>
+            </a:r>
+            <a:r>
+              <a:rPr lang="en-US" baseline="0" dirty="0" smtClean="0"/>
+              <a:t> </a:t>
+            </a:r>
+            <a:r>
+              <a:rPr lang="en-US" baseline="0" dirty="0" err="1" smtClean="0"/>
+              <a:t>thành</a:t>
+            </a:r>
+            <a:r>
+              <a:rPr lang="en-US" baseline="0" dirty="0" smtClean="0"/>
+              <a:t> 1 </a:t>
+            </a:r>
+            <a:r>
+              <a:rPr lang="en-US" baseline="0" dirty="0" err="1" smtClean="0"/>
+              <a:t>bảng</a:t>
+            </a:r>
+            <a:r>
+              <a:rPr lang="en-US" baseline="0" dirty="0" smtClean="0"/>
+              <a:t>, </a:t>
+            </a:r>
+            <a:r>
+              <a:rPr lang="en-US" baseline="0" dirty="0" err="1" smtClean="0"/>
+              <a:t>bỏ</a:t>
+            </a:r>
+            <a:r>
+              <a:rPr lang="en-US" baseline="0" dirty="0" smtClean="0"/>
+              <a:t> </a:t>
+            </a:r>
+            <a:r>
+              <a:rPr lang="en-US" baseline="0" dirty="0" err="1" smtClean="0"/>
+              <a:t>cái</a:t>
+            </a:r>
+            <a:r>
+              <a:rPr lang="en-US" baseline="0" dirty="0" smtClean="0"/>
+              <a:t> risk category </a:t>
+            </a:r>
+            <a:r>
+              <a:rPr lang="en-US" baseline="0" dirty="0" err="1" smtClean="0"/>
+              <a:t>đi</a:t>
+            </a:r>
+            <a:r>
+              <a:rPr lang="en-US" baseline="0" dirty="0" smtClean="0"/>
+              <a:t>, risk category </a:t>
+            </a:r>
+            <a:r>
+              <a:rPr lang="en-US" baseline="0" dirty="0" err="1" smtClean="0"/>
+              <a:t>là</a:t>
+            </a:r>
+            <a:r>
+              <a:rPr lang="en-US" baseline="0" dirty="0" smtClean="0"/>
+              <a:t> </a:t>
+            </a:r>
+            <a:r>
+              <a:rPr lang="en-US" baseline="0" dirty="0" err="1" smtClean="0"/>
+              <a:t>mấy</a:t>
+            </a:r>
+            <a:r>
+              <a:rPr lang="en-US" baseline="0" dirty="0" smtClean="0"/>
+              <a:t> </a:t>
+            </a:r>
+            <a:r>
+              <a:rPr lang="en-US" baseline="0" dirty="0" err="1" smtClean="0"/>
+              <a:t>cái</a:t>
+            </a:r>
+            <a:r>
+              <a:rPr lang="en-US" baseline="0" dirty="0" smtClean="0"/>
+              <a:t> people risk … </a:t>
+            </a:r>
+            <a:r>
+              <a:rPr lang="en-US" baseline="0" dirty="0" err="1" smtClean="0"/>
+              <a:t>kia</a:t>
+            </a:r>
+            <a:r>
+              <a:rPr lang="en-US" baseline="0" dirty="0" smtClean="0"/>
+              <a:t> </a:t>
+            </a:r>
+            <a:r>
+              <a:rPr lang="en-US" baseline="0" dirty="0" err="1" smtClean="0"/>
+              <a:t>kìa</a:t>
+            </a:r>
+            <a:r>
+              <a:rPr lang="en-US" baseline="0" dirty="0" smtClean="0"/>
+              <a:t>.</a:t>
+            </a:r>
+          </a:p>
+          <a:p>
+            <a:pPr marL="0" indent="0">
+              <a:buFontTx/>
+              <a:buNone/>
+            </a:pPr>
+            <a:r>
+              <a:rPr lang="en-US" baseline="0" dirty="0" smtClean="0"/>
+              <a:t>-  </a:t>
+            </a:r>
+            <a:r>
+              <a:rPr lang="en-US" baseline="0" dirty="0" err="1" smtClean="0"/>
+              <a:t>Bảng</a:t>
+            </a:r>
+            <a:r>
+              <a:rPr lang="en-US" baseline="0" dirty="0" smtClean="0"/>
+              <a:t> </a:t>
+            </a:r>
+            <a:r>
+              <a:rPr lang="en-US" baseline="0" dirty="0" err="1" smtClean="0"/>
+              <a:t>gồm</a:t>
+            </a:r>
+            <a:r>
+              <a:rPr lang="en-US" baseline="0" dirty="0" smtClean="0"/>
+              <a:t> 4 </a:t>
+            </a:r>
+            <a:r>
+              <a:rPr lang="en-US" baseline="0" dirty="0" err="1" smtClean="0"/>
+              <a:t>cột</a:t>
+            </a:r>
+            <a:r>
+              <a:rPr lang="en-US" baseline="0" dirty="0" smtClean="0"/>
+              <a:t> 1 </a:t>
+            </a:r>
+            <a:r>
+              <a:rPr lang="en-US" baseline="0" dirty="0" err="1" smtClean="0"/>
+              <a:t>là</a:t>
+            </a:r>
+            <a:r>
+              <a:rPr lang="en-US" baseline="0" dirty="0" smtClean="0"/>
+              <a:t> </a:t>
+            </a:r>
+            <a:r>
+              <a:rPr lang="en-US" baseline="0" dirty="0" err="1" smtClean="0"/>
+              <a:t>mô</a:t>
+            </a:r>
+            <a:r>
+              <a:rPr lang="en-US" baseline="0" dirty="0" smtClean="0"/>
+              <a:t> </a:t>
+            </a:r>
+            <a:r>
+              <a:rPr lang="en-US" baseline="0" dirty="0" err="1" smtClean="0"/>
+              <a:t>tả</a:t>
+            </a:r>
+            <a:r>
+              <a:rPr lang="en-US" baseline="0" dirty="0" smtClean="0"/>
+              <a:t> risk, 2 </a:t>
+            </a:r>
+            <a:r>
+              <a:rPr lang="en-US" baseline="0" dirty="0" err="1" smtClean="0"/>
+              <a:t>là</a:t>
+            </a:r>
+            <a:r>
+              <a:rPr lang="en-US" baseline="0" dirty="0" smtClean="0"/>
+              <a:t> </a:t>
+            </a:r>
+            <a:r>
+              <a:rPr lang="en-US" baseline="0" dirty="0" err="1" smtClean="0"/>
+              <a:t>nguyên</a:t>
+            </a:r>
+            <a:r>
+              <a:rPr lang="en-US" baseline="0" dirty="0" smtClean="0"/>
+              <a:t> </a:t>
+            </a:r>
+            <a:r>
+              <a:rPr lang="en-US" baseline="0" dirty="0" err="1" smtClean="0"/>
+              <a:t>nhân</a:t>
+            </a:r>
+            <a:r>
+              <a:rPr lang="en-US" baseline="0" dirty="0" smtClean="0"/>
+              <a:t>, 3 </a:t>
+            </a:r>
+            <a:r>
+              <a:rPr lang="en-US" baseline="0" dirty="0" err="1" smtClean="0"/>
+              <a:t>là</a:t>
+            </a:r>
+            <a:r>
+              <a:rPr lang="en-US" baseline="0" dirty="0" smtClean="0"/>
+              <a:t> </a:t>
+            </a:r>
+            <a:r>
+              <a:rPr lang="en-US" baseline="0" dirty="0" err="1" smtClean="0"/>
+              <a:t>cách</a:t>
+            </a:r>
+            <a:r>
+              <a:rPr lang="en-US" baseline="0" dirty="0" smtClean="0"/>
+              <a:t> </a:t>
+            </a:r>
+            <a:r>
+              <a:rPr lang="en-US" baseline="0" dirty="0" err="1" smtClean="0"/>
+              <a:t>giải</a:t>
+            </a:r>
+            <a:r>
+              <a:rPr lang="en-US" baseline="0" dirty="0" smtClean="0"/>
+              <a:t> </a:t>
+            </a:r>
+            <a:r>
+              <a:rPr lang="en-US" baseline="0" dirty="0" err="1" smtClean="0"/>
+              <a:t>quyết</a:t>
+            </a:r>
+            <a:r>
+              <a:rPr lang="en-US" baseline="0" dirty="0" smtClean="0"/>
+              <a:t>, 4 </a:t>
+            </a:r>
+            <a:r>
+              <a:rPr lang="en-US" baseline="0" dirty="0" err="1" smtClean="0"/>
+              <a:t>là</a:t>
+            </a:r>
+            <a:r>
+              <a:rPr lang="en-US" baseline="0" dirty="0" smtClean="0"/>
+              <a:t> </a:t>
+            </a:r>
+            <a:r>
+              <a:rPr lang="en-US" baseline="0" dirty="0" err="1" smtClean="0"/>
+              <a:t>trạng</a:t>
+            </a:r>
+            <a:r>
+              <a:rPr lang="en-US" baseline="0" dirty="0" smtClean="0"/>
+              <a:t> </a:t>
+            </a:r>
+            <a:r>
+              <a:rPr lang="en-US" baseline="0" dirty="0" err="1" smtClean="0"/>
+              <a:t>thái</a:t>
+            </a:r>
+            <a:r>
+              <a:rPr lang="en-US" baseline="0" dirty="0" smtClean="0"/>
+              <a:t> risk (</a:t>
+            </a:r>
+            <a:r>
+              <a:rPr lang="en-US" baseline="0" dirty="0" err="1" smtClean="0"/>
+              <a:t>cái</a:t>
+            </a:r>
+            <a:r>
+              <a:rPr lang="en-US" baseline="0" dirty="0" smtClean="0"/>
+              <a:t> </a:t>
+            </a:r>
+            <a:r>
+              <a:rPr lang="en-US" baseline="0" dirty="0" err="1" smtClean="0"/>
+              <a:t>này</a:t>
+            </a:r>
+            <a:r>
+              <a:rPr lang="en-US" baseline="0" dirty="0" smtClean="0"/>
+              <a:t> </a:t>
+            </a:r>
+            <a:r>
+              <a:rPr lang="en-US" baseline="0" dirty="0" err="1" smtClean="0"/>
+              <a:t>để</a:t>
+            </a:r>
+            <a:r>
+              <a:rPr lang="en-US" baseline="0" dirty="0" smtClean="0"/>
+              <a:t> </a:t>
+            </a:r>
+            <a:r>
+              <a:rPr lang="en-US" baseline="0" dirty="0" err="1" smtClean="0"/>
+              <a:t>là</a:t>
+            </a:r>
+            <a:r>
+              <a:rPr lang="en-US" baseline="0" dirty="0" smtClean="0"/>
+              <a:t> Closed </a:t>
+            </a:r>
+            <a:r>
+              <a:rPr lang="en-US" baseline="0" dirty="0" err="1" smtClean="0"/>
+              <a:t>hết</a:t>
+            </a:r>
+            <a:r>
+              <a:rPr lang="en-US" baseline="0" dirty="0" smtClean="0"/>
+              <a:t> </a:t>
+            </a:r>
+            <a:r>
+              <a:rPr lang="en-US" baseline="0" dirty="0" err="1" smtClean="0"/>
+              <a:t>cho</a:t>
+            </a:r>
+            <a:r>
+              <a:rPr lang="en-US" baseline="0" dirty="0" smtClean="0"/>
+              <a:t> </a:t>
+            </a:r>
+            <a:r>
+              <a:rPr lang="en-US" baseline="0" dirty="0" err="1" smtClean="0"/>
+              <a:t>tao</a:t>
+            </a:r>
+            <a:r>
+              <a:rPr lang="en-US" baseline="0" dirty="0" smtClean="0"/>
+              <a:t>).</a:t>
+            </a:r>
+          </a:p>
+          <a:p>
+            <a:pPr marL="171450" indent="-171450">
+              <a:buFontTx/>
+              <a:buChar char="-"/>
+            </a:pPr>
+            <a:r>
+              <a:rPr lang="en-US" baseline="0" dirty="0" err="1" smtClean="0"/>
+              <a:t>Chỉ</a:t>
+            </a:r>
+            <a:r>
+              <a:rPr lang="en-US" baseline="0" dirty="0" smtClean="0"/>
+              <a:t> </a:t>
+            </a:r>
+            <a:r>
+              <a:rPr lang="en-US" baseline="0" dirty="0" err="1" smtClean="0"/>
+              <a:t>nói</a:t>
+            </a:r>
+            <a:r>
+              <a:rPr lang="en-US" baseline="0" dirty="0" smtClean="0"/>
+              <a:t> </a:t>
+            </a:r>
+            <a:r>
+              <a:rPr lang="en-US" baseline="0" dirty="0" err="1" smtClean="0"/>
+              <a:t>những</a:t>
+            </a:r>
+            <a:r>
+              <a:rPr lang="en-US" baseline="0" dirty="0" smtClean="0"/>
+              <a:t> risk </a:t>
+            </a:r>
+            <a:r>
+              <a:rPr lang="en-US" baseline="0" dirty="0" err="1" smtClean="0"/>
+              <a:t>mà</a:t>
+            </a:r>
+            <a:r>
+              <a:rPr lang="en-US" baseline="0" dirty="0" smtClean="0"/>
+              <a:t> </a:t>
+            </a:r>
+            <a:r>
+              <a:rPr lang="en-US" baseline="0" dirty="0" err="1" smtClean="0"/>
+              <a:t>dự</a:t>
+            </a:r>
+            <a:r>
+              <a:rPr lang="en-US" baseline="0" dirty="0" smtClean="0"/>
+              <a:t> </a:t>
+            </a:r>
+            <a:r>
+              <a:rPr lang="en-US" baseline="0" dirty="0" err="1" smtClean="0"/>
+              <a:t>án</a:t>
+            </a:r>
+            <a:r>
+              <a:rPr lang="en-US" baseline="0" dirty="0" smtClean="0"/>
+              <a:t> </a:t>
+            </a:r>
+            <a:r>
+              <a:rPr lang="en-US" baseline="0" dirty="0" err="1" smtClean="0"/>
+              <a:t>gặp</a:t>
+            </a:r>
+            <a:r>
+              <a:rPr lang="en-US" baseline="0" dirty="0" smtClean="0"/>
+              <a:t> </a:t>
+            </a:r>
+            <a:r>
+              <a:rPr lang="en-US" baseline="0" dirty="0" err="1" smtClean="0"/>
+              <a:t>phải</a:t>
+            </a:r>
+            <a:r>
+              <a:rPr lang="en-US" baseline="0" dirty="0" smtClean="0"/>
+              <a:t>, </a:t>
+            </a:r>
+            <a:r>
+              <a:rPr lang="en-US" baseline="0" dirty="0" err="1" smtClean="0"/>
+              <a:t>chú</a:t>
+            </a:r>
+            <a:r>
+              <a:rPr lang="en-US" baseline="0" dirty="0" smtClean="0"/>
+              <a:t> ý </a:t>
+            </a:r>
+            <a:r>
+              <a:rPr lang="en-US" baseline="0" dirty="0" err="1" smtClean="0"/>
+              <a:t>ko</a:t>
+            </a:r>
+            <a:r>
+              <a:rPr lang="en-US" baseline="0" dirty="0" smtClean="0"/>
+              <a:t> </a:t>
+            </a:r>
+            <a:r>
+              <a:rPr lang="en-US" baseline="0" dirty="0" err="1" smtClean="0"/>
+              <a:t>nhầm</a:t>
+            </a:r>
+            <a:r>
+              <a:rPr lang="en-US" baseline="0" dirty="0" smtClean="0"/>
+              <a:t> </a:t>
+            </a:r>
+            <a:r>
+              <a:rPr lang="en-US" baseline="0" dirty="0" err="1" smtClean="0"/>
+              <a:t>nguyên</a:t>
+            </a:r>
+            <a:r>
+              <a:rPr lang="en-US" baseline="0" dirty="0" smtClean="0"/>
+              <a:t> </a:t>
+            </a:r>
+            <a:r>
+              <a:rPr lang="en-US" baseline="0" dirty="0" err="1" smtClean="0"/>
+              <a:t>nhân</a:t>
+            </a:r>
+            <a:r>
+              <a:rPr lang="en-US" baseline="0" dirty="0" smtClean="0"/>
+              <a:t> risk </a:t>
+            </a:r>
+            <a:r>
+              <a:rPr lang="en-US" baseline="0" dirty="0" err="1" smtClean="0"/>
+              <a:t>với</a:t>
+            </a:r>
+            <a:r>
+              <a:rPr lang="en-US" baseline="0" dirty="0" smtClean="0"/>
+              <a:t> risk.</a:t>
+            </a:r>
+          </a:p>
+          <a:p>
+            <a:pPr marL="171450" indent="-171450">
+              <a:buFontTx/>
+              <a:buChar char="-"/>
+            </a:pPr>
+            <a:r>
+              <a:rPr lang="en-US" baseline="0" dirty="0" smtClean="0"/>
+              <a:t>VD </a:t>
+            </a:r>
+            <a:r>
+              <a:rPr lang="en-US" baseline="0" dirty="0" err="1" smtClean="0"/>
+              <a:t>dự</a:t>
+            </a:r>
+            <a:r>
+              <a:rPr lang="en-US" baseline="0" dirty="0" smtClean="0"/>
+              <a:t> </a:t>
+            </a:r>
+            <a:r>
+              <a:rPr lang="en-US" baseline="0" dirty="0" err="1" smtClean="0"/>
+              <a:t>án</a:t>
+            </a:r>
+            <a:r>
+              <a:rPr lang="en-US" baseline="0" dirty="0" smtClean="0"/>
+              <a:t> </a:t>
+            </a:r>
+            <a:r>
+              <a:rPr lang="en-US" baseline="0" dirty="0" err="1" smtClean="0"/>
+              <a:t>có</a:t>
+            </a:r>
+            <a:r>
+              <a:rPr lang="en-US" baseline="0" dirty="0" smtClean="0"/>
+              <a:t> technical risk </a:t>
+            </a:r>
+            <a:r>
+              <a:rPr lang="en-US" baseline="0" dirty="0" err="1" smtClean="0"/>
+              <a:t>là</a:t>
+            </a:r>
+            <a:r>
+              <a:rPr lang="en-US" baseline="0" dirty="0" smtClean="0"/>
+              <a:t> </a:t>
+            </a:r>
+          </a:p>
+          <a:p>
+            <a:pPr marL="628650" lvl="1" indent="-171450">
+              <a:buFontTx/>
+              <a:buChar char="-"/>
+            </a:pPr>
+            <a:r>
+              <a:rPr lang="en-US" baseline="0" dirty="0" smtClean="0"/>
+              <a:t>Ở </a:t>
+            </a:r>
+            <a:r>
+              <a:rPr lang="en-US" baseline="0" dirty="0" err="1" smtClean="0"/>
+              <a:t>chức</a:t>
+            </a:r>
+            <a:r>
+              <a:rPr lang="en-US" baseline="0" dirty="0" smtClean="0"/>
+              <a:t> </a:t>
+            </a:r>
+            <a:r>
+              <a:rPr lang="en-US" baseline="0" dirty="0" err="1" smtClean="0"/>
+              <a:t>năng</a:t>
+            </a:r>
+            <a:r>
+              <a:rPr lang="en-US" baseline="0" dirty="0" smtClean="0"/>
+              <a:t> </a:t>
+            </a:r>
+            <a:r>
+              <a:rPr lang="en-US" baseline="0" dirty="0" err="1" smtClean="0"/>
+              <a:t>thư</a:t>
+            </a:r>
+            <a:r>
+              <a:rPr lang="en-US" baseline="0" dirty="0" smtClean="0"/>
+              <a:t> </a:t>
+            </a:r>
+            <a:r>
+              <a:rPr lang="en-US" baseline="0" dirty="0" err="1" smtClean="0"/>
+              <a:t>viện</a:t>
+            </a:r>
+            <a:r>
+              <a:rPr lang="en-US" baseline="0" dirty="0" smtClean="0"/>
+              <a:t> </a:t>
+            </a:r>
+            <a:r>
+              <a:rPr lang="en-US" baseline="0" dirty="0" err="1" smtClean="0"/>
+              <a:t>bài</a:t>
+            </a:r>
+            <a:r>
+              <a:rPr lang="en-US" baseline="0" dirty="0" smtClean="0"/>
+              <a:t> </a:t>
+            </a:r>
+            <a:r>
+              <a:rPr lang="en-US" baseline="0" dirty="0" err="1" smtClean="0"/>
+              <a:t>tập</a:t>
+            </a:r>
+            <a:r>
+              <a:rPr lang="en-US" baseline="0" dirty="0" smtClean="0"/>
+              <a:t>, code </a:t>
+            </a:r>
+            <a:r>
+              <a:rPr lang="en-US" baseline="0" dirty="0" err="1" smtClean="0"/>
+              <a:t>không</a:t>
+            </a:r>
+            <a:r>
+              <a:rPr lang="en-US" baseline="0" dirty="0" smtClean="0"/>
+              <a:t> </a:t>
+            </a:r>
+            <a:r>
+              <a:rPr lang="en-US" baseline="0" dirty="0" err="1" smtClean="0"/>
+              <a:t>được</a:t>
+            </a:r>
+            <a:r>
+              <a:rPr lang="en-US" baseline="0" dirty="0" smtClean="0"/>
+              <a:t> </a:t>
+            </a:r>
+            <a:r>
+              <a:rPr lang="en-US" baseline="0" dirty="0" err="1" smtClean="0"/>
+              <a:t>hoàn</a:t>
+            </a:r>
+            <a:r>
+              <a:rPr lang="en-US" baseline="0" dirty="0" smtClean="0"/>
+              <a:t> </a:t>
+            </a:r>
+            <a:r>
+              <a:rPr lang="en-US" baseline="0" dirty="0" err="1" smtClean="0"/>
+              <a:t>thiện</a:t>
+            </a:r>
+            <a:endParaRPr lang="en-US" baseline="0" dirty="0" smtClean="0"/>
+          </a:p>
+          <a:p>
+            <a:pPr marL="628650" lvl="1" indent="-171450">
+              <a:buFontTx/>
+              <a:buChar char="-"/>
+            </a:pPr>
+            <a:r>
+              <a:rPr lang="en-US" baseline="0" dirty="0" err="1" smtClean="0"/>
+              <a:t>Nguyên</a:t>
+            </a:r>
+            <a:r>
+              <a:rPr lang="en-US" baseline="0" dirty="0" smtClean="0"/>
+              <a:t> </a:t>
+            </a:r>
+            <a:r>
+              <a:rPr lang="en-US" baseline="0" dirty="0" err="1" smtClean="0"/>
+              <a:t>nhân</a:t>
+            </a:r>
+            <a:r>
+              <a:rPr lang="en-US" baseline="0" dirty="0" smtClean="0"/>
+              <a:t> </a:t>
+            </a:r>
+            <a:r>
+              <a:rPr lang="en-US" baseline="0" dirty="0" err="1" smtClean="0"/>
+              <a:t>là</a:t>
+            </a:r>
+            <a:r>
+              <a:rPr lang="en-US" baseline="0" dirty="0" smtClean="0"/>
+              <a:t> </a:t>
+            </a:r>
+            <a:r>
+              <a:rPr lang="en-US" baseline="0" dirty="0" err="1" smtClean="0"/>
+              <a:t>thành</a:t>
+            </a:r>
+            <a:r>
+              <a:rPr lang="en-US" baseline="0" dirty="0" smtClean="0"/>
+              <a:t> </a:t>
+            </a:r>
+            <a:r>
+              <a:rPr lang="en-US" baseline="0" dirty="0" err="1" smtClean="0"/>
+              <a:t>viên</a:t>
+            </a:r>
+            <a:r>
+              <a:rPr lang="en-US" baseline="0" dirty="0" smtClean="0"/>
+              <a:t> </a:t>
+            </a:r>
+            <a:r>
+              <a:rPr lang="en-US" baseline="0" dirty="0" err="1" smtClean="0"/>
+              <a:t>chưa</a:t>
+            </a:r>
+            <a:r>
+              <a:rPr lang="en-US" baseline="0" dirty="0" smtClean="0"/>
+              <a:t> </a:t>
+            </a:r>
+            <a:r>
+              <a:rPr lang="en-US" baseline="0" dirty="0" err="1" smtClean="0"/>
+              <a:t>nắm</a:t>
+            </a:r>
+            <a:r>
+              <a:rPr lang="en-US" baseline="0" dirty="0" smtClean="0"/>
+              <a:t> </a:t>
+            </a:r>
+            <a:r>
+              <a:rPr lang="en-US" baseline="0" dirty="0" err="1" smtClean="0"/>
+              <a:t>rõ</a:t>
+            </a:r>
+            <a:r>
+              <a:rPr lang="en-US" baseline="0" dirty="0" smtClean="0"/>
+              <a:t> framework </a:t>
+            </a:r>
+            <a:r>
+              <a:rPr lang="en-US" baseline="0" dirty="0" err="1" smtClean="0"/>
+              <a:t>của</a:t>
+            </a:r>
+            <a:r>
+              <a:rPr lang="en-US" baseline="0" dirty="0" smtClean="0"/>
+              <a:t> </a:t>
+            </a:r>
+            <a:r>
+              <a:rPr lang="en-US" baseline="0" dirty="0" err="1" smtClean="0"/>
+              <a:t>joomla</a:t>
+            </a:r>
+            <a:r>
+              <a:rPr lang="en-US" baseline="0" dirty="0" smtClean="0"/>
+              <a:t> </a:t>
+            </a:r>
+            <a:r>
+              <a:rPr lang="en-US" baseline="0" dirty="0" err="1" smtClean="0"/>
+              <a:t>và</a:t>
+            </a:r>
+            <a:r>
+              <a:rPr lang="en-US" baseline="0" dirty="0" smtClean="0"/>
+              <a:t> </a:t>
+            </a:r>
+            <a:r>
+              <a:rPr lang="en-US" baseline="0" dirty="0" err="1" smtClean="0"/>
+              <a:t>ngôn</a:t>
+            </a:r>
+            <a:r>
+              <a:rPr lang="en-US" baseline="0" dirty="0" smtClean="0"/>
+              <a:t> </a:t>
+            </a:r>
+            <a:r>
+              <a:rPr lang="en-US" baseline="0" dirty="0" err="1" smtClean="0"/>
+              <a:t>ngữ</a:t>
+            </a:r>
+            <a:r>
+              <a:rPr lang="en-US" baseline="0" dirty="0" smtClean="0"/>
+              <a:t> PHP </a:t>
+            </a:r>
+            <a:r>
+              <a:rPr lang="en-US" baseline="0" dirty="0" err="1" smtClean="0"/>
+              <a:t>nên</a:t>
+            </a:r>
+            <a:r>
+              <a:rPr lang="en-US" baseline="0" dirty="0" smtClean="0"/>
+              <a:t> </a:t>
+            </a:r>
+            <a:r>
+              <a:rPr lang="en-US" baseline="0" dirty="0" err="1" smtClean="0"/>
+              <a:t>không</a:t>
+            </a:r>
+            <a:r>
+              <a:rPr lang="en-US" baseline="0" dirty="0" smtClean="0"/>
+              <a:t> </a:t>
+            </a:r>
+            <a:r>
+              <a:rPr lang="en-US" baseline="0" dirty="0" err="1" smtClean="0"/>
+              <a:t>biết</a:t>
+            </a:r>
+            <a:r>
+              <a:rPr lang="en-US" baseline="0" dirty="0" smtClean="0"/>
+              <a:t> </a:t>
+            </a:r>
+            <a:r>
+              <a:rPr lang="en-US" baseline="0" dirty="0" err="1" smtClean="0"/>
+              <a:t>cách</a:t>
+            </a:r>
+            <a:r>
+              <a:rPr lang="en-US" baseline="0" dirty="0" smtClean="0"/>
+              <a:t> </a:t>
+            </a:r>
+            <a:r>
+              <a:rPr lang="en-US" baseline="0" dirty="0" err="1" smtClean="0"/>
+              <a:t>xử</a:t>
+            </a:r>
+            <a:r>
+              <a:rPr lang="en-US" baseline="0" dirty="0" smtClean="0"/>
+              <a:t> </a:t>
+            </a:r>
+            <a:r>
+              <a:rPr lang="en-US" baseline="0" dirty="0" err="1" smtClean="0"/>
+              <a:t>lý</a:t>
+            </a:r>
+            <a:endParaRPr lang="en-US" baseline="0" dirty="0" smtClean="0"/>
+          </a:p>
+          <a:p>
+            <a:pPr marL="628650" lvl="1" indent="-171450">
+              <a:buFontTx/>
+              <a:buChar char="-"/>
+            </a:pPr>
+            <a:r>
+              <a:rPr lang="en-US" baseline="0" dirty="0" err="1" smtClean="0"/>
+              <a:t>Cách</a:t>
+            </a:r>
+            <a:r>
+              <a:rPr lang="en-US" baseline="0" dirty="0" smtClean="0"/>
+              <a:t> </a:t>
+            </a:r>
+            <a:r>
+              <a:rPr lang="en-US" baseline="0" dirty="0" err="1" smtClean="0"/>
+              <a:t>giải</a:t>
+            </a:r>
+            <a:r>
+              <a:rPr lang="en-US" baseline="0" dirty="0" smtClean="0"/>
+              <a:t> </a:t>
+            </a:r>
+            <a:r>
+              <a:rPr lang="en-US" baseline="0" dirty="0" err="1" smtClean="0"/>
+              <a:t>quyết</a:t>
+            </a:r>
+            <a:r>
+              <a:rPr lang="en-US" baseline="0" dirty="0" smtClean="0"/>
+              <a:t> </a:t>
+            </a:r>
+            <a:r>
+              <a:rPr lang="en-US" baseline="0" dirty="0" err="1" smtClean="0"/>
+              <a:t>là</a:t>
+            </a:r>
+            <a:r>
+              <a:rPr lang="en-US" baseline="0" dirty="0" smtClean="0"/>
+              <a:t> </a:t>
+            </a:r>
+            <a:r>
+              <a:rPr lang="en-US" baseline="0" dirty="0" err="1" smtClean="0"/>
+              <a:t>traning</a:t>
+            </a:r>
+            <a:r>
+              <a:rPr lang="en-US" baseline="0" dirty="0" smtClean="0"/>
+              <a:t> </a:t>
+            </a:r>
+            <a:r>
+              <a:rPr lang="en-US" baseline="0" dirty="0" err="1" smtClean="0"/>
+              <a:t>lại</a:t>
+            </a:r>
+            <a:r>
+              <a:rPr lang="en-US" baseline="0" dirty="0" smtClean="0"/>
+              <a:t> </a:t>
+            </a:r>
+            <a:r>
+              <a:rPr lang="en-US" baseline="0" dirty="0" err="1" smtClean="0"/>
+              <a:t>về</a:t>
+            </a:r>
+            <a:r>
+              <a:rPr lang="en-US" baseline="0" dirty="0" smtClean="0"/>
+              <a:t> </a:t>
+            </a:r>
+            <a:r>
+              <a:rPr lang="en-US" baseline="0" dirty="0" err="1" smtClean="0"/>
+              <a:t>mô</a:t>
+            </a:r>
+            <a:r>
+              <a:rPr lang="en-US" baseline="0" dirty="0" smtClean="0"/>
+              <a:t> </a:t>
+            </a:r>
+            <a:r>
+              <a:rPr lang="en-US" baseline="0" dirty="0" err="1" smtClean="0"/>
+              <a:t>hình</a:t>
+            </a:r>
+            <a:r>
+              <a:rPr lang="en-US" baseline="0" dirty="0" smtClean="0"/>
+              <a:t> MVC </a:t>
+            </a:r>
+            <a:r>
+              <a:rPr lang="en-US" baseline="0" dirty="0" err="1" smtClean="0"/>
+              <a:t>trong</a:t>
+            </a:r>
+            <a:r>
+              <a:rPr lang="en-US" baseline="0" dirty="0" smtClean="0"/>
+              <a:t> </a:t>
+            </a:r>
+            <a:r>
+              <a:rPr lang="en-US" baseline="0" dirty="0" err="1" smtClean="0"/>
+              <a:t>joomla</a:t>
+            </a:r>
+            <a:r>
+              <a:rPr lang="en-US" baseline="0" dirty="0" smtClean="0"/>
+              <a:t> framework </a:t>
+            </a:r>
+          </a:p>
+          <a:p>
+            <a:pPr marL="628650" lvl="1" indent="-171450">
+              <a:buFontTx/>
+              <a:buChar char="-"/>
+            </a:pPr>
+            <a:r>
+              <a:rPr lang="en-US" baseline="0" dirty="0" err="1" smtClean="0"/>
+              <a:t>Trạng</a:t>
+            </a:r>
+            <a:r>
+              <a:rPr lang="en-US" baseline="0" dirty="0" smtClean="0"/>
+              <a:t> </a:t>
+            </a:r>
+            <a:r>
+              <a:rPr lang="en-US" baseline="0" dirty="0" err="1" smtClean="0"/>
+              <a:t>thái</a:t>
+            </a:r>
+            <a:r>
+              <a:rPr lang="en-US" baseline="0" dirty="0" smtClean="0"/>
+              <a:t> : Closed (</a:t>
+            </a:r>
+            <a:r>
+              <a:rPr lang="en-US" baseline="0" dirty="0" err="1" smtClean="0"/>
+              <a:t>Đã</a:t>
+            </a:r>
+            <a:r>
+              <a:rPr lang="en-US" baseline="0" dirty="0" smtClean="0"/>
+              <a:t> </a:t>
+            </a:r>
+            <a:r>
+              <a:rPr lang="en-US" baseline="0" dirty="0" err="1" smtClean="0"/>
+              <a:t>hoàn</a:t>
+            </a:r>
+            <a:r>
+              <a:rPr lang="en-US" baseline="0" dirty="0" smtClean="0"/>
+              <a:t> </a:t>
+            </a:r>
+            <a:r>
+              <a:rPr lang="en-US" baseline="0" dirty="0" err="1" smtClean="0"/>
+              <a:t>thành</a:t>
+            </a:r>
+            <a:r>
+              <a:rPr lang="en-US" baseline="0" dirty="0" smtClean="0"/>
+              <a:t>)</a:t>
+            </a:r>
             <a:endParaRPr lang="en-US" dirty="0"/>
           </a:p>
         </p:txBody>
@@ -13817,6 +18520,146 @@
           <a:bodyPr/>
           <a:lstStyle/>
           <a:p>
+            <a:r>
+              <a:rPr lang="en-US" dirty="0" smtClean="0"/>
+              <a:t>Quality plan </a:t>
+            </a:r>
+            <a:r>
+              <a:rPr lang="en-US" dirty="0" err="1" smtClean="0"/>
+              <a:t>cũng</a:t>
+            </a:r>
+            <a:r>
+              <a:rPr lang="en-US" baseline="0" dirty="0" smtClean="0"/>
+              <a:t> </a:t>
+            </a:r>
+            <a:r>
+              <a:rPr lang="en-US" baseline="0" dirty="0" err="1" smtClean="0"/>
+              <a:t>làm</a:t>
+            </a:r>
+            <a:r>
+              <a:rPr lang="en-US" baseline="0" dirty="0" smtClean="0"/>
+              <a:t> </a:t>
+            </a:r>
+            <a:r>
+              <a:rPr lang="en-US" baseline="0" dirty="0" err="1" smtClean="0"/>
+              <a:t>lại</a:t>
+            </a:r>
+            <a:r>
+              <a:rPr lang="en-US" baseline="0" dirty="0" smtClean="0"/>
+              <a:t> </a:t>
+            </a:r>
+            <a:r>
+              <a:rPr lang="en-US" baseline="0" dirty="0" err="1" smtClean="0"/>
+              <a:t>theo</a:t>
+            </a:r>
+            <a:r>
+              <a:rPr lang="en-US" baseline="0" dirty="0" smtClean="0"/>
+              <a:t> </a:t>
+            </a:r>
+            <a:r>
+              <a:rPr lang="en-US" baseline="0" dirty="0" err="1" smtClean="0"/>
+              <a:t>bảng</a:t>
+            </a:r>
+            <a:r>
+              <a:rPr lang="en-US" baseline="0" dirty="0" smtClean="0"/>
+              <a:t>, </a:t>
+            </a:r>
+            <a:r>
+              <a:rPr lang="en-US" baseline="0" dirty="0" err="1" smtClean="0"/>
+              <a:t>mô</a:t>
+            </a:r>
+            <a:r>
+              <a:rPr lang="en-US" baseline="0" dirty="0" smtClean="0"/>
+              <a:t> </a:t>
+            </a:r>
+            <a:r>
+              <a:rPr lang="en-US" baseline="0" dirty="0" err="1" smtClean="0"/>
+              <a:t>tả</a:t>
+            </a:r>
+            <a:r>
+              <a:rPr lang="en-US" baseline="0" dirty="0" smtClean="0"/>
+              <a:t> </a:t>
+            </a:r>
+            <a:r>
+              <a:rPr lang="en-US" baseline="0" dirty="0" err="1" smtClean="0"/>
+              <a:t>các</a:t>
+            </a:r>
+            <a:r>
+              <a:rPr lang="en-US" baseline="0" dirty="0" smtClean="0"/>
+              <a:t> </a:t>
+            </a:r>
+            <a:r>
+              <a:rPr lang="en-US" baseline="0" dirty="0" err="1" smtClean="0"/>
+              <a:t>tiêu</a:t>
+            </a:r>
+            <a:r>
+              <a:rPr lang="en-US" baseline="0" dirty="0" smtClean="0"/>
+              <a:t> </a:t>
+            </a:r>
+            <a:r>
+              <a:rPr lang="en-US" baseline="0" dirty="0" err="1" smtClean="0"/>
+              <a:t>chí</a:t>
+            </a:r>
+            <a:r>
+              <a:rPr lang="en-US" baseline="0" dirty="0" smtClean="0"/>
+              <a:t> </a:t>
+            </a:r>
+            <a:r>
+              <a:rPr lang="en-US" baseline="0" dirty="0" err="1" smtClean="0"/>
+              <a:t>đánh</a:t>
+            </a:r>
+            <a:r>
+              <a:rPr lang="en-US" baseline="0" dirty="0" smtClean="0"/>
+              <a:t> </a:t>
+            </a:r>
+            <a:r>
+              <a:rPr lang="en-US" baseline="0" dirty="0" err="1" smtClean="0"/>
+              <a:t>giá</a:t>
+            </a:r>
+            <a:r>
+              <a:rPr lang="en-US" baseline="0" dirty="0" smtClean="0"/>
+              <a:t> </a:t>
+            </a:r>
+            <a:r>
+              <a:rPr lang="en-US" baseline="0" dirty="0" err="1" smtClean="0"/>
+              <a:t>chất</a:t>
+            </a:r>
+            <a:r>
+              <a:rPr lang="en-US" baseline="0" dirty="0" smtClean="0"/>
+              <a:t> </a:t>
+            </a:r>
+            <a:r>
+              <a:rPr lang="en-US" baseline="0" dirty="0" err="1" smtClean="0"/>
+              <a:t>lượng</a:t>
+            </a:r>
+            <a:r>
+              <a:rPr lang="en-US" baseline="0" dirty="0" smtClean="0"/>
+              <a:t> </a:t>
+            </a:r>
+            <a:r>
+              <a:rPr lang="en-US" baseline="0" dirty="0" err="1" smtClean="0"/>
+              <a:t>của</a:t>
+            </a:r>
+            <a:r>
+              <a:rPr lang="en-US" baseline="0" dirty="0" smtClean="0"/>
+              <a:t> </a:t>
+            </a:r>
+            <a:r>
+              <a:rPr lang="en-US" baseline="0" dirty="0" err="1" smtClean="0"/>
+              <a:t>dự</a:t>
+            </a:r>
+            <a:r>
+              <a:rPr lang="en-US" baseline="0" dirty="0" smtClean="0"/>
+              <a:t> </a:t>
+            </a:r>
+            <a:r>
+              <a:rPr lang="en-US" baseline="0" dirty="0" err="1" smtClean="0"/>
+              <a:t>án</a:t>
+            </a:r>
+            <a:r>
+              <a:rPr lang="en-US" baseline="0" dirty="0" smtClean="0"/>
+              <a:t>.</a:t>
+            </a:r>
             <a:endParaRPr lang="en-US" dirty="0"/>
           </a:p>
         </p:txBody>
@@ -13901,57 +18744,546 @@
           <a:bodyPr/>
           <a:lstStyle/>
           <a:p>
-            <a:pPr marL="0" marR="0" indent="0" algn="l" defTabSz="914400" rtl="0" eaLnBrk="1" fontAlgn="auto" latinLnBrk="0" hangingPunct="1">
-              <a:lnSpc>
-                <a:spcPct val="100000"/>
-              </a:lnSpc>
-              <a:spcBef>
-                <a:spcPts val="0"/>
-              </a:spcBef>
-              <a:spcAft>
-                <a:spcPts val="0"/>
-              </a:spcAft>
-              <a:buClrTx/>
-              <a:buSzTx/>
-              <a:buFontTx/>
-              <a:buNone/>
-              <a:tabLst/>
-              <a:defRPr/>
-            </a:pPr>
             <a:r>
               <a:rPr lang="en-US" dirty="0" err="1" smtClean="0"/>
-              <a:t>Tránh</a:t>
-            </a:r>
-            <a:r>
-              <a:rPr lang="en-US" dirty="0" smtClean="0"/>
-              <a:t> </a:t>
-            </a:r>
-            <a:r>
-              <a:rPr lang="en-US" dirty="0" err="1" smtClean="0"/>
-              <a:t>ko</a:t>
-            </a:r>
-            <a:r>
-              <a:rPr lang="en-US" dirty="0" smtClean="0"/>
-              <a:t> </a:t>
-            </a:r>
-            <a:r>
-              <a:rPr lang="en-US" dirty="0" err="1" smtClean="0"/>
-              <a:t>đc</a:t>
-            </a:r>
-            <a:r>
-              <a:rPr lang="en-US" dirty="0" smtClean="0"/>
-              <a:t> </a:t>
-            </a:r>
-            <a:r>
-              <a:rPr lang="en-US" dirty="0" err="1" smtClean="0"/>
-              <a:t>dùng</a:t>
-            </a:r>
-            <a:r>
-              <a:rPr lang="en-US" dirty="0" smtClean="0"/>
-              <a:t> 24/7</a:t>
+              <a:t>Cái</a:t>
+            </a:r>
+            <a:r>
+              <a:rPr lang="en-US" baseline="0" dirty="0" smtClean="0"/>
+              <a:t> </a:t>
+            </a:r>
+            <a:r>
+              <a:rPr lang="en-US" baseline="0" dirty="0" err="1" smtClean="0"/>
+              <a:t>này</a:t>
+            </a:r>
+            <a:r>
+              <a:rPr lang="en-US" baseline="0" dirty="0" smtClean="0"/>
+              <a:t> </a:t>
+            </a:r>
+            <a:r>
+              <a:rPr lang="en-US" baseline="0" dirty="0" err="1" smtClean="0"/>
+              <a:t>cũng</a:t>
+            </a:r>
+            <a:r>
+              <a:rPr lang="en-US" baseline="0" dirty="0" smtClean="0"/>
+              <a:t> </a:t>
+            </a:r>
+            <a:r>
+              <a:rPr lang="en-US" baseline="0" dirty="0" err="1" smtClean="0"/>
+              <a:t>làm</a:t>
+            </a:r>
+            <a:r>
+              <a:rPr lang="en-US" baseline="0" dirty="0" smtClean="0"/>
+              <a:t> </a:t>
+            </a:r>
+            <a:r>
+              <a:rPr lang="en-US" baseline="0" dirty="0" err="1" smtClean="0"/>
+              <a:t>lại</a:t>
+            </a:r>
+            <a:r>
+              <a:rPr lang="en-US" baseline="0" dirty="0" smtClean="0"/>
+              <a:t>.</a:t>
             </a:r>
           </a:p>
           <a:p>
+            <a:r>
+              <a:rPr lang="en-US" baseline="0" dirty="0" err="1" smtClean="0"/>
+              <a:t>Tiêu</a:t>
+            </a:r>
+            <a:r>
+              <a:rPr lang="en-US" baseline="0" dirty="0" smtClean="0"/>
+              <a:t> </a:t>
+            </a:r>
+            <a:r>
+              <a:rPr lang="en-US" baseline="0" dirty="0" err="1" smtClean="0"/>
+              <a:t>chí</a:t>
+            </a:r>
+            <a:r>
+              <a:rPr lang="en-US" baseline="0" dirty="0" smtClean="0"/>
+              <a:t> </a:t>
+            </a:r>
+            <a:r>
+              <a:rPr lang="en-US" baseline="0" dirty="0" err="1" smtClean="0"/>
+              <a:t>đánh</a:t>
+            </a:r>
+            <a:r>
+              <a:rPr lang="en-US" baseline="0" dirty="0" smtClean="0"/>
+              <a:t> </a:t>
+            </a:r>
+            <a:r>
+              <a:rPr lang="en-US" baseline="0" dirty="0" err="1" smtClean="0"/>
+              <a:t>giá</a:t>
+            </a:r>
+            <a:r>
+              <a:rPr lang="en-US" baseline="0" dirty="0" smtClean="0"/>
+              <a:t> </a:t>
+            </a:r>
+            <a:r>
+              <a:rPr lang="en-US" baseline="0" dirty="0" err="1" smtClean="0"/>
+              <a:t>thành</a:t>
+            </a:r>
+            <a:r>
+              <a:rPr lang="en-US" baseline="0" dirty="0" smtClean="0"/>
+              <a:t> </a:t>
+            </a:r>
+            <a:r>
+              <a:rPr lang="en-US" baseline="0" dirty="0" err="1" smtClean="0"/>
+              <a:t>công</a:t>
+            </a:r>
+            <a:r>
+              <a:rPr lang="en-US" baseline="0" dirty="0" smtClean="0"/>
+              <a:t> </a:t>
+            </a:r>
+            <a:r>
+              <a:rPr lang="en-US" baseline="0" dirty="0" err="1" smtClean="0"/>
+              <a:t>của</a:t>
+            </a:r>
+            <a:r>
+              <a:rPr lang="en-US" baseline="0" dirty="0" smtClean="0"/>
+              <a:t> </a:t>
+            </a:r>
+            <a:r>
+              <a:rPr lang="en-US" baseline="0" dirty="0" err="1" smtClean="0"/>
+              <a:t>dự</a:t>
+            </a:r>
+            <a:r>
+              <a:rPr lang="en-US" baseline="0" dirty="0" smtClean="0"/>
+              <a:t> </a:t>
+            </a:r>
+            <a:r>
+              <a:rPr lang="en-US" baseline="0" dirty="0" err="1" smtClean="0"/>
+              <a:t>án</a:t>
+            </a:r>
+            <a:r>
+              <a:rPr lang="en-US" baseline="0" dirty="0" smtClean="0"/>
+              <a:t>:</a:t>
+            </a:r>
+          </a:p>
+          <a:p>
+            <a:pPr marL="171450" indent="-171450">
+              <a:buFontTx/>
+              <a:buChar char="-"/>
+            </a:pPr>
+            <a:r>
+              <a:rPr lang="en-US" baseline="0" dirty="0" err="1" smtClean="0"/>
+              <a:t>Làm</a:t>
+            </a:r>
+            <a:r>
+              <a:rPr lang="en-US" baseline="0" dirty="0" smtClean="0"/>
+              <a:t> </a:t>
+            </a:r>
+            <a:r>
+              <a:rPr lang="en-US" baseline="0" dirty="0" err="1" smtClean="0"/>
+              <a:t>được</a:t>
+            </a:r>
+            <a:r>
+              <a:rPr lang="en-US" baseline="0" dirty="0" smtClean="0"/>
+              <a:t> </a:t>
+            </a:r>
+            <a:r>
+              <a:rPr lang="en-US" baseline="0" dirty="0" err="1" smtClean="0"/>
+              <a:t>chức</a:t>
+            </a:r>
+            <a:r>
+              <a:rPr lang="en-US" baseline="0" dirty="0" smtClean="0"/>
+              <a:t> </a:t>
+            </a:r>
+            <a:r>
+              <a:rPr lang="en-US" baseline="0" dirty="0" err="1" smtClean="0"/>
+              <a:t>năng</a:t>
+            </a:r>
+            <a:r>
+              <a:rPr lang="en-US" baseline="0" dirty="0" smtClean="0"/>
+              <a:t> </a:t>
+            </a:r>
+            <a:r>
+              <a:rPr lang="en-US" baseline="0" dirty="0" err="1" smtClean="0"/>
+              <a:t>nào</a:t>
+            </a:r>
+            <a:r>
+              <a:rPr lang="en-US" baseline="0" dirty="0" smtClean="0"/>
+              <a:t> (</a:t>
+            </a:r>
+            <a:r>
+              <a:rPr lang="en-US" baseline="0" dirty="0" err="1" smtClean="0"/>
+              <a:t>Lý</a:t>
+            </a:r>
+            <a:r>
+              <a:rPr lang="en-US" baseline="0" dirty="0" smtClean="0"/>
+              <a:t> </a:t>
+            </a:r>
+            <a:r>
+              <a:rPr lang="en-US" baseline="0" dirty="0" err="1" smtClean="0"/>
+              <a:t>thuyết</a:t>
+            </a:r>
+            <a:r>
+              <a:rPr lang="en-US" baseline="0" dirty="0" smtClean="0"/>
+              <a:t>, </a:t>
+            </a:r>
+            <a:r>
+              <a:rPr lang="en-US" baseline="0" dirty="0" err="1" smtClean="0"/>
+              <a:t>bài</a:t>
+            </a:r>
+            <a:r>
+              <a:rPr lang="en-US" baseline="0" dirty="0" smtClean="0"/>
+              <a:t> </a:t>
+            </a:r>
+            <a:r>
+              <a:rPr lang="en-US" baseline="0" dirty="0" err="1" smtClean="0"/>
+              <a:t>tập</a:t>
+            </a:r>
+            <a:r>
+              <a:rPr lang="en-US" baseline="0" dirty="0" smtClean="0"/>
+              <a:t>, </a:t>
+            </a:r>
+            <a:r>
+              <a:rPr lang="en-US" baseline="0" dirty="0" err="1" smtClean="0"/>
+              <a:t>diễn</a:t>
+            </a:r>
+            <a:r>
+              <a:rPr lang="en-US" baseline="0" dirty="0" smtClean="0"/>
+              <a:t> </a:t>
+            </a:r>
+            <a:r>
+              <a:rPr lang="en-US" baseline="0" dirty="0" err="1" smtClean="0"/>
+              <a:t>đàn</a:t>
+            </a:r>
+            <a:r>
+              <a:rPr lang="en-US" baseline="0" dirty="0" smtClean="0"/>
+              <a:t>…) – </a:t>
+            </a:r>
+            <a:r>
+              <a:rPr lang="en-US" baseline="0" dirty="0" err="1" smtClean="0"/>
+              <a:t>các</a:t>
+            </a:r>
+            <a:r>
+              <a:rPr lang="en-US" baseline="0" dirty="0" smtClean="0"/>
+              <a:t> </a:t>
+            </a:r>
+            <a:r>
+              <a:rPr lang="en-US" baseline="0" dirty="0" err="1" smtClean="0"/>
+              <a:t>chức</a:t>
+            </a:r>
+            <a:r>
+              <a:rPr lang="en-US" baseline="0" dirty="0" smtClean="0"/>
+              <a:t> </a:t>
+            </a:r>
+            <a:r>
+              <a:rPr lang="en-US" baseline="0" dirty="0" err="1" smtClean="0"/>
+              <a:t>năng</a:t>
+            </a:r>
+            <a:r>
+              <a:rPr lang="en-US" baseline="0" dirty="0" smtClean="0"/>
+              <a:t> </a:t>
+            </a:r>
+            <a:r>
+              <a:rPr lang="en-US" baseline="0" dirty="0" err="1" smtClean="0"/>
+              <a:t>chính</a:t>
+            </a:r>
+            <a:r>
+              <a:rPr lang="en-US" baseline="0" dirty="0" smtClean="0"/>
+              <a:t> </a:t>
+            </a:r>
+            <a:r>
+              <a:rPr lang="en-US" baseline="0" dirty="0" err="1" smtClean="0"/>
+              <a:t>có</a:t>
+            </a:r>
+            <a:r>
+              <a:rPr lang="en-US" baseline="0" dirty="0" smtClean="0"/>
+              <a:t> </a:t>
+            </a:r>
+            <a:r>
+              <a:rPr lang="en-US" baseline="0" dirty="0" err="1" smtClean="0"/>
+              <a:t>độ</a:t>
+            </a:r>
+            <a:r>
+              <a:rPr lang="en-US" baseline="0" dirty="0" smtClean="0"/>
+              <a:t> </a:t>
+            </a:r>
+            <a:r>
+              <a:rPr lang="en-US" baseline="0" dirty="0" err="1" smtClean="0"/>
+              <a:t>ưu</a:t>
+            </a:r>
+            <a:r>
+              <a:rPr lang="en-US" baseline="0" dirty="0" smtClean="0"/>
+              <a:t> </a:t>
+            </a:r>
+            <a:r>
+              <a:rPr lang="en-US" baseline="0" dirty="0" err="1" smtClean="0"/>
+              <a:t>tiên</a:t>
+            </a:r>
+            <a:r>
+              <a:rPr lang="en-US" baseline="0" dirty="0" smtClean="0"/>
+              <a:t> </a:t>
+            </a:r>
+            <a:r>
+              <a:rPr lang="en-US" baseline="0" dirty="0" err="1" smtClean="0"/>
+              <a:t>cao</a:t>
+            </a:r>
+            <a:r>
+              <a:rPr lang="en-US" baseline="0" dirty="0" smtClean="0"/>
+              <a:t>.</a:t>
+            </a:r>
+          </a:p>
+          <a:p>
+            <a:pPr marL="171450" indent="-171450">
+              <a:buFontTx/>
+              <a:buChar char="-"/>
+            </a:pPr>
+            <a:r>
+              <a:rPr lang="en-US" baseline="0" dirty="0" smtClean="0"/>
+              <a:t>Tester test </a:t>
+            </a:r>
+            <a:r>
+              <a:rPr lang="en-US" baseline="0" dirty="0" err="1" smtClean="0"/>
+              <a:t>được</a:t>
+            </a:r>
+            <a:r>
+              <a:rPr lang="en-US" baseline="0" dirty="0" smtClean="0"/>
+              <a:t> </a:t>
+            </a:r>
+            <a:r>
+              <a:rPr lang="en-US" baseline="0" dirty="0" err="1" smtClean="0"/>
+              <a:t>bao</a:t>
+            </a:r>
+            <a:r>
+              <a:rPr lang="en-US" baseline="0" dirty="0" smtClean="0"/>
+              <a:t> </a:t>
+            </a:r>
+            <a:r>
+              <a:rPr lang="en-US" baseline="0" dirty="0" err="1" smtClean="0"/>
+              <a:t>nhiêu</a:t>
+            </a:r>
+            <a:r>
+              <a:rPr lang="en-US" baseline="0" dirty="0" smtClean="0"/>
+              <a:t> </a:t>
+            </a:r>
+            <a:r>
+              <a:rPr lang="en-US" baseline="0" dirty="0" err="1" smtClean="0"/>
+              <a:t>lỗi</a:t>
+            </a:r>
+            <a:r>
+              <a:rPr lang="en-US" baseline="0" dirty="0" smtClean="0"/>
+              <a:t> </a:t>
+            </a:r>
+            <a:r>
+              <a:rPr lang="en-US" baseline="0" dirty="0" err="1" smtClean="0"/>
+              <a:t>trên</a:t>
+            </a:r>
+            <a:r>
+              <a:rPr lang="en-US" baseline="0" dirty="0" smtClean="0"/>
+              <a:t> </a:t>
+            </a:r>
+            <a:r>
+              <a:rPr lang="en-US" baseline="0" dirty="0" err="1" smtClean="0"/>
+              <a:t>bao</a:t>
+            </a:r>
+            <a:r>
+              <a:rPr lang="en-US" baseline="0" dirty="0" smtClean="0"/>
+              <a:t> </a:t>
+            </a:r>
+            <a:r>
+              <a:rPr lang="en-US" baseline="0" dirty="0" err="1" smtClean="0"/>
+              <a:t>nhiêu</a:t>
+            </a:r>
+            <a:r>
+              <a:rPr lang="en-US" baseline="0" dirty="0" smtClean="0"/>
+              <a:t> </a:t>
+            </a:r>
+            <a:r>
+              <a:rPr lang="en-US" baseline="0" dirty="0" err="1" smtClean="0"/>
+              <a:t>kstep</a:t>
+            </a:r>
+            <a:r>
+              <a:rPr lang="en-US" baseline="0" dirty="0" smtClean="0"/>
+              <a:t> – line of code, developer </a:t>
+            </a:r>
+            <a:r>
+              <a:rPr lang="en-US" baseline="0" dirty="0" err="1" smtClean="0"/>
+              <a:t>sửa</a:t>
+            </a:r>
+            <a:r>
+              <a:rPr lang="en-US" baseline="0" dirty="0" smtClean="0"/>
+              <a:t> </a:t>
+            </a:r>
+            <a:r>
+              <a:rPr lang="en-US" baseline="0" dirty="0" err="1" smtClean="0"/>
+              <a:t>được</a:t>
+            </a:r>
+            <a:r>
+              <a:rPr lang="en-US" baseline="0" dirty="0" smtClean="0"/>
+              <a:t> </a:t>
+            </a:r>
+            <a:r>
+              <a:rPr lang="en-US" baseline="0" dirty="0" err="1" smtClean="0"/>
+              <a:t>bao</a:t>
+            </a:r>
+            <a:r>
+              <a:rPr lang="en-US" baseline="0" dirty="0" smtClean="0"/>
+              <a:t> </a:t>
+            </a:r>
+            <a:r>
+              <a:rPr lang="en-US" baseline="0" dirty="0" err="1" smtClean="0"/>
+              <a:t>nhiêu</a:t>
+            </a:r>
+            <a:r>
+              <a:rPr lang="en-US" baseline="0" dirty="0" smtClean="0"/>
+              <a:t> </a:t>
+            </a:r>
+            <a:r>
+              <a:rPr lang="en-US" baseline="0" dirty="0" err="1" smtClean="0"/>
+              <a:t>lỗi</a:t>
+            </a:r>
+            <a:r>
+              <a:rPr lang="en-US" baseline="0" dirty="0" smtClean="0"/>
+              <a:t>.</a:t>
+            </a:r>
+          </a:p>
+          <a:p>
+            <a:pPr marL="171450" indent="-171450">
+              <a:buFontTx/>
+              <a:buChar char="-"/>
+            </a:pPr>
+            <a:r>
+              <a:rPr lang="en-US" baseline="0" dirty="0" smtClean="0"/>
+              <a:t>Code </a:t>
+            </a:r>
+            <a:r>
+              <a:rPr lang="en-US" baseline="0" dirty="0" err="1" smtClean="0"/>
+              <a:t>có</a:t>
+            </a:r>
+            <a:r>
+              <a:rPr lang="en-US" baseline="0" dirty="0" smtClean="0"/>
+              <a:t> </a:t>
+            </a:r>
+            <a:r>
+              <a:rPr lang="en-US" baseline="0" dirty="0" err="1" smtClean="0"/>
+              <a:t>theo</a:t>
+            </a:r>
+            <a:r>
+              <a:rPr lang="en-US" baseline="0" dirty="0" smtClean="0"/>
+              <a:t> </a:t>
+            </a:r>
+            <a:r>
+              <a:rPr lang="en-US" baseline="0" dirty="0" err="1" smtClean="0"/>
+              <a:t>đúng</a:t>
+            </a:r>
+            <a:r>
+              <a:rPr lang="en-US" baseline="0" dirty="0" smtClean="0"/>
+              <a:t> </a:t>
+            </a:r>
+            <a:r>
+              <a:rPr lang="en-US" baseline="0" dirty="0" err="1" smtClean="0"/>
+              <a:t>chuẩn</a:t>
+            </a:r>
+            <a:r>
+              <a:rPr lang="en-US" baseline="0" dirty="0" smtClean="0"/>
+              <a:t> MVC </a:t>
+            </a:r>
+            <a:r>
+              <a:rPr lang="en-US" baseline="0" dirty="0" err="1" smtClean="0"/>
+              <a:t>của</a:t>
+            </a:r>
+            <a:r>
+              <a:rPr lang="en-US" baseline="0" dirty="0" smtClean="0"/>
+              <a:t> </a:t>
+            </a:r>
+            <a:r>
+              <a:rPr lang="en-US" baseline="0" dirty="0" err="1" smtClean="0"/>
+              <a:t>joomla</a:t>
+            </a:r>
+            <a:r>
+              <a:rPr lang="en-US" baseline="0" dirty="0" smtClean="0"/>
+              <a:t> hay </a:t>
+            </a:r>
+            <a:r>
+              <a:rPr lang="en-US" baseline="0" dirty="0" err="1" smtClean="0"/>
+              <a:t>ko</a:t>
+            </a:r>
+            <a:r>
+              <a:rPr lang="en-US" baseline="0" dirty="0" smtClean="0"/>
+              <a:t> ? Code </a:t>
+            </a:r>
+            <a:r>
+              <a:rPr lang="en-US" baseline="0" dirty="0" err="1" smtClean="0"/>
+              <a:t>đúng</a:t>
+            </a:r>
+            <a:r>
+              <a:rPr lang="en-US" baseline="0" dirty="0" smtClean="0"/>
+              <a:t> </a:t>
+            </a:r>
+            <a:r>
+              <a:rPr lang="en-US" baseline="0" dirty="0" err="1" smtClean="0"/>
+              <a:t>chuẩn</a:t>
+            </a:r>
+            <a:r>
+              <a:rPr lang="en-US" baseline="0" dirty="0" smtClean="0"/>
+              <a:t> </a:t>
+            </a:r>
+            <a:r>
+              <a:rPr lang="en-US" baseline="0" dirty="0" err="1" smtClean="0"/>
+              <a:t>sẽ</a:t>
+            </a:r>
+            <a:r>
+              <a:rPr lang="en-US" baseline="0" dirty="0" smtClean="0"/>
+              <a:t> </a:t>
+            </a:r>
+            <a:r>
+              <a:rPr lang="en-US" baseline="0" dirty="0" err="1" smtClean="0"/>
+              <a:t>đảm</a:t>
+            </a:r>
+            <a:r>
+              <a:rPr lang="en-US" baseline="0" dirty="0" smtClean="0"/>
+              <a:t> </a:t>
+            </a:r>
+            <a:r>
+              <a:rPr lang="en-US" baseline="0" dirty="0" err="1" smtClean="0"/>
+              <a:t>bảo</a:t>
+            </a:r>
+            <a:r>
+              <a:rPr lang="en-US" baseline="0" dirty="0" smtClean="0"/>
+              <a:t> </a:t>
+            </a:r>
+            <a:r>
+              <a:rPr lang="en-US" baseline="0" dirty="0" err="1" smtClean="0"/>
+              <a:t>tính</a:t>
+            </a:r>
+            <a:r>
+              <a:rPr lang="en-US" baseline="0" dirty="0" smtClean="0"/>
+              <a:t> </a:t>
+            </a:r>
+            <a:r>
+              <a:rPr lang="en-US" baseline="0" dirty="0" err="1" smtClean="0"/>
+              <a:t>maintainance</a:t>
+            </a:r>
+            <a:r>
+              <a:rPr lang="en-US" baseline="0" dirty="0" smtClean="0"/>
+              <a:t>, </a:t>
+            </a:r>
+            <a:r>
+              <a:rPr lang="en-US" baseline="0" dirty="0" err="1" smtClean="0"/>
+              <a:t>đại</a:t>
+            </a:r>
+            <a:r>
+              <a:rPr lang="en-US" baseline="0" dirty="0" smtClean="0"/>
+              <a:t> </a:t>
+            </a:r>
+            <a:r>
+              <a:rPr lang="en-US" baseline="0" dirty="0" err="1" smtClean="0"/>
+              <a:t>loại</a:t>
+            </a:r>
+            <a:r>
+              <a:rPr lang="en-US" baseline="0" dirty="0" smtClean="0"/>
+              <a:t> </a:t>
+            </a:r>
+            <a:r>
+              <a:rPr lang="en-US" baseline="0" dirty="0" err="1" smtClean="0"/>
+              <a:t>thế</a:t>
+            </a:r>
+            <a:r>
+              <a:rPr lang="en-US" baseline="0" dirty="0" smtClean="0"/>
+              <a:t>.</a:t>
+            </a:r>
             <a:endParaRPr lang="en-US" dirty="0"/>
           </a:p>
         </p:txBody>
@@ -13973,7 +19305,7 @@
           <a:p>
             <a:fld id="{94349F02-7B7E-4405-841E-9FEA710E9D5A}" type="slidenum">
               <a:rPr lang="en-US" smtClean="0"/>
-              <a:t>20</a:t>
+              <a:t>15</a:t>
             </a:fld>
             <a:endParaRPr lang="en-US"/>
           </a:p>
@@ -13982,7 +19314,7 @@
     </p:spTree>
     <p:extLst>
       <p:ext uri="{BB962C8B-B14F-4D97-AF65-F5344CB8AC3E}">
-        <p14:creationId xmlns:p14="http://schemas.microsoft.com/office/powerpoint/2010/main" val="566254435"/>
+        <p14:creationId xmlns:p14="http://schemas.microsoft.com/office/powerpoint/2010/main" val="1511879922"/>
       </p:ext>
     </p:extLst>
   </p:cSld>
@@ -14038,139 +19370,51 @@
           <a:p>
             <a:r>
               <a:rPr lang="en-US" dirty="0" err="1" smtClean="0"/>
-              <a:t>Cau</a:t>
-            </a:r>
-            <a:r>
-              <a:rPr lang="en-US" baseline="0" dirty="0" smtClean="0"/>
-              <a:t> </a:t>
-            </a:r>
-            <a:r>
-              <a:rPr lang="en-US" baseline="0" dirty="0" err="1" smtClean="0"/>
-              <a:t>truc</a:t>
-            </a:r>
-            <a:r>
-              <a:rPr lang="en-US" baseline="0" dirty="0" smtClean="0"/>
-              <a:t> he thong: </a:t>
-            </a:r>
-            <a:r>
-              <a:rPr lang="en-US" baseline="0" dirty="0" err="1" smtClean="0"/>
-              <a:t>gom</a:t>
-            </a:r>
-            <a:r>
-              <a:rPr lang="en-US" baseline="0" dirty="0" smtClean="0"/>
-              <a:t> 2 tang, tang client </a:t>
-            </a:r>
-            <a:r>
-              <a:rPr lang="en-US" baseline="0" dirty="0" err="1" smtClean="0"/>
-              <a:t>phia</a:t>
-            </a:r>
-            <a:r>
-              <a:rPr lang="en-US" baseline="0" dirty="0" smtClean="0"/>
-              <a:t> </a:t>
-            </a:r>
-            <a:r>
-              <a:rPr lang="en-US" baseline="0" dirty="0" err="1" smtClean="0"/>
-              <a:t>ng</a:t>
-            </a:r>
-            <a:r>
-              <a:rPr lang="en-US" baseline="0" dirty="0" smtClean="0"/>
-              <a:t>` </a:t>
-            </a:r>
-            <a:r>
-              <a:rPr lang="en-US" baseline="0" dirty="0" err="1" smtClean="0"/>
-              <a:t>su</a:t>
-            </a:r>
-            <a:r>
-              <a:rPr lang="en-US" baseline="0" dirty="0" smtClean="0"/>
-              <a:t> dung, </a:t>
-            </a:r>
-            <a:r>
-              <a:rPr lang="en-US" baseline="0" dirty="0" err="1" smtClean="0"/>
-              <a:t>va</a:t>
-            </a:r>
-            <a:r>
-              <a:rPr lang="en-US" baseline="0" dirty="0" smtClean="0"/>
-              <a:t> tang web server la he thong </a:t>
-            </a:r>
-            <a:r>
-              <a:rPr lang="en-US" baseline="0" dirty="0" err="1" smtClean="0"/>
-              <a:t>cua</a:t>
-            </a:r>
-            <a:r>
-              <a:rPr lang="en-US" baseline="0" dirty="0" smtClean="0"/>
-              <a:t> </a:t>
-            </a:r>
-            <a:r>
-              <a:rPr lang="en-US" baseline="0" dirty="0" err="1" smtClean="0"/>
-              <a:t>chung</a:t>
-            </a:r>
-            <a:r>
-              <a:rPr lang="en-US" baseline="0" dirty="0" smtClean="0"/>
-              <a:t> ta. </a:t>
-            </a:r>
-            <a:r>
-              <a:rPr lang="en-US" baseline="0" dirty="0" err="1" smtClean="0"/>
-              <a:t>nguoi</a:t>
-            </a:r>
-            <a:r>
-              <a:rPr lang="en-US" baseline="0" dirty="0" smtClean="0"/>
-              <a:t> </a:t>
-            </a:r>
-            <a:r>
-              <a:rPr lang="en-US" baseline="0" dirty="0" err="1" smtClean="0"/>
-              <a:t>su</a:t>
-            </a:r>
-            <a:r>
-              <a:rPr lang="en-US" baseline="0" dirty="0" smtClean="0"/>
-              <a:t> dung </a:t>
-            </a:r>
-            <a:r>
-              <a:rPr lang="en-US" baseline="0" dirty="0" err="1" smtClean="0"/>
-              <a:t>dung</a:t>
-            </a:r>
-            <a:r>
-              <a:rPr lang="en-US" baseline="0" dirty="0" smtClean="0"/>
-              <a:t> </a:t>
-            </a:r>
-            <a:r>
-              <a:rPr lang="en-US" baseline="0" dirty="0" err="1" smtClean="0"/>
-              <a:t>broswer</a:t>
-            </a:r>
-            <a:r>
-              <a:rPr lang="en-US" baseline="0" dirty="0" smtClean="0"/>
-              <a:t> de </a:t>
-            </a:r>
-            <a:r>
-              <a:rPr lang="en-US" baseline="0" dirty="0" err="1" smtClean="0"/>
-              <a:t>truy</a:t>
-            </a:r>
-            <a:r>
-              <a:rPr lang="en-US" baseline="0" dirty="0" smtClean="0"/>
-              <a:t> cap </a:t>
-            </a:r>
-            <a:r>
-              <a:rPr lang="en-US" baseline="0" dirty="0" err="1" smtClean="0"/>
-              <a:t>vao</a:t>
-            </a:r>
-            <a:r>
-              <a:rPr lang="en-US" baseline="0" dirty="0" smtClean="0"/>
-              <a:t> website he thong, thong qua </a:t>
-            </a:r>
-            <a:r>
-              <a:rPr lang="en-US" baseline="0" dirty="0" err="1" smtClean="0"/>
-              <a:t>giao</a:t>
-            </a:r>
-            <a:r>
-              <a:rPr lang="en-US" baseline="0" dirty="0" smtClean="0"/>
-              <a:t> </a:t>
-            </a:r>
-            <a:r>
-              <a:rPr lang="en-US" baseline="0" dirty="0" err="1" smtClean="0"/>
-              <a:t>thuc</a:t>
-            </a:r>
-            <a:r>
-              <a:rPr lang="en-US" baseline="0" dirty="0" smtClean="0"/>
-              <a:t> http. </a:t>
+              <a:t>Cái</a:t>
+            </a:r>
+            <a:r>
+              <a:rPr lang="en-US" baseline="0" dirty="0" smtClean="0"/>
+              <a:t> </a:t>
+            </a:r>
+            <a:r>
+              <a:rPr lang="en-US" baseline="0" dirty="0" err="1" smtClean="0"/>
+              <a:t>này</a:t>
+            </a:r>
+            <a:r>
+              <a:rPr lang="en-US" baseline="0" dirty="0" smtClean="0"/>
+              <a:t> </a:t>
+            </a:r>
+            <a:r>
+              <a:rPr lang="en-US" baseline="0" dirty="0" err="1" smtClean="0"/>
+              <a:t>bỏ</a:t>
+            </a:r>
+            <a:r>
+              <a:rPr lang="en-US" baseline="0" dirty="0" smtClean="0"/>
+              <a:t>, </a:t>
+            </a:r>
+            <a:r>
+              <a:rPr lang="en-US" baseline="0" dirty="0" err="1" smtClean="0"/>
+              <a:t>cho</a:t>
+            </a:r>
+            <a:r>
+              <a:rPr lang="en-US" baseline="0" dirty="0" smtClean="0"/>
+              <a:t> </a:t>
+            </a:r>
+            <a:r>
+              <a:rPr lang="en-US" baseline="0" dirty="0" err="1" smtClean="0"/>
+              <a:t>lên</a:t>
+            </a:r>
+            <a:r>
+              <a:rPr lang="en-US" baseline="0" dirty="0" smtClean="0"/>
+              <a:t> </a:t>
+            </a:r>
+            <a:r>
+              <a:rPr lang="en-US" baseline="0" dirty="0" err="1" smtClean="0"/>
+              <a:t>phần</a:t>
+            </a:r>
+            <a:r>
+              <a:rPr lang="en-US" baseline="0" dirty="0" smtClean="0"/>
+              <a:t> Idea</a:t>
             </a:r>
             <a:endParaRPr lang="en-US" dirty="0"/>
           </a:p>
@@ -14193,7 +19437,7 @@
           <a:p>
             <a:fld id="{94349F02-7B7E-4405-841E-9FEA710E9D5A}" type="slidenum">
               <a:rPr lang="en-US" smtClean="0"/>
-              <a:t>21</a:t>
+              <a:t>16</a:t>
             </a:fld>
             <a:endParaRPr lang="en-US"/>
           </a:p>
@@ -14202,7 +19446,1733 @@
     </p:spTree>
     <p:extLst>
       <p:ext uri="{BB962C8B-B14F-4D97-AF65-F5344CB8AC3E}">
-        <p14:creationId xmlns:p14="http://schemas.microsoft.com/office/powerpoint/2010/main" val="536148658"/>
+        <p14:creationId xmlns:p14="http://schemas.microsoft.com/office/powerpoint/2010/main" val="2295364296"/>
+      </p:ext>
+    </p:extLst>
+  </p:cSld>
+  <p:clrMapOvr>
+    <a:masterClrMapping/>
+  </p:clrMapOvr>
+</p:notes>
+</file>
+
+<file path=ppt/notesSlides/notesSlide9.xml><?xml version="1.0" encoding="utf-8"?>
+<p:notes xmlns:a="http://schemas.openxmlformats.org/drawingml/2006/main" xmlns:r="http://schemas.openxmlformats.org/officeDocument/2006/relationships" xmlns:p="http://schemas.openxmlformats.org/presentationml/2006/main">
+  <p:cSld>
+    <p:spTree>
+      <p:nvGrpSpPr>
+        <p:cNvPr id="1" name=""/>
+        <p:cNvGrpSpPr/>
+        <p:nvPr/>
+      </p:nvGrpSpPr>
+      <p:grpSpPr>
+        <a:xfrm>
+          <a:off x="0" y="0"/>
+          <a:ext cx="0" cy="0"/>
+          <a:chOff x="0" y="0"/>
+          <a:chExt cx="0" cy="0"/>
+        </a:xfrm>
+      </p:grpSpPr>
+      <p:sp>
+        <p:nvSpPr>
+          <p:cNvPr id="2" name="Slide Image Placeholder 1"/>
+          <p:cNvSpPr>
+            <a:spLocks noGrp="1" noRot="1" noChangeAspect="1"/>
+          </p:cNvSpPr>
+          <p:nvPr>
+            <p:ph type="sldImg"/>
+          </p:nvPr>
+        </p:nvSpPr>
+        <p:spPr/>
+      </p:sp>
+      <p:sp>
+        <p:nvSpPr>
+          <p:cNvPr id="3" name="Notes Placeholder 2"/>
+          <p:cNvSpPr>
+            <a:spLocks noGrp="1"/>
+          </p:cNvSpPr>
+          <p:nvPr>
+            <p:ph type="body" idx="1"/>
+          </p:nvPr>
+        </p:nvSpPr>
+        <p:spPr/>
+        <p:txBody>
+          <a:bodyPr/>
+          <a:lstStyle/>
+          <a:p>
+            <a:r>
+              <a:rPr lang="en-US" dirty="0" smtClean="0"/>
+              <a:t>SRS </a:t>
+            </a:r>
+            <a:r>
+              <a:rPr lang="en-US" dirty="0" err="1" smtClean="0"/>
+              <a:t>viết</a:t>
+            </a:r>
+            <a:r>
+              <a:rPr lang="en-US" baseline="0" dirty="0" smtClean="0"/>
+              <a:t> </a:t>
+            </a:r>
+            <a:r>
+              <a:rPr lang="en-US" baseline="0" dirty="0" err="1" smtClean="0"/>
+              <a:t>lại</a:t>
+            </a:r>
+            <a:r>
+              <a:rPr lang="en-US" baseline="0" dirty="0" smtClean="0"/>
+              <a:t> </a:t>
+            </a:r>
+            <a:r>
+              <a:rPr lang="en-US" baseline="0" dirty="0" err="1" smtClean="0"/>
+              <a:t>hết</a:t>
+            </a:r>
+            <a:r>
+              <a:rPr lang="en-US" baseline="0" dirty="0" smtClean="0"/>
+              <a:t> </a:t>
+            </a:r>
+            <a:r>
+              <a:rPr lang="en-US" baseline="0" dirty="0" err="1" smtClean="0"/>
+              <a:t>cho</a:t>
+            </a:r>
+            <a:r>
+              <a:rPr lang="en-US" baseline="0" dirty="0" smtClean="0"/>
+              <a:t> </a:t>
+            </a:r>
+            <a:r>
+              <a:rPr lang="en-US" baseline="0" dirty="0" err="1" smtClean="0"/>
+              <a:t>tao</a:t>
+            </a:r>
+            <a:r>
+              <a:rPr lang="en-US" baseline="0" dirty="0" smtClean="0"/>
+              <a:t>.</a:t>
+            </a:r>
+          </a:p>
+          <a:p>
+            <a:r>
+              <a:rPr lang="en-US" baseline="0" dirty="0" smtClean="0"/>
+              <a:t>SRS </a:t>
+            </a:r>
+            <a:r>
+              <a:rPr lang="en-US" baseline="0" dirty="0" err="1" smtClean="0"/>
+              <a:t>mô</a:t>
+            </a:r>
+            <a:r>
+              <a:rPr lang="en-US" baseline="0" dirty="0" smtClean="0"/>
+              <a:t> </a:t>
+            </a:r>
+            <a:r>
+              <a:rPr lang="en-US" baseline="0" dirty="0" err="1" smtClean="0"/>
+              <a:t>tả</a:t>
+            </a:r>
+            <a:r>
+              <a:rPr lang="en-US" baseline="0" dirty="0" smtClean="0"/>
+              <a:t> </a:t>
+            </a:r>
+            <a:r>
+              <a:rPr lang="en-US" baseline="0" dirty="0" err="1" smtClean="0"/>
+              <a:t>lại</a:t>
+            </a:r>
+            <a:r>
+              <a:rPr lang="en-US" baseline="0" dirty="0" smtClean="0"/>
+              <a:t> </a:t>
+            </a:r>
+            <a:r>
+              <a:rPr lang="en-US" baseline="0" dirty="0" err="1" smtClean="0"/>
+              <a:t>xem</a:t>
+            </a:r>
+            <a:r>
+              <a:rPr lang="en-US" baseline="0" dirty="0" smtClean="0"/>
+              <a:t> </a:t>
+            </a:r>
+            <a:r>
+              <a:rPr lang="en-US" baseline="0" dirty="0" err="1" smtClean="0"/>
+              <a:t>mình</a:t>
+            </a:r>
+            <a:r>
+              <a:rPr lang="en-US" baseline="0" dirty="0" smtClean="0"/>
+              <a:t> </a:t>
+            </a:r>
+            <a:r>
+              <a:rPr lang="en-US" baseline="0" dirty="0" err="1" smtClean="0"/>
+              <a:t>làm</a:t>
+            </a:r>
+            <a:r>
+              <a:rPr lang="en-US" baseline="0" dirty="0" smtClean="0"/>
+              <a:t> </a:t>
+            </a:r>
+            <a:r>
+              <a:rPr lang="en-US" baseline="0" dirty="0" err="1" smtClean="0"/>
+              <a:t>cụ</a:t>
+            </a:r>
+            <a:r>
+              <a:rPr lang="en-US" baseline="0" dirty="0" smtClean="0"/>
+              <a:t> </a:t>
+            </a:r>
+            <a:r>
+              <a:rPr lang="en-US" baseline="0" dirty="0" err="1" smtClean="0"/>
+              <a:t>thể</a:t>
+            </a:r>
+            <a:r>
+              <a:rPr lang="en-US" baseline="0" dirty="0" smtClean="0"/>
+              <a:t> </a:t>
+            </a:r>
+            <a:r>
+              <a:rPr lang="en-US" baseline="0" dirty="0" err="1" smtClean="0"/>
+              <a:t>cái</a:t>
+            </a:r>
+            <a:r>
+              <a:rPr lang="en-US" baseline="0" dirty="0" smtClean="0"/>
+              <a:t> </a:t>
+            </a:r>
+            <a:r>
+              <a:rPr lang="en-US" baseline="0" dirty="0" err="1" smtClean="0"/>
+              <a:t>gì</a:t>
+            </a:r>
+            <a:r>
+              <a:rPr lang="en-US" baseline="0" dirty="0" smtClean="0"/>
+              <a:t> </a:t>
+            </a:r>
+            <a:r>
+              <a:rPr lang="en-US" baseline="0" dirty="0" err="1" smtClean="0"/>
+              <a:t>trong</a:t>
+            </a:r>
+            <a:r>
+              <a:rPr lang="en-US" baseline="0" dirty="0" smtClean="0"/>
+              <a:t> </a:t>
+            </a:r>
+            <a:r>
+              <a:rPr lang="en-US" baseline="0" dirty="0" err="1" smtClean="0"/>
+              <a:t>cái</a:t>
+            </a:r>
+            <a:r>
+              <a:rPr lang="en-US" baseline="0" dirty="0" smtClean="0"/>
+              <a:t> Objective ý (</a:t>
+            </a:r>
+            <a:r>
+              <a:rPr lang="en-US" baseline="0" dirty="0" err="1" smtClean="0"/>
+              <a:t>Cái</a:t>
+            </a:r>
+            <a:r>
+              <a:rPr lang="en-US" baseline="0" dirty="0" smtClean="0"/>
+              <a:t> slide Idea ý)</a:t>
+            </a:r>
+          </a:p>
+          <a:p>
+            <a:r>
+              <a:rPr lang="en-US" baseline="0" dirty="0" err="1" smtClean="0"/>
+              <a:t>Cái</a:t>
+            </a:r>
+            <a:r>
+              <a:rPr lang="en-US" baseline="0" dirty="0" smtClean="0"/>
+              <a:t> </a:t>
+            </a:r>
+            <a:r>
+              <a:rPr lang="en-US" baseline="0" dirty="0" err="1" smtClean="0"/>
+              <a:t>của</a:t>
+            </a:r>
+            <a:r>
+              <a:rPr lang="en-US" baseline="0" dirty="0" smtClean="0"/>
+              <a:t> </a:t>
+            </a:r>
+            <a:r>
+              <a:rPr lang="en-US" baseline="0" dirty="0" err="1" smtClean="0"/>
+              <a:t>mình</a:t>
+            </a:r>
+            <a:r>
+              <a:rPr lang="en-US" baseline="0" dirty="0" smtClean="0"/>
+              <a:t> </a:t>
+            </a:r>
+            <a:r>
+              <a:rPr lang="en-US" baseline="0" dirty="0" err="1" smtClean="0"/>
+              <a:t>có</a:t>
+            </a:r>
+            <a:r>
+              <a:rPr lang="en-US" baseline="0" dirty="0" smtClean="0"/>
+              <a:t> </a:t>
+            </a:r>
+            <a:r>
+              <a:rPr lang="en-US" baseline="0" dirty="0" err="1" smtClean="0"/>
+              <a:t>nhiều</a:t>
+            </a:r>
+            <a:r>
+              <a:rPr lang="en-US" baseline="0" dirty="0" smtClean="0"/>
+              <a:t> </a:t>
+            </a:r>
+            <a:r>
+              <a:rPr lang="en-US" baseline="0" dirty="0" err="1" smtClean="0"/>
+              <a:t>chức</a:t>
+            </a:r>
+            <a:r>
+              <a:rPr lang="en-US" baseline="0" dirty="0" smtClean="0"/>
+              <a:t> </a:t>
+            </a:r>
+            <a:r>
+              <a:rPr lang="en-US" baseline="0" dirty="0" err="1" smtClean="0"/>
+              <a:t>năng</a:t>
+            </a:r>
+            <a:r>
+              <a:rPr lang="en-US" baseline="0" dirty="0" smtClean="0"/>
+              <a:t> </a:t>
+            </a:r>
+            <a:r>
+              <a:rPr lang="en-US" baseline="0" dirty="0" err="1" smtClean="0"/>
+              <a:t>thì</a:t>
+            </a:r>
+            <a:r>
+              <a:rPr lang="en-US" baseline="0" dirty="0" smtClean="0"/>
+              <a:t> </a:t>
+            </a:r>
+            <a:r>
+              <a:rPr lang="en-US" baseline="0" dirty="0" err="1" smtClean="0"/>
+              <a:t>mình</a:t>
+            </a:r>
+            <a:r>
+              <a:rPr lang="en-US" baseline="0" dirty="0" smtClean="0"/>
+              <a:t> </a:t>
+            </a:r>
+            <a:r>
+              <a:rPr lang="en-US" baseline="0" dirty="0" err="1" smtClean="0"/>
+              <a:t>mô</a:t>
+            </a:r>
+            <a:r>
+              <a:rPr lang="en-US" baseline="0" dirty="0" smtClean="0"/>
+              <a:t> </a:t>
+            </a:r>
+            <a:r>
+              <a:rPr lang="en-US" baseline="0" dirty="0" err="1" smtClean="0"/>
+              <a:t>tả</a:t>
+            </a:r>
+            <a:r>
+              <a:rPr lang="en-US" baseline="0" dirty="0" smtClean="0"/>
+              <a:t> 2 </a:t>
+            </a:r>
+            <a:r>
+              <a:rPr lang="en-US" baseline="0" dirty="0" err="1" smtClean="0"/>
+              <a:t>cái</a:t>
+            </a:r>
+            <a:r>
+              <a:rPr lang="en-US" baseline="0" dirty="0" smtClean="0"/>
+              <a:t> </a:t>
+            </a:r>
+            <a:r>
+              <a:rPr lang="en-US" baseline="0" dirty="0" err="1" smtClean="0"/>
+              <a:t>mình</a:t>
+            </a:r>
+            <a:r>
+              <a:rPr lang="en-US" baseline="0" dirty="0" smtClean="0"/>
+              <a:t> code </a:t>
+            </a:r>
+            <a:r>
+              <a:rPr lang="en-US" baseline="0" dirty="0" err="1" smtClean="0"/>
+              <a:t>làm</a:t>
+            </a:r>
+            <a:r>
+              <a:rPr lang="en-US" baseline="0" dirty="0" smtClean="0"/>
+              <a:t> </a:t>
+            </a:r>
+            <a:r>
+              <a:rPr lang="en-US" baseline="0" dirty="0" err="1" smtClean="0"/>
+              <a:t>đại</a:t>
+            </a:r>
+            <a:r>
+              <a:rPr lang="en-US" baseline="0" dirty="0" smtClean="0"/>
+              <a:t> </a:t>
+            </a:r>
+            <a:r>
+              <a:rPr lang="en-US" baseline="0" dirty="0" err="1" smtClean="0"/>
+              <a:t>diện</a:t>
+            </a:r>
+            <a:r>
+              <a:rPr lang="en-US" baseline="0" dirty="0" smtClean="0"/>
+              <a:t> </a:t>
+            </a:r>
+            <a:r>
+              <a:rPr lang="en-US" baseline="0" dirty="0" err="1" smtClean="0"/>
+              <a:t>là</a:t>
+            </a:r>
+            <a:r>
+              <a:rPr lang="en-US" baseline="0" dirty="0" smtClean="0"/>
+              <a:t> </a:t>
+            </a:r>
+            <a:r>
+              <a:rPr lang="en-US" baseline="0" dirty="0" err="1" smtClean="0"/>
+              <a:t>cái</a:t>
+            </a:r>
+            <a:r>
+              <a:rPr lang="en-US" baseline="0" dirty="0" smtClean="0"/>
+              <a:t> </a:t>
+            </a:r>
+            <a:r>
+              <a:rPr lang="en-US" baseline="0" dirty="0" err="1" smtClean="0"/>
+              <a:t>thư</a:t>
+            </a:r>
+            <a:r>
+              <a:rPr lang="en-US" baseline="0" dirty="0" smtClean="0"/>
+              <a:t> </a:t>
+            </a:r>
+            <a:r>
+              <a:rPr lang="en-US" baseline="0" dirty="0" err="1" smtClean="0"/>
+              <a:t>viện</a:t>
+            </a:r>
+            <a:r>
+              <a:rPr lang="en-US" baseline="0" dirty="0" smtClean="0"/>
+              <a:t> </a:t>
+            </a:r>
+            <a:r>
+              <a:rPr lang="en-US" baseline="0" dirty="0" err="1" smtClean="0"/>
+              <a:t>lý</a:t>
+            </a:r>
+            <a:r>
+              <a:rPr lang="en-US" baseline="0" dirty="0" smtClean="0"/>
+              <a:t> </a:t>
+            </a:r>
+            <a:r>
+              <a:rPr lang="en-US" baseline="0" dirty="0" err="1" smtClean="0"/>
+              <a:t>thuyết</a:t>
+            </a:r>
+            <a:r>
+              <a:rPr lang="en-US" baseline="0" dirty="0" smtClean="0"/>
+              <a:t> </a:t>
+            </a:r>
+            <a:r>
+              <a:rPr lang="en-US" baseline="0" dirty="0" err="1" smtClean="0"/>
+              <a:t>và</a:t>
+            </a:r>
+            <a:r>
+              <a:rPr lang="en-US" baseline="0" dirty="0" smtClean="0"/>
+              <a:t> </a:t>
+            </a:r>
+            <a:r>
+              <a:rPr lang="en-US" baseline="0" dirty="0" err="1" smtClean="0"/>
+              <a:t>bài</a:t>
+            </a:r>
+            <a:r>
+              <a:rPr lang="en-US" baseline="0" dirty="0" smtClean="0"/>
+              <a:t> </a:t>
+            </a:r>
+            <a:r>
+              <a:rPr lang="en-US" baseline="0" dirty="0" err="1" smtClean="0"/>
+              <a:t>tập</a:t>
+            </a:r>
+            <a:r>
+              <a:rPr lang="en-US" baseline="0" dirty="0" smtClean="0"/>
+              <a:t>.</a:t>
+            </a:r>
+          </a:p>
+          <a:p>
+            <a:r>
+              <a:rPr lang="en-US" baseline="0" dirty="0" smtClean="0"/>
+              <a:t>VD </a:t>
+            </a:r>
+            <a:r>
+              <a:rPr lang="en-US" baseline="0" dirty="0" err="1" smtClean="0"/>
+              <a:t>như</a:t>
+            </a:r>
+            <a:r>
+              <a:rPr lang="en-US" baseline="0" dirty="0" smtClean="0"/>
+              <a:t> </a:t>
+            </a:r>
+            <a:r>
+              <a:rPr lang="en-US" baseline="0" dirty="0" err="1" smtClean="0"/>
+              <a:t>là</a:t>
+            </a:r>
+            <a:r>
+              <a:rPr lang="en-US" baseline="0" dirty="0" smtClean="0"/>
+              <a:t> </a:t>
+            </a:r>
+            <a:r>
+              <a:rPr lang="en-US" baseline="0" dirty="0" err="1" smtClean="0"/>
+              <a:t>thư</a:t>
+            </a:r>
+            <a:r>
+              <a:rPr lang="en-US" baseline="0" dirty="0" smtClean="0"/>
+              <a:t> </a:t>
+            </a:r>
+            <a:r>
+              <a:rPr lang="en-US" baseline="0" dirty="0" err="1" smtClean="0"/>
+              <a:t>viện</a:t>
+            </a:r>
+            <a:r>
+              <a:rPr lang="en-US" baseline="0" dirty="0" smtClean="0"/>
+              <a:t> </a:t>
+            </a:r>
+            <a:r>
+              <a:rPr lang="en-US" baseline="0" dirty="0" err="1" smtClean="0"/>
+              <a:t>bài</a:t>
+            </a:r>
+            <a:r>
+              <a:rPr lang="en-US" baseline="0" dirty="0" smtClean="0"/>
+              <a:t> </a:t>
+            </a:r>
+            <a:r>
+              <a:rPr lang="en-US" baseline="0" dirty="0" err="1" smtClean="0"/>
+              <a:t>tập</a:t>
+            </a:r>
+            <a:r>
+              <a:rPr lang="en-US" baseline="0" dirty="0" smtClean="0"/>
+              <a:t> </a:t>
+            </a:r>
+            <a:r>
+              <a:rPr lang="en-US" baseline="0" dirty="0" err="1" smtClean="0"/>
+              <a:t>thì</a:t>
+            </a:r>
+            <a:r>
+              <a:rPr lang="en-US" baseline="0" dirty="0" smtClean="0"/>
+              <a:t> </a:t>
+            </a:r>
+            <a:r>
+              <a:rPr lang="en-US" baseline="0" dirty="0" err="1" smtClean="0"/>
+              <a:t>phải</a:t>
+            </a:r>
+            <a:r>
+              <a:rPr lang="en-US" baseline="0" dirty="0" smtClean="0"/>
+              <a:t> </a:t>
+            </a:r>
+            <a:r>
+              <a:rPr lang="en-US" baseline="0" dirty="0" err="1" smtClean="0"/>
+              <a:t>có</a:t>
+            </a:r>
+            <a:r>
+              <a:rPr lang="en-US" baseline="0" dirty="0" smtClean="0"/>
+              <a:t> </a:t>
+            </a:r>
+            <a:r>
+              <a:rPr lang="en-US" baseline="0" dirty="0" err="1" smtClean="0"/>
+              <a:t>chức</a:t>
+            </a:r>
+            <a:r>
+              <a:rPr lang="en-US" baseline="0" dirty="0" smtClean="0"/>
+              <a:t> </a:t>
+            </a:r>
+            <a:r>
+              <a:rPr lang="en-US" baseline="0" dirty="0" err="1" smtClean="0"/>
+              <a:t>năng</a:t>
+            </a:r>
+            <a:r>
+              <a:rPr lang="en-US" baseline="0" dirty="0" smtClean="0"/>
+              <a:t> </a:t>
+            </a:r>
+            <a:r>
+              <a:rPr lang="en-US" baseline="0" dirty="0" err="1" smtClean="0"/>
+              <a:t>chọn</a:t>
+            </a:r>
+            <a:r>
+              <a:rPr lang="en-US" baseline="0" dirty="0" smtClean="0"/>
+              <a:t> </a:t>
+            </a:r>
+            <a:r>
+              <a:rPr lang="en-US" baseline="0" dirty="0" err="1" smtClean="0"/>
+              <a:t>môn</a:t>
+            </a:r>
+            <a:r>
+              <a:rPr lang="en-US" baseline="0" dirty="0" smtClean="0"/>
+              <a:t>, </a:t>
+            </a:r>
+            <a:r>
+              <a:rPr lang="en-US" baseline="0" dirty="0" err="1" smtClean="0"/>
+              <a:t>chọn</a:t>
+            </a:r>
+            <a:r>
+              <a:rPr lang="en-US" baseline="0" dirty="0" smtClean="0"/>
+              <a:t> chapter, </a:t>
+            </a:r>
+            <a:r>
+              <a:rPr lang="en-US" baseline="0" dirty="0" err="1" smtClean="0"/>
+              <a:t>chọn</a:t>
+            </a:r>
+            <a:r>
+              <a:rPr lang="en-US" baseline="0" dirty="0" smtClean="0"/>
+              <a:t> </a:t>
+            </a:r>
+            <a:r>
+              <a:rPr lang="en-US" baseline="0" dirty="0" err="1" smtClean="0"/>
+              <a:t>bài</a:t>
+            </a:r>
+            <a:r>
+              <a:rPr lang="en-US" baseline="0" dirty="0" smtClean="0"/>
+              <a:t>. </a:t>
+            </a:r>
+            <a:r>
+              <a:rPr lang="en-US" baseline="0" dirty="0" err="1" smtClean="0"/>
+              <a:t>Thư</a:t>
+            </a:r>
+            <a:r>
+              <a:rPr lang="en-US" baseline="0" dirty="0" smtClean="0"/>
+              <a:t> </a:t>
+            </a:r>
+            <a:r>
+              <a:rPr lang="en-US" baseline="0" dirty="0" err="1" smtClean="0"/>
+              <a:t>viện</a:t>
+            </a:r>
+            <a:r>
+              <a:rPr lang="en-US" baseline="0" dirty="0" smtClean="0"/>
+              <a:t> </a:t>
+            </a:r>
+            <a:r>
+              <a:rPr lang="en-US" baseline="0" dirty="0" err="1" smtClean="0"/>
+              <a:t>lý</a:t>
+            </a:r>
+            <a:r>
+              <a:rPr lang="en-US" baseline="0" dirty="0" smtClean="0"/>
+              <a:t> </a:t>
+            </a:r>
+            <a:r>
+              <a:rPr lang="en-US" baseline="0" dirty="0" err="1" smtClean="0"/>
+              <a:t>thuyết</a:t>
+            </a:r>
+            <a:r>
+              <a:rPr lang="en-US" baseline="0" dirty="0" smtClean="0"/>
+              <a:t> </a:t>
+            </a:r>
+            <a:r>
+              <a:rPr lang="en-US" baseline="0" dirty="0" err="1" smtClean="0"/>
+              <a:t>thi</a:t>
+            </a:r>
+            <a:r>
+              <a:rPr lang="en-US" baseline="0" dirty="0" smtClean="0"/>
+              <a:t> </a:t>
+            </a:r>
+            <a:r>
+              <a:rPr lang="en-US" baseline="0" dirty="0" err="1" smtClean="0"/>
+              <a:t>cũng</a:t>
+            </a:r>
+            <a:r>
+              <a:rPr lang="en-US" baseline="0" dirty="0" smtClean="0"/>
+              <a:t> </a:t>
+            </a:r>
+            <a:r>
+              <a:rPr lang="en-US" baseline="0" dirty="0" err="1" smtClean="0"/>
+              <a:t>vậy</a:t>
+            </a:r>
+            <a:r>
+              <a:rPr lang="en-US" baseline="0" dirty="0" smtClean="0"/>
+              <a:t>. </a:t>
+            </a:r>
+            <a:r>
+              <a:rPr lang="en-US" baseline="0" dirty="0" err="1" smtClean="0"/>
+              <a:t>Thử</a:t>
+            </a:r>
+            <a:r>
+              <a:rPr lang="en-US" baseline="0" dirty="0" smtClean="0"/>
+              <a:t> </a:t>
+            </a:r>
+            <a:r>
+              <a:rPr lang="en-US" baseline="0" dirty="0" err="1" smtClean="0"/>
+              <a:t>chụp</a:t>
+            </a:r>
+            <a:r>
+              <a:rPr lang="en-US" baseline="0" dirty="0" smtClean="0"/>
+              <a:t> </a:t>
+            </a:r>
+            <a:r>
+              <a:rPr lang="en-US" baseline="0" dirty="0" err="1" smtClean="0"/>
+              <a:t>ảnh</a:t>
+            </a:r>
+            <a:r>
+              <a:rPr lang="en-US" baseline="0" dirty="0" smtClean="0"/>
+              <a:t> </a:t>
+            </a:r>
+            <a:r>
+              <a:rPr lang="en-US" baseline="0" dirty="0" err="1" smtClean="0"/>
+              <a:t>mấy</a:t>
+            </a:r>
+            <a:r>
+              <a:rPr lang="en-US" baseline="0" dirty="0" smtClean="0"/>
+              <a:t> </a:t>
+            </a:r>
+            <a:r>
+              <a:rPr lang="en-US" baseline="0" dirty="0" err="1" smtClean="0"/>
+              <a:t>chức</a:t>
+            </a:r>
+            <a:r>
+              <a:rPr lang="en-US" baseline="0" dirty="0" smtClean="0"/>
+              <a:t> </a:t>
+            </a:r>
+            <a:r>
+              <a:rPr lang="en-US" baseline="0" dirty="0" err="1" smtClean="0"/>
+              <a:t>năng</a:t>
+            </a:r>
+            <a:r>
+              <a:rPr lang="en-US" baseline="0" dirty="0" smtClean="0"/>
+              <a:t> </a:t>
+            </a:r>
+            <a:r>
+              <a:rPr lang="en-US" baseline="0" dirty="0" err="1" smtClean="0"/>
+              <a:t>lên</a:t>
+            </a:r>
+            <a:r>
+              <a:rPr lang="en-US" baseline="0" dirty="0" smtClean="0"/>
+              <a:t> </a:t>
+            </a:r>
+            <a:r>
+              <a:rPr lang="en-US" baseline="0" dirty="0" err="1" smtClean="0"/>
+              <a:t>xem</a:t>
+            </a:r>
+            <a:r>
+              <a:rPr lang="en-US" baseline="0" dirty="0" smtClean="0"/>
+              <a:t>, </a:t>
+            </a:r>
+            <a:r>
+              <a:rPr lang="en-US" baseline="0" dirty="0" err="1" smtClean="0"/>
+              <a:t>cố</a:t>
+            </a:r>
+            <a:r>
+              <a:rPr lang="en-US" baseline="0" dirty="0" smtClean="0"/>
+              <a:t> </a:t>
+            </a:r>
+            <a:r>
+              <a:rPr lang="en-US" baseline="0" dirty="0" err="1" smtClean="0"/>
+              <a:t>gắng</a:t>
+            </a:r>
+            <a:r>
+              <a:rPr lang="en-US" baseline="0" dirty="0" smtClean="0"/>
+              <a:t> </a:t>
+            </a:r>
+            <a:r>
+              <a:rPr lang="en-US" baseline="0" dirty="0" err="1" smtClean="0"/>
+              <a:t>để</a:t>
+            </a:r>
+            <a:r>
+              <a:rPr lang="en-US" baseline="0" dirty="0" smtClean="0"/>
+              <a:t> </a:t>
+            </a:r>
+            <a:r>
+              <a:rPr lang="en-US" baseline="0" dirty="0" err="1" smtClean="0"/>
+              <a:t>ảnh</a:t>
+            </a:r>
+            <a:r>
+              <a:rPr lang="en-US" baseline="0" dirty="0" smtClean="0"/>
+              <a:t> </a:t>
+            </a:r>
+            <a:r>
+              <a:rPr lang="en-US" baseline="0" dirty="0" err="1" smtClean="0"/>
+              <a:t>rõ</a:t>
+            </a:r>
+            <a:r>
+              <a:rPr lang="en-US" baseline="0" dirty="0" smtClean="0"/>
+              <a:t> </a:t>
+            </a:r>
+            <a:r>
+              <a:rPr lang="en-US" baseline="0" dirty="0" err="1" smtClean="0"/>
+              <a:t>chữ</a:t>
+            </a:r>
+            <a:r>
+              <a:rPr lang="en-US" baseline="0" dirty="0" smtClean="0"/>
+              <a:t>, VD </a:t>
+            </a:r>
+            <a:r>
+              <a:rPr lang="en-US" baseline="0" dirty="0" err="1" smtClean="0"/>
+              <a:t>cái</a:t>
+            </a:r>
+            <a:r>
+              <a:rPr lang="en-US" baseline="0" dirty="0" smtClean="0"/>
+              <a:t> </a:t>
+            </a:r>
+            <a:r>
+              <a:rPr lang="en-US" baseline="0" dirty="0" err="1" smtClean="0"/>
+              <a:t>thư</a:t>
+            </a:r>
+            <a:r>
+              <a:rPr lang="en-US" baseline="0" dirty="0" smtClean="0"/>
+              <a:t> </a:t>
+            </a:r>
+            <a:r>
+              <a:rPr lang="en-US" baseline="0" dirty="0" err="1" smtClean="0"/>
+              <a:t>viện</a:t>
+            </a:r>
+            <a:r>
+              <a:rPr lang="en-US" baseline="0" dirty="0" smtClean="0"/>
+              <a:t> </a:t>
+            </a:r>
+            <a:r>
+              <a:rPr lang="en-US" baseline="0" dirty="0" err="1" smtClean="0"/>
+              <a:t>lý</a:t>
+            </a:r>
+            <a:r>
+              <a:rPr lang="en-US" baseline="0" dirty="0" smtClean="0"/>
+              <a:t> </a:t>
+            </a:r>
+            <a:r>
+              <a:rPr lang="en-US" baseline="0" dirty="0" err="1" smtClean="0"/>
+              <a:t>thuyết</a:t>
+            </a:r>
+            <a:r>
+              <a:rPr lang="en-US" baseline="0" dirty="0" smtClean="0"/>
+              <a:t> </a:t>
+            </a:r>
+            <a:r>
+              <a:rPr lang="en-US" baseline="0" dirty="0" err="1" smtClean="0"/>
+              <a:t>có</a:t>
+            </a:r>
+            <a:r>
+              <a:rPr lang="en-US" baseline="0" dirty="0" smtClean="0"/>
+              <a:t> 4 </a:t>
+            </a:r>
+            <a:r>
+              <a:rPr lang="en-US" baseline="0" dirty="0" err="1" smtClean="0"/>
+              <a:t>môn</a:t>
+            </a:r>
+            <a:r>
+              <a:rPr lang="en-US" baseline="0" dirty="0" smtClean="0"/>
+              <a:t> </a:t>
+            </a:r>
+            <a:r>
+              <a:rPr lang="en-US" baseline="0" dirty="0" err="1" smtClean="0"/>
+              <a:t>thì</a:t>
+            </a:r>
+            <a:r>
+              <a:rPr lang="en-US" baseline="0" dirty="0" smtClean="0"/>
+              <a:t> </a:t>
+            </a:r>
+            <a:r>
+              <a:rPr lang="en-US" baseline="0" dirty="0" err="1" smtClean="0"/>
+              <a:t>chụp</a:t>
+            </a:r>
+            <a:r>
+              <a:rPr lang="en-US" baseline="0" dirty="0" smtClean="0"/>
+              <a:t> 1 </a:t>
+            </a:r>
+            <a:r>
+              <a:rPr lang="en-US" baseline="0" dirty="0" err="1" smtClean="0"/>
+              <a:t>môn</a:t>
+            </a:r>
+            <a:r>
+              <a:rPr lang="en-US" baseline="0" dirty="0" smtClean="0"/>
+              <a:t> </a:t>
+            </a:r>
+            <a:r>
+              <a:rPr lang="en-US" baseline="0" dirty="0" err="1" smtClean="0"/>
+              <a:t>thôi</a:t>
+            </a:r>
+            <a:r>
+              <a:rPr lang="en-US" baseline="0" dirty="0" smtClean="0"/>
+              <a:t>. </a:t>
+            </a:r>
+            <a:r>
+              <a:rPr lang="en-US" baseline="0" dirty="0" err="1" smtClean="0"/>
+              <a:t>Hôm</a:t>
+            </a:r>
+            <a:r>
+              <a:rPr lang="en-US" baseline="0" dirty="0" smtClean="0"/>
+              <a:t> qua </a:t>
+            </a:r>
+            <a:r>
+              <a:rPr lang="en-US" baseline="0" dirty="0" err="1" smtClean="0"/>
+              <a:t>thấy</a:t>
+            </a:r>
+            <a:r>
+              <a:rPr lang="en-US" baseline="0" dirty="0" smtClean="0"/>
+              <a:t> </a:t>
+            </a:r>
+            <a:r>
+              <a:rPr lang="en-US" baseline="0" dirty="0" err="1" smtClean="0"/>
+              <a:t>thầy</a:t>
+            </a:r>
+            <a:r>
+              <a:rPr lang="en-US" baseline="0" dirty="0" smtClean="0"/>
+              <a:t> comment </a:t>
+            </a:r>
+            <a:r>
+              <a:rPr lang="en-US" baseline="0" dirty="0" err="1" smtClean="0"/>
+              <a:t>nhóm</a:t>
+            </a:r>
+            <a:r>
+              <a:rPr lang="en-US" baseline="0" dirty="0" smtClean="0"/>
+              <a:t> </a:t>
+            </a:r>
+            <a:r>
+              <a:rPr lang="en-US" baseline="0" dirty="0" err="1" smtClean="0"/>
+              <a:t>cuối</a:t>
+            </a:r>
+            <a:r>
+              <a:rPr lang="en-US" baseline="0" dirty="0" smtClean="0"/>
+              <a:t> </a:t>
+            </a:r>
+            <a:r>
+              <a:rPr lang="en-US" baseline="0" dirty="0" err="1" smtClean="0"/>
+              <a:t>là</a:t>
+            </a:r>
+            <a:r>
+              <a:rPr lang="en-US" baseline="0" dirty="0" smtClean="0"/>
+              <a:t> SRS </a:t>
+            </a:r>
+            <a:r>
+              <a:rPr lang="en-US" baseline="0" dirty="0" err="1" smtClean="0"/>
+              <a:t>ko</a:t>
+            </a:r>
+            <a:r>
+              <a:rPr lang="en-US" baseline="0" dirty="0" smtClean="0"/>
+              <a:t> </a:t>
+            </a:r>
+            <a:r>
+              <a:rPr lang="en-US" baseline="0" dirty="0" err="1" smtClean="0"/>
+              <a:t>có</a:t>
+            </a:r>
+            <a:r>
+              <a:rPr lang="en-US" baseline="0" dirty="0" smtClean="0"/>
+              <a:t> </a:t>
+            </a:r>
+            <a:r>
+              <a:rPr lang="en-US" baseline="0" dirty="0" err="1" smtClean="0"/>
+              <a:t>ảnh</a:t>
+            </a:r>
+            <a:r>
+              <a:rPr lang="en-US" baseline="0" dirty="0" smtClean="0"/>
+              <a:t>, </a:t>
+            </a:r>
+            <a:r>
+              <a:rPr lang="en-US" baseline="0" dirty="0" err="1" smtClean="0"/>
+              <a:t>chỉ</a:t>
+            </a:r>
+            <a:r>
+              <a:rPr lang="en-US" baseline="0" dirty="0" smtClean="0"/>
+              <a:t> </a:t>
+            </a:r>
+            <a:r>
+              <a:rPr lang="en-US" baseline="0" dirty="0" err="1" smtClean="0"/>
+              <a:t>có</a:t>
+            </a:r>
+            <a:r>
+              <a:rPr lang="en-US" baseline="0" dirty="0" smtClean="0"/>
+              <a:t> </a:t>
+            </a:r>
+            <a:r>
+              <a:rPr lang="en-US" baseline="0" dirty="0" err="1" smtClean="0"/>
+              <a:t>chữ</a:t>
+            </a:r>
+            <a:r>
+              <a:rPr lang="en-US" baseline="0" dirty="0" smtClean="0"/>
+              <a:t> </a:t>
+            </a:r>
+            <a:r>
+              <a:rPr lang="en-US" baseline="0" dirty="0" err="1" smtClean="0"/>
+              <a:t>ko</a:t>
+            </a:r>
+            <a:r>
+              <a:rPr lang="en-US" baseline="0" dirty="0" smtClean="0"/>
+              <a:t> </a:t>
+            </a:r>
+            <a:r>
+              <a:rPr lang="en-US" baseline="0" dirty="0" err="1" smtClean="0"/>
+              <a:t>thôi</a:t>
+            </a:r>
+            <a:r>
+              <a:rPr lang="en-US" baseline="0" dirty="0" smtClean="0"/>
+              <a:t>, </a:t>
+            </a:r>
+            <a:r>
+              <a:rPr lang="en-US" baseline="0" dirty="0" err="1" smtClean="0"/>
+              <a:t>nhưng</a:t>
+            </a:r>
+            <a:r>
+              <a:rPr lang="en-US" baseline="0" dirty="0" smtClean="0"/>
+              <a:t> </a:t>
+            </a:r>
+            <a:r>
+              <a:rPr lang="en-US" baseline="0" dirty="0" err="1" smtClean="0"/>
+              <a:t>mà</a:t>
+            </a:r>
+            <a:r>
+              <a:rPr lang="en-US" baseline="0" dirty="0" smtClean="0"/>
+              <a:t> </a:t>
+            </a:r>
+            <a:r>
+              <a:rPr lang="en-US" baseline="0" dirty="0" err="1" smtClean="0"/>
+              <a:t>tao</a:t>
+            </a:r>
+            <a:r>
+              <a:rPr lang="en-US" baseline="0" dirty="0" smtClean="0"/>
+              <a:t> </a:t>
+            </a:r>
+            <a:r>
+              <a:rPr lang="en-US" baseline="0" dirty="0" err="1" smtClean="0"/>
+              <a:t>thấy</a:t>
+            </a:r>
+            <a:r>
+              <a:rPr lang="en-US" baseline="0" dirty="0" smtClean="0"/>
+              <a:t> </a:t>
+            </a:r>
+            <a:r>
+              <a:rPr lang="en-US" baseline="0" dirty="0" err="1" smtClean="0"/>
+              <a:t>phải</a:t>
+            </a:r>
+            <a:r>
+              <a:rPr lang="en-US" baseline="0" dirty="0" smtClean="0"/>
+              <a:t> </a:t>
+            </a:r>
+            <a:r>
+              <a:rPr lang="en-US" baseline="0" dirty="0" err="1" smtClean="0"/>
+              <a:t>cho</a:t>
+            </a:r>
+            <a:r>
+              <a:rPr lang="en-US" baseline="0" dirty="0" smtClean="0"/>
+              <a:t> </a:t>
+            </a:r>
+            <a:r>
+              <a:rPr lang="en-US" baseline="0" dirty="0" err="1" smtClean="0"/>
+              <a:t>ảnh</a:t>
+            </a:r>
+            <a:r>
+              <a:rPr lang="en-US" baseline="0" dirty="0" smtClean="0"/>
+              <a:t> </a:t>
+            </a:r>
+            <a:r>
+              <a:rPr lang="en-US" baseline="0" dirty="0" err="1" smtClean="0"/>
+              <a:t>vào</a:t>
+            </a:r>
+            <a:r>
+              <a:rPr lang="en-US" baseline="0" dirty="0" smtClean="0"/>
+              <a:t> </a:t>
+            </a:r>
+            <a:r>
+              <a:rPr lang="en-US" baseline="0" dirty="0" err="1" smtClean="0"/>
+              <a:t>mới</a:t>
+            </a:r>
+            <a:r>
+              <a:rPr lang="en-US" baseline="0" dirty="0" smtClean="0"/>
+              <a:t> </a:t>
+            </a:r>
+            <a:r>
+              <a:rPr lang="en-US" baseline="0" dirty="0" err="1" smtClean="0"/>
+              <a:t>rõ</a:t>
+            </a:r>
+            <a:r>
+              <a:rPr lang="en-US" baseline="0" dirty="0" smtClean="0"/>
+              <a:t> </a:t>
+            </a:r>
+            <a:r>
+              <a:rPr lang="en-US" baseline="0" dirty="0" err="1" smtClean="0"/>
+              <a:t>đc</a:t>
+            </a:r>
+            <a:r>
+              <a:rPr lang="en-US" baseline="0" dirty="0" smtClean="0"/>
+              <a:t> </a:t>
+            </a:r>
+            <a:r>
+              <a:rPr lang="en-US" baseline="0" dirty="0" err="1" smtClean="0"/>
+              <a:t>vì</a:t>
+            </a:r>
+            <a:r>
+              <a:rPr lang="en-US" baseline="0" dirty="0" smtClean="0"/>
+              <a:t> SRS </a:t>
+            </a:r>
+            <a:r>
+              <a:rPr lang="en-US" baseline="0" dirty="0" err="1" smtClean="0"/>
+              <a:t>thường</a:t>
+            </a:r>
+            <a:r>
+              <a:rPr lang="en-US" baseline="0" dirty="0" smtClean="0"/>
+              <a:t> </a:t>
+            </a:r>
+            <a:r>
+              <a:rPr lang="en-US" baseline="0" dirty="0" err="1" smtClean="0"/>
+              <a:t>đi</a:t>
+            </a:r>
+            <a:r>
+              <a:rPr lang="en-US" baseline="0" dirty="0" smtClean="0"/>
+              <a:t> </a:t>
+            </a:r>
+            <a:r>
+              <a:rPr lang="en-US" baseline="0" dirty="0" err="1" smtClean="0"/>
+              <a:t>kèm</a:t>
+            </a:r>
+            <a:r>
+              <a:rPr lang="en-US" baseline="0" dirty="0" smtClean="0"/>
+              <a:t> </a:t>
+            </a:r>
+            <a:r>
+              <a:rPr lang="en-US" baseline="0" dirty="0" err="1" smtClean="0"/>
+              <a:t>với</a:t>
+            </a:r>
+            <a:r>
+              <a:rPr lang="en-US" baseline="0" dirty="0" smtClean="0"/>
+              <a:t> </a:t>
+            </a:r>
+            <a:r>
+              <a:rPr lang="en-US" baseline="0" dirty="0" err="1" smtClean="0"/>
+              <a:t>cả</a:t>
+            </a:r>
+            <a:r>
+              <a:rPr lang="en-US" baseline="0" dirty="0" smtClean="0"/>
+              <a:t> prototype </a:t>
+            </a:r>
+            <a:r>
+              <a:rPr lang="en-US" baseline="0" dirty="0" err="1" smtClean="0"/>
+              <a:t>của</a:t>
+            </a:r>
+            <a:r>
+              <a:rPr lang="en-US" baseline="0" dirty="0" smtClean="0"/>
+              <a:t> </a:t>
+            </a:r>
+            <a:r>
+              <a:rPr lang="en-US" baseline="0" dirty="0" err="1" smtClean="0"/>
+              <a:t>dự</a:t>
+            </a:r>
+            <a:r>
+              <a:rPr lang="en-US" baseline="0" dirty="0" smtClean="0"/>
+              <a:t> </a:t>
+            </a:r>
+            <a:r>
+              <a:rPr lang="en-US" baseline="0" dirty="0" err="1" smtClean="0"/>
+              <a:t>án</a:t>
+            </a:r>
+            <a:r>
+              <a:rPr lang="en-US" baseline="0" dirty="0" smtClean="0"/>
+              <a:t>. </a:t>
+            </a:r>
+            <a:r>
+              <a:rPr lang="en-US" baseline="0" dirty="0" err="1" smtClean="0"/>
+              <a:t>Với</a:t>
+            </a:r>
+            <a:r>
+              <a:rPr lang="en-US" baseline="0" dirty="0" smtClean="0"/>
+              <a:t> </a:t>
+            </a:r>
+            <a:r>
+              <a:rPr lang="en-US" baseline="0" dirty="0" err="1" smtClean="0"/>
+              <a:t>cả</a:t>
+            </a:r>
+            <a:r>
+              <a:rPr lang="en-US" baseline="0" dirty="0" smtClean="0"/>
+              <a:t> </a:t>
+            </a:r>
+            <a:r>
+              <a:rPr lang="en-US" baseline="0" dirty="0" err="1" smtClean="0"/>
+              <a:t>nhóm</a:t>
+            </a:r>
+            <a:r>
+              <a:rPr lang="en-US" baseline="0" dirty="0" smtClean="0"/>
+              <a:t> </a:t>
+            </a:r>
+            <a:r>
+              <a:rPr lang="en-US" baseline="0" dirty="0" err="1" smtClean="0"/>
+              <a:t>Baokim</a:t>
+            </a:r>
+            <a:r>
+              <a:rPr lang="en-US" baseline="0" dirty="0" smtClean="0"/>
+              <a:t> </a:t>
+            </a:r>
+            <a:r>
+              <a:rPr lang="en-US" baseline="0" dirty="0" err="1" smtClean="0"/>
+              <a:t>thấy</a:t>
+            </a:r>
+            <a:r>
+              <a:rPr lang="en-US" baseline="0" dirty="0" smtClean="0"/>
+              <a:t> </a:t>
+            </a:r>
+            <a:r>
+              <a:rPr lang="en-US" baseline="0" dirty="0" err="1" smtClean="0"/>
+              <a:t>có</a:t>
+            </a:r>
+            <a:r>
+              <a:rPr lang="en-US" baseline="0" dirty="0" smtClean="0"/>
+              <a:t> </a:t>
+            </a:r>
+            <a:r>
+              <a:rPr lang="en-US" baseline="0" dirty="0" err="1" smtClean="0"/>
+              <a:t>cho</a:t>
+            </a:r>
+            <a:r>
+              <a:rPr lang="en-US" baseline="0" dirty="0" smtClean="0"/>
+              <a:t> </a:t>
+            </a:r>
+            <a:r>
+              <a:rPr lang="en-US" baseline="0" dirty="0" err="1" smtClean="0"/>
+              <a:t>ảnh</a:t>
+            </a:r>
+            <a:r>
+              <a:rPr lang="en-US" baseline="0" dirty="0" smtClean="0"/>
+              <a:t> </a:t>
+            </a:r>
+            <a:r>
+              <a:rPr lang="en-US" baseline="0" dirty="0" err="1" smtClean="0"/>
+              <a:t>vào</a:t>
+            </a:r>
+            <a:r>
+              <a:rPr lang="en-US" baseline="0" dirty="0" smtClean="0"/>
+              <a:t> </a:t>
+            </a:r>
+            <a:r>
+              <a:rPr lang="en-US" baseline="0" dirty="0" err="1" smtClean="0"/>
+              <a:t>rồi</a:t>
+            </a:r>
+            <a:r>
+              <a:rPr lang="en-US" baseline="0" dirty="0" smtClean="0"/>
+              <a:t> </a:t>
+            </a:r>
+            <a:r>
+              <a:rPr lang="en-US" baseline="0" dirty="0" err="1" smtClean="0"/>
+              <a:t>mô</a:t>
+            </a:r>
+            <a:r>
+              <a:rPr lang="en-US" baseline="0" dirty="0" smtClean="0"/>
+              <a:t> </a:t>
+            </a:r>
+            <a:r>
+              <a:rPr lang="en-US" baseline="0" dirty="0" err="1" smtClean="0"/>
+              <a:t>tả</a:t>
+            </a:r>
+            <a:r>
+              <a:rPr lang="en-US" baseline="0" dirty="0" smtClean="0"/>
+              <a:t> </a:t>
+            </a:r>
+            <a:r>
+              <a:rPr lang="en-US" baseline="0" dirty="0" err="1" smtClean="0"/>
+              <a:t>cụ</a:t>
+            </a:r>
+            <a:r>
+              <a:rPr lang="en-US" baseline="0" dirty="0" smtClean="0"/>
+              <a:t> </a:t>
+            </a:r>
+            <a:r>
+              <a:rPr lang="en-US" baseline="0" dirty="0" err="1" smtClean="0"/>
+              <a:t>thể</a:t>
+            </a:r>
+            <a:r>
+              <a:rPr lang="en-US" baseline="0" dirty="0" smtClean="0"/>
+              <a:t> </a:t>
+            </a:r>
+            <a:r>
+              <a:rPr lang="en-US" baseline="0" dirty="0" err="1" smtClean="0"/>
+              <a:t>từng</a:t>
+            </a:r>
+            <a:r>
+              <a:rPr lang="en-US" baseline="0" dirty="0" smtClean="0"/>
+              <a:t> button </a:t>
+            </a:r>
+            <a:r>
+              <a:rPr lang="en-US" baseline="0" dirty="0" err="1" smtClean="0"/>
+              <a:t>cũng</a:t>
+            </a:r>
+            <a:r>
+              <a:rPr lang="en-US" baseline="0" dirty="0" smtClean="0"/>
+              <a:t> </a:t>
+            </a:r>
+            <a:r>
+              <a:rPr lang="en-US" baseline="0" dirty="0" err="1" smtClean="0"/>
+              <a:t>có</a:t>
+            </a:r>
+            <a:r>
+              <a:rPr lang="en-US" baseline="0" dirty="0" smtClean="0"/>
+              <a:t> </a:t>
+            </a:r>
+            <a:r>
+              <a:rPr lang="en-US" baseline="0" dirty="0" err="1" smtClean="0"/>
+              <a:t>bị</a:t>
+            </a:r>
+            <a:r>
+              <a:rPr lang="en-US" baseline="0" dirty="0" smtClean="0"/>
+              <a:t> </a:t>
+            </a:r>
+            <a:r>
+              <a:rPr lang="en-US" baseline="0" dirty="0" err="1" smtClean="0"/>
+              <a:t>thầy</a:t>
+            </a:r>
+            <a:r>
+              <a:rPr lang="en-US" baseline="0" dirty="0" smtClean="0"/>
+              <a:t> </a:t>
+            </a:r>
+            <a:r>
+              <a:rPr lang="en-US" baseline="0" dirty="0" err="1" smtClean="0"/>
+              <a:t>nói</a:t>
+            </a:r>
+            <a:r>
+              <a:rPr lang="en-US" baseline="0" dirty="0" smtClean="0"/>
+              <a:t> </a:t>
+            </a:r>
+            <a:r>
+              <a:rPr lang="en-US" baseline="0" dirty="0" err="1" smtClean="0"/>
+              <a:t>gì</a:t>
+            </a:r>
+            <a:r>
+              <a:rPr lang="en-US" baseline="0" dirty="0" smtClean="0"/>
+              <a:t> </a:t>
+            </a:r>
+            <a:r>
+              <a:rPr lang="en-US" baseline="0" dirty="0" err="1" smtClean="0"/>
+              <a:t>đâu</a:t>
+            </a:r>
+            <a:r>
+              <a:rPr lang="en-US" baseline="0" dirty="0" smtClean="0"/>
+              <a:t>. </a:t>
+            </a:r>
+            <a:r>
+              <a:rPr lang="en-US" baseline="0" dirty="0" err="1" smtClean="0"/>
+              <a:t>Thầy</a:t>
+            </a:r>
+            <a:r>
+              <a:rPr lang="en-US" baseline="0" dirty="0" smtClean="0"/>
+              <a:t> </a:t>
+            </a:r>
+            <a:r>
+              <a:rPr lang="en-US" baseline="0" dirty="0" err="1" smtClean="0"/>
+              <a:t>chỉ</a:t>
+            </a:r>
+            <a:r>
+              <a:rPr lang="en-US" baseline="0" dirty="0" smtClean="0"/>
+              <a:t> </a:t>
+            </a:r>
+            <a:r>
+              <a:rPr lang="en-US" baseline="0" dirty="0" err="1" smtClean="0"/>
+              <a:t>bảo</a:t>
+            </a:r>
+            <a:r>
+              <a:rPr lang="en-US" baseline="0" dirty="0" smtClean="0"/>
+              <a:t> </a:t>
+            </a:r>
+            <a:r>
+              <a:rPr lang="en-US" baseline="0" dirty="0" err="1" smtClean="0"/>
+              <a:t>là</a:t>
+            </a:r>
+            <a:r>
+              <a:rPr lang="en-US" baseline="0" dirty="0" smtClean="0"/>
+              <a:t> </a:t>
+            </a:r>
+            <a:r>
+              <a:rPr lang="en-US" baseline="0" dirty="0" err="1" smtClean="0"/>
+              <a:t>nhóm</a:t>
+            </a:r>
+            <a:r>
+              <a:rPr lang="en-US" baseline="0" dirty="0" smtClean="0"/>
+              <a:t> </a:t>
+            </a:r>
+            <a:r>
+              <a:rPr lang="en-US" baseline="0" dirty="0" err="1" smtClean="0"/>
+              <a:t>đấy</a:t>
+            </a:r>
+            <a:r>
+              <a:rPr lang="en-US" baseline="0" dirty="0" smtClean="0"/>
+              <a:t> </a:t>
+            </a:r>
+            <a:r>
+              <a:rPr lang="en-US" baseline="0" dirty="0" err="1" smtClean="0"/>
+              <a:t>làm</a:t>
+            </a:r>
+            <a:r>
+              <a:rPr lang="en-US" baseline="0" dirty="0" smtClean="0"/>
+              <a:t> </a:t>
+            </a:r>
+            <a:r>
+              <a:rPr lang="en-US" baseline="0" dirty="0" err="1" smtClean="0"/>
+              <a:t>trên</a:t>
+            </a:r>
+            <a:r>
+              <a:rPr lang="en-US" baseline="0" dirty="0" smtClean="0"/>
+              <a:t> mobile </a:t>
+            </a:r>
+            <a:r>
+              <a:rPr lang="en-US" baseline="0" dirty="0" err="1" smtClean="0"/>
+              <a:t>thì</a:t>
+            </a:r>
+            <a:r>
+              <a:rPr lang="en-US" baseline="0" dirty="0" smtClean="0"/>
+              <a:t> </a:t>
+            </a:r>
+            <a:r>
+              <a:rPr lang="en-US" baseline="0" dirty="0" err="1" smtClean="0"/>
+              <a:t>giao</a:t>
+            </a:r>
+            <a:r>
+              <a:rPr lang="en-US" baseline="0" dirty="0" smtClean="0"/>
+              <a:t> </a:t>
+            </a:r>
+            <a:r>
+              <a:rPr lang="en-US" baseline="0" dirty="0" err="1" smtClean="0"/>
+              <a:t>diện</a:t>
+            </a:r>
+            <a:r>
+              <a:rPr lang="en-US" baseline="0" dirty="0" smtClean="0"/>
+              <a:t> </a:t>
+            </a:r>
+            <a:r>
+              <a:rPr lang="en-US" baseline="0" dirty="0" err="1" smtClean="0"/>
+              <a:t>nó</a:t>
+            </a:r>
+            <a:r>
+              <a:rPr lang="en-US" baseline="0" dirty="0" smtClean="0"/>
+              <a:t> </a:t>
+            </a:r>
+            <a:r>
+              <a:rPr lang="en-US" baseline="0" dirty="0" err="1" smtClean="0"/>
+              <a:t>bé</a:t>
+            </a:r>
+            <a:r>
+              <a:rPr lang="en-US" baseline="0" dirty="0" smtClean="0"/>
+              <a:t>. </a:t>
+            </a:r>
+            <a:r>
+              <a:rPr lang="en-US" baseline="0" dirty="0" err="1" smtClean="0"/>
+              <a:t>Nhưng</a:t>
+            </a:r>
+            <a:r>
+              <a:rPr lang="en-US" baseline="0" dirty="0" smtClean="0"/>
+              <a:t> </a:t>
+            </a:r>
+            <a:r>
+              <a:rPr lang="en-US" baseline="0" dirty="0" err="1" smtClean="0"/>
+              <a:t>nếu</a:t>
+            </a:r>
+            <a:r>
+              <a:rPr lang="en-US" baseline="0" dirty="0" smtClean="0"/>
+              <a:t> </a:t>
+            </a:r>
+            <a:r>
+              <a:rPr lang="en-US" baseline="0" dirty="0" err="1" smtClean="0"/>
+              <a:t>mình</a:t>
+            </a:r>
+            <a:r>
+              <a:rPr lang="en-US" baseline="0" dirty="0" smtClean="0"/>
+              <a:t> demo </a:t>
+            </a:r>
+            <a:r>
+              <a:rPr lang="en-US" baseline="0" dirty="0" err="1" smtClean="0"/>
+              <a:t>có</a:t>
+            </a:r>
+            <a:r>
+              <a:rPr lang="en-US" baseline="0" dirty="0" smtClean="0"/>
+              <a:t> 2 </a:t>
+            </a:r>
+            <a:r>
+              <a:rPr lang="en-US" baseline="0" dirty="0" err="1" smtClean="0"/>
+              <a:t>cái</a:t>
+            </a:r>
+            <a:r>
+              <a:rPr lang="en-US" baseline="0" dirty="0" smtClean="0"/>
+              <a:t> </a:t>
+            </a:r>
+            <a:r>
+              <a:rPr lang="en-US" baseline="0" dirty="0" err="1" smtClean="0"/>
+              <a:t>làm</a:t>
+            </a:r>
+            <a:r>
+              <a:rPr lang="en-US" baseline="0" dirty="0" smtClean="0"/>
+              <a:t> </a:t>
+            </a:r>
+            <a:r>
+              <a:rPr lang="en-US" baseline="0" dirty="0" err="1" smtClean="0"/>
+              <a:t>mẫu</a:t>
+            </a:r>
+            <a:r>
+              <a:rPr lang="en-US" baseline="0" dirty="0" smtClean="0"/>
+              <a:t> </a:t>
+            </a:r>
+            <a:r>
+              <a:rPr lang="en-US" baseline="0" dirty="0" err="1" smtClean="0"/>
+              <a:t>thì</a:t>
+            </a:r>
+            <a:r>
+              <a:rPr lang="en-US" baseline="0" dirty="0" smtClean="0"/>
+              <a:t> </a:t>
+            </a:r>
+            <a:r>
+              <a:rPr lang="en-US" baseline="0" dirty="0" err="1" smtClean="0"/>
+              <a:t>cũng</a:t>
+            </a:r>
+            <a:r>
+              <a:rPr lang="en-US" baseline="0" dirty="0" smtClean="0"/>
+              <a:t> </a:t>
+            </a:r>
+            <a:r>
+              <a:rPr lang="en-US" baseline="0" dirty="0" err="1" smtClean="0"/>
+              <a:t>ko</a:t>
+            </a:r>
+            <a:r>
+              <a:rPr lang="en-US" baseline="0" dirty="0" smtClean="0"/>
+              <a:t> to </a:t>
+            </a:r>
+            <a:r>
+              <a:rPr lang="en-US" baseline="0" dirty="0" err="1" smtClean="0"/>
+              <a:t>lắm</a:t>
+            </a:r>
+            <a:r>
+              <a:rPr lang="en-US" baseline="0" dirty="0" smtClean="0"/>
+              <a:t>. </a:t>
+            </a:r>
+            <a:r>
+              <a:rPr lang="en-US" baseline="0" dirty="0" err="1" smtClean="0"/>
+              <a:t>Cái</a:t>
+            </a:r>
+            <a:r>
+              <a:rPr lang="en-US" baseline="0" dirty="0" smtClean="0"/>
+              <a:t> </a:t>
+            </a:r>
+            <a:r>
+              <a:rPr lang="en-US" baseline="0" dirty="0" err="1" smtClean="0"/>
+              <a:t>này</a:t>
+            </a:r>
+            <a:r>
+              <a:rPr lang="en-US" baseline="0" dirty="0" smtClean="0"/>
+              <a:t> </a:t>
+            </a:r>
+            <a:r>
+              <a:rPr lang="en-US" baseline="0" dirty="0" err="1" smtClean="0"/>
+              <a:t>thích</a:t>
+            </a:r>
+            <a:r>
+              <a:rPr lang="en-US" baseline="0" dirty="0" smtClean="0"/>
+              <a:t> </a:t>
+            </a:r>
+            <a:r>
+              <a:rPr lang="en-US" baseline="0" dirty="0" err="1" smtClean="0"/>
+              <a:t>thì</a:t>
+            </a:r>
+            <a:r>
+              <a:rPr lang="en-US" baseline="0" dirty="0" smtClean="0"/>
+              <a:t> confirm </a:t>
+            </a:r>
+            <a:r>
+              <a:rPr lang="en-US" baseline="0" dirty="0" err="1" smtClean="0"/>
+              <a:t>lại</a:t>
+            </a:r>
+            <a:r>
+              <a:rPr lang="en-US" baseline="0" dirty="0" smtClean="0"/>
+              <a:t> </a:t>
+            </a:r>
+            <a:r>
+              <a:rPr lang="en-US" baseline="0" dirty="0" err="1" smtClean="0"/>
+              <a:t>với</a:t>
+            </a:r>
+            <a:r>
+              <a:rPr lang="en-US" baseline="0" dirty="0" smtClean="0"/>
+              <a:t> </a:t>
+            </a:r>
+            <a:r>
+              <a:rPr lang="en-US" baseline="0" dirty="0" err="1" smtClean="0"/>
+              <a:t>thầy</a:t>
+            </a:r>
+            <a:r>
+              <a:rPr lang="en-US" baseline="0" dirty="0" smtClean="0"/>
+              <a:t>. </a:t>
+            </a:r>
+            <a:r>
+              <a:rPr lang="en-US" baseline="0" dirty="0" err="1" smtClean="0"/>
+              <a:t>Vì</a:t>
+            </a:r>
+            <a:r>
+              <a:rPr lang="en-US" baseline="0" dirty="0" smtClean="0"/>
+              <a:t> 2 </a:t>
+            </a:r>
+            <a:r>
+              <a:rPr lang="en-US" baseline="0" dirty="0" err="1" smtClean="0"/>
+              <a:t>cái</a:t>
+            </a:r>
+            <a:r>
+              <a:rPr lang="en-US" baseline="0" dirty="0" smtClean="0"/>
+              <a:t> </a:t>
+            </a:r>
+            <a:r>
+              <a:rPr lang="en-US" baseline="0" dirty="0" err="1" smtClean="0"/>
+              <a:t>thư</a:t>
+            </a:r>
+            <a:r>
+              <a:rPr lang="en-US" baseline="0" dirty="0" smtClean="0"/>
+              <a:t> </a:t>
+            </a:r>
+            <a:r>
+              <a:rPr lang="en-US" baseline="0" dirty="0" err="1" smtClean="0"/>
+              <a:t>viện</a:t>
+            </a:r>
+            <a:r>
+              <a:rPr lang="en-US" baseline="0" dirty="0" smtClean="0"/>
+              <a:t> </a:t>
+            </a:r>
+            <a:r>
+              <a:rPr lang="en-US" baseline="0" dirty="0" err="1" smtClean="0"/>
+              <a:t>tính</a:t>
+            </a:r>
+            <a:r>
+              <a:rPr lang="en-US" baseline="0" dirty="0" smtClean="0"/>
+              <a:t> </a:t>
+            </a:r>
+            <a:r>
+              <a:rPr lang="en-US" baseline="0" dirty="0" err="1" smtClean="0"/>
+              <a:t>ra</a:t>
+            </a:r>
+            <a:r>
+              <a:rPr lang="en-US" baseline="0" dirty="0" smtClean="0"/>
+              <a:t> </a:t>
+            </a:r>
+            <a:r>
+              <a:rPr lang="en-US" baseline="0" dirty="0" err="1" smtClean="0"/>
+              <a:t>cũng</a:t>
+            </a:r>
+            <a:r>
+              <a:rPr lang="en-US" baseline="0" dirty="0" smtClean="0"/>
+              <a:t> </a:t>
+            </a:r>
+            <a:r>
+              <a:rPr lang="en-US" baseline="0" dirty="0" err="1" smtClean="0"/>
+              <a:t>từng</a:t>
+            </a:r>
+            <a:r>
+              <a:rPr lang="en-US" baseline="0" dirty="0" smtClean="0"/>
+              <a:t> </a:t>
+            </a:r>
+            <a:r>
+              <a:rPr lang="en-US" baseline="0" dirty="0" err="1" smtClean="0"/>
+              <a:t>ấy</a:t>
+            </a:r>
+            <a:r>
+              <a:rPr lang="en-US" baseline="0" dirty="0" smtClean="0"/>
+              <a:t> </a:t>
+            </a:r>
+            <a:r>
+              <a:rPr lang="en-US" baseline="0" dirty="0" err="1" smtClean="0"/>
+              <a:t>chức</a:t>
+            </a:r>
+            <a:r>
+              <a:rPr lang="en-US" baseline="0" dirty="0" smtClean="0"/>
+              <a:t> </a:t>
+            </a:r>
+            <a:r>
+              <a:rPr lang="en-US" baseline="0" dirty="0" err="1" smtClean="0"/>
+              <a:t>năng</a:t>
+            </a:r>
+            <a:r>
+              <a:rPr lang="en-US" baseline="0" dirty="0" smtClean="0"/>
+              <a:t>, </a:t>
+            </a:r>
+            <a:r>
+              <a:rPr lang="en-US" baseline="0" dirty="0" err="1" smtClean="0"/>
+              <a:t>ko</a:t>
+            </a:r>
+            <a:r>
+              <a:rPr lang="en-US" baseline="0" dirty="0" smtClean="0"/>
+              <a:t> </a:t>
+            </a:r>
+            <a:r>
+              <a:rPr lang="en-US" baseline="0" dirty="0" err="1" smtClean="0"/>
+              <a:t>có</a:t>
+            </a:r>
+            <a:r>
+              <a:rPr lang="en-US" baseline="0" dirty="0" smtClean="0"/>
+              <a:t> </a:t>
+            </a:r>
+            <a:r>
+              <a:rPr lang="en-US" baseline="0" dirty="0" err="1" smtClean="0"/>
+              <a:t>ảnh</a:t>
+            </a:r>
+            <a:r>
+              <a:rPr lang="en-US" baseline="0" dirty="0" smtClean="0"/>
+              <a:t> </a:t>
+            </a:r>
+            <a:r>
+              <a:rPr lang="en-US" baseline="0" dirty="0" err="1" smtClean="0"/>
+              <a:t>thì</a:t>
+            </a:r>
+            <a:r>
+              <a:rPr lang="en-US" baseline="0" dirty="0" smtClean="0"/>
+              <a:t> </a:t>
+            </a:r>
+            <a:r>
+              <a:rPr lang="en-US" baseline="0" dirty="0" err="1" smtClean="0"/>
+              <a:t>cũng</a:t>
+            </a:r>
+            <a:r>
+              <a:rPr lang="en-US" baseline="0" dirty="0" smtClean="0"/>
+              <a:t> </a:t>
+            </a:r>
+            <a:r>
+              <a:rPr lang="en-US" baseline="0" dirty="0" err="1" smtClean="0"/>
+              <a:t>ko</a:t>
+            </a:r>
+            <a:r>
+              <a:rPr lang="en-US" baseline="0" dirty="0" smtClean="0"/>
+              <a:t> </a:t>
+            </a:r>
+            <a:r>
+              <a:rPr lang="en-US" baseline="0" dirty="0" err="1" smtClean="0"/>
+              <a:t>phân</a:t>
+            </a:r>
+            <a:r>
+              <a:rPr lang="en-US" baseline="0" dirty="0" smtClean="0"/>
+              <a:t> </a:t>
+            </a:r>
+            <a:r>
+              <a:rPr lang="en-US" baseline="0" dirty="0" err="1" smtClean="0"/>
+              <a:t>biệt</a:t>
+            </a:r>
+            <a:r>
+              <a:rPr lang="en-US" baseline="0" dirty="0" smtClean="0"/>
+              <a:t> </a:t>
+            </a:r>
+            <a:r>
+              <a:rPr lang="en-US" baseline="0" dirty="0" err="1" smtClean="0"/>
+              <a:t>đc</a:t>
+            </a:r>
+            <a:r>
+              <a:rPr lang="en-US" baseline="0" dirty="0" smtClean="0"/>
+              <a:t> </a:t>
+            </a:r>
+            <a:r>
+              <a:rPr lang="en-US" baseline="0" dirty="0" err="1" smtClean="0"/>
+              <a:t>cái</a:t>
+            </a:r>
+            <a:r>
+              <a:rPr lang="en-US" baseline="0" dirty="0" smtClean="0"/>
+              <a:t> </a:t>
+            </a:r>
+            <a:r>
+              <a:rPr lang="en-US" baseline="0" dirty="0" err="1" smtClean="0"/>
+              <a:t>nào</a:t>
+            </a:r>
+            <a:r>
+              <a:rPr lang="en-US" baseline="0" dirty="0" smtClean="0"/>
+              <a:t> </a:t>
+            </a:r>
+            <a:r>
+              <a:rPr lang="en-US" baseline="0" dirty="0" err="1" smtClean="0"/>
+              <a:t>với</a:t>
+            </a:r>
+            <a:r>
+              <a:rPr lang="en-US" baseline="0" dirty="0" smtClean="0"/>
+              <a:t> </a:t>
+            </a:r>
+            <a:r>
+              <a:rPr lang="en-US" baseline="0" dirty="0" err="1" smtClean="0"/>
+              <a:t>cái</a:t>
+            </a:r>
+            <a:r>
+              <a:rPr lang="en-US" baseline="0" dirty="0" smtClean="0"/>
+              <a:t> </a:t>
+            </a:r>
+            <a:r>
+              <a:rPr lang="en-US" baseline="0" dirty="0" err="1" smtClean="0"/>
+              <a:t>nào</a:t>
+            </a:r>
+            <a:r>
+              <a:rPr lang="en-US" baseline="0" dirty="0" smtClean="0"/>
+              <a:t>.</a:t>
+            </a:r>
+            <a:endParaRPr lang="en-US" dirty="0"/>
+          </a:p>
+        </p:txBody>
+      </p:sp>
+      <p:sp>
+        <p:nvSpPr>
+          <p:cNvPr id="4" name="Slide Number Placeholder 3"/>
+          <p:cNvSpPr>
+            <a:spLocks noGrp="1"/>
+          </p:cNvSpPr>
+          <p:nvPr>
+            <p:ph type="sldNum" sz="quarter" idx="10"/>
+          </p:nvPr>
+        </p:nvSpPr>
+        <p:spPr/>
+        <p:txBody>
+          <a:bodyPr/>
+          <a:lstStyle/>
+          <a:p>
+            <a:fld id="{94349F02-7B7E-4405-841E-9FEA710E9D5A}" type="slidenum">
+              <a:rPr lang="en-US" smtClean="0"/>
+              <a:t>17</a:t>
+            </a:fld>
+            <a:endParaRPr lang="en-US"/>
+          </a:p>
+        </p:txBody>
+      </p:sp>
+    </p:spTree>
+    <p:extLst>
+      <p:ext uri="{BB962C8B-B14F-4D97-AF65-F5344CB8AC3E}">
+        <p14:creationId xmlns:p14="http://schemas.microsoft.com/office/powerpoint/2010/main" val="1196908697"/>
       </p:ext>
     </p:extLst>
   </p:cSld>
@@ -21301,7 +28271,7 @@
           <p:nvPr/>
         </p:nvPicPr>
         <p:blipFill>
-          <a:blip r:embed="rId2" cstate="print">
+          <a:blip r:embed="rId3" cstate="print">
             <a:extLst>
               <a:ext uri="{28A0092B-C50C-407E-A947-70E740481C1C}">
                 <a14:useLocalDpi xmlns:a14="http://schemas.microsoft.com/office/drawing/2010/main" val="0"/>
@@ -23710,7 +30680,7 @@
           <p:nvPr/>
         </p:nvPicPr>
         <p:blipFill>
-          <a:blip r:embed="rId2">
+          <a:blip r:embed="rId3">
             <a:extLst>
               <a:ext uri="{28A0092B-C50C-407E-A947-70E740481C1C}">
                 <a14:useLocalDpi xmlns:a14="http://schemas.microsoft.com/office/drawing/2010/main" val="0"/>
@@ -24036,7 +31006,7 @@
           <a:graphicData uri="http://schemas.openxmlformats.org/presentationml/2006/ole">
             <mc:AlternateContent xmlns:mc="http://schemas.openxmlformats.org/markup-compatibility/2006">
               <mc:Choice xmlns:v="urn:schemas-microsoft-com:vml" Requires="v">
-                <p:oleObj spid="_x0000_s6156" name="SmartDraw" r:id="rId3" imgW="8703268" imgH="4533499" progId="SmartDraw.2">
+                <p:oleObj spid="_x0000_s6160" name="SmartDraw" r:id="rId3" imgW="8703268" imgH="4533499" progId="SmartDraw.2">
                   <p:embed/>
                 </p:oleObj>
               </mc:Choice>
@@ -24360,7 +31330,7 @@
           <p:nvPr/>
         </p:nvPicPr>
         <p:blipFill>
-          <a:blip r:embed="rId2" cstate="print"/>
+          <a:blip r:embed="rId3" cstate="print"/>
           <a:srcRect/>
           <a:stretch>
             <a:fillRect/>

--- a/Document/Final report/Slide Present E-Learning.pptx
+++ b/Document/Final report/Slide Present E-Learning.pptx
@@ -6830,7 +6830,11 @@
           </a:r>
           <a:r>
             <a:rPr lang="en-US" b="1" dirty="0" smtClean="0"/>
-            <a:t> framework</a:t>
+            <a:t> </a:t>
+          </a:r>
+          <a:r>
+            <a:rPr lang="en-US" b="1" dirty="0" smtClean="0"/>
+            <a:t>standard.</a:t>
           </a:r>
           <a:endParaRPr lang="en-US" b="1" dirty="0"/>
         </a:p>
@@ -11035,7 +11039,11 @@
           </a:r>
           <a:r>
             <a:rPr lang="en-US" sz="2000" b="1" kern="1200" dirty="0" smtClean="0"/>
-            <a:t> framework</a:t>
+            <a:t> </a:t>
+          </a:r>
+          <a:r>
+            <a:rPr lang="en-US" sz="2000" b="1" kern="1200" dirty="0" smtClean="0"/>
+            <a:t>standard.</a:t>
           </a:r>
           <a:endParaRPr lang="en-US" sz="2000" b="1" kern="1200" dirty="0"/>
         </a:p>
@@ -19293,6 +19301,22 @@
           <a:lstStyle/>
           <a:p>
             <a:r>
+              <a:rPr lang="vi-VN" dirty="0" smtClean="0"/>
+              <a:t>Nhóm em đưa ra 5 tiêu chí để đánh giá mức độ thành công của dự án. Trong đó tiêu biểu là: Dự án được trong đồ án tốt nghiệp được hoàn hành theo thời hạn dựa trên master plan của nhà trường (là 4 tháng). Các tính năng có mức độ ưu tiên cao như thư viện lý thuyết, bài tập, đề tự luyện được đều được hoàn chỉnh.</a:t>
+            </a:r>
+            <a:endParaRPr lang="en-US" baseline="0" dirty="0" smtClean="0"/>
+          </a:p>
+          <a:p>
+            <a:endParaRPr lang="en-US" baseline="0" dirty="0" smtClean="0"/>
+          </a:p>
+          <a:p>
+            <a:endParaRPr lang="en-US" dirty="0" smtClean="0"/>
+          </a:p>
+          <a:p>
+            <a:endParaRPr lang="en-US" dirty="0" smtClean="0"/>
+          </a:p>
+          <a:p>
+            <a:r>
               <a:rPr lang="en-US" dirty="0" err="1" smtClean="0"/>
               <a:t>Cái</a:t>
             </a:r>
@@ -19839,152 +19863,6 @@
               <a:buChar char="-"/>
             </a:pPr>
             <a:endParaRPr lang="en-US" baseline="0" dirty="0" smtClean="0"/>
-          </a:p>
-          <a:p>
-            <a:pPr marL="171450" indent="-171450">
-              <a:buFontTx/>
-              <a:buChar char="-"/>
-            </a:pPr>
-            <a:endParaRPr lang="en-US" baseline="0" dirty="0" smtClean="0"/>
-          </a:p>
-          <a:p>
-            <a:pPr marL="171450" marR="0" lvl="0" indent="-171450" algn="l" defTabSz="914400" rtl="0" eaLnBrk="1" fontAlgn="auto" latinLnBrk="0" hangingPunct="1">
-              <a:lnSpc>
-                <a:spcPct val="100000"/>
-              </a:lnSpc>
-              <a:spcBef>
-                <a:spcPts val="0"/>
-              </a:spcBef>
-              <a:spcAft>
-                <a:spcPts val="0"/>
-              </a:spcAft>
-              <a:buClrTx/>
-              <a:buSzTx/>
-              <a:buFontTx/>
-              <a:buChar char="-"/>
-              <a:tabLst/>
-              <a:defRPr/>
-            </a:pPr>
-            <a:r>
-              <a:rPr lang="en-US" sz="1200" b="1" dirty="0" smtClean="0">
-                <a:latin typeface="Arial"/>
-                <a:ea typeface="Times New Roman"/>
-                <a:cs typeface="Arial"/>
-              </a:rPr>
-              <a:t>The estimated number of residual defects does not exceed 8 defects / 1000 lines</a:t>
-            </a:r>
-            <a:r>
-              <a:rPr lang="en-US" sz="1200" b="0" baseline="0" dirty="0">
-                <a:latin typeface="+mn-lt"/>
-                <a:ea typeface="+mn-ea"/>
-                <a:cs typeface="+mn-cs"/>
-              </a:rPr>
-              <a:t> </a:t>
-            </a:r>
-            <a:r>
-              <a:rPr lang="en-US" sz="1200" b="0" baseline="0" dirty="0" smtClean="0">
-                <a:latin typeface="+mn-lt"/>
-                <a:ea typeface="+mn-ea"/>
-                <a:cs typeface="+mn-cs"/>
-                <a:sym typeface="Wingdings" pitchFamily="2" charset="2"/>
-              </a:rPr>
-              <a:t> </a:t>
-            </a:r>
-            <a:r>
-              <a:rPr lang="en-US" sz="1200" b="0" baseline="0" dirty="0" err="1" smtClean="0">
-                <a:latin typeface="+mn-lt"/>
-                <a:ea typeface="+mn-ea"/>
-                <a:cs typeface="+mn-cs"/>
-                <a:sym typeface="Wingdings" pitchFamily="2" charset="2"/>
-              </a:rPr>
-              <a:t>thay</a:t>
-            </a:r>
-            <a:r>
-              <a:rPr lang="en-US" sz="1200" b="0" baseline="0" dirty="0" smtClean="0">
-                <a:latin typeface="+mn-lt"/>
-                <a:ea typeface="+mn-ea"/>
-                <a:cs typeface="+mn-cs"/>
-                <a:sym typeface="Wingdings" pitchFamily="2" charset="2"/>
-              </a:rPr>
-              <a:t> bang </a:t>
-            </a:r>
-            <a:r>
-              <a:rPr lang="en-US" sz="1200" b="0" baseline="0" dirty="0" err="1" smtClean="0">
-                <a:latin typeface="+mn-lt"/>
-                <a:ea typeface="+mn-ea"/>
-                <a:cs typeface="+mn-cs"/>
-                <a:sym typeface="Wingdings" pitchFamily="2" charset="2"/>
-              </a:rPr>
-              <a:t>nhap</a:t>
-            </a:r>
-            <a:r>
-              <a:rPr lang="en-US" sz="1200" b="0" baseline="0" dirty="0" smtClean="0">
-                <a:latin typeface="+mn-lt"/>
-                <a:ea typeface="+mn-ea"/>
-                <a:cs typeface="+mn-cs"/>
-                <a:sym typeface="Wingdings" pitchFamily="2" charset="2"/>
-              </a:rPr>
-              <a:t> database </a:t>
-            </a:r>
-            <a:r>
-              <a:rPr lang="en-US" sz="1200" b="0" baseline="0" dirty="0" err="1" smtClean="0">
-                <a:latin typeface="+mn-lt"/>
-                <a:ea typeface="+mn-ea"/>
-                <a:cs typeface="+mn-cs"/>
-                <a:sym typeface="Wingdings" pitchFamily="2" charset="2"/>
-              </a:rPr>
-              <a:t>tu</a:t>
-            </a:r>
-            <a:r>
-              <a:rPr lang="en-US" sz="1200" b="0" baseline="0" dirty="0" smtClean="0">
-                <a:latin typeface="+mn-lt"/>
-                <a:ea typeface="+mn-ea"/>
-                <a:cs typeface="+mn-cs"/>
-                <a:sym typeface="Wingdings" pitchFamily="2" charset="2"/>
-              </a:rPr>
-              <a:t> </a:t>
-            </a:r>
-            <a:r>
-              <a:rPr lang="en-US" sz="1200" b="0" baseline="0" dirty="0" err="1" smtClean="0">
-                <a:latin typeface="+mn-lt"/>
-                <a:ea typeface="+mn-ea"/>
-                <a:cs typeface="+mn-cs"/>
-                <a:sym typeface="Wingdings" pitchFamily="2" charset="2"/>
-              </a:rPr>
-              <a:t>sach</a:t>
-            </a:r>
-            <a:r>
-              <a:rPr lang="en-US" sz="1200" b="0" baseline="0" dirty="0" smtClean="0">
-                <a:latin typeface="+mn-lt"/>
-                <a:ea typeface="+mn-ea"/>
-                <a:cs typeface="+mn-cs"/>
-                <a:sym typeface="Wingdings" pitchFamily="2" charset="2"/>
-              </a:rPr>
-              <a:t> </a:t>
-            </a:r>
-            <a:r>
-              <a:rPr lang="en-US" sz="1200" b="0" baseline="0" dirty="0" err="1" smtClean="0">
-                <a:latin typeface="+mn-lt"/>
-                <a:ea typeface="+mn-ea"/>
-                <a:cs typeface="+mn-cs"/>
-                <a:sym typeface="Wingdings" pitchFamily="2" charset="2"/>
-              </a:rPr>
-              <a:t>ra</a:t>
-            </a:r>
-            <a:r>
-              <a:rPr lang="en-US" sz="1200" b="0" baseline="0" dirty="0" smtClean="0">
-                <a:latin typeface="+mn-lt"/>
-                <a:ea typeface="+mn-ea"/>
-                <a:cs typeface="+mn-cs"/>
-                <a:sym typeface="Wingdings" pitchFamily="2" charset="2"/>
-              </a:rPr>
-              <a:t> </a:t>
-            </a:r>
-            <a:endParaRPr lang="vi-VN" sz="1200" dirty="0" smtClean="0">
-              <a:latin typeface="+mn-lt"/>
-              <a:ea typeface="Arial"/>
-              <a:cs typeface="Times New Roman"/>
-            </a:endParaRPr>
           </a:p>
         </p:txBody>
       </p:sp>
@@ -20069,8 +19947,16 @@
           <a:lstStyle/>
           <a:p>
             <a:r>
+              <a:rPr lang="vi-VN" dirty="0" smtClean="0"/>
+              <a:t>Trong SRS, chúng em phân tích theo hướng functional – non-functional requirement. Về functional requirement có thư viện lý thuyết. tính năng này chia làm 2 phần đó là: lựa chọn lý thuyết dựa vào môn học và chương học. Sau đó là đưa ra lý thuyết + với các câu hỏi liên quan</a:t>
+            </a:r>
+            <a:r>
+              <a:rPr lang="en-US" dirty="0" smtClean="0"/>
+              <a:t>. (</a:t>
+            </a:r>
+            <a:r>
               <a:rPr lang="en-US" dirty="0" err="1" smtClean="0"/>
-              <a:t>Cái</a:t>
+              <a:t>lúc</a:t>
             </a:r>
             <a:r>
               <a:rPr lang="en-US" baseline="0" dirty="0" smtClean="0"/>
@@ -20086,35 +19972,43 @@
             </a:r>
             <a:r>
               <a:rPr lang="en-US" baseline="0" dirty="0" err="1" smtClean="0"/>
-              <a:t>bỏ</a:t>
-            </a:r>
-            <a:r>
-              <a:rPr lang="en-US" baseline="0" dirty="0" smtClean="0"/>
-              <a:t>, </a:t>
-            </a:r>
-            <a:r>
-              <a:rPr lang="en-US" baseline="0" dirty="0" err="1" smtClean="0"/>
-              <a:t>cho</a:t>
-            </a:r>
-            <a:r>
-              <a:rPr lang="en-US" baseline="0" dirty="0" smtClean="0"/>
-              <a:t> </a:t>
-            </a:r>
-            <a:r>
-              <a:rPr lang="en-US" baseline="0" dirty="0" err="1" smtClean="0"/>
-              <a:t>lên</a:t>
-            </a:r>
-            <a:r>
-              <a:rPr lang="en-US" baseline="0" dirty="0" smtClean="0"/>
-              <a:t> </a:t>
-            </a:r>
-            <a:r>
-              <a:rPr lang="en-US" baseline="0" dirty="0" err="1" smtClean="0"/>
-              <a:t>phần</a:t>
-            </a:r>
-            <a:r>
-              <a:rPr lang="en-US" baseline="0" dirty="0" smtClean="0"/>
-              <a:t> Idea</a:t>
+              <a:t>giải</a:t>
+            </a:r>
+            <a:r>
+              <a:rPr lang="en-US" baseline="0" dirty="0" smtClean="0"/>
+              <a:t> </a:t>
+            </a:r>
+            <a:r>
+              <a:rPr lang="en-US" baseline="0" dirty="0" err="1" smtClean="0"/>
+              <a:t>thik</a:t>
+            </a:r>
+            <a:r>
+              <a:rPr lang="en-US" baseline="0" dirty="0" smtClean="0"/>
+              <a:t> </a:t>
+            </a:r>
+            <a:r>
+              <a:rPr lang="en-US" baseline="0" dirty="0" err="1" smtClean="0"/>
+              <a:t>trên</a:t>
+            </a:r>
+            <a:r>
+              <a:rPr lang="en-US" baseline="0" dirty="0" smtClean="0"/>
+              <a:t> </a:t>
+            </a:r>
+            <a:r>
+              <a:rPr lang="en-US" baseline="0" dirty="0" err="1" smtClean="0"/>
+              <a:t>hình</a:t>
+            </a:r>
+            <a:r>
+              <a:rPr lang="en-US" baseline="0" dirty="0" smtClean="0"/>
+              <a:t> </a:t>
+            </a:r>
+            <a:r>
+              <a:rPr lang="en-US" baseline="0" dirty="0" err="1" smtClean="0"/>
+              <a:t>vẽ</a:t>
+            </a:r>
+            <a:r>
+              <a:rPr lang="en-US" baseline="0" dirty="0" smtClean="0"/>
+              <a:t>). </a:t>
             </a:r>
             <a:endParaRPr lang="en-US" dirty="0"/>
           </a:p>
@@ -20201,361 +20095,247 @@
           <a:lstStyle/>
           <a:p>
             <a:r>
-              <a:rPr lang="en-US" dirty="0" smtClean="0"/>
-              <a:t>SRS </a:t>
-            </a:r>
-            <a:r>
-              <a:rPr lang="en-US" dirty="0" err="1" smtClean="0"/>
-              <a:t>viết</a:t>
-            </a:r>
-            <a:r>
-              <a:rPr lang="en-US" baseline="0" dirty="0" smtClean="0"/>
-              <a:t> </a:t>
-            </a:r>
-            <a:r>
-              <a:rPr lang="en-US" baseline="0" dirty="0" err="1" smtClean="0"/>
-              <a:t>lại</a:t>
-            </a:r>
-            <a:r>
-              <a:rPr lang="en-US" baseline="0" dirty="0" smtClean="0"/>
-              <a:t> </a:t>
-            </a:r>
-            <a:r>
-              <a:rPr lang="en-US" baseline="0" dirty="0" err="1" smtClean="0"/>
-              <a:t>hết</a:t>
-            </a:r>
-            <a:r>
-              <a:rPr lang="en-US" baseline="0" dirty="0" smtClean="0"/>
-              <a:t> </a:t>
-            </a:r>
-            <a:r>
-              <a:rPr lang="en-US" baseline="0" dirty="0" err="1" smtClean="0"/>
-              <a:t>cho</a:t>
-            </a:r>
-            <a:r>
-              <a:rPr lang="en-US" baseline="0" dirty="0" smtClean="0"/>
-              <a:t> </a:t>
-            </a:r>
-            <a:r>
-              <a:rPr lang="en-US" baseline="0" dirty="0" err="1" smtClean="0"/>
-              <a:t>tao</a:t>
-            </a:r>
-            <a:r>
-              <a:rPr lang="en-US" baseline="0" dirty="0" smtClean="0"/>
-              <a:t>.</a:t>
+              <a:rPr lang="en-US" baseline="0" dirty="0" smtClean="0"/>
+              <a:t>(slide </a:t>
+            </a:r>
+            <a:r>
+              <a:rPr lang="en-US" baseline="0" dirty="0" err="1" smtClean="0"/>
+              <a:t>này</a:t>
+            </a:r>
+            <a:r>
+              <a:rPr lang="en-US" baseline="0" dirty="0" smtClean="0"/>
+              <a:t> </a:t>
+            </a:r>
+            <a:r>
+              <a:rPr lang="en-US" baseline="0" dirty="0" err="1" smtClean="0"/>
+              <a:t>chỉ</a:t>
+            </a:r>
+            <a:r>
+              <a:rPr lang="en-US" baseline="0" dirty="0" smtClean="0"/>
+              <a:t> </a:t>
+            </a:r>
+            <a:r>
+              <a:rPr lang="en-US" baseline="0" dirty="0" err="1" smtClean="0"/>
+              <a:t>vào</a:t>
+            </a:r>
+            <a:r>
+              <a:rPr lang="en-US" baseline="0" dirty="0" smtClean="0"/>
+              <a:t> </a:t>
+            </a:r>
+            <a:r>
+              <a:rPr lang="en-US" baseline="0" dirty="0" err="1" smtClean="0"/>
+              <a:t>và</a:t>
+            </a:r>
+            <a:r>
+              <a:rPr lang="en-US" baseline="0" dirty="0" smtClean="0"/>
+              <a:t> </a:t>
+            </a:r>
+            <a:r>
+              <a:rPr lang="en-US" baseline="0" dirty="0" err="1" smtClean="0"/>
+              <a:t>nói</a:t>
+            </a:r>
+            <a:r>
+              <a:rPr lang="en-US" baseline="0" dirty="0" smtClean="0"/>
+              <a:t>) </a:t>
+            </a:r>
+            <a:r>
+              <a:rPr lang="en-US" baseline="0" dirty="0" err="1" smtClean="0"/>
+              <a:t>Đây</a:t>
+            </a:r>
+            <a:r>
+              <a:rPr lang="en-US" baseline="0" dirty="0" smtClean="0"/>
+              <a:t> </a:t>
+            </a:r>
+            <a:r>
+              <a:rPr lang="en-US" baseline="0" dirty="0" err="1" smtClean="0"/>
+              <a:t>là</a:t>
+            </a:r>
+            <a:r>
+              <a:rPr lang="en-US" baseline="0" dirty="0" smtClean="0"/>
+              <a:t> </a:t>
+            </a:r>
+            <a:r>
+              <a:rPr lang="en-US" baseline="0" dirty="0" err="1" smtClean="0"/>
+              <a:t>hình</a:t>
+            </a:r>
+            <a:r>
+              <a:rPr lang="en-US" baseline="0" dirty="0" smtClean="0"/>
+              <a:t> </a:t>
+            </a:r>
+            <a:r>
+              <a:rPr lang="en-US" baseline="0" dirty="0" err="1" smtClean="0"/>
+              <a:t>ảnh</a:t>
+            </a:r>
+            <a:r>
+              <a:rPr lang="en-US" baseline="0" dirty="0" smtClean="0"/>
+              <a:t> </a:t>
+            </a:r>
+            <a:r>
+              <a:rPr lang="en-US" baseline="0" dirty="0" err="1" smtClean="0"/>
+              <a:t>trang</a:t>
+            </a:r>
+            <a:r>
+              <a:rPr lang="en-US" baseline="0" dirty="0" smtClean="0"/>
+              <a:t> web </a:t>
+            </a:r>
+            <a:r>
+              <a:rPr lang="en-US" baseline="0" dirty="0" err="1" smtClean="0"/>
+              <a:t>khi</a:t>
+            </a:r>
+            <a:r>
+              <a:rPr lang="en-US" baseline="0" dirty="0" smtClean="0"/>
+              <a:t> show </a:t>
+            </a:r>
+            <a:r>
+              <a:rPr lang="en-US" baseline="0" dirty="0" err="1" smtClean="0"/>
+              <a:t>ra</a:t>
+            </a:r>
+            <a:r>
+              <a:rPr lang="en-US" baseline="0" dirty="0" smtClean="0"/>
+              <a:t> </a:t>
+            </a:r>
+            <a:r>
+              <a:rPr lang="en-US" baseline="0" dirty="0" err="1" smtClean="0"/>
+              <a:t>lý</a:t>
+            </a:r>
+            <a:r>
+              <a:rPr lang="en-US" baseline="0" dirty="0" smtClean="0"/>
+              <a:t> </a:t>
+            </a:r>
+            <a:r>
+              <a:rPr lang="en-US" baseline="0" dirty="0" err="1" smtClean="0"/>
+              <a:t>thuyết</a:t>
+            </a:r>
+            <a:r>
+              <a:rPr lang="en-US" baseline="0" dirty="0" smtClean="0"/>
+              <a:t> </a:t>
+            </a:r>
+            <a:r>
+              <a:rPr lang="en-US" baseline="0" dirty="0" err="1" smtClean="0"/>
+              <a:t>và</a:t>
+            </a:r>
+            <a:r>
+              <a:rPr lang="en-US" baseline="0" dirty="0" smtClean="0"/>
+              <a:t> </a:t>
+            </a:r>
+            <a:r>
+              <a:rPr lang="en-US" baseline="0" dirty="0" err="1" smtClean="0"/>
+              <a:t>các</a:t>
+            </a:r>
+            <a:r>
+              <a:rPr lang="en-US" baseline="0" dirty="0" smtClean="0"/>
+              <a:t> </a:t>
+            </a:r>
+            <a:r>
+              <a:rPr lang="en-US" baseline="0" dirty="0" err="1" smtClean="0"/>
+              <a:t>bài</a:t>
+            </a:r>
+            <a:r>
+              <a:rPr lang="en-US" baseline="0" dirty="0" smtClean="0"/>
+              <a:t> </a:t>
+            </a:r>
+            <a:r>
+              <a:rPr lang="en-US" baseline="0" dirty="0" err="1" smtClean="0"/>
+              <a:t>tập</a:t>
+            </a:r>
+            <a:r>
+              <a:rPr lang="en-US" baseline="0" dirty="0" smtClean="0"/>
+              <a:t> </a:t>
+            </a:r>
+            <a:r>
+              <a:rPr lang="en-US" baseline="0" dirty="0" err="1" smtClean="0"/>
+              <a:t>liên</a:t>
+            </a:r>
+            <a:r>
+              <a:rPr lang="en-US" baseline="0" dirty="0" smtClean="0"/>
+              <a:t> </a:t>
+            </a:r>
+            <a:r>
+              <a:rPr lang="en-US" baseline="0" dirty="0" err="1" smtClean="0"/>
+              <a:t>quan</a:t>
+            </a:r>
+            <a:r>
+              <a:rPr lang="en-US" baseline="0" dirty="0" smtClean="0"/>
+              <a:t> (</a:t>
+            </a:r>
+            <a:r>
+              <a:rPr lang="en-US" baseline="0" dirty="0" err="1" smtClean="0"/>
+              <a:t>xong</a:t>
+            </a:r>
+            <a:r>
+              <a:rPr lang="en-US" baseline="0" dirty="0" smtClean="0"/>
+              <a:t> </a:t>
+            </a:r>
+            <a:r>
+              <a:rPr lang="en-US" baseline="0" dirty="0" err="1" smtClean="0"/>
+              <a:t>rồi</a:t>
+            </a:r>
+            <a:r>
+              <a:rPr lang="en-US" baseline="0" dirty="0" smtClean="0"/>
+              <a:t> </a:t>
+            </a:r>
+            <a:r>
+              <a:rPr lang="en-US" baseline="0" dirty="0" err="1" smtClean="0"/>
+              <a:t>miêu</a:t>
+            </a:r>
+            <a:r>
+              <a:rPr lang="en-US" baseline="0" dirty="0" smtClean="0"/>
+              <a:t> </a:t>
+            </a:r>
+            <a:r>
+              <a:rPr lang="en-US" baseline="0" dirty="0" err="1" smtClean="0"/>
+              <a:t>tả</a:t>
+            </a:r>
+            <a:r>
+              <a:rPr lang="en-US" baseline="0" dirty="0" smtClean="0"/>
+              <a:t> </a:t>
+            </a:r>
+            <a:r>
+              <a:rPr lang="en-US" baseline="0" dirty="0" err="1" smtClean="0"/>
+              <a:t>cách</a:t>
+            </a:r>
+            <a:r>
+              <a:rPr lang="en-US" baseline="0" dirty="0" smtClean="0"/>
+              <a:t> </a:t>
+            </a:r>
+            <a:r>
+              <a:rPr lang="en-US" baseline="0" dirty="0" err="1" smtClean="0"/>
+              <a:t>trình</a:t>
+            </a:r>
+            <a:r>
+              <a:rPr lang="en-US" baseline="0" dirty="0" smtClean="0"/>
+              <a:t> </a:t>
+            </a:r>
+            <a:r>
+              <a:rPr lang="en-US" baseline="0" dirty="0" err="1" smtClean="0"/>
+              <a:t>bày</a:t>
+            </a:r>
+            <a:r>
+              <a:rPr lang="en-US" baseline="0" dirty="0" smtClean="0"/>
+              <a:t> </a:t>
+            </a:r>
+            <a:r>
+              <a:rPr lang="en-US" baseline="0" dirty="0" err="1" smtClean="0"/>
+              <a:t>nội</a:t>
+            </a:r>
+            <a:r>
+              <a:rPr lang="en-US" baseline="0" dirty="0" smtClean="0"/>
+              <a:t> dung, </a:t>
+            </a:r>
+            <a:r>
+              <a:rPr lang="en-US" baseline="0" dirty="0" err="1" smtClean="0"/>
+              <a:t>các</a:t>
+            </a:r>
+            <a:r>
+              <a:rPr lang="en-US" baseline="0" dirty="0" smtClean="0"/>
+              <a:t> radio button, button answer…)</a:t>
             </a:r>
           </a:p>
           <a:p>
-            <a:r>
-              <a:rPr lang="en-US" baseline="0" dirty="0" smtClean="0"/>
-              <a:t>SRS </a:t>
-            </a:r>
-            <a:r>
-              <a:rPr lang="en-US" baseline="0" dirty="0" err="1" smtClean="0"/>
-              <a:t>mô</a:t>
-            </a:r>
-            <a:r>
-              <a:rPr lang="en-US" baseline="0" dirty="0" smtClean="0"/>
-              <a:t> </a:t>
-            </a:r>
-            <a:r>
-              <a:rPr lang="en-US" baseline="0" dirty="0" err="1" smtClean="0"/>
-              <a:t>tả</a:t>
-            </a:r>
-            <a:r>
-              <a:rPr lang="en-US" baseline="0" dirty="0" smtClean="0"/>
-              <a:t> </a:t>
-            </a:r>
-            <a:r>
-              <a:rPr lang="en-US" baseline="0" dirty="0" err="1" smtClean="0"/>
-              <a:t>lại</a:t>
-            </a:r>
-            <a:r>
-              <a:rPr lang="en-US" baseline="0" dirty="0" smtClean="0"/>
-              <a:t> </a:t>
-            </a:r>
-            <a:r>
-              <a:rPr lang="en-US" baseline="0" dirty="0" err="1" smtClean="0"/>
-              <a:t>xem</a:t>
-            </a:r>
-            <a:r>
-              <a:rPr lang="en-US" baseline="0" dirty="0" smtClean="0"/>
-              <a:t> </a:t>
-            </a:r>
-            <a:r>
-              <a:rPr lang="en-US" baseline="0" dirty="0" err="1" smtClean="0"/>
-              <a:t>mình</a:t>
-            </a:r>
-            <a:r>
-              <a:rPr lang="en-US" baseline="0" dirty="0" smtClean="0"/>
-              <a:t> </a:t>
-            </a:r>
-            <a:r>
-              <a:rPr lang="en-US" baseline="0" dirty="0" err="1" smtClean="0"/>
-              <a:t>làm</a:t>
-            </a:r>
-            <a:r>
-              <a:rPr lang="en-US" baseline="0" dirty="0" smtClean="0"/>
-              <a:t> </a:t>
-            </a:r>
-            <a:r>
-              <a:rPr lang="en-US" baseline="0" dirty="0" err="1" smtClean="0"/>
-              <a:t>cụ</a:t>
-            </a:r>
-            <a:r>
-              <a:rPr lang="en-US" baseline="0" dirty="0" smtClean="0"/>
-              <a:t> </a:t>
-            </a:r>
-            <a:r>
-              <a:rPr lang="en-US" baseline="0" dirty="0" err="1" smtClean="0"/>
-              <a:t>thể</a:t>
-            </a:r>
-            <a:r>
-              <a:rPr lang="en-US" baseline="0" dirty="0" smtClean="0"/>
-              <a:t> </a:t>
-            </a:r>
-            <a:r>
-              <a:rPr lang="en-US" baseline="0" dirty="0" err="1" smtClean="0"/>
-              <a:t>cái</a:t>
-            </a:r>
-            <a:r>
-              <a:rPr lang="en-US" baseline="0" dirty="0" smtClean="0"/>
-              <a:t> </a:t>
-            </a:r>
-            <a:r>
-              <a:rPr lang="en-US" baseline="0" dirty="0" err="1" smtClean="0"/>
-              <a:t>gì</a:t>
-            </a:r>
-            <a:r>
-              <a:rPr lang="en-US" baseline="0" dirty="0" smtClean="0"/>
-              <a:t> </a:t>
-            </a:r>
-            <a:r>
-              <a:rPr lang="en-US" baseline="0" dirty="0" err="1" smtClean="0"/>
-              <a:t>trong</a:t>
-            </a:r>
-            <a:r>
-              <a:rPr lang="en-US" baseline="0" dirty="0" smtClean="0"/>
-              <a:t> </a:t>
-            </a:r>
-            <a:r>
-              <a:rPr lang="en-US" baseline="0" dirty="0" err="1" smtClean="0"/>
-              <a:t>cái</a:t>
-            </a:r>
-            <a:r>
-              <a:rPr lang="en-US" baseline="0" dirty="0" smtClean="0"/>
-              <a:t> Objective ý (</a:t>
-            </a:r>
-            <a:r>
-              <a:rPr lang="en-US" baseline="0" dirty="0" err="1" smtClean="0"/>
-              <a:t>Cái</a:t>
-            </a:r>
-            <a:r>
-              <a:rPr lang="en-US" baseline="0" dirty="0" smtClean="0"/>
-              <a:t> slide Idea ý)</a:t>
-            </a:r>
+            <a:endParaRPr lang="en-US" baseline="0" dirty="0" smtClean="0"/>
           </a:p>
           <a:p>
-            <a:r>
-              <a:rPr lang="en-US" baseline="0" dirty="0" err="1" smtClean="0"/>
-              <a:t>Cái</a:t>
-            </a:r>
-            <a:r>
-              <a:rPr lang="en-US" baseline="0" dirty="0" smtClean="0"/>
-              <a:t> </a:t>
-            </a:r>
-            <a:r>
-              <a:rPr lang="en-US" baseline="0" dirty="0" err="1" smtClean="0"/>
-              <a:t>của</a:t>
-            </a:r>
-            <a:r>
-              <a:rPr lang="en-US" baseline="0" dirty="0" smtClean="0"/>
-              <a:t> </a:t>
-            </a:r>
-            <a:r>
-              <a:rPr lang="en-US" baseline="0" dirty="0" err="1" smtClean="0"/>
-              <a:t>mình</a:t>
-            </a:r>
-            <a:r>
-              <a:rPr lang="en-US" baseline="0" dirty="0" smtClean="0"/>
-              <a:t> </a:t>
-            </a:r>
-            <a:r>
-              <a:rPr lang="en-US" baseline="0" dirty="0" err="1" smtClean="0"/>
-              <a:t>có</a:t>
-            </a:r>
-            <a:r>
-              <a:rPr lang="en-US" baseline="0" dirty="0" smtClean="0"/>
-              <a:t> </a:t>
-            </a:r>
-            <a:r>
-              <a:rPr lang="en-US" baseline="0" dirty="0" err="1" smtClean="0"/>
-              <a:t>nhiều</a:t>
-            </a:r>
-            <a:r>
-              <a:rPr lang="en-US" baseline="0" dirty="0" smtClean="0"/>
-              <a:t> </a:t>
-            </a:r>
-            <a:r>
-              <a:rPr lang="en-US" baseline="0" dirty="0" err="1" smtClean="0"/>
-              <a:t>chức</a:t>
-            </a:r>
-            <a:r>
-              <a:rPr lang="en-US" baseline="0" dirty="0" smtClean="0"/>
-              <a:t> </a:t>
-            </a:r>
-            <a:r>
-              <a:rPr lang="en-US" baseline="0" dirty="0" err="1" smtClean="0"/>
-              <a:t>năng</a:t>
-            </a:r>
-            <a:r>
-              <a:rPr lang="en-US" baseline="0" dirty="0" smtClean="0"/>
-              <a:t> </a:t>
-            </a:r>
-            <a:r>
-              <a:rPr lang="en-US" baseline="0" dirty="0" err="1" smtClean="0"/>
-              <a:t>thì</a:t>
-            </a:r>
-            <a:r>
-              <a:rPr lang="en-US" baseline="0" dirty="0" smtClean="0"/>
-              <a:t> </a:t>
-            </a:r>
-            <a:r>
-              <a:rPr lang="en-US" baseline="0" dirty="0" err="1" smtClean="0"/>
-              <a:t>mình</a:t>
-            </a:r>
-            <a:r>
-              <a:rPr lang="en-US" baseline="0" dirty="0" smtClean="0"/>
-              <a:t> </a:t>
-            </a:r>
-            <a:r>
-              <a:rPr lang="en-US" baseline="0" dirty="0" err="1" smtClean="0"/>
-              <a:t>mô</a:t>
-            </a:r>
-            <a:r>
-              <a:rPr lang="en-US" baseline="0" dirty="0" smtClean="0"/>
-              <a:t> </a:t>
-            </a:r>
-            <a:r>
-              <a:rPr lang="en-US" baseline="0" dirty="0" err="1" smtClean="0"/>
-              <a:t>tả</a:t>
-            </a:r>
-            <a:r>
-              <a:rPr lang="en-US" baseline="0" dirty="0" smtClean="0"/>
-              <a:t> 2 </a:t>
-            </a:r>
-            <a:r>
-              <a:rPr lang="en-US" baseline="0" dirty="0" err="1" smtClean="0"/>
-              <a:t>cái</a:t>
-            </a:r>
-            <a:r>
-              <a:rPr lang="en-US" baseline="0" dirty="0" smtClean="0"/>
-              <a:t> </a:t>
-            </a:r>
-            <a:r>
-              <a:rPr lang="en-US" baseline="0" dirty="0" err="1" smtClean="0"/>
-              <a:t>mình</a:t>
-            </a:r>
-            <a:r>
-              <a:rPr lang="en-US" baseline="0" dirty="0" smtClean="0"/>
-              <a:t> code </a:t>
-            </a:r>
-            <a:r>
-              <a:rPr lang="en-US" baseline="0" dirty="0" err="1" smtClean="0"/>
-              <a:t>làm</a:t>
-            </a:r>
-            <a:r>
-              <a:rPr lang="en-US" baseline="0" dirty="0" smtClean="0"/>
-              <a:t> </a:t>
-            </a:r>
-            <a:r>
-              <a:rPr lang="en-US" baseline="0" dirty="0" err="1" smtClean="0"/>
-              <a:t>đại</a:t>
-            </a:r>
-            <a:r>
-              <a:rPr lang="en-US" baseline="0" dirty="0" smtClean="0"/>
-              <a:t> </a:t>
-            </a:r>
-            <a:r>
-              <a:rPr lang="en-US" baseline="0" dirty="0" err="1" smtClean="0"/>
-              <a:t>diện</a:t>
-            </a:r>
-            <a:r>
-              <a:rPr lang="en-US" baseline="0" dirty="0" smtClean="0"/>
-              <a:t> </a:t>
-            </a:r>
-            <a:r>
-              <a:rPr lang="en-US" baseline="0" dirty="0" err="1" smtClean="0"/>
-              <a:t>là</a:t>
-            </a:r>
-            <a:r>
-              <a:rPr lang="en-US" baseline="0" dirty="0" smtClean="0"/>
-              <a:t> </a:t>
-            </a:r>
-            <a:r>
-              <a:rPr lang="en-US" baseline="0" dirty="0" err="1" smtClean="0"/>
-              <a:t>cái</a:t>
-            </a:r>
-            <a:r>
-              <a:rPr lang="en-US" baseline="0" dirty="0" smtClean="0"/>
-              <a:t> </a:t>
-            </a:r>
-            <a:r>
-              <a:rPr lang="en-US" baseline="0" dirty="0" err="1" smtClean="0"/>
-              <a:t>thư</a:t>
-            </a:r>
-            <a:r>
-              <a:rPr lang="en-US" baseline="0" dirty="0" smtClean="0"/>
-              <a:t> </a:t>
-            </a:r>
-            <a:r>
-              <a:rPr lang="en-US" baseline="0" dirty="0" err="1" smtClean="0"/>
-              <a:t>viện</a:t>
-            </a:r>
-            <a:r>
-              <a:rPr lang="en-US" baseline="0" dirty="0" smtClean="0"/>
-              <a:t> </a:t>
-            </a:r>
-            <a:r>
-              <a:rPr lang="en-US" baseline="0" dirty="0" err="1" smtClean="0"/>
-              <a:t>lý</a:t>
-            </a:r>
-            <a:r>
-              <a:rPr lang="en-US" baseline="0" dirty="0" smtClean="0"/>
-              <a:t> </a:t>
-            </a:r>
-            <a:r>
-              <a:rPr lang="en-US" baseline="0" dirty="0" err="1" smtClean="0"/>
-              <a:t>thuyết</a:t>
-            </a:r>
-            <a:r>
-              <a:rPr lang="en-US" baseline="0" dirty="0" smtClean="0"/>
-              <a:t> </a:t>
-            </a:r>
-            <a:r>
-              <a:rPr lang="en-US" baseline="0" dirty="0" err="1" smtClean="0"/>
-              <a:t>và</a:t>
-            </a:r>
-            <a:r>
-              <a:rPr lang="en-US" baseline="0" dirty="0" smtClean="0"/>
-              <a:t> </a:t>
-            </a:r>
-            <a:r>
-              <a:rPr lang="en-US" baseline="0" dirty="0" err="1" smtClean="0"/>
-              <a:t>bài</a:t>
-            </a:r>
-            <a:r>
-              <a:rPr lang="en-US" baseline="0" dirty="0" smtClean="0"/>
-              <a:t> </a:t>
-            </a:r>
-            <a:r>
-              <a:rPr lang="en-US" baseline="0" dirty="0" err="1" smtClean="0"/>
-              <a:t>tập</a:t>
-            </a:r>
-            <a:r>
-              <a:rPr lang="en-US" baseline="0" dirty="0" smtClean="0"/>
-              <a:t>.</a:t>
-            </a:r>
+            <a:endParaRPr lang="en-US" baseline="0" dirty="0" smtClean="0"/>
           </a:p>
           <a:p>
             <a:r>
@@ -21926,873 +21706,14 @@
           <a:bodyPr/>
           <a:lstStyle/>
           <a:p>
-            <a:pPr marL="0" marR="0" indent="0" algn="l" defTabSz="914400" rtl="0" eaLnBrk="1" fontAlgn="auto" latinLnBrk="0" hangingPunct="1">
-              <a:lnSpc>
-                <a:spcPct val="100000"/>
-              </a:lnSpc>
-              <a:spcBef>
-                <a:spcPts val="0"/>
-              </a:spcBef>
-              <a:spcAft>
-                <a:spcPts val="0"/>
-              </a:spcAft>
-              <a:buClrTx/>
-              <a:buSzTx/>
-              <a:buFontTx/>
-              <a:buNone/>
-              <a:tabLst/>
-              <a:defRPr/>
-            </a:pPr>
-            <a:r>
-              <a:rPr lang="en-US" dirty="0" err="1" smtClean="0"/>
-              <a:t>Cái</a:t>
-            </a:r>
-            <a:r>
-              <a:rPr lang="en-US" baseline="0" dirty="0" smtClean="0"/>
-              <a:t> </a:t>
-            </a:r>
-            <a:r>
-              <a:rPr lang="en-US" baseline="0" dirty="0" err="1" smtClean="0"/>
-              <a:t>này</a:t>
-            </a:r>
-            <a:r>
-              <a:rPr lang="en-US" baseline="0" dirty="0" smtClean="0"/>
-              <a:t> </a:t>
-            </a:r>
-            <a:r>
-              <a:rPr lang="en-US" baseline="0" dirty="0" err="1" smtClean="0"/>
-              <a:t>viết</a:t>
-            </a:r>
-            <a:r>
-              <a:rPr lang="en-US" baseline="0" dirty="0" smtClean="0"/>
-              <a:t> </a:t>
-            </a:r>
-            <a:r>
-              <a:rPr lang="en-US" baseline="0" dirty="0" err="1" smtClean="0"/>
-              <a:t>lại</a:t>
-            </a:r>
-            <a:r>
-              <a:rPr lang="en-US" baseline="0" dirty="0" smtClean="0"/>
-              <a:t> </a:t>
-            </a:r>
-            <a:r>
-              <a:rPr lang="en-US" baseline="0" dirty="0" err="1" smtClean="0"/>
-              <a:t>hết</a:t>
-            </a:r>
-            <a:r>
-              <a:rPr lang="en-US" baseline="0" dirty="0" smtClean="0"/>
-              <a:t> </a:t>
-            </a:r>
-            <a:r>
-              <a:rPr lang="en-US" baseline="0" dirty="0" err="1" smtClean="0"/>
-              <a:t>theo</a:t>
-            </a:r>
-            <a:r>
-              <a:rPr lang="en-US" baseline="0" dirty="0" smtClean="0"/>
-              <a:t> </a:t>
-            </a:r>
-            <a:r>
-              <a:rPr lang="en-US" baseline="0" dirty="0" err="1" smtClean="0"/>
-              <a:t>cái</a:t>
-            </a:r>
-            <a:r>
-              <a:rPr lang="en-US" baseline="0" dirty="0" smtClean="0"/>
-              <a:t> </a:t>
-            </a:r>
-            <a:r>
-              <a:rPr lang="en-US" baseline="0" dirty="0" err="1" smtClean="0"/>
-              <a:t>mình</a:t>
-            </a:r>
-            <a:r>
-              <a:rPr lang="en-US" baseline="0" dirty="0" smtClean="0"/>
-              <a:t> </a:t>
-            </a:r>
-            <a:r>
-              <a:rPr lang="en-US" baseline="0" dirty="0" err="1" smtClean="0"/>
-              <a:t>làm</a:t>
-            </a:r>
-            <a:r>
-              <a:rPr lang="en-US" baseline="0" dirty="0" smtClean="0"/>
-              <a:t>. </a:t>
-            </a:r>
-            <a:r>
-              <a:rPr lang="en-US" baseline="0" dirty="0" err="1" smtClean="0"/>
-              <a:t>Mình</a:t>
-            </a:r>
-            <a:r>
-              <a:rPr lang="en-US" baseline="0" dirty="0" smtClean="0"/>
-              <a:t> </a:t>
-            </a:r>
-            <a:r>
-              <a:rPr lang="en-US" baseline="0" dirty="0" err="1" smtClean="0"/>
-              <a:t>làm</a:t>
-            </a:r>
-            <a:r>
-              <a:rPr lang="en-US" baseline="0" dirty="0" smtClean="0"/>
-              <a:t> </a:t>
-            </a:r>
-            <a:r>
-              <a:rPr lang="en-US" baseline="0" dirty="0" err="1" smtClean="0"/>
-              <a:t>có</a:t>
-            </a:r>
-            <a:r>
-              <a:rPr lang="en-US" baseline="0" dirty="0" smtClean="0"/>
-              <a:t> </a:t>
-            </a:r>
-            <a:r>
-              <a:rPr lang="en-US" baseline="0" dirty="0" err="1" smtClean="0"/>
-              <a:t>những</a:t>
-            </a:r>
-            <a:r>
-              <a:rPr lang="en-US" baseline="0" dirty="0" smtClean="0"/>
-              <a:t> non-functional </a:t>
-            </a:r>
-            <a:r>
-              <a:rPr lang="en-US" baseline="0" dirty="0" err="1" smtClean="0"/>
-              <a:t>nào</a:t>
-            </a:r>
-            <a:r>
-              <a:rPr lang="en-US" baseline="0" dirty="0" smtClean="0"/>
-              <a:t> </a:t>
-            </a:r>
-            <a:r>
-              <a:rPr lang="en-US" baseline="0" dirty="0" err="1" smtClean="0"/>
-              <a:t>thì</a:t>
-            </a:r>
-            <a:r>
-              <a:rPr lang="en-US" baseline="0" dirty="0" smtClean="0"/>
-              <a:t> </a:t>
-            </a:r>
-            <a:r>
-              <a:rPr lang="en-US" baseline="0" dirty="0" err="1" smtClean="0"/>
-              <a:t>cho</a:t>
-            </a:r>
-            <a:r>
-              <a:rPr lang="en-US" baseline="0" dirty="0" smtClean="0"/>
-              <a:t> </a:t>
-            </a:r>
-            <a:r>
-              <a:rPr lang="en-US" baseline="0" dirty="0" err="1" smtClean="0"/>
-              <a:t>vào</a:t>
-            </a:r>
-            <a:r>
-              <a:rPr lang="en-US" baseline="0" dirty="0" smtClean="0"/>
+            <a:r>
+              <a:rPr lang="vi-VN" dirty="0" smtClean="0"/>
+              <a:t>Bên cạnh đó, thư viện bài tập giúp, luyện tập các kiến thức một cách tập trung và hiệu quả theo lựa chọn của người sử dụng</a:t>
+            </a:r>
+            <a:r>
+              <a:rPr lang="en-US" dirty="0" smtClean="0"/>
               <a:t>.</a:t>
             </a:r>
-          </a:p>
-          <a:p>
-            <a:pPr marL="0" marR="0" indent="0" algn="l" defTabSz="914400" rtl="0" eaLnBrk="1" fontAlgn="auto" latinLnBrk="0" hangingPunct="1">
-              <a:lnSpc>
-                <a:spcPct val="100000"/>
-              </a:lnSpc>
-              <a:spcBef>
-                <a:spcPts val="0"/>
-              </a:spcBef>
-              <a:spcAft>
-                <a:spcPts val="0"/>
-              </a:spcAft>
-              <a:buClrTx/>
-              <a:buSzTx/>
-              <a:buFontTx/>
-              <a:buNone/>
-              <a:tabLst/>
-              <a:defRPr/>
-            </a:pPr>
-            <a:r>
-              <a:rPr lang="en-US" baseline="0" dirty="0" smtClean="0"/>
-              <a:t>Cho </a:t>
-            </a:r>
-            <a:r>
-              <a:rPr lang="en-US" baseline="0" dirty="0" err="1" smtClean="0"/>
-              <a:t>vào</a:t>
-            </a:r>
-            <a:r>
-              <a:rPr lang="en-US" baseline="0" dirty="0" smtClean="0"/>
-              <a:t> </a:t>
-            </a:r>
-            <a:r>
-              <a:rPr lang="en-US" baseline="0" dirty="0" err="1" smtClean="0"/>
-              <a:t>dưới</a:t>
-            </a:r>
-            <a:r>
-              <a:rPr lang="en-US" baseline="0" dirty="0" smtClean="0"/>
-              <a:t> </a:t>
-            </a:r>
-            <a:r>
-              <a:rPr lang="en-US" baseline="0" dirty="0" err="1" smtClean="0"/>
-              <a:t>dạng</a:t>
-            </a:r>
-            <a:r>
-              <a:rPr lang="en-US" baseline="0" dirty="0" smtClean="0"/>
-              <a:t> </a:t>
-            </a:r>
-            <a:r>
-              <a:rPr lang="en-US" baseline="0" dirty="0" err="1" smtClean="0"/>
-              <a:t>bảng</a:t>
-            </a:r>
-            <a:r>
-              <a:rPr lang="en-US" baseline="0" dirty="0" smtClean="0"/>
-              <a:t>:</a:t>
-            </a:r>
-          </a:p>
-          <a:p>
-            <a:pPr marL="0" marR="0" indent="0" algn="l" defTabSz="914400" rtl="0" eaLnBrk="1" fontAlgn="auto" latinLnBrk="0" hangingPunct="1">
-              <a:lnSpc>
-                <a:spcPct val="100000"/>
-              </a:lnSpc>
-              <a:spcBef>
-                <a:spcPts val="0"/>
-              </a:spcBef>
-              <a:spcAft>
-                <a:spcPts val="0"/>
-              </a:spcAft>
-              <a:buClrTx/>
-              <a:buSzTx/>
-              <a:buFontTx/>
-              <a:buNone/>
-              <a:tabLst/>
-              <a:defRPr/>
-            </a:pPr>
-            <a:r>
-              <a:rPr lang="en-US" baseline="0" dirty="0" err="1" smtClean="0"/>
-              <a:t>Tên</a:t>
-            </a:r>
-            <a:r>
-              <a:rPr lang="en-US" baseline="0" dirty="0" smtClean="0"/>
-              <a:t> non-functional – </a:t>
-            </a:r>
-            <a:r>
-              <a:rPr lang="en-US" baseline="0" dirty="0" err="1" smtClean="0"/>
-              <a:t>Mô</a:t>
-            </a:r>
-            <a:r>
-              <a:rPr lang="en-US" baseline="0" dirty="0" smtClean="0"/>
-              <a:t> </a:t>
-            </a:r>
-            <a:r>
-              <a:rPr lang="en-US" baseline="0" dirty="0" err="1" smtClean="0"/>
-              <a:t>tả</a:t>
-            </a:r>
-            <a:r>
-              <a:rPr lang="en-US" baseline="0" dirty="0" smtClean="0"/>
-              <a:t> </a:t>
-            </a:r>
-            <a:r>
-              <a:rPr lang="en-US" baseline="0" dirty="0" err="1" smtClean="0"/>
-              <a:t>xem</a:t>
-            </a:r>
-            <a:r>
-              <a:rPr lang="en-US" baseline="0" dirty="0" smtClean="0"/>
-              <a:t> </a:t>
-            </a:r>
-            <a:r>
-              <a:rPr lang="en-US" baseline="0" dirty="0" err="1" smtClean="0"/>
-              <a:t>mình</a:t>
-            </a:r>
-            <a:r>
-              <a:rPr lang="en-US" baseline="0" dirty="0" smtClean="0"/>
-              <a:t> </a:t>
-            </a:r>
-            <a:r>
-              <a:rPr lang="en-US" baseline="0" dirty="0" err="1" smtClean="0"/>
-              <a:t>làm</a:t>
-            </a:r>
-            <a:r>
-              <a:rPr lang="en-US" baseline="0" dirty="0" smtClean="0"/>
-              <a:t> </a:t>
-            </a:r>
-            <a:r>
-              <a:rPr lang="en-US" baseline="0" dirty="0" err="1" smtClean="0"/>
-              <a:t>gì</a:t>
-            </a:r>
-            <a:r>
-              <a:rPr lang="en-US" baseline="0" dirty="0" smtClean="0"/>
-              <a:t> </a:t>
-            </a:r>
-            <a:r>
-              <a:rPr lang="en-US" baseline="0" dirty="0" err="1" smtClean="0"/>
-              <a:t>để</a:t>
-            </a:r>
-            <a:r>
-              <a:rPr lang="en-US" baseline="0" dirty="0" smtClean="0"/>
-              <a:t> </a:t>
-            </a:r>
-            <a:r>
-              <a:rPr lang="en-US" baseline="0" dirty="0" err="1" smtClean="0"/>
-              <a:t>đạt</a:t>
-            </a:r>
-            <a:r>
-              <a:rPr lang="en-US" baseline="0" dirty="0" smtClean="0"/>
-              <a:t> </a:t>
-            </a:r>
-            <a:r>
-              <a:rPr lang="en-US" baseline="0" dirty="0" err="1" smtClean="0"/>
-              <a:t>cái</a:t>
-            </a:r>
-            <a:r>
-              <a:rPr lang="en-US" baseline="0" dirty="0" smtClean="0"/>
-              <a:t> non-functional </a:t>
-            </a:r>
-            <a:r>
-              <a:rPr lang="en-US" baseline="0" dirty="0" err="1" smtClean="0"/>
-              <a:t>đó</a:t>
-            </a:r>
-            <a:r>
-              <a:rPr lang="en-US" baseline="0" dirty="0" smtClean="0"/>
-              <a:t>.</a:t>
-            </a:r>
-          </a:p>
-          <a:p>
-            <a:pPr marL="0" marR="0" indent="0" algn="l" defTabSz="914400" rtl="0" eaLnBrk="1" fontAlgn="auto" latinLnBrk="0" hangingPunct="1">
-              <a:lnSpc>
-                <a:spcPct val="100000"/>
-              </a:lnSpc>
-              <a:spcBef>
-                <a:spcPts val="0"/>
-              </a:spcBef>
-              <a:spcAft>
-                <a:spcPts val="0"/>
-              </a:spcAft>
-              <a:buClrTx/>
-              <a:buSzTx/>
-              <a:buFontTx/>
-              <a:buNone/>
-              <a:tabLst/>
-              <a:defRPr/>
-            </a:pPr>
-            <a:r>
-              <a:rPr lang="en-US" baseline="0" dirty="0" smtClean="0"/>
-              <a:t>Tao </a:t>
-            </a:r>
-            <a:r>
-              <a:rPr lang="en-US" baseline="0" dirty="0" err="1" smtClean="0"/>
-              <a:t>lấy</a:t>
-            </a:r>
-            <a:r>
-              <a:rPr lang="en-US" baseline="0" dirty="0" smtClean="0"/>
-              <a:t> VD </a:t>
-            </a:r>
-            <a:r>
-              <a:rPr lang="en-US" baseline="0" dirty="0" err="1" smtClean="0"/>
-              <a:t>như</a:t>
-            </a:r>
-            <a:r>
-              <a:rPr lang="en-US" baseline="0" dirty="0" smtClean="0"/>
-              <a:t> </a:t>
-            </a:r>
-            <a:r>
-              <a:rPr lang="en-US" baseline="0" dirty="0" err="1" smtClean="0"/>
-              <a:t>là</a:t>
-            </a:r>
-            <a:r>
-              <a:rPr lang="en-US" baseline="0" dirty="0" smtClean="0"/>
-              <a:t> </a:t>
-            </a:r>
-            <a:r>
-              <a:rPr lang="en-US" baseline="0" dirty="0" err="1" smtClean="0"/>
-              <a:t>cái</a:t>
-            </a:r>
-            <a:r>
-              <a:rPr lang="en-US" baseline="0" dirty="0" smtClean="0"/>
-              <a:t> </a:t>
-            </a:r>
-            <a:r>
-              <a:rPr lang="en-US" baseline="0" dirty="0" err="1" smtClean="0"/>
-              <a:t>maintainabiity</a:t>
-            </a:r>
-            <a:r>
-              <a:rPr lang="en-US" baseline="0" dirty="0" smtClean="0"/>
-              <a:t> </a:t>
-            </a:r>
-            <a:r>
-              <a:rPr lang="en-US" baseline="0" dirty="0" err="1" smtClean="0"/>
-              <a:t>thì</a:t>
-            </a:r>
-            <a:r>
-              <a:rPr lang="en-US" baseline="0" dirty="0" smtClean="0"/>
-              <a:t> </a:t>
-            </a:r>
-            <a:r>
-              <a:rPr lang="en-US" baseline="0" dirty="0" err="1" smtClean="0"/>
-              <a:t>mình</a:t>
-            </a:r>
-            <a:r>
-              <a:rPr lang="en-US" baseline="0" dirty="0" smtClean="0"/>
-              <a:t> code </a:t>
-            </a:r>
-            <a:r>
-              <a:rPr lang="en-US" baseline="0" dirty="0" err="1" smtClean="0"/>
-              <a:t>theo</a:t>
-            </a:r>
-            <a:r>
-              <a:rPr lang="en-US" baseline="0" dirty="0" smtClean="0"/>
-              <a:t> </a:t>
-            </a:r>
-            <a:r>
-              <a:rPr lang="en-US" baseline="0" dirty="0" err="1" smtClean="0"/>
-              <a:t>đúng</a:t>
-            </a:r>
-            <a:r>
-              <a:rPr lang="en-US" baseline="0" dirty="0" smtClean="0"/>
-              <a:t> </a:t>
-            </a:r>
-            <a:r>
-              <a:rPr lang="en-US" baseline="0" dirty="0" err="1" smtClean="0"/>
-              <a:t>chuẩn</a:t>
-            </a:r>
-            <a:r>
-              <a:rPr lang="en-US" baseline="0" dirty="0" smtClean="0"/>
-              <a:t> </a:t>
-            </a:r>
-            <a:r>
-              <a:rPr lang="en-US" baseline="0" dirty="0" err="1" smtClean="0"/>
-              <a:t>của</a:t>
-            </a:r>
-            <a:r>
-              <a:rPr lang="en-US" baseline="0" dirty="0" smtClean="0"/>
-              <a:t> </a:t>
-            </a:r>
-            <a:r>
-              <a:rPr lang="en-US" baseline="0" dirty="0" err="1" smtClean="0"/>
-              <a:t>joomla</a:t>
-            </a:r>
-            <a:r>
-              <a:rPr lang="en-US" baseline="0" dirty="0" smtClean="0"/>
-              <a:t>, </a:t>
-            </a:r>
-            <a:r>
-              <a:rPr lang="en-US" baseline="0" dirty="0" err="1" smtClean="0"/>
-              <a:t>mà</a:t>
-            </a:r>
-            <a:r>
-              <a:rPr lang="en-US" baseline="0" dirty="0" smtClean="0"/>
-              <a:t> framework </a:t>
-            </a:r>
-            <a:r>
-              <a:rPr lang="en-US" baseline="0" dirty="0" err="1" smtClean="0"/>
-              <a:t>joomla</a:t>
-            </a:r>
-            <a:r>
-              <a:rPr lang="en-US" baseline="0" dirty="0" smtClean="0"/>
-              <a:t> </a:t>
-            </a:r>
-            <a:r>
-              <a:rPr lang="en-US" baseline="0" dirty="0" err="1" smtClean="0"/>
-              <a:t>đã</a:t>
-            </a:r>
-            <a:r>
-              <a:rPr lang="en-US" baseline="0" dirty="0" smtClean="0"/>
-              <a:t> </a:t>
-            </a:r>
-            <a:r>
-              <a:rPr lang="en-US" baseline="0" dirty="0" err="1" smtClean="0"/>
-              <a:t>đảm</a:t>
-            </a:r>
-            <a:r>
-              <a:rPr lang="en-US" baseline="0" dirty="0" smtClean="0"/>
-              <a:t> </a:t>
-            </a:r>
-            <a:r>
-              <a:rPr lang="en-US" baseline="0" dirty="0" err="1" smtClean="0"/>
-              <a:t>bảo</a:t>
-            </a:r>
-            <a:r>
-              <a:rPr lang="en-US" baseline="0" dirty="0" smtClean="0"/>
-              <a:t> </a:t>
-            </a:r>
-            <a:r>
-              <a:rPr lang="en-US" baseline="0" dirty="0" err="1" smtClean="0"/>
-              <a:t>tính</a:t>
-            </a:r>
-            <a:r>
-              <a:rPr lang="en-US" baseline="0" dirty="0" smtClean="0"/>
-              <a:t> </a:t>
-            </a:r>
-            <a:r>
-              <a:rPr lang="en-US" baseline="0" dirty="0" err="1" smtClean="0"/>
-              <a:t>dễ</a:t>
-            </a:r>
-            <a:r>
-              <a:rPr lang="en-US" baseline="0" dirty="0" smtClean="0"/>
-              <a:t> </a:t>
-            </a:r>
-            <a:r>
-              <a:rPr lang="en-US" baseline="0" dirty="0" err="1" smtClean="0"/>
-              <a:t>bảo</a:t>
-            </a:r>
-            <a:r>
-              <a:rPr lang="en-US" baseline="0" dirty="0" smtClean="0"/>
-              <a:t> </a:t>
-            </a:r>
-            <a:r>
-              <a:rPr lang="en-US" baseline="0" dirty="0" err="1" smtClean="0"/>
-              <a:t>trì</a:t>
-            </a:r>
-            <a:r>
-              <a:rPr lang="en-US" baseline="0" dirty="0" smtClean="0"/>
-              <a:t> </a:t>
-            </a:r>
-            <a:r>
-              <a:rPr lang="en-US" baseline="0" dirty="0" err="1" smtClean="0"/>
-              <a:t>khi</a:t>
-            </a:r>
-            <a:r>
-              <a:rPr lang="en-US" baseline="0" dirty="0" smtClean="0"/>
-              <a:t> </a:t>
-            </a:r>
-            <a:r>
-              <a:rPr lang="en-US" baseline="0" dirty="0" err="1" smtClean="0"/>
-              <a:t>phân</a:t>
-            </a:r>
-            <a:r>
-              <a:rPr lang="en-US" baseline="0" dirty="0" smtClean="0"/>
-              <a:t> </a:t>
-            </a:r>
-            <a:r>
-              <a:rPr lang="en-US" baseline="0" dirty="0" err="1" smtClean="0"/>
-              <a:t>tách</a:t>
-            </a:r>
-            <a:r>
-              <a:rPr lang="en-US" baseline="0" dirty="0" smtClean="0"/>
-              <a:t> </a:t>
-            </a:r>
-            <a:r>
-              <a:rPr lang="en-US" baseline="0" dirty="0" err="1" smtClean="0"/>
-              <a:t>cụ</a:t>
-            </a:r>
-            <a:r>
-              <a:rPr lang="en-US" baseline="0" dirty="0" smtClean="0"/>
-              <a:t> </a:t>
-            </a:r>
-            <a:r>
-              <a:rPr lang="en-US" baseline="0" dirty="0" err="1" smtClean="0"/>
-              <a:t>thể</a:t>
-            </a:r>
-            <a:r>
-              <a:rPr lang="en-US" baseline="0" dirty="0" smtClean="0"/>
-              <a:t> </a:t>
-            </a:r>
-            <a:r>
-              <a:rPr lang="en-US" baseline="0" dirty="0" err="1" smtClean="0"/>
-              <a:t>từng</a:t>
-            </a:r>
-            <a:r>
-              <a:rPr lang="en-US" baseline="0" dirty="0" smtClean="0"/>
-              <a:t> layer.</a:t>
-            </a:r>
-          </a:p>
-          <a:p>
-            <a:pPr marL="0" marR="0" indent="0" algn="l" defTabSz="914400" rtl="0" eaLnBrk="1" fontAlgn="auto" latinLnBrk="0" hangingPunct="1">
-              <a:lnSpc>
-                <a:spcPct val="100000"/>
-              </a:lnSpc>
-              <a:spcBef>
-                <a:spcPts val="0"/>
-              </a:spcBef>
-              <a:spcAft>
-                <a:spcPts val="0"/>
-              </a:spcAft>
-              <a:buClrTx/>
-              <a:buSzTx/>
-              <a:buFontTx/>
-              <a:buNone/>
-              <a:tabLst/>
-              <a:defRPr/>
-            </a:pPr>
-            <a:r>
-              <a:rPr lang="en-US" baseline="0" dirty="0" err="1" smtClean="0"/>
-              <a:t>Hoặc</a:t>
-            </a:r>
-            <a:r>
-              <a:rPr lang="en-US" baseline="0" dirty="0" smtClean="0"/>
-              <a:t> </a:t>
-            </a:r>
-            <a:r>
-              <a:rPr lang="en-US" baseline="0" dirty="0" err="1" smtClean="0"/>
-              <a:t>như</a:t>
-            </a:r>
-            <a:r>
-              <a:rPr lang="en-US" baseline="0" dirty="0" smtClean="0"/>
-              <a:t> </a:t>
-            </a:r>
-            <a:r>
-              <a:rPr lang="en-US" baseline="0" dirty="0" err="1" smtClean="0"/>
-              <a:t>là</a:t>
-            </a:r>
-            <a:r>
-              <a:rPr lang="en-US" baseline="0" dirty="0" smtClean="0"/>
-              <a:t> </a:t>
-            </a:r>
-            <a:r>
-              <a:rPr lang="en-US" baseline="0" dirty="0" err="1" smtClean="0"/>
-              <a:t>tính</a:t>
-            </a:r>
-            <a:r>
-              <a:rPr lang="en-US" baseline="0" dirty="0" smtClean="0"/>
-              <a:t> </a:t>
-            </a:r>
-            <a:r>
-              <a:rPr lang="en-US" baseline="0" dirty="0" err="1" smtClean="0"/>
-              <a:t>useability</a:t>
-            </a:r>
-            <a:r>
-              <a:rPr lang="en-US" baseline="0" dirty="0" smtClean="0"/>
-              <a:t> </a:t>
-            </a:r>
-            <a:r>
-              <a:rPr lang="en-US" baseline="0" dirty="0" err="1" smtClean="0"/>
-              <a:t>là</a:t>
-            </a:r>
-            <a:r>
-              <a:rPr lang="en-US" baseline="0" dirty="0" smtClean="0"/>
-              <a:t> </a:t>
-            </a:r>
-            <a:r>
-              <a:rPr lang="en-US" baseline="0" dirty="0" err="1" smtClean="0"/>
-              <a:t>mình</a:t>
-            </a:r>
-            <a:r>
-              <a:rPr lang="en-US" baseline="0" dirty="0" smtClean="0"/>
-              <a:t> </a:t>
-            </a:r>
-            <a:r>
-              <a:rPr lang="en-US" baseline="0" dirty="0" err="1" smtClean="0"/>
-              <a:t>làm</a:t>
-            </a:r>
-            <a:r>
-              <a:rPr lang="en-US" baseline="0" dirty="0" smtClean="0"/>
-              <a:t> </a:t>
-            </a:r>
-            <a:r>
-              <a:rPr lang="en-US" baseline="0" dirty="0" err="1" smtClean="0"/>
-              <a:t>trang</a:t>
-            </a:r>
-            <a:r>
-              <a:rPr lang="en-US" baseline="0" dirty="0" smtClean="0"/>
-              <a:t> web </a:t>
-            </a:r>
-            <a:r>
-              <a:rPr lang="en-US" baseline="0" dirty="0" err="1" smtClean="0"/>
-              <a:t>đơn</a:t>
-            </a:r>
-            <a:r>
-              <a:rPr lang="en-US" baseline="0" dirty="0" smtClean="0"/>
-              <a:t> </a:t>
-            </a:r>
-            <a:r>
-              <a:rPr lang="en-US" baseline="0" dirty="0" err="1" smtClean="0"/>
-              <a:t>giản</a:t>
-            </a:r>
-            <a:r>
-              <a:rPr lang="en-US" baseline="0" dirty="0" smtClean="0"/>
-              <a:t>, </a:t>
-            </a:r>
-            <a:r>
-              <a:rPr lang="en-US" baseline="0" dirty="0" err="1" smtClean="0"/>
-              <a:t>ít</a:t>
-            </a:r>
-            <a:r>
-              <a:rPr lang="en-US" baseline="0" dirty="0" smtClean="0"/>
-              <a:t> </a:t>
-            </a:r>
-            <a:r>
-              <a:rPr lang="en-US" baseline="0" dirty="0" err="1" smtClean="0"/>
-              <a:t>nút</a:t>
-            </a:r>
-            <a:r>
-              <a:rPr lang="en-US" baseline="0" dirty="0" smtClean="0"/>
-              <a:t>, </a:t>
-            </a:r>
-            <a:r>
-              <a:rPr lang="en-US" baseline="0" dirty="0" err="1" smtClean="0"/>
-              <a:t>các</a:t>
-            </a:r>
-            <a:r>
-              <a:rPr lang="en-US" baseline="0" dirty="0" smtClean="0"/>
-              <a:t> </a:t>
-            </a:r>
-            <a:r>
-              <a:rPr lang="en-US" baseline="0" dirty="0" err="1" smtClean="0"/>
-              <a:t>nút</a:t>
-            </a:r>
-            <a:r>
-              <a:rPr lang="en-US" baseline="0" dirty="0" smtClean="0"/>
-              <a:t> to, </a:t>
-            </a:r>
-            <a:r>
-              <a:rPr lang="en-US" baseline="0" dirty="0" err="1" smtClean="0"/>
-              <a:t>chữ</a:t>
-            </a:r>
-            <a:r>
-              <a:rPr lang="en-US" baseline="0" dirty="0" smtClean="0"/>
-              <a:t> </a:t>
-            </a:r>
-            <a:r>
-              <a:rPr lang="en-US" baseline="0" dirty="0" err="1" smtClean="0"/>
-              <a:t>dễ</a:t>
-            </a:r>
-            <a:r>
-              <a:rPr lang="en-US" baseline="0" dirty="0" smtClean="0"/>
-              <a:t> </a:t>
-            </a:r>
-            <a:r>
-              <a:rPr lang="en-US" baseline="0" dirty="0" err="1" smtClean="0"/>
-              <a:t>nhìn</a:t>
-            </a:r>
-            <a:r>
-              <a:rPr lang="en-US" baseline="0" dirty="0" smtClean="0"/>
-              <a:t>, </a:t>
-            </a:r>
-            <a:r>
-              <a:rPr lang="en-US" baseline="0" dirty="0" err="1" smtClean="0"/>
-              <a:t>màu</a:t>
-            </a:r>
-            <a:r>
-              <a:rPr lang="en-US" baseline="0" dirty="0" smtClean="0"/>
-              <a:t> </a:t>
-            </a:r>
-            <a:r>
-              <a:rPr lang="en-US" baseline="0" dirty="0" err="1" smtClean="0"/>
-              <a:t>xanh</a:t>
-            </a:r>
-            <a:r>
-              <a:rPr lang="en-US" baseline="0" dirty="0" smtClean="0"/>
-              <a:t> </a:t>
-            </a:r>
-            <a:r>
-              <a:rPr lang="en-US" baseline="0" dirty="0" err="1" smtClean="0"/>
-              <a:t>mát</a:t>
-            </a:r>
-            <a:r>
-              <a:rPr lang="en-US" baseline="0" dirty="0" smtClean="0"/>
-              <a:t> </a:t>
-            </a:r>
-            <a:r>
-              <a:rPr lang="en-US" baseline="0" dirty="0" err="1" smtClean="0"/>
-              <a:t>mắt</a:t>
-            </a:r>
-            <a:r>
-              <a:rPr lang="en-US" baseline="0" dirty="0" smtClean="0"/>
-              <a:t>.</a:t>
-            </a:r>
-          </a:p>
-          <a:p>
-            <a:pPr marL="0" marR="0" indent="0" algn="l" defTabSz="914400" rtl="0" eaLnBrk="1" fontAlgn="auto" latinLnBrk="0" hangingPunct="1">
-              <a:lnSpc>
-                <a:spcPct val="100000"/>
-              </a:lnSpc>
-              <a:spcBef>
-                <a:spcPts val="0"/>
-              </a:spcBef>
-              <a:spcAft>
-                <a:spcPts val="0"/>
-              </a:spcAft>
-              <a:buClrTx/>
-              <a:buSzTx/>
-              <a:buFontTx/>
-              <a:buNone/>
-              <a:tabLst/>
-              <a:defRPr/>
-            </a:pPr>
-            <a:r>
-              <a:rPr lang="en-US" baseline="0" dirty="0" smtClean="0"/>
-              <a:t>Portability </a:t>
-            </a:r>
-            <a:r>
-              <a:rPr lang="en-US" baseline="0" dirty="0" err="1" smtClean="0"/>
-              <a:t>là</a:t>
-            </a:r>
-            <a:r>
-              <a:rPr lang="en-US" baseline="0" dirty="0" smtClean="0"/>
-              <a:t> do </a:t>
-            </a:r>
-            <a:r>
-              <a:rPr lang="en-US" baseline="0" dirty="0" err="1" smtClean="0"/>
-              <a:t>mình</a:t>
-            </a:r>
-            <a:r>
-              <a:rPr lang="en-US" baseline="0" dirty="0" smtClean="0"/>
-              <a:t> code </a:t>
-            </a:r>
-            <a:r>
-              <a:rPr lang="en-US" baseline="0" dirty="0" err="1" smtClean="0"/>
-              <a:t>bằng</a:t>
-            </a:r>
-            <a:r>
-              <a:rPr lang="en-US" baseline="0" dirty="0" smtClean="0"/>
-              <a:t> </a:t>
-            </a:r>
-            <a:r>
-              <a:rPr lang="en-US" baseline="0" dirty="0" err="1" smtClean="0"/>
-              <a:t>php</a:t>
-            </a:r>
-            <a:r>
-              <a:rPr lang="en-US" baseline="0" dirty="0" smtClean="0"/>
-              <a:t>, </a:t>
-            </a:r>
-            <a:r>
-              <a:rPr lang="en-US" baseline="0" dirty="0" err="1" smtClean="0"/>
-              <a:t>có</a:t>
-            </a:r>
-            <a:r>
-              <a:rPr lang="en-US" baseline="0" dirty="0" smtClean="0"/>
-              <a:t> </a:t>
-            </a:r>
-            <a:r>
-              <a:rPr lang="en-US" baseline="0" dirty="0" err="1" smtClean="0"/>
-              <a:t>thể</a:t>
-            </a:r>
-            <a:r>
-              <a:rPr lang="en-US" baseline="0" dirty="0" smtClean="0"/>
-              <a:t> </a:t>
-            </a:r>
-            <a:r>
-              <a:rPr lang="en-US" baseline="0" dirty="0" err="1" smtClean="0"/>
-              <a:t>chạy</a:t>
-            </a:r>
-            <a:r>
-              <a:rPr lang="en-US" baseline="0" dirty="0" smtClean="0"/>
-              <a:t> </a:t>
-            </a:r>
-            <a:r>
-              <a:rPr lang="en-US" baseline="0" dirty="0" err="1" smtClean="0"/>
-              <a:t>trên</a:t>
-            </a:r>
-            <a:r>
-              <a:rPr lang="en-US" baseline="0" dirty="0" smtClean="0"/>
-              <a:t> </a:t>
-            </a:r>
-            <a:r>
-              <a:rPr lang="en-US" baseline="0" dirty="0" err="1" smtClean="0"/>
-              <a:t>nhiều</a:t>
-            </a:r>
-            <a:r>
-              <a:rPr lang="en-US" baseline="0" dirty="0" smtClean="0"/>
-              <a:t> </a:t>
-            </a:r>
-            <a:r>
-              <a:rPr lang="en-US" baseline="0" dirty="0" err="1" smtClean="0"/>
-              <a:t>hệ</a:t>
-            </a:r>
-            <a:r>
-              <a:rPr lang="en-US" baseline="0" dirty="0" smtClean="0"/>
-              <a:t> </a:t>
-            </a:r>
-            <a:r>
-              <a:rPr lang="en-US" baseline="0" dirty="0" err="1" smtClean="0"/>
-              <a:t>điều</a:t>
-            </a:r>
-            <a:r>
-              <a:rPr lang="en-US" baseline="0" dirty="0" smtClean="0"/>
-              <a:t> </a:t>
-            </a:r>
-            <a:r>
-              <a:rPr lang="en-US" baseline="0" dirty="0" err="1" smtClean="0"/>
-              <a:t>hành</a:t>
-            </a:r>
-            <a:endParaRPr lang="en-US" baseline="0" dirty="0" smtClean="0"/>
-          </a:p>
-          <a:p>
             <a:endParaRPr lang="en-US" dirty="0"/>
           </a:p>
         </p:txBody>
@@ -22814,7 +21735,7 @@
           <a:p>
             <a:fld id="{94349F02-7B7E-4405-841E-9FEA710E9D5A}" type="slidenum">
               <a:rPr lang="en-US" smtClean="0"/>
-              <a:t>22</a:t>
+              <a:t>20</a:t>
             </a:fld>
             <a:endParaRPr lang="en-US"/>
           </a:p>
@@ -22823,7 +21744,7 @@
     </p:spTree>
     <p:extLst>
       <p:ext uri="{BB962C8B-B14F-4D97-AF65-F5344CB8AC3E}">
-        <p14:creationId xmlns:p14="http://schemas.microsoft.com/office/powerpoint/2010/main" val="566254435"/>
+        <p14:creationId xmlns:p14="http://schemas.microsoft.com/office/powerpoint/2010/main" val="574989522"/>
       </p:ext>
     </p:extLst>
   </p:cSld>
@@ -22834,6 +21755,200 @@
 </file>
 
 <file path=ppt/notesSlides/notesSlide14.xml><?xml version="1.0" encoding="utf-8"?>
+<p:notes xmlns:a="http://schemas.openxmlformats.org/drawingml/2006/main" xmlns:r="http://schemas.openxmlformats.org/officeDocument/2006/relationships" xmlns:p="http://schemas.openxmlformats.org/presentationml/2006/main">
+  <p:cSld>
+    <p:spTree>
+      <p:nvGrpSpPr>
+        <p:cNvPr id="1" name=""/>
+        <p:cNvGrpSpPr/>
+        <p:nvPr/>
+      </p:nvGrpSpPr>
+      <p:grpSpPr>
+        <a:xfrm>
+          <a:off x="0" y="0"/>
+          <a:ext cx="0" cy="0"/>
+          <a:chOff x="0" y="0"/>
+          <a:chExt cx="0" cy="0"/>
+        </a:xfrm>
+      </p:grpSpPr>
+      <p:sp>
+        <p:nvSpPr>
+          <p:cNvPr id="2" name="Slide Image Placeholder 1"/>
+          <p:cNvSpPr>
+            <a:spLocks noGrp="1" noRot="1" noChangeAspect="1"/>
+          </p:cNvSpPr>
+          <p:nvPr>
+            <p:ph type="sldImg"/>
+          </p:nvPr>
+        </p:nvSpPr>
+        <p:spPr/>
+      </p:sp>
+      <p:sp>
+        <p:nvSpPr>
+          <p:cNvPr id="3" name="Notes Placeholder 2"/>
+          <p:cNvSpPr>
+            <a:spLocks noGrp="1"/>
+          </p:cNvSpPr>
+          <p:nvPr>
+            <p:ph type="body" idx="1"/>
+          </p:nvPr>
+        </p:nvSpPr>
+        <p:spPr/>
+        <p:txBody>
+          <a:bodyPr/>
+          <a:lstStyle/>
+          <a:p>
+            <a:r>
+              <a:rPr lang="en-US" dirty="0" smtClean="0"/>
+              <a:t>(</a:t>
+            </a:r>
+            <a:r>
+              <a:rPr lang="en-US" dirty="0" err="1" smtClean="0"/>
+              <a:t>chỉ</a:t>
+            </a:r>
+            <a:r>
+              <a:rPr lang="en-US" baseline="0" dirty="0" smtClean="0"/>
+              <a:t> </a:t>
+            </a:r>
+            <a:r>
+              <a:rPr lang="en-US" baseline="0" dirty="0" err="1" smtClean="0"/>
+              <a:t>vào</a:t>
+            </a:r>
+            <a:r>
+              <a:rPr lang="en-US" baseline="0" dirty="0" smtClean="0"/>
+              <a:t> slide </a:t>
+            </a:r>
+            <a:r>
+              <a:rPr lang="en-US" baseline="0" dirty="0" err="1" smtClean="0"/>
+              <a:t>và</a:t>
+            </a:r>
+            <a:r>
+              <a:rPr lang="en-US" baseline="0" dirty="0" smtClean="0"/>
+              <a:t> </a:t>
+            </a:r>
+            <a:r>
+              <a:rPr lang="en-US" baseline="0" dirty="0" err="1" smtClean="0"/>
+              <a:t>giải</a:t>
+            </a:r>
+            <a:r>
+              <a:rPr lang="en-US" baseline="0" dirty="0" smtClean="0"/>
+              <a:t> </a:t>
+            </a:r>
+            <a:r>
+              <a:rPr lang="en-US" baseline="0" dirty="0" err="1" smtClean="0"/>
+              <a:t>thik</a:t>
+            </a:r>
+            <a:r>
+              <a:rPr lang="en-US" baseline="0" dirty="0" smtClean="0"/>
+              <a:t>) ….</a:t>
+            </a:r>
+            <a:r>
+              <a:rPr lang="en-US" baseline="0" dirty="0" err="1" smtClean="0"/>
+              <a:t>khi</a:t>
+            </a:r>
+            <a:r>
+              <a:rPr lang="en-US" baseline="0" dirty="0" smtClean="0"/>
+              <a:t> </a:t>
+            </a:r>
+            <a:r>
+              <a:rPr lang="en-US" baseline="0" dirty="0" err="1" smtClean="0"/>
+              <a:t>chúng</a:t>
+            </a:r>
+            <a:r>
+              <a:rPr lang="en-US" baseline="0" dirty="0" smtClean="0"/>
+              <a:t> ta click </a:t>
+            </a:r>
+            <a:r>
+              <a:rPr lang="en-US" baseline="0" dirty="0" err="1" smtClean="0"/>
+              <a:t>vào</a:t>
+            </a:r>
+            <a:r>
+              <a:rPr lang="en-US" baseline="0" dirty="0" smtClean="0"/>
+              <a:t> </a:t>
+            </a:r>
+            <a:r>
+              <a:rPr lang="en-US" baseline="0" dirty="0" err="1" smtClean="0"/>
+              <a:t>nút</a:t>
+            </a:r>
+            <a:r>
+              <a:rPr lang="en-US" baseline="0" dirty="0" smtClean="0"/>
+              <a:t> </a:t>
+            </a:r>
+            <a:r>
+              <a:rPr lang="en-US" baseline="0" dirty="0" err="1" smtClean="0"/>
+              <a:t>làm</a:t>
+            </a:r>
+            <a:r>
+              <a:rPr lang="en-US" baseline="0" dirty="0" smtClean="0"/>
+              <a:t> </a:t>
+            </a:r>
+            <a:r>
+              <a:rPr lang="en-US" baseline="0" dirty="0" err="1" smtClean="0"/>
+              <a:t>bài</a:t>
+            </a:r>
+            <a:r>
+              <a:rPr lang="en-US" baseline="0" dirty="0" smtClean="0"/>
+              <a:t> </a:t>
+            </a:r>
+            <a:r>
+              <a:rPr lang="en-US" baseline="0" dirty="0" smtClean="0">
+                <a:sym typeface="Wingdings" pitchFamily="2" charset="2"/>
+              </a:rPr>
+              <a:t> </a:t>
+            </a:r>
+            <a:r>
+              <a:rPr lang="en-US" baseline="0" dirty="0" err="1" smtClean="0">
+                <a:sym typeface="Wingdings" pitchFamily="2" charset="2"/>
+              </a:rPr>
+              <a:t>ấn</a:t>
+            </a:r>
+            <a:r>
+              <a:rPr lang="en-US" baseline="0" dirty="0" smtClean="0">
+                <a:sym typeface="Wingdings" pitchFamily="2" charset="2"/>
+              </a:rPr>
+              <a:t> next</a:t>
+            </a:r>
+            <a:endParaRPr lang="en-US" dirty="0"/>
+          </a:p>
+        </p:txBody>
+      </p:sp>
+      <p:sp>
+        <p:nvSpPr>
+          <p:cNvPr id="4" name="Slide Number Placeholder 3"/>
+          <p:cNvSpPr>
+            <a:spLocks noGrp="1"/>
+          </p:cNvSpPr>
+          <p:nvPr>
+            <p:ph type="sldNum" sz="quarter" idx="10"/>
+          </p:nvPr>
+        </p:nvSpPr>
+        <p:spPr/>
+        <p:txBody>
+          <a:bodyPr/>
+          <a:lstStyle/>
+          <a:p>
+            <a:fld id="{94349F02-7B7E-4405-841E-9FEA710E9D5A}" type="slidenum">
+              <a:rPr lang="en-US" smtClean="0"/>
+              <a:t>21</a:t>
+            </a:fld>
+            <a:endParaRPr lang="en-US"/>
+          </a:p>
+        </p:txBody>
+      </p:sp>
+    </p:spTree>
+    <p:extLst>
+      <p:ext uri="{BB962C8B-B14F-4D97-AF65-F5344CB8AC3E}">
+        <p14:creationId xmlns:p14="http://schemas.microsoft.com/office/powerpoint/2010/main" val="550549366"/>
+      </p:ext>
+    </p:extLst>
+  </p:cSld>
+  <p:clrMapOvr>
+    <a:masterClrMapping/>
+  </p:clrMapOvr>
+</p:notes>
+</file>
+
+<file path=ppt/notesSlides/notesSlide15.xml><?xml version="1.0" encoding="utf-8"?>
 <p:notes xmlns:a="http://schemas.openxmlformats.org/drawingml/2006/main" xmlns:r="http://schemas.openxmlformats.org/officeDocument/2006/relationships" xmlns:p="http://schemas.openxmlformats.org/presentationml/2006/main">
   <p:cSld>
     <p:spTree>
@@ -22894,148 +22009,117 @@
               <a:tabLst/>
               <a:defRPr/>
             </a:pPr>
-            <a:r>
-              <a:rPr lang="en-US" dirty="0" err="1" smtClean="0"/>
-              <a:t>Cau</a:t>
-            </a:r>
-            <a:r>
-              <a:rPr lang="en-US" baseline="0" dirty="0" smtClean="0"/>
-              <a:t> </a:t>
-            </a:r>
-            <a:r>
-              <a:rPr lang="en-US" baseline="0" dirty="0" err="1" smtClean="0"/>
-              <a:t>truc</a:t>
-            </a:r>
-            <a:r>
-              <a:rPr lang="en-US" baseline="0" dirty="0" smtClean="0"/>
-              <a:t> he thong: </a:t>
-            </a:r>
-            <a:r>
-              <a:rPr lang="en-US" baseline="0" dirty="0" err="1" smtClean="0"/>
-              <a:t>gom</a:t>
-            </a:r>
-            <a:r>
-              <a:rPr lang="en-US" baseline="0" dirty="0" smtClean="0"/>
-              <a:t> 2 tang, tang client </a:t>
-            </a:r>
-            <a:r>
-              <a:rPr lang="en-US" baseline="0" dirty="0" err="1" smtClean="0"/>
-              <a:t>phia</a:t>
-            </a:r>
-            <a:r>
-              <a:rPr lang="en-US" baseline="0" dirty="0" smtClean="0"/>
-              <a:t> </a:t>
-            </a:r>
-            <a:r>
-              <a:rPr lang="en-US" baseline="0" dirty="0" err="1" smtClean="0"/>
-              <a:t>ng</a:t>
-            </a:r>
-            <a:r>
-              <a:rPr lang="en-US" baseline="0" dirty="0" smtClean="0"/>
-              <a:t>` </a:t>
-            </a:r>
-            <a:r>
-              <a:rPr lang="en-US" baseline="0" dirty="0" err="1" smtClean="0"/>
-              <a:t>su</a:t>
-            </a:r>
-            <a:r>
-              <a:rPr lang="en-US" baseline="0" dirty="0" smtClean="0"/>
-              <a:t> dung, </a:t>
-            </a:r>
-            <a:r>
-              <a:rPr lang="en-US" baseline="0" dirty="0" err="1" smtClean="0"/>
-              <a:t>va</a:t>
-            </a:r>
-            <a:r>
-              <a:rPr lang="en-US" baseline="0" dirty="0" smtClean="0"/>
-              <a:t> tang web server la he thong </a:t>
-            </a:r>
-            <a:r>
-              <a:rPr lang="en-US" baseline="0" dirty="0" err="1" smtClean="0"/>
-              <a:t>cua</a:t>
-            </a:r>
-            <a:r>
-              <a:rPr lang="en-US" baseline="0" dirty="0" smtClean="0"/>
-              <a:t> </a:t>
-            </a:r>
-            <a:r>
-              <a:rPr lang="en-US" baseline="0" dirty="0" err="1" smtClean="0"/>
-              <a:t>chung</a:t>
-            </a:r>
-            <a:r>
-              <a:rPr lang="en-US" baseline="0" dirty="0" smtClean="0"/>
-              <a:t> ta. </a:t>
-            </a:r>
-            <a:r>
-              <a:rPr lang="en-US" baseline="0" dirty="0" err="1" smtClean="0"/>
-              <a:t>nguoi</a:t>
-            </a:r>
-            <a:r>
-              <a:rPr lang="en-US" baseline="0" dirty="0" smtClean="0"/>
-              <a:t> </a:t>
-            </a:r>
-            <a:r>
-              <a:rPr lang="en-US" baseline="0" dirty="0" err="1" smtClean="0"/>
-              <a:t>su</a:t>
-            </a:r>
-            <a:r>
-              <a:rPr lang="en-US" baseline="0" dirty="0" smtClean="0"/>
-              <a:t> dung </a:t>
-            </a:r>
-            <a:r>
-              <a:rPr lang="en-US" baseline="0" dirty="0" err="1" smtClean="0"/>
-              <a:t>dung</a:t>
-            </a:r>
-            <a:r>
-              <a:rPr lang="en-US" baseline="0" dirty="0" smtClean="0"/>
-              <a:t> </a:t>
-            </a:r>
-            <a:r>
-              <a:rPr lang="en-US" baseline="0" dirty="0" err="1" smtClean="0"/>
-              <a:t>broswer</a:t>
-            </a:r>
-            <a:r>
-              <a:rPr lang="en-US" baseline="0" dirty="0" smtClean="0"/>
-              <a:t> de </a:t>
-            </a:r>
-            <a:r>
-              <a:rPr lang="en-US" baseline="0" dirty="0" err="1" smtClean="0"/>
-              <a:t>truy</a:t>
-            </a:r>
-            <a:r>
-              <a:rPr lang="en-US" baseline="0" dirty="0" smtClean="0"/>
-              <a:t> cap </a:t>
-            </a:r>
-            <a:r>
-              <a:rPr lang="en-US" baseline="0" dirty="0" err="1" smtClean="0"/>
-              <a:t>vao</a:t>
-            </a:r>
-            <a:r>
-              <a:rPr lang="en-US" baseline="0" dirty="0" smtClean="0"/>
-              <a:t> website he thong, thong qua </a:t>
-            </a:r>
-            <a:r>
-              <a:rPr lang="en-US" baseline="0" dirty="0" err="1" smtClean="0"/>
-              <a:t>giao</a:t>
-            </a:r>
-            <a:r>
-              <a:rPr lang="en-US" baseline="0" dirty="0" smtClean="0"/>
-              <a:t> </a:t>
-            </a:r>
-            <a:r>
-              <a:rPr lang="en-US" baseline="0" dirty="0" err="1" smtClean="0"/>
-              <a:t>thuc</a:t>
-            </a:r>
-            <a:r>
-              <a:rPr lang="en-US" baseline="0" dirty="0" smtClean="0"/>
-              <a:t> http. </a:t>
-            </a:r>
-            <a:endParaRPr lang="en-US" dirty="0" smtClean="0"/>
+            <a:endParaRPr lang="en-US" baseline="0" dirty="0" smtClean="0"/>
           </a:p>
           <a:p>
-            <a:r>
-              <a:rPr lang="en-US" baseline="0" dirty="0" err="1" smtClean="0"/>
-              <a:t>Mấy</a:t>
+            <a:pPr marL="0" marR="0" indent="0" algn="l" defTabSz="914400" rtl="0" eaLnBrk="1" fontAlgn="auto" latinLnBrk="0" hangingPunct="1">
+              <a:lnSpc>
+                <a:spcPct val="100000"/>
+              </a:lnSpc>
+              <a:spcBef>
+                <a:spcPts val="0"/>
+              </a:spcBef>
+              <a:spcAft>
+                <a:spcPts val="0"/>
+              </a:spcAft>
+              <a:buClrTx/>
+              <a:buSzTx/>
+              <a:buFontTx/>
+              <a:buNone/>
+              <a:tabLst/>
+              <a:defRPr/>
+            </a:pPr>
+            <a:endParaRPr lang="en-US" baseline="0" dirty="0" smtClean="0"/>
+          </a:p>
+          <a:p>
+            <a:pPr marL="0" marR="0" indent="0" algn="l" defTabSz="914400" rtl="0" eaLnBrk="1" fontAlgn="auto" latinLnBrk="0" hangingPunct="1">
+              <a:lnSpc>
+                <a:spcPct val="100000"/>
+              </a:lnSpc>
+              <a:spcBef>
+                <a:spcPts val="0"/>
+              </a:spcBef>
+              <a:spcAft>
+                <a:spcPts val="0"/>
+              </a:spcAft>
+              <a:buClrTx/>
+              <a:buSzTx/>
+              <a:buFontTx/>
+              <a:buNone/>
+              <a:tabLst/>
+              <a:defRPr/>
+            </a:pPr>
+            <a:r>
+              <a:rPr lang="en-US" baseline="0" dirty="0" err="1" smtClean="0"/>
+              <a:t>Tên</a:t>
+            </a:r>
+            <a:r>
+              <a:rPr lang="en-US" baseline="0" dirty="0" smtClean="0"/>
+              <a:t> </a:t>
+            </a:r>
+            <a:r>
+              <a:rPr lang="en-US" baseline="0" dirty="0" smtClean="0"/>
+              <a:t>non-functional – </a:t>
+            </a:r>
+            <a:r>
+              <a:rPr lang="en-US" baseline="0" dirty="0" err="1" smtClean="0"/>
+              <a:t>Mô</a:t>
+            </a:r>
+            <a:r>
+              <a:rPr lang="en-US" baseline="0" dirty="0" smtClean="0"/>
+              <a:t> </a:t>
+            </a:r>
+            <a:r>
+              <a:rPr lang="en-US" baseline="0" dirty="0" err="1" smtClean="0"/>
+              <a:t>tả</a:t>
+            </a:r>
+            <a:r>
+              <a:rPr lang="en-US" baseline="0" dirty="0" smtClean="0"/>
+              <a:t> </a:t>
+            </a:r>
+            <a:r>
+              <a:rPr lang="en-US" baseline="0" dirty="0" err="1" smtClean="0"/>
+              <a:t>xem</a:t>
+            </a:r>
+            <a:r>
+              <a:rPr lang="en-US" baseline="0" dirty="0" smtClean="0"/>
+              <a:t> </a:t>
+            </a:r>
+            <a:r>
+              <a:rPr lang="en-US" baseline="0" dirty="0" err="1" smtClean="0"/>
+              <a:t>mình</a:t>
+            </a:r>
+            <a:r>
+              <a:rPr lang="en-US" baseline="0" dirty="0" smtClean="0"/>
+              <a:t> </a:t>
+            </a:r>
+            <a:r>
+              <a:rPr lang="en-US" baseline="0" dirty="0" err="1" smtClean="0"/>
+              <a:t>làm</a:t>
+            </a:r>
+            <a:r>
+              <a:rPr lang="en-US" baseline="0" dirty="0" smtClean="0"/>
+              <a:t> </a:t>
+            </a:r>
+            <a:r>
+              <a:rPr lang="en-US" baseline="0" dirty="0" err="1" smtClean="0"/>
+              <a:t>gì</a:t>
+            </a:r>
+            <a:r>
+              <a:rPr lang="en-US" baseline="0" dirty="0" smtClean="0"/>
+              <a:t> </a:t>
+            </a:r>
+            <a:r>
+              <a:rPr lang="en-US" baseline="0" dirty="0" err="1" smtClean="0"/>
+              <a:t>để</a:t>
+            </a:r>
+            <a:r>
+              <a:rPr lang="en-US" baseline="0" dirty="0" smtClean="0"/>
+              <a:t> </a:t>
+            </a:r>
+            <a:r>
+              <a:rPr lang="en-US" baseline="0" dirty="0" err="1" smtClean="0"/>
+              <a:t>đạt</a:t>
             </a:r>
             <a:r>
               <a:rPr lang="en-US" baseline="0" dirty="0" smtClean="0"/>
@@ -23047,7 +22131,46 @@
             </a:r>
             <a:r>
               <a:rPr lang="en-US" baseline="0" dirty="0" smtClean="0"/>
-              <a:t> </a:t>
+              <a:t> non-functional </a:t>
+            </a:r>
+            <a:r>
+              <a:rPr lang="en-US" baseline="0" dirty="0" err="1" smtClean="0"/>
+              <a:t>đó</a:t>
+            </a:r>
+            <a:r>
+              <a:rPr lang="en-US" baseline="0" dirty="0" smtClean="0"/>
+              <a:t>.</a:t>
+            </a:r>
+          </a:p>
+          <a:p>
+            <a:pPr marL="0" marR="0" indent="0" algn="l" defTabSz="914400" rtl="0" eaLnBrk="1" fontAlgn="auto" latinLnBrk="0" hangingPunct="1">
+              <a:lnSpc>
+                <a:spcPct val="100000"/>
+              </a:lnSpc>
+              <a:spcBef>
+                <a:spcPts val="0"/>
+              </a:spcBef>
+              <a:spcAft>
+                <a:spcPts val="0"/>
+              </a:spcAft>
+              <a:buClrTx/>
+              <a:buSzTx/>
+              <a:buFontTx/>
+              <a:buNone/>
+              <a:tabLst/>
+              <a:defRPr/>
+            </a:pPr>
+            <a:r>
+              <a:rPr lang="en-US" baseline="0" dirty="0" smtClean="0"/>
+              <a:t>Tao </a:t>
+            </a:r>
+            <a:r>
+              <a:rPr lang="en-US" baseline="0" dirty="0" err="1" smtClean="0"/>
+              <a:t>lấy</a:t>
+            </a:r>
+            <a:r>
+              <a:rPr lang="en-US" baseline="0" dirty="0" smtClean="0"/>
+              <a:t> VD </a:t>
             </a:r>
             <a:r>
               <a:rPr lang="en-US" baseline="0" dirty="0" err="1" smtClean="0"/>
@@ -23059,15 +22182,7 @@
             </a:r>
             <a:r>
               <a:rPr lang="en-US" baseline="0" dirty="0" err="1" smtClean="0"/>
-              <a:t>iGiveTest</a:t>
-            </a:r>
-            <a:r>
-              <a:rPr lang="en-US" baseline="0" dirty="0" smtClean="0"/>
-              <a:t>, phpB3.0 </a:t>
-            </a:r>
-            <a:r>
-              <a:rPr lang="en-US" baseline="0" dirty="0" err="1" smtClean="0"/>
-              <a:t>dùng</a:t>
+              <a:t>là</a:t>
             </a:r>
             <a:r>
               <a:rPr lang="en-US" baseline="0" dirty="0" smtClean="0"/>
@@ -23083,7 +22198,47 @@
             </a:r>
             <a:r>
               <a:rPr lang="en-US" baseline="0" dirty="0" err="1" smtClean="0"/>
-              <a:t>gì</a:t>
+              <a:t>maintainabiity</a:t>
+            </a:r>
+            <a:r>
+              <a:rPr lang="en-US" baseline="0" dirty="0" smtClean="0"/>
+              <a:t> </a:t>
+            </a:r>
+            <a:r>
+              <a:rPr lang="en-US" baseline="0" dirty="0" err="1" smtClean="0"/>
+              <a:t>thì</a:t>
+            </a:r>
+            <a:r>
+              <a:rPr lang="en-US" baseline="0" dirty="0" smtClean="0"/>
+              <a:t> </a:t>
+            </a:r>
+            <a:r>
+              <a:rPr lang="en-US" baseline="0" dirty="0" err="1" smtClean="0"/>
+              <a:t>mình</a:t>
+            </a:r>
+            <a:r>
+              <a:rPr lang="en-US" baseline="0" dirty="0" smtClean="0"/>
+              <a:t> code </a:t>
+            </a:r>
+            <a:r>
+              <a:rPr lang="en-US" baseline="0" dirty="0" err="1" smtClean="0"/>
+              <a:t>theo</a:t>
+            </a:r>
+            <a:r>
+              <a:rPr lang="en-US" baseline="0" dirty="0" smtClean="0"/>
+              <a:t> </a:t>
+            </a:r>
+            <a:r>
+              <a:rPr lang="en-US" baseline="0" dirty="0" err="1" smtClean="0"/>
+              <a:t>đúng</a:t>
+            </a:r>
+            <a:r>
+              <a:rPr lang="en-US" baseline="0" dirty="0" smtClean="0"/>
+              <a:t> </a:t>
+            </a:r>
+            <a:r>
+              <a:rPr lang="en-US" baseline="0" dirty="0" err="1" smtClean="0"/>
+              <a:t>chuẩn</a:t>
             </a:r>
             <a:r>
               <a:rPr lang="en-US" baseline="0" dirty="0" smtClean="0"/>
@@ -23099,32 +22254,445 @@
             </a:r>
             <a:r>
               <a:rPr lang="en-US" baseline="0" dirty="0" err="1" smtClean="0"/>
-              <a:t>nó</a:t>
-            </a:r>
-            <a:r>
-              <a:rPr lang="en-US" baseline="0" dirty="0" smtClean="0"/>
-              <a:t> </a:t>
-            </a:r>
-            <a:r>
-              <a:rPr lang="en-US" baseline="0" dirty="0" err="1" smtClean="0"/>
-              <a:t>thì</a:t>
-            </a:r>
-            <a:r>
-              <a:rPr lang="en-US" baseline="0" dirty="0" smtClean="0"/>
-              <a:t> </a:t>
-            </a:r>
-            <a:r>
-              <a:rPr lang="en-US" baseline="0" dirty="0" err="1" smtClean="0"/>
-              <a:t>ghi</a:t>
-            </a:r>
-            <a:r>
-              <a:rPr lang="en-US" baseline="0" dirty="0" smtClean="0"/>
-              <a:t> </a:t>
-            </a:r>
-            <a:r>
-              <a:rPr lang="en-US" baseline="0" dirty="0" err="1" smtClean="0"/>
-              <a:t>vào</a:t>
-            </a:r>
+              <a:t>joomla</a:t>
+            </a:r>
+            <a:r>
+              <a:rPr lang="en-US" baseline="0" dirty="0" smtClean="0"/>
+              <a:t>, </a:t>
+            </a:r>
+            <a:r>
+              <a:rPr lang="en-US" baseline="0" dirty="0" err="1" smtClean="0"/>
+              <a:t>mà</a:t>
+            </a:r>
+            <a:r>
+              <a:rPr lang="en-US" baseline="0" dirty="0" smtClean="0"/>
+              <a:t> framework </a:t>
+            </a:r>
+            <a:r>
+              <a:rPr lang="en-US" baseline="0" dirty="0" err="1" smtClean="0"/>
+              <a:t>joomla</a:t>
+            </a:r>
+            <a:r>
+              <a:rPr lang="en-US" baseline="0" dirty="0" smtClean="0"/>
+              <a:t> </a:t>
+            </a:r>
+            <a:r>
+              <a:rPr lang="en-US" baseline="0" dirty="0" err="1" smtClean="0"/>
+              <a:t>đã</a:t>
+            </a:r>
+            <a:r>
+              <a:rPr lang="en-US" baseline="0" dirty="0" smtClean="0"/>
+              <a:t> </a:t>
+            </a:r>
+            <a:r>
+              <a:rPr lang="en-US" baseline="0" dirty="0" err="1" smtClean="0"/>
+              <a:t>đảm</a:t>
+            </a:r>
+            <a:r>
+              <a:rPr lang="en-US" baseline="0" dirty="0" smtClean="0"/>
+              <a:t> </a:t>
+            </a:r>
+            <a:r>
+              <a:rPr lang="en-US" baseline="0" dirty="0" err="1" smtClean="0"/>
+              <a:t>bảo</a:t>
+            </a:r>
+            <a:r>
+              <a:rPr lang="en-US" baseline="0" dirty="0" smtClean="0"/>
+              <a:t> </a:t>
+            </a:r>
+            <a:r>
+              <a:rPr lang="en-US" baseline="0" dirty="0" err="1" smtClean="0"/>
+              <a:t>tính</a:t>
+            </a:r>
+            <a:r>
+              <a:rPr lang="en-US" baseline="0" dirty="0" smtClean="0"/>
+              <a:t> </a:t>
+            </a:r>
+            <a:r>
+              <a:rPr lang="en-US" baseline="0" dirty="0" err="1" smtClean="0"/>
+              <a:t>dễ</a:t>
+            </a:r>
+            <a:r>
+              <a:rPr lang="en-US" baseline="0" dirty="0" smtClean="0"/>
+              <a:t> </a:t>
+            </a:r>
+            <a:r>
+              <a:rPr lang="en-US" baseline="0" dirty="0" err="1" smtClean="0"/>
+              <a:t>bảo</a:t>
+            </a:r>
+            <a:r>
+              <a:rPr lang="en-US" baseline="0" dirty="0" smtClean="0"/>
+              <a:t> </a:t>
+            </a:r>
+            <a:r>
+              <a:rPr lang="en-US" baseline="0" dirty="0" err="1" smtClean="0"/>
+              <a:t>trì</a:t>
+            </a:r>
+            <a:r>
+              <a:rPr lang="en-US" baseline="0" dirty="0" smtClean="0"/>
+              <a:t> </a:t>
+            </a:r>
+            <a:r>
+              <a:rPr lang="en-US" baseline="0" dirty="0" err="1" smtClean="0"/>
+              <a:t>khi</a:t>
+            </a:r>
+            <a:r>
+              <a:rPr lang="en-US" baseline="0" dirty="0" smtClean="0"/>
+              <a:t> </a:t>
+            </a:r>
+            <a:r>
+              <a:rPr lang="en-US" baseline="0" dirty="0" err="1" smtClean="0"/>
+              <a:t>phân</a:t>
+            </a:r>
+            <a:r>
+              <a:rPr lang="en-US" baseline="0" dirty="0" smtClean="0"/>
+              <a:t> </a:t>
+            </a:r>
+            <a:r>
+              <a:rPr lang="en-US" baseline="0" dirty="0" err="1" smtClean="0"/>
+              <a:t>tách</a:t>
+            </a:r>
+            <a:r>
+              <a:rPr lang="en-US" baseline="0" dirty="0" smtClean="0"/>
+              <a:t> </a:t>
+            </a:r>
+            <a:r>
+              <a:rPr lang="en-US" baseline="0" dirty="0" err="1" smtClean="0"/>
+              <a:t>cụ</a:t>
+            </a:r>
+            <a:r>
+              <a:rPr lang="en-US" baseline="0" dirty="0" smtClean="0"/>
+              <a:t> </a:t>
+            </a:r>
+            <a:r>
+              <a:rPr lang="en-US" baseline="0" dirty="0" err="1" smtClean="0"/>
+              <a:t>thể</a:t>
+            </a:r>
+            <a:r>
+              <a:rPr lang="en-US" baseline="0" dirty="0" smtClean="0"/>
+              <a:t> </a:t>
+            </a:r>
+            <a:r>
+              <a:rPr lang="en-US" baseline="0" dirty="0" err="1" smtClean="0"/>
+              <a:t>từng</a:t>
+            </a:r>
+            <a:r>
+              <a:rPr lang="en-US" baseline="0" dirty="0" smtClean="0"/>
+              <a:t> layer.</a:t>
+            </a:r>
+          </a:p>
+          <a:p>
+            <a:pPr marL="0" marR="0" indent="0" algn="l" defTabSz="914400" rtl="0" eaLnBrk="1" fontAlgn="auto" latinLnBrk="0" hangingPunct="1">
+              <a:lnSpc>
+                <a:spcPct val="100000"/>
+              </a:lnSpc>
+              <a:spcBef>
+                <a:spcPts val="0"/>
+              </a:spcBef>
+              <a:spcAft>
+                <a:spcPts val="0"/>
+              </a:spcAft>
+              <a:buClrTx/>
+              <a:buSzTx/>
+              <a:buFontTx/>
+              <a:buNone/>
+              <a:tabLst/>
+              <a:defRPr/>
+            </a:pPr>
+            <a:r>
+              <a:rPr lang="en-US" baseline="0" dirty="0" err="1" smtClean="0"/>
+              <a:t>Hoặc</a:t>
+            </a:r>
+            <a:r>
+              <a:rPr lang="en-US" baseline="0" dirty="0" smtClean="0"/>
+              <a:t> </a:t>
+            </a:r>
+            <a:r>
+              <a:rPr lang="en-US" baseline="0" dirty="0" err="1" smtClean="0"/>
+              <a:t>như</a:t>
+            </a:r>
+            <a:r>
+              <a:rPr lang="en-US" baseline="0" dirty="0" smtClean="0"/>
+              <a:t> </a:t>
+            </a:r>
+            <a:r>
+              <a:rPr lang="en-US" baseline="0" dirty="0" err="1" smtClean="0"/>
+              <a:t>là</a:t>
+            </a:r>
+            <a:r>
+              <a:rPr lang="en-US" baseline="0" dirty="0" smtClean="0"/>
+              <a:t> </a:t>
+            </a:r>
+            <a:r>
+              <a:rPr lang="en-US" baseline="0" dirty="0" err="1" smtClean="0"/>
+              <a:t>tính</a:t>
+            </a:r>
+            <a:r>
+              <a:rPr lang="en-US" baseline="0" dirty="0" smtClean="0"/>
+              <a:t> </a:t>
+            </a:r>
+            <a:r>
+              <a:rPr lang="en-US" baseline="0" dirty="0" err="1" smtClean="0"/>
+              <a:t>useability</a:t>
+            </a:r>
+            <a:r>
+              <a:rPr lang="en-US" baseline="0" dirty="0" smtClean="0"/>
+              <a:t> </a:t>
+            </a:r>
+            <a:r>
+              <a:rPr lang="en-US" baseline="0" dirty="0" err="1" smtClean="0"/>
+              <a:t>là</a:t>
+            </a:r>
+            <a:r>
+              <a:rPr lang="en-US" baseline="0" dirty="0" smtClean="0"/>
+              <a:t> </a:t>
+            </a:r>
+            <a:r>
+              <a:rPr lang="en-US" baseline="0" dirty="0" err="1" smtClean="0"/>
+              <a:t>mình</a:t>
+            </a:r>
+            <a:r>
+              <a:rPr lang="en-US" baseline="0" dirty="0" smtClean="0"/>
+              <a:t> </a:t>
+            </a:r>
+            <a:r>
+              <a:rPr lang="en-US" baseline="0" dirty="0" err="1" smtClean="0"/>
+              <a:t>làm</a:t>
+            </a:r>
+            <a:r>
+              <a:rPr lang="en-US" baseline="0" dirty="0" smtClean="0"/>
+              <a:t> </a:t>
+            </a:r>
+            <a:r>
+              <a:rPr lang="en-US" baseline="0" dirty="0" err="1" smtClean="0"/>
+              <a:t>trang</a:t>
+            </a:r>
+            <a:r>
+              <a:rPr lang="en-US" baseline="0" dirty="0" smtClean="0"/>
+              <a:t> web </a:t>
+            </a:r>
+            <a:r>
+              <a:rPr lang="en-US" baseline="0" dirty="0" err="1" smtClean="0"/>
+              <a:t>đơn</a:t>
+            </a:r>
+            <a:r>
+              <a:rPr lang="en-US" baseline="0" dirty="0" smtClean="0"/>
+              <a:t> </a:t>
+            </a:r>
+            <a:r>
+              <a:rPr lang="en-US" baseline="0" dirty="0" err="1" smtClean="0"/>
+              <a:t>giản</a:t>
+            </a:r>
+            <a:r>
+              <a:rPr lang="en-US" baseline="0" dirty="0" smtClean="0"/>
+              <a:t>, </a:t>
+            </a:r>
+            <a:r>
+              <a:rPr lang="en-US" baseline="0" dirty="0" err="1" smtClean="0"/>
+              <a:t>ít</a:t>
+            </a:r>
+            <a:r>
+              <a:rPr lang="en-US" baseline="0" dirty="0" smtClean="0"/>
+              <a:t> </a:t>
+            </a:r>
+            <a:r>
+              <a:rPr lang="en-US" baseline="0" dirty="0" err="1" smtClean="0"/>
+              <a:t>nút</a:t>
+            </a:r>
+            <a:r>
+              <a:rPr lang="en-US" baseline="0" dirty="0" smtClean="0"/>
+              <a:t>, </a:t>
+            </a:r>
+            <a:r>
+              <a:rPr lang="en-US" baseline="0" dirty="0" err="1" smtClean="0"/>
+              <a:t>các</a:t>
+            </a:r>
+            <a:r>
+              <a:rPr lang="en-US" baseline="0" dirty="0" smtClean="0"/>
+              <a:t> </a:t>
+            </a:r>
+            <a:r>
+              <a:rPr lang="en-US" baseline="0" dirty="0" err="1" smtClean="0"/>
+              <a:t>nút</a:t>
+            </a:r>
+            <a:r>
+              <a:rPr lang="en-US" baseline="0" dirty="0" smtClean="0"/>
+              <a:t> to, </a:t>
+            </a:r>
+            <a:r>
+              <a:rPr lang="en-US" baseline="0" dirty="0" err="1" smtClean="0"/>
+              <a:t>chữ</a:t>
+            </a:r>
+            <a:r>
+              <a:rPr lang="en-US" baseline="0" dirty="0" smtClean="0"/>
+              <a:t> </a:t>
+            </a:r>
+            <a:r>
+              <a:rPr lang="en-US" baseline="0" dirty="0" err="1" smtClean="0"/>
+              <a:t>dễ</a:t>
+            </a:r>
+            <a:r>
+              <a:rPr lang="en-US" baseline="0" dirty="0" smtClean="0"/>
+              <a:t> </a:t>
+            </a:r>
+            <a:r>
+              <a:rPr lang="en-US" baseline="0" dirty="0" err="1" smtClean="0"/>
+              <a:t>nhìn</a:t>
+            </a:r>
+            <a:r>
+              <a:rPr lang="en-US" baseline="0" dirty="0" smtClean="0"/>
+              <a:t>, </a:t>
+            </a:r>
+            <a:r>
+              <a:rPr lang="en-US" baseline="0" dirty="0" err="1" smtClean="0"/>
+              <a:t>màu</a:t>
+            </a:r>
+            <a:r>
+              <a:rPr lang="en-US" baseline="0" dirty="0" smtClean="0"/>
+              <a:t> </a:t>
+            </a:r>
+            <a:r>
+              <a:rPr lang="en-US" baseline="0" dirty="0" err="1" smtClean="0"/>
+              <a:t>xanh</a:t>
+            </a:r>
+            <a:r>
+              <a:rPr lang="en-US" baseline="0" dirty="0" smtClean="0"/>
+              <a:t> </a:t>
+            </a:r>
+            <a:r>
+              <a:rPr lang="en-US" baseline="0" dirty="0" err="1" smtClean="0"/>
+              <a:t>mát</a:t>
+            </a:r>
+            <a:r>
+              <a:rPr lang="en-US" baseline="0" dirty="0" smtClean="0"/>
+              <a:t> </a:t>
+            </a:r>
+            <a:r>
+              <a:rPr lang="en-US" baseline="0" dirty="0" err="1" smtClean="0"/>
+              <a:t>mắt</a:t>
+            </a:r>
+            <a:r>
+              <a:rPr lang="en-US" baseline="0" dirty="0" smtClean="0"/>
+              <a:t>.</a:t>
+            </a:r>
+          </a:p>
+          <a:p>
+            <a:pPr marL="0" marR="0" indent="0" algn="l" defTabSz="914400" rtl="0" eaLnBrk="1" fontAlgn="auto" latinLnBrk="0" hangingPunct="1">
+              <a:lnSpc>
+                <a:spcPct val="100000"/>
+              </a:lnSpc>
+              <a:spcBef>
+                <a:spcPts val="0"/>
+              </a:spcBef>
+              <a:spcAft>
+                <a:spcPts val="0"/>
+              </a:spcAft>
+              <a:buClrTx/>
+              <a:buSzTx/>
+              <a:buFontTx/>
+              <a:buNone/>
+              <a:tabLst/>
+              <a:defRPr/>
+            </a:pPr>
+            <a:r>
+              <a:rPr lang="en-US" baseline="0" dirty="0" smtClean="0"/>
+              <a:t>Portability </a:t>
+            </a:r>
+            <a:r>
+              <a:rPr lang="en-US" baseline="0" dirty="0" err="1" smtClean="0"/>
+              <a:t>là</a:t>
+            </a:r>
+            <a:r>
+              <a:rPr lang="en-US" baseline="0" dirty="0" smtClean="0"/>
+              <a:t> do </a:t>
+            </a:r>
+            <a:r>
+              <a:rPr lang="en-US" baseline="0" dirty="0" err="1" smtClean="0"/>
+              <a:t>mình</a:t>
+            </a:r>
+            <a:r>
+              <a:rPr lang="en-US" baseline="0" dirty="0" smtClean="0"/>
+              <a:t> code </a:t>
+            </a:r>
+            <a:r>
+              <a:rPr lang="en-US" baseline="0" dirty="0" err="1" smtClean="0"/>
+              <a:t>bằng</a:t>
+            </a:r>
+            <a:r>
+              <a:rPr lang="en-US" baseline="0" dirty="0" smtClean="0"/>
+              <a:t> </a:t>
+            </a:r>
+            <a:r>
+              <a:rPr lang="en-US" baseline="0" dirty="0" err="1" smtClean="0"/>
+              <a:t>php</a:t>
+            </a:r>
+            <a:r>
+              <a:rPr lang="en-US" baseline="0" dirty="0" smtClean="0"/>
+              <a:t>, </a:t>
+            </a:r>
+            <a:r>
+              <a:rPr lang="en-US" baseline="0" dirty="0" err="1" smtClean="0"/>
+              <a:t>có</a:t>
+            </a:r>
+            <a:r>
+              <a:rPr lang="en-US" baseline="0" dirty="0" smtClean="0"/>
+              <a:t> </a:t>
+            </a:r>
+            <a:r>
+              <a:rPr lang="en-US" baseline="0" dirty="0" err="1" smtClean="0"/>
+              <a:t>thể</a:t>
+            </a:r>
+            <a:r>
+              <a:rPr lang="en-US" baseline="0" dirty="0" smtClean="0"/>
+              <a:t> </a:t>
+            </a:r>
+            <a:r>
+              <a:rPr lang="en-US" baseline="0" dirty="0" err="1" smtClean="0"/>
+              <a:t>chạy</a:t>
+            </a:r>
+            <a:r>
+              <a:rPr lang="en-US" baseline="0" dirty="0" smtClean="0"/>
+              <a:t> </a:t>
+            </a:r>
+            <a:r>
+              <a:rPr lang="en-US" baseline="0" dirty="0" err="1" smtClean="0"/>
+              <a:t>trên</a:t>
+            </a:r>
+            <a:r>
+              <a:rPr lang="en-US" baseline="0" dirty="0" smtClean="0"/>
+              <a:t> </a:t>
+            </a:r>
+            <a:r>
+              <a:rPr lang="en-US" baseline="0" dirty="0" err="1" smtClean="0"/>
+              <a:t>nhiều</a:t>
+            </a:r>
+            <a:r>
+              <a:rPr lang="en-US" baseline="0" dirty="0" smtClean="0"/>
+              <a:t> </a:t>
+            </a:r>
+            <a:r>
+              <a:rPr lang="en-US" baseline="0" dirty="0" err="1" smtClean="0"/>
+              <a:t>hệ</a:t>
+            </a:r>
+            <a:r>
+              <a:rPr lang="en-US" baseline="0" dirty="0" smtClean="0"/>
+              <a:t> </a:t>
+            </a:r>
+            <a:r>
+              <a:rPr lang="en-US" baseline="0" dirty="0" err="1" smtClean="0"/>
+              <a:t>điều</a:t>
+            </a:r>
+            <a:r>
+              <a:rPr lang="en-US" baseline="0" dirty="0" smtClean="0"/>
+              <a:t> </a:t>
+            </a:r>
+            <a:r>
+              <a:rPr lang="en-US" baseline="0" dirty="0" err="1" smtClean="0"/>
+              <a:t>hành</a:t>
+            </a:r>
+            <a:endParaRPr lang="en-US" baseline="0" dirty="0" smtClean="0"/>
+          </a:p>
+          <a:p>
             <a:endParaRPr lang="en-US" dirty="0"/>
           </a:p>
         </p:txBody>
@@ -23146,7 +22714,7 @@
           <a:p>
             <a:fld id="{94349F02-7B7E-4405-841E-9FEA710E9D5A}" type="slidenum">
               <a:rPr lang="en-US" smtClean="0"/>
-              <a:t>23</a:t>
+              <a:t>22</a:t>
             </a:fld>
             <a:endParaRPr lang="en-US"/>
           </a:p>
@@ -23155,759 +22723,7 @@
     </p:spTree>
     <p:extLst>
       <p:ext uri="{BB962C8B-B14F-4D97-AF65-F5344CB8AC3E}">
-        <p14:creationId xmlns:p14="http://schemas.microsoft.com/office/powerpoint/2010/main" val="536148658"/>
-      </p:ext>
-    </p:extLst>
-  </p:cSld>
-  <p:clrMapOvr>
-    <a:masterClrMapping/>
-  </p:clrMapOvr>
-</p:notes>
-</file>
-
-<file path=ppt/notesSlides/notesSlide15.xml><?xml version="1.0" encoding="utf-8"?>
-<p:notes xmlns:a="http://schemas.openxmlformats.org/drawingml/2006/main" xmlns:r="http://schemas.openxmlformats.org/officeDocument/2006/relationships" xmlns:p="http://schemas.openxmlformats.org/presentationml/2006/main">
-  <p:cSld>
-    <p:spTree>
-      <p:nvGrpSpPr>
-        <p:cNvPr id="1" name=""/>
-        <p:cNvGrpSpPr/>
-        <p:nvPr/>
-      </p:nvGrpSpPr>
-      <p:grpSpPr>
-        <a:xfrm>
-          <a:off x="0" y="0"/>
-          <a:ext cx="0" cy="0"/>
-          <a:chOff x="0" y="0"/>
-          <a:chExt cx="0" cy="0"/>
-        </a:xfrm>
-      </p:grpSpPr>
-      <p:sp>
-        <p:nvSpPr>
-          <p:cNvPr id="2" name="Slide Image Placeholder 1"/>
-          <p:cNvSpPr>
-            <a:spLocks noGrp="1" noRot="1" noChangeAspect="1"/>
-          </p:cNvSpPr>
-          <p:nvPr>
-            <p:ph type="sldImg"/>
-          </p:nvPr>
-        </p:nvSpPr>
-        <p:spPr/>
-      </p:sp>
-      <p:sp>
-        <p:nvSpPr>
-          <p:cNvPr id="3" name="Notes Placeholder 2"/>
-          <p:cNvSpPr>
-            <a:spLocks noGrp="1"/>
-          </p:cNvSpPr>
-          <p:nvPr>
-            <p:ph type="body" idx="1"/>
-          </p:nvPr>
-        </p:nvSpPr>
-        <p:spPr/>
-        <p:txBody>
-          <a:bodyPr/>
-          <a:lstStyle/>
-          <a:p>
-            <a:r>
-              <a:rPr lang="en-US" dirty="0" err="1" smtClean="0"/>
-              <a:t>Cái</a:t>
-            </a:r>
-            <a:r>
-              <a:rPr lang="en-US" baseline="0" dirty="0" smtClean="0"/>
-              <a:t> slide </a:t>
-            </a:r>
-            <a:r>
-              <a:rPr lang="en-US" baseline="0" dirty="0" err="1" smtClean="0"/>
-              <a:t>này</a:t>
-            </a:r>
-            <a:r>
-              <a:rPr lang="en-US" baseline="0" dirty="0" smtClean="0"/>
-              <a:t> </a:t>
-            </a:r>
-            <a:r>
-              <a:rPr lang="en-US" baseline="0" dirty="0" err="1" smtClean="0"/>
-              <a:t>bảng</a:t>
-            </a:r>
-            <a:r>
-              <a:rPr lang="en-US" baseline="0" dirty="0" smtClean="0"/>
-              <a:t> </a:t>
-            </a:r>
-            <a:r>
-              <a:rPr lang="en-US" baseline="0" dirty="0" err="1" smtClean="0"/>
-              <a:t>nào</a:t>
-            </a:r>
-            <a:r>
-              <a:rPr lang="en-US" baseline="0" dirty="0" smtClean="0"/>
-              <a:t> </a:t>
-            </a:r>
-            <a:r>
-              <a:rPr lang="en-US" baseline="0" dirty="0" err="1" smtClean="0"/>
-              <a:t>là</a:t>
-            </a:r>
-            <a:r>
-              <a:rPr lang="en-US" baseline="0" dirty="0" smtClean="0"/>
-              <a:t> </a:t>
-            </a:r>
-            <a:r>
-              <a:rPr lang="en-US" baseline="0" dirty="0" err="1" smtClean="0"/>
-              <a:t>bảnh</a:t>
-            </a:r>
-            <a:r>
-              <a:rPr lang="en-US" baseline="0" dirty="0" smtClean="0"/>
-              <a:t> </a:t>
-            </a:r>
-            <a:r>
-              <a:rPr lang="en-US" baseline="0" dirty="0" err="1" smtClean="0"/>
-              <a:t>chính</a:t>
-            </a:r>
-            <a:r>
-              <a:rPr lang="en-US" baseline="0" dirty="0" smtClean="0"/>
-              <a:t> </a:t>
-            </a:r>
-            <a:r>
-              <a:rPr lang="en-US" baseline="0" dirty="0" err="1" smtClean="0"/>
-              <a:t>thì</a:t>
-            </a:r>
-            <a:r>
-              <a:rPr lang="en-US" baseline="0" dirty="0" smtClean="0"/>
-              <a:t> </a:t>
-            </a:r>
-            <a:r>
-              <a:rPr lang="en-US" baseline="0" dirty="0" err="1" smtClean="0"/>
-              <a:t>bôi</a:t>
-            </a:r>
-            <a:r>
-              <a:rPr lang="en-US" baseline="0" dirty="0" smtClean="0"/>
-              <a:t> </a:t>
-            </a:r>
-            <a:r>
-              <a:rPr lang="en-US" baseline="0" dirty="0" err="1" smtClean="0"/>
-              <a:t>màu</a:t>
-            </a:r>
-            <a:r>
-              <a:rPr lang="en-US" baseline="0" dirty="0" smtClean="0"/>
-              <a:t> </a:t>
-            </a:r>
-            <a:r>
-              <a:rPr lang="en-US" baseline="0" dirty="0" err="1" smtClean="0"/>
-              <a:t>quanh</a:t>
-            </a:r>
-            <a:r>
-              <a:rPr lang="en-US" baseline="0" dirty="0" smtClean="0"/>
-              <a:t> </a:t>
-            </a:r>
-            <a:r>
-              <a:rPr lang="en-US" baseline="0" dirty="0" err="1" smtClean="0"/>
-              <a:t>bảng</a:t>
-            </a:r>
-            <a:r>
-              <a:rPr lang="en-US" baseline="0" dirty="0" smtClean="0"/>
-              <a:t> </a:t>
-            </a:r>
-            <a:r>
-              <a:rPr lang="en-US" baseline="0" dirty="0" err="1" smtClean="0"/>
-              <a:t>đó</a:t>
-            </a:r>
-            <a:r>
-              <a:rPr lang="en-US" baseline="0" dirty="0" smtClean="0"/>
-              <a:t> </a:t>
-            </a:r>
-            <a:r>
-              <a:rPr lang="en-US" baseline="0" dirty="0" err="1" smtClean="0"/>
-              <a:t>đi</a:t>
-            </a:r>
-            <a:r>
-              <a:rPr lang="en-US" baseline="0" dirty="0" smtClean="0"/>
-              <a:t> </a:t>
-            </a:r>
-            <a:r>
-              <a:rPr lang="en-US" baseline="0" dirty="0" err="1" smtClean="0"/>
-              <a:t>cho</a:t>
-            </a:r>
-            <a:r>
-              <a:rPr lang="en-US" baseline="0" dirty="0" smtClean="0"/>
-              <a:t> </a:t>
-            </a:r>
-            <a:r>
-              <a:rPr lang="en-US" baseline="0" dirty="0" err="1" smtClean="0"/>
-              <a:t>dễ</a:t>
-            </a:r>
-            <a:r>
-              <a:rPr lang="en-US" baseline="0" dirty="0" smtClean="0"/>
-              <a:t> </a:t>
-            </a:r>
-            <a:r>
-              <a:rPr lang="en-US" baseline="0" dirty="0" err="1" smtClean="0"/>
-              <a:t>nhìn</a:t>
-            </a:r>
-            <a:r>
-              <a:rPr lang="en-US" baseline="0" dirty="0" smtClean="0"/>
-              <a:t>, </a:t>
-            </a:r>
-            <a:r>
-              <a:rPr lang="en-US" baseline="0" dirty="0" err="1" smtClean="0"/>
-              <a:t>cả</a:t>
-            </a:r>
-            <a:r>
-              <a:rPr lang="en-US" baseline="0" dirty="0" smtClean="0"/>
-              <a:t> </a:t>
-            </a:r>
-            <a:r>
-              <a:rPr lang="en-US" baseline="0" dirty="0" err="1" smtClean="0"/>
-              <a:t>cái</a:t>
-            </a:r>
-            <a:r>
-              <a:rPr lang="en-US" baseline="0" dirty="0" smtClean="0"/>
-              <a:t> file class diagram </a:t>
-            </a:r>
-            <a:r>
-              <a:rPr lang="en-US" baseline="0" dirty="0" err="1" smtClean="0"/>
-              <a:t>bên</a:t>
-            </a:r>
-            <a:r>
-              <a:rPr lang="en-US" baseline="0" dirty="0" smtClean="0"/>
-              <a:t> </a:t>
-            </a:r>
-            <a:r>
-              <a:rPr lang="en-US" baseline="0" dirty="0" err="1" smtClean="0"/>
-              <a:t>ngoài</a:t>
-            </a:r>
-            <a:r>
-              <a:rPr lang="en-US" baseline="0" dirty="0" smtClean="0"/>
-              <a:t> </a:t>
-            </a:r>
-            <a:r>
-              <a:rPr lang="en-US" baseline="0" dirty="0" err="1" smtClean="0"/>
-              <a:t>nữa</a:t>
-            </a:r>
-            <a:r>
-              <a:rPr lang="en-US" baseline="0" dirty="0" smtClean="0"/>
-              <a:t>. </a:t>
-            </a:r>
-            <a:r>
-              <a:rPr lang="en-US" baseline="0" dirty="0" err="1" smtClean="0"/>
-              <a:t>Bôi</a:t>
-            </a:r>
-            <a:r>
-              <a:rPr lang="en-US" baseline="0" dirty="0" smtClean="0"/>
-              <a:t> </a:t>
-            </a:r>
-            <a:r>
-              <a:rPr lang="en-US" baseline="0" dirty="0" err="1" smtClean="0"/>
-              <a:t>màu</a:t>
-            </a:r>
-            <a:r>
-              <a:rPr lang="en-US" baseline="0" dirty="0" smtClean="0"/>
-              <a:t> </a:t>
-            </a:r>
-            <a:r>
-              <a:rPr lang="en-US" baseline="0" dirty="0" err="1" smtClean="0"/>
-              <a:t>rõ</a:t>
-            </a:r>
-            <a:r>
-              <a:rPr lang="en-US" baseline="0" dirty="0" smtClean="0"/>
-              <a:t> </a:t>
-            </a:r>
-            <a:r>
-              <a:rPr lang="en-US" baseline="0" dirty="0" err="1" smtClean="0"/>
-              <a:t>bảng</a:t>
-            </a:r>
-            <a:r>
-              <a:rPr lang="en-US" baseline="0" dirty="0" smtClean="0"/>
-              <a:t> </a:t>
-            </a:r>
-            <a:r>
-              <a:rPr lang="en-US" baseline="0" dirty="0" err="1" smtClean="0"/>
-              <a:t>chính</a:t>
-            </a:r>
-            <a:r>
-              <a:rPr lang="en-US" baseline="0" dirty="0" smtClean="0"/>
-              <a:t> </a:t>
-            </a:r>
-            <a:r>
-              <a:rPr lang="en-US" baseline="0" dirty="0" err="1" smtClean="0"/>
-              <a:t>và</a:t>
-            </a:r>
-            <a:r>
-              <a:rPr lang="en-US" baseline="0" dirty="0" smtClean="0"/>
-              <a:t> </a:t>
-            </a:r>
-            <a:r>
-              <a:rPr lang="en-US" baseline="0" dirty="0" err="1" smtClean="0"/>
-              <a:t>khi</a:t>
-            </a:r>
-            <a:r>
-              <a:rPr lang="en-US" baseline="0" dirty="0" smtClean="0"/>
-              <a:t> </a:t>
-            </a:r>
-            <a:r>
-              <a:rPr lang="en-US" baseline="0" dirty="0" err="1" smtClean="0"/>
-              <a:t>nói</a:t>
-            </a:r>
-            <a:r>
-              <a:rPr lang="en-US" baseline="0" dirty="0" smtClean="0"/>
-              <a:t> </a:t>
-            </a:r>
-            <a:r>
-              <a:rPr lang="en-US" baseline="0" dirty="0" err="1" smtClean="0"/>
-              <a:t>thì</a:t>
-            </a:r>
-            <a:r>
-              <a:rPr lang="en-US" baseline="0" dirty="0" smtClean="0"/>
-              <a:t> </a:t>
-            </a:r>
-            <a:r>
-              <a:rPr lang="en-US" baseline="0" dirty="0" err="1" smtClean="0"/>
-              <a:t>giải</a:t>
-            </a:r>
-            <a:r>
-              <a:rPr lang="en-US" baseline="0" dirty="0" smtClean="0"/>
-              <a:t> </a:t>
-            </a:r>
-            <a:r>
-              <a:rPr lang="en-US" baseline="0" dirty="0" err="1" smtClean="0"/>
-              <a:t>thích</a:t>
-            </a:r>
-            <a:r>
-              <a:rPr lang="en-US" baseline="0" dirty="0" smtClean="0"/>
-              <a:t> </a:t>
-            </a:r>
-            <a:r>
-              <a:rPr lang="en-US" baseline="0" dirty="0" err="1" smtClean="0"/>
-              <a:t>rõ</a:t>
-            </a:r>
-            <a:r>
-              <a:rPr lang="en-US" baseline="0" dirty="0" smtClean="0"/>
-              <a:t> </a:t>
-            </a:r>
-            <a:r>
-              <a:rPr lang="en-US" baseline="0" dirty="0" err="1" smtClean="0"/>
-              <a:t>quan</a:t>
-            </a:r>
-            <a:r>
-              <a:rPr lang="en-US" baseline="0" dirty="0" smtClean="0"/>
-              <a:t> </a:t>
-            </a:r>
-            <a:r>
-              <a:rPr lang="en-US" baseline="0" dirty="0" err="1" smtClean="0"/>
-              <a:t>hệ</a:t>
-            </a:r>
-            <a:r>
-              <a:rPr lang="en-US" baseline="0" dirty="0" smtClean="0"/>
-              <a:t> </a:t>
-            </a:r>
-            <a:r>
-              <a:rPr lang="en-US" baseline="0" dirty="0" err="1" smtClean="0"/>
-              <a:t>của</a:t>
-            </a:r>
-            <a:r>
-              <a:rPr lang="en-US" baseline="0" dirty="0" smtClean="0"/>
-              <a:t> </a:t>
-            </a:r>
-            <a:r>
-              <a:rPr lang="en-US" baseline="0" dirty="0" err="1" smtClean="0"/>
-              <a:t>bảng</a:t>
-            </a:r>
-            <a:r>
-              <a:rPr lang="en-US" baseline="0" dirty="0" smtClean="0"/>
-              <a:t> </a:t>
-            </a:r>
-            <a:r>
-              <a:rPr lang="en-US" baseline="0" dirty="0" err="1" smtClean="0"/>
-              <a:t>chính</a:t>
-            </a:r>
-            <a:r>
-              <a:rPr lang="en-US" baseline="0" dirty="0" smtClean="0"/>
-              <a:t> </a:t>
-            </a:r>
-            <a:r>
-              <a:rPr lang="en-US" baseline="0" dirty="0" err="1" smtClean="0"/>
-              <a:t>và</a:t>
-            </a:r>
-            <a:r>
-              <a:rPr lang="en-US" baseline="0" dirty="0" smtClean="0"/>
-              <a:t> </a:t>
-            </a:r>
-            <a:r>
-              <a:rPr lang="en-US" baseline="0" dirty="0" err="1" smtClean="0"/>
-              <a:t>các</a:t>
-            </a:r>
-            <a:r>
-              <a:rPr lang="en-US" baseline="0" dirty="0" smtClean="0"/>
-              <a:t> </a:t>
-            </a:r>
-            <a:r>
-              <a:rPr lang="en-US" baseline="0" dirty="0" err="1" smtClean="0"/>
-              <a:t>bảng</a:t>
-            </a:r>
-            <a:r>
-              <a:rPr lang="en-US" baseline="0" dirty="0" smtClean="0"/>
-              <a:t> </a:t>
-            </a:r>
-            <a:r>
-              <a:rPr lang="en-US" baseline="0" dirty="0" err="1" smtClean="0"/>
-              <a:t>khác</a:t>
-            </a:r>
-            <a:r>
-              <a:rPr lang="en-US" baseline="0" dirty="0" smtClean="0"/>
-              <a:t>. </a:t>
-            </a:r>
-            <a:r>
-              <a:rPr lang="en-US" baseline="0" dirty="0" err="1" smtClean="0"/>
-              <a:t>Bảng</a:t>
-            </a:r>
-            <a:r>
-              <a:rPr lang="en-US" baseline="0" dirty="0" smtClean="0"/>
-              <a:t> </a:t>
-            </a:r>
-            <a:r>
-              <a:rPr lang="en-US" baseline="0" dirty="0" err="1" smtClean="0"/>
-              <a:t>chính</a:t>
-            </a:r>
-            <a:r>
-              <a:rPr lang="en-US" baseline="0" dirty="0" smtClean="0"/>
-              <a:t> ở </a:t>
-            </a:r>
-            <a:r>
-              <a:rPr lang="en-US" baseline="0" dirty="0" err="1" smtClean="0"/>
-              <a:t>đây</a:t>
-            </a:r>
-            <a:r>
-              <a:rPr lang="en-US" baseline="0" dirty="0" smtClean="0"/>
-              <a:t> </a:t>
-            </a:r>
-            <a:r>
-              <a:rPr lang="en-US" baseline="0" dirty="0" err="1" smtClean="0"/>
-              <a:t>mày</a:t>
-            </a:r>
-            <a:r>
-              <a:rPr lang="en-US" baseline="0" dirty="0" smtClean="0"/>
-              <a:t> </a:t>
-            </a:r>
-            <a:r>
-              <a:rPr lang="en-US" baseline="0" dirty="0" err="1" smtClean="0"/>
-              <a:t>làm</a:t>
-            </a:r>
-            <a:r>
-              <a:rPr lang="en-US" baseline="0" dirty="0" smtClean="0"/>
-              <a:t> </a:t>
-            </a:r>
-            <a:r>
-              <a:rPr lang="en-US" baseline="0" dirty="0" err="1" smtClean="0"/>
-              <a:t>cho</a:t>
-            </a:r>
-            <a:r>
-              <a:rPr lang="en-US" baseline="0" dirty="0" smtClean="0"/>
-              <a:t> </a:t>
-            </a:r>
-            <a:r>
-              <a:rPr lang="en-US" baseline="0" dirty="0" err="1" smtClean="0"/>
-              <a:t>tao</a:t>
-            </a:r>
-            <a:r>
-              <a:rPr lang="en-US" baseline="0" dirty="0" smtClean="0"/>
-              <a:t> 2 </a:t>
-            </a:r>
-            <a:r>
-              <a:rPr lang="en-US" baseline="0" dirty="0" err="1" smtClean="0"/>
-              <a:t>bảng</a:t>
-            </a:r>
-            <a:r>
-              <a:rPr lang="en-US" baseline="0" dirty="0" smtClean="0"/>
-              <a:t> </a:t>
-            </a:r>
-            <a:r>
-              <a:rPr lang="en-US" baseline="0" dirty="0" err="1" smtClean="0"/>
-              <a:t>là</a:t>
-            </a:r>
-            <a:r>
-              <a:rPr lang="en-US" baseline="0" dirty="0" smtClean="0"/>
-              <a:t> question </a:t>
-            </a:r>
-            <a:r>
-              <a:rPr lang="en-US" baseline="0" dirty="0" err="1" smtClean="0"/>
-              <a:t>và</a:t>
-            </a:r>
-            <a:r>
-              <a:rPr lang="en-US" baseline="0" dirty="0" smtClean="0"/>
-              <a:t> answer. 2 </a:t>
-            </a:r>
-            <a:r>
-              <a:rPr lang="en-US" baseline="0" dirty="0" err="1" smtClean="0"/>
-              <a:t>bảng</a:t>
-            </a:r>
-            <a:r>
-              <a:rPr lang="en-US" baseline="0" dirty="0" smtClean="0"/>
-              <a:t> </a:t>
-            </a:r>
-            <a:r>
-              <a:rPr lang="en-US" baseline="0" dirty="0" err="1" smtClean="0"/>
-              <a:t>đấy</a:t>
-            </a:r>
-            <a:r>
-              <a:rPr lang="en-US" baseline="0" dirty="0" smtClean="0"/>
-              <a:t> </a:t>
-            </a:r>
-            <a:r>
-              <a:rPr lang="en-US" baseline="0" dirty="0" err="1" smtClean="0"/>
-              <a:t>dễ</a:t>
-            </a:r>
-            <a:r>
-              <a:rPr lang="en-US" baseline="0" dirty="0" smtClean="0"/>
-              <a:t> </a:t>
-            </a:r>
-            <a:r>
-              <a:rPr lang="en-US" baseline="0" dirty="0" err="1" smtClean="0"/>
-              <a:t>nói</a:t>
-            </a:r>
-            <a:r>
-              <a:rPr lang="en-US" baseline="0" dirty="0" smtClean="0"/>
-              <a:t> </a:t>
-            </a:r>
-            <a:r>
-              <a:rPr lang="en-US" baseline="0" dirty="0" err="1" smtClean="0"/>
-              <a:t>nhất</a:t>
-            </a:r>
-            <a:r>
-              <a:rPr lang="en-US" baseline="0" dirty="0" smtClean="0"/>
-              <a:t> </a:t>
-            </a:r>
-            <a:r>
-              <a:rPr lang="en-US" baseline="0" dirty="0" err="1" smtClean="0"/>
-              <a:t>mà</a:t>
-            </a:r>
-            <a:r>
-              <a:rPr lang="en-US" baseline="0" dirty="0" smtClean="0"/>
-              <a:t> </a:t>
-            </a:r>
-            <a:r>
-              <a:rPr lang="en-US" baseline="0" dirty="0" err="1" smtClean="0"/>
-              <a:t>mình</a:t>
-            </a:r>
-            <a:r>
-              <a:rPr lang="en-US" baseline="0" dirty="0" smtClean="0"/>
-              <a:t> code </a:t>
-            </a:r>
-            <a:r>
-              <a:rPr lang="en-US" baseline="0" dirty="0" err="1" smtClean="0"/>
-              <a:t>cũng</a:t>
-            </a:r>
-            <a:r>
-              <a:rPr lang="en-US" baseline="0" dirty="0" smtClean="0"/>
-              <a:t> </a:t>
-            </a:r>
-            <a:r>
-              <a:rPr lang="en-US" baseline="0" dirty="0" err="1" smtClean="0"/>
-              <a:t>xoáy</a:t>
-            </a:r>
-            <a:r>
-              <a:rPr lang="en-US" baseline="0" dirty="0" smtClean="0"/>
-              <a:t> </a:t>
-            </a:r>
-            <a:r>
-              <a:rPr lang="en-US" baseline="0" dirty="0" err="1" smtClean="0"/>
-              <a:t>vào</a:t>
-            </a:r>
-            <a:r>
-              <a:rPr lang="en-US" baseline="0" dirty="0" smtClean="0"/>
-              <a:t> 2 </a:t>
-            </a:r>
-            <a:r>
-              <a:rPr lang="en-US" baseline="0" dirty="0" err="1" smtClean="0"/>
-              <a:t>bảng</a:t>
-            </a:r>
-            <a:r>
-              <a:rPr lang="en-US" baseline="0" dirty="0" smtClean="0"/>
-              <a:t> </a:t>
-            </a:r>
-            <a:r>
-              <a:rPr lang="en-US" baseline="0" dirty="0" err="1" smtClean="0"/>
-              <a:t>đấy</a:t>
-            </a:r>
-            <a:r>
-              <a:rPr lang="en-US" baseline="0" dirty="0" smtClean="0"/>
-              <a:t> </a:t>
-            </a:r>
-            <a:r>
-              <a:rPr lang="en-US" baseline="0" dirty="0" err="1" smtClean="0"/>
-              <a:t>thôi</a:t>
-            </a:r>
-            <a:r>
-              <a:rPr lang="en-US" baseline="0" dirty="0" smtClean="0"/>
-              <a:t>. </a:t>
-            </a:r>
-            <a:r>
-              <a:rPr lang="en-US" baseline="0" dirty="0" err="1" smtClean="0"/>
-              <a:t>Bôi</a:t>
-            </a:r>
-            <a:r>
-              <a:rPr lang="en-US" baseline="0" dirty="0" smtClean="0"/>
-              <a:t> </a:t>
-            </a:r>
-            <a:r>
-              <a:rPr lang="en-US" baseline="0" dirty="0" err="1" smtClean="0"/>
-              <a:t>màu</a:t>
-            </a:r>
-            <a:r>
-              <a:rPr lang="en-US" baseline="0" dirty="0" smtClean="0"/>
-              <a:t> </a:t>
-            </a:r>
-            <a:r>
-              <a:rPr lang="en-US" baseline="0" dirty="0" err="1" smtClean="0"/>
-              <a:t>xanh</a:t>
-            </a:r>
-            <a:r>
-              <a:rPr lang="en-US" baseline="0" dirty="0" smtClean="0"/>
-              <a:t> </a:t>
-            </a:r>
-            <a:r>
-              <a:rPr lang="en-US" baseline="0" dirty="0" err="1" smtClean="0"/>
-              <a:t>đỏ</a:t>
-            </a:r>
-            <a:r>
-              <a:rPr lang="en-US" baseline="0" dirty="0" smtClean="0"/>
-              <a:t> </a:t>
-            </a:r>
-            <a:r>
-              <a:rPr lang="en-US" baseline="0" dirty="0" err="1" smtClean="0"/>
-              <a:t>tím</a:t>
-            </a:r>
-            <a:r>
-              <a:rPr lang="en-US" baseline="0" dirty="0" smtClean="0"/>
-              <a:t> </a:t>
-            </a:r>
-            <a:r>
-              <a:rPr lang="en-US" baseline="0" dirty="0" err="1" smtClean="0"/>
-              <a:t>vàng</a:t>
-            </a:r>
-            <a:r>
-              <a:rPr lang="en-US" baseline="0" dirty="0" smtClean="0"/>
-              <a:t> </a:t>
-            </a:r>
-            <a:r>
-              <a:rPr lang="en-US" baseline="0" dirty="0" err="1" smtClean="0"/>
-              <a:t>gì</a:t>
-            </a:r>
-            <a:r>
-              <a:rPr lang="en-US" baseline="0" dirty="0" smtClean="0"/>
-              <a:t> </a:t>
-            </a:r>
-            <a:r>
-              <a:rPr lang="en-US" baseline="0" dirty="0" err="1" smtClean="0"/>
-              <a:t>gì</a:t>
-            </a:r>
-            <a:r>
-              <a:rPr lang="en-US" baseline="0" dirty="0" smtClean="0"/>
-              <a:t> </a:t>
-            </a:r>
-            <a:r>
-              <a:rPr lang="en-US" baseline="0" dirty="0" err="1" smtClean="0"/>
-              <a:t>đấy</a:t>
-            </a:r>
-            <a:r>
-              <a:rPr lang="en-US" baseline="0" dirty="0" smtClean="0"/>
-              <a:t> </a:t>
-            </a:r>
-            <a:r>
-              <a:rPr lang="en-US" baseline="0" dirty="0" err="1" smtClean="0"/>
-              <a:t>quanh</a:t>
-            </a:r>
-            <a:r>
-              <a:rPr lang="en-US" baseline="0" dirty="0" smtClean="0"/>
-              <a:t> </a:t>
-            </a:r>
-            <a:r>
-              <a:rPr lang="en-US" baseline="0" dirty="0" err="1" smtClean="0"/>
-              <a:t>cái</a:t>
-            </a:r>
-            <a:r>
-              <a:rPr lang="en-US" baseline="0" dirty="0" smtClean="0"/>
-              <a:t> </a:t>
-            </a:r>
-            <a:r>
-              <a:rPr lang="en-US" baseline="0" dirty="0" err="1" smtClean="0"/>
-              <a:t>bảng</a:t>
-            </a:r>
-            <a:r>
-              <a:rPr lang="en-US" baseline="0" dirty="0" smtClean="0"/>
-              <a:t> </a:t>
-            </a:r>
-            <a:r>
-              <a:rPr lang="en-US" baseline="0" dirty="0" err="1" smtClean="0"/>
-              <a:t>chính</a:t>
-            </a:r>
-            <a:r>
-              <a:rPr lang="en-US" baseline="0" dirty="0" smtClean="0"/>
-              <a:t> </a:t>
-            </a:r>
-            <a:r>
-              <a:rPr lang="en-US" baseline="0" dirty="0" err="1" smtClean="0"/>
-              <a:t>cho</a:t>
-            </a:r>
-            <a:r>
-              <a:rPr lang="en-US" baseline="0" dirty="0" smtClean="0"/>
-              <a:t> </a:t>
-            </a:r>
-            <a:r>
-              <a:rPr lang="en-US" baseline="0" dirty="0" err="1" smtClean="0"/>
-              <a:t>nó</a:t>
-            </a:r>
-            <a:r>
-              <a:rPr lang="en-US" baseline="0" dirty="0" smtClean="0"/>
-              <a:t> </a:t>
-            </a:r>
-            <a:r>
-              <a:rPr lang="en-US" baseline="0" dirty="0" err="1" smtClean="0"/>
-              <a:t>nổi</a:t>
-            </a:r>
-            <a:r>
-              <a:rPr lang="en-US" baseline="0" dirty="0" smtClean="0"/>
-              <a:t> </a:t>
-            </a:r>
-            <a:r>
-              <a:rPr lang="en-US" baseline="0" dirty="0" err="1" smtClean="0"/>
-              <a:t>bật</a:t>
-            </a:r>
-            <a:r>
-              <a:rPr lang="en-US" baseline="0" dirty="0" smtClean="0"/>
-              <a:t> </a:t>
-            </a:r>
-            <a:r>
-              <a:rPr lang="en-US" baseline="0" dirty="0" err="1" smtClean="0"/>
-              <a:t>lên</a:t>
-            </a:r>
-            <a:endParaRPr lang="en-US" dirty="0"/>
-          </a:p>
-        </p:txBody>
-      </p:sp>
-      <p:sp>
-        <p:nvSpPr>
-          <p:cNvPr id="4" name="Slide Number Placeholder 3"/>
-          <p:cNvSpPr>
-            <a:spLocks noGrp="1"/>
-          </p:cNvSpPr>
-          <p:nvPr>
-            <p:ph type="sldNum" sz="quarter" idx="10"/>
-          </p:nvPr>
-        </p:nvSpPr>
-        <p:spPr/>
-        <p:txBody>
-          <a:bodyPr/>
-          <a:lstStyle/>
-          <a:p>
-            <a:fld id="{94349F02-7B7E-4405-841E-9FEA710E9D5A}" type="slidenum">
-              <a:rPr lang="en-US" smtClean="0"/>
-              <a:t>25</a:t>
-            </a:fld>
-            <a:endParaRPr lang="en-US"/>
-          </a:p>
-        </p:txBody>
-      </p:sp>
-    </p:spTree>
-    <p:extLst>
-      <p:ext uri="{BB962C8B-B14F-4D97-AF65-F5344CB8AC3E}">
-        <p14:creationId xmlns:p14="http://schemas.microsoft.com/office/powerpoint/2010/main" val="4240182568"/>
+        <p14:creationId xmlns:p14="http://schemas.microsoft.com/office/powerpoint/2010/main" val="566254435"/>
       </p:ext>
     </p:extLst>
   </p:cSld>
@@ -23961,213 +22777,229 @@
           <a:bodyPr/>
           <a:lstStyle/>
           <a:p>
-            <a:pPr eaLnBrk="1" hangingPunct="1"/>
+            <a:pPr marL="0" marR="0" indent="0" algn="l" defTabSz="914400" rtl="0" eaLnBrk="1" fontAlgn="auto" latinLnBrk="0" hangingPunct="1">
+              <a:lnSpc>
+                <a:spcPct val="100000"/>
+              </a:lnSpc>
+              <a:spcBef>
+                <a:spcPts val="0"/>
+              </a:spcBef>
+              <a:spcAft>
+                <a:spcPts val="0"/>
+              </a:spcAft>
+              <a:buClrTx/>
+              <a:buSzTx/>
+              <a:buFontTx/>
+              <a:buNone/>
+              <a:tabLst/>
+              <a:defRPr/>
+            </a:pPr>
             <a:r>
               <a:rPr lang="en-US" dirty="0" err="1" smtClean="0"/>
-              <a:t>Chún</a:t>
-            </a:r>
-            <a:r>
-              <a:rPr lang="en-US" baseline="0" dirty="0" err="1" smtClean="0"/>
-              <a:t>g</a:t>
-            </a:r>
-            <a:r>
-              <a:rPr lang="en-US" baseline="0" dirty="0" smtClean="0"/>
-              <a:t> e </a:t>
-            </a:r>
-            <a:r>
-              <a:rPr lang="en-US" baseline="0" dirty="0" err="1" smtClean="0"/>
-              <a:t>sử</a:t>
-            </a:r>
-            <a:r>
-              <a:rPr lang="en-US" baseline="0" dirty="0" smtClean="0"/>
-              <a:t> </a:t>
-            </a:r>
-            <a:r>
-              <a:rPr lang="en-US" baseline="0" dirty="0" err="1" smtClean="0"/>
-              <a:t>dụng</a:t>
-            </a:r>
-            <a:r>
-              <a:rPr lang="en-US" baseline="0" dirty="0" smtClean="0"/>
-              <a:t> V-model </a:t>
-            </a:r>
-            <a:r>
-              <a:rPr lang="en-US" baseline="0" dirty="0" err="1" smtClean="0"/>
-              <a:t>trong</a:t>
-            </a:r>
-            <a:r>
-              <a:rPr lang="en-US" baseline="0" dirty="0" smtClean="0"/>
-              <a:t> </a:t>
-            </a:r>
-            <a:r>
-              <a:rPr lang="en-US" baseline="0" dirty="0" err="1" smtClean="0"/>
-              <a:t>quá</a:t>
-            </a:r>
-            <a:r>
-              <a:rPr lang="en-US" baseline="0" dirty="0" smtClean="0"/>
-              <a:t> </a:t>
-            </a:r>
-            <a:r>
-              <a:rPr lang="en-US" baseline="0" dirty="0" err="1" smtClean="0"/>
-              <a:t>trình</a:t>
-            </a:r>
-            <a:r>
-              <a:rPr lang="en-US" baseline="0" dirty="0" smtClean="0"/>
-              <a:t> test, </a:t>
-            </a:r>
-            <a:r>
-              <a:rPr lang="en-US" baseline="0" dirty="0" err="1" smtClean="0"/>
-              <a:t>mô</a:t>
-            </a:r>
-            <a:r>
-              <a:rPr lang="en-US" baseline="0" dirty="0" smtClean="0"/>
-              <a:t> </a:t>
-            </a:r>
-            <a:r>
-              <a:rPr lang="en-US" baseline="0" dirty="0" err="1" smtClean="0"/>
-              <a:t>hình</a:t>
-            </a:r>
-            <a:r>
-              <a:rPr lang="en-US" baseline="0" dirty="0" smtClean="0"/>
-              <a:t> </a:t>
-            </a:r>
-            <a:r>
-              <a:rPr lang="en-US" baseline="0" dirty="0" err="1" smtClean="0"/>
-              <a:t>này</a:t>
-            </a:r>
-            <a:r>
-              <a:rPr lang="en-US" baseline="0" dirty="0" smtClean="0"/>
-              <a:t> </a:t>
-            </a:r>
-            <a:r>
-              <a:rPr lang="en-US" baseline="0" dirty="0" err="1" smtClean="0"/>
-              <a:t>giúp</a:t>
-            </a:r>
-            <a:r>
-              <a:rPr lang="en-US" baseline="0" dirty="0" smtClean="0"/>
-              <a:t> </a:t>
-            </a:r>
-            <a:r>
-              <a:rPr lang="en-US" baseline="0" dirty="0" err="1" smtClean="0"/>
-              <a:t>nhóm</a:t>
-            </a:r>
-            <a:r>
-              <a:rPr lang="en-US" baseline="0" dirty="0" smtClean="0"/>
-              <a:t> e:</a:t>
-            </a:r>
-          </a:p>
-          <a:p>
-            <a:pPr eaLnBrk="1" hangingPunct="1"/>
+              <a:t>Đây</a:t>
+            </a:r>
+            <a:r>
+              <a:rPr lang="en-US" baseline="0" dirty="0" smtClean="0"/>
+              <a:t> </a:t>
+            </a:r>
+            <a:r>
+              <a:rPr lang="en-US" baseline="0" dirty="0" err="1" smtClean="0"/>
+              <a:t>là</a:t>
+            </a:r>
+            <a:r>
+              <a:rPr lang="en-US" baseline="0" dirty="0" smtClean="0"/>
+              <a:t> </a:t>
+            </a:r>
+            <a:r>
+              <a:rPr lang="en-US" dirty="0" err="1" smtClean="0"/>
+              <a:t>Cau</a:t>
+            </a:r>
+            <a:r>
+              <a:rPr lang="en-US" baseline="0" dirty="0" smtClean="0"/>
+              <a:t> </a:t>
+            </a:r>
+            <a:r>
+              <a:rPr lang="en-US" baseline="0" dirty="0" err="1" smtClean="0"/>
+              <a:t>truc</a:t>
+            </a:r>
+            <a:r>
+              <a:rPr lang="en-US" baseline="0" dirty="0" smtClean="0"/>
+              <a:t> he thong: </a:t>
+            </a:r>
+            <a:r>
+              <a:rPr lang="en-US" baseline="0" dirty="0" err="1" smtClean="0"/>
+              <a:t>gom</a:t>
+            </a:r>
+            <a:r>
+              <a:rPr lang="en-US" baseline="0" dirty="0" smtClean="0"/>
+              <a:t> 2 tang, tang client </a:t>
+            </a:r>
+            <a:r>
+              <a:rPr lang="en-US" baseline="0" dirty="0" err="1" smtClean="0"/>
+              <a:t>phia</a:t>
+            </a:r>
+            <a:r>
+              <a:rPr lang="en-US" baseline="0" dirty="0" smtClean="0"/>
+              <a:t> </a:t>
+            </a:r>
+            <a:r>
+              <a:rPr lang="en-US" baseline="0" dirty="0" err="1" smtClean="0"/>
+              <a:t>ng</a:t>
+            </a:r>
+            <a:r>
+              <a:rPr lang="en-US" baseline="0" dirty="0" smtClean="0"/>
+              <a:t>` </a:t>
+            </a:r>
+            <a:r>
+              <a:rPr lang="en-US" baseline="0" dirty="0" err="1" smtClean="0"/>
+              <a:t>su</a:t>
+            </a:r>
+            <a:r>
+              <a:rPr lang="en-US" baseline="0" dirty="0" smtClean="0"/>
+              <a:t> dung, </a:t>
+            </a:r>
+            <a:r>
+              <a:rPr lang="en-US" baseline="0" dirty="0" err="1" smtClean="0"/>
+              <a:t>va</a:t>
+            </a:r>
+            <a:r>
+              <a:rPr lang="en-US" baseline="0" dirty="0" smtClean="0"/>
+              <a:t> tang web server la he thong </a:t>
+            </a:r>
+            <a:r>
+              <a:rPr lang="en-US" baseline="0" dirty="0" err="1" smtClean="0"/>
+              <a:t>cua</a:t>
+            </a:r>
+            <a:r>
+              <a:rPr lang="en-US" baseline="0" dirty="0" smtClean="0"/>
+              <a:t> </a:t>
+            </a:r>
+            <a:r>
+              <a:rPr lang="en-US" baseline="0" dirty="0" err="1" smtClean="0"/>
+              <a:t>chung</a:t>
+            </a:r>
+            <a:r>
+              <a:rPr lang="en-US" baseline="0" dirty="0" smtClean="0"/>
+              <a:t> ta. </a:t>
+            </a:r>
+            <a:r>
+              <a:rPr lang="en-US" baseline="0" dirty="0" err="1" smtClean="0"/>
+              <a:t>nguoi</a:t>
+            </a:r>
+            <a:r>
+              <a:rPr lang="en-US" baseline="0" dirty="0" smtClean="0"/>
+              <a:t> </a:t>
+            </a:r>
+            <a:r>
+              <a:rPr lang="en-US" baseline="0" dirty="0" err="1" smtClean="0"/>
+              <a:t>su</a:t>
+            </a:r>
+            <a:r>
+              <a:rPr lang="en-US" baseline="0" dirty="0" smtClean="0"/>
+              <a:t> dung </a:t>
+            </a:r>
+            <a:r>
+              <a:rPr lang="en-US" baseline="0" dirty="0" err="1" smtClean="0"/>
+              <a:t>dung</a:t>
+            </a:r>
+            <a:r>
+              <a:rPr lang="en-US" baseline="0" dirty="0" smtClean="0"/>
+              <a:t> </a:t>
+            </a:r>
+            <a:r>
+              <a:rPr lang="en-US" baseline="0" dirty="0" err="1" smtClean="0"/>
+              <a:t>broswer</a:t>
+            </a:r>
+            <a:r>
+              <a:rPr lang="en-US" baseline="0" dirty="0" smtClean="0"/>
+              <a:t> de </a:t>
+            </a:r>
+            <a:r>
+              <a:rPr lang="en-US" baseline="0" dirty="0" err="1" smtClean="0"/>
+              <a:t>truy</a:t>
+            </a:r>
+            <a:r>
+              <a:rPr lang="en-US" baseline="0" dirty="0" smtClean="0"/>
+              <a:t> cap </a:t>
+            </a:r>
+            <a:r>
+              <a:rPr lang="en-US" baseline="0" dirty="0" err="1" smtClean="0"/>
+              <a:t>vao</a:t>
+            </a:r>
+            <a:r>
+              <a:rPr lang="en-US" baseline="0" dirty="0" smtClean="0"/>
+              <a:t> website he thong, thong qua </a:t>
+            </a:r>
+            <a:r>
+              <a:rPr lang="en-US" baseline="0" dirty="0" err="1" smtClean="0"/>
+              <a:t>giao</a:t>
+            </a:r>
+            <a:r>
+              <a:rPr lang="en-US" baseline="0" dirty="0" smtClean="0"/>
+              <a:t> </a:t>
+            </a:r>
+            <a:r>
+              <a:rPr lang="en-US" baseline="0" dirty="0" err="1" smtClean="0"/>
+              <a:t>thuc</a:t>
+            </a:r>
+            <a:r>
+              <a:rPr lang="en-US" baseline="0" dirty="0" smtClean="0"/>
+              <a:t> http. </a:t>
+            </a:r>
             <a:endParaRPr lang="en-US" dirty="0" smtClean="0"/>
           </a:p>
           <a:p>
-            <a:pPr eaLnBrk="1" hangingPunct="1"/>
-            <a:r>
-              <a:rPr lang="en-US" dirty="0" smtClean="0"/>
-              <a:t>- </a:t>
-            </a:r>
-            <a:r>
-              <a:rPr lang="en-US" dirty="0" err="1" smtClean="0"/>
-              <a:t>Có</a:t>
-            </a:r>
-            <a:r>
-              <a:rPr lang="en-US" baseline="0" dirty="0" smtClean="0"/>
-              <a:t> </a:t>
-            </a:r>
-            <a:r>
-              <a:rPr lang="en-US" baseline="0" dirty="0" err="1" smtClean="0"/>
-              <a:t>thể</a:t>
-            </a:r>
-            <a:r>
-              <a:rPr lang="en-US" baseline="0" dirty="0" smtClean="0"/>
-              <a:t> test </a:t>
-            </a:r>
-            <a:r>
-              <a:rPr lang="en-US" baseline="0" dirty="0" err="1" smtClean="0"/>
-              <a:t>cuốn</a:t>
-            </a:r>
-            <a:r>
-              <a:rPr lang="en-US" baseline="0" dirty="0" smtClean="0"/>
-              <a:t> </a:t>
-            </a:r>
-            <a:r>
-              <a:rPr lang="en-US" baseline="0" dirty="0" err="1" smtClean="0"/>
-              <a:t>chiếu</a:t>
-            </a:r>
-            <a:r>
-              <a:rPr lang="en-US" baseline="0" dirty="0" smtClean="0"/>
-              <a:t>, code </a:t>
-            </a:r>
-            <a:r>
-              <a:rPr lang="en-US" baseline="0" dirty="0" err="1" smtClean="0"/>
-              <a:t>và</a:t>
-            </a:r>
-            <a:r>
-              <a:rPr lang="en-US" baseline="0" dirty="0" smtClean="0"/>
-              <a:t> test song </a:t>
-            </a:r>
-            <a:r>
-              <a:rPr lang="en-US" baseline="0" dirty="0" err="1" smtClean="0"/>
-              <a:t>song</a:t>
-            </a:r>
-            <a:r>
-              <a:rPr lang="en-US" baseline="0" dirty="0" smtClean="0"/>
-              <a:t>.</a:t>
-            </a:r>
-            <a:endParaRPr lang="en-US" dirty="0" smtClean="0"/>
-          </a:p>
-          <a:p>
-            <a:pPr eaLnBrk="1" hangingPunct="1"/>
-            <a:r>
-              <a:rPr lang="en-US" dirty="0" smtClean="0"/>
-              <a:t>-</a:t>
-            </a:r>
-            <a:r>
-              <a:rPr lang="en-US" baseline="0" dirty="0" smtClean="0"/>
-              <a:t> </a:t>
-            </a:r>
-            <a:r>
-              <a:rPr lang="en-US" baseline="0" dirty="0" err="1" smtClean="0"/>
-              <a:t>Tận</a:t>
-            </a:r>
-            <a:r>
-              <a:rPr lang="en-US" baseline="0" dirty="0" smtClean="0"/>
-              <a:t> </a:t>
-            </a:r>
-            <a:r>
-              <a:rPr lang="en-US" baseline="0" dirty="0" err="1" smtClean="0"/>
-              <a:t>dụng</a:t>
-            </a:r>
-            <a:r>
-              <a:rPr lang="en-US" baseline="0" dirty="0" smtClean="0"/>
-              <a:t> </a:t>
-            </a:r>
-            <a:r>
-              <a:rPr lang="en-US" baseline="0" dirty="0" err="1" smtClean="0"/>
-              <a:t>tối</a:t>
-            </a:r>
-            <a:r>
-              <a:rPr lang="en-US" baseline="0" dirty="0" smtClean="0"/>
-              <a:t> </a:t>
-            </a:r>
-            <a:r>
-              <a:rPr lang="en-US" baseline="0" dirty="0" err="1" smtClean="0"/>
-              <a:t>đa</a:t>
-            </a:r>
-            <a:r>
-              <a:rPr lang="en-US" baseline="0" dirty="0" smtClean="0"/>
-              <a:t> </a:t>
-            </a:r>
-            <a:r>
-              <a:rPr lang="en-US" baseline="0" dirty="0" err="1" smtClean="0"/>
-              <a:t>thời</a:t>
-            </a:r>
-            <a:r>
-              <a:rPr lang="en-US" baseline="0" dirty="0" smtClean="0"/>
-              <a:t> </a:t>
-            </a:r>
-            <a:r>
-              <a:rPr lang="en-US" baseline="0" dirty="0" err="1" smtClean="0"/>
-              <a:t>gian</a:t>
+            <a:r>
+              <a:rPr lang="en-US" baseline="0" dirty="0" err="1" smtClean="0"/>
+              <a:t>Mấy</a:t>
+            </a:r>
+            <a:r>
+              <a:rPr lang="en-US" baseline="0" dirty="0" smtClean="0"/>
+              <a:t> </a:t>
+            </a:r>
+            <a:r>
+              <a:rPr lang="en-US" baseline="0" dirty="0" err="1" smtClean="0"/>
+              <a:t>cái</a:t>
+            </a:r>
+            <a:r>
+              <a:rPr lang="en-US" baseline="0" dirty="0" smtClean="0"/>
+              <a:t> </a:t>
+            </a:r>
+            <a:r>
+              <a:rPr lang="en-US" baseline="0" dirty="0" err="1" smtClean="0"/>
+              <a:t>như</a:t>
+            </a:r>
+            <a:r>
+              <a:rPr lang="en-US" baseline="0" dirty="0" smtClean="0"/>
+              <a:t> </a:t>
+            </a:r>
+            <a:r>
+              <a:rPr lang="en-US" baseline="0" dirty="0" err="1" smtClean="0"/>
+              <a:t>iGiveTest</a:t>
+            </a:r>
+            <a:r>
+              <a:rPr lang="en-US" baseline="0" dirty="0" smtClean="0"/>
+              <a:t>, phpB3.0 </a:t>
+            </a:r>
+            <a:r>
+              <a:rPr lang="en-US" baseline="0" dirty="0" err="1" smtClean="0"/>
+              <a:t>dùng</a:t>
+            </a:r>
+            <a:r>
+              <a:rPr lang="en-US" baseline="0" dirty="0" smtClean="0"/>
+              <a:t> </a:t>
+            </a:r>
+            <a:r>
+              <a:rPr lang="en-US" baseline="0" dirty="0" err="1" smtClean="0"/>
+              <a:t>cái</a:t>
+            </a:r>
+            <a:r>
+              <a:rPr lang="en-US" baseline="0" dirty="0" smtClean="0"/>
+              <a:t> </a:t>
+            </a:r>
+            <a:r>
+              <a:rPr lang="en-US" baseline="0" dirty="0" err="1" smtClean="0"/>
+              <a:t>gì</a:t>
             </a:r>
             <a:r>
               <a:rPr lang="en-US" baseline="0" dirty="0" smtClean="0"/>
@@ -24183,29 +23015,33 @@
             </a:r>
             <a:r>
               <a:rPr lang="en-US" baseline="0" dirty="0" err="1" smtClean="0"/>
-              <a:t>các</a:t>
-            </a:r>
-            <a:r>
-              <a:rPr lang="en-US" baseline="0" dirty="0" smtClean="0"/>
-              <a:t> </a:t>
-            </a:r>
-            <a:r>
-              <a:rPr lang="en-US" baseline="0" dirty="0" err="1" smtClean="0"/>
-              <a:t>thành</a:t>
-            </a:r>
-            <a:r>
-              <a:rPr lang="en-US" baseline="0" dirty="0" smtClean="0"/>
-              <a:t> </a:t>
-            </a:r>
-            <a:r>
-              <a:rPr lang="en-US" baseline="0" dirty="0" err="1" smtClean="0"/>
-              <a:t>viên</a:t>
-            </a:r>
-            <a:r>
-              <a:rPr lang="en-US" baseline="0" dirty="0" smtClean="0"/>
-              <a:t>.</a:t>
-            </a:r>
-            <a:endParaRPr lang="en-US" dirty="0" smtClean="0"/>
+              <a:t>nó</a:t>
+            </a:r>
+            <a:r>
+              <a:rPr lang="en-US" baseline="0" dirty="0" smtClean="0"/>
+              <a:t> </a:t>
+            </a:r>
+            <a:r>
+              <a:rPr lang="en-US" baseline="0" dirty="0" err="1" smtClean="0"/>
+              <a:t>thì</a:t>
+            </a:r>
+            <a:r>
+              <a:rPr lang="en-US" baseline="0" dirty="0" smtClean="0"/>
+              <a:t> </a:t>
+            </a:r>
+            <a:r>
+              <a:rPr lang="en-US" baseline="0" dirty="0" err="1" smtClean="0"/>
+              <a:t>ghi</a:t>
+            </a:r>
+            <a:r>
+              <a:rPr lang="en-US" baseline="0" dirty="0" smtClean="0"/>
+              <a:t> </a:t>
+            </a:r>
+            <a:r>
+              <a:rPr lang="en-US" baseline="0" dirty="0" err="1" smtClean="0"/>
+              <a:t>vào</a:t>
+            </a:r>
+            <a:endParaRPr lang="en-US" dirty="0"/>
           </a:p>
         </p:txBody>
       </p:sp>
@@ -24226,7 +23062,7 @@
           <a:p>
             <a:fld id="{94349F02-7B7E-4405-841E-9FEA710E9D5A}" type="slidenum">
               <a:rPr lang="en-US" smtClean="0"/>
-              <a:t>28</a:t>
+              <a:t>23</a:t>
             </a:fld>
             <a:endParaRPr lang="en-US"/>
           </a:p>
@@ -24235,7 +23071,7 @@
     </p:spTree>
     <p:extLst>
       <p:ext uri="{BB962C8B-B14F-4D97-AF65-F5344CB8AC3E}">
-        <p14:creationId xmlns:p14="http://schemas.microsoft.com/office/powerpoint/2010/main" val="4230026582"/>
+        <p14:creationId xmlns:p14="http://schemas.microsoft.com/office/powerpoint/2010/main" val="536148658"/>
       </p:ext>
     </p:extLst>
   </p:cSld>
@@ -24291,51 +23127,219 @@
           <a:p>
             <a:r>
               <a:rPr lang="en-US" dirty="0" err="1" smtClean="0"/>
-              <a:t>Đồ</a:t>
-            </a:r>
-            <a:r>
-              <a:rPr lang="en-US" baseline="0" dirty="0" smtClean="0"/>
-              <a:t> </a:t>
-            </a:r>
-            <a:r>
-              <a:rPr lang="en-US" baseline="0" dirty="0" err="1" smtClean="0"/>
-              <a:t>án</a:t>
-            </a:r>
-            <a:r>
-              <a:rPr lang="en-US" baseline="0" dirty="0" smtClean="0"/>
-              <a:t> </a:t>
-            </a:r>
-            <a:r>
-              <a:rPr lang="en-US" baseline="0" dirty="0" err="1" smtClean="0"/>
-              <a:t>chúng</a:t>
-            </a:r>
-            <a:r>
-              <a:rPr lang="en-US" baseline="0" dirty="0" smtClean="0"/>
-              <a:t> e </a:t>
-            </a:r>
-            <a:r>
-              <a:rPr lang="en-US" baseline="0" dirty="0" err="1" smtClean="0"/>
-              <a:t>có</a:t>
-            </a:r>
-            <a:r>
-              <a:rPr lang="en-US" baseline="0" dirty="0" smtClean="0"/>
-              <a:t> 3 </a:t>
-            </a:r>
-            <a:r>
-              <a:rPr lang="en-US" baseline="0" dirty="0" err="1" smtClean="0"/>
-              <a:t>giai</a:t>
-            </a:r>
-            <a:r>
-              <a:rPr lang="en-US" baseline="0" dirty="0" smtClean="0"/>
-              <a:t> </a:t>
-            </a:r>
-            <a:r>
-              <a:rPr lang="en-US" baseline="0" dirty="0" err="1" smtClean="0"/>
-              <a:t>đoạn</a:t>
-            </a:r>
-            <a:r>
-              <a:rPr lang="en-US" baseline="0" dirty="0" smtClean="0"/>
-              <a:t> test: Unit test, integration test </a:t>
+              <a:t>Cái</a:t>
+            </a:r>
+            <a:r>
+              <a:rPr lang="en-US" baseline="0" dirty="0" smtClean="0"/>
+              <a:t> slide </a:t>
+            </a:r>
+            <a:r>
+              <a:rPr lang="en-US" baseline="0" dirty="0" err="1" smtClean="0"/>
+              <a:t>này</a:t>
+            </a:r>
+            <a:r>
+              <a:rPr lang="en-US" baseline="0" dirty="0" smtClean="0"/>
+              <a:t> </a:t>
+            </a:r>
+            <a:r>
+              <a:rPr lang="en-US" baseline="0" dirty="0" err="1" smtClean="0"/>
+              <a:t>bảng</a:t>
+            </a:r>
+            <a:r>
+              <a:rPr lang="en-US" baseline="0" dirty="0" smtClean="0"/>
+              <a:t> </a:t>
+            </a:r>
+            <a:r>
+              <a:rPr lang="en-US" baseline="0" dirty="0" err="1" smtClean="0"/>
+              <a:t>nào</a:t>
+            </a:r>
+            <a:r>
+              <a:rPr lang="en-US" baseline="0" dirty="0" smtClean="0"/>
+              <a:t> </a:t>
+            </a:r>
+            <a:r>
+              <a:rPr lang="en-US" baseline="0" dirty="0" err="1" smtClean="0"/>
+              <a:t>là</a:t>
+            </a:r>
+            <a:r>
+              <a:rPr lang="en-US" baseline="0" dirty="0" smtClean="0"/>
+              <a:t> </a:t>
+            </a:r>
+            <a:r>
+              <a:rPr lang="en-US" baseline="0" dirty="0" err="1" smtClean="0"/>
+              <a:t>bảnh</a:t>
+            </a:r>
+            <a:r>
+              <a:rPr lang="en-US" baseline="0" dirty="0" smtClean="0"/>
+              <a:t> </a:t>
+            </a:r>
+            <a:r>
+              <a:rPr lang="en-US" baseline="0" dirty="0" err="1" smtClean="0"/>
+              <a:t>chính</a:t>
+            </a:r>
+            <a:r>
+              <a:rPr lang="en-US" baseline="0" dirty="0" smtClean="0"/>
+              <a:t> </a:t>
+            </a:r>
+            <a:r>
+              <a:rPr lang="en-US" baseline="0" dirty="0" err="1" smtClean="0"/>
+              <a:t>thì</a:t>
+            </a:r>
+            <a:r>
+              <a:rPr lang="en-US" baseline="0" dirty="0" smtClean="0"/>
+              <a:t> </a:t>
+            </a:r>
+            <a:r>
+              <a:rPr lang="en-US" baseline="0" dirty="0" err="1" smtClean="0"/>
+              <a:t>bôi</a:t>
+            </a:r>
+            <a:r>
+              <a:rPr lang="en-US" baseline="0" dirty="0" smtClean="0"/>
+              <a:t> </a:t>
+            </a:r>
+            <a:r>
+              <a:rPr lang="en-US" baseline="0" dirty="0" err="1" smtClean="0"/>
+              <a:t>màu</a:t>
+            </a:r>
+            <a:r>
+              <a:rPr lang="en-US" baseline="0" dirty="0" smtClean="0"/>
+              <a:t> </a:t>
+            </a:r>
+            <a:r>
+              <a:rPr lang="en-US" baseline="0" dirty="0" err="1" smtClean="0"/>
+              <a:t>quanh</a:t>
+            </a:r>
+            <a:r>
+              <a:rPr lang="en-US" baseline="0" dirty="0" smtClean="0"/>
+              <a:t> </a:t>
+            </a:r>
+            <a:r>
+              <a:rPr lang="en-US" baseline="0" dirty="0" err="1" smtClean="0"/>
+              <a:t>bảng</a:t>
+            </a:r>
+            <a:r>
+              <a:rPr lang="en-US" baseline="0" dirty="0" smtClean="0"/>
+              <a:t> </a:t>
+            </a:r>
+            <a:r>
+              <a:rPr lang="en-US" baseline="0" dirty="0" err="1" smtClean="0"/>
+              <a:t>đó</a:t>
+            </a:r>
+            <a:r>
+              <a:rPr lang="en-US" baseline="0" dirty="0" smtClean="0"/>
+              <a:t> </a:t>
+            </a:r>
+            <a:r>
+              <a:rPr lang="en-US" baseline="0" dirty="0" err="1" smtClean="0"/>
+              <a:t>đi</a:t>
+            </a:r>
+            <a:r>
+              <a:rPr lang="en-US" baseline="0" dirty="0" smtClean="0"/>
+              <a:t> </a:t>
+            </a:r>
+            <a:r>
+              <a:rPr lang="en-US" baseline="0" dirty="0" err="1" smtClean="0"/>
+              <a:t>cho</a:t>
+            </a:r>
+            <a:r>
+              <a:rPr lang="en-US" baseline="0" dirty="0" smtClean="0"/>
+              <a:t> </a:t>
+            </a:r>
+            <a:r>
+              <a:rPr lang="en-US" baseline="0" dirty="0" err="1" smtClean="0"/>
+              <a:t>dễ</a:t>
+            </a:r>
+            <a:r>
+              <a:rPr lang="en-US" baseline="0" dirty="0" smtClean="0"/>
+              <a:t> </a:t>
+            </a:r>
+            <a:r>
+              <a:rPr lang="en-US" baseline="0" dirty="0" err="1" smtClean="0"/>
+              <a:t>nhìn</a:t>
+            </a:r>
+            <a:r>
+              <a:rPr lang="en-US" baseline="0" dirty="0" smtClean="0"/>
+              <a:t>, </a:t>
+            </a:r>
+            <a:r>
+              <a:rPr lang="en-US" baseline="0" dirty="0" err="1" smtClean="0"/>
+              <a:t>cả</a:t>
+            </a:r>
+            <a:r>
+              <a:rPr lang="en-US" baseline="0" dirty="0" smtClean="0"/>
+              <a:t> </a:t>
+            </a:r>
+            <a:r>
+              <a:rPr lang="en-US" baseline="0" dirty="0" err="1" smtClean="0"/>
+              <a:t>cái</a:t>
+            </a:r>
+            <a:r>
+              <a:rPr lang="en-US" baseline="0" dirty="0" smtClean="0"/>
+              <a:t> file class diagram </a:t>
+            </a:r>
+            <a:r>
+              <a:rPr lang="en-US" baseline="0" dirty="0" err="1" smtClean="0"/>
+              <a:t>bên</a:t>
+            </a:r>
+            <a:r>
+              <a:rPr lang="en-US" baseline="0" dirty="0" smtClean="0"/>
+              <a:t> </a:t>
+            </a:r>
+            <a:r>
+              <a:rPr lang="en-US" baseline="0" dirty="0" err="1" smtClean="0"/>
+              <a:t>ngoài</a:t>
+            </a:r>
+            <a:r>
+              <a:rPr lang="en-US" baseline="0" dirty="0" smtClean="0"/>
+              <a:t> </a:t>
+            </a:r>
+            <a:r>
+              <a:rPr lang="en-US" baseline="0" dirty="0" err="1" smtClean="0"/>
+              <a:t>nữa</a:t>
+            </a:r>
+            <a:r>
+              <a:rPr lang="en-US" baseline="0" dirty="0" smtClean="0"/>
+              <a:t>. </a:t>
+            </a:r>
+            <a:r>
+              <a:rPr lang="en-US" baseline="0" dirty="0" err="1" smtClean="0"/>
+              <a:t>Bôi</a:t>
+            </a:r>
+            <a:r>
+              <a:rPr lang="en-US" baseline="0" dirty="0" smtClean="0"/>
+              <a:t> </a:t>
+            </a:r>
+            <a:r>
+              <a:rPr lang="en-US" baseline="0" dirty="0" err="1" smtClean="0"/>
+              <a:t>màu</a:t>
+            </a:r>
+            <a:r>
+              <a:rPr lang="en-US" baseline="0" dirty="0" smtClean="0"/>
+              <a:t> </a:t>
+            </a:r>
+            <a:r>
+              <a:rPr lang="en-US" baseline="0" dirty="0" err="1" smtClean="0"/>
+              <a:t>rõ</a:t>
+            </a:r>
+            <a:r>
+              <a:rPr lang="en-US" baseline="0" dirty="0" smtClean="0"/>
+              <a:t> </a:t>
+            </a:r>
+            <a:r>
+              <a:rPr lang="en-US" baseline="0" dirty="0" err="1" smtClean="0"/>
+              <a:t>bảng</a:t>
+            </a:r>
+            <a:r>
+              <a:rPr lang="en-US" baseline="0" dirty="0" smtClean="0"/>
+              <a:t> </a:t>
+            </a:r>
+            <a:r>
+              <a:rPr lang="en-US" baseline="0" dirty="0" err="1" smtClean="0"/>
+              <a:t>chính</a:t>
+            </a:r>
+            <a:r>
+              <a:rPr lang="en-US" baseline="0" dirty="0" smtClean="0"/>
+              <a:t> </a:t>
             </a:r>
             <a:r>
               <a:rPr lang="en-US" baseline="0" dirty="0" err="1" smtClean="0"/>
@@ -24343,64 +23347,453 @@
             </a:r>
             <a:r>
               <a:rPr lang="en-US" baseline="0" dirty="0" smtClean="0"/>
-              <a:t> system test. </a:t>
-            </a:r>
-            <a:r>
-              <a:rPr lang="en-US" baseline="0" dirty="0" err="1" smtClean="0"/>
-              <a:t>Trong</a:t>
-            </a:r>
-            <a:r>
-              <a:rPr lang="en-US" baseline="0" dirty="0" smtClean="0"/>
-              <a:t> </a:t>
-            </a:r>
-            <a:r>
-              <a:rPr lang="en-US" baseline="0" dirty="0" err="1" smtClean="0"/>
-              <a:t>đó</a:t>
-            </a:r>
-            <a:r>
-              <a:rPr lang="en-US" baseline="0" dirty="0" smtClean="0"/>
-              <a:t> unit test, </a:t>
-            </a:r>
-            <a:r>
-              <a:rPr lang="en-US" baseline="0" dirty="0" err="1" smtClean="0"/>
-              <a:t>chúng</a:t>
-            </a:r>
-            <a:r>
-              <a:rPr lang="en-US" baseline="0" dirty="0" smtClean="0"/>
-              <a:t> e test song </a:t>
-            </a:r>
-            <a:r>
-              <a:rPr lang="en-US" baseline="0" dirty="0" err="1" smtClean="0"/>
-              <a:t>song</a:t>
-            </a:r>
-            <a:r>
-              <a:rPr lang="en-US" baseline="0" dirty="0" smtClean="0"/>
-              <a:t> </a:t>
-            </a:r>
-            <a:r>
-              <a:rPr lang="en-US" baseline="0" dirty="0" err="1" smtClean="0"/>
-              <a:t>trong</a:t>
-            </a:r>
-            <a:r>
-              <a:rPr lang="en-US" baseline="0" dirty="0" smtClean="0"/>
-              <a:t> </a:t>
-            </a:r>
-            <a:r>
-              <a:rPr lang="en-US" baseline="0" dirty="0" err="1" smtClean="0"/>
-              <a:t>quá</a:t>
-            </a:r>
-            <a:r>
-              <a:rPr lang="en-US" baseline="0" dirty="0" smtClean="0"/>
-              <a:t> </a:t>
-            </a:r>
-            <a:r>
-              <a:rPr lang="en-US" baseline="0" dirty="0" err="1" smtClean="0"/>
-              <a:t>trình</a:t>
-            </a:r>
-            <a:r>
-              <a:rPr lang="en-US" baseline="0" dirty="0" smtClean="0"/>
-              <a:t> code.</a:t>
-            </a:r>
+              <a:t> </a:t>
+            </a:r>
+            <a:r>
+              <a:rPr lang="en-US" baseline="0" dirty="0" err="1" smtClean="0"/>
+              <a:t>khi</a:t>
+            </a:r>
+            <a:r>
+              <a:rPr lang="en-US" baseline="0" dirty="0" smtClean="0"/>
+              <a:t> </a:t>
+            </a:r>
+            <a:r>
+              <a:rPr lang="en-US" baseline="0" dirty="0" err="1" smtClean="0"/>
+              <a:t>nói</a:t>
+            </a:r>
+            <a:r>
+              <a:rPr lang="en-US" baseline="0" dirty="0" smtClean="0"/>
+              <a:t> </a:t>
+            </a:r>
+            <a:r>
+              <a:rPr lang="en-US" baseline="0" dirty="0" err="1" smtClean="0"/>
+              <a:t>thì</a:t>
+            </a:r>
+            <a:r>
+              <a:rPr lang="en-US" baseline="0" dirty="0" smtClean="0"/>
+              <a:t> </a:t>
+            </a:r>
+            <a:r>
+              <a:rPr lang="en-US" baseline="0" dirty="0" err="1" smtClean="0"/>
+              <a:t>giải</a:t>
+            </a:r>
+            <a:r>
+              <a:rPr lang="en-US" baseline="0" dirty="0" smtClean="0"/>
+              <a:t> </a:t>
+            </a:r>
+            <a:r>
+              <a:rPr lang="en-US" baseline="0" dirty="0" err="1" smtClean="0"/>
+              <a:t>thích</a:t>
+            </a:r>
+            <a:r>
+              <a:rPr lang="en-US" baseline="0" dirty="0" smtClean="0"/>
+              <a:t> </a:t>
+            </a:r>
+            <a:r>
+              <a:rPr lang="en-US" baseline="0" dirty="0" err="1" smtClean="0"/>
+              <a:t>rõ</a:t>
+            </a:r>
+            <a:r>
+              <a:rPr lang="en-US" baseline="0" dirty="0" smtClean="0"/>
+              <a:t> </a:t>
+            </a:r>
+            <a:r>
+              <a:rPr lang="en-US" baseline="0" dirty="0" err="1" smtClean="0"/>
+              <a:t>quan</a:t>
+            </a:r>
+            <a:r>
+              <a:rPr lang="en-US" baseline="0" dirty="0" smtClean="0"/>
+              <a:t> </a:t>
+            </a:r>
+            <a:r>
+              <a:rPr lang="en-US" baseline="0" dirty="0" err="1" smtClean="0"/>
+              <a:t>hệ</a:t>
+            </a:r>
+            <a:r>
+              <a:rPr lang="en-US" baseline="0" dirty="0" smtClean="0"/>
+              <a:t> </a:t>
+            </a:r>
+            <a:r>
+              <a:rPr lang="en-US" baseline="0" dirty="0" err="1" smtClean="0"/>
+              <a:t>của</a:t>
+            </a:r>
+            <a:r>
+              <a:rPr lang="en-US" baseline="0" dirty="0" smtClean="0"/>
+              <a:t> </a:t>
+            </a:r>
+            <a:r>
+              <a:rPr lang="en-US" baseline="0" dirty="0" err="1" smtClean="0"/>
+              <a:t>bảng</a:t>
+            </a:r>
+            <a:r>
+              <a:rPr lang="en-US" baseline="0" dirty="0" smtClean="0"/>
+              <a:t> </a:t>
+            </a:r>
+            <a:r>
+              <a:rPr lang="en-US" baseline="0" dirty="0" err="1" smtClean="0"/>
+              <a:t>chính</a:t>
+            </a:r>
+            <a:r>
+              <a:rPr lang="en-US" baseline="0" dirty="0" smtClean="0"/>
+              <a:t> </a:t>
+            </a:r>
+            <a:r>
+              <a:rPr lang="en-US" baseline="0" dirty="0" err="1" smtClean="0"/>
+              <a:t>và</a:t>
+            </a:r>
+            <a:r>
+              <a:rPr lang="en-US" baseline="0" dirty="0" smtClean="0"/>
+              <a:t> </a:t>
+            </a:r>
+            <a:r>
+              <a:rPr lang="en-US" baseline="0" dirty="0" err="1" smtClean="0"/>
+              <a:t>các</a:t>
+            </a:r>
+            <a:r>
+              <a:rPr lang="en-US" baseline="0" dirty="0" smtClean="0"/>
+              <a:t> </a:t>
+            </a:r>
+            <a:r>
+              <a:rPr lang="en-US" baseline="0" dirty="0" err="1" smtClean="0"/>
+              <a:t>bảng</a:t>
+            </a:r>
+            <a:r>
+              <a:rPr lang="en-US" baseline="0" dirty="0" smtClean="0"/>
+              <a:t> </a:t>
+            </a:r>
+            <a:r>
+              <a:rPr lang="en-US" baseline="0" dirty="0" err="1" smtClean="0"/>
+              <a:t>khác</a:t>
+            </a:r>
+            <a:r>
+              <a:rPr lang="en-US" baseline="0" dirty="0" smtClean="0"/>
+              <a:t>. </a:t>
+            </a:r>
+            <a:r>
+              <a:rPr lang="en-US" baseline="0" dirty="0" err="1" smtClean="0"/>
+              <a:t>Bảng</a:t>
+            </a:r>
+            <a:r>
+              <a:rPr lang="en-US" baseline="0" dirty="0" smtClean="0"/>
+              <a:t> </a:t>
+            </a:r>
+            <a:r>
+              <a:rPr lang="en-US" baseline="0" dirty="0" err="1" smtClean="0"/>
+              <a:t>chính</a:t>
+            </a:r>
+            <a:r>
+              <a:rPr lang="en-US" baseline="0" dirty="0" smtClean="0"/>
+              <a:t> ở </a:t>
+            </a:r>
+            <a:r>
+              <a:rPr lang="en-US" baseline="0" dirty="0" err="1" smtClean="0"/>
+              <a:t>đây</a:t>
+            </a:r>
+            <a:r>
+              <a:rPr lang="en-US" baseline="0" dirty="0" smtClean="0"/>
+              <a:t> </a:t>
+            </a:r>
+            <a:r>
+              <a:rPr lang="en-US" baseline="0" dirty="0" err="1" smtClean="0"/>
+              <a:t>mày</a:t>
+            </a:r>
+            <a:r>
+              <a:rPr lang="en-US" baseline="0" dirty="0" smtClean="0"/>
+              <a:t> </a:t>
+            </a:r>
+            <a:r>
+              <a:rPr lang="en-US" baseline="0" dirty="0" err="1" smtClean="0"/>
+              <a:t>làm</a:t>
+            </a:r>
+            <a:r>
+              <a:rPr lang="en-US" baseline="0" dirty="0" smtClean="0"/>
+              <a:t> </a:t>
+            </a:r>
+            <a:r>
+              <a:rPr lang="en-US" baseline="0" dirty="0" err="1" smtClean="0"/>
+              <a:t>cho</a:t>
+            </a:r>
+            <a:r>
+              <a:rPr lang="en-US" baseline="0" dirty="0" smtClean="0"/>
+              <a:t> </a:t>
+            </a:r>
+            <a:r>
+              <a:rPr lang="en-US" baseline="0" dirty="0" err="1" smtClean="0"/>
+              <a:t>tao</a:t>
+            </a:r>
+            <a:r>
+              <a:rPr lang="en-US" baseline="0" dirty="0" smtClean="0"/>
+              <a:t> 2 </a:t>
+            </a:r>
+            <a:r>
+              <a:rPr lang="en-US" baseline="0" dirty="0" err="1" smtClean="0"/>
+              <a:t>bảng</a:t>
+            </a:r>
+            <a:r>
+              <a:rPr lang="en-US" baseline="0" dirty="0" smtClean="0"/>
+              <a:t> </a:t>
+            </a:r>
+            <a:r>
+              <a:rPr lang="en-US" baseline="0" dirty="0" err="1" smtClean="0"/>
+              <a:t>là</a:t>
+            </a:r>
+            <a:r>
+              <a:rPr lang="en-US" baseline="0" dirty="0" smtClean="0"/>
+              <a:t> question </a:t>
+            </a:r>
+            <a:r>
+              <a:rPr lang="en-US" baseline="0" dirty="0" err="1" smtClean="0"/>
+              <a:t>và</a:t>
+            </a:r>
+            <a:r>
+              <a:rPr lang="en-US" baseline="0" dirty="0" smtClean="0"/>
+              <a:t> answer. 2 </a:t>
+            </a:r>
+            <a:r>
+              <a:rPr lang="en-US" baseline="0" dirty="0" err="1" smtClean="0"/>
+              <a:t>bảng</a:t>
+            </a:r>
+            <a:r>
+              <a:rPr lang="en-US" baseline="0" dirty="0" smtClean="0"/>
+              <a:t> </a:t>
+            </a:r>
+            <a:r>
+              <a:rPr lang="en-US" baseline="0" dirty="0" err="1" smtClean="0"/>
+              <a:t>đấy</a:t>
+            </a:r>
+            <a:r>
+              <a:rPr lang="en-US" baseline="0" dirty="0" smtClean="0"/>
+              <a:t> </a:t>
+            </a:r>
+            <a:r>
+              <a:rPr lang="en-US" baseline="0" dirty="0" err="1" smtClean="0"/>
+              <a:t>dễ</a:t>
+            </a:r>
+            <a:r>
+              <a:rPr lang="en-US" baseline="0" dirty="0" smtClean="0"/>
+              <a:t> </a:t>
+            </a:r>
+            <a:r>
+              <a:rPr lang="en-US" baseline="0" dirty="0" err="1" smtClean="0"/>
+              <a:t>nói</a:t>
+            </a:r>
+            <a:r>
+              <a:rPr lang="en-US" baseline="0" dirty="0" smtClean="0"/>
+              <a:t> </a:t>
+            </a:r>
+            <a:r>
+              <a:rPr lang="en-US" baseline="0" dirty="0" err="1" smtClean="0"/>
+              <a:t>nhất</a:t>
+            </a:r>
+            <a:r>
+              <a:rPr lang="en-US" baseline="0" dirty="0" smtClean="0"/>
+              <a:t> </a:t>
+            </a:r>
+            <a:r>
+              <a:rPr lang="en-US" baseline="0" dirty="0" err="1" smtClean="0"/>
+              <a:t>mà</a:t>
+            </a:r>
+            <a:r>
+              <a:rPr lang="en-US" baseline="0" dirty="0" smtClean="0"/>
+              <a:t> </a:t>
+            </a:r>
+            <a:r>
+              <a:rPr lang="en-US" baseline="0" dirty="0" err="1" smtClean="0"/>
+              <a:t>mình</a:t>
+            </a:r>
+            <a:r>
+              <a:rPr lang="en-US" baseline="0" dirty="0" smtClean="0"/>
+              <a:t> code </a:t>
+            </a:r>
+            <a:r>
+              <a:rPr lang="en-US" baseline="0" dirty="0" err="1" smtClean="0"/>
+              <a:t>cũng</a:t>
+            </a:r>
+            <a:r>
+              <a:rPr lang="en-US" baseline="0" dirty="0" smtClean="0"/>
+              <a:t> </a:t>
+            </a:r>
+            <a:r>
+              <a:rPr lang="en-US" baseline="0" dirty="0" err="1" smtClean="0"/>
+              <a:t>xoáy</a:t>
+            </a:r>
+            <a:r>
+              <a:rPr lang="en-US" baseline="0" dirty="0" smtClean="0"/>
+              <a:t> </a:t>
+            </a:r>
+            <a:r>
+              <a:rPr lang="en-US" baseline="0" dirty="0" err="1" smtClean="0"/>
+              <a:t>vào</a:t>
+            </a:r>
+            <a:r>
+              <a:rPr lang="en-US" baseline="0" dirty="0" smtClean="0"/>
+              <a:t> 2 </a:t>
+            </a:r>
+            <a:r>
+              <a:rPr lang="en-US" baseline="0" dirty="0" err="1" smtClean="0"/>
+              <a:t>bảng</a:t>
+            </a:r>
+            <a:r>
+              <a:rPr lang="en-US" baseline="0" dirty="0" smtClean="0"/>
+              <a:t> </a:t>
+            </a:r>
+            <a:r>
+              <a:rPr lang="en-US" baseline="0" dirty="0" err="1" smtClean="0"/>
+              <a:t>đấy</a:t>
+            </a:r>
+            <a:r>
+              <a:rPr lang="en-US" baseline="0" dirty="0" smtClean="0"/>
+              <a:t> </a:t>
+            </a:r>
+            <a:r>
+              <a:rPr lang="en-US" baseline="0" dirty="0" err="1" smtClean="0"/>
+              <a:t>thôi</a:t>
+            </a:r>
+            <a:r>
+              <a:rPr lang="en-US" baseline="0" dirty="0" smtClean="0"/>
+              <a:t>. </a:t>
+            </a:r>
+            <a:r>
+              <a:rPr lang="en-US" baseline="0" dirty="0" err="1" smtClean="0"/>
+              <a:t>Bôi</a:t>
+            </a:r>
+            <a:r>
+              <a:rPr lang="en-US" baseline="0" dirty="0" smtClean="0"/>
+              <a:t> </a:t>
+            </a:r>
+            <a:r>
+              <a:rPr lang="en-US" baseline="0" dirty="0" err="1" smtClean="0"/>
+              <a:t>màu</a:t>
+            </a:r>
+            <a:r>
+              <a:rPr lang="en-US" baseline="0" dirty="0" smtClean="0"/>
+              <a:t> </a:t>
+            </a:r>
+            <a:r>
+              <a:rPr lang="en-US" baseline="0" dirty="0" err="1" smtClean="0"/>
+              <a:t>xanh</a:t>
+            </a:r>
+            <a:r>
+              <a:rPr lang="en-US" baseline="0" dirty="0" smtClean="0"/>
+              <a:t> </a:t>
+            </a:r>
+            <a:r>
+              <a:rPr lang="en-US" baseline="0" dirty="0" err="1" smtClean="0"/>
+              <a:t>đỏ</a:t>
+            </a:r>
+            <a:r>
+              <a:rPr lang="en-US" baseline="0" dirty="0" smtClean="0"/>
+              <a:t> </a:t>
+            </a:r>
+            <a:r>
+              <a:rPr lang="en-US" baseline="0" dirty="0" err="1" smtClean="0"/>
+              <a:t>tím</a:t>
+            </a:r>
+            <a:r>
+              <a:rPr lang="en-US" baseline="0" dirty="0" smtClean="0"/>
+              <a:t> </a:t>
+            </a:r>
+            <a:r>
+              <a:rPr lang="en-US" baseline="0" dirty="0" err="1" smtClean="0"/>
+              <a:t>vàng</a:t>
+            </a:r>
+            <a:r>
+              <a:rPr lang="en-US" baseline="0" dirty="0" smtClean="0"/>
+              <a:t> </a:t>
+            </a:r>
+            <a:r>
+              <a:rPr lang="en-US" baseline="0" dirty="0" err="1" smtClean="0"/>
+              <a:t>gì</a:t>
+            </a:r>
+            <a:r>
+              <a:rPr lang="en-US" baseline="0" dirty="0" smtClean="0"/>
+              <a:t> </a:t>
+            </a:r>
+            <a:r>
+              <a:rPr lang="en-US" baseline="0" dirty="0" err="1" smtClean="0"/>
+              <a:t>gì</a:t>
+            </a:r>
+            <a:r>
+              <a:rPr lang="en-US" baseline="0" dirty="0" smtClean="0"/>
+              <a:t> </a:t>
+            </a:r>
+            <a:r>
+              <a:rPr lang="en-US" baseline="0" dirty="0" err="1" smtClean="0"/>
+              <a:t>đấy</a:t>
+            </a:r>
+            <a:r>
+              <a:rPr lang="en-US" baseline="0" dirty="0" smtClean="0"/>
+              <a:t> </a:t>
+            </a:r>
+            <a:r>
+              <a:rPr lang="en-US" baseline="0" dirty="0" err="1" smtClean="0"/>
+              <a:t>quanh</a:t>
+            </a:r>
+            <a:r>
+              <a:rPr lang="en-US" baseline="0" dirty="0" smtClean="0"/>
+              <a:t> </a:t>
+            </a:r>
+            <a:r>
+              <a:rPr lang="en-US" baseline="0" dirty="0" err="1" smtClean="0"/>
+              <a:t>cái</a:t>
+            </a:r>
+            <a:r>
+              <a:rPr lang="en-US" baseline="0" dirty="0" smtClean="0"/>
+              <a:t> </a:t>
+            </a:r>
+            <a:r>
+              <a:rPr lang="en-US" baseline="0" dirty="0" err="1" smtClean="0"/>
+              <a:t>bảng</a:t>
+            </a:r>
+            <a:r>
+              <a:rPr lang="en-US" baseline="0" dirty="0" smtClean="0"/>
+              <a:t> </a:t>
+            </a:r>
+            <a:r>
+              <a:rPr lang="en-US" baseline="0" dirty="0" err="1" smtClean="0"/>
+              <a:t>chính</a:t>
+            </a:r>
+            <a:r>
+              <a:rPr lang="en-US" baseline="0" dirty="0" smtClean="0"/>
+              <a:t> </a:t>
+            </a:r>
+            <a:r>
+              <a:rPr lang="en-US" baseline="0" dirty="0" err="1" smtClean="0"/>
+              <a:t>cho</a:t>
+            </a:r>
+            <a:r>
+              <a:rPr lang="en-US" baseline="0" dirty="0" smtClean="0"/>
+              <a:t> </a:t>
+            </a:r>
+            <a:r>
+              <a:rPr lang="en-US" baseline="0" dirty="0" err="1" smtClean="0"/>
+              <a:t>nó</a:t>
+            </a:r>
+            <a:r>
+              <a:rPr lang="en-US" baseline="0" dirty="0" smtClean="0"/>
+              <a:t> </a:t>
+            </a:r>
+            <a:r>
+              <a:rPr lang="en-US" baseline="0" dirty="0" err="1" smtClean="0"/>
+              <a:t>nổi</a:t>
+            </a:r>
+            <a:r>
+              <a:rPr lang="en-US" baseline="0" dirty="0" smtClean="0"/>
+              <a:t> </a:t>
+            </a:r>
+            <a:r>
+              <a:rPr lang="en-US" baseline="0" dirty="0" err="1" smtClean="0"/>
+              <a:t>bật</a:t>
+            </a:r>
+            <a:r>
+              <a:rPr lang="en-US" baseline="0" dirty="0" smtClean="0"/>
+              <a:t> </a:t>
+            </a:r>
+            <a:r>
+              <a:rPr lang="en-US" baseline="0" dirty="0" err="1" smtClean="0"/>
+              <a:t>lên</a:t>
+            </a:r>
+            <a:endParaRPr lang="en-US" dirty="0"/>
           </a:p>
         </p:txBody>
       </p:sp>
@@ -24421,7 +23814,7 @@
           <a:p>
             <a:fld id="{94349F02-7B7E-4405-841E-9FEA710E9D5A}" type="slidenum">
               <a:rPr lang="en-US" smtClean="0"/>
-              <a:t>29</a:t>
+              <a:t>25</a:t>
             </a:fld>
             <a:endParaRPr lang="en-US"/>
           </a:p>
@@ -24430,7 +23823,7 @@
     </p:spTree>
     <p:extLst>
       <p:ext uri="{BB962C8B-B14F-4D97-AF65-F5344CB8AC3E}">
-        <p14:creationId xmlns:p14="http://schemas.microsoft.com/office/powerpoint/2010/main" val="1189329684"/>
+        <p14:creationId xmlns:p14="http://schemas.microsoft.com/office/powerpoint/2010/main" val="4240182568"/>
       </p:ext>
     </p:extLst>
   </p:cSld>
@@ -24484,57 +23877,86 @@
           <a:bodyPr/>
           <a:lstStyle/>
           <a:p>
+            <a:pPr eaLnBrk="1" hangingPunct="1"/>
             <a:r>
               <a:rPr lang="en-US" dirty="0" err="1" smtClean="0"/>
-              <a:t>Đây</a:t>
-            </a:r>
-            <a:r>
-              <a:rPr lang="en-US" baseline="0" dirty="0" smtClean="0"/>
-              <a:t> </a:t>
-            </a:r>
-            <a:r>
-              <a:rPr lang="en-US" baseline="0" dirty="0" err="1" smtClean="0"/>
-              <a:t>là</a:t>
-            </a:r>
-            <a:r>
-              <a:rPr lang="en-US" baseline="0" dirty="0" smtClean="0"/>
-              <a:t> </a:t>
-            </a:r>
-            <a:r>
-              <a:rPr lang="en-US" baseline="0" dirty="0" err="1" smtClean="0"/>
-              <a:t>vòng</a:t>
-            </a:r>
-            <a:r>
-              <a:rPr lang="en-US" baseline="0" dirty="0" smtClean="0"/>
-              <a:t> </a:t>
-            </a:r>
-            <a:r>
-              <a:rPr lang="en-US" baseline="0" dirty="0" err="1" smtClean="0"/>
-              <a:t>đời</a:t>
-            </a:r>
-            <a:r>
-              <a:rPr lang="en-US" baseline="0" dirty="0" smtClean="0"/>
-              <a:t> </a:t>
-            </a:r>
-            <a:r>
-              <a:rPr lang="en-US" baseline="0" dirty="0" err="1" smtClean="0"/>
-              <a:t>quản</a:t>
-            </a:r>
-            <a:r>
-              <a:rPr lang="en-US" baseline="0" dirty="0" smtClean="0"/>
-              <a:t> </a:t>
-            </a:r>
-            <a:r>
-              <a:rPr lang="en-US" baseline="0" dirty="0" err="1" smtClean="0"/>
-              <a:t>lí</a:t>
-            </a:r>
-            <a:r>
-              <a:rPr lang="en-US" baseline="0" dirty="0" smtClean="0"/>
-              <a:t> bug </a:t>
-            </a:r>
-            <a:r>
-              <a:rPr lang="en-US" baseline="0" dirty="0" err="1" smtClean="0"/>
-              <a:t>của</a:t>
+              <a:t>Chún</a:t>
+            </a:r>
+            <a:r>
+              <a:rPr lang="en-US" baseline="0" dirty="0" err="1" smtClean="0"/>
+              <a:t>g</a:t>
+            </a:r>
+            <a:r>
+              <a:rPr lang="en-US" baseline="0" dirty="0" smtClean="0"/>
+              <a:t> e </a:t>
+            </a:r>
+            <a:r>
+              <a:rPr lang="en-US" baseline="0" dirty="0" err="1" smtClean="0"/>
+              <a:t>sử</a:t>
+            </a:r>
+            <a:r>
+              <a:rPr lang="en-US" baseline="0" dirty="0" smtClean="0"/>
+              <a:t> </a:t>
+            </a:r>
+            <a:r>
+              <a:rPr lang="en-US" baseline="0" dirty="0" err="1" smtClean="0"/>
+              <a:t>dụng</a:t>
+            </a:r>
+            <a:r>
+              <a:rPr lang="en-US" baseline="0" dirty="0" smtClean="0"/>
+              <a:t> V-model </a:t>
+            </a:r>
+            <a:r>
+              <a:rPr lang="en-US" baseline="0" dirty="0" err="1" smtClean="0"/>
+              <a:t>trong</a:t>
+            </a:r>
+            <a:r>
+              <a:rPr lang="en-US" baseline="0" dirty="0" smtClean="0"/>
+              <a:t> </a:t>
+            </a:r>
+            <a:r>
+              <a:rPr lang="en-US" baseline="0" dirty="0" err="1" smtClean="0"/>
+              <a:t>quá</a:t>
+            </a:r>
+            <a:r>
+              <a:rPr lang="en-US" baseline="0" dirty="0" smtClean="0"/>
+              <a:t> </a:t>
+            </a:r>
+            <a:r>
+              <a:rPr lang="en-US" baseline="0" dirty="0" err="1" smtClean="0"/>
+              <a:t>trình</a:t>
+            </a:r>
+            <a:r>
+              <a:rPr lang="en-US" baseline="0" dirty="0" smtClean="0"/>
+              <a:t> test, </a:t>
+            </a:r>
+            <a:r>
+              <a:rPr lang="en-US" baseline="0" dirty="0" err="1" smtClean="0"/>
+              <a:t>mô</a:t>
+            </a:r>
+            <a:r>
+              <a:rPr lang="en-US" baseline="0" dirty="0" smtClean="0"/>
+              <a:t> </a:t>
+            </a:r>
+            <a:r>
+              <a:rPr lang="en-US" baseline="0" dirty="0" err="1" smtClean="0"/>
+              <a:t>hình</a:t>
+            </a:r>
+            <a:r>
+              <a:rPr lang="en-US" baseline="0" dirty="0" smtClean="0"/>
+              <a:t> </a:t>
+            </a:r>
+            <a:r>
+              <a:rPr lang="en-US" baseline="0" dirty="0" err="1" smtClean="0"/>
+              <a:t>này</a:t>
+            </a:r>
+            <a:r>
+              <a:rPr lang="en-US" baseline="0" dirty="0" smtClean="0"/>
+              <a:t> </a:t>
+            </a:r>
+            <a:r>
+              <a:rPr lang="en-US" baseline="0" dirty="0" err="1" smtClean="0"/>
+              <a:t>giúp</a:t>
             </a:r>
             <a:r>
               <a:rPr lang="en-US" baseline="0" dirty="0" smtClean="0"/>
@@ -24546,408 +23968,160 @@
             </a:r>
             <a:r>
               <a:rPr lang="en-US" baseline="0" dirty="0" smtClean="0"/>
-              <a:t> e.</a:t>
+              <a:t> e:</a:t>
             </a:r>
           </a:p>
           <a:p>
-            <a:endParaRPr lang="en-US" baseline="0" dirty="0" smtClean="0"/>
+            <a:pPr eaLnBrk="1" hangingPunct="1"/>
+            <a:endParaRPr lang="en-US" dirty="0" smtClean="0"/>
           </a:p>
           <a:p>
-            <a:r>
-              <a:rPr lang="en-US" baseline="0" dirty="0" err="1" smtClean="0"/>
-              <a:t>Câu</a:t>
-            </a:r>
-            <a:r>
-              <a:rPr lang="en-US" baseline="0" dirty="0" smtClean="0"/>
-              <a:t> </a:t>
-            </a:r>
-            <a:r>
-              <a:rPr lang="en-US" baseline="0" dirty="0" err="1" smtClean="0"/>
-              <a:t>hỏi</a:t>
-            </a:r>
-            <a:r>
-              <a:rPr lang="en-US" baseline="0" dirty="0" smtClean="0"/>
-              <a:t>:</a:t>
-            </a:r>
+            <a:pPr eaLnBrk="1" hangingPunct="1"/>
+            <a:r>
+              <a:rPr lang="en-US" dirty="0" smtClean="0"/>
+              <a:t>- </a:t>
+            </a:r>
+            <a:r>
+              <a:rPr lang="en-US" dirty="0" err="1" smtClean="0"/>
+              <a:t>Có</a:t>
+            </a:r>
+            <a:r>
+              <a:rPr lang="en-US" baseline="0" dirty="0" smtClean="0"/>
+              <a:t> </a:t>
+            </a:r>
+            <a:r>
+              <a:rPr lang="en-US" baseline="0" dirty="0" err="1" smtClean="0"/>
+              <a:t>thể</a:t>
+            </a:r>
+            <a:r>
+              <a:rPr lang="en-US" baseline="0" dirty="0" smtClean="0"/>
+              <a:t> test </a:t>
+            </a:r>
+            <a:r>
+              <a:rPr lang="en-US" baseline="0" dirty="0" err="1" smtClean="0"/>
+              <a:t>cuốn</a:t>
+            </a:r>
+            <a:r>
+              <a:rPr lang="en-US" baseline="0" dirty="0" smtClean="0"/>
+              <a:t> </a:t>
+            </a:r>
+            <a:r>
+              <a:rPr lang="en-US" baseline="0" dirty="0" err="1" smtClean="0"/>
+              <a:t>chiếu</a:t>
+            </a:r>
+            <a:r>
+              <a:rPr lang="en-US" baseline="0" dirty="0" smtClean="0"/>
+              <a:t>, code </a:t>
+            </a:r>
+            <a:r>
+              <a:rPr lang="en-US" baseline="0" dirty="0" err="1" smtClean="0"/>
+              <a:t>và</a:t>
+            </a:r>
+            <a:r>
+              <a:rPr lang="en-US" baseline="0" dirty="0" smtClean="0"/>
+              <a:t> test song </a:t>
+            </a:r>
+            <a:r>
+              <a:rPr lang="en-US" baseline="0" dirty="0" err="1" smtClean="0"/>
+              <a:t>song</a:t>
+            </a:r>
+            <a:r>
+              <a:rPr lang="en-US" baseline="0" dirty="0" smtClean="0"/>
+              <a:t>.</a:t>
+            </a:r>
+            <a:endParaRPr lang="en-US" dirty="0" smtClean="0"/>
           </a:p>
           <a:p>
-            <a:pPr marL="228600" indent="-228600">
-              <a:buAutoNum type="arabicPeriod"/>
-            </a:pPr>
-            <a:r>
-              <a:rPr lang="en-US" baseline="0" dirty="0" err="1" smtClean="0"/>
-              <a:t>Giải</a:t>
-            </a:r>
-            <a:r>
-              <a:rPr lang="en-US" baseline="0" dirty="0" smtClean="0"/>
-              <a:t> </a:t>
-            </a:r>
-            <a:r>
-              <a:rPr lang="en-US" baseline="0" dirty="0" err="1" smtClean="0"/>
-              <a:t>thik</a:t>
-            </a:r>
-            <a:r>
-              <a:rPr lang="en-US" baseline="0" dirty="0" smtClean="0"/>
-              <a:t>?</a:t>
-            </a:r>
-            <a:endParaRPr lang="en-US" baseline="0" dirty="0"/>
-          </a:p>
-          <a:p>
-            <a:pPr marL="171450" indent="-171450">
-              <a:buFontTx/>
-              <a:buChar char="-"/>
-            </a:pPr>
-            <a:r>
-              <a:rPr lang="en-US" baseline="0" dirty="0" err="1" smtClean="0"/>
-              <a:t>Khi</a:t>
-            </a:r>
-            <a:r>
-              <a:rPr lang="en-US" baseline="0" dirty="0" smtClean="0"/>
-              <a:t> </a:t>
-            </a:r>
-            <a:r>
-              <a:rPr lang="en-US" baseline="0" dirty="0" err="1" smtClean="0"/>
-              <a:t>phát</a:t>
-            </a:r>
-            <a:r>
-              <a:rPr lang="en-US" baseline="0" dirty="0" smtClean="0"/>
-              <a:t> </a:t>
-            </a:r>
-            <a:r>
-              <a:rPr lang="en-US" baseline="0" dirty="0" err="1" smtClean="0"/>
-              <a:t>hiện</a:t>
-            </a:r>
-            <a:r>
-              <a:rPr lang="en-US" baseline="0" dirty="0" smtClean="0"/>
-              <a:t> bug, test </a:t>
-            </a:r>
-            <a:r>
-              <a:rPr lang="en-US" baseline="0" dirty="0" err="1" smtClean="0"/>
-              <a:t>viết</a:t>
-            </a:r>
-            <a:r>
-              <a:rPr lang="en-US" baseline="0" dirty="0" smtClean="0"/>
-              <a:t> </a:t>
-            </a:r>
-            <a:r>
-              <a:rPr lang="en-US" baseline="0" dirty="0" err="1" smtClean="0"/>
-              <a:t>vào</a:t>
-            </a:r>
-            <a:r>
-              <a:rPr lang="en-US" baseline="0" dirty="0" smtClean="0"/>
-              <a:t> report </a:t>
-            </a:r>
-            <a:r>
-              <a:rPr lang="en-US" baseline="0" dirty="0" err="1" smtClean="0"/>
-              <a:t>và</a:t>
-            </a:r>
-            <a:r>
-              <a:rPr lang="en-US" baseline="0" dirty="0" smtClean="0"/>
-              <a:t> </a:t>
-            </a:r>
-            <a:r>
-              <a:rPr lang="en-US" baseline="0" dirty="0" err="1" smtClean="0"/>
-              <a:t>gửi</a:t>
-            </a:r>
-            <a:r>
-              <a:rPr lang="en-US" baseline="0" dirty="0" smtClean="0"/>
-              <a:t> </a:t>
-            </a:r>
-            <a:r>
-              <a:rPr lang="en-US" baseline="0" dirty="0" err="1" smtClean="0"/>
-              <a:t>lên</a:t>
-            </a:r>
-            <a:r>
-              <a:rPr lang="en-US" baseline="0" dirty="0" smtClean="0"/>
-              <a:t> server</a:t>
-            </a:r>
-          </a:p>
-          <a:p>
-            <a:pPr marL="171450" indent="-171450">
-              <a:buFontTx/>
-              <a:buChar char="-"/>
-            </a:pPr>
-            <a:r>
-              <a:rPr lang="en-US" baseline="0" dirty="0" smtClean="0"/>
-              <a:t>Developer down report </a:t>
-            </a:r>
-            <a:r>
-              <a:rPr lang="en-US" baseline="0" dirty="0" err="1" smtClean="0"/>
-              <a:t>về</a:t>
-            </a:r>
-            <a:r>
-              <a:rPr lang="en-US" baseline="0" dirty="0" smtClean="0"/>
-              <a:t> </a:t>
-            </a:r>
-            <a:r>
-              <a:rPr lang="en-US" baseline="0" dirty="0" err="1" smtClean="0"/>
-              <a:t>và</a:t>
-            </a:r>
-            <a:r>
-              <a:rPr lang="en-US" baseline="0" dirty="0" smtClean="0"/>
-              <a:t> </a:t>
-            </a:r>
-            <a:r>
-              <a:rPr lang="en-US" baseline="0" dirty="0" err="1" smtClean="0"/>
-              <a:t>sửa</a:t>
-            </a:r>
-            <a:r>
-              <a:rPr lang="en-US" baseline="0" dirty="0" smtClean="0"/>
-              <a:t> code, </a:t>
-            </a:r>
-            <a:r>
-              <a:rPr lang="en-US" baseline="0" dirty="0" err="1" smtClean="0"/>
-              <a:t>khi</a:t>
-            </a:r>
-            <a:r>
-              <a:rPr lang="en-US" baseline="0" dirty="0" smtClean="0"/>
-              <a:t> </a:t>
-            </a:r>
-            <a:r>
-              <a:rPr lang="en-US" baseline="0" dirty="0" err="1" smtClean="0"/>
-              <a:t>sửa</a:t>
-            </a:r>
-            <a:r>
-              <a:rPr lang="en-US" baseline="0" dirty="0" smtClean="0"/>
-              <a:t> </a:t>
-            </a:r>
-            <a:r>
-              <a:rPr lang="en-US" baseline="0" dirty="0" err="1" smtClean="0"/>
-              <a:t>xong</a:t>
-            </a:r>
-            <a:r>
-              <a:rPr lang="en-US" baseline="0" dirty="0" smtClean="0"/>
-              <a:t> code </a:t>
-            </a:r>
-            <a:r>
-              <a:rPr lang="en-US" baseline="0" dirty="0" err="1" smtClean="0"/>
-              <a:t>sẽ</a:t>
-            </a:r>
-            <a:r>
-              <a:rPr lang="en-US" baseline="0" dirty="0" smtClean="0"/>
-              <a:t> commit code </a:t>
-            </a:r>
-            <a:r>
-              <a:rPr lang="en-US" baseline="0" dirty="0" err="1" smtClean="0"/>
-              <a:t>và</a:t>
-            </a:r>
-            <a:r>
-              <a:rPr lang="en-US" baseline="0" dirty="0" smtClean="0"/>
-              <a:t> report </a:t>
-            </a:r>
-            <a:r>
-              <a:rPr lang="en-US" baseline="0" dirty="0" err="1" smtClean="0"/>
-              <a:t>sau</a:t>
-            </a:r>
-            <a:r>
-              <a:rPr lang="en-US" baseline="0" dirty="0" smtClean="0"/>
-              <a:t> </a:t>
-            </a:r>
-            <a:r>
-              <a:rPr lang="en-US" baseline="0" dirty="0" err="1" smtClean="0"/>
-              <a:t>khi</a:t>
-            </a:r>
-            <a:r>
-              <a:rPr lang="en-US" baseline="0" dirty="0" smtClean="0"/>
-              <a:t> </a:t>
-            </a:r>
-            <a:r>
-              <a:rPr lang="en-US" baseline="0" dirty="0" err="1" smtClean="0"/>
-              <a:t>sửa</a:t>
-            </a:r>
-            <a:r>
-              <a:rPr lang="en-US" baseline="0" dirty="0" smtClean="0"/>
-              <a:t> </a:t>
-            </a:r>
-            <a:r>
-              <a:rPr lang="en-US" baseline="0" dirty="0" err="1" smtClean="0"/>
-              <a:t>lên</a:t>
-            </a:r>
-            <a:r>
-              <a:rPr lang="en-US" baseline="0" dirty="0" smtClean="0"/>
-              <a:t> server.</a:t>
-            </a:r>
-          </a:p>
-          <a:p>
-            <a:pPr marL="171450" indent="-171450">
-              <a:buFontTx/>
-              <a:buChar char="-"/>
-            </a:pPr>
-            <a:r>
-              <a:rPr lang="en-US" baseline="0" dirty="0" smtClean="0"/>
-              <a:t>Test </a:t>
-            </a:r>
-            <a:r>
-              <a:rPr lang="en-US" baseline="0" dirty="0" err="1" smtClean="0"/>
-              <a:t>sẽ</a:t>
-            </a:r>
-            <a:r>
-              <a:rPr lang="en-US" baseline="0" dirty="0" smtClean="0"/>
-              <a:t> down </a:t>
-            </a:r>
-            <a:r>
-              <a:rPr lang="en-US" baseline="0" dirty="0" err="1" smtClean="0"/>
-              <a:t>về</a:t>
-            </a:r>
-            <a:r>
-              <a:rPr lang="en-US" baseline="0" dirty="0" smtClean="0"/>
-              <a:t> </a:t>
-            </a:r>
-            <a:r>
-              <a:rPr lang="en-US" baseline="0" dirty="0" err="1" smtClean="0"/>
-              <a:t>và</a:t>
-            </a:r>
-            <a:r>
-              <a:rPr lang="en-US" baseline="0" dirty="0" smtClean="0"/>
-              <a:t> </a:t>
-            </a:r>
-            <a:r>
-              <a:rPr lang="en-US" baseline="0" dirty="0" err="1" smtClean="0"/>
-              <a:t>kiểm</a:t>
-            </a:r>
-            <a:r>
-              <a:rPr lang="en-US" baseline="0" dirty="0" smtClean="0"/>
-              <a:t> </a:t>
-            </a:r>
-            <a:r>
-              <a:rPr lang="en-US" baseline="0" dirty="0" err="1" smtClean="0"/>
-              <a:t>tra</a:t>
-            </a:r>
-            <a:r>
-              <a:rPr lang="en-US" baseline="0" dirty="0" smtClean="0"/>
-              <a:t>, </a:t>
-            </a:r>
-            <a:r>
-              <a:rPr lang="en-US" baseline="0" dirty="0" err="1" smtClean="0"/>
-              <a:t>nếu</a:t>
-            </a:r>
-            <a:r>
-              <a:rPr lang="en-US" baseline="0" dirty="0" smtClean="0"/>
-              <a:t> </a:t>
-            </a:r>
-            <a:r>
-              <a:rPr lang="en-US" baseline="0" dirty="0" err="1" smtClean="0"/>
-              <a:t>vẫn</a:t>
-            </a:r>
-            <a:r>
-              <a:rPr lang="en-US" baseline="0" dirty="0" smtClean="0"/>
-              <a:t> </a:t>
-            </a:r>
-            <a:r>
-              <a:rPr lang="en-US" baseline="0" dirty="0" err="1" smtClean="0"/>
-              <a:t>còn</a:t>
-            </a:r>
-            <a:r>
-              <a:rPr lang="en-US" baseline="0" dirty="0" smtClean="0"/>
-              <a:t> </a:t>
-            </a:r>
-            <a:r>
-              <a:rPr lang="en-US" baseline="0" dirty="0" err="1" smtClean="0"/>
-              <a:t>lỗi</a:t>
-            </a:r>
-            <a:r>
-              <a:rPr lang="en-US" baseline="0" dirty="0" smtClean="0"/>
-              <a:t> </a:t>
-            </a:r>
-            <a:r>
-              <a:rPr lang="en-US" baseline="0" dirty="0" err="1" smtClean="0"/>
-              <a:t>sẽ</a:t>
-            </a:r>
-            <a:r>
-              <a:rPr lang="en-US" baseline="0" dirty="0" smtClean="0"/>
-              <a:t> </a:t>
-            </a:r>
-            <a:r>
-              <a:rPr lang="en-US" baseline="0" dirty="0" err="1" smtClean="0"/>
-              <a:t>lặp</a:t>
-            </a:r>
-            <a:r>
-              <a:rPr lang="en-US" baseline="0" dirty="0" smtClean="0"/>
-              <a:t> </a:t>
-            </a:r>
-            <a:r>
-              <a:rPr lang="en-US" baseline="0" dirty="0" err="1" smtClean="0"/>
-              <a:t>lại</a:t>
-            </a:r>
-            <a:r>
-              <a:rPr lang="en-US" baseline="0" dirty="0" smtClean="0"/>
-              <a:t> </a:t>
-            </a:r>
-            <a:r>
-              <a:rPr lang="en-US" baseline="0" dirty="0" err="1" smtClean="0"/>
-              <a:t>như</a:t>
-            </a:r>
-            <a:r>
-              <a:rPr lang="en-US" baseline="0" dirty="0" smtClean="0"/>
-              <a:t> </a:t>
-            </a:r>
-            <a:r>
-              <a:rPr lang="en-US" baseline="0" dirty="0" err="1" smtClean="0"/>
-              <a:t>trên</a:t>
-            </a:r>
-            <a:endParaRPr lang="en-US" baseline="0" dirty="0" smtClean="0"/>
-          </a:p>
-          <a:p>
-            <a:pPr marL="171450" indent="-171450">
-              <a:buFontTx/>
-              <a:buChar char="-"/>
-            </a:pPr>
-            <a:r>
-              <a:rPr lang="en-US" baseline="0" dirty="0" err="1" smtClean="0"/>
-              <a:t>Nếu</a:t>
-            </a:r>
-            <a:r>
-              <a:rPr lang="en-US" baseline="0" dirty="0" smtClean="0"/>
-              <a:t> </a:t>
-            </a:r>
-            <a:r>
-              <a:rPr lang="en-US" baseline="0" dirty="0" err="1" smtClean="0"/>
-              <a:t>lỗi</a:t>
-            </a:r>
-            <a:r>
-              <a:rPr lang="en-US" baseline="0" dirty="0" smtClean="0"/>
-              <a:t> </a:t>
-            </a:r>
-            <a:r>
-              <a:rPr lang="en-US" baseline="0" dirty="0" err="1" smtClean="0"/>
-              <a:t>đã</a:t>
-            </a:r>
-            <a:r>
-              <a:rPr lang="en-US" baseline="0" dirty="0" smtClean="0"/>
-              <a:t> </a:t>
-            </a:r>
-            <a:r>
-              <a:rPr lang="en-US" baseline="0" dirty="0" err="1" smtClean="0"/>
-              <a:t>đc</a:t>
-            </a:r>
-            <a:r>
-              <a:rPr lang="en-US" baseline="0" dirty="0" smtClean="0"/>
-              <a:t> </a:t>
-            </a:r>
-            <a:r>
-              <a:rPr lang="en-US" baseline="0" dirty="0" err="1" smtClean="0"/>
-              <a:t>xử</a:t>
-            </a:r>
-            <a:r>
-              <a:rPr lang="en-US" baseline="0" dirty="0" smtClean="0"/>
-              <a:t> </a:t>
-            </a:r>
-            <a:r>
-              <a:rPr lang="en-US" baseline="0" dirty="0" err="1" smtClean="0"/>
-              <a:t>lý</a:t>
-            </a:r>
-            <a:r>
-              <a:rPr lang="en-US" baseline="0" dirty="0" smtClean="0"/>
-              <a:t> </a:t>
-            </a:r>
-            <a:r>
-              <a:rPr lang="en-US" baseline="0" dirty="0" err="1" smtClean="0"/>
-              <a:t>thì</a:t>
-            </a:r>
-            <a:r>
-              <a:rPr lang="en-US" baseline="0" dirty="0" smtClean="0"/>
-              <a:t> closed.</a:t>
-            </a:r>
+            <a:pPr eaLnBrk="1" hangingPunct="1"/>
+            <a:r>
+              <a:rPr lang="en-US" dirty="0" smtClean="0"/>
+              <a:t>-</a:t>
+            </a:r>
+            <a:r>
+              <a:rPr lang="en-US" baseline="0" dirty="0" smtClean="0"/>
+              <a:t> </a:t>
+            </a:r>
+            <a:r>
+              <a:rPr lang="en-US" baseline="0" dirty="0" err="1" smtClean="0"/>
+              <a:t>Tận</a:t>
+            </a:r>
+            <a:r>
+              <a:rPr lang="en-US" baseline="0" dirty="0" smtClean="0"/>
+              <a:t> </a:t>
+            </a:r>
+            <a:r>
+              <a:rPr lang="en-US" baseline="0" dirty="0" err="1" smtClean="0"/>
+              <a:t>dụng</a:t>
+            </a:r>
+            <a:r>
+              <a:rPr lang="en-US" baseline="0" dirty="0" smtClean="0"/>
+              <a:t> </a:t>
+            </a:r>
+            <a:r>
+              <a:rPr lang="en-US" baseline="0" dirty="0" err="1" smtClean="0"/>
+              <a:t>tối</a:t>
+            </a:r>
+            <a:r>
+              <a:rPr lang="en-US" baseline="0" dirty="0" smtClean="0"/>
+              <a:t> </a:t>
+            </a:r>
+            <a:r>
+              <a:rPr lang="en-US" baseline="0" dirty="0" err="1" smtClean="0"/>
+              <a:t>đa</a:t>
+            </a:r>
+            <a:r>
+              <a:rPr lang="en-US" baseline="0" dirty="0" smtClean="0"/>
+              <a:t> </a:t>
+            </a:r>
+            <a:r>
+              <a:rPr lang="en-US" baseline="0" dirty="0" err="1" smtClean="0"/>
+              <a:t>thời</a:t>
+            </a:r>
+            <a:r>
+              <a:rPr lang="en-US" baseline="0" dirty="0" smtClean="0"/>
+              <a:t> </a:t>
+            </a:r>
+            <a:r>
+              <a:rPr lang="en-US" baseline="0" dirty="0" err="1" smtClean="0"/>
+              <a:t>gian</a:t>
+            </a:r>
+            <a:r>
+              <a:rPr lang="en-US" baseline="0" dirty="0" smtClean="0"/>
+              <a:t> </a:t>
+            </a:r>
+            <a:r>
+              <a:rPr lang="en-US" baseline="0" dirty="0" err="1" smtClean="0"/>
+              <a:t>của</a:t>
+            </a:r>
+            <a:r>
+              <a:rPr lang="en-US" baseline="0" dirty="0" smtClean="0"/>
+              <a:t> </a:t>
+            </a:r>
+            <a:r>
+              <a:rPr lang="en-US" baseline="0" dirty="0" err="1" smtClean="0"/>
+              <a:t>các</a:t>
+            </a:r>
+            <a:r>
+              <a:rPr lang="en-US" baseline="0" dirty="0" smtClean="0"/>
+              <a:t> </a:t>
+            </a:r>
+            <a:r>
+              <a:rPr lang="en-US" baseline="0" dirty="0" err="1" smtClean="0"/>
+              <a:t>thành</a:t>
+            </a:r>
+            <a:r>
+              <a:rPr lang="en-US" baseline="0" dirty="0" smtClean="0"/>
+              <a:t> </a:t>
+            </a:r>
+            <a:r>
+              <a:rPr lang="en-US" baseline="0" dirty="0" err="1" smtClean="0"/>
+              <a:t>viên</a:t>
+            </a:r>
+            <a:r>
+              <a:rPr lang="en-US" baseline="0" dirty="0" smtClean="0"/>
+              <a:t>.</a:t>
+            </a:r>
+            <a:endParaRPr lang="en-US" dirty="0" smtClean="0"/>
           </a:p>
         </p:txBody>
       </p:sp>
@@ -24968,7 +24142,7 @@
           <a:p>
             <a:fld id="{94349F02-7B7E-4405-841E-9FEA710E9D5A}" type="slidenum">
               <a:rPr lang="en-US" smtClean="0"/>
-              <a:t>30</a:t>
+              <a:t>28</a:t>
             </a:fld>
             <a:endParaRPr lang="en-US"/>
           </a:p>
@@ -24977,7 +24151,7 @@
     </p:spTree>
     <p:extLst>
       <p:ext uri="{BB962C8B-B14F-4D97-AF65-F5344CB8AC3E}">
-        <p14:creationId xmlns:p14="http://schemas.microsoft.com/office/powerpoint/2010/main" val="3631951466"/>
+        <p14:creationId xmlns:p14="http://schemas.microsoft.com/office/powerpoint/2010/main" val="4230026582"/>
       </p:ext>
     </p:extLst>
   </p:cSld>
@@ -25033,63 +24207,39 @@
           <a:p>
             <a:r>
               <a:rPr lang="en-US" dirty="0" err="1" smtClean="0"/>
-              <a:t>Đây</a:t>
-            </a:r>
-            <a:r>
-              <a:rPr lang="en-US" baseline="0" dirty="0" smtClean="0"/>
-              <a:t> </a:t>
-            </a:r>
-            <a:r>
-              <a:rPr lang="en-US" baseline="0" dirty="0" err="1" smtClean="0"/>
-              <a:t>là</a:t>
-            </a:r>
-            <a:r>
-              <a:rPr lang="en-US" baseline="0" dirty="0" smtClean="0"/>
-              <a:t> ~ </a:t>
-            </a:r>
-            <a:r>
-              <a:rPr lang="en-US" baseline="0" dirty="0" err="1" smtClean="0"/>
-              <a:t>tiêu</a:t>
-            </a:r>
-            <a:r>
-              <a:rPr lang="en-US" baseline="0" dirty="0" smtClean="0"/>
-              <a:t> </a:t>
-            </a:r>
-            <a:r>
-              <a:rPr lang="en-US" baseline="0" dirty="0" err="1" smtClean="0"/>
-              <a:t>chí</a:t>
-            </a:r>
-            <a:r>
-              <a:rPr lang="en-US" baseline="0" dirty="0" smtClean="0"/>
-              <a:t> </a:t>
-            </a:r>
-            <a:r>
-              <a:rPr lang="en-US" baseline="0" dirty="0" err="1" smtClean="0"/>
-              <a:t>thành</a:t>
-            </a:r>
-            <a:r>
-              <a:rPr lang="en-US" baseline="0" dirty="0" smtClean="0"/>
-              <a:t> </a:t>
-            </a:r>
-            <a:r>
-              <a:rPr lang="en-US" baseline="0" dirty="0" err="1" smtClean="0"/>
-              <a:t>công</a:t>
-            </a:r>
-            <a:r>
-              <a:rPr lang="en-US" baseline="0" dirty="0" smtClean="0"/>
-              <a:t> </a:t>
-            </a:r>
-            <a:r>
-              <a:rPr lang="en-US" baseline="0" dirty="0" err="1" smtClean="0"/>
-              <a:t>của</a:t>
-            </a:r>
-            <a:r>
-              <a:rPr lang="en-US" baseline="0" dirty="0" smtClean="0"/>
-              <a:t> </a:t>
-            </a:r>
-            <a:r>
-              <a:rPr lang="en-US" baseline="0" dirty="0" err="1" smtClean="0"/>
-              <a:t>công</a:t>
+              <a:t>Đồ</a:t>
+            </a:r>
+            <a:r>
+              <a:rPr lang="en-US" baseline="0" dirty="0" smtClean="0"/>
+              <a:t> </a:t>
+            </a:r>
+            <a:r>
+              <a:rPr lang="en-US" baseline="0" dirty="0" err="1" smtClean="0"/>
+              <a:t>án</a:t>
+            </a:r>
+            <a:r>
+              <a:rPr lang="en-US" baseline="0" dirty="0" smtClean="0"/>
+              <a:t> </a:t>
+            </a:r>
+            <a:r>
+              <a:rPr lang="en-US" baseline="0" dirty="0" err="1" smtClean="0"/>
+              <a:t>chúng</a:t>
+            </a:r>
+            <a:r>
+              <a:rPr lang="en-US" baseline="0" dirty="0" smtClean="0"/>
+              <a:t> e </a:t>
+            </a:r>
+            <a:r>
+              <a:rPr lang="en-US" baseline="0" dirty="0" err="1" smtClean="0"/>
+              <a:t>có</a:t>
+            </a:r>
+            <a:r>
+              <a:rPr lang="en-US" baseline="0" dirty="0" smtClean="0"/>
+              <a:t> 3 </a:t>
+            </a:r>
+            <a:r>
+              <a:rPr lang="en-US" baseline="0" dirty="0" err="1" smtClean="0"/>
+              <a:t>giai</a:t>
             </a:r>
             <a:r>
               <a:rPr lang="en-US" baseline="0" dirty="0" smtClean="0"/>
@@ -25101,39 +24251,7 @@
             </a:r>
             <a:r>
               <a:rPr lang="en-US" baseline="0" dirty="0" smtClean="0"/>
-              <a:t> test </a:t>
-            </a:r>
-            <a:r>
-              <a:rPr lang="en-US" baseline="0" dirty="0" err="1" smtClean="0"/>
-              <a:t>mà</a:t>
-            </a:r>
-            <a:r>
-              <a:rPr lang="en-US" baseline="0" dirty="0" smtClean="0"/>
-              <a:t> </a:t>
-            </a:r>
-            <a:r>
-              <a:rPr lang="en-US" baseline="0" dirty="0" err="1" smtClean="0"/>
-              <a:t>nhóm</a:t>
-            </a:r>
-            <a:r>
-              <a:rPr lang="en-US" baseline="0" dirty="0" smtClean="0"/>
-              <a:t> e </a:t>
-            </a:r>
-            <a:r>
-              <a:rPr lang="en-US" baseline="0" dirty="0" err="1" smtClean="0"/>
-              <a:t>đề</a:t>
-            </a:r>
-            <a:r>
-              <a:rPr lang="en-US" baseline="0" dirty="0" smtClean="0"/>
-              <a:t> </a:t>
-            </a:r>
-            <a:r>
-              <a:rPr lang="en-US" baseline="0" dirty="0" err="1" smtClean="0"/>
-              <a:t>ra</a:t>
-            </a:r>
-            <a:r>
-              <a:rPr lang="en-US" baseline="0" dirty="0" smtClean="0"/>
-              <a:t>, </a:t>
+              <a:t> test: Unit test, integration test </a:t>
             </a:r>
             <a:r>
               <a:rPr lang="en-US" baseline="0" dirty="0" err="1" smtClean="0"/>
@@ -25141,69 +24259,64 @@
             </a:r>
             <a:r>
               <a:rPr lang="en-US" baseline="0" dirty="0" smtClean="0"/>
-              <a:t> </a:t>
-            </a:r>
-            <a:r>
-              <a:rPr lang="en-US" baseline="0" dirty="0" err="1" smtClean="0"/>
-              <a:t>sau</a:t>
-            </a:r>
-            <a:r>
-              <a:rPr lang="en-US" baseline="0" dirty="0" smtClean="0"/>
-              <a:t> </a:t>
-            </a:r>
-            <a:r>
-              <a:rPr lang="en-US" baseline="0" dirty="0" err="1" smtClean="0"/>
-              <a:t>khi</a:t>
-            </a:r>
-            <a:r>
-              <a:rPr lang="en-US" baseline="0" dirty="0" smtClean="0"/>
-              <a:t> test, </a:t>
-            </a:r>
-            <a:r>
-              <a:rPr lang="en-US" baseline="0" dirty="0" err="1" smtClean="0"/>
-              <a:t>các</a:t>
-            </a:r>
-            <a:r>
-              <a:rPr lang="en-US" baseline="0" dirty="0" smtClean="0"/>
-              <a:t> </a:t>
-            </a:r>
-            <a:r>
-              <a:rPr lang="en-US" baseline="0" dirty="0" err="1" smtClean="0"/>
-              <a:t>tiêu</a:t>
-            </a:r>
-            <a:r>
-              <a:rPr lang="en-US" baseline="0" dirty="0" smtClean="0"/>
-              <a:t> </a:t>
-            </a:r>
-            <a:r>
-              <a:rPr lang="en-US" baseline="0" dirty="0" err="1" smtClean="0"/>
-              <a:t>chí</a:t>
-            </a:r>
-            <a:r>
-              <a:rPr lang="en-US" baseline="0" dirty="0" smtClean="0"/>
-              <a:t> </a:t>
-            </a:r>
-            <a:r>
-              <a:rPr lang="en-US" baseline="0" dirty="0" err="1" smtClean="0"/>
-              <a:t>đều</a:t>
-            </a:r>
-            <a:r>
-              <a:rPr lang="en-US" baseline="0" dirty="0" smtClean="0"/>
-              <a:t> </a:t>
-            </a:r>
-            <a:r>
-              <a:rPr lang="en-US" baseline="0" dirty="0" err="1" smtClean="0"/>
-              <a:t>đạt</a:t>
-            </a:r>
-            <a:r>
-              <a:rPr lang="en-US" baseline="0" dirty="0" smtClean="0"/>
-              <a:t> </a:t>
-            </a:r>
-            <a:r>
-              <a:rPr lang="en-US" baseline="0" dirty="0" err="1" smtClean="0"/>
-              <a:t>được</a:t>
-            </a:r>
-            <a:endParaRPr lang="en-US" dirty="0"/>
+              <a:t> system test. </a:t>
+            </a:r>
+            <a:r>
+              <a:rPr lang="en-US" baseline="0" dirty="0" err="1" smtClean="0"/>
+              <a:t>Trong</a:t>
+            </a:r>
+            <a:r>
+              <a:rPr lang="en-US" baseline="0" dirty="0" smtClean="0"/>
+              <a:t> </a:t>
+            </a:r>
+            <a:r>
+              <a:rPr lang="en-US" baseline="0" dirty="0" err="1" smtClean="0"/>
+              <a:t>đó</a:t>
+            </a:r>
+            <a:r>
+              <a:rPr lang="en-US" baseline="0" dirty="0" smtClean="0"/>
+              <a:t> unit test, </a:t>
+            </a:r>
+            <a:r>
+              <a:rPr lang="en-US" baseline="0" dirty="0" err="1" smtClean="0"/>
+              <a:t>chúng</a:t>
+            </a:r>
+            <a:r>
+              <a:rPr lang="en-US" baseline="0" dirty="0" smtClean="0"/>
+              <a:t> e test song </a:t>
+            </a:r>
+            <a:r>
+              <a:rPr lang="en-US" baseline="0" dirty="0" err="1" smtClean="0"/>
+              <a:t>song</a:t>
+            </a:r>
+            <a:r>
+              <a:rPr lang="en-US" baseline="0" dirty="0" smtClean="0"/>
+              <a:t> </a:t>
+            </a:r>
+            <a:r>
+              <a:rPr lang="en-US" baseline="0" dirty="0" err="1" smtClean="0"/>
+              <a:t>trong</a:t>
+            </a:r>
+            <a:r>
+              <a:rPr lang="en-US" baseline="0" dirty="0" smtClean="0"/>
+              <a:t> </a:t>
+            </a:r>
+            <a:r>
+              <a:rPr lang="en-US" baseline="0" dirty="0" err="1" smtClean="0"/>
+              <a:t>quá</a:t>
+            </a:r>
+            <a:r>
+              <a:rPr lang="en-US" baseline="0" dirty="0" smtClean="0"/>
+              <a:t> </a:t>
+            </a:r>
+            <a:r>
+              <a:rPr lang="en-US" baseline="0" dirty="0" err="1" smtClean="0"/>
+              <a:t>trình</a:t>
+            </a:r>
+            <a:r>
+              <a:rPr lang="en-US" baseline="0" dirty="0" smtClean="0"/>
+              <a:t> code.</a:t>
+            </a:r>
           </a:p>
         </p:txBody>
       </p:sp>
@@ -25224,7 +24337,7 @@
           <a:p>
             <a:fld id="{94349F02-7B7E-4405-841E-9FEA710E9D5A}" type="slidenum">
               <a:rPr lang="en-US" smtClean="0"/>
-              <a:t>31</a:t>
+              <a:t>29</a:t>
             </a:fld>
             <a:endParaRPr lang="en-US"/>
           </a:p>
@@ -25233,7 +24346,7 @@
     </p:spTree>
     <p:extLst>
       <p:ext uri="{BB962C8B-B14F-4D97-AF65-F5344CB8AC3E}">
-        <p14:creationId xmlns:p14="http://schemas.microsoft.com/office/powerpoint/2010/main" val="2471445808"/>
+        <p14:creationId xmlns:p14="http://schemas.microsoft.com/office/powerpoint/2010/main" val="1189329684"/>
       </p:ext>
     </p:extLst>
   </p:cSld>
@@ -25328,6 +24441,809 @@
 </file>
 
 <file path=ppt/notesSlides/notesSlide20.xml><?xml version="1.0" encoding="utf-8"?>
+<p:notes xmlns:a="http://schemas.openxmlformats.org/drawingml/2006/main" xmlns:r="http://schemas.openxmlformats.org/officeDocument/2006/relationships" xmlns:p="http://schemas.openxmlformats.org/presentationml/2006/main">
+  <p:cSld>
+    <p:spTree>
+      <p:nvGrpSpPr>
+        <p:cNvPr id="1" name=""/>
+        <p:cNvGrpSpPr/>
+        <p:nvPr/>
+      </p:nvGrpSpPr>
+      <p:grpSpPr>
+        <a:xfrm>
+          <a:off x="0" y="0"/>
+          <a:ext cx="0" cy="0"/>
+          <a:chOff x="0" y="0"/>
+          <a:chExt cx="0" cy="0"/>
+        </a:xfrm>
+      </p:grpSpPr>
+      <p:sp>
+        <p:nvSpPr>
+          <p:cNvPr id="2" name="Slide Image Placeholder 1"/>
+          <p:cNvSpPr>
+            <a:spLocks noGrp="1" noRot="1" noChangeAspect="1"/>
+          </p:cNvSpPr>
+          <p:nvPr>
+            <p:ph type="sldImg"/>
+          </p:nvPr>
+        </p:nvSpPr>
+        <p:spPr/>
+      </p:sp>
+      <p:sp>
+        <p:nvSpPr>
+          <p:cNvPr id="3" name="Notes Placeholder 2"/>
+          <p:cNvSpPr>
+            <a:spLocks noGrp="1"/>
+          </p:cNvSpPr>
+          <p:nvPr>
+            <p:ph type="body" idx="1"/>
+          </p:nvPr>
+        </p:nvSpPr>
+        <p:spPr/>
+        <p:txBody>
+          <a:bodyPr/>
+          <a:lstStyle/>
+          <a:p>
+            <a:r>
+              <a:rPr lang="en-US" dirty="0" err="1" smtClean="0"/>
+              <a:t>Đây</a:t>
+            </a:r>
+            <a:r>
+              <a:rPr lang="en-US" baseline="0" dirty="0" smtClean="0"/>
+              <a:t> </a:t>
+            </a:r>
+            <a:r>
+              <a:rPr lang="en-US" baseline="0" dirty="0" err="1" smtClean="0"/>
+              <a:t>là</a:t>
+            </a:r>
+            <a:r>
+              <a:rPr lang="en-US" baseline="0" dirty="0" smtClean="0"/>
+              <a:t> </a:t>
+            </a:r>
+            <a:r>
+              <a:rPr lang="en-US" baseline="0" dirty="0" err="1" smtClean="0"/>
+              <a:t>vòng</a:t>
+            </a:r>
+            <a:r>
+              <a:rPr lang="en-US" baseline="0" dirty="0" smtClean="0"/>
+              <a:t> </a:t>
+            </a:r>
+            <a:r>
+              <a:rPr lang="en-US" baseline="0" dirty="0" err="1" smtClean="0"/>
+              <a:t>đời</a:t>
+            </a:r>
+            <a:r>
+              <a:rPr lang="en-US" baseline="0" dirty="0" smtClean="0"/>
+              <a:t> </a:t>
+            </a:r>
+            <a:r>
+              <a:rPr lang="en-US" baseline="0" dirty="0" err="1" smtClean="0"/>
+              <a:t>quản</a:t>
+            </a:r>
+            <a:r>
+              <a:rPr lang="en-US" baseline="0" dirty="0" smtClean="0"/>
+              <a:t> </a:t>
+            </a:r>
+            <a:r>
+              <a:rPr lang="en-US" baseline="0" dirty="0" err="1" smtClean="0"/>
+              <a:t>lí</a:t>
+            </a:r>
+            <a:r>
+              <a:rPr lang="en-US" baseline="0" dirty="0" smtClean="0"/>
+              <a:t> bug </a:t>
+            </a:r>
+            <a:r>
+              <a:rPr lang="en-US" baseline="0" dirty="0" err="1" smtClean="0"/>
+              <a:t>của</a:t>
+            </a:r>
+            <a:r>
+              <a:rPr lang="en-US" baseline="0" dirty="0" smtClean="0"/>
+              <a:t> </a:t>
+            </a:r>
+            <a:r>
+              <a:rPr lang="en-US" baseline="0" dirty="0" err="1" smtClean="0"/>
+              <a:t>nhóm</a:t>
+            </a:r>
+            <a:r>
+              <a:rPr lang="en-US" baseline="0" dirty="0" smtClean="0"/>
+              <a:t> e.</a:t>
+            </a:r>
+          </a:p>
+          <a:p>
+            <a:endParaRPr lang="en-US" baseline="0" dirty="0" smtClean="0"/>
+          </a:p>
+          <a:p>
+            <a:r>
+              <a:rPr lang="en-US" baseline="0" dirty="0" err="1" smtClean="0"/>
+              <a:t>Câu</a:t>
+            </a:r>
+            <a:r>
+              <a:rPr lang="en-US" baseline="0" dirty="0" smtClean="0"/>
+              <a:t> </a:t>
+            </a:r>
+            <a:r>
+              <a:rPr lang="en-US" baseline="0" dirty="0" err="1" smtClean="0"/>
+              <a:t>hỏi</a:t>
+            </a:r>
+            <a:r>
+              <a:rPr lang="en-US" baseline="0" dirty="0" smtClean="0"/>
+              <a:t>:</a:t>
+            </a:r>
+          </a:p>
+          <a:p>
+            <a:pPr marL="228600" indent="-228600">
+              <a:buAutoNum type="arabicPeriod"/>
+            </a:pPr>
+            <a:r>
+              <a:rPr lang="en-US" baseline="0" dirty="0" err="1" smtClean="0"/>
+              <a:t>Giải</a:t>
+            </a:r>
+            <a:r>
+              <a:rPr lang="en-US" baseline="0" dirty="0" smtClean="0"/>
+              <a:t> </a:t>
+            </a:r>
+            <a:r>
+              <a:rPr lang="en-US" baseline="0" dirty="0" err="1" smtClean="0"/>
+              <a:t>thik</a:t>
+            </a:r>
+            <a:r>
+              <a:rPr lang="en-US" baseline="0" dirty="0" smtClean="0"/>
+              <a:t>?</a:t>
+            </a:r>
+            <a:endParaRPr lang="en-US" baseline="0" dirty="0"/>
+          </a:p>
+          <a:p>
+            <a:pPr marL="171450" indent="-171450">
+              <a:buFontTx/>
+              <a:buChar char="-"/>
+            </a:pPr>
+            <a:r>
+              <a:rPr lang="en-US" baseline="0" dirty="0" err="1" smtClean="0"/>
+              <a:t>Khi</a:t>
+            </a:r>
+            <a:r>
+              <a:rPr lang="en-US" baseline="0" dirty="0" smtClean="0"/>
+              <a:t> </a:t>
+            </a:r>
+            <a:r>
+              <a:rPr lang="en-US" baseline="0" dirty="0" err="1" smtClean="0"/>
+              <a:t>phát</a:t>
+            </a:r>
+            <a:r>
+              <a:rPr lang="en-US" baseline="0" dirty="0" smtClean="0"/>
+              <a:t> </a:t>
+            </a:r>
+            <a:r>
+              <a:rPr lang="en-US" baseline="0" dirty="0" err="1" smtClean="0"/>
+              <a:t>hiện</a:t>
+            </a:r>
+            <a:r>
+              <a:rPr lang="en-US" baseline="0" dirty="0" smtClean="0"/>
+              <a:t> bug, test </a:t>
+            </a:r>
+            <a:r>
+              <a:rPr lang="en-US" baseline="0" dirty="0" err="1" smtClean="0"/>
+              <a:t>viết</a:t>
+            </a:r>
+            <a:r>
+              <a:rPr lang="en-US" baseline="0" dirty="0" smtClean="0"/>
+              <a:t> </a:t>
+            </a:r>
+            <a:r>
+              <a:rPr lang="en-US" baseline="0" dirty="0" err="1" smtClean="0"/>
+              <a:t>vào</a:t>
+            </a:r>
+            <a:r>
+              <a:rPr lang="en-US" baseline="0" dirty="0" smtClean="0"/>
+              <a:t> report </a:t>
+            </a:r>
+            <a:r>
+              <a:rPr lang="en-US" baseline="0" dirty="0" err="1" smtClean="0"/>
+              <a:t>và</a:t>
+            </a:r>
+            <a:r>
+              <a:rPr lang="en-US" baseline="0" dirty="0" smtClean="0"/>
+              <a:t> </a:t>
+            </a:r>
+            <a:r>
+              <a:rPr lang="en-US" baseline="0" dirty="0" err="1" smtClean="0"/>
+              <a:t>gửi</a:t>
+            </a:r>
+            <a:r>
+              <a:rPr lang="en-US" baseline="0" dirty="0" smtClean="0"/>
+              <a:t> </a:t>
+            </a:r>
+            <a:r>
+              <a:rPr lang="en-US" baseline="0" dirty="0" err="1" smtClean="0"/>
+              <a:t>lên</a:t>
+            </a:r>
+            <a:r>
+              <a:rPr lang="en-US" baseline="0" dirty="0" smtClean="0"/>
+              <a:t> server</a:t>
+            </a:r>
+          </a:p>
+          <a:p>
+            <a:pPr marL="171450" indent="-171450">
+              <a:buFontTx/>
+              <a:buChar char="-"/>
+            </a:pPr>
+            <a:r>
+              <a:rPr lang="en-US" baseline="0" dirty="0" smtClean="0"/>
+              <a:t>Developer down report </a:t>
+            </a:r>
+            <a:r>
+              <a:rPr lang="en-US" baseline="0" dirty="0" err="1" smtClean="0"/>
+              <a:t>về</a:t>
+            </a:r>
+            <a:r>
+              <a:rPr lang="en-US" baseline="0" dirty="0" smtClean="0"/>
+              <a:t> </a:t>
+            </a:r>
+            <a:r>
+              <a:rPr lang="en-US" baseline="0" dirty="0" err="1" smtClean="0"/>
+              <a:t>và</a:t>
+            </a:r>
+            <a:r>
+              <a:rPr lang="en-US" baseline="0" dirty="0" smtClean="0"/>
+              <a:t> </a:t>
+            </a:r>
+            <a:r>
+              <a:rPr lang="en-US" baseline="0" dirty="0" err="1" smtClean="0"/>
+              <a:t>sửa</a:t>
+            </a:r>
+            <a:r>
+              <a:rPr lang="en-US" baseline="0" dirty="0" smtClean="0"/>
+              <a:t> code, </a:t>
+            </a:r>
+            <a:r>
+              <a:rPr lang="en-US" baseline="0" dirty="0" err="1" smtClean="0"/>
+              <a:t>khi</a:t>
+            </a:r>
+            <a:r>
+              <a:rPr lang="en-US" baseline="0" dirty="0" smtClean="0"/>
+              <a:t> </a:t>
+            </a:r>
+            <a:r>
+              <a:rPr lang="en-US" baseline="0" dirty="0" err="1" smtClean="0"/>
+              <a:t>sửa</a:t>
+            </a:r>
+            <a:r>
+              <a:rPr lang="en-US" baseline="0" dirty="0" smtClean="0"/>
+              <a:t> </a:t>
+            </a:r>
+            <a:r>
+              <a:rPr lang="en-US" baseline="0" dirty="0" err="1" smtClean="0"/>
+              <a:t>xong</a:t>
+            </a:r>
+            <a:r>
+              <a:rPr lang="en-US" baseline="0" dirty="0" smtClean="0"/>
+              <a:t> code </a:t>
+            </a:r>
+            <a:r>
+              <a:rPr lang="en-US" baseline="0" dirty="0" err="1" smtClean="0"/>
+              <a:t>sẽ</a:t>
+            </a:r>
+            <a:r>
+              <a:rPr lang="en-US" baseline="0" dirty="0" smtClean="0"/>
+              <a:t> commit code </a:t>
+            </a:r>
+            <a:r>
+              <a:rPr lang="en-US" baseline="0" dirty="0" err="1" smtClean="0"/>
+              <a:t>và</a:t>
+            </a:r>
+            <a:r>
+              <a:rPr lang="en-US" baseline="0" dirty="0" smtClean="0"/>
+              <a:t> report </a:t>
+            </a:r>
+            <a:r>
+              <a:rPr lang="en-US" baseline="0" dirty="0" err="1" smtClean="0"/>
+              <a:t>sau</a:t>
+            </a:r>
+            <a:r>
+              <a:rPr lang="en-US" baseline="0" dirty="0" smtClean="0"/>
+              <a:t> </a:t>
+            </a:r>
+            <a:r>
+              <a:rPr lang="en-US" baseline="0" dirty="0" err="1" smtClean="0"/>
+              <a:t>khi</a:t>
+            </a:r>
+            <a:r>
+              <a:rPr lang="en-US" baseline="0" dirty="0" smtClean="0"/>
+              <a:t> </a:t>
+            </a:r>
+            <a:r>
+              <a:rPr lang="en-US" baseline="0" dirty="0" err="1" smtClean="0"/>
+              <a:t>sửa</a:t>
+            </a:r>
+            <a:r>
+              <a:rPr lang="en-US" baseline="0" dirty="0" smtClean="0"/>
+              <a:t> </a:t>
+            </a:r>
+            <a:r>
+              <a:rPr lang="en-US" baseline="0" dirty="0" err="1" smtClean="0"/>
+              <a:t>lên</a:t>
+            </a:r>
+            <a:r>
+              <a:rPr lang="en-US" baseline="0" dirty="0" smtClean="0"/>
+              <a:t> server.</a:t>
+            </a:r>
+          </a:p>
+          <a:p>
+            <a:pPr marL="171450" indent="-171450">
+              <a:buFontTx/>
+              <a:buChar char="-"/>
+            </a:pPr>
+            <a:r>
+              <a:rPr lang="en-US" baseline="0" dirty="0" smtClean="0"/>
+              <a:t>Test </a:t>
+            </a:r>
+            <a:r>
+              <a:rPr lang="en-US" baseline="0" dirty="0" err="1" smtClean="0"/>
+              <a:t>sẽ</a:t>
+            </a:r>
+            <a:r>
+              <a:rPr lang="en-US" baseline="0" dirty="0" smtClean="0"/>
+              <a:t> down </a:t>
+            </a:r>
+            <a:r>
+              <a:rPr lang="en-US" baseline="0" dirty="0" err="1" smtClean="0"/>
+              <a:t>về</a:t>
+            </a:r>
+            <a:r>
+              <a:rPr lang="en-US" baseline="0" dirty="0" smtClean="0"/>
+              <a:t> </a:t>
+            </a:r>
+            <a:r>
+              <a:rPr lang="en-US" baseline="0" dirty="0" err="1" smtClean="0"/>
+              <a:t>và</a:t>
+            </a:r>
+            <a:r>
+              <a:rPr lang="en-US" baseline="0" dirty="0" smtClean="0"/>
+              <a:t> </a:t>
+            </a:r>
+            <a:r>
+              <a:rPr lang="en-US" baseline="0" dirty="0" err="1" smtClean="0"/>
+              <a:t>kiểm</a:t>
+            </a:r>
+            <a:r>
+              <a:rPr lang="en-US" baseline="0" dirty="0" smtClean="0"/>
+              <a:t> </a:t>
+            </a:r>
+            <a:r>
+              <a:rPr lang="en-US" baseline="0" dirty="0" err="1" smtClean="0"/>
+              <a:t>tra</a:t>
+            </a:r>
+            <a:r>
+              <a:rPr lang="en-US" baseline="0" dirty="0" smtClean="0"/>
+              <a:t>, </a:t>
+            </a:r>
+            <a:r>
+              <a:rPr lang="en-US" baseline="0" dirty="0" err="1" smtClean="0"/>
+              <a:t>nếu</a:t>
+            </a:r>
+            <a:r>
+              <a:rPr lang="en-US" baseline="0" dirty="0" smtClean="0"/>
+              <a:t> </a:t>
+            </a:r>
+            <a:r>
+              <a:rPr lang="en-US" baseline="0" dirty="0" err="1" smtClean="0"/>
+              <a:t>vẫn</a:t>
+            </a:r>
+            <a:r>
+              <a:rPr lang="en-US" baseline="0" dirty="0" smtClean="0"/>
+              <a:t> </a:t>
+            </a:r>
+            <a:r>
+              <a:rPr lang="en-US" baseline="0" dirty="0" err="1" smtClean="0"/>
+              <a:t>còn</a:t>
+            </a:r>
+            <a:r>
+              <a:rPr lang="en-US" baseline="0" dirty="0" smtClean="0"/>
+              <a:t> </a:t>
+            </a:r>
+            <a:r>
+              <a:rPr lang="en-US" baseline="0" dirty="0" err="1" smtClean="0"/>
+              <a:t>lỗi</a:t>
+            </a:r>
+            <a:r>
+              <a:rPr lang="en-US" baseline="0" dirty="0" smtClean="0"/>
+              <a:t> </a:t>
+            </a:r>
+            <a:r>
+              <a:rPr lang="en-US" baseline="0" dirty="0" err="1" smtClean="0"/>
+              <a:t>sẽ</a:t>
+            </a:r>
+            <a:r>
+              <a:rPr lang="en-US" baseline="0" dirty="0" smtClean="0"/>
+              <a:t> </a:t>
+            </a:r>
+            <a:r>
+              <a:rPr lang="en-US" baseline="0" dirty="0" err="1" smtClean="0"/>
+              <a:t>lặp</a:t>
+            </a:r>
+            <a:r>
+              <a:rPr lang="en-US" baseline="0" dirty="0" smtClean="0"/>
+              <a:t> </a:t>
+            </a:r>
+            <a:r>
+              <a:rPr lang="en-US" baseline="0" dirty="0" err="1" smtClean="0"/>
+              <a:t>lại</a:t>
+            </a:r>
+            <a:r>
+              <a:rPr lang="en-US" baseline="0" dirty="0" smtClean="0"/>
+              <a:t> </a:t>
+            </a:r>
+            <a:r>
+              <a:rPr lang="en-US" baseline="0" dirty="0" err="1" smtClean="0"/>
+              <a:t>như</a:t>
+            </a:r>
+            <a:r>
+              <a:rPr lang="en-US" baseline="0" dirty="0" smtClean="0"/>
+              <a:t> </a:t>
+            </a:r>
+            <a:r>
+              <a:rPr lang="en-US" baseline="0" dirty="0" err="1" smtClean="0"/>
+              <a:t>trên</a:t>
+            </a:r>
+            <a:endParaRPr lang="en-US" baseline="0" dirty="0" smtClean="0"/>
+          </a:p>
+          <a:p>
+            <a:pPr marL="171450" indent="-171450">
+              <a:buFontTx/>
+              <a:buChar char="-"/>
+            </a:pPr>
+            <a:r>
+              <a:rPr lang="en-US" baseline="0" dirty="0" err="1" smtClean="0"/>
+              <a:t>Nếu</a:t>
+            </a:r>
+            <a:r>
+              <a:rPr lang="en-US" baseline="0" dirty="0" smtClean="0"/>
+              <a:t> </a:t>
+            </a:r>
+            <a:r>
+              <a:rPr lang="en-US" baseline="0" dirty="0" err="1" smtClean="0"/>
+              <a:t>lỗi</a:t>
+            </a:r>
+            <a:r>
+              <a:rPr lang="en-US" baseline="0" dirty="0" smtClean="0"/>
+              <a:t> </a:t>
+            </a:r>
+            <a:r>
+              <a:rPr lang="en-US" baseline="0" dirty="0" err="1" smtClean="0"/>
+              <a:t>đã</a:t>
+            </a:r>
+            <a:r>
+              <a:rPr lang="en-US" baseline="0" dirty="0" smtClean="0"/>
+              <a:t> </a:t>
+            </a:r>
+            <a:r>
+              <a:rPr lang="en-US" baseline="0" dirty="0" err="1" smtClean="0"/>
+              <a:t>đc</a:t>
+            </a:r>
+            <a:r>
+              <a:rPr lang="en-US" baseline="0" dirty="0" smtClean="0"/>
+              <a:t> </a:t>
+            </a:r>
+            <a:r>
+              <a:rPr lang="en-US" baseline="0" dirty="0" err="1" smtClean="0"/>
+              <a:t>xử</a:t>
+            </a:r>
+            <a:r>
+              <a:rPr lang="en-US" baseline="0" dirty="0" smtClean="0"/>
+              <a:t> </a:t>
+            </a:r>
+            <a:r>
+              <a:rPr lang="en-US" baseline="0" dirty="0" err="1" smtClean="0"/>
+              <a:t>lý</a:t>
+            </a:r>
+            <a:r>
+              <a:rPr lang="en-US" baseline="0" dirty="0" smtClean="0"/>
+              <a:t> </a:t>
+            </a:r>
+            <a:r>
+              <a:rPr lang="en-US" baseline="0" dirty="0" err="1" smtClean="0"/>
+              <a:t>thì</a:t>
+            </a:r>
+            <a:r>
+              <a:rPr lang="en-US" baseline="0" dirty="0" smtClean="0"/>
+              <a:t> closed.</a:t>
+            </a:r>
+          </a:p>
+        </p:txBody>
+      </p:sp>
+      <p:sp>
+        <p:nvSpPr>
+          <p:cNvPr id="4" name="Slide Number Placeholder 3"/>
+          <p:cNvSpPr>
+            <a:spLocks noGrp="1"/>
+          </p:cNvSpPr>
+          <p:nvPr>
+            <p:ph type="sldNum" sz="quarter" idx="10"/>
+          </p:nvPr>
+        </p:nvSpPr>
+        <p:spPr/>
+        <p:txBody>
+          <a:bodyPr/>
+          <a:lstStyle/>
+          <a:p>
+            <a:fld id="{94349F02-7B7E-4405-841E-9FEA710E9D5A}" type="slidenum">
+              <a:rPr lang="en-US" smtClean="0"/>
+              <a:t>30</a:t>
+            </a:fld>
+            <a:endParaRPr lang="en-US"/>
+          </a:p>
+        </p:txBody>
+      </p:sp>
+    </p:spTree>
+    <p:extLst>
+      <p:ext uri="{BB962C8B-B14F-4D97-AF65-F5344CB8AC3E}">
+        <p14:creationId xmlns:p14="http://schemas.microsoft.com/office/powerpoint/2010/main" val="3631951466"/>
+      </p:ext>
+    </p:extLst>
+  </p:cSld>
+  <p:clrMapOvr>
+    <a:masterClrMapping/>
+  </p:clrMapOvr>
+</p:notes>
+</file>
+
+<file path=ppt/notesSlides/notesSlide21.xml><?xml version="1.0" encoding="utf-8"?>
+<p:notes xmlns:a="http://schemas.openxmlformats.org/drawingml/2006/main" xmlns:r="http://schemas.openxmlformats.org/officeDocument/2006/relationships" xmlns:p="http://schemas.openxmlformats.org/presentationml/2006/main">
+  <p:cSld>
+    <p:spTree>
+      <p:nvGrpSpPr>
+        <p:cNvPr id="1" name=""/>
+        <p:cNvGrpSpPr/>
+        <p:nvPr/>
+      </p:nvGrpSpPr>
+      <p:grpSpPr>
+        <a:xfrm>
+          <a:off x="0" y="0"/>
+          <a:ext cx="0" cy="0"/>
+          <a:chOff x="0" y="0"/>
+          <a:chExt cx="0" cy="0"/>
+        </a:xfrm>
+      </p:grpSpPr>
+      <p:sp>
+        <p:nvSpPr>
+          <p:cNvPr id="2" name="Slide Image Placeholder 1"/>
+          <p:cNvSpPr>
+            <a:spLocks noGrp="1" noRot="1" noChangeAspect="1"/>
+          </p:cNvSpPr>
+          <p:nvPr>
+            <p:ph type="sldImg"/>
+          </p:nvPr>
+        </p:nvSpPr>
+        <p:spPr/>
+      </p:sp>
+      <p:sp>
+        <p:nvSpPr>
+          <p:cNvPr id="3" name="Notes Placeholder 2"/>
+          <p:cNvSpPr>
+            <a:spLocks noGrp="1"/>
+          </p:cNvSpPr>
+          <p:nvPr>
+            <p:ph type="body" idx="1"/>
+          </p:nvPr>
+        </p:nvSpPr>
+        <p:spPr/>
+        <p:txBody>
+          <a:bodyPr/>
+          <a:lstStyle/>
+          <a:p>
+            <a:r>
+              <a:rPr lang="en-US" dirty="0" err="1" smtClean="0"/>
+              <a:t>Đây</a:t>
+            </a:r>
+            <a:r>
+              <a:rPr lang="en-US" baseline="0" dirty="0" smtClean="0"/>
+              <a:t> </a:t>
+            </a:r>
+            <a:r>
+              <a:rPr lang="en-US" baseline="0" dirty="0" err="1" smtClean="0"/>
+              <a:t>là</a:t>
+            </a:r>
+            <a:r>
+              <a:rPr lang="en-US" baseline="0" dirty="0" smtClean="0"/>
+              <a:t> ~ </a:t>
+            </a:r>
+            <a:r>
+              <a:rPr lang="en-US" baseline="0" dirty="0" err="1" smtClean="0"/>
+              <a:t>tiêu</a:t>
+            </a:r>
+            <a:r>
+              <a:rPr lang="en-US" baseline="0" dirty="0" smtClean="0"/>
+              <a:t> </a:t>
+            </a:r>
+            <a:r>
+              <a:rPr lang="en-US" baseline="0" dirty="0" err="1" smtClean="0"/>
+              <a:t>chí</a:t>
+            </a:r>
+            <a:r>
+              <a:rPr lang="en-US" baseline="0" dirty="0" smtClean="0"/>
+              <a:t> </a:t>
+            </a:r>
+            <a:r>
+              <a:rPr lang="en-US" baseline="0" dirty="0" err="1" smtClean="0"/>
+              <a:t>thành</a:t>
+            </a:r>
+            <a:r>
+              <a:rPr lang="en-US" baseline="0" dirty="0" smtClean="0"/>
+              <a:t> </a:t>
+            </a:r>
+            <a:r>
+              <a:rPr lang="en-US" baseline="0" dirty="0" err="1" smtClean="0"/>
+              <a:t>công</a:t>
+            </a:r>
+            <a:r>
+              <a:rPr lang="en-US" baseline="0" dirty="0" smtClean="0"/>
+              <a:t> </a:t>
+            </a:r>
+            <a:r>
+              <a:rPr lang="en-US" baseline="0" dirty="0" err="1" smtClean="0"/>
+              <a:t>của</a:t>
+            </a:r>
+            <a:r>
+              <a:rPr lang="en-US" baseline="0" dirty="0" smtClean="0"/>
+              <a:t> </a:t>
+            </a:r>
+            <a:r>
+              <a:rPr lang="en-US" baseline="0" dirty="0" err="1" smtClean="0"/>
+              <a:t>công</a:t>
+            </a:r>
+            <a:r>
+              <a:rPr lang="en-US" baseline="0" dirty="0" smtClean="0"/>
+              <a:t> </a:t>
+            </a:r>
+            <a:r>
+              <a:rPr lang="en-US" baseline="0" dirty="0" err="1" smtClean="0"/>
+              <a:t>đoạn</a:t>
+            </a:r>
+            <a:r>
+              <a:rPr lang="en-US" baseline="0" dirty="0" smtClean="0"/>
+              <a:t> test </a:t>
+            </a:r>
+            <a:r>
+              <a:rPr lang="en-US" baseline="0" dirty="0" err="1" smtClean="0"/>
+              <a:t>mà</a:t>
+            </a:r>
+            <a:r>
+              <a:rPr lang="en-US" baseline="0" dirty="0" smtClean="0"/>
+              <a:t> </a:t>
+            </a:r>
+            <a:r>
+              <a:rPr lang="en-US" baseline="0" dirty="0" err="1" smtClean="0"/>
+              <a:t>nhóm</a:t>
+            </a:r>
+            <a:r>
+              <a:rPr lang="en-US" baseline="0" dirty="0" smtClean="0"/>
+              <a:t> e </a:t>
+            </a:r>
+            <a:r>
+              <a:rPr lang="en-US" baseline="0" dirty="0" err="1" smtClean="0"/>
+              <a:t>đề</a:t>
+            </a:r>
+            <a:r>
+              <a:rPr lang="en-US" baseline="0" dirty="0" smtClean="0"/>
+              <a:t> </a:t>
+            </a:r>
+            <a:r>
+              <a:rPr lang="en-US" baseline="0" dirty="0" err="1" smtClean="0"/>
+              <a:t>ra</a:t>
+            </a:r>
+            <a:r>
+              <a:rPr lang="en-US" baseline="0" dirty="0" smtClean="0"/>
+              <a:t>, </a:t>
+            </a:r>
+            <a:r>
+              <a:rPr lang="en-US" baseline="0" dirty="0" err="1" smtClean="0"/>
+              <a:t>và</a:t>
+            </a:r>
+            <a:r>
+              <a:rPr lang="en-US" baseline="0" dirty="0" smtClean="0"/>
+              <a:t> </a:t>
+            </a:r>
+            <a:r>
+              <a:rPr lang="en-US" baseline="0" dirty="0" err="1" smtClean="0"/>
+              <a:t>sau</a:t>
+            </a:r>
+            <a:r>
+              <a:rPr lang="en-US" baseline="0" dirty="0" smtClean="0"/>
+              <a:t> </a:t>
+            </a:r>
+            <a:r>
+              <a:rPr lang="en-US" baseline="0" dirty="0" err="1" smtClean="0"/>
+              <a:t>khi</a:t>
+            </a:r>
+            <a:r>
+              <a:rPr lang="en-US" baseline="0" dirty="0" smtClean="0"/>
+              <a:t> test, </a:t>
+            </a:r>
+            <a:r>
+              <a:rPr lang="en-US" baseline="0" dirty="0" err="1" smtClean="0"/>
+              <a:t>các</a:t>
+            </a:r>
+            <a:r>
+              <a:rPr lang="en-US" baseline="0" dirty="0" smtClean="0"/>
+              <a:t> </a:t>
+            </a:r>
+            <a:r>
+              <a:rPr lang="en-US" baseline="0" dirty="0" err="1" smtClean="0"/>
+              <a:t>tiêu</a:t>
+            </a:r>
+            <a:r>
+              <a:rPr lang="en-US" baseline="0" dirty="0" smtClean="0"/>
+              <a:t> </a:t>
+            </a:r>
+            <a:r>
+              <a:rPr lang="en-US" baseline="0" dirty="0" err="1" smtClean="0"/>
+              <a:t>chí</a:t>
+            </a:r>
+            <a:r>
+              <a:rPr lang="en-US" baseline="0" dirty="0" smtClean="0"/>
+              <a:t> </a:t>
+            </a:r>
+            <a:r>
+              <a:rPr lang="en-US" baseline="0" dirty="0" err="1" smtClean="0"/>
+              <a:t>đều</a:t>
+            </a:r>
+            <a:r>
+              <a:rPr lang="en-US" baseline="0" dirty="0" smtClean="0"/>
+              <a:t> </a:t>
+            </a:r>
+            <a:r>
+              <a:rPr lang="en-US" baseline="0" dirty="0" err="1" smtClean="0"/>
+              <a:t>đạt</a:t>
+            </a:r>
+            <a:r>
+              <a:rPr lang="en-US" baseline="0" dirty="0" smtClean="0"/>
+              <a:t> </a:t>
+            </a:r>
+            <a:r>
+              <a:rPr lang="en-US" baseline="0" dirty="0" err="1" smtClean="0"/>
+              <a:t>được</a:t>
+            </a:r>
+            <a:endParaRPr lang="en-US" dirty="0"/>
+          </a:p>
+        </p:txBody>
+      </p:sp>
+      <p:sp>
+        <p:nvSpPr>
+          <p:cNvPr id="4" name="Slide Number Placeholder 3"/>
+          <p:cNvSpPr>
+            <a:spLocks noGrp="1"/>
+          </p:cNvSpPr>
+          <p:nvPr>
+            <p:ph type="sldNum" sz="quarter" idx="10"/>
+          </p:nvPr>
+        </p:nvSpPr>
+        <p:spPr/>
+        <p:txBody>
+          <a:bodyPr/>
+          <a:lstStyle/>
+          <a:p>
+            <a:fld id="{94349F02-7B7E-4405-841E-9FEA710E9D5A}" type="slidenum">
+              <a:rPr lang="en-US" smtClean="0"/>
+              <a:t>31</a:t>
+            </a:fld>
+            <a:endParaRPr lang="en-US"/>
+          </a:p>
+        </p:txBody>
+      </p:sp>
+    </p:spTree>
+    <p:extLst>
+      <p:ext uri="{BB962C8B-B14F-4D97-AF65-F5344CB8AC3E}">
+        <p14:creationId xmlns:p14="http://schemas.microsoft.com/office/powerpoint/2010/main" val="2471445808"/>
+      </p:ext>
+    </p:extLst>
+  </p:cSld>
+  <p:clrMapOvr>
+    <a:masterClrMapping/>
+  </p:clrMapOvr>
+</p:notes>
+</file>
+
+<file path=ppt/notesSlides/notesSlide22.xml><?xml version="1.0" encoding="utf-8"?>
 <p:notes xmlns:a="http://schemas.openxmlformats.org/drawingml/2006/main" xmlns:r="http://schemas.openxmlformats.org/officeDocument/2006/relationships" xmlns:p="http://schemas.openxmlformats.org/presentationml/2006/main">
   <p:cSld>
     <p:spTree>
@@ -40270,7 +40186,7 @@
           <a:p>
             <a:pPr lvl="2"/>
             <a:r>
-              <a:rPr lang="en-US" b="1" dirty="0" smtClean="0">
+              <a:rPr lang="en-US" dirty="0" smtClean="0">
                 <a:solidFill>
                   <a:schemeClr val="tx1"/>
                 </a:solidFill>
@@ -40281,7 +40197,7 @@
           <a:p>
             <a:pPr lvl="2"/>
             <a:r>
-              <a:rPr lang="en-US" b="1" dirty="0" smtClean="0">
+              <a:rPr lang="en-US" dirty="0" smtClean="0">
                 <a:solidFill>
                   <a:schemeClr val="tx1"/>
                 </a:solidFill>
@@ -41757,7 +41673,7 @@
           <p:nvPr/>
         </p:nvPicPr>
         <p:blipFill>
-          <a:blip r:embed="rId2">
+          <a:blip r:embed="rId3">
             <a:extLst>
               <a:ext uri="{28A0092B-C50C-407E-A947-70E740481C1C}">
                 <a14:useLocalDpi xmlns:a14="http://schemas.microsoft.com/office/drawing/2010/main" val="0"/>
@@ -41875,7 +41791,7 @@
           <p:nvPr/>
         </p:nvPicPr>
         <p:blipFill>
-          <a:blip r:embed="rId3">
+          <a:blip r:embed="rId4">
             <a:extLst>
               <a:ext uri="{28A0092B-C50C-407E-A947-70E740481C1C}">
                 <a14:useLocalDpi xmlns:a14="http://schemas.microsoft.com/office/drawing/2010/main" val="0"/>
@@ -42337,7 +42253,7 @@
           <p:nvPr>
             <p:extLst>
               <p:ext uri="{D42A27DB-BD31-4B8C-83A1-F6EECF244321}">
-                <p14:modId xmlns:p14="http://schemas.microsoft.com/office/powerpoint/2010/main" val="2194255477"/>
+                <p14:modId xmlns:p14="http://schemas.microsoft.com/office/powerpoint/2010/main" val="1393205006"/>
               </p:ext>
             </p:extLst>
           </p:nvPr>
@@ -43064,7 +42980,7 @@
           <a:graphicData uri="http://schemas.openxmlformats.org/presentationml/2006/ole">
             <mc:AlternateContent xmlns:mc="http://schemas.openxmlformats.org/markup-compatibility/2006">
               <mc:Choice xmlns:v="urn:schemas-microsoft-com:vml" Requires="v">
-                <p:oleObj spid="_x0000_s6220" name="SmartDraw" r:id="rId3" imgW="8703268" imgH="4533499" progId="SmartDraw.2">
+                <p:oleObj spid="_x0000_s6228" name="SmartDraw" r:id="rId3" imgW="8703268" imgH="4533499" progId="SmartDraw.2">
                   <p:embed/>
                 </p:oleObj>
               </mc:Choice>

--- a/Document/Final report/Slide Present E-Learning.pptx
+++ b/Document/Final report/Slide Present E-Learning.pptx
@@ -4581,6 +4581,13 @@
         </dgm:presLayoutVars>
       </dgm:prSet>
       <dgm:spPr/>
+      <dgm:t>
+        <a:bodyPr/>
+        <a:lstStyle/>
+        <a:p>
+          <a:endParaRPr lang="en-US"/>
+        </a:p>
+      </dgm:t>
     </dgm:pt>
     <dgm:pt modelId="{8E1D3E46-35E2-43AD-8E47-AE3DD7A05DDC}" type="pres">
       <dgm:prSet presAssocID="{5BD2A0A4-3EA3-4622-A17A-0D8B04B94D33}" presName="composite" presStyleCnt="0">
@@ -4761,6 +4768,13 @@
         </dgm:presLayoutVars>
       </dgm:prSet>
       <dgm:spPr/>
+      <dgm:t>
+        <a:bodyPr/>
+        <a:lstStyle/>
+        <a:p>
+          <a:endParaRPr lang="en-US"/>
+        </a:p>
+      </dgm:t>
     </dgm:pt>
     <dgm:pt modelId="{33180BD1-7A09-461D-AA38-DA4E30379B83}" type="pres">
       <dgm:prSet presAssocID="{7EDF5836-00ED-48BA-BEBD-85FCB0A20823}" presName="sibTrans" presStyleCnt="0"/>
@@ -4853,6 +4867,13 @@
         </dgm:presLayoutVars>
       </dgm:prSet>
       <dgm:spPr/>
+      <dgm:t>
+        <a:bodyPr/>
+        <a:lstStyle/>
+        <a:p>
+          <a:endParaRPr lang="en-US"/>
+        </a:p>
+      </dgm:t>
     </dgm:pt>
     <dgm:pt modelId="{88993589-8AFD-4DA7-969E-398450DF66BD}" type="pres">
       <dgm:prSet presAssocID="{62C13114-07FF-4C02-8E68-59525B729D64}" presName="sibTrans" presStyleCnt="0"/>
@@ -4938,6 +4959,13 @@
         </dgm:presLayoutVars>
       </dgm:prSet>
       <dgm:spPr/>
+      <dgm:t>
+        <a:bodyPr/>
+        <a:lstStyle/>
+        <a:p>
+          <a:endParaRPr lang="en-US"/>
+        </a:p>
+      </dgm:t>
     </dgm:pt>
     <dgm:pt modelId="{AA798057-A70B-4BF8-86E2-B83D2814FED4}" type="pres">
       <dgm:prSet presAssocID="{204F5DC6-3C86-405D-A68F-1F539CC98BA2}" presName="sibTrans" presStyleCnt="0"/>
@@ -5023,6 +5051,13 @@
         </dgm:presLayoutVars>
       </dgm:prSet>
       <dgm:spPr/>
+      <dgm:t>
+        <a:bodyPr/>
+        <a:lstStyle/>
+        <a:p>
+          <a:endParaRPr lang="en-US"/>
+        </a:p>
+      </dgm:t>
     </dgm:pt>
     <dgm:pt modelId="{35369E54-E3F5-4DC6-8F31-61249FAB9DC5}" type="pres">
       <dgm:prSet presAssocID="{D99A582B-97A6-42C0-A23D-A3C06C81818F}" presName="sibTrans" presStyleCnt="0"/>
@@ -5118,19 +5153,19 @@
     </dgm:pt>
   </dgm:ptLst>
   <dgm:cxnLst>
-    <dgm:cxn modelId="{5F8EF21E-1F0A-459A-AC3E-3D61BAEFAE23}" srcId="{DAA90998-9D53-4FCB-ACD7-112EE1852243}" destId="{1BB734FE-98A4-4FF1-B2E4-F314BED9C776}" srcOrd="1" destOrd="0" parTransId="{78FBF91F-C307-4FE0-AC5D-2E9CF731C633}" sibTransId="{7EDF5836-00ED-48BA-BEBD-85FCB0A20823}"/>
+    <dgm:cxn modelId="{0224598B-7477-41BE-A18A-4108BC3D2753}" srcId="{DAA90998-9D53-4FCB-ACD7-112EE1852243}" destId="{8C27282A-191D-448A-BCED-50575180D32C}" srcOrd="5" destOrd="0" parTransId="{007E2102-AEBE-4182-8CDA-06E589E15FC3}" sibTransId="{7C532651-80C5-42B5-9EDD-8FD621226226}"/>
+    <dgm:cxn modelId="{CB45810D-4221-4FCD-BA1F-C17A0829DC01}" type="presOf" srcId="{DAA90998-9D53-4FCB-ACD7-112EE1852243}" destId="{23B2E224-D368-4F93-9C9E-48B39968B703}" srcOrd="0" destOrd="0" presId="urn:microsoft.com/office/officeart/2008/layout/CaptionedPictures"/>
     <dgm:cxn modelId="{27215882-2C2D-40EB-9D43-ACC2CA89FFC7}" srcId="{DAA90998-9D53-4FCB-ACD7-112EE1852243}" destId="{EFDDBAD6-CA03-4219-82E0-DE3629E8A851}" srcOrd="3" destOrd="0" parTransId="{D2FFDC92-5114-4285-AB7A-41B5400DDDEB}" sibTransId="{204F5DC6-3C86-405D-A68F-1F539CC98BA2}"/>
-    <dgm:cxn modelId="{872A2F95-C4DA-4D51-9D86-C42EE2677F17}" type="presOf" srcId="{E37D0F6B-92E9-4E32-8E80-E9EFB3ED369E}" destId="{8D682407-1DA8-425B-B97F-9FF635B6BD1D}" srcOrd="0" destOrd="0" presId="urn:microsoft.com/office/officeart/2008/layout/CaptionedPictures"/>
+    <dgm:cxn modelId="{B823AE12-FA73-464C-8F5E-A84685820ABA}" type="presOf" srcId="{5BD2A0A4-3EA3-4622-A17A-0D8B04B94D33}" destId="{ADD9D8E1-08FF-4F82-B0AF-8ED4B73F83BD}" srcOrd="0" destOrd="0" presId="urn:microsoft.com/office/officeart/2008/layout/CaptionedPictures"/>
     <dgm:cxn modelId="{ED1E3214-FB5D-4657-A29B-B5A868CB806F}" srcId="{DAA90998-9D53-4FCB-ACD7-112EE1852243}" destId="{E37D0F6B-92E9-4E32-8E80-E9EFB3ED369E}" srcOrd="4" destOrd="0" parTransId="{8F019096-7207-4C2C-9E45-7B47F41C84C9}" sibTransId="{D99A582B-97A6-42C0-A23D-A3C06C81818F}"/>
     <dgm:cxn modelId="{4BB661C2-2367-4796-A197-1192122A95EF}" type="presOf" srcId="{1BB734FE-98A4-4FF1-B2E4-F314BED9C776}" destId="{E4C5B287-9328-47E2-8820-9C7E7697973A}" srcOrd="0" destOrd="0" presId="urn:microsoft.com/office/officeart/2008/layout/CaptionedPictures"/>
+    <dgm:cxn modelId="{5F8EF21E-1F0A-459A-AC3E-3D61BAEFAE23}" srcId="{DAA90998-9D53-4FCB-ACD7-112EE1852243}" destId="{1BB734FE-98A4-4FF1-B2E4-F314BED9C776}" srcOrd="1" destOrd="0" parTransId="{78FBF91F-C307-4FE0-AC5D-2E9CF731C633}" sibTransId="{7EDF5836-00ED-48BA-BEBD-85FCB0A20823}"/>
+    <dgm:cxn modelId="{A411C1D7-5B8D-4FC5-A4C6-B88A68494750}" type="presOf" srcId="{DE9415C9-2B72-4726-8439-2C4B3D95C67B}" destId="{7B1F2456-5BED-45DE-8A8F-60C019D3B35C}" srcOrd="0" destOrd="0" presId="urn:microsoft.com/office/officeart/2008/layout/CaptionedPictures"/>
+    <dgm:cxn modelId="{872A2F95-C4DA-4D51-9D86-C42EE2677F17}" type="presOf" srcId="{E37D0F6B-92E9-4E32-8E80-E9EFB3ED369E}" destId="{8D682407-1DA8-425B-B97F-9FF635B6BD1D}" srcOrd="0" destOrd="0" presId="urn:microsoft.com/office/officeart/2008/layout/CaptionedPictures"/>
+    <dgm:cxn modelId="{DE8078E5-5362-4DEB-89BE-4B27AED66672}" srcId="{DAA90998-9D53-4FCB-ACD7-112EE1852243}" destId="{5BD2A0A4-3EA3-4622-A17A-0D8B04B94D33}" srcOrd="0" destOrd="0" parTransId="{81F5E17E-14FE-4F98-80F1-76C23870B086}" sibTransId="{38A5F7DF-81D5-4C2E-8321-A8BC54C0BAFD}"/>
+    <dgm:cxn modelId="{234CD5D3-1C4E-45E3-AFCA-8A311268B3FE}" srcId="{DAA90998-9D53-4FCB-ACD7-112EE1852243}" destId="{DE9415C9-2B72-4726-8439-2C4B3D95C67B}" srcOrd="2" destOrd="0" parTransId="{27F6BCFA-DE2C-4191-A178-5ED58399D609}" sibTransId="{62C13114-07FF-4C02-8E68-59525B729D64}"/>
     <dgm:cxn modelId="{DC5D2B54-0452-484F-9EF0-EA4195AF0019}" type="presOf" srcId="{8C27282A-191D-448A-BCED-50575180D32C}" destId="{F28972D2-3023-4D92-BAFD-BF64138E2A2C}" srcOrd="0" destOrd="0" presId="urn:microsoft.com/office/officeart/2008/layout/CaptionedPictures"/>
-    <dgm:cxn modelId="{DE8078E5-5362-4DEB-89BE-4B27AED66672}" srcId="{DAA90998-9D53-4FCB-ACD7-112EE1852243}" destId="{5BD2A0A4-3EA3-4622-A17A-0D8B04B94D33}" srcOrd="0" destOrd="0" parTransId="{81F5E17E-14FE-4F98-80F1-76C23870B086}" sibTransId="{38A5F7DF-81D5-4C2E-8321-A8BC54C0BAFD}"/>
-    <dgm:cxn modelId="{A411C1D7-5B8D-4FC5-A4C6-B88A68494750}" type="presOf" srcId="{DE9415C9-2B72-4726-8439-2C4B3D95C67B}" destId="{7B1F2456-5BED-45DE-8A8F-60C019D3B35C}" srcOrd="0" destOrd="0" presId="urn:microsoft.com/office/officeart/2008/layout/CaptionedPictures"/>
     <dgm:cxn modelId="{05016CF2-AF6E-4F4D-9350-11A053DA4500}" type="presOf" srcId="{EFDDBAD6-CA03-4219-82E0-DE3629E8A851}" destId="{0BADA6C6-447D-4838-8789-DB095AF4F31C}" srcOrd="0" destOrd="0" presId="urn:microsoft.com/office/officeart/2008/layout/CaptionedPictures"/>
-    <dgm:cxn modelId="{234CD5D3-1C4E-45E3-AFCA-8A311268B3FE}" srcId="{DAA90998-9D53-4FCB-ACD7-112EE1852243}" destId="{DE9415C9-2B72-4726-8439-2C4B3D95C67B}" srcOrd="2" destOrd="0" parTransId="{27F6BCFA-DE2C-4191-A178-5ED58399D609}" sibTransId="{62C13114-07FF-4C02-8E68-59525B729D64}"/>
-    <dgm:cxn modelId="{B823AE12-FA73-464C-8F5E-A84685820ABA}" type="presOf" srcId="{5BD2A0A4-3EA3-4622-A17A-0D8B04B94D33}" destId="{ADD9D8E1-08FF-4F82-B0AF-8ED4B73F83BD}" srcOrd="0" destOrd="0" presId="urn:microsoft.com/office/officeart/2008/layout/CaptionedPictures"/>
-    <dgm:cxn modelId="{CB45810D-4221-4FCD-BA1F-C17A0829DC01}" type="presOf" srcId="{DAA90998-9D53-4FCB-ACD7-112EE1852243}" destId="{23B2E224-D368-4F93-9C9E-48B39968B703}" srcOrd="0" destOrd="0" presId="urn:microsoft.com/office/officeart/2008/layout/CaptionedPictures"/>
-    <dgm:cxn modelId="{0224598B-7477-41BE-A18A-4108BC3D2753}" srcId="{DAA90998-9D53-4FCB-ACD7-112EE1852243}" destId="{8C27282A-191D-448A-BCED-50575180D32C}" srcOrd="5" destOrd="0" parTransId="{007E2102-AEBE-4182-8CDA-06E589E15FC3}" sibTransId="{7C532651-80C5-42B5-9EDD-8FD621226226}"/>
     <dgm:cxn modelId="{8385B063-2E88-470B-81FE-96ADCD1FAB2F}" type="presParOf" srcId="{23B2E224-D368-4F93-9C9E-48B39968B703}" destId="{8E1D3E46-35E2-43AD-8E47-AE3DD7A05DDC}" srcOrd="0" destOrd="0" presId="urn:microsoft.com/office/officeart/2008/layout/CaptionedPictures"/>
     <dgm:cxn modelId="{19574413-CD88-4C82-A49A-1D312035FCA5}" type="presParOf" srcId="{8E1D3E46-35E2-43AD-8E47-AE3DD7A05DDC}" destId="{5DA9F644-DE1C-49BC-9F68-77F5C520D7C6}" srcOrd="0" destOrd="0" presId="urn:microsoft.com/office/officeart/2008/layout/CaptionedPictures"/>
     <dgm:cxn modelId="{2BF50B43-5019-413B-AB6D-2D48AD7936A0}" type="presParOf" srcId="{8E1D3E46-35E2-43AD-8E47-AE3DD7A05DDC}" destId="{F938772A-A136-49F2-A97E-92DD4DD2234A}" srcOrd="1" destOrd="0" presId="urn:microsoft.com/office/officeart/2008/layout/CaptionedPictures"/>
@@ -5890,6 +5925,13 @@
         </dgm:presLayoutVars>
       </dgm:prSet>
       <dgm:spPr/>
+      <dgm:t>
+        <a:bodyPr/>
+        <a:lstStyle/>
+        <a:p>
+          <a:endParaRPr lang="en-US"/>
+        </a:p>
+      </dgm:t>
     </dgm:pt>
     <dgm:pt modelId="{EB0F75D5-72CF-4195-81BC-7063DD2C8ED6}" type="pres">
       <dgm:prSet presAssocID="{6DF5B08A-9121-40E1-92E9-79333FC8F2D2}" presName="linNode" presStyleCnt="0"/>
@@ -5903,6 +5945,13 @@
         </dgm:presLayoutVars>
       </dgm:prSet>
       <dgm:spPr/>
+      <dgm:t>
+        <a:bodyPr/>
+        <a:lstStyle/>
+        <a:p>
+          <a:endParaRPr lang="en-US"/>
+        </a:p>
+      </dgm:t>
     </dgm:pt>
     <dgm:pt modelId="{D3BBC018-3D15-407E-940A-8515B3043132}" type="pres">
       <dgm:prSet presAssocID="{6DF5B08A-9121-40E1-92E9-79333FC8F2D2}" presName="descendantText" presStyleLbl="alignAccFollowNode1" presStyleIdx="0" presStyleCnt="9" custScaleX="73611">
@@ -5935,6 +5984,13 @@
         </dgm:presLayoutVars>
       </dgm:prSet>
       <dgm:spPr/>
+      <dgm:t>
+        <a:bodyPr/>
+        <a:lstStyle/>
+        <a:p>
+          <a:endParaRPr lang="en-US"/>
+        </a:p>
+      </dgm:t>
     </dgm:pt>
     <dgm:pt modelId="{E938BCE9-633E-4B3F-85C7-EF9941E5E123}" type="pres">
       <dgm:prSet presAssocID="{D39ED147-7883-40ED-A01C-39D218765668}" presName="descendantText" presStyleLbl="alignAccFollowNode1" presStyleIdx="1" presStyleCnt="9" custScaleX="73611">
@@ -5967,6 +6023,13 @@
         </dgm:presLayoutVars>
       </dgm:prSet>
       <dgm:spPr/>
+      <dgm:t>
+        <a:bodyPr/>
+        <a:lstStyle/>
+        <a:p>
+          <a:endParaRPr lang="en-US"/>
+        </a:p>
+      </dgm:t>
     </dgm:pt>
     <dgm:pt modelId="{3F02C0AD-B77A-40A7-A02E-70AC774A5504}" type="pres">
       <dgm:prSet presAssocID="{CC184973-6944-48E5-83D5-7BF22DD7E4A4}" presName="descendantText" presStyleLbl="alignAccFollowNode1" presStyleIdx="2" presStyleCnt="9" custScaleX="73611">
@@ -6077,6 +6140,13 @@
         </dgm:presLayoutVars>
       </dgm:prSet>
       <dgm:spPr/>
+      <dgm:t>
+        <a:bodyPr/>
+        <a:lstStyle/>
+        <a:p>
+          <a:endParaRPr lang="en-US"/>
+        </a:p>
+      </dgm:t>
     </dgm:pt>
     <dgm:pt modelId="{1DA7F4AD-B1A3-4274-9671-1C85B090FE2C}" type="pres">
       <dgm:prSet presAssocID="{18A8B32D-1CE0-4361-95BC-94818F7B4A14}" presName="descendantText" presStyleLbl="alignAccFollowNode1" presStyleIdx="5" presStyleCnt="9" custScaleX="73611">
@@ -6109,6 +6179,13 @@
         </dgm:presLayoutVars>
       </dgm:prSet>
       <dgm:spPr/>
+      <dgm:t>
+        <a:bodyPr/>
+        <a:lstStyle/>
+        <a:p>
+          <a:endParaRPr lang="en-US"/>
+        </a:p>
+      </dgm:t>
     </dgm:pt>
     <dgm:pt modelId="{C192857F-BCF2-4F76-9C52-BE86884030CF}" type="pres">
       <dgm:prSet presAssocID="{5FFCDB36-C340-4466-BC1F-D3A1156E86A3}" presName="descendantText" presStyleLbl="alignAccFollowNode1" presStyleIdx="6" presStyleCnt="9" custScaleX="73611">
@@ -6141,6 +6218,13 @@
         </dgm:presLayoutVars>
       </dgm:prSet>
       <dgm:spPr/>
+      <dgm:t>
+        <a:bodyPr/>
+        <a:lstStyle/>
+        <a:p>
+          <a:endParaRPr lang="en-US"/>
+        </a:p>
+      </dgm:t>
     </dgm:pt>
     <dgm:pt modelId="{A695E545-D25E-42BF-8CD6-8C192DD77DBB}" type="pres">
       <dgm:prSet presAssocID="{68F57FBB-B606-43B3-BDE5-0086440864DE}" presName="descendantText" presStyleLbl="alignAccFollowNode1" presStyleIdx="7" presStyleCnt="9" custScaleX="73611">
@@ -6173,6 +6257,13 @@
         </dgm:presLayoutVars>
       </dgm:prSet>
       <dgm:spPr/>
+      <dgm:t>
+        <a:bodyPr/>
+        <a:lstStyle/>
+        <a:p>
+          <a:endParaRPr lang="en-US"/>
+        </a:p>
+      </dgm:t>
     </dgm:pt>
     <dgm:pt modelId="{BC3BEEAE-C28C-44D0-9EAA-9D4FBA3D6755}" type="pres">
       <dgm:prSet presAssocID="{9FF532B5-1666-4953-8569-751A1288326A}" presName="descendantText" presStyleLbl="alignAccFollowNode1" presStyleIdx="8" presStyleCnt="9" custScaleX="73611">
@@ -6208,8 +6299,8 @@
     <dgm:cxn modelId="{61A2D7FB-4FDF-4A2F-96E5-B04BA9DDE04D}" type="presOf" srcId="{2AB0744B-4C55-4915-986D-59BCAC94C6D1}" destId="{E938BCE9-633E-4B3F-85C7-EF9941E5E123}" srcOrd="0" destOrd="0" presId="urn:microsoft.com/office/officeart/2005/8/layout/vList5"/>
     <dgm:cxn modelId="{0654805B-EB28-4029-8C8E-218FA1CD2DDA}" srcId="{6DF5B08A-9121-40E1-92E9-79333FC8F2D2}" destId="{919A7D91-4C2B-469D-ABF2-268AF5F32FEF}" srcOrd="0" destOrd="0" parTransId="{2DC41896-6F61-4725-93DF-570BA8F117FD}" sibTransId="{A1886E6A-D368-4837-8D02-66DD04613EE0}"/>
     <dgm:cxn modelId="{36D751D4-33DF-452C-BE82-21637E278738}" type="presOf" srcId="{F3F06A60-E4FE-4E03-BC83-454F6C57D999}" destId="{BC3BEEAE-C28C-44D0-9EAA-9D4FBA3D6755}" srcOrd="0" destOrd="0" presId="urn:microsoft.com/office/officeart/2005/8/layout/vList5"/>
+    <dgm:cxn modelId="{B1409A7A-B7F9-4F92-83A6-175FB91FACD9}" type="presOf" srcId="{9EF1BFA8-F5D9-41D7-8824-7A8DC0C76220}" destId="{A695E545-D25E-42BF-8CD6-8C192DD77DBB}" srcOrd="0" destOrd="0" presId="urn:microsoft.com/office/officeart/2005/8/layout/vList5"/>
     <dgm:cxn modelId="{D7C063CB-FA11-4FFD-A300-A4815936D8FC}" srcId="{18A8B32D-1CE0-4361-95BC-94818F7B4A14}" destId="{B485304A-C50D-49B2-87B1-14EBC0F9C4E9}" srcOrd="0" destOrd="0" parTransId="{E2B8F8AB-E490-4179-84F0-89887A8F00E4}" sibTransId="{0A63BC6E-1835-4C6A-B591-8462CD67189B}"/>
-    <dgm:cxn modelId="{B1409A7A-B7F9-4F92-83A6-175FB91FACD9}" type="presOf" srcId="{9EF1BFA8-F5D9-41D7-8824-7A8DC0C76220}" destId="{A695E545-D25E-42BF-8CD6-8C192DD77DBB}" srcOrd="0" destOrd="0" presId="urn:microsoft.com/office/officeart/2005/8/layout/vList5"/>
     <dgm:cxn modelId="{B3B4095D-D916-4E79-B4E3-7F7B80BD6630}" type="presOf" srcId="{18A8B32D-1CE0-4361-95BC-94818F7B4A14}" destId="{7D29A3BB-251E-48D2-AB2F-58D754BCED1A}" srcOrd="0" destOrd="0" presId="urn:microsoft.com/office/officeart/2005/8/layout/vList5"/>
     <dgm:cxn modelId="{05454130-EC06-46FE-BAF0-3FB1B827960E}" srcId="{D0D7EE09-312F-467E-A3B8-87081594A9CF}" destId="{B3988049-209F-4579-86B9-378F696D8DF3}" srcOrd="0" destOrd="0" parTransId="{CDBFA944-7297-42E9-A8C5-3BEBD05342D9}" sibTransId="{151ABA36-1F97-46B7-8295-DFDFCC3A7E2E}"/>
     <dgm:cxn modelId="{6D1C41B5-14CA-4684-9EA3-5808705DD656}" srcId="{18F07AEC-3B58-4249-AC61-89573791DF85}" destId="{9FF532B5-1666-4953-8569-751A1288326A}" srcOrd="8" destOrd="0" parTransId="{383606AF-A2A8-4D39-8C86-33F49039BF95}" sibTransId="{141E149D-6F13-4AC6-903D-F7DAF0C44C79}"/>
@@ -6217,8 +6308,8 @@
     <dgm:cxn modelId="{94B9F691-7AAB-4515-B538-A08F45C7C8AD}" type="presOf" srcId="{E2EEF7D3-C703-4969-B969-FFC964DD1B82}" destId="{F7AA96E1-2309-4BB6-9E58-83C9AF8D6988}" srcOrd="0" destOrd="0" presId="urn:microsoft.com/office/officeart/2005/8/layout/vList5"/>
     <dgm:cxn modelId="{834B55D7-0BB3-4CA7-B2A3-E1778D705B5B}" type="presOf" srcId="{B485304A-C50D-49B2-87B1-14EBC0F9C4E9}" destId="{1DA7F4AD-B1A3-4274-9671-1C85B090FE2C}" srcOrd="0" destOrd="0" presId="urn:microsoft.com/office/officeart/2005/8/layout/vList5"/>
     <dgm:cxn modelId="{065FE0E7-5838-489E-A3BD-16874C7FB5A1}" type="presOf" srcId="{CC184973-6944-48E5-83D5-7BF22DD7E4A4}" destId="{43CC9052-EEDA-408C-BA6B-77EA607F0F97}" srcOrd="0" destOrd="0" presId="urn:microsoft.com/office/officeart/2005/8/layout/vList5"/>
+    <dgm:cxn modelId="{76DF94BA-0F3A-4919-8A97-5D9601F75D82}" srcId="{18F07AEC-3B58-4249-AC61-89573791DF85}" destId="{D39ED147-7883-40ED-A01C-39D218765668}" srcOrd="1" destOrd="0" parTransId="{E544B62C-E634-4E4A-B8D8-EEC69A8BDE45}" sibTransId="{D98A861D-E023-4922-BE02-996BA2CE4E39}"/>
     <dgm:cxn modelId="{B44F9483-796A-4830-AE4F-05EA9AFDCB11}" type="presOf" srcId="{06DD8F9D-51DF-423B-90A9-33361ECF13EB}" destId="{EA9ACC33-627A-4012-BAD4-055B5D3A47A5}" srcOrd="0" destOrd="0" presId="urn:microsoft.com/office/officeart/2005/8/layout/vList5"/>
-    <dgm:cxn modelId="{76DF94BA-0F3A-4919-8A97-5D9601F75D82}" srcId="{18F07AEC-3B58-4249-AC61-89573791DF85}" destId="{D39ED147-7883-40ED-A01C-39D218765668}" srcOrd="1" destOrd="0" parTransId="{E544B62C-E634-4E4A-B8D8-EEC69A8BDE45}" sibTransId="{D98A861D-E023-4922-BE02-996BA2CE4E39}"/>
     <dgm:cxn modelId="{2AF241FE-6B9A-4A76-AB9C-B10310FD717E}" srcId="{CC184973-6944-48E5-83D5-7BF22DD7E4A4}" destId="{23432ADC-13F5-48B4-A8DF-F85F38FD3B85}" srcOrd="0" destOrd="0" parTransId="{817735FE-4B27-4317-A229-9FD7E95E84C4}" sibTransId="{A29BDA27-DA61-4014-A677-A7F0A1783D35}"/>
     <dgm:cxn modelId="{F900DD45-0DBF-4408-AEDA-2B1DF3196140}" type="presOf" srcId="{D39ED147-7883-40ED-A01C-39D218765668}" destId="{A9930DDA-01CC-43AA-BA32-1E49BA73E50D}" srcOrd="0" destOrd="0" presId="urn:microsoft.com/office/officeart/2005/8/layout/vList5"/>
     <dgm:cxn modelId="{62DF17DF-E4F4-4BB9-81A3-B5EF4907BF0A}" srcId="{E2EEF7D3-C703-4969-B969-FFC964DD1B82}" destId="{06DD8F9D-51DF-423B-90A9-33361ECF13EB}" srcOrd="0" destOrd="0" parTransId="{8E75A072-3CD7-415B-95ED-1D25264DFD00}" sibTransId="{77108BEB-9E6D-4573-9CE7-1ABB62A6E449}"/>
@@ -6830,11 +6921,7 @@
           </a:r>
           <a:r>
             <a:rPr lang="en-US" b="1" dirty="0" smtClean="0"/>
-            <a:t> </a:t>
-          </a:r>
-          <a:r>
-            <a:rPr lang="en-US" b="1" dirty="0" smtClean="0"/>
-            <a:t>standard.</a:t>
+            <a:t> standard.</a:t>
           </a:r>
           <a:endParaRPr lang="en-US" b="1" dirty="0"/>
         </a:p>
@@ -7273,8 +7360,8 @@
     <dgm:cxn modelId="{5958A3E7-5773-4BE0-9D04-DA1456EC3592}" type="presOf" srcId="{0E978F52-B9E9-49F2-A774-758321E4451D}" destId="{FF610F31-FA87-446D-9CFF-9000735AAD62}" srcOrd="0" destOrd="2" presId="urn:microsoft.com/office/officeart/2005/8/layout/vList4"/>
     <dgm:cxn modelId="{B2F200AD-8EE4-48B4-B781-FA304BE4F1BF}" type="presOf" srcId="{53A0A517-3DCC-4BCC-8336-45C6949D59C4}" destId="{8F4F3AEE-9C65-4304-B42D-27615755F50F}" srcOrd="1" destOrd="0" presId="urn:microsoft.com/office/officeart/2005/8/layout/vList4"/>
     <dgm:cxn modelId="{AFDC454B-8DA5-4F7F-B671-6A5B664B9D47}" srcId="{A7427995-0A0B-4748-86D4-D050EA8AE0E1}" destId="{22ED8A83-3B39-41D2-BB7F-FC4422A19A17}" srcOrd="0" destOrd="0" parTransId="{1A300099-F111-4A29-9519-78E9DCD1D0E0}" sibTransId="{9B84895B-86FE-425D-A3D4-E48AD4556B36}"/>
+    <dgm:cxn modelId="{79B3729B-8402-442B-B116-8C13FF58CA2A}" srcId="{5AF3859D-02AC-4411-BC99-AFA82C677F1F}" destId="{E3CC3295-5406-4E42-8659-8CAAC24F86CF}" srcOrd="0" destOrd="0" parTransId="{59733A78-E9C1-449C-BF7F-D26CDAE3E9AE}" sibTransId="{5224D1B3-E339-4975-830D-F355F623C6D9}"/>
     <dgm:cxn modelId="{75B59436-68AB-40C6-B9AC-97F92A5B2B20}" srcId="{628CABA7-E17A-49BB-8C4F-879353F375D9}" destId="{5AF3859D-02AC-4411-BC99-AFA82C677F1F}" srcOrd="2" destOrd="0" parTransId="{C47B21B3-EA0F-405C-B768-E3A329267F78}" sibTransId="{E1CBCFF7-0EBC-42B7-A319-8DF12943EFC3}"/>
-    <dgm:cxn modelId="{79B3729B-8402-442B-B116-8C13FF58CA2A}" srcId="{5AF3859D-02AC-4411-BC99-AFA82C677F1F}" destId="{E3CC3295-5406-4E42-8659-8CAAC24F86CF}" srcOrd="0" destOrd="0" parTransId="{59733A78-E9C1-449C-BF7F-D26CDAE3E9AE}" sibTransId="{5224D1B3-E339-4975-830D-F355F623C6D9}"/>
     <dgm:cxn modelId="{E42DEBA0-FE63-4034-BCC7-BD16404F82FA}" type="presOf" srcId="{0E978F52-B9E9-49F2-A774-758321E4451D}" destId="{8F4F3AEE-9C65-4304-B42D-27615755F50F}" srcOrd="1" destOrd="2" presId="urn:microsoft.com/office/officeart/2005/8/layout/vList4"/>
     <dgm:cxn modelId="{921B3E89-5895-4EC5-B15B-468B53E8360F}" type="presOf" srcId="{E3CC3295-5406-4E42-8659-8CAAC24F86CF}" destId="{C2030306-4C9A-4832-ABBB-2E9A66BD91E5}" srcOrd="1" destOrd="1" presId="urn:microsoft.com/office/officeart/2005/8/layout/vList4"/>
     <dgm:cxn modelId="{A02D1307-A6E6-4F91-8C5D-BFC4D3F6A81D}" type="presOf" srcId="{E420F95F-0174-479A-A661-C23F076EE8D4}" destId="{BB84DB34-BA67-4F32-ADA4-2380B8C83095}" srcOrd="0" destOrd="2" presId="urn:microsoft.com/office/officeart/2005/8/layout/vList4"/>
@@ -11039,11 +11126,7 @@
           </a:r>
           <a:r>
             <a:rPr lang="en-US" sz="2000" b="1" kern="1200" dirty="0" smtClean="0"/>
-            <a:t> </a:t>
-          </a:r>
-          <a:r>
-            <a:rPr lang="en-US" sz="2000" b="1" kern="1200" dirty="0" smtClean="0"/>
-            <a:t>standard.</a:t>
+            <a:t> standard.</a:t>
           </a:r>
           <a:endParaRPr lang="en-US" sz="2000" b="1" kern="1200" dirty="0"/>
         </a:p>
@@ -22055,11 +22138,7 @@
             </a:r>
             <a:r>
               <a:rPr lang="en-US" baseline="0" dirty="0" smtClean="0"/>
-              <a:t> </a:t>
-            </a:r>
-            <a:r>
-              <a:rPr lang="en-US" baseline="0" dirty="0" smtClean="0"/>
-              <a:t>non-functional – </a:t>
+              <a:t> non-functional – </a:t>
             </a:r>
             <a:r>
               <a:rPr lang="en-US" baseline="0" dirty="0" err="1" smtClean="0"/>
@@ -42522,8 +42601,8 @@
         </p:blipFill>
         <p:spPr bwMode="auto">
           <a:xfrm>
-            <a:off x="32657" y="-32657"/>
-            <a:ext cx="9144000" cy="6858000"/>
+            <a:off x="82655" y="7088"/>
+            <a:ext cx="9024256" cy="6768192"/>
           </a:xfrm>
           <a:prstGeom prst="rect">
             <a:avLst/>
@@ -42649,8 +42728,10 @@
       </p:sp>
       <p:pic>
         <p:nvPicPr>
-          <p:cNvPr id="7" name="Picture 6" descr="D:\e-learning-website\User\NamKT\db_e-learning.png"/>
-          <p:cNvPicPr/>
+          <p:cNvPr id="7171" name="Picture 3" descr="D:\e-learning-website\User\NamKT\group_e_learning.png"/>
+          <p:cNvPicPr>
+            <a:picLocks noChangeAspect="1" noChangeArrowheads="1"/>
+          </p:cNvPicPr>
           <p:nvPr/>
         </p:nvPicPr>
         <p:blipFill>
@@ -42668,16 +42749,22 @@
         </p:blipFill>
         <p:spPr bwMode="auto">
           <a:xfrm>
-            <a:off x="228600" y="-304800"/>
-            <a:ext cx="8458200" cy="7162800"/>
+            <a:off x="381000" y="-207309"/>
+            <a:ext cx="8406539" cy="7293909"/>
           </a:xfrm>
           <a:prstGeom prst="rect">
             <a:avLst/>
           </a:prstGeom>
           <a:noFill/>
-          <a:ln>
-            <a:noFill/>
-          </a:ln>
+          <a:extLst>
+            <a:ext uri="{909E8E84-426E-40DD-AFC4-6F175D3DCCD1}">
+              <a14:hiddenFill xmlns:a14="http://schemas.microsoft.com/office/drawing/2010/main">
+                <a:solidFill>
+                  <a:srgbClr val="FFFFFF"/>
+                </a:solidFill>
+              </a14:hiddenFill>
+            </a:ext>
+          </a:extLst>
         </p:spPr>
       </p:pic>
     </p:spTree>
@@ -42980,7 +43067,7 @@
           <a:graphicData uri="http://schemas.openxmlformats.org/presentationml/2006/ole">
             <mc:AlternateContent xmlns:mc="http://schemas.openxmlformats.org/markup-compatibility/2006">
               <mc:Choice xmlns:v="urn:schemas-microsoft-com:vml" Requires="v">
-                <p:oleObj spid="_x0000_s6228" name="SmartDraw" r:id="rId3" imgW="8703268" imgH="4533499" progId="SmartDraw.2">
+                <p:oleObj spid="_x0000_s6230" name="SmartDraw" r:id="rId3" imgW="8703268" imgH="4533499" progId="SmartDraw.2">
                   <p:embed/>
                 </p:oleObj>
               </mc:Choice>

--- a/Document/Final report/Slide Present E-Learning.pptx
+++ b/Document/Final report/Slide Present E-Learning.pptx
@@ -17,13 +17,13 @@
     <p:sldId id="338" r:id="rId9"/>
     <p:sldId id="339" r:id="rId10"/>
     <p:sldId id="340" r:id="rId11"/>
-    <p:sldId id="341" r:id="rId12"/>
-    <p:sldId id="302" r:id="rId13"/>
-    <p:sldId id="331" r:id="rId14"/>
-    <p:sldId id="301" r:id="rId15"/>
-    <p:sldId id="300" r:id="rId16"/>
-    <p:sldId id="299" r:id="rId17"/>
-    <p:sldId id="333" r:id="rId18"/>
+    <p:sldId id="302" r:id="rId12"/>
+    <p:sldId id="331" r:id="rId13"/>
+    <p:sldId id="301" r:id="rId14"/>
+    <p:sldId id="300" r:id="rId15"/>
+    <p:sldId id="299" r:id="rId16"/>
+    <p:sldId id="333" r:id="rId17"/>
+    <p:sldId id="345" r:id="rId18"/>
     <p:sldId id="311" r:id="rId19"/>
     <p:sldId id="310" r:id="rId20"/>
     <p:sldId id="327" r:id="rId21"/>
@@ -8454,8 +8454,8 @@
     <dgm:cxn modelId="{5958A3E7-5773-4BE0-9D04-DA1456EC3592}" type="presOf" srcId="{0E978F52-B9E9-49F2-A774-758321E4451D}" destId="{FF610F31-FA87-446D-9CFF-9000735AAD62}" srcOrd="0" destOrd="2" presId="urn:microsoft.com/office/officeart/2005/8/layout/vList4"/>
     <dgm:cxn modelId="{B2F200AD-8EE4-48B4-B781-FA304BE4F1BF}" type="presOf" srcId="{53A0A517-3DCC-4BCC-8336-45C6949D59C4}" destId="{8F4F3AEE-9C65-4304-B42D-27615755F50F}" srcOrd="1" destOrd="0" presId="urn:microsoft.com/office/officeart/2005/8/layout/vList4"/>
     <dgm:cxn modelId="{AFDC454B-8DA5-4F7F-B671-6A5B664B9D47}" srcId="{A7427995-0A0B-4748-86D4-D050EA8AE0E1}" destId="{22ED8A83-3B39-41D2-BB7F-FC4422A19A17}" srcOrd="0" destOrd="0" parTransId="{1A300099-F111-4A29-9519-78E9DCD1D0E0}" sibTransId="{9B84895B-86FE-425D-A3D4-E48AD4556B36}"/>
+    <dgm:cxn modelId="{75B59436-68AB-40C6-B9AC-97F92A5B2B20}" srcId="{628CABA7-E17A-49BB-8C4F-879353F375D9}" destId="{5AF3859D-02AC-4411-BC99-AFA82C677F1F}" srcOrd="2" destOrd="0" parTransId="{C47B21B3-EA0F-405C-B768-E3A329267F78}" sibTransId="{E1CBCFF7-0EBC-42B7-A319-8DF12943EFC3}"/>
     <dgm:cxn modelId="{79B3729B-8402-442B-B116-8C13FF58CA2A}" srcId="{5AF3859D-02AC-4411-BC99-AFA82C677F1F}" destId="{E3CC3295-5406-4E42-8659-8CAAC24F86CF}" srcOrd="0" destOrd="0" parTransId="{59733A78-E9C1-449C-BF7F-D26CDAE3E9AE}" sibTransId="{5224D1B3-E339-4975-830D-F355F623C6D9}"/>
-    <dgm:cxn modelId="{75B59436-68AB-40C6-B9AC-97F92A5B2B20}" srcId="{628CABA7-E17A-49BB-8C4F-879353F375D9}" destId="{5AF3859D-02AC-4411-BC99-AFA82C677F1F}" srcOrd="2" destOrd="0" parTransId="{C47B21B3-EA0F-405C-B768-E3A329267F78}" sibTransId="{E1CBCFF7-0EBC-42B7-A319-8DF12943EFC3}"/>
     <dgm:cxn modelId="{E42DEBA0-FE63-4034-BCC7-BD16404F82FA}" type="presOf" srcId="{0E978F52-B9E9-49F2-A774-758321E4451D}" destId="{8F4F3AEE-9C65-4304-B42D-27615755F50F}" srcOrd="1" destOrd="2" presId="urn:microsoft.com/office/officeart/2005/8/layout/vList4"/>
     <dgm:cxn modelId="{921B3E89-5895-4EC5-B15B-468B53E8360F}" type="presOf" srcId="{E3CC3295-5406-4E42-8659-8CAAC24F86CF}" destId="{C2030306-4C9A-4832-ABBB-2E9A66BD91E5}" srcOrd="1" destOrd="1" presId="urn:microsoft.com/office/officeart/2005/8/layout/vList4"/>
     <dgm:cxn modelId="{A02D1307-A6E6-4F91-8C5D-BFC4D3F6A81D}" type="presOf" srcId="{E420F95F-0174-479A-A661-C23F076EE8D4}" destId="{BB84DB34-BA67-4F32-ADA4-2380B8C83095}" srcOrd="0" destOrd="2" presId="urn:microsoft.com/office/officeart/2005/8/layout/vList4"/>
@@ -22726,11 +22726,7 @@
             </a:r>
             <a:r>
               <a:rPr lang="en-US" baseline="0" dirty="0" smtClean="0"/>
-              <a:t> flowcharts, project charts</a:t>
-            </a:r>
-            <a:r>
-              <a:rPr lang="en-US" baseline="0" dirty="0" smtClean="0"/>
-              <a:t>.)</a:t>
+              <a:t> flowcharts, project charts.)</a:t>
             </a:r>
           </a:p>
           <a:p>
@@ -22762,7 +22758,7 @@
           <a:p>
             <a:fld id="{94349F02-7B7E-4405-841E-9FEA710E9D5A}" type="slidenum">
               <a:rPr lang="en-US" smtClean="0"/>
-              <a:t>16</a:t>
+              <a:t>15</a:t>
             </a:fld>
             <a:endParaRPr lang="en-US"/>
           </a:p>
@@ -26365,11 +26361,7 @@
             </a:r>
             <a:r>
               <a:rPr lang="en-US" baseline="0" dirty="0" smtClean="0"/>
-              <a:t> he </a:t>
-            </a:r>
-            <a:r>
-              <a:rPr lang="en-US" baseline="0" dirty="0" smtClean="0"/>
-              <a:t>thong do an nay: </a:t>
+              <a:t> he thong do an nay: </a:t>
             </a:r>
             <a:r>
               <a:rPr lang="en-US" baseline="0" dirty="0" err="1" smtClean="0"/>
@@ -27560,11 +27552,7 @@
             </a:r>
             <a:r>
               <a:rPr lang="en-US" baseline="0" dirty="0" smtClean="0"/>
-              <a:t> </a:t>
-            </a:r>
-            <a:r>
-              <a:rPr lang="en-US" baseline="0" dirty="0" smtClean="0"/>
-              <a:t>slide </a:t>
+              <a:t> slide </a:t>
             </a:r>
             <a:r>
               <a:rPr lang="en-US" baseline="0" dirty="0" err="1" smtClean="0"/>
@@ -30625,7 +30613,7 @@
           <a:p>
             <a:fld id="{94349F02-7B7E-4405-841E-9FEA710E9D5A}" type="slidenum">
               <a:rPr lang="en-US" smtClean="0"/>
-              <a:t>11</a:t>
+              <a:t>10</a:t>
             </a:fld>
             <a:endParaRPr lang="en-US"/>
           </a:p>
@@ -31362,7 +31350,7 @@
           <a:p>
             <a:fld id="{94349F02-7B7E-4405-841E-9FEA710E9D5A}" type="slidenum">
               <a:rPr lang="en-US" smtClean="0"/>
-              <a:t>12</a:t>
+              <a:t>11</a:t>
             </a:fld>
             <a:endParaRPr lang="en-US"/>
           </a:p>
@@ -31838,7 +31826,7 @@
           <a:p>
             <a:fld id="{94349F02-7B7E-4405-841E-9FEA710E9D5A}" type="slidenum">
               <a:rPr lang="en-US" smtClean="0"/>
-              <a:t>13</a:t>
+              <a:t>12</a:t>
             </a:fld>
             <a:endParaRPr lang="en-US"/>
           </a:p>
@@ -33417,7 +33405,7 @@
           <a:p>
             <a:fld id="{94349F02-7B7E-4405-841E-9FEA710E9D5A}" type="slidenum">
               <a:rPr lang="en-US" smtClean="0"/>
-              <a:t>14</a:t>
+              <a:t>13</a:t>
             </a:fld>
             <a:endParaRPr lang="en-US"/>
           </a:p>
@@ -34137,6 +34125,479 @@
               </a:rPr>
               <a:t>Repetition of comment on all Report:80% comments closed at the 1st round &amp; 20% comment at the 2nd &amp; 3rd round </a:t>
             </a:r>
+            <a:endParaRPr lang="en-US" dirty="0" smtClean="0">
+              <a:solidFill>
+                <a:schemeClr val="tx1"/>
+              </a:solidFill>
+            </a:endParaRPr>
+          </a:p>
+          <a:p>
+            <a:pPr lvl="1"/>
+            <a:endParaRPr lang="en-US" dirty="0" smtClean="0">
+              <a:solidFill>
+                <a:schemeClr val="tx1"/>
+              </a:solidFill>
+            </a:endParaRPr>
+          </a:p>
+          <a:p>
+            <a:pPr rtl="0" eaLnBrk="1" fontAlgn="t" latinLnBrk="0" hangingPunct="1"/>
+            <a:r>
+              <a:rPr lang="en-US" sz="1200" b="1" i="0" u="none" strike="noStrike" kern="1200" dirty="0" smtClean="0">
+                <a:solidFill>
+                  <a:schemeClr val="tx1"/>
+                </a:solidFill>
+                <a:effectLst/>
+                <a:latin typeface="+mn-lt"/>
+                <a:ea typeface="+mn-ea"/>
+                <a:cs typeface="+mn-cs"/>
+              </a:rPr>
+              <a:t>2</a:t>
+            </a:r>
+            <a:endParaRPr lang="en-US" sz="1600" b="0" i="0" u="none" strike="noStrike" kern="1200" dirty="0" smtClean="0">
+              <a:solidFill>
+                <a:schemeClr val="tx1"/>
+              </a:solidFill>
+              <a:effectLst/>
+              <a:latin typeface="+mn-lt"/>
+              <a:ea typeface="+mn-ea"/>
+              <a:cs typeface="+mn-cs"/>
+            </a:endParaRPr>
+          </a:p>
+          <a:p>
+            <a:pPr rtl="0" eaLnBrk="1" fontAlgn="t" latinLnBrk="0" hangingPunct="1"/>
+            <a:r>
+              <a:rPr lang="en-US" sz="1200" b="1" i="0" u="none" strike="noStrike" kern="1200" dirty="0" smtClean="0">
+                <a:solidFill>
+                  <a:schemeClr val="tx1"/>
+                </a:solidFill>
+                <a:effectLst/>
+                <a:latin typeface="+mn-lt"/>
+                <a:ea typeface="+mn-ea"/>
+                <a:cs typeface="+mn-cs"/>
+              </a:rPr>
+              <a:t>Usability</a:t>
+            </a:r>
+            <a:endParaRPr lang="en-US" sz="1600" b="0" i="0" u="none" strike="noStrike" kern="1200" dirty="0" smtClean="0">
+              <a:solidFill>
+                <a:schemeClr val="tx1"/>
+              </a:solidFill>
+              <a:effectLst/>
+              <a:latin typeface="+mn-lt"/>
+              <a:ea typeface="+mn-ea"/>
+              <a:cs typeface="+mn-cs"/>
+            </a:endParaRPr>
+          </a:p>
+          <a:p>
+            <a:pPr rtl="0" eaLnBrk="1" fontAlgn="t" latinLnBrk="0" hangingPunct="1"/>
+            <a:r>
+              <a:rPr lang="en-US" sz="1200" b="1" i="0" u="none" strike="noStrike" kern="1200" dirty="0" smtClean="0">
+                <a:solidFill>
+                  <a:schemeClr val="tx1"/>
+                </a:solidFill>
+                <a:effectLst/>
+                <a:latin typeface="+mn-lt"/>
+                <a:ea typeface="+mn-ea"/>
+                <a:cs typeface="+mn-cs"/>
+              </a:rPr>
+              <a:t>Main functions are completed.</a:t>
+            </a:r>
+            <a:r>
+              <a:rPr lang="en-US" sz="1200" b="1" i="0" u="none" strike="noStrike" kern="1200" baseline="0" dirty="0" smtClean="0">
+                <a:solidFill>
+                  <a:schemeClr val="tx1"/>
+                </a:solidFill>
+                <a:effectLst/>
+                <a:latin typeface="+mn-lt"/>
+                <a:ea typeface="+mn-ea"/>
+                <a:cs typeface="+mn-cs"/>
+              </a:rPr>
+              <a:t> </a:t>
+            </a:r>
+            <a:endParaRPr lang="en-US" sz="1600" b="0" i="0" u="none" strike="noStrike" kern="1200" dirty="0" smtClean="0">
+              <a:solidFill>
+                <a:schemeClr val="tx1"/>
+              </a:solidFill>
+              <a:effectLst/>
+              <a:latin typeface="+mn-lt"/>
+              <a:ea typeface="+mn-ea"/>
+              <a:cs typeface="+mn-cs"/>
+            </a:endParaRPr>
+          </a:p>
+          <a:p>
+            <a:pPr rtl="0" eaLnBrk="1" fontAlgn="t" latinLnBrk="0" hangingPunct="1"/>
+            <a:r>
+              <a:rPr lang="en-US" sz="1200" b="1" i="0" u="none" strike="noStrike" kern="1200" dirty="0" smtClean="0">
+                <a:solidFill>
+                  <a:schemeClr val="tx1"/>
+                </a:solidFill>
+                <a:effectLst/>
+                <a:latin typeface="+mn-lt"/>
+                <a:ea typeface="+mn-ea"/>
+                <a:cs typeface="+mn-cs"/>
+              </a:rPr>
+              <a:t>The functions which</a:t>
+            </a:r>
+            <a:r>
+              <a:rPr lang="en-US" sz="1200" b="1" i="0" u="none" strike="noStrike" kern="1200" baseline="0" dirty="0" smtClean="0">
+                <a:solidFill>
+                  <a:schemeClr val="tx1"/>
+                </a:solidFill>
+                <a:effectLst/>
+                <a:latin typeface="+mn-lt"/>
+                <a:ea typeface="+mn-ea"/>
+                <a:cs typeface="+mn-cs"/>
+              </a:rPr>
+              <a:t> are high priority will be work first.</a:t>
+            </a:r>
+            <a:endParaRPr lang="en-US" sz="1600" b="0" i="0" u="none" strike="noStrike" kern="1200" dirty="0" smtClean="0">
+              <a:solidFill>
+                <a:schemeClr val="tx1"/>
+              </a:solidFill>
+              <a:effectLst/>
+              <a:latin typeface="+mn-lt"/>
+              <a:ea typeface="+mn-ea"/>
+              <a:cs typeface="+mn-cs"/>
+            </a:endParaRPr>
+          </a:p>
+          <a:p>
+            <a:pPr rtl="0" eaLnBrk="1" fontAlgn="t" latinLnBrk="0" hangingPunct="1"/>
+            <a:r>
+              <a:rPr lang="en-US" sz="1200" b="0" i="0" u="none" strike="noStrike" kern="1200" dirty="0" smtClean="0">
+                <a:solidFill>
+                  <a:schemeClr val="tx1"/>
+                </a:solidFill>
+                <a:effectLst/>
+                <a:latin typeface="+mn-lt"/>
+                <a:ea typeface="+mn-ea"/>
+                <a:cs typeface="+mn-cs"/>
+              </a:rPr>
+              <a:t>High</a:t>
+            </a:r>
+            <a:endParaRPr lang="en-US" sz="1600" b="0" i="0" u="none" strike="noStrike" kern="1200" dirty="0" smtClean="0">
+              <a:solidFill>
+                <a:schemeClr val="tx1"/>
+              </a:solidFill>
+              <a:effectLst/>
+              <a:latin typeface="+mn-lt"/>
+              <a:ea typeface="+mn-ea"/>
+              <a:cs typeface="+mn-cs"/>
+            </a:endParaRPr>
+          </a:p>
+          <a:p>
+            <a:pPr lvl="1"/>
+            <a:endParaRPr lang="en-US" dirty="0" smtClean="0">
+              <a:solidFill>
+                <a:schemeClr val="tx1"/>
+              </a:solidFill>
+            </a:endParaRPr>
+          </a:p>
+          <a:p>
+            <a:pPr rtl="0" eaLnBrk="1" fontAlgn="t" latinLnBrk="0" hangingPunct="1"/>
+            <a:r>
+              <a:rPr lang="en-US" sz="1200" b="1" i="0" u="none" strike="noStrike" kern="1200" dirty="0" smtClean="0">
+                <a:solidFill>
+                  <a:schemeClr val="tx1"/>
+                </a:solidFill>
+                <a:effectLst/>
+                <a:latin typeface="+mn-lt"/>
+                <a:ea typeface="+mn-ea"/>
+                <a:cs typeface="+mn-cs"/>
+              </a:rPr>
+              <a:t>4</a:t>
+            </a:r>
+            <a:endParaRPr lang="en-US" sz="1600" b="0" i="0" u="none" strike="noStrike" kern="1200" dirty="0" smtClean="0">
+              <a:solidFill>
+                <a:schemeClr val="tx1"/>
+              </a:solidFill>
+              <a:effectLst/>
+              <a:latin typeface="+mn-lt"/>
+              <a:ea typeface="+mn-ea"/>
+              <a:cs typeface="+mn-cs"/>
+            </a:endParaRPr>
+          </a:p>
+          <a:p>
+            <a:pPr rtl="0" eaLnBrk="1" fontAlgn="t" latinLnBrk="0" hangingPunct="1"/>
+            <a:r>
+              <a:rPr lang="en-US" sz="1200" b="1" i="0" u="none" strike="noStrike" kern="1200" dirty="0" smtClean="0">
+                <a:solidFill>
+                  <a:schemeClr val="tx1"/>
+                </a:solidFill>
+                <a:effectLst/>
+                <a:latin typeface="+mn-lt"/>
+                <a:ea typeface="+mn-ea"/>
+                <a:cs typeface="+mn-cs"/>
+              </a:rPr>
+              <a:t>Functionality</a:t>
+            </a:r>
+            <a:endParaRPr lang="en-US" sz="1600" b="0" i="0" u="none" strike="noStrike" kern="1200" dirty="0" smtClean="0">
+              <a:solidFill>
+                <a:schemeClr val="tx1"/>
+              </a:solidFill>
+              <a:effectLst/>
+              <a:latin typeface="+mn-lt"/>
+              <a:ea typeface="+mn-ea"/>
+              <a:cs typeface="+mn-cs"/>
+            </a:endParaRPr>
+          </a:p>
+          <a:p>
+            <a:pPr rtl="0" eaLnBrk="1" fontAlgn="t" latinLnBrk="0" hangingPunct="1"/>
+            <a:r>
+              <a:rPr lang="en-US" sz="1200" b="1" i="0" u="none" strike="noStrike" kern="1200" dirty="0" smtClean="0">
+                <a:solidFill>
+                  <a:schemeClr val="tx1"/>
+                </a:solidFill>
+                <a:effectLst/>
+                <a:latin typeface="+mn-lt"/>
+                <a:ea typeface="+mn-ea"/>
+                <a:cs typeface="+mn-cs"/>
+              </a:rPr>
+              <a:t>Functions are conformable with requirement. </a:t>
+            </a:r>
+            <a:endParaRPr lang="en-US" sz="1600" b="0" i="0" u="none" strike="noStrike" kern="1200" dirty="0" smtClean="0">
+              <a:solidFill>
+                <a:schemeClr val="tx1"/>
+              </a:solidFill>
+              <a:effectLst/>
+              <a:latin typeface="+mn-lt"/>
+              <a:ea typeface="+mn-ea"/>
+              <a:cs typeface="+mn-cs"/>
+            </a:endParaRPr>
+          </a:p>
+          <a:p>
+            <a:pPr rtl="0" eaLnBrk="1" fontAlgn="t" latinLnBrk="0" hangingPunct="1"/>
+            <a:r>
+              <a:rPr lang="en-US" sz="1200" b="1" i="0" u="none" strike="noStrike" kern="1200" dirty="0" smtClean="0">
+                <a:solidFill>
+                  <a:schemeClr val="tx1"/>
+                </a:solidFill>
+                <a:effectLst/>
+                <a:latin typeface="+mn-lt"/>
+                <a:ea typeface="+mn-ea"/>
+                <a:cs typeface="+mn-cs"/>
+              </a:rPr>
+              <a:t>Leader usually</a:t>
+            </a:r>
+            <a:r>
+              <a:rPr lang="en-US" sz="1200" b="1" i="0" u="none" strike="noStrike" kern="1200" baseline="0" dirty="0" smtClean="0">
+                <a:solidFill>
+                  <a:schemeClr val="tx1"/>
+                </a:solidFill>
+                <a:effectLst/>
+                <a:latin typeface="+mn-lt"/>
+                <a:ea typeface="+mn-ea"/>
+                <a:cs typeface="+mn-cs"/>
+              </a:rPr>
+              <a:t> </a:t>
+            </a:r>
+            <a:r>
+              <a:rPr lang="en-US" sz="1200" b="1" i="0" u="none" strike="noStrike" kern="1200" dirty="0" smtClean="0">
+                <a:solidFill>
+                  <a:schemeClr val="tx1"/>
+                </a:solidFill>
+                <a:effectLst/>
+                <a:latin typeface="+mn-lt"/>
+                <a:ea typeface="+mn-ea"/>
+                <a:cs typeface="+mn-cs"/>
+              </a:rPr>
+              <a:t>check work of each member.</a:t>
+            </a:r>
+            <a:r>
+              <a:rPr lang="en-US" sz="1200" b="1" i="0" u="none" strike="noStrike" kern="1200" baseline="0" dirty="0" smtClean="0">
+                <a:solidFill>
+                  <a:schemeClr val="tx1"/>
+                </a:solidFill>
+                <a:effectLst/>
+                <a:latin typeface="+mn-lt"/>
+                <a:ea typeface="+mn-ea"/>
+                <a:cs typeface="+mn-cs"/>
+              </a:rPr>
+              <a:t> </a:t>
+            </a:r>
+            <a:endParaRPr lang="en-US" sz="1600" b="0" i="0" u="none" strike="noStrike" kern="1200" dirty="0" smtClean="0">
+              <a:solidFill>
+                <a:schemeClr val="tx1"/>
+              </a:solidFill>
+              <a:effectLst/>
+              <a:latin typeface="+mn-lt"/>
+              <a:ea typeface="+mn-ea"/>
+              <a:cs typeface="+mn-cs"/>
+            </a:endParaRPr>
+          </a:p>
+          <a:p>
+            <a:pPr rtl="0" eaLnBrk="1" fontAlgn="t" latinLnBrk="0" hangingPunct="1"/>
+            <a:r>
+              <a:rPr lang="en-US" sz="1200" b="0" i="0" u="none" strike="noStrike" kern="1200" dirty="0" smtClean="0">
+                <a:solidFill>
+                  <a:schemeClr val="tx1"/>
+                </a:solidFill>
+                <a:effectLst/>
+                <a:latin typeface="+mn-lt"/>
+                <a:ea typeface="+mn-ea"/>
+                <a:cs typeface="+mn-cs"/>
+              </a:rPr>
+              <a:t>High</a:t>
+            </a:r>
+            <a:endParaRPr lang="en-US" sz="1600" b="0" i="0" u="none" strike="noStrike" kern="1200" dirty="0" smtClean="0">
+              <a:solidFill>
+                <a:schemeClr val="tx1"/>
+              </a:solidFill>
+              <a:effectLst/>
+              <a:latin typeface="+mn-lt"/>
+              <a:ea typeface="+mn-ea"/>
+              <a:cs typeface="+mn-cs"/>
+            </a:endParaRPr>
+          </a:p>
+          <a:p>
+            <a:pPr rtl="0" eaLnBrk="1" fontAlgn="t" latinLnBrk="0" hangingPunct="1"/>
+            <a:r>
+              <a:rPr lang="en-US" sz="1200" b="1" i="0" u="none" strike="noStrike" kern="1200" dirty="0" smtClean="0">
+                <a:solidFill>
+                  <a:schemeClr val="tx1"/>
+                </a:solidFill>
+                <a:effectLst/>
+                <a:latin typeface="+mn-lt"/>
+                <a:ea typeface="+mn-ea"/>
+                <a:cs typeface="+mn-cs"/>
+              </a:rPr>
+              <a:t>5</a:t>
+            </a:r>
+            <a:endParaRPr lang="en-US" sz="1600" b="0" i="0" u="none" strike="noStrike" kern="1200" dirty="0" smtClean="0">
+              <a:solidFill>
+                <a:schemeClr val="tx1"/>
+              </a:solidFill>
+              <a:effectLst/>
+              <a:latin typeface="+mn-lt"/>
+              <a:ea typeface="+mn-ea"/>
+              <a:cs typeface="+mn-cs"/>
+            </a:endParaRPr>
+          </a:p>
+          <a:p>
+            <a:pPr rtl="0" eaLnBrk="1" fontAlgn="t" latinLnBrk="0" hangingPunct="1"/>
+            <a:r>
+              <a:rPr lang="en-US" sz="1200" b="0" i="0" u="none" strike="noStrike" kern="1200" dirty="0" smtClean="0">
+                <a:solidFill>
+                  <a:schemeClr val="tx1"/>
+                </a:solidFill>
+                <a:effectLst/>
+                <a:latin typeface="+mn-lt"/>
+                <a:ea typeface="+mn-ea"/>
+                <a:cs typeface="+mn-cs"/>
+              </a:rPr>
+              <a:t>Maintainability</a:t>
+            </a:r>
+            <a:endParaRPr lang="en-US" sz="1600" b="0" i="0" u="none" strike="noStrike" kern="1200" dirty="0" smtClean="0">
+              <a:solidFill>
+                <a:schemeClr val="tx1"/>
+              </a:solidFill>
+              <a:effectLst/>
+              <a:latin typeface="+mn-lt"/>
+              <a:ea typeface="+mn-ea"/>
+              <a:cs typeface="+mn-cs"/>
+            </a:endParaRPr>
+          </a:p>
+          <a:p>
+            <a:pPr rtl="0" eaLnBrk="1" fontAlgn="t" latinLnBrk="0" hangingPunct="1"/>
+            <a:r>
+              <a:rPr lang="en-US" sz="1200" b="0" i="0" u="none" strike="noStrike" kern="1200" dirty="0" smtClean="0">
+                <a:solidFill>
+                  <a:schemeClr val="tx1"/>
+                </a:solidFill>
+                <a:effectLst/>
+                <a:latin typeface="+mn-lt"/>
+                <a:ea typeface="+mn-ea"/>
+                <a:cs typeface="+mn-cs"/>
+              </a:rPr>
+              <a:t>System is easy</a:t>
+            </a:r>
+            <a:r>
+              <a:rPr lang="en-US" sz="1200" b="0" i="0" u="none" strike="noStrike" kern="1200" baseline="0" dirty="0" smtClean="0">
+                <a:solidFill>
+                  <a:schemeClr val="tx1"/>
+                </a:solidFill>
+                <a:effectLst/>
+                <a:latin typeface="+mn-lt"/>
+                <a:ea typeface="+mn-ea"/>
+                <a:cs typeface="+mn-cs"/>
+              </a:rPr>
+              <a:t> to be maintain, document is sufficient and clear. </a:t>
+            </a:r>
+            <a:endParaRPr lang="en-US" sz="1600" b="0" i="0" u="none" strike="noStrike" kern="1200" dirty="0" smtClean="0">
+              <a:solidFill>
+                <a:schemeClr val="tx1"/>
+              </a:solidFill>
+              <a:effectLst/>
+              <a:latin typeface="+mn-lt"/>
+              <a:ea typeface="+mn-ea"/>
+              <a:cs typeface="+mn-cs"/>
+            </a:endParaRPr>
+          </a:p>
+          <a:p>
+            <a:pPr rtl="0" eaLnBrk="1" fontAlgn="t" latinLnBrk="0" hangingPunct="1"/>
+            <a:r>
+              <a:rPr lang="en-US" sz="1200" b="0" i="0" u="none" strike="noStrike" kern="1200" dirty="0" smtClean="0">
+                <a:solidFill>
+                  <a:schemeClr val="tx1"/>
+                </a:solidFill>
+                <a:effectLst/>
+                <a:latin typeface="+mn-lt"/>
+                <a:ea typeface="+mn-ea"/>
+                <a:cs typeface="+mn-cs"/>
+              </a:rPr>
+              <a:t>Developer</a:t>
+            </a:r>
+            <a:r>
+              <a:rPr lang="en-US" sz="1200" b="0" i="0" u="none" strike="noStrike" kern="1200" baseline="0" dirty="0" smtClean="0">
+                <a:solidFill>
+                  <a:schemeClr val="tx1"/>
+                </a:solidFill>
+                <a:effectLst/>
+                <a:latin typeface="+mn-lt"/>
+                <a:ea typeface="+mn-ea"/>
+                <a:cs typeface="+mn-cs"/>
+              </a:rPr>
+              <a:t> code according to MVC model to ensure maintenance easily. Document is written following Capstone project structure.</a:t>
+            </a:r>
+            <a:endParaRPr lang="en-US" sz="1600" b="0" i="0" u="none" strike="noStrike" kern="1200" dirty="0" smtClean="0">
+              <a:solidFill>
+                <a:schemeClr val="tx1"/>
+              </a:solidFill>
+              <a:effectLst/>
+              <a:latin typeface="+mn-lt"/>
+              <a:ea typeface="+mn-ea"/>
+              <a:cs typeface="+mn-cs"/>
+            </a:endParaRPr>
+          </a:p>
+          <a:p>
+            <a:pPr rtl="0" eaLnBrk="1" fontAlgn="t" latinLnBrk="0" hangingPunct="1"/>
+            <a:r>
+              <a:rPr lang="en-US" sz="1200" b="0" i="0" u="none" strike="noStrike" kern="1200" dirty="0" smtClean="0">
+                <a:solidFill>
+                  <a:schemeClr val="tx1"/>
+                </a:solidFill>
+                <a:effectLst/>
+                <a:latin typeface="+mn-lt"/>
+                <a:ea typeface="+mn-ea"/>
+                <a:cs typeface="+mn-cs"/>
+              </a:rPr>
+              <a:t>Medium</a:t>
+            </a:r>
+            <a:endParaRPr lang="en-US" sz="1600" b="0" i="0" u="none" strike="noStrike" kern="1200" dirty="0" smtClean="0">
+              <a:solidFill>
+                <a:schemeClr val="tx1"/>
+              </a:solidFill>
+              <a:effectLst/>
+              <a:latin typeface="+mn-lt"/>
+              <a:ea typeface="+mn-ea"/>
+              <a:cs typeface="+mn-cs"/>
+            </a:endParaRPr>
+          </a:p>
+          <a:p>
+            <a:pPr lvl="1"/>
+            <a:endParaRPr lang="en-US" dirty="0" smtClean="0">
+              <a:solidFill>
+                <a:schemeClr val="tx1"/>
+              </a:solidFill>
+            </a:endParaRPr>
           </a:p>
           <a:p>
             <a:endParaRPr lang="en-US" dirty="0"/>
@@ -34160,7 +34621,7 @@
           <a:p>
             <a:fld id="{94349F02-7B7E-4405-841E-9FEA710E9D5A}" type="slidenum">
               <a:rPr lang="en-US" smtClean="0"/>
-              <a:t>15</a:t>
+              <a:t>14</a:t>
             </a:fld>
             <a:endParaRPr lang="en-US"/>
           </a:p>
@@ -38471,1131 +38932,6 @@
           <a:lstStyle/>
           <a:p>
             <a:r>
-              <a:rPr lang="en-US" dirty="0" smtClean="0"/>
-              <a:t>Project Management Plan</a:t>
-            </a:r>
-            <a:endParaRPr lang="en-US" dirty="0"/>
-          </a:p>
-        </p:txBody>
-      </p:sp>
-      <p:sp>
-        <p:nvSpPr>
-          <p:cNvPr id="3" name="Content Placeholder 2"/>
-          <p:cNvSpPr>
-            <a:spLocks noGrp="1"/>
-          </p:cNvSpPr>
-          <p:nvPr>
-            <p:ph idx="1"/>
-          </p:nvPr>
-        </p:nvSpPr>
-        <p:spPr>
-          <a:xfrm>
-            <a:off x="457200" y="1066801"/>
-            <a:ext cx="8229600" cy="762000"/>
-          </a:xfrm>
-        </p:spPr>
-        <p:txBody>
-          <a:bodyPr/>
-          <a:lstStyle/>
-          <a:p>
-            <a:endParaRPr lang="en-US" dirty="0"/>
-          </a:p>
-        </p:txBody>
-      </p:sp>
-      <p:sp>
-        <p:nvSpPr>
-          <p:cNvPr id="6" name="AutoShape 23"/>
-          <p:cNvSpPr>
-            <a:spLocks noChangeArrowheads="1"/>
-          </p:cNvSpPr>
-          <p:nvPr/>
-        </p:nvSpPr>
-        <p:spPr bwMode="gray">
-          <a:xfrm>
-            <a:off x="2601686" y="1262289"/>
-            <a:ext cx="4343400" cy="457200"/>
-          </a:xfrm>
-          <a:prstGeom prst="roundRect">
-            <a:avLst>
-              <a:gd name="adj" fmla="val 16667"/>
-            </a:avLst>
-          </a:prstGeom>
-          <a:ln>
-            <a:headEnd/>
-            <a:tailEnd/>
-          </a:ln>
-        </p:spPr>
-        <p:style>
-          <a:lnRef idx="1">
-            <a:schemeClr val="accent2"/>
-          </a:lnRef>
-          <a:fillRef idx="2">
-            <a:schemeClr val="accent2"/>
-          </a:fillRef>
-          <a:effectRef idx="1">
-            <a:schemeClr val="accent2"/>
-          </a:effectRef>
-          <a:fontRef idx="minor">
-            <a:schemeClr val="dk1"/>
-          </a:fontRef>
-        </p:style>
-        <p:txBody>
-          <a:bodyPr wrap="none" anchor="ctr"/>
-          <a:lstStyle/>
-          <a:p>
-            <a:endParaRPr lang="en-US"/>
-          </a:p>
-        </p:txBody>
-      </p:sp>
-      <p:sp>
-        <p:nvSpPr>
-          <p:cNvPr id="7" name="AutoShape 24"/>
-          <p:cNvSpPr>
-            <a:spLocks noChangeArrowheads="1"/>
-          </p:cNvSpPr>
-          <p:nvPr/>
-        </p:nvSpPr>
-        <p:spPr bwMode="gray">
-          <a:xfrm>
-            <a:off x="2220686" y="1143227"/>
-            <a:ext cx="685800" cy="685800"/>
-          </a:xfrm>
-          <a:prstGeom prst="diamond">
-            <a:avLst/>
-          </a:prstGeom>
-          <a:ln>
-            <a:headEnd/>
-            <a:tailEnd/>
-          </a:ln>
-        </p:spPr>
-        <p:style>
-          <a:lnRef idx="3">
-            <a:schemeClr val="lt1"/>
-          </a:lnRef>
-          <a:fillRef idx="1">
-            <a:schemeClr val="accent2"/>
-          </a:fillRef>
-          <a:effectRef idx="1">
-            <a:schemeClr val="accent2"/>
-          </a:effectRef>
-          <a:fontRef idx="minor">
-            <a:schemeClr val="lt1"/>
-          </a:fontRef>
-        </p:style>
-        <p:txBody>
-          <a:bodyPr wrap="none" anchor="ctr"/>
-          <a:lstStyle/>
-          <a:p>
-            <a:endParaRPr lang="en-US"/>
-          </a:p>
-        </p:txBody>
-      </p:sp>
-      <p:sp>
-        <p:nvSpPr>
-          <p:cNvPr id="8" name="Text Box 25"/>
-          <p:cNvSpPr txBox="1">
-            <a:spLocks noChangeArrowheads="1"/>
-          </p:cNvSpPr>
-          <p:nvPr/>
-        </p:nvSpPr>
-        <p:spPr bwMode="gray">
-          <a:xfrm>
-            <a:off x="2830286" y="1317852"/>
-            <a:ext cx="3886200" cy="366712"/>
-          </a:xfrm>
-          <a:prstGeom prst="rect">
-            <a:avLst/>
-          </a:prstGeom>
-          <a:noFill/>
-          <a:ln w="9525" algn="ctr">
-            <a:noFill/>
-            <a:miter lim="800000"/>
-            <a:headEnd/>
-            <a:tailEnd/>
-          </a:ln>
-          <a:effectLst/>
-        </p:spPr>
-        <p:txBody>
-          <a:bodyPr>
-            <a:spAutoFit/>
-          </a:bodyPr>
-          <a:lstStyle/>
-          <a:p>
-            <a:pPr algn="ctr" eaLnBrk="0" hangingPunct="0"/>
-            <a:r>
-              <a:rPr lang="en-US" b="1" dirty="0" smtClean="0"/>
-              <a:t>Software Process Model</a:t>
-            </a:r>
-            <a:endParaRPr lang="en-US" b="1" dirty="0"/>
-          </a:p>
-        </p:txBody>
-      </p:sp>
-      <p:sp>
-        <p:nvSpPr>
-          <p:cNvPr id="9" name="Text Box 26"/>
-          <p:cNvSpPr txBox="1">
-            <a:spLocks noChangeArrowheads="1"/>
-          </p:cNvSpPr>
-          <p:nvPr/>
-        </p:nvSpPr>
-        <p:spPr bwMode="gray">
-          <a:xfrm>
-            <a:off x="2374674" y="1241652"/>
-            <a:ext cx="354012" cy="457200"/>
-          </a:xfrm>
-          <a:prstGeom prst="rect">
-            <a:avLst/>
-          </a:prstGeom>
-          <a:noFill/>
-          <a:ln w="9525" algn="ctr">
-            <a:noFill/>
-            <a:miter lim="800000"/>
-            <a:headEnd/>
-            <a:tailEnd/>
-          </a:ln>
-          <a:effectLst/>
-        </p:spPr>
-        <p:txBody>
-          <a:bodyPr wrap="none">
-            <a:spAutoFit/>
-          </a:bodyPr>
-          <a:lstStyle/>
-          <a:p>
-            <a:pPr algn="ctr" eaLnBrk="0" hangingPunct="0"/>
-            <a:r>
-              <a:rPr lang="en-US" sz="2400">
-                <a:solidFill>
-                  <a:srgbClr val="FEFEFE"/>
-                </a:solidFill>
-              </a:rPr>
-              <a:t>1</a:t>
-            </a:r>
-          </a:p>
-        </p:txBody>
-      </p:sp>
-      <p:sp>
-        <p:nvSpPr>
-          <p:cNvPr id="10" name="AutoShape 27"/>
-          <p:cNvSpPr>
-            <a:spLocks noChangeArrowheads="1"/>
-          </p:cNvSpPr>
-          <p:nvPr/>
-        </p:nvSpPr>
-        <p:spPr bwMode="gray">
-          <a:xfrm>
-            <a:off x="2601686" y="2100489"/>
-            <a:ext cx="4343400" cy="457200"/>
-          </a:xfrm>
-          <a:prstGeom prst="roundRect">
-            <a:avLst>
-              <a:gd name="adj" fmla="val 16667"/>
-            </a:avLst>
-          </a:prstGeom>
-          <a:ln>
-            <a:headEnd/>
-            <a:tailEnd/>
-          </a:ln>
-        </p:spPr>
-        <p:style>
-          <a:lnRef idx="1">
-            <a:schemeClr val="accent1"/>
-          </a:lnRef>
-          <a:fillRef idx="2">
-            <a:schemeClr val="accent1"/>
-          </a:fillRef>
-          <a:effectRef idx="1">
-            <a:schemeClr val="accent1"/>
-          </a:effectRef>
-          <a:fontRef idx="minor">
-            <a:schemeClr val="dk1"/>
-          </a:fontRef>
-        </p:style>
-        <p:txBody>
-          <a:bodyPr wrap="none" anchor="ctr"/>
-          <a:lstStyle/>
-          <a:p>
-            <a:endParaRPr lang="en-US"/>
-          </a:p>
-        </p:txBody>
-      </p:sp>
-      <p:sp>
-        <p:nvSpPr>
-          <p:cNvPr id="11" name="AutoShape 28"/>
-          <p:cNvSpPr>
-            <a:spLocks noChangeArrowheads="1"/>
-          </p:cNvSpPr>
-          <p:nvPr/>
-        </p:nvSpPr>
-        <p:spPr bwMode="gray">
-          <a:xfrm>
-            <a:off x="2220686" y="1981427"/>
-            <a:ext cx="685800" cy="685800"/>
-          </a:xfrm>
-          <a:prstGeom prst="diamond">
-            <a:avLst/>
-          </a:prstGeom>
-          <a:ln>
-            <a:headEnd/>
-            <a:tailEnd/>
-          </a:ln>
-        </p:spPr>
-        <p:style>
-          <a:lnRef idx="3">
-            <a:schemeClr val="lt1"/>
-          </a:lnRef>
-          <a:fillRef idx="1">
-            <a:schemeClr val="accent1"/>
-          </a:fillRef>
-          <a:effectRef idx="1">
-            <a:schemeClr val="accent1"/>
-          </a:effectRef>
-          <a:fontRef idx="minor">
-            <a:schemeClr val="lt1"/>
-          </a:fontRef>
-        </p:style>
-        <p:txBody>
-          <a:bodyPr wrap="none" anchor="ctr"/>
-          <a:lstStyle/>
-          <a:p>
-            <a:endParaRPr lang="en-US"/>
-          </a:p>
-        </p:txBody>
-      </p:sp>
-      <p:sp>
-        <p:nvSpPr>
-          <p:cNvPr id="12" name="Text Box 29"/>
-          <p:cNvSpPr txBox="1">
-            <a:spLocks noChangeArrowheads="1"/>
-          </p:cNvSpPr>
-          <p:nvPr/>
-        </p:nvSpPr>
-        <p:spPr bwMode="gray">
-          <a:xfrm>
-            <a:off x="2830286" y="2156052"/>
-            <a:ext cx="3886200" cy="366712"/>
-          </a:xfrm>
-          <a:prstGeom prst="rect">
-            <a:avLst/>
-          </a:prstGeom>
-          <a:noFill/>
-          <a:ln w="9525" algn="ctr">
-            <a:noFill/>
-            <a:miter lim="800000"/>
-            <a:headEnd/>
-            <a:tailEnd/>
-          </a:ln>
-          <a:effectLst/>
-        </p:spPr>
-        <p:txBody>
-          <a:bodyPr>
-            <a:spAutoFit/>
-          </a:bodyPr>
-          <a:lstStyle/>
-          <a:p>
-            <a:pPr algn="ctr" eaLnBrk="0" hangingPunct="0"/>
-            <a:r>
-              <a:rPr lang="en-US" b="1" dirty="0" smtClean="0"/>
-              <a:t>Communication Control</a:t>
-            </a:r>
-            <a:endParaRPr lang="en-US" b="1" dirty="0"/>
-          </a:p>
-        </p:txBody>
-      </p:sp>
-      <p:sp>
-        <p:nvSpPr>
-          <p:cNvPr id="13" name="Text Box 30"/>
-          <p:cNvSpPr txBox="1">
-            <a:spLocks noChangeArrowheads="1"/>
-          </p:cNvSpPr>
-          <p:nvPr/>
-        </p:nvSpPr>
-        <p:spPr bwMode="gray">
-          <a:xfrm>
-            <a:off x="2374674" y="2079852"/>
-            <a:ext cx="354012" cy="457200"/>
-          </a:xfrm>
-          <a:prstGeom prst="rect">
-            <a:avLst/>
-          </a:prstGeom>
-          <a:noFill/>
-          <a:ln w="9525" algn="ctr">
-            <a:noFill/>
-            <a:miter lim="800000"/>
-            <a:headEnd/>
-            <a:tailEnd/>
-          </a:ln>
-          <a:effectLst/>
-        </p:spPr>
-        <p:txBody>
-          <a:bodyPr wrap="none">
-            <a:spAutoFit/>
-          </a:bodyPr>
-          <a:lstStyle/>
-          <a:p>
-            <a:pPr algn="ctr" eaLnBrk="0" hangingPunct="0"/>
-            <a:r>
-              <a:rPr lang="en-US" sz="2400">
-                <a:solidFill>
-                  <a:srgbClr val="FEFEFE"/>
-                </a:solidFill>
-              </a:rPr>
-              <a:t>2</a:t>
-            </a:r>
-          </a:p>
-        </p:txBody>
-      </p:sp>
-      <p:sp>
-        <p:nvSpPr>
-          <p:cNvPr id="14" name="AutoShape 31"/>
-          <p:cNvSpPr>
-            <a:spLocks noChangeArrowheads="1"/>
-          </p:cNvSpPr>
-          <p:nvPr/>
-        </p:nvSpPr>
-        <p:spPr bwMode="gray">
-          <a:xfrm>
-            <a:off x="2601686" y="2938689"/>
-            <a:ext cx="4343400" cy="457200"/>
-          </a:xfrm>
-          <a:prstGeom prst="roundRect">
-            <a:avLst>
-              <a:gd name="adj" fmla="val 16667"/>
-            </a:avLst>
-          </a:prstGeom>
-          <a:ln>
-            <a:headEnd/>
-            <a:tailEnd/>
-          </a:ln>
-        </p:spPr>
-        <p:style>
-          <a:lnRef idx="1">
-            <a:schemeClr val="accent3"/>
-          </a:lnRef>
-          <a:fillRef idx="2">
-            <a:schemeClr val="accent3"/>
-          </a:fillRef>
-          <a:effectRef idx="1">
-            <a:schemeClr val="accent3"/>
-          </a:effectRef>
-          <a:fontRef idx="minor">
-            <a:schemeClr val="dk1"/>
-          </a:fontRef>
-        </p:style>
-        <p:txBody>
-          <a:bodyPr wrap="none" anchor="ctr"/>
-          <a:lstStyle/>
-          <a:p>
-            <a:endParaRPr lang="en-US"/>
-          </a:p>
-        </p:txBody>
-      </p:sp>
-      <p:sp>
-        <p:nvSpPr>
-          <p:cNvPr id="15" name="AutoShape 32"/>
-          <p:cNvSpPr>
-            <a:spLocks noChangeArrowheads="1"/>
-          </p:cNvSpPr>
-          <p:nvPr/>
-        </p:nvSpPr>
-        <p:spPr bwMode="gray">
-          <a:xfrm>
-            <a:off x="2220686" y="2819627"/>
-            <a:ext cx="685800" cy="685800"/>
-          </a:xfrm>
-          <a:prstGeom prst="diamond">
-            <a:avLst/>
-          </a:prstGeom>
-          <a:ln>
-            <a:headEnd/>
-            <a:tailEnd/>
-          </a:ln>
-        </p:spPr>
-        <p:style>
-          <a:lnRef idx="3">
-            <a:schemeClr val="lt1"/>
-          </a:lnRef>
-          <a:fillRef idx="1">
-            <a:schemeClr val="accent3"/>
-          </a:fillRef>
-          <a:effectRef idx="1">
-            <a:schemeClr val="accent3"/>
-          </a:effectRef>
-          <a:fontRef idx="minor">
-            <a:schemeClr val="lt1"/>
-          </a:fontRef>
-        </p:style>
-        <p:txBody>
-          <a:bodyPr wrap="none" anchor="ctr"/>
-          <a:lstStyle/>
-          <a:p>
-            <a:endParaRPr lang="en-US"/>
-          </a:p>
-        </p:txBody>
-      </p:sp>
-      <p:sp>
-        <p:nvSpPr>
-          <p:cNvPr id="16" name="Text Box 33"/>
-          <p:cNvSpPr txBox="1">
-            <a:spLocks noChangeArrowheads="1"/>
-          </p:cNvSpPr>
-          <p:nvPr/>
-        </p:nvSpPr>
-        <p:spPr bwMode="gray">
-          <a:xfrm>
-            <a:off x="2830286" y="2994252"/>
-            <a:ext cx="3886200" cy="366712"/>
-          </a:xfrm>
-          <a:prstGeom prst="rect">
-            <a:avLst/>
-          </a:prstGeom>
-          <a:noFill/>
-          <a:ln w="9525" algn="ctr">
-            <a:noFill/>
-            <a:miter lim="800000"/>
-            <a:headEnd/>
-            <a:tailEnd/>
-          </a:ln>
-          <a:effectLst/>
-        </p:spPr>
-        <p:txBody>
-          <a:bodyPr>
-            <a:spAutoFit/>
-          </a:bodyPr>
-          <a:lstStyle/>
-          <a:p>
-            <a:pPr algn="ctr" eaLnBrk="0" hangingPunct="0"/>
-            <a:r>
-              <a:rPr lang="en-US" b="1" dirty="0"/>
-              <a:t>Project Plan</a:t>
-            </a:r>
-          </a:p>
-        </p:txBody>
-      </p:sp>
-      <p:sp>
-        <p:nvSpPr>
-          <p:cNvPr id="17" name="Text Box 34"/>
-          <p:cNvSpPr txBox="1">
-            <a:spLocks noChangeArrowheads="1"/>
-          </p:cNvSpPr>
-          <p:nvPr/>
-        </p:nvSpPr>
-        <p:spPr bwMode="gray">
-          <a:xfrm>
-            <a:off x="2374674" y="2918052"/>
-            <a:ext cx="354012" cy="457200"/>
-          </a:xfrm>
-          <a:prstGeom prst="rect">
-            <a:avLst/>
-          </a:prstGeom>
-          <a:noFill/>
-          <a:ln w="9525" algn="ctr">
-            <a:noFill/>
-            <a:miter lim="800000"/>
-            <a:headEnd/>
-            <a:tailEnd/>
-          </a:ln>
-          <a:effectLst/>
-        </p:spPr>
-        <p:txBody>
-          <a:bodyPr wrap="none">
-            <a:spAutoFit/>
-          </a:bodyPr>
-          <a:lstStyle/>
-          <a:p>
-            <a:pPr algn="ctr" eaLnBrk="0" hangingPunct="0"/>
-            <a:r>
-              <a:rPr lang="en-US" sz="2400">
-                <a:solidFill>
-                  <a:srgbClr val="FEFEFE"/>
-                </a:solidFill>
-              </a:rPr>
-              <a:t>3</a:t>
-            </a:r>
-          </a:p>
-        </p:txBody>
-      </p:sp>
-      <p:sp>
-        <p:nvSpPr>
-          <p:cNvPr id="18" name="AutoShape 35"/>
-          <p:cNvSpPr>
-            <a:spLocks noChangeArrowheads="1"/>
-          </p:cNvSpPr>
-          <p:nvPr/>
-        </p:nvSpPr>
-        <p:spPr bwMode="gray">
-          <a:xfrm>
-            <a:off x="2601686" y="3853089"/>
-            <a:ext cx="4343400" cy="457200"/>
-          </a:xfrm>
-          <a:prstGeom prst="roundRect">
-            <a:avLst>
-              <a:gd name="adj" fmla="val 16667"/>
-            </a:avLst>
-          </a:prstGeom>
-          <a:ln>
-            <a:headEnd/>
-            <a:tailEnd/>
-          </a:ln>
-        </p:spPr>
-        <p:style>
-          <a:lnRef idx="1">
-            <a:schemeClr val="accent4"/>
-          </a:lnRef>
-          <a:fillRef idx="2">
-            <a:schemeClr val="accent4"/>
-          </a:fillRef>
-          <a:effectRef idx="1">
-            <a:schemeClr val="accent4"/>
-          </a:effectRef>
-          <a:fontRef idx="minor">
-            <a:schemeClr val="dk1"/>
-          </a:fontRef>
-        </p:style>
-        <p:txBody>
-          <a:bodyPr wrap="none" anchor="ctr"/>
-          <a:lstStyle/>
-          <a:p>
-            <a:endParaRPr lang="en-US"/>
-          </a:p>
-        </p:txBody>
-      </p:sp>
-      <p:sp>
-        <p:nvSpPr>
-          <p:cNvPr id="19" name="AutoShape 36"/>
-          <p:cNvSpPr>
-            <a:spLocks noChangeArrowheads="1"/>
-          </p:cNvSpPr>
-          <p:nvPr/>
-        </p:nvSpPr>
-        <p:spPr bwMode="gray">
-          <a:xfrm>
-            <a:off x="2220686" y="3734027"/>
-            <a:ext cx="685800" cy="685800"/>
-          </a:xfrm>
-          <a:prstGeom prst="diamond">
-            <a:avLst/>
-          </a:prstGeom>
-          <a:ln>
-            <a:headEnd/>
-            <a:tailEnd/>
-          </a:ln>
-        </p:spPr>
-        <p:style>
-          <a:lnRef idx="3">
-            <a:schemeClr val="lt1"/>
-          </a:lnRef>
-          <a:fillRef idx="1">
-            <a:schemeClr val="accent4"/>
-          </a:fillRef>
-          <a:effectRef idx="1">
-            <a:schemeClr val="accent4"/>
-          </a:effectRef>
-          <a:fontRef idx="minor">
-            <a:schemeClr val="lt1"/>
-          </a:fontRef>
-        </p:style>
-        <p:txBody>
-          <a:bodyPr wrap="none" anchor="ctr"/>
-          <a:lstStyle/>
-          <a:p>
-            <a:endParaRPr lang="en-US"/>
-          </a:p>
-        </p:txBody>
-      </p:sp>
-      <p:sp>
-        <p:nvSpPr>
-          <p:cNvPr id="20" name="Text Box 37"/>
-          <p:cNvSpPr txBox="1">
-            <a:spLocks noChangeArrowheads="1"/>
-          </p:cNvSpPr>
-          <p:nvPr/>
-        </p:nvSpPr>
-        <p:spPr bwMode="gray">
-          <a:xfrm>
-            <a:off x="2830286" y="3908652"/>
-            <a:ext cx="3886200" cy="366712"/>
-          </a:xfrm>
-          <a:prstGeom prst="rect">
-            <a:avLst/>
-          </a:prstGeom>
-          <a:noFill/>
-          <a:ln w="9525" algn="ctr">
-            <a:noFill/>
-            <a:miter lim="800000"/>
-            <a:headEnd/>
-            <a:tailEnd/>
-          </a:ln>
-          <a:effectLst/>
-        </p:spPr>
-        <p:txBody>
-          <a:bodyPr>
-            <a:spAutoFit/>
-          </a:bodyPr>
-          <a:lstStyle/>
-          <a:p>
-            <a:pPr algn="ctr" eaLnBrk="0" hangingPunct="0"/>
-            <a:r>
-              <a:rPr lang="en-US" b="1" dirty="0"/>
-              <a:t>Risk Management</a:t>
-            </a:r>
-          </a:p>
-        </p:txBody>
-      </p:sp>
-      <p:sp>
-        <p:nvSpPr>
-          <p:cNvPr id="21" name="Text Box 38"/>
-          <p:cNvSpPr txBox="1">
-            <a:spLocks noChangeArrowheads="1"/>
-          </p:cNvSpPr>
-          <p:nvPr/>
-        </p:nvSpPr>
-        <p:spPr bwMode="gray">
-          <a:xfrm>
-            <a:off x="2374674" y="3832452"/>
-            <a:ext cx="354012" cy="457200"/>
-          </a:xfrm>
-          <a:prstGeom prst="rect">
-            <a:avLst/>
-          </a:prstGeom>
-          <a:noFill/>
-          <a:ln w="9525" algn="ctr">
-            <a:noFill/>
-            <a:miter lim="800000"/>
-            <a:headEnd/>
-            <a:tailEnd/>
-          </a:ln>
-          <a:effectLst/>
-        </p:spPr>
-        <p:txBody>
-          <a:bodyPr wrap="none">
-            <a:spAutoFit/>
-          </a:bodyPr>
-          <a:lstStyle/>
-          <a:p>
-            <a:pPr algn="ctr" eaLnBrk="0" hangingPunct="0"/>
-            <a:r>
-              <a:rPr lang="en-US" sz="2400">
-                <a:solidFill>
-                  <a:srgbClr val="FEFEFE"/>
-                </a:solidFill>
-              </a:rPr>
-              <a:t>4</a:t>
-            </a:r>
-          </a:p>
-        </p:txBody>
-      </p:sp>
-      <p:sp>
-        <p:nvSpPr>
-          <p:cNvPr id="22" name="AutoShape 35"/>
-          <p:cNvSpPr>
-            <a:spLocks noChangeArrowheads="1"/>
-          </p:cNvSpPr>
-          <p:nvPr/>
-        </p:nvSpPr>
-        <p:spPr bwMode="gray">
-          <a:xfrm>
-            <a:off x="2601686" y="4698658"/>
-            <a:ext cx="4343400" cy="457200"/>
-          </a:xfrm>
-          <a:prstGeom prst="roundRect">
-            <a:avLst>
-              <a:gd name="adj" fmla="val 16667"/>
-            </a:avLst>
-          </a:prstGeom>
-          <a:ln>
-            <a:headEnd/>
-            <a:tailEnd/>
-          </a:ln>
-        </p:spPr>
-        <p:style>
-          <a:lnRef idx="0">
-            <a:schemeClr val="accent1"/>
-          </a:lnRef>
-          <a:fillRef idx="3">
-            <a:schemeClr val="accent1"/>
-          </a:fillRef>
-          <a:effectRef idx="3">
-            <a:schemeClr val="accent1"/>
-          </a:effectRef>
-          <a:fontRef idx="minor">
-            <a:schemeClr val="lt1"/>
-          </a:fontRef>
-        </p:style>
-        <p:txBody>
-          <a:bodyPr wrap="none" anchor="ctr"/>
-          <a:lstStyle/>
-          <a:p>
-            <a:endParaRPr lang="en-US"/>
-          </a:p>
-        </p:txBody>
-      </p:sp>
-      <p:sp>
-        <p:nvSpPr>
-          <p:cNvPr id="23" name="AutoShape 36"/>
-          <p:cNvSpPr>
-            <a:spLocks noChangeArrowheads="1"/>
-          </p:cNvSpPr>
-          <p:nvPr/>
-        </p:nvSpPr>
-        <p:spPr bwMode="gray">
-          <a:xfrm>
-            <a:off x="2220686" y="4579596"/>
-            <a:ext cx="685800" cy="685800"/>
-          </a:xfrm>
-          <a:prstGeom prst="diamond">
-            <a:avLst/>
-          </a:prstGeom>
-          <a:ln w="38100">
-            <a:solidFill>
-              <a:schemeClr val="bg1"/>
-            </a:solidFill>
-            <a:headEnd/>
-            <a:tailEnd/>
-          </a:ln>
-        </p:spPr>
-        <p:style>
-          <a:lnRef idx="1">
-            <a:schemeClr val="accent5"/>
-          </a:lnRef>
-          <a:fillRef idx="3">
-            <a:schemeClr val="accent5"/>
-          </a:fillRef>
-          <a:effectRef idx="2">
-            <a:schemeClr val="accent5"/>
-          </a:effectRef>
-          <a:fontRef idx="minor">
-            <a:schemeClr val="lt1"/>
-          </a:fontRef>
-        </p:style>
-        <p:txBody>
-          <a:bodyPr wrap="none" anchor="ctr"/>
-          <a:lstStyle/>
-          <a:p>
-            <a:endParaRPr lang="en-US"/>
-          </a:p>
-        </p:txBody>
-      </p:sp>
-      <p:sp>
-        <p:nvSpPr>
-          <p:cNvPr id="24" name="Text Box 37"/>
-          <p:cNvSpPr txBox="1">
-            <a:spLocks noChangeArrowheads="1"/>
-          </p:cNvSpPr>
-          <p:nvPr/>
-        </p:nvSpPr>
-        <p:spPr bwMode="gray">
-          <a:xfrm>
-            <a:off x="2830286" y="4754221"/>
-            <a:ext cx="3886200" cy="366712"/>
-          </a:xfrm>
-          <a:prstGeom prst="rect">
-            <a:avLst/>
-          </a:prstGeom>
-          <a:noFill/>
-          <a:ln w="9525" algn="ctr">
-            <a:noFill/>
-            <a:miter lim="800000"/>
-            <a:headEnd/>
-            <a:tailEnd/>
-          </a:ln>
-          <a:effectLst/>
-        </p:spPr>
-        <p:txBody>
-          <a:bodyPr>
-            <a:spAutoFit/>
-          </a:bodyPr>
-          <a:lstStyle/>
-          <a:p>
-            <a:pPr algn="ctr" eaLnBrk="0" hangingPunct="0"/>
-            <a:r>
-              <a:rPr lang="en-US" b="1" dirty="0" smtClean="0"/>
-              <a:t>Quality Plan</a:t>
-            </a:r>
-            <a:endParaRPr lang="en-US" b="1" dirty="0"/>
-          </a:p>
-        </p:txBody>
-      </p:sp>
-      <p:sp>
-        <p:nvSpPr>
-          <p:cNvPr id="25" name="Text Box 38"/>
-          <p:cNvSpPr txBox="1">
-            <a:spLocks noChangeArrowheads="1"/>
-          </p:cNvSpPr>
-          <p:nvPr/>
-        </p:nvSpPr>
-        <p:spPr bwMode="gray">
-          <a:xfrm>
-            <a:off x="2373586" y="4678021"/>
-            <a:ext cx="356188" cy="461665"/>
-          </a:xfrm>
-          <a:prstGeom prst="rect">
-            <a:avLst/>
-          </a:prstGeom>
-          <a:noFill/>
-          <a:ln w="9525" algn="ctr">
-            <a:noFill/>
-            <a:miter lim="800000"/>
-            <a:headEnd/>
-            <a:tailEnd/>
-          </a:ln>
-          <a:effectLst/>
-        </p:spPr>
-        <p:txBody>
-          <a:bodyPr wrap="none">
-            <a:spAutoFit/>
-          </a:bodyPr>
-          <a:lstStyle/>
-          <a:p>
-            <a:pPr algn="ctr" eaLnBrk="0" hangingPunct="0"/>
-            <a:r>
-              <a:rPr lang="en-US" sz="2400" dirty="0">
-                <a:solidFill>
-                  <a:srgbClr val="FEFEFE"/>
-                </a:solidFill>
-              </a:rPr>
-              <a:t>5</a:t>
-            </a:r>
-          </a:p>
-        </p:txBody>
-      </p:sp>
-      <p:sp>
-        <p:nvSpPr>
-          <p:cNvPr id="26" name="AutoShape 35"/>
-          <p:cNvSpPr>
-            <a:spLocks noChangeArrowheads="1"/>
-          </p:cNvSpPr>
-          <p:nvPr/>
-        </p:nvSpPr>
-        <p:spPr bwMode="gray">
-          <a:xfrm>
-            <a:off x="2601686" y="5571999"/>
-            <a:ext cx="4343400" cy="457200"/>
-          </a:xfrm>
-          <a:prstGeom prst="roundRect">
-            <a:avLst>
-              <a:gd name="adj" fmla="val 16667"/>
-            </a:avLst>
-          </a:prstGeom>
-          <a:ln>
-            <a:headEnd/>
-            <a:tailEnd/>
-          </a:ln>
-        </p:spPr>
-        <p:style>
-          <a:lnRef idx="0">
-            <a:schemeClr val="accent3"/>
-          </a:lnRef>
-          <a:fillRef idx="3">
-            <a:schemeClr val="accent3"/>
-          </a:fillRef>
-          <a:effectRef idx="3">
-            <a:schemeClr val="accent3"/>
-          </a:effectRef>
-          <a:fontRef idx="minor">
-            <a:schemeClr val="lt1"/>
-          </a:fontRef>
-        </p:style>
-        <p:txBody>
-          <a:bodyPr wrap="none" anchor="ctr"/>
-          <a:lstStyle/>
-          <a:p>
-            <a:endParaRPr lang="en-US"/>
-          </a:p>
-        </p:txBody>
-      </p:sp>
-      <p:sp>
-        <p:nvSpPr>
-          <p:cNvPr id="27" name="AutoShape 36"/>
-          <p:cNvSpPr>
-            <a:spLocks noChangeArrowheads="1"/>
-          </p:cNvSpPr>
-          <p:nvPr/>
-        </p:nvSpPr>
-        <p:spPr bwMode="gray">
-          <a:xfrm>
-            <a:off x="2220686" y="5452937"/>
-            <a:ext cx="685800" cy="685800"/>
-          </a:xfrm>
-          <a:prstGeom prst="diamond">
-            <a:avLst/>
-          </a:prstGeom>
-          <a:solidFill>
-            <a:schemeClr val="accent6"/>
-          </a:solidFill>
-          <a:ln w="38100">
-            <a:solidFill>
-              <a:schemeClr val="bg1"/>
-            </a:solidFill>
-            <a:headEnd/>
-            <a:tailEnd/>
-          </a:ln>
-        </p:spPr>
-        <p:style>
-          <a:lnRef idx="0">
-            <a:schemeClr val="accent3"/>
-          </a:lnRef>
-          <a:fillRef idx="3">
-            <a:schemeClr val="accent3"/>
-          </a:fillRef>
-          <a:effectRef idx="3">
-            <a:schemeClr val="accent3"/>
-          </a:effectRef>
-          <a:fontRef idx="minor">
-            <a:schemeClr val="lt1"/>
-          </a:fontRef>
-        </p:style>
-        <p:txBody>
-          <a:bodyPr wrap="none" anchor="ctr"/>
-          <a:lstStyle/>
-          <a:p>
-            <a:endParaRPr lang="en-US">
-              <a:ln w="38100">
-                <a:solidFill>
-                  <a:schemeClr val="bg1"/>
-                </a:solidFill>
-              </a:ln>
-            </a:endParaRPr>
-          </a:p>
-        </p:txBody>
-      </p:sp>
-      <p:sp>
-        <p:nvSpPr>
-          <p:cNvPr id="28" name="Text Box 37"/>
-          <p:cNvSpPr txBox="1">
-            <a:spLocks noChangeArrowheads="1"/>
-          </p:cNvSpPr>
-          <p:nvPr/>
-        </p:nvSpPr>
-        <p:spPr bwMode="gray">
-          <a:xfrm>
-            <a:off x="2830286" y="5627562"/>
-            <a:ext cx="3886200" cy="366712"/>
-          </a:xfrm>
-          <a:prstGeom prst="rect">
-            <a:avLst/>
-          </a:prstGeom>
-          <a:noFill/>
-          <a:ln w="9525" algn="ctr">
-            <a:noFill/>
-            <a:miter lim="800000"/>
-            <a:headEnd/>
-            <a:tailEnd/>
-          </a:ln>
-          <a:effectLst/>
-        </p:spPr>
-        <p:txBody>
-          <a:bodyPr>
-            <a:spAutoFit/>
-          </a:bodyPr>
-          <a:lstStyle/>
-          <a:p>
-            <a:pPr algn="ctr" eaLnBrk="0" hangingPunct="0"/>
-            <a:r>
-              <a:rPr lang="en-US" b="1" dirty="0" smtClean="0"/>
-              <a:t>Development Environment</a:t>
-            </a:r>
-            <a:endParaRPr lang="en-US" b="1" dirty="0"/>
-          </a:p>
-        </p:txBody>
-      </p:sp>
-      <p:sp>
-        <p:nvSpPr>
-          <p:cNvPr id="29" name="Text Box 38"/>
-          <p:cNvSpPr txBox="1">
-            <a:spLocks noChangeArrowheads="1"/>
-          </p:cNvSpPr>
-          <p:nvPr/>
-        </p:nvSpPr>
-        <p:spPr bwMode="gray">
-          <a:xfrm>
-            <a:off x="2373586" y="5551362"/>
-            <a:ext cx="356188" cy="461665"/>
-          </a:xfrm>
-          <a:prstGeom prst="rect">
-            <a:avLst/>
-          </a:prstGeom>
-          <a:noFill/>
-          <a:ln w="9525" algn="ctr">
-            <a:noFill/>
-            <a:miter lim="800000"/>
-            <a:headEnd/>
-            <a:tailEnd/>
-          </a:ln>
-          <a:effectLst/>
-        </p:spPr>
-        <p:txBody>
-          <a:bodyPr wrap="none">
-            <a:spAutoFit/>
-          </a:bodyPr>
-          <a:lstStyle/>
-          <a:p>
-            <a:pPr algn="ctr" eaLnBrk="0" hangingPunct="0"/>
-            <a:r>
-              <a:rPr lang="en-US" sz="2400" dirty="0">
-                <a:solidFill>
-                  <a:srgbClr val="FEFEFE"/>
-                </a:solidFill>
-              </a:rPr>
-              <a:t>6</a:t>
-            </a:r>
-          </a:p>
-        </p:txBody>
-      </p:sp>
-    </p:spTree>
-    <p:extLst>
-      <p:ext uri="{BB962C8B-B14F-4D97-AF65-F5344CB8AC3E}">
-        <p14:creationId xmlns:p14="http://schemas.microsoft.com/office/powerpoint/2010/main" val="3125686740"/>
-      </p:ext>
-    </p:extLst>
-  </p:cSld>
-  <p:clrMapOvr>
-    <a:masterClrMapping/>
-  </p:clrMapOvr>
-  <p:timing>
-    <p:tnLst>
-      <p:par>
-        <p:cTn id="1" dur="indefinite" restart="never" nodeType="tmRoot"/>
-      </p:par>
-    </p:tnLst>
-  </p:timing>
-</p:sld>
-</file>
-
-<file path=ppt/slides/slide11.xml><?xml version="1.0" encoding="utf-8"?>
-<p:sld xmlns:a="http://schemas.openxmlformats.org/drawingml/2006/main" xmlns:r="http://schemas.openxmlformats.org/officeDocument/2006/relationships" xmlns:p="http://schemas.openxmlformats.org/presentationml/2006/main">
-  <p:cSld>
-    <p:spTree>
-      <p:nvGrpSpPr>
-        <p:cNvPr id="1" name=""/>
-        <p:cNvGrpSpPr/>
-        <p:nvPr/>
-      </p:nvGrpSpPr>
-      <p:grpSpPr>
-        <a:xfrm>
-          <a:off x="0" y="0"/>
-          <a:ext cx="0" cy="0"/>
-          <a:chOff x="0" y="0"/>
-          <a:chExt cx="0" cy="0"/>
-        </a:xfrm>
-      </p:grpSpPr>
-      <p:sp>
-        <p:nvSpPr>
-          <p:cNvPr id="2" name="Title 1"/>
-          <p:cNvSpPr>
-            <a:spLocks noGrp="1"/>
-          </p:cNvSpPr>
-          <p:nvPr>
-            <p:ph type="title"/>
-          </p:nvPr>
-        </p:nvSpPr>
-        <p:spPr/>
-        <p:txBody>
-          <a:bodyPr>
-            <a:normAutofit fontScale="90000"/>
-          </a:bodyPr>
-          <a:lstStyle/>
-          <a:p>
-            <a:r>
               <a:rPr lang="en-US" dirty="0"/>
               <a:t>Project Management </a:t>
             </a:r>
@@ -39668,7 +39004,7 @@
                   <a:schemeClr val="tx1"/>
                 </a:solidFill>
               </a:rPr>
-              <a:t>Many deliveries.</a:t>
+              <a:t>Increment deliveries.</a:t>
             </a:r>
             <a:endParaRPr lang="en-US" dirty="0" smtClean="0">
               <a:solidFill>
@@ -39826,7 +39162,7 @@
 </p:sld>
 </file>
 
-<file path=ppt/slides/slide12.xml><?xml version="1.0" encoding="utf-8"?>
+<file path=ppt/slides/slide11.xml><?xml version="1.0" encoding="utf-8"?>
 <p:sld xmlns:a="http://schemas.openxmlformats.org/drawingml/2006/main" xmlns:r="http://schemas.openxmlformats.org/officeDocument/2006/relationships" xmlns:p="http://schemas.openxmlformats.org/presentationml/2006/main">
   <p:cSld>
     <p:spTree>
@@ -39911,7 +39247,6 @@
                 <a:solidFill>
                   <a:schemeClr val="tx1"/>
                 </a:solidFill>
-                <a:latin typeface="Arial" pitchFamily="34" charset="0"/>
                 <a:cs typeface="Arial" pitchFamily="34" charset="0"/>
               </a:rPr>
               <a:t>Online activity</a:t>
@@ -39924,7 +39259,6 @@
                 <a:solidFill>
                   <a:schemeClr val="tx1"/>
                 </a:solidFill>
-                <a:latin typeface="Arial" pitchFamily="34" charset="0"/>
                 <a:cs typeface="Arial" pitchFamily="34" charset="0"/>
               </a:rPr>
               <a:t>Email</a:t>
@@ -39937,7 +39271,6 @@
                 <a:solidFill>
                   <a:schemeClr val="tx1"/>
                 </a:solidFill>
-                <a:latin typeface="Arial" pitchFamily="34" charset="0"/>
                 <a:cs typeface="Arial" pitchFamily="34" charset="0"/>
               </a:rPr>
               <a:t>Yahoo Chat</a:t>
@@ -39946,7 +39279,6 @@
               <a:solidFill>
                 <a:schemeClr val="tx1"/>
               </a:solidFill>
-              <a:latin typeface="Arial" pitchFamily="34" charset="0"/>
               <a:cs typeface="Arial" pitchFamily="34" charset="0"/>
             </a:endParaRPr>
           </a:p>
@@ -39957,7 +39289,6 @@
                 <a:solidFill>
                   <a:schemeClr val="tx1"/>
                 </a:solidFill>
-                <a:latin typeface="Arial" pitchFamily="34" charset="0"/>
                 <a:cs typeface="Arial" pitchFamily="34" charset="0"/>
               </a:rPr>
               <a:t>Phone</a:t>
@@ -39970,7 +39301,6 @@
                 <a:solidFill>
                   <a:schemeClr val="tx1"/>
                 </a:solidFill>
-                <a:latin typeface="Arial" pitchFamily="34" charset="0"/>
                 <a:cs typeface="Arial" pitchFamily="34" charset="0"/>
               </a:rPr>
               <a:t>TortoiseSVN</a:t>
@@ -39980,7 +39310,6 @@
                 <a:solidFill>
                   <a:schemeClr val="tx1"/>
                 </a:solidFill>
-                <a:latin typeface="Arial" pitchFamily="34" charset="0"/>
                 <a:cs typeface="Arial" pitchFamily="34" charset="0"/>
               </a:rPr>
               <a:t> tool: manage source code.</a:t>
@@ -39989,7 +39318,6 @@
               <a:solidFill>
                 <a:schemeClr val="tx1"/>
               </a:solidFill>
-              <a:latin typeface="Arial" pitchFamily="34" charset="0"/>
               <a:cs typeface="Arial" pitchFamily="34" charset="0"/>
             </a:endParaRPr>
           </a:p>
@@ -40004,7 +39332,6 @@
                 <a:solidFill>
                   <a:schemeClr val="tx1"/>
                 </a:solidFill>
-                <a:latin typeface="Arial" pitchFamily="34" charset="0"/>
                 <a:cs typeface="Arial" pitchFamily="34" charset="0"/>
               </a:rPr>
               <a:t>Offline activity</a:t>
@@ -40017,7 +39344,6 @@
                 <a:solidFill>
                   <a:schemeClr val="tx1"/>
                 </a:solidFill>
-                <a:latin typeface="Arial" pitchFamily="34" charset="0"/>
                 <a:cs typeface="Arial" pitchFamily="34" charset="0"/>
               </a:rPr>
               <a:t>Weekly meeting: 2 times, 8</a:t>
@@ -40027,7 +39353,6 @@
                 <a:solidFill>
                   <a:schemeClr val="tx1"/>
                 </a:solidFill>
-                <a:latin typeface="Arial" pitchFamily="34" charset="0"/>
                 <a:cs typeface="Arial" pitchFamily="34" charset="0"/>
               </a:rPr>
               <a:t>h</a:t>
@@ -40037,7 +39362,6 @@
                 <a:solidFill>
                   <a:schemeClr val="tx1"/>
                 </a:solidFill>
-                <a:latin typeface="Arial" pitchFamily="34" charset="0"/>
                 <a:cs typeface="Arial" pitchFamily="34" charset="0"/>
               </a:rPr>
               <a:t> am – 10</a:t>
@@ -40047,7 +39371,6 @@
                 <a:solidFill>
                   <a:schemeClr val="tx1"/>
                 </a:solidFill>
-                <a:latin typeface="Arial" pitchFamily="34" charset="0"/>
                 <a:cs typeface="Arial" pitchFamily="34" charset="0"/>
               </a:rPr>
               <a:t>h </a:t>
@@ -40057,16 +39380,23 @@
                 <a:solidFill>
                   <a:schemeClr val="tx1"/>
                 </a:solidFill>
-                <a:latin typeface="Arial" pitchFamily="34" charset="0"/>
                 <a:cs typeface="Arial" pitchFamily="34" charset="0"/>
               </a:rPr>
-              <a:t>am at Mon and Thurs.</a:t>
+              <a:t>am at Mon and </a:t>
+            </a:r>
+            <a:r>
+              <a:rPr lang="en-US" sz="2000" dirty="0" smtClean="0">
+                <a:solidFill>
+                  <a:schemeClr val="tx1"/>
+                </a:solidFill>
+                <a:cs typeface="Arial" pitchFamily="34" charset="0"/>
+              </a:rPr>
+              <a:t>Thurs.</a:t>
             </a:r>
             <a:endParaRPr lang="en-US" sz="2000" dirty="0">
               <a:solidFill>
                 <a:schemeClr val="tx1"/>
               </a:solidFill>
-              <a:latin typeface="Arial" pitchFamily="34" charset="0"/>
               <a:cs typeface="Arial" pitchFamily="34" charset="0"/>
             </a:endParaRPr>
           </a:p>
@@ -40077,7 +39407,6 @@
                 <a:solidFill>
                   <a:schemeClr val="tx1"/>
                 </a:solidFill>
-                <a:latin typeface="Arial" pitchFamily="34" charset="0"/>
                 <a:cs typeface="Arial" pitchFamily="34" charset="0"/>
               </a:rPr>
               <a:t>Working </a:t>
@@ -40087,7 +39416,6 @@
                 <a:solidFill>
                   <a:schemeClr val="tx1"/>
                 </a:solidFill>
-                <a:latin typeface="Arial" pitchFamily="34" charset="0"/>
                 <a:cs typeface="Arial" pitchFamily="34" charset="0"/>
               </a:rPr>
               <a:t>from </a:t>
@@ -40097,7 +39425,6 @@
                 <a:solidFill>
                   <a:schemeClr val="tx1"/>
                 </a:solidFill>
-                <a:latin typeface="Arial" pitchFamily="34" charset="0"/>
                 <a:cs typeface="Arial" pitchFamily="34" charset="0"/>
               </a:rPr>
               <a:t>Mon to </a:t>
@@ -40107,7 +39434,6 @@
                 <a:solidFill>
                   <a:schemeClr val="tx1"/>
                 </a:solidFill>
-                <a:latin typeface="Arial" pitchFamily="34" charset="0"/>
                 <a:cs typeface="Arial" pitchFamily="34" charset="0"/>
               </a:rPr>
               <a:t>Sat, 8 hours/1 day, 8</a:t>
@@ -40117,7 +39443,6 @@
                 <a:solidFill>
                   <a:schemeClr val="tx1"/>
                 </a:solidFill>
-                <a:latin typeface="Arial" pitchFamily="34" charset="0"/>
                 <a:cs typeface="Arial" pitchFamily="34" charset="0"/>
               </a:rPr>
               <a:t>h </a:t>
@@ -40127,7 +39452,6 @@
                 <a:solidFill>
                   <a:schemeClr val="tx1"/>
                 </a:solidFill>
-                <a:latin typeface="Arial" pitchFamily="34" charset="0"/>
                 <a:cs typeface="Arial" pitchFamily="34" charset="0"/>
               </a:rPr>
               <a:t>am – 5</a:t>
@@ -40137,7 +39461,6 @@
                 <a:solidFill>
                   <a:schemeClr val="tx1"/>
                 </a:solidFill>
-                <a:latin typeface="Arial" pitchFamily="34" charset="0"/>
                 <a:cs typeface="Arial" pitchFamily="34" charset="0"/>
               </a:rPr>
               <a:t>h </a:t>
@@ -40147,7 +39470,6 @@
                 <a:solidFill>
                   <a:schemeClr val="tx1"/>
                 </a:solidFill>
-                <a:latin typeface="Arial" pitchFamily="34" charset="0"/>
                 <a:cs typeface="Arial" pitchFamily="34" charset="0"/>
               </a:rPr>
               <a:t>pm.</a:t>
@@ -40156,7 +39478,6 @@
               <a:solidFill>
                 <a:schemeClr val="tx1"/>
               </a:solidFill>
-              <a:latin typeface="Arial" pitchFamily="34" charset="0"/>
               <a:cs typeface="Arial" pitchFamily="34" charset="0"/>
             </a:endParaRPr>
           </a:p>
@@ -40167,7 +39488,6 @@
                 <a:solidFill>
                   <a:schemeClr val="tx1"/>
                 </a:solidFill>
-                <a:latin typeface="Arial" pitchFamily="34" charset="0"/>
                 <a:cs typeface="Arial" pitchFamily="34" charset="0"/>
               </a:rPr>
               <a:t>Team building</a:t>
@@ -40261,7 +39581,7 @@
 </p:sld>
 </file>
 
-<file path=ppt/slides/slide13.xml><?xml version="1.0" encoding="utf-8"?>
+<file path=ppt/slides/slide12.xml><?xml version="1.0" encoding="utf-8"?>
 <p:sld xmlns:a="http://schemas.openxmlformats.org/drawingml/2006/main" xmlns:r="http://schemas.openxmlformats.org/officeDocument/2006/relationships" xmlns:p="http://schemas.openxmlformats.org/presentationml/2006/main">
   <p:cSld>
     <p:spTree>
@@ -40418,6 +39738,1067 @@
 </p:sld>
 </file>
 
+<file path=ppt/slides/slide13.xml><?xml version="1.0" encoding="utf-8"?>
+<p:sld xmlns:a="http://schemas.openxmlformats.org/drawingml/2006/main" xmlns:r="http://schemas.openxmlformats.org/officeDocument/2006/relationships" xmlns:p="http://schemas.openxmlformats.org/presentationml/2006/main">
+  <p:cSld>
+    <p:spTree>
+      <p:nvGrpSpPr>
+        <p:cNvPr id="1" name=""/>
+        <p:cNvGrpSpPr/>
+        <p:nvPr/>
+      </p:nvGrpSpPr>
+      <p:grpSpPr>
+        <a:xfrm>
+          <a:off x="0" y="0"/>
+          <a:ext cx="0" cy="0"/>
+          <a:chOff x="0" y="0"/>
+          <a:chExt cx="0" cy="0"/>
+        </a:xfrm>
+      </p:grpSpPr>
+      <p:sp>
+        <p:nvSpPr>
+          <p:cNvPr id="2" name="Title 1"/>
+          <p:cNvSpPr>
+            <a:spLocks noGrp="1"/>
+          </p:cNvSpPr>
+          <p:nvPr>
+            <p:ph type="title"/>
+          </p:nvPr>
+        </p:nvSpPr>
+        <p:spPr/>
+        <p:txBody>
+          <a:bodyPr>
+            <a:normAutofit fontScale="90000"/>
+          </a:bodyPr>
+          <a:lstStyle/>
+          <a:p>
+            <a:r>
+              <a:rPr lang="en-US" dirty="0"/>
+              <a:t>Project Management </a:t>
+            </a:r>
+            <a:r>
+              <a:rPr lang="en-US" dirty="0" smtClean="0"/>
+              <a:t>Plan</a:t>
+            </a:r>
+            <a:endParaRPr lang="en-US" dirty="0"/>
+          </a:p>
+        </p:txBody>
+      </p:sp>
+      <p:sp>
+        <p:nvSpPr>
+          <p:cNvPr id="3" name="Content Placeholder 2"/>
+          <p:cNvSpPr>
+            <a:spLocks noGrp="1"/>
+          </p:cNvSpPr>
+          <p:nvPr>
+            <p:ph idx="1"/>
+          </p:nvPr>
+        </p:nvSpPr>
+        <p:spPr>
+          <a:xfrm>
+            <a:off x="457200" y="914401"/>
+            <a:ext cx="8229600" cy="533400"/>
+          </a:xfrm>
+        </p:spPr>
+        <p:txBody>
+          <a:bodyPr/>
+          <a:lstStyle/>
+          <a:p>
+            <a:r>
+              <a:rPr lang="en-US" dirty="0"/>
+              <a:t>4</a:t>
+            </a:r>
+            <a:r>
+              <a:rPr lang="en-US" dirty="0" smtClean="0"/>
+              <a:t>. Risk Management</a:t>
+            </a:r>
+          </a:p>
+        </p:txBody>
+      </p:sp>
+      <p:graphicFrame>
+        <p:nvGraphicFramePr>
+          <p:cNvPr id="4" name="Table 3"/>
+          <p:cNvGraphicFramePr>
+            <a:graphicFrameLocks noGrp="1"/>
+          </p:cNvGraphicFramePr>
+          <p:nvPr>
+            <p:extLst>
+              <p:ext uri="{D42A27DB-BD31-4B8C-83A1-F6EECF244321}">
+                <p14:modId xmlns:p14="http://schemas.microsoft.com/office/powerpoint/2010/main" val="1536881768"/>
+              </p:ext>
+            </p:extLst>
+          </p:nvPr>
+        </p:nvGraphicFramePr>
+        <p:xfrm>
+          <a:off x="228600" y="1524000"/>
+          <a:ext cx="8534401" cy="4480700"/>
+        </p:xfrm>
+        <a:graphic>
+          <a:graphicData uri="http://schemas.openxmlformats.org/drawingml/2006/table">
+            <a:tbl>
+              <a:tblPr firstRow="1" firstCol="1" bandRow="1">
+                <a:tableStyleId>{21E4AEA4-8DFA-4A89-87EB-49C32662AFE0}</a:tableStyleId>
+              </a:tblPr>
+              <a:tblGrid>
+                <a:gridCol w="435380"/>
+                <a:gridCol w="1698220"/>
+                <a:gridCol w="2514600"/>
+                <a:gridCol w="3110346"/>
+                <a:gridCol w="775855"/>
+              </a:tblGrid>
+              <a:tr h="323228">
+                <a:tc>
+                  <a:txBody>
+                    <a:bodyPr/>
+                    <a:lstStyle/>
+                    <a:p>
+                      <a:pPr marL="0" marR="0" algn="ctr">
+                        <a:lnSpc>
+                          <a:spcPct val="115000"/>
+                        </a:lnSpc>
+                        <a:spcBef>
+                          <a:spcPts val="0"/>
+                        </a:spcBef>
+                        <a:spcAft>
+                          <a:spcPts val="0"/>
+                        </a:spcAft>
+                      </a:pPr>
+                      <a:r>
+                        <a:rPr lang="en-US" sz="1600" dirty="0">
+                          <a:effectLst/>
+                          <a:latin typeface="+mn-lt"/>
+                          <a:cs typeface="Arial" pitchFamily="34" charset="0"/>
+                        </a:rPr>
+                        <a:t>No</a:t>
+                      </a:r>
+                      <a:endParaRPr lang="en-US" sz="1600" dirty="0">
+                        <a:effectLst/>
+                        <a:latin typeface="+mn-lt"/>
+                        <a:ea typeface="Times New Roman"/>
+                        <a:cs typeface="Arial" pitchFamily="34" charset="0"/>
+                      </a:endParaRPr>
+                    </a:p>
+                  </a:txBody>
+                  <a:tcPr marL="46148" marR="46148" marT="0" marB="0"/>
+                </a:tc>
+                <a:tc>
+                  <a:txBody>
+                    <a:bodyPr/>
+                    <a:lstStyle/>
+                    <a:p>
+                      <a:pPr marL="0" marR="0" algn="ctr">
+                        <a:lnSpc>
+                          <a:spcPct val="115000"/>
+                        </a:lnSpc>
+                        <a:spcBef>
+                          <a:spcPts val="0"/>
+                        </a:spcBef>
+                        <a:spcAft>
+                          <a:spcPts val="0"/>
+                        </a:spcAft>
+                      </a:pPr>
+                      <a:r>
+                        <a:rPr lang="en-US" sz="1600" dirty="0">
+                          <a:effectLst/>
+                          <a:latin typeface="+mn-lt"/>
+                          <a:cs typeface="Arial" pitchFamily="34" charset="0"/>
+                        </a:rPr>
+                        <a:t>Description</a:t>
+                      </a:r>
+                      <a:endParaRPr lang="en-US" sz="1600" dirty="0">
+                        <a:effectLst/>
+                        <a:latin typeface="+mn-lt"/>
+                        <a:ea typeface="Times New Roman"/>
+                        <a:cs typeface="Arial" pitchFamily="34" charset="0"/>
+                      </a:endParaRPr>
+                    </a:p>
+                  </a:txBody>
+                  <a:tcPr marL="46148" marR="46148" marT="0" marB="0"/>
+                </a:tc>
+                <a:tc>
+                  <a:txBody>
+                    <a:bodyPr/>
+                    <a:lstStyle/>
+                    <a:p>
+                      <a:pPr marL="0" marR="0" algn="ctr">
+                        <a:lnSpc>
+                          <a:spcPct val="115000"/>
+                        </a:lnSpc>
+                        <a:spcBef>
+                          <a:spcPts val="0"/>
+                        </a:spcBef>
+                        <a:spcAft>
+                          <a:spcPts val="0"/>
+                        </a:spcAft>
+                      </a:pPr>
+                      <a:r>
+                        <a:rPr lang="en-US" sz="1600" dirty="0" smtClean="0">
+                          <a:effectLst/>
+                          <a:latin typeface="+mn-lt"/>
+                          <a:cs typeface="Arial" pitchFamily="34" charset="0"/>
+                        </a:rPr>
+                        <a:t>Avoidance</a:t>
+                      </a:r>
+                      <a:endParaRPr lang="en-US" sz="1600" dirty="0">
+                        <a:effectLst/>
+                        <a:latin typeface="+mn-lt"/>
+                        <a:ea typeface="Times New Roman"/>
+                        <a:cs typeface="Arial" pitchFamily="34" charset="0"/>
+                      </a:endParaRPr>
+                    </a:p>
+                  </a:txBody>
+                  <a:tcPr marL="46148" marR="46148" marT="0" marB="0"/>
+                </a:tc>
+                <a:tc>
+                  <a:txBody>
+                    <a:bodyPr/>
+                    <a:lstStyle/>
+                    <a:p>
+                      <a:pPr marL="0" marR="0" algn="ctr">
+                        <a:lnSpc>
+                          <a:spcPct val="115000"/>
+                        </a:lnSpc>
+                        <a:spcBef>
+                          <a:spcPts val="0"/>
+                        </a:spcBef>
+                        <a:spcAft>
+                          <a:spcPts val="0"/>
+                        </a:spcAft>
+                      </a:pPr>
+                      <a:r>
+                        <a:rPr lang="en-US" sz="1600" dirty="0">
+                          <a:effectLst/>
+                          <a:latin typeface="+mn-lt"/>
+                          <a:cs typeface="Arial" pitchFamily="34" charset="0"/>
+                        </a:rPr>
+                        <a:t>Contingency Plan</a:t>
+                      </a:r>
+                      <a:endParaRPr lang="en-US" sz="1600" dirty="0">
+                        <a:effectLst/>
+                        <a:latin typeface="+mn-lt"/>
+                        <a:ea typeface="Times New Roman"/>
+                        <a:cs typeface="Arial" pitchFamily="34" charset="0"/>
+                      </a:endParaRPr>
+                    </a:p>
+                  </a:txBody>
+                  <a:tcPr marL="46148" marR="46148" marT="0" marB="0"/>
+                </a:tc>
+                <a:tc>
+                  <a:txBody>
+                    <a:bodyPr/>
+                    <a:lstStyle/>
+                    <a:p>
+                      <a:pPr marL="0" marR="0" algn="ctr">
+                        <a:lnSpc>
+                          <a:spcPct val="115000"/>
+                        </a:lnSpc>
+                        <a:spcBef>
+                          <a:spcPts val="0"/>
+                        </a:spcBef>
+                        <a:spcAft>
+                          <a:spcPts val="0"/>
+                        </a:spcAft>
+                      </a:pPr>
+                      <a:r>
+                        <a:rPr lang="en-US" sz="1600" dirty="0">
+                          <a:effectLst/>
+                          <a:latin typeface="+mn-lt"/>
+                          <a:cs typeface="Arial" pitchFamily="34" charset="0"/>
+                        </a:rPr>
+                        <a:t>Status</a:t>
+                      </a:r>
+                      <a:endParaRPr lang="en-US" sz="1600" dirty="0">
+                        <a:effectLst/>
+                        <a:latin typeface="+mn-lt"/>
+                        <a:ea typeface="Times New Roman"/>
+                        <a:cs typeface="Arial" pitchFamily="34" charset="0"/>
+                      </a:endParaRPr>
+                    </a:p>
+                  </a:txBody>
+                  <a:tcPr marL="46148" marR="46148" marT="0" marB="0"/>
+                </a:tc>
+              </a:tr>
+              <a:tr h="591193">
+                <a:tc>
+                  <a:txBody>
+                    <a:bodyPr/>
+                    <a:lstStyle/>
+                    <a:p>
+                      <a:pPr marL="0" marR="0" algn="just">
+                        <a:lnSpc>
+                          <a:spcPct val="115000"/>
+                        </a:lnSpc>
+                        <a:spcBef>
+                          <a:spcPts val="0"/>
+                        </a:spcBef>
+                        <a:spcAft>
+                          <a:spcPts val="0"/>
+                        </a:spcAft>
+                      </a:pPr>
+                      <a:r>
+                        <a:rPr lang="en-US" sz="1600" dirty="0">
+                          <a:effectLst/>
+                          <a:latin typeface="+mn-lt"/>
+                          <a:cs typeface="Arial" pitchFamily="34" charset="0"/>
+                        </a:rPr>
+                        <a:t>1</a:t>
+                      </a:r>
+                      <a:endParaRPr lang="en-US" sz="1600" dirty="0">
+                        <a:effectLst/>
+                        <a:latin typeface="+mn-lt"/>
+                        <a:ea typeface="Times New Roman"/>
+                        <a:cs typeface="Arial" pitchFamily="34" charset="0"/>
+                      </a:endParaRPr>
+                    </a:p>
+                  </a:txBody>
+                  <a:tcPr marL="46148" marR="46148" marT="0" marB="0"/>
+                </a:tc>
+                <a:tc>
+                  <a:txBody>
+                    <a:bodyPr/>
+                    <a:lstStyle/>
+                    <a:p>
+                      <a:pPr marL="0" marR="0" algn="l">
+                        <a:lnSpc>
+                          <a:spcPct val="115000"/>
+                        </a:lnSpc>
+                        <a:spcBef>
+                          <a:spcPts val="0"/>
+                        </a:spcBef>
+                        <a:spcAft>
+                          <a:spcPts val="0"/>
+                        </a:spcAft>
+                      </a:pPr>
+                      <a:r>
+                        <a:rPr lang="en-US" sz="1600" dirty="0" smtClean="0">
+                          <a:effectLst/>
+                          <a:latin typeface="+mn-lt"/>
+                          <a:cs typeface="Arial" pitchFamily="34" charset="0"/>
+                        </a:rPr>
+                        <a:t>Team </a:t>
+                      </a:r>
+                      <a:r>
+                        <a:rPr lang="en-US" sz="1600" dirty="0">
+                          <a:effectLst/>
+                          <a:latin typeface="+mn-lt"/>
+                          <a:cs typeface="Arial" pitchFamily="34" charset="0"/>
+                        </a:rPr>
+                        <a:t>members </a:t>
+                      </a:r>
+                      <a:r>
+                        <a:rPr lang="en-US" sz="1600" dirty="0" smtClean="0">
+                          <a:effectLst/>
+                          <a:latin typeface="+mn-lt"/>
+                          <a:cs typeface="Arial" pitchFamily="34" charset="0"/>
+                        </a:rPr>
+                        <a:t>contradict.</a:t>
+                      </a:r>
+                      <a:endParaRPr lang="en-US" sz="1600" dirty="0">
+                        <a:effectLst/>
+                        <a:latin typeface="+mn-lt"/>
+                        <a:ea typeface="Times New Roman"/>
+                        <a:cs typeface="Arial" pitchFamily="34" charset="0"/>
+                      </a:endParaRPr>
+                    </a:p>
+                  </a:txBody>
+                  <a:tcPr marL="46148" marR="46148" marT="0" marB="0"/>
+                </a:tc>
+                <a:tc>
+                  <a:txBody>
+                    <a:bodyPr/>
+                    <a:lstStyle/>
+                    <a:p>
+                      <a:pPr marL="0" marR="0" indent="0" algn="l" defTabSz="914400" rtl="0" eaLnBrk="1" fontAlgn="auto" latinLnBrk="0" hangingPunct="1">
+                        <a:lnSpc>
+                          <a:spcPct val="100000"/>
+                        </a:lnSpc>
+                        <a:spcBef>
+                          <a:spcPts val="0"/>
+                        </a:spcBef>
+                        <a:spcAft>
+                          <a:spcPts val="0"/>
+                        </a:spcAft>
+                        <a:buClrTx/>
+                        <a:buSzTx/>
+                        <a:buFontTx/>
+                        <a:buNone/>
+                        <a:tabLst/>
+                        <a:defRPr/>
+                      </a:pPr>
+                      <a:r>
+                        <a:rPr lang="en-US" sz="1600" dirty="0" smtClean="0">
+                          <a:latin typeface="+mn-lt"/>
+                          <a:cs typeface="Arial" pitchFamily="34" charset="0"/>
+                        </a:rPr>
+                        <a:t>Team building. Leader manages members and assigns tasks</a:t>
+                      </a:r>
+                      <a:r>
+                        <a:rPr lang="en-US" sz="1600" baseline="0" dirty="0" smtClean="0">
+                          <a:latin typeface="+mn-lt"/>
+                          <a:cs typeface="Arial" pitchFamily="34" charset="0"/>
+                        </a:rPr>
+                        <a:t> clearly for each member. </a:t>
+                      </a:r>
+                      <a:endParaRPr lang="en-US" sz="1600" dirty="0">
+                        <a:latin typeface="+mn-lt"/>
+                        <a:cs typeface="Arial" pitchFamily="34" charset="0"/>
+                      </a:endParaRPr>
+                    </a:p>
+                  </a:txBody>
+                  <a:tcPr marL="46148" marR="46148" marT="0" marB="0"/>
+                </a:tc>
+                <a:tc>
+                  <a:txBody>
+                    <a:bodyPr/>
+                    <a:lstStyle/>
+                    <a:p>
+                      <a:pPr marL="0" marR="0" algn="l">
+                        <a:lnSpc>
+                          <a:spcPct val="115000"/>
+                        </a:lnSpc>
+                        <a:spcBef>
+                          <a:spcPts val="0"/>
+                        </a:spcBef>
+                        <a:spcAft>
+                          <a:spcPts val="0"/>
+                        </a:spcAft>
+                      </a:pPr>
+                      <a:r>
+                        <a:rPr lang="en-US" sz="1600" dirty="0">
+                          <a:effectLst/>
+                          <a:latin typeface="+mn-lt"/>
+                          <a:cs typeface="Arial" pitchFamily="34" charset="0"/>
+                        </a:rPr>
+                        <a:t>Through open talk, communication team understands each other better. </a:t>
+                      </a:r>
+                      <a:endParaRPr lang="en-US" sz="1600" dirty="0">
+                        <a:effectLst/>
+                        <a:latin typeface="+mn-lt"/>
+                        <a:ea typeface="Times New Roman"/>
+                        <a:cs typeface="Arial" pitchFamily="34" charset="0"/>
+                      </a:endParaRPr>
+                    </a:p>
+                  </a:txBody>
+                  <a:tcPr marL="46148" marR="46148" marT="0" marB="0"/>
+                </a:tc>
+                <a:tc>
+                  <a:txBody>
+                    <a:bodyPr/>
+                    <a:lstStyle/>
+                    <a:p>
+                      <a:pPr marL="0" marR="0" algn="l">
+                        <a:lnSpc>
+                          <a:spcPct val="115000"/>
+                        </a:lnSpc>
+                        <a:spcBef>
+                          <a:spcPts val="0"/>
+                        </a:spcBef>
+                        <a:spcAft>
+                          <a:spcPts val="0"/>
+                        </a:spcAft>
+                      </a:pPr>
+                      <a:r>
+                        <a:rPr lang="en-US" sz="1600" b="0">
+                          <a:effectLst/>
+                          <a:latin typeface="+mn-lt"/>
+                          <a:cs typeface="Arial" pitchFamily="34" charset="0"/>
+                        </a:rPr>
+                        <a:t>Closed</a:t>
+                      </a:r>
+                      <a:endParaRPr lang="en-US" sz="1600" b="0">
+                        <a:effectLst/>
+                        <a:latin typeface="+mn-lt"/>
+                        <a:ea typeface="Times New Roman"/>
+                        <a:cs typeface="Arial" pitchFamily="34" charset="0"/>
+                      </a:endParaRPr>
+                    </a:p>
+                  </a:txBody>
+                  <a:tcPr marL="46148" marR="46148" marT="0" marB="0"/>
+                </a:tc>
+              </a:tr>
+              <a:tr h="771121">
+                <a:tc>
+                  <a:txBody>
+                    <a:bodyPr/>
+                    <a:lstStyle/>
+                    <a:p>
+                      <a:pPr marL="0" marR="0" algn="just">
+                        <a:lnSpc>
+                          <a:spcPct val="115000"/>
+                        </a:lnSpc>
+                        <a:spcBef>
+                          <a:spcPts val="0"/>
+                        </a:spcBef>
+                        <a:spcAft>
+                          <a:spcPts val="0"/>
+                        </a:spcAft>
+                      </a:pPr>
+                      <a:r>
+                        <a:rPr lang="en-US" sz="1600" dirty="0">
+                          <a:effectLst/>
+                          <a:latin typeface="+mn-lt"/>
+                          <a:cs typeface="Arial" pitchFamily="34" charset="0"/>
+                        </a:rPr>
+                        <a:t>2</a:t>
+                      </a:r>
+                      <a:endParaRPr lang="en-US" sz="1600" dirty="0">
+                        <a:effectLst/>
+                        <a:latin typeface="+mn-lt"/>
+                        <a:ea typeface="Times New Roman"/>
+                        <a:cs typeface="Arial" pitchFamily="34" charset="0"/>
+                      </a:endParaRPr>
+                    </a:p>
+                  </a:txBody>
+                  <a:tcPr marL="46148" marR="46148" marT="0" marB="0"/>
+                </a:tc>
+                <a:tc>
+                  <a:txBody>
+                    <a:bodyPr/>
+                    <a:lstStyle/>
+                    <a:p>
+                      <a:pPr marL="0" marR="0" indent="0" algn="l" defTabSz="914400" rtl="0" eaLnBrk="1" fontAlgn="auto" latinLnBrk="0" hangingPunct="1">
+                        <a:lnSpc>
+                          <a:spcPct val="115000"/>
+                        </a:lnSpc>
+                        <a:spcBef>
+                          <a:spcPts val="0"/>
+                        </a:spcBef>
+                        <a:spcAft>
+                          <a:spcPts val="0"/>
+                        </a:spcAft>
+                        <a:buClrTx/>
+                        <a:buSzTx/>
+                        <a:buFontTx/>
+                        <a:buNone/>
+                        <a:tabLst/>
+                        <a:defRPr/>
+                      </a:pPr>
+                      <a:r>
+                        <a:rPr lang="en-US" sz="1600" dirty="0" smtClean="0">
+                          <a:effectLst/>
+                          <a:latin typeface="+mn-lt"/>
+                          <a:ea typeface="Times New Roman"/>
+                          <a:cs typeface="Arial" pitchFamily="34" charset="0"/>
+                        </a:rPr>
+                        <a:t>Open sources can not</a:t>
+                      </a:r>
+                      <a:r>
+                        <a:rPr lang="en-US" sz="1600" baseline="0" dirty="0" smtClean="0">
+                          <a:effectLst/>
+                          <a:latin typeface="+mn-lt"/>
+                          <a:ea typeface="Times New Roman"/>
+                          <a:cs typeface="Arial" pitchFamily="34" charset="0"/>
+                        </a:rPr>
+                        <a:t> integrate.</a:t>
+                      </a:r>
+                      <a:endParaRPr lang="en-US" sz="1600" dirty="0" smtClean="0">
+                        <a:effectLst/>
+                        <a:latin typeface="+mn-lt"/>
+                        <a:ea typeface="Times New Roman"/>
+                        <a:cs typeface="Arial" pitchFamily="34" charset="0"/>
+                      </a:endParaRPr>
+                    </a:p>
+                  </a:txBody>
+                  <a:tcPr marL="46148" marR="46148" marT="0" marB="0"/>
+                </a:tc>
+                <a:tc>
+                  <a:txBody>
+                    <a:bodyPr/>
+                    <a:lstStyle/>
+                    <a:p>
+                      <a:pPr algn="l"/>
+                      <a:r>
+                        <a:rPr lang="en-US" sz="1600" dirty="0" smtClean="0">
+                          <a:latin typeface="+mn-lt"/>
+                          <a:cs typeface="Arial" pitchFamily="34" charset="0"/>
+                        </a:rPr>
+                        <a:t>Studying open sources carefully,</a:t>
+                      </a:r>
+                      <a:r>
+                        <a:rPr lang="en-US" sz="1600" baseline="0" dirty="0" smtClean="0">
+                          <a:latin typeface="+mn-lt"/>
+                          <a:cs typeface="Arial" pitchFamily="34" charset="0"/>
+                        </a:rPr>
+                        <a:t> choose another open sources before.</a:t>
+                      </a:r>
+                      <a:endParaRPr lang="en-US" sz="1600" dirty="0">
+                        <a:latin typeface="+mn-lt"/>
+                        <a:cs typeface="Arial" pitchFamily="34" charset="0"/>
+                      </a:endParaRPr>
+                    </a:p>
+                  </a:txBody>
+                  <a:tcPr marL="46148" marR="46148" marT="0" marB="0"/>
+                </a:tc>
+                <a:tc>
+                  <a:txBody>
+                    <a:bodyPr/>
+                    <a:lstStyle/>
+                    <a:p>
+                      <a:pPr marL="0" marR="0" indent="0" algn="l" defTabSz="914400" rtl="0" eaLnBrk="1" fontAlgn="auto" latinLnBrk="0" hangingPunct="1">
+                        <a:lnSpc>
+                          <a:spcPct val="115000"/>
+                        </a:lnSpc>
+                        <a:spcBef>
+                          <a:spcPts val="0"/>
+                        </a:spcBef>
+                        <a:spcAft>
+                          <a:spcPts val="0"/>
+                        </a:spcAft>
+                        <a:buClrTx/>
+                        <a:buSzTx/>
+                        <a:buFontTx/>
+                        <a:buNone/>
+                        <a:tabLst/>
+                        <a:defRPr/>
+                      </a:pPr>
+                      <a:r>
+                        <a:rPr lang="en-US" sz="1600" dirty="0" smtClean="0">
+                          <a:effectLst/>
+                          <a:latin typeface="+mn-lt"/>
+                          <a:cs typeface="Arial" pitchFamily="34" charset="0"/>
+                        </a:rPr>
+                        <a:t>Set up training technique for team in appropriate time. </a:t>
+                      </a:r>
+                      <a:endParaRPr lang="en-US" sz="1600" dirty="0" smtClean="0">
+                        <a:effectLst/>
+                        <a:latin typeface="+mn-lt"/>
+                        <a:ea typeface="Times New Roman"/>
+                        <a:cs typeface="Arial" pitchFamily="34" charset="0"/>
+                      </a:endParaRPr>
+                    </a:p>
+                    <a:p>
+                      <a:pPr marL="0" marR="0" algn="l">
+                        <a:lnSpc>
+                          <a:spcPct val="115000"/>
+                        </a:lnSpc>
+                        <a:spcBef>
+                          <a:spcPts val="0"/>
+                        </a:spcBef>
+                        <a:spcAft>
+                          <a:spcPts val="0"/>
+                        </a:spcAft>
+                      </a:pPr>
+                      <a:endParaRPr lang="en-US" sz="1600" dirty="0">
+                        <a:effectLst/>
+                        <a:latin typeface="+mn-lt"/>
+                        <a:ea typeface="Times New Roman"/>
+                        <a:cs typeface="Arial" pitchFamily="34" charset="0"/>
+                      </a:endParaRPr>
+                    </a:p>
+                  </a:txBody>
+                  <a:tcPr marL="46148" marR="46148" marT="0" marB="0"/>
+                </a:tc>
+                <a:tc>
+                  <a:txBody>
+                    <a:bodyPr/>
+                    <a:lstStyle/>
+                    <a:p>
+                      <a:pPr marL="0" marR="0" algn="l">
+                        <a:lnSpc>
+                          <a:spcPct val="115000"/>
+                        </a:lnSpc>
+                        <a:spcBef>
+                          <a:spcPts val="0"/>
+                        </a:spcBef>
+                        <a:spcAft>
+                          <a:spcPts val="0"/>
+                        </a:spcAft>
+                      </a:pPr>
+                      <a:r>
+                        <a:rPr lang="en-US" sz="1600" b="0">
+                          <a:effectLst/>
+                          <a:latin typeface="+mn-lt"/>
+                          <a:cs typeface="Arial" pitchFamily="34" charset="0"/>
+                        </a:rPr>
+                        <a:t>Closed</a:t>
+                      </a:r>
+                      <a:endParaRPr lang="en-US" sz="1600" b="0">
+                        <a:effectLst/>
+                        <a:latin typeface="+mn-lt"/>
+                        <a:ea typeface="Times New Roman"/>
+                        <a:cs typeface="Arial" pitchFamily="34" charset="0"/>
+                      </a:endParaRPr>
+                    </a:p>
+                  </a:txBody>
+                  <a:tcPr marL="46148" marR="46148" marT="0" marB="0"/>
+                </a:tc>
+              </a:tr>
+              <a:tr h="969683">
+                <a:tc>
+                  <a:txBody>
+                    <a:bodyPr/>
+                    <a:lstStyle/>
+                    <a:p>
+                      <a:pPr marL="0" marR="0" algn="just">
+                        <a:lnSpc>
+                          <a:spcPct val="115000"/>
+                        </a:lnSpc>
+                        <a:spcBef>
+                          <a:spcPts val="0"/>
+                        </a:spcBef>
+                        <a:spcAft>
+                          <a:spcPts val="0"/>
+                        </a:spcAft>
+                      </a:pPr>
+                      <a:r>
+                        <a:rPr lang="en-US" sz="1600" dirty="0" smtClean="0">
+                          <a:effectLst/>
+                          <a:latin typeface="+mn-lt"/>
+                          <a:ea typeface="+mn-ea"/>
+                          <a:cs typeface="Arial" pitchFamily="34" charset="0"/>
+                        </a:rPr>
+                        <a:t>3</a:t>
+                      </a:r>
+                      <a:endParaRPr lang="en-US" sz="1600" dirty="0">
+                        <a:effectLst/>
+                        <a:latin typeface="+mn-lt"/>
+                        <a:ea typeface="Times New Roman"/>
+                        <a:cs typeface="Arial" pitchFamily="34" charset="0"/>
+                      </a:endParaRPr>
+                    </a:p>
+                  </a:txBody>
+                  <a:tcPr marL="46148" marR="46148" marT="0" marB="0"/>
+                </a:tc>
+                <a:tc>
+                  <a:txBody>
+                    <a:bodyPr/>
+                    <a:lstStyle/>
+                    <a:p>
+                      <a:pPr marL="0" marR="0" algn="l">
+                        <a:lnSpc>
+                          <a:spcPct val="115000"/>
+                        </a:lnSpc>
+                        <a:spcBef>
+                          <a:spcPts val="0"/>
+                        </a:spcBef>
+                        <a:spcAft>
+                          <a:spcPts val="0"/>
+                        </a:spcAft>
+                      </a:pPr>
+                      <a:r>
+                        <a:rPr lang="en-US" sz="1600" dirty="0" smtClean="0">
+                          <a:effectLst/>
+                          <a:latin typeface="+mn-lt"/>
+                          <a:cs typeface="Arial" pitchFamily="34" charset="0"/>
+                        </a:rPr>
+                        <a:t>Underestimated </a:t>
+                      </a:r>
+                      <a:r>
+                        <a:rPr lang="en-US" sz="1600" dirty="0">
+                          <a:effectLst/>
+                          <a:latin typeface="+mn-lt"/>
+                          <a:cs typeface="Arial" pitchFamily="34" charset="0"/>
+                        </a:rPr>
+                        <a:t>time requires doing tasks.</a:t>
+                      </a:r>
+                      <a:endParaRPr lang="en-US" sz="1600" dirty="0">
+                        <a:effectLst/>
+                        <a:latin typeface="+mn-lt"/>
+                        <a:ea typeface="Times New Roman"/>
+                        <a:cs typeface="Arial" pitchFamily="34" charset="0"/>
+                      </a:endParaRPr>
+                    </a:p>
+                  </a:txBody>
+                  <a:tcPr marL="46148" marR="46148" marT="0" marB="0"/>
+                </a:tc>
+                <a:tc>
+                  <a:txBody>
+                    <a:bodyPr/>
+                    <a:lstStyle/>
+                    <a:p>
+                      <a:pPr algn="l"/>
+                      <a:r>
+                        <a:rPr lang="en-US" sz="1600" kern="1200" dirty="0" smtClean="0">
+                          <a:solidFill>
+                            <a:schemeClr val="dk1"/>
+                          </a:solidFill>
+                          <a:effectLst/>
+                          <a:latin typeface="+mn-lt"/>
+                          <a:ea typeface="+mn-ea"/>
+                          <a:cs typeface="Arial" pitchFamily="34" charset="0"/>
+                        </a:rPr>
+                        <a:t>Consult supervisor to build appropriate schedule, keep track the rate of process in tasks of each member.</a:t>
+                      </a:r>
+                      <a:endParaRPr lang="en-US" sz="1200" dirty="0">
+                        <a:latin typeface="+mn-lt"/>
+                        <a:cs typeface="Arial" pitchFamily="34" charset="0"/>
+                      </a:endParaRPr>
+                    </a:p>
+                  </a:txBody>
+                  <a:tcPr marL="46148" marR="46148" marT="0" marB="0"/>
+                </a:tc>
+                <a:tc>
+                  <a:txBody>
+                    <a:bodyPr/>
+                    <a:lstStyle/>
+                    <a:p>
+                      <a:pPr marL="0" marR="0" algn="l">
+                        <a:lnSpc>
+                          <a:spcPct val="115000"/>
+                        </a:lnSpc>
+                        <a:spcBef>
+                          <a:spcPts val="0"/>
+                        </a:spcBef>
+                        <a:spcAft>
+                          <a:spcPts val="0"/>
+                        </a:spcAft>
+                      </a:pPr>
+                      <a:r>
+                        <a:rPr lang="en-US" sz="1600" dirty="0">
+                          <a:effectLst/>
+                          <a:latin typeface="+mn-lt"/>
+                          <a:cs typeface="Arial" pitchFamily="34" charset="0"/>
+                        </a:rPr>
+                        <a:t>Consult supervisor to build appropriate schedule, keep track the rate of process in tasks of each member.</a:t>
+                      </a:r>
+                      <a:endParaRPr lang="en-US" sz="1600" dirty="0">
+                        <a:effectLst/>
+                        <a:latin typeface="+mn-lt"/>
+                        <a:ea typeface="Times New Roman"/>
+                        <a:cs typeface="Arial" pitchFamily="34" charset="0"/>
+                      </a:endParaRPr>
+                    </a:p>
+                  </a:txBody>
+                  <a:tcPr marL="46148" marR="46148" marT="0" marB="0"/>
+                </a:tc>
+                <a:tc>
+                  <a:txBody>
+                    <a:bodyPr/>
+                    <a:lstStyle/>
+                    <a:p>
+                      <a:pPr marL="0" marR="0" algn="l">
+                        <a:lnSpc>
+                          <a:spcPct val="115000"/>
+                        </a:lnSpc>
+                        <a:spcBef>
+                          <a:spcPts val="0"/>
+                        </a:spcBef>
+                        <a:spcAft>
+                          <a:spcPts val="0"/>
+                        </a:spcAft>
+                      </a:pPr>
+                      <a:r>
+                        <a:rPr lang="en-US" sz="1600" b="0">
+                          <a:effectLst/>
+                          <a:latin typeface="+mn-lt"/>
+                          <a:cs typeface="Arial" pitchFamily="34" charset="0"/>
+                        </a:rPr>
+                        <a:t>Closed</a:t>
+                      </a:r>
+                      <a:endParaRPr lang="en-US" sz="1600" b="0">
+                        <a:effectLst/>
+                        <a:latin typeface="+mn-lt"/>
+                        <a:ea typeface="Times New Roman"/>
+                        <a:cs typeface="Arial" pitchFamily="34" charset="0"/>
+                      </a:endParaRPr>
+                    </a:p>
+                  </a:txBody>
+                  <a:tcPr marL="46148" marR="46148" marT="0" marB="0"/>
+                </a:tc>
+              </a:tr>
+              <a:tr h="886790">
+                <a:tc>
+                  <a:txBody>
+                    <a:bodyPr/>
+                    <a:lstStyle/>
+                    <a:p>
+                      <a:pPr marL="0" marR="0" algn="just">
+                        <a:lnSpc>
+                          <a:spcPct val="115000"/>
+                        </a:lnSpc>
+                        <a:spcBef>
+                          <a:spcPts val="0"/>
+                        </a:spcBef>
+                        <a:spcAft>
+                          <a:spcPts val="0"/>
+                        </a:spcAft>
+                      </a:pPr>
+                      <a:r>
+                        <a:rPr lang="en-US" sz="1600" dirty="0" smtClean="0">
+                          <a:effectLst/>
+                          <a:latin typeface="+mn-lt"/>
+                          <a:ea typeface="+mn-ea"/>
+                          <a:cs typeface="Arial" pitchFamily="34" charset="0"/>
+                        </a:rPr>
+                        <a:t>4</a:t>
+                      </a:r>
+                      <a:endParaRPr lang="en-US" sz="1600" dirty="0">
+                        <a:effectLst/>
+                        <a:latin typeface="+mn-lt"/>
+                        <a:ea typeface="Times New Roman"/>
+                        <a:cs typeface="Arial" pitchFamily="34" charset="0"/>
+                      </a:endParaRPr>
+                    </a:p>
+                  </a:txBody>
+                  <a:tcPr marL="46148" marR="46148" marT="0" marB="0"/>
+                </a:tc>
+                <a:tc>
+                  <a:txBody>
+                    <a:bodyPr/>
+                    <a:lstStyle/>
+                    <a:p>
+                      <a:pPr marL="0" marR="0" algn="l">
+                        <a:lnSpc>
+                          <a:spcPct val="115000"/>
+                        </a:lnSpc>
+                        <a:spcBef>
+                          <a:spcPts val="0"/>
+                        </a:spcBef>
+                        <a:spcAft>
+                          <a:spcPts val="0"/>
+                        </a:spcAft>
+                      </a:pPr>
+                      <a:r>
+                        <a:rPr lang="en-US" sz="1600" dirty="0" smtClean="0">
+                          <a:effectLst/>
+                          <a:latin typeface="+mn-lt"/>
+                          <a:ea typeface="Times New Roman"/>
+                          <a:cs typeface="Arial" pitchFamily="34" charset="0"/>
+                        </a:rPr>
+                        <a:t>Team member do tas</a:t>
+                      </a:r>
+                      <a:r>
+                        <a:rPr lang="en-US" sz="1600" baseline="0" dirty="0" smtClean="0">
+                          <a:effectLst/>
+                          <a:latin typeface="+mn-lt"/>
+                          <a:ea typeface="Times New Roman"/>
+                          <a:cs typeface="Arial" pitchFamily="34" charset="0"/>
+                        </a:rPr>
+                        <a:t>ks over the scope.</a:t>
+                      </a:r>
+                      <a:endParaRPr lang="en-US" sz="1600" dirty="0">
+                        <a:effectLst/>
+                        <a:latin typeface="+mn-lt"/>
+                        <a:ea typeface="Times New Roman"/>
+                        <a:cs typeface="Arial" pitchFamily="34" charset="0"/>
+                      </a:endParaRPr>
+                    </a:p>
+                  </a:txBody>
+                  <a:tcPr marL="46148" marR="46148" marT="0" marB="0"/>
+                </a:tc>
+                <a:tc>
+                  <a:txBody>
+                    <a:bodyPr/>
+                    <a:lstStyle/>
+                    <a:p>
+                      <a:pPr algn="l"/>
+                      <a:r>
+                        <a:rPr lang="en-US" sz="1600" kern="1200" dirty="0" smtClean="0">
+                          <a:solidFill>
+                            <a:schemeClr val="dk1"/>
+                          </a:solidFill>
+                          <a:effectLst/>
+                          <a:latin typeface="+mn-lt"/>
+                          <a:ea typeface="+mn-ea"/>
+                          <a:cs typeface="Arial" pitchFamily="34" charset="0"/>
+                        </a:rPr>
+                        <a:t>Make sure that the team goals are totally clear. And finishing SRS as soon as possible to operate other tasks.</a:t>
+                      </a:r>
+                      <a:endParaRPr lang="en-US" sz="1200" dirty="0">
+                        <a:latin typeface="+mn-lt"/>
+                        <a:cs typeface="Arial" pitchFamily="34" charset="0"/>
+                      </a:endParaRPr>
+                    </a:p>
+                  </a:txBody>
+                  <a:tcPr marL="46148" marR="46148" marT="0" marB="0"/>
+                </a:tc>
+                <a:tc>
+                  <a:txBody>
+                    <a:bodyPr/>
+                    <a:lstStyle/>
+                    <a:p>
+                      <a:pPr marL="0" marR="0" algn="l">
+                        <a:lnSpc>
+                          <a:spcPct val="115000"/>
+                        </a:lnSpc>
+                        <a:spcBef>
+                          <a:spcPts val="0"/>
+                        </a:spcBef>
+                        <a:spcAft>
+                          <a:spcPts val="0"/>
+                        </a:spcAft>
+                      </a:pPr>
+                      <a:r>
+                        <a:rPr lang="en-US" sz="1600" kern="1200" dirty="0" smtClean="0">
+                          <a:solidFill>
+                            <a:schemeClr val="dk1"/>
+                          </a:solidFill>
+                          <a:effectLst/>
+                          <a:latin typeface="+mn-lt"/>
+                          <a:ea typeface="+mn-ea"/>
+                          <a:cs typeface="Arial" pitchFamily="34" charset="0"/>
+                        </a:rPr>
+                        <a:t>Set up meeting to discuss and give the final requirements.</a:t>
+                      </a:r>
+                      <a:endParaRPr lang="en-US" sz="1200" dirty="0">
+                        <a:effectLst/>
+                        <a:latin typeface="+mn-lt"/>
+                        <a:ea typeface="Times New Roman"/>
+                        <a:cs typeface="Arial" pitchFamily="34" charset="0"/>
+                      </a:endParaRPr>
+                    </a:p>
+                  </a:txBody>
+                  <a:tcPr marL="46148" marR="46148" marT="0" marB="0"/>
+                </a:tc>
+                <a:tc>
+                  <a:txBody>
+                    <a:bodyPr/>
+                    <a:lstStyle/>
+                    <a:p>
+                      <a:pPr marL="0" marR="0" algn="l">
+                        <a:lnSpc>
+                          <a:spcPct val="115000"/>
+                        </a:lnSpc>
+                        <a:spcBef>
+                          <a:spcPts val="0"/>
+                        </a:spcBef>
+                        <a:spcAft>
+                          <a:spcPts val="0"/>
+                        </a:spcAft>
+                      </a:pPr>
+                      <a:r>
+                        <a:rPr lang="en-US" sz="1600" b="0" dirty="0">
+                          <a:effectLst/>
+                          <a:latin typeface="+mn-lt"/>
+                          <a:cs typeface="Arial" pitchFamily="34" charset="0"/>
+                        </a:rPr>
+                        <a:t>Closed</a:t>
+                      </a:r>
+                      <a:endParaRPr lang="en-US" sz="1600" b="0" dirty="0">
+                        <a:effectLst/>
+                        <a:latin typeface="+mn-lt"/>
+                        <a:ea typeface="Times New Roman"/>
+                        <a:cs typeface="Arial" pitchFamily="34" charset="0"/>
+                      </a:endParaRPr>
+                    </a:p>
+                  </a:txBody>
+                  <a:tcPr marL="46148" marR="46148" marT="0" marB="0"/>
+                </a:tc>
+              </a:tr>
+            </a:tbl>
+          </a:graphicData>
+        </a:graphic>
+      </p:graphicFrame>
+    </p:spTree>
+    <p:extLst>
+      <p:ext uri="{BB962C8B-B14F-4D97-AF65-F5344CB8AC3E}">
+        <p14:creationId xmlns:p14="http://schemas.microsoft.com/office/powerpoint/2010/main" val="2460086861"/>
+      </p:ext>
+    </p:extLst>
+  </p:cSld>
+  <p:clrMapOvr>
+    <a:masterClrMapping/>
+  </p:clrMapOvr>
+  <p:timing>
+    <p:tnLst>
+      <p:par>
+        <p:cTn id="1" dur="indefinite" restart="never" nodeType="tmRoot"/>
+      </p:par>
+    </p:tnLst>
+  </p:timing>
+</p:sld>
+</file>
+
 <file path=ppt/slides/slide14.xml><?xml version="1.0" encoding="utf-8"?>
 <p:sld xmlns:a="http://schemas.openxmlformats.org/drawingml/2006/main" xmlns:r="http://schemas.openxmlformats.org/officeDocument/2006/relationships" xmlns:p="http://schemas.openxmlformats.org/presentationml/2006/main">
   <p:cSld>
@@ -40476,8 +40857,8 @@
         </p:nvSpPr>
         <p:spPr>
           <a:xfrm>
-            <a:off x="457200" y="914401"/>
-            <a:ext cx="8229600" cy="533400"/>
+            <a:off x="457200" y="838200"/>
+            <a:ext cx="8229600" cy="5029200"/>
           </a:xfrm>
         </p:spPr>
         <p:txBody>
@@ -40486,954 +40867,135 @@
           <a:p>
             <a:r>
               <a:rPr lang="en-US" dirty="0"/>
-              <a:t>4</a:t>
+              <a:t>5</a:t>
             </a:r>
             <a:r>
               <a:rPr lang="en-US" dirty="0" smtClean="0"/>
-              <a:t>. Risk Management</a:t>
-            </a:r>
+              <a:t>. Quality </a:t>
+            </a:r>
+            <a:r>
+              <a:rPr lang="en-US" dirty="0" smtClean="0"/>
+              <a:t>Plan</a:t>
+            </a:r>
+          </a:p>
+          <a:p>
+            <a:pPr lvl="1"/>
+            <a:r>
+              <a:rPr lang="en-US" smtClean="0">
+                <a:solidFill>
+                  <a:schemeClr val="tx1"/>
+                </a:solidFill>
+              </a:rPr>
+              <a:t>Schedule:</a:t>
+            </a:r>
+            <a:endParaRPr lang="en-US" dirty="0" smtClean="0">
+              <a:solidFill>
+                <a:schemeClr val="tx1"/>
+              </a:solidFill>
+            </a:endParaRPr>
+          </a:p>
+          <a:p>
+            <a:pPr lvl="2"/>
+            <a:r>
+              <a:rPr lang="en-US" dirty="0" smtClean="0">
+                <a:solidFill>
+                  <a:schemeClr val="tx1"/>
+                </a:solidFill>
+              </a:rPr>
+              <a:t>Work 6 days/1 week, 8 hours/1 day.</a:t>
+            </a:r>
+          </a:p>
+          <a:p>
+            <a:pPr lvl="2"/>
+            <a:r>
+              <a:rPr lang="en-US" dirty="0" smtClean="0">
+                <a:solidFill>
+                  <a:schemeClr val="tx1"/>
+                </a:solidFill>
+              </a:rPr>
+              <a:t>Meet 2 times each week.</a:t>
+            </a:r>
+          </a:p>
+          <a:p>
+            <a:pPr lvl="1"/>
+            <a:r>
+              <a:rPr lang="en-US" dirty="0" smtClean="0">
+                <a:solidFill>
+                  <a:schemeClr val="tx1"/>
+                </a:solidFill>
+              </a:rPr>
+              <a:t>Determine types of test:</a:t>
+            </a:r>
+          </a:p>
+          <a:p>
+            <a:pPr lvl="2"/>
+            <a:r>
+              <a:rPr lang="en-US" dirty="0" smtClean="0">
+                <a:solidFill>
+                  <a:schemeClr val="tx1"/>
+                </a:solidFill>
+              </a:rPr>
+              <a:t>Unit test, integration test, system test.</a:t>
+            </a:r>
+          </a:p>
+          <a:p>
+            <a:pPr lvl="2"/>
+            <a:r>
+              <a:rPr lang="en-US" dirty="0" smtClean="0">
+                <a:solidFill>
+                  <a:schemeClr val="tx1"/>
+                </a:solidFill>
+              </a:rPr>
+              <a:t>Unit test is executed with code.</a:t>
+            </a:r>
+          </a:p>
+          <a:p>
+            <a:pPr lvl="1"/>
+            <a:r>
+              <a:rPr lang="en-US" dirty="0" smtClean="0">
+                <a:solidFill>
+                  <a:schemeClr val="tx1"/>
+                </a:solidFill>
+              </a:rPr>
+              <a:t>Control bugs:</a:t>
+            </a:r>
+          </a:p>
+          <a:p>
+            <a:pPr lvl="2"/>
+            <a:r>
+              <a:rPr lang="en-US" dirty="0" smtClean="0">
+                <a:solidFill>
+                  <a:schemeClr val="tx1"/>
+                </a:solidFill>
+              </a:rPr>
+              <a:t>Use excel to communicate between tester and developer.</a:t>
+            </a:r>
+          </a:p>
+          <a:p>
+            <a:pPr lvl="2"/>
+            <a:r>
+              <a:rPr lang="en-US" dirty="0" smtClean="0">
+                <a:solidFill>
+                  <a:schemeClr val="tx1"/>
+                </a:solidFill>
+              </a:rPr>
+              <a:t>Bug rate of function test stays at  8bugs / 1000 lines.</a:t>
+            </a:r>
+            <a:endParaRPr lang="en-US" dirty="0" smtClean="0">
+              <a:solidFill>
+                <a:schemeClr val="tx1"/>
+              </a:solidFill>
+            </a:endParaRPr>
+          </a:p>
+          <a:p>
+            <a:endParaRPr lang="en-US" dirty="0" smtClean="0"/>
           </a:p>
         </p:txBody>
       </p:sp>
-      <p:graphicFrame>
-        <p:nvGraphicFramePr>
-          <p:cNvPr id="4" name="Table 3"/>
-          <p:cNvGraphicFramePr>
-            <a:graphicFrameLocks noGrp="1"/>
-          </p:cNvGraphicFramePr>
-          <p:nvPr>
-            <p:extLst>
-              <p:ext uri="{D42A27DB-BD31-4B8C-83A1-F6EECF244321}">
-                <p14:modId xmlns:p14="http://schemas.microsoft.com/office/powerpoint/2010/main" val="2389890003"/>
-              </p:ext>
-            </p:extLst>
-          </p:nvPr>
-        </p:nvGraphicFramePr>
-        <p:xfrm>
-          <a:off x="304800" y="1752600"/>
-          <a:ext cx="8534401" cy="3542015"/>
-        </p:xfrm>
-        <a:graphic>
-          <a:graphicData uri="http://schemas.openxmlformats.org/drawingml/2006/table">
-            <a:tbl>
-              <a:tblPr firstRow="1" firstCol="1" bandRow="1">
-                <a:tableStyleId>{21E4AEA4-8DFA-4A89-87EB-49C32662AFE0}</a:tableStyleId>
-              </a:tblPr>
-              <a:tblGrid>
-                <a:gridCol w="435380"/>
-                <a:gridCol w="1810516"/>
-                <a:gridCol w="1796715"/>
-                <a:gridCol w="3715935"/>
-                <a:gridCol w="775855"/>
-              </a:tblGrid>
-              <a:tr h="323228">
-                <a:tc>
-                  <a:txBody>
-                    <a:bodyPr/>
-                    <a:lstStyle/>
-                    <a:p>
-                      <a:pPr marL="0" marR="0" algn="ctr">
-                        <a:lnSpc>
-                          <a:spcPct val="115000"/>
-                        </a:lnSpc>
-                        <a:spcBef>
-                          <a:spcPts val="0"/>
-                        </a:spcBef>
-                        <a:spcAft>
-                          <a:spcPts val="0"/>
-                        </a:spcAft>
-                      </a:pPr>
-                      <a:r>
-                        <a:rPr lang="en-US" sz="1400" dirty="0">
-                          <a:effectLst/>
-                          <a:latin typeface="Arial" pitchFamily="34" charset="0"/>
-                          <a:cs typeface="Arial" pitchFamily="34" charset="0"/>
-                        </a:rPr>
-                        <a:t>No</a:t>
-                      </a:r>
-                      <a:endParaRPr lang="en-US" sz="1400" dirty="0">
-                        <a:effectLst/>
-                        <a:latin typeface="Arial" pitchFamily="34" charset="0"/>
-                        <a:ea typeface="Times New Roman"/>
-                        <a:cs typeface="Arial" pitchFamily="34" charset="0"/>
-                      </a:endParaRPr>
-                    </a:p>
-                  </a:txBody>
-                  <a:tcPr marL="46148" marR="46148" marT="0" marB="0"/>
-                </a:tc>
-                <a:tc>
-                  <a:txBody>
-                    <a:bodyPr/>
-                    <a:lstStyle/>
-                    <a:p>
-                      <a:pPr marL="0" marR="0" algn="ctr">
-                        <a:lnSpc>
-                          <a:spcPct val="115000"/>
-                        </a:lnSpc>
-                        <a:spcBef>
-                          <a:spcPts val="0"/>
-                        </a:spcBef>
-                        <a:spcAft>
-                          <a:spcPts val="0"/>
-                        </a:spcAft>
-                      </a:pPr>
-                      <a:r>
-                        <a:rPr lang="en-US" sz="1400" dirty="0">
-                          <a:effectLst/>
-                          <a:latin typeface="Arial" pitchFamily="34" charset="0"/>
-                          <a:cs typeface="Arial" pitchFamily="34" charset="0"/>
-                        </a:rPr>
-                        <a:t>Description</a:t>
-                      </a:r>
-                      <a:endParaRPr lang="en-US" sz="1400" dirty="0">
-                        <a:effectLst/>
-                        <a:latin typeface="Arial" pitchFamily="34" charset="0"/>
-                        <a:ea typeface="Times New Roman"/>
-                        <a:cs typeface="Arial" pitchFamily="34" charset="0"/>
-                      </a:endParaRPr>
-                    </a:p>
-                  </a:txBody>
-                  <a:tcPr marL="46148" marR="46148" marT="0" marB="0"/>
-                </a:tc>
-                <a:tc>
-                  <a:txBody>
-                    <a:bodyPr/>
-                    <a:lstStyle/>
-                    <a:p>
-                      <a:pPr marL="0" marR="0" algn="ctr">
-                        <a:lnSpc>
-                          <a:spcPct val="115000"/>
-                        </a:lnSpc>
-                        <a:spcBef>
-                          <a:spcPts val="0"/>
-                        </a:spcBef>
-                        <a:spcAft>
-                          <a:spcPts val="0"/>
-                        </a:spcAft>
-                      </a:pPr>
-                      <a:r>
-                        <a:rPr lang="en-US" sz="1400" dirty="0" smtClean="0">
-                          <a:effectLst/>
-                          <a:latin typeface="Arial" pitchFamily="34" charset="0"/>
-                          <a:cs typeface="Arial" pitchFamily="34" charset="0"/>
-                        </a:rPr>
-                        <a:t>Cause</a:t>
-                      </a:r>
-                      <a:endParaRPr lang="en-US" sz="1400" dirty="0">
-                        <a:effectLst/>
-                        <a:latin typeface="Arial" pitchFamily="34" charset="0"/>
-                        <a:ea typeface="Times New Roman"/>
-                        <a:cs typeface="Arial" pitchFamily="34" charset="0"/>
-                      </a:endParaRPr>
-                    </a:p>
-                  </a:txBody>
-                  <a:tcPr marL="46148" marR="46148" marT="0" marB="0"/>
-                </a:tc>
-                <a:tc>
-                  <a:txBody>
-                    <a:bodyPr/>
-                    <a:lstStyle/>
-                    <a:p>
-                      <a:pPr marL="0" marR="0" algn="ctr">
-                        <a:lnSpc>
-                          <a:spcPct val="115000"/>
-                        </a:lnSpc>
-                        <a:spcBef>
-                          <a:spcPts val="0"/>
-                        </a:spcBef>
-                        <a:spcAft>
-                          <a:spcPts val="0"/>
-                        </a:spcAft>
-                      </a:pPr>
-                      <a:r>
-                        <a:rPr lang="en-US" sz="1400" dirty="0">
-                          <a:effectLst/>
-                          <a:latin typeface="Arial" pitchFamily="34" charset="0"/>
-                          <a:cs typeface="Arial" pitchFamily="34" charset="0"/>
-                        </a:rPr>
-                        <a:t>Contingency Plan</a:t>
-                      </a:r>
-                      <a:endParaRPr lang="en-US" sz="1400" dirty="0">
-                        <a:effectLst/>
-                        <a:latin typeface="Arial" pitchFamily="34" charset="0"/>
-                        <a:ea typeface="Times New Roman"/>
-                        <a:cs typeface="Arial" pitchFamily="34" charset="0"/>
-                      </a:endParaRPr>
-                    </a:p>
-                  </a:txBody>
-                  <a:tcPr marL="46148" marR="46148" marT="0" marB="0"/>
-                </a:tc>
-                <a:tc>
-                  <a:txBody>
-                    <a:bodyPr/>
-                    <a:lstStyle/>
-                    <a:p>
-                      <a:pPr marL="0" marR="0" algn="ctr">
-                        <a:lnSpc>
-                          <a:spcPct val="115000"/>
-                        </a:lnSpc>
-                        <a:spcBef>
-                          <a:spcPts val="0"/>
-                        </a:spcBef>
-                        <a:spcAft>
-                          <a:spcPts val="0"/>
-                        </a:spcAft>
-                      </a:pPr>
-                      <a:r>
-                        <a:rPr lang="en-US" sz="1400" dirty="0">
-                          <a:effectLst/>
-                          <a:latin typeface="Arial" pitchFamily="34" charset="0"/>
-                          <a:cs typeface="Arial" pitchFamily="34" charset="0"/>
-                        </a:rPr>
-                        <a:t>Status</a:t>
-                      </a:r>
-                      <a:endParaRPr lang="en-US" sz="1400" dirty="0">
-                        <a:effectLst/>
-                        <a:latin typeface="Arial" pitchFamily="34" charset="0"/>
-                        <a:ea typeface="Times New Roman"/>
-                        <a:cs typeface="Arial" pitchFamily="34" charset="0"/>
-                      </a:endParaRPr>
-                    </a:p>
-                  </a:txBody>
-                  <a:tcPr marL="46148" marR="46148" marT="0" marB="0"/>
-                </a:tc>
-              </a:tr>
-              <a:tr h="591193">
-                <a:tc>
-                  <a:txBody>
-                    <a:bodyPr/>
-                    <a:lstStyle/>
-                    <a:p>
-                      <a:pPr marL="0" marR="0" algn="just">
-                        <a:lnSpc>
-                          <a:spcPct val="115000"/>
-                        </a:lnSpc>
-                        <a:spcBef>
-                          <a:spcPts val="0"/>
-                        </a:spcBef>
-                        <a:spcAft>
-                          <a:spcPts val="0"/>
-                        </a:spcAft>
-                      </a:pPr>
-                      <a:r>
-                        <a:rPr lang="en-US" sz="1400" dirty="0">
-                          <a:effectLst/>
-                          <a:latin typeface="Arial" pitchFamily="34" charset="0"/>
-                          <a:cs typeface="Arial" pitchFamily="34" charset="0"/>
-                        </a:rPr>
-                        <a:t>1</a:t>
-                      </a:r>
-                      <a:endParaRPr lang="en-US" sz="1400" dirty="0">
-                        <a:effectLst/>
-                        <a:latin typeface="Arial" pitchFamily="34" charset="0"/>
-                        <a:ea typeface="Times New Roman"/>
-                        <a:cs typeface="Arial" pitchFamily="34" charset="0"/>
-                      </a:endParaRPr>
-                    </a:p>
-                  </a:txBody>
-                  <a:tcPr marL="46148" marR="46148" marT="0" marB="0"/>
-                </a:tc>
-                <a:tc>
-                  <a:txBody>
-                    <a:bodyPr/>
-                    <a:lstStyle/>
-                    <a:p>
-                      <a:pPr marL="0" marR="0" algn="l">
-                        <a:lnSpc>
-                          <a:spcPct val="115000"/>
-                        </a:lnSpc>
-                        <a:spcBef>
-                          <a:spcPts val="0"/>
-                        </a:spcBef>
-                        <a:spcAft>
-                          <a:spcPts val="0"/>
-                        </a:spcAft>
-                      </a:pPr>
-                      <a:r>
-                        <a:rPr lang="en-US" sz="1400" dirty="0" smtClean="0">
-                          <a:effectLst/>
-                          <a:latin typeface="Arial" pitchFamily="34" charset="0"/>
-                          <a:cs typeface="Arial" pitchFamily="34" charset="0"/>
-                        </a:rPr>
-                        <a:t>Team </a:t>
-                      </a:r>
-                      <a:r>
-                        <a:rPr lang="en-US" sz="1400" dirty="0">
-                          <a:effectLst/>
-                          <a:latin typeface="Arial" pitchFamily="34" charset="0"/>
-                          <a:cs typeface="Arial" pitchFamily="34" charset="0"/>
-                        </a:rPr>
-                        <a:t>members </a:t>
-                      </a:r>
-                      <a:r>
-                        <a:rPr lang="en-US" sz="1400" dirty="0" smtClean="0">
-                          <a:effectLst/>
-                          <a:latin typeface="Arial" pitchFamily="34" charset="0"/>
-                          <a:cs typeface="Arial" pitchFamily="34" charset="0"/>
-                        </a:rPr>
-                        <a:t>contradict.</a:t>
-                      </a:r>
-                      <a:endParaRPr lang="en-US" sz="1400" dirty="0">
-                        <a:effectLst/>
-                        <a:latin typeface="Arial" pitchFamily="34" charset="0"/>
-                        <a:ea typeface="Times New Roman"/>
-                        <a:cs typeface="Arial" pitchFamily="34" charset="0"/>
-                      </a:endParaRPr>
-                    </a:p>
-                  </a:txBody>
-                  <a:tcPr marL="46148" marR="46148" marT="0" marB="0"/>
-                </a:tc>
-                <a:tc>
-                  <a:txBody>
-                    <a:bodyPr/>
-                    <a:lstStyle/>
-                    <a:p>
-                      <a:pPr algn="l"/>
-                      <a:r>
-                        <a:rPr lang="en-US" sz="1400" dirty="0" smtClean="0">
-                          <a:latin typeface="Arial" pitchFamily="34" charset="0"/>
-                          <a:cs typeface="Arial" pitchFamily="34" charset="0"/>
-                        </a:rPr>
-                        <a:t>Way of</a:t>
-                      </a:r>
-                      <a:r>
-                        <a:rPr lang="en-US" sz="1400" baseline="0" dirty="0" smtClean="0">
-                          <a:latin typeface="Arial" pitchFamily="34" charset="0"/>
-                          <a:cs typeface="Arial" pitchFamily="34" charset="0"/>
-                        </a:rPr>
-                        <a:t> w</a:t>
-                      </a:r>
-                      <a:r>
-                        <a:rPr lang="en-US" sz="1400" dirty="0" smtClean="0">
-                          <a:latin typeface="Arial" pitchFamily="34" charset="0"/>
-                          <a:cs typeface="Arial" pitchFamily="34" charset="0"/>
-                        </a:rPr>
-                        <a:t>orking,</a:t>
-                      </a:r>
-                      <a:r>
-                        <a:rPr lang="en-US" sz="1400" baseline="0" dirty="0" smtClean="0">
-                          <a:latin typeface="Arial" pitchFamily="34" charset="0"/>
-                          <a:cs typeface="Arial" pitchFamily="34" charset="0"/>
-                        </a:rPr>
-                        <a:t> controlling bugs.</a:t>
-                      </a:r>
-                      <a:endParaRPr lang="en-US" sz="1400" dirty="0">
-                        <a:latin typeface="Arial" pitchFamily="34" charset="0"/>
-                        <a:cs typeface="Arial" pitchFamily="34" charset="0"/>
-                      </a:endParaRPr>
-                    </a:p>
-                  </a:txBody>
-                  <a:tcPr marL="46148" marR="46148" marT="0" marB="0"/>
-                </a:tc>
-                <a:tc>
-                  <a:txBody>
-                    <a:bodyPr/>
-                    <a:lstStyle/>
-                    <a:p>
-                      <a:pPr marL="0" marR="0" algn="l">
-                        <a:lnSpc>
-                          <a:spcPct val="115000"/>
-                        </a:lnSpc>
-                        <a:spcBef>
-                          <a:spcPts val="0"/>
-                        </a:spcBef>
-                        <a:spcAft>
-                          <a:spcPts val="0"/>
-                        </a:spcAft>
-                      </a:pPr>
-                      <a:r>
-                        <a:rPr lang="en-US" sz="1400" dirty="0">
-                          <a:effectLst/>
-                          <a:latin typeface="Arial" pitchFamily="34" charset="0"/>
-                          <a:cs typeface="Arial" pitchFamily="34" charset="0"/>
-                        </a:rPr>
-                        <a:t>Through open talk, communication team understands each other better. </a:t>
-                      </a:r>
-                      <a:endParaRPr lang="en-US" sz="1400" dirty="0">
-                        <a:effectLst/>
-                        <a:latin typeface="Arial" pitchFamily="34" charset="0"/>
-                        <a:ea typeface="Times New Roman"/>
-                        <a:cs typeface="Arial" pitchFamily="34" charset="0"/>
-                      </a:endParaRPr>
-                    </a:p>
-                  </a:txBody>
-                  <a:tcPr marL="46148" marR="46148" marT="0" marB="0"/>
-                </a:tc>
-                <a:tc>
-                  <a:txBody>
-                    <a:bodyPr/>
-                    <a:lstStyle/>
-                    <a:p>
-                      <a:pPr marL="0" marR="0" algn="l">
-                        <a:lnSpc>
-                          <a:spcPct val="115000"/>
-                        </a:lnSpc>
-                        <a:spcBef>
-                          <a:spcPts val="0"/>
-                        </a:spcBef>
-                        <a:spcAft>
-                          <a:spcPts val="0"/>
-                        </a:spcAft>
-                      </a:pPr>
-                      <a:r>
-                        <a:rPr lang="en-US" sz="1400" b="0">
-                          <a:effectLst/>
-                          <a:latin typeface="Arial" pitchFamily="34" charset="0"/>
-                          <a:cs typeface="Arial" pitchFamily="34" charset="0"/>
-                        </a:rPr>
-                        <a:t>Closed</a:t>
-                      </a:r>
-                      <a:endParaRPr lang="en-US" sz="1400" b="0">
-                        <a:effectLst/>
-                        <a:latin typeface="Arial" pitchFamily="34" charset="0"/>
-                        <a:ea typeface="Times New Roman"/>
-                        <a:cs typeface="Arial" pitchFamily="34" charset="0"/>
-                      </a:endParaRPr>
-                    </a:p>
-                  </a:txBody>
-                  <a:tcPr marL="46148" marR="46148" marT="0" marB="0"/>
-                </a:tc>
-              </a:tr>
-              <a:tr h="771121">
-                <a:tc>
-                  <a:txBody>
-                    <a:bodyPr/>
-                    <a:lstStyle/>
-                    <a:p>
-                      <a:pPr marL="0" marR="0" algn="just">
-                        <a:lnSpc>
-                          <a:spcPct val="115000"/>
-                        </a:lnSpc>
-                        <a:spcBef>
-                          <a:spcPts val="0"/>
-                        </a:spcBef>
-                        <a:spcAft>
-                          <a:spcPts val="0"/>
-                        </a:spcAft>
-                      </a:pPr>
-                      <a:r>
-                        <a:rPr lang="en-US" sz="1400" dirty="0">
-                          <a:effectLst/>
-                          <a:latin typeface="Arial" pitchFamily="34" charset="0"/>
-                          <a:cs typeface="Arial" pitchFamily="34" charset="0"/>
-                        </a:rPr>
-                        <a:t>2</a:t>
-                      </a:r>
-                      <a:endParaRPr lang="en-US" sz="1400" dirty="0">
-                        <a:effectLst/>
-                        <a:latin typeface="Arial" pitchFamily="34" charset="0"/>
-                        <a:ea typeface="Times New Roman"/>
-                        <a:cs typeface="Arial" pitchFamily="34" charset="0"/>
-                      </a:endParaRPr>
-                    </a:p>
-                  </a:txBody>
-                  <a:tcPr marL="46148" marR="46148" marT="0" marB="0"/>
-                </a:tc>
-                <a:tc>
-                  <a:txBody>
-                    <a:bodyPr/>
-                    <a:lstStyle/>
-                    <a:p>
-                      <a:pPr marL="0" marR="0" algn="l">
-                        <a:lnSpc>
-                          <a:spcPct val="115000"/>
-                        </a:lnSpc>
-                        <a:spcBef>
-                          <a:spcPts val="0"/>
-                        </a:spcBef>
-                        <a:spcAft>
-                          <a:spcPts val="0"/>
-                        </a:spcAft>
-                      </a:pPr>
-                      <a:r>
-                        <a:rPr lang="en-US" sz="1400" dirty="0" smtClean="0">
-                          <a:effectLst/>
-                          <a:latin typeface="Arial" pitchFamily="34" charset="0"/>
-                          <a:cs typeface="Arial" pitchFamily="34" charset="0"/>
-                        </a:rPr>
-                        <a:t>Team </a:t>
-                      </a:r>
-                      <a:r>
-                        <a:rPr lang="en-US" sz="1400" dirty="0">
-                          <a:effectLst/>
-                          <a:latin typeface="Arial" pitchFamily="34" charset="0"/>
-                          <a:cs typeface="Arial" pitchFamily="34" charset="0"/>
-                        </a:rPr>
-                        <a:t>member lack the </a:t>
-                      </a:r>
-                      <a:r>
-                        <a:rPr lang="en-US" sz="1400" dirty="0" smtClean="0">
-                          <a:effectLst/>
-                          <a:latin typeface="Arial" pitchFamily="34" charset="0"/>
-                          <a:cs typeface="Arial" pitchFamily="34" charset="0"/>
-                        </a:rPr>
-                        <a:t>technical  skills.</a:t>
-                      </a:r>
-                      <a:endParaRPr lang="en-US" sz="1400" dirty="0">
-                        <a:effectLst/>
-                        <a:latin typeface="Arial" pitchFamily="34" charset="0"/>
-                        <a:ea typeface="Times New Roman"/>
-                        <a:cs typeface="Arial" pitchFamily="34" charset="0"/>
-                      </a:endParaRPr>
-                    </a:p>
-                  </a:txBody>
-                  <a:tcPr marL="46148" marR="46148" marT="0" marB="0"/>
-                </a:tc>
-                <a:tc>
-                  <a:txBody>
-                    <a:bodyPr/>
-                    <a:lstStyle/>
-                    <a:p>
-                      <a:pPr algn="l"/>
-                      <a:r>
-                        <a:rPr lang="en-US" sz="1400" dirty="0" smtClean="0">
-                          <a:latin typeface="Arial" pitchFamily="34" charset="0"/>
-                          <a:cs typeface="Arial" pitchFamily="34" charset="0"/>
-                        </a:rPr>
-                        <a:t>New technologies,</a:t>
-                      </a:r>
-                      <a:r>
-                        <a:rPr lang="en-US" sz="1400" baseline="0" dirty="0" smtClean="0">
-                          <a:latin typeface="Arial" pitchFamily="34" charset="0"/>
-                          <a:cs typeface="Arial" pitchFamily="34" charset="0"/>
-                        </a:rPr>
-                        <a:t> studying time is short.</a:t>
-                      </a:r>
-                      <a:endParaRPr lang="en-US" sz="1400" dirty="0">
-                        <a:latin typeface="Arial" pitchFamily="34" charset="0"/>
-                        <a:cs typeface="Arial" pitchFamily="34" charset="0"/>
-                      </a:endParaRPr>
-                    </a:p>
-                  </a:txBody>
-                  <a:tcPr marL="46148" marR="46148" marT="0" marB="0"/>
-                </a:tc>
-                <a:tc>
-                  <a:txBody>
-                    <a:bodyPr/>
-                    <a:lstStyle/>
-                    <a:p>
-                      <a:pPr marL="0" marR="0" algn="l">
-                        <a:lnSpc>
-                          <a:spcPct val="115000"/>
-                        </a:lnSpc>
-                        <a:spcBef>
-                          <a:spcPts val="0"/>
-                        </a:spcBef>
-                        <a:spcAft>
-                          <a:spcPts val="0"/>
-                        </a:spcAft>
-                      </a:pPr>
-                      <a:r>
-                        <a:rPr lang="en-US" sz="1400" dirty="0">
-                          <a:effectLst/>
-                          <a:latin typeface="Arial" pitchFamily="34" charset="0"/>
-                          <a:cs typeface="Arial" pitchFamily="34" charset="0"/>
-                        </a:rPr>
-                        <a:t>Set up training technique for team in appropriate time. </a:t>
-                      </a:r>
-                      <a:endParaRPr lang="en-US" sz="1400" dirty="0">
-                        <a:effectLst/>
-                        <a:latin typeface="Arial" pitchFamily="34" charset="0"/>
-                        <a:ea typeface="Times New Roman"/>
-                        <a:cs typeface="Arial" pitchFamily="34" charset="0"/>
-                      </a:endParaRPr>
-                    </a:p>
-                  </a:txBody>
-                  <a:tcPr marL="46148" marR="46148" marT="0" marB="0"/>
-                </a:tc>
-                <a:tc>
-                  <a:txBody>
-                    <a:bodyPr/>
-                    <a:lstStyle/>
-                    <a:p>
-                      <a:pPr marL="0" marR="0" algn="l">
-                        <a:lnSpc>
-                          <a:spcPct val="115000"/>
-                        </a:lnSpc>
-                        <a:spcBef>
-                          <a:spcPts val="0"/>
-                        </a:spcBef>
-                        <a:spcAft>
-                          <a:spcPts val="0"/>
-                        </a:spcAft>
-                      </a:pPr>
-                      <a:r>
-                        <a:rPr lang="en-US" sz="1400" b="0">
-                          <a:effectLst/>
-                          <a:latin typeface="Arial" pitchFamily="34" charset="0"/>
-                          <a:cs typeface="Arial" pitchFamily="34" charset="0"/>
-                        </a:rPr>
-                        <a:t>Closed</a:t>
-                      </a:r>
-                      <a:endParaRPr lang="en-US" sz="1400" b="0">
-                        <a:effectLst/>
-                        <a:latin typeface="Arial" pitchFamily="34" charset="0"/>
-                        <a:ea typeface="Times New Roman"/>
-                        <a:cs typeface="Arial" pitchFamily="34" charset="0"/>
-                      </a:endParaRPr>
-                    </a:p>
-                  </a:txBody>
-                  <a:tcPr marL="46148" marR="46148" marT="0" marB="0"/>
-                </a:tc>
-              </a:tr>
-              <a:tr h="969683">
-                <a:tc>
-                  <a:txBody>
-                    <a:bodyPr/>
-                    <a:lstStyle/>
-                    <a:p>
-                      <a:pPr marL="0" marR="0" algn="just">
-                        <a:lnSpc>
-                          <a:spcPct val="115000"/>
-                        </a:lnSpc>
-                        <a:spcBef>
-                          <a:spcPts val="0"/>
-                        </a:spcBef>
-                        <a:spcAft>
-                          <a:spcPts val="0"/>
-                        </a:spcAft>
-                      </a:pPr>
-                      <a:r>
-                        <a:rPr lang="en-US" sz="1400" dirty="0" smtClean="0">
-                          <a:effectLst/>
-                          <a:latin typeface="Arial" pitchFamily="34" charset="0"/>
-                          <a:ea typeface="+mn-ea"/>
-                          <a:cs typeface="Arial" pitchFamily="34" charset="0"/>
-                        </a:rPr>
-                        <a:t>3</a:t>
-                      </a:r>
-                      <a:endParaRPr lang="en-US" sz="1400" dirty="0">
-                        <a:effectLst/>
-                        <a:latin typeface="Arial" pitchFamily="34" charset="0"/>
-                        <a:ea typeface="Times New Roman"/>
-                        <a:cs typeface="Arial" pitchFamily="34" charset="0"/>
-                      </a:endParaRPr>
-                    </a:p>
-                  </a:txBody>
-                  <a:tcPr marL="46148" marR="46148" marT="0" marB="0"/>
-                </a:tc>
-                <a:tc>
-                  <a:txBody>
-                    <a:bodyPr/>
-                    <a:lstStyle/>
-                    <a:p>
-                      <a:pPr marL="0" marR="0" algn="l">
-                        <a:lnSpc>
-                          <a:spcPct val="115000"/>
-                        </a:lnSpc>
-                        <a:spcBef>
-                          <a:spcPts val="0"/>
-                        </a:spcBef>
-                        <a:spcAft>
-                          <a:spcPts val="0"/>
-                        </a:spcAft>
-                      </a:pPr>
-                      <a:r>
-                        <a:rPr lang="en-US" sz="1400" dirty="0" smtClean="0">
-                          <a:effectLst/>
-                          <a:latin typeface="Arial" pitchFamily="34" charset="0"/>
-                          <a:cs typeface="Arial" pitchFamily="34" charset="0"/>
-                        </a:rPr>
-                        <a:t>Overestimated </a:t>
-                      </a:r>
-                      <a:r>
-                        <a:rPr lang="en-US" sz="1400" dirty="0">
-                          <a:effectLst/>
-                          <a:latin typeface="Arial" pitchFamily="34" charset="0"/>
-                          <a:cs typeface="Arial" pitchFamily="34" charset="0"/>
-                        </a:rPr>
-                        <a:t>time requires doing tasks.</a:t>
-                      </a:r>
-                      <a:endParaRPr lang="en-US" sz="1400" dirty="0">
-                        <a:effectLst/>
-                        <a:latin typeface="Arial" pitchFamily="34" charset="0"/>
-                        <a:ea typeface="Times New Roman"/>
-                        <a:cs typeface="Arial" pitchFamily="34" charset="0"/>
-                      </a:endParaRPr>
-                    </a:p>
-                  </a:txBody>
-                  <a:tcPr marL="46148" marR="46148" marT="0" marB="0"/>
-                </a:tc>
-                <a:tc>
-                  <a:txBody>
-                    <a:bodyPr/>
-                    <a:lstStyle/>
-                    <a:p>
-                      <a:pPr algn="l"/>
-                      <a:r>
-                        <a:rPr lang="en-US" sz="1400" dirty="0" smtClean="0">
-                          <a:latin typeface="Arial" pitchFamily="34" charset="0"/>
-                          <a:cs typeface="Arial" pitchFamily="34" charset="0"/>
-                        </a:rPr>
-                        <a:t>Member lacks the skills, estimation is not right.</a:t>
-                      </a:r>
-                      <a:endParaRPr lang="en-US" sz="1400" dirty="0">
-                        <a:latin typeface="Arial" pitchFamily="34" charset="0"/>
-                        <a:cs typeface="Arial" pitchFamily="34" charset="0"/>
-                      </a:endParaRPr>
-                    </a:p>
-                  </a:txBody>
-                  <a:tcPr marL="46148" marR="46148" marT="0" marB="0"/>
-                </a:tc>
-                <a:tc>
-                  <a:txBody>
-                    <a:bodyPr/>
-                    <a:lstStyle/>
-                    <a:p>
-                      <a:pPr marL="0" marR="0" algn="l">
-                        <a:lnSpc>
-                          <a:spcPct val="115000"/>
-                        </a:lnSpc>
-                        <a:spcBef>
-                          <a:spcPts val="0"/>
-                        </a:spcBef>
-                        <a:spcAft>
-                          <a:spcPts val="0"/>
-                        </a:spcAft>
-                      </a:pPr>
-                      <a:r>
-                        <a:rPr lang="en-US" sz="1400" dirty="0">
-                          <a:effectLst/>
-                          <a:latin typeface="Arial" pitchFamily="34" charset="0"/>
-                          <a:cs typeface="Arial" pitchFamily="34" charset="0"/>
-                        </a:rPr>
-                        <a:t>Consult supervisor to build appropriate schedule, keep track the rate of process in tasks of each member.</a:t>
-                      </a:r>
-                      <a:endParaRPr lang="en-US" sz="1400" dirty="0">
-                        <a:effectLst/>
-                        <a:latin typeface="Arial" pitchFamily="34" charset="0"/>
-                        <a:ea typeface="Times New Roman"/>
-                        <a:cs typeface="Arial" pitchFamily="34" charset="0"/>
-                      </a:endParaRPr>
-                    </a:p>
-                  </a:txBody>
-                  <a:tcPr marL="46148" marR="46148" marT="0" marB="0"/>
-                </a:tc>
-                <a:tc>
-                  <a:txBody>
-                    <a:bodyPr/>
-                    <a:lstStyle/>
-                    <a:p>
-                      <a:pPr marL="0" marR="0" algn="l">
-                        <a:lnSpc>
-                          <a:spcPct val="115000"/>
-                        </a:lnSpc>
-                        <a:spcBef>
-                          <a:spcPts val="0"/>
-                        </a:spcBef>
-                        <a:spcAft>
-                          <a:spcPts val="0"/>
-                        </a:spcAft>
-                      </a:pPr>
-                      <a:r>
-                        <a:rPr lang="en-US" sz="1400" b="0">
-                          <a:effectLst/>
-                          <a:latin typeface="Arial" pitchFamily="34" charset="0"/>
-                          <a:cs typeface="Arial" pitchFamily="34" charset="0"/>
-                        </a:rPr>
-                        <a:t>Closed</a:t>
-                      </a:r>
-                      <a:endParaRPr lang="en-US" sz="1400" b="0">
-                        <a:effectLst/>
-                        <a:latin typeface="Arial" pitchFamily="34" charset="0"/>
-                        <a:ea typeface="Times New Roman"/>
-                        <a:cs typeface="Arial" pitchFamily="34" charset="0"/>
-                      </a:endParaRPr>
-                    </a:p>
-                  </a:txBody>
-                  <a:tcPr marL="46148" marR="46148" marT="0" marB="0"/>
-                </a:tc>
-              </a:tr>
-              <a:tr h="886790">
-                <a:tc>
-                  <a:txBody>
-                    <a:bodyPr/>
-                    <a:lstStyle/>
-                    <a:p>
-                      <a:pPr marL="0" marR="0" algn="just">
-                        <a:lnSpc>
-                          <a:spcPct val="115000"/>
-                        </a:lnSpc>
-                        <a:spcBef>
-                          <a:spcPts val="0"/>
-                        </a:spcBef>
-                        <a:spcAft>
-                          <a:spcPts val="0"/>
-                        </a:spcAft>
-                      </a:pPr>
-                      <a:r>
-                        <a:rPr lang="en-US" sz="1400" dirty="0" smtClean="0">
-                          <a:effectLst/>
-                          <a:latin typeface="Arial" pitchFamily="34" charset="0"/>
-                          <a:ea typeface="+mn-ea"/>
-                          <a:cs typeface="Arial" pitchFamily="34" charset="0"/>
-                        </a:rPr>
-                        <a:t>4</a:t>
-                      </a:r>
-                      <a:endParaRPr lang="en-US" sz="1400" dirty="0">
-                        <a:effectLst/>
-                        <a:latin typeface="Arial" pitchFamily="34" charset="0"/>
-                        <a:ea typeface="Times New Roman"/>
-                        <a:cs typeface="Arial" pitchFamily="34" charset="0"/>
-                      </a:endParaRPr>
-                    </a:p>
-                  </a:txBody>
-                  <a:tcPr marL="46148" marR="46148" marT="0" marB="0"/>
-                </a:tc>
-                <a:tc>
-                  <a:txBody>
-                    <a:bodyPr/>
-                    <a:lstStyle/>
-                    <a:p>
-                      <a:pPr marL="0" marR="0" algn="l">
-                        <a:lnSpc>
-                          <a:spcPct val="115000"/>
-                        </a:lnSpc>
-                        <a:spcBef>
-                          <a:spcPts val="0"/>
-                        </a:spcBef>
-                        <a:spcAft>
-                          <a:spcPts val="0"/>
-                        </a:spcAft>
-                      </a:pPr>
-                      <a:r>
-                        <a:rPr lang="en-US" sz="1400" kern="1200" dirty="0" smtClean="0">
-                          <a:solidFill>
-                            <a:schemeClr val="dk1"/>
-                          </a:solidFill>
-                          <a:effectLst/>
-                          <a:latin typeface="Arial" pitchFamily="34" charset="0"/>
-                          <a:ea typeface="+mn-ea"/>
-                          <a:cs typeface="Arial" pitchFamily="34" charset="0"/>
-                        </a:rPr>
-                        <a:t>The size of the project is not estimated.</a:t>
-                      </a:r>
-                      <a:endParaRPr lang="en-US" sz="1400" dirty="0">
-                        <a:effectLst/>
-                        <a:latin typeface="Arial" pitchFamily="34" charset="0"/>
-                        <a:ea typeface="Times New Roman"/>
-                        <a:cs typeface="Arial" pitchFamily="34" charset="0"/>
-                      </a:endParaRPr>
-                    </a:p>
-                  </a:txBody>
-                  <a:tcPr marL="46148" marR="46148" marT="0" marB="0"/>
-                </a:tc>
-                <a:tc>
-                  <a:txBody>
-                    <a:bodyPr/>
-                    <a:lstStyle/>
-                    <a:p>
-                      <a:pPr algn="l"/>
-                      <a:r>
-                        <a:rPr lang="en-US" sz="1400" dirty="0" smtClean="0">
-                          <a:latin typeface="Arial" pitchFamily="34" charset="0"/>
-                          <a:cs typeface="Arial" pitchFamily="34" charset="0"/>
-                        </a:rPr>
-                        <a:t>Leader does</a:t>
-                      </a:r>
-                      <a:r>
-                        <a:rPr lang="en-US" sz="1400" baseline="0" dirty="0" smtClean="0">
-                          <a:latin typeface="Arial" pitchFamily="34" charset="0"/>
-                          <a:cs typeface="Arial" pitchFamily="34" charset="0"/>
-                        </a:rPr>
-                        <a:t> not</a:t>
-                      </a:r>
-                      <a:r>
-                        <a:rPr lang="en-US" sz="1400" dirty="0" smtClean="0">
-                          <a:latin typeface="Arial" pitchFamily="34" charset="0"/>
-                          <a:cs typeface="Arial" pitchFamily="34" charset="0"/>
-                        </a:rPr>
-                        <a:t> estimate the size of project right.</a:t>
-                      </a:r>
-                      <a:endParaRPr lang="en-US" sz="1400" dirty="0">
-                        <a:latin typeface="Arial" pitchFamily="34" charset="0"/>
-                        <a:cs typeface="Arial" pitchFamily="34" charset="0"/>
-                      </a:endParaRPr>
-                    </a:p>
-                  </a:txBody>
-                  <a:tcPr marL="46148" marR="46148" marT="0" marB="0"/>
-                </a:tc>
-                <a:tc>
-                  <a:txBody>
-                    <a:bodyPr/>
-                    <a:lstStyle/>
-                    <a:p>
-                      <a:pPr marL="0" marR="0" algn="l">
-                        <a:lnSpc>
-                          <a:spcPct val="115000"/>
-                        </a:lnSpc>
-                        <a:spcBef>
-                          <a:spcPts val="0"/>
-                        </a:spcBef>
-                        <a:spcAft>
-                          <a:spcPts val="0"/>
-                        </a:spcAft>
-                      </a:pPr>
-                      <a:r>
-                        <a:rPr lang="en-US" sz="1400" kern="1200" dirty="0" smtClean="0">
-                          <a:solidFill>
-                            <a:schemeClr val="dk1"/>
-                          </a:solidFill>
-                          <a:effectLst/>
-                          <a:latin typeface="Arial" pitchFamily="34" charset="0"/>
-                          <a:ea typeface="+mn-ea"/>
-                          <a:cs typeface="Arial" pitchFamily="34" charset="0"/>
-                        </a:rPr>
-                        <a:t>Divide the project into phrases, arrange priority phrases and develop the first</a:t>
-                      </a:r>
-                      <a:endParaRPr lang="en-US" sz="1400" dirty="0">
-                        <a:effectLst/>
-                        <a:latin typeface="Arial" pitchFamily="34" charset="0"/>
-                        <a:ea typeface="Times New Roman"/>
-                        <a:cs typeface="Arial" pitchFamily="34" charset="0"/>
-                      </a:endParaRPr>
-                    </a:p>
-                  </a:txBody>
-                  <a:tcPr marL="46148" marR="46148" marT="0" marB="0"/>
-                </a:tc>
-                <a:tc>
-                  <a:txBody>
-                    <a:bodyPr/>
-                    <a:lstStyle/>
-                    <a:p>
-                      <a:pPr marL="0" marR="0" algn="l">
-                        <a:lnSpc>
-                          <a:spcPct val="115000"/>
-                        </a:lnSpc>
-                        <a:spcBef>
-                          <a:spcPts val="0"/>
-                        </a:spcBef>
-                        <a:spcAft>
-                          <a:spcPts val="0"/>
-                        </a:spcAft>
-                      </a:pPr>
-                      <a:r>
-                        <a:rPr lang="en-US" sz="1400" b="0" dirty="0">
-                          <a:effectLst/>
-                          <a:latin typeface="Arial" pitchFamily="34" charset="0"/>
-                          <a:cs typeface="Arial" pitchFamily="34" charset="0"/>
-                        </a:rPr>
-                        <a:t>Closed</a:t>
-                      </a:r>
-                      <a:endParaRPr lang="en-US" sz="1400" b="0" dirty="0">
-                        <a:effectLst/>
-                        <a:latin typeface="Arial" pitchFamily="34" charset="0"/>
-                        <a:ea typeface="Times New Roman"/>
-                        <a:cs typeface="Arial" pitchFamily="34" charset="0"/>
-                      </a:endParaRPr>
-                    </a:p>
-                  </a:txBody>
-                  <a:tcPr marL="46148" marR="46148" marT="0" marB="0"/>
-                </a:tc>
-              </a:tr>
-            </a:tbl>
-          </a:graphicData>
-        </a:graphic>
-      </p:graphicFrame>
     </p:spTree>
     <p:extLst>
       <p:ext uri="{BB962C8B-B14F-4D97-AF65-F5344CB8AC3E}">
-        <p14:creationId xmlns:p14="http://schemas.microsoft.com/office/powerpoint/2010/main" val="2460086861"/>
+        <p14:creationId xmlns:p14="http://schemas.microsoft.com/office/powerpoint/2010/main" val="3808929868"/>
       </p:ext>
     </p:extLst>
   </p:cSld>
@@ -41486,13 +41048,8 @@
           <a:p>
             <a:r>
               <a:rPr lang="en-US" dirty="0"/>
-              <a:t>Project Management </a:t>
-            </a:r>
-            <a:r>
-              <a:rPr lang="en-US" dirty="0" smtClean="0"/>
-              <a:t>Plan</a:t>
-            </a:r>
-            <a:endParaRPr lang="en-US" dirty="0"/>
+              <a:t>Project Management Plan</a:t>
+            </a:r>
           </a:p>
         </p:txBody>
       </p:sp>
@@ -41508,8 +41065,8 @@
         </p:nvSpPr>
         <p:spPr>
           <a:xfrm>
-            <a:off x="457200" y="838201"/>
-            <a:ext cx="8229600" cy="609600"/>
+            <a:off x="457200" y="914400"/>
+            <a:ext cx="8229600" cy="5715000"/>
           </a:xfrm>
         </p:spPr>
         <p:txBody>
@@ -41517,59 +41074,72 @@
           <a:lstStyle/>
           <a:p>
             <a:r>
-              <a:rPr lang="en-US" dirty="0"/>
-              <a:t>5</a:t>
-            </a:r>
-            <a:r>
               <a:rPr lang="en-US" dirty="0" smtClean="0"/>
-              <a:t>. Quality Plan</a:t>
+              <a:t>6. Development </a:t>
+            </a:r>
+            <a:r>
+              <a:rPr lang="en-US" dirty="0" smtClean="0"/>
+              <a:t>Environment</a:t>
             </a:r>
           </a:p>
           <a:p>
             <a:endParaRPr lang="en-US" dirty="0" smtClean="0"/>
+          </a:p>
+          <a:p>
+            <a:pPr lvl="1"/>
+            <a:endParaRPr lang="en-US" sz="2000" dirty="0" smtClean="0">
+              <a:solidFill>
+                <a:schemeClr val="tx1"/>
+              </a:solidFill>
+            </a:endParaRPr>
+          </a:p>
+          <a:p>
+            <a:pPr lvl="1"/>
+            <a:endParaRPr lang="en-US" sz="2000" dirty="0">
+              <a:solidFill>
+                <a:schemeClr val="tx1"/>
+              </a:solidFill>
+            </a:endParaRPr>
           </a:p>
         </p:txBody>
       </p:sp>
       <p:graphicFrame>
         <p:nvGraphicFramePr>
-          <p:cNvPr id="5" name="Table 4"/>
+          <p:cNvPr id="4" name="Table 3"/>
           <p:cNvGraphicFramePr>
             <a:graphicFrameLocks noGrp="1"/>
           </p:cNvGraphicFramePr>
           <p:nvPr>
             <p:extLst>
               <p:ext uri="{D42A27DB-BD31-4B8C-83A1-F6EECF244321}">
-                <p14:modId xmlns:p14="http://schemas.microsoft.com/office/powerpoint/2010/main" val="4184168600"/>
+                <p14:modId xmlns:p14="http://schemas.microsoft.com/office/powerpoint/2010/main" val="754835419"/>
               </p:ext>
             </p:extLst>
           </p:nvPr>
         </p:nvGraphicFramePr>
         <p:xfrm>
-          <a:off x="304800" y="1524000"/>
-          <a:ext cx="8458200" cy="4114800"/>
+          <a:off x="762000" y="1524000"/>
+          <a:ext cx="7772400" cy="4249544"/>
         </p:xfrm>
         <a:graphic>
           <a:graphicData uri="http://schemas.openxmlformats.org/drawingml/2006/table">
             <a:tbl>
-              <a:tblPr firstRow="1" firstCol="1" bandRow="1">
+              <a:tblPr firstRow="1" bandRow="1">
                 <a:tableStyleId>{21E4AEA4-8DFA-4A89-87EB-49C32662AFE0}</a:tableStyleId>
               </a:tblPr>
               <a:tblGrid>
-                <a:gridCol w="435380"/>
-                <a:gridCol w="1469620"/>
-                <a:gridCol w="2514600"/>
-                <a:gridCol w="3261360"/>
-                <a:gridCol w="777240"/>
+                <a:gridCol w="3886200"/>
+                <a:gridCol w="3886200"/>
               </a:tblGrid>
-              <a:tr h="307588">
+              <a:tr h="627256">
                 <a:tc>
                   <a:txBody>
                     <a:bodyPr/>
                     <a:lstStyle/>
                     <a:p>
-                      <a:pPr marL="0" marR="0" algn="ctr">
+                      <a:pPr marL="0" marR="0" lvl="1" indent="0" algn="l" defTabSz="914400" rtl="0" eaLnBrk="1" fontAlgn="auto" latinLnBrk="0" hangingPunct="1">
                         <a:lnSpc>
-                          <a:spcPct val="115000"/>
+                          <a:spcPct val="100000"/>
                         </a:lnSpc>
                         <a:spcBef>
                           <a:spcPts val="0"/>
@@ -41577,33 +41147,67 @@
                         <a:spcAft>
                           <a:spcPts val="0"/>
                         </a:spcAft>
+                        <a:buClrTx/>
+                        <a:buSzTx/>
+                        <a:buFontTx/>
+                        <a:buNone/>
+                        <a:tabLst/>
+                        <a:defRPr/>
                       </a:pPr>
                       <a:r>
-                        <a:rPr lang="en-US" sz="1400" dirty="0" smtClean="0">
-                          <a:effectLst/>
-                          <a:latin typeface="Arial" pitchFamily="34" charset="0"/>
+                        <a:rPr lang="en-US" sz="2400" dirty="0" smtClean="0">
+                          <a:solidFill>
+                            <a:schemeClr val="tx1"/>
+                          </a:solidFill>
+                          <a:latin typeface="+mn-lt"/>
                           <a:cs typeface="Arial" pitchFamily="34" charset="0"/>
                         </a:rPr>
-                        <a:t>No</a:t>
+                        <a:t>Software environment:</a:t>
                       </a:r>
-                      <a:endParaRPr lang="en-US" sz="1400" dirty="0">
-                        <a:effectLst/>
-                        <a:latin typeface="Arial" pitchFamily="34" charset="0"/>
-                        <a:ea typeface="Times New Roman"/>
+                    </a:p>
+                    <a:p>
+                      <a:endParaRPr lang="en-US" sz="2000" dirty="0">
+                        <a:latin typeface="+mn-lt"/>
                         <a:cs typeface="Arial" pitchFamily="34" charset="0"/>
                       </a:endParaRPr>
                     </a:p>
                   </a:txBody>
-                  <a:tcPr marL="46148" marR="46148" marT="0" marB="0"/>
+                  <a:tcPr>
+                    <a:lnL w="12700" cmpd="sng">
+                      <a:noFill/>
+                    </a:lnL>
+                    <a:lnR w="12700" cmpd="sng">
+                      <a:noFill/>
+                    </a:lnR>
+                    <a:lnT w="12700" cmpd="sng">
+                      <a:noFill/>
+                    </a:lnT>
+                    <a:lnB w="38100" cmpd="sng">
+                      <a:noFill/>
+                    </a:lnB>
+                    <a:lnTlToBr w="12700" cmpd="sng">
+                      <a:noFill/>
+                      <a:prstDash val="solid"/>
+                    </a:lnTlToBr>
+                    <a:lnBlToTr w="12700" cmpd="sng">
+                      <a:noFill/>
+                      <a:prstDash val="solid"/>
+                    </a:lnBlToTr>
+                    <a:solidFill>
+                      <a:schemeClr val="bg1">
+                        <a:lumMod val="95000"/>
+                      </a:schemeClr>
+                    </a:solidFill>
+                  </a:tcPr>
                 </a:tc>
                 <a:tc>
                   <a:txBody>
                     <a:bodyPr/>
                     <a:lstStyle/>
                     <a:p>
-                      <a:pPr marL="0" marR="0" algn="ctr">
+                      <a:pPr marL="0" marR="0" lvl="1" indent="0" algn="l" defTabSz="914400" rtl="0" eaLnBrk="1" fontAlgn="auto" latinLnBrk="0" hangingPunct="1">
                         <a:lnSpc>
-                          <a:spcPct val="115000"/>
+                          <a:spcPct val="100000"/>
                         </a:lnSpc>
                         <a:spcBef>
                           <a:spcPts val="0"/>
@@ -41611,33 +41215,88 @@
                         <a:spcAft>
                           <a:spcPts val="0"/>
                         </a:spcAft>
+                        <a:buClrTx/>
+                        <a:buSzTx/>
+                        <a:buFontTx/>
+                        <a:buNone/>
+                        <a:tabLst/>
+                        <a:defRPr/>
                       </a:pPr>
                       <a:r>
-                        <a:rPr lang="en-US" sz="1400" dirty="0" smtClean="0">
-                          <a:effectLst/>
-                          <a:latin typeface="Arial" pitchFamily="34" charset="0"/>
+                        <a:rPr lang="en-US" sz="2400" dirty="0" smtClean="0">
+                          <a:solidFill>
+                            <a:schemeClr val="tx1"/>
+                          </a:solidFill>
+                          <a:latin typeface="+mn-lt"/>
                           <a:cs typeface="Arial" pitchFamily="34" charset="0"/>
                         </a:rPr>
-                        <a:t>Quality Goal</a:t>
+                        <a:t>Hardware environment:</a:t>
                       </a:r>
-                      <a:endParaRPr lang="en-US" sz="1400" dirty="0">
-                        <a:effectLst/>
-                        <a:latin typeface="Arial" pitchFamily="34" charset="0"/>
-                        <a:ea typeface="Times New Roman"/>
+                    </a:p>
+                    <a:p>
+                      <a:endParaRPr lang="en-US" sz="2000" dirty="0">
+                        <a:latin typeface="+mn-lt"/>
                         <a:cs typeface="Arial" pitchFamily="34" charset="0"/>
                       </a:endParaRPr>
                     </a:p>
                   </a:txBody>
-                  <a:tcPr marL="46148" marR="46148" marT="0" marB="0"/>
+                  <a:tcPr>
+                    <a:lnL w="12700" cmpd="sng">
+                      <a:noFill/>
+                    </a:lnL>
+                    <a:lnR w="12700" cmpd="sng">
+                      <a:noFill/>
+                    </a:lnR>
+                    <a:lnT w="12700" cmpd="sng">
+                      <a:noFill/>
+                    </a:lnT>
+                    <a:lnB w="38100" cmpd="sng">
+                      <a:noFill/>
+                    </a:lnB>
+                    <a:lnTlToBr w="12700" cmpd="sng">
+                      <a:noFill/>
+                      <a:prstDash val="solid"/>
+                    </a:lnTlToBr>
+                    <a:lnBlToTr w="12700" cmpd="sng">
+                      <a:noFill/>
+                      <a:prstDash val="solid"/>
+                    </a:lnBlToTr>
+                    <a:solidFill>
+                      <a:schemeClr val="bg1">
+                        <a:lumMod val="95000"/>
+                      </a:schemeClr>
+                    </a:solidFill>
+                  </a:tcPr>
                 </a:tc>
+              </a:tr>
+              <a:tr h="3487544">
                 <a:tc>
                   <a:txBody>
                     <a:bodyPr/>
                     <a:lstStyle/>
                     <a:p>
-                      <a:pPr marL="0" marR="0" algn="ctr">
+                      <a:r>
+                        <a:rPr lang="en-US" sz="1800" dirty="0" smtClean="0">
+                          <a:latin typeface="+mn-lt"/>
+                          <a:cs typeface="Arial" pitchFamily="34" charset="0"/>
+                        </a:rPr>
+                        <a:t>- OS: </a:t>
+                      </a:r>
+                      <a:r>
+                        <a:rPr lang="en-US" sz="1800" dirty="0" smtClean="0">
+                          <a:solidFill>
+                            <a:schemeClr val="tx1"/>
+                          </a:solidFill>
+                          <a:latin typeface="+mn-lt"/>
+                          <a:cs typeface="Arial" pitchFamily="34" charset="0"/>
+                        </a:rPr>
+                        <a:t>window 7 professional.</a:t>
+                      </a:r>
+                    </a:p>
+                    <a:p>
+                      <a:pPr marL="0" marR="0" lvl="2" indent="0" algn="l" defTabSz="914400" rtl="0" eaLnBrk="1" fontAlgn="auto" latinLnBrk="0" hangingPunct="1">
                         <a:lnSpc>
-                          <a:spcPct val="115000"/>
+                          <a:spcPct val="100000"/>
                         </a:lnSpc>
                         <a:spcBef>
                           <a:spcPts val="0"/>
@@ -41645,34 +41304,28 @@
                         <a:spcAft>
                           <a:spcPts val="0"/>
                         </a:spcAft>
+                        <a:buClrTx/>
+                        <a:buSzTx/>
+                        <a:buFontTx/>
+                        <a:buNone/>
+                        <a:tabLst/>
+                        <a:defRPr/>
                       </a:pPr>
                       <a:r>
-                        <a:rPr lang="en-US" sz="1400" dirty="0" smtClean="0">
-                          <a:effectLst/>
-                          <a:latin typeface="Arial" pitchFamily="34" charset="0"/>
-                          <a:ea typeface="Times New Roman"/>
+                        <a:rPr lang="en-US" sz="1800" dirty="0" smtClean="0">
+                          <a:solidFill>
+                            <a:schemeClr val="tx1"/>
+                          </a:solidFill>
+                          <a:latin typeface="+mn-lt"/>
                           <a:cs typeface="Arial" pitchFamily="34" charset="0"/>
                         </a:rPr>
-                        <a:t>Description</a:t>
+                        <a:t>- WAMP server</a:t>
                       </a:r>
-                      <a:endParaRPr lang="en-US" sz="1400" dirty="0">
-                        <a:effectLst/>
-                        <a:latin typeface="Arial" pitchFamily="34" charset="0"/>
-                        <a:ea typeface="Times New Roman"/>
-                        <a:cs typeface="Arial" pitchFamily="34" charset="0"/>
-                      </a:endParaRPr>
                     </a:p>
-                  </a:txBody>
-                  <a:tcPr marL="46148" marR="46148" marT="0" marB="0"/>
-                </a:tc>
-                <a:tc>
-                  <a:txBody>
-                    <a:bodyPr/>
-                    <a:lstStyle/>
                     <a:p>
-                      <a:pPr marL="0" marR="0" algn="ctr">
+                      <a:pPr marL="742950" marR="0" lvl="3" indent="-285750" algn="l" defTabSz="914400" rtl="0" eaLnBrk="1" fontAlgn="auto" latinLnBrk="0" hangingPunct="1">
                         <a:lnSpc>
-                          <a:spcPct val="115000"/>
+                          <a:spcPct val="100000"/>
                         </a:lnSpc>
                         <a:spcBef>
                           <a:spcPts val="0"/>
@@ -41680,34 +41333,28 @@
                         <a:spcAft>
                           <a:spcPts val="0"/>
                         </a:spcAft>
+                        <a:buClrTx/>
+                        <a:buSzTx/>
+                        <a:buFont typeface="Arial" pitchFamily="34" charset="0"/>
+                        <a:buChar char="•"/>
+                        <a:tabLst/>
+                        <a:defRPr/>
                       </a:pPr>
                       <a:r>
-                        <a:rPr lang="en-US" sz="1400" dirty="0" smtClean="0">
-                          <a:effectLst/>
-                          <a:latin typeface="Arial" pitchFamily="34" charset="0"/>
-                          <a:ea typeface="Times New Roman"/>
+                        <a:rPr lang="en-US" sz="1800" dirty="0" smtClean="0">
+                          <a:solidFill>
+                            <a:schemeClr val="tx1"/>
+                          </a:solidFill>
+                          <a:latin typeface="+mn-lt"/>
                           <a:cs typeface="Arial" pitchFamily="34" charset="0"/>
                         </a:rPr>
-                        <a:t>Achieve Plan</a:t>
+                        <a:t>Apache Tomcat version 2.2.21</a:t>
                       </a:r>
-                      <a:endParaRPr lang="en-US" sz="1400" dirty="0">
-                        <a:effectLst/>
-                        <a:latin typeface="Arial" pitchFamily="34" charset="0"/>
-                        <a:ea typeface="Times New Roman"/>
-                        <a:cs typeface="Arial" pitchFamily="34" charset="0"/>
-                      </a:endParaRPr>
                     </a:p>
-                  </a:txBody>
-                  <a:tcPr marL="46148" marR="46148" marT="0" marB="0"/>
-                </a:tc>
-                <a:tc>
-                  <a:txBody>
-                    <a:bodyPr/>
-                    <a:lstStyle/>
                     <a:p>
-                      <a:pPr marL="0" marR="0" algn="ctr">
+                      <a:pPr marL="742950" marR="0" lvl="3" indent="-285750" algn="l" defTabSz="914400" rtl="0" eaLnBrk="1" fontAlgn="auto" latinLnBrk="0" hangingPunct="1">
                         <a:lnSpc>
-                          <a:spcPct val="115000"/>
+                          <a:spcPct val="100000"/>
                         </a:lnSpc>
                         <a:spcBef>
                           <a:spcPts val="0"/>
@@ -41715,35 +41362,28 @@
                         <a:spcAft>
                           <a:spcPts val="0"/>
                         </a:spcAft>
+                        <a:buClrTx/>
+                        <a:buSzTx/>
+                        <a:buFont typeface="Arial" pitchFamily="34" charset="0"/>
+                        <a:buChar char="•"/>
+                        <a:tabLst/>
+                        <a:defRPr/>
                       </a:pPr>
                       <a:r>
-                        <a:rPr lang="en-US" sz="1400" dirty="0" smtClean="0">
-                          <a:effectLst/>
-                          <a:latin typeface="Arial" pitchFamily="34" charset="0"/>
+                        <a:rPr lang="en-US" sz="1800" dirty="0" smtClean="0">
+                          <a:solidFill>
+                            <a:schemeClr val="tx1"/>
+                          </a:solidFill>
+                          <a:latin typeface="+mn-lt"/>
                           <a:cs typeface="Arial" pitchFamily="34" charset="0"/>
                         </a:rPr>
-                        <a:t>Value</a:t>
+                        <a:t>PHP version 5.3.10</a:t>
                       </a:r>
-                      <a:endParaRPr lang="en-US" sz="1400" dirty="0">
-                        <a:effectLst/>
-                        <a:latin typeface="Arial" pitchFamily="34" charset="0"/>
-                        <a:ea typeface="Times New Roman"/>
-                        <a:cs typeface="Arial" pitchFamily="34" charset="0"/>
-                      </a:endParaRPr>
                     </a:p>
-                  </a:txBody>
-                  <a:tcPr marL="46148" marR="46148" marT="0" marB="0"/>
-                </a:tc>
-              </a:tr>
-              <a:tr h="562587">
-                <a:tc>
-                  <a:txBody>
-                    <a:bodyPr/>
-                    <a:lstStyle/>
                     <a:p>
-                      <a:pPr marL="0" marR="0" algn="just">
+                      <a:pPr marL="742950" marR="0" lvl="3" indent="-285750" algn="l" defTabSz="914400" rtl="0" eaLnBrk="1" fontAlgn="auto" latinLnBrk="0" hangingPunct="1">
                         <a:lnSpc>
-                          <a:spcPct val="115000"/>
+                          <a:spcPct val="100000"/>
                         </a:lnSpc>
                         <a:spcBef>
                           <a:spcPts val="0"/>
@@ -41751,33 +41391,28 @@
                         <a:spcAft>
                           <a:spcPts val="0"/>
                         </a:spcAft>
+                        <a:buClrTx/>
+                        <a:buSzTx/>
+                        <a:buFont typeface="Arial" pitchFamily="34" charset="0"/>
+                        <a:buChar char="•"/>
+                        <a:tabLst/>
+                        <a:defRPr/>
                       </a:pPr>
                       <a:r>
-                        <a:rPr lang="en-US" sz="1400" dirty="0">
-                          <a:effectLst/>
-                          <a:latin typeface="Arial" pitchFamily="34" charset="0"/>
+                        <a:rPr lang="en-US" sz="1800" dirty="0" smtClean="0">
+                          <a:solidFill>
+                            <a:schemeClr val="tx1"/>
+                          </a:solidFill>
+                          <a:latin typeface="+mn-lt"/>
                           <a:cs typeface="Arial" pitchFamily="34" charset="0"/>
                         </a:rPr>
-                        <a:t>1</a:t>
+                        <a:t>MySQL version 5.5.20</a:t>
                       </a:r>
-                      <a:endParaRPr lang="en-US" sz="1400" dirty="0">
-                        <a:effectLst/>
-                        <a:latin typeface="Arial" pitchFamily="34" charset="0"/>
-                        <a:ea typeface="Times New Roman"/>
-                        <a:cs typeface="Arial" pitchFamily="34" charset="0"/>
-                      </a:endParaRPr>
                     </a:p>
-                  </a:txBody>
-                  <a:tcPr marL="46148" marR="46148" marT="0" marB="0"/>
-                </a:tc>
-                <a:tc>
-                  <a:txBody>
-                    <a:bodyPr/>
-                    <a:lstStyle/>
                     <a:p>
-                      <a:pPr marL="0" marR="0" algn="l">
+                      <a:pPr marL="0" marR="0" lvl="2" indent="0" algn="l" defTabSz="914400" rtl="0" eaLnBrk="1" fontAlgn="auto" latinLnBrk="0" hangingPunct="1">
                         <a:lnSpc>
-                          <a:spcPct val="115000"/>
+                          <a:spcPct val="100000"/>
                         </a:lnSpc>
                         <a:spcBef>
                           <a:spcPts val="0"/>
@@ -41785,62 +41420,48 @@
                         <a:spcAft>
                           <a:spcPts val="0"/>
                         </a:spcAft>
+                        <a:buClrTx/>
+                        <a:buSzTx/>
+                        <a:buFontTx/>
+                        <a:buNone/>
+                        <a:tabLst/>
+                        <a:defRPr/>
                       </a:pPr>
                       <a:r>
-                        <a:rPr lang="en-US" sz="1400" dirty="0" smtClean="0">
-                          <a:effectLst/>
-                          <a:latin typeface="Arial" pitchFamily="34" charset="0"/>
-                          <a:ea typeface="Times New Roman"/>
+                        <a:rPr lang="en-US" sz="1800" dirty="0" smtClean="0">
+                          <a:solidFill>
+                            <a:schemeClr val="tx1"/>
+                          </a:solidFill>
+                          <a:latin typeface="+mn-lt"/>
                           <a:cs typeface="Arial" pitchFamily="34" charset="0"/>
                         </a:rPr>
-                        <a:t>Schedule</a:t>
+                        <a:t>- </a:t>
                       </a:r>
-                      <a:endParaRPr lang="en-US" sz="1400" dirty="0">
-                        <a:effectLst/>
-                        <a:latin typeface="Arial" pitchFamily="34" charset="0"/>
-                        <a:ea typeface="Times New Roman"/>
-                        <a:cs typeface="Arial" pitchFamily="34" charset="0"/>
-                      </a:endParaRPr>
-                    </a:p>
-                  </a:txBody>
-                  <a:tcPr marL="46148" marR="46148" marT="0" marB="0"/>
-                </a:tc>
-                <a:tc>
-                  <a:txBody>
-                    <a:bodyPr/>
-                    <a:lstStyle/>
-                    <a:p>
-                      <a:pPr algn="l"/>
                       <a:r>
-                        <a:rPr lang="en-US" sz="1400" dirty="0" smtClean="0">
-                          <a:latin typeface="Arial" pitchFamily="34" charset="0"/>
+                        <a:rPr lang="en-US" sz="1800" dirty="0" err="1" smtClean="0">
+                          <a:solidFill>
+                            <a:schemeClr val="tx1"/>
+                          </a:solidFill>
+                          <a:latin typeface="+mn-lt"/>
                           <a:cs typeface="Arial" pitchFamily="34" charset="0"/>
                         </a:rPr>
-                        <a:t>Works</a:t>
+                        <a:t>Joomla</a:t>
                       </a:r>
                       <a:r>
-                        <a:rPr lang="en-US" sz="1400" baseline="0" dirty="0" smtClean="0">
-                          <a:latin typeface="Arial" pitchFamily="34" charset="0"/>
+                        <a:rPr lang="en-US" sz="1800" dirty="0" smtClean="0">
+                          <a:solidFill>
+                            <a:schemeClr val="tx1"/>
+                          </a:solidFill>
+                          <a:latin typeface="+mn-lt"/>
                           <a:cs typeface="Arial" pitchFamily="34" charset="0"/>
                         </a:rPr>
-                        <a:t> finish on time.</a:t>
+                        <a:t> 1.5 framework</a:t>
                       </a:r>
-                      <a:endParaRPr lang="en-US" sz="1400" dirty="0">
-                        <a:latin typeface="Arial" pitchFamily="34" charset="0"/>
-                        <a:cs typeface="Arial" pitchFamily="34" charset="0"/>
-                      </a:endParaRPr>
                     </a:p>
-                  </a:txBody>
-                  <a:tcPr marL="46148" marR="46148" marT="0" marB="0"/>
-                </a:tc>
-                <a:tc>
-                  <a:txBody>
-                    <a:bodyPr/>
-                    <a:lstStyle/>
                     <a:p>
-                      <a:pPr marL="0" marR="0" algn="l">
+                      <a:pPr marL="0" marR="0" lvl="2" indent="0" algn="l" defTabSz="914400" rtl="0" eaLnBrk="1" fontAlgn="auto" latinLnBrk="0" hangingPunct="1">
                         <a:lnSpc>
-                          <a:spcPct val="115000"/>
+                          <a:spcPct val="100000"/>
                         </a:lnSpc>
                         <a:spcBef>
                           <a:spcPts val="0"/>
@@ -41848,43 +41469,48 @@
                         <a:spcAft>
                           <a:spcPts val="0"/>
                         </a:spcAft>
+                        <a:buClrTx/>
+                        <a:buSzTx/>
+                        <a:buFontTx/>
+                        <a:buNone/>
+                        <a:tabLst/>
+                        <a:defRPr/>
                       </a:pPr>
                       <a:r>
-                        <a:rPr lang="en-US" sz="1400" dirty="0" smtClean="0">
-                          <a:effectLst/>
-                          <a:latin typeface="Arial" pitchFamily="34" charset="0"/>
-                          <a:ea typeface="Times New Roman"/>
+                        <a:rPr lang="en-US" sz="1800" dirty="0" smtClean="0">
+                          <a:solidFill>
+                            <a:schemeClr val="tx1"/>
+                          </a:solidFill>
+                          <a:latin typeface="+mn-lt"/>
                           <a:cs typeface="Arial" pitchFamily="34" charset="0"/>
                         </a:rPr>
-                        <a:t>Team work 6 days/1 week, 8 hours/1</a:t>
+                        <a:t>- Web-browser : </a:t>
                       </a:r>
                       <a:r>
-                        <a:rPr lang="en-US" sz="1400" baseline="0" dirty="0" smtClean="0">
-                          <a:effectLst/>
-                          <a:latin typeface="Arial" pitchFamily="34" charset="0"/>
-                          <a:ea typeface="Times New Roman"/>
+                        <a:rPr lang="en-US" sz="1800" dirty="0" err="1" smtClean="0">
+                          <a:solidFill>
+                            <a:schemeClr val="tx1"/>
+                          </a:solidFill>
+                          <a:latin typeface="+mn-lt"/>
                           <a:cs typeface="Arial" pitchFamily="34" charset="0"/>
                         </a:rPr>
-                        <a:t> day. Each week will meet 2 times.</a:t>
+                        <a:t>firefox</a:t>
                       </a:r>
-                      <a:endParaRPr lang="en-US" sz="1400" dirty="0">
-                        <a:effectLst/>
-                        <a:latin typeface="Arial" pitchFamily="34" charset="0"/>
-                        <a:ea typeface="Times New Roman"/>
-                        <a:cs typeface="Arial" pitchFamily="34" charset="0"/>
-                      </a:endParaRPr>
+                      <a:r>
+                        <a:rPr lang="en-US" sz="1800" dirty="0" smtClean="0">
+                          <a:solidFill>
+                            <a:schemeClr val="tx1"/>
+                          </a:solidFill>
+                          <a:latin typeface="+mn-lt"/>
+                          <a:cs typeface="Arial" pitchFamily="34" charset="0"/>
+                        </a:rPr>
+                        <a:t> 14</a:t>
+                      </a:r>
                     </a:p>
-                  </a:txBody>
-                  <a:tcPr marL="46148" marR="46148" marT="0" marB="0"/>
-                </a:tc>
-                <a:tc>
-                  <a:txBody>
-                    <a:bodyPr/>
-                    <a:lstStyle/>
                     <a:p>
-                      <a:pPr marL="0" marR="0" algn="l">
+                      <a:pPr marL="0" marR="0" lvl="2" indent="0" algn="l" defTabSz="914400" rtl="0" eaLnBrk="1" fontAlgn="auto" latinLnBrk="0" hangingPunct="1">
                         <a:lnSpc>
-                          <a:spcPct val="115000"/>
+                          <a:spcPct val="100000"/>
                         </a:lnSpc>
                         <a:spcBef>
                           <a:spcPts val="0"/>
@@ -41892,36 +41518,73 @@
                         <a:spcAft>
                           <a:spcPts val="0"/>
                         </a:spcAft>
+                        <a:buClrTx/>
+                        <a:buSzTx/>
+                        <a:buFontTx/>
+                        <a:buNone/>
+                        <a:tabLst/>
+                        <a:defRPr/>
                       </a:pPr>
-                      <a:r>
-                        <a:rPr lang="en-US" sz="1400" b="0" dirty="0" smtClean="0">
-                          <a:effectLst/>
-                          <a:latin typeface="Arial" pitchFamily="34" charset="0"/>
-                          <a:ea typeface="Times New Roman"/>
-                          <a:cs typeface="Arial" pitchFamily="34" charset="0"/>
-                        </a:rPr>
-                        <a:t>High</a:t>
-                      </a:r>
-                      <a:endParaRPr lang="en-US" sz="1400" b="0" dirty="0">
-                        <a:effectLst/>
-                        <a:latin typeface="Arial" pitchFamily="34" charset="0"/>
-                        <a:ea typeface="Times New Roman"/>
+                      <a:endParaRPr lang="en-US" sz="1800" dirty="0" smtClean="0">
+                        <a:solidFill>
+                          <a:schemeClr val="tx1"/>
+                        </a:solidFill>
+                        <a:latin typeface="+mn-lt"/>
+                        <a:cs typeface="Arial" pitchFamily="34" charset="0"/>
+                      </a:endParaRPr>
+                    </a:p>
+                    <a:p>
+                      <a:endParaRPr lang="en-US" sz="1800" dirty="0">
+                        <a:latin typeface="+mn-lt"/>
                         <a:cs typeface="Arial" pitchFamily="34" charset="0"/>
                       </a:endParaRPr>
                     </a:p>
                   </a:txBody>
-                  <a:tcPr marL="46148" marR="46148" marT="0" marB="0"/>
+                  <a:tcPr>
+                    <a:lnL w="12700" cmpd="sng">
+                      <a:noFill/>
+                    </a:lnL>
+                    <a:lnR w="12700" cmpd="sng">
+                      <a:noFill/>
+                    </a:lnR>
+                    <a:lnT w="38100" cmpd="sng">
+                      <a:noFill/>
+                    </a:lnT>
+                    <a:lnB w="12700" cmpd="sng">
+                      <a:noFill/>
+                    </a:lnB>
+                    <a:lnTlToBr w="12700" cmpd="sng">
+                      <a:noFill/>
+                      <a:prstDash val="solid"/>
+                    </a:lnTlToBr>
+                    <a:lnBlToTr w="12700" cmpd="sng">
+                      <a:noFill/>
+                      <a:prstDash val="solid"/>
+                    </a:lnBlToTr>
+                    <a:solidFill>
+                      <a:schemeClr val="bg1">
+                        <a:lumMod val="95000"/>
+                      </a:schemeClr>
+                    </a:solidFill>
+                  </a:tcPr>
                 </a:tc>
-              </a:tr>
-              <a:tr h="577411">
                 <a:tc>
                   <a:txBody>
                     <a:bodyPr/>
                     <a:lstStyle/>
                     <a:p>
-                      <a:pPr marL="0" marR="0" algn="just">
+                      <a:r>
+                        <a:rPr lang="en-US" sz="1800" u="sng" dirty="0" smtClean="0">
+                          <a:latin typeface="+mn-lt"/>
+                          <a:cs typeface="Arial" pitchFamily="34" charset="0"/>
+                        </a:rPr>
+                        <a:t>Required (minimum) Specifics:</a:t>
+                      </a:r>
+                    </a:p>
+                    <a:p>
+                      <a:pPr marL="0" marR="0" lvl="2" indent="0" algn="l" defTabSz="914400" rtl="0" eaLnBrk="1" fontAlgn="auto" latinLnBrk="0" hangingPunct="1">
                         <a:lnSpc>
-                          <a:spcPct val="115000"/>
+                          <a:spcPct val="100000"/>
                         </a:lnSpc>
                         <a:spcBef>
                           <a:spcPts val="0"/>
@@ -41929,33 +41592,25 @@
                         <a:spcAft>
                           <a:spcPts val="0"/>
                         </a:spcAft>
+                        <a:buClrTx/>
+                        <a:buSzTx/>
+                        <a:buFontTx/>
+                        <a:buNone/>
+                        <a:tabLst/>
+                        <a:defRPr/>
                       </a:pPr>
                       <a:r>
-                        <a:rPr lang="en-US" sz="1400" dirty="0">
-                          <a:effectLst/>
-                          <a:latin typeface="Arial" pitchFamily="34" charset="0"/>
+                        <a:rPr lang="en-US" sz="1800" dirty="0" smtClean="0">
+                          <a:latin typeface="+mn-lt"/>
                           <a:cs typeface="Arial" pitchFamily="34" charset="0"/>
                         </a:rPr>
-                        <a:t>2</a:t>
+                        <a:t>- CPU: Intel Pentium(R) 4 2.4 GHz or better supported</a:t>
                       </a:r>
-                      <a:endParaRPr lang="en-US" sz="1400" dirty="0">
-                        <a:effectLst/>
-                        <a:latin typeface="Arial" pitchFamily="34" charset="0"/>
-                        <a:ea typeface="Times New Roman"/>
-                        <a:cs typeface="Arial" pitchFamily="34" charset="0"/>
-                      </a:endParaRPr>
                     </a:p>
-                  </a:txBody>
-                  <a:tcPr marL="46148" marR="46148" marT="0" marB="0"/>
-                </a:tc>
-                <a:tc>
-                  <a:txBody>
-                    <a:bodyPr/>
-                    <a:lstStyle/>
                     <a:p>
-                      <a:pPr marL="0" marR="0" algn="l">
+                      <a:pPr marL="0" marR="0" lvl="2" indent="0" algn="l" defTabSz="914400" rtl="0" eaLnBrk="1" fontAlgn="auto" latinLnBrk="0" hangingPunct="1">
                         <a:lnSpc>
-                          <a:spcPct val="115000"/>
+                          <a:spcPct val="100000"/>
                         </a:lnSpc>
                         <a:spcBef>
                           <a:spcPts val="0"/>
@@ -41963,62 +41618,25 @@
                         <a:spcAft>
                           <a:spcPts val="0"/>
                         </a:spcAft>
+                        <a:buClrTx/>
+                        <a:buSzTx/>
+                        <a:buFontTx/>
+                        <a:buNone/>
+                        <a:tabLst/>
+                        <a:defRPr/>
                       </a:pPr>
                       <a:r>
-                        <a:rPr lang="en-US" sz="1400" dirty="0" smtClean="0">
-                          <a:effectLst/>
-                          <a:latin typeface="Arial" pitchFamily="34" charset="0"/>
-                          <a:ea typeface="Times New Roman"/>
+                        <a:rPr lang="en-US" sz="1800" dirty="0" smtClean="0">
+                          <a:latin typeface="+mn-lt"/>
                           <a:cs typeface="Arial" pitchFamily="34" charset="0"/>
                         </a:rPr>
-                        <a:t>Usability</a:t>
+                        <a:t>- RAM: 512MB </a:t>
                       </a:r>
-                      <a:endParaRPr lang="en-US" sz="1400" dirty="0">
-                        <a:effectLst/>
-                        <a:latin typeface="Arial" pitchFamily="34" charset="0"/>
-                        <a:ea typeface="Times New Roman"/>
-                        <a:cs typeface="Arial" pitchFamily="34" charset="0"/>
-                      </a:endParaRPr>
                     </a:p>
-                  </a:txBody>
-                  <a:tcPr marL="46148" marR="46148" marT="0" marB="0"/>
-                </a:tc>
-                <a:tc>
-                  <a:txBody>
-                    <a:bodyPr/>
-                    <a:lstStyle/>
                     <a:p>
-                      <a:pPr algn="l"/>
-                      <a:r>
-                        <a:rPr lang="en-US" sz="1400" dirty="0" smtClean="0">
-                          <a:latin typeface="Arial" pitchFamily="34" charset="0"/>
-                          <a:cs typeface="Arial" pitchFamily="34" charset="0"/>
-                        </a:rPr>
-                        <a:t>Main functions are completed.</a:t>
-                      </a:r>
-                      <a:r>
-                        <a:rPr lang="en-US" sz="1400" baseline="0" dirty="0" smtClean="0">
-                          <a:latin typeface="Arial" pitchFamily="34" charset="0"/>
-                          <a:cs typeface="Arial" pitchFamily="34" charset="0"/>
-                        </a:rPr>
-                        <a:t> </a:t>
-                      </a:r>
-                      <a:endParaRPr lang="en-US" sz="1400" dirty="0">
-                        <a:latin typeface="Arial" pitchFamily="34" charset="0"/>
-                        <a:cs typeface="Arial" pitchFamily="34" charset="0"/>
-                      </a:endParaRPr>
-                    </a:p>
-                  </a:txBody>
-                  <a:tcPr marL="46148" marR="46148" marT="0" marB="0"/>
-                </a:tc>
-                <a:tc>
-                  <a:txBody>
-                    <a:bodyPr/>
-                    <a:lstStyle/>
-                    <a:p>
-                      <a:pPr marL="0" marR="0" algn="l">
+                      <a:pPr marL="0" marR="0" lvl="2" indent="0" algn="l" defTabSz="914400" rtl="0" eaLnBrk="1" fontAlgn="auto" latinLnBrk="0" hangingPunct="1">
                         <a:lnSpc>
-                          <a:spcPct val="115000"/>
+                          <a:spcPct val="100000"/>
                         </a:lnSpc>
                         <a:spcBef>
                           <a:spcPts val="0"/>
@@ -42026,43 +41644,25 @@
                         <a:spcAft>
                           <a:spcPts val="0"/>
                         </a:spcAft>
+                        <a:buClrTx/>
+                        <a:buSzTx/>
+                        <a:buFontTx/>
+                        <a:buNone/>
+                        <a:tabLst/>
+                        <a:defRPr/>
                       </a:pPr>
                       <a:r>
-                        <a:rPr lang="en-US" sz="1400" dirty="0" smtClean="0">
-                          <a:effectLst/>
-                          <a:latin typeface="Arial" pitchFamily="34" charset="0"/>
-                          <a:ea typeface="Times New Roman"/>
+                        <a:rPr lang="en-US" sz="1800" dirty="0" smtClean="0">
+                          <a:latin typeface="+mn-lt"/>
                           <a:cs typeface="Arial" pitchFamily="34" charset="0"/>
                         </a:rPr>
-                        <a:t>The functions which</a:t>
+                        <a:t>- Hard Drive: 2GB or free space</a:t>
                       </a:r>
-                      <a:r>
-                        <a:rPr lang="en-US" sz="1400" baseline="0" dirty="0" smtClean="0">
-                          <a:effectLst/>
-                          <a:latin typeface="Arial" pitchFamily="34" charset="0"/>
-                          <a:ea typeface="Times New Roman"/>
-                          <a:cs typeface="Arial" pitchFamily="34" charset="0"/>
-                        </a:rPr>
-                        <a:t> are high priority will be work first.</a:t>
-                      </a:r>
-                      <a:endParaRPr lang="en-US" sz="1400" dirty="0">
-                        <a:effectLst/>
-                        <a:latin typeface="Arial" pitchFamily="34" charset="0"/>
-                        <a:ea typeface="Times New Roman"/>
-                        <a:cs typeface="Arial" pitchFamily="34" charset="0"/>
-                      </a:endParaRPr>
                     </a:p>
-                  </a:txBody>
-                  <a:tcPr marL="46148" marR="46148" marT="0" marB="0"/>
-                </a:tc>
-                <a:tc>
-                  <a:txBody>
-                    <a:bodyPr/>
-                    <a:lstStyle/>
                     <a:p>
-                      <a:pPr marL="0" marR="0" algn="l">
+                      <a:pPr marL="0" marR="0" lvl="2" indent="0" algn="l" defTabSz="914400" rtl="0" eaLnBrk="1" fontAlgn="auto" latinLnBrk="0" hangingPunct="1">
                         <a:lnSpc>
-                          <a:spcPct val="115000"/>
+                          <a:spcPct val="100000"/>
                         </a:lnSpc>
                         <a:spcBef>
                           <a:spcPts val="0"/>
@@ -42070,36 +41670,22 @@
                         <a:spcAft>
                           <a:spcPts val="0"/>
                         </a:spcAft>
+                        <a:buClrTx/>
+                        <a:buSzTx/>
+                        <a:buFontTx/>
+                        <a:buNone/>
+                        <a:tabLst/>
+                        <a:defRPr/>
                       </a:pPr>
-                      <a:r>
-                        <a:rPr lang="en-US" sz="1400" b="0" dirty="0" smtClean="0">
-                          <a:effectLst/>
-                          <a:latin typeface="Arial" pitchFamily="34" charset="0"/>
-                          <a:ea typeface="Times New Roman"/>
-                          <a:cs typeface="Arial" pitchFamily="34" charset="0"/>
-                        </a:rPr>
-                        <a:t>High</a:t>
-                      </a:r>
-                      <a:endParaRPr lang="en-US" sz="1400" b="0" dirty="0">
-                        <a:effectLst/>
-                        <a:latin typeface="Arial" pitchFamily="34" charset="0"/>
-                        <a:ea typeface="Times New Roman"/>
+                      <a:endParaRPr lang="en-US" sz="1800" dirty="0" smtClean="0">
+                        <a:latin typeface="+mn-lt"/>
                         <a:cs typeface="Arial" pitchFamily="34" charset="0"/>
                       </a:endParaRPr>
                     </a:p>
-                  </a:txBody>
-                  <a:tcPr marL="46148" marR="46148" marT="0" marB="0"/>
-                </a:tc>
-              </a:tr>
-              <a:tr h="838200">
-                <a:tc>
-                  <a:txBody>
-                    <a:bodyPr/>
-                    <a:lstStyle/>
                     <a:p>
-                      <a:pPr marL="0" marR="0" algn="just">
+                      <a:pPr marL="0" marR="0" lvl="2" indent="0" algn="l" defTabSz="914400" rtl="0" eaLnBrk="1" fontAlgn="auto" latinLnBrk="0" hangingPunct="1">
                         <a:lnSpc>
-                          <a:spcPct val="115000"/>
+                          <a:spcPct val="100000"/>
                         </a:lnSpc>
                         <a:spcBef>
                           <a:spcPts val="0"/>
@@ -42107,34 +41693,25 @@
                         <a:spcAft>
                           <a:spcPts val="0"/>
                         </a:spcAft>
+                        <a:buClrTx/>
+                        <a:buSzTx/>
+                        <a:buFontTx/>
+                        <a:buNone/>
+                        <a:tabLst/>
+                        <a:defRPr/>
                       </a:pPr>
                       <a:r>
-                        <a:rPr lang="en-US" sz="1400" dirty="0" smtClean="0">
-                          <a:effectLst/>
-                          <a:latin typeface="Arial" pitchFamily="34" charset="0"/>
-                          <a:ea typeface="+mn-ea"/>
+                        <a:rPr lang="en-US" sz="1800" u="sng" dirty="0" smtClean="0">
+                          <a:latin typeface="+mn-lt"/>
                           <a:cs typeface="Arial" pitchFamily="34" charset="0"/>
                         </a:rPr>
-                        <a:t>3</a:t>
+                        <a:t>Recommended Specifics:</a:t>
                       </a:r>
-                      <a:endParaRPr lang="en-US" sz="1400" dirty="0">
-                        <a:effectLst/>
-                        <a:latin typeface="Arial" pitchFamily="34" charset="0"/>
-                        <a:ea typeface="Times New Roman"/>
-                        <a:cs typeface="Arial" pitchFamily="34" charset="0"/>
-                      </a:endParaRPr>
                     </a:p>
-                  </a:txBody>
-                  <a:tcPr marL="46148" marR="46148" marT="0" marB="0"/>
-                </a:tc>
-                <a:tc>
-                  <a:txBody>
-                    <a:bodyPr/>
-                    <a:lstStyle/>
                     <a:p>
-                      <a:pPr marL="0" marR="0" algn="l">
+                      <a:pPr marL="0" marR="0" lvl="2" indent="0" algn="l" defTabSz="914400" rtl="0" eaLnBrk="1" fontAlgn="auto" latinLnBrk="0" hangingPunct="1">
                         <a:lnSpc>
-                          <a:spcPct val="115000"/>
+                          <a:spcPct val="100000"/>
                         </a:lnSpc>
                         <a:spcBef>
                           <a:spcPts val="0"/>
@@ -42142,62 +41719,25 @@
                         <a:spcAft>
                           <a:spcPts val="0"/>
                         </a:spcAft>
+                        <a:buClrTx/>
+                        <a:buSzTx/>
+                        <a:buFontTx/>
+                        <a:buNone/>
+                        <a:tabLst/>
+                        <a:defRPr/>
                       </a:pPr>
                       <a:r>
-                        <a:rPr lang="en-US" sz="1400" dirty="0" smtClean="0">
-                          <a:effectLst/>
-                          <a:latin typeface="Arial" pitchFamily="34" charset="0"/>
-                          <a:ea typeface="Times New Roman"/>
+                        <a:rPr lang="en-US" sz="1800" dirty="0" smtClean="0">
+                          <a:latin typeface="+mn-lt"/>
                           <a:cs typeface="Arial" pitchFamily="34" charset="0"/>
                         </a:rPr>
-                        <a:t>Control bugs</a:t>
+                        <a:t>- CPU: Dual core 2.4GBz or better supported</a:t>
                       </a:r>
-                      <a:endParaRPr lang="en-US" sz="1400" dirty="0">
-                        <a:effectLst/>
-                        <a:latin typeface="Arial" pitchFamily="34" charset="0"/>
-                        <a:ea typeface="Times New Roman"/>
-                        <a:cs typeface="Arial" pitchFamily="34" charset="0"/>
-                      </a:endParaRPr>
                     </a:p>
-                  </a:txBody>
-                  <a:tcPr marL="46148" marR="46148" marT="0" marB="0"/>
-                </a:tc>
-                <a:tc>
-                  <a:txBody>
-                    <a:bodyPr/>
-                    <a:lstStyle/>
                     <a:p>
-                      <a:pPr algn="l"/>
-                      <a:r>
-                        <a:rPr lang="en-US" sz="1400" dirty="0" smtClean="0">
-                          <a:latin typeface="Arial" pitchFamily="34" charset="0"/>
-                          <a:cs typeface="Arial" pitchFamily="34" charset="0"/>
-                        </a:rPr>
-                        <a:t>Bugs are</a:t>
-                      </a:r>
-                      <a:r>
-                        <a:rPr lang="en-US" sz="1400" baseline="0" dirty="0" smtClean="0">
-                          <a:latin typeface="Arial" pitchFamily="34" charset="0"/>
-                          <a:cs typeface="Arial" pitchFamily="34" charset="0"/>
-                        </a:rPr>
-                        <a:t> always handled immediately when detecting. Bug rate of function test stays at 8 bug / 1000 lines.</a:t>
-                      </a:r>
-                      <a:endParaRPr lang="en-US" sz="1400" dirty="0">
-                        <a:latin typeface="Arial" pitchFamily="34" charset="0"/>
-                        <a:cs typeface="Arial" pitchFamily="34" charset="0"/>
-                      </a:endParaRPr>
-                    </a:p>
-                  </a:txBody>
-                  <a:tcPr marL="46148" marR="46148" marT="0" marB="0"/>
-                </a:tc>
-                <a:tc>
-                  <a:txBody>
-                    <a:bodyPr/>
-                    <a:lstStyle/>
-                    <a:p>
-                      <a:pPr marL="0" marR="0" algn="l">
+                      <a:pPr marL="0" marR="0" lvl="2" indent="0" algn="l" defTabSz="914400" rtl="0" eaLnBrk="1" fontAlgn="auto" latinLnBrk="0" hangingPunct="1">
                         <a:lnSpc>
-                          <a:spcPct val="115000"/>
+                          <a:spcPct val="100000"/>
                         </a:lnSpc>
                         <a:spcBef>
                           <a:spcPts val="0"/>
@@ -42205,43 +41745,25 @@
                         <a:spcAft>
                           <a:spcPts val="0"/>
                         </a:spcAft>
+                        <a:buClrTx/>
+                        <a:buSzTx/>
+                        <a:buFontTx/>
+                        <a:buNone/>
+                        <a:tabLst/>
+                        <a:defRPr/>
                       </a:pPr>
                       <a:r>
-                        <a:rPr lang="en-US" sz="1400" dirty="0" smtClean="0">
-                          <a:effectLst/>
-                          <a:latin typeface="Arial" pitchFamily="34" charset="0"/>
-                          <a:ea typeface="Times New Roman"/>
+                        <a:rPr lang="en-US" sz="1800" dirty="0" smtClean="0">
+                          <a:latin typeface="+mn-lt"/>
                           <a:cs typeface="Arial" pitchFamily="34" charset="0"/>
                         </a:rPr>
-                        <a:t>Using excel to control bug and</a:t>
+                        <a:t>- RAM: 1GB for Windows XP, 2GB for Windows 7</a:t>
                       </a:r>
-                      <a:r>
-                        <a:rPr lang="en-US" sz="1400" baseline="0" dirty="0" smtClean="0">
-                          <a:effectLst/>
-                          <a:latin typeface="Arial" pitchFamily="34" charset="0"/>
-                          <a:ea typeface="Times New Roman"/>
-                          <a:cs typeface="Arial" pitchFamily="34" charset="0"/>
-                        </a:rPr>
-                        <a:t> communicate between tester and developer.</a:t>
-                      </a:r>
-                      <a:endParaRPr lang="en-US" sz="1400" dirty="0">
-                        <a:effectLst/>
-                        <a:latin typeface="Arial" pitchFamily="34" charset="0"/>
-                        <a:ea typeface="Times New Roman"/>
-                        <a:cs typeface="Arial" pitchFamily="34" charset="0"/>
-                      </a:endParaRPr>
                     </a:p>
-                  </a:txBody>
-                  <a:tcPr marL="46148" marR="46148" marT="0" marB="0"/>
-                </a:tc>
-                <a:tc>
-                  <a:txBody>
-                    <a:bodyPr/>
-                    <a:lstStyle/>
                     <a:p>
-                      <a:pPr marL="0" marR="0" algn="l">
+                      <a:pPr marL="0" marR="0" lvl="2" indent="0" algn="l" defTabSz="914400" rtl="0" eaLnBrk="1" fontAlgn="auto" latinLnBrk="0" hangingPunct="1">
                         <a:lnSpc>
-                          <a:spcPct val="115000"/>
+                          <a:spcPct val="100000"/>
                         </a:lnSpc>
                         <a:spcBef>
                           <a:spcPts val="0"/>
@@ -42249,394 +41771,49 @@
                         <a:spcAft>
                           <a:spcPts val="0"/>
                         </a:spcAft>
+                        <a:buClrTx/>
+                        <a:buSzTx/>
+                        <a:buFontTx/>
+                        <a:buNone/>
+                        <a:tabLst/>
+                        <a:defRPr/>
                       </a:pPr>
                       <a:r>
-                        <a:rPr lang="en-US" sz="1400" b="0" dirty="0" smtClean="0">
-                          <a:effectLst/>
-                          <a:latin typeface="Arial" pitchFamily="34" charset="0"/>
-                          <a:ea typeface="Times New Roman"/>
+                        <a:rPr lang="en-US" sz="1800" dirty="0" smtClean="0">
+                          <a:latin typeface="+mn-lt"/>
                           <a:cs typeface="Arial" pitchFamily="34" charset="0"/>
                         </a:rPr>
-                        <a:t>High</a:t>
+                        <a:t>- Hard Drive: 2GB of free space</a:t>
                       </a:r>
-                      <a:endParaRPr lang="en-US" sz="1400" b="0" dirty="0">
-                        <a:effectLst/>
-                        <a:latin typeface="Arial" pitchFamily="34" charset="0"/>
-                        <a:ea typeface="Times New Roman"/>
-                        <a:cs typeface="Arial" pitchFamily="34" charset="0"/>
-                      </a:endParaRPr>
                     </a:p>
                   </a:txBody>
-                  <a:tcPr marL="46148" marR="46148" marT="0" marB="0"/>
-                </a:tc>
-              </a:tr>
-              <a:tr h="685800">
-                <a:tc>
-                  <a:txBody>
-                    <a:bodyPr/>
-                    <a:lstStyle/>
-                    <a:p>
-                      <a:pPr marL="0" marR="0" algn="just">
-                        <a:lnSpc>
-                          <a:spcPct val="115000"/>
-                        </a:lnSpc>
-                        <a:spcBef>
-                          <a:spcPts val="0"/>
-                        </a:spcBef>
-                        <a:spcAft>
-                          <a:spcPts val="0"/>
-                        </a:spcAft>
-                      </a:pPr>
-                      <a:r>
-                        <a:rPr lang="en-US" sz="1400" dirty="0" smtClean="0">
-                          <a:effectLst/>
-                          <a:latin typeface="Arial" pitchFamily="34" charset="0"/>
-                          <a:ea typeface="+mn-ea"/>
-                          <a:cs typeface="Arial" pitchFamily="34" charset="0"/>
-                        </a:rPr>
-                        <a:t>4</a:t>
-                      </a:r>
-                      <a:endParaRPr lang="en-US" sz="1400" dirty="0">
-                        <a:effectLst/>
-                        <a:latin typeface="Arial" pitchFamily="34" charset="0"/>
-                        <a:ea typeface="Times New Roman"/>
-                        <a:cs typeface="Arial" pitchFamily="34" charset="0"/>
-                      </a:endParaRPr>
-                    </a:p>
-                  </a:txBody>
-                  <a:tcPr marL="46148" marR="46148" marT="0" marB="0"/>
-                </a:tc>
-                <a:tc>
-                  <a:txBody>
-                    <a:bodyPr/>
-                    <a:lstStyle/>
-                    <a:p>
-                      <a:pPr marL="0" marR="0" algn="l">
-                        <a:lnSpc>
-                          <a:spcPct val="115000"/>
-                        </a:lnSpc>
-                        <a:spcBef>
-                          <a:spcPts val="0"/>
-                        </a:spcBef>
-                        <a:spcAft>
-                          <a:spcPts val="0"/>
-                        </a:spcAft>
-                      </a:pPr>
-                      <a:r>
-                        <a:rPr lang="en-US" sz="1400" dirty="0" smtClean="0">
-                          <a:effectLst/>
-                          <a:latin typeface="Arial" pitchFamily="34" charset="0"/>
-                          <a:ea typeface="Times New Roman"/>
-                          <a:cs typeface="Arial" pitchFamily="34" charset="0"/>
-                        </a:rPr>
-                        <a:t>Functionality</a:t>
-                      </a:r>
-                      <a:endParaRPr lang="en-US" sz="1400" dirty="0">
-                        <a:effectLst/>
-                        <a:latin typeface="Arial" pitchFamily="34" charset="0"/>
-                        <a:ea typeface="Times New Roman"/>
-                        <a:cs typeface="Arial" pitchFamily="34" charset="0"/>
-                      </a:endParaRPr>
-                    </a:p>
-                  </a:txBody>
-                  <a:tcPr marL="46148" marR="46148" marT="0" marB="0"/>
-                </a:tc>
-                <a:tc>
-                  <a:txBody>
-                    <a:bodyPr/>
-                    <a:lstStyle/>
-                    <a:p>
-                      <a:pPr algn="l"/>
-                      <a:r>
-                        <a:rPr lang="en-US" sz="1400" dirty="0" smtClean="0">
-                          <a:latin typeface="Arial" pitchFamily="34" charset="0"/>
-                          <a:cs typeface="Arial" pitchFamily="34" charset="0"/>
-                        </a:rPr>
-                        <a:t>Functions are conformable with requirement. </a:t>
-                      </a:r>
-                      <a:endParaRPr lang="en-US" sz="1400" dirty="0">
-                        <a:latin typeface="Arial" pitchFamily="34" charset="0"/>
-                        <a:cs typeface="Arial" pitchFamily="34" charset="0"/>
-                      </a:endParaRPr>
-                    </a:p>
-                  </a:txBody>
-                  <a:tcPr marL="46148" marR="46148" marT="0" marB="0"/>
-                </a:tc>
-                <a:tc>
-                  <a:txBody>
-                    <a:bodyPr/>
-                    <a:lstStyle/>
-                    <a:p>
-                      <a:pPr marL="0" marR="0" algn="l">
-                        <a:lnSpc>
-                          <a:spcPct val="115000"/>
-                        </a:lnSpc>
-                        <a:spcBef>
-                          <a:spcPts val="0"/>
-                        </a:spcBef>
-                        <a:spcAft>
-                          <a:spcPts val="0"/>
-                        </a:spcAft>
-                      </a:pPr>
-                      <a:r>
-                        <a:rPr lang="en-US" sz="1400" dirty="0" smtClean="0">
-                          <a:effectLst/>
-                          <a:latin typeface="Arial" pitchFamily="34" charset="0"/>
-                          <a:ea typeface="Times New Roman"/>
-                          <a:cs typeface="Arial" pitchFamily="34" charset="0"/>
-                        </a:rPr>
-                        <a:t>Leader usually</a:t>
-                      </a:r>
-                      <a:r>
-                        <a:rPr lang="en-US" sz="1400" baseline="0" dirty="0" smtClean="0">
-                          <a:effectLst/>
-                          <a:latin typeface="Arial" pitchFamily="34" charset="0"/>
-                          <a:ea typeface="Times New Roman"/>
-                          <a:cs typeface="Arial" pitchFamily="34" charset="0"/>
-                        </a:rPr>
-                        <a:t> </a:t>
-                      </a:r>
-                      <a:r>
-                        <a:rPr lang="en-US" sz="1400" dirty="0" smtClean="0">
-                          <a:effectLst/>
-                          <a:latin typeface="Arial" pitchFamily="34" charset="0"/>
-                          <a:ea typeface="Times New Roman"/>
-                          <a:cs typeface="Arial" pitchFamily="34" charset="0"/>
-                        </a:rPr>
-                        <a:t>check work of each member.</a:t>
-                      </a:r>
-                      <a:r>
-                        <a:rPr lang="en-US" sz="1400" baseline="0" dirty="0" smtClean="0">
-                          <a:effectLst/>
-                          <a:latin typeface="Arial" pitchFamily="34" charset="0"/>
-                          <a:ea typeface="Times New Roman"/>
-                          <a:cs typeface="Arial" pitchFamily="34" charset="0"/>
-                        </a:rPr>
-                        <a:t> </a:t>
-                      </a:r>
-                      <a:endParaRPr lang="en-US" sz="1400" dirty="0">
-                        <a:effectLst/>
-                        <a:latin typeface="Arial" pitchFamily="34" charset="0"/>
-                        <a:ea typeface="Times New Roman"/>
-                        <a:cs typeface="Arial" pitchFamily="34" charset="0"/>
-                      </a:endParaRPr>
-                    </a:p>
-                  </a:txBody>
-                  <a:tcPr marL="46148" marR="46148" marT="0" marB="0"/>
-                </a:tc>
-                <a:tc>
-                  <a:txBody>
-                    <a:bodyPr/>
-                    <a:lstStyle/>
-                    <a:p>
-                      <a:pPr marL="0" marR="0" algn="l">
-                        <a:lnSpc>
-                          <a:spcPct val="115000"/>
-                        </a:lnSpc>
-                        <a:spcBef>
-                          <a:spcPts val="0"/>
-                        </a:spcBef>
-                        <a:spcAft>
-                          <a:spcPts val="0"/>
-                        </a:spcAft>
-                      </a:pPr>
-                      <a:r>
-                        <a:rPr lang="en-US" sz="1400" b="0" dirty="0" smtClean="0">
-                          <a:effectLst/>
-                          <a:latin typeface="Arial" pitchFamily="34" charset="0"/>
-                          <a:ea typeface="Times New Roman"/>
-                          <a:cs typeface="Arial" pitchFamily="34" charset="0"/>
-                        </a:rPr>
-                        <a:t>High</a:t>
-                      </a:r>
-                      <a:endParaRPr lang="en-US" sz="1400" b="0" dirty="0">
-                        <a:effectLst/>
-                        <a:latin typeface="Arial" pitchFamily="34" charset="0"/>
-                        <a:ea typeface="Times New Roman"/>
-                        <a:cs typeface="Arial" pitchFamily="34" charset="0"/>
-                      </a:endParaRPr>
-                    </a:p>
-                  </a:txBody>
-                  <a:tcPr marL="46148" marR="46148" marT="0" marB="0"/>
-                </a:tc>
-              </a:tr>
-              <a:tr h="1127974">
-                <a:tc>
-                  <a:txBody>
-                    <a:bodyPr/>
-                    <a:lstStyle/>
-                    <a:p>
-                      <a:pPr marL="0" marR="0" algn="just">
-                        <a:lnSpc>
-                          <a:spcPct val="115000"/>
-                        </a:lnSpc>
-                        <a:spcBef>
-                          <a:spcPts val="0"/>
-                        </a:spcBef>
-                        <a:spcAft>
-                          <a:spcPts val="0"/>
-                        </a:spcAft>
-                      </a:pPr>
-                      <a:r>
-                        <a:rPr lang="en-US" sz="1400" dirty="0" smtClean="0">
-                          <a:effectLst/>
-                          <a:latin typeface="Arial" pitchFamily="34" charset="0"/>
-                          <a:ea typeface="+mn-ea"/>
-                          <a:cs typeface="Arial" pitchFamily="34" charset="0"/>
-                        </a:rPr>
-                        <a:t>5</a:t>
-                      </a:r>
-                      <a:endParaRPr lang="en-US" sz="1400" dirty="0">
-                        <a:effectLst/>
-                        <a:latin typeface="Arial" pitchFamily="34" charset="0"/>
-                        <a:ea typeface="Times New Roman"/>
-                        <a:cs typeface="Arial" pitchFamily="34" charset="0"/>
-                      </a:endParaRPr>
-                    </a:p>
-                  </a:txBody>
-                  <a:tcPr marL="46148" marR="46148" marT="0" marB="0"/>
-                </a:tc>
-                <a:tc>
-                  <a:txBody>
-                    <a:bodyPr/>
-                    <a:lstStyle/>
-                    <a:p>
-                      <a:pPr marL="0" marR="0" algn="l">
-                        <a:lnSpc>
-                          <a:spcPct val="115000"/>
-                        </a:lnSpc>
-                        <a:spcBef>
-                          <a:spcPts val="0"/>
-                        </a:spcBef>
-                        <a:spcAft>
-                          <a:spcPts val="0"/>
-                        </a:spcAft>
-                      </a:pPr>
-                      <a:r>
-                        <a:rPr lang="en-US" sz="1400" dirty="0" smtClean="0">
-                          <a:effectLst/>
-                          <a:latin typeface="Arial" pitchFamily="34" charset="0"/>
-                          <a:ea typeface="Times New Roman"/>
-                          <a:cs typeface="Arial" pitchFamily="34" charset="0"/>
-                        </a:rPr>
-                        <a:t>Maintainability</a:t>
-                      </a:r>
-                      <a:endParaRPr lang="en-US" sz="1400" dirty="0">
-                        <a:effectLst/>
-                        <a:latin typeface="Arial" pitchFamily="34" charset="0"/>
-                        <a:ea typeface="Times New Roman"/>
-                        <a:cs typeface="Arial" pitchFamily="34" charset="0"/>
-                      </a:endParaRPr>
-                    </a:p>
-                  </a:txBody>
-                  <a:tcPr marL="46148" marR="46148" marT="0" marB="0"/>
-                </a:tc>
-                <a:tc>
-                  <a:txBody>
-                    <a:bodyPr/>
-                    <a:lstStyle/>
-                    <a:p>
-                      <a:pPr algn="l"/>
-                      <a:r>
-                        <a:rPr lang="en-US" sz="1400" dirty="0" smtClean="0">
-                          <a:latin typeface="Arial" pitchFamily="34" charset="0"/>
-                          <a:cs typeface="Arial" pitchFamily="34" charset="0"/>
-                        </a:rPr>
-                        <a:t>System is easy</a:t>
-                      </a:r>
-                      <a:r>
-                        <a:rPr lang="en-US" sz="1400" baseline="0" dirty="0" smtClean="0">
-                          <a:latin typeface="Arial" pitchFamily="34" charset="0"/>
-                          <a:cs typeface="Arial" pitchFamily="34" charset="0"/>
-                        </a:rPr>
-                        <a:t> to be maintain, document is sufficient and clear. </a:t>
-                      </a:r>
-                      <a:endParaRPr lang="en-US" sz="1400" dirty="0">
-                        <a:latin typeface="Arial" pitchFamily="34" charset="0"/>
-                        <a:cs typeface="Arial" pitchFamily="34" charset="0"/>
-                      </a:endParaRPr>
-                    </a:p>
-                  </a:txBody>
-                  <a:tcPr marL="46148" marR="46148" marT="0" marB="0"/>
-                </a:tc>
-                <a:tc>
-                  <a:txBody>
-                    <a:bodyPr/>
-                    <a:lstStyle/>
-                    <a:p>
-                      <a:pPr marL="0" marR="0" algn="l">
-                        <a:lnSpc>
-                          <a:spcPct val="115000"/>
-                        </a:lnSpc>
-                        <a:spcBef>
-                          <a:spcPts val="0"/>
-                        </a:spcBef>
-                        <a:spcAft>
-                          <a:spcPts val="0"/>
-                        </a:spcAft>
-                      </a:pPr>
-                      <a:r>
-                        <a:rPr lang="en-US" sz="1400" dirty="0" smtClean="0">
-                          <a:effectLst/>
-                          <a:latin typeface="Arial" pitchFamily="34" charset="0"/>
-                          <a:ea typeface="Times New Roman"/>
-                          <a:cs typeface="Arial" pitchFamily="34" charset="0"/>
-                        </a:rPr>
-                        <a:t>Developer</a:t>
-                      </a:r>
-                      <a:r>
-                        <a:rPr lang="en-US" sz="1400" baseline="0" dirty="0" smtClean="0">
-                          <a:effectLst/>
-                          <a:latin typeface="Arial" pitchFamily="34" charset="0"/>
-                          <a:ea typeface="Times New Roman"/>
-                          <a:cs typeface="Arial" pitchFamily="34" charset="0"/>
-                        </a:rPr>
-                        <a:t> code according to MVC model to ensure maintenance easily. Document is written following Capstone project structure.</a:t>
-                      </a:r>
-                      <a:endParaRPr lang="en-US" sz="1400" dirty="0">
-                        <a:effectLst/>
-                        <a:latin typeface="Arial" pitchFamily="34" charset="0"/>
-                        <a:ea typeface="Times New Roman"/>
-                        <a:cs typeface="Arial" pitchFamily="34" charset="0"/>
-                      </a:endParaRPr>
-                    </a:p>
-                  </a:txBody>
-                  <a:tcPr marL="46148" marR="46148" marT="0" marB="0"/>
-                </a:tc>
-                <a:tc>
-                  <a:txBody>
-                    <a:bodyPr/>
-                    <a:lstStyle/>
-                    <a:p>
-                      <a:pPr marL="0" marR="0" algn="l">
-                        <a:lnSpc>
-                          <a:spcPct val="115000"/>
-                        </a:lnSpc>
-                        <a:spcBef>
-                          <a:spcPts val="0"/>
-                        </a:spcBef>
-                        <a:spcAft>
-                          <a:spcPts val="0"/>
-                        </a:spcAft>
-                      </a:pPr>
-                      <a:r>
-                        <a:rPr lang="en-US" sz="1400" b="0" dirty="0" smtClean="0">
-                          <a:effectLst/>
-                          <a:latin typeface="Arial" pitchFamily="34" charset="0"/>
-                          <a:ea typeface="Times New Roman"/>
-                          <a:cs typeface="Arial" pitchFamily="34" charset="0"/>
-                        </a:rPr>
-                        <a:t>Medium</a:t>
-                      </a:r>
-                      <a:endParaRPr lang="en-US" sz="1400" b="0" dirty="0">
-                        <a:effectLst/>
-                        <a:latin typeface="Arial" pitchFamily="34" charset="0"/>
-                        <a:ea typeface="Times New Roman"/>
-                        <a:cs typeface="Arial" pitchFamily="34" charset="0"/>
-                      </a:endParaRPr>
-                    </a:p>
-                  </a:txBody>
-                  <a:tcPr marL="46148" marR="46148" marT="0" marB="0"/>
+                  <a:tcPr>
+                    <a:lnL w="12700" cmpd="sng">
+                      <a:noFill/>
+                    </a:lnL>
+                    <a:lnR w="12700" cmpd="sng">
+                      <a:noFill/>
+                    </a:lnR>
+                    <a:lnT w="38100" cmpd="sng">
+                      <a:noFill/>
+                    </a:lnT>
+                    <a:lnB w="12700" cmpd="sng">
+                      <a:noFill/>
+                    </a:lnB>
+                    <a:lnTlToBr w="12700" cmpd="sng">
+                      <a:noFill/>
+                      <a:prstDash val="solid"/>
+                    </a:lnTlToBr>
+                    <a:lnBlToTr w="12700" cmpd="sng">
+                      <a:noFill/>
+                      <a:prstDash val="solid"/>
+                    </a:lnBlToTr>
+                    <a:solidFill>
+                      <a:schemeClr val="bg1">
+                        <a:lumMod val="95000"/>
+                      </a:schemeClr>
+                    </a:solidFill>
+                  </a:tcPr>
                 </a:tc>
               </a:tr>
             </a:tbl>
@@ -42646,7 +41823,7 @@
     </p:spTree>
     <p:extLst>
       <p:ext uri="{BB962C8B-B14F-4D97-AF65-F5344CB8AC3E}">
-        <p14:creationId xmlns:p14="http://schemas.microsoft.com/office/powerpoint/2010/main" val="3808929868"/>
+        <p14:creationId xmlns:p14="http://schemas.microsoft.com/office/powerpoint/2010/main" val="2917690252"/>
       </p:ext>
     </p:extLst>
   </p:cSld>
@@ -42714,281 +41891,196 @@
             <p:ph idx="1"/>
           </p:nvPr>
         </p:nvSpPr>
-        <p:spPr>
-          <a:xfrm>
-            <a:off x="457200" y="914400"/>
-            <a:ext cx="8229600" cy="5715000"/>
-          </a:xfrm>
-        </p:spPr>
+        <p:spPr/>
         <p:txBody>
           <a:bodyPr/>
           <a:lstStyle/>
           <a:p>
             <a:r>
+              <a:rPr lang="en-US" dirty="0"/>
+              <a:t>6. Development </a:t>
+            </a:r>
+            <a:r>
               <a:rPr lang="en-US" dirty="0" smtClean="0"/>
-              <a:t>6. </a:t>
-            </a:r>
-            <a:r>
-              <a:rPr lang="en-US" dirty="0" smtClean="0"/>
-              <a:t>Development Environment</a:t>
-            </a:r>
-            <a:endParaRPr lang="en-US" dirty="0" smtClean="0"/>
-          </a:p>
-          <a:p>
-            <a:pPr lvl="1"/>
-            <a:r>
-              <a:rPr lang="en-US" sz="2000" dirty="0" smtClean="0">
-                <a:solidFill>
-                  <a:schemeClr val="tx1"/>
-                </a:solidFill>
-              </a:rPr>
-              <a:t>Software environment:</a:t>
-            </a:r>
-          </a:p>
-          <a:p>
-            <a:pPr lvl="2"/>
-            <a:r>
-              <a:rPr lang="en-US" sz="2000" dirty="0" smtClean="0">
-                <a:solidFill>
-                  <a:schemeClr val="tx1"/>
-                </a:solidFill>
-              </a:rPr>
-              <a:t>OS: window 7 professional</a:t>
-            </a:r>
-          </a:p>
-          <a:p>
-            <a:pPr lvl="2"/>
-            <a:r>
-              <a:rPr lang="en-US" sz="2000" dirty="0" smtClean="0">
-                <a:solidFill>
-                  <a:schemeClr val="tx1"/>
-                </a:solidFill>
-              </a:rPr>
-              <a:t>WAMP server</a:t>
-            </a:r>
-          </a:p>
-          <a:p>
-            <a:pPr lvl="3"/>
-            <a:r>
-              <a:rPr lang="en-US" sz="1800" dirty="0">
-                <a:solidFill>
-                  <a:schemeClr val="tx1"/>
-                </a:solidFill>
-              </a:rPr>
-              <a:t>Apache Tomcat version 2.2.21</a:t>
-            </a:r>
-            <a:endParaRPr lang="en-US" sz="1100" dirty="0">
+              <a:t>Environment</a:t>
+            </a:r>
+            <a:endParaRPr lang="en-US" dirty="0" smtClean="0">
               <a:solidFill>
                 <a:schemeClr val="tx1"/>
               </a:solidFill>
             </a:endParaRPr>
           </a:p>
           <a:p>
-            <a:pPr lvl="3"/>
-            <a:r>
-              <a:rPr lang="en-US" sz="1800" dirty="0">
+            <a:pPr lvl="1"/>
+            <a:r>
+              <a:rPr lang="en-US" sz="2000" b="1" dirty="0" smtClean="0">
                 <a:solidFill>
                   <a:schemeClr val="tx1"/>
                 </a:solidFill>
               </a:rPr>
-              <a:t>PHP version 5.3.10</a:t>
-            </a:r>
-            <a:endParaRPr lang="en-US" sz="1100" dirty="0">
+              <a:t>Open </a:t>
+            </a:r>
+            <a:r>
+              <a:rPr lang="en-US" sz="2000" b="1" dirty="0">
+                <a:solidFill>
+                  <a:schemeClr val="tx1"/>
+                </a:solidFill>
+              </a:rPr>
+              <a:t>sources:</a:t>
+            </a:r>
+          </a:p>
+          <a:p>
+            <a:pPr lvl="2"/>
+            <a:r>
+              <a:rPr lang="en-US" sz="2000" dirty="0" err="1">
+                <a:solidFill>
+                  <a:schemeClr val="tx1"/>
+                </a:solidFill>
+              </a:rPr>
+              <a:t>iGiveTest</a:t>
+            </a:r>
+            <a:r>
+              <a:rPr lang="en-US" sz="2000" dirty="0">
+                <a:solidFill>
+                  <a:schemeClr val="tx1"/>
+                </a:solidFill>
+              </a:rPr>
+              <a:t> 2.0 open source –Create online tests and quizzes</a:t>
+            </a:r>
+          </a:p>
+          <a:p>
+            <a:pPr lvl="2"/>
+            <a:r>
+              <a:rPr lang="en-US" sz="2000" dirty="0" err="1">
+                <a:solidFill>
+                  <a:schemeClr val="tx1"/>
+                </a:solidFill>
+              </a:rPr>
+              <a:t>Phpbb</a:t>
+            </a:r>
+            <a:r>
+              <a:rPr lang="en-US" sz="2000" dirty="0">
+                <a:solidFill>
+                  <a:schemeClr val="tx1"/>
+                </a:solidFill>
+              </a:rPr>
+              <a:t> 3.0 open source – a popular Internet forum </a:t>
+            </a:r>
+            <a:r>
+              <a:rPr lang="en-US" sz="2000" dirty="0" smtClean="0">
+                <a:solidFill>
+                  <a:schemeClr val="tx1"/>
+                </a:solidFill>
+              </a:rPr>
+              <a:t>package</a:t>
+            </a:r>
+          </a:p>
+          <a:p>
+            <a:pPr marL="914400" lvl="2" indent="0">
+              <a:buNone/>
+            </a:pPr>
+            <a:endParaRPr lang="en-US" sz="2000" dirty="0">
               <a:solidFill>
                 <a:schemeClr val="tx1"/>
               </a:solidFill>
             </a:endParaRPr>
           </a:p>
           <a:p>
-            <a:pPr lvl="3"/>
-            <a:r>
-              <a:rPr lang="en-US" sz="1800" dirty="0">
+            <a:pPr lvl="1"/>
+            <a:r>
+              <a:rPr lang="en-US" sz="2000" b="1" dirty="0">
                 <a:solidFill>
                   <a:schemeClr val="tx1"/>
                 </a:solidFill>
               </a:rPr>
-              <a:t>MySQL version </a:t>
-            </a:r>
-            <a:r>
-              <a:rPr lang="en-US" sz="1800" dirty="0" smtClean="0">
-                <a:solidFill>
-                  <a:schemeClr val="tx1"/>
-                </a:solidFill>
-              </a:rPr>
-              <a:t>5.5.20</a:t>
-            </a:r>
-          </a:p>
-          <a:p>
-            <a:pPr lvl="2"/>
-            <a:r>
-              <a:rPr lang="en-US" sz="2000" dirty="0" err="1" smtClean="0">
-                <a:solidFill>
-                  <a:schemeClr val="tx1"/>
-                </a:solidFill>
-              </a:rPr>
-              <a:t>Joomla</a:t>
-            </a:r>
-            <a:r>
-              <a:rPr lang="en-US" sz="2000" dirty="0" smtClean="0">
-                <a:solidFill>
-                  <a:schemeClr val="tx1"/>
-                </a:solidFill>
-              </a:rPr>
-              <a:t> 1.5 framework</a:t>
-            </a:r>
-          </a:p>
-          <a:p>
-            <a:pPr lvl="2"/>
-            <a:r>
-              <a:rPr lang="en-US" sz="2000" dirty="0" smtClean="0">
-                <a:solidFill>
-                  <a:schemeClr val="tx1"/>
-                </a:solidFill>
-              </a:rPr>
-              <a:t>Web-browser : </a:t>
-            </a:r>
-            <a:r>
-              <a:rPr lang="en-US" sz="2000" dirty="0" err="1" smtClean="0">
-                <a:solidFill>
-                  <a:schemeClr val="tx1"/>
-                </a:solidFill>
-              </a:rPr>
-              <a:t>firefox</a:t>
-            </a:r>
-            <a:r>
-              <a:rPr lang="en-US" sz="2000" dirty="0" smtClean="0">
-                <a:solidFill>
-                  <a:schemeClr val="tx1"/>
-                </a:solidFill>
-              </a:rPr>
-              <a:t> 14</a:t>
-            </a:r>
-          </a:p>
-          <a:p>
-            <a:pPr lvl="1"/>
+              <a:t>Tools selection </a:t>
+            </a:r>
             <a:r>
               <a:rPr lang="en-US" sz="2000" dirty="0">
                 <a:solidFill>
                   <a:schemeClr val="tx1"/>
                 </a:solidFill>
               </a:rPr>
-              <a:t>Open </a:t>
-            </a:r>
-            <a:r>
-              <a:rPr lang="en-US" sz="2000" dirty="0" smtClean="0">
-                <a:solidFill>
-                  <a:schemeClr val="tx1"/>
-                </a:solidFill>
-              </a:rPr>
-              <a:t>sources:</a:t>
+              <a:t>:</a:t>
             </a:r>
           </a:p>
           <a:p>
             <a:pPr lvl="2"/>
-            <a:r>
-              <a:rPr lang="en-US" sz="2000" dirty="0" err="1">
-                <a:solidFill>
-                  <a:schemeClr val="tx1"/>
-                </a:solidFill>
-              </a:rPr>
-              <a:t>iGiveTest</a:t>
-            </a:r>
             <a:r>
               <a:rPr lang="en-US" sz="2000" dirty="0">
                 <a:solidFill>
                   <a:schemeClr val="tx1"/>
                 </a:solidFill>
               </a:rPr>
-              <a:t> 2.0 open source –Create online tests and quizzes</a:t>
+              <a:t>Microsoft Project 2007 – a project management software</a:t>
             </a:r>
           </a:p>
           <a:p>
             <a:pPr lvl="2"/>
-            <a:r>
-              <a:rPr lang="en-US" sz="2000" dirty="0" err="1">
-                <a:solidFill>
-                  <a:schemeClr val="tx1"/>
-                </a:solidFill>
-              </a:rPr>
-              <a:t>Phpbb</a:t>
-            </a:r>
             <a:r>
               <a:rPr lang="en-US" sz="2000" dirty="0">
                 <a:solidFill>
                   <a:schemeClr val="tx1"/>
                 </a:solidFill>
               </a:rPr>
-              <a:t> 3.0 open source – a popular Internet forum </a:t>
-            </a:r>
-            <a:r>
-              <a:rPr lang="en-US" sz="2000" dirty="0" smtClean="0">
-                <a:solidFill>
-                  <a:schemeClr val="tx1"/>
-                </a:solidFill>
-              </a:rPr>
-              <a:t>package</a:t>
+              <a:t>Smart Draw 2010 – Create flowcharts, project charts</a:t>
             </a:r>
           </a:p>
           <a:p>
-            <a:pPr lvl="1"/>
-            <a:r>
-              <a:rPr lang="en-US" sz="2000" dirty="0" smtClean="0">
-                <a:solidFill>
-                  <a:schemeClr val="tx1"/>
-                </a:solidFill>
-              </a:rPr>
-              <a:t>Tools </a:t>
-            </a:r>
-            <a:r>
-              <a:rPr lang="en-US" sz="2000" dirty="0">
-                <a:solidFill>
-                  <a:schemeClr val="tx1"/>
-                </a:solidFill>
-              </a:rPr>
-              <a:t>selection </a:t>
-            </a:r>
-            <a:r>
-              <a:rPr lang="en-US" sz="2000" dirty="0" smtClean="0">
-                <a:solidFill>
-                  <a:schemeClr val="tx1"/>
-                </a:solidFill>
-              </a:rPr>
-              <a:t>:</a:t>
-            </a:r>
+            <a:endParaRPr lang="en-US" dirty="0"/>
           </a:p>
+        </p:txBody>
+      </p:sp>
+      <p:sp>
+        <p:nvSpPr>
+          <p:cNvPr id="4" name="Date Placeholder 3"/>
+          <p:cNvSpPr>
+            <a:spLocks noGrp="1"/>
+          </p:cNvSpPr>
+          <p:nvPr>
+            <p:ph type="dt" sz="half" idx="10"/>
+          </p:nvPr>
+        </p:nvSpPr>
+        <p:spPr/>
+        <p:txBody>
+          <a:bodyPr/>
+          <a:lstStyle/>
           <a:p>
-            <a:pPr lvl="2"/>
-            <a:r>
-              <a:rPr lang="en-US" sz="2000" dirty="0" smtClean="0">
-                <a:solidFill>
-                  <a:schemeClr val="tx1"/>
-                </a:solidFill>
-              </a:rPr>
-              <a:t>Microsoft Project 2007 – a project management software</a:t>
-            </a:r>
+            <a:r>
+              <a:rPr lang="en-US" smtClean="0"/>
+              <a:t>www.themegallery.com</a:t>
+            </a:r>
+            <a:endParaRPr lang="en-US"/>
           </a:p>
+        </p:txBody>
+      </p:sp>
+      <p:sp>
+        <p:nvSpPr>
+          <p:cNvPr id="5" name="Footer Placeholder 4"/>
+          <p:cNvSpPr>
+            <a:spLocks noGrp="1"/>
+          </p:cNvSpPr>
+          <p:nvPr>
+            <p:ph type="ftr" sz="quarter" idx="11"/>
+          </p:nvPr>
+        </p:nvSpPr>
+        <p:spPr/>
+        <p:txBody>
+          <a:bodyPr/>
+          <a:lstStyle/>
           <a:p>
-            <a:pPr lvl="2"/>
-            <a:r>
-              <a:rPr lang="en-US" sz="2000" dirty="0" smtClean="0">
-                <a:solidFill>
-                  <a:schemeClr val="tx1"/>
-                </a:solidFill>
-              </a:rPr>
-              <a:t>Smart Draw 2010 – Create flowcharts, project charts</a:t>
-            </a:r>
-            <a:endParaRPr lang="en-US" sz="2000" dirty="0">
-              <a:solidFill>
-                <a:schemeClr val="tx1"/>
-              </a:solidFill>
-            </a:endParaRPr>
+            <a:r>
+              <a:rPr lang="en-US" smtClean="0"/>
+              <a:t>Company Logo</a:t>
+            </a:r>
+            <a:endParaRPr lang="en-US"/>
           </a:p>
         </p:txBody>
       </p:sp>
     </p:spTree>
     <p:extLst>
       <p:ext uri="{BB962C8B-B14F-4D97-AF65-F5344CB8AC3E}">
-        <p14:creationId xmlns:p14="http://schemas.microsoft.com/office/powerpoint/2010/main" val="2917690252"/>
+        <p14:creationId xmlns:p14="http://schemas.microsoft.com/office/powerpoint/2010/main" val="4129225617"/>
       </p:ext>
     </p:extLst>
   </p:cSld>
@@ -43514,7 +42606,7 @@
         </p:nvSpPr>
         <p:spPr bwMode="gray">
           <a:xfrm>
-            <a:off x="2969213" y="1199065"/>
+            <a:off x="2988290" y="1291808"/>
             <a:ext cx="4400416" cy="461665"/>
           </a:xfrm>
           <a:prstGeom prst="rect">
@@ -43557,15 +42649,7 @@
                 <a:ea typeface="Arial"/>
                 <a:cs typeface="Arial"/>
               </a:rPr>
-              <a:t>ll tasks of project finish on time</a:t>
-            </a:r>
-            <a:r>
-              <a:rPr lang="en-US" sz="1600" b="1" dirty="0" smtClean="0">
-                <a:latin typeface="Arial"/>
-                <a:ea typeface="Arial"/>
-                <a:cs typeface="Arial"/>
-              </a:rPr>
-              <a:t>.</a:t>
+              <a:t>ll tasks of project finish on time.</a:t>
             </a:r>
             <a:endParaRPr lang="vi-VN" sz="1600" dirty="0">
               <a:latin typeface="Arial"/>
@@ -43661,7 +42745,7 @@
         </p:nvSpPr>
         <p:spPr bwMode="gray">
           <a:xfrm>
-            <a:off x="3007367" y="2349640"/>
+            <a:off x="3007367" y="2411999"/>
             <a:ext cx="4362262" cy="461665"/>
           </a:xfrm>
           <a:prstGeom prst="rect">
@@ -43696,15 +42780,7 @@
                 <a:ea typeface="Times New Roman"/>
                 <a:cs typeface="Arial"/>
               </a:rPr>
-              <a:t>All </a:t>
-            </a:r>
-            <a:r>
-              <a:rPr lang="en-US" sz="1600" b="1" dirty="0" smtClean="0">
-                <a:latin typeface="Arial"/>
-                <a:ea typeface="Times New Roman"/>
-                <a:cs typeface="Arial"/>
-              </a:rPr>
-              <a:t>functions satisfy with quality plan</a:t>
+              <a:t>All functions satisfy with quality plan</a:t>
             </a:r>
             <a:endParaRPr lang="vi-VN" sz="1600" dirty="0">
               <a:latin typeface="Arial"/>
@@ -44322,23 +43398,7 @@
                 <a:ea typeface="Arial"/>
                 <a:cs typeface="Times New Roman"/>
               </a:rPr>
-              <a:t>Database has minimum 2000 </a:t>
-            </a:r>
-            <a:r>
-              <a:rPr lang="en-US" sz="1600" b="1" dirty="0" smtClean="0">
-                <a:latin typeface="Arial"/>
-                <a:ea typeface="Arial"/>
-                <a:cs typeface="Times New Roman"/>
-              </a:rPr>
-              <a:t>question banks</a:t>
-            </a:r>
-            <a:r>
-              <a:rPr lang="en-US" sz="1600" b="1" dirty="0" smtClean="0">
-                <a:latin typeface="Arial"/>
-                <a:ea typeface="Arial"/>
-                <a:cs typeface="Times New Roman"/>
-              </a:rPr>
-              <a:t>.</a:t>
+              <a:t>Database has minimum 2000 question banks.</a:t>
             </a:r>
             <a:endParaRPr lang="vi-VN" sz="1600" b="1" dirty="0">
               <a:latin typeface="Arial"/>
@@ -47251,7 +46311,7 @@
           <a:graphicData uri="http://schemas.openxmlformats.org/presentationml/2006/ole">
             <mc:AlternateContent xmlns:mc="http://schemas.openxmlformats.org/markup-compatibility/2006">
               <mc:Choice xmlns:v="urn:schemas-microsoft-com:vml" Requires="v">
-                <p:oleObj spid="_x0000_s6267" name="SmartDraw" r:id="rId3" imgW="8703268" imgH="4533499" progId="SmartDraw.2">
+                <p:oleObj spid="_x0000_s6286" name="SmartDraw" r:id="rId3" imgW="8703268" imgH="4533499" progId="SmartDraw.2">
                   <p:embed/>
                 </p:oleObj>
               </mc:Choice>
@@ -49995,11 +49055,7 @@
           <a:p>
             <a:r>
               <a:rPr lang="en-US" dirty="0" smtClean="0"/>
-              <a:t>Test </a:t>
-            </a:r>
-            <a:r>
-              <a:rPr lang="en-US" dirty="0" smtClean="0"/>
-              <a:t>result:</a:t>
+              <a:t>Test result:</a:t>
             </a:r>
             <a:endParaRPr lang="en-US" dirty="0"/>
           </a:p>
@@ -50161,14 +49217,7 @@
                           <a:latin typeface="Arial" pitchFamily="34" charset="0"/>
                           <a:cs typeface="Arial" pitchFamily="34" charset="0"/>
                         </a:rPr>
-                        <a:t>  </a:t>
-                      </a:r>
-                      <a:r>
-                        <a:rPr lang="en-US" baseline="0" dirty="0" smtClean="0">
-                          <a:latin typeface="Arial" pitchFamily="34" charset="0"/>
-                          <a:cs typeface="Arial" pitchFamily="34" charset="0"/>
-                        </a:rPr>
-                        <a:t>test case</a:t>
+                        <a:t>  test case</a:t>
                       </a:r>
                       <a:endParaRPr lang="en-US" dirty="0">
                         <a:latin typeface="Arial" pitchFamily="34" charset="0"/>
@@ -55585,7 +54634,7 @@
         <p:spPr>
           <a:xfrm>
             <a:off x="304800" y="1034534"/>
-            <a:ext cx="6654572" cy="369332"/>
+            <a:ext cx="6654572" cy="461665"/>
           </a:xfrm>
           <a:prstGeom prst="rect">
             <a:avLst/>
@@ -55599,10 +54648,14 @@
           <a:lstStyle/>
           <a:p>
             <a:r>
-              <a:rPr lang="en-US" dirty="0" smtClean="0"/>
+              <a:rPr lang="en-US" sz="2400" dirty="0" smtClean="0">
+                <a:latin typeface="+mn-lt"/>
+              </a:rPr>
               <a:t>We decide to develop a system with sites below:</a:t>
             </a:r>
-            <a:endParaRPr lang="en-US" dirty="0"/>
+            <a:endParaRPr lang="en-US" sz="2400" dirty="0">
+              <a:latin typeface="+mn-lt"/>
+            </a:endParaRPr>
           </a:p>
         </p:txBody>
       </p:sp>

--- a/Document/Final report/Slide Present E-Learning.pptx
+++ b/Document/Final report/Slide Present E-Learning.pptx
@@ -5,7 +5,7 @@
     <p:sldMasterId id="2147483658" r:id="rId2"/>
   </p:sldMasterIdLst>
   <p:notesMasterIdLst>
-    <p:notesMasterId r:id="rId39"/>
+    <p:notesMasterId r:id="rId37"/>
   </p:notesMasterIdLst>
   <p:sldIdLst>
     <p:sldId id="256" r:id="rId3"/>
@@ -26,24 +26,22 @@
     <p:sldId id="345" r:id="rId18"/>
     <p:sldId id="311" r:id="rId19"/>
     <p:sldId id="310" r:id="rId20"/>
-    <p:sldId id="327" r:id="rId21"/>
-    <p:sldId id="326" r:id="rId22"/>
-    <p:sldId id="324" r:id="rId23"/>
-    <p:sldId id="309" r:id="rId24"/>
-    <p:sldId id="308" r:id="rId25"/>
-    <p:sldId id="328" r:id="rId26"/>
-    <p:sldId id="307" r:id="rId27"/>
-    <p:sldId id="312" r:id="rId28"/>
-    <p:sldId id="315" r:id="rId29"/>
-    <p:sldId id="332" r:id="rId30"/>
-    <p:sldId id="313" r:id="rId31"/>
-    <p:sldId id="329" r:id="rId32"/>
-    <p:sldId id="342" r:id="rId33"/>
-    <p:sldId id="344" r:id="rId34"/>
-    <p:sldId id="317" r:id="rId35"/>
-    <p:sldId id="318" r:id="rId36"/>
-    <p:sldId id="316" r:id="rId37"/>
-    <p:sldId id="276" r:id="rId38"/>
+    <p:sldId id="326" r:id="rId21"/>
+    <p:sldId id="309" r:id="rId22"/>
+    <p:sldId id="308" r:id="rId23"/>
+    <p:sldId id="328" r:id="rId24"/>
+    <p:sldId id="307" r:id="rId25"/>
+    <p:sldId id="312" r:id="rId26"/>
+    <p:sldId id="315" r:id="rId27"/>
+    <p:sldId id="332" r:id="rId28"/>
+    <p:sldId id="313" r:id="rId29"/>
+    <p:sldId id="329" r:id="rId30"/>
+    <p:sldId id="342" r:id="rId31"/>
+    <p:sldId id="344" r:id="rId32"/>
+    <p:sldId id="317" r:id="rId33"/>
+    <p:sldId id="318" r:id="rId34"/>
+    <p:sldId id="316" r:id="rId35"/>
+    <p:sldId id="276" r:id="rId36"/>
   </p:sldIdLst>
   <p:sldSz cx="9144000" cy="6858000" type="screen4x3"/>
   <p:notesSz cx="6858000" cy="9144000"/>
@@ -8007,7 +8005,11 @@
         <a:p>
           <a:r>
             <a:rPr lang="en-US" b="1" dirty="0" smtClean="0"/>
-            <a:t>Code is designed following </a:t>
+            <a:t>Changeability: Code </a:t>
+          </a:r>
+          <a:r>
+            <a:rPr lang="en-US" b="1" dirty="0" smtClean="0"/>
+            <a:t>is designed following </a:t>
           </a:r>
           <a:r>
             <a:rPr lang="en-US" b="1" dirty="0" err="1" smtClean="0"/>
@@ -8015,7 +8017,11 @@
           </a:r>
           <a:r>
             <a:rPr lang="en-US" b="1" dirty="0" smtClean="0"/>
-            <a:t> standard.</a:t>
+            <a:t> </a:t>
+          </a:r>
+          <a:r>
+            <a:rPr lang="en-US" b="1" dirty="0" smtClean="0"/>
+            <a:t>standard, divided as components.</a:t>
           </a:r>
           <a:endParaRPr lang="en-US" b="1" dirty="0"/>
         </a:p>
@@ -8052,7 +8058,11 @@
         <a:p>
           <a:r>
             <a:rPr lang="en-US" b="1" dirty="0" smtClean="0"/>
-            <a:t>Having comment codes to help figure out.</a:t>
+            <a:t>Analyzability: Having </a:t>
+          </a:r>
+          <a:r>
+            <a:rPr lang="en-US" b="1" dirty="0" smtClean="0"/>
+            <a:t>comment codes to help figure out.</a:t>
           </a:r>
           <a:endParaRPr lang="en-US" b="1" dirty="0"/>
         </a:p>
@@ -8126,7 +8136,11 @@
         <a:p>
           <a:r>
             <a:rPr lang="en-US" b="1" dirty="0" smtClean="0"/>
-            <a:t>Simple design</a:t>
+            <a:t>Understandability: Simple </a:t>
+          </a:r>
+          <a:r>
+            <a:rPr lang="en-US" b="1" dirty="0" smtClean="0"/>
+            <a:t>design</a:t>
           </a:r>
           <a:endParaRPr lang="en-US" b="1" dirty="0"/>
         </a:p>
@@ -8163,7 +8177,11 @@
         <a:p>
           <a:r>
             <a:rPr lang="en-US" b="1" dirty="0" smtClean="0"/>
-            <a:t>Buttons are few and big to easy to click.</a:t>
+            <a:t>Usable: Buttons </a:t>
+          </a:r>
+          <a:r>
+            <a:rPr lang="en-US" b="1" dirty="0" smtClean="0"/>
+            <a:t>are few and big to easy to click.</a:t>
           </a:r>
           <a:endParaRPr lang="en-US" b="1" dirty="0"/>
         </a:p>
@@ -8236,8 +8254,12 @@
         <a:lstStyle/>
         <a:p>
           <a:r>
+            <a:rPr lang="en-US" b="1" smtClean="0"/>
+            <a:t>Adaptability: Using </a:t>
+          </a:r>
+          <a:r>
             <a:rPr lang="en-US" b="1" dirty="0" smtClean="0"/>
-            <a:t>Using PHP to develop.</a:t>
+            <a:t>PHP to develop.</a:t>
           </a:r>
           <a:endParaRPr lang="en-US" b="1" dirty="0"/>
         </a:p>
@@ -8454,8 +8476,8 @@
     <dgm:cxn modelId="{5958A3E7-5773-4BE0-9D04-DA1456EC3592}" type="presOf" srcId="{0E978F52-B9E9-49F2-A774-758321E4451D}" destId="{FF610F31-FA87-446D-9CFF-9000735AAD62}" srcOrd="0" destOrd="2" presId="urn:microsoft.com/office/officeart/2005/8/layout/vList4"/>
     <dgm:cxn modelId="{B2F200AD-8EE4-48B4-B781-FA304BE4F1BF}" type="presOf" srcId="{53A0A517-3DCC-4BCC-8336-45C6949D59C4}" destId="{8F4F3AEE-9C65-4304-B42D-27615755F50F}" srcOrd="1" destOrd="0" presId="urn:microsoft.com/office/officeart/2005/8/layout/vList4"/>
     <dgm:cxn modelId="{AFDC454B-8DA5-4F7F-B671-6A5B664B9D47}" srcId="{A7427995-0A0B-4748-86D4-D050EA8AE0E1}" destId="{22ED8A83-3B39-41D2-BB7F-FC4422A19A17}" srcOrd="0" destOrd="0" parTransId="{1A300099-F111-4A29-9519-78E9DCD1D0E0}" sibTransId="{9B84895B-86FE-425D-A3D4-E48AD4556B36}"/>
+    <dgm:cxn modelId="{79B3729B-8402-442B-B116-8C13FF58CA2A}" srcId="{5AF3859D-02AC-4411-BC99-AFA82C677F1F}" destId="{E3CC3295-5406-4E42-8659-8CAAC24F86CF}" srcOrd="0" destOrd="0" parTransId="{59733A78-E9C1-449C-BF7F-D26CDAE3E9AE}" sibTransId="{5224D1B3-E339-4975-830D-F355F623C6D9}"/>
     <dgm:cxn modelId="{75B59436-68AB-40C6-B9AC-97F92A5B2B20}" srcId="{628CABA7-E17A-49BB-8C4F-879353F375D9}" destId="{5AF3859D-02AC-4411-BC99-AFA82C677F1F}" srcOrd="2" destOrd="0" parTransId="{C47B21B3-EA0F-405C-B768-E3A329267F78}" sibTransId="{E1CBCFF7-0EBC-42B7-A319-8DF12943EFC3}"/>
-    <dgm:cxn modelId="{79B3729B-8402-442B-B116-8C13FF58CA2A}" srcId="{5AF3859D-02AC-4411-BC99-AFA82C677F1F}" destId="{E3CC3295-5406-4E42-8659-8CAAC24F86CF}" srcOrd="0" destOrd="0" parTransId="{59733A78-E9C1-449C-BF7F-D26CDAE3E9AE}" sibTransId="{5224D1B3-E339-4975-830D-F355F623C6D9}"/>
     <dgm:cxn modelId="{E42DEBA0-FE63-4034-BCC7-BD16404F82FA}" type="presOf" srcId="{0E978F52-B9E9-49F2-A774-758321E4451D}" destId="{8F4F3AEE-9C65-4304-B42D-27615755F50F}" srcOrd="1" destOrd="2" presId="urn:microsoft.com/office/officeart/2005/8/layout/vList4"/>
     <dgm:cxn modelId="{921B3E89-5895-4EC5-B15B-468B53E8360F}" type="presOf" srcId="{E3CC3295-5406-4E42-8659-8CAAC24F86CF}" destId="{C2030306-4C9A-4832-ABBB-2E9A66BD91E5}" srcOrd="1" destOrd="1" presId="urn:microsoft.com/office/officeart/2005/8/layout/vList4"/>
     <dgm:cxn modelId="{A02D1307-A6E6-4F91-8C5D-BFC4D3F6A81D}" type="presOf" srcId="{E420F95F-0174-479A-A661-C23F076EE8D4}" destId="{BB84DB34-BA67-4F32-ADA4-2380B8C83095}" srcOrd="0" destOrd="2" presId="urn:microsoft.com/office/officeart/2005/8/layout/vList4"/>
@@ -12828,7 +12850,7 @@
       <dsp:spPr>
         <a:xfrm>
           <a:off x="0" y="0"/>
-          <a:ext cx="7086600" cy="1523999"/>
+          <a:ext cx="8458200" cy="1523999"/>
         </a:xfrm>
         <a:prstGeom prst="roundRect">
           <a:avLst>
@@ -12871,12 +12893,12 @@
         </a:fontRef>
       </dsp:style>
       <dsp:txBody>
-        <a:bodyPr spcFirstLastPara="0" vert="horz" wrap="square" lIns="99060" tIns="99060" rIns="99060" bIns="99060" numCol="1" spcCol="1270" anchor="t" anchorCtr="0">
+        <a:bodyPr spcFirstLastPara="0" vert="horz" wrap="square" lIns="91440" tIns="91440" rIns="91440" bIns="91440" numCol="1" spcCol="1270" anchor="t" anchorCtr="0">
           <a:noAutofit/>
         </a:bodyPr>
         <a:lstStyle/>
         <a:p>
-          <a:pPr lvl="0" algn="l" defTabSz="1155700">
+          <a:pPr lvl="0" algn="l" defTabSz="1066800">
             <a:lnSpc>
               <a:spcPct val="90000"/>
             </a:lnSpc>
@@ -12888,13 +12910,13 @@
             </a:spcAft>
           </a:pPr>
           <a:r>
-            <a:rPr lang="en-US" sz="2600" b="1" kern="1200" dirty="0" smtClean="0"/>
+            <a:rPr lang="en-US" sz="2400" b="1" kern="1200" dirty="0" smtClean="0"/>
             <a:t>Maintainability</a:t>
           </a:r>
-          <a:endParaRPr lang="en-US" sz="2600" b="1" kern="1200" dirty="0"/>
+          <a:endParaRPr lang="en-US" sz="2400" b="1" kern="1200" dirty="0"/>
         </a:p>
         <a:p>
-          <a:pPr marL="228600" lvl="1" indent="-228600" algn="l" defTabSz="889000">
+          <a:pPr marL="171450" lvl="1" indent="-171450" algn="l" defTabSz="844550">
             <a:lnSpc>
               <a:spcPct val="90000"/>
             </a:lnSpc>
@@ -12907,21 +12929,29 @@
             <a:buChar char="••"/>
           </a:pPr>
           <a:r>
-            <a:rPr lang="en-US" sz="2000" b="1" kern="1200" dirty="0" smtClean="0"/>
-            <a:t>Code is designed following </a:t>
+            <a:rPr lang="en-US" sz="1900" b="1" kern="1200" dirty="0" smtClean="0"/>
+            <a:t>Changeability: Code </a:t>
           </a:r>
           <a:r>
-            <a:rPr lang="en-US" sz="2000" b="1" kern="1200" dirty="0" err="1" smtClean="0"/>
+            <a:rPr lang="en-US" sz="1900" b="1" kern="1200" dirty="0" smtClean="0"/>
+            <a:t>is designed following </a:t>
+          </a:r>
+          <a:r>
+            <a:rPr lang="en-US" sz="1900" b="1" kern="1200" dirty="0" err="1" smtClean="0"/>
             <a:t>Joomla</a:t>
           </a:r>
           <a:r>
-            <a:rPr lang="en-US" sz="2000" b="1" kern="1200" dirty="0" smtClean="0"/>
-            <a:t> standard.</a:t>
+            <a:rPr lang="en-US" sz="1900" b="1" kern="1200" dirty="0" smtClean="0"/>
+            <a:t> </a:t>
           </a:r>
-          <a:endParaRPr lang="en-US" sz="2000" b="1" kern="1200" dirty="0"/>
+          <a:r>
+            <a:rPr lang="en-US" sz="1900" b="1" kern="1200" dirty="0" smtClean="0"/>
+            <a:t>standard, divided as components.</a:t>
+          </a:r>
+          <a:endParaRPr lang="en-US" sz="1900" b="1" kern="1200" dirty="0"/>
         </a:p>
         <a:p>
-          <a:pPr marL="228600" lvl="1" indent="-228600" algn="l" defTabSz="889000">
+          <a:pPr marL="171450" lvl="1" indent="-171450" algn="l" defTabSz="844550">
             <a:lnSpc>
               <a:spcPct val="90000"/>
             </a:lnSpc>
@@ -12934,15 +12964,19 @@
             <a:buChar char="••"/>
           </a:pPr>
           <a:r>
-            <a:rPr lang="en-US" sz="2000" b="1" kern="1200" dirty="0" smtClean="0"/>
-            <a:t>Having comment codes to help figure out.</a:t>
+            <a:rPr lang="en-US" sz="1900" b="1" kern="1200" dirty="0" smtClean="0"/>
+            <a:t>Analyzability: Having </a:t>
           </a:r>
-          <a:endParaRPr lang="en-US" sz="2000" b="1" kern="1200" dirty="0"/>
+          <a:r>
+            <a:rPr lang="en-US" sz="1900" b="1" kern="1200" dirty="0" smtClean="0"/>
+            <a:t>comment codes to help figure out.</a:t>
+          </a:r>
+          <a:endParaRPr lang="en-US" sz="1900" b="1" kern="1200" dirty="0"/>
         </a:p>
       </dsp:txBody>
       <dsp:txXfrm>
-        <a:off x="1569719" y="0"/>
-        <a:ext cx="5516880" cy="1523999"/>
+        <a:off x="1844040" y="0"/>
+        <a:ext cx="6614160" cy="1523999"/>
       </dsp:txXfrm>
     </dsp:sp>
     <dsp:sp modelId="{BEEFFAAC-A8CD-4433-8EDA-5737C85AB46F}">
@@ -12952,8 +12986,8 @@
       </dsp:nvSpPr>
       <dsp:spPr>
         <a:xfrm>
-          <a:off x="152399" y="152399"/>
-          <a:ext cx="1417320" cy="1219199"/>
+          <a:off x="152400" y="152399"/>
+          <a:ext cx="1691640" cy="1219199"/>
         </a:xfrm>
         <a:prstGeom prst="roundRect">
           <a:avLst>
@@ -13007,7 +13041,7 @@
       <dsp:spPr>
         <a:xfrm>
           <a:off x="0" y="1676399"/>
-          <a:ext cx="7086600" cy="1523999"/>
+          <a:ext cx="8458200" cy="1523999"/>
         </a:xfrm>
         <a:prstGeom prst="roundRect">
           <a:avLst>
@@ -13050,12 +13084,12 @@
         </a:fontRef>
       </dsp:style>
       <dsp:txBody>
-        <a:bodyPr spcFirstLastPara="0" vert="horz" wrap="square" lIns="99060" tIns="99060" rIns="99060" bIns="99060" numCol="1" spcCol="1270" anchor="t" anchorCtr="0">
+        <a:bodyPr spcFirstLastPara="0" vert="horz" wrap="square" lIns="91440" tIns="91440" rIns="91440" bIns="91440" numCol="1" spcCol="1270" anchor="t" anchorCtr="0">
           <a:noAutofit/>
         </a:bodyPr>
         <a:lstStyle/>
         <a:p>
-          <a:pPr lvl="0" algn="l" defTabSz="1155700">
+          <a:pPr lvl="0" algn="l" defTabSz="1066800">
             <a:lnSpc>
               <a:spcPct val="90000"/>
             </a:lnSpc>
@@ -13067,13 +13101,13 @@
             </a:spcAft>
           </a:pPr>
           <a:r>
-            <a:rPr lang="en-US" sz="2600" b="1" kern="1200" dirty="0" smtClean="0"/>
+            <a:rPr lang="en-US" sz="2400" b="1" kern="1200" dirty="0" smtClean="0"/>
             <a:t>Usability</a:t>
           </a:r>
-          <a:endParaRPr lang="en-US" sz="2600" b="1" kern="1200" dirty="0"/>
+          <a:endParaRPr lang="en-US" sz="2400" b="1" kern="1200" dirty="0"/>
         </a:p>
         <a:p>
-          <a:pPr marL="228600" lvl="1" indent="-228600" algn="l" defTabSz="889000">
+          <a:pPr marL="171450" lvl="1" indent="-171450" algn="l" defTabSz="844550">
             <a:lnSpc>
               <a:spcPct val="90000"/>
             </a:lnSpc>
@@ -13086,13 +13120,17 @@
             <a:buChar char="••"/>
           </a:pPr>
           <a:r>
-            <a:rPr lang="en-US" sz="2000" b="1" kern="1200" dirty="0" smtClean="0"/>
-            <a:t>Simple design</a:t>
+            <a:rPr lang="en-US" sz="1900" b="1" kern="1200" dirty="0" smtClean="0"/>
+            <a:t>Understandability: Simple </a:t>
           </a:r>
-          <a:endParaRPr lang="en-US" sz="2000" b="1" kern="1200" dirty="0"/>
+          <a:r>
+            <a:rPr lang="en-US" sz="1900" b="1" kern="1200" dirty="0" smtClean="0"/>
+            <a:t>design</a:t>
+          </a:r>
+          <a:endParaRPr lang="en-US" sz="1900" b="1" kern="1200" dirty="0"/>
         </a:p>
         <a:p>
-          <a:pPr marL="228600" lvl="1" indent="-228600" algn="l" defTabSz="889000">
+          <a:pPr marL="171450" lvl="1" indent="-171450" algn="l" defTabSz="844550">
             <a:lnSpc>
               <a:spcPct val="90000"/>
             </a:lnSpc>
@@ -13105,15 +13143,19 @@
             <a:buChar char="••"/>
           </a:pPr>
           <a:r>
-            <a:rPr lang="en-US" sz="2000" b="1" kern="1200" dirty="0" smtClean="0"/>
-            <a:t>Buttons are few and big to easy to click.</a:t>
+            <a:rPr lang="en-US" sz="1900" b="1" kern="1200" dirty="0" smtClean="0"/>
+            <a:t>Usable: Buttons </a:t>
           </a:r>
-          <a:endParaRPr lang="en-US" sz="2000" b="1" kern="1200" dirty="0"/>
+          <a:r>
+            <a:rPr lang="en-US" sz="1900" b="1" kern="1200" dirty="0" smtClean="0"/>
+            <a:t>are few and big to easy to click.</a:t>
+          </a:r>
+          <a:endParaRPr lang="en-US" sz="1900" b="1" kern="1200" dirty="0"/>
         </a:p>
       </dsp:txBody>
       <dsp:txXfrm>
-        <a:off x="1569719" y="1676399"/>
-        <a:ext cx="5516880" cy="1523999"/>
+        <a:off x="1844040" y="1676399"/>
+        <a:ext cx="6614160" cy="1523999"/>
       </dsp:txXfrm>
     </dsp:sp>
     <dsp:sp modelId="{5D1ADF10-2035-412E-BD2F-4CE3F3CD30BA}">
@@ -13123,8 +13165,8 @@
       </dsp:nvSpPr>
       <dsp:spPr>
         <a:xfrm>
-          <a:off x="152399" y="1828799"/>
-          <a:ext cx="1417320" cy="1219199"/>
+          <a:off x="152400" y="1828799"/>
+          <a:ext cx="1691640" cy="1219199"/>
         </a:xfrm>
         <a:prstGeom prst="roundRect">
           <a:avLst>
@@ -13178,7 +13220,7 @@
       <dsp:spPr>
         <a:xfrm>
           <a:off x="0" y="3352799"/>
-          <a:ext cx="7086600" cy="1523999"/>
+          <a:ext cx="8458200" cy="1523999"/>
         </a:xfrm>
         <a:prstGeom prst="roundRect">
           <a:avLst>
@@ -13221,12 +13263,12 @@
         </a:fontRef>
       </dsp:style>
       <dsp:txBody>
-        <a:bodyPr spcFirstLastPara="0" vert="horz" wrap="square" lIns="99060" tIns="99060" rIns="99060" bIns="99060" numCol="1" spcCol="1270" anchor="t" anchorCtr="0">
+        <a:bodyPr spcFirstLastPara="0" vert="horz" wrap="square" lIns="91440" tIns="91440" rIns="91440" bIns="91440" numCol="1" spcCol="1270" anchor="t" anchorCtr="0">
           <a:noAutofit/>
         </a:bodyPr>
         <a:lstStyle/>
         <a:p>
-          <a:pPr lvl="0" algn="l" defTabSz="1155700">
+          <a:pPr lvl="0" algn="l" defTabSz="1066800">
             <a:lnSpc>
               <a:spcPct val="90000"/>
             </a:lnSpc>
@@ -13238,13 +13280,13 @@
             </a:spcAft>
           </a:pPr>
           <a:r>
-            <a:rPr lang="en-US" sz="2600" b="1" kern="1200" dirty="0" smtClean="0"/>
+            <a:rPr lang="en-US" sz="2400" b="1" kern="1200" dirty="0" smtClean="0"/>
             <a:t>Portability</a:t>
           </a:r>
-          <a:endParaRPr lang="en-US" sz="2600" b="1" kern="1200" dirty="0"/>
+          <a:endParaRPr lang="en-US" sz="2400" b="1" kern="1200" dirty="0"/>
         </a:p>
         <a:p>
-          <a:pPr marL="228600" lvl="1" indent="-228600" algn="l" defTabSz="889000">
+          <a:pPr marL="171450" lvl="1" indent="-171450" algn="l" defTabSz="844550">
             <a:lnSpc>
               <a:spcPct val="90000"/>
             </a:lnSpc>
@@ -13257,15 +13299,19 @@
             <a:buChar char="••"/>
           </a:pPr>
           <a:r>
-            <a:rPr lang="en-US" sz="2000" b="1" kern="1200" dirty="0" smtClean="0"/>
-            <a:t>Using PHP to develop.</a:t>
+            <a:rPr lang="en-US" sz="1900" b="1" kern="1200" smtClean="0"/>
+            <a:t>Adaptability: Using </a:t>
           </a:r>
-          <a:endParaRPr lang="en-US" sz="2000" b="1" kern="1200" dirty="0"/>
+          <a:r>
+            <a:rPr lang="en-US" sz="1900" b="1" kern="1200" dirty="0" smtClean="0"/>
+            <a:t>PHP to develop.</a:t>
+          </a:r>
+          <a:endParaRPr lang="en-US" sz="1900" b="1" kern="1200" dirty="0"/>
         </a:p>
       </dsp:txBody>
       <dsp:txXfrm>
-        <a:off x="1569719" y="3352799"/>
-        <a:ext cx="5516880" cy="1523999"/>
+        <a:off x="1844040" y="3352799"/>
+        <a:ext cx="6614160" cy="1523999"/>
       </dsp:txXfrm>
     </dsp:sp>
     <dsp:sp modelId="{4FF0269B-E64D-46EF-A86E-48F866FA13F4}">
@@ -13275,8 +13321,8 @@
       </dsp:nvSpPr>
       <dsp:spPr>
         <a:xfrm>
-          <a:off x="152399" y="3505199"/>
-          <a:ext cx="1417320" cy="1219199"/>
+          <a:off x="152400" y="3505199"/>
+          <a:ext cx="1691640" cy="1219199"/>
         </a:xfrm>
         <a:prstGeom prst="roundRect">
           <a:avLst>
@@ -13334,919 +13380,6 @@
       <dsp:cNvGrpSpPr/>
     </dsp:nvGrpSpPr>
     <dsp:grpSpPr/>
-    <dsp:sp modelId="{04F7D65B-4585-4F69-80AC-345B806EE8C1}">
-      <dsp:nvSpPr>
-        <dsp:cNvPr id="0" name=""/>
-        <dsp:cNvSpPr/>
-      </dsp:nvSpPr>
-      <dsp:spPr>
-        <a:xfrm rot="5400000">
-          <a:off x="1005627" y="1239919"/>
-          <a:ext cx="500478" cy="487462"/>
-        </a:xfrm>
-        <a:prstGeom prst="bentUpArrow">
-          <a:avLst>
-            <a:gd name="adj1" fmla="val 32840"/>
-            <a:gd name="adj2" fmla="val 25000"/>
-            <a:gd name="adj3" fmla="val 35780"/>
-          </a:avLst>
-        </a:prstGeom>
-        <a:solidFill>
-          <a:schemeClr val="dk1">
-            <a:tint val="40000"/>
-            <a:hueOff val="0"/>
-            <a:satOff val="0"/>
-            <a:lumOff val="0"/>
-            <a:alphaOff val="0"/>
-          </a:schemeClr>
-        </a:solidFill>
-        <a:ln w="25400" cap="flat" cmpd="sng" algn="ctr">
-          <a:solidFill>
-            <a:schemeClr val="dk1">
-              <a:shade val="80000"/>
-              <a:hueOff val="0"/>
-              <a:satOff val="0"/>
-              <a:lumOff val="0"/>
-              <a:alphaOff val="0"/>
-            </a:schemeClr>
-          </a:solidFill>
-          <a:prstDash val="solid"/>
-        </a:ln>
-        <a:effectLst/>
-      </dsp:spPr>
-      <dsp:style>
-        <a:lnRef idx="2">
-          <a:scrgbClr r="0" g="0" b="0"/>
-        </a:lnRef>
-        <a:fillRef idx="1">
-          <a:scrgbClr r="0" g="0" b="0"/>
-        </a:fillRef>
-        <a:effectRef idx="0">
-          <a:scrgbClr r="0" g="0" b="0"/>
-        </a:effectRef>
-        <a:fontRef idx="minor"/>
-      </dsp:style>
-    </dsp:sp>
-    <dsp:sp modelId="{5FC1C868-35B6-4FCE-B233-D8991A112FE0}">
-      <dsp:nvSpPr>
-        <dsp:cNvPr id="0" name=""/>
-        <dsp:cNvSpPr/>
-      </dsp:nvSpPr>
-      <dsp:spPr>
-        <a:xfrm>
-          <a:off x="504637" y="45008"/>
-          <a:ext cx="1634108" cy="1010399"/>
-        </a:xfrm>
-        <a:prstGeom prst="roundRect">
-          <a:avLst>
-            <a:gd name="adj" fmla="val 16670"/>
-          </a:avLst>
-        </a:prstGeom>
-        <a:solidFill>
-          <a:schemeClr val="lt1">
-            <a:hueOff val="0"/>
-            <a:satOff val="0"/>
-            <a:lumOff val="0"/>
-            <a:alphaOff val="0"/>
-          </a:schemeClr>
-        </a:solidFill>
-        <a:ln w="25400" cap="flat" cmpd="sng" algn="ctr">
-          <a:solidFill>
-            <a:schemeClr val="dk1">
-              <a:shade val="80000"/>
-              <a:hueOff val="0"/>
-              <a:satOff val="0"/>
-              <a:lumOff val="0"/>
-              <a:alphaOff val="0"/>
-            </a:schemeClr>
-          </a:solidFill>
-          <a:prstDash val="solid"/>
-        </a:ln>
-        <a:effectLst/>
-      </dsp:spPr>
-      <dsp:style>
-        <a:lnRef idx="2">
-          <a:scrgbClr r="0" g="0" b="0"/>
-        </a:lnRef>
-        <a:fillRef idx="1">
-          <a:scrgbClr r="0" g="0" b="0"/>
-        </a:fillRef>
-        <a:effectRef idx="0">
-          <a:scrgbClr r="0" g="0" b="0"/>
-        </a:effectRef>
-        <a:fontRef idx="minor">
-          <a:schemeClr val="lt1"/>
-        </a:fontRef>
-      </dsp:style>
-      <dsp:txBody>
-        <a:bodyPr spcFirstLastPara="0" vert="horz" wrap="square" lIns="68580" tIns="68580" rIns="68580" bIns="68580" numCol="1" spcCol="1270" anchor="ctr" anchorCtr="0">
-          <a:noAutofit/>
-        </a:bodyPr>
-        <a:lstStyle/>
-        <a:p>
-          <a:pPr lvl="0" algn="ctr" defTabSz="800100">
-            <a:lnSpc>
-              <a:spcPct val="90000"/>
-            </a:lnSpc>
-            <a:spcBef>
-              <a:spcPct val="0"/>
-            </a:spcBef>
-            <a:spcAft>
-              <a:spcPct val="35000"/>
-            </a:spcAft>
-          </a:pPr>
-          <a:r>
-            <a:rPr lang="en-US" sz="1800" kern="1200" dirty="0" smtClean="0"/>
-            <a:t>Software bug is found</a:t>
-          </a:r>
-          <a:endParaRPr lang="en-US" sz="1800" kern="1200" dirty="0"/>
-        </a:p>
-      </dsp:txBody>
-      <dsp:txXfrm>
-        <a:off x="553969" y="94340"/>
-        <a:ext cx="1535444" cy="911735"/>
-      </dsp:txXfrm>
-    </dsp:sp>
-    <dsp:sp modelId="{BDA5BB23-F64E-42DB-A2BB-737233FF9E7B}">
-      <dsp:nvSpPr>
-        <dsp:cNvPr id="0" name=""/>
-        <dsp:cNvSpPr/>
-      </dsp:nvSpPr>
-      <dsp:spPr>
-        <a:xfrm>
-          <a:off x="2043439" y="141372"/>
-          <a:ext cx="1049860" cy="816649"/>
-        </a:xfrm>
-        <a:prstGeom prst="rect">
-          <a:avLst/>
-        </a:prstGeom>
-        <a:noFill/>
-        <a:ln>
-          <a:noFill/>
-        </a:ln>
-        <a:effectLst/>
-      </dsp:spPr>
-      <dsp:style>
-        <a:lnRef idx="0">
-          <a:scrgbClr r="0" g="0" b="0"/>
-        </a:lnRef>
-        <a:fillRef idx="0">
-          <a:scrgbClr r="0" g="0" b="0"/>
-        </a:fillRef>
-        <a:effectRef idx="0">
-          <a:scrgbClr r="0" g="0" b="0"/>
-        </a:effectRef>
-        <a:fontRef idx="minor"/>
-      </dsp:style>
-    </dsp:sp>
-    <dsp:sp modelId="{1DBD54E6-F2FF-44E2-9F39-1CCB781AE1A2}">
-      <dsp:nvSpPr>
-        <dsp:cNvPr id="0" name=""/>
-        <dsp:cNvSpPr/>
-      </dsp:nvSpPr>
-      <dsp:spPr>
-        <a:xfrm rot="5400000">
-          <a:off x="2287040" y="2198616"/>
-          <a:ext cx="486355" cy="483088"/>
-        </a:xfrm>
-        <a:prstGeom prst="bentUpArrow">
-          <a:avLst>
-            <a:gd name="adj1" fmla="val 32840"/>
-            <a:gd name="adj2" fmla="val 25000"/>
-            <a:gd name="adj3" fmla="val 35780"/>
-          </a:avLst>
-        </a:prstGeom>
-        <a:solidFill>
-          <a:schemeClr val="dk1">
-            <a:tint val="40000"/>
-            <a:hueOff val="0"/>
-            <a:satOff val="0"/>
-            <a:lumOff val="0"/>
-            <a:alphaOff val="0"/>
-          </a:schemeClr>
-        </a:solidFill>
-        <a:ln w="25400" cap="flat" cmpd="sng" algn="ctr">
-          <a:solidFill>
-            <a:schemeClr val="dk1">
-              <a:shade val="80000"/>
-              <a:hueOff val="0"/>
-              <a:satOff val="0"/>
-              <a:lumOff val="0"/>
-              <a:alphaOff val="0"/>
-            </a:schemeClr>
-          </a:solidFill>
-          <a:prstDash val="solid"/>
-        </a:ln>
-        <a:effectLst/>
-      </dsp:spPr>
-      <dsp:style>
-        <a:lnRef idx="2">
-          <a:scrgbClr r="0" g="0" b="0"/>
-        </a:lnRef>
-        <a:fillRef idx="1">
-          <a:scrgbClr r="0" g="0" b="0"/>
-        </a:fillRef>
-        <a:effectRef idx="0">
-          <a:scrgbClr r="0" g="0" b="0"/>
-        </a:effectRef>
-        <a:fontRef idx="minor"/>
-      </dsp:style>
-    </dsp:sp>
-    <dsp:sp modelId="{2A479FE0-75D8-426E-A05B-C15B34872F9B}">
-      <dsp:nvSpPr>
-        <dsp:cNvPr id="0" name=""/>
-        <dsp:cNvSpPr/>
-      </dsp:nvSpPr>
-      <dsp:spPr>
-        <a:xfrm>
-          <a:off x="1747196" y="1001518"/>
-          <a:ext cx="1697694" cy="1010399"/>
-        </a:xfrm>
-        <a:prstGeom prst="roundRect">
-          <a:avLst>
-            <a:gd name="adj" fmla="val 16670"/>
-          </a:avLst>
-        </a:prstGeom>
-        <a:solidFill>
-          <a:schemeClr val="lt1">
-            <a:hueOff val="0"/>
-            <a:satOff val="0"/>
-            <a:lumOff val="0"/>
-            <a:alphaOff val="0"/>
-          </a:schemeClr>
-        </a:solidFill>
-        <a:ln w="25400" cap="flat" cmpd="sng" algn="ctr">
-          <a:solidFill>
-            <a:schemeClr val="dk1">
-              <a:shade val="80000"/>
-              <a:hueOff val="0"/>
-              <a:satOff val="0"/>
-              <a:lumOff val="0"/>
-              <a:alphaOff val="0"/>
-            </a:schemeClr>
-          </a:solidFill>
-          <a:prstDash val="solid"/>
-        </a:ln>
-        <a:effectLst/>
-      </dsp:spPr>
-      <dsp:style>
-        <a:lnRef idx="2">
-          <a:scrgbClr r="0" g="0" b="0"/>
-        </a:lnRef>
-        <a:fillRef idx="1">
-          <a:scrgbClr r="0" g="0" b="0"/>
-        </a:fillRef>
-        <a:effectRef idx="0">
-          <a:scrgbClr r="0" g="0" b="0"/>
-        </a:effectRef>
-        <a:fontRef idx="minor">
-          <a:schemeClr val="lt1"/>
-        </a:fontRef>
-      </dsp:style>
-      <dsp:txBody>
-        <a:bodyPr spcFirstLastPara="0" vert="horz" wrap="square" lIns="68580" tIns="68580" rIns="68580" bIns="68580" numCol="1" spcCol="1270" anchor="ctr" anchorCtr="0">
-          <a:noAutofit/>
-        </a:bodyPr>
-        <a:lstStyle/>
-        <a:p>
-          <a:pPr lvl="0" algn="ctr" defTabSz="800100">
-            <a:lnSpc>
-              <a:spcPct val="90000"/>
-            </a:lnSpc>
-            <a:spcBef>
-              <a:spcPct val="0"/>
-            </a:spcBef>
-            <a:spcAft>
-              <a:spcPct val="35000"/>
-            </a:spcAft>
-          </a:pPr>
-          <a:r>
-            <a:rPr lang="en-US" sz="1800" kern="1200" dirty="0" smtClean="0"/>
-            <a:t>Tester bring up report on SVN server</a:t>
-          </a:r>
-          <a:endParaRPr lang="en-US" sz="1800" kern="1200" dirty="0"/>
-        </a:p>
-      </dsp:txBody>
-      <dsp:txXfrm>
-        <a:off x="1796528" y="1050850"/>
-        <a:ext cx="1599030" cy="911735"/>
-      </dsp:txXfrm>
-    </dsp:sp>
-    <dsp:sp modelId="{5FD28BEC-08C8-4EFB-915C-F8813826F353}">
-      <dsp:nvSpPr>
-        <dsp:cNvPr id="0" name=""/>
-        <dsp:cNvSpPr/>
-      </dsp:nvSpPr>
-      <dsp:spPr>
-        <a:xfrm>
-          <a:off x="3317791" y="1097883"/>
-          <a:ext cx="1049860" cy="816649"/>
-        </a:xfrm>
-        <a:prstGeom prst="rect">
-          <a:avLst/>
-        </a:prstGeom>
-        <a:noFill/>
-        <a:ln>
-          <a:noFill/>
-        </a:ln>
-        <a:effectLst/>
-      </dsp:spPr>
-      <dsp:style>
-        <a:lnRef idx="0">
-          <a:scrgbClr r="0" g="0" b="0"/>
-        </a:lnRef>
-        <a:fillRef idx="0">
-          <a:scrgbClr r="0" g="0" b="0"/>
-        </a:fillRef>
-        <a:effectRef idx="0">
-          <a:scrgbClr r="0" g="0" b="0"/>
-        </a:effectRef>
-        <a:fontRef idx="minor"/>
-      </dsp:style>
-    </dsp:sp>
-    <dsp:sp modelId="{03A10B20-0129-4E65-A42D-95EC66585079}">
-      <dsp:nvSpPr>
-        <dsp:cNvPr id="0" name=""/>
-        <dsp:cNvSpPr/>
-      </dsp:nvSpPr>
-      <dsp:spPr>
-        <a:xfrm rot="5400000">
-          <a:off x="3536087" y="3177425"/>
-          <a:ext cx="453239" cy="424369"/>
-        </a:xfrm>
-        <a:prstGeom prst="bentUpArrow">
-          <a:avLst>
-            <a:gd name="adj1" fmla="val 32840"/>
-            <a:gd name="adj2" fmla="val 25000"/>
-            <a:gd name="adj3" fmla="val 35780"/>
-          </a:avLst>
-        </a:prstGeom>
-        <a:solidFill>
-          <a:schemeClr val="dk1">
-            <a:tint val="40000"/>
-            <a:hueOff val="0"/>
-            <a:satOff val="0"/>
-            <a:lumOff val="0"/>
-            <a:alphaOff val="0"/>
-          </a:schemeClr>
-        </a:solidFill>
-        <a:ln w="25400" cap="flat" cmpd="sng" algn="ctr">
-          <a:solidFill>
-            <a:schemeClr val="dk1">
-              <a:shade val="80000"/>
-              <a:hueOff val="0"/>
-              <a:satOff val="0"/>
-              <a:lumOff val="0"/>
-              <a:alphaOff val="0"/>
-            </a:schemeClr>
-          </a:solidFill>
-          <a:prstDash val="solid"/>
-        </a:ln>
-        <a:effectLst/>
-      </dsp:spPr>
-      <dsp:style>
-        <a:lnRef idx="2">
-          <a:scrgbClr r="0" g="0" b="0"/>
-        </a:lnRef>
-        <a:fillRef idx="1">
-          <a:scrgbClr r="0" g="0" b="0"/>
-        </a:fillRef>
-        <a:effectRef idx="0">
-          <a:scrgbClr r="0" g="0" b="0"/>
-        </a:effectRef>
-        <a:fontRef idx="minor"/>
-      </dsp:style>
-    </dsp:sp>
-    <dsp:sp modelId="{8F8E3A4D-A929-45B9-A34C-63BD3D763244}">
-      <dsp:nvSpPr>
-        <dsp:cNvPr id="0" name=""/>
-        <dsp:cNvSpPr/>
-      </dsp:nvSpPr>
-      <dsp:spPr>
-        <a:xfrm>
-          <a:off x="2989754" y="1950967"/>
-          <a:ext cx="1677557" cy="1010399"/>
-        </a:xfrm>
-        <a:prstGeom prst="roundRect">
-          <a:avLst>
-            <a:gd name="adj" fmla="val 16670"/>
-          </a:avLst>
-        </a:prstGeom>
-        <a:solidFill>
-          <a:schemeClr val="lt1">
-            <a:hueOff val="0"/>
-            <a:satOff val="0"/>
-            <a:lumOff val="0"/>
-            <a:alphaOff val="0"/>
-          </a:schemeClr>
-        </a:solidFill>
-        <a:ln w="25400" cap="flat" cmpd="sng" algn="ctr">
-          <a:solidFill>
-            <a:schemeClr val="dk1">
-              <a:shade val="80000"/>
-              <a:hueOff val="0"/>
-              <a:satOff val="0"/>
-              <a:lumOff val="0"/>
-              <a:alphaOff val="0"/>
-            </a:schemeClr>
-          </a:solidFill>
-          <a:prstDash val="solid"/>
-        </a:ln>
-        <a:effectLst/>
-      </dsp:spPr>
-      <dsp:style>
-        <a:lnRef idx="2">
-          <a:scrgbClr r="0" g="0" b="0"/>
-        </a:lnRef>
-        <a:fillRef idx="1">
-          <a:scrgbClr r="0" g="0" b="0"/>
-        </a:fillRef>
-        <a:effectRef idx="0">
-          <a:scrgbClr r="0" g="0" b="0"/>
-        </a:effectRef>
-        <a:fontRef idx="minor">
-          <a:schemeClr val="lt1"/>
-        </a:fontRef>
-      </dsp:style>
-      <dsp:txBody>
-        <a:bodyPr spcFirstLastPara="0" vert="horz" wrap="square" lIns="68580" tIns="68580" rIns="68580" bIns="68580" numCol="1" spcCol="1270" anchor="ctr" anchorCtr="0">
-          <a:noAutofit/>
-        </a:bodyPr>
-        <a:lstStyle/>
-        <a:p>
-          <a:pPr lvl="0" algn="ctr" defTabSz="800100">
-            <a:lnSpc>
-              <a:spcPct val="90000"/>
-            </a:lnSpc>
-            <a:spcBef>
-              <a:spcPct val="0"/>
-            </a:spcBef>
-            <a:spcAft>
-              <a:spcPct val="35000"/>
-            </a:spcAft>
-          </a:pPr>
-          <a:r>
-            <a:rPr lang="en-US" sz="1800" kern="1200" dirty="0" err="1" smtClean="0"/>
-            <a:t>Dev</a:t>
-          </a:r>
-          <a:r>
-            <a:rPr lang="en-US" sz="1800" kern="1200" dirty="0" smtClean="0"/>
-            <a:t> bring down report to repair code</a:t>
-          </a:r>
-          <a:endParaRPr lang="en-US" sz="1800" kern="1200" dirty="0"/>
-        </a:p>
-      </dsp:txBody>
-      <dsp:txXfrm>
-        <a:off x="3039086" y="2000299"/>
-        <a:ext cx="1578893" cy="911735"/>
-      </dsp:txXfrm>
-    </dsp:sp>
-    <dsp:sp modelId="{C3118C9A-00C3-41BB-996C-3B8CF83CCF83}">
-      <dsp:nvSpPr>
-        <dsp:cNvPr id="0" name=""/>
-        <dsp:cNvSpPr/>
-      </dsp:nvSpPr>
-      <dsp:spPr>
-        <a:xfrm>
-          <a:off x="4550280" y="2047332"/>
-          <a:ext cx="1049860" cy="816649"/>
-        </a:xfrm>
-        <a:prstGeom prst="rect">
-          <a:avLst/>
-        </a:prstGeom>
-        <a:noFill/>
-        <a:ln>
-          <a:noFill/>
-        </a:ln>
-        <a:effectLst/>
-      </dsp:spPr>
-      <dsp:style>
-        <a:lnRef idx="0">
-          <a:scrgbClr r="0" g="0" b="0"/>
-        </a:lnRef>
-        <a:fillRef idx="0">
-          <a:scrgbClr r="0" g="0" b="0"/>
-        </a:fillRef>
-        <a:effectRef idx="0">
-          <a:scrgbClr r="0" g="0" b="0"/>
-        </a:effectRef>
-        <a:fontRef idx="minor"/>
-      </dsp:style>
-    </dsp:sp>
-    <dsp:sp modelId="{DFE6A6CD-0DD4-4B25-9862-D19B3D4C851F}">
-      <dsp:nvSpPr>
-        <dsp:cNvPr id="0" name=""/>
-        <dsp:cNvSpPr/>
-      </dsp:nvSpPr>
-      <dsp:spPr>
-        <a:xfrm rot="5400000">
-          <a:off x="4750506" y="4117310"/>
-          <a:ext cx="489382" cy="410380"/>
-        </a:xfrm>
-        <a:prstGeom prst="bentUpArrow">
-          <a:avLst>
-            <a:gd name="adj1" fmla="val 32840"/>
-            <a:gd name="adj2" fmla="val 25000"/>
-            <a:gd name="adj3" fmla="val 35780"/>
-          </a:avLst>
-        </a:prstGeom>
-        <a:solidFill>
-          <a:schemeClr val="dk1">
-            <a:tint val="40000"/>
-            <a:hueOff val="0"/>
-            <a:satOff val="0"/>
-            <a:lumOff val="0"/>
-            <a:alphaOff val="0"/>
-          </a:schemeClr>
-        </a:solidFill>
-        <a:ln w="25400" cap="flat" cmpd="sng" algn="ctr">
-          <a:solidFill>
-            <a:schemeClr val="dk1">
-              <a:shade val="80000"/>
-              <a:hueOff val="0"/>
-              <a:satOff val="0"/>
-              <a:lumOff val="0"/>
-              <a:alphaOff val="0"/>
-            </a:schemeClr>
-          </a:solidFill>
-          <a:prstDash val="solid"/>
-        </a:ln>
-        <a:effectLst/>
-      </dsp:spPr>
-      <dsp:style>
-        <a:lnRef idx="2">
-          <a:scrgbClr r="0" g="0" b="0"/>
-        </a:lnRef>
-        <a:fillRef idx="1">
-          <a:scrgbClr r="0" g="0" b="0"/>
-        </a:fillRef>
-        <a:effectRef idx="0">
-          <a:scrgbClr r="0" g="0" b="0"/>
-        </a:effectRef>
-        <a:fontRef idx="minor"/>
-      </dsp:style>
-    </dsp:sp>
-    <dsp:sp modelId="{53590410-F906-4CF9-8FF8-D5C869B0D2FE}">
-      <dsp:nvSpPr>
-        <dsp:cNvPr id="0" name=""/>
-        <dsp:cNvSpPr/>
-      </dsp:nvSpPr>
-      <dsp:spPr>
-        <a:xfrm>
-          <a:off x="4232312" y="2883858"/>
-          <a:ext cx="1657421" cy="1010399"/>
-        </a:xfrm>
-        <a:prstGeom prst="roundRect">
-          <a:avLst>
-            <a:gd name="adj" fmla="val 16670"/>
-          </a:avLst>
-        </a:prstGeom>
-        <a:solidFill>
-          <a:schemeClr val="lt1">
-            <a:hueOff val="0"/>
-            <a:satOff val="0"/>
-            <a:lumOff val="0"/>
-            <a:alphaOff val="0"/>
-          </a:schemeClr>
-        </a:solidFill>
-        <a:ln w="25400" cap="flat" cmpd="sng" algn="ctr">
-          <a:solidFill>
-            <a:schemeClr val="dk1">
-              <a:shade val="80000"/>
-              <a:hueOff val="0"/>
-              <a:satOff val="0"/>
-              <a:lumOff val="0"/>
-              <a:alphaOff val="0"/>
-            </a:schemeClr>
-          </a:solidFill>
-          <a:prstDash val="solid"/>
-        </a:ln>
-        <a:effectLst/>
-      </dsp:spPr>
-      <dsp:style>
-        <a:lnRef idx="2">
-          <a:scrgbClr r="0" g="0" b="0"/>
-        </a:lnRef>
-        <a:fillRef idx="1">
-          <a:scrgbClr r="0" g="0" b="0"/>
-        </a:fillRef>
-        <a:effectRef idx="0">
-          <a:scrgbClr r="0" g="0" b="0"/>
-        </a:effectRef>
-        <a:fontRef idx="minor">
-          <a:schemeClr val="lt1"/>
-        </a:fontRef>
-      </dsp:style>
-      <dsp:txBody>
-        <a:bodyPr spcFirstLastPara="0" vert="horz" wrap="square" lIns="68580" tIns="68580" rIns="68580" bIns="68580" numCol="1" spcCol="1270" anchor="ctr" anchorCtr="0">
-          <a:noAutofit/>
-        </a:bodyPr>
-        <a:lstStyle/>
-        <a:p>
-          <a:pPr lvl="0" algn="ctr" defTabSz="800100">
-            <a:lnSpc>
-              <a:spcPct val="90000"/>
-            </a:lnSpc>
-            <a:spcBef>
-              <a:spcPct val="0"/>
-            </a:spcBef>
-            <a:spcAft>
-              <a:spcPct val="35000"/>
-            </a:spcAft>
-          </a:pPr>
-          <a:r>
-            <a:rPr lang="en-US" sz="1800" kern="1200" dirty="0" err="1" smtClean="0"/>
-            <a:t>Dev</a:t>
-          </a:r>
-          <a:r>
-            <a:rPr lang="en-US" sz="1800" kern="1200" dirty="0" smtClean="0"/>
-            <a:t> commit code and report on SVN server</a:t>
-          </a:r>
-          <a:endParaRPr lang="en-US" sz="1800" kern="1200" dirty="0"/>
-        </a:p>
-      </dsp:txBody>
-      <dsp:txXfrm>
-        <a:off x="4281644" y="2933190"/>
-        <a:ext cx="1558757" cy="911735"/>
-      </dsp:txXfrm>
-    </dsp:sp>
-    <dsp:sp modelId="{78E7BEBC-5923-44CD-BF22-C2CB46786D90}">
-      <dsp:nvSpPr>
-        <dsp:cNvPr id="0" name=""/>
-        <dsp:cNvSpPr/>
-      </dsp:nvSpPr>
-      <dsp:spPr>
-        <a:xfrm>
-          <a:off x="5782770" y="2980223"/>
-          <a:ext cx="1049860" cy="816649"/>
-        </a:xfrm>
-        <a:prstGeom prst="rect">
-          <a:avLst/>
-        </a:prstGeom>
-        <a:noFill/>
-        <a:ln>
-          <a:noFill/>
-        </a:ln>
-        <a:effectLst/>
-      </dsp:spPr>
-      <dsp:style>
-        <a:lnRef idx="0">
-          <a:scrgbClr r="0" g="0" b="0"/>
-        </a:lnRef>
-        <a:fillRef idx="0">
-          <a:scrgbClr r="0" g="0" b="0"/>
-        </a:fillRef>
-        <a:effectRef idx="0">
-          <a:scrgbClr r="0" g="0" b="0"/>
-        </a:effectRef>
-        <a:fontRef idx="minor"/>
-      </dsp:style>
-    </dsp:sp>
-    <dsp:sp modelId="{344DC0F3-E881-4C22-A8B6-E09225725D6E}">
-      <dsp:nvSpPr>
-        <dsp:cNvPr id="0" name=""/>
-        <dsp:cNvSpPr/>
-      </dsp:nvSpPr>
-      <dsp:spPr>
-        <a:xfrm rot="5400000">
-          <a:off x="6047299" y="5070606"/>
-          <a:ext cx="389399" cy="405714"/>
-        </a:xfrm>
-        <a:prstGeom prst="bentUpArrow">
-          <a:avLst>
-            <a:gd name="adj1" fmla="val 32840"/>
-            <a:gd name="adj2" fmla="val 25000"/>
-            <a:gd name="adj3" fmla="val 35780"/>
-          </a:avLst>
-        </a:prstGeom>
-        <a:solidFill>
-          <a:schemeClr val="dk1">
-            <a:tint val="40000"/>
-            <a:hueOff val="0"/>
-            <a:satOff val="0"/>
-            <a:lumOff val="0"/>
-            <a:alphaOff val="0"/>
-          </a:schemeClr>
-        </a:solidFill>
-        <a:ln w="25400" cap="flat" cmpd="sng" algn="ctr">
-          <a:solidFill>
-            <a:schemeClr val="dk1">
-              <a:shade val="80000"/>
-              <a:hueOff val="0"/>
-              <a:satOff val="0"/>
-              <a:lumOff val="0"/>
-              <a:alphaOff val="0"/>
-            </a:schemeClr>
-          </a:solidFill>
-          <a:prstDash val="solid"/>
-        </a:ln>
-        <a:effectLst/>
-      </dsp:spPr>
-      <dsp:style>
-        <a:lnRef idx="2">
-          <a:scrgbClr r="0" g="0" b="0"/>
-        </a:lnRef>
-        <a:fillRef idx="1">
-          <a:scrgbClr r="0" g="0" b="0"/>
-        </a:fillRef>
-        <a:effectRef idx="0">
-          <a:scrgbClr r="0" g="0" b="0"/>
-        </a:effectRef>
-        <a:fontRef idx="minor"/>
-      </dsp:style>
-    </dsp:sp>
-    <dsp:sp modelId="{6F08A35D-E77D-4734-8FD4-FF992BEC277F}">
-      <dsp:nvSpPr>
-        <dsp:cNvPr id="0" name=""/>
-        <dsp:cNvSpPr/>
-      </dsp:nvSpPr>
-      <dsp:spPr>
-        <a:xfrm>
-          <a:off x="5474870" y="3834820"/>
-          <a:ext cx="1665908" cy="1010399"/>
-        </a:xfrm>
-        <a:prstGeom prst="roundRect">
-          <a:avLst>
-            <a:gd name="adj" fmla="val 16670"/>
-          </a:avLst>
-        </a:prstGeom>
-        <a:solidFill>
-          <a:schemeClr val="lt1">
-            <a:hueOff val="0"/>
-            <a:satOff val="0"/>
-            <a:lumOff val="0"/>
-            <a:alphaOff val="0"/>
-          </a:schemeClr>
-        </a:solidFill>
-        <a:ln w="25400" cap="flat" cmpd="sng" algn="ctr">
-          <a:solidFill>
-            <a:schemeClr val="dk1">
-              <a:shade val="80000"/>
-              <a:hueOff val="0"/>
-              <a:satOff val="0"/>
-              <a:lumOff val="0"/>
-              <a:alphaOff val="0"/>
-            </a:schemeClr>
-          </a:solidFill>
-          <a:prstDash val="solid"/>
-        </a:ln>
-        <a:effectLst/>
-      </dsp:spPr>
-      <dsp:style>
-        <a:lnRef idx="2">
-          <a:scrgbClr r="0" g="0" b="0"/>
-        </a:lnRef>
-        <a:fillRef idx="1">
-          <a:scrgbClr r="0" g="0" b="0"/>
-        </a:fillRef>
-        <a:effectRef idx="0">
-          <a:scrgbClr r="0" g="0" b="0"/>
-        </a:effectRef>
-        <a:fontRef idx="minor">
-          <a:schemeClr val="lt1"/>
-        </a:fontRef>
-      </dsp:style>
-      <dsp:txBody>
-        <a:bodyPr spcFirstLastPara="0" vert="horz" wrap="square" lIns="68580" tIns="68580" rIns="68580" bIns="68580" numCol="1" spcCol="1270" anchor="ctr" anchorCtr="0">
-          <a:noAutofit/>
-        </a:bodyPr>
-        <a:lstStyle/>
-        <a:p>
-          <a:pPr lvl="0" algn="ctr" defTabSz="800100">
-            <a:lnSpc>
-              <a:spcPct val="90000"/>
-            </a:lnSpc>
-            <a:spcBef>
-              <a:spcPct val="0"/>
-            </a:spcBef>
-            <a:spcAft>
-              <a:spcPct val="35000"/>
-            </a:spcAft>
-          </a:pPr>
-          <a:r>
-            <a:rPr lang="en-US" sz="1800" kern="1200" dirty="0" smtClean="0"/>
-            <a:t>Test bring down to test again </a:t>
-          </a:r>
-          <a:endParaRPr lang="en-US" sz="1800" kern="1200" dirty="0"/>
-        </a:p>
-      </dsp:txBody>
-      <dsp:txXfrm>
-        <a:off x="5524202" y="3884152"/>
-        <a:ext cx="1567244" cy="911735"/>
-      </dsp:txXfrm>
-    </dsp:sp>
-    <dsp:sp modelId="{5A7F2031-B64E-475B-A4FD-14B9A82D1D1D}">
-      <dsp:nvSpPr>
-        <dsp:cNvPr id="0" name=""/>
-        <dsp:cNvSpPr/>
-      </dsp:nvSpPr>
-      <dsp:spPr>
-        <a:xfrm>
-          <a:off x="7029572" y="3931185"/>
-          <a:ext cx="1049860" cy="816649"/>
-        </a:xfrm>
-        <a:prstGeom prst="rect">
-          <a:avLst/>
-        </a:prstGeom>
-        <a:noFill/>
-        <a:ln>
-          <a:noFill/>
-        </a:ln>
-        <a:effectLst/>
-      </dsp:spPr>
-      <dsp:style>
-        <a:lnRef idx="0">
-          <a:scrgbClr r="0" g="0" b="0"/>
-        </a:lnRef>
-        <a:fillRef idx="0">
-          <a:scrgbClr r="0" g="0" b="0"/>
-        </a:fillRef>
-        <a:effectRef idx="0">
-          <a:scrgbClr r="0" g="0" b="0"/>
-        </a:effectRef>
-        <a:fontRef idx="minor"/>
-      </dsp:style>
-    </dsp:sp>
-    <dsp:sp modelId="{35BFF9C4-5AFE-4AE1-9DAE-C2EC41CBF339}">
-      <dsp:nvSpPr>
-        <dsp:cNvPr id="0" name=""/>
-        <dsp:cNvSpPr/>
-      </dsp:nvSpPr>
-      <dsp:spPr>
-        <a:xfrm>
-          <a:off x="6717428" y="4735792"/>
-          <a:ext cx="1617133" cy="1010399"/>
-        </a:xfrm>
-        <a:prstGeom prst="roundRect">
-          <a:avLst>
-            <a:gd name="adj" fmla="val 16670"/>
-          </a:avLst>
-        </a:prstGeom>
-        <a:solidFill>
-          <a:schemeClr val="lt1">
-            <a:hueOff val="0"/>
-            <a:satOff val="0"/>
-            <a:lumOff val="0"/>
-            <a:alphaOff val="0"/>
-          </a:schemeClr>
-        </a:solidFill>
-        <a:ln w="25400" cap="flat" cmpd="sng" algn="ctr">
-          <a:solidFill>
-            <a:schemeClr val="dk1">
-              <a:shade val="80000"/>
-              <a:hueOff val="0"/>
-              <a:satOff val="0"/>
-              <a:lumOff val="0"/>
-              <a:alphaOff val="0"/>
-            </a:schemeClr>
-          </a:solidFill>
-          <a:prstDash val="solid"/>
-        </a:ln>
-        <a:effectLst/>
-      </dsp:spPr>
-      <dsp:style>
-        <a:lnRef idx="2">
-          <a:scrgbClr r="0" g="0" b="0"/>
-        </a:lnRef>
-        <a:fillRef idx="1">
-          <a:scrgbClr r="0" g="0" b="0"/>
-        </a:fillRef>
-        <a:effectRef idx="0">
-          <a:scrgbClr r="0" g="0" b="0"/>
-        </a:effectRef>
-        <a:fontRef idx="minor">
-          <a:schemeClr val="lt1"/>
-        </a:fontRef>
-      </dsp:style>
-      <dsp:txBody>
-        <a:bodyPr spcFirstLastPara="0" vert="horz" wrap="square" lIns="68580" tIns="68580" rIns="68580" bIns="68580" numCol="1" spcCol="1270" anchor="ctr" anchorCtr="0">
-          <a:noAutofit/>
-        </a:bodyPr>
-        <a:lstStyle/>
-        <a:p>
-          <a:pPr lvl="0" algn="ctr" defTabSz="800100">
-            <a:lnSpc>
-              <a:spcPct val="90000"/>
-            </a:lnSpc>
-            <a:spcBef>
-              <a:spcPct val="0"/>
-            </a:spcBef>
-            <a:spcAft>
-              <a:spcPct val="35000"/>
-            </a:spcAft>
-          </a:pPr>
-          <a:r>
-            <a:rPr lang="en-US" sz="1800" kern="1200" dirty="0" smtClean="0"/>
-            <a:t>Bug closed</a:t>
-          </a:r>
-          <a:endParaRPr lang="en-US" sz="1800" kern="1200" dirty="0"/>
-        </a:p>
-      </dsp:txBody>
-      <dsp:txXfrm>
-        <a:off x="6766760" y="4785124"/>
-        <a:ext cx="1518469" cy="911735"/>
-      </dsp:txXfrm>
-    </dsp:sp>
   </dsp:spTree>
 </dsp:drawing>
 </file>
@@ -23616,1531 +22749,11 @@
           <a:lstStyle/>
           <a:p>
             <a:r>
-              <a:rPr lang="en-US" baseline="0" dirty="0" smtClean="0"/>
-              <a:t>(slide </a:t>
-            </a:r>
-            <a:r>
-              <a:rPr lang="en-US" baseline="0" dirty="0" err="1" smtClean="0"/>
-              <a:t>này</a:t>
-            </a:r>
-            <a:r>
-              <a:rPr lang="en-US" baseline="0" dirty="0" smtClean="0"/>
-              <a:t> </a:t>
-            </a:r>
-            <a:r>
-              <a:rPr lang="en-US" baseline="0" dirty="0" err="1" smtClean="0"/>
-              <a:t>chỉ</a:t>
-            </a:r>
-            <a:r>
-              <a:rPr lang="en-US" baseline="0" dirty="0" smtClean="0"/>
-              <a:t> </a:t>
-            </a:r>
-            <a:r>
-              <a:rPr lang="en-US" baseline="0" dirty="0" err="1" smtClean="0"/>
-              <a:t>vào</a:t>
-            </a:r>
-            <a:r>
-              <a:rPr lang="en-US" baseline="0" dirty="0" smtClean="0"/>
-              <a:t> </a:t>
-            </a:r>
-            <a:r>
-              <a:rPr lang="en-US" baseline="0" dirty="0" err="1" smtClean="0"/>
-              <a:t>và</a:t>
-            </a:r>
-            <a:r>
-              <a:rPr lang="en-US" baseline="0" dirty="0" smtClean="0"/>
-              <a:t> </a:t>
-            </a:r>
-            <a:r>
-              <a:rPr lang="en-US" baseline="0" dirty="0" err="1" smtClean="0"/>
-              <a:t>nói</a:t>
-            </a:r>
-            <a:r>
-              <a:rPr lang="en-US" baseline="0" dirty="0" smtClean="0"/>
-              <a:t>) </a:t>
-            </a:r>
-            <a:r>
-              <a:rPr lang="en-US" baseline="0" dirty="0" err="1" smtClean="0"/>
-              <a:t>Đây</a:t>
-            </a:r>
-            <a:r>
-              <a:rPr lang="en-US" baseline="0" dirty="0" smtClean="0"/>
-              <a:t> </a:t>
-            </a:r>
-            <a:r>
-              <a:rPr lang="en-US" baseline="0" dirty="0" err="1" smtClean="0"/>
-              <a:t>là</a:t>
-            </a:r>
-            <a:r>
-              <a:rPr lang="en-US" baseline="0" dirty="0" smtClean="0"/>
-              <a:t> </a:t>
-            </a:r>
-            <a:r>
-              <a:rPr lang="en-US" baseline="0" dirty="0" err="1" smtClean="0"/>
-              <a:t>hình</a:t>
-            </a:r>
-            <a:r>
-              <a:rPr lang="en-US" baseline="0" dirty="0" smtClean="0"/>
-              <a:t> </a:t>
-            </a:r>
-            <a:r>
-              <a:rPr lang="en-US" baseline="0" dirty="0" err="1" smtClean="0"/>
-              <a:t>ảnh</a:t>
-            </a:r>
-            <a:r>
-              <a:rPr lang="en-US" baseline="0" dirty="0" smtClean="0"/>
-              <a:t> </a:t>
-            </a:r>
-            <a:r>
-              <a:rPr lang="en-US" baseline="0" dirty="0" err="1" smtClean="0"/>
-              <a:t>trang</a:t>
-            </a:r>
-            <a:r>
-              <a:rPr lang="en-US" baseline="0" dirty="0" smtClean="0"/>
-              <a:t> web </a:t>
-            </a:r>
-            <a:r>
-              <a:rPr lang="en-US" baseline="0" dirty="0" err="1" smtClean="0"/>
-              <a:t>khi</a:t>
-            </a:r>
-            <a:r>
-              <a:rPr lang="en-US" baseline="0" dirty="0" smtClean="0"/>
-              <a:t> show </a:t>
-            </a:r>
-            <a:r>
-              <a:rPr lang="en-US" baseline="0" dirty="0" err="1" smtClean="0"/>
-              <a:t>ra</a:t>
-            </a:r>
-            <a:r>
-              <a:rPr lang="en-US" baseline="0" dirty="0" smtClean="0"/>
-              <a:t> </a:t>
-            </a:r>
-            <a:r>
-              <a:rPr lang="en-US" baseline="0" dirty="0" err="1" smtClean="0"/>
-              <a:t>lý</a:t>
-            </a:r>
-            <a:r>
-              <a:rPr lang="en-US" baseline="0" dirty="0" smtClean="0"/>
-              <a:t> </a:t>
-            </a:r>
-            <a:r>
-              <a:rPr lang="en-US" baseline="0" dirty="0" err="1" smtClean="0"/>
-              <a:t>thuyết</a:t>
-            </a:r>
-            <a:r>
-              <a:rPr lang="en-US" baseline="0" dirty="0" smtClean="0"/>
-              <a:t> </a:t>
-            </a:r>
-            <a:r>
-              <a:rPr lang="en-US" baseline="0" dirty="0" err="1" smtClean="0"/>
-              <a:t>và</a:t>
-            </a:r>
-            <a:r>
-              <a:rPr lang="en-US" baseline="0" dirty="0" smtClean="0"/>
-              <a:t> </a:t>
-            </a:r>
-            <a:r>
-              <a:rPr lang="en-US" baseline="0" dirty="0" err="1" smtClean="0"/>
-              <a:t>các</a:t>
-            </a:r>
-            <a:r>
-              <a:rPr lang="en-US" baseline="0" dirty="0" smtClean="0"/>
-              <a:t> </a:t>
-            </a:r>
-            <a:r>
-              <a:rPr lang="en-US" baseline="0" dirty="0" err="1" smtClean="0"/>
-              <a:t>bài</a:t>
-            </a:r>
-            <a:r>
-              <a:rPr lang="en-US" baseline="0" dirty="0" smtClean="0"/>
-              <a:t> </a:t>
-            </a:r>
-            <a:r>
-              <a:rPr lang="en-US" baseline="0" dirty="0" err="1" smtClean="0"/>
-              <a:t>tập</a:t>
-            </a:r>
-            <a:r>
-              <a:rPr lang="en-US" baseline="0" dirty="0" smtClean="0"/>
-              <a:t> </a:t>
-            </a:r>
-            <a:r>
-              <a:rPr lang="en-US" baseline="0" dirty="0" err="1" smtClean="0"/>
-              <a:t>liên</a:t>
-            </a:r>
-            <a:r>
-              <a:rPr lang="en-US" baseline="0" dirty="0" smtClean="0"/>
-              <a:t> </a:t>
-            </a:r>
-            <a:r>
-              <a:rPr lang="en-US" baseline="0" dirty="0" err="1" smtClean="0"/>
-              <a:t>quan</a:t>
-            </a:r>
-            <a:r>
-              <a:rPr lang="en-US" baseline="0" dirty="0" smtClean="0"/>
-              <a:t> (</a:t>
-            </a:r>
-            <a:r>
-              <a:rPr lang="en-US" baseline="0" dirty="0" err="1" smtClean="0"/>
-              <a:t>xong</a:t>
-            </a:r>
-            <a:r>
-              <a:rPr lang="en-US" baseline="0" dirty="0" smtClean="0"/>
-              <a:t> </a:t>
-            </a:r>
-            <a:r>
-              <a:rPr lang="en-US" baseline="0" dirty="0" err="1" smtClean="0"/>
-              <a:t>rồi</a:t>
-            </a:r>
-            <a:r>
-              <a:rPr lang="en-US" baseline="0" dirty="0" smtClean="0"/>
-              <a:t> </a:t>
-            </a:r>
-            <a:r>
-              <a:rPr lang="en-US" baseline="0" dirty="0" err="1" smtClean="0"/>
-              <a:t>miêu</a:t>
-            </a:r>
-            <a:r>
-              <a:rPr lang="en-US" baseline="0" dirty="0" smtClean="0"/>
-              <a:t> </a:t>
-            </a:r>
-            <a:r>
-              <a:rPr lang="en-US" baseline="0" dirty="0" err="1" smtClean="0"/>
-              <a:t>tả</a:t>
-            </a:r>
-            <a:r>
-              <a:rPr lang="en-US" baseline="0" dirty="0" smtClean="0"/>
-              <a:t> </a:t>
-            </a:r>
-            <a:r>
-              <a:rPr lang="en-US" baseline="0" dirty="0" err="1" smtClean="0"/>
-              <a:t>cách</a:t>
-            </a:r>
-            <a:r>
-              <a:rPr lang="en-US" baseline="0" dirty="0" smtClean="0"/>
-              <a:t> </a:t>
-            </a:r>
-            <a:r>
-              <a:rPr lang="en-US" baseline="0" dirty="0" err="1" smtClean="0"/>
-              <a:t>trình</a:t>
-            </a:r>
-            <a:r>
-              <a:rPr lang="en-US" baseline="0" dirty="0" smtClean="0"/>
-              <a:t> </a:t>
-            </a:r>
-            <a:r>
-              <a:rPr lang="en-US" baseline="0" dirty="0" err="1" smtClean="0"/>
-              <a:t>bày</a:t>
-            </a:r>
-            <a:r>
-              <a:rPr lang="en-US" baseline="0" dirty="0" smtClean="0"/>
-              <a:t> </a:t>
-            </a:r>
-            <a:r>
-              <a:rPr lang="en-US" baseline="0" dirty="0" err="1" smtClean="0"/>
-              <a:t>nội</a:t>
-            </a:r>
-            <a:r>
-              <a:rPr lang="en-US" baseline="0" dirty="0" smtClean="0"/>
-              <a:t> dung, </a:t>
-            </a:r>
-            <a:r>
-              <a:rPr lang="en-US" baseline="0" dirty="0" err="1" smtClean="0"/>
-              <a:t>các</a:t>
-            </a:r>
-            <a:r>
-              <a:rPr lang="en-US" baseline="0" dirty="0" smtClean="0"/>
-              <a:t> radio button, button answer…)</a:t>
-            </a:r>
-          </a:p>
-          <a:p>
-            <a:endParaRPr lang="en-US" baseline="0" dirty="0" smtClean="0"/>
-          </a:p>
-          <a:p>
-            <a:endParaRPr lang="en-US" baseline="0" dirty="0" smtClean="0"/>
-          </a:p>
-          <a:p>
-            <a:r>
-              <a:rPr lang="en-US" baseline="0" dirty="0" smtClean="0"/>
-              <a:t>VD </a:t>
-            </a:r>
-            <a:r>
-              <a:rPr lang="en-US" baseline="0" dirty="0" err="1" smtClean="0"/>
-              <a:t>như</a:t>
-            </a:r>
-            <a:r>
-              <a:rPr lang="en-US" baseline="0" dirty="0" smtClean="0"/>
-              <a:t> </a:t>
-            </a:r>
-            <a:r>
-              <a:rPr lang="en-US" baseline="0" dirty="0" err="1" smtClean="0"/>
-              <a:t>là</a:t>
-            </a:r>
-            <a:r>
-              <a:rPr lang="en-US" baseline="0" dirty="0" smtClean="0"/>
-              <a:t> </a:t>
-            </a:r>
-            <a:r>
-              <a:rPr lang="en-US" baseline="0" dirty="0" err="1" smtClean="0"/>
-              <a:t>thư</a:t>
-            </a:r>
-            <a:r>
-              <a:rPr lang="en-US" baseline="0" dirty="0" smtClean="0"/>
-              <a:t> </a:t>
-            </a:r>
-            <a:r>
-              <a:rPr lang="en-US" baseline="0" dirty="0" err="1" smtClean="0"/>
-              <a:t>viện</a:t>
-            </a:r>
-            <a:r>
-              <a:rPr lang="en-US" baseline="0" dirty="0" smtClean="0"/>
-              <a:t> </a:t>
-            </a:r>
-            <a:r>
-              <a:rPr lang="en-US" baseline="0" dirty="0" err="1" smtClean="0"/>
-              <a:t>bài</a:t>
-            </a:r>
-            <a:r>
-              <a:rPr lang="en-US" baseline="0" dirty="0" smtClean="0"/>
-              <a:t> </a:t>
-            </a:r>
-            <a:r>
-              <a:rPr lang="en-US" baseline="0" dirty="0" err="1" smtClean="0"/>
-              <a:t>tập</a:t>
-            </a:r>
-            <a:r>
-              <a:rPr lang="en-US" baseline="0" dirty="0" smtClean="0"/>
-              <a:t> </a:t>
-            </a:r>
-            <a:r>
-              <a:rPr lang="en-US" baseline="0" dirty="0" err="1" smtClean="0"/>
-              <a:t>thì</a:t>
-            </a:r>
-            <a:r>
-              <a:rPr lang="en-US" baseline="0" dirty="0" smtClean="0"/>
-              <a:t> </a:t>
-            </a:r>
-            <a:r>
-              <a:rPr lang="en-US" baseline="0" dirty="0" err="1" smtClean="0"/>
-              <a:t>phải</a:t>
-            </a:r>
-            <a:r>
-              <a:rPr lang="en-US" baseline="0" dirty="0" smtClean="0"/>
-              <a:t> </a:t>
-            </a:r>
-            <a:r>
-              <a:rPr lang="en-US" baseline="0" dirty="0" err="1" smtClean="0"/>
-              <a:t>có</a:t>
-            </a:r>
-            <a:r>
-              <a:rPr lang="en-US" baseline="0" dirty="0" smtClean="0"/>
-              <a:t> </a:t>
-            </a:r>
-            <a:r>
-              <a:rPr lang="en-US" baseline="0" dirty="0" err="1" smtClean="0"/>
-              <a:t>chức</a:t>
-            </a:r>
-            <a:r>
-              <a:rPr lang="en-US" baseline="0" dirty="0" smtClean="0"/>
-              <a:t> </a:t>
-            </a:r>
-            <a:r>
-              <a:rPr lang="en-US" baseline="0" dirty="0" err="1" smtClean="0"/>
-              <a:t>năng</a:t>
-            </a:r>
-            <a:r>
-              <a:rPr lang="en-US" baseline="0" dirty="0" smtClean="0"/>
-              <a:t> </a:t>
-            </a:r>
-            <a:r>
-              <a:rPr lang="en-US" baseline="0" dirty="0" err="1" smtClean="0"/>
-              <a:t>chọn</a:t>
-            </a:r>
-            <a:r>
-              <a:rPr lang="en-US" baseline="0" dirty="0" smtClean="0"/>
-              <a:t> </a:t>
-            </a:r>
-            <a:r>
-              <a:rPr lang="en-US" baseline="0" dirty="0" err="1" smtClean="0"/>
-              <a:t>môn</a:t>
-            </a:r>
-            <a:r>
-              <a:rPr lang="en-US" baseline="0" dirty="0" smtClean="0"/>
-              <a:t>, </a:t>
-            </a:r>
-            <a:r>
-              <a:rPr lang="en-US" baseline="0" dirty="0" err="1" smtClean="0"/>
-              <a:t>chọn</a:t>
-            </a:r>
-            <a:r>
-              <a:rPr lang="en-US" baseline="0" dirty="0" smtClean="0"/>
-              <a:t> chapter, </a:t>
-            </a:r>
-            <a:r>
-              <a:rPr lang="en-US" baseline="0" dirty="0" err="1" smtClean="0"/>
-              <a:t>chọn</a:t>
-            </a:r>
-            <a:r>
-              <a:rPr lang="en-US" baseline="0" dirty="0" smtClean="0"/>
-              <a:t> </a:t>
-            </a:r>
-            <a:r>
-              <a:rPr lang="en-US" baseline="0" dirty="0" err="1" smtClean="0"/>
-              <a:t>bài</a:t>
-            </a:r>
-            <a:r>
-              <a:rPr lang="en-US" baseline="0" dirty="0" smtClean="0"/>
-              <a:t>. </a:t>
-            </a:r>
-            <a:r>
-              <a:rPr lang="en-US" baseline="0" dirty="0" err="1" smtClean="0"/>
-              <a:t>Thư</a:t>
-            </a:r>
-            <a:r>
-              <a:rPr lang="en-US" baseline="0" dirty="0" smtClean="0"/>
-              <a:t> </a:t>
-            </a:r>
-            <a:r>
-              <a:rPr lang="en-US" baseline="0" dirty="0" err="1" smtClean="0"/>
-              <a:t>viện</a:t>
-            </a:r>
-            <a:r>
-              <a:rPr lang="en-US" baseline="0" dirty="0" smtClean="0"/>
-              <a:t> </a:t>
-            </a:r>
-            <a:r>
-              <a:rPr lang="en-US" baseline="0" dirty="0" err="1" smtClean="0"/>
-              <a:t>lý</a:t>
-            </a:r>
-            <a:r>
-              <a:rPr lang="en-US" baseline="0" dirty="0" smtClean="0"/>
-              <a:t> </a:t>
-            </a:r>
-            <a:r>
-              <a:rPr lang="en-US" baseline="0" dirty="0" err="1" smtClean="0"/>
-              <a:t>thuyết</a:t>
-            </a:r>
-            <a:r>
-              <a:rPr lang="en-US" baseline="0" dirty="0" smtClean="0"/>
-              <a:t> </a:t>
-            </a:r>
-            <a:r>
-              <a:rPr lang="en-US" baseline="0" dirty="0" err="1" smtClean="0"/>
-              <a:t>thi</a:t>
-            </a:r>
-            <a:r>
-              <a:rPr lang="en-US" baseline="0" dirty="0" smtClean="0"/>
-              <a:t> </a:t>
-            </a:r>
-            <a:r>
-              <a:rPr lang="en-US" baseline="0" dirty="0" err="1" smtClean="0"/>
-              <a:t>cũng</a:t>
-            </a:r>
-            <a:r>
-              <a:rPr lang="en-US" baseline="0" dirty="0" smtClean="0"/>
-              <a:t> </a:t>
-            </a:r>
-            <a:r>
-              <a:rPr lang="en-US" baseline="0" dirty="0" err="1" smtClean="0"/>
-              <a:t>vậy</a:t>
-            </a:r>
-            <a:r>
-              <a:rPr lang="en-US" baseline="0" dirty="0" smtClean="0"/>
-              <a:t>. </a:t>
-            </a:r>
-            <a:r>
-              <a:rPr lang="en-US" baseline="0" dirty="0" err="1" smtClean="0"/>
-              <a:t>Thử</a:t>
-            </a:r>
-            <a:r>
-              <a:rPr lang="en-US" baseline="0" dirty="0" smtClean="0"/>
-              <a:t> </a:t>
-            </a:r>
-            <a:r>
-              <a:rPr lang="en-US" baseline="0" dirty="0" err="1" smtClean="0"/>
-              <a:t>chụp</a:t>
-            </a:r>
-            <a:r>
-              <a:rPr lang="en-US" baseline="0" dirty="0" smtClean="0"/>
-              <a:t> </a:t>
-            </a:r>
-            <a:r>
-              <a:rPr lang="en-US" baseline="0" dirty="0" err="1" smtClean="0"/>
-              <a:t>ảnh</a:t>
-            </a:r>
-            <a:r>
-              <a:rPr lang="en-US" baseline="0" dirty="0" smtClean="0"/>
-              <a:t> </a:t>
-            </a:r>
-            <a:r>
-              <a:rPr lang="en-US" baseline="0" dirty="0" err="1" smtClean="0"/>
-              <a:t>mấy</a:t>
-            </a:r>
-            <a:r>
-              <a:rPr lang="en-US" baseline="0" dirty="0" smtClean="0"/>
-              <a:t> </a:t>
-            </a:r>
-            <a:r>
-              <a:rPr lang="en-US" baseline="0" dirty="0" err="1" smtClean="0"/>
-              <a:t>chức</a:t>
-            </a:r>
-            <a:r>
-              <a:rPr lang="en-US" baseline="0" dirty="0" smtClean="0"/>
-              <a:t> </a:t>
-            </a:r>
-            <a:r>
-              <a:rPr lang="en-US" baseline="0" dirty="0" err="1" smtClean="0"/>
-              <a:t>năng</a:t>
-            </a:r>
-            <a:r>
-              <a:rPr lang="en-US" baseline="0" dirty="0" smtClean="0"/>
-              <a:t> </a:t>
-            </a:r>
-            <a:r>
-              <a:rPr lang="en-US" baseline="0" dirty="0" err="1" smtClean="0"/>
-              <a:t>lên</a:t>
-            </a:r>
-            <a:r>
-              <a:rPr lang="en-US" baseline="0" dirty="0" smtClean="0"/>
-              <a:t> </a:t>
-            </a:r>
-            <a:r>
-              <a:rPr lang="en-US" baseline="0" dirty="0" err="1" smtClean="0"/>
-              <a:t>xem</a:t>
-            </a:r>
-            <a:r>
-              <a:rPr lang="en-US" baseline="0" dirty="0" smtClean="0"/>
-              <a:t>, </a:t>
-            </a:r>
-            <a:r>
-              <a:rPr lang="en-US" baseline="0" dirty="0" err="1" smtClean="0"/>
-              <a:t>cố</a:t>
-            </a:r>
-            <a:r>
-              <a:rPr lang="en-US" baseline="0" dirty="0" smtClean="0"/>
-              <a:t> </a:t>
-            </a:r>
-            <a:r>
-              <a:rPr lang="en-US" baseline="0" dirty="0" err="1" smtClean="0"/>
-              <a:t>gắng</a:t>
-            </a:r>
-            <a:r>
-              <a:rPr lang="en-US" baseline="0" dirty="0" smtClean="0"/>
-              <a:t> </a:t>
-            </a:r>
-            <a:r>
-              <a:rPr lang="en-US" baseline="0" dirty="0" err="1" smtClean="0"/>
-              <a:t>để</a:t>
-            </a:r>
-            <a:r>
-              <a:rPr lang="en-US" baseline="0" dirty="0" smtClean="0"/>
-              <a:t> </a:t>
-            </a:r>
-            <a:r>
-              <a:rPr lang="en-US" baseline="0" dirty="0" err="1" smtClean="0"/>
-              <a:t>ảnh</a:t>
-            </a:r>
-            <a:r>
-              <a:rPr lang="en-US" baseline="0" dirty="0" smtClean="0"/>
-              <a:t> </a:t>
-            </a:r>
-            <a:r>
-              <a:rPr lang="en-US" baseline="0" dirty="0" err="1" smtClean="0"/>
-              <a:t>rõ</a:t>
-            </a:r>
-            <a:r>
-              <a:rPr lang="en-US" baseline="0" dirty="0" smtClean="0"/>
-              <a:t> </a:t>
-            </a:r>
-            <a:r>
-              <a:rPr lang="en-US" baseline="0" dirty="0" err="1" smtClean="0"/>
-              <a:t>chữ</a:t>
-            </a:r>
-            <a:r>
-              <a:rPr lang="en-US" baseline="0" dirty="0" smtClean="0"/>
-              <a:t>, VD </a:t>
-            </a:r>
-            <a:r>
-              <a:rPr lang="en-US" baseline="0" dirty="0" err="1" smtClean="0"/>
-              <a:t>cái</a:t>
-            </a:r>
-            <a:r>
-              <a:rPr lang="en-US" baseline="0" dirty="0" smtClean="0"/>
-              <a:t> </a:t>
-            </a:r>
-            <a:r>
-              <a:rPr lang="en-US" baseline="0" dirty="0" err="1" smtClean="0"/>
-              <a:t>thư</a:t>
-            </a:r>
-            <a:r>
-              <a:rPr lang="en-US" baseline="0" dirty="0" smtClean="0"/>
-              <a:t> </a:t>
-            </a:r>
-            <a:r>
-              <a:rPr lang="en-US" baseline="0" dirty="0" err="1" smtClean="0"/>
-              <a:t>viện</a:t>
-            </a:r>
-            <a:r>
-              <a:rPr lang="en-US" baseline="0" dirty="0" smtClean="0"/>
-              <a:t> </a:t>
-            </a:r>
-            <a:r>
-              <a:rPr lang="en-US" baseline="0" dirty="0" err="1" smtClean="0"/>
-              <a:t>lý</a:t>
-            </a:r>
-            <a:r>
-              <a:rPr lang="en-US" baseline="0" dirty="0" smtClean="0"/>
-              <a:t> </a:t>
-            </a:r>
-            <a:r>
-              <a:rPr lang="en-US" baseline="0" dirty="0" err="1" smtClean="0"/>
-              <a:t>thuyết</a:t>
-            </a:r>
-            <a:r>
-              <a:rPr lang="en-US" baseline="0" dirty="0" smtClean="0"/>
-              <a:t> </a:t>
-            </a:r>
-            <a:r>
-              <a:rPr lang="en-US" baseline="0" dirty="0" err="1" smtClean="0"/>
-              <a:t>có</a:t>
-            </a:r>
-            <a:r>
-              <a:rPr lang="en-US" baseline="0" dirty="0" smtClean="0"/>
-              <a:t> 4 </a:t>
-            </a:r>
-            <a:r>
-              <a:rPr lang="en-US" baseline="0" dirty="0" err="1" smtClean="0"/>
-              <a:t>môn</a:t>
-            </a:r>
-            <a:r>
-              <a:rPr lang="en-US" baseline="0" dirty="0" smtClean="0"/>
-              <a:t> </a:t>
-            </a:r>
-            <a:r>
-              <a:rPr lang="en-US" baseline="0" dirty="0" err="1" smtClean="0"/>
-              <a:t>thì</a:t>
-            </a:r>
-            <a:r>
-              <a:rPr lang="en-US" baseline="0" dirty="0" smtClean="0"/>
-              <a:t> </a:t>
-            </a:r>
-            <a:r>
-              <a:rPr lang="en-US" baseline="0" dirty="0" err="1" smtClean="0"/>
-              <a:t>chụp</a:t>
-            </a:r>
-            <a:r>
-              <a:rPr lang="en-US" baseline="0" dirty="0" smtClean="0"/>
-              <a:t> 1 </a:t>
-            </a:r>
-            <a:r>
-              <a:rPr lang="en-US" baseline="0" dirty="0" err="1" smtClean="0"/>
-              <a:t>môn</a:t>
-            </a:r>
-            <a:r>
-              <a:rPr lang="en-US" baseline="0" dirty="0" smtClean="0"/>
-              <a:t> </a:t>
-            </a:r>
-            <a:r>
-              <a:rPr lang="en-US" baseline="0" dirty="0" err="1" smtClean="0"/>
-              <a:t>thôi</a:t>
-            </a:r>
-            <a:r>
-              <a:rPr lang="en-US" baseline="0" dirty="0" smtClean="0"/>
-              <a:t>. </a:t>
-            </a:r>
-            <a:r>
-              <a:rPr lang="en-US" baseline="0" dirty="0" err="1" smtClean="0"/>
-              <a:t>Hôm</a:t>
-            </a:r>
-            <a:r>
-              <a:rPr lang="en-US" baseline="0" dirty="0" smtClean="0"/>
-              <a:t> qua </a:t>
-            </a:r>
-            <a:r>
-              <a:rPr lang="en-US" baseline="0" dirty="0" err="1" smtClean="0"/>
-              <a:t>thấy</a:t>
-            </a:r>
-            <a:r>
-              <a:rPr lang="en-US" baseline="0" dirty="0" smtClean="0"/>
-              <a:t> </a:t>
-            </a:r>
-            <a:r>
-              <a:rPr lang="en-US" baseline="0" dirty="0" err="1" smtClean="0"/>
-              <a:t>thầy</a:t>
-            </a:r>
-            <a:r>
-              <a:rPr lang="en-US" baseline="0" dirty="0" smtClean="0"/>
-              <a:t> comment </a:t>
-            </a:r>
-            <a:r>
-              <a:rPr lang="en-US" baseline="0" dirty="0" err="1" smtClean="0"/>
-              <a:t>nhóm</a:t>
-            </a:r>
-            <a:r>
-              <a:rPr lang="en-US" baseline="0" dirty="0" smtClean="0"/>
-              <a:t> </a:t>
-            </a:r>
-            <a:r>
-              <a:rPr lang="en-US" baseline="0" dirty="0" err="1" smtClean="0"/>
-              <a:t>cuối</a:t>
-            </a:r>
-            <a:r>
-              <a:rPr lang="en-US" baseline="0" dirty="0" smtClean="0"/>
-              <a:t> </a:t>
-            </a:r>
-            <a:r>
-              <a:rPr lang="en-US" baseline="0" dirty="0" err="1" smtClean="0"/>
-              <a:t>là</a:t>
-            </a:r>
-            <a:r>
-              <a:rPr lang="en-US" baseline="0" dirty="0" smtClean="0"/>
-              <a:t> SRS </a:t>
-            </a:r>
-            <a:r>
-              <a:rPr lang="en-US" baseline="0" dirty="0" err="1" smtClean="0"/>
-              <a:t>ko</a:t>
-            </a:r>
-            <a:r>
-              <a:rPr lang="en-US" baseline="0" dirty="0" smtClean="0"/>
-              <a:t> </a:t>
-            </a:r>
-            <a:r>
-              <a:rPr lang="en-US" baseline="0" dirty="0" err="1" smtClean="0"/>
-              <a:t>có</a:t>
-            </a:r>
-            <a:r>
-              <a:rPr lang="en-US" baseline="0" dirty="0" smtClean="0"/>
-              <a:t> </a:t>
-            </a:r>
-            <a:r>
-              <a:rPr lang="en-US" baseline="0" dirty="0" err="1" smtClean="0"/>
-              <a:t>ảnh</a:t>
-            </a:r>
-            <a:r>
-              <a:rPr lang="en-US" baseline="0" dirty="0" smtClean="0"/>
-              <a:t>, </a:t>
-            </a:r>
-            <a:r>
-              <a:rPr lang="en-US" baseline="0" dirty="0" err="1" smtClean="0"/>
-              <a:t>chỉ</a:t>
-            </a:r>
-            <a:r>
-              <a:rPr lang="en-US" baseline="0" dirty="0" smtClean="0"/>
-              <a:t> </a:t>
-            </a:r>
-            <a:r>
-              <a:rPr lang="en-US" baseline="0" dirty="0" err="1" smtClean="0"/>
-              <a:t>có</a:t>
-            </a:r>
-            <a:r>
-              <a:rPr lang="en-US" baseline="0" dirty="0" smtClean="0"/>
-              <a:t> </a:t>
-            </a:r>
-            <a:r>
-              <a:rPr lang="en-US" baseline="0" dirty="0" err="1" smtClean="0"/>
-              <a:t>chữ</a:t>
-            </a:r>
-            <a:r>
-              <a:rPr lang="en-US" baseline="0" dirty="0" smtClean="0"/>
-              <a:t> </a:t>
-            </a:r>
-            <a:r>
-              <a:rPr lang="en-US" baseline="0" dirty="0" err="1" smtClean="0"/>
-              <a:t>ko</a:t>
-            </a:r>
-            <a:r>
-              <a:rPr lang="en-US" baseline="0" dirty="0" smtClean="0"/>
-              <a:t> </a:t>
-            </a:r>
-            <a:r>
-              <a:rPr lang="en-US" baseline="0" dirty="0" err="1" smtClean="0"/>
-              <a:t>thôi</a:t>
-            </a:r>
-            <a:r>
-              <a:rPr lang="en-US" baseline="0" dirty="0" smtClean="0"/>
-              <a:t>, </a:t>
-            </a:r>
-            <a:r>
-              <a:rPr lang="en-US" baseline="0" dirty="0" err="1" smtClean="0"/>
-              <a:t>nhưng</a:t>
-            </a:r>
-            <a:r>
-              <a:rPr lang="en-US" baseline="0" dirty="0" smtClean="0"/>
-              <a:t> </a:t>
-            </a:r>
-            <a:r>
-              <a:rPr lang="en-US" baseline="0" dirty="0" err="1" smtClean="0"/>
-              <a:t>mà</a:t>
-            </a:r>
-            <a:r>
-              <a:rPr lang="en-US" baseline="0" dirty="0" smtClean="0"/>
-              <a:t> </a:t>
-            </a:r>
-            <a:r>
-              <a:rPr lang="en-US" baseline="0" dirty="0" err="1" smtClean="0"/>
-              <a:t>tao</a:t>
-            </a:r>
-            <a:r>
-              <a:rPr lang="en-US" baseline="0" dirty="0" smtClean="0"/>
-              <a:t> </a:t>
-            </a:r>
-            <a:r>
-              <a:rPr lang="en-US" baseline="0" dirty="0" err="1" smtClean="0"/>
-              <a:t>thấy</a:t>
-            </a:r>
-            <a:r>
-              <a:rPr lang="en-US" baseline="0" dirty="0" smtClean="0"/>
-              <a:t> </a:t>
-            </a:r>
-            <a:r>
-              <a:rPr lang="en-US" baseline="0" dirty="0" err="1" smtClean="0"/>
-              <a:t>phải</a:t>
-            </a:r>
-            <a:r>
-              <a:rPr lang="en-US" baseline="0" dirty="0" smtClean="0"/>
-              <a:t> </a:t>
-            </a:r>
-            <a:r>
-              <a:rPr lang="en-US" baseline="0" dirty="0" err="1" smtClean="0"/>
-              <a:t>cho</a:t>
-            </a:r>
-            <a:r>
-              <a:rPr lang="en-US" baseline="0" dirty="0" smtClean="0"/>
-              <a:t> </a:t>
-            </a:r>
-            <a:r>
-              <a:rPr lang="en-US" baseline="0" dirty="0" err="1" smtClean="0"/>
-              <a:t>ảnh</a:t>
-            </a:r>
-            <a:r>
-              <a:rPr lang="en-US" baseline="0" dirty="0" smtClean="0"/>
-              <a:t> </a:t>
-            </a:r>
-            <a:r>
-              <a:rPr lang="en-US" baseline="0" dirty="0" err="1" smtClean="0"/>
-              <a:t>vào</a:t>
-            </a:r>
-            <a:r>
-              <a:rPr lang="en-US" baseline="0" dirty="0" smtClean="0"/>
-              <a:t> </a:t>
-            </a:r>
-            <a:r>
-              <a:rPr lang="en-US" baseline="0" dirty="0" err="1" smtClean="0"/>
-              <a:t>mới</a:t>
-            </a:r>
-            <a:r>
-              <a:rPr lang="en-US" baseline="0" dirty="0" smtClean="0"/>
-              <a:t> </a:t>
-            </a:r>
-            <a:r>
-              <a:rPr lang="en-US" baseline="0" dirty="0" err="1" smtClean="0"/>
-              <a:t>rõ</a:t>
-            </a:r>
-            <a:r>
-              <a:rPr lang="en-US" baseline="0" dirty="0" smtClean="0"/>
-              <a:t> </a:t>
-            </a:r>
-            <a:r>
-              <a:rPr lang="en-US" baseline="0" dirty="0" err="1" smtClean="0"/>
-              <a:t>đc</a:t>
-            </a:r>
-            <a:r>
-              <a:rPr lang="en-US" baseline="0" dirty="0" smtClean="0"/>
-              <a:t> </a:t>
-            </a:r>
-            <a:r>
-              <a:rPr lang="en-US" baseline="0" dirty="0" err="1" smtClean="0"/>
-              <a:t>vì</a:t>
-            </a:r>
-            <a:r>
-              <a:rPr lang="en-US" baseline="0" dirty="0" smtClean="0"/>
-              <a:t> SRS </a:t>
-            </a:r>
-            <a:r>
-              <a:rPr lang="en-US" baseline="0" dirty="0" err="1" smtClean="0"/>
-              <a:t>thường</a:t>
-            </a:r>
-            <a:r>
-              <a:rPr lang="en-US" baseline="0" dirty="0" smtClean="0"/>
-              <a:t> </a:t>
-            </a:r>
-            <a:r>
-              <a:rPr lang="en-US" baseline="0" dirty="0" err="1" smtClean="0"/>
-              <a:t>đi</a:t>
-            </a:r>
-            <a:r>
-              <a:rPr lang="en-US" baseline="0" dirty="0" smtClean="0"/>
-              <a:t> </a:t>
-            </a:r>
-            <a:r>
-              <a:rPr lang="en-US" baseline="0" dirty="0" err="1" smtClean="0"/>
-              <a:t>kèm</a:t>
-            </a:r>
-            <a:r>
-              <a:rPr lang="en-US" baseline="0" dirty="0" smtClean="0"/>
-              <a:t> </a:t>
-            </a:r>
-            <a:r>
-              <a:rPr lang="en-US" baseline="0" dirty="0" err="1" smtClean="0"/>
-              <a:t>với</a:t>
-            </a:r>
-            <a:r>
-              <a:rPr lang="en-US" baseline="0" dirty="0" smtClean="0"/>
-              <a:t> </a:t>
-            </a:r>
-            <a:r>
-              <a:rPr lang="en-US" baseline="0" dirty="0" err="1" smtClean="0"/>
-              <a:t>cả</a:t>
-            </a:r>
-            <a:r>
-              <a:rPr lang="en-US" baseline="0" dirty="0" smtClean="0"/>
-              <a:t> prototype </a:t>
-            </a:r>
-            <a:r>
-              <a:rPr lang="en-US" baseline="0" dirty="0" err="1" smtClean="0"/>
-              <a:t>của</a:t>
-            </a:r>
-            <a:r>
-              <a:rPr lang="en-US" baseline="0" dirty="0" smtClean="0"/>
-              <a:t> </a:t>
-            </a:r>
-            <a:r>
-              <a:rPr lang="en-US" baseline="0" dirty="0" err="1" smtClean="0"/>
-              <a:t>dự</a:t>
-            </a:r>
-            <a:r>
-              <a:rPr lang="en-US" baseline="0" dirty="0" smtClean="0"/>
-              <a:t> </a:t>
-            </a:r>
-            <a:r>
-              <a:rPr lang="en-US" baseline="0" dirty="0" err="1" smtClean="0"/>
-              <a:t>án</a:t>
-            </a:r>
-            <a:r>
-              <a:rPr lang="en-US" baseline="0" dirty="0" smtClean="0"/>
-              <a:t>. </a:t>
-            </a:r>
-            <a:r>
-              <a:rPr lang="en-US" baseline="0" dirty="0" err="1" smtClean="0"/>
-              <a:t>Với</a:t>
-            </a:r>
-            <a:r>
-              <a:rPr lang="en-US" baseline="0" dirty="0" smtClean="0"/>
-              <a:t> </a:t>
-            </a:r>
-            <a:r>
-              <a:rPr lang="en-US" baseline="0" dirty="0" err="1" smtClean="0"/>
-              <a:t>cả</a:t>
-            </a:r>
-            <a:r>
-              <a:rPr lang="en-US" baseline="0" dirty="0" smtClean="0"/>
-              <a:t> </a:t>
-            </a:r>
-            <a:r>
-              <a:rPr lang="en-US" baseline="0" dirty="0" err="1" smtClean="0"/>
-              <a:t>nhóm</a:t>
-            </a:r>
-            <a:r>
-              <a:rPr lang="en-US" baseline="0" dirty="0" smtClean="0"/>
-              <a:t> </a:t>
-            </a:r>
-            <a:r>
-              <a:rPr lang="en-US" baseline="0" dirty="0" err="1" smtClean="0"/>
-              <a:t>Baokim</a:t>
-            </a:r>
-            <a:r>
-              <a:rPr lang="en-US" baseline="0" dirty="0" smtClean="0"/>
-              <a:t> </a:t>
-            </a:r>
-            <a:r>
-              <a:rPr lang="en-US" baseline="0" dirty="0" err="1" smtClean="0"/>
-              <a:t>thấy</a:t>
-            </a:r>
-            <a:r>
-              <a:rPr lang="en-US" baseline="0" dirty="0" smtClean="0"/>
-              <a:t> </a:t>
-            </a:r>
-            <a:r>
-              <a:rPr lang="en-US" baseline="0" dirty="0" err="1" smtClean="0"/>
-              <a:t>có</a:t>
-            </a:r>
-            <a:r>
-              <a:rPr lang="en-US" baseline="0" dirty="0" smtClean="0"/>
-              <a:t> </a:t>
-            </a:r>
-            <a:r>
-              <a:rPr lang="en-US" baseline="0" dirty="0" err="1" smtClean="0"/>
-              <a:t>cho</a:t>
-            </a:r>
-            <a:r>
-              <a:rPr lang="en-US" baseline="0" dirty="0" smtClean="0"/>
-              <a:t> </a:t>
-            </a:r>
-            <a:r>
-              <a:rPr lang="en-US" baseline="0" dirty="0" err="1" smtClean="0"/>
-              <a:t>ảnh</a:t>
-            </a:r>
-            <a:r>
-              <a:rPr lang="en-US" baseline="0" dirty="0" smtClean="0"/>
-              <a:t> </a:t>
-            </a:r>
-            <a:r>
-              <a:rPr lang="en-US" baseline="0" dirty="0" err="1" smtClean="0"/>
-              <a:t>vào</a:t>
-            </a:r>
-            <a:r>
-              <a:rPr lang="en-US" baseline="0" dirty="0" smtClean="0"/>
-              <a:t> </a:t>
-            </a:r>
-            <a:r>
-              <a:rPr lang="en-US" baseline="0" dirty="0" err="1" smtClean="0"/>
-              <a:t>rồi</a:t>
-            </a:r>
-            <a:r>
-              <a:rPr lang="en-US" baseline="0" dirty="0" smtClean="0"/>
-              <a:t> </a:t>
-            </a:r>
-            <a:r>
-              <a:rPr lang="en-US" baseline="0" dirty="0" err="1" smtClean="0"/>
-              <a:t>mô</a:t>
-            </a:r>
-            <a:r>
-              <a:rPr lang="en-US" baseline="0" dirty="0" smtClean="0"/>
-              <a:t> </a:t>
-            </a:r>
-            <a:r>
-              <a:rPr lang="en-US" baseline="0" dirty="0" err="1" smtClean="0"/>
-              <a:t>tả</a:t>
-            </a:r>
-            <a:r>
-              <a:rPr lang="en-US" baseline="0" dirty="0" smtClean="0"/>
-              <a:t> </a:t>
-            </a:r>
-            <a:r>
-              <a:rPr lang="en-US" baseline="0" dirty="0" err="1" smtClean="0"/>
-              <a:t>cụ</a:t>
-            </a:r>
-            <a:r>
-              <a:rPr lang="en-US" baseline="0" dirty="0" smtClean="0"/>
-              <a:t> </a:t>
-            </a:r>
-            <a:r>
-              <a:rPr lang="en-US" baseline="0" dirty="0" err="1" smtClean="0"/>
-              <a:t>thể</a:t>
-            </a:r>
-            <a:r>
-              <a:rPr lang="en-US" baseline="0" dirty="0" smtClean="0"/>
-              <a:t> </a:t>
-            </a:r>
-            <a:r>
-              <a:rPr lang="en-US" baseline="0" dirty="0" err="1" smtClean="0"/>
-              <a:t>từng</a:t>
-            </a:r>
-            <a:r>
-              <a:rPr lang="en-US" baseline="0" dirty="0" smtClean="0"/>
-              <a:t> button </a:t>
-            </a:r>
-            <a:r>
-              <a:rPr lang="en-US" baseline="0" dirty="0" err="1" smtClean="0"/>
-              <a:t>cũng</a:t>
-            </a:r>
-            <a:r>
-              <a:rPr lang="en-US" baseline="0" dirty="0" smtClean="0"/>
-              <a:t> </a:t>
-            </a:r>
-            <a:r>
-              <a:rPr lang="en-US" baseline="0" dirty="0" err="1" smtClean="0"/>
-              <a:t>có</a:t>
-            </a:r>
-            <a:r>
-              <a:rPr lang="en-US" baseline="0" dirty="0" smtClean="0"/>
-              <a:t> </a:t>
-            </a:r>
-            <a:r>
-              <a:rPr lang="en-US" baseline="0" dirty="0" err="1" smtClean="0"/>
-              <a:t>bị</a:t>
-            </a:r>
-            <a:r>
-              <a:rPr lang="en-US" baseline="0" dirty="0" smtClean="0"/>
-              <a:t> </a:t>
-            </a:r>
-            <a:r>
-              <a:rPr lang="en-US" baseline="0" dirty="0" err="1" smtClean="0"/>
-              <a:t>thầy</a:t>
-            </a:r>
-            <a:r>
-              <a:rPr lang="en-US" baseline="0" dirty="0" smtClean="0"/>
-              <a:t> </a:t>
-            </a:r>
-            <a:r>
-              <a:rPr lang="en-US" baseline="0" dirty="0" err="1" smtClean="0"/>
-              <a:t>nói</a:t>
-            </a:r>
-            <a:r>
-              <a:rPr lang="en-US" baseline="0" dirty="0" smtClean="0"/>
-              <a:t> </a:t>
-            </a:r>
-            <a:r>
-              <a:rPr lang="en-US" baseline="0" dirty="0" err="1" smtClean="0"/>
-              <a:t>gì</a:t>
-            </a:r>
-            <a:r>
-              <a:rPr lang="en-US" baseline="0" dirty="0" smtClean="0"/>
-              <a:t> </a:t>
-            </a:r>
-            <a:r>
-              <a:rPr lang="en-US" baseline="0" dirty="0" err="1" smtClean="0"/>
-              <a:t>đâu</a:t>
-            </a:r>
-            <a:r>
-              <a:rPr lang="en-US" baseline="0" dirty="0" smtClean="0"/>
-              <a:t>. </a:t>
-            </a:r>
-            <a:r>
-              <a:rPr lang="en-US" baseline="0" dirty="0" err="1" smtClean="0"/>
-              <a:t>Thầy</a:t>
-            </a:r>
-            <a:r>
-              <a:rPr lang="en-US" baseline="0" dirty="0" smtClean="0"/>
-              <a:t> </a:t>
-            </a:r>
-            <a:r>
-              <a:rPr lang="en-US" baseline="0" dirty="0" err="1" smtClean="0"/>
-              <a:t>chỉ</a:t>
-            </a:r>
-            <a:r>
-              <a:rPr lang="en-US" baseline="0" dirty="0" smtClean="0"/>
-              <a:t> </a:t>
-            </a:r>
-            <a:r>
-              <a:rPr lang="en-US" baseline="0" dirty="0" err="1" smtClean="0"/>
-              <a:t>bảo</a:t>
-            </a:r>
-            <a:r>
-              <a:rPr lang="en-US" baseline="0" dirty="0" smtClean="0"/>
-              <a:t> </a:t>
-            </a:r>
-            <a:r>
-              <a:rPr lang="en-US" baseline="0" dirty="0" err="1" smtClean="0"/>
-              <a:t>là</a:t>
-            </a:r>
-            <a:r>
-              <a:rPr lang="en-US" baseline="0" dirty="0" smtClean="0"/>
-              <a:t> </a:t>
-            </a:r>
-            <a:r>
-              <a:rPr lang="en-US" baseline="0" dirty="0" err="1" smtClean="0"/>
-              <a:t>nhóm</a:t>
-            </a:r>
-            <a:r>
-              <a:rPr lang="en-US" baseline="0" dirty="0" smtClean="0"/>
-              <a:t> </a:t>
-            </a:r>
-            <a:r>
-              <a:rPr lang="en-US" baseline="0" dirty="0" err="1" smtClean="0"/>
-              <a:t>đấy</a:t>
-            </a:r>
-            <a:r>
-              <a:rPr lang="en-US" baseline="0" dirty="0" smtClean="0"/>
-              <a:t> </a:t>
-            </a:r>
-            <a:r>
-              <a:rPr lang="en-US" baseline="0" dirty="0" err="1" smtClean="0"/>
-              <a:t>làm</a:t>
-            </a:r>
-            <a:r>
-              <a:rPr lang="en-US" baseline="0" dirty="0" smtClean="0"/>
-              <a:t> </a:t>
-            </a:r>
-            <a:r>
-              <a:rPr lang="en-US" baseline="0" dirty="0" err="1" smtClean="0"/>
-              <a:t>trên</a:t>
-            </a:r>
-            <a:r>
-              <a:rPr lang="en-US" baseline="0" dirty="0" smtClean="0"/>
-              <a:t> mobile </a:t>
-            </a:r>
-            <a:r>
-              <a:rPr lang="en-US" baseline="0" dirty="0" err="1" smtClean="0"/>
-              <a:t>thì</a:t>
-            </a:r>
-            <a:r>
-              <a:rPr lang="en-US" baseline="0" dirty="0" smtClean="0"/>
-              <a:t> </a:t>
-            </a:r>
-            <a:r>
-              <a:rPr lang="en-US" baseline="0" dirty="0" err="1" smtClean="0"/>
-              <a:t>giao</a:t>
-            </a:r>
-            <a:r>
-              <a:rPr lang="en-US" baseline="0" dirty="0" smtClean="0"/>
-              <a:t> </a:t>
-            </a:r>
-            <a:r>
-              <a:rPr lang="en-US" baseline="0" dirty="0" err="1" smtClean="0"/>
-              <a:t>diện</a:t>
-            </a:r>
-            <a:r>
-              <a:rPr lang="en-US" baseline="0" dirty="0" smtClean="0"/>
-              <a:t> </a:t>
-            </a:r>
-            <a:r>
-              <a:rPr lang="en-US" baseline="0" dirty="0" err="1" smtClean="0"/>
-              <a:t>nó</a:t>
-            </a:r>
-            <a:r>
-              <a:rPr lang="en-US" baseline="0" dirty="0" smtClean="0"/>
-              <a:t> </a:t>
-            </a:r>
-            <a:r>
-              <a:rPr lang="en-US" baseline="0" dirty="0" err="1" smtClean="0"/>
-              <a:t>bé</a:t>
-            </a:r>
-            <a:r>
-              <a:rPr lang="en-US" baseline="0" dirty="0" smtClean="0"/>
-              <a:t>. </a:t>
-            </a:r>
-            <a:r>
-              <a:rPr lang="en-US" baseline="0" dirty="0" err="1" smtClean="0"/>
-              <a:t>Nhưng</a:t>
-            </a:r>
-            <a:r>
-              <a:rPr lang="en-US" baseline="0" dirty="0" smtClean="0"/>
-              <a:t> </a:t>
-            </a:r>
-            <a:r>
-              <a:rPr lang="en-US" baseline="0" dirty="0" err="1" smtClean="0"/>
-              <a:t>nếu</a:t>
-            </a:r>
-            <a:r>
-              <a:rPr lang="en-US" baseline="0" dirty="0" smtClean="0"/>
-              <a:t> </a:t>
-            </a:r>
-            <a:r>
-              <a:rPr lang="en-US" baseline="0" dirty="0" err="1" smtClean="0"/>
-              <a:t>mình</a:t>
-            </a:r>
-            <a:r>
-              <a:rPr lang="en-US" baseline="0" dirty="0" smtClean="0"/>
-              <a:t> demo </a:t>
-            </a:r>
-            <a:r>
-              <a:rPr lang="en-US" baseline="0" dirty="0" err="1" smtClean="0"/>
-              <a:t>có</a:t>
-            </a:r>
-            <a:r>
-              <a:rPr lang="en-US" baseline="0" dirty="0" smtClean="0"/>
-              <a:t> 2 </a:t>
-            </a:r>
-            <a:r>
-              <a:rPr lang="en-US" baseline="0" dirty="0" err="1" smtClean="0"/>
-              <a:t>cái</a:t>
-            </a:r>
-            <a:r>
-              <a:rPr lang="en-US" baseline="0" dirty="0" smtClean="0"/>
-              <a:t> </a:t>
-            </a:r>
-            <a:r>
-              <a:rPr lang="en-US" baseline="0" dirty="0" err="1" smtClean="0"/>
-              <a:t>làm</a:t>
-            </a:r>
-            <a:r>
-              <a:rPr lang="en-US" baseline="0" dirty="0" smtClean="0"/>
-              <a:t> </a:t>
-            </a:r>
-            <a:r>
-              <a:rPr lang="en-US" baseline="0" dirty="0" err="1" smtClean="0"/>
-              <a:t>mẫu</a:t>
-            </a:r>
-            <a:r>
-              <a:rPr lang="en-US" baseline="0" dirty="0" smtClean="0"/>
-              <a:t> </a:t>
-            </a:r>
-            <a:r>
-              <a:rPr lang="en-US" baseline="0" dirty="0" err="1" smtClean="0"/>
-              <a:t>thì</a:t>
-            </a:r>
-            <a:r>
-              <a:rPr lang="en-US" baseline="0" dirty="0" smtClean="0"/>
-              <a:t> </a:t>
-            </a:r>
-            <a:r>
-              <a:rPr lang="en-US" baseline="0" dirty="0" err="1" smtClean="0"/>
-              <a:t>cũng</a:t>
-            </a:r>
-            <a:r>
-              <a:rPr lang="en-US" baseline="0" dirty="0" smtClean="0"/>
-              <a:t> </a:t>
-            </a:r>
-            <a:r>
-              <a:rPr lang="en-US" baseline="0" dirty="0" err="1" smtClean="0"/>
-              <a:t>ko</a:t>
-            </a:r>
-            <a:r>
-              <a:rPr lang="en-US" baseline="0" dirty="0" smtClean="0"/>
-              <a:t> to </a:t>
-            </a:r>
-            <a:r>
-              <a:rPr lang="en-US" baseline="0" dirty="0" err="1" smtClean="0"/>
-              <a:t>lắm</a:t>
-            </a:r>
-            <a:r>
-              <a:rPr lang="en-US" baseline="0" dirty="0" smtClean="0"/>
-              <a:t>. </a:t>
-            </a:r>
-            <a:r>
-              <a:rPr lang="en-US" baseline="0" dirty="0" err="1" smtClean="0"/>
-              <a:t>Cái</a:t>
-            </a:r>
-            <a:r>
-              <a:rPr lang="en-US" baseline="0" dirty="0" smtClean="0"/>
-              <a:t> </a:t>
-            </a:r>
-            <a:r>
-              <a:rPr lang="en-US" baseline="0" dirty="0" err="1" smtClean="0"/>
-              <a:t>này</a:t>
-            </a:r>
-            <a:r>
-              <a:rPr lang="en-US" baseline="0" dirty="0" smtClean="0"/>
-              <a:t> </a:t>
-            </a:r>
-            <a:r>
-              <a:rPr lang="en-US" baseline="0" dirty="0" err="1" smtClean="0"/>
-              <a:t>thích</a:t>
-            </a:r>
-            <a:r>
-              <a:rPr lang="en-US" baseline="0" dirty="0" smtClean="0"/>
-              <a:t> </a:t>
-            </a:r>
-            <a:r>
-              <a:rPr lang="en-US" baseline="0" dirty="0" err="1" smtClean="0"/>
-              <a:t>thì</a:t>
-            </a:r>
-            <a:r>
-              <a:rPr lang="en-US" baseline="0" dirty="0" smtClean="0"/>
-              <a:t> confirm </a:t>
-            </a:r>
-            <a:r>
-              <a:rPr lang="en-US" baseline="0" dirty="0" err="1" smtClean="0"/>
-              <a:t>lại</a:t>
-            </a:r>
-            <a:r>
-              <a:rPr lang="en-US" baseline="0" dirty="0" smtClean="0"/>
-              <a:t> </a:t>
-            </a:r>
-            <a:r>
-              <a:rPr lang="en-US" baseline="0" dirty="0" err="1" smtClean="0"/>
-              <a:t>với</a:t>
-            </a:r>
-            <a:r>
-              <a:rPr lang="en-US" baseline="0" dirty="0" smtClean="0"/>
-              <a:t> </a:t>
-            </a:r>
-            <a:r>
-              <a:rPr lang="en-US" baseline="0" dirty="0" err="1" smtClean="0"/>
-              <a:t>thầy</a:t>
-            </a:r>
-            <a:r>
-              <a:rPr lang="en-US" baseline="0" dirty="0" smtClean="0"/>
-              <a:t>. </a:t>
-            </a:r>
-            <a:r>
-              <a:rPr lang="en-US" baseline="0" dirty="0" err="1" smtClean="0"/>
-              <a:t>Vì</a:t>
-            </a:r>
-            <a:r>
-              <a:rPr lang="en-US" baseline="0" dirty="0" smtClean="0"/>
-              <a:t> 2 </a:t>
-            </a:r>
-            <a:r>
-              <a:rPr lang="en-US" baseline="0" dirty="0" err="1" smtClean="0"/>
-              <a:t>cái</a:t>
-            </a:r>
-            <a:r>
-              <a:rPr lang="en-US" baseline="0" dirty="0" smtClean="0"/>
-              <a:t> </a:t>
-            </a:r>
-            <a:r>
-              <a:rPr lang="en-US" baseline="0" dirty="0" err="1" smtClean="0"/>
-              <a:t>thư</a:t>
-            </a:r>
-            <a:r>
-              <a:rPr lang="en-US" baseline="0" dirty="0" smtClean="0"/>
-              <a:t> </a:t>
-            </a:r>
-            <a:r>
-              <a:rPr lang="en-US" baseline="0" dirty="0" err="1" smtClean="0"/>
-              <a:t>viện</a:t>
-            </a:r>
-            <a:r>
-              <a:rPr lang="en-US" baseline="0" dirty="0" smtClean="0"/>
-              <a:t> </a:t>
-            </a:r>
-            <a:r>
-              <a:rPr lang="en-US" baseline="0" dirty="0" err="1" smtClean="0"/>
-              <a:t>tính</a:t>
-            </a:r>
-            <a:r>
-              <a:rPr lang="en-US" baseline="0" dirty="0" smtClean="0"/>
-              <a:t> </a:t>
-            </a:r>
-            <a:r>
-              <a:rPr lang="en-US" baseline="0" dirty="0" err="1" smtClean="0"/>
-              <a:t>ra</a:t>
-            </a:r>
-            <a:r>
-              <a:rPr lang="en-US" baseline="0" dirty="0" smtClean="0"/>
-              <a:t> </a:t>
-            </a:r>
-            <a:r>
-              <a:rPr lang="en-US" baseline="0" dirty="0" err="1" smtClean="0"/>
-              <a:t>cũng</a:t>
-            </a:r>
-            <a:r>
-              <a:rPr lang="en-US" baseline="0" dirty="0" smtClean="0"/>
-              <a:t> </a:t>
-            </a:r>
-            <a:r>
-              <a:rPr lang="en-US" baseline="0" dirty="0" err="1" smtClean="0"/>
-              <a:t>từng</a:t>
-            </a:r>
-            <a:r>
-              <a:rPr lang="en-US" baseline="0" dirty="0" smtClean="0"/>
-              <a:t> </a:t>
-            </a:r>
-            <a:r>
-              <a:rPr lang="en-US" baseline="0" dirty="0" err="1" smtClean="0"/>
-              <a:t>ấy</a:t>
-            </a:r>
-            <a:r>
-              <a:rPr lang="en-US" baseline="0" dirty="0" smtClean="0"/>
-              <a:t> </a:t>
-            </a:r>
-            <a:r>
-              <a:rPr lang="en-US" baseline="0" dirty="0" err="1" smtClean="0"/>
-              <a:t>chức</a:t>
-            </a:r>
-            <a:r>
-              <a:rPr lang="en-US" baseline="0" dirty="0" smtClean="0"/>
-              <a:t> </a:t>
-            </a:r>
-            <a:r>
-              <a:rPr lang="en-US" baseline="0" dirty="0" err="1" smtClean="0"/>
-              <a:t>năng</a:t>
-            </a:r>
-            <a:r>
-              <a:rPr lang="en-US" baseline="0" dirty="0" smtClean="0"/>
-              <a:t>, </a:t>
-            </a:r>
-            <a:r>
-              <a:rPr lang="en-US" baseline="0" dirty="0" err="1" smtClean="0"/>
-              <a:t>ko</a:t>
-            </a:r>
-            <a:r>
-              <a:rPr lang="en-US" baseline="0" dirty="0" smtClean="0"/>
-              <a:t> </a:t>
-            </a:r>
-            <a:r>
-              <a:rPr lang="en-US" baseline="0" dirty="0" err="1" smtClean="0"/>
-              <a:t>có</a:t>
-            </a:r>
-            <a:r>
-              <a:rPr lang="en-US" baseline="0" dirty="0" smtClean="0"/>
-              <a:t> </a:t>
-            </a:r>
-            <a:r>
-              <a:rPr lang="en-US" baseline="0" dirty="0" err="1" smtClean="0"/>
-              <a:t>ảnh</a:t>
-            </a:r>
-            <a:r>
-              <a:rPr lang="en-US" baseline="0" dirty="0" smtClean="0"/>
-              <a:t> </a:t>
-            </a:r>
-            <a:r>
-              <a:rPr lang="en-US" baseline="0" dirty="0" err="1" smtClean="0"/>
-              <a:t>thì</a:t>
-            </a:r>
-            <a:r>
-              <a:rPr lang="en-US" baseline="0" dirty="0" smtClean="0"/>
-              <a:t> </a:t>
-            </a:r>
-            <a:r>
-              <a:rPr lang="en-US" baseline="0" dirty="0" err="1" smtClean="0"/>
-              <a:t>cũng</a:t>
-            </a:r>
-            <a:r>
-              <a:rPr lang="en-US" baseline="0" dirty="0" smtClean="0"/>
-              <a:t> </a:t>
-            </a:r>
-            <a:r>
-              <a:rPr lang="en-US" baseline="0" dirty="0" err="1" smtClean="0"/>
-              <a:t>ko</a:t>
-            </a:r>
-            <a:r>
-              <a:rPr lang="en-US" baseline="0" dirty="0" smtClean="0"/>
-              <a:t> </a:t>
-            </a:r>
-            <a:r>
-              <a:rPr lang="en-US" baseline="0" dirty="0" err="1" smtClean="0"/>
-              <a:t>phân</a:t>
-            </a:r>
-            <a:r>
-              <a:rPr lang="en-US" baseline="0" dirty="0" smtClean="0"/>
-              <a:t> </a:t>
-            </a:r>
-            <a:r>
-              <a:rPr lang="en-US" baseline="0" dirty="0" err="1" smtClean="0"/>
-              <a:t>biệt</a:t>
-            </a:r>
-            <a:r>
-              <a:rPr lang="en-US" baseline="0" dirty="0" smtClean="0"/>
-              <a:t> </a:t>
-            </a:r>
-            <a:r>
-              <a:rPr lang="en-US" baseline="0" dirty="0" err="1" smtClean="0"/>
-              <a:t>đc</a:t>
-            </a:r>
-            <a:r>
-              <a:rPr lang="en-US" baseline="0" dirty="0" smtClean="0"/>
-              <a:t> </a:t>
-            </a:r>
-            <a:r>
-              <a:rPr lang="en-US" baseline="0" dirty="0" err="1" smtClean="0"/>
-              <a:t>cái</a:t>
-            </a:r>
-            <a:r>
-              <a:rPr lang="en-US" baseline="0" dirty="0" smtClean="0"/>
-              <a:t> </a:t>
-            </a:r>
-            <a:r>
-              <a:rPr lang="en-US" baseline="0" dirty="0" err="1" smtClean="0"/>
-              <a:t>nào</a:t>
-            </a:r>
-            <a:r>
-              <a:rPr lang="en-US" baseline="0" dirty="0" smtClean="0"/>
-              <a:t> </a:t>
-            </a:r>
-            <a:r>
-              <a:rPr lang="en-US" baseline="0" dirty="0" err="1" smtClean="0"/>
-              <a:t>với</a:t>
-            </a:r>
-            <a:r>
-              <a:rPr lang="en-US" baseline="0" dirty="0" smtClean="0"/>
-              <a:t> </a:t>
-            </a:r>
-            <a:r>
-              <a:rPr lang="en-US" baseline="0" dirty="0" err="1" smtClean="0"/>
-              <a:t>cái</a:t>
-            </a:r>
-            <a:r>
-              <a:rPr lang="en-US" baseline="0" dirty="0" smtClean="0"/>
-              <a:t> </a:t>
-            </a:r>
-            <a:r>
-              <a:rPr lang="en-US" baseline="0" dirty="0" err="1" smtClean="0"/>
-              <a:t>nào</a:t>
-            </a:r>
-            <a:r>
-              <a:rPr lang="en-US" baseline="0" dirty="0" smtClean="0"/>
+              <a:rPr lang="vi-VN" dirty="0" smtClean="0"/>
+              <a:t>Bên cạnh đó, thư viện bài tập giúp, luyện tập các kiến thức một cách tập trung và hiệu quả theo lựa chọn của người sử dụng</a:t>
+            </a:r>
+            <a:r>
+              <a:rPr lang="en-US" dirty="0" smtClean="0"/>
               <a:t>.</a:t>
             </a:r>
             <a:endParaRPr lang="en-US" dirty="0"/>
@@ -25173,7 +22786,7 @@
     </p:spTree>
     <p:extLst>
       <p:ext uri="{BB962C8B-B14F-4D97-AF65-F5344CB8AC3E}">
-        <p14:creationId xmlns:p14="http://schemas.microsoft.com/office/powerpoint/2010/main" val="1196908697"/>
+        <p14:creationId xmlns:p14="http://schemas.microsoft.com/office/powerpoint/2010/main" val="574989522"/>
       </p:ext>
     </p:extLst>
   </p:cSld>
@@ -25184,292 +22797,6 @@
 </file>
 
 <file path=ppt/notesSlides/notesSlide14.xml><?xml version="1.0" encoding="utf-8"?>
-<p:notes xmlns:a="http://schemas.openxmlformats.org/drawingml/2006/main" xmlns:r="http://schemas.openxmlformats.org/officeDocument/2006/relationships" xmlns:p="http://schemas.openxmlformats.org/presentationml/2006/main">
-  <p:cSld>
-    <p:spTree>
-      <p:nvGrpSpPr>
-        <p:cNvPr id="1" name=""/>
-        <p:cNvGrpSpPr/>
-        <p:nvPr/>
-      </p:nvGrpSpPr>
-      <p:grpSpPr>
-        <a:xfrm>
-          <a:off x="0" y="0"/>
-          <a:ext cx="0" cy="0"/>
-          <a:chOff x="0" y="0"/>
-          <a:chExt cx="0" cy="0"/>
-        </a:xfrm>
-      </p:grpSpPr>
-      <p:sp>
-        <p:nvSpPr>
-          <p:cNvPr id="2" name="Slide Image Placeholder 1"/>
-          <p:cNvSpPr>
-            <a:spLocks noGrp="1" noRot="1" noChangeAspect="1"/>
-          </p:cNvSpPr>
-          <p:nvPr>
-            <p:ph type="sldImg"/>
-          </p:nvPr>
-        </p:nvSpPr>
-        <p:spPr/>
-      </p:sp>
-      <p:sp>
-        <p:nvSpPr>
-          <p:cNvPr id="3" name="Notes Placeholder 2"/>
-          <p:cNvSpPr>
-            <a:spLocks noGrp="1"/>
-          </p:cNvSpPr>
-          <p:nvPr>
-            <p:ph type="body" idx="1"/>
-          </p:nvPr>
-        </p:nvSpPr>
-        <p:spPr/>
-        <p:txBody>
-          <a:bodyPr/>
-          <a:lstStyle/>
-          <a:p>
-            <a:r>
-              <a:rPr lang="vi-VN" dirty="0" smtClean="0"/>
-              <a:t>Bên cạnh đó, thư viện bài tập giúp, luyện tập các kiến thức một cách tập trung và hiệu quả theo lựa chọn của người sử dụng</a:t>
-            </a:r>
-            <a:r>
-              <a:rPr lang="en-US" dirty="0" smtClean="0"/>
-              <a:t>.</a:t>
-            </a:r>
-            <a:endParaRPr lang="en-US" dirty="0"/>
-          </a:p>
-        </p:txBody>
-      </p:sp>
-      <p:sp>
-        <p:nvSpPr>
-          <p:cNvPr id="4" name="Slide Number Placeholder 3"/>
-          <p:cNvSpPr>
-            <a:spLocks noGrp="1"/>
-          </p:cNvSpPr>
-          <p:nvPr>
-            <p:ph type="sldNum" sz="quarter" idx="10"/>
-          </p:nvPr>
-        </p:nvSpPr>
-        <p:spPr/>
-        <p:txBody>
-          <a:bodyPr/>
-          <a:lstStyle/>
-          <a:p>
-            <a:fld id="{94349F02-7B7E-4405-841E-9FEA710E9D5A}" type="slidenum">
-              <a:rPr lang="en-US" smtClean="0"/>
-              <a:t>20</a:t>
-            </a:fld>
-            <a:endParaRPr lang="en-US"/>
-          </a:p>
-        </p:txBody>
-      </p:sp>
-    </p:spTree>
-    <p:extLst>
-      <p:ext uri="{BB962C8B-B14F-4D97-AF65-F5344CB8AC3E}">
-        <p14:creationId xmlns:p14="http://schemas.microsoft.com/office/powerpoint/2010/main" val="574989522"/>
-      </p:ext>
-    </p:extLst>
-  </p:cSld>
-  <p:clrMapOvr>
-    <a:masterClrMapping/>
-  </p:clrMapOvr>
-</p:notes>
-</file>
-
-<file path=ppt/notesSlides/notesSlide15.xml><?xml version="1.0" encoding="utf-8"?>
-<p:notes xmlns:a="http://schemas.openxmlformats.org/drawingml/2006/main" xmlns:r="http://schemas.openxmlformats.org/officeDocument/2006/relationships" xmlns:p="http://schemas.openxmlformats.org/presentationml/2006/main">
-  <p:cSld>
-    <p:spTree>
-      <p:nvGrpSpPr>
-        <p:cNvPr id="1" name=""/>
-        <p:cNvGrpSpPr/>
-        <p:nvPr/>
-      </p:nvGrpSpPr>
-      <p:grpSpPr>
-        <a:xfrm>
-          <a:off x="0" y="0"/>
-          <a:ext cx="0" cy="0"/>
-          <a:chOff x="0" y="0"/>
-          <a:chExt cx="0" cy="0"/>
-        </a:xfrm>
-      </p:grpSpPr>
-      <p:sp>
-        <p:nvSpPr>
-          <p:cNvPr id="2" name="Slide Image Placeholder 1"/>
-          <p:cNvSpPr>
-            <a:spLocks noGrp="1" noRot="1" noChangeAspect="1"/>
-          </p:cNvSpPr>
-          <p:nvPr>
-            <p:ph type="sldImg"/>
-          </p:nvPr>
-        </p:nvSpPr>
-        <p:spPr/>
-      </p:sp>
-      <p:sp>
-        <p:nvSpPr>
-          <p:cNvPr id="3" name="Notes Placeholder 2"/>
-          <p:cNvSpPr>
-            <a:spLocks noGrp="1"/>
-          </p:cNvSpPr>
-          <p:nvPr>
-            <p:ph type="body" idx="1"/>
-          </p:nvPr>
-        </p:nvSpPr>
-        <p:spPr/>
-        <p:txBody>
-          <a:bodyPr/>
-          <a:lstStyle/>
-          <a:p>
-            <a:r>
-              <a:rPr lang="en-US" dirty="0" smtClean="0"/>
-              <a:t>(</a:t>
-            </a:r>
-            <a:r>
-              <a:rPr lang="en-US" dirty="0" err="1" smtClean="0"/>
-              <a:t>chỉ</a:t>
-            </a:r>
-            <a:r>
-              <a:rPr lang="en-US" baseline="0" dirty="0" smtClean="0"/>
-              <a:t> </a:t>
-            </a:r>
-            <a:r>
-              <a:rPr lang="en-US" baseline="0" dirty="0" err="1" smtClean="0"/>
-              <a:t>vào</a:t>
-            </a:r>
-            <a:r>
-              <a:rPr lang="en-US" baseline="0" dirty="0" smtClean="0"/>
-              <a:t> slide </a:t>
-            </a:r>
-            <a:r>
-              <a:rPr lang="en-US" baseline="0" dirty="0" err="1" smtClean="0"/>
-              <a:t>và</a:t>
-            </a:r>
-            <a:r>
-              <a:rPr lang="en-US" baseline="0" dirty="0" smtClean="0"/>
-              <a:t> </a:t>
-            </a:r>
-            <a:r>
-              <a:rPr lang="en-US" baseline="0" dirty="0" err="1" smtClean="0"/>
-              <a:t>giải</a:t>
-            </a:r>
-            <a:r>
-              <a:rPr lang="en-US" baseline="0" dirty="0" smtClean="0"/>
-              <a:t> </a:t>
-            </a:r>
-            <a:r>
-              <a:rPr lang="en-US" baseline="0" dirty="0" err="1" smtClean="0"/>
-              <a:t>thik</a:t>
-            </a:r>
-            <a:r>
-              <a:rPr lang="en-US" baseline="0" dirty="0" smtClean="0"/>
-              <a:t>) ….</a:t>
-            </a:r>
-            <a:r>
-              <a:rPr lang="en-US" baseline="0" dirty="0" err="1" smtClean="0"/>
-              <a:t>khi</a:t>
-            </a:r>
-            <a:r>
-              <a:rPr lang="en-US" baseline="0" dirty="0" smtClean="0"/>
-              <a:t> </a:t>
-            </a:r>
-            <a:r>
-              <a:rPr lang="en-US" baseline="0" dirty="0" err="1" smtClean="0"/>
-              <a:t>chúng</a:t>
-            </a:r>
-            <a:r>
-              <a:rPr lang="en-US" baseline="0" dirty="0" smtClean="0"/>
-              <a:t> ta click </a:t>
-            </a:r>
-            <a:r>
-              <a:rPr lang="en-US" baseline="0" dirty="0" err="1" smtClean="0"/>
-              <a:t>vào</a:t>
-            </a:r>
-            <a:r>
-              <a:rPr lang="en-US" baseline="0" dirty="0" smtClean="0"/>
-              <a:t> </a:t>
-            </a:r>
-            <a:r>
-              <a:rPr lang="en-US" baseline="0" dirty="0" err="1" smtClean="0"/>
-              <a:t>nút</a:t>
-            </a:r>
-            <a:r>
-              <a:rPr lang="en-US" baseline="0" dirty="0" smtClean="0"/>
-              <a:t> </a:t>
-            </a:r>
-            <a:r>
-              <a:rPr lang="en-US" baseline="0" dirty="0" err="1" smtClean="0"/>
-              <a:t>làm</a:t>
-            </a:r>
-            <a:r>
-              <a:rPr lang="en-US" baseline="0" dirty="0" smtClean="0"/>
-              <a:t> </a:t>
-            </a:r>
-            <a:r>
-              <a:rPr lang="en-US" baseline="0" dirty="0" err="1" smtClean="0"/>
-              <a:t>bài</a:t>
-            </a:r>
-            <a:r>
-              <a:rPr lang="en-US" baseline="0" dirty="0" smtClean="0"/>
-              <a:t> </a:t>
-            </a:r>
-            <a:r>
-              <a:rPr lang="en-US" baseline="0" dirty="0" smtClean="0">
-                <a:sym typeface="Wingdings" pitchFamily="2" charset="2"/>
-              </a:rPr>
-              <a:t> </a:t>
-            </a:r>
-            <a:r>
-              <a:rPr lang="en-US" baseline="0" dirty="0" err="1" smtClean="0">
-                <a:sym typeface="Wingdings" pitchFamily="2" charset="2"/>
-              </a:rPr>
-              <a:t>ấn</a:t>
-            </a:r>
-            <a:r>
-              <a:rPr lang="en-US" baseline="0" dirty="0" smtClean="0">
-                <a:sym typeface="Wingdings" pitchFamily="2" charset="2"/>
-              </a:rPr>
-              <a:t> next</a:t>
-            </a:r>
-            <a:endParaRPr lang="en-US" dirty="0"/>
-          </a:p>
-        </p:txBody>
-      </p:sp>
-      <p:sp>
-        <p:nvSpPr>
-          <p:cNvPr id="4" name="Slide Number Placeholder 3"/>
-          <p:cNvSpPr>
-            <a:spLocks noGrp="1"/>
-          </p:cNvSpPr>
-          <p:nvPr>
-            <p:ph type="sldNum" sz="quarter" idx="10"/>
-          </p:nvPr>
-        </p:nvSpPr>
-        <p:spPr/>
-        <p:txBody>
-          <a:bodyPr/>
-          <a:lstStyle/>
-          <a:p>
-            <a:fld id="{94349F02-7B7E-4405-841E-9FEA710E9D5A}" type="slidenum">
-              <a:rPr lang="en-US" smtClean="0"/>
-              <a:t>21</a:t>
-            </a:fld>
-            <a:endParaRPr lang="en-US"/>
-          </a:p>
-        </p:txBody>
-      </p:sp>
-    </p:spTree>
-    <p:extLst>
-      <p:ext uri="{BB962C8B-B14F-4D97-AF65-F5344CB8AC3E}">
-        <p14:creationId xmlns:p14="http://schemas.microsoft.com/office/powerpoint/2010/main" val="550549366"/>
-      </p:ext>
-    </p:extLst>
-  </p:cSld>
-  <p:clrMapOvr>
-    <a:masterClrMapping/>
-  </p:clrMapOvr>
-</p:notes>
-</file>
-
-<file path=ppt/notesSlides/notesSlide16.xml><?xml version="1.0" encoding="utf-8"?>
 <p:notes xmlns:a="http://schemas.openxmlformats.org/drawingml/2006/main" xmlns:r="http://schemas.openxmlformats.org/officeDocument/2006/relationships" xmlns:p="http://schemas.openxmlformats.org/presentationml/2006/main">
   <p:cSld>
     <p:spTree>
@@ -26231,7 +23558,7 @@
           <a:p>
             <a:fld id="{94349F02-7B7E-4405-841E-9FEA710E9D5A}" type="slidenum">
               <a:rPr lang="en-US" smtClean="0"/>
-              <a:t>22</a:t>
+              <a:t>20</a:t>
             </a:fld>
             <a:endParaRPr lang="en-US"/>
           </a:p>
@@ -26250,7 +23577,7 @@
 </p:notes>
 </file>
 
-<file path=ppt/notesSlides/notesSlide17.xml><?xml version="1.0" encoding="utf-8"?>
+<file path=ppt/notesSlides/notesSlide15.xml><?xml version="1.0" encoding="utf-8"?>
 <p:notes xmlns:a="http://schemas.openxmlformats.org/drawingml/2006/main" xmlns:r="http://schemas.openxmlformats.org/officeDocument/2006/relationships" xmlns:p="http://schemas.openxmlformats.org/presentationml/2006/main">
   <p:cSld>
     <p:spTree>
@@ -27168,6 +24495,1073 @@
           <a:p>
             <a:fld id="{94349F02-7B7E-4405-841E-9FEA710E9D5A}" type="slidenum">
               <a:rPr lang="en-US" smtClean="0"/>
+              <a:t>21</a:t>
+            </a:fld>
+            <a:endParaRPr lang="en-US"/>
+          </a:p>
+        </p:txBody>
+      </p:sp>
+    </p:spTree>
+    <p:extLst>
+      <p:ext uri="{BB962C8B-B14F-4D97-AF65-F5344CB8AC3E}">
+        <p14:creationId xmlns:p14="http://schemas.microsoft.com/office/powerpoint/2010/main" val="536148658"/>
+      </p:ext>
+    </p:extLst>
+  </p:cSld>
+  <p:clrMapOvr>
+    <a:masterClrMapping/>
+  </p:clrMapOvr>
+</p:notes>
+</file>
+
+<file path=ppt/notesSlides/notesSlide16.xml><?xml version="1.0" encoding="utf-8"?>
+<p:notes xmlns:a="http://schemas.openxmlformats.org/drawingml/2006/main" xmlns:r="http://schemas.openxmlformats.org/officeDocument/2006/relationships" xmlns:p="http://schemas.openxmlformats.org/presentationml/2006/main">
+  <p:cSld>
+    <p:spTree>
+      <p:nvGrpSpPr>
+        <p:cNvPr id="1" name=""/>
+        <p:cNvGrpSpPr/>
+        <p:nvPr/>
+      </p:nvGrpSpPr>
+      <p:grpSpPr>
+        <a:xfrm>
+          <a:off x="0" y="0"/>
+          <a:ext cx="0" cy="0"/>
+          <a:chOff x="0" y="0"/>
+          <a:chExt cx="0" cy="0"/>
+        </a:xfrm>
+      </p:grpSpPr>
+      <p:sp>
+        <p:nvSpPr>
+          <p:cNvPr id="2" name="Slide Image Placeholder 1"/>
+          <p:cNvSpPr>
+            <a:spLocks noGrp="1" noRot="1" noChangeAspect="1"/>
+          </p:cNvSpPr>
+          <p:nvPr>
+            <p:ph type="sldImg"/>
+          </p:nvPr>
+        </p:nvSpPr>
+        <p:spPr/>
+      </p:sp>
+      <p:sp>
+        <p:nvSpPr>
+          <p:cNvPr id="3" name="Notes Placeholder 2"/>
+          <p:cNvSpPr>
+            <a:spLocks noGrp="1"/>
+          </p:cNvSpPr>
+          <p:nvPr>
+            <p:ph type="body" idx="1"/>
+          </p:nvPr>
+        </p:nvSpPr>
+        <p:spPr/>
+        <p:txBody>
+          <a:bodyPr/>
+          <a:lstStyle/>
+          <a:p>
+            <a:r>
+              <a:rPr lang="en-US" dirty="0" smtClean="0"/>
+              <a:t>Day la </a:t>
+            </a:r>
+            <a:r>
+              <a:rPr lang="en-US" dirty="0" err="1" smtClean="0"/>
+              <a:t>thiet</a:t>
+            </a:r>
+            <a:r>
+              <a:rPr lang="en-US" dirty="0" smtClean="0"/>
+              <a:t> </a:t>
+            </a:r>
+            <a:r>
+              <a:rPr lang="en-US" dirty="0" err="1" smtClean="0"/>
+              <a:t>ke</a:t>
+            </a:r>
+            <a:r>
+              <a:rPr lang="en-US" dirty="0" smtClean="0"/>
+              <a:t> dang tree view </a:t>
+            </a:r>
+            <a:r>
+              <a:rPr lang="en-US" dirty="0" err="1" smtClean="0"/>
+              <a:t>ve</a:t>
+            </a:r>
+            <a:r>
+              <a:rPr lang="en-US" dirty="0" smtClean="0"/>
+              <a:t> he thong </a:t>
+            </a:r>
+            <a:r>
+              <a:rPr lang="en-US" dirty="0" err="1" smtClean="0"/>
+              <a:t>cua</a:t>
+            </a:r>
+            <a:r>
+              <a:rPr lang="en-US" dirty="0" smtClean="0"/>
+              <a:t> </a:t>
+            </a:r>
+            <a:r>
+              <a:rPr lang="en-US" dirty="0" err="1" smtClean="0"/>
+              <a:t>nhom</a:t>
+            </a:r>
+            <a:r>
+              <a:rPr lang="en-US" baseline="0" dirty="0" smtClean="0"/>
+              <a:t> e. </a:t>
+            </a:r>
+            <a:r>
+              <a:rPr lang="en-US" baseline="0" dirty="0" err="1" smtClean="0"/>
+              <a:t>Cac</a:t>
+            </a:r>
+            <a:r>
+              <a:rPr lang="en-US" baseline="0" dirty="0" smtClean="0"/>
+              <a:t> component dc chia </a:t>
+            </a:r>
+            <a:r>
+              <a:rPr lang="en-US" baseline="0" dirty="0" err="1" smtClean="0"/>
+              <a:t>thanh</a:t>
+            </a:r>
+            <a:r>
+              <a:rPr lang="en-US" baseline="0" dirty="0" smtClean="0"/>
+              <a:t> </a:t>
+            </a:r>
+            <a:r>
+              <a:rPr lang="en-US" baseline="0" dirty="0" err="1" smtClean="0"/>
+              <a:t>tung</a:t>
+            </a:r>
+            <a:r>
+              <a:rPr lang="en-US" baseline="0" dirty="0" smtClean="0"/>
+              <a:t> folder tang </a:t>
+            </a:r>
+            <a:r>
+              <a:rPr lang="en-US" baseline="0" dirty="0" err="1" smtClean="0"/>
+              <a:t>tinh</a:t>
+            </a:r>
+            <a:r>
+              <a:rPr lang="en-US" baseline="0" dirty="0" smtClean="0"/>
+              <a:t> </a:t>
+            </a:r>
+            <a:r>
+              <a:rPr lang="en-US" baseline="0" dirty="0" err="1" smtClean="0"/>
+              <a:t>bao</a:t>
+            </a:r>
+            <a:r>
+              <a:rPr lang="en-US" baseline="0" dirty="0" smtClean="0"/>
+              <a:t> mat </a:t>
+            </a:r>
+            <a:r>
+              <a:rPr lang="en-US" baseline="0" dirty="0" err="1" smtClean="0"/>
+              <a:t>va</a:t>
+            </a:r>
+            <a:r>
+              <a:rPr lang="en-US" baseline="0" dirty="0" smtClean="0"/>
+              <a:t> </a:t>
+            </a:r>
+            <a:r>
+              <a:rPr lang="en-US" baseline="0" dirty="0" err="1" smtClean="0"/>
+              <a:t>tinh</a:t>
+            </a:r>
+            <a:r>
+              <a:rPr lang="en-US" baseline="0" dirty="0" smtClean="0"/>
+              <a:t> maintain </a:t>
+            </a:r>
+            <a:r>
+              <a:rPr lang="en-US" baseline="0" dirty="0" err="1" smtClean="0"/>
+              <a:t>cho</a:t>
+            </a:r>
+            <a:r>
+              <a:rPr lang="en-US" baseline="0" dirty="0" smtClean="0"/>
+              <a:t> he thong.</a:t>
+            </a:r>
+            <a:endParaRPr lang="en-US" dirty="0"/>
+          </a:p>
+        </p:txBody>
+      </p:sp>
+      <p:sp>
+        <p:nvSpPr>
+          <p:cNvPr id="4" name="Slide Number Placeholder 3"/>
+          <p:cNvSpPr>
+            <a:spLocks noGrp="1"/>
+          </p:cNvSpPr>
+          <p:nvPr>
+            <p:ph type="sldNum" sz="quarter" idx="10"/>
+          </p:nvPr>
+        </p:nvSpPr>
+        <p:spPr/>
+        <p:txBody>
+          <a:bodyPr/>
+          <a:lstStyle/>
+          <a:p>
+            <a:fld id="{94349F02-7B7E-4405-841E-9FEA710E9D5A}" type="slidenum">
+              <a:rPr lang="en-US" smtClean="0"/>
+              <a:t>22</a:t>
+            </a:fld>
+            <a:endParaRPr lang="en-US"/>
+          </a:p>
+        </p:txBody>
+      </p:sp>
+    </p:spTree>
+    <p:extLst>
+      <p:ext uri="{BB962C8B-B14F-4D97-AF65-F5344CB8AC3E}">
+        <p14:creationId xmlns:p14="http://schemas.microsoft.com/office/powerpoint/2010/main" val="2435548979"/>
+      </p:ext>
+    </p:extLst>
+  </p:cSld>
+  <p:clrMapOvr>
+    <a:masterClrMapping/>
+  </p:clrMapOvr>
+</p:notes>
+</file>
+
+<file path=ppt/notesSlides/notesSlide17.xml><?xml version="1.0" encoding="utf-8"?>
+<p:notes xmlns:a="http://schemas.openxmlformats.org/drawingml/2006/main" xmlns:r="http://schemas.openxmlformats.org/officeDocument/2006/relationships" xmlns:p="http://schemas.openxmlformats.org/presentationml/2006/main">
+  <p:cSld>
+    <p:spTree>
+      <p:nvGrpSpPr>
+        <p:cNvPr id="1" name=""/>
+        <p:cNvGrpSpPr/>
+        <p:nvPr/>
+      </p:nvGrpSpPr>
+      <p:grpSpPr>
+        <a:xfrm>
+          <a:off x="0" y="0"/>
+          <a:ext cx="0" cy="0"/>
+          <a:chOff x="0" y="0"/>
+          <a:chExt cx="0" cy="0"/>
+        </a:xfrm>
+      </p:grpSpPr>
+      <p:sp>
+        <p:nvSpPr>
+          <p:cNvPr id="2" name="Slide Image Placeholder 1"/>
+          <p:cNvSpPr>
+            <a:spLocks noGrp="1" noRot="1" noChangeAspect="1"/>
+          </p:cNvSpPr>
+          <p:nvPr>
+            <p:ph type="sldImg"/>
+          </p:nvPr>
+        </p:nvSpPr>
+        <p:spPr/>
+      </p:sp>
+      <p:sp>
+        <p:nvSpPr>
+          <p:cNvPr id="3" name="Notes Placeholder 2"/>
+          <p:cNvSpPr>
+            <a:spLocks noGrp="1"/>
+          </p:cNvSpPr>
+          <p:nvPr>
+            <p:ph type="body" idx="1"/>
+          </p:nvPr>
+        </p:nvSpPr>
+        <p:spPr/>
+        <p:txBody>
+          <a:bodyPr/>
+          <a:lstStyle/>
+          <a:p>
+            <a:r>
+              <a:rPr lang="en-US" dirty="0" smtClean="0"/>
+              <a:t>Day</a:t>
+            </a:r>
+            <a:r>
+              <a:rPr lang="en-US" baseline="0" dirty="0" smtClean="0"/>
+              <a:t> la </a:t>
+            </a:r>
+            <a:r>
+              <a:rPr lang="en-US" baseline="0" dirty="0" err="1" smtClean="0"/>
+              <a:t>cau</a:t>
+            </a:r>
+            <a:r>
+              <a:rPr lang="en-US" baseline="0" dirty="0" smtClean="0"/>
+              <a:t> </a:t>
+            </a:r>
+            <a:r>
+              <a:rPr lang="en-US" baseline="0" dirty="0" err="1" smtClean="0"/>
+              <a:t>truc</a:t>
+            </a:r>
+            <a:r>
+              <a:rPr lang="en-US" baseline="0" dirty="0" smtClean="0"/>
+              <a:t> database </a:t>
+            </a:r>
+            <a:r>
+              <a:rPr lang="en-US" baseline="0" dirty="0" err="1" smtClean="0"/>
+              <a:t>cua</a:t>
+            </a:r>
+            <a:r>
+              <a:rPr lang="en-US" baseline="0" dirty="0" smtClean="0"/>
+              <a:t> he thong </a:t>
+            </a:r>
+            <a:r>
+              <a:rPr lang="en-US" baseline="0" dirty="0" err="1" smtClean="0"/>
+              <a:t>nhom</a:t>
+            </a:r>
+            <a:r>
+              <a:rPr lang="en-US" baseline="0" dirty="0" smtClean="0"/>
+              <a:t> e, e </a:t>
+            </a:r>
+            <a:r>
+              <a:rPr lang="en-US" baseline="0" dirty="0" err="1" smtClean="0"/>
+              <a:t>xin</a:t>
+            </a:r>
+            <a:r>
+              <a:rPr lang="en-US" baseline="0" dirty="0" smtClean="0"/>
+              <a:t> </a:t>
+            </a:r>
+            <a:r>
+              <a:rPr lang="en-US" baseline="0" dirty="0" err="1" smtClean="0"/>
+              <a:t>phep</a:t>
+            </a:r>
+            <a:r>
+              <a:rPr lang="en-US" baseline="0" dirty="0" smtClean="0"/>
+              <a:t> </a:t>
+            </a:r>
+            <a:r>
+              <a:rPr lang="en-US" baseline="0" dirty="0" err="1" smtClean="0"/>
+              <a:t>mo</a:t>
+            </a:r>
+            <a:r>
+              <a:rPr lang="en-US" baseline="0" dirty="0" smtClean="0"/>
+              <a:t>? </a:t>
+            </a:r>
+            <a:r>
+              <a:rPr lang="en-US" baseline="0" dirty="0" err="1" smtClean="0"/>
+              <a:t>Hinh</a:t>
+            </a:r>
+            <a:r>
+              <a:rPr lang="en-US" baseline="0" dirty="0" smtClean="0"/>
+              <a:t> </a:t>
+            </a:r>
+            <a:r>
+              <a:rPr lang="en-US" baseline="0" dirty="0" err="1" smtClean="0"/>
+              <a:t>lon</a:t>
+            </a:r>
+            <a:r>
+              <a:rPr lang="en-US" baseline="0" dirty="0" smtClean="0"/>
+              <a:t>’ </a:t>
+            </a:r>
+            <a:r>
+              <a:rPr lang="en-US" baseline="0" dirty="0" err="1" smtClean="0"/>
+              <a:t>hon</a:t>
+            </a:r>
+            <a:r>
+              <a:rPr lang="en-US" baseline="0" dirty="0" smtClean="0"/>
+              <a:t> de? </a:t>
+            </a:r>
+            <a:r>
+              <a:rPr lang="en-US" baseline="0" dirty="0" err="1" smtClean="0"/>
+              <a:t>Cac</a:t>
+            </a:r>
+            <a:r>
+              <a:rPr lang="en-US" baseline="0" dirty="0" smtClean="0"/>
+              <a:t> </a:t>
+            </a:r>
+            <a:r>
+              <a:rPr lang="en-US" baseline="0" dirty="0" err="1" smtClean="0"/>
+              <a:t>thay</a:t>
+            </a:r>
+            <a:r>
+              <a:rPr lang="en-US" baseline="0" dirty="0" smtClean="0"/>
+              <a:t> </a:t>
+            </a:r>
+            <a:r>
+              <a:rPr lang="en-US" baseline="0" dirty="0" err="1" smtClean="0"/>
+              <a:t>xem</a:t>
+            </a:r>
+            <a:r>
+              <a:rPr lang="en-US" baseline="0" dirty="0" smtClean="0"/>
+              <a:t>.</a:t>
+            </a:r>
+          </a:p>
+          <a:p>
+            <a:endParaRPr lang="en-US" baseline="0" dirty="0" smtClean="0"/>
+          </a:p>
+          <a:p>
+            <a:endParaRPr lang="en-US" dirty="0" smtClean="0"/>
+          </a:p>
+          <a:p>
+            <a:endParaRPr lang="en-US" dirty="0" smtClean="0"/>
+          </a:p>
+          <a:p>
+            <a:r>
+              <a:rPr lang="en-US" dirty="0" err="1" smtClean="0"/>
+              <a:t>Cái</a:t>
+            </a:r>
+            <a:r>
+              <a:rPr lang="en-US" baseline="0" dirty="0" smtClean="0"/>
+              <a:t> slide </a:t>
+            </a:r>
+            <a:r>
+              <a:rPr lang="en-US" baseline="0" dirty="0" err="1" smtClean="0"/>
+              <a:t>này</a:t>
+            </a:r>
+            <a:r>
+              <a:rPr lang="en-US" baseline="0" dirty="0" smtClean="0"/>
+              <a:t> </a:t>
+            </a:r>
+            <a:r>
+              <a:rPr lang="en-US" baseline="0" dirty="0" err="1" smtClean="0"/>
+              <a:t>bảng</a:t>
+            </a:r>
+            <a:r>
+              <a:rPr lang="en-US" baseline="0" dirty="0" smtClean="0"/>
+              <a:t> </a:t>
+            </a:r>
+            <a:r>
+              <a:rPr lang="en-US" baseline="0" dirty="0" err="1" smtClean="0"/>
+              <a:t>nào</a:t>
+            </a:r>
+            <a:r>
+              <a:rPr lang="en-US" baseline="0" dirty="0" smtClean="0"/>
+              <a:t> </a:t>
+            </a:r>
+            <a:r>
+              <a:rPr lang="en-US" baseline="0" dirty="0" err="1" smtClean="0"/>
+              <a:t>là</a:t>
+            </a:r>
+            <a:r>
+              <a:rPr lang="en-US" baseline="0" dirty="0" smtClean="0"/>
+              <a:t> </a:t>
+            </a:r>
+            <a:r>
+              <a:rPr lang="en-US" baseline="0" dirty="0" err="1" smtClean="0"/>
+              <a:t>bảnh</a:t>
+            </a:r>
+            <a:r>
+              <a:rPr lang="en-US" baseline="0" dirty="0" smtClean="0"/>
+              <a:t> </a:t>
+            </a:r>
+            <a:r>
+              <a:rPr lang="en-US" baseline="0" dirty="0" err="1" smtClean="0"/>
+              <a:t>chính</a:t>
+            </a:r>
+            <a:r>
+              <a:rPr lang="en-US" baseline="0" dirty="0" smtClean="0"/>
+              <a:t> </a:t>
+            </a:r>
+            <a:r>
+              <a:rPr lang="en-US" baseline="0" dirty="0" err="1" smtClean="0"/>
+              <a:t>thì</a:t>
+            </a:r>
+            <a:r>
+              <a:rPr lang="en-US" baseline="0" dirty="0" smtClean="0"/>
+              <a:t> </a:t>
+            </a:r>
+            <a:r>
+              <a:rPr lang="en-US" baseline="0" dirty="0" err="1" smtClean="0"/>
+              <a:t>bôi</a:t>
+            </a:r>
+            <a:r>
+              <a:rPr lang="en-US" baseline="0" dirty="0" smtClean="0"/>
+              <a:t> </a:t>
+            </a:r>
+            <a:r>
+              <a:rPr lang="en-US" baseline="0" dirty="0" err="1" smtClean="0"/>
+              <a:t>màu</a:t>
+            </a:r>
+            <a:r>
+              <a:rPr lang="en-US" baseline="0" dirty="0" smtClean="0"/>
+              <a:t> </a:t>
+            </a:r>
+            <a:r>
+              <a:rPr lang="en-US" baseline="0" dirty="0" err="1" smtClean="0"/>
+              <a:t>quanh</a:t>
+            </a:r>
+            <a:r>
+              <a:rPr lang="en-US" baseline="0" dirty="0" smtClean="0"/>
+              <a:t> </a:t>
+            </a:r>
+            <a:r>
+              <a:rPr lang="en-US" baseline="0" dirty="0" err="1" smtClean="0"/>
+              <a:t>bảng</a:t>
+            </a:r>
+            <a:r>
+              <a:rPr lang="en-US" baseline="0" dirty="0" smtClean="0"/>
+              <a:t> </a:t>
+            </a:r>
+            <a:r>
+              <a:rPr lang="en-US" baseline="0" dirty="0" err="1" smtClean="0"/>
+              <a:t>đó</a:t>
+            </a:r>
+            <a:r>
+              <a:rPr lang="en-US" baseline="0" dirty="0" smtClean="0"/>
+              <a:t> </a:t>
+            </a:r>
+            <a:r>
+              <a:rPr lang="en-US" baseline="0" dirty="0" err="1" smtClean="0"/>
+              <a:t>đi</a:t>
+            </a:r>
+            <a:r>
+              <a:rPr lang="en-US" baseline="0" dirty="0" smtClean="0"/>
+              <a:t> </a:t>
+            </a:r>
+            <a:r>
+              <a:rPr lang="en-US" baseline="0" dirty="0" err="1" smtClean="0"/>
+              <a:t>cho</a:t>
+            </a:r>
+            <a:r>
+              <a:rPr lang="en-US" baseline="0" dirty="0" smtClean="0"/>
+              <a:t> </a:t>
+            </a:r>
+            <a:r>
+              <a:rPr lang="en-US" baseline="0" dirty="0" err="1" smtClean="0"/>
+              <a:t>dễ</a:t>
+            </a:r>
+            <a:r>
+              <a:rPr lang="en-US" baseline="0" dirty="0" smtClean="0"/>
+              <a:t> </a:t>
+            </a:r>
+            <a:r>
+              <a:rPr lang="en-US" baseline="0" dirty="0" err="1" smtClean="0"/>
+              <a:t>nhìn</a:t>
+            </a:r>
+            <a:r>
+              <a:rPr lang="en-US" baseline="0" dirty="0" smtClean="0"/>
+              <a:t>, </a:t>
+            </a:r>
+            <a:r>
+              <a:rPr lang="en-US" baseline="0" dirty="0" err="1" smtClean="0"/>
+              <a:t>cả</a:t>
+            </a:r>
+            <a:r>
+              <a:rPr lang="en-US" baseline="0" dirty="0" smtClean="0"/>
+              <a:t> </a:t>
+            </a:r>
+            <a:r>
+              <a:rPr lang="en-US" baseline="0" dirty="0" err="1" smtClean="0"/>
+              <a:t>cái</a:t>
+            </a:r>
+            <a:r>
+              <a:rPr lang="en-US" baseline="0" dirty="0" smtClean="0"/>
+              <a:t> file class diagram </a:t>
+            </a:r>
+            <a:r>
+              <a:rPr lang="en-US" baseline="0" dirty="0" err="1" smtClean="0"/>
+              <a:t>bên</a:t>
+            </a:r>
+            <a:r>
+              <a:rPr lang="en-US" baseline="0" dirty="0" smtClean="0"/>
+              <a:t> </a:t>
+            </a:r>
+            <a:r>
+              <a:rPr lang="en-US" baseline="0" dirty="0" err="1" smtClean="0"/>
+              <a:t>ngoài</a:t>
+            </a:r>
+            <a:r>
+              <a:rPr lang="en-US" baseline="0" dirty="0" smtClean="0"/>
+              <a:t> </a:t>
+            </a:r>
+            <a:r>
+              <a:rPr lang="en-US" baseline="0" dirty="0" err="1" smtClean="0"/>
+              <a:t>nữa</a:t>
+            </a:r>
+            <a:r>
+              <a:rPr lang="en-US" baseline="0" dirty="0" smtClean="0"/>
+              <a:t>. </a:t>
+            </a:r>
+            <a:r>
+              <a:rPr lang="en-US" baseline="0" dirty="0" err="1" smtClean="0"/>
+              <a:t>Bôi</a:t>
+            </a:r>
+            <a:r>
+              <a:rPr lang="en-US" baseline="0" dirty="0" smtClean="0"/>
+              <a:t> </a:t>
+            </a:r>
+            <a:r>
+              <a:rPr lang="en-US" baseline="0" dirty="0" err="1" smtClean="0"/>
+              <a:t>màu</a:t>
+            </a:r>
+            <a:r>
+              <a:rPr lang="en-US" baseline="0" dirty="0" smtClean="0"/>
+              <a:t> </a:t>
+            </a:r>
+            <a:r>
+              <a:rPr lang="en-US" baseline="0" dirty="0" err="1" smtClean="0"/>
+              <a:t>rõ</a:t>
+            </a:r>
+            <a:r>
+              <a:rPr lang="en-US" baseline="0" dirty="0" smtClean="0"/>
+              <a:t> </a:t>
+            </a:r>
+            <a:r>
+              <a:rPr lang="en-US" baseline="0" dirty="0" err="1" smtClean="0"/>
+              <a:t>bảng</a:t>
+            </a:r>
+            <a:r>
+              <a:rPr lang="en-US" baseline="0" dirty="0" smtClean="0"/>
+              <a:t> </a:t>
+            </a:r>
+            <a:r>
+              <a:rPr lang="en-US" baseline="0" dirty="0" err="1" smtClean="0"/>
+              <a:t>chính</a:t>
+            </a:r>
+            <a:r>
+              <a:rPr lang="en-US" baseline="0" dirty="0" smtClean="0"/>
+              <a:t> </a:t>
+            </a:r>
+            <a:r>
+              <a:rPr lang="en-US" baseline="0" dirty="0" err="1" smtClean="0"/>
+              <a:t>và</a:t>
+            </a:r>
+            <a:r>
+              <a:rPr lang="en-US" baseline="0" dirty="0" smtClean="0"/>
+              <a:t> </a:t>
+            </a:r>
+            <a:r>
+              <a:rPr lang="en-US" baseline="0" dirty="0" err="1" smtClean="0"/>
+              <a:t>khi</a:t>
+            </a:r>
+            <a:r>
+              <a:rPr lang="en-US" baseline="0" dirty="0" smtClean="0"/>
+              <a:t> </a:t>
+            </a:r>
+            <a:r>
+              <a:rPr lang="en-US" baseline="0" dirty="0" err="1" smtClean="0"/>
+              <a:t>nói</a:t>
+            </a:r>
+            <a:r>
+              <a:rPr lang="en-US" baseline="0" dirty="0" smtClean="0"/>
+              <a:t> </a:t>
+            </a:r>
+            <a:r>
+              <a:rPr lang="en-US" baseline="0" dirty="0" err="1" smtClean="0"/>
+              <a:t>thì</a:t>
+            </a:r>
+            <a:r>
+              <a:rPr lang="en-US" baseline="0" dirty="0" smtClean="0"/>
+              <a:t> </a:t>
+            </a:r>
+            <a:r>
+              <a:rPr lang="en-US" baseline="0" dirty="0" err="1" smtClean="0"/>
+              <a:t>giải</a:t>
+            </a:r>
+            <a:r>
+              <a:rPr lang="en-US" baseline="0" dirty="0" smtClean="0"/>
+              <a:t> </a:t>
+            </a:r>
+            <a:r>
+              <a:rPr lang="en-US" baseline="0" dirty="0" err="1" smtClean="0"/>
+              <a:t>thích</a:t>
+            </a:r>
+            <a:r>
+              <a:rPr lang="en-US" baseline="0" dirty="0" smtClean="0"/>
+              <a:t> </a:t>
+            </a:r>
+            <a:r>
+              <a:rPr lang="en-US" baseline="0" dirty="0" err="1" smtClean="0"/>
+              <a:t>rõ</a:t>
+            </a:r>
+            <a:r>
+              <a:rPr lang="en-US" baseline="0" dirty="0" smtClean="0"/>
+              <a:t> </a:t>
+            </a:r>
+            <a:r>
+              <a:rPr lang="en-US" baseline="0" dirty="0" err="1" smtClean="0"/>
+              <a:t>quan</a:t>
+            </a:r>
+            <a:r>
+              <a:rPr lang="en-US" baseline="0" dirty="0" smtClean="0"/>
+              <a:t> </a:t>
+            </a:r>
+            <a:r>
+              <a:rPr lang="en-US" baseline="0" dirty="0" err="1" smtClean="0"/>
+              <a:t>hệ</a:t>
+            </a:r>
+            <a:r>
+              <a:rPr lang="en-US" baseline="0" dirty="0" smtClean="0"/>
+              <a:t> </a:t>
+            </a:r>
+            <a:r>
+              <a:rPr lang="en-US" baseline="0" dirty="0" err="1" smtClean="0"/>
+              <a:t>của</a:t>
+            </a:r>
+            <a:r>
+              <a:rPr lang="en-US" baseline="0" dirty="0" smtClean="0"/>
+              <a:t> </a:t>
+            </a:r>
+            <a:r>
+              <a:rPr lang="en-US" baseline="0" dirty="0" err="1" smtClean="0"/>
+              <a:t>bảng</a:t>
+            </a:r>
+            <a:r>
+              <a:rPr lang="en-US" baseline="0" dirty="0" smtClean="0"/>
+              <a:t> </a:t>
+            </a:r>
+            <a:r>
+              <a:rPr lang="en-US" baseline="0" dirty="0" err="1" smtClean="0"/>
+              <a:t>chính</a:t>
+            </a:r>
+            <a:r>
+              <a:rPr lang="en-US" baseline="0" dirty="0" smtClean="0"/>
+              <a:t> </a:t>
+            </a:r>
+            <a:r>
+              <a:rPr lang="en-US" baseline="0" dirty="0" err="1" smtClean="0"/>
+              <a:t>và</a:t>
+            </a:r>
+            <a:r>
+              <a:rPr lang="en-US" baseline="0" dirty="0" smtClean="0"/>
+              <a:t> </a:t>
+            </a:r>
+            <a:r>
+              <a:rPr lang="en-US" baseline="0" dirty="0" err="1" smtClean="0"/>
+              <a:t>các</a:t>
+            </a:r>
+            <a:r>
+              <a:rPr lang="en-US" baseline="0" dirty="0" smtClean="0"/>
+              <a:t> </a:t>
+            </a:r>
+            <a:r>
+              <a:rPr lang="en-US" baseline="0" dirty="0" err="1" smtClean="0"/>
+              <a:t>bảng</a:t>
+            </a:r>
+            <a:r>
+              <a:rPr lang="en-US" baseline="0" dirty="0" smtClean="0"/>
+              <a:t> </a:t>
+            </a:r>
+            <a:r>
+              <a:rPr lang="en-US" baseline="0" dirty="0" err="1" smtClean="0"/>
+              <a:t>khác</a:t>
+            </a:r>
+            <a:r>
+              <a:rPr lang="en-US" baseline="0" dirty="0" smtClean="0"/>
+              <a:t>. </a:t>
+            </a:r>
+            <a:r>
+              <a:rPr lang="en-US" baseline="0" dirty="0" err="1" smtClean="0"/>
+              <a:t>Bảng</a:t>
+            </a:r>
+            <a:r>
+              <a:rPr lang="en-US" baseline="0" dirty="0" smtClean="0"/>
+              <a:t> </a:t>
+            </a:r>
+            <a:r>
+              <a:rPr lang="en-US" baseline="0" dirty="0" err="1" smtClean="0"/>
+              <a:t>chính</a:t>
+            </a:r>
+            <a:r>
+              <a:rPr lang="en-US" baseline="0" dirty="0" smtClean="0"/>
+              <a:t> ở </a:t>
+            </a:r>
+            <a:r>
+              <a:rPr lang="en-US" baseline="0" dirty="0" err="1" smtClean="0"/>
+              <a:t>đây</a:t>
+            </a:r>
+            <a:r>
+              <a:rPr lang="en-US" baseline="0" dirty="0" smtClean="0"/>
+              <a:t> </a:t>
+            </a:r>
+            <a:r>
+              <a:rPr lang="en-US" baseline="0" dirty="0" err="1" smtClean="0"/>
+              <a:t>mày</a:t>
+            </a:r>
+            <a:r>
+              <a:rPr lang="en-US" baseline="0" dirty="0" smtClean="0"/>
+              <a:t> </a:t>
+            </a:r>
+            <a:r>
+              <a:rPr lang="en-US" baseline="0" dirty="0" err="1" smtClean="0"/>
+              <a:t>làm</a:t>
+            </a:r>
+            <a:r>
+              <a:rPr lang="en-US" baseline="0" dirty="0" smtClean="0"/>
+              <a:t> </a:t>
+            </a:r>
+            <a:r>
+              <a:rPr lang="en-US" baseline="0" dirty="0" err="1" smtClean="0"/>
+              <a:t>cho</a:t>
+            </a:r>
+            <a:r>
+              <a:rPr lang="en-US" baseline="0" dirty="0" smtClean="0"/>
+              <a:t> </a:t>
+            </a:r>
+            <a:r>
+              <a:rPr lang="en-US" baseline="0" dirty="0" err="1" smtClean="0"/>
+              <a:t>tao</a:t>
+            </a:r>
+            <a:r>
+              <a:rPr lang="en-US" baseline="0" dirty="0" smtClean="0"/>
+              <a:t> 2 </a:t>
+            </a:r>
+            <a:r>
+              <a:rPr lang="en-US" baseline="0" dirty="0" err="1" smtClean="0"/>
+              <a:t>bảng</a:t>
+            </a:r>
+            <a:r>
+              <a:rPr lang="en-US" baseline="0" dirty="0" smtClean="0"/>
+              <a:t> </a:t>
+            </a:r>
+            <a:r>
+              <a:rPr lang="en-US" baseline="0" dirty="0" err="1" smtClean="0"/>
+              <a:t>là</a:t>
+            </a:r>
+            <a:r>
+              <a:rPr lang="en-US" baseline="0" dirty="0" smtClean="0"/>
+              <a:t> question </a:t>
+            </a:r>
+            <a:r>
+              <a:rPr lang="en-US" baseline="0" dirty="0" err="1" smtClean="0"/>
+              <a:t>và</a:t>
+            </a:r>
+            <a:r>
+              <a:rPr lang="en-US" baseline="0" dirty="0" smtClean="0"/>
+              <a:t> answer. 2 </a:t>
+            </a:r>
+            <a:r>
+              <a:rPr lang="en-US" baseline="0" dirty="0" err="1" smtClean="0"/>
+              <a:t>bảng</a:t>
+            </a:r>
+            <a:r>
+              <a:rPr lang="en-US" baseline="0" dirty="0" smtClean="0"/>
+              <a:t> </a:t>
+            </a:r>
+            <a:r>
+              <a:rPr lang="en-US" baseline="0" dirty="0" err="1" smtClean="0"/>
+              <a:t>đấy</a:t>
+            </a:r>
+            <a:r>
+              <a:rPr lang="en-US" baseline="0" dirty="0" smtClean="0"/>
+              <a:t> </a:t>
+            </a:r>
+            <a:r>
+              <a:rPr lang="en-US" baseline="0" dirty="0" err="1" smtClean="0"/>
+              <a:t>dễ</a:t>
+            </a:r>
+            <a:r>
+              <a:rPr lang="en-US" baseline="0" dirty="0" smtClean="0"/>
+              <a:t> </a:t>
+            </a:r>
+            <a:r>
+              <a:rPr lang="en-US" baseline="0" dirty="0" err="1" smtClean="0"/>
+              <a:t>nói</a:t>
+            </a:r>
+            <a:r>
+              <a:rPr lang="en-US" baseline="0" dirty="0" smtClean="0"/>
+              <a:t> </a:t>
+            </a:r>
+            <a:r>
+              <a:rPr lang="en-US" baseline="0" dirty="0" err="1" smtClean="0"/>
+              <a:t>nhất</a:t>
+            </a:r>
+            <a:r>
+              <a:rPr lang="en-US" baseline="0" dirty="0" smtClean="0"/>
+              <a:t> </a:t>
+            </a:r>
+            <a:r>
+              <a:rPr lang="en-US" baseline="0" dirty="0" err="1" smtClean="0"/>
+              <a:t>mà</a:t>
+            </a:r>
+            <a:r>
+              <a:rPr lang="en-US" baseline="0" dirty="0" smtClean="0"/>
+              <a:t> </a:t>
+            </a:r>
+            <a:r>
+              <a:rPr lang="en-US" baseline="0" dirty="0" err="1" smtClean="0"/>
+              <a:t>mình</a:t>
+            </a:r>
+            <a:r>
+              <a:rPr lang="en-US" baseline="0" dirty="0" smtClean="0"/>
+              <a:t> code </a:t>
+            </a:r>
+            <a:r>
+              <a:rPr lang="en-US" baseline="0" dirty="0" err="1" smtClean="0"/>
+              <a:t>cũng</a:t>
+            </a:r>
+            <a:r>
+              <a:rPr lang="en-US" baseline="0" dirty="0" smtClean="0"/>
+              <a:t> </a:t>
+            </a:r>
+            <a:r>
+              <a:rPr lang="en-US" baseline="0" dirty="0" err="1" smtClean="0"/>
+              <a:t>xoáy</a:t>
+            </a:r>
+            <a:r>
+              <a:rPr lang="en-US" baseline="0" dirty="0" smtClean="0"/>
+              <a:t> </a:t>
+            </a:r>
+            <a:r>
+              <a:rPr lang="en-US" baseline="0" dirty="0" err="1" smtClean="0"/>
+              <a:t>vào</a:t>
+            </a:r>
+            <a:r>
+              <a:rPr lang="en-US" baseline="0" dirty="0" smtClean="0"/>
+              <a:t> 2 </a:t>
+            </a:r>
+            <a:r>
+              <a:rPr lang="en-US" baseline="0" dirty="0" err="1" smtClean="0"/>
+              <a:t>bảng</a:t>
+            </a:r>
+            <a:r>
+              <a:rPr lang="en-US" baseline="0" dirty="0" smtClean="0"/>
+              <a:t> </a:t>
+            </a:r>
+            <a:r>
+              <a:rPr lang="en-US" baseline="0" dirty="0" err="1" smtClean="0"/>
+              <a:t>đấy</a:t>
+            </a:r>
+            <a:r>
+              <a:rPr lang="en-US" baseline="0" dirty="0" smtClean="0"/>
+              <a:t> </a:t>
+            </a:r>
+            <a:r>
+              <a:rPr lang="en-US" baseline="0" dirty="0" err="1" smtClean="0"/>
+              <a:t>thôi</a:t>
+            </a:r>
+            <a:r>
+              <a:rPr lang="en-US" baseline="0" dirty="0" smtClean="0"/>
+              <a:t>. </a:t>
+            </a:r>
+            <a:r>
+              <a:rPr lang="en-US" baseline="0" dirty="0" err="1" smtClean="0"/>
+              <a:t>Bôi</a:t>
+            </a:r>
+            <a:r>
+              <a:rPr lang="en-US" baseline="0" dirty="0" smtClean="0"/>
+              <a:t> </a:t>
+            </a:r>
+            <a:r>
+              <a:rPr lang="en-US" baseline="0" dirty="0" err="1" smtClean="0"/>
+              <a:t>màu</a:t>
+            </a:r>
+            <a:r>
+              <a:rPr lang="en-US" baseline="0" dirty="0" smtClean="0"/>
+              <a:t> </a:t>
+            </a:r>
+            <a:r>
+              <a:rPr lang="en-US" baseline="0" dirty="0" err="1" smtClean="0"/>
+              <a:t>xanh</a:t>
+            </a:r>
+            <a:r>
+              <a:rPr lang="en-US" baseline="0" dirty="0" smtClean="0"/>
+              <a:t> </a:t>
+            </a:r>
+            <a:r>
+              <a:rPr lang="en-US" baseline="0" dirty="0" err="1" smtClean="0"/>
+              <a:t>đỏ</a:t>
+            </a:r>
+            <a:r>
+              <a:rPr lang="en-US" baseline="0" dirty="0" smtClean="0"/>
+              <a:t> </a:t>
+            </a:r>
+            <a:r>
+              <a:rPr lang="en-US" baseline="0" dirty="0" err="1" smtClean="0"/>
+              <a:t>tím</a:t>
+            </a:r>
+            <a:r>
+              <a:rPr lang="en-US" baseline="0" dirty="0" smtClean="0"/>
+              <a:t> </a:t>
+            </a:r>
+            <a:r>
+              <a:rPr lang="en-US" baseline="0" dirty="0" err="1" smtClean="0"/>
+              <a:t>vàng</a:t>
+            </a:r>
+            <a:r>
+              <a:rPr lang="en-US" baseline="0" dirty="0" smtClean="0"/>
+              <a:t> </a:t>
+            </a:r>
+            <a:r>
+              <a:rPr lang="en-US" baseline="0" dirty="0" err="1" smtClean="0"/>
+              <a:t>gì</a:t>
+            </a:r>
+            <a:r>
+              <a:rPr lang="en-US" baseline="0" dirty="0" smtClean="0"/>
+              <a:t> </a:t>
+            </a:r>
+            <a:r>
+              <a:rPr lang="en-US" baseline="0" dirty="0" err="1" smtClean="0"/>
+              <a:t>gì</a:t>
+            </a:r>
+            <a:r>
+              <a:rPr lang="en-US" baseline="0" dirty="0" smtClean="0"/>
+              <a:t> </a:t>
+            </a:r>
+            <a:r>
+              <a:rPr lang="en-US" baseline="0" dirty="0" err="1" smtClean="0"/>
+              <a:t>đấy</a:t>
+            </a:r>
+            <a:r>
+              <a:rPr lang="en-US" baseline="0" dirty="0" smtClean="0"/>
+              <a:t> </a:t>
+            </a:r>
+            <a:r>
+              <a:rPr lang="en-US" baseline="0" dirty="0" err="1" smtClean="0"/>
+              <a:t>quanh</a:t>
+            </a:r>
+            <a:r>
+              <a:rPr lang="en-US" baseline="0" dirty="0" smtClean="0"/>
+              <a:t> </a:t>
+            </a:r>
+            <a:r>
+              <a:rPr lang="en-US" baseline="0" dirty="0" err="1" smtClean="0"/>
+              <a:t>cái</a:t>
+            </a:r>
+            <a:r>
+              <a:rPr lang="en-US" baseline="0" dirty="0" smtClean="0"/>
+              <a:t> </a:t>
+            </a:r>
+            <a:r>
+              <a:rPr lang="en-US" baseline="0" dirty="0" err="1" smtClean="0"/>
+              <a:t>bảng</a:t>
+            </a:r>
+            <a:r>
+              <a:rPr lang="en-US" baseline="0" dirty="0" smtClean="0"/>
+              <a:t> </a:t>
+            </a:r>
+            <a:r>
+              <a:rPr lang="en-US" baseline="0" dirty="0" err="1" smtClean="0"/>
+              <a:t>chính</a:t>
+            </a:r>
+            <a:r>
+              <a:rPr lang="en-US" baseline="0" dirty="0" smtClean="0"/>
+              <a:t> </a:t>
+            </a:r>
+            <a:r>
+              <a:rPr lang="en-US" baseline="0" dirty="0" err="1" smtClean="0"/>
+              <a:t>cho</a:t>
+            </a:r>
+            <a:r>
+              <a:rPr lang="en-US" baseline="0" dirty="0" smtClean="0"/>
+              <a:t> </a:t>
+            </a:r>
+            <a:r>
+              <a:rPr lang="en-US" baseline="0" dirty="0" err="1" smtClean="0"/>
+              <a:t>nó</a:t>
+            </a:r>
+            <a:r>
+              <a:rPr lang="en-US" baseline="0" dirty="0" smtClean="0"/>
+              <a:t> </a:t>
+            </a:r>
+            <a:r>
+              <a:rPr lang="en-US" baseline="0" dirty="0" err="1" smtClean="0"/>
+              <a:t>nổi</a:t>
+            </a:r>
+            <a:r>
+              <a:rPr lang="en-US" baseline="0" dirty="0" smtClean="0"/>
+              <a:t> </a:t>
+            </a:r>
+            <a:r>
+              <a:rPr lang="en-US" baseline="0" dirty="0" err="1" smtClean="0"/>
+              <a:t>bật</a:t>
+            </a:r>
+            <a:r>
+              <a:rPr lang="en-US" baseline="0" dirty="0" smtClean="0"/>
+              <a:t> </a:t>
+            </a:r>
+            <a:r>
+              <a:rPr lang="en-US" baseline="0" dirty="0" err="1" smtClean="0"/>
+              <a:t>lên</a:t>
+            </a:r>
+            <a:endParaRPr lang="en-US" dirty="0"/>
+          </a:p>
+        </p:txBody>
+      </p:sp>
+      <p:sp>
+        <p:nvSpPr>
+          <p:cNvPr id="4" name="Slide Number Placeholder 3"/>
+          <p:cNvSpPr>
+            <a:spLocks noGrp="1"/>
+          </p:cNvSpPr>
+          <p:nvPr>
+            <p:ph type="sldNum" sz="quarter" idx="10"/>
+          </p:nvPr>
+        </p:nvSpPr>
+        <p:spPr/>
+        <p:txBody>
+          <a:bodyPr/>
+          <a:lstStyle/>
+          <a:p>
+            <a:fld id="{94349F02-7B7E-4405-841E-9FEA710E9D5A}" type="slidenum">
+              <a:rPr lang="en-US" smtClean="0"/>
               <a:t>23</a:t>
             </a:fld>
             <a:endParaRPr lang="en-US"/>
@@ -27177,7 +25571,7 @@
     </p:spTree>
     <p:extLst>
       <p:ext uri="{BB962C8B-B14F-4D97-AF65-F5344CB8AC3E}">
-        <p14:creationId xmlns:p14="http://schemas.microsoft.com/office/powerpoint/2010/main" val="536148658"/>
+        <p14:creationId xmlns:p14="http://schemas.microsoft.com/office/powerpoint/2010/main" val="4240182568"/>
       </p:ext>
     </p:extLst>
   </p:cSld>
@@ -27231,115 +25625,251 @@
           <a:bodyPr/>
           <a:lstStyle/>
           <a:p>
+            <a:pPr eaLnBrk="1" hangingPunct="1"/>
+            <a:r>
+              <a:rPr lang="en-US" dirty="0" err="1" smtClean="0"/>
+              <a:t>Chún</a:t>
+            </a:r>
+            <a:r>
+              <a:rPr lang="en-US" baseline="0" dirty="0" err="1" smtClean="0"/>
+              <a:t>g</a:t>
+            </a:r>
+            <a:r>
+              <a:rPr lang="en-US" baseline="0" dirty="0" smtClean="0"/>
+              <a:t> e </a:t>
+            </a:r>
+            <a:r>
+              <a:rPr lang="en-US" baseline="0" dirty="0" err="1" smtClean="0"/>
+              <a:t>sử</a:t>
+            </a:r>
+            <a:r>
+              <a:rPr lang="en-US" baseline="0" dirty="0" smtClean="0"/>
+              <a:t> </a:t>
+            </a:r>
+            <a:r>
+              <a:rPr lang="en-US" baseline="0" dirty="0" err="1" smtClean="0"/>
+              <a:t>dụng</a:t>
+            </a:r>
+            <a:r>
+              <a:rPr lang="en-US" baseline="0" dirty="0" smtClean="0"/>
+              <a:t> V-model </a:t>
+            </a:r>
+            <a:r>
+              <a:rPr lang="en-US" baseline="0" dirty="0" err="1" smtClean="0"/>
+              <a:t>trong</a:t>
+            </a:r>
+            <a:r>
+              <a:rPr lang="en-US" baseline="0" dirty="0" smtClean="0"/>
+              <a:t> </a:t>
+            </a:r>
+            <a:r>
+              <a:rPr lang="en-US" baseline="0" dirty="0" err="1" smtClean="0"/>
+              <a:t>quá</a:t>
+            </a:r>
+            <a:r>
+              <a:rPr lang="en-US" baseline="0" dirty="0" smtClean="0"/>
+              <a:t> </a:t>
+            </a:r>
+            <a:r>
+              <a:rPr lang="en-US" baseline="0" dirty="0" err="1" smtClean="0"/>
+              <a:t>trình</a:t>
+            </a:r>
+            <a:r>
+              <a:rPr lang="en-US" baseline="0" dirty="0" smtClean="0"/>
+              <a:t> test, </a:t>
+            </a:r>
+            <a:r>
+              <a:rPr lang="en-US" baseline="0" dirty="0" err="1" smtClean="0"/>
+              <a:t>mô</a:t>
+            </a:r>
+            <a:r>
+              <a:rPr lang="en-US" baseline="0" dirty="0" smtClean="0"/>
+              <a:t> </a:t>
+            </a:r>
+            <a:r>
+              <a:rPr lang="en-US" baseline="0" dirty="0" err="1" smtClean="0"/>
+              <a:t>hình</a:t>
+            </a:r>
+            <a:r>
+              <a:rPr lang="en-US" baseline="0" dirty="0" smtClean="0"/>
+              <a:t> </a:t>
+            </a:r>
+            <a:r>
+              <a:rPr lang="en-US" baseline="0" dirty="0" err="1" smtClean="0"/>
+              <a:t>này</a:t>
+            </a:r>
+            <a:r>
+              <a:rPr lang="en-US" baseline="0" dirty="0" smtClean="0"/>
+              <a:t> </a:t>
+            </a:r>
+            <a:r>
+              <a:rPr lang="en-US" baseline="0" dirty="0" err="1" smtClean="0"/>
+              <a:t>giúp</a:t>
+            </a:r>
+            <a:r>
+              <a:rPr lang="en-US" baseline="0" dirty="0" smtClean="0"/>
+              <a:t> </a:t>
+            </a:r>
+            <a:r>
+              <a:rPr lang="en-US" baseline="0" dirty="0" err="1" smtClean="0"/>
+              <a:t>nhóm</a:t>
+            </a:r>
+            <a:r>
+              <a:rPr lang="en-US" baseline="0" dirty="0" smtClean="0"/>
+              <a:t> e:</a:t>
+            </a:r>
+          </a:p>
+          <a:p>
+            <a:pPr eaLnBrk="1" hangingPunct="1"/>
+            <a:endParaRPr lang="en-US" dirty="0" smtClean="0"/>
+          </a:p>
+          <a:p>
+            <a:pPr eaLnBrk="1" hangingPunct="1"/>
             <a:r>
               <a:rPr lang="en-US" dirty="0" smtClean="0"/>
-              <a:t>Day la </a:t>
+              <a:t>- </a:t>
             </a:r>
             <a:r>
               <a:rPr lang="en-US" dirty="0" err="1" smtClean="0"/>
-              <a:t>thiet</a:t>
-            </a:r>
+              <a:t>Có</a:t>
+            </a:r>
+            <a:r>
+              <a:rPr lang="en-US" baseline="0" dirty="0" smtClean="0"/>
+              <a:t> </a:t>
+            </a:r>
+            <a:r>
+              <a:rPr lang="en-US" baseline="0" dirty="0" err="1" smtClean="0"/>
+              <a:t>thể</a:t>
+            </a:r>
+            <a:r>
+              <a:rPr lang="en-US" baseline="0" dirty="0" smtClean="0"/>
+              <a:t> test </a:t>
+            </a:r>
+            <a:r>
+              <a:rPr lang="en-US" baseline="0" dirty="0" err="1" smtClean="0"/>
+              <a:t>cuốn</a:t>
+            </a:r>
+            <a:r>
+              <a:rPr lang="en-US" baseline="0" dirty="0" smtClean="0"/>
+              <a:t> </a:t>
+            </a:r>
+            <a:r>
+              <a:rPr lang="en-US" baseline="0" dirty="0" err="1" smtClean="0"/>
+              <a:t>chiếu</a:t>
+            </a:r>
+            <a:r>
+              <a:rPr lang="en-US" baseline="0" dirty="0" smtClean="0"/>
+              <a:t>, code </a:t>
+            </a:r>
+            <a:r>
+              <a:rPr lang="en-US" baseline="0" dirty="0" err="1" smtClean="0"/>
+              <a:t>và</a:t>
+            </a:r>
+            <a:r>
+              <a:rPr lang="en-US" baseline="0" dirty="0" smtClean="0"/>
+              <a:t> test song </a:t>
+            </a:r>
+            <a:r>
+              <a:rPr lang="en-US" baseline="0" dirty="0" err="1" smtClean="0"/>
+              <a:t>song</a:t>
+            </a:r>
+            <a:r>
+              <a:rPr lang="en-US" baseline="0" dirty="0" smtClean="0"/>
+              <a:t>.</a:t>
+            </a:r>
+            <a:endParaRPr lang="en-US" dirty="0" smtClean="0"/>
+          </a:p>
+          <a:p>
+            <a:pPr eaLnBrk="1" hangingPunct="1"/>
             <a:r>
               <a:rPr lang="en-US" dirty="0" smtClean="0"/>
-              <a:t> </a:t>
-            </a:r>
-            <a:r>
-              <a:rPr lang="en-US" dirty="0" err="1" smtClean="0"/>
-              <a:t>ke</a:t>
-            </a:r>
-            <a:r>
-              <a:rPr lang="en-US" dirty="0" smtClean="0"/>
-              <a:t> dang tree view </a:t>
-            </a:r>
-            <a:r>
-              <a:rPr lang="en-US" dirty="0" err="1" smtClean="0"/>
-              <a:t>ve</a:t>
-            </a:r>
-            <a:r>
-              <a:rPr lang="en-US" dirty="0" smtClean="0"/>
-              <a:t> he thong </a:t>
-            </a:r>
-            <a:r>
-              <a:rPr lang="en-US" dirty="0" err="1" smtClean="0"/>
-              <a:t>cua</a:t>
-            </a:r>
-            <a:r>
-              <a:rPr lang="en-US" dirty="0" smtClean="0"/>
-              <a:t> </a:t>
-            </a:r>
-            <a:r>
-              <a:rPr lang="en-US" dirty="0" err="1" smtClean="0"/>
-              <a:t>nhom</a:t>
-            </a:r>
-            <a:r>
-              <a:rPr lang="en-US" baseline="0" dirty="0" smtClean="0"/>
-              <a:t> e. </a:t>
-            </a:r>
-            <a:r>
-              <a:rPr lang="en-US" baseline="0" dirty="0" err="1" smtClean="0"/>
-              <a:t>Cac</a:t>
-            </a:r>
-            <a:r>
-              <a:rPr lang="en-US" baseline="0" dirty="0" smtClean="0"/>
-              <a:t> component dc chia </a:t>
-            </a:r>
-            <a:r>
-              <a:rPr lang="en-US" baseline="0" dirty="0" err="1" smtClean="0"/>
-              <a:t>thanh</a:t>
-            </a:r>
-            <a:r>
-              <a:rPr lang="en-US" baseline="0" dirty="0" smtClean="0"/>
-              <a:t> </a:t>
-            </a:r>
-            <a:r>
-              <a:rPr lang="en-US" baseline="0" dirty="0" err="1" smtClean="0"/>
-              <a:t>tung</a:t>
-            </a:r>
-            <a:r>
-              <a:rPr lang="en-US" baseline="0" dirty="0" smtClean="0"/>
-              <a:t> folder tang </a:t>
-            </a:r>
-            <a:r>
-              <a:rPr lang="en-US" baseline="0" dirty="0" err="1" smtClean="0"/>
-              <a:t>tinh</a:t>
-            </a:r>
-            <a:r>
-              <a:rPr lang="en-US" baseline="0" dirty="0" smtClean="0"/>
-              <a:t> </a:t>
-            </a:r>
-            <a:r>
-              <a:rPr lang="en-US" baseline="0" dirty="0" err="1" smtClean="0"/>
-              <a:t>bao</a:t>
-            </a:r>
-            <a:r>
-              <a:rPr lang="en-US" baseline="0" dirty="0" smtClean="0"/>
-              <a:t> mat </a:t>
-            </a:r>
-            <a:r>
-              <a:rPr lang="en-US" baseline="0" dirty="0" err="1" smtClean="0"/>
-              <a:t>va</a:t>
-            </a:r>
-            <a:r>
-              <a:rPr lang="en-US" baseline="0" dirty="0" smtClean="0"/>
-              <a:t> </a:t>
-            </a:r>
-            <a:r>
-              <a:rPr lang="en-US" baseline="0" dirty="0" err="1" smtClean="0"/>
-              <a:t>tinh</a:t>
-            </a:r>
-            <a:r>
-              <a:rPr lang="en-US" baseline="0" dirty="0" smtClean="0"/>
-              <a:t> maintain </a:t>
-            </a:r>
-            <a:r>
-              <a:rPr lang="en-US" baseline="0" dirty="0" err="1" smtClean="0"/>
-              <a:t>cho</a:t>
-            </a:r>
-            <a:r>
-              <a:rPr lang="en-US" baseline="0" dirty="0" smtClean="0"/>
-              <a:t> he thong.</a:t>
-            </a:r>
-            <a:endParaRPr lang="en-US" dirty="0"/>
+              <a:t>-</a:t>
+            </a:r>
+            <a:r>
+              <a:rPr lang="en-US" baseline="0" dirty="0" smtClean="0"/>
+              <a:t> </a:t>
+            </a:r>
+            <a:r>
+              <a:rPr lang="en-US" baseline="0" dirty="0" err="1" smtClean="0"/>
+              <a:t>Tận</a:t>
+            </a:r>
+            <a:r>
+              <a:rPr lang="en-US" baseline="0" dirty="0" smtClean="0"/>
+              <a:t> </a:t>
+            </a:r>
+            <a:r>
+              <a:rPr lang="en-US" baseline="0" dirty="0" err="1" smtClean="0"/>
+              <a:t>dụng</a:t>
+            </a:r>
+            <a:r>
+              <a:rPr lang="en-US" baseline="0" dirty="0" smtClean="0"/>
+              <a:t> </a:t>
+            </a:r>
+            <a:r>
+              <a:rPr lang="en-US" baseline="0" dirty="0" err="1" smtClean="0"/>
+              <a:t>tối</a:t>
+            </a:r>
+            <a:r>
+              <a:rPr lang="en-US" baseline="0" dirty="0" smtClean="0"/>
+              <a:t> </a:t>
+            </a:r>
+            <a:r>
+              <a:rPr lang="en-US" baseline="0" dirty="0" err="1" smtClean="0"/>
+              <a:t>đa</a:t>
+            </a:r>
+            <a:r>
+              <a:rPr lang="en-US" baseline="0" dirty="0" smtClean="0"/>
+              <a:t> </a:t>
+            </a:r>
+            <a:r>
+              <a:rPr lang="en-US" baseline="0" dirty="0" err="1" smtClean="0"/>
+              <a:t>thời</a:t>
+            </a:r>
+            <a:r>
+              <a:rPr lang="en-US" baseline="0" dirty="0" smtClean="0"/>
+              <a:t> </a:t>
+            </a:r>
+            <a:r>
+              <a:rPr lang="en-US" baseline="0" dirty="0" err="1" smtClean="0"/>
+              <a:t>gian</a:t>
+            </a:r>
+            <a:r>
+              <a:rPr lang="en-US" baseline="0" dirty="0" smtClean="0"/>
+              <a:t> </a:t>
+            </a:r>
+            <a:r>
+              <a:rPr lang="en-US" baseline="0" dirty="0" err="1" smtClean="0"/>
+              <a:t>của</a:t>
+            </a:r>
+            <a:r>
+              <a:rPr lang="en-US" baseline="0" dirty="0" smtClean="0"/>
+              <a:t> </a:t>
+            </a:r>
+            <a:r>
+              <a:rPr lang="en-US" baseline="0" dirty="0" err="1" smtClean="0"/>
+              <a:t>các</a:t>
+            </a:r>
+            <a:r>
+              <a:rPr lang="en-US" baseline="0" dirty="0" smtClean="0"/>
+              <a:t> </a:t>
+            </a:r>
+            <a:r>
+              <a:rPr lang="en-US" baseline="0" dirty="0" err="1" smtClean="0"/>
+              <a:t>thành</a:t>
+            </a:r>
+            <a:r>
+              <a:rPr lang="en-US" baseline="0" dirty="0" smtClean="0"/>
+              <a:t> </a:t>
+            </a:r>
+            <a:r>
+              <a:rPr lang="en-US" baseline="0" dirty="0" err="1" smtClean="0"/>
+              <a:t>viên</a:t>
+            </a:r>
+            <a:r>
+              <a:rPr lang="en-US" baseline="0" dirty="0" smtClean="0"/>
+              <a:t>.</a:t>
+            </a:r>
+            <a:endParaRPr lang="en-US" dirty="0" smtClean="0"/>
           </a:p>
         </p:txBody>
       </p:sp>
@@ -27360,7 +25890,7 @@
           <a:p>
             <a:fld id="{94349F02-7B7E-4405-841E-9FEA710E9D5A}" type="slidenum">
               <a:rPr lang="en-US" smtClean="0"/>
-              <a:t>24</a:t>
+              <a:t>26</a:t>
             </a:fld>
             <a:endParaRPr lang="en-US"/>
           </a:p>
@@ -27369,7 +25899,7 @@
     </p:spTree>
     <p:extLst>
       <p:ext uri="{BB962C8B-B14F-4D97-AF65-F5344CB8AC3E}">
-        <p14:creationId xmlns:p14="http://schemas.microsoft.com/office/powerpoint/2010/main" val="2435548979"/>
+        <p14:creationId xmlns:p14="http://schemas.microsoft.com/office/powerpoint/2010/main" val="4230026582"/>
       </p:ext>
     </p:extLst>
   </p:cSld>
@@ -27424,219 +25954,64 @@
           <a:lstStyle/>
           <a:p>
             <a:r>
-              <a:rPr lang="en-US" dirty="0" smtClean="0"/>
-              <a:t>Day</a:t>
-            </a:r>
-            <a:r>
-              <a:rPr lang="en-US" baseline="0" dirty="0" smtClean="0"/>
-              <a:t> la </a:t>
-            </a:r>
-            <a:r>
-              <a:rPr lang="en-US" baseline="0" dirty="0" err="1" smtClean="0"/>
-              <a:t>cau</a:t>
-            </a:r>
-            <a:r>
-              <a:rPr lang="en-US" baseline="0" dirty="0" smtClean="0"/>
-              <a:t> </a:t>
-            </a:r>
-            <a:r>
-              <a:rPr lang="en-US" baseline="0" dirty="0" err="1" smtClean="0"/>
-              <a:t>truc</a:t>
-            </a:r>
-            <a:r>
-              <a:rPr lang="en-US" baseline="0" dirty="0" smtClean="0"/>
-              <a:t> database </a:t>
-            </a:r>
-            <a:r>
-              <a:rPr lang="en-US" baseline="0" dirty="0" err="1" smtClean="0"/>
-              <a:t>cua</a:t>
-            </a:r>
-            <a:r>
-              <a:rPr lang="en-US" baseline="0" dirty="0" smtClean="0"/>
-              <a:t> he thong </a:t>
-            </a:r>
-            <a:r>
-              <a:rPr lang="en-US" baseline="0" dirty="0" err="1" smtClean="0"/>
-              <a:t>nhom</a:t>
-            </a:r>
-            <a:r>
-              <a:rPr lang="en-US" baseline="0" dirty="0" smtClean="0"/>
-              <a:t> e, e </a:t>
-            </a:r>
-            <a:r>
-              <a:rPr lang="en-US" baseline="0" dirty="0" err="1" smtClean="0"/>
-              <a:t>xin</a:t>
-            </a:r>
-            <a:r>
-              <a:rPr lang="en-US" baseline="0" dirty="0" smtClean="0"/>
-              <a:t> </a:t>
-            </a:r>
-            <a:r>
-              <a:rPr lang="en-US" baseline="0" dirty="0" err="1" smtClean="0"/>
-              <a:t>phep</a:t>
-            </a:r>
-            <a:r>
-              <a:rPr lang="en-US" baseline="0" dirty="0" smtClean="0"/>
-              <a:t> </a:t>
-            </a:r>
-            <a:r>
-              <a:rPr lang="en-US" baseline="0" dirty="0" err="1" smtClean="0"/>
-              <a:t>mo</a:t>
-            </a:r>
-            <a:r>
-              <a:rPr lang="en-US" baseline="0" dirty="0" smtClean="0"/>
-              <a:t>? </a:t>
-            </a:r>
-            <a:r>
-              <a:rPr lang="en-US" baseline="0" dirty="0" err="1" smtClean="0"/>
-              <a:t>Hinh</a:t>
-            </a:r>
-            <a:r>
-              <a:rPr lang="en-US" baseline="0" dirty="0" smtClean="0"/>
-              <a:t> </a:t>
-            </a:r>
-            <a:r>
-              <a:rPr lang="en-US" baseline="0" dirty="0" err="1" smtClean="0"/>
-              <a:t>lon</a:t>
-            </a:r>
-            <a:r>
-              <a:rPr lang="en-US" baseline="0" dirty="0" smtClean="0"/>
-              <a:t>’ </a:t>
-            </a:r>
-            <a:r>
-              <a:rPr lang="en-US" baseline="0" dirty="0" err="1" smtClean="0"/>
-              <a:t>hon</a:t>
-            </a:r>
-            <a:r>
-              <a:rPr lang="en-US" baseline="0" dirty="0" smtClean="0"/>
-              <a:t> de? </a:t>
-            </a:r>
-            <a:r>
-              <a:rPr lang="en-US" baseline="0" dirty="0" err="1" smtClean="0"/>
-              <a:t>Cac</a:t>
-            </a:r>
-            <a:r>
-              <a:rPr lang="en-US" baseline="0" dirty="0" smtClean="0"/>
-              <a:t> </a:t>
-            </a:r>
-            <a:r>
-              <a:rPr lang="en-US" baseline="0" dirty="0" err="1" smtClean="0"/>
-              <a:t>thay</a:t>
-            </a:r>
-            <a:r>
-              <a:rPr lang="en-US" baseline="0" dirty="0" smtClean="0"/>
-              <a:t> </a:t>
-            </a:r>
-            <a:r>
-              <a:rPr lang="en-US" baseline="0" dirty="0" err="1" smtClean="0"/>
-              <a:t>xem</a:t>
-            </a:r>
-            <a:r>
-              <a:rPr lang="en-US" baseline="0" dirty="0" smtClean="0"/>
-              <a:t>.</a:t>
-            </a:r>
-          </a:p>
-          <a:p>
-            <a:endParaRPr lang="en-US" baseline="0" dirty="0" smtClean="0"/>
-          </a:p>
-          <a:p>
-            <a:endParaRPr lang="en-US" dirty="0" smtClean="0"/>
-          </a:p>
-          <a:p>
-            <a:endParaRPr lang="en-US" dirty="0" smtClean="0"/>
-          </a:p>
-          <a:p>
-            <a:r>
               <a:rPr lang="en-US" dirty="0" err="1" smtClean="0"/>
-              <a:t>Cái</a:t>
-            </a:r>
-            <a:r>
-              <a:rPr lang="en-US" baseline="0" dirty="0" smtClean="0"/>
-              <a:t> slide </a:t>
-            </a:r>
-            <a:r>
-              <a:rPr lang="en-US" baseline="0" dirty="0" err="1" smtClean="0"/>
-              <a:t>này</a:t>
-            </a:r>
-            <a:r>
-              <a:rPr lang="en-US" baseline="0" dirty="0" smtClean="0"/>
-              <a:t> </a:t>
-            </a:r>
-            <a:r>
-              <a:rPr lang="en-US" baseline="0" dirty="0" err="1" smtClean="0"/>
-              <a:t>bảng</a:t>
-            </a:r>
-            <a:r>
-              <a:rPr lang="en-US" baseline="0" dirty="0" smtClean="0"/>
-              <a:t> </a:t>
-            </a:r>
-            <a:r>
-              <a:rPr lang="en-US" baseline="0" dirty="0" err="1" smtClean="0"/>
-              <a:t>nào</a:t>
-            </a:r>
-            <a:r>
-              <a:rPr lang="en-US" baseline="0" dirty="0" smtClean="0"/>
-              <a:t> </a:t>
-            </a:r>
-            <a:r>
-              <a:rPr lang="en-US" baseline="0" dirty="0" err="1" smtClean="0"/>
-              <a:t>là</a:t>
-            </a:r>
-            <a:r>
-              <a:rPr lang="en-US" baseline="0" dirty="0" smtClean="0"/>
-              <a:t> </a:t>
-            </a:r>
-            <a:r>
-              <a:rPr lang="en-US" baseline="0" dirty="0" err="1" smtClean="0"/>
-              <a:t>bảnh</a:t>
-            </a:r>
-            <a:r>
-              <a:rPr lang="en-US" baseline="0" dirty="0" smtClean="0"/>
-              <a:t> </a:t>
-            </a:r>
-            <a:r>
-              <a:rPr lang="en-US" baseline="0" dirty="0" err="1" smtClean="0"/>
-              <a:t>chính</a:t>
-            </a:r>
-            <a:r>
-              <a:rPr lang="en-US" baseline="0" dirty="0" smtClean="0"/>
-              <a:t> </a:t>
-            </a:r>
-            <a:r>
-              <a:rPr lang="en-US" baseline="0" dirty="0" err="1" smtClean="0"/>
-              <a:t>thì</a:t>
-            </a:r>
-            <a:r>
-              <a:rPr lang="en-US" baseline="0" dirty="0" smtClean="0"/>
-              <a:t> </a:t>
-            </a:r>
-            <a:r>
-              <a:rPr lang="en-US" baseline="0" dirty="0" err="1" smtClean="0"/>
-              <a:t>bôi</a:t>
-            </a:r>
-            <a:r>
-              <a:rPr lang="en-US" baseline="0" dirty="0" smtClean="0"/>
-              <a:t> </a:t>
-            </a:r>
-            <a:r>
-              <a:rPr lang="en-US" baseline="0" dirty="0" err="1" smtClean="0"/>
-              <a:t>màu</a:t>
-            </a:r>
-            <a:r>
-              <a:rPr lang="en-US" baseline="0" dirty="0" smtClean="0"/>
-              <a:t> </a:t>
-            </a:r>
-            <a:r>
-              <a:rPr lang="en-US" baseline="0" dirty="0" err="1" smtClean="0"/>
-              <a:t>quanh</a:t>
-            </a:r>
-            <a:r>
-              <a:rPr lang="en-US" baseline="0" dirty="0" smtClean="0"/>
-              <a:t> </a:t>
-            </a:r>
-            <a:r>
-              <a:rPr lang="en-US" baseline="0" dirty="0" err="1" smtClean="0"/>
-              <a:t>bảng</a:t>
+              <a:t>Đồ</a:t>
+            </a:r>
+            <a:r>
+              <a:rPr lang="en-US" baseline="0" dirty="0" smtClean="0"/>
+              <a:t> </a:t>
+            </a:r>
+            <a:r>
+              <a:rPr lang="en-US" baseline="0" dirty="0" err="1" smtClean="0"/>
+              <a:t>án</a:t>
+            </a:r>
+            <a:r>
+              <a:rPr lang="en-US" baseline="0" dirty="0" smtClean="0"/>
+              <a:t> </a:t>
+            </a:r>
+            <a:r>
+              <a:rPr lang="en-US" baseline="0" dirty="0" err="1" smtClean="0"/>
+              <a:t>chúng</a:t>
+            </a:r>
+            <a:r>
+              <a:rPr lang="en-US" baseline="0" dirty="0" smtClean="0"/>
+              <a:t> e </a:t>
+            </a:r>
+            <a:r>
+              <a:rPr lang="en-US" baseline="0" dirty="0" err="1" smtClean="0"/>
+              <a:t>có</a:t>
+            </a:r>
+            <a:r>
+              <a:rPr lang="en-US" baseline="0" dirty="0" smtClean="0"/>
+              <a:t> 3 </a:t>
+            </a:r>
+            <a:r>
+              <a:rPr lang="en-US" baseline="0" dirty="0" err="1" smtClean="0"/>
+              <a:t>giai</a:t>
+            </a:r>
+            <a:r>
+              <a:rPr lang="en-US" baseline="0" dirty="0" smtClean="0"/>
+              <a:t> </a:t>
+            </a:r>
+            <a:r>
+              <a:rPr lang="en-US" baseline="0" dirty="0" err="1" smtClean="0"/>
+              <a:t>đoạn</a:t>
+            </a:r>
+            <a:r>
+              <a:rPr lang="en-US" baseline="0" dirty="0" smtClean="0"/>
+              <a:t> test: Unit test, integration test </a:t>
+            </a:r>
+            <a:r>
+              <a:rPr lang="en-US" baseline="0" dirty="0" err="1" smtClean="0"/>
+              <a:t>và</a:t>
+            </a:r>
+            <a:r>
+              <a:rPr lang="en-US" baseline="0" dirty="0" smtClean="0"/>
+              <a:t> system test. </a:t>
+            </a:r>
+            <a:r>
+              <a:rPr lang="en-US" baseline="0" dirty="0" err="1" smtClean="0"/>
+              <a:t>Trong</a:t>
             </a:r>
             <a:r>
               <a:rPr lang="en-US" baseline="0" dirty="0" smtClean="0"/>
@@ -27648,573 +26023,48 @@
             </a:r>
             <a:r>
               <a:rPr lang="en-US" baseline="0" dirty="0" smtClean="0"/>
-              <a:t> </a:t>
-            </a:r>
-            <a:r>
-              <a:rPr lang="en-US" baseline="0" dirty="0" err="1" smtClean="0"/>
-              <a:t>đi</a:t>
-            </a:r>
-            <a:r>
-              <a:rPr lang="en-US" baseline="0" dirty="0" smtClean="0"/>
-              <a:t> </a:t>
-            </a:r>
-            <a:r>
-              <a:rPr lang="en-US" baseline="0" dirty="0" err="1" smtClean="0"/>
-              <a:t>cho</a:t>
-            </a:r>
-            <a:r>
-              <a:rPr lang="en-US" baseline="0" dirty="0" smtClean="0"/>
-              <a:t> </a:t>
-            </a:r>
-            <a:r>
-              <a:rPr lang="en-US" baseline="0" dirty="0" err="1" smtClean="0"/>
-              <a:t>dễ</a:t>
-            </a:r>
-            <a:r>
-              <a:rPr lang="en-US" baseline="0" dirty="0" smtClean="0"/>
-              <a:t> </a:t>
-            </a:r>
-            <a:r>
-              <a:rPr lang="en-US" baseline="0" dirty="0" err="1" smtClean="0"/>
-              <a:t>nhìn</a:t>
-            </a:r>
-            <a:r>
-              <a:rPr lang="en-US" baseline="0" dirty="0" smtClean="0"/>
-              <a:t>, </a:t>
-            </a:r>
-            <a:r>
-              <a:rPr lang="en-US" baseline="0" dirty="0" err="1" smtClean="0"/>
-              <a:t>cả</a:t>
-            </a:r>
-            <a:r>
-              <a:rPr lang="en-US" baseline="0" dirty="0" smtClean="0"/>
-              <a:t> </a:t>
-            </a:r>
-            <a:r>
-              <a:rPr lang="en-US" baseline="0" dirty="0" err="1" smtClean="0"/>
-              <a:t>cái</a:t>
-            </a:r>
-            <a:r>
-              <a:rPr lang="en-US" baseline="0" dirty="0" smtClean="0"/>
-              <a:t> file class diagram </a:t>
-            </a:r>
-            <a:r>
-              <a:rPr lang="en-US" baseline="0" dirty="0" err="1" smtClean="0"/>
-              <a:t>bên</a:t>
-            </a:r>
-            <a:r>
-              <a:rPr lang="en-US" baseline="0" dirty="0" smtClean="0"/>
-              <a:t> </a:t>
-            </a:r>
-            <a:r>
-              <a:rPr lang="en-US" baseline="0" dirty="0" err="1" smtClean="0"/>
-              <a:t>ngoài</a:t>
-            </a:r>
-            <a:r>
-              <a:rPr lang="en-US" baseline="0" dirty="0" smtClean="0"/>
-              <a:t> </a:t>
-            </a:r>
-            <a:r>
-              <a:rPr lang="en-US" baseline="0" dirty="0" err="1" smtClean="0"/>
-              <a:t>nữa</a:t>
-            </a:r>
-            <a:r>
-              <a:rPr lang="en-US" baseline="0" dirty="0" smtClean="0"/>
-              <a:t>. </a:t>
-            </a:r>
-            <a:r>
-              <a:rPr lang="en-US" baseline="0" dirty="0" err="1" smtClean="0"/>
-              <a:t>Bôi</a:t>
-            </a:r>
-            <a:r>
-              <a:rPr lang="en-US" baseline="0" dirty="0" smtClean="0"/>
-              <a:t> </a:t>
-            </a:r>
-            <a:r>
-              <a:rPr lang="en-US" baseline="0" dirty="0" err="1" smtClean="0"/>
-              <a:t>màu</a:t>
-            </a:r>
-            <a:r>
-              <a:rPr lang="en-US" baseline="0" dirty="0" smtClean="0"/>
-              <a:t> </a:t>
-            </a:r>
-            <a:r>
-              <a:rPr lang="en-US" baseline="0" dirty="0" err="1" smtClean="0"/>
-              <a:t>rõ</a:t>
-            </a:r>
-            <a:r>
-              <a:rPr lang="en-US" baseline="0" dirty="0" smtClean="0"/>
-              <a:t> </a:t>
-            </a:r>
-            <a:r>
-              <a:rPr lang="en-US" baseline="0" dirty="0" err="1" smtClean="0"/>
-              <a:t>bảng</a:t>
-            </a:r>
-            <a:r>
-              <a:rPr lang="en-US" baseline="0" dirty="0" smtClean="0"/>
-              <a:t> </a:t>
-            </a:r>
-            <a:r>
-              <a:rPr lang="en-US" baseline="0" dirty="0" err="1" smtClean="0"/>
-              <a:t>chính</a:t>
-            </a:r>
-            <a:r>
-              <a:rPr lang="en-US" baseline="0" dirty="0" smtClean="0"/>
-              <a:t> </a:t>
-            </a:r>
-            <a:r>
-              <a:rPr lang="en-US" baseline="0" dirty="0" err="1" smtClean="0"/>
-              <a:t>và</a:t>
-            </a:r>
-            <a:r>
-              <a:rPr lang="en-US" baseline="0" dirty="0" smtClean="0"/>
-              <a:t> </a:t>
-            </a:r>
-            <a:r>
-              <a:rPr lang="en-US" baseline="0" dirty="0" err="1" smtClean="0"/>
-              <a:t>khi</a:t>
-            </a:r>
-            <a:r>
-              <a:rPr lang="en-US" baseline="0" dirty="0" smtClean="0"/>
-              <a:t> </a:t>
-            </a:r>
-            <a:r>
-              <a:rPr lang="en-US" baseline="0" dirty="0" err="1" smtClean="0"/>
-              <a:t>nói</a:t>
-            </a:r>
-            <a:r>
-              <a:rPr lang="en-US" baseline="0" dirty="0" smtClean="0"/>
-              <a:t> </a:t>
-            </a:r>
-            <a:r>
-              <a:rPr lang="en-US" baseline="0" dirty="0" err="1" smtClean="0"/>
-              <a:t>thì</a:t>
-            </a:r>
-            <a:r>
-              <a:rPr lang="en-US" baseline="0" dirty="0" smtClean="0"/>
-              <a:t> </a:t>
-            </a:r>
-            <a:r>
-              <a:rPr lang="en-US" baseline="0" dirty="0" err="1" smtClean="0"/>
-              <a:t>giải</a:t>
-            </a:r>
-            <a:r>
-              <a:rPr lang="en-US" baseline="0" dirty="0" smtClean="0"/>
-              <a:t> </a:t>
-            </a:r>
-            <a:r>
-              <a:rPr lang="en-US" baseline="0" dirty="0" err="1" smtClean="0"/>
-              <a:t>thích</a:t>
-            </a:r>
-            <a:r>
-              <a:rPr lang="en-US" baseline="0" dirty="0" smtClean="0"/>
-              <a:t> </a:t>
-            </a:r>
-            <a:r>
-              <a:rPr lang="en-US" baseline="0" dirty="0" err="1" smtClean="0"/>
-              <a:t>rõ</a:t>
-            </a:r>
-            <a:r>
-              <a:rPr lang="en-US" baseline="0" dirty="0" smtClean="0"/>
-              <a:t> </a:t>
-            </a:r>
-            <a:r>
-              <a:rPr lang="en-US" baseline="0" dirty="0" err="1" smtClean="0"/>
-              <a:t>quan</a:t>
-            </a:r>
-            <a:r>
-              <a:rPr lang="en-US" baseline="0" dirty="0" smtClean="0"/>
-              <a:t> </a:t>
-            </a:r>
-            <a:r>
-              <a:rPr lang="en-US" baseline="0" dirty="0" err="1" smtClean="0"/>
-              <a:t>hệ</a:t>
-            </a:r>
-            <a:r>
-              <a:rPr lang="en-US" baseline="0" dirty="0" smtClean="0"/>
-              <a:t> </a:t>
-            </a:r>
-            <a:r>
-              <a:rPr lang="en-US" baseline="0" dirty="0" err="1" smtClean="0"/>
-              <a:t>của</a:t>
-            </a:r>
-            <a:r>
-              <a:rPr lang="en-US" baseline="0" dirty="0" smtClean="0"/>
-              <a:t> </a:t>
-            </a:r>
-            <a:r>
-              <a:rPr lang="en-US" baseline="0" dirty="0" err="1" smtClean="0"/>
-              <a:t>bảng</a:t>
-            </a:r>
-            <a:r>
-              <a:rPr lang="en-US" baseline="0" dirty="0" smtClean="0"/>
-              <a:t> </a:t>
-            </a:r>
-            <a:r>
-              <a:rPr lang="en-US" baseline="0" dirty="0" err="1" smtClean="0"/>
-              <a:t>chính</a:t>
-            </a:r>
-            <a:r>
-              <a:rPr lang="en-US" baseline="0" dirty="0" smtClean="0"/>
-              <a:t> </a:t>
-            </a:r>
-            <a:r>
-              <a:rPr lang="en-US" baseline="0" dirty="0" err="1" smtClean="0"/>
-              <a:t>và</a:t>
-            </a:r>
-            <a:r>
-              <a:rPr lang="en-US" baseline="0" dirty="0" smtClean="0"/>
-              <a:t> </a:t>
-            </a:r>
-            <a:r>
-              <a:rPr lang="en-US" baseline="0" dirty="0" err="1" smtClean="0"/>
-              <a:t>các</a:t>
-            </a:r>
-            <a:r>
-              <a:rPr lang="en-US" baseline="0" dirty="0" smtClean="0"/>
-              <a:t> </a:t>
-            </a:r>
-            <a:r>
-              <a:rPr lang="en-US" baseline="0" dirty="0" err="1" smtClean="0"/>
-              <a:t>bảng</a:t>
-            </a:r>
-            <a:r>
-              <a:rPr lang="en-US" baseline="0" dirty="0" smtClean="0"/>
-              <a:t> </a:t>
-            </a:r>
-            <a:r>
-              <a:rPr lang="en-US" baseline="0" dirty="0" err="1" smtClean="0"/>
-              <a:t>khác</a:t>
-            </a:r>
-            <a:r>
-              <a:rPr lang="en-US" baseline="0" dirty="0" smtClean="0"/>
-              <a:t>. </a:t>
-            </a:r>
-            <a:r>
-              <a:rPr lang="en-US" baseline="0" dirty="0" err="1" smtClean="0"/>
-              <a:t>Bảng</a:t>
-            </a:r>
-            <a:r>
-              <a:rPr lang="en-US" baseline="0" dirty="0" smtClean="0"/>
-              <a:t> </a:t>
-            </a:r>
-            <a:r>
-              <a:rPr lang="en-US" baseline="0" dirty="0" err="1" smtClean="0"/>
-              <a:t>chính</a:t>
-            </a:r>
-            <a:r>
-              <a:rPr lang="en-US" baseline="0" dirty="0" smtClean="0"/>
-              <a:t> ở </a:t>
-            </a:r>
-            <a:r>
-              <a:rPr lang="en-US" baseline="0" dirty="0" err="1" smtClean="0"/>
-              <a:t>đây</a:t>
-            </a:r>
-            <a:r>
-              <a:rPr lang="en-US" baseline="0" dirty="0" smtClean="0"/>
-              <a:t> </a:t>
-            </a:r>
-            <a:r>
-              <a:rPr lang="en-US" baseline="0" dirty="0" err="1" smtClean="0"/>
-              <a:t>mày</a:t>
-            </a:r>
-            <a:r>
-              <a:rPr lang="en-US" baseline="0" dirty="0" smtClean="0"/>
-              <a:t> </a:t>
-            </a:r>
-            <a:r>
-              <a:rPr lang="en-US" baseline="0" dirty="0" err="1" smtClean="0"/>
-              <a:t>làm</a:t>
-            </a:r>
-            <a:r>
-              <a:rPr lang="en-US" baseline="0" dirty="0" smtClean="0"/>
-              <a:t> </a:t>
-            </a:r>
-            <a:r>
-              <a:rPr lang="en-US" baseline="0" dirty="0" err="1" smtClean="0"/>
-              <a:t>cho</a:t>
-            </a:r>
-            <a:r>
-              <a:rPr lang="en-US" baseline="0" dirty="0" smtClean="0"/>
-              <a:t> </a:t>
-            </a:r>
-            <a:r>
-              <a:rPr lang="en-US" baseline="0" dirty="0" err="1" smtClean="0"/>
-              <a:t>tao</a:t>
-            </a:r>
-            <a:r>
-              <a:rPr lang="en-US" baseline="0" dirty="0" smtClean="0"/>
-              <a:t> 2 </a:t>
-            </a:r>
-            <a:r>
-              <a:rPr lang="en-US" baseline="0" dirty="0" err="1" smtClean="0"/>
-              <a:t>bảng</a:t>
-            </a:r>
-            <a:r>
-              <a:rPr lang="en-US" baseline="0" dirty="0" smtClean="0"/>
-              <a:t> </a:t>
-            </a:r>
-            <a:r>
-              <a:rPr lang="en-US" baseline="0" dirty="0" err="1" smtClean="0"/>
-              <a:t>là</a:t>
-            </a:r>
-            <a:r>
-              <a:rPr lang="en-US" baseline="0" dirty="0" smtClean="0"/>
-              <a:t> question </a:t>
-            </a:r>
-            <a:r>
-              <a:rPr lang="en-US" baseline="0" dirty="0" err="1" smtClean="0"/>
-              <a:t>và</a:t>
-            </a:r>
-            <a:r>
-              <a:rPr lang="en-US" baseline="0" dirty="0" smtClean="0"/>
-              <a:t> answer. 2 </a:t>
-            </a:r>
-            <a:r>
-              <a:rPr lang="en-US" baseline="0" dirty="0" err="1" smtClean="0"/>
-              <a:t>bảng</a:t>
-            </a:r>
-            <a:r>
-              <a:rPr lang="en-US" baseline="0" dirty="0" smtClean="0"/>
-              <a:t> </a:t>
-            </a:r>
-            <a:r>
-              <a:rPr lang="en-US" baseline="0" dirty="0" err="1" smtClean="0"/>
-              <a:t>đấy</a:t>
-            </a:r>
-            <a:r>
-              <a:rPr lang="en-US" baseline="0" dirty="0" smtClean="0"/>
-              <a:t> </a:t>
-            </a:r>
-            <a:r>
-              <a:rPr lang="en-US" baseline="0" dirty="0" err="1" smtClean="0"/>
-              <a:t>dễ</a:t>
-            </a:r>
-            <a:r>
-              <a:rPr lang="en-US" baseline="0" dirty="0" smtClean="0"/>
-              <a:t> </a:t>
-            </a:r>
-            <a:r>
-              <a:rPr lang="en-US" baseline="0" dirty="0" err="1" smtClean="0"/>
-              <a:t>nói</a:t>
-            </a:r>
-            <a:r>
-              <a:rPr lang="en-US" baseline="0" dirty="0" smtClean="0"/>
-              <a:t> </a:t>
-            </a:r>
-            <a:r>
-              <a:rPr lang="en-US" baseline="0" dirty="0" err="1" smtClean="0"/>
-              <a:t>nhất</a:t>
-            </a:r>
-            <a:r>
-              <a:rPr lang="en-US" baseline="0" dirty="0" smtClean="0"/>
-              <a:t> </a:t>
-            </a:r>
-            <a:r>
-              <a:rPr lang="en-US" baseline="0" dirty="0" err="1" smtClean="0"/>
-              <a:t>mà</a:t>
-            </a:r>
-            <a:r>
-              <a:rPr lang="en-US" baseline="0" dirty="0" smtClean="0"/>
-              <a:t> </a:t>
-            </a:r>
-            <a:r>
-              <a:rPr lang="en-US" baseline="0" dirty="0" err="1" smtClean="0"/>
-              <a:t>mình</a:t>
-            </a:r>
-            <a:r>
-              <a:rPr lang="en-US" baseline="0" dirty="0" smtClean="0"/>
-              <a:t> code </a:t>
-            </a:r>
-            <a:r>
-              <a:rPr lang="en-US" baseline="0" dirty="0" err="1" smtClean="0"/>
-              <a:t>cũng</a:t>
-            </a:r>
-            <a:r>
-              <a:rPr lang="en-US" baseline="0" dirty="0" smtClean="0"/>
-              <a:t> </a:t>
-            </a:r>
-            <a:r>
-              <a:rPr lang="en-US" baseline="0" dirty="0" err="1" smtClean="0"/>
-              <a:t>xoáy</a:t>
-            </a:r>
-            <a:r>
-              <a:rPr lang="en-US" baseline="0" dirty="0" smtClean="0"/>
-              <a:t> </a:t>
-            </a:r>
-            <a:r>
-              <a:rPr lang="en-US" baseline="0" dirty="0" err="1" smtClean="0"/>
-              <a:t>vào</a:t>
-            </a:r>
-            <a:r>
-              <a:rPr lang="en-US" baseline="0" dirty="0" smtClean="0"/>
-              <a:t> 2 </a:t>
-            </a:r>
-            <a:r>
-              <a:rPr lang="en-US" baseline="0" dirty="0" err="1" smtClean="0"/>
-              <a:t>bảng</a:t>
-            </a:r>
-            <a:r>
-              <a:rPr lang="en-US" baseline="0" dirty="0" smtClean="0"/>
-              <a:t> </a:t>
-            </a:r>
-            <a:r>
-              <a:rPr lang="en-US" baseline="0" dirty="0" err="1" smtClean="0"/>
-              <a:t>đấy</a:t>
-            </a:r>
-            <a:r>
-              <a:rPr lang="en-US" baseline="0" dirty="0" smtClean="0"/>
-              <a:t> </a:t>
-            </a:r>
-            <a:r>
-              <a:rPr lang="en-US" baseline="0" dirty="0" err="1" smtClean="0"/>
-              <a:t>thôi</a:t>
-            </a:r>
-            <a:r>
-              <a:rPr lang="en-US" baseline="0" dirty="0" smtClean="0"/>
-              <a:t>. </a:t>
-            </a:r>
-            <a:r>
-              <a:rPr lang="en-US" baseline="0" dirty="0" err="1" smtClean="0"/>
-              <a:t>Bôi</a:t>
-            </a:r>
-            <a:r>
-              <a:rPr lang="en-US" baseline="0" dirty="0" smtClean="0"/>
-              <a:t> </a:t>
-            </a:r>
-            <a:r>
-              <a:rPr lang="en-US" baseline="0" dirty="0" err="1" smtClean="0"/>
-              <a:t>màu</a:t>
-            </a:r>
-            <a:r>
-              <a:rPr lang="en-US" baseline="0" dirty="0" smtClean="0"/>
-              <a:t> </a:t>
-            </a:r>
-            <a:r>
-              <a:rPr lang="en-US" baseline="0" dirty="0" err="1" smtClean="0"/>
-              <a:t>xanh</a:t>
-            </a:r>
-            <a:r>
-              <a:rPr lang="en-US" baseline="0" dirty="0" smtClean="0"/>
-              <a:t> </a:t>
-            </a:r>
-            <a:r>
-              <a:rPr lang="en-US" baseline="0" dirty="0" err="1" smtClean="0"/>
-              <a:t>đỏ</a:t>
-            </a:r>
-            <a:r>
-              <a:rPr lang="en-US" baseline="0" dirty="0" smtClean="0"/>
-              <a:t> </a:t>
-            </a:r>
-            <a:r>
-              <a:rPr lang="en-US" baseline="0" dirty="0" err="1" smtClean="0"/>
-              <a:t>tím</a:t>
-            </a:r>
-            <a:r>
-              <a:rPr lang="en-US" baseline="0" dirty="0" smtClean="0"/>
-              <a:t> </a:t>
-            </a:r>
-            <a:r>
-              <a:rPr lang="en-US" baseline="0" dirty="0" err="1" smtClean="0"/>
-              <a:t>vàng</a:t>
-            </a:r>
-            <a:r>
-              <a:rPr lang="en-US" baseline="0" dirty="0" smtClean="0"/>
-              <a:t> </a:t>
-            </a:r>
-            <a:r>
-              <a:rPr lang="en-US" baseline="0" dirty="0" err="1" smtClean="0"/>
-              <a:t>gì</a:t>
-            </a:r>
-            <a:r>
-              <a:rPr lang="en-US" baseline="0" dirty="0" smtClean="0"/>
-              <a:t> </a:t>
-            </a:r>
-            <a:r>
-              <a:rPr lang="en-US" baseline="0" dirty="0" err="1" smtClean="0"/>
-              <a:t>gì</a:t>
-            </a:r>
-            <a:r>
-              <a:rPr lang="en-US" baseline="0" dirty="0" smtClean="0"/>
-              <a:t> </a:t>
-            </a:r>
-            <a:r>
-              <a:rPr lang="en-US" baseline="0" dirty="0" err="1" smtClean="0"/>
-              <a:t>đấy</a:t>
-            </a:r>
-            <a:r>
-              <a:rPr lang="en-US" baseline="0" dirty="0" smtClean="0"/>
-              <a:t> </a:t>
-            </a:r>
-            <a:r>
-              <a:rPr lang="en-US" baseline="0" dirty="0" err="1" smtClean="0"/>
-              <a:t>quanh</a:t>
-            </a:r>
-            <a:r>
-              <a:rPr lang="en-US" baseline="0" dirty="0" smtClean="0"/>
-              <a:t> </a:t>
-            </a:r>
-            <a:r>
-              <a:rPr lang="en-US" baseline="0" dirty="0" err="1" smtClean="0"/>
-              <a:t>cái</a:t>
-            </a:r>
-            <a:r>
-              <a:rPr lang="en-US" baseline="0" dirty="0" smtClean="0"/>
-              <a:t> </a:t>
-            </a:r>
-            <a:r>
-              <a:rPr lang="en-US" baseline="0" dirty="0" err="1" smtClean="0"/>
-              <a:t>bảng</a:t>
-            </a:r>
-            <a:r>
-              <a:rPr lang="en-US" baseline="0" dirty="0" smtClean="0"/>
-              <a:t> </a:t>
-            </a:r>
-            <a:r>
-              <a:rPr lang="en-US" baseline="0" dirty="0" err="1" smtClean="0"/>
-              <a:t>chính</a:t>
-            </a:r>
-            <a:r>
-              <a:rPr lang="en-US" baseline="0" dirty="0" smtClean="0"/>
-              <a:t> </a:t>
-            </a:r>
-            <a:r>
-              <a:rPr lang="en-US" baseline="0" dirty="0" err="1" smtClean="0"/>
-              <a:t>cho</a:t>
-            </a:r>
-            <a:r>
-              <a:rPr lang="en-US" baseline="0" dirty="0" smtClean="0"/>
-              <a:t> </a:t>
-            </a:r>
-            <a:r>
-              <a:rPr lang="en-US" baseline="0" dirty="0" err="1" smtClean="0"/>
-              <a:t>nó</a:t>
-            </a:r>
-            <a:r>
-              <a:rPr lang="en-US" baseline="0" dirty="0" smtClean="0"/>
-              <a:t> </a:t>
-            </a:r>
-            <a:r>
-              <a:rPr lang="en-US" baseline="0" dirty="0" err="1" smtClean="0"/>
-              <a:t>nổi</a:t>
-            </a:r>
-            <a:r>
-              <a:rPr lang="en-US" baseline="0" dirty="0" smtClean="0"/>
-              <a:t> </a:t>
-            </a:r>
-            <a:r>
-              <a:rPr lang="en-US" baseline="0" dirty="0" err="1" smtClean="0"/>
-              <a:t>bật</a:t>
-            </a:r>
-            <a:r>
-              <a:rPr lang="en-US" baseline="0" dirty="0" smtClean="0"/>
-              <a:t> </a:t>
-            </a:r>
-            <a:r>
-              <a:rPr lang="en-US" baseline="0" dirty="0" err="1" smtClean="0"/>
-              <a:t>lên</a:t>
-            </a:r>
-            <a:endParaRPr lang="en-US" dirty="0"/>
+              <a:t> unit test, </a:t>
+            </a:r>
+            <a:r>
+              <a:rPr lang="en-US" baseline="0" dirty="0" err="1" smtClean="0"/>
+              <a:t>chúng</a:t>
+            </a:r>
+            <a:r>
+              <a:rPr lang="en-US" baseline="0" dirty="0" smtClean="0"/>
+              <a:t> e test song </a:t>
+            </a:r>
+            <a:r>
+              <a:rPr lang="en-US" baseline="0" dirty="0" err="1" smtClean="0"/>
+              <a:t>song</a:t>
+            </a:r>
+            <a:r>
+              <a:rPr lang="en-US" baseline="0" dirty="0" smtClean="0"/>
+              <a:t> </a:t>
+            </a:r>
+            <a:r>
+              <a:rPr lang="en-US" baseline="0" dirty="0" err="1" smtClean="0"/>
+              <a:t>trong</a:t>
+            </a:r>
+            <a:r>
+              <a:rPr lang="en-US" baseline="0" dirty="0" smtClean="0"/>
+              <a:t> </a:t>
+            </a:r>
+            <a:r>
+              <a:rPr lang="en-US" baseline="0" dirty="0" err="1" smtClean="0"/>
+              <a:t>quá</a:t>
+            </a:r>
+            <a:r>
+              <a:rPr lang="en-US" baseline="0" dirty="0" smtClean="0"/>
+              <a:t> </a:t>
+            </a:r>
+            <a:r>
+              <a:rPr lang="en-US" baseline="0" dirty="0" err="1" smtClean="0"/>
+              <a:t>trình</a:t>
+            </a:r>
+            <a:r>
+              <a:rPr lang="en-US" baseline="0" dirty="0" smtClean="0"/>
+              <a:t> code.</a:t>
+            </a:r>
           </a:p>
         </p:txBody>
       </p:sp>
@@ -28235,7 +26085,7 @@
           <a:p>
             <a:fld id="{94349F02-7B7E-4405-841E-9FEA710E9D5A}" type="slidenum">
               <a:rPr lang="en-US" smtClean="0"/>
-              <a:t>25</a:t>
+              <a:t>27</a:t>
             </a:fld>
             <a:endParaRPr lang="en-US"/>
           </a:p>
@@ -28244,7 +26094,7 @@
     </p:spTree>
     <p:extLst>
       <p:ext uri="{BB962C8B-B14F-4D97-AF65-F5344CB8AC3E}">
-        <p14:creationId xmlns:p14="http://schemas.microsoft.com/office/powerpoint/2010/main" val="4240182568"/>
+        <p14:creationId xmlns:p14="http://schemas.microsoft.com/office/powerpoint/2010/main" val="1189329684"/>
       </p:ext>
     </p:extLst>
   </p:cSld>
@@ -28382,86 +26232,57 @@
           <a:bodyPr/>
           <a:lstStyle/>
           <a:p>
-            <a:pPr eaLnBrk="1" hangingPunct="1"/>
             <a:r>
               <a:rPr lang="en-US" dirty="0" err="1" smtClean="0"/>
-              <a:t>Chún</a:t>
-            </a:r>
-            <a:r>
-              <a:rPr lang="en-US" baseline="0" dirty="0" err="1" smtClean="0"/>
-              <a:t>g</a:t>
-            </a:r>
-            <a:r>
-              <a:rPr lang="en-US" baseline="0" dirty="0" smtClean="0"/>
-              <a:t> e </a:t>
-            </a:r>
-            <a:r>
-              <a:rPr lang="en-US" baseline="0" dirty="0" err="1" smtClean="0"/>
-              <a:t>sử</a:t>
-            </a:r>
-            <a:r>
-              <a:rPr lang="en-US" baseline="0" dirty="0" smtClean="0"/>
-              <a:t> </a:t>
-            </a:r>
-            <a:r>
-              <a:rPr lang="en-US" baseline="0" dirty="0" err="1" smtClean="0"/>
-              <a:t>dụng</a:t>
-            </a:r>
-            <a:r>
-              <a:rPr lang="en-US" baseline="0" dirty="0" smtClean="0"/>
-              <a:t> V-model </a:t>
-            </a:r>
-            <a:r>
-              <a:rPr lang="en-US" baseline="0" dirty="0" err="1" smtClean="0"/>
-              <a:t>trong</a:t>
-            </a:r>
-            <a:r>
-              <a:rPr lang="en-US" baseline="0" dirty="0" smtClean="0"/>
-              <a:t> </a:t>
-            </a:r>
-            <a:r>
-              <a:rPr lang="en-US" baseline="0" dirty="0" err="1" smtClean="0"/>
-              <a:t>quá</a:t>
-            </a:r>
-            <a:r>
-              <a:rPr lang="en-US" baseline="0" dirty="0" smtClean="0"/>
-              <a:t> </a:t>
-            </a:r>
-            <a:r>
-              <a:rPr lang="en-US" baseline="0" dirty="0" err="1" smtClean="0"/>
-              <a:t>trình</a:t>
-            </a:r>
-            <a:r>
-              <a:rPr lang="en-US" baseline="0" dirty="0" smtClean="0"/>
-              <a:t> test, </a:t>
-            </a:r>
-            <a:r>
-              <a:rPr lang="en-US" baseline="0" dirty="0" err="1" smtClean="0"/>
-              <a:t>mô</a:t>
-            </a:r>
-            <a:r>
-              <a:rPr lang="en-US" baseline="0" dirty="0" smtClean="0"/>
-              <a:t> </a:t>
-            </a:r>
-            <a:r>
-              <a:rPr lang="en-US" baseline="0" dirty="0" err="1" smtClean="0"/>
-              <a:t>hình</a:t>
-            </a:r>
-            <a:r>
-              <a:rPr lang="en-US" baseline="0" dirty="0" smtClean="0"/>
-              <a:t> </a:t>
-            </a:r>
-            <a:r>
-              <a:rPr lang="en-US" baseline="0" dirty="0" err="1" smtClean="0"/>
-              <a:t>này</a:t>
-            </a:r>
-            <a:r>
-              <a:rPr lang="en-US" baseline="0" dirty="0" smtClean="0"/>
-              <a:t> </a:t>
-            </a:r>
-            <a:r>
-              <a:rPr lang="en-US" baseline="0" dirty="0" err="1" smtClean="0"/>
-              <a:t>giúp</a:t>
+              <a:t>Đây</a:t>
+            </a:r>
+            <a:r>
+              <a:rPr lang="en-US" baseline="0" dirty="0" smtClean="0"/>
+              <a:t> </a:t>
+            </a:r>
+            <a:r>
+              <a:rPr lang="en-US" baseline="0" dirty="0" err="1" smtClean="0"/>
+              <a:t>là</a:t>
+            </a:r>
+            <a:r>
+              <a:rPr lang="en-US" baseline="0" dirty="0" smtClean="0"/>
+              <a:t> </a:t>
+            </a:r>
+            <a:r>
+              <a:rPr lang="en-US" baseline="0" dirty="0" err="1" smtClean="0"/>
+              <a:t>vòng</a:t>
+            </a:r>
+            <a:r>
+              <a:rPr lang="en-US" baseline="0" dirty="0" smtClean="0"/>
+              <a:t> </a:t>
+            </a:r>
+            <a:r>
+              <a:rPr lang="en-US" baseline="0" dirty="0" err="1" smtClean="0"/>
+              <a:t>đời</a:t>
+            </a:r>
+            <a:r>
+              <a:rPr lang="en-US" baseline="0" dirty="0" smtClean="0"/>
+              <a:t> </a:t>
+            </a:r>
+            <a:r>
+              <a:rPr lang="en-US" baseline="0" dirty="0" err="1" smtClean="0"/>
+              <a:t>quản</a:t>
+            </a:r>
+            <a:r>
+              <a:rPr lang="en-US" baseline="0" dirty="0" smtClean="0"/>
+              <a:t> </a:t>
+            </a:r>
+            <a:r>
+              <a:rPr lang="en-US" baseline="0" dirty="0" err="1" smtClean="0"/>
+              <a:t>lí</a:t>
+            </a:r>
+            <a:r>
+              <a:rPr lang="en-US" baseline="0" dirty="0" smtClean="0"/>
+              <a:t> bug </a:t>
+            </a:r>
+            <a:r>
+              <a:rPr lang="en-US" baseline="0" dirty="0" err="1" smtClean="0"/>
+              <a:t>của</a:t>
             </a:r>
             <a:r>
               <a:rPr lang="en-US" baseline="0" dirty="0" smtClean="0"/>
@@ -28473,160 +26294,408 @@
             </a:r>
             <a:r>
               <a:rPr lang="en-US" baseline="0" dirty="0" smtClean="0"/>
-              <a:t> e:</a:t>
+              <a:t> e.</a:t>
             </a:r>
           </a:p>
           <a:p>
-            <a:pPr eaLnBrk="1" hangingPunct="1"/>
-            <a:endParaRPr lang="en-US" dirty="0" smtClean="0"/>
+            <a:endParaRPr lang="en-US" baseline="0" dirty="0" smtClean="0"/>
           </a:p>
           <a:p>
-            <a:pPr eaLnBrk="1" hangingPunct="1"/>
-            <a:r>
-              <a:rPr lang="en-US" dirty="0" smtClean="0"/>
-              <a:t>- </a:t>
-            </a:r>
-            <a:r>
-              <a:rPr lang="en-US" dirty="0" err="1" smtClean="0"/>
-              <a:t>Có</a:t>
-            </a:r>
-            <a:r>
-              <a:rPr lang="en-US" baseline="0" dirty="0" smtClean="0"/>
-              <a:t> </a:t>
-            </a:r>
-            <a:r>
-              <a:rPr lang="en-US" baseline="0" dirty="0" err="1" smtClean="0"/>
-              <a:t>thể</a:t>
-            </a:r>
-            <a:r>
-              <a:rPr lang="en-US" baseline="0" dirty="0" smtClean="0"/>
-              <a:t> test </a:t>
-            </a:r>
-            <a:r>
-              <a:rPr lang="en-US" baseline="0" dirty="0" err="1" smtClean="0"/>
-              <a:t>cuốn</a:t>
-            </a:r>
-            <a:r>
-              <a:rPr lang="en-US" baseline="0" dirty="0" smtClean="0"/>
-              <a:t> </a:t>
-            </a:r>
-            <a:r>
-              <a:rPr lang="en-US" baseline="0" dirty="0" err="1" smtClean="0"/>
-              <a:t>chiếu</a:t>
-            </a:r>
-            <a:r>
-              <a:rPr lang="en-US" baseline="0" dirty="0" smtClean="0"/>
-              <a:t>, code </a:t>
-            </a:r>
-            <a:r>
-              <a:rPr lang="en-US" baseline="0" dirty="0" err="1" smtClean="0"/>
-              <a:t>và</a:t>
-            </a:r>
-            <a:r>
-              <a:rPr lang="en-US" baseline="0" dirty="0" smtClean="0"/>
-              <a:t> test song </a:t>
-            </a:r>
-            <a:r>
-              <a:rPr lang="en-US" baseline="0" dirty="0" err="1" smtClean="0"/>
-              <a:t>song</a:t>
-            </a:r>
-            <a:r>
-              <a:rPr lang="en-US" baseline="0" dirty="0" smtClean="0"/>
-              <a:t>.</a:t>
-            </a:r>
-            <a:endParaRPr lang="en-US" dirty="0" smtClean="0"/>
+            <a:r>
+              <a:rPr lang="en-US" baseline="0" dirty="0" err="1" smtClean="0"/>
+              <a:t>Câu</a:t>
+            </a:r>
+            <a:r>
+              <a:rPr lang="en-US" baseline="0" dirty="0" smtClean="0"/>
+              <a:t> </a:t>
+            </a:r>
+            <a:r>
+              <a:rPr lang="en-US" baseline="0" dirty="0" err="1" smtClean="0"/>
+              <a:t>hỏi</a:t>
+            </a:r>
+            <a:r>
+              <a:rPr lang="en-US" baseline="0" dirty="0" smtClean="0"/>
+              <a:t>:</a:t>
+            </a:r>
           </a:p>
           <a:p>
-            <a:pPr eaLnBrk="1" hangingPunct="1"/>
-            <a:r>
-              <a:rPr lang="en-US" dirty="0" smtClean="0"/>
-              <a:t>-</a:t>
-            </a:r>
-            <a:r>
-              <a:rPr lang="en-US" baseline="0" dirty="0" smtClean="0"/>
-              <a:t> </a:t>
-            </a:r>
-            <a:r>
-              <a:rPr lang="en-US" baseline="0" dirty="0" err="1" smtClean="0"/>
-              <a:t>Tận</a:t>
-            </a:r>
-            <a:r>
-              <a:rPr lang="en-US" baseline="0" dirty="0" smtClean="0"/>
-              <a:t> </a:t>
-            </a:r>
-            <a:r>
-              <a:rPr lang="en-US" baseline="0" dirty="0" err="1" smtClean="0"/>
-              <a:t>dụng</a:t>
-            </a:r>
-            <a:r>
-              <a:rPr lang="en-US" baseline="0" dirty="0" smtClean="0"/>
-              <a:t> </a:t>
-            </a:r>
-            <a:r>
-              <a:rPr lang="en-US" baseline="0" dirty="0" err="1" smtClean="0"/>
-              <a:t>tối</a:t>
-            </a:r>
-            <a:r>
-              <a:rPr lang="en-US" baseline="0" dirty="0" smtClean="0"/>
-              <a:t> </a:t>
-            </a:r>
-            <a:r>
-              <a:rPr lang="en-US" baseline="0" dirty="0" err="1" smtClean="0"/>
-              <a:t>đa</a:t>
-            </a:r>
-            <a:r>
-              <a:rPr lang="en-US" baseline="0" dirty="0" smtClean="0"/>
-              <a:t> </a:t>
-            </a:r>
-            <a:r>
-              <a:rPr lang="en-US" baseline="0" dirty="0" err="1" smtClean="0"/>
-              <a:t>thời</a:t>
-            </a:r>
-            <a:r>
-              <a:rPr lang="en-US" baseline="0" dirty="0" smtClean="0"/>
-              <a:t> </a:t>
-            </a:r>
-            <a:r>
-              <a:rPr lang="en-US" baseline="0" dirty="0" err="1" smtClean="0"/>
-              <a:t>gian</a:t>
-            </a:r>
-            <a:r>
-              <a:rPr lang="en-US" baseline="0" dirty="0" smtClean="0"/>
-              <a:t> </a:t>
-            </a:r>
-            <a:r>
-              <a:rPr lang="en-US" baseline="0" dirty="0" err="1" smtClean="0"/>
-              <a:t>của</a:t>
-            </a:r>
-            <a:r>
-              <a:rPr lang="en-US" baseline="0" dirty="0" smtClean="0"/>
-              <a:t> </a:t>
-            </a:r>
-            <a:r>
-              <a:rPr lang="en-US" baseline="0" dirty="0" err="1" smtClean="0"/>
-              <a:t>các</a:t>
-            </a:r>
-            <a:r>
-              <a:rPr lang="en-US" baseline="0" dirty="0" smtClean="0"/>
-              <a:t> </a:t>
-            </a:r>
-            <a:r>
-              <a:rPr lang="en-US" baseline="0" dirty="0" err="1" smtClean="0"/>
-              <a:t>thành</a:t>
-            </a:r>
-            <a:r>
-              <a:rPr lang="en-US" baseline="0" dirty="0" smtClean="0"/>
-              <a:t> </a:t>
-            </a:r>
-            <a:r>
-              <a:rPr lang="en-US" baseline="0" dirty="0" err="1" smtClean="0"/>
-              <a:t>viên</a:t>
-            </a:r>
-            <a:r>
-              <a:rPr lang="en-US" baseline="0" dirty="0" smtClean="0"/>
-              <a:t>.</a:t>
-            </a:r>
-            <a:endParaRPr lang="en-US" dirty="0" smtClean="0"/>
+            <a:pPr marL="228600" indent="-228600">
+              <a:buAutoNum type="arabicPeriod"/>
+            </a:pPr>
+            <a:r>
+              <a:rPr lang="en-US" baseline="0" dirty="0" err="1" smtClean="0"/>
+              <a:t>Giải</a:t>
+            </a:r>
+            <a:r>
+              <a:rPr lang="en-US" baseline="0" dirty="0" smtClean="0"/>
+              <a:t> </a:t>
+            </a:r>
+            <a:r>
+              <a:rPr lang="en-US" baseline="0" dirty="0" err="1" smtClean="0"/>
+              <a:t>thik</a:t>
+            </a:r>
+            <a:r>
+              <a:rPr lang="en-US" baseline="0" dirty="0" smtClean="0"/>
+              <a:t>?</a:t>
+            </a:r>
+            <a:endParaRPr lang="en-US" baseline="0" dirty="0"/>
+          </a:p>
+          <a:p>
+            <a:pPr marL="171450" indent="-171450">
+              <a:buFontTx/>
+              <a:buChar char="-"/>
+            </a:pPr>
+            <a:r>
+              <a:rPr lang="en-US" baseline="0" dirty="0" err="1" smtClean="0"/>
+              <a:t>Khi</a:t>
+            </a:r>
+            <a:r>
+              <a:rPr lang="en-US" baseline="0" dirty="0" smtClean="0"/>
+              <a:t> </a:t>
+            </a:r>
+            <a:r>
+              <a:rPr lang="en-US" baseline="0" dirty="0" err="1" smtClean="0"/>
+              <a:t>phát</a:t>
+            </a:r>
+            <a:r>
+              <a:rPr lang="en-US" baseline="0" dirty="0" smtClean="0"/>
+              <a:t> </a:t>
+            </a:r>
+            <a:r>
+              <a:rPr lang="en-US" baseline="0" dirty="0" err="1" smtClean="0"/>
+              <a:t>hiện</a:t>
+            </a:r>
+            <a:r>
+              <a:rPr lang="en-US" baseline="0" dirty="0" smtClean="0"/>
+              <a:t> bug, test </a:t>
+            </a:r>
+            <a:r>
+              <a:rPr lang="en-US" baseline="0" dirty="0" err="1" smtClean="0"/>
+              <a:t>viết</a:t>
+            </a:r>
+            <a:r>
+              <a:rPr lang="en-US" baseline="0" dirty="0" smtClean="0"/>
+              <a:t> </a:t>
+            </a:r>
+            <a:r>
+              <a:rPr lang="en-US" baseline="0" dirty="0" err="1" smtClean="0"/>
+              <a:t>vào</a:t>
+            </a:r>
+            <a:r>
+              <a:rPr lang="en-US" baseline="0" dirty="0" smtClean="0"/>
+              <a:t> report </a:t>
+            </a:r>
+            <a:r>
+              <a:rPr lang="en-US" baseline="0" dirty="0" err="1" smtClean="0"/>
+              <a:t>và</a:t>
+            </a:r>
+            <a:r>
+              <a:rPr lang="en-US" baseline="0" dirty="0" smtClean="0"/>
+              <a:t> </a:t>
+            </a:r>
+            <a:r>
+              <a:rPr lang="en-US" baseline="0" dirty="0" err="1" smtClean="0"/>
+              <a:t>gửi</a:t>
+            </a:r>
+            <a:r>
+              <a:rPr lang="en-US" baseline="0" dirty="0" smtClean="0"/>
+              <a:t> </a:t>
+            </a:r>
+            <a:r>
+              <a:rPr lang="en-US" baseline="0" dirty="0" err="1" smtClean="0"/>
+              <a:t>lên</a:t>
+            </a:r>
+            <a:r>
+              <a:rPr lang="en-US" baseline="0" dirty="0" smtClean="0"/>
+              <a:t> server</a:t>
+            </a:r>
+          </a:p>
+          <a:p>
+            <a:pPr marL="171450" indent="-171450">
+              <a:buFontTx/>
+              <a:buChar char="-"/>
+            </a:pPr>
+            <a:r>
+              <a:rPr lang="en-US" baseline="0" dirty="0" smtClean="0"/>
+              <a:t>Developer down report </a:t>
+            </a:r>
+            <a:r>
+              <a:rPr lang="en-US" baseline="0" dirty="0" err="1" smtClean="0"/>
+              <a:t>về</a:t>
+            </a:r>
+            <a:r>
+              <a:rPr lang="en-US" baseline="0" dirty="0" smtClean="0"/>
+              <a:t> </a:t>
+            </a:r>
+            <a:r>
+              <a:rPr lang="en-US" baseline="0" dirty="0" err="1" smtClean="0"/>
+              <a:t>và</a:t>
+            </a:r>
+            <a:r>
+              <a:rPr lang="en-US" baseline="0" dirty="0" smtClean="0"/>
+              <a:t> </a:t>
+            </a:r>
+            <a:r>
+              <a:rPr lang="en-US" baseline="0" dirty="0" err="1" smtClean="0"/>
+              <a:t>sửa</a:t>
+            </a:r>
+            <a:r>
+              <a:rPr lang="en-US" baseline="0" dirty="0" smtClean="0"/>
+              <a:t> code, </a:t>
+            </a:r>
+            <a:r>
+              <a:rPr lang="en-US" baseline="0" dirty="0" err="1" smtClean="0"/>
+              <a:t>khi</a:t>
+            </a:r>
+            <a:r>
+              <a:rPr lang="en-US" baseline="0" dirty="0" smtClean="0"/>
+              <a:t> </a:t>
+            </a:r>
+            <a:r>
+              <a:rPr lang="en-US" baseline="0" dirty="0" err="1" smtClean="0"/>
+              <a:t>sửa</a:t>
+            </a:r>
+            <a:r>
+              <a:rPr lang="en-US" baseline="0" dirty="0" smtClean="0"/>
+              <a:t> </a:t>
+            </a:r>
+            <a:r>
+              <a:rPr lang="en-US" baseline="0" dirty="0" err="1" smtClean="0"/>
+              <a:t>xong</a:t>
+            </a:r>
+            <a:r>
+              <a:rPr lang="en-US" baseline="0" dirty="0" smtClean="0"/>
+              <a:t> code </a:t>
+            </a:r>
+            <a:r>
+              <a:rPr lang="en-US" baseline="0" dirty="0" err="1" smtClean="0"/>
+              <a:t>sẽ</a:t>
+            </a:r>
+            <a:r>
+              <a:rPr lang="en-US" baseline="0" dirty="0" smtClean="0"/>
+              <a:t> commit code </a:t>
+            </a:r>
+            <a:r>
+              <a:rPr lang="en-US" baseline="0" dirty="0" err="1" smtClean="0"/>
+              <a:t>và</a:t>
+            </a:r>
+            <a:r>
+              <a:rPr lang="en-US" baseline="0" dirty="0" smtClean="0"/>
+              <a:t> report </a:t>
+            </a:r>
+            <a:r>
+              <a:rPr lang="en-US" baseline="0" dirty="0" err="1" smtClean="0"/>
+              <a:t>sau</a:t>
+            </a:r>
+            <a:r>
+              <a:rPr lang="en-US" baseline="0" dirty="0" smtClean="0"/>
+              <a:t> </a:t>
+            </a:r>
+            <a:r>
+              <a:rPr lang="en-US" baseline="0" dirty="0" err="1" smtClean="0"/>
+              <a:t>khi</a:t>
+            </a:r>
+            <a:r>
+              <a:rPr lang="en-US" baseline="0" dirty="0" smtClean="0"/>
+              <a:t> </a:t>
+            </a:r>
+            <a:r>
+              <a:rPr lang="en-US" baseline="0" dirty="0" err="1" smtClean="0"/>
+              <a:t>sửa</a:t>
+            </a:r>
+            <a:r>
+              <a:rPr lang="en-US" baseline="0" dirty="0" smtClean="0"/>
+              <a:t> </a:t>
+            </a:r>
+            <a:r>
+              <a:rPr lang="en-US" baseline="0" dirty="0" err="1" smtClean="0"/>
+              <a:t>lên</a:t>
+            </a:r>
+            <a:r>
+              <a:rPr lang="en-US" baseline="0" dirty="0" smtClean="0"/>
+              <a:t> server.</a:t>
+            </a:r>
+          </a:p>
+          <a:p>
+            <a:pPr marL="171450" indent="-171450">
+              <a:buFontTx/>
+              <a:buChar char="-"/>
+            </a:pPr>
+            <a:r>
+              <a:rPr lang="en-US" baseline="0" dirty="0" smtClean="0"/>
+              <a:t>Test </a:t>
+            </a:r>
+            <a:r>
+              <a:rPr lang="en-US" baseline="0" dirty="0" err="1" smtClean="0"/>
+              <a:t>sẽ</a:t>
+            </a:r>
+            <a:r>
+              <a:rPr lang="en-US" baseline="0" dirty="0" smtClean="0"/>
+              <a:t> down </a:t>
+            </a:r>
+            <a:r>
+              <a:rPr lang="en-US" baseline="0" dirty="0" err="1" smtClean="0"/>
+              <a:t>về</a:t>
+            </a:r>
+            <a:r>
+              <a:rPr lang="en-US" baseline="0" dirty="0" smtClean="0"/>
+              <a:t> </a:t>
+            </a:r>
+            <a:r>
+              <a:rPr lang="en-US" baseline="0" dirty="0" err="1" smtClean="0"/>
+              <a:t>và</a:t>
+            </a:r>
+            <a:r>
+              <a:rPr lang="en-US" baseline="0" dirty="0" smtClean="0"/>
+              <a:t> </a:t>
+            </a:r>
+            <a:r>
+              <a:rPr lang="en-US" baseline="0" dirty="0" err="1" smtClean="0"/>
+              <a:t>kiểm</a:t>
+            </a:r>
+            <a:r>
+              <a:rPr lang="en-US" baseline="0" dirty="0" smtClean="0"/>
+              <a:t> </a:t>
+            </a:r>
+            <a:r>
+              <a:rPr lang="en-US" baseline="0" dirty="0" err="1" smtClean="0"/>
+              <a:t>tra</a:t>
+            </a:r>
+            <a:r>
+              <a:rPr lang="en-US" baseline="0" dirty="0" smtClean="0"/>
+              <a:t>, </a:t>
+            </a:r>
+            <a:r>
+              <a:rPr lang="en-US" baseline="0" dirty="0" err="1" smtClean="0"/>
+              <a:t>nếu</a:t>
+            </a:r>
+            <a:r>
+              <a:rPr lang="en-US" baseline="0" dirty="0" smtClean="0"/>
+              <a:t> </a:t>
+            </a:r>
+            <a:r>
+              <a:rPr lang="en-US" baseline="0" dirty="0" err="1" smtClean="0"/>
+              <a:t>vẫn</a:t>
+            </a:r>
+            <a:r>
+              <a:rPr lang="en-US" baseline="0" dirty="0" smtClean="0"/>
+              <a:t> </a:t>
+            </a:r>
+            <a:r>
+              <a:rPr lang="en-US" baseline="0" dirty="0" err="1" smtClean="0"/>
+              <a:t>còn</a:t>
+            </a:r>
+            <a:r>
+              <a:rPr lang="en-US" baseline="0" dirty="0" smtClean="0"/>
+              <a:t> </a:t>
+            </a:r>
+            <a:r>
+              <a:rPr lang="en-US" baseline="0" dirty="0" err="1" smtClean="0"/>
+              <a:t>lỗi</a:t>
+            </a:r>
+            <a:r>
+              <a:rPr lang="en-US" baseline="0" dirty="0" smtClean="0"/>
+              <a:t> </a:t>
+            </a:r>
+            <a:r>
+              <a:rPr lang="en-US" baseline="0" dirty="0" err="1" smtClean="0"/>
+              <a:t>sẽ</a:t>
+            </a:r>
+            <a:r>
+              <a:rPr lang="en-US" baseline="0" dirty="0" smtClean="0"/>
+              <a:t> </a:t>
+            </a:r>
+            <a:r>
+              <a:rPr lang="en-US" baseline="0" dirty="0" err="1" smtClean="0"/>
+              <a:t>lặp</a:t>
+            </a:r>
+            <a:r>
+              <a:rPr lang="en-US" baseline="0" dirty="0" smtClean="0"/>
+              <a:t> </a:t>
+            </a:r>
+            <a:r>
+              <a:rPr lang="en-US" baseline="0" dirty="0" err="1" smtClean="0"/>
+              <a:t>lại</a:t>
+            </a:r>
+            <a:r>
+              <a:rPr lang="en-US" baseline="0" dirty="0" smtClean="0"/>
+              <a:t> </a:t>
+            </a:r>
+            <a:r>
+              <a:rPr lang="en-US" baseline="0" dirty="0" err="1" smtClean="0"/>
+              <a:t>như</a:t>
+            </a:r>
+            <a:r>
+              <a:rPr lang="en-US" baseline="0" dirty="0" smtClean="0"/>
+              <a:t> </a:t>
+            </a:r>
+            <a:r>
+              <a:rPr lang="en-US" baseline="0" dirty="0" err="1" smtClean="0"/>
+              <a:t>trên</a:t>
+            </a:r>
+            <a:endParaRPr lang="en-US" baseline="0" dirty="0" smtClean="0"/>
+          </a:p>
+          <a:p>
+            <a:pPr marL="171450" indent="-171450">
+              <a:buFontTx/>
+              <a:buChar char="-"/>
+            </a:pPr>
+            <a:r>
+              <a:rPr lang="en-US" baseline="0" dirty="0" err="1" smtClean="0"/>
+              <a:t>Nếu</a:t>
+            </a:r>
+            <a:r>
+              <a:rPr lang="en-US" baseline="0" dirty="0" smtClean="0"/>
+              <a:t> </a:t>
+            </a:r>
+            <a:r>
+              <a:rPr lang="en-US" baseline="0" dirty="0" err="1" smtClean="0"/>
+              <a:t>lỗi</a:t>
+            </a:r>
+            <a:r>
+              <a:rPr lang="en-US" baseline="0" dirty="0" smtClean="0"/>
+              <a:t> </a:t>
+            </a:r>
+            <a:r>
+              <a:rPr lang="en-US" baseline="0" dirty="0" err="1" smtClean="0"/>
+              <a:t>đã</a:t>
+            </a:r>
+            <a:r>
+              <a:rPr lang="en-US" baseline="0" dirty="0" smtClean="0"/>
+              <a:t> </a:t>
+            </a:r>
+            <a:r>
+              <a:rPr lang="en-US" baseline="0" dirty="0" err="1" smtClean="0"/>
+              <a:t>đc</a:t>
+            </a:r>
+            <a:r>
+              <a:rPr lang="en-US" baseline="0" dirty="0" smtClean="0"/>
+              <a:t> </a:t>
+            </a:r>
+            <a:r>
+              <a:rPr lang="en-US" baseline="0" dirty="0" err="1" smtClean="0"/>
+              <a:t>xử</a:t>
+            </a:r>
+            <a:r>
+              <a:rPr lang="en-US" baseline="0" dirty="0" smtClean="0"/>
+              <a:t> </a:t>
+            </a:r>
+            <a:r>
+              <a:rPr lang="en-US" baseline="0" dirty="0" err="1" smtClean="0"/>
+              <a:t>lý</a:t>
+            </a:r>
+            <a:r>
+              <a:rPr lang="en-US" baseline="0" dirty="0" smtClean="0"/>
+              <a:t> </a:t>
+            </a:r>
+            <a:r>
+              <a:rPr lang="en-US" baseline="0" dirty="0" err="1" smtClean="0"/>
+              <a:t>thì</a:t>
+            </a:r>
+            <a:r>
+              <a:rPr lang="en-US" baseline="0" dirty="0" smtClean="0"/>
+              <a:t> closed.</a:t>
+            </a:r>
           </a:p>
         </p:txBody>
       </p:sp>
@@ -28656,7 +26725,7 @@
     </p:spTree>
     <p:extLst>
       <p:ext uri="{BB962C8B-B14F-4D97-AF65-F5344CB8AC3E}">
-        <p14:creationId xmlns:p14="http://schemas.microsoft.com/office/powerpoint/2010/main" val="4230026582"/>
+        <p14:creationId xmlns:p14="http://schemas.microsoft.com/office/powerpoint/2010/main" val="3631951466"/>
       </p:ext>
     </p:extLst>
   </p:cSld>
@@ -28707,20 +26776,54 @@
         </p:nvSpPr>
         <p:spPr/>
         <p:txBody>
-          <a:bodyPr/>
+          <a:bodyPr>
+            <a:normAutofit/>
+          </a:bodyPr>
           <a:lstStyle/>
           <a:p>
             <a:r>
               <a:rPr lang="en-US" dirty="0" err="1" smtClean="0"/>
-              <a:t>Đồ</a:t>
-            </a:r>
-            <a:r>
-              <a:rPr lang="en-US" baseline="0" dirty="0" smtClean="0"/>
-              <a:t> </a:t>
-            </a:r>
-            <a:r>
-              <a:rPr lang="en-US" baseline="0" dirty="0" err="1" smtClean="0"/>
-              <a:t>án</a:t>
+              <a:t>Đây</a:t>
+            </a:r>
+            <a:r>
+              <a:rPr lang="en-US" baseline="0" dirty="0" smtClean="0"/>
+              <a:t> </a:t>
+            </a:r>
+            <a:r>
+              <a:rPr lang="en-US" baseline="0" dirty="0" err="1" smtClean="0"/>
+              <a:t>là</a:t>
+            </a:r>
+            <a:r>
+              <a:rPr lang="en-US" baseline="0" dirty="0" smtClean="0"/>
+              <a:t> </a:t>
+            </a:r>
+            <a:r>
+              <a:rPr lang="en-US" baseline="0" dirty="0" err="1" smtClean="0"/>
+              <a:t>kết</a:t>
+            </a:r>
+            <a:r>
+              <a:rPr lang="en-US" baseline="0" dirty="0" smtClean="0"/>
+              <a:t> </a:t>
+            </a:r>
+            <a:r>
+              <a:rPr lang="en-US" baseline="0" dirty="0" err="1" smtClean="0"/>
+              <a:t>quả</a:t>
+            </a:r>
+            <a:r>
+              <a:rPr lang="en-US" baseline="0" dirty="0" smtClean="0"/>
+              <a:t> test </a:t>
+            </a:r>
+            <a:r>
+              <a:rPr lang="en-US" baseline="0" dirty="0" err="1" smtClean="0"/>
+              <a:t>của</a:t>
+            </a:r>
+            <a:r>
+              <a:rPr lang="en-US" baseline="0" dirty="0" smtClean="0"/>
+              <a:t> </a:t>
+            </a:r>
+            <a:r>
+              <a:rPr lang="en-US" baseline="0" dirty="0" err="1" smtClean="0"/>
+              <a:t>nhóm</a:t>
             </a:r>
             <a:r>
               <a:rPr lang="en-US" baseline="0" dirty="0" smtClean="0"/>
@@ -28732,96 +26835,74 @@
             </a:r>
             <a:r>
               <a:rPr lang="en-US" baseline="0" dirty="0" smtClean="0"/>
-              <a:t> e </a:t>
-            </a:r>
-            <a:r>
-              <a:rPr lang="en-US" baseline="0" dirty="0" err="1" smtClean="0"/>
-              <a:t>có</a:t>
-            </a:r>
-            <a:r>
-              <a:rPr lang="en-US" baseline="0" dirty="0" smtClean="0"/>
-              <a:t> 3 </a:t>
-            </a:r>
-            <a:r>
-              <a:rPr lang="en-US" baseline="0" dirty="0" err="1" smtClean="0"/>
-              <a:t>giai</a:t>
-            </a:r>
-            <a:r>
-              <a:rPr lang="en-US" baseline="0" dirty="0" smtClean="0"/>
-              <a:t> </a:t>
-            </a:r>
-            <a:r>
-              <a:rPr lang="en-US" baseline="0" dirty="0" err="1" smtClean="0"/>
-              <a:t>đoạn</a:t>
-            </a:r>
-            <a:r>
-              <a:rPr lang="en-US" baseline="0" dirty="0" smtClean="0"/>
-              <a:t> test: Unit test, integration test </a:t>
-            </a:r>
-            <a:r>
-              <a:rPr lang="en-US" baseline="0" dirty="0" err="1" smtClean="0"/>
-              <a:t>và</a:t>
-            </a:r>
-            <a:r>
-              <a:rPr lang="en-US" baseline="0" dirty="0" smtClean="0"/>
-              <a:t> system test. </a:t>
-            </a:r>
-            <a:r>
-              <a:rPr lang="en-US" baseline="0" dirty="0" err="1" smtClean="0"/>
-              <a:t>Trong</a:t>
-            </a:r>
-            <a:r>
-              <a:rPr lang="en-US" baseline="0" dirty="0" smtClean="0"/>
-              <a:t> </a:t>
-            </a:r>
-            <a:r>
-              <a:rPr lang="en-US" baseline="0" dirty="0" err="1" smtClean="0"/>
-              <a:t>đó</a:t>
-            </a:r>
-            <a:r>
-              <a:rPr lang="en-US" baseline="0" dirty="0" smtClean="0"/>
-              <a:t> unit test, </a:t>
-            </a:r>
-            <a:r>
-              <a:rPr lang="en-US" baseline="0" dirty="0" err="1" smtClean="0"/>
-              <a:t>chúng</a:t>
-            </a:r>
-            <a:r>
-              <a:rPr lang="en-US" baseline="0" dirty="0" smtClean="0"/>
-              <a:t> e test song </a:t>
-            </a:r>
-            <a:r>
-              <a:rPr lang="en-US" baseline="0" dirty="0" err="1" smtClean="0"/>
-              <a:t>song</a:t>
-            </a:r>
-            <a:r>
-              <a:rPr lang="en-US" baseline="0" dirty="0" smtClean="0"/>
-              <a:t> </a:t>
-            </a:r>
-            <a:r>
-              <a:rPr lang="en-US" baseline="0" dirty="0" err="1" smtClean="0"/>
-              <a:t>trong</a:t>
-            </a:r>
-            <a:r>
-              <a:rPr lang="en-US" baseline="0" dirty="0" smtClean="0"/>
-              <a:t> </a:t>
-            </a:r>
-            <a:r>
-              <a:rPr lang="en-US" baseline="0" dirty="0" err="1" smtClean="0"/>
-              <a:t>quá</a:t>
-            </a:r>
-            <a:r>
-              <a:rPr lang="en-US" baseline="0" dirty="0" smtClean="0"/>
-              <a:t> </a:t>
-            </a:r>
-            <a:r>
-              <a:rPr lang="en-US" baseline="0" dirty="0" err="1" smtClean="0"/>
-              <a:t>trình</a:t>
-            </a:r>
-            <a:r>
-              <a:rPr lang="en-US" baseline="0" dirty="0" smtClean="0"/>
-              <a:t> code.</a:t>
-            </a:r>
+              <a:t> </a:t>
+            </a:r>
+            <a:r>
+              <a:rPr lang="en-US" baseline="0" dirty="0" err="1" smtClean="0"/>
+              <a:t>em</a:t>
+            </a:r>
+            <a:r>
+              <a:rPr lang="en-US" baseline="0" dirty="0" smtClean="0"/>
+              <a:t>.</a:t>
+            </a:r>
+          </a:p>
+          <a:p>
+            <a:endParaRPr lang="en-US" baseline="0" dirty="0" smtClean="0"/>
+          </a:p>
+          <a:p>
+            <a:r>
+              <a:rPr lang="en-US" baseline="0" dirty="0" smtClean="0"/>
+              <a:t>Acceptance test result</a:t>
+            </a:r>
+          </a:p>
+          <a:p>
+            <a:endParaRPr lang="en-US" baseline="0" dirty="0" smtClean="0"/>
+          </a:p>
+          <a:p>
+            <a:r>
+              <a:rPr lang="en-US" baseline="0" dirty="0" smtClean="0"/>
+              <a:t>Release 29/7   -&gt; acceptance test   30/7 – 3/8</a:t>
+            </a:r>
+          </a:p>
+          <a:p>
+            <a:endParaRPr lang="en-US" baseline="0" dirty="0" smtClean="0"/>
+          </a:p>
+          <a:p>
+            <a:r>
+              <a:rPr lang="en-US" baseline="0" dirty="0" smtClean="0"/>
+              <a:t>log bug &amp; keep contact  (total: 8 </a:t>
+            </a:r>
+            <a:r>
+              <a:rPr lang="en-US" baseline="0" smtClean="0"/>
+              <a:t>bugs)  </a:t>
+            </a:r>
+            <a:endParaRPr lang="en-US" baseline="0" dirty="0" smtClean="0"/>
+          </a:p>
+          <a:p>
+            <a:endParaRPr lang="en-US" baseline="0" dirty="0" smtClean="0"/>
+          </a:p>
+          <a:p>
+            <a:r>
+              <a:rPr lang="en-US" baseline="0" dirty="0" smtClean="0"/>
+              <a:t>Release ( 2</a:t>
+            </a:r>
+            <a:r>
+              <a:rPr lang="en-US" baseline="30000" dirty="0" smtClean="0"/>
+              <a:t>nd</a:t>
+            </a:r>
+            <a:r>
+              <a:rPr lang="en-US" baseline="0" dirty="0" smtClean="0"/>
+              <a:t>)  5/8   -&gt; acceptance test (2</a:t>
+            </a:r>
+            <a:r>
+              <a:rPr lang="en-US" baseline="30000" dirty="0" smtClean="0"/>
+              <a:t>nd</a:t>
+            </a:r>
+            <a:r>
+              <a:rPr lang="en-US" baseline="0" dirty="0" smtClean="0"/>
+              <a:t>) 6/8 – 10/8</a:t>
+            </a:r>
+            <a:endParaRPr lang="en-US" dirty="0"/>
           </a:p>
         </p:txBody>
       </p:sp>
@@ -28842,6 +26923,7 @@
           <a:p>
             <a:fld id="{94349F02-7B7E-4405-841E-9FEA710E9D5A}" type="slidenum">
               <a:rPr lang="en-US" smtClean="0"/>
+              <a:pPr/>
               <a:t>29</a:t>
             </a:fld>
             <a:endParaRPr lang="en-US"/>
@@ -28849,11 +26931,6 @@
         </p:txBody>
       </p:sp>
     </p:spTree>
-    <p:extLst>
-      <p:ext uri="{BB962C8B-B14F-4D97-AF65-F5344CB8AC3E}">
-        <p14:creationId xmlns:p14="http://schemas.microsoft.com/office/powerpoint/2010/main" val="1189329684"/>
-      </p:ext>
-    </p:extLst>
   </p:cSld>
   <p:clrMapOvr>
     <a:masterClrMapping/>
@@ -28919,39 +26996,39 @@
             </a:r>
             <a:r>
               <a:rPr lang="en-US" baseline="0" dirty="0" smtClean="0"/>
-              <a:t> </a:t>
-            </a:r>
-            <a:r>
-              <a:rPr lang="en-US" baseline="0" dirty="0" err="1" smtClean="0"/>
-              <a:t>vòng</a:t>
-            </a:r>
-            <a:r>
-              <a:rPr lang="en-US" baseline="0" dirty="0" smtClean="0"/>
-              <a:t> </a:t>
-            </a:r>
-            <a:r>
-              <a:rPr lang="en-US" baseline="0" dirty="0" err="1" smtClean="0"/>
-              <a:t>đời</a:t>
-            </a:r>
-            <a:r>
-              <a:rPr lang="en-US" baseline="0" dirty="0" smtClean="0"/>
-              <a:t> </a:t>
-            </a:r>
-            <a:r>
-              <a:rPr lang="en-US" baseline="0" dirty="0" err="1" smtClean="0"/>
-              <a:t>quản</a:t>
-            </a:r>
-            <a:r>
-              <a:rPr lang="en-US" baseline="0" dirty="0" smtClean="0"/>
-              <a:t> </a:t>
-            </a:r>
-            <a:r>
-              <a:rPr lang="en-US" baseline="0" dirty="0" err="1" smtClean="0"/>
-              <a:t>lí</a:t>
-            </a:r>
-            <a:r>
-              <a:rPr lang="en-US" baseline="0" dirty="0" smtClean="0"/>
-              <a:t> bug </a:t>
+              <a:t> ~ </a:t>
+            </a:r>
+            <a:r>
+              <a:rPr lang="en-US" baseline="0" dirty="0" err="1" smtClean="0"/>
+              <a:t>tiêu</a:t>
+            </a:r>
+            <a:r>
+              <a:rPr lang="en-US" baseline="0" dirty="0" smtClean="0"/>
+              <a:t> </a:t>
+            </a:r>
+            <a:r>
+              <a:rPr lang="en-US" baseline="0" dirty="0" err="1" smtClean="0"/>
+              <a:t>chí</a:t>
+            </a:r>
+            <a:r>
+              <a:rPr lang="en-US" baseline="0" dirty="0" smtClean="0"/>
+              <a:t> </a:t>
+            </a:r>
+            <a:r>
+              <a:rPr lang="en-US" baseline="0" dirty="0" err="1" smtClean="0"/>
+              <a:t>thành</a:t>
+            </a:r>
+            <a:r>
+              <a:rPr lang="en-US" baseline="0" dirty="0" smtClean="0"/>
+              <a:t> </a:t>
+            </a:r>
+            <a:r>
+              <a:rPr lang="en-US" baseline="0" dirty="0" err="1" smtClean="0"/>
+              <a:t>công</a:t>
+            </a:r>
+            <a:r>
+              <a:rPr lang="en-US" baseline="0" dirty="0" smtClean="0"/>
+              <a:t> </a:t>
             </a:r>
             <a:r>
               <a:rPr lang="en-US" baseline="0" dirty="0" err="1" smtClean="0"/>
@@ -28963,100 +27040,51 @@
             </a:r>
             <a:r>
               <a:rPr lang="en-US" baseline="0" dirty="0" err="1" smtClean="0"/>
+              <a:t>công</a:t>
+            </a:r>
+            <a:r>
+              <a:rPr lang="en-US" baseline="0" dirty="0" smtClean="0"/>
+              <a:t> </a:t>
+            </a:r>
+            <a:r>
+              <a:rPr lang="en-US" baseline="0" dirty="0" err="1" smtClean="0"/>
+              <a:t>đoạn</a:t>
+            </a:r>
+            <a:r>
+              <a:rPr lang="en-US" baseline="0" dirty="0" smtClean="0"/>
+              <a:t> test </a:t>
+            </a:r>
+            <a:r>
+              <a:rPr lang="en-US" baseline="0" dirty="0" err="1" smtClean="0"/>
+              <a:t>mà</a:t>
+            </a:r>
+            <a:r>
+              <a:rPr lang="en-US" baseline="0" dirty="0" smtClean="0"/>
+              <a:t> </a:t>
+            </a:r>
+            <a:r>
+              <a:rPr lang="en-US" baseline="0" dirty="0" err="1" smtClean="0"/>
               <a:t>nhóm</a:t>
             </a:r>
             <a:r>
               <a:rPr lang="en-US" baseline="0" dirty="0" smtClean="0"/>
-              <a:t> e.</a:t>
-            </a:r>
-          </a:p>
-          <a:p>
-            <a:endParaRPr lang="en-US" baseline="0" dirty="0" smtClean="0"/>
-          </a:p>
-          <a:p>
-            <a:r>
-              <a:rPr lang="en-US" baseline="0" dirty="0" err="1" smtClean="0"/>
-              <a:t>Câu</a:t>
-            </a:r>
-            <a:r>
-              <a:rPr lang="en-US" baseline="0" dirty="0" smtClean="0"/>
-              <a:t> </a:t>
-            </a:r>
-            <a:r>
-              <a:rPr lang="en-US" baseline="0" dirty="0" err="1" smtClean="0"/>
-              <a:t>hỏi</a:t>
-            </a:r>
-            <a:r>
-              <a:rPr lang="en-US" baseline="0" dirty="0" smtClean="0"/>
-              <a:t>:</a:t>
-            </a:r>
-          </a:p>
-          <a:p>
-            <a:pPr marL="228600" indent="-228600">
-              <a:buAutoNum type="arabicPeriod"/>
-            </a:pPr>
-            <a:r>
-              <a:rPr lang="en-US" baseline="0" dirty="0" err="1" smtClean="0"/>
-              <a:t>Giải</a:t>
-            </a:r>
-            <a:r>
-              <a:rPr lang="en-US" baseline="0" dirty="0" smtClean="0"/>
-              <a:t> </a:t>
-            </a:r>
-            <a:r>
-              <a:rPr lang="en-US" baseline="0" dirty="0" err="1" smtClean="0"/>
-              <a:t>thik</a:t>
-            </a:r>
-            <a:r>
-              <a:rPr lang="en-US" baseline="0" dirty="0" smtClean="0"/>
-              <a:t>?</a:t>
-            </a:r>
-            <a:endParaRPr lang="en-US" baseline="0" dirty="0"/>
-          </a:p>
-          <a:p>
-            <a:pPr marL="171450" indent="-171450">
-              <a:buFontTx/>
-              <a:buChar char="-"/>
-            </a:pPr>
-            <a:r>
-              <a:rPr lang="en-US" baseline="0" dirty="0" err="1" smtClean="0"/>
-              <a:t>Khi</a:t>
-            </a:r>
-            <a:r>
-              <a:rPr lang="en-US" baseline="0" dirty="0" smtClean="0"/>
-              <a:t> </a:t>
-            </a:r>
-            <a:r>
-              <a:rPr lang="en-US" baseline="0" dirty="0" err="1" smtClean="0"/>
-              <a:t>phát</a:t>
-            </a:r>
-            <a:r>
-              <a:rPr lang="en-US" baseline="0" dirty="0" smtClean="0"/>
-              <a:t> </a:t>
-            </a:r>
-            <a:r>
-              <a:rPr lang="en-US" baseline="0" dirty="0" err="1" smtClean="0"/>
-              <a:t>hiện</a:t>
-            </a:r>
-            <a:r>
-              <a:rPr lang="en-US" baseline="0" dirty="0" smtClean="0"/>
-              <a:t> bug, test </a:t>
-            </a:r>
-            <a:r>
-              <a:rPr lang="en-US" baseline="0" dirty="0" err="1" smtClean="0"/>
-              <a:t>viết</a:t>
-            </a:r>
-            <a:r>
-              <a:rPr lang="en-US" baseline="0" dirty="0" smtClean="0"/>
-              <a:t> </a:t>
-            </a:r>
-            <a:r>
-              <a:rPr lang="en-US" baseline="0" dirty="0" err="1" smtClean="0"/>
-              <a:t>vào</a:t>
-            </a:r>
-            <a:r>
-              <a:rPr lang="en-US" baseline="0" dirty="0" smtClean="0"/>
-              <a:t> report </a:t>
+              <a:t> e </a:t>
+            </a:r>
+            <a:r>
+              <a:rPr lang="en-US" baseline="0" dirty="0" err="1" smtClean="0"/>
+              <a:t>đề</a:t>
+            </a:r>
+            <a:r>
+              <a:rPr lang="en-US" baseline="0" dirty="0" smtClean="0"/>
+              <a:t> </a:t>
+            </a:r>
+            <a:r>
+              <a:rPr lang="en-US" baseline="0" dirty="0" err="1" smtClean="0"/>
+              <a:t>ra</a:t>
+            </a:r>
+            <a:r>
+              <a:rPr lang="en-US" baseline="0" dirty="0" smtClean="0"/>
+              <a:t>, </a:t>
             </a:r>
             <a:r>
               <a:rPr lang="en-US" baseline="0" dirty="0" err="1" smtClean="0"/>
@@ -29068,53 +27096,11 @@
             </a:r>
             <a:r>
               <a:rPr lang="en-US" baseline="0" dirty="0" err="1" smtClean="0"/>
-              <a:t>gửi</a:t>
-            </a:r>
-            <a:r>
-              <a:rPr lang="en-US" baseline="0" dirty="0" smtClean="0"/>
-              <a:t> </a:t>
-            </a:r>
-            <a:r>
-              <a:rPr lang="en-US" baseline="0" dirty="0" err="1" smtClean="0"/>
-              <a:t>lên</a:t>
-            </a:r>
-            <a:r>
-              <a:rPr lang="en-US" baseline="0" dirty="0" smtClean="0"/>
-              <a:t> server</a:t>
-            </a:r>
-          </a:p>
-          <a:p>
-            <a:pPr marL="171450" indent="-171450">
-              <a:buFontTx/>
-              <a:buChar char="-"/>
-            </a:pPr>
-            <a:r>
-              <a:rPr lang="en-US" baseline="0" dirty="0" smtClean="0"/>
-              <a:t>Developer down report </a:t>
-            </a:r>
-            <a:r>
-              <a:rPr lang="en-US" baseline="0" dirty="0" err="1" smtClean="0"/>
-              <a:t>về</a:t>
-            </a:r>
-            <a:r>
-              <a:rPr lang="en-US" baseline="0" dirty="0" smtClean="0"/>
-              <a:t> </a:t>
-            </a:r>
-            <a:r>
-              <a:rPr lang="en-US" baseline="0" dirty="0" err="1" smtClean="0"/>
-              <a:t>và</a:t>
-            </a:r>
-            <a:r>
-              <a:rPr lang="en-US" baseline="0" dirty="0" smtClean="0"/>
-              <a:t> </a:t>
-            </a:r>
-            <a:r>
-              <a:rPr lang="en-US" baseline="0" dirty="0" err="1" smtClean="0"/>
-              <a:t>sửa</a:t>
-            </a:r>
-            <a:r>
-              <a:rPr lang="en-US" baseline="0" dirty="0" smtClean="0"/>
-              <a:t> code, </a:t>
+              <a:t>sau</a:t>
+            </a:r>
+            <a:r>
+              <a:rPr lang="en-US" baseline="0" dirty="0" smtClean="0"/>
+              <a:t> </a:t>
             </a:r>
             <a:r>
               <a:rPr lang="en-US" baseline="0" dirty="0" err="1" smtClean="0"/>
@@ -29122,253 +27108,53 @@
             </a:r>
             <a:r>
               <a:rPr lang="en-US" baseline="0" dirty="0" smtClean="0"/>
-              <a:t> </a:t>
-            </a:r>
-            <a:r>
-              <a:rPr lang="en-US" baseline="0" dirty="0" err="1" smtClean="0"/>
-              <a:t>sửa</a:t>
-            </a:r>
-            <a:r>
-              <a:rPr lang="en-US" baseline="0" dirty="0" smtClean="0"/>
-              <a:t> </a:t>
-            </a:r>
-            <a:r>
-              <a:rPr lang="en-US" baseline="0" dirty="0" err="1" smtClean="0"/>
-              <a:t>xong</a:t>
-            </a:r>
-            <a:r>
-              <a:rPr lang="en-US" baseline="0" dirty="0" smtClean="0"/>
-              <a:t> code </a:t>
-            </a:r>
-            <a:r>
-              <a:rPr lang="en-US" baseline="0" dirty="0" err="1" smtClean="0"/>
-              <a:t>sẽ</a:t>
-            </a:r>
-            <a:r>
-              <a:rPr lang="en-US" baseline="0" dirty="0" smtClean="0"/>
-              <a:t> commit code </a:t>
-            </a:r>
-            <a:r>
-              <a:rPr lang="en-US" baseline="0" dirty="0" err="1" smtClean="0"/>
-              <a:t>và</a:t>
-            </a:r>
-            <a:r>
-              <a:rPr lang="en-US" baseline="0" dirty="0" smtClean="0"/>
-              <a:t> report </a:t>
-            </a:r>
-            <a:r>
-              <a:rPr lang="en-US" baseline="0" dirty="0" err="1" smtClean="0"/>
-              <a:t>sau</a:t>
-            </a:r>
-            <a:r>
-              <a:rPr lang="en-US" baseline="0" dirty="0" smtClean="0"/>
-              <a:t> </a:t>
-            </a:r>
-            <a:r>
-              <a:rPr lang="en-US" baseline="0" dirty="0" err="1" smtClean="0"/>
-              <a:t>khi</a:t>
-            </a:r>
-            <a:r>
-              <a:rPr lang="en-US" baseline="0" dirty="0" smtClean="0"/>
-              <a:t> </a:t>
-            </a:r>
-            <a:r>
-              <a:rPr lang="en-US" baseline="0" dirty="0" err="1" smtClean="0"/>
-              <a:t>sửa</a:t>
-            </a:r>
-            <a:r>
-              <a:rPr lang="en-US" baseline="0" dirty="0" smtClean="0"/>
-              <a:t> </a:t>
-            </a:r>
-            <a:r>
-              <a:rPr lang="en-US" baseline="0" dirty="0" err="1" smtClean="0"/>
-              <a:t>lên</a:t>
-            </a:r>
-            <a:r>
-              <a:rPr lang="en-US" baseline="0" dirty="0" smtClean="0"/>
-              <a:t> server.</a:t>
-            </a:r>
-          </a:p>
-          <a:p>
-            <a:pPr marL="171450" indent="-171450">
-              <a:buFontTx/>
-              <a:buChar char="-"/>
-            </a:pPr>
-            <a:r>
-              <a:rPr lang="en-US" baseline="0" dirty="0" smtClean="0"/>
-              <a:t>Test </a:t>
-            </a:r>
-            <a:r>
-              <a:rPr lang="en-US" baseline="0" dirty="0" err="1" smtClean="0"/>
-              <a:t>sẽ</a:t>
-            </a:r>
-            <a:r>
-              <a:rPr lang="en-US" baseline="0" dirty="0" smtClean="0"/>
-              <a:t> down </a:t>
-            </a:r>
-            <a:r>
-              <a:rPr lang="en-US" baseline="0" dirty="0" err="1" smtClean="0"/>
-              <a:t>về</a:t>
-            </a:r>
-            <a:r>
-              <a:rPr lang="en-US" baseline="0" dirty="0" smtClean="0"/>
-              <a:t> </a:t>
-            </a:r>
-            <a:r>
-              <a:rPr lang="en-US" baseline="0" dirty="0" err="1" smtClean="0"/>
-              <a:t>và</a:t>
-            </a:r>
-            <a:r>
-              <a:rPr lang="en-US" baseline="0" dirty="0" smtClean="0"/>
-              <a:t> </a:t>
-            </a:r>
-            <a:r>
-              <a:rPr lang="en-US" baseline="0" dirty="0" err="1" smtClean="0"/>
-              <a:t>kiểm</a:t>
-            </a:r>
-            <a:r>
-              <a:rPr lang="en-US" baseline="0" dirty="0" smtClean="0"/>
-              <a:t> </a:t>
-            </a:r>
-            <a:r>
-              <a:rPr lang="en-US" baseline="0" dirty="0" err="1" smtClean="0"/>
-              <a:t>tra</a:t>
-            </a:r>
-            <a:r>
-              <a:rPr lang="en-US" baseline="0" dirty="0" smtClean="0"/>
-              <a:t>, </a:t>
-            </a:r>
-            <a:r>
-              <a:rPr lang="en-US" baseline="0" dirty="0" err="1" smtClean="0"/>
-              <a:t>nếu</a:t>
-            </a:r>
-            <a:r>
-              <a:rPr lang="en-US" baseline="0" dirty="0" smtClean="0"/>
-              <a:t> </a:t>
-            </a:r>
-            <a:r>
-              <a:rPr lang="en-US" baseline="0" dirty="0" err="1" smtClean="0"/>
-              <a:t>vẫn</a:t>
-            </a:r>
-            <a:r>
-              <a:rPr lang="en-US" baseline="0" dirty="0" smtClean="0"/>
-              <a:t> </a:t>
-            </a:r>
-            <a:r>
-              <a:rPr lang="en-US" baseline="0" dirty="0" err="1" smtClean="0"/>
-              <a:t>còn</a:t>
-            </a:r>
-            <a:r>
-              <a:rPr lang="en-US" baseline="0" dirty="0" smtClean="0"/>
-              <a:t> </a:t>
-            </a:r>
-            <a:r>
-              <a:rPr lang="en-US" baseline="0" dirty="0" err="1" smtClean="0"/>
-              <a:t>lỗi</a:t>
-            </a:r>
-            <a:r>
-              <a:rPr lang="en-US" baseline="0" dirty="0" smtClean="0"/>
-              <a:t> </a:t>
-            </a:r>
-            <a:r>
-              <a:rPr lang="en-US" baseline="0" dirty="0" err="1" smtClean="0"/>
-              <a:t>sẽ</a:t>
-            </a:r>
-            <a:r>
-              <a:rPr lang="en-US" baseline="0" dirty="0" smtClean="0"/>
-              <a:t> </a:t>
-            </a:r>
-            <a:r>
-              <a:rPr lang="en-US" baseline="0" dirty="0" err="1" smtClean="0"/>
-              <a:t>lặp</a:t>
-            </a:r>
-            <a:r>
-              <a:rPr lang="en-US" baseline="0" dirty="0" smtClean="0"/>
-              <a:t> </a:t>
-            </a:r>
-            <a:r>
-              <a:rPr lang="en-US" baseline="0" dirty="0" err="1" smtClean="0"/>
-              <a:t>lại</a:t>
-            </a:r>
-            <a:r>
-              <a:rPr lang="en-US" baseline="0" dirty="0" smtClean="0"/>
-              <a:t> </a:t>
-            </a:r>
-            <a:r>
-              <a:rPr lang="en-US" baseline="0" dirty="0" err="1" smtClean="0"/>
-              <a:t>như</a:t>
-            </a:r>
-            <a:r>
-              <a:rPr lang="en-US" baseline="0" dirty="0" smtClean="0"/>
-              <a:t> </a:t>
-            </a:r>
-            <a:r>
-              <a:rPr lang="en-US" baseline="0" dirty="0" err="1" smtClean="0"/>
-              <a:t>trên</a:t>
-            </a:r>
-            <a:endParaRPr lang="en-US" baseline="0" dirty="0" smtClean="0"/>
-          </a:p>
-          <a:p>
-            <a:pPr marL="171450" indent="-171450">
-              <a:buFontTx/>
-              <a:buChar char="-"/>
-            </a:pPr>
-            <a:r>
-              <a:rPr lang="en-US" baseline="0" dirty="0" err="1" smtClean="0"/>
-              <a:t>Nếu</a:t>
-            </a:r>
-            <a:r>
-              <a:rPr lang="en-US" baseline="0" dirty="0" smtClean="0"/>
-              <a:t> </a:t>
-            </a:r>
-            <a:r>
-              <a:rPr lang="en-US" baseline="0" dirty="0" err="1" smtClean="0"/>
-              <a:t>lỗi</a:t>
-            </a:r>
-            <a:r>
-              <a:rPr lang="en-US" baseline="0" dirty="0" smtClean="0"/>
-              <a:t> </a:t>
-            </a:r>
-            <a:r>
-              <a:rPr lang="en-US" baseline="0" dirty="0" err="1" smtClean="0"/>
-              <a:t>đã</a:t>
-            </a:r>
-            <a:r>
-              <a:rPr lang="en-US" baseline="0" dirty="0" smtClean="0"/>
-              <a:t> </a:t>
-            </a:r>
-            <a:r>
-              <a:rPr lang="en-US" baseline="0" dirty="0" err="1" smtClean="0"/>
-              <a:t>đc</a:t>
-            </a:r>
-            <a:r>
-              <a:rPr lang="en-US" baseline="0" dirty="0" smtClean="0"/>
-              <a:t> </a:t>
-            </a:r>
-            <a:r>
-              <a:rPr lang="en-US" baseline="0" dirty="0" err="1" smtClean="0"/>
-              <a:t>xử</a:t>
-            </a:r>
-            <a:r>
-              <a:rPr lang="en-US" baseline="0" dirty="0" smtClean="0"/>
-              <a:t> </a:t>
-            </a:r>
-            <a:r>
-              <a:rPr lang="en-US" baseline="0" dirty="0" err="1" smtClean="0"/>
-              <a:t>lý</a:t>
-            </a:r>
-            <a:r>
-              <a:rPr lang="en-US" baseline="0" dirty="0" smtClean="0"/>
-              <a:t> </a:t>
-            </a:r>
-            <a:r>
-              <a:rPr lang="en-US" baseline="0" dirty="0" err="1" smtClean="0"/>
-              <a:t>thì</a:t>
-            </a:r>
-            <a:r>
-              <a:rPr lang="en-US" baseline="0" dirty="0" smtClean="0"/>
-              <a:t> closed.</a:t>
-            </a:r>
+              <a:t> test, </a:t>
+            </a:r>
+            <a:r>
+              <a:rPr lang="en-US" baseline="0" dirty="0" err="1" smtClean="0"/>
+              <a:t>các</a:t>
+            </a:r>
+            <a:r>
+              <a:rPr lang="en-US" baseline="0" dirty="0" smtClean="0"/>
+              <a:t> </a:t>
+            </a:r>
+            <a:r>
+              <a:rPr lang="en-US" baseline="0" dirty="0" err="1" smtClean="0"/>
+              <a:t>tiêu</a:t>
+            </a:r>
+            <a:r>
+              <a:rPr lang="en-US" baseline="0" dirty="0" smtClean="0"/>
+              <a:t> </a:t>
+            </a:r>
+            <a:r>
+              <a:rPr lang="en-US" baseline="0" dirty="0" err="1" smtClean="0"/>
+              <a:t>chí</a:t>
+            </a:r>
+            <a:r>
+              <a:rPr lang="en-US" baseline="0" dirty="0" smtClean="0"/>
+              <a:t> </a:t>
+            </a:r>
+            <a:r>
+              <a:rPr lang="en-US" baseline="0" dirty="0" err="1" smtClean="0"/>
+              <a:t>đều</a:t>
+            </a:r>
+            <a:r>
+              <a:rPr lang="en-US" baseline="0" dirty="0" smtClean="0"/>
+              <a:t> </a:t>
+            </a:r>
+            <a:r>
+              <a:rPr lang="en-US" baseline="0" dirty="0" err="1" smtClean="0"/>
+              <a:t>đạt</a:t>
+            </a:r>
+            <a:r>
+              <a:rPr lang="en-US" baseline="0" dirty="0" smtClean="0"/>
+              <a:t> </a:t>
+            </a:r>
+            <a:r>
+              <a:rPr lang="en-US" baseline="0" dirty="0" err="1" smtClean="0"/>
+              <a:t>được</a:t>
+            </a:r>
+            <a:endParaRPr lang="en-US" dirty="0"/>
           </a:p>
         </p:txBody>
       </p:sp>
@@ -29398,7 +27184,7 @@
     </p:spTree>
     <p:extLst>
       <p:ext uri="{BB962C8B-B14F-4D97-AF65-F5344CB8AC3E}">
-        <p14:creationId xmlns:p14="http://schemas.microsoft.com/office/powerpoint/2010/main" val="3631951466"/>
+        <p14:creationId xmlns:p14="http://schemas.microsoft.com/office/powerpoint/2010/main" val="2471445808"/>
       </p:ext>
     </p:extLst>
   </p:cSld>
@@ -29449,131 +27235,64 @@
         </p:nvSpPr>
         <p:spPr/>
         <p:txBody>
-          <a:bodyPr>
-            <a:normAutofit/>
-          </a:bodyPr>
+          <a:bodyPr/>
           <a:lstStyle/>
           <a:p>
             <a:r>
               <a:rPr lang="en-US" dirty="0" err="1" smtClean="0"/>
-              <a:t>Đây</a:t>
-            </a:r>
-            <a:r>
-              <a:rPr lang="en-US" baseline="0" dirty="0" smtClean="0"/>
-              <a:t> </a:t>
-            </a:r>
-            <a:r>
-              <a:rPr lang="en-US" baseline="0" dirty="0" err="1" smtClean="0"/>
-              <a:t>là</a:t>
-            </a:r>
-            <a:r>
-              <a:rPr lang="en-US" baseline="0" dirty="0" smtClean="0"/>
-              <a:t> </a:t>
-            </a:r>
-            <a:r>
-              <a:rPr lang="en-US" baseline="0" dirty="0" err="1" smtClean="0"/>
-              <a:t>kết</a:t>
-            </a:r>
-            <a:r>
-              <a:rPr lang="en-US" baseline="0" dirty="0" smtClean="0"/>
-              <a:t> </a:t>
-            </a:r>
-            <a:r>
-              <a:rPr lang="en-US" baseline="0" dirty="0" err="1" smtClean="0"/>
-              <a:t>quả</a:t>
-            </a:r>
-            <a:r>
-              <a:rPr lang="en-US" baseline="0" dirty="0" smtClean="0"/>
-              <a:t> test </a:t>
-            </a:r>
-            <a:r>
-              <a:rPr lang="en-US" baseline="0" dirty="0" err="1" smtClean="0"/>
-              <a:t>của</a:t>
-            </a:r>
-            <a:r>
-              <a:rPr lang="en-US" baseline="0" dirty="0" smtClean="0"/>
-              <a:t> </a:t>
-            </a:r>
-            <a:r>
-              <a:rPr lang="en-US" baseline="0" dirty="0" err="1" smtClean="0"/>
-              <a:t>nhóm</a:t>
-            </a:r>
-            <a:r>
-              <a:rPr lang="en-US" baseline="0" dirty="0" smtClean="0"/>
-              <a:t> </a:t>
-            </a:r>
-            <a:r>
-              <a:rPr lang="en-US" baseline="0" dirty="0" err="1" smtClean="0"/>
-              <a:t>chúng</a:t>
-            </a:r>
-            <a:r>
-              <a:rPr lang="en-US" baseline="0" dirty="0" smtClean="0"/>
-              <a:t> </a:t>
-            </a:r>
-            <a:r>
-              <a:rPr lang="en-US" baseline="0" dirty="0" err="1" smtClean="0"/>
-              <a:t>em</a:t>
-            </a:r>
-            <a:r>
-              <a:rPr lang="en-US" baseline="0" dirty="0" smtClean="0"/>
+              <a:t>Dua</a:t>
+            </a:r>
+            <a:r>
+              <a:rPr lang="en-US" dirty="0" smtClean="0"/>
+              <a:t> </a:t>
+            </a:r>
+            <a:r>
+              <a:rPr lang="en-US" dirty="0" err="1" smtClean="0"/>
+              <a:t>ra</a:t>
+            </a:r>
+            <a:r>
+              <a:rPr lang="en-US" dirty="0" smtClean="0"/>
+              <a:t> </a:t>
+            </a:r>
+            <a:r>
+              <a:rPr lang="en-US" dirty="0" err="1" smtClean="0"/>
+              <a:t>tieu</a:t>
+            </a:r>
+            <a:r>
+              <a:rPr lang="en-US" dirty="0" smtClean="0"/>
+              <a:t> chi </a:t>
+            </a:r>
+            <a:r>
+              <a:rPr lang="en-US" dirty="0" err="1" smtClean="0"/>
+              <a:t>thanh</a:t>
+            </a:r>
+            <a:r>
+              <a:rPr lang="en-US" dirty="0" smtClean="0"/>
+              <a:t> </a:t>
+            </a:r>
+            <a:r>
+              <a:rPr lang="en-US" dirty="0" err="1" smtClean="0"/>
+              <a:t>cong</a:t>
+            </a:r>
+            <a:r>
+              <a:rPr lang="en-US" dirty="0" smtClean="0"/>
+              <a:t> </a:t>
+            </a:r>
+            <a:r>
+              <a:rPr lang="en-US" dirty="0" err="1" smtClean="0"/>
+              <a:t>ve</a:t>
+            </a:r>
+            <a:r>
+              <a:rPr lang="en-US" dirty="0" smtClean="0"/>
+              <a:t> san </a:t>
+            </a:r>
+            <a:r>
+              <a:rPr lang="en-US" dirty="0" err="1" smtClean="0"/>
+              <a:t>pham</a:t>
+            </a:r>
+            <a:r>
+              <a:rPr lang="en-US" dirty="0" smtClean="0"/>
               <a:t>.</a:t>
-            </a:r>
-          </a:p>
-          <a:p>
-            <a:endParaRPr lang="en-US" baseline="0" dirty="0" smtClean="0"/>
-          </a:p>
-          <a:p>
-            <a:r>
-              <a:rPr lang="en-US" baseline="0" dirty="0" smtClean="0"/>
-              <a:t>Acceptance test result</a:t>
-            </a:r>
-          </a:p>
-          <a:p>
-            <a:endParaRPr lang="en-US" baseline="0" dirty="0" smtClean="0"/>
-          </a:p>
-          <a:p>
-            <a:r>
-              <a:rPr lang="en-US" baseline="0" dirty="0" smtClean="0"/>
-              <a:t>Release 29/7   -&gt; acceptance test   30/7 – 3/8</a:t>
-            </a:r>
-          </a:p>
-          <a:p>
-            <a:endParaRPr lang="en-US" baseline="0" dirty="0" smtClean="0"/>
-          </a:p>
-          <a:p>
-            <a:r>
-              <a:rPr lang="en-US" baseline="0" dirty="0" smtClean="0"/>
-              <a:t>log bug &amp; keep contact  (total: 8 </a:t>
-            </a:r>
-            <a:r>
-              <a:rPr lang="en-US" baseline="0" smtClean="0"/>
-              <a:t>bugs)  </a:t>
-            </a:r>
-            <a:endParaRPr lang="en-US" baseline="0" dirty="0" smtClean="0"/>
-          </a:p>
-          <a:p>
-            <a:endParaRPr lang="en-US" baseline="0" dirty="0" smtClean="0"/>
-          </a:p>
-          <a:p>
-            <a:r>
-              <a:rPr lang="en-US" baseline="0" dirty="0" smtClean="0"/>
-              <a:t>Release ( 2</a:t>
-            </a:r>
-            <a:r>
-              <a:rPr lang="en-US" baseline="30000" dirty="0" smtClean="0"/>
-              <a:t>nd</a:t>
-            </a:r>
-            <a:r>
-              <a:rPr lang="en-US" baseline="0" dirty="0" smtClean="0"/>
-              <a:t>)  5/8   -&gt; acceptance test (2</a:t>
-            </a:r>
-            <a:r>
-              <a:rPr lang="en-US" baseline="30000" dirty="0" smtClean="0"/>
-              <a:t>nd</a:t>
-            </a:r>
-            <a:r>
-              <a:rPr lang="en-US" baseline="0" dirty="0" smtClean="0"/>
-              <a:t>) 6/8 – 10/8</a:t>
             </a:r>
             <a:endParaRPr lang="en-US" dirty="0"/>
           </a:p>
@@ -29596,399 +27315,7 @@
           <a:p>
             <a:fld id="{94349F02-7B7E-4405-841E-9FEA710E9D5A}" type="slidenum">
               <a:rPr lang="en-US" smtClean="0"/>
-              <a:pPr/>
               <a:t>31</a:t>
-            </a:fld>
-            <a:endParaRPr lang="en-US"/>
-          </a:p>
-        </p:txBody>
-      </p:sp>
-    </p:spTree>
-  </p:cSld>
-  <p:clrMapOvr>
-    <a:masterClrMapping/>
-  </p:clrMapOvr>
-</p:notes>
-</file>
-
-<file path=ppt/notesSlides/notesSlide24.xml><?xml version="1.0" encoding="utf-8"?>
-<p:notes xmlns:a="http://schemas.openxmlformats.org/drawingml/2006/main" xmlns:r="http://schemas.openxmlformats.org/officeDocument/2006/relationships" xmlns:p="http://schemas.openxmlformats.org/presentationml/2006/main">
-  <p:cSld>
-    <p:spTree>
-      <p:nvGrpSpPr>
-        <p:cNvPr id="1" name=""/>
-        <p:cNvGrpSpPr/>
-        <p:nvPr/>
-      </p:nvGrpSpPr>
-      <p:grpSpPr>
-        <a:xfrm>
-          <a:off x="0" y="0"/>
-          <a:ext cx="0" cy="0"/>
-          <a:chOff x="0" y="0"/>
-          <a:chExt cx="0" cy="0"/>
-        </a:xfrm>
-      </p:grpSpPr>
-      <p:sp>
-        <p:nvSpPr>
-          <p:cNvPr id="2" name="Slide Image Placeholder 1"/>
-          <p:cNvSpPr>
-            <a:spLocks noGrp="1" noRot="1" noChangeAspect="1"/>
-          </p:cNvSpPr>
-          <p:nvPr>
-            <p:ph type="sldImg"/>
-          </p:nvPr>
-        </p:nvSpPr>
-        <p:spPr/>
-      </p:sp>
-      <p:sp>
-        <p:nvSpPr>
-          <p:cNvPr id="3" name="Notes Placeholder 2"/>
-          <p:cNvSpPr>
-            <a:spLocks noGrp="1"/>
-          </p:cNvSpPr>
-          <p:nvPr>
-            <p:ph type="body" idx="1"/>
-          </p:nvPr>
-        </p:nvSpPr>
-        <p:spPr/>
-        <p:txBody>
-          <a:bodyPr/>
-          <a:lstStyle/>
-          <a:p>
-            <a:r>
-              <a:rPr lang="en-US" dirty="0" err="1" smtClean="0"/>
-              <a:t>Đây</a:t>
-            </a:r>
-            <a:r>
-              <a:rPr lang="en-US" baseline="0" dirty="0" smtClean="0"/>
-              <a:t> </a:t>
-            </a:r>
-            <a:r>
-              <a:rPr lang="en-US" baseline="0" dirty="0" err="1" smtClean="0"/>
-              <a:t>là</a:t>
-            </a:r>
-            <a:r>
-              <a:rPr lang="en-US" baseline="0" dirty="0" smtClean="0"/>
-              <a:t> ~ </a:t>
-            </a:r>
-            <a:r>
-              <a:rPr lang="en-US" baseline="0" dirty="0" err="1" smtClean="0"/>
-              <a:t>tiêu</a:t>
-            </a:r>
-            <a:r>
-              <a:rPr lang="en-US" baseline="0" dirty="0" smtClean="0"/>
-              <a:t> </a:t>
-            </a:r>
-            <a:r>
-              <a:rPr lang="en-US" baseline="0" dirty="0" err="1" smtClean="0"/>
-              <a:t>chí</a:t>
-            </a:r>
-            <a:r>
-              <a:rPr lang="en-US" baseline="0" dirty="0" smtClean="0"/>
-              <a:t> </a:t>
-            </a:r>
-            <a:r>
-              <a:rPr lang="en-US" baseline="0" dirty="0" err="1" smtClean="0"/>
-              <a:t>thành</a:t>
-            </a:r>
-            <a:r>
-              <a:rPr lang="en-US" baseline="0" dirty="0" smtClean="0"/>
-              <a:t> </a:t>
-            </a:r>
-            <a:r>
-              <a:rPr lang="en-US" baseline="0" dirty="0" err="1" smtClean="0"/>
-              <a:t>công</a:t>
-            </a:r>
-            <a:r>
-              <a:rPr lang="en-US" baseline="0" dirty="0" smtClean="0"/>
-              <a:t> </a:t>
-            </a:r>
-            <a:r>
-              <a:rPr lang="en-US" baseline="0" dirty="0" err="1" smtClean="0"/>
-              <a:t>của</a:t>
-            </a:r>
-            <a:r>
-              <a:rPr lang="en-US" baseline="0" dirty="0" smtClean="0"/>
-              <a:t> </a:t>
-            </a:r>
-            <a:r>
-              <a:rPr lang="en-US" baseline="0" dirty="0" err="1" smtClean="0"/>
-              <a:t>công</a:t>
-            </a:r>
-            <a:r>
-              <a:rPr lang="en-US" baseline="0" dirty="0" smtClean="0"/>
-              <a:t> </a:t>
-            </a:r>
-            <a:r>
-              <a:rPr lang="en-US" baseline="0" dirty="0" err="1" smtClean="0"/>
-              <a:t>đoạn</a:t>
-            </a:r>
-            <a:r>
-              <a:rPr lang="en-US" baseline="0" dirty="0" smtClean="0"/>
-              <a:t> test </a:t>
-            </a:r>
-            <a:r>
-              <a:rPr lang="en-US" baseline="0" dirty="0" err="1" smtClean="0"/>
-              <a:t>mà</a:t>
-            </a:r>
-            <a:r>
-              <a:rPr lang="en-US" baseline="0" dirty="0" smtClean="0"/>
-              <a:t> </a:t>
-            </a:r>
-            <a:r>
-              <a:rPr lang="en-US" baseline="0" dirty="0" err="1" smtClean="0"/>
-              <a:t>nhóm</a:t>
-            </a:r>
-            <a:r>
-              <a:rPr lang="en-US" baseline="0" dirty="0" smtClean="0"/>
-              <a:t> e </a:t>
-            </a:r>
-            <a:r>
-              <a:rPr lang="en-US" baseline="0" dirty="0" err="1" smtClean="0"/>
-              <a:t>đề</a:t>
-            </a:r>
-            <a:r>
-              <a:rPr lang="en-US" baseline="0" dirty="0" smtClean="0"/>
-              <a:t> </a:t>
-            </a:r>
-            <a:r>
-              <a:rPr lang="en-US" baseline="0" dirty="0" err="1" smtClean="0"/>
-              <a:t>ra</a:t>
-            </a:r>
-            <a:r>
-              <a:rPr lang="en-US" baseline="0" dirty="0" smtClean="0"/>
-              <a:t>, </a:t>
-            </a:r>
-            <a:r>
-              <a:rPr lang="en-US" baseline="0" dirty="0" err="1" smtClean="0"/>
-              <a:t>và</a:t>
-            </a:r>
-            <a:r>
-              <a:rPr lang="en-US" baseline="0" dirty="0" smtClean="0"/>
-              <a:t> </a:t>
-            </a:r>
-            <a:r>
-              <a:rPr lang="en-US" baseline="0" dirty="0" err="1" smtClean="0"/>
-              <a:t>sau</a:t>
-            </a:r>
-            <a:r>
-              <a:rPr lang="en-US" baseline="0" dirty="0" smtClean="0"/>
-              <a:t> </a:t>
-            </a:r>
-            <a:r>
-              <a:rPr lang="en-US" baseline="0" dirty="0" err="1" smtClean="0"/>
-              <a:t>khi</a:t>
-            </a:r>
-            <a:r>
-              <a:rPr lang="en-US" baseline="0" dirty="0" smtClean="0"/>
-              <a:t> test, </a:t>
-            </a:r>
-            <a:r>
-              <a:rPr lang="en-US" baseline="0" dirty="0" err="1" smtClean="0"/>
-              <a:t>các</a:t>
-            </a:r>
-            <a:r>
-              <a:rPr lang="en-US" baseline="0" dirty="0" smtClean="0"/>
-              <a:t> </a:t>
-            </a:r>
-            <a:r>
-              <a:rPr lang="en-US" baseline="0" dirty="0" err="1" smtClean="0"/>
-              <a:t>tiêu</a:t>
-            </a:r>
-            <a:r>
-              <a:rPr lang="en-US" baseline="0" dirty="0" smtClean="0"/>
-              <a:t> </a:t>
-            </a:r>
-            <a:r>
-              <a:rPr lang="en-US" baseline="0" dirty="0" err="1" smtClean="0"/>
-              <a:t>chí</a:t>
-            </a:r>
-            <a:r>
-              <a:rPr lang="en-US" baseline="0" dirty="0" smtClean="0"/>
-              <a:t> </a:t>
-            </a:r>
-            <a:r>
-              <a:rPr lang="en-US" baseline="0" dirty="0" err="1" smtClean="0"/>
-              <a:t>đều</a:t>
-            </a:r>
-            <a:r>
-              <a:rPr lang="en-US" baseline="0" dirty="0" smtClean="0"/>
-              <a:t> </a:t>
-            </a:r>
-            <a:r>
-              <a:rPr lang="en-US" baseline="0" dirty="0" err="1" smtClean="0"/>
-              <a:t>đạt</a:t>
-            </a:r>
-            <a:r>
-              <a:rPr lang="en-US" baseline="0" dirty="0" smtClean="0"/>
-              <a:t> </a:t>
-            </a:r>
-            <a:r>
-              <a:rPr lang="en-US" baseline="0" dirty="0" err="1" smtClean="0"/>
-              <a:t>được</a:t>
-            </a:r>
-            <a:endParaRPr lang="en-US" dirty="0"/>
-          </a:p>
-        </p:txBody>
-      </p:sp>
-      <p:sp>
-        <p:nvSpPr>
-          <p:cNvPr id="4" name="Slide Number Placeholder 3"/>
-          <p:cNvSpPr>
-            <a:spLocks noGrp="1"/>
-          </p:cNvSpPr>
-          <p:nvPr>
-            <p:ph type="sldNum" sz="quarter" idx="10"/>
-          </p:nvPr>
-        </p:nvSpPr>
-        <p:spPr/>
-        <p:txBody>
-          <a:bodyPr/>
-          <a:lstStyle/>
-          <a:p>
-            <a:fld id="{94349F02-7B7E-4405-841E-9FEA710E9D5A}" type="slidenum">
-              <a:rPr lang="en-US" smtClean="0"/>
-              <a:t>32</a:t>
-            </a:fld>
-            <a:endParaRPr lang="en-US"/>
-          </a:p>
-        </p:txBody>
-      </p:sp>
-    </p:spTree>
-    <p:extLst>
-      <p:ext uri="{BB962C8B-B14F-4D97-AF65-F5344CB8AC3E}">
-        <p14:creationId xmlns:p14="http://schemas.microsoft.com/office/powerpoint/2010/main" val="2471445808"/>
-      </p:ext>
-    </p:extLst>
-  </p:cSld>
-  <p:clrMapOvr>
-    <a:masterClrMapping/>
-  </p:clrMapOvr>
-</p:notes>
-</file>
-
-<file path=ppt/notesSlides/notesSlide25.xml><?xml version="1.0" encoding="utf-8"?>
-<p:notes xmlns:a="http://schemas.openxmlformats.org/drawingml/2006/main" xmlns:r="http://schemas.openxmlformats.org/officeDocument/2006/relationships" xmlns:p="http://schemas.openxmlformats.org/presentationml/2006/main">
-  <p:cSld>
-    <p:spTree>
-      <p:nvGrpSpPr>
-        <p:cNvPr id="1" name=""/>
-        <p:cNvGrpSpPr/>
-        <p:nvPr/>
-      </p:nvGrpSpPr>
-      <p:grpSpPr>
-        <a:xfrm>
-          <a:off x="0" y="0"/>
-          <a:ext cx="0" cy="0"/>
-          <a:chOff x="0" y="0"/>
-          <a:chExt cx="0" cy="0"/>
-        </a:xfrm>
-      </p:grpSpPr>
-      <p:sp>
-        <p:nvSpPr>
-          <p:cNvPr id="2" name="Slide Image Placeholder 1"/>
-          <p:cNvSpPr>
-            <a:spLocks noGrp="1" noRot="1" noChangeAspect="1"/>
-          </p:cNvSpPr>
-          <p:nvPr>
-            <p:ph type="sldImg"/>
-          </p:nvPr>
-        </p:nvSpPr>
-        <p:spPr/>
-      </p:sp>
-      <p:sp>
-        <p:nvSpPr>
-          <p:cNvPr id="3" name="Notes Placeholder 2"/>
-          <p:cNvSpPr>
-            <a:spLocks noGrp="1"/>
-          </p:cNvSpPr>
-          <p:nvPr>
-            <p:ph type="body" idx="1"/>
-          </p:nvPr>
-        </p:nvSpPr>
-        <p:spPr/>
-        <p:txBody>
-          <a:bodyPr/>
-          <a:lstStyle/>
-          <a:p>
-            <a:r>
-              <a:rPr lang="en-US" dirty="0" err="1" smtClean="0"/>
-              <a:t>Dua</a:t>
-            </a:r>
-            <a:r>
-              <a:rPr lang="en-US" dirty="0" smtClean="0"/>
-              <a:t> </a:t>
-            </a:r>
-            <a:r>
-              <a:rPr lang="en-US" dirty="0" err="1" smtClean="0"/>
-              <a:t>ra</a:t>
-            </a:r>
-            <a:r>
-              <a:rPr lang="en-US" dirty="0" smtClean="0"/>
-              <a:t> </a:t>
-            </a:r>
-            <a:r>
-              <a:rPr lang="en-US" dirty="0" err="1" smtClean="0"/>
-              <a:t>tieu</a:t>
-            </a:r>
-            <a:r>
-              <a:rPr lang="en-US" dirty="0" smtClean="0"/>
-              <a:t> chi </a:t>
-            </a:r>
-            <a:r>
-              <a:rPr lang="en-US" dirty="0" err="1" smtClean="0"/>
-              <a:t>thanh</a:t>
-            </a:r>
-            <a:r>
-              <a:rPr lang="en-US" dirty="0" smtClean="0"/>
-              <a:t> </a:t>
-            </a:r>
-            <a:r>
-              <a:rPr lang="en-US" dirty="0" err="1" smtClean="0"/>
-              <a:t>cong</a:t>
-            </a:r>
-            <a:r>
-              <a:rPr lang="en-US" dirty="0" smtClean="0"/>
-              <a:t> </a:t>
-            </a:r>
-            <a:r>
-              <a:rPr lang="en-US" dirty="0" err="1" smtClean="0"/>
-              <a:t>ve</a:t>
-            </a:r>
-            <a:r>
-              <a:rPr lang="en-US" dirty="0" smtClean="0"/>
-              <a:t> san </a:t>
-            </a:r>
-            <a:r>
-              <a:rPr lang="en-US" dirty="0" err="1" smtClean="0"/>
-              <a:t>pham</a:t>
-            </a:r>
-            <a:r>
-              <a:rPr lang="en-US" dirty="0" smtClean="0"/>
-              <a:t>.</a:t>
-            </a:r>
-            <a:endParaRPr lang="en-US" dirty="0"/>
-          </a:p>
-        </p:txBody>
-      </p:sp>
-      <p:sp>
-        <p:nvSpPr>
-          <p:cNvPr id="4" name="Slide Number Placeholder 3"/>
-          <p:cNvSpPr>
-            <a:spLocks noGrp="1"/>
-          </p:cNvSpPr>
-          <p:nvPr>
-            <p:ph type="sldNum" sz="quarter" idx="10"/>
-          </p:nvPr>
-        </p:nvSpPr>
-        <p:spPr/>
-        <p:txBody>
-          <a:bodyPr/>
-          <a:lstStyle/>
-          <a:p>
-            <a:fld id="{94349F02-7B7E-4405-841E-9FEA710E9D5A}" type="slidenum">
-              <a:rPr lang="en-US" smtClean="0"/>
-              <a:t>33</a:t>
             </a:fld>
             <a:endParaRPr lang="en-US"/>
           </a:p>
@@ -34125,11 +31452,6 @@
               </a:rPr>
               <a:t>Repetition of comment on all Report:80% comments closed at the 1st round &amp; 20% comment at the 2nd &amp; 3rd round </a:t>
             </a:r>
-            <a:endParaRPr lang="en-US" dirty="0" smtClean="0">
-              <a:solidFill>
-                <a:schemeClr val="tx1"/>
-              </a:solidFill>
-            </a:endParaRPr>
           </a:p>
           <a:p>
             <a:pPr lvl="1"/>
@@ -39006,11 +36328,6 @@
               </a:rPr>
               <a:t>Increment deliveries.</a:t>
             </a:r>
-            <a:endParaRPr lang="en-US" dirty="0" smtClean="0">
-              <a:solidFill>
-                <a:schemeClr val="tx1"/>
-              </a:solidFill>
-            </a:endParaRPr>
           </a:p>
           <a:p>
             <a:pPr lvl="2">
@@ -39382,16 +36699,7 @@
                 </a:solidFill>
                 <a:cs typeface="Arial" pitchFamily="34" charset="0"/>
               </a:rPr>
-              <a:t>am at Mon and </a:t>
-            </a:r>
-            <a:r>
-              <a:rPr lang="en-US" sz="2000" dirty="0" smtClean="0">
-                <a:solidFill>
-                  <a:schemeClr val="tx1"/>
-                </a:solidFill>
-                <a:cs typeface="Arial" pitchFamily="34" charset="0"/>
-              </a:rPr>
-              <a:t>Thurs.</a:t>
+              <a:t>am at Mon and Thurs.</a:t>
             </a:r>
             <a:endParaRPr lang="en-US" sz="2000" dirty="0">
               <a:solidFill>
@@ -40871,28 +38179,19 @@
             </a:r>
             <a:r>
               <a:rPr lang="en-US" dirty="0" smtClean="0"/>
-              <a:t>. Quality </a:t>
-            </a:r>
-            <a:r>
-              <a:rPr lang="en-US" dirty="0" smtClean="0"/>
-              <a:t>Plan</a:t>
+              <a:t>. Quality Plan</a:t>
             </a:r>
           </a:p>
           <a:p>
             <a:pPr lvl="1"/>
             <a:r>
-              <a:rPr lang="en-US" smtClean="0">
+              <a:rPr lang="en-US" dirty="0" smtClean="0">
                 <a:solidFill>
                   <a:schemeClr val="tx1"/>
                 </a:solidFill>
               </a:rPr>
               <a:t>Schedule:</a:t>
             </a:r>
-            <a:endParaRPr lang="en-US" dirty="0" smtClean="0">
-              <a:solidFill>
-                <a:schemeClr val="tx1"/>
-              </a:solidFill>
-            </a:endParaRPr>
           </a:p>
           <a:p>
             <a:pPr lvl="2"/>
@@ -40981,11 +38280,6 @@
               </a:rPr>
               <a:t>Bug rate of function test stays at  8bugs / 1000 lines.</a:t>
             </a:r>
-            <a:endParaRPr lang="en-US" dirty="0" smtClean="0">
-              <a:solidFill>
-                <a:schemeClr val="tx1"/>
-              </a:solidFill>
-            </a:endParaRPr>
           </a:p>
           <a:p>
             <a:endParaRPr lang="en-US" dirty="0" smtClean="0"/>
@@ -41075,11 +38369,7 @@
           <a:p>
             <a:r>
               <a:rPr lang="en-US" dirty="0" smtClean="0"/>
-              <a:t>6. Development </a:t>
-            </a:r>
-            <a:r>
-              <a:rPr lang="en-US" dirty="0" smtClean="0"/>
-              <a:t>Environment</a:t>
+              <a:t>6. Development Environment</a:t>
             </a:r>
           </a:p>
           <a:p>
@@ -43363,8 +40653,8 @@
         </p:nvSpPr>
         <p:spPr bwMode="gray">
           <a:xfrm>
-            <a:off x="3007366" y="5447698"/>
-            <a:ext cx="4362263" cy="830997"/>
+            <a:off x="3007366" y="5609875"/>
+            <a:ext cx="4688834" cy="461665"/>
           </a:xfrm>
           <a:prstGeom prst="rect">
             <a:avLst/>
@@ -43384,7 +40674,7 @@
           </a:bodyPr>
           <a:lstStyle/>
           <a:p>
-            <a:pPr lvl="0" algn="just">
+            <a:pPr lvl="0">
               <a:lnSpc>
                 <a:spcPct val="150000"/>
               </a:lnSpc>
@@ -43398,7 +40688,23 @@
                 <a:ea typeface="Arial"/>
                 <a:cs typeface="Times New Roman"/>
               </a:rPr>
-              <a:t>Database has minimum 2000 question banks.</a:t>
+              <a:t>Question bank </a:t>
+            </a:r>
+            <a:r>
+              <a:rPr lang="en-US" sz="1600" b="1" dirty="0" smtClean="0">
+                <a:latin typeface="Arial"/>
+                <a:ea typeface="Arial"/>
+                <a:cs typeface="Times New Roman"/>
+              </a:rPr>
+              <a:t>has minimum 2000 </a:t>
+            </a:r>
+            <a:r>
+              <a:rPr lang="en-US" sz="1600" b="1" dirty="0" smtClean="0">
+                <a:latin typeface="Arial"/>
+                <a:ea typeface="Arial"/>
+                <a:cs typeface="Times New Roman"/>
+              </a:rPr>
+              <a:t>questions.</a:t>
             </a:r>
             <a:endParaRPr lang="vi-VN" sz="1600" b="1" dirty="0">
               <a:latin typeface="Arial"/>
@@ -43540,227 +40846,6 @@
           </a:p>
         </p:txBody>
       </p:sp>
-      <p:pic>
-        <p:nvPicPr>
-          <p:cNvPr id="10243" name="Picture 3"/>
-          <p:cNvPicPr>
-            <a:picLocks noChangeAspect="1" noChangeArrowheads="1"/>
-          </p:cNvPicPr>
-          <p:nvPr/>
-        </p:nvPicPr>
-        <p:blipFill>
-          <a:blip r:embed="rId3">
-            <a:extLst>
-              <a:ext uri="{28A0092B-C50C-407E-A947-70E740481C1C}">
-                <a14:useLocalDpi xmlns:a14="http://schemas.microsoft.com/office/drawing/2010/main" val="0"/>
-              </a:ext>
-            </a:extLst>
-          </a:blip>
-          <a:srcRect/>
-          <a:stretch>
-            <a:fillRect/>
-          </a:stretch>
-        </p:blipFill>
-        <p:spPr bwMode="auto">
-          <a:xfrm>
-            <a:off x="3766457" y="3203997"/>
-            <a:ext cx="5326929" cy="2271517"/>
-          </a:xfrm>
-          <a:prstGeom prst="rect">
-            <a:avLst/>
-          </a:prstGeom>
-          <a:noFill/>
-          <a:ln w="9525">
-            <a:solidFill>
-              <a:schemeClr val="bg1">
-                <a:lumMod val="75000"/>
-              </a:schemeClr>
-            </a:solidFill>
-            <a:miter lim="800000"/>
-            <a:headEnd/>
-            <a:tailEnd/>
-          </a:ln>
-          <a:effectLst/>
-          <a:extLst>
-            <a:ext uri="{909E8E84-426E-40DD-AFC4-6F175D3DCCD1}">
-              <a14:hiddenFill xmlns:a14="http://schemas.microsoft.com/office/drawing/2010/main">
-                <a:solidFill>
-                  <a:schemeClr val="accent1"/>
-                </a:solidFill>
-              </a14:hiddenFill>
-            </a:ext>
-            <a:ext uri="{AF507438-7753-43E0-B8FC-AC1667EBCBE1}">
-              <a14:hiddenEffects xmlns:a14="http://schemas.microsoft.com/office/drawing/2010/main">
-                <a:effectLst>
-                  <a:outerShdw dist="35921" dir="2700000" algn="ctr" rotWithShape="0">
-                    <a:schemeClr val="bg2"/>
-                  </a:outerShdw>
-                </a:effectLst>
-              </a14:hiddenEffects>
-            </a:ext>
-          </a:extLst>
-        </p:spPr>
-      </p:pic>
-      <p:pic>
-        <p:nvPicPr>
-          <p:cNvPr id="10245" name="Picture 5" descr="D:\forward.png"/>
-          <p:cNvPicPr>
-            <a:picLocks noChangeAspect="1" noChangeArrowheads="1"/>
-          </p:cNvPicPr>
-          <p:nvPr/>
-        </p:nvPicPr>
-        <p:blipFill rotWithShape="1">
-          <a:blip r:embed="rId4" cstate="print">
-            <a:extLst>
-              <a:ext uri="{28A0092B-C50C-407E-A947-70E740481C1C}">
-                <a14:useLocalDpi xmlns:a14="http://schemas.microsoft.com/office/drawing/2010/main" val="0"/>
-              </a:ext>
-            </a:extLst>
-          </a:blip>
-          <a:srcRect b="14849"/>
-          <a:stretch/>
-        </p:blipFill>
-        <p:spPr bwMode="auto">
-          <a:xfrm>
-            <a:off x="3252506" y="4139866"/>
-            <a:ext cx="513952" cy="437635"/>
-          </a:xfrm>
-          <a:prstGeom prst="rect">
-            <a:avLst/>
-          </a:prstGeom>
-          <a:noFill/>
-          <a:extLst>
-            <a:ext uri="{909E8E84-426E-40DD-AFC4-6F175D3DCCD1}">
-              <a14:hiddenFill xmlns:a14="http://schemas.microsoft.com/office/drawing/2010/main">
-                <a:solidFill>
-                  <a:srgbClr val="FFFFFF"/>
-                </a:solidFill>
-              </a14:hiddenFill>
-            </a:ext>
-          </a:extLst>
-        </p:spPr>
-      </p:pic>
-      <p:sp>
-        <p:nvSpPr>
-          <p:cNvPr id="4" name="TextBox 3"/>
-          <p:cNvSpPr txBox="1"/>
-          <p:nvPr/>
-        </p:nvSpPr>
-        <p:spPr>
-          <a:xfrm>
-            <a:off x="761999" y="5491601"/>
-            <a:ext cx="1620957" cy="369332"/>
-          </a:xfrm>
-          <a:prstGeom prst="rect">
-            <a:avLst/>
-          </a:prstGeom>
-          <a:noFill/>
-        </p:spPr>
-        <p:txBody>
-          <a:bodyPr wrap="none" rtlCol="0">
-            <a:spAutoFit/>
-          </a:bodyPr>
-          <a:lstStyle/>
-          <a:p>
-            <a:r>
-              <a:rPr lang="en-US" dirty="0" smtClean="0"/>
-              <a:t>Select subject</a:t>
-            </a:r>
-            <a:endParaRPr lang="en-US" dirty="0"/>
-          </a:p>
-        </p:txBody>
-      </p:sp>
-      <p:pic>
-        <p:nvPicPr>
-          <p:cNvPr id="10247" name="Picture 7"/>
-          <p:cNvPicPr>
-            <a:picLocks noChangeAspect="1" noChangeArrowheads="1"/>
-          </p:cNvPicPr>
-          <p:nvPr/>
-        </p:nvPicPr>
-        <p:blipFill>
-          <a:blip r:embed="rId5">
-            <a:extLst>
-              <a:ext uri="{28A0092B-C50C-407E-A947-70E740481C1C}">
-                <a14:useLocalDpi xmlns:a14="http://schemas.microsoft.com/office/drawing/2010/main" val="0"/>
-              </a:ext>
-            </a:extLst>
-          </a:blip>
-          <a:srcRect/>
-          <a:stretch>
-            <a:fillRect/>
-          </a:stretch>
-        </p:blipFill>
-        <p:spPr bwMode="auto">
-          <a:xfrm>
-            <a:off x="174784" y="3248001"/>
-            <a:ext cx="3066836" cy="2183508"/>
-          </a:xfrm>
-          <a:prstGeom prst="rect">
-            <a:avLst/>
-          </a:prstGeom>
-          <a:noFill/>
-          <a:ln w="9525">
-            <a:solidFill>
-              <a:schemeClr val="bg1">
-                <a:lumMod val="75000"/>
-              </a:schemeClr>
-            </a:solidFill>
-            <a:miter lim="800000"/>
-            <a:headEnd/>
-            <a:tailEnd/>
-          </a:ln>
-          <a:effectLst/>
-          <a:extLst>
-            <a:ext uri="{909E8E84-426E-40DD-AFC4-6F175D3DCCD1}">
-              <a14:hiddenFill xmlns:a14="http://schemas.microsoft.com/office/drawing/2010/main">
-                <a:solidFill>
-                  <a:schemeClr val="accent1"/>
-                </a:solidFill>
-              </a14:hiddenFill>
-            </a:ext>
-            <a:ext uri="{AF507438-7753-43E0-B8FC-AC1667EBCBE1}">
-              <a14:hiddenEffects xmlns:a14="http://schemas.microsoft.com/office/drawing/2010/main">
-                <a:effectLst>
-                  <a:outerShdw dist="35921" dir="2700000" algn="ctr" rotWithShape="0">
-                    <a:schemeClr val="bg2"/>
-                  </a:outerShdw>
-                </a:effectLst>
-              </a14:hiddenEffects>
-            </a:ext>
-          </a:extLst>
-        </p:spPr>
-      </p:pic>
-      <p:sp>
-        <p:nvSpPr>
-          <p:cNvPr id="12" name="TextBox 11"/>
-          <p:cNvSpPr txBox="1"/>
-          <p:nvPr/>
-        </p:nvSpPr>
-        <p:spPr>
-          <a:xfrm>
-            <a:off x="5600206" y="5496411"/>
-            <a:ext cx="1659429" cy="369332"/>
-          </a:xfrm>
-          <a:prstGeom prst="rect">
-            <a:avLst/>
-          </a:prstGeom>
-          <a:noFill/>
-        </p:spPr>
-        <p:txBody>
-          <a:bodyPr wrap="none" rtlCol="0">
-            <a:spAutoFit/>
-          </a:bodyPr>
-          <a:lstStyle/>
-          <a:p>
-            <a:r>
-              <a:rPr lang="en-US" dirty="0" smtClean="0"/>
-              <a:t>Select chapter</a:t>
-            </a:r>
-            <a:endParaRPr lang="en-US" dirty="0"/>
-          </a:p>
-        </p:txBody>
-      </p:sp>
     </p:spTree>
     <p:extLst>
       <p:ext uri="{BB962C8B-B14F-4D97-AF65-F5344CB8AC3E}">
@@ -43782,771 +40867,6 @@
 </file>
 
 <file path=ppt/slides/slide19.xml><?xml version="1.0" encoding="utf-8"?>
-<p:sld xmlns:a="http://schemas.openxmlformats.org/drawingml/2006/main" xmlns:r="http://schemas.openxmlformats.org/officeDocument/2006/relationships" xmlns:p="http://schemas.openxmlformats.org/presentationml/2006/main">
-  <p:cSld>
-    <p:spTree>
-      <p:nvGrpSpPr>
-        <p:cNvPr id="1" name=""/>
-        <p:cNvGrpSpPr/>
-        <p:nvPr/>
-      </p:nvGrpSpPr>
-      <p:grpSpPr>
-        <a:xfrm>
-          <a:off x="0" y="0"/>
-          <a:ext cx="0" cy="0"/>
-          <a:chOff x="0" y="0"/>
-          <a:chExt cx="0" cy="0"/>
-        </a:xfrm>
-      </p:grpSpPr>
-      <p:sp>
-        <p:nvSpPr>
-          <p:cNvPr id="2" name="Title 1"/>
-          <p:cNvSpPr>
-            <a:spLocks noGrp="1"/>
-          </p:cNvSpPr>
-          <p:nvPr>
-            <p:ph type="title"/>
-          </p:nvPr>
-        </p:nvSpPr>
-        <p:spPr/>
-        <p:txBody>
-          <a:bodyPr>
-            <a:normAutofit fontScale="90000"/>
-          </a:bodyPr>
-          <a:lstStyle/>
-          <a:p>
-            <a:r>
-              <a:rPr lang="en-US" dirty="0"/>
-              <a:t>Software Requirement Specification </a:t>
-            </a:r>
-          </a:p>
-        </p:txBody>
-      </p:sp>
-      <p:sp>
-        <p:nvSpPr>
-          <p:cNvPr id="4" name="Content Placeholder 2"/>
-          <p:cNvSpPr>
-            <a:spLocks noGrp="1"/>
-          </p:cNvSpPr>
-          <p:nvPr>
-            <p:ph idx="1"/>
-          </p:nvPr>
-        </p:nvSpPr>
-        <p:spPr>
-          <a:xfrm>
-            <a:off x="381000" y="798513"/>
-            <a:ext cx="8229600" cy="649288"/>
-          </a:xfrm>
-        </p:spPr>
-        <p:txBody>
-          <a:bodyPr/>
-          <a:lstStyle/>
-          <a:p>
-            <a:r>
-              <a:rPr lang="en-US" dirty="0" smtClean="0"/>
-              <a:t>Functional Requirement</a:t>
-            </a:r>
-          </a:p>
-          <a:p>
-            <a:pPr marL="0" indent="0">
-              <a:buNone/>
-            </a:pPr>
-            <a:endParaRPr lang="en-US" dirty="0" smtClean="0"/>
-          </a:p>
-        </p:txBody>
-      </p:sp>
-      <p:pic>
-        <p:nvPicPr>
-          <p:cNvPr id="11267" name="Picture 3"/>
-          <p:cNvPicPr>
-            <a:picLocks noChangeAspect="1" noChangeArrowheads="1"/>
-          </p:cNvPicPr>
-          <p:nvPr/>
-        </p:nvPicPr>
-        <p:blipFill>
-          <a:blip r:embed="rId3">
-            <a:extLst>
-              <a:ext uri="{28A0092B-C50C-407E-A947-70E740481C1C}">
-                <a14:useLocalDpi xmlns:a14="http://schemas.microsoft.com/office/drawing/2010/main" val="0"/>
-              </a:ext>
-            </a:extLst>
-          </a:blip>
-          <a:srcRect/>
-          <a:stretch>
-            <a:fillRect/>
-          </a:stretch>
-        </p:blipFill>
-        <p:spPr bwMode="auto">
-          <a:xfrm>
-            <a:off x="665662" y="1207923"/>
-            <a:ext cx="7884531" cy="5181600"/>
-          </a:xfrm>
-          <a:prstGeom prst="rect">
-            <a:avLst/>
-          </a:prstGeom>
-          <a:noFill/>
-          <a:ln>
-            <a:noFill/>
-          </a:ln>
-          <a:effectLst/>
-          <a:extLst>
-            <a:ext uri="{909E8E84-426E-40DD-AFC4-6F175D3DCCD1}">
-              <a14:hiddenFill xmlns:a14="http://schemas.microsoft.com/office/drawing/2010/main">
-                <a:solidFill>
-                  <a:schemeClr val="accent1"/>
-                </a:solidFill>
-              </a14:hiddenFill>
-            </a:ext>
-            <a:ext uri="{91240B29-F687-4F45-9708-019B960494DF}">
-              <a14:hiddenLine xmlns:a14="http://schemas.microsoft.com/office/drawing/2010/main" w="9525">
-                <a:solidFill>
-                  <a:schemeClr val="tx1"/>
-                </a:solidFill>
-                <a:miter lim="800000"/>
-                <a:headEnd/>
-                <a:tailEnd/>
-              </a14:hiddenLine>
-            </a:ext>
-            <a:ext uri="{AF507438-7753-43E0-B8FC-AC1667EBCBE1}">
-              <a14:hiddenEffects xmlns:a14="http://schemas.microsoft.com/office/drawing/2010/main">
-                <a:effectLst>
-                  <a:outerShdw dist="35921" dir="2700000" algn="ctr" rotWithShape="0">
-                    <a:schemeClr val="bg2"/>
-                  </a:outerShdw>
-                </a:effectLst>
-              </a14:hiddenEffects>
-            </a:ext>
-          </a:extLst>
-        </p:spPr>
-      </p:pic>
-      <p:sp>
-        <p:nvSpPr>
-          <p:cNvPr id="5" name="TextBox 4"/>
-          <p:cNvSpPr txBox="1"/>
-          <p:nvPr/>
-        </p:nvSpPr>
-        <p:spPr>
-          <a:xfrm>
-            <a:off x="3376339" y="6466505"/>
-            <a:ext cx="2463175" cy="369332"/>
-          </a:xfrm>
-          <a:prstGeom prst="rect">
-            <a:avLst/>
-          </a:prstGeom>
-          <a:noFill/>
-        </p:spPr>
-        <p:txBody>
-          <a:bodyPr wrap="none" rtlCol="0">
-            <a:spAutoFit/>
-          </a:bodyPr>
-          <a:lstStyle/>
-          <a:p>
-            <a:r>
-              <a:rPr lang="en-US" dirty="0" smtClean="0"/>
-              <a:t>View content of theory</a:t>
-            </a:r>
-            <a:endParaRPr lang="en-US" dirty="0"/>
-          </a:p>
-        </p:txBody>
-      </p:sp>
-      <p:pic>
-        <p:nvPicPr>
-          <p:cNvPr id="11270" name="Picture 6"/>
-          <p:cNvPicPr>
-            <a:picLocks noChangeAspect="1" noChangeArrowheads="1"/>
-          </p:cNvPicPr>
-          <p:nvPr/>
-        </p:nvPicPr>
-        <p:blipFill>
-          <a:blip r:embed="rId4">
-            <a:extLst>
-              <a:ext uri="{28A0092B-C50C-407E-A947-70E740481C1C}">
-                <a14:useLocalDpi xmlns:a14="http://schemas.microsoft.com/office/drawing/2010/main" val="0"/>
-              </a:ext>
-            </a:extLst>
-          </a:blip>
-          <a:srcRect/>
-          <a:stretch>
-            <a:fillRect/>
-          </a:stretch>
-        </p:blipFill>
-        <p:spPr bwMode="auto">
-          <a:xfrm>
-            <a:off x="702481" y="1247670"/>
-            <a:ext cx="7884531" cy="5264444"/>
-          </a:xfrm>
-          <a:prstGeom prst="rect">
-            <a:avLst/>
-          </a:prstGeom>
-          <a:noFill/>
-          <a:ln>
-            <a:noFill/>
-          </a:ln>
-          <a:effectLst/>
-          <a:extLst>
-            <a:ext uri="{909E8E84-426E-40DD-AFC4-6F175D3DCCD1}">
-              <a14:hiddenFill xmlns:a14="http://schemas.microsoft.com/office/drawing/2010/main">
-                <a:solidFill>
-                  <a:schemeClr val="accent1"/>
-                </a:solidFill>
-              </a14:hiddenFill>
-            </a:ext>
-            <a:ext uri="{91240B29-F687-4F45-9708-019B960494DF}">
-              <a14:hiddenLine xmlns:a14="http://schemas.microsoft.com/office/drawing/2010/main" w="9525">
-                <a:solidFill>
-                  <a:schemeClr val="tx1"/>
-                </a:solidFill>
-                <a:miter lim="800000"/>
-                <a:headEnd/>
-                <a:tailEnd/>
-              </a14:hiddenLine>
-            </a:ext>
-            <a:ext uri="{AF507438-7753-43E0-B8FC-AC1667EBCBE1}">
-              <a14:hiddenEffects xmlns:a14="http://schemas.microsoft.com/office/drawing/2010/main">
-                <a:effectLst>
-                  <a:outerShdw dist="35921" dir="2700000" algn="ctr" rotWithShape="0">
-                    <a:schemeClr val="bg2"/>
-                  </a:outerShdw>
-                </a:effectLst>
-              </a14:hiddenEffects>
-            </a:ext>
-          </a:extLst>
-        </p:spPr>
-      </p:pic>
-      <p:sp>
-        <p:nvSpPr>
-          <p:cNvPr id="6" name="TextBox 5"/>
-          <p:cNvSpPr txBox="1"/>
-          <p:nvPr/>
-        </p:nvSpPr>
-        <p:spPr>
-          <a:xfrm>
-            <a:off x="3393924" y="6488668"/>
-            <a:ext cx="2501647" cy="369332"/>
-          </a:xfrm>
-          <a:prstGeom prst="rect">
-            <a:avLst/>
-          </a:prstGeom>
-          <a:noFill/>
-        </p:spPr>
-        <p:txBody>
-          <a:bodyPr wrap="none" rtlCol="0">
-            <a:spAutoFit/>
-          </a:bodyPr>
-          <a:lstStyle/>
-          <a:p>
-            <a:r>
-              <a:rPr lang="en-US" dirty="0" smtClean="0"/>
-              <a:t>View related questions</a:t>
-            </a:r>
-            <a:endParaRPr lang="en-US" dirty="0"/>
-          </a:p>
-        </p:txBody>
-      </p:sp>
-    </p:spTree>
-    <p:extLst>
-      <p:ext uri="{BB962C8B-B14F-4D97-AF65-F5344CB8AC3E}">
-        <p14:creationId xmlns:p14="http://schemas.microsoft.com/office/powerpoint/2010/main" val="2888463632"/>
-      </p:ext>
-    </p:extLst>
-  </p:cSld>
-  <p:clrMapOvr>
-    <a:masterClrMapping/>
-  </p:clrMapOvr>
-  <p:timing>
-    <p:tnLst>
-      <p:par>
-        <p:cTn id="1" dur="indefinite" restart="never" nodeType="tmRoot">
-          <p:childTnLst>
-            <p:seq concurrent="1" nextAc="seek">
-              <p:cTn id="2" dur="indefinite" nodeType="mainSeq">
-                <p:childTnLst>
-                  <p:par>
-                    <p:cTn id="3" fill="hold">
-                      <p:stCondLst>
-                        <p:cond delay="indefinite"/>
-                      </p:stCondLst>
-                      <p:childTnLst>
-                        <p:par>
-                          <p:cTn id="4" fill="hold">
-                            <p:stCondLst>
-                              <p:cond delay="0"/>
-                            </p:stCondLst>
-                            <p:childTnLst>
-                              <p:par>
-                                <p:cTn id="5" presetID="10" presetClass="entr" presetSubtype="0" fill="hold" grpId="0" nodeType="clickEffect">
-                                  <p:stCondLst>
-                                    <p:cond delay="200"/>
-                                  </p:stCondLst>
-                                  <p:childTnLst>
-                                    <p:set>
-                                      <p:cBhvr>
-                                        <p:cTn id="6" dur="1" fill="hold">
-                                          <p:stCondLst>
-                                            <p:cond delay="0"/>
-                                          </p:stCondLst>
-                                        </p:cTn>
-                                        <p:tgtEl>
-                                          <p:spTgt spid="5"/>
-                                        </p:tgtEl>
-                                        <p:attrNameLst>
-                                          <p:attrName>style.visibility</p:attrName>
-                                        </p:attrNameLst>
-                                      </p:cBhvr>
-                                      <p:to>
-                                        <p:strVal val="visible"/>
-                                      </p:to>
-                                    </p:set>
-                                    <p:animEffect transition="in" filter="fade">
-                                      <p:cBhvr>
-                                        <p:cTn id="7" dur="500"/>
-                                        <p:tgtEl>
-                                          <p:spTgt spid="5"/>
-                                        </p:tgtEl>
-                                      </p:cBhvr>
-                                    </p:animEffect>
-                                  </p:childTnLst>
-                                </p:cTn>
-                              </p:par>
-                              <p:par>
-                                <p:cTn id="8" presetID="10" presetClass="entr" presetSubtype="0" fill="hold" nodeType="withEffect">
-                                  <p:stCondLst>
-                                    <p:cond delay="200"/>
-                                  </p:stCondLst>
-                                  <p:childTnLst>
-                                    <p:set>
-                                      <p:cBhvr>
-                                        <p:cTn id="9" dur="1" fill="hold">
-                                          <p:stCondLst>
-                                            <p:cond delay="0"/>
-                                          </p:stCondLst>
-                                        </p:cTn>
-                                        <p:tgtEl>
-                                          <p:spTgt spid="11267"/>
-                                        </p:tgtEl>
-                                        <p:attrNameLst>
-                                          <p:attrName>style.visibility</p:attrName>
-                                        </p:attrNameLst>
-                                      </p:cBhvr>
-                                      <p:to>
-                                        <p:strVal val="visible"/>
-                                      </p:to>
-                                    </p:set>
-                                    <p:animEffect transition="in" filter="fade">
-                                      <p:cBhvr>
-                                        <p:cTn id="10" dur="500"/>
-                                        <p:tgtEl>
-                                          <p:spTgt spid="11267"/>
-                                        </p:tgtEl>
-                                      </p:cBhvr>
-                                    </p:animEffect>
-                                  </p:childTnLst>
-                                </p:cTn>
-                              </p:par>
-                            </p:childTnLst>
-                          </p:cTn>
-                        </p:par>
-                      </p:childTnLst>
-                    </p:cTn>
-                  </p:par>
-                  <p:par>
-                    <p:cTn id="11" fill="hold">
-                      <p:stCondLst>
-                        <p:cond delay="indefinite"/>
-                      </p:stCondLst>
-                      <p:childTnLst>
-                        <p:par>
-                          <p:cTn id="12" fill="hold">
-                            <p:stCondLst>
-                              <p:cond delay="0"/>
-                            </p:stCondLst>
-                            <p:childTnLst>
-                              <p:par>
-                                <p:cTn id="13" presetID="22" presetClass="exit" presetSubtype="4" fill="hold" nodeType="clickEffect">
-                                  <p:stCondLst>
-                                    <p:cond delay="0"/>
-                                  </p:stCondLst>
-                                  <p:childTnLst>
-                                    <p:animEffect transition="out" filter="wipe(down)">
-                                      <p:cBhvr>
-                                        <p:cTn id="14" dur="500"/>
-                                        <p:tgtEl>
-                                          <p:spTgt spid="11267"/>
-                                        </p:tgtEl>
-                                      </p:cBhvr>
-                                    </p:animEffect>
-                                    <p:set>
-                                      <p:cBhvr>
-                                        <p:cTn id="15" dur="1" fill="hold">
-                                          <p:stCondLst>
-                                            <p:cond delay="499"/>
-                                          </p:stCondLst>
-                                        </p:cTn>
-                                        <p:tgtEl>
-                                          <p:spTgt spid="11267"/>
-                                        </p:tgtEl>
-                                        <p:attrNameLst>
-                                          <p:attrName>style.visibility</p:attrName>
-                                        </p:attrNameLst>
-                                      </p:cBhvr>
-                                      <p:to>
-                                        <p:strVal val="hidden"/>
-                                      </p:to>
-                                    </p:set>
-                                  </p:childTnLst>
-                                </p:cTn>
-                              </p:par>
-                              <p:par>
-                                <p:cTn id="16" presetID="22" presetClass="exit" presetSubtype="4" fill="hold" grpId="1" nodeType="withEffect">
-                                  <p:stCondLst>
-                                    <p:cond delay="0"/>
-                                  </p:stCondLst>
-                                  <p:childTnLst>
-                                    <p:animEffect transition="out" filter="wipe(down)">
-                                      <p:cBhvr>
-                                        <p:cTn id="17" dur="500"/>
-                                        <p:tgtEl>
-                                          <p:spTgt spid="5"/>
-                                        </p:tgtEl>
-                                      </p:cBhvr>
-                                    </p:animEffect>
-                                    <p:set>
-                                      <p:cBhvr>
-                                        <p:cTn id="18" dur="1" fill="hold">
-                                          <p:stCondLst>
-                                            <p:cond delay="499"/>
-                                          </p:stCondLst>
-                                        </p:cTn>
-                                        <p:tgtEl>
-                                          <p:spTgt spid="5"/>
-                                        </p:tgtEl>
-                                        <p:attrNameLst>
-                                          <p:attrName>style.visibility</p:attrName>
-                                        </p:attrNameLst>
-                                      </p:cBhvr>
-                                      <p:to>
-                                        <p:strVal val="hidden"/>
-                                      </p:to>
-                                    </p:set>
-                                  </p:childTnLst>
-                                </p:cTn>
-                              </p:par>
-                              <p:par>
-                                <p:cTn id="19" presetID="22" presetClass="entr" presetSubtype="4" fill="hold" grpId="0" nodeType="withEffect">
-                                  <p:stCondLst>
-                                    <p:cond delay="0"/>
-                                  </p:stCondLst>
-                                  <p:childTnLst>
-                                    <p:set>
-                                      <p:cBhvr>
-                                        <p:cTn id="20" dur="1" fill="hold">
-                                          <p:stCondLst>
-                                            <p:cond delay="0"/>
-                                          </p:stCondLst>
-                                        </p:cTn>
-                                        <p:tgtEl>
-                                          <p:spTgt spid="6"/>
-                                        </p:tgtEl>
-                                        <p:attrNameLst>
-                                          <p:attrName>style.visibility</p:attrName>
-                                        </p:attrNameLst>
-                                      </p:cBhvr>
-                                      <p:to>
-                                        <p:strVal val="visible"/>
-                                      </p:to>
-                                    </p:set>
-                                    <p:animEffect transition="in" filter="wipe(down)">
-                                      <p:cBhvr>
-                                        <p:cTn id="21" dur="500"/>
-                                        <p:tgtEl>
-                                          <p:spTgt spid="6"/>
-                                        </p:tgtEl>
-                                      </p:cBhvr>
-                                    </p:animEffect>
-                                  </p:childTnLst>
-                                </p:cTn>
-                              </p:par>
-                              <p:par>
-                                <p:cTn id="22" presetID="22" presetClass="entr" presetSubtype="4" fill="hold" nodeType="withEffect">
-                                  <p:stCondLst>
-                                    <p:cond delay="0"/>
-                                  </p:stCondLst>
-                                  <p:childTnLst>
-                                    <p:set>
-                                      <p:cBhvr>
-                                        <p:cTn id="23" dur="1" fill="hold">
-                                          <p:stCondLst>
-                                            <p:cond delay="0"/>
-                                          </p:stCondLst>
-                                        </p:cTn>
-                                        <p:tgtEl>
-                                          <p:spTgt spid="11270"/>
-                                        </p:tgtEl>
-                                        <p:attrNameLst>
-                                          <p:attrName>style.visibility</p:attrName>
-                                        </p:attrNameLst>
-                                      </p:cBhvr>
-                                      <p:to>
-                                        <p:strVal val="visible"/>
-                                      </p:to>
-                                    </p:set>
-                                    <p:animEffect transition="in" filter="wipe(down)">
-                                      <p:cBhvr>
-                                        <p:cTn id="24" dur="500"/>
-                                        <p:tgtEl>
-                                          <p:spTgt spid="11270"/>
-                                        </p:tgtEl>
-                                      </p:cBhvr>
-                                    </p:animEffect>
-                                  </p:childTnLst>
-                                </p:cTn>
-                              </p:par>
-                            </p:childTnLst>
-                          </p:cTn>
-                        </p:par>
-                      </p:childTnLst>
-                    </p:cTn>
-                  </p:par>
-                </p:childTnLst>
-              </p:cTn>
-              <p:prevCondLst>
-                <p:cond evt="onPrev" delay="0">
-                  <p:tgtEl>
-                    <p:sldTgt/>
-                  </p:tgtEl>
-                </p:cond>
-              </p:prevCondLst>
-              <p:nextCondLst>
-                <p:cond evt="onNext" delay="0">
-                  <p:tgtEl>
-                    <p:sldTgt/>
-                  </p:tgtEl>
-                </p:cond>
-              </p:nextCondLst>
-            </p:seq>
-          </p:childTnLst>
-        </p:cTn>
-      </p:par>
-    </p:tnLst>
-    <p:bldLst>
-      <p:bldP spid="5" grpId="0"/>
-      <p:bldP spid="5" grpId="1"/>
-      <p:bldP spid="6" grpId="0"/>
-    </p:bldLst>
-  </p:timing>
-</p:sld>
-</file>
-
-<file path=ppt/slides/slide2.xml><?xml version="1.0" encoding="utf-8"?>
-<p:sld xmlns:a="http://schemas.openxmlformats.org/drawingml/2006/main" xmlns:r="http://schemas.openxmlformats.org/officeDocument/2006/relationships" xmlns:p="http://schemas.openxmlformats.org/presentationml/2006/main">
-  <p:cSld>
-    <p:spTree>
-      <p:nvGrpSpPr>
-        <p:cNvPr id="1" name=""/>
-        <p:cNvGrpSpPr/>
-        <p:nvPr/>
-      </p:nvGrpSpPr>
-      <p:grpSpPr>
-        <a:xfrm>
-          <a:off x="0" y="0"/>
-          <a:ext cx="0" cy="0"/>
-          <a:chOff x="0" y="0"/>
-          <a:chExt cx="0" cy="0"/>
-        </a:xfrm>
-      </p:grpSpPr>
-      <p:sp>
-        <p:nvSpPr>
-          <p:cNvPr id="2" name="Title 1"/>
-          <p:cNvSpPr>
-            <a:spLocks noGrp="1"/>
-          </p:cNvSpPr>
-          <p:nvPr>
-            <p:ph type="title"/>
-          </p:nvPr>
-        </p:nvSpPr>
-        <p:spPr/>
-        <p:txBody>
-          <a:bodyPr>
-            <a:normAutofit fontScale="90000"/>
-          </a:bodyPr>
-          <a:lstStyle/>
-          <a:p>
-            <a:r>
-              <a:rPr lang="en-US" dirty="0" smtClean="0"/>
-              <a:t>Project Team</a:t>
-            </a:r>
-            <a:endParaRPr lang="en-US" dirty="0"/>
-          </a:p>
-        </p:txBody>
-      </p:sp>
-      <p:sp>
-        <p:nvSpPr>
-          <p:cNvPr id="7" name="Rounded Rectangle 6"/>
-          <p:cNvSpPr/>
-          <p:nvPr/>
-        </p:nvSpPr>
-        <p:spPr bwMode="auto">
-          <a:xfrm>
-            <a:off x="609600" y="1066800"/>
-            <a:ext cx="2057400" cy="1295400"/>
-          </a:xfrm>
-          <a:prstGeom prst="roundRect">
-            <a:avLst/>
-          </a:prstGeom>
-          <a:noFill/>
-          <a:ln w="9525" cap="flat" cmpd="sng" algn="ctr">
-            <a:noFill/>
-            <a:prstDash val="solid"/>
-            <a:round/>
-            <a:headEnd type="none" w="med" len="med"/>
-            <a:tailEnd type="none" w="med" len="med"/>
-          </a:ln>
-          <a:effectLst/>
-        </p:spPr>
-        <p:txBody>
-          <a:bodyPr vert="horz" wrap="square" lIns="91440" tIns="45720" rIns="91440" bIns="45720" numCol="1" rtlCol="0" anchor="t" anchorCtr="0" compatLnSpc="1">
-            <a:prstTxWarp prst="textNoShape">
-              <a:avLst/>
-            </a:prstTxWarp>
-          </a:bodyPr>
-          <a:lstStyle/>
-          <a:p>
-            <a:pPr marL="0" marR="0" indent="0" algn="l" defTabSz="914400" rtl="0" eaLnBrk="1" fontAlgn="base" latinLnBrk="0" hangingPunct="1">
-              <a:lnSpc>
-                <a:spcPct val="100000"/>
-              </a:lnSpc>
-              <a:spcBef>
-                <a:spcPct val="0"/>
-              </a:spcBef>
-              <a:spcAft>
-                <a:spcPct val="0"/>
-              </a:spcAft>
-              <a:buClrTx/>
-              <a:buSzTx/>
-              <a:buFontTx/>
-              <a:buNone/>
-              <a:tabLst/>
-            </a:pPr>
-            <a:endParaRPr kumimoji="0" lang="en-US" sz="1800" b="0" i="0" u="none" strike="noStrike" cap="none" normalizeH="0" baseline="0" smtClean="0">
-              <a:ln>
-                <a:noFill/>
-              </a:ln>
-              <a:solidFill>
-                <a:schemeClr val="tx1"/>
-              </a:solidFill>
-              <a:effectLst/>
-              <a:latin typeface="Arial" charset="0"/>
-            </a:endParaRPr>
-          </a:p>
-        </p:txBody>
-      </p:sp>
-      <p:sp>
-        <p:nvSpPr>
-          <p:cNvPr id="10" name="Rectangle 9"/>
-          <p:cNvSpPr/>
-          <p:nvPr/>
-        </p:nvSpPr>
-        <p:spPr bwMode="auto">
-          <a:xfrm>
-            <a:off x="247650" y="962025"/>
-            <a:ext cx="2133600" cy="2057400"/>
-          </a:xfrm>
-          <a:prstGeom prst="rect">
-            <a:avLst/>
-          </a:prstGeom>
-          <a:noFill/>
-          <a:ln w="9525" cap="flat" cmpd="sng" algn="ctr">
-            <a:noFill/>
-            <a:prstDash val="solid"/>
-            <a:round/>
-            <a:headEnd type="none" w="med" len="med"/>
-            <a:tailEnd type="none" w="med" len="med"/>
-          </a:ln>
-          <a:effectLst/>
-        </p:spPr>
-        <p:txBody>
-          <a:bodyPr vert="horz" wrap="square" lIns="91440" tIns="45720" rIns="91440" bIns="45720" numCol="1" rtlCol="0" anchor="t" anchorCtr="0" compatLnSpc="1">
-            <a:prstTxWarp prst="textNoShape">
-              <a:avLst/>
-            </a:prstTxWarp>
-          </a:bodyPr>
-          <a:lstStyle/>
-          <a:p>
-            <a:pPr marL="0" marR="0" indent="0" algn="l" defTabSz="914400" rtl="0" eaLnBrk="1" fontAlgn="base" latinLnBrk="0" hangingPunct="1">
-              <a:lnSpc>
-                <a:spcPct val="100000"/>
-              </a:lnSpc>
-              <a:spcBef>
-                <a:spcPct val="0"/>
-              </a:spcBef>
-              <a:spcAft>
-                <a:spcPct val="0"/>
-              </a:spcAft>
-              <a:buClrTx/>
-              <a:buSzTx/>
-              <a:buFontTx/>
-              <a:buNone/>
-              <a:tabLst/>
-            </a:pPr>
-            <a:endParaRPr kumimoji="0" lang="en-US" sz="1800" b="0" i="0" u="none" strike="noStrike" cap="none" normalizeH="0" baseline="0" smtClean="0">
-              <a:ln>
-                <a:noFill/>
-              </a:ln>
-              <a:solidFill>
-                <a:schemeClr val="tx1"/>
-              </a:solidFill>
-              <a:effectLst/>
-              <a:latin typeface="Arial" charset="0"/>
-            </a:endParaRPr>
-          </a:p>
-        </p:txBody>
-      </p:sp>
-      <p:graphicFrame>
-        <p:nvGraphicFramePr>
-          <p:cNvPr id="9" name="Content Placeholder 8"/>
-          <p:cNvGraphicFramePr>
-            <a:graphicFrameLocks noGrp="1"/>
-          </p:cNvGraphicFramePr>
-          <p:nvPr>
-            <p:ph idx="1"/>
-            <p:extLst>
-              <p:ext uri="{D42A27DB-BD31-4B8C-83A1-F6EECF244321}">
-                <p14:modId xmlns:p14="http://schemas.microsoft.com/office/powerpoint/2010/main" val="234204948"/>
-              </p:ext>
-            </p:extLst>
-          </p:nvPr>
-        </p:nvGraphicFramePr>
-        <p:xfrm>
-          <a:off x="457200" y="914400"/>
-          <a:ext cx="8229600" cy="5211763"/>
-        </p:xfrm>
-        <a:graphic>
-          <a:graphicData uri="http://schemas.openxmlformats.org/drawingml/2006/diagram">
-            <dgm:relIds xmlns:dgm="http://schemas.openxmlformats.org/drawingml/2006/diagram" xmlns:r="http://schemas.openxmlformats.org/officeDocument/2006/relationships" r:dm="rId2" r:lo="rId3" r:qs="rId4" r:cs="rId5"/>
-          </a:graphicData>
-        </a:graphic>
-      </p:graphicFrame>
-    </p:spTree>
-    <p:extLst>
-      <p:ext uri="{BB962C8B-B14F-4D97-AF65-F5344CB8AC3E}">
-        <p14:creationId xmlns:p14="http://schemas.microsoft.com/office/powerpoint/2010/main" val="1559235473"/>
-      </p:ext>
-    </p:extLst>
-  </p:cSld>
-  <p:clrMapOvr>
-    <a:masterClrMapping/>
-  </p:clrMapOvr>
-  <p:timing>
-    <p:tnLst>
-      <p:par>
-        <p:cTn id="1" dur="indefinite" restart="never" nodeType="tmRoot"/>
-      </p:par>
-    </p:tnLst>
-  </p:timing>
-</p:sld>
-</file>
-
-<file path=ppt/slides/slide20.xml><?xml version="1.0" encoding="utf-8"?>
 <p:sld xmlns:a="http://schemas.openxmlformats.org/drawingml/2006/main" xmlns:r="http://schemas.openxmlformats.org/officeDocument/2006/relationships" xmlns:p="http://schemas.openxmlformats.org/presentationml/2006/main">
   <p:cSld>
     <p:spTree>
@@ -44946,7 +41266,7 @@
 </p:sld>
 </file>
 
-<file path=ppt/slides/slide21.xml><?xml version="1.0" encoding="utf-8"?>
+<file path=ppt/slides/slide2.xml><?xml version="1.0" encoding="utf-8"?>
 <p:sld xmlns:a="http://schemas.openxmlformats.org/drawingml/2006/main" xmlns:r="http://schemas.openxmlformats.org/officeDocument/2006/relationships" xmlns:p="http://schemas.openxmlformats.org/presentationml/2006/main">
   <p:cSld>
     <p:spTree>
@@ -44981,228 +41301,164 @@
           <a:lstStyle/>
           <a:p>
             <a:r>
-              <a:rPr lang="en-US" dirty="0"/>
-              <a:t>Software Requirement Specification </a:t>
-            </a:r>
-          </a:p>
-        </p:txBody>
-      </p:sp>
-      <p:pic>
-        <p:nvPicPr>
-          <p:cNvPr id="4" name="Picture 2"/>
-          <p:cNvPicPr>
-            <a:picLocks noChangeAspect="1" noChangeArrowheads="1"/>
-          </p:cNvPicPr>
-          <p:nvPr/>
-        </p:nvPicPr>
-        <p:blipFill>
-          <a:blip r:embed="rId3">
-            <a:extLst>
-              <a:ext uri="{28A0092B-C50C-407E-A947-70E740481C1C}">
-                <a14:useLocalDpi xmlns:a14="http://schemas.microsoft.com/office/drawing/2010/main" val="0"/>
-              </a:ext>
-            </a:extLst>
-          </a:blip>
-          <a:srcRect/>
-          <a:stretch>
-            <a:fillRect/>
-          </a:stretch>
-        </p:blipFill>
-        <p:spPr bwMode="auto">
-          <a:xfrm>
-            <a:off x="304800" y="914400"/>
-            <a:ext cx="8458199" cy="2286320"/>
-          </a:xfrm>
-          <a:prstGeom prst="rect">
-            <a:avLst/>
-          </a:prstGeom>
-          <a:noFill/>
-          <a:ln>
-            <a:noFill/>
-          </a:ln>
-          <a:effectLst/>
-          <a:extLst>
-            <a:ext uri="{909E8E84-426E-40DD-AFC4-6F175D3DCCD1}">
-              <a14:hiddenFill xmlns:a14="http://schemas.microsoft.com/office/drawing/2010/main">
-                <a:solidFill>
-                  <a:schemeClr val="accent1"/>
-                </a:solidFill>
-              </a14:hiddenFill>
-            </a:ext>
-            <a:ext uri="{91240B29-F687-4F45-9708-019B960494DF}">
-              <a14:hiddenLine xmlns:a14="http://schemas.microsoft.com/office/drawing/2010/main" w="9525">
-                <a:solidFill>
-                  <a:schemeClr val="tx1"/>
-                </a:solidFill>
-                <a:miter lim="800000"/>
-                <a:headEnd/>
-                <a:tailEnd/>
-              </a14:hiddenLine>
-            </a:ext>
-            <a:ext uri="{AF507438-7753-43E0-B8FC-AC1667EBCBE1}">
-              <a14:hiddenEffects xmlns:a14="http://schemas.microsoft.com/office/drawing/2010/main">
-                <a:effectLst>
-                  <a:outerShdw dist="35921" dir="2700000" algn="ctr" rotWithShape="0">
-                    <a:schemeClr val="bg2"/>
-                  </a:outerShdw>
-                </a:effectLst>
-              </a14:hiddenEffects>
-            </a:ext>
-          </a:extLst>
-        </p:spPr>
-      </p:pic>
-      <p:sp>
-        <p:nvSpPr>
-          <p:cNvPr id="5" name="Content Placeholder 4"/>
-          <p:cNvSpPr>
-            <a:spLocks noGrp="1"/>
-          </p:cNvSpPr>
-          <p:nvPr>
-            <p:ph idx="1"/>
-          </p:nvPr>
-        </p:nvSpPr>
-        <p:spPr>
-          <a:xfrm>
-            <a:off x="457200" y="1066801"/>
-            <a:ext cx="8229600" cy="457200"/>
-          </a:xfrm>
-        </p:spPr>
-        <p:txBody>
-          <a:bodyPr/>
-          <a:lstStyle/>
-          <a:p>
+              <a:rPr lang="en-US" dirty="0" smtClean="0"/>
+              <a:t>Project Team</a:t>
+            </a:r>
             <a:endParaRPr lang="en-US" dirty="0"/>
           </a:p>
         </p:txBody>
       </p:sp>
       <p:sp>
         <p:nvSpPr>
-          <p:cNvPr id="6" name="TextBox 5"/>
-          <p:cNvSpPr txBox="1"/>
+          <p:cNvPr id="7" name="Rounded Rectangle 6"/>
+          <p:cNvSpPr/>
           <p:nvPr/>
         </p:nvSpPr>
-        <p:spPr>
+        <p:spPr bwMode="auto">
           <a:xfrm>
-            <a:off x="3809999" y="6125363"/>
-            <a:ext cx="1633781" cy="369332"/>
+            <a:off x="609600" y="1066800"/>
+            <a:ext cx="2057400" cy="1295400"/>
+          </a:xfrm>
+          <a:prstGeom prst="roundRect">
+            <a:avLst/>
+          </a:prstGeom>
+          <a:noFill/>
+          <a:ln w="9525" cap="flat" cmpd="sng" algn="ctr">
+            <a:noFill/>
+            <a:prstDash val="solid"/>
+            <a:round/>
+            <a:headEnd type="none" w="med" len="med"/>
+            <a:tailEnd type="none" w="med" len="med"/>
+          </a:ln>
+          <a:effectLst/>
+        </p:spPr>
+        <p:txBody>
+          <a:bodyPr vert="horz" wrap="square" lIns="91440" tIns="45720" rIns="91440" bIns="45720" numCol="1" rtlCol="0" anchor="t" anchorCtr="0" compatLnSpc="1">
+            <a:prstTxWarp prst="textNoShape">
+              <a:avLst/>
+            </a:prstTxWarp>
+          </a:bodyPr>
+          <a:lstStyle/>
+          <a:p>
+            <a:pPr marL="0" marR="0" indent="0" algn="l" defTabSz="914400" rtl="0" eaLnBrk="1" fontAlgn="base" latinLnBrk="0" hangingPunct="1">
+              <a:lnSpc>
+                <a:spcPct val="100000"/>
+              </a:lnSpc>
+              <a:spcBef>
+                <a:spcPct val="0"/>
+              </a:spcBef>
+              <a:spcAft>
+                <a:spcPct val="0"/>
+              </a:spcAft>
+              <a:buClrTx/>
+              <a:buSzTx/>
+              <a:buFontTx/>
+              <a:buNone/>
+              <a:tabLst/>
+            </a:pPr>
+            <a:endParaRPr kumimoji="0" lang="en-US" sz="1800" b="0" i="0" u="none" strike="noStrike" cap="none" normalizeH="0" baseline="0" smtClean="0">
+              <a:ln>
+                <a:noFill/>
+              </a:ln>
+              <a:solidFill>
+                <a:schemeClr val="tx1"/>
+              </a:solidFill>
+              <a:effectLst/>
+              <a:latin typeface="Arial" charset="0"/>
+            </a:endParaRPr>
+          </a:p>
+        </p:txBody>
+      </p:sp>
+      <p:sp>
+        <p:nvSpPr>
+          <p:cNvPr id="10" name="Rectangle 9"/>
+          <p:cNvSpPr/>
+          <p:nvPr/>
+        </p:nvSpPr>
+        <p:spPr bwMode="auto">
+          <a:xfrm>
+            <a:off x="247650" y="962025"/>
+            <a:ext cx="2133600" cy="2057400"/>
           </a:xfrm>
           <a:prstGeom prst="rect">
             <a:avLst/>
           </a:prstGeom>
           <a:noFill/>
+          <a:ln w="9525" cap="flat" cmpd="sng" algn="ctr">
+            <a:noFill/>
+            <a:prstDash val="solid"/>
+            <a:round/>
+            <a:headEnd type="none" w="med" len="med"/>
+            <a:tailEnd type="none" w="med" len="med"/>
+          </a:ln>
+          <a:effectLst/>
         </p:spPr>
         <p:txBody>
-          <a:bodyPr wrap="none" rtlCol="0">
-            <a:spAutoFit/>
+          <a:bodyPr vert="horz" wrap="square" lIns="91440" tIns="45720" rIns="91440" bIns="45720" numCol="1" rtlCol="0" anchor="t" anchorCtr="0" compatLnSpc="1">
+            <a:prstTxWarp prst="textNoShape">
+              <a:avLst/>
+            </a:prstTxWarp>
           </a:bodyPr>
           <a:lstStyle/>
           <a:p>
-            <a:r>
-              <a:rPr lang="en-US" dirty="0" smtClean="0"/>
-              <a:t>Select options</a:t>
-            </a:r>
-            <a:endParaRPr lang="en-US" dirty="0"/>
+            <a:pPr marL="0" marR="0" indent="0" algn="l" defTabSz="914400" rtl="0" eaLnBrk="1" fontAlgn="base" latinLnBrk="0" hangingPunct="1">
+              <a:lnSpc>
+                <a:spcPct val="100000"/>
+              </a:lnSpc>
+              <a:spcBef>
+                <a:spcPct val="0"/>
+              </a:spcBef>
+              <a:spcAft>
+                <a:spcPct val="0"/>
+              </a:spcAft>
+              <a:buClrTx/>
+              <a:buSzTx/>
+              <a:buFontTx/>
+              <a:buNone/>
+              <a:tabLst/>
+            </a:pPr>
+            <a:endParaRPr kumimoji="0" lang="en-US" sz="1800" b="0" i="0" u="none" strike="noStrike" cap="none" normalizeH="0" baseline="0" smtClean="0">
+              <a:ln>
+                <a:noFill/>
+              </a:ln>
+              <a:solidFill>
+                <a:schemeClr val="tx1"/>
+              </a:solidFill>
+              <a:effectLst/>
+              <a:latin typeface="Arial" charset="0"/>
+            </a:endParaRPr>
           </a:p>
         </p:txBody>
       </p:sp>
-      <p:pic>
-        <p:nvPicPr>
-          <p:cNvPr id="13315" name="Picture 3"/>
-          <p:cNvPicPr>
-            <a:picLocks noChangeAspect="1" noChangeArrowheads="1"/>
-          </p:cNvPicPr>
-          <p:nvPr/>
-        </p:nvPicPr>
-        <p:blipFill>
-          <a:blip r:embed="rId4">
-            <a:extLst>
-              <a:ext uri="{28A0092B-C50C-407E-A947-70E740481C1C}">
-                <a14:useLocalDpi xmlns:a14="http://schemas.microsoft.com/office/drawing/2010/main" val="0"/>
-              </a:ext>
-            </a:extLst>
-          </a:blip>
-          <a:srcRect/>
-          <a:stretch>
-            <a:fillRect/>
-          </a:stretch>
-        </p:blipFill>
-        <p:spPr bwMode="auto">
-          <a:xfrm>
-            <a:off x="322385" y="1066800"/>
-            <a:ext cx="8516815" cy="4942282"/>
-          </a:xfrm>
-          <a:prstGeom prst="rect">
-            <a:avLst/>
-          </a:prstGeom>
-          <a:noFill/>
-          <a:ln>
-            <a:noFill/>
-          </a:ln>
-          <a:effectLst/>
-          <a:extLst>
-            <a:ext uri="{909E8E84-426E-40DD-AFC4-6F175D3DCCD1}">
-              <a14:hiddenFill xmlns:a14="http://schemas.microsoft.com/office/drawing/2010/main">
-                <a:solidFill>
-                  <a:schemeClr val="accent1"/>
-                </a:solidFill>
-              </a14:hiddenFill>
-            </a:ext>
-            <a:ext uri="{91240B29-F687-4F45-9708-019B960494DF}">
-              <a14:hiddenLine xmlns:a14="http://schemas.microsoft.com/office/drawing/2010/main" w="9525">
-                <a:solidFill>
-                  <a:schemeClr val="tx1"/>
-                </a:solidFill>
-                <a:miter lim="800000"/>
-                <a:headEnd/>
-                <a:tailEnd/>
-              </a14:hiddenLine>
-            </a:ext>
-            <a:ext uri="{AF507438-7753-43E0-B8FC-AC1667EBCBE1}">
-              <a14:hiddenEffects xmlns:a14="http://schemas.microsoft.com/office/drawing/2010/main">
-                <a:effectLst>
-                  <a:outerShdw dist="35921" dir="2700000" algn="ctr" rotWithShape="0">
-                    <a:schemeClr val="bg2"/>
-                  </a:outerShdw>
-                </a:effectLst>
-              </a14:hiddenEffects>
-            </a:ext>
-          </a:extLst>
-        </p:spPr>
-      </p:pic>
-      <p:sp>
-        <p:nvSpPr>
-          <p:cNvPr id="7" name="TextBox 6"/>
-          <p:cNvSpPr txBox="1"/>
-          <p:nvPr/>
-        </p:nvSpPr>
-        <p:spPr>
-          <a:xfrm>
-            <a:off x="3132409" y="6125363"/>
-            <a:ext cx="2988960" cy="369332"/>
-          </a:xfrm>
-          <a:prstGeom prst="rect">
-            <a:avLst/>
-          </a:prstGeom>
-          <a:noFill/>
-        </p:spPr>
-        <p:txBody>
-          <a:bodyPr wrap="none" rtlCol="0">
-            <a:spAutoFit/>
-          </a:bodyPr>
-          <a:lstStyle/>
-          <a:p>
-            <a:r>
-              <a:rPr lang="en-US" dirty="0" smtClean="0"/>
-              <a:t>View question and answers</a:t>
-            </a:r>
-            <a:endParaRPr lang="en-US" dirty="0"/>
-          </a:p>
-        </p:txBody>
-      </p:sp>
+      <p:graphicFrame>
+        <p:nvGraphicFramePr>
+          <p:cNvPr id="9" name="Content Placeholder 8"/>
+          <p:cNvGraphicFramePr>
+            <a:graphicFrameLocks noGrp="1"/>
+          </p:cNvGraphicFramePr>
+          <p:nvPr>
+            <p:ph idx="1"/>
+            <p:extLst>
+              <p:ext uri="{D42A27DB-BD31-4B8C-83A1-F6EECF244321}">
+                <p14:modId xmlns:p14="http://schemas.microsoft.com/office/powerpoint/2010/main" val="234204948"/>
+              </p:ext>
+            </p:extLst>
+          </p:nvPr>
+        </p:nvGraphicFramePr>
+        <p:xfrm>
+          <a:off x="457200" y="914400"/>
+          <a:ext cx="8229600" cy="5211763"/>
+        </p:xfrm>
+        <a:graphic>
+          <a:graphicData uri="http://schemas.openxmlformats.org/drawingml/2006/diagram">
+            <dgm:relIds xmlns:dgm="http://schemas.openxmlformats.org/drawingml/2006/diagram" xmlns:r="http://schemas.openxmlformats.org/officeDocument/2006/relationships" r:dm="rId2" r:lo="rId3" r:qs="rId4" r:cs="rId5"/>
+          </a:graphicData>
+        </a:graphic>
+      </p:graphicFrame>
     </p:spTree>
     <p:extLst>
       <p:ext uri="{BB962C8B-B14F-4D97-AF65-F5344CB8AC3E}">
-        <p14:creationId xmlns:p14="http://schemas.microsoft.com/office/powerpoint/2010/main" val="3972408476"/>
+        <p14:creationId xmlns:p14="http://schemas.microsoft.com/office/powerpoint/2010/main" val="1559235473"/>
       </p:ext>
     </p:extLst>
   </p:cSld>
@@ -45212,288 +41468,14 @@
   <p:timing>
     <p:tnLst>
       <p:par>
-        <p:cTn id="1" dur="indefinite" restart="never" nodeType="tmRoot">
-          <p:childTnLst>
-            <p:seq concurrent="1" nextAc="seek">
-              <p:cTn id="2" dur="indefinite" nodeType="mainSeq">
-                <p:childTnLst>
-                  <p:par>
-                    <p:cTn id="3" fill="hold">
-                      <p:stCondLst>
-                        <p:cond delay="indefinite"/>
-                      </p:stCondLst>
-                      <p:childTnLst>
-                        <p:par>
-                          <p:cTn id="4" fill="hold">
-                            <p:stCondLst>
-                              <p:cond delay="0"/>
-                            </p:stCondLst>
-                            <p:childTnLst>
-                              <p:par>
-                                <p:cTn id="5" presetID="22" presetClass="entr" presetSubtype="4" fill="hold" grpId="0" nodeType="clickEffect">
-                                  <p:stCondLst>
-                                    <p:cond delay="0"/>
-                                  </p:stCondLst>
-                                  <p:childTnLst>
-                                    <p:set>
-                                      <p:cBhvr>
-                                        <p:cTn id="6" dur="1" fill="hold">
-                                          <p:stCondLst>
-                                            <p:cond delay="0"/>
-                                          </p:stCondLst>
-                                        </p:cTn>
-                                        <p:tgtEl>
-                                          <p:spTgt spid="6"/>
-                                        </p:tgtEl>
-                                        <p:attrNameLst>
-                                          <p:attrName>style.visibility</p:attrName>
-                                        </p:attrNameLst>
-                                      </p:cBhvr>
-                                      <p:to>
-                                        <p:strVal val="visible"/>
-                                      </p:to>
-                                    </p:set>
-                                    <p:animEffect transition="in" filter="wipe(down)">
-                                      <p:cBhvr>
-                                        <p:cTn id="7" dur="500"/>
-                                        <p:tgtEl>
-                                          <p:spTgt spid="6"/>
-                                        </p:tgtEl>
-                                      </p:cBhvr>
-                                    </p:animEffect>
-                                  </p:childTnLst>
-                                </p:cTn>
-                              </p:par>
-                              <p:par>
-                                <p:cTn id="8" presetID="22" presetClass="entr" presetSubtype="4" fill="hold" nodeType="withEffect">
-                                  <p:stCondLst>
-                                    <p:cond delay="0"/>
-                                  </p:stCondLst>
-                                  <p:childTnLst>
-                                    <p:set>
-                                      <p:cBhvr>
-                                        <p:cTn id="9" dur="1" fill="hold">
-                                          <p:stCondLst>
-                                            <p:cond delay="0"/>
-                                          </p:stCondLst>
-                                        </p:cTn>
-                                        <p:tgtEl>
-                                          <p:spTgt spid="4"/>
-                                        </p:tgtEl>
-                                        <p:attrNameLst>
-                                          <p:attrName>style.visibility</p:attrName>
-                                        </p:attrNameLst>
-                                      </p:cBhvr>
-                                      <p:to>
-                                        <p:strVal val="visible"/>
-                                      </p:to>
-                                    </p:set>
-                                    <p:animEffect transition="in" filter="wipe(down)">
-                                      <p:cBhvr>
-                                        <p:cTn id="10" dur="500"/>
-                                        <p:tgtEl>
-                                          <p:spTgt spid="4"/>
-                                        </p:tgtEl>
-                                      </p:cBhvr>
-                                    </p:animEffect>
-                                  </p:childTnLst>
-                                </p:cTn>
-                              </p:par>
-                            </p:childTnLst>
-                          </p:cTn>
-                        </p:par>
-                      </p:childTnLst>
-                    </p:cTn>
-                  </p:par>
-                  <p:par>
-                    <p:cTn id="11" fill="hold">
-                      <p:stCondLst>
-                        <p:cond delay="indefinite"/>
-                      </p:stCondLst>
-                      <p:childTnLst>
-                        <p:par>
-                          <p:cTn id="12" fill="hold">
-                            <p:stCondLst>
-                              <p:cond delay="0"/>
-                            </p:stCondLst>
-                            <p:childTnLst>
-                              <p:par>
-                                <p:cTn id="13" presetID="14" presetClass="exit" presetSubtype="10" fill="hold" grpId="1" nodeType="clickEffect">
-                                  <p:stCondLst>
-                                    <p:cond delay="0"/>
-                                  </p:stCondLst>
-                                  <p:childTnLst>
-                                    <p:animEffect transition="out" filter="randombar(horizontal)">
-                                      <p:cBhvr>
-                                        <p:cTn id="14" dur="500"/>
-                                        <p:tgtEl>
-                                          <p:spTgt spid="6"/>
-                                        </p:tgtEl>
-                                      </p:cBhvr>
-                                    </p:animEffect>
-                                    <p:set>
-                                      <p:cBhvr>
-                                        <p:cTn id="15" dur="1" fill="hold">
-                                          <p:stCondLst>
-                                            <p:cond delay="499"/>
-                                          </p:stCondLst>
-                                        </p:cTn>
-                                        <p:tgtEl>
-                                          <p:spTgt spid="6"/>
-                                        </p:tgtEl>
-                                        <p:attrNameLst>
-                                          <p:attrName>style.visibility</p:attrName>
-                                        </p:attrNameLst>
-                                      </p:cBhvr>
-                                      <p:to>
-                                        <p:strVal val="hidden"/>
-                                      </p:to>
-                                    </p:set>
-                                  </p:childTnLst>
-                                </p:cTn>
-                              </p:par>
-                              <p:par>
-                                <p:cTn id="16" presetID="14" presetClass="exit" presetSubtype="10" fill="hold" nodeType="withEffect">
-                                  <p:stCondLst>
-                                    <p:cond delay="0"/>
-                                  </p:stCondLst>
-                                  <p:childTnLst>
-                                    <p:animEffect transition="out" filter="randombar(horizontal)">
-                                      <p:cBhvr>
-                                        <p:cTn id="17" dur="500"/>
-                                        <p:tgtEl>
-                                          <p:spTgt spid="4"/>
-                                        </p:tgtEl>
-                                      </p:cBhvr>
-                                    </p:animEffect>
-                                    <p:set>
-                                      <p:cBhvr>
-                                        <p:cTn id="18" dur="1" fill="hold">
-                                          <p:stCondLst>
-                                            <p:cond delay="499"/>
-                                          </p:stCondLst>
-                                        </p:cTn>
-                                        <p:tgtEl>
-                                          <p:spTgt spid="4"/>
-                                        </p:tgtEl>
-                                        <p:attrNameLst>
-                                          <p:attrName>style.visibility</p:attrName>
-                                        </p:attrNameLst>
-                                      </p:cBhvr>
-                                      <p:to>
-                                        <p:strVal val="hidden"/>
-                                      </p:to>
-                                    </p:set>
-                                  </p:childTnLst>
-                                </p:cTn>
-                              </p:par>
-                              <p:par>
-                                <p:cTn id="19" presetID="14" presetClass="entr" presetSubtype="10" fill="hold" grpId="0" nodeType="withEffect">
-                                  <p:stCondLst>
-                                    <p:cond delay="0"/>
-                                  </p:stCondLst>
-                                  <p:childTnLst>
-                                    <p:set>
-                                      <p:cBhvr>
-                                        <p:cTn id="20" dur="1" fill="hold">
-                                          <p:stCondLst>
-                                            <p:cond delay="0"/>
-                                          </p:stCondLst>
-                                        </p:cTn>
-                                        <p:tgtEl>
-                                          <p:spTgt spid="7"/>
-                                        </p:tgtEl>
-                                        <p:attrNameLst>
-                                          <p:attrName>style.visibility</p:attrName>
-                                        </p:attrNameLst>
-                                      </p:cBhvr>
-                                      <p:to>
-                                        <p:strVal val="visible"/>
-                                      </p:to>
-                                    </p:set>
-                                    <p:animEffect transition="in" filter="randombar(horizontal)">
-                                      <p:cBhvr>
-                                        <p:cTn id="21" dur="500"/>
-                                        <p:tgtEl>
-                                          <p:spTgt spid="7"/>
-                                        </p:tgtEl>
-                                      </p:cBhvr>
-                                    </p:animEffect>
-                                  </p:childTnLst>
-                                </p:cTn>
-                              </p:par>
-                              <p:par>
-                                <p:cTn id="22" presetID="14" presetClass="entr" presetSubtype="10" fill="hold" nodeType="withEffect">
-                                  <p:stCondLst>
-                                    <p:cond delay="0"/>
-                                  </p:stCondLst>
-                                  <p:childTnLst>
-                                    <p:set>
-                                      <p:cBhvr>
-                                        <p:cTn id="23" dur="1" fill="hold">
-                                          <p:stCondLst>
-                                            <p:cond delay="0"/>
-                                          </p:stCondLst>
-                                        </p:cTn>
-                                        <p:tgtEl>
-                                          <p:spTgt spid="13315"/>
-                                        </p:tgtEl>
-                                        <p:attrNameLst>
-                                          <p:attrName>style.visibility</p:attrName>
-                                        </p:attrNameLst>
-                                      </p:cBhvr>
-                                      <p:to>
-                                        <p:strVal val="visible"/>
-                                      </p:to>
-                                    </p:set>
-                                    <p:animEffect transition="in" filter="randombar(horizontal)">
-                                      <p:cBhvr>
-                                        <p:cTn id="24" dur="500"/>
-                                        <p:tgtEl>
-                                          <p:spTgt spid="13315"/>
-                                        </p:tgtEl>
-                                      </p:cBhvr>
-                                    </p:animEffect>
-                                  </p:childTnLst>
-                                </p:cTn>
-                              </p:par>
-                            </p:childTnLst>
-                          </p:cTn>
-                        </p:par>
-                      </p:childTnLst>
-                    </p:cTn>
-                  </p:par>
-                </p:childTnLst>
-              </p:cTn>
-              <p:prevCondLst>
-                <p:cond evt="onPrev" delay="0">
-                  <p:tgtEl>
-                    <p:sldTgt/>
-                  </p:tgtEl>
-                </p:cond>
-              </p:prevCondLst>
-              <p:nextCondLst>
-                <p:cond evt="onNext" delay="0">
-                  <p:tgtEl>
-                    <p:sldTgt/>
-                  </p:tgtEl>
-                </p:cond>
-              </p:nextCondLst>
-            </p:seq>
-          </p:childTnLst>
-        </p:cTn>
+        <p:cTn id="1" dur="indefinite" restart="never" nodeType="tmRoot"/>
       </p:par>
     </p:tnLst>
-    <p:bldLst>
-      <p:bldP spid="6" grpId="0"/>
-      <p:bldP spid="6" grpId="1"/>
-      <p:bldP spid="7" grpId="0"/>
-    </p:bldLst>
   </p:timing>
 </p:sld>
 </file>
 
-<file path=ppt/slides/slide22.xml><?xml version="1.0" encoding="utf-8"?>
+<file path=ppt/slides/slide20.xml><?xml version="1.0" encoding="utf-8"?>
 <p:sld xmlns:a="http://schemas.openxmlformats.org/drawingml/2006/main" xmlns:r="http://schemas.openxmlformats.org/officeDocument/2006/relationships" xmlns:p="http://schemas.openxmlformats.org/presentationml/2006/main">
   <p:cSld>
     <p:spTree>
@@ -45576,14 +41558,14 @@
           <p:nvPr>
             <p:extLst>
               <p:ext uri="{D42A27DB-BD31-4B8C-83A1-F6EECF244321}">
-                <p14:modId xmlns:p14="http://schemas.microsoft.com/office/powerpoint/2010/main" val="1393205006"/>
+                <p14:modId xmlns:p14="http://schemas.microsoft.com/office/powerpoint/2010/main" val="2955293891"/>
               </p:ext>
             </p:extLst>
           </p:nvPr>
         </p:nvGraphicFramePr>
         <p:xfrm>
-          <a:off x="1066800" y="1371600"/>
-          <a:ext cx="7086600" cy="4876800"/>
+          <a:off x="304800" y="1371600"/>
+          <a:ext cx="8458200" cy="4876800"/>
         </p:xfrm>
         <a:graphic>
           <a:graphicData uri="http://schemas.openxmlformats.org/drawingml/2006/diagram">
@@ -45611,7 +41593,7 @@
 </p:sld>
 </file>
 
-<file path=ppt/slides/slide23.xml><?xml version="1.0" encoding="utf-8"?>
+<file path=ppt/slides/slide21.xml><?xml version="1.0" encoding="utf-8"?>
 <p:sld xmlns:a="http://schemas.openxmlformats.org/drawingml/2006/main" xmlns:r="http://schemas.openxmlformats.org/officeDocument/2006/relationships" xmlns:p="http://schemas.openxmlformats.org/presentationml/2006/main">
   <p:cSld>
     <p:spTree>
@@ -45765,7 +41747,7 @@
 </p:sld>
 </file>
 
-<file path=ppt/slides/slide24.xml><?xml version="1.0" encoding="utf-8"?>
+<file path=ppt/slides/slide22.xml><?xml version="1.0" encoding="utf-8"?>
 <p:sld xmlns:a="http://schemas.openxmlformats.org/drawingml/2006/main" xmlns:r="http://schemas.openxmlformats.org/officeDocument/2006/relationships" xmlns:p="http://schemas.openxmlformats.org/presentationml/2006/main">
   <p:cSld>
     <p:spTree>
@@ -45906,7 +41888,7 @@
 </p:sld>
 </file>
 
-<file path=ppt/slides/slide25.xml><?xml version="1.0" encoding="utf-8"?>
+<file path=ppt/slides/slide23.xml><?xml version="1.0" encoding="utf-8"?>
 <p:sld xmlns:a="http://schemas.openxmlformats.org/drawingml/2006/main" xmlns:r="http://schemas.openxmlformats.org/officeDocument/2006/relationships" xmlns:p="http://schemas.openxmlformats.org/presentationml/2006/main">
   <p:cSld>
     <p:spTree>
@@ -46031,7 +42013,7 @@
 </p:sld>
 </file>
 
-<file path=ppt/slides/slide26.xml><?xml version="1.0" encoding="utf-8"?>
+<file path=ppt/slides/slide24.xml><?xml version="1.0" encoding="utf-8"?>
 <p:sld xmlns:a="http://schemas.openxmlformats.org/drawingml/2006/main" xmlns:r="http://schemas.openxmlformats.org/officeDocument/2006/relationships" xmlns:p="http://schemas.openxmlformats.org/presentationml/2006/main">
   <p:cSld>
     <p:spTree>
@@ -46157,7 +42139,7 @@
 </p:sld>
 </file>
 
-<file path=ppt/slides/slide27.xml><?xml version="1.0" encoding="utf-8"?>
+<file path=ppt/slides/slide25.xml><?xml version="1.0" encoding="utf-8"?>
 <p:sld xmlns:a="http://schemas.openxmlformats.org/drawingml/2006/main" xmlns:r="http://schemas.openxmlformats.org/officeDocument/2006/relationships" xmlns:p="http://schemas.openxmlformats.org/presentationml/2006/main">
   <p:cSld>
     <p:spTree>
@@ -46311,7 +42293,7 @@
           <a:graphicData uri="http://schemas.openxmlformats.org/presentationml/2006/ole">
             <mc:AlternateContent xmlns:mc="http://schemas.openxmlformats.org/markup-compatibility/2006">
               <mc:Choice xmlns:v="urn:schemas-microsoft-com:vml" Requires="v">
-                <p:oleObj spid="_x0000_s6286" name="SmartDraw" r:id="rId3" imgW="8703268" imgH="4533499" progId="SmartDraw.2">
+                <p:oleObj spid="_x0000_s6291" name="SmartDraw" r:id="rId3" imgW="8703268" imgH="4533499" progId="SmartDraw.2">
                   <p:embed/>
                 </p:oleObj>
               </mc:Choice>
@@ -46383,7 +42365,7 @@
 </p:sld>
 </file>
 
-<file path=ppt/slides/slide28.xml><?xml version="1.0" encoding="utf-8"?>
+<file path=ppt/slides/slide26.xml><?xml version="1.0" encoding="utf-8"?>
 <p:sld xmlns:a="http://schemas.openxmlformats.org/drawingml/2006/main" xmlns:r="http://schemas.openxmlformats.org/officeDocument/2006/relationships" xmlns:p="http://schemas.openxmlformats.org/presentationml/2006/main">
   <p:cSld>
     <p:spTree>
@@ -46544,7 +42526,7 @@
 </p:sld>
 </file>
 
-<file path=ppt/slides/slide29.xml><?xml version="1.0" encoding="utf-8"?>
+<file path=ppt/slides/slide27.xml><?xml version="1.0" encoding="utf-8"?>
 <p:sld xmlns:a="http://schemas.openxmlformats.org/drawingml/2006/main" xmlns:r="http://schemas.openxmlformats.org/officeDocument/2006/relationships" xmlns:p="http://schemas.openxmlformats.org/presentationml/2006/main">
   <p:cSld>
     <p:spTree>
@@ -48405,159 +44387,7 @@
 </p:sld>
 </file>
 
-<file path=ppt/slides/slide3.xml><?xml version="1.0" encoding="utf-8"?>
-<p:sld xmlns:a="http://schemas.openxmlformats.org/drawingml/2006/main" xmlns:r="http://schemas.openxmlformats.org/officeDocument/2006/relationships" xmlns:p="http://schemas.openxmlformats.org/presentationml/2006/main">
-  <p:cSld>
-    <p:bg>
-      <p:bgPr>
-        <a:solidFill>
-          <a:schemeClr val="bg1">
-            <a:lumMod val="95000"/>
-          </a:schemeClr>
-        </a:solidFill>
-        <a:effectLst/>
-      </p:bgPr>
-    </p:bg>
-    <p:spTree>
-      <p:nvGrpSpPr>
-        <p:cNvPr id="1" name=""/>
-        <p:cNvGrpSpPr/>
-        <p:nvPr/>
-      </p:nvGrpSpPr>
-      <p:grpSpPr>
-        <a:xfrm>
-          <a:off x="0" y="0"/>
-          <a:ext cx="0" cy="0"/>
-          <a:chOff x="0" y="0"/>
-          <a:chExt cx="0" cy="0"/>
-        </a:xfrm>
-      </p:grpSpPr>
-      <p:sp>
-        <p:nvSpPr>
-          <p:cNvPr id="2" name="Title 1"/>
-          <p:cNvSpPr>
-            <a:spLocks noGrp="1"/>
-          </p:cNvSpPr>
-          <p:nvPr>
-            <p:ph type="title"/>
-          </p:nvPr>
-        </p:nvSpPr>
-        <p:spPr>
-          <a:xfrm>
-            <a:off x="419100" y="0"/>
-            <a:ext cx="8229600" cy="630237"/>
-          </a:xfrm>
-        </p:spPr>
-        <p:txBody>
-          <a:bodyPr>
-            <a:normAutofit fontScale="90000"/>
-          </a:bodyPr>
-          <a:lstStyle/>
-          <a:p>
-            <a:r>
-              <a:rPr lang="en-US" dirty="0" smtClean="0"/>
-              <a:t>Roles and Responsibilities</a:t>
-            </a:r>
-            <a:endParaRPr lang="en-US" dirty="0"/>
-          </a:p>
-        </p:txBody>
-      </p:sp>
-      <p:sp>
-        <p:nvSpPr>
-          <p:cNvPr id="3" name="Content Placeholder 2"/>
-          <p:cNvSpPr>
-            <a:spLocks noGrp="1"/>
-          </p:cNvSpPr>
-          <p:nvPr>
-            <p:ph idx="1"/>
-          </p:nvPr>
-        </p:nvSpPr>
-        <p:spPr>
-          <a:xfrm>
-            <a:off x="4572000" y="4267200"/>
-            <a:ext cx="4114800" cy="1858963"/>
-          </a:xfrm>
-        </p:spPr>
-        <p:txBody>
-          <a:bodyPr/>
-          <a:lstStyle/>
-          <a:p>
-            <a:endParaRPr lang="en-US" dirty="0"/>
-          </a:p>
-        </p:txBody>
-      </p:sp>
-      <p:pic>
-        <p:nvPicPr>
-          <p:cNvPr id="4" name="Picture 2" descr="D:\e-learning-website\User\NamKT\role vs responsible.png"/>
-          <p:cNvPicPr>
-            <a:picLocks noChangeAspect="1" noChangeArrowheads="1"/>
-          </p:cNvPicPr>
-          <p:nvPr/>
-        </p:nvPicPr>
-        <p:blipFill>
-          <a:blip r:embed="rId2">
-            <a:clrChange>
-              <a:clrFrom>
-                <a:srgbClr val="FFFFFF"/>
-              </a:clrFrom>
-              <a:clrTo>
-                <a:srgbClr val="FFFFFF">
-                  <a:alpha val="0"/>
-                </a:srgbClr>
-              </a:clrTo>
-            </a:clrChange>
-            <a:extLst>
-              <a:ext uri="{28A0092B-C50C-407E-A947-70E740481C1C}">
-                <a14:useLocalDpi xmlns:a14="http://schemas.microsoft.com/office/drawing/2010/main" val="0"/>
-              </a:ext>
-            </a:extLst>
-          </a:blip>
-          <a:srcRect/>
-          <a:stretch>
-            <a:fillRect/>
-          </a:stretch>
-        </p:blipFill>
-        <p:spPr bwMode="auto">
-          <a:xfrm>
-            <a:off x="947058" y="685800"/>
-            <a:ext cx="7270473" cy="5867400"/>
-          </a:xfrm>
-          <a:prstGeom prst="rect">
-            <a:avLst/>
-          </a:prstGeom>
-          <a:noFill/>
-          <a:extLst>
-            <a:ext uri="{909E8E84-426E-40DD-AFC4-6F175D3DCCD1}">
-              <a14:hiddenFill xmlns:a14="http://schemas.microsoft.com/office/drawing/2010/main">
-                <a:solidFill>
-                  <a:srgbClr val="FFFFFF"/>
-                </a:solidFill>
-              </a14:hiddenFill>
-            </a:ext>
-          </a:extLst>
-        </p:spPr>
-      </p:pic>
-    </p:spTree>
-    <p:extLst>
-      <p:ext uri="{BB962C8B-B14F-4D97-AF65-F5344CB8AC3E}">
-        <p14:creationId xmlns:p14="http://schemas.microsoft.com/office/powerpoint/2010/main" val="3027925592"/>
-      </p:ext>
-    </p:extLst>
-  </p:cSld>
-  <p:clrMapOvr>
-    <a:masterClrMapping/>
-  </p:clrMapOvr>
-  <p:timing>
-    <p:tnLst>
-      <p:par>
-        <p:cTn id="1" dur="indefinite" restart="never" nodeType="tmRoot"/>
-      </p:par>
-    </p:tnLst>
-  </p:timing>
-</p:sld>
-</file>
-
-<file path=ppt/slides/slide30.xml><?xml version="1.0" encoding="utf-8"?>
+<file path=ppt/slides/slide28.xml><?xml version="1.0" encoding="utf-8"?>
 <p:sld xmlns:a="http://schemas.openxmlformats.org/drawingml/2006/main" xmlns:r="http://schemas.openxmlformats.org/officeDocument/2006/relationships" xmlns:p="http://schemas.openxmlformats.org/presentationml/2006/main">
   <p:cSld>
     <p:spTree>
@@ -48796,7 +44626,7 @@
 </p:sld>
 </file>
 
-<file path=ppt/slides/slide31.xml><?xml version="1.0" encoding="utf-8"?>
+<file path=ppt/slides/slide29.xml><?xml version="1.0" encoding="utf-8"?>
 <p:sld xmlns:a="http://schemas.openxmlformats.org/drawingml/2006/main" xmlns:r="http://schemas.openxmlformats.org/officeDocument/2006/relationships" xmlns:p="http://schemas.openxmlformats.org/presentationml/2006/main">
   <p:cSld>
     <p:spTree>
@@ -49968,7 +45798,159 @@
 </p:sld>
 </file>
 
-<file path=ppt/slides/slide32.xml><?xml version="1.0" encoding="utf-8"?>
+<file path=ppt/slides/slide3.xml><?xml version="1.0" encoding="utf-8"?>
+<p:sld xmlns:a="http://schemas.openxmlformats.org/drawingml/2006/main" xmlns:r="http://schemas.openxmlformats.org/officeDocument/2006/relationships" xmlns:p="http://schemas.openxmlformats.org/presentationml/2006/main">
+  <p:cSld>
+    <p:bg>
+      <p:bgPr>
+        <a:solidFill>
+          <a:schemeClr val="bg1">
+            <a:lumMod val="95000"/>
+          </a:schemeClr>
+        </a:solidFill>
+        <a:effectLst/>
+      </p:bgPr>
+    </p:bg>
+    <p:spTree>
+      <p:nvGrpSpPr>
+        <p:cNvPr id="1" name=""/>
+        <p:cNvGrpSpPr/>
+        <p:nvPr/>
+      </p:nvGrpSpPr>
+      <p:grpSpPr>
+        <a:xfrm>
+          <a:off x="0" y="0"/>
+          <a:ext cx="0" cy="0"/>
+          <a:chOff x="0" y="0"/>
+          <a:chExt cx="0" cy="0"/>
+        </a:xfrm>
+      </p:grpSpPr>
+      <p:sp>
+        <p:nvSpPr>
+          <p:cNvPr id="2" name="Title 1"/>
+          <p:cNvSpPr>
+            <a:spLocks noGrp="1"/>
+          </p:cNvSpPr>
+          <p:nvPr>
+            <p:ph type="title"/>
+          </p:nvPr>
+        </p:nvSpPr>
+        <p:spPr>
+          <a:xfrm>
+            <a:off x="419100" y="0"/>
+            <a:ext cx="8229600" cy="630237"/>
+          </a:xfrm>
+        </p:spPr>
+        <p:txBody>
+          <a:bodyPr>
+            <a:normAutofit fontScale="90000"/>
+          </a:bodyPr>
+          <a:lstStyle/>
+          <a:p>
+            <a:r>
+              <a:rPr lang="en-US" dirty="0" smtClean="0"/>
+              <a:t>Roles and Responsibilities</a:t>
+            </a:r>
+            <a:endParaRPr lang="en-US" dirty="0"/>
+          </a:p>
+        </p:txBody>
+      </p:sp>
+      <p:sp>
+        <p:nvSpPr>
+          <p:cNvPr id="3" name="Content Placeholder 2"/>
+          <p:cNvSpPr>
+            <a:spLocks noGrp="1"/>
+          </p:cNvSpPr>
+          <p:nvPr>
+            <p:ph idx="1"/>
+          </p:nvPr>
+        </p:nvSpPr>
+        <p:spPr>
+          <a:xfrm>
+            <a:off x="4572000" y="4267200"/>
+            <a:ext cx="4114800" cy="1858963"/>
+          </a:xfrm>
+        </p:spPr>
+        <p:txBody>
+          <a:bodyPr/>
+          <a:lstStyle/>
+          <a:p>
+            <a:endParaRPr lang="en-US" dirty="0"/>
+          </a:p>
+        </p:txBody>
+      </p:sp>
+      <p:pic>
+        <p:nvPicPr>
+          <p:cNvPr id="4" name="Picture 2" descr="D:\e-learning-website\User\NamKT\role vs responsible.png"/>
+          <p:cNvPicPr>
+            <a:picLocks noChangeAspect="1" noChangeArrowheads="1"/>
+          </p:cNvPicPr>
+          <p:nvPr/>
+        </p:nvPicPr>
+        <p:blipFill>
+          <a:blip r:embed="rId2">
+            <a:clrChange>
+              <a:clrFrom>
+                <a:srgbClr val="FFFFFF"/>
+              </a:clrFrom>
+              <a:clrTo>
+                <a:srgbClr val="FFFFFF">
+                  <a:alpha val="0"/>
+                </a:srgbClr>
+              </a:clrTo>
+            </a:clrChange>
+            <a:extLst>
+              <a:ext uri="{28A0092B-C50C-407E-A947-70E740481C1C}">
+                <a14:useLocalDpi xmlns:a14="http://schemas.microsoft.com/office/drawing/2010/main" val="0"/>
+              </a:ext>
+            </a:extLst>
+          </a:blip>
+          <a:srcRect/>
+          <a:stretch>
+            <a:fillRect/>
+          </a:stretch>
+        </p:blipFill>
+        <p:spPr bwMode="auto">
+          <a:xfrm>
+            <a:off x="947058" y="685800"/>
+            <a:ext cx="7270473" cy="5867400"/>
+          </a:xfrm>
+          <a:prstGeom prst="rect">
+            <a:avLst/>
+          </a:prstGeom>
+          <a:noFill/>
+          <a:extLst>
+            <a:ext uri="{909E8E84-426E-40DD-AFC4-6F175D3DCCD1}">
+              <a14:hiddenFill xmlns:a14="http://schemas.microsoft.com/office/drawing/2010/main">
+                <a:solidFill>
+                  <a:srgbClr val="FFFFFF"/>
+                </a:solidFill>
+              </a14:hiddenFill>
+            </a:ext>
+          </a:extLst>
+        </p:spPr>
+      </p:pic>
+    </p:spTree>
+    <p:extLst>
+      <p:ext uri="{BB962C8B-B14F-4D97-AF65-F5344CB8AC3E}">
+        <p14:creationId xmlns:p14="http://schemas.microsoft.com/office/powerpoint/2010/main" val="3027925592"/>
+      </p:ext>
+    </p:extLst>
+  </p:cSld>
+  <p:clrMapOvr>
+    <a:masterClrMapping/>
+  </p:clrMapOvr>
+  <p:timing>
+    <p:tnLst>
+      <p:par>
+        <p:cTn id="1" dur="indefinite" restart="never" nodeType="tmRoot"/>
+      </p:par>
+    </p:tnLst>
+  </p:timing>
+</p:sld>
+</file>
+
+<file path=ppt/slides/slide30.xml><?xml version="1.0" encoding="utf-8"?>
 <p:sld xmlns:a="http://schemas.openxmlformats.org/drawingml/2006/main" xmlns:r="http://schemas.openxmlformats.org/officeDocument/2006/relationships" xmlns:p="http://schemas.openxmlformats.org/presentationml/2006/main">
   <p:cSld>
     <p:spTree>
@@ -50513,7 +46495,7 @@
 </p:sld>
 </file>
 
-<file path=ppt/slides/slide33.xml><?xml version="1.0" encoding="utf-8"?>
+<file path=ppt/slides/slide31.xml><?xml version="1.0" encoding="utf-8"?>
 <p:sld xmlns:a="http://schemas.openxmlformats.org/drawingml/2006/main" xmlns:r="http://schemas.openxmlformats.org/officeDocument/2006/relationships" xmlns:p="http://schemas.openxmlformats.org/presentationml/2006/main">
   <p:cSld>
     <p:spTree>
@@ -50710,7 +46692,7 @@
 </p:sld>
 </file>
 
-<file path=ppt/slides/slide34.xml><?xml version="1.0" encoding="utf-8"?>
+<file path=ppt/slides/slide32.xml><?xml version="1.0" encoding="utf-8"?>
 <p:sld xmlns:a="http://schemas.openxmlformats.org/drawingml/2006/main" xmlns:r="http://schemas.openxmlformats.org/officeDocument/2006/relationships" xmlns:p="http://schemas.openxmlformats.org/presentationml/2006/main">
   <p:cSld>
     <p:spTree>
@@ -50842,7 +46824,7 @@
 </p:sld>
 </file>
 
-<file path=ppt/slides/slide35.xml><?xml version="1.0" encoding="utf-8"?>
+<file path=ppt/slides/slide33.xml><?xml version="1.0" encoding="utf-8"?>
 <p:sld xmlns:a="http://schemas.openxmlformats.org/drawingml/2006/main" xmlns:r="http://schemas.openxmlformats.org/officeDocument/2006/relationships" xmlns:p="http://schemas.openxmlformats.org/presentationml/2006/main">
   <p:cSld>
     <p:spTree>
@@ -50969,7 +46951,7 @@
 </p:sld>
 </file>
 
-<file path=ppt/slides/slide36.xml><?xml version="1.0" encoding="utf-8"?>
+<file path=ppt/slides/slide34.xml><?xml version="1.0" encoding="utf-8"?>
 <p:sld xmlns:a="http://schemas.openxmlformats.org/drawingml/2006/main" xmlns:r="http://schemas.openxmlformats.org/officeDocument/2006/relationships" xmlns:p="http://schemas.openxmlformats.org/presentationml/2006/main">
   <p:cSld>
     <p:spTree>

--- a/Document/Final report/Slide Present E-Learning.pptx
+++ b/Document/Final report/Slide Present E-Learning.pptx
@@ -5,10 +5,10 @@
     <p:sldMasterId id="2147483658" r:id="rId2"/>
   </p:sldMasterIdLst>
   <p:notesMasterIdLst>
-    <p:notesMasterId r:id="rId40"/>
+    <p:notesMasterId r:id="rId39"/>
   </p:notesMasterIdLst>
   <p:handoutMasterIdLst>
-    <p:handoutMasterId r:id="rId41"/>
+    <p:handoutMasterId r:id="rId40"/>
   </p:handoutMasterIdLst>
   <p:sldIdLst>
     <p:sldId id="256" r:id="rId3"/>
@@ -41,13 +41,12 @@
     <p:sldId id="315" r:id="rId30"/>
     <p:sldId id="313" r:id="rId31"/>
     <p:sldId id="332" r:id="rId32"/>
-    <p:sldId id="346" r:id="rId33"/>
-    <p:sldId id="342" r:id="rId34"/>
-    <p:sldId id="344" r:id="rId35"/>
-    <p:sldId id="317" r:id="rId36"/>
-    <p:sldId id="318" r:id="rId37"/>
-    <p:sldId id="316" r:id="rId38"/>
-    <p:sldId id="276" r:id="rId39"/>
+    <p:sldId id="342" r:id="rId33"/>
+    <p:sldId id="344" r:id="rId34"/>
+    <p:sldId id="317" r:id="rId35"/>
+    <p:sldId id="318" r:id="rId36"/>
+    <p:sldId id="316" r:id="rId37"/>
+    <p:sldId id="276" r:id="rId38"/>
   </p:sldIdLst>
   <p:sldSz cx="9144000" cy="6858000" type="screen4x3"/>
   <p:notesSz cx="6858000" cy="9144000"/>
@@ -5216,7 +5215,7 @@
   <dgm:whole/>
   <dgm:extLst>
     <a:ext uri="http://schemas.microsoft.com/office/drawing/2008/diagram">
-      <dsp:dataModelExt xmlns:dsp="http://schemas.microsoft.com/office/drawing/2008/diagram" relId="rId6" minVer="http://schemas.openxmlformats.org/drawingml/2006/diagram"/>
+      <dsp:dataModelExt xmlns:dsp="http://schemas.microsoft.com/office/drawing/2008/diagram" relId="rId7" minVer="http://schemas.openxmlformats.org/drawingml/2006/diagram"/>
     </a:ext>
   </dgm:extLst>
 </dgm:dataModel>
@@ -7102,8 +7101,8 @@
     <dgm:cxn modelId="{12B3004F-60BA-4665-BC9A-5A958A3DA0A1}" srcId="{4F611995-6CB5-4EC2-9E3E-5F5E80C31DE1}" destId="{4F7A703A-13DD-4162-9684-3EA1C51D153C}" srcOrd="2" destOrd="0" parTransId="{72CC8F81-FD76-4EB5-AD7D-E4EC95961C40}" sibTransId="{49E7FB56-9FA0-40C5-9E1D-22E976E68453}"/>
     <dgm:cxn modelId="{222CD088-671C-4A4E-BD39-52D2C87B83EF}" srcId="{4F611995-6CB5-4EC2-9E3E-5F5E80C31DE1}" destId="{EC9B2AC7-3D82-4802-B955-6031A8DA58DC}" srcOrd="3" destOrd="0" parTransId="{8A9C4A3F-D7E1-4F05-AD89-1C0FAE7AB4B6}" sibTransId="{7C9B635E-05AC-46B0-BC7E-0A6F6A642FF1}"/>
     <dgm:cxn modelId="{89D65320-7EA8-4CD9-8CAD-02EAC1C9DA0C}" type="presOf" srcId="{E38DCEF6-0B98-4F63-A95B-23CC7685C027}" destId="{476FAEC9-493D-4C28-9E1D-9F374EE6892C}" srcOrd="0" destOrd="0" presId="urn:microsoft.com/office/officeart/2005/8/layout/cycle1"/>
+    <dgm:cxn modelId="{DE402A1D-A604-45DD-AE65-3EC3DD7A293C}" type="presOf" srcId="{D7AA5C40-275B-4405-8F71-633226B21572}" destId="{F3411581-F593-4DC4-AAAF-3B0674F4B151}" srcOrd="0" destOrd="0" presId="urn:microsoft.com/office/officeart/2005/8/layout/cycle1"/>
     <dgm:cxn modelId="{FF93975D-0A1F-4AED-A351-A2413D29CBDA}" type="presOf" srcId="{F2EF401E-F67B-499A-BAD9-DEDE5B3BCBF9}" destId="{E8206EB4-164B-4465-99B4-0A3311082895}" srcOrd="0" destOrd="0" presId="urn:microsoft.com/office/officeart/2005/8/layout/cycle1"/>
-    <dgm:cxn modelId="{DE402A1D-A604-45DD-AE65-3EC3DD7A293C}" type="presOf" srcId="{D7AA5C40-275B-4405-8F71-633226B21572}" destId="{F3411581-F593-4DC4-AAAF-3B0674F4B151}" srcOrd="0" destOrd="0" presId="urn:microsoft.com/office/officeart/2005/8/layout/cycle1"/>
     <dgm:cxn modelId="{0F724145-7B76-4F85-A0C1-6E855FF5BEF3}" type="presOf" srcId="{80708F49-8B07-4FAB-B00B-196A6FBC23AC}" destId="{A61056CD-DD52-4ABC-A5CC-EC6E5CCC9D0B}" srcOrd="0" destOrd="0" presId="urn:microsoft.com/office/officeart/2005/8/layout/cycle1"/>
     <dgm:cxn modelId="{C141B449-4302-4CDB-95F2-A1C13E7A0B21}" type="presOf" srcId="{EC9B2AC7-3D82-4802-B955-6031A8DA58DC}" destId="{B3F9D2D5-77F1-466F-9A70-8A94DCDB99BF}" srcOrd="0" destOrd="0" presId="urn:microsoft.com/office/officeart/2005/8/layout/cycle1"/>
     <dgm:cxn modelId="{1901F065-32D3-45F4-A1B8-F43548751C1A}" type="presOf" srcId="{81AF3646-A60F-49E5-BA6B-A6BBAA7ACB1C}" destId="{D7BD7D5B-1DB9-4E53-9D8B-B1E530CADAC6}" srcOrd="0" destOrd="0" presId="urn:microsoft.com/office/officeart/2005/8/layout/cycle1"/>
@@ -11411,6 +11410,603 @@
       <dsp:cNvGrpSpPr/>
     </dsp:nvGrpSpPr>
     <dsp:grpSpPr/>
+    <dsp:sp modelId="{BB84DB34-BA67-4F32-ADA4-2380B8C83095}">
+      <dsp:nvSpPr>
+        <dsp:cNvPr id="0" name=""/>
+        <dsp:cNvSpPr/>
+      </dsp:nvSpPr>
+      <dsp:spPr>
+        <a:xfrm>
+          <a:off x="0" y="0"/>
+          <a:ext cx="8458200" cy="1523999"/>
+        </a:xfrm>
+        <a:prstGeom prst="roundRect">
+          <a:avLst>
+            <a:gd name="adj" fmla="val 10000"/>
+          </a:avLst>
+        </a:prstGeom>
+        <a:solidFill>
+          <a:schemeClr val="accent2">
+            <a:hueOff val="0"/>
+            <a:satOff val="0"/>
+            <a:lumOff val="0"/>
+            <a:alphaOff val="0"/>
+          </a:schemeClr>
+        </a:solidFill>
+        <a:ln w="25400" cap="flat" cmpd="sng" algn="ctr">
+          <a:solidFill>
+            <a:schemeClr val="lt1">
+              <a:hueOff val="0"/>
+              <a:satOff val="0"/>
+              <a:lumOff val="0"/>
+              <a:alphaOff val="0"/>
+            </a:schemeClr>
+          </a:solidFill>
+          <a:prstDash val="solid"/>
+        </a:ln>
+        <a:effectLst/>
+      </dsp:spPr>
+      <dsp:style>
+        <a:lnRef idx="2">
+          <a:scrgbClr r="0" g="0" b="0"/>
+        </a:lnRef>
+        <a:fillRef idx="1">
+          <a:scrgbClr r="0" g="0" b="0"/>
+        </a:fillRef>
+        <a:effectRef idx="0">
+          <a:scrgbClr r="0" g="0" b="0"/>
+        </a:effectRef>
+        <a:fontRef idx="minor">
+          <a:schemeClr val="lt1"/>
+        </a:fontRef>
+      </dsp:style>
+      <dsp:txBody>
+        <a:bodyPr spcFirstLastPara="0" vert="horz" wrap="square" lIns="91440" tIns="91440" rIns="91440" bIns="91440" numCol="1" spcCol="1270" anchor="ctr" anchorCtr="0">
+          <a:noAutofit/>
+        </a:bodyPr>
+        <a:lstStyle/>
+        <a:p>
+          <a:pPr lvl="0" algn="l" defTabSz="1066800">
+            <a:lnSpc>
+              <a:spcPct val="90000"/>
+            </a:lnSpc>
+            <a:spcBef>
+              <a:spcPct val="0"/>
+            </a:spcBef>
+            <a:spcAft>
+              <a:spcPct val="35000"/>
+            </a:spcAft>
+          </a:pPr>
+          <a:r>
+            <a:rPr lang="en-US" sz="2400" b="1" kern="1200" dirty="0" smtClean="0">
+              <a:latin typeface="Corbel (Body)"/>
+            </a:rPr>
+            <a:t>Maintainability</a:t>
+          </a:r>
+          <a:endParaRPr lang="en-US" sz="1900" b="1" kern="1200" dirty="0" smtClean="0">
+            <a:latin typeface="Corbel (Body)"/>
+          </a:endParaRPr>
+        </a:p>
+        <a:p>
+          <a:pPr lvl="0" algn="l" defTabSz="1066800">
+            <a:lnSpc>
+              <a:spcPct val="90000"/>
+            </a:lnSpc>
+            <a:spcBef>
+              <a:spcPct val="0"/>
+            </a:spcBef>
+            <a:spcAft>
+              <a:spcPct val="35000"/>
+            </a:spcAft>
+          </a:pPr>
+          <a:r>
+            <a:rPr lang="en-US" sz="1600" b="1" kern="1200" dirty="0" smtClean="0">
+              <a:latin typeface="Corbel (Body)"/>
+            </a:rPr>
+            <a:t>Changeability</a:t>
+          </a:r>
+          <a:r>
+            <a:rPr lang="en-US" sz="1600" b="0" kern="1200" dirty="0" smtClean="0">
+              <a:latin typeface="Corbel (Body)"/>
+            </a:rPr>
+            <a:t>: Function coded as component of </a:t>
+          </a:r>
+          <a:r>
+            <a:rPr lang="en-US" sz="1600" b="0" kern="1200" dirty="0" err="1" smtClean="0">
+              <a:latin typeface="Corbel (Body)"/>
+            </a:rPr>
+            <a:t>Joomla</a:t>
+          </a:r>
+          <a:r>
+            <a:rPr lang="en-US" sz="1600" b="0" kern="1200" dirty="0" smtClean="0">
+              <a:latin typeface="Corbel (Body)"/>
+            </a:rPr>
+            <a:t>, easy to edit.</a:t>
+          </a:r>
+        </a:p>
+        <a:p>
+          <a:pPr lvl="0" algn="l" defTabSz="1066800">
+            <a:lnSpc>
+              <a:spcPct val="90000"/>
+            </a:lnSpc>
+            <a:spcBef>
+              <a:spcPct val="0"/>
+            </a:spcBef>
+            <a:spcAft>
+              <a:spcPct val="35000"/>
+            </a:spcAft>
+          </a:pPr>
+          <a:r>
+            <a:rPr lang="en-US" sz="1600" b="1" kern="1200" dirty="0" smtClean="0">
+              <a:latin typeface="Corbel (Body)"/>
+            </a:rPr>
+            <a:t>Analyzability</a:t>
+          </a:r>
+          <a:r>
+            <a:rPr lang="en-US" sz="1600" b="0" kern="1200" dirty="0" smtClean="0">
+              <a:latin typeface="Corbel (Body)"/>
+            </a:rPr>
+            <a:t>: Having comment codes to help figure out.</a:t>
+          </a:r>
+          <a:endParaRPr lang="en-US" sz="1600" b="0" kern="1200" dirty="0">
+            <a:latin typeface="Corbel (Body)"/>
+          </a:endParaRPr>
+        </a:p>
+      </dsp:txBody>
+      <dsp:txXfrm>
+        <a:off x="1844040" y="0"/>
+        <a:ext cx="6614160" cy="1523999"/>
+      </dsp:txXfrm>
+    </dsp:sp>
+    <dsp:sp modelId="{BEEFFAAC-A8CD-4433-8EDA-5737C85AB46F}">
+      <dsp:nvSpPr>
+        <dsp:cNvPr id="0" name=""/>
+        <dsp:cNvSpPr/>
+      </dsp:nvSpPr>
+      <dsp:spPr>
+        <a:xfrm>
+          <a:off x="152400" y="152399"/>
+          <a:ext cx="1691640" cy="1219199"/>
+        </a:xfrm>
+        <a:prstGeom prst="roundRect">
+          <a:avLst>
+            <a:gd name="adj" fmla="val 10000"/>
+          </a:avLst>
+        </a:prstGeom>
+        <a:blipFill>
+          <a:blip xmlns:r="http://schemas.openxmlformats.org/officeDocument/2006/relationships" r:embed="rId1">
+            <a:extLst>
+              <a:ext uri="{28A0092B-C50C-407E-A947-70E740481C1C}">
+                <a14:useLocalDpi xmlns:a14="http://schemas.microsoft.com/office/drawing/2010/main" val="0"/>
+              </a:ext>
+            </a:extLst>
+          </a:blip>
+          <a:srcRect/>
+          <a:stretch>
+            <a:fillRect t="-10000" b="-10000"/>
+          </a:stretch>
+        </a:blipFill>
+        <a:ln w="25400" cap="flat" cmpd="sng" algn="ctr">
+          <a:solidFill>
+            <a:schemeClr val="lt1">
+              <a:hueOff val="0"/>
+              <a:satOff val="0"/>
+              <a:lumOff val="0"/>
+              <a:alphaOff val="0"/>
+            </a:schemeClr>
+          </a:solidFill>
+          <a:prstDash val="solid"/>
+        </a:ln>
+        <a:effectLst/>
+      </dsp:spPr>
+      <dsp:style>
+        <a:lnRef idx="2">
+          <a:scrgbClr r="0" g="0" b="0"/>
+        </a:lnRef>
+        <a:fillRef idx="1">
+          <a:scrgbClr r="0" g="0" b="0"/>
+        </a:fillRef>
+        <a:effectRef idx="0">
+          <a:scrgbClr r="0" g="0" b="0"/>
+        </a:effectRef>
+        <a:fontRef idx="minor"/>
+      </dsp:style>
+    </dsp:sp>
+    <dsp:sp modelId="{FF610F31-FA87-446D-9CFF-9000735AAD62}">
+      <dsp:nvSpPr>
+        <dsp:cNvPr id="0" name=""/>
+        <dsp:cNvSpPr/>
+      </dsp:nvSpPr>
+      <dsp:spPr>
+        <a:xfrm>
+          <a:off x="0" y="1676399"/>
+          <a:ext cx="8458200" cy="1523999"/>
+        </a:xfrm>
+        <a:prstGeom prst="roundRect">
+          <a:avLst>
+            <a:gd name="adj" fmla="val 10000"/>
+          </a:avLst>
+        </a:prstGeom>
+        <a:solidFill>
+          <a:schemeClr val="accent3">
+            <a:hueOff val="0"/>
+            <a:satOff val="0"/>
+            <a:lumOff val="0"/>
+            <a:alphaOff val="0"/>
+          </a:schemeClr>
+        </a:solidFill>
+        <a:ln w="25400" cap="flat" cmpd="sng" algn="ctr">
+          <a:solidFill>
+            <a:schemeClr val="lt1">
+              <a:hueOff val="0"/>
+              <a:satOff val="0"/>
+              <a:lumOff val="0"/>
+              <a:alphaOff val="0"/>
+            </a:schemeClr>
+          </a:solidFill>
+          <a:prstDash val="solid"/>
+        </a:ln>
+        <a:effectLst/>
+      </dsp:spPr>
+      <dsp:style>
+        <a:lnRef idx="2">
+          <a:scrgbClr r="0" g="0" b="0"/>
+        </a:lnRef>
+        <a:fillRef idx="1">
+          <a:scrgbClr r="0" g="0" b="0"/>
+        </a:fillRef>
+        <a:effectRef idx="0">
+          <a:scrgbClr r="0" g="0" b="0"/>
+        </a:effectRef>
+        <a:fontRef idx="minor">
+          <a:schemeClr val="lt1"/>
+        </a:fontRef>
+      </dsp:style>
+      <dsp:txBody>
+        <a:bodyPr spcFirstLastPara="0" vert="horz" wrap="square" lIns="91440" tIns="91440" rIns="91440" bIns="91440" numCol="1" spcCol="1270" anchor="ctr" anchorCtr="0">
+          <a:noAutofit/>
+        </a:bodyPr>
+        <a:lstStyle/>
+        <a:p>
+          <a:pPr lvl="0" algn="l" defTabSz="1066800">
+            <a:lnSpc>
+              <a:spcPct val="90000"/>
+            </a:lnSpc>
+            <a:spcBef>
+              <a:spcPct val="0"/>
+            </a:spcBef>
+            <a:spcAft>
+              <a:spcPct val="35000"/>
+            </a:spcAft>
+          </a:pPr>
+          <a:r>
+            <a:rPr lang="en-US" sz="2400" b="1" kern="1200" dirty="0" smtClean="0">
+              <a:latin typeface="Corbel (Body)"/>
+            </a:rPr>
+            <a:t>Usability</a:t>
+          </a:r>
+          <a:endParaRPr lang="en-US" sz="1800" b="1" kern="1200" dirty="0" smtClean="0">
+            <a:latin typeface="Corbel (Body)"/>
+          </a:endParaRPr>
+        </a:p>
+        <a:p>
+          <a:pPr lvl="0" algn="l" defTabSz="1066800">
+            <a:lnSpc>
+              <a:spcPct val="90000"/>
+            </a:lnSpc>
+            <a:spcBef>
+              <a:spcPct val="0"/>
+            </a:spcBef>
+            <a:spcAft>
+              <a:spcPct val="35000"/>
+            </a:spcAft>
+          </a:pPr>
+          <a:r>
+            <a:rPr lang="en-US" sz="1400" b="1" kern="1200" dirty="0" smtClean="0">
+              <a:latin typeface="Corbel (Body)"/>
+            </a:rPr>
+            <a:t>Learnability</a:t>
+          </a:r>
+          <a:r>
+            <a:rPr lang="en-US" sz="1400" b="0" kern="1200" dirty="0" smtClean="0">
+              <a:latin typeface="Corbel (Body)"/>
+            </a:rPr>
+            <a:t>: Content and Question design easy to study with high school student.</a:t>
+          </a:r>
+        </a:p>
+        <a:p>
+          <a:pPr lvl="0" algn="l" defTabSz="1066800">
+            <a:lnSpc>
+              <a:spcPct val="90000"/>
+            </a:lnSpc>
+            <a:spcBef>
+              <a:spcPct val="0"/>
+            </a:spcBef>
+            <a:spcAft>
+              <a:spcPct val="35000"/>
+            </a:spcAft>
+          </a:pPr>
+          <a:r>
+            <a:rPr lang="en-US" sz="1400" b="1" kern="1200" dirty="0" smtClean="0">
+              <a:latin typeface="Corbel (Body)"/>
+            </a:rPr>
+            <a:t>Understandability</a:t>
+          </a:r>
+          <a:r>
+            <a:rPr lang="en-US" sz="1400" b="0" kern="1200" dirty="0" smtClean="0">
+              <a:latin typeface="Corbel (Body)"/>
+            </a:rPr>
+            <a:t>: Control in front page has small numbers and clear meaning.</a:t>
+          </a:r>
+          <a:endParaRPr lang="en-US" sz="1400" b="0" kern="1200" dirty="0">
+            <a:latin typeface="Corbel (Body)"/>
+          </a:endParaRPr>
+        </a:p>
+      </dsp:txBody>
+      <dsp:txXfrm>
+        <a:off x="1844040" y="1676399"/>
+        <a:ext cx="6614160" cy="1523999"/>
+      </dsp:txXfrm>
+    </dsp:sp>
+    <dsp:sp modelId="{5D1ADF10-2035-412E-BD2F-4CE3F3CD30BA}">
+      <dsp:nvSpPr>
+        <dsp:cNvPr id="0" name=""/>
+        <dsp:cNvSpPr/>
+      </dsp:nvSpPr>
+      <dsp:spPr>
+        <a:xfrm>
+          <a:off x="152400" y="1828799"/>
+          <a:ext cx="1691640" cy="1219199"/>
+        </a:xfrm>
+        <a:prstGeom prst="roundRect">
+          <a:avLst>
+            <a:gd name="adj" fmla="val 10000"/>
+          </a:avLst>
+        </a:prstGeom>
+        <a:blipFill>
+          <a:blip xmlns:r="http://schemas.openxmlformats.org/officeDocument/2006/relationships" r:embed="rId2" cstate="print">
+            <a:extLst>
+              <a:ext uri="{28A0092B-C50C-407E-A947-70E740481C1C}">
+                <a14:useLocalDpi xmlns:a14="http://schemas.microsoft.com/office/drawing/2010/main" val="0"/>
+              </a:ext>
+            </a:extLst>
+          </a:blip>
+          <a:srcRect/>
+          <a:stretch>
+            <a:fillRect t="-1000" b="-1000"/>
+          </a:stretch>
+        </a:blipFill>
+        <a:ln w="25400" cap="flat" cmpd="sng" algn="ctr">
+          <a:solidFill>
+            <a:schemeClr val="lt1">
+              <a:hueOff val="0"/>
+              <a:satOff val="0"/>
+              <a:lumOff val="0"/>
+              <a:alphaOff val="0"/>
+            </a:schemeClr>
+          </a:solidFill>
+          <a:prstDash val="solid"/>
+        </a:ln>
+        <a:effectLst/>
+      </dsp:spPr>
+      <dsp:style>
+        <a:lnRef idx="2">
+          <a:scrgbClr r="0" g="0" b="0"/>
+        </a:lnRef>
+        <a:fillRef idx="1">
+          <a:scrgbClr r="0" g="0" b="0"/>
+        </a:fillRef>
+        <a:effectRef idx="0">
+          <a:scrgbClr r="0" g="0" b="0"/>
+        </a:effectRef>
+        <a:fontRef idx="minor"/>
+      </dsp:style>
+    </dsp:sp>
+    <dsp:sp modelId="{B38D2954-72D7-492A-A848-44DFE336F0E0}">
+      <dsp:nvSpPr>
+        <dsp:cNvPr id="0" name=""/>
+        <dsp:cNvSpPr/>
+      </dsp:nvSpPr>
+      <dsp:spPr>
+        <a:xfrm>
+          <a:off x="0" y="3352799"/>
+          <a:ext cx="8458200" cy="1523999"/>
+        </a:xfrm>
+        <a:prstGeom prst="roundRect">
+          <a:avLst>
+            <a:gd name="adj" fmla="val 10000"/>
+          </a:avLst>
+        </a:prstGeom>
+        <a:solidFill>
+          <a:schemeClr val="accent4">
+            <a:hueOff val="0"/>
+            <a:satOff val="0"/>
+            <a:lumOff val="0"/>
+            <a:alphaOff val="0"/>
+          </a:schemeClr>
+        </a:solidFill>
+        <a:ln w="25400" cap="flat" cmpd="sng" algn="ctr">
+          <a:solidFill>
+            <a:schemeClr val="lt1">
+              <a:hueOff val="0"/>
+              <a:satOff val="0"/>
+              <a:lumOff val="0"/>
+              <a:alphaOff val="0"/>
+            </a:schemeClr>
+          </a:solidFill>
+          <a:prstDash val="solid"/>
+        </a:ln>
+        <a:effectLst/>
+      </dsp:spPr>
+      <dsp:style>
+        <a:lnRef idx="2">
+          <a:scrgbClr r="0" g="0" b="0"/>
+        </a:lnRef>
+        <a:fillRef idx="1">
+          <a:scrgbClr r="0" g="0" b="0"/>
+        </a:fillRef>
+        <a:effectRef idx="0">
+          <a:scrgbClr r="0" g="0" b="0"/>
+        </a:effectRef>
+        <a:fontRef idx="minor">
+          <a:schemeClr val="lt1"/>
+        </a:fontRef>
+      </dsp:style>
+      <dsp:txBody>
+        <a:bodyPr spcFirstLastPara="0" vert="horz" wrap="square" lIns="91440" tIns="91440" rIns="91440" bIns="91440" numCol="1" spcCol="1270" anchor="ctr" anchorCtr="0">
+          <a:noAutofit/>
+        </a:bodyPr>
+        <a:lstStyle/>
+        <a:p>
+          <a:pPr lvl="0" algn="l" defTabSz="1066800">
+            <a:lnSpc>
+              <a:spcPct val="90000"/>
+            </a:lnSpc>
+            <a:spcBef>
+              <a:spcPct val="0"/>
+            </a:spcBef>
+            <a:spcAft>
+              <a:spcPct val="35000"/>
+            </a:spcAft>
+          </a:pPr>
+          <a:r>
+            <a:rPr lang="en-US" sz="2400" b="1" kern="1200" dirty="0" smtClean="0">
+              <a:latin typeface="Corbel (Body)"/>
+            </a:rPr>
+            <a:t>Portability</a:t>
+          </a:r>
+          <a:endParaRPr lang="en-US" sz="1800" b="1" kern="1200" dirty="0" smtClean="0">
+            <a:latin typeface="Corbel (Body)"/>
+          </a:endParaRPr>
+        </a:p>
+        <a:p>
+          <a:pPr lvl="0" algn="l" defTabSz="1066800">
+            <a:lnSpc>
+              <a:spcPct val="90000"/>
+            </a:lnSpc>
+            <a:spcBef>
+              <a:spcPct val="0"/>
+            </a:spcBef>
+            <a:spcAft>
+              <a:spcPct val="35000"/>
+            </a:spcAft>
+          </a:pPr>
+          <a:r>
+            <a:rPr lang="en-US" sz="1400" b="1" kern="1200" dirty="0" smtClean="0">
+              <a:latin typeface="Corbel (Body)"/>
+            </a:rPr>
+            <a:t>Adaptability</a:t>
+          </a:r>
+          <a:r>
+            <a:rPr lang="en-US" sz="1400" b="0" kern="1200" dirty="0" smtClean="0">
+              <a:latin typeface="Corbel (Body)"/>
+            </a:rPr>
+            <a:t>: Using PHP to develop, can use in many </a:t>
+          </a:r>
+          <a:r>
+            <a:rPr lang="en-US" sz="1400" b="0" kern="1200" dirty="0" err="1" smtClean="0">
+              <a:latin typeface="Corbel (Body)"/>
+            </a:rPr>
+            <a:t>plattform</a:t>
+          </a:r>
+          <a:endParaRPr lang="en-US" sz="1400" b="0" kern="1200" dirty="0" smtClean="0">
+            <a:latin typeface="Corbel (Body)"/>
+          </a:endParaRPr>
+        </a:p>
+        <a:p>
+          <a:pPr lvl="0" algn="l" defTabSz="1066800">
+            <a:lnSpc>
+              <a:spcPct val="90000"/>
+            </a:lnSpc>
+            <a:spcBef>
+              <a:spcPct val="0"/>
+            </a:spcBef>
+            <a:spcAft>
+              <a:spcPct val="35000"/>
+            </a:spcAft>
+          </a:pPr>
+          <a:r>
+            <a:rPr lang="vi-VN" sz="1400" b="1" kern="1200" dirty="0" smtClean="0">
+              <a:latin typeface="Corbel (Body)"/>
+            </a:rPr>
+            <a:t>Replaceability</a:t>
+          </a:r>
+          <a:r>
+            <a:rPr lang="vi-VN" sz="1400" b="0" kern="1200" dirty="0" smtClean="0">
+              <a:latin typeface="Corbel (Body)"/>
+            </a:rPr>
+            <a:t>: Component/Module use in Joomla can replace independent</a:t>
+          </a:r>
+          <a:r>
+            <a:rPr lang="en-US" sz="1400" b="0" kern="1200" dirty="0" smtClean="0">
+              <a:latin typeface="Corbel (Body)"/>
+            </a:rPr>
+            <a:t>.</a:t>
+          </a:r>
+          <a:endParaRPr lang="en-US" sz="1400" b="0" kern="1200" dirty="0">
+            <a:latin typeface="Corbel (Body)"/>
+          </a:endParaRPr>
+        </a:p>
+      </dsp:txBody>
+      <dsp:txXfrm>
+        <a:off x="1844040" y="3352799"/>
+        <a:ext cx="6614160" cy="1523999"/>
+      </dsp:txXfrm>
+    </dsp:sp>
+    <dsp:sp modelId="{4FF0269B-E64D-46EF-A86E-48F866FA13F4}">
+      <dsp:nvSpPr>
+        <dsp:cNvPr id="0" name=""/>
+        <dsp:cNvSpPr/>
+      </dsp:nvSpPr>
+      <dsp:spPr>
+        <a:xfrm>
+          <a:off x="152400" y="3505199"/>
+          <a:ext cx="1691640" cy="1219199"/>
+        </a:xfrm>
+        <a:prstGeom prst="roundRect">
+          <a:avLst>
+            <a:gd name="adj" fmla="val 10000"/>
+          </a:avLst>
+        </a:prstGeom>
+        <a:blipFill>
+          <a:blip xmlns:r="http://schemas.openxmlformats.org/officeDocument/2006/relationships" r:embed="rId3">
+            <a:extLst>
+              <a:ext uri="{28A0092B-C50C-407E-A947-70E740481C1C}">
+                <a14:useLocalDpi xmlns:a14="http://schemas.microsoft.com/office/drawing/2010/main" val="0"/>
+              </a:ext>
+            </a:extLst>
+          </a:blip>
+          <a:srcRect/>
+          <a:stretch>
+            <a:fillRect l="-4000" r="-4000"/>
+          </a:stretch>
+        </a:blipFill>
+        <a:ln w="25400" cap="flat" cmpd="sng" algn="ctr">
+          <a:solidFill>
+            <a:schemeClr val="lt1">
+              <a:hueOff val="0"/>
+              <a:satOff val="0"/>
+              <a:lumOff val="0"/>
+              <a:alphaOff val="0"/>
+            </a:schemeClr>
+          </a:solidFill>
+          <a:prstDash val="solid"/>
+        </a:ln>
+        <a:effectLst/>
+      </dsp:spPr>
+      <dsp:style>
+        <a:lnRef idx="2">
+          <a:scrgbClr r="0" g="0" b="0"/>
+        </a:lnRef>
+        <a:fillRef idx="1">
+          <a:scrgbClr r="0" g="0" b="0"/>
+        </a:fillRef>
+        <a:effectRef idx="0">
+          <a:scrgbClr r="0" g="0" b="0"/>
+        </a:effectRef>
+        <a:fontRef idx="minor"/>
+      </dsp:style>
+    </dsp:sp>
   </dsp:spTree>
 </dsp:drawing>
 </file>
@@ -18312,12 +18908,767 @@
         </p:nvSpPr>
         <p:spPr/>
         <p:txBody>
-          <a:bodyPr>
-            <a:normAutofit/>
-          </a:bodyPr>
+          <a:bodyPr/>
           <a:lstStyle/>
           <a:p>
-            <a:endParaRPr lang="vi-VN"/>
+            <a:endParaRPr lang="en-US"/>
+          </a:p>
+        </p:txBody>
+      </p:sp>
+      <p:sp>
+        <p:nvSpPr>
+          <p:cNvPr id="4" name="Footer Placeholder 3"/>
+          <p:cNvSpPr>
+            <a:spLocks noGrp="1"/>
+          </p:cNvSpPr>
+          <p:nvPr>
+            <p:ph type="ftr" sz="quarter" idx="10"/>
+          </p:nvPr>
+        </p:nvSpPr>
+        <p:spPr/>
+        <p:txBody>
+          <a:bodyPr/>
+          <a:lstStyle/>
+          <a:p>
+            <a:endParaRPr lang="en-US"/>
+          </a:p>
+        </p:txBody>
+      </p:sp>
+      <p:sp>
+        <p:nvSpPr>
+          <p:cNvPr id="5" name="Slide Number Placeholder 4"/>
+          <p:cNvSpPr>
+            <a:spLocks noGrp="1"/>
+          </p:cNvSpPr>
+          <p:nvPr>
+            <p:ph type="sldNum" sz="quarter" idx="11"/>
+          </p:nvPr>
+        </p:nvSpPr>
+        <p:spPr/>
+        <p:txBody>
+          <a:bodyPr/>
+          <a:lstStyle/>
+          <a:p>
+            <a:fld id="{94349F02-7B7E-4405-841E-9FEA710E9D5A}" type="slidenum">
+              <a:rPr lang="en-US" smtClean="0"/>
+              <a:pPr/>
+              <a:t>2</a:t>
+            </a:fld>
+            <a:endParaRPr lang="en-US"/>
+          </a:p>
+        </p:txBody>
+      </p:sp>
+    </p:spTree>
+    <p:extLst>
+      <p:ext uri="{BB962C8B-B14F-4D97-AF65-F5344CB8AC3E}">
+        <p14:creationId xmlns:p14="http://schemas.microsoft.com/office/powerpoint/2010/main" val="1963419152"/>
+      </p:ext>
+    </p:extLst>
+  </p:cSld>
+  <p:clrMapOvr>
+    <a:masterClrMapping/>
+  </p:clrMapOvr>
+</p:notes>
+</file>
+
+<file path=ppt/notesSlides/notesSlide10.xml><?xml version="1.0" encoding="utf-8"?>
+<p:notes xmlns:a="http://schemas.openxmlformats.org/drawingml/2006/main" xmlns:r="http://schemas.openxmlformats.org/officeDocument/2006/relationships" xmlns:p="http://schemas.openxmlformats.org/presentationml/2006/main">
+  <p:cSld>
+    <p:spTree>
+      <p:nvGrpSpPr>
+        <p:cNvPr id="1" name=""/>
+        <p:cNvGrpSpPr/>
+        <p:nvPr/>
+      </p:nvGrpSpPr>
+      <p:grpSpPr>
+        <a:xfrm>
+          <a:off x="0" y="0"/>
+          <a:ext cx="0" cy="0"/>
+          <a:chOff x="0" y="0"/>
+          <a:chExt cx="0" cy="0"/>
+        </a:xfrm>
+      </p:grpSpPr>
+      <p:sp>
+        <p:nvSpPr>
+          <p:cNvPr id="2" name="Slide Image Placeholder 1"/>
+          <p:cNvSpPr>
+            <a:spLocks noGrp="1" noRot="1" noChangeAspect="1"/>
+          </p:cNvSpPr>
+          <p:nvPr>
+            <p:ph type="sldImg"/>
+          </p:nvPr>
+        </p:nvSpPr>
+        <p:spPr/>
+      </p:sp>
+      <p:sp>
+        <p:nvSpPr>
+          <p:cNvPr id="3" name="Notes Placeholder 2"/>
+          <p:cNvSpPr>
+            <a:spLocks noGrp="1"/>
+          </p:cNvSpPr>
+          <p:nvPr>
+            <p:ph type="body" idx="1"/>
+          </p:nvPr>
+        </p:nvSpPr>
+        <p:spPr/>
+        <p:txBody>
+          <a:bodyPr/>
+          <a:lstStyle/>
+          <a:p>
+            <a:r>
+              <a:rPr lang="en-US" dirty="0" err="1" smtClean="0"/>
+              <a:t>Nhóm</a:t>
+            </a:r>
+            <a:r>
+              <a:rPr lang="en-US" baseline="0" dirty="0" smtClean="0"/>
+              <a:t> e </a:t>
+            </a:r>
+            <a:r>
+              <a:rPr lang="en-US" baseline="0" dirty="0" err="1" smtClean="0"/>
+              <a:t>sử</a:t>
+            </a:r>
+            <a:r>
+              <a:rPr lang="en-US" baseline="0" dirty="0" smtClean="0"/>
+              <a:t> </a:t>
+            </a:r>
+            <a:r>
+              <a:rPr lang="en-US" baseline="0" dirty="0" err="1" smtClean="0"/>
+              <a:t>dụng</a:t>
+            </a:r>
+            <a:r>
+              <a:rPr lang="en-US" baseline="0" dirty="0" smtClean="0"/>
+              <a:t> email </a:t>
+            </a:r>
+            <a:r>
+              <a:rPr lang="en-US" baseline="0" dirty="0" err="1" smtClean="0"/>
+              <a:t>để</a:t>
+            </a:r>
+            <a:r>
+              <a:rPr lang="en-US" baseline="0" dirty="0" smtClean="0"/>
+              <a:t> </a:t>
+            </a:r>
+            <a:r>
+              <a:rPr lang="en-US" baseline="0" dirty="0" err="1" smtClean="0"/>
+              <a:t>phân</a:t>
+            </a:r>
+            <a:r>
+              <a:rPr lang="en-US" baseline="0" dirty="0" smtClean="0"/>
+              <a:t> </a:t>
+            </a:r>
+            <a:r>
+              <a:rPr lang="en-US" baseline="0" dirty="0" err="1" smtClean="0"/>
+              <a:t>công</a:t>
+            </a:r>
+            <a:r>
+              <a:rPr lang="en-US" baseline="0" dirty="0" smtClean="0"/>
+              <a:t> </a:t>
+            </a:r>
+            <a:r>
+              <a:rPr lang="en-US" baseline="0" dirty="0" err="1" smtClean="0"/>
+              <a:t>công</a:t>
+            </a:r>
+            <a:r>
+              <a:rPr lang="en-US" baseline="0" dirty="0" smtClean="0"/>
+              <a:t> </a:t>
+            </a:r>
+            <a:r>
+              <a:rPr lang="en-US" baseline="0" dirty="0" err="1" smtClean="0"/>
+              <a:t>việc</a:t>
+            </a:r>
+            <a:r>
+              <a:rPr lang="en-US" baseline="0" dirty="0" smtClean="0"/>
+              <a:t>, </a:t>
+            </a:r>
+            <a:r>
+              <a:rPr lang="en-US" baseline="0" dirty="0" err="1" smtClean="0"/>
+              <a:t>dt</a:t>
+            </a:r>
+            <a:r>
+              <a:rPr lang="en-US" baseline="0" dirty="0" smtClean="0"/>
+              <a:t> </a:t>
+            </a:r>
+            <a:r>
+              <a:rPr lang="en-US" baseline="0" dirty="0" err="1" smtClean="0"/>
+              <a:t>và</a:t>
+            </a:r>
+            <a:r>
+              <a:rPr lang="en-US" baseline="0" dirty="0" smtClean="0"/>
+              <a:t> </a:t>
+            </a:r>
+            <a:r>
+              <a:rPr lang="en-US" baseline="0" dirty="0" err="1" smtClean="0"/>
+              <a:t>nik</a:t>
+            </a:r>
+            <a:r>
+              <a:rPr lang="en-US" baseline="0" dirty="0" smtClean="0"/>
+              <a:t> chat </a:t>
+            </a:r>
+            <a:r>
+              <a:rPr lang="en-US" baseline="0" dirty="0" err="1" smtClean="0"/>
+              <a:t>để</a:t>
+            </a:r>
+            <a:r>
+              <a:rPr lang="en-US" baseline="0" dirty="0" smtClean="0"/>
+              <a:t> </a:t>
+            </a:r>
+            <a:r>
+              <a:rPr lang="en-US" baseline="0" dirty="0" err="1" smtClean="0"/>
+              <a:t>liên</a:t>
+            </a:r>
+            <a:r>
+              <a:rPr lang="en-US" baseline="0" dirty="0" smtClean="0"/>
+              <a:t> </a:t>
+            </a:r>
+            <a:r>
+              <a:rPr lang="en-US" baseline="0" dirty="0" err="1" smtClean="0"/>
+              <a:t>lạc</a:t>
+            </a:r>
+            <a:r>
+              <a:rPr lang="en-US" baseline="0" dirty="0" smtClean="0"/>
+              <a:t>, </a:t>
+            </a:r>
+            <a:r>
+              <a:rPr lang="en-US" baseline="0" dirty="0" err="1" smtClean="0"/>
+              <a:t>và</a:t>
+            </a:r>
+            <a:r>
+              <a:rPr lang="en-US" baseline="0" dirty="0" smtClean="0"/>
+              <a:t> </a:t>
+            </a:r>
+            <a:r>
+              <a:rPr lang="en-US" baseline="0" dirty="0" err="1" smtClean="0"/>
+              <a:t>mỗi</a:t>
+            </a:r>
+            <a:r>
+              <a:rPr lang="en-US" baseline="0" dirty="0" smtClean="0"/>
+              <a:t> </a:t>
+            </a:r>
+            <a:r>
+              <a:rPr lang="en-US" baseline="0" dirty="0" err="1" smtClean="0"/>
+              <a:t>tuần</a:t>
+            </a:r>
+            <a:r>
+              <a:rPr lang="en-US" baseline="0" dirty="0" smtClean="0"/>
+              <a:t> </a:t>
+            </a:r>
+            <a:r>
+              <a:rPr lang="en-US" baseline="0" dirty="0" err="1" smtClean="0"/>
+              <a:t>nhóm</a:t>
+            </a:r>
+            <a:r>
+              <a:rPr lang="en-US" baseline="0" dirty="0" smtClean="0"/>
+              <a:t> e </a:t>
+            </a:r>
+            <a:r>
+              <a:rPr lang="en-US" baseline="0" dirty="0" err="1" smtClean="0"/>
+              <a:t>làm</a:t>
+            </a:r>
+            <a:r>
+              <a:rPr lang="en-US" baseline="0" dirty="0" smtClean="0"/>
+              <a:t> </a:t>
+            </a:r>
+            <a:r>
+              <a:rPr lang="en-US" baseline="0" dirty="0" err="1" smtClean="0"/>
+              <a:t>việc</a:t>
+            </a:r>
+            <a:r>
+              <a:rPr lang="en-US" baseline="0" dirty="0" smtClean="0"/>
+              <a:t> 6 </a:t>
+            </a:r>
+            <a:r>
+              <a:rPr lang="en-US" baseline="0" dirty="0" err="1" smtClean="0"/>
+              <a:t>ngày</a:t>
+            </a:r>
+            <a:r>
+              <a:rPr lang="en-US" baseline="0" dirty="0" smtClean="0"/>
+              <a:t>, </a:t>
+            </a:r>
+            <a:r>
+              <a:rPr lang="en-US" baseline="0" dirty="0" err="1" smtClean="0"/>
+              <a:t>và</a:t>
+            </a:r>
+            <a:r>
+              <a:rPr lang="en-US" baseline="0" dirty="0" smtClean="0"/>
+              <a:t> </a:t>
+            </a:r>
+            <a:r>
+              <a:rPr lang="en-US" baseline="0" dirty="0" err="1" smtClean="0"/>
+              <a:t>mỗi</a:t>
+            </a:r>
+            <a:r>
+              <a:rPr lang="en-US" baseline="0" dirty="0" smtClean="0"/>
+              <a:t> </a:t>
+            </a:r>
+            <a:r>
+              <a:rPr lang="en-US" baseline="0" dirty="0" err="1" smtClean="0"/>
+              <a:t>ngày</a:t>
+            </a:r>
+            <a:r>
+              <a:rPr lang="en-US" baseline="0" dirty="0" smtClean="0"/>
+              <a:t> 8 </a:t>
+            </a:r>
+            <a:r>
+              <a:rPr lang="en-US" baseline="0" dirty="0" err="1" smtClean="0"/>
+              <a:t>tiếng</a:t>
+            </a:r>
+            <a:r>
+              <a:rPr lang="en-US" baseline="0" dirty="0" smtClean="0"/>
+              <a:t>, </a:t>
+            </a:r>
+            <a:r>
+              <a:rPr lang="en-US" baseline="0" dirty="0" err="1" smtClean="0"/>
+              <a:t>và</a:t>
+            </a:r>
+            <a:r>
+              <a:rPr lang="en-US" baseline="0" dirty="0" smtClean="0"/>
+              <a:t> </a:t>
+            </a:r>
+            <a:r>
+              <a:rPr lang="en-US" baseline="0" dirty="0" err="1" smtClean="0"/>
+              <a:t>dành</a:t>
+            </a:r>
+            <a:r>
+              <a:rPr lang="en-US" baseline="0" dirty="0" smtClean="0"/>
+              <a:t> </a:t>
+            </a:r>
+            <a:r>
+              <a:rPr lang="en-US" baseline="0" dirty="0" err="1" smtClean="0"/>
+              <a:t>ra</a:t>
+            </a:r>
+            <a:r>
+              <a:rPr lang="en-US" baseline="0" dirty="0" smtClean="0"/>
+              <a:t> 2 </a:t>
+            </a:r>
+            <a:r>
+              <a:rPr lang="en-US" baseline="0" dirty="0" err="1" smtClean="0"/>
+              <a:t>buổi</a:t>
+            </a:r>
+            <a:r>
+              <a:rPr lang="en-US" baseline="0" dirty="0" smtClean="0"/>
+              <a:t> </a:t>
+            </a:r>
+            <a:r>
+              <a:rPr lang="en-US" baseline="0" dirty="0" err="1" smtClean="0"/>
+              <a:t>để</a:t>
+            </a:r>
+            <a:r>
+              <a:rPr lang="en-US" baseline="0" dirty="0" smtClean="0"/>
+              <a:t> </a:t>
+            </a:r>
+            <a:r>
+              <a:rPr lang="en-US" baseline="0" dirty="0" err="1" smtClean="0"/>
+              <a:t>họp</a:t>
+            </a:r>
+            <a:r>
+              <a:rPr lang="en-US" baseline="0" dirty="0" smtClean="0"/>
+              <a:t> </a:t>
+            </a:r>
+            <a:r>
+              <a:rPr lang="en-US" baseline="0" dirty="0" err="1" smtClean="0"/>
+              <a:t>nhóm</a:t>
+            </a:r>
+            <a:r>
+              <a:rPr lang="en-US" baseline="0" dirty="0" smtClean="0"/>
+              <a:t>.</a:t>
+            </a:r>
+            <a:endParaRPr lang="en-US" dirty="0" smtClean="0"/>
+          </a:p>
+          <a:p>
+            <a:endParaRPr lang="en-US" dirty="0" smtClean="0"/>
+          </a:p>
+          <a:p>
+            <a:endParaRPr lang="en-US" dirty="0" smtClean="0"/>
+          </a:p>
+          <a:p>
+            <a:endParaRPr lang="en-US" dirty="0" smtClean="0"/>
+          </a:p>
+          <a:p>
+            <a:endParaRPr lang="en-US" dirty="0" smtClean="0"/>
+          </a:p>
+          <a:p>
+            <a:r>
+              <a:rPr lang="en-US" dirty="0" err="1" smtClean="0"/>
+              <a:t>Dt</a:t>
+            </a:r>
+            <a:r>
+              <a:rPr lang="en-US" baseline="0" dirty="0" smtClean="0"/>
+              <a:t>, yahoo chat de lien lac, </a:t>
+            </a:r>
+            <a:r>
+              <a:rPr lang="en-US" baseline="0" dirty="0" err="1" smtClean="0"/>
+              <a:t>phan</a:t>
+            </a:r>
+            <a:r>
+              <a:rPr lang="en-US" baseline="0" dirty="0" smtClean="0"/>
+              <a:t> </a:t>
+            </a:r>
+            <a:r>
+              <a:rPr lang="en-US" baseline="0" dirty="0" err="1" smtClean="0"/>
+              <a:t>cong</a:t>
+            </a:r>
+            <a:r>
+              <a:rPr lang="en-US" baseline="0" dirty="0" smtClean="0"/>
+              <a:t> </a:t>
+            </a:r>
+            <a:r>
+              <a:rPr lang="en-US" baseline="0" dirty="0" err="1" smtClean="0"/>
+              <a:t>cong</a:t>
+            </a:r>
+            <a:r>
+              <a:rPr lang="en-US" baseline="0" dirty="0" smtClean="0"/>
+              <a:t> </a:t>
+            </a:r>
+            <a:r>
+              <a:rPr lang="en-US" baseline="0" dirty="0" err="1" smtClean="0"/>
+              <a:t>viec</a:t>
+            </a:r>
+            <a:r>
+              <a:rPr lang="en-US" baseline="0" dirty="0" smtClean="0"/>
+              <a:t> dung email, SVN tool de </a:t>
+            </a:r>
+            <a:r>
+              <a:rPr lang="en-US" baseline="0" dirty="0" err="1" smtClean="0"/>
+              <a:t>quan</a:t>
+            </a:r>
+            <a:r>
+              <a:rPr lang="en-US" baseline="0" dirty="0" smtClean="0"/>
+              <a:t> li </a:t>
+            </a:r>
+            <a:r>
+              <a:rPr lang="en-US" baseline="0" dirty="0" err="1" smtClean="0"/>
+              <a:t>suorce</a:t>
+            </a:r>
+            <a:r>
+              <a:rPr lang="en-US" baseline="0" dirty="0" smtClean="0"/>
+              <a:t> code.</a:t>
+            </a:r>
+          </a:p>
+          <a:p>
+            <a:r>
+              <a:rPr lang="en-US" baseline="0" dirty="0" err="1" smtClean="0"/>
+              <a:t>Quản</a:t>
+            </a:r>
+            <a:r>
+              <a:rPr lang="en-US" baseline="0" dirty="0" smtClean="0"/>
+              <a:t> </a:t>
+            </a:r>
+            <a:r>
+              <a:rPr lang="en-US" baseline="0" dirty="0" err="1" smtClean="0"/>
+              <a:t>lý</a:t>
+            </a:r>
+            <a:r>
+              <a:rPr lang="en-US" baseline="0" dirty="0" smtClean="0"/>
+              <a:t> team, </a:t>
+            </a:r>
+            <a:r>
+              <a:rPr lang="en-US" baseline="0" dirty="0" err="1" smtClean="0"/>
+              <a:t>giao</a:t>
+            </a:r>
+            <a:r>
+              <a:rPr lang="en-US" baseline="0" dirty="0" smtClean="0"/>
+              <a:t> </a:t>
+            </a:r>
+            <a:r>
+              <a:rPr lang="en-US" baseline="0" dirty="0" err="1" smtClean="0"/>
+              <a:t>tiếp</a:t>
+            </a:r>
+            <a:r>
+              <a:rPr lang="en-US" baseline="0" dirty="0" smtClean="0"/>
+              <a:t> </a:t>
+            </a:r>
+            <a:r>
+              <a:rPr lang="en-US" baseline="0" dirty="0" err="1" smtClean="0"/>
+              <a:t>kiểu</a:t>
+            </a:r>
+            <a:r>
+              <a:rPr lang="en-US" baseline="0" dirty="0" smtClean="0"/>
+              <a:t> </a:t>
+            </a:r>
+            <a:r>
+              <a:rPr lang="en-US" baseline="0" dirty="0" err="1" smtClean="0"/>
+              <a:t>gì</a:t>
+            </a:r>
+            <a:r>
+              <a:rPr lang="en-US" baseline="0" dirty="0" smtClean="0"/>
+              <a:t>, qua yahoo, mail, </a:t>
+            </a:r>
+            <a:r>
+              <a:rPr lang="en-US" baseline="0" dirty="0" err="1" smtClean="0"/>
+              <a:t>họp</a:t>
+            </a:r>
+            <a:r>
+              <a:rPr lang="en-US" baseline="0" dirty="0" smtClean="0"/>
+              <a:t> </a:t>
+            </a:r>
+            <a:r>
+              <a:rPr lang="en-US" baseline="0" dirty="0" err="1" smtClean="0"/>
+              <a:t>nhóm</a:t>
+            </a:r>
+            <a:r>
+              <a:rPr lang="en-US" baseline="0" dirty="0" smtClean="0"/>
+              <a:t>… (</a:t>
+            </a:r>
+            <a:r>
+              <a:rPr lang="en-US" baseline="0" dirty="0" err="1" smtClean="0"/>
+              <a:t>ghi</a:t>
+            </a:r>
+            <a:r>
+              <a:rPr lang="en-US" baseline="0" dirty="0" smtClean="0"/>
+              <a:t> </a:t>
+            </a:r>
+            <a:r>
+              <a:rPr lang="en-US" baseline="0" dirty="0" err="1" smtClean="0"/>
+              <a:t>rõ</a:t>
+            </a:r>
+            <a:r>
+              <a:rPr lang="en-US" baseline="0" dirty="0" smtClean="0"/>
+              <a:t> version </a:t>
+            </a:r>
+            <a:r>
+              <a:rPr lang="en-US" baseline="0" dirty="0" err="1" smtClean="0"/>
+              <a:t>nếu</a:t>
+            </a:r>
+            <a:r>
+              <a:rPr lang="en-US" baseline="0" dirty="0" smtClean="0"/>
+              <a:t> </a:t>
+            </a:r>
+            <a:r>
+              <a:rPr lang="en-US" baseline="0" dirty="0" err="1" smtClean="0"/>
+              <a:t>dùng</a:t>
+            </a:r>
+            <a:r>
+              <a:rPr lang="en-US" baseline="0" dirty="0" smtClean="0"/>
+              <a:t> </a:t>
+            </a:r>
+            <a:r>
+              <a:rPr lang="en-US" baseline="0" dirty="0" err="1" smtClean="0"/>
+              <a:t>phần</a:t>
+            </a:r>
+            <a:r>
+              <a:rPr lang="en-US" baseline="0" dirty="0" smtClean="0"/>
+              <a:t> </a:t>
+            </a:r>
+            <a:r>
+              <a:rPr lang="en-US" baseline="0" dirty="0" err="1" smtClean="0"/>
+              <a:t>mềm</a:t>
+            </a:r>
+            <a:r>
+              <a:rPr lang="en-US" baseline="0" dirty="0" smtClean="0"/>
+              <a:t>). </a:t>
+            </a:r>
+            <a:r>
+              <a:rPr lang="en-US" baseline="0" dirty="0" err="1" smtClean="0"/>
+              <a:t>Tuần</a:t>
+            </a:r>
+            <a:r>
+              <a:rPr lang="en-US" baseline="0" dirty="0" smtClean="0"/>
+              <a:t> </a:t>
+            </a:r>
+            <a:r>
+              <a:rPr lang="en-US" baseline="0" dirty="0" err="1" smtClean="0"/>
+              <a:t>họp</a:t>
+            </a:r>
+            <a:r>
+              <a:rPr lang="en-US" baseline="0" dirty="0" smtClean="0"/>
+              <a:t> </a:t>
+            </a:r>
+            <a:r>
+              <a:rPr lang="en-US" baseline="0" dirty="0" err="1" smtClean="0"/>
+              <a:t>mấy</a:t>
+            </a:r>
+            <a:r>
+              <a:rPr lang="en-US" baseline="0" dirty="0" smtClean="0"/>
+              <a:t> </a:t>
+            </a:r>
+            <a:r>
+              <a:rPr lang="en-US" baseline="0" dirty="0" err="1" smtClean="0"/>
+              <a:t>buổi</a:t>
+            </a:r>
+            <a:r>
+              <a:rPr lang="en-US" baseline="0" dirty="0" smtClean="0"/>
+              <a:t>, </a:t>
+            </a:r>
+            <a:r>
+              <a:rPr lang="en-US" baseline="0" dirty="0" err="1" smtClean="0"/>
+              <a:t>từ</a:t>
+            </a:r>
+            <a:r>
+              <a:rPr lang="en-US" baseline="0" dirty="0" smtClean="0"/>
+              <a:t> </a:t>
+            </a:r>
+            <a:r>
+              <a:rPr lang="en-US" baseline="0" dirty="0" err="1" smtClean="0"/>
+              <a:t>mấy</a:t>
+            </a:r>
+            <a:r>
+              <a:rPr lang="en-US" baseline="0" dirty="0" smtClean="0"/>
+              <a:t> h </a:t>
+            </a:r>
+            <a:r>
+              <a:rPr lang="en-US" baseline="0" dirty="0" err="1" smtClean="0"/>
+              <a:t>đến</a:t>
+            </a:r>
+            <a:r>
+              <a:rPr lang="en-US" baseline="0" dirty="0" smtClean="0"/>
+              <a:t> </a:t>
+            </a:r>
+            <a:r>
+              <a:rPr lang="en-US" baseline="0" dirty="0" err="1" smtClean="0"/>
+              <a:t>mấy</a:t>
+            </a:r>
+            <a:r>
+              <a:rPr lang="en-US" baseline="0" dirty="0" smtClean="0"/>
+              <a:t> h</a:t>
+            </a:r>
+          </a:p>
+          <a:p>
+            <a:r>
+              <a:rPr lang="en-US" baseline="0" dirty="0" err="1" smtClean="0"/>
+              <a:t>Làm</a:t>
+            </a:r>
+            <a:r>
+              <a:rPr lang="en-US" baseline="0" dirty="0" smtClean="0"/>
+              <a:t> 6 </a:t>
+            </a:r>
+            <a:r>
+              <a:rPr lang="en-US" baseline="0" dirty="0" err="1" smtClean="0"/>
+              <a:t>ngày</a:t>
+            </a:r>
+            <a:r>
+              <a:rPr lang="en-US" baseline="0" dirty="0" smtClean="0"/>
+              <a:t> 1 </a:t>
+            </a:r>
+            <a:r>
+              <a:rPr lang="en-US" baseline="0" dirty="0" err="1" smtClean="0"/>
+              <a:t>tuần</a:t>
+            </a:r>
+            <a:r>
+              <a:rPr lang="en-US" baseline="0" dirty="0" smtClean="0"/>
+              <a:t>, </a:t>
+            </a:r>
+            <a:r>
+              <a:rPr lang="en-US" baseline="0" dirty="0" err="1" smtClean="0"/>
+              <a:t>mỗi</a:t>
+            </a:r>
+            <a:r>
+              <a:rPr lang="en-US" baseline="0" dirty="0" smtClean="0"/>
+              <a:t> </a:t>
+            </a:r>
+            <a:r>
+              <a:rPr lang="en-US" baseline="0" dirty="0" err="1" smtClean="0"/>
+              <a:t>ngày</a:t>
+            </a:r>
+            <a:r>
+              <a:rPr lang="en-US" baseline="0" dirty="0" smtClean="0"/>
+              <a:t> 8 </a:t>
+            </a:r>
+            <a:r>
+              <a:rPr lang="en-US" baseline="0" dirty="0" err="1" smtClean="0"/>
+              <a:t>tiếng</a:t>
+            </a:r>
+            <a:r>
+              <a:rPr lang="en-US" baseline="0" dirty="0" smtClean="0"/>
+              <a:t>, </a:t>
+            </a:r>
+            <a:r>
+              <a:rPr lang="en-US" baseline="0" dirty="0" err="1" smtClean="0"/>
+              <a:t>từ</a:t>
+            </a:r>
+            <a:r>
+              <a:rPr lang="en-US" baseline="0" dirty="0" smtClean="0"/>
+              <a:t> 8h </a:t>
+            </a:r>
+            <a:r>
+              <a:rPr lang="en-US" baseline="0" dirty="0" err="1" smtClean="0"/>
+              <a:t>sáng</a:t>
+            </a:r>
+            <a:r>
+              <a:rPr lang="en-US" baseline="0" dirty="0" smtClean="0"/>
+              <a:t> </a:t>
+            </a:r>
+            <a:r>
+              <a:rPr lang="en-US" baseline="0" dirty="0" err="1" smtClean="0"/>
+              <a:t>đến</a:t>
+            </a:r>
+            <a:r>
+              <a:rPr lang="en-US" baseline="0" dirty="0" smtClean="0"/>
+              <a:t> 5h </a:t>
+            </a:r>
+            <a:r>
+              <a:rPr lang="en-US" baseline="0" dirty="0" err="1" smtClean="0"/>
+              <a:t>chiều</a:t>
+            </a:r>
+            <a:r>
+              <a:rPr lang="en-US" baseline="0" dirty="0" smtClean="0"/>
+              <a:t>, </a:t>
+            </a:r>
+            <a:r>
+              <a:rPr lang="en-US" baseline="0" dirty="0" err="1" smtClean="0"/>
+              <a:t>nghỉ</a:t>
+            </a:r>
+            <a:r>
+              <a:rPr lang="en-US" baseline="0" dirty="0" smtClean="0"/>
+              <a:t> </a:t>
+            </a:r>
+            <a:r>
+              <a:rPr lang="en-US" baseline="0" dirty="0" err="1" smtClean="0"/>
+              <a:t>trưa</a:t>
+            </a:r>
+            <a:r>
+              <a:rPr lang="en-US" baseline="0" dirty="0" smtClean="0"/>
+              <a:t> </a:t>
+            </a:r>
+            <a:r>
+              <a:rPr lang="en-US" baseline="0" dirty="0" err="1" smtClean="0"/>
+              <a:t>từ</a:t>
+            </a:r>
+            <a:r>
+              <a:rPr lang="en-US" baseline="0" dirty="0" smtClean="0"/>
+              <a:t> 12h </a:t>
+            </a:r>
+            <a:r>
+              <a:rPr lang="en-US" baseline="0" dirty="0" err="1" smtClean="0"/>
+              <a:t>đến</a:t>
+            </a:r>
+            <a:r>
+              <a:rPr lang="en-US" baseline="0" dirty="0" smtClean="0"/>
+              <a:t> 1h. </a:t>
+            </a:r>
+            <a:r>
+              <a:rPr lang="en-US" baseline="0" dirty="0" err="1" smtClean="0"/>
+              <a:t>Ghi</a:t>
+            </a:r>
+            <a:r>
+              <a:rPr lang="en-US" baseline="0" dirty="0" smtClean="0"/>
+              <a:t> </a:t>
+            </a:r>
+            <a:r>
+              <a:rPr lang="en-US" baseline="0" dirty="0" err="1" smtClean="0"/>
+              <a:t>mie</a:t>
+            </a:r>
+            <a:r>
+              <a:rPr lang="en-US" baseline="0" dirty="0" smtClean="0"/>
+              <a:t> </a:t>
+            </a:r>
+            <a:r>
+              <a:rPr lang="en-US" baseline="0" dirty="0" err="1" smtClean="0"/>
+              <a:t>vào</a:t>
+            </a:r>
+            <a:r>
+              <a:rPr lang="en-US" baseline="0" dirty="0" smtClean="0"/>
+              <a:t> </a:t>
+            </a:r>
+            <a:r>
+              <a:rPr lang="en-US" baseline="0" dirty="0" err="1" smtClean="0"/>
+              <a:t>đấy</a:t>
+            </a:r>
+            <a:r>
+              <a:rPr lang="en-US" baseline="0" dirty="0" smtClean="0"/>
+              <a:t>.</a:t>
+            </a:r>
+          </a:p>
+          <a:p>
+            <a:endParaRPr lang="en-US" dirty="0"/>
           </a:p>
         </p:txBody>
       </p:sp>
@@ -18339,7 +19690,7 @@
             <a:fld id="{94349F02-7B7E-4405-841E-9FEA710E9D5A}" type="slidenum">
               <a:rPr lang="en-US" smtClean="0"/>
               <a:pPr/>
-              <a:t>3</a:t>
+              <a:t>13</a:t>
             </a:fld>
             <a:endParaRPr lang="en-US"/>
           </a:p>
@@ -18365,6 +19716,11 @@
         </p:txBody>
       </p:sp>
     </p:spTree>
+    <p:extLst>
+      <p:ext uri="{BB962C8B-B14F-4D97-AF65-F5344CB8AC3E}">
+        <p14:creationId xmlns:p14="http://schemas.microsoft.com/office/powerpoint/2010/main" val="3869712850"/>
+      </p:ext>
+    </p:extLst>
   </p:cSld>
   <p:clrMapOvr>
     <a:masterClrMapping/>
@@ -18372,7 +19728,7 @@
 </p:notes>
 </file>
 
-<file path=ppt/notesSlides/notesSlide10.xml><?xml version="1.0" encoding="utf-8"?>
+<file path=ppt/notesSlides/notesSlide11.xml><?xml version="1.0" encoding="utf-8"?>
 <p:notes xmlns:a="http://schemas.openxmlformats.org/drawingml/2006/main" xmlns:r="http://schemas.openxmlformats.org/officeDocument/2006/relationships" xmlns:p="http://schemas.openxmlformats.org/presentationml/2006/main">
   <p:cSld>
     <p:spTree>
@@ -18868,7 +20224,7 @@
 </p:notes>
 </file>
 
-<file path=ppt/notesSlides/notesSlide11.xml><?xml version="1.0" encoding="utf-8"?>
+<file path=ppt/notesSlides/notesSlide12.xml><?xml version="1.0" encoding="utf-8"?>
 <p:notes xmlns:a="http://schemas.openxmlformats.org/drawingml/2006/main" xmlns:r="http://schemas.openxmlformats.org/officeDocument/2006/relationships" xmlns:p="http://schemas.openxmlformats.org/presentationml/2006/main">
   <p:cSld>
     <p:spTree>
@@ -20467,7 +21823,7 @@
 </p:notes>
 </file>
 
-<file path=ppt/notesSlides/notesSlide12.xml><?xml version="1.0" encoding="utf-8"?>
+<file path=ppt/notesSlides/notesSlide13.xml><?xml version="1.0" encoding="utf-8"?>
 <p:notes xmlns:a="http://schemas.openxmlformats.org/drawingml/2006/main" xmlns:r="http://schemas.openxmlformats.org/officeDocument/2006/relationships" xmlns:p="http://schemas.openxmlformats.org/presentationml/2006/main">
   <p:cSld>
     <p:spTree>
@@ -21698,7 +23054,7 @@
 </p:notes>
 </file>
 
-<file path=ppt/notesSlides/notesSlide13.xml><?xml version="1.0" encoding="utf-8"?>
+<file path=ppt/notesSlides/notesSlide14.xml><?xml version="1.0" encoding="utf-8"?>
 <p:notes xmlns:a="http://schemas.openxmlformats.org/drawingml/2006/main" xmlns:r="http://schemas.openxmlformats.org/officeDocument/2006/relationships" xmlns:p="http://schemas.openxmlformats.org/presentationml/2006/main">
   <p:cSld>
     <p:spTree>
@@ -22121,7 +23477,7 @@
 </p:notes>
 </file>
 
-<file path=ppt/notesSlides/notesSlide14.xml><?xml version="1.0" encoding="utf-8"?>
+<file path=ppt/notesSlides/notesSlide15.xml><?xml version="1.0" encoding="utf-8"?>
 <p:notes xmlns:a="http://schemas.openxmlformats.org/drawingml/2006/main" xmlns:r="http://schemas.openxmlformats.org/officeDocument/2006/relationships" xmlns:p="http://schemas.openxmlformats.org/presentationml/2006/main">
   <p:cSld>
     <p:spTree>
@@ -22787,7 +24143,7 @@
 </p:notes>
 </file>
 
-<file path=ppt/notesSlides/notesSlide15.xml><?xml version="1.0" encoding="utf-8"?>
+<file path=ppt/notesSlides/notesSlide16.xml><?xml version="1.0" encoding="utf-8"?>
 <p:notes xmlns:a="http://schemas.openxmlformats.org/drawingml/2006/main" xmlns:r="http://schemas.openxmlformats.org/officeDocument/2006/relationships" xmlns:p="http://schemas.openxmlformats.org/presentationml/2006/main">
   <p:cSld>
     <p:spTree>
@@ -22955,7 +24311,7 @@
 </p:notes>
 </file>
 
-<file path=ppt/notesSlides/notesSlide16.xml><?xml version="1.0" encoding="utf-8"?>
+<file path=ppt/notesSlides/notesSlide17.xml><?xml version="1.0" encoding="utf-8"?>
 <p:notes xmlns:a="http://schemas.openxmlformats.org/drawingml/2006/main" xmlns:r="http://schemas.openxmlformats.org/officeDocument/2006/relationships" xmlns:p="http://schemas.openxmlformats.org/presentationml/2006/main">
   <p:cSld>
     <p:spTree>
@@ -23067,7 +24423,7 @@
 </p:notes>
 </file>
 
-<file path=ppt/notesSlides/notesSlide17.xml><?xml version="1.0" encoding="utf-8"?>
+<file path=ppt/notesSlides/notesSlide18.xml><?xml version="1.0" encoding="utf-8"?>
 <p:notes xmlns:a="http://schemas.openxmlformats.org/drawingml/2006/main" xmlns:r="http://schemas.openxmlformats.org/officeDocument/2006/relationships" xmlns:p="http://schemas.openxmlformats.org/presentationml/2006/main">
   <p:cSld>
     <p:spTree>
@@ -23868,7 +25224,7 @@
 </p:notes>
 </file>
 
-<file path=ppt/notesSlides/notesSlide18.xml><?xml version="1.0" encoding="utf-8"?>
+<file path=ppt/notesSlides/notesSlide19.xml><?xml version="1.0" encoding="utf-8"?>
 <p:notes xmlns:a="http://schemas.openxmlformats.org/drawingml/2006/main" xmlns:r="http://schemas.openxmlformats.org/officeDocument/2006/relationships" xmlns:p="http://schemas.openxmlformats.org/presentationml/2006/main">
   <p:cSld>
     <p:spTree>
@@ -24825,7 +26181,108 @@
 </p:notes>
 </file>
 
-<file path=ppt/notesSlides/notesSlide19.xml><?xml version="1.0" encoding="utf-8"?>
+<file path=ppt/notesSlides/notesSlide2.xml><?xml version="1.0" encoding="utf-8"?>
+<p:notes xmlns:a="http://schemas.openxmlformats.org/drawingml/2006/main" xmlns:r="http://schemas.openxmlformats.org/officeDocument/2006/relationships" xmlns:p="http://schemas.openxmlformats.org/presentationml/2006/main">
+  <p:cSld>
+    <p:spTree>
+      <p:nvGrpSpPr>
+        <p:cNvPr id="1" name=""/>
+        <p:cNvGrpSpPr/>
+        <p:nvPr/>
+      </p:nvGrpSpPr>
+      <p:grpSpPr>
+        <a:xfrm>
+          <a:off x="0" y="0"/>
+          <a:ext cx="0" cy="0"/>
+          <a:chOff x="0" y="0"/>
+          <a:chExt cx="0" cy="0"/>
+        </a:xfrm>
+      </p:grpSpPr>
+      <p:sp>
+        <p:nvSpPr>
+          <p:cNvPr id="2" name="Slide Image Placeholder 1"/>
+          <p:cNvSpPr>
+            <a:spLocks noGrp="1" noRot="1" noChangeAspect="1"/>
+          </p:cNvSpPr>
+          <p:nvPr>
+            <p:ph type="sldImg"/>
+          </p:nvPr>
+        </p:nvSpPr>
+        <p:spPr/>
+      </p:sp>
+      <p:sp>
+        <p:nvSpPr>
+          <p:cNvPr id="3" name="Notes Placeholder 2"/>
+          <p:cNvSpPr>
+            <a:spLocks noGrp="1"/>
+          </p:cNvSpPr>
+          <p:nvPr>
+            <p:ph type="body" idx="1"/>
+          </p:nvPr>
+        </p:nvSpPr>
+        <p:spPr/>
+        <p:txBody>
+          <a:bodyPr>
+            <a:normAutofit/>
+          </a:bodyPr>
+          <a:lstStyle/>
+          <a:p>
+            <a:endParaRPr lang="vi-VN"/>
+          </a:p>
+        </p:txBody>
+      </p:sp>
+      <p:sp>
+        <p:nvSpPr>
+          <p:cNvPr id="4" name="Slide Number Placeholder 3"/>
+          <p:cNvSpPr>
+            <a:spLocks noGrp="1"/>
+          </p:cNvSpPr>
+          <p:nvPr>
+            <p:ph type="sldNum" sz="quarter" idx="10"/>
+          </p:nvPr>
+        </p:nvSpPr>
+        <p:spPr/>
+        <p:txBody>
+          <a:bodyPr/>
+          <a:lstStyle/>
+          <a:p>
+            <a:fld id="{94349F02-7B7E-4405-841E-9FEA710E9D5A}" type="slidenum">
+              <a:rPr lang="en-US" smtClean="0"/>
+              <a:pPr/>
+              <a:t>3</a:t>
+            </a:fld>
+            <a:endParaRPr lang="en-US"/>
+          </a:p>
+        </p:txBody>
+      </p:sp>
+      <p:sp>
+        <p:nvSpPr>
+          <p:cNvPr id="5" name="Footer Placeholder 4"/>
+          <p:cNvSpPr>
+            <a:spLocks noGrp="1"/>
+          </p:cNvSpPr>
+          <p:nvPr>
+            <p:ph type="ftr" sz="quarter" idx="11"/>
+          </p:nvPr>
+        </p:nvSpPr>
+        <p:spPr/>
+        <p:txBody>
+          <a:bodyPr/>
+          <a:lstStyle/>
+          <a:p>
+            <a:endParaRPr lang="en-US"/>
+          </a:p>
+        </p:txBody>
+      </p:sp>
+    </p:spTree>
+  </p:cSld>
+  <p:clrMapOvr>
+    <a:masterClrMapping/>
+  </p:clrMapOvr>
+</p:notes>
+</file>
+
+<file path=ppt/notesSlides/notesSlide20.xml><?xml version="1.0" encoding="utf-8"?>
 <p:notes xmlns:a="http://schemas.openxmlformats.org/drawingml/2006/main" xmlns:r="http://schemas.openxmlformats.org/officeDocument/2006/relationships" xmlns:p="http://schemas.openxmlformats.org/presentationml/2006/main">
   <p:cSld>
     <p:spTree>
@@ -25037,7 +26494,2123 @@
 </p:notes>
 </file>
 
-<file path=ppt/notesSlides/notesSlide2.xml><?xml version="1.0" encoding="utf-8"?>
+<file path=ppt/notesSlides/notesSlide21.xml><?xml version="1.0" encoding="utf-8"?>
+<p:notes xmlns:a="http://schemas.openxmlformats.org/drawingml/2006/main" xmlns:r="http://schemas.openxmlformats.org/officeDocument/2006/relationships" xmlns:p="http://schemas.openxmlformats.org/presentationml/2006/main">
+  <p:cSld>
+    <p:spTree>
+      <p:nvGrpSpPr>
+        <p:cNvPr id="1" name=""/>
+        <p:cNvGrpSpPr/>
+        <p:nvPr/>
+      </p:nvGrpSpPr>
+      <p:grpSpPr>
+        <a:xfrm>
+          <a:off x="0" y="0"/>
+          <a:ext cx="0" cy="0"/>
+          <a:chOff x="0" y="0"/>
+          <a:chExt cx="0" cy="0"/>
+        </a:xfrm>
+      </p:grpSpPr>
+      <p:sp>
+        <p:nvSpPr>
+          <p:cNvPr id="2" name="Slide Image Placeholder 1"/>
+          <p:cNvSpPr>
+            <a:spLocks noGrp="1" noRot="1" noChangeAspect="1"/>
+          </p:cNvSpPr>
+          <p:nvPr>
+            <p:ph type="sldImg"/>
+          </p:nvPr>
+        </p:nvSpPr>
+        <p:spPr/>
+      </p:sp>
+      <p:sp>
+        <p:nvSpPr>
+          <p:cNvPr id="3" name="Notes Placeholder 2"/>
+          <p:cNvSpPr>
+            <a:spLocks noGrp="1"/>
+          </p:cNvSpPr>
+          <p:nvPr>
+            <p:ph type="body" idx="1"/>
+          </p:nvPr>
+        </p:nvSpPr>
+        <p:spPr/>
+        <p:txBody>
+          <a:bodyPr/>
+          <a:lstStyle/>
+          <a:p>
+            <a:r>
+              <a:rPr lang="en-US" dirty="0" smtClean="0"/>
+              <a:t>Day</a:t>
+            </a:r>
+            <a:r>
+              <a:rPr lang="en-US" baseline="0" dirty="0" smtClean="0"/>
+              <a:t> la </a:t>
+            </a:r>
+            <a:r>
+              <a:rPr lang="en-US" baseline="0" dirty="0" err="1" smtClean="0"/>
+              <a:t>cau</a:t>
+            </a:r>
+            <a:r>
+              <a:rPr lang="en-US" baseline="0" dirty="0" smtClean="0"/>
+              <a:t> </a:t>
+            </a:r>
+            <a:r>
+              <a:rPr lang="en-US" baseline="0" dirty="0" err="1" smtClean="0"/>
+              <a:t>truc</a:t>
+            </a:r>
+            <a:r>
+              <a:rPr lang="en-US" baseline="0" dirty="0" smtClean="0"/>
+              <a:t> database </a:t>
+            </a:r>
+            <a:r>
+              <a:rPr lang="en-US" baseline="0" dirty="0" err="1" smtClean="0"/>
+              <a:t>cua</a:t>
+            </a:r>
+            <a:r>
+              <a:rPr lang="en-US" baseline="0" dirty="0" smtClean="0"/>
+              <a:t> he thong </a:t>
+            </a:r>
+            <a:r>
+              <a:rPr lang="en-US" baseline="0" dirty="0" err="1" smtClean="0"/>
+              <a:t>nhom</a:t>
+            </a:r>
+            <a:r>
+              <a:rPr lang="en-US" baseline="0" dirty="0" smtClean="0"/>
+              <a:t> e, e </a:t>
+            </a:r>
+            <a:r>
+              <a:rPr lang="en-US" baseline="0" dirty="0" err="1" smtClean="0"/>
+              <a:t>xin</a:t>
+            </a:r>
+            <a:r>
+              <a:rPr lang="en-US" baseline="0" dirty="0" smtClean="0"/>
+              <a:t> </a:t>
+            </a:r>
+            <a:r>
+              <a:rPr lang="en-US" baseline="0" dirty="0" err="1" smtClean="0"/>
+              <a:t>phep</a:t>
+            </a:r>
+            <a:r>
+              <a:rPr lang="en-US" baseline="0" dirty="0" smtClean="0"/>
+              <a:t> </a:t>
+            </a:r>
+            <a:r>
+              <a:rPr lang="en-US" baseline="0" dirty="0" err="1" smtClean="0"/>
+              <a:t>mo</a:t>
+            </a:r>
+            <a:r>
+              <a:rPr lang="en-US" baseline="0" dirty="0" smtClean="0"/>
+              <a:t>? </a:t>
+            </a:r>
+            <a:r>
+              <a:rPr lang="en-US" baseline="0" dirty="0" err="1" smtClean="0"/>
+              <a:t>Hinh</a:t>
+            </a:r>
+            <a:r>
+              <a:rPr lang="en-US" baseline="0" dirty="0" smtClean="0"/>
+              <a:t> </a:t>
+            </a:r>
+            <a:r>
+              <a:rPr lang="en-US" baseline="0" dirty="0" err="1" smtClean="0"/>
+              <a:t>lon</a:t>
+            </a:r>
+            <a:r>
+              <a:rPr lang="en-US" baseline="0" dirty="0" smtClean="0"/>
+              <a:t>’ </a:t>
+            </a:r>
+            <a:r>
+              <a:rPr lang="en-US" baseline="0" dirty="0" err="1" smtClean="0"/>
+              <a:t>hon</a:t>
+            </a:r>
+            <a:r>
+              <a:rPr lang="en-US" baseline="0" dirty="0" smtClean="0"/>
+              <a:t> de? </a:t>
+            </a:r>
+            <a:r>
+              <a:rPr lang="en-US" baseline="0" dirty="0" err="1" smtClean="0"/>
+              <a:t>Cac</a:t>
+            </a:r>
+            <a:r>
+              <a:rPr lang="en-US" baseline="0" dirty="0" smtClean="0"/>
+              <a:t> </a:t>
+            </a:r>
+            <a:r>
+              <a:rPr lang="en-US" baseline="0" dirty="0" err="1" smtClean="0"/>
+              <a:t>thay</a:t>
+            </a:r>
+            <a:r>
+              <a:rPr lang="en-US" baseline="0" dirty="0" smtClean="0"/>
+              <a:t> </a:t>
+            </a:r>
+            <a:r>
+              <a:rPr lang="en-US" baseline="0" dirty="0" err="1" smtClean="0"/>
+              <a:t>xem</a:t>
+            </a:r>
+            <a:r>
+              <a:rPr lang="en-US" baseline="0" dirty="0" smtClean="0"/>
+              <a:t>.</a:t>
+            </a:r>
+          </a:p>
+          <a:p>
+            <a:endParaRPr lang="en-US" baseline="0" dirty="0" smtClean="0"/>
+          </a:p>
+          <a:p>
+            <a:endParaRPr lang="en-US" dirty="0" smtClean="0"/>
+          </a:p>
+          <a:p>
+            <a:endParaRPr lang="en-US" dirty="0" smtClean="0"/>
+          </a:p>
+          <a:p>
+            <a:r>
+              <a:rPr lang="en-US" dirty="0" err="1" smtClean="0"/>
+              <a:t>Cái</a:t>
+            </a:r>
+            <a:r>
+              <a:rPr lang="en-US" baseline="0" dirty="0" smtClean="0"/>
+              <a:t> slide </a:t>
+            </a:r>
+            <a:r>
+              <a:rPr lang="en-US" baseline="0" dirty="0" err="1" smtClean="0"/>
+              <a:t>này</a:t>
+            </a:r>
+            <a:r>
+              <a:rPr lang="en-US" baseline="0" dirty="0" smtClean="0"/>
+              <a:t> </a:t>
+            </a:r>
+            <a:r>
+              <a:rPr lang="en-US" baseline="0" dirty="0" err="1" smtClean="0"/>
+              <a:t>bảng</a:t>
+            </a:r>
+            <a:r>
+              <a:rPr lang="en-US" baseline="0" dirty="0" smtClean="0"/>
+              <a:t> </a:t>
+            </a:r>
+            <a:r>
+              <a:rPr lang="en-US" baseline="0" dirty="0" err="1" smtClean="0"/>
+              <a:t>nào</a:t>
+            </a:r>
+            <a:r>
+              <a:rPr lang="en-US" baseline="0" dirty="0" smtClean="0"/>
+              <a:t> </a:t>
+            </a:r>
+            <a:r>
+              <a:rPr lang="en-US" baseline="0" dirty="0" err="1" smtClean="0"/>
+              <a:t>là</a:t>
+            </a:r>
+            <a:r>
+              <a:rPr lang="en-US" baseline="0" dirty="0" smtClean="0"/>
+              <a:t> </a:t>
+            </a:r>
+            <a:r>
+              <a:rPr lang="en-US" baseline="0" dirty="0" err="1" smtClean="0"/>
+              <a:t>bảnh</a:t>
+            </a:r>
+            <a:r>
+              <a:rPr lang="en-US" baseline="0" dirty="0" smtClean="0"/>
+              <a:t> </a:t>
+            </a:r>
+            <a:r>
+              <a:rPr lang="en-US" baseline="0" dirty="0" err="1" smtClean="0"/>
+              <a:t>chính</a:t>
+            </a:r>
+            <a:r>
+              <a:rPr lang="en-US" baseline="0" dirty="0" smtClean="0"/>
+              <a:t> </a:t>
+            </a:r>
+            <a:r>
+              <a:rPr lang="en-US" baseline="0" dirty="0" err="1" smtClean="0"/>
+              <a:t>thì</a:t>
+            </a:r>
+            <a:r>
+              <a:rPr lang="en-US" baseline="0" dirty="0" smtClean="0"/>
+              <a:t> </a:t>
+            </a:r>
+            <a:r>
+              <a:rPr lang="en-US" baseline="0" dirty="0" err="1" smtClean="0"/>
+              <a:t>bôi</a:t>
+            </a:r>
+            <a:r>
+              <a:rPr lang="en-US" baseline="0" dirty="0" smtClean="0"/>
+              <a:t> </a:t>
+            </a:r>
+            <a:r>
+              <a:rPr lang="en-US" baseline="0" dirty="0" err="1" smtClean="0"/>
+              <a:t>màu</a:t>
+            </a:r>
+            <a:r>
+              <a:rPr lang="en-US" baseline="0" dirty="0" smtClean="0"/>
+              <a:t> </a:t>
+            </a:r>
+            <a:r>
+              <a:rPr lang="en-US" baseline="0" dirty="0" err="1" smtClean="0"/>
+              <a:t>quanh</a:t>
+            </a:r>
+            <a:r>
+              <a:rPr lang="en-US" baseline="0" dirty="0" smtClean="0"/>
+              <a:t> </a:t>
+            </a:r>
+            <a:r>
+              <a:rPr lang="en-US" baseline="0" dirty="0" err="1" smtClean="0"/>
+              <a:t>bảng</a:t>
+            </a:r>
+            <a:r>
+              <a:rPr lang="en-US" baseline="0" dirty="0" smtClean="0"/>
+              <a:t> </a:t>
+            </a:r>
+            <a:r>
+              <a:rPr lang="en-US" baseline="0" dirty="0" err="1" smtClean="0"/>
+              <a:t>đó</a:t>
+            </a:r>
+            <a:r>
+              <a:rPr lang="en-US" baseline="0" dirty="0" smtClean="0"/>
+              <a:t> </a:t>
+            </a:r>
+            <a:r>
+              <a:rPr lang="en-US" baseline="0" dirty="0" err="1" smtClean="0"/>
+              <a:t>đi</a:t>
+            </a:r>
+            <a:r>
+              <a:rPr lang="en-US" baseline="0" dirty="0" smtClean="0"/>
+              <a:t> </a:t>
+            </a:r>
+            <a:r>
+              <a:rPr lang="en-US" baseline="0" dirty="0" err="1" smtClean="0"/>
+              <a:t>cho</a:t>
+            </a:r>
+            <a:r>
+              <a:rPr lang="en-US" baseline="0" dirty="0" smtClean="0"/>
+              <a:t> </a:t>
+            </a:r>
+            <a:r>
+              <a:rPr lang="en-US" baseline="0" dirty="0" err="1" smtClean="0"/>
+              <a:t>dễ</a:t>
+            </a:r>
+            <a:r>
+              <a:rPr lang="en-US" baseline="0" dirty="0" smtClean="0"/>
+              <a:t> </a:t>
+            </a:r>
+            <a:r>
+              <a:rPr lang="en-US" baseline="0" dirty="0" err="1" smtClean="0"/>
+              <a:t>nhìn</a:t>
+            </a:r>
+            <a:r>
+              <a:rPr lang="en-US" baseline="0" dirty="0" smtClean="0"/>
+              <a:t>, </a:t>
+            </a:r>
+            <a:r>
+              <a:rPr lang="en-US" baseline="0" dirty="0" err="1" smtClean="0"/>
+              <a:t>cả</a:t>
+            </a:r>
+            <a:r>
+              <a:rPr lang="en-US" baseline="0" dirty="0" smtClean="0"/>
+              <a:t> </a:t>
+            </a:r>
+            <a:r>
+              <a:rPr lang="en-US" baseline="0" dirty="0" err="1" smtClean="0"/>
+              <a:t>cái</a:t>
+            </a:r>
+            <a:r>
+              <a:rPr lang="en-US" baseline="0" dirty="0" smtClean="0"/>
+              <a:t> file class diagram </a:t>
+            </a:r>
+            <a:r>
+              <a:rPr lang="en-US" baseline="0" dirty="0" err="1" smtClean="0"/>
+              <a:t>bên</a:t>
+            </a:r>
+            <a:r>
+              <a:rPr lang="en-US" baseline="0" dirty="0" smtClean="0"/>
+              <a:t> </a:t>
+            </a:r>
+            <a:r>
+              <a:rPr lang="en-US" baseline="0" dirty="0" err="1" smtClean="0"/>
+              <a:t>ngoài</a:t>
+            </a:r>
+            <a:r>
+              <a:rPr lang="en-US" baseline="0" dirty="0" smtClean="0"/>
+              <a:t> </a:t>
+            </a:r>
+            <a:r>
+              <a:rPr lang="en-US" baseline="0" dirty="0" err="1" smtClean="0"/>
+              <a:t>nữa</a:t>
+            </a:r>
+            <a:r>
+              <a:rPr lang="en-US" baseline="0" dirty="0" smtClean="0"/>
+              <a:t>. </a:t>
+            </a:r>
+            <a:r>
+              <a:rPr lang="en-US" baseline="0" dirty="0" err="1" smtClean="0"/>
+              <a:t>Bôi</a:t>
+            </a:r>
+            <a:r>
+              <a:rPr lang="en-US" baseline="0" dirty="0" smtClean="0"/>
+              <a:t> </a:t>
+            </a:r>
+            <a:r>
+              <a:rPr lang="en-US" baseline="0" dirty="0" err="1" smtClean="0"/>
+              <a:t>màu</a:t>
+            </a:r>
+            <a:r>
+              <a:rPr lang="en-US" baseline="0" dirty="0" smtClean="0"/>
+              <a:t> </a:t>
+            </a:r>
+            <a:r>
+              <a:rPr lang="en-US" baseline="0" dirty="0" err="1" smtClean="0"/>
+              <a:t>rõ</a:t>
+            </a:r>
+            <a:r>
+              <a:rPr lang="en-US" baseline="0" dirty="0" smtClean="0"/>
+              <a:t> </a:t>
+            </a:r>
+            <a:r>
+              <a:rPr lang="en-US" baseline="0" dirty="0" err="1" smtClean="0"/>
+              <a:t>bảng</a:t>
+            </a:r>
+            <a:r>
+              <a:rPr lang="en-US" baseline="0" dirty="0" smtClean="0"/>
+              <a:t> </a:t>
+            </a:r>
+            <a:r>
+              <a:rPr lang="en-US" baseline="0" dirty="0" err="1" smtClean="0"/>
+              <a:t>chính</a:t>
+            </a:r>
+            <a:r>
+              <a:rPr lang="en-US" baseline="0" dirty="0" smtClean="0"/>
+              <a:t> </a:t>
+            </a:r>
+            <a:r>
+              <a:rPr lang="en-US" baseline="0" dirty="0" err="1" smtClean="0"/>
+              <a:t>và</a:t>
+            </a:r>
+            <a:r>
+              <a:rPr lang="en-US" baseline="0" dirty="0" smtClean="0"/>
+              <a:t> </a:t>
+            </a:r>
+            <a:r>
+              <a:rPr lang="en-US" baseline="0" dirty="0" err="1" smtClean="0"/>
+              <a:t>khi</a:t>
+            </a:r>
+            <a:r>
+              <a:rPr lang="en-US" baseline="0" dirty="0" smtClean="0"/>
+              <a:t> </a:t>
+            </a:r>
+            <a:r>
+              <a:rPr lang="en-US" baseline="0" dirty="0" err="1" smtClean="0"/>
+              <a:t>nói</a:t>
+            </a:r>
+            <a:r>
+              <a:rPr lang="en-US" baseline="0" dirty="0" smtClean="0"/>
+              <a:t> </a:t>
+            </a:r>
+            <a:r>
+              <a:rPr lang="en-US" baseline="0" dirty="0" err="1" smtClean="0"/>
+              <a:t>thì</a:t>
+            </a:r>
+            <a:r>
+              <a:rPr lang="en-US" baseline="0" dirty="0" smtClean="0"/>
+              <a:t> </a:t>
+            </a:r>
+            <a:r>
+              <a:rPr lang="en-US" baseline="0" dirty="0" err="1" smtClean="0"/>
+              <a:t>giải</a:t>
+            </a:r>
+            <a:r>
+              <a:rPr lang="en-US" baseline="0" dirty="0" smtClean="0"/>
+              <a:t> </a:t>
+            </a:r>
+            <a:r>
+              <a:rPr lang="en-US" baseline="0" dirty="0" err="1" smtClean="0"/>
+              <a:t>thích</a:t>
+            </a:r>
+            <a:r>
+              <a:rPr lang="en-US" baseline="0" dirty="0" smtClean="0"/>
+              <a:t> </a:t>
+            </a:r>
+            <a:r>
+              <a:rPr lang="en-US" baseline="0" dirty="0" err="1" smtClean="0"/>
+              <a:t>rõ</a:t>
+            </a:r>
+            <a:r>
+              <a:rPr lang="en-US" baseline="0" dirty="0" smtClean="0"/>
+              <a:t> </a:t>
+            </a:r>
+            <a:r>
+              <a:rPr lang="en-US" baseline="0" dirty="0" err="1" smtClean="0"/>
+              <a:t>quan</a:t>
+            </a:r>
+            <a:r>
+              <a:rPr lang="en-US" baseline="0" dirty="0" smtClean="0"/>
+              <a:t> </a:t>
+            </a:r>
+            <a:r>
+              <a:rPr lang="en-US" baseline="0" dirty="0" err="1" smtClean="0"/>
+              <a:t>hệ</a:t>
+            </a:r>
+            <a:r>
+              <a:rPr lang="en-US" baseline="0" dirty="0" smtClean="0"/>
+              <a:t> </a:t>
+            </a:r>
+            <a:r>
+              <a:rPr lang="en-US" baseline="0" dirty="0" err="1" smtClean="0"/>
+              <a:t>của</a:t>
+            </a:r>
+            <a:r>
+              <a:rPr lang="en-US" baseline="0" dirty="0" smtClean="0"/>
+              <a:t> </a:t>
+            </a:r>
+            <a:r>
+              <a:rPr lang="en-US" baseline="0" dirty="0" err="1" smtClean="0"/>
+              <a:t>bảng</a:t>
+            </a:r>
+            <a:r>
+              <a:rPr lang="en-US" baseline="0" dirty="0" smtClean="0"/>
+              <a:t> </a:t>
+            </a:r>
+            <a:r>
+              <a:rPr lang="en-US" baseline="0" dirty="0" err="1" smtClean="0"/>
+              <a:t>chính</a:t>
+            </a:r>
+            <a:r>
+              <a:rPr lang="en-US" baseline="0" dirty="0" smtClean="0"/>
+              <a:t> </a:t>
+            </a:r>
+            <a:r>
+              <a:rPr lang="en-US" baseline="0" dirty="0" err="1" smtClean="0"/>
+              <a:t>và</a:t>
+            </a:r>
+            <a:r>
+              <a:rPr lang="en-US" baseline="0" dirty="0" smtClean="0"/>
+              <a:t> </a:t>
+            </a:r>
+            <a:r>
+              <a:rPr lang="en-US" baseline="0" dirty="0" err="1" smtClean="0"/>
+              <a:t>các</a:t>
+            </a:r>
+            <a:r>
+              <a:rPr lang="en-US" baseline="0" dirty="0" smtClean="0"/>
+              <a:t> </a:t>
+            </a:r>
+            <a:r>
+              <a:rPr lang="en-US" baseline="0" dirty="0" err="1" smtClean="0"/>
+              <a:t>bảng</a:t>
+            </a:r>
+            <a:r>
+              <a:rPr lang="en-US" baseline="0" dirty="0" smtClean="0"/>
+              <a:t> </a:t>
+            </a:r>
+            <a:r>
+              <a:rPr lang="en-US" baseline="0" dirty="0" err="1" smtClean="0"/>
+              <a:t>khác</a:t>
+            </a:r>
+            <a:r>
+              <a:rPr lang="en-US" baseline="0" dirty="0" smtClean="0"/>
+              <a:t>. </a:t>
+            </a:r>
+            <a:r>
+              <a:rPr lang="en-US" baseline="0" dirty="0" err="1" smtClean="0"/>
+              <a:t>Bảng</a:t>
+            </a:r>
+            <a:r>
+              <a:rPr lang="en-US" baseline="0" dirty="0" smtClean="0"/>
+              <a:t> </a:t>
+            </a:r>
+            <a:r>
+              <a:rPr lang="en-US" baseline="0" dirty="0" err="1" smtClean="0"/>
+              <a:t>chính</a:t>
+            </a:r>
+            <a:r>
+              <a:rPr lang="en-US" baseline="0" dirty="0" smtClean="0"/>
+              <a:t> ở </a:t>
+            </a:r>
+            <a:r>
+              <a:rPr lang="en-US" baseline="0" dirty="0" err="1" smtClean="0"/>
+              <a:t>đây</a:t>
+            </a:r>
+            <a:r>
+              <a:rPr lang="en-US" baseline="0" dirty="0" smtClean="0"/>
+              <a:t> </a:t>
+            </a:r>
+            <a:r>
+              <a:rPr lang="en-US" baseline="0" dirty="0" err="1" smtClean="0"/>
+              <a:t>mày</a:t>
+            </a:r>
+            <a:r>
+              <a:rPr lang="en-US" baseline="0" dirty="0" smtClean="0"/>
+              <a:t> </a:t>
+            </a:r>
+            <a:r>
+              <a:rPr lang="en-US" baseline="0" dirty="0" err="1" smtClean="0"/>
+              <a:t>làm</a:t>
+            </a:r>
+            <a:r>
+              <a:rPr lang="en-US" baseline="0" dirty="0" smtClean="0"/>
+              <a:t> </a:t>
+            </a:r>
+            <a:r>
+              <a:rPr lang="en-US" baseline="0" dirty="0" err="1" smtClean="0"/>
+              <a:t>cho</a:t>
+            </a:r>
+            <a:r>
+              <a:rPr lang="en-US" baseline="0" dirty="0" smtClean="0"/>
+              <a:t> </a:t>
+            </a:r>
+            <a:r>
+              <a:rPr lang="en-US" baseline="0" dirty="0" err="1" smtClean="0"/>
+              <a:t>tao</a:t>
+            </a:r>
+            <a:r>
+              <a:rPr lang="en-US" baseline="0" dirty="0" smtClean="0"/>
+              <a:t> 2 </a:t>
+            </a:r>
+            <a:r>
+              <a:rPr lang="en-US" baseline="0" dirty="0" err="1" smtClean="0"/>
+              <a:t>bảng</a:t>
+            </a:r>
+            <a:r>
+              <a:rPr lang="en-US" baseline="0" dirty="0" smtClean="0"/>
+              <a:t> </a:t>
+            </a:r>
+            <a:r>
+              <a:rPr lang="en-US" baseline="0" dirty="0" err="1" smtClean="0"/>
+              <a:t>là</a:t>
+            </a:r>
+            <a:r>
+              <a:rPr lang="en-US" baseline="0" dirty="0" smtClean="0"/>
+              <a:t> question </a:t>
+            </a:r>
+            <a:r>
+              <a:rPr lang="en-US" baseline="0" dirty="0" err="1" smtClean="0"/>
+              <a:t>và</a:t>
+            </a:r>
+            <a:r>
+              <a:rPr lang="en-US" baseline="0" dirty="0" smtClean="0"/>
+              <a:t> answer. 2 </a:t>
+            </a:r>
+            <a:r>
+              <a:rPr lang="en-US" baseline="0" dirty="0" err="1" smtClean="0"/>
+              <a:t>bảng</a:t>
+            </a:r>
+            <a:r>
+              <a:rPr lang="en-US" baseline="0" dirty="0" smtClean="0"/>
+              <a:t> </a:t>
+            </a:r>
+            <a:r>
+              <a:rPr lang="en-US" baseline="0" dirty="0" err="1" smtClean="0"/>
+              <a:t>đấy</a:t>
+            </a:r>
+            <a:r>
+              <a:rPr lang="en-US" baseline="0" dirty="0" smtClean="0"/>
+              <a:t> </a:t>
+            </a:r>
+            <a:r>
+              <a:rPr lang="en-US" baseline="0" dirty="0" err="1" smtClean="0"/>
+              <a:t>dễ</a:t>
+            </a:r>
+            <a:r>
+              <a:rPr lang="en-US" baseline="0" dirty="0" smtClean="0"/>
+              <a:t> </a:t>
+            </a:r>
+            <a:r>
+              <a:rPr lang="en-US" baseline="0" dirty="0" err="1" smtClean="0"/>
+              <a:t>nói</a:t>
+            </a:r>
+            <a:r>
+              <a:rPr lang="en-US" baseline="0" dirty="0" smtClean="0"/>
+              <a:t> </a:t>
+            </a:r>
+            <a:r>
+              <a:rPr lang="en-US" baseline="0" dirty="0" err="1" smtClean="0"/>
+              <a:t>nhất</a:t>
+            </a:r>
+            <a:r>
+              <a:rPr lang="en-US" baseline="0" dirty="0" smtClean="0"/>
+              <a:t> </a:t>
+            </a:r>
+            <a:r>
+              <a:rPr lang="en-US" baseline="0" dirty="0" err="1" smtClean="0"/>
+              <a:t>mà</a:t>
+            </a:r>
+            <a:r>
+              <a:rPr lang="en-US" baseline="0" dirty="0" smtClean="0"/>
+              <a:t> </a:t>
+            </a:r>
+            <a:r>
+              <a:rPr lang="en-US" baseline="0" dirty="0" err="1" smtClean="0"/>
+              <a:t>mình</a:t>
+            </a:r>
+            <a:r>
+              <a:rPr lang="en-US" baseline="0" dirty="0" smtClean="0"/>
+              <a:t> code </a:t>
+            </a:r>
+            <a:r>
+              <a:rPr lang="en-US" baseline="0" dirty="0" err="1" smtClean="0"/>
+              <a:t>cũng</a:t>
+            </a:r>
+            <a:r>
+              <a:rPr lang="en-US" baseline="0" dirty="0" smtClean="0"/>
+              <a:t> </a:t>
+            </a:r>
+            <a:r>
+              <a:rPr lang="en-US" baseline="0" dirty="0" err="1" smtClean="0"/>
+              <a:t>xoáy</a:t>
+            </a:r>
+            <a:r>
+              <a:rPr lang="en-US" baseline="0" dirty="0" smtClean="0"/>
+              <a:t> </a:t>
+            </a:r>
+            <a:r>
+              <a:rPr lang="en-US" baseline="0" dirty="0" err="1" smtClean="0"/>
+              <a:t>vào</a:t>
+            </a:r>
+            <a:r>
+              <a:rPr lang="en-US" baseline="0" dirty="0" smtClean="0"/>
+              <a:t> 2 </a:t>
+            </a:r>
+            <a:r>
+              <a:rPr lang="en-US" baseline="0" dirty="0" err="1" smtClean="0"/>
+              <a:t>bảng</a:t>
+            </a:r>
+            <a:r>
+              <a:rPr lang="en-US" baseline="0" dirty="0" smtClean="0"/>
+              <a:t> </a:t>
+            </a:r>
+            <a:r>
+              <a:rPr lang="en-US" baseline="0" dirty="0" err="1" smtClean="0"/>
+              <a:t>đấy</a:t>
+            </a:r>
+            <a:r>
+              <a:rPr lang="en-US" baseline="0" dirty="0" smtClean="0"/>
+              <a:t> </a:t>
+            </a:r>
+            <a:r>
+              <a:rPr lang="en-US" baseline="0" dirty="0" err="1" smtClean="0"/>
+              <a:t>thôi</a:t>
+            </a:r>
+            <a:r>
+              <a:rPr lang="en-US" baseline="0" dirty="0" smtClean="0"/>
+              <a:t>. </a:t>
+            </a:r>
+            <a:r>
+              <a:rPr lang="en-US" baseline="0" dirty="0" err="1" smtClean="0"/>
+              <a:t>Bôi</a:t>
+            </a:r>
+            <a:r>
+              <a:rPr lang="en-US" baseline="0" dirty="0" smtClean="0"/>
+              <a:t> </a:t>
+            </a:r>
+            <a:r>
+              <a:rPr lang="en-US" baseline="0" dirty="0" err="1" smtClean="0"/>
+              <a:t>màu</a:t>
+            </a:r>
+            <a:r>
+              <a:rPr lang="en-US" baseline="0" dirty="0" smtClean="0"/>
+              <a:t> </a:t>
+            </a:r>
+            <a:r>
+              <a:rPr lang="en-US" baseline="0" dirty="0" err="1" smtClean="0"/>
+              <a:t>xanh</a:t>
+            </a:r>
+            <a:r>
+              <a:rPr lang="en-US" baseline="0" dirty="0" smtClean="0"/>
+              <a:t> </a:t>
+            </a:r>
+            <a:r>
+              <a:rPr lang="en-US" baseline="0" dirty="0" err="1" smtClean="0"/>
+              <a:t>đỏ</a:t>
+            </a:r>
+            <a:r>
+              <a:rPr lang="en-US" baseline="0" dirty="0" smtClean="0"/>
+              <a:t> </a:t>
+            </a:r>
+            <a:r>
+              <a:rPr lang="en-US" baseline="0" dirty="0" err="1" smtClean="0"/>
+              <a:t>tím</a:t>
+            </a:r>
+            <a:r>
+              <a:rPr lang="en-US" baseline="0" dirty="0" smtClean="0"/>
+              <a:t> </a:t>
+            </a:r>
+            <a:r>
+              <a:rPr lang="en-US" baseline="0" dirty="0" err="1" smtClean="0"/>
+              <a:t>vàng</a:t>
+            </a:r>
+            <a:r>
+              <a:rPr lang="en-US" baseline="0" dirty="0" smtClean="0"/>
+              <a:t> </a:t>
+            </a:r>
+            <a:r>
+              <a:rPr lang="en-US" baseline="0" dirty="0" err="1" smtClean="0"/>
+              <a:t>gì</a:t>
+            </a:r>
+            <a:r>
+              <a:rPr lang="en-US" baseline="0" dirty="0" smtClean="0"/>
+              <a:t> </a:t>
+            </a:r>
+            <a:r>
+              <a:rPr lang="en-US" baseline="0" dirty="0" err="1" smtClean="0"/>
+              <a:t>gì</a:t>
+            </a:r>
+            <a:r>
+              <a:rPr lang="en-US" baseline="0" dirty="0" smtClean="0"/>
+              <a:t> </a:t>
+            </a:r>
+            <a:r>
+              <a:rPr lang="en-US" baseline="0" dirty="0" err="1" smtClean="0"/>
+              <a:t>đấy</a:t>
+            </a:r>
+            <a:r>
+              <a:rPr lang="en-US" baseline="0" dirty="0" smtClean="0"/>
+              <a:t> </a:t>
+            </a:r>
+            <a:r>
+              <a:rPr lang="en-US" baseline="0" dirty="0" err="1" smtClean="0"/>
+              <a:t>quanh</a:t>
+            </a:r>
+            <a:r>
+              <a:rPr lang="en-US" baseline="0" dirty="0" smtClean="0"/>
+              <a:t> </a:t>
+            </a:r>
+            <a:r>
+              <a:rPr lang="en-US" baseline="0" dirty="0" err="1" smtClean="0"/>
+              <a:t>cái</a:t>
+            </a:r>
+            <a:r>
+              <a:rPr lang="en-US" baseline="0" dirty="0" smtClean="0"/>
+              <a:t> </a:t>
+            </a:r>
+            <a:r>
+              <a:rPr lang="en-US" baseline="0" dirty="0" err="1" smtClean="0"/>
+              <a:t>bảng</a:t>
+            </a:r>
+            <a:r>
+              <a:rPr lang="en-US" baseline="0" dirty="0" smtClean="0"/>
+              <a:t> </a:t>
+            </a:r>
+            <a:r>
+              <a:rPr lang="en-US" baseline="0" dirty="0" err="1" smtClean="0"/>
+              <a:t>chính</a:t>
+            </a:r>
+            <a:r>
+              <a:rPr lang="en-US" baseline="0" dirty="0" smtClean="0"/>
+              <a:t> </a:t>
+            </a:r>
+            <a:r>
+              <a:rPr lang="en-US" baseline="0" dirty="0" err="1" smtClean="0"/>
+              <a:t>cho</a:t>
+            </a:r>
+            <a:r>
+              <a:rPr lang="en-US" baseline="0" dirty="0" smtClean="0"/>
+              <a:t> </a:t>
+            </a:r>
+            <a:r>
+              <a:rPr lang="en-US" baseline="0" dirty="0" err="1" smtClean="0"/>
+              <a:t>nó</a:t>
+            </a:r>
+            <a:r>
+              <a:rPr lang="en-US" baseline="0" dirty="0" smtClean="0"/>
+              <a:t> </a:t>
+            </a:r>
+            <a:r>
+              <a:rPr lang="en-US" baseline="0" dirty="0" err="1" smtClean="0"/>
+              <a:t>nổi</a:t>
+            </a:r>
+            <a:r>
+              <a:rPr lang="en-US" baseline="0" dirty="0" smtClean="0"/>
+              <a:t> </a:t>
+            </a:r>
+            <a:r>
+              <a:rPr lang="en-US" baseline="0" dirty="0" err="1" smtClean="0"/>
+              <a:t>bật</a:t>
+            </a:r>
+            <a:r>
+              <a:rPr lang="en-US" baseline="0" dirty="0" smtClean="0"/>
+              <a:t> </a:t>
+            </a:r>
+            <a:r>
+              <a:rPr lang="en-US" baseline="0" dirty="0" err="1" smtClean="0"/>
+              <a:t>lên</a:t>
+            </a:r>
+            <a:endParaRPr lang="en-US" dirty="0"/>
+          </a:p>
+        </p:txBody>
+      </p:sp>
+      <p:sp>
+        <p:nvSpPr>
+          <p:cNvPr id="4" name="Slide Number Placeholder 3"/>
+          <p:cNvSpPr>
+            <a:spLocks noGrp="1"/>
+          </p:cNvSpPr>
+          <p:nvPr>
+            <p:ph type="sldNum" sz="quarter" idx="10"/>
+          </p:nvPr>
+        </p:nvSpPr>
+        <p:spPr/>
+        <p:txBody>
+          <a:bodyPr/>
+          <a:lstStyle/>
+          <a:p>
+            <a:fld id="{94349F02-7B7E-4405-841E-9FEA710E9D5A}" type="slidenum">
+              <a:rPr lang="en-US" smtClean="0"/>
+              <a:pPr/>
+              <a:t>26</a:t>
+            </a:fld>
+            <a:endParaRPr lang="en-US"/>
+          </a:p>
+        </p:txBody>
+      </p:sp>
+      <p:sp>
+        <p:nvSpPr>
+          <p:cNvPr id="5" name="Footer Placeholder 4"/>
+          <p:cNvSpPr>
+            <a:spLocks noGrp="1"/>
+          </p:cNvSpPr>
+          <p:nvPr>
+            <p:ph type="ftr" sz="quarter" idx="11"/>
+          </p:nvPr>
+        </p:nvSpPr>
+        <p:spPr/>
+        <p:txBody>
+          <a:bodyPr/>
+          <a:lstStyle/>
+          <a:p>
+            <a:endParaRPr lang="en-US"/>
+          </a:p>
+        </p:txBody>
+      </p:sp>
+    </p:spTree>
+    <p:extLst>
+      <p:ext uri="{BB962C8B-B14F-4D97-AF65-F5344CB8AC3E}">
+        <p14:creationId xmlns:p14="http://schemas.microsoft.com/office/powerpoint/2010/main" val="4240182568"/>
+      </p:ext>
+    </p:extLst>
+  </p:cSld>
+  <p:clrMapOvr>
+    <a:masterClrMapping/>
+  </p:clrMapOvr>
+</p:notes>
+</file>
+
+<file path=ppt/notesSlides/notesSlide22.xml><?xml version="1.0" encoding="utf-8"?>
+<p:notes xmlns:a="http://schemas.openxmlformats.org/drawingml/2006/main" xmlns:r="http://schemas.openxmlformats.org/officeDocument/2006/relationships" xmlns:p="http://schemas.openxmlformats.org/presentationml/2006/main">
+  <p:cSld>
+    <p:spTree>
+      <p:nvGrpSpPr>
+        <p:cNvPr id="1" name=""/>
+        <p:cNvGrpSpPr/>
+        <p:nvPr/>
+      </p:nvGrpSpPr>
+      <p:grpSpPr>
+        <a:xfrm>
+          <a:off x="0" y="0"/>
+          <a:ext cx="0" cy="0"/>
+          <a:chOff x="0" y="0"/>
+          <a:chExt cx="0" cy="0"/>
+        </a:xfrm>
+      </p:grpSpPr>
+      <p:sp>
+        <p:nvSpPr>
+          <p:cNvPr id="2" name="Slide Image Placeholder 1"/>
+          <p:cNvSpPr>
+            <a:spLocks noGrp="1" noRot="1" noChangeAspect="1"/>
+          </p:cNvSpPr>
+          <p:nvPr>
+            <p:ph type="sldImg"/>
+          </p:nvPr>
+        </p:nvSpPr>
+        <p:spPr/>
+      </p:sp>
+      <p:sp>
+        <p:nvSpPr>
+          <p:cNvPr id="3" name="Notes Placeholder 2"/>
+          <p:cNvSpPr>
+            <a:spLocks noGrp="1"/>
+          </p:cNvSpPr>
+          <p:nvPr>
+            <p:ph type="body" idx="1"/>
+          </p:nvPr>
+        </p:nvSpPr>
+        <p:spPr/>
+        <p:txBody>
+          <a:bodyPr/>
+          <a:lstStyle/>
+          <a:p>
+            <a:r>
+              <a:rPr lang="en-US" dirty="0" err="1" smtClean="0"/>
+              <a:t>Đồ</a:t>
+            </a:r>
+            <a:r>
+              <a:rPr lang="en-US" baseline="0" dirty="0" smtClean="0"/>
+              <a:t> </a:t>
+            </a:r>
+            <a:r>
+              <a:rPr lang="en-US" baseline="0" dirty="0" err="1" smtClean="0"/>
+              <a:t>án</a:t>
+            </a:r>
+            <a:r>
+              <a:rPr lang="en-US" baseline="0" dirty="0" smtClean="0"/>
+              <a:t> </a:t>
+            </a:r>
+            <a:r>
+              <a:rPr lang="en-US" baseline="0" dirty="0" err="1" smtClean="0"/>
+              <a:t>chúng</a:t>
+            </a:r>
+            <a:r>
+              <a:rPr lang="en-US" baseline="0" dirty="0" smtClean="0"/>
+              <a:t> e </a:t>
+            </a:r>
+            <a:r>
+              <a:rPr lang="en-US" baseline="0" dirty="0" err="1" smtClean="0"/>
+              <a:t>có</a:t>
+            </a:r>
+            <a:r>
+              <a:rPr lang="en-US" baseline="0" dirty="0" smtClean="0"/>
+              <a:t> 3 </a:t>
+            </a:r>
+            <a:r>
+              <a:rPr lang="en-US" baseline="0" dirty="0" err="1" smtClean="0"/>
+              <a:t>giai</a:t>
+            </a:r>
+            <a:r>
+              <a:rPr lang="en-US" baseline="0" dirty="0" smtClean="0"/>
+              <a:t> </a:t>
+            </a:r>
+            <a:r>
+              <a:rPr lang="en-US" baseline="0" dirty="0" err="1" smtClean="0"/>
+              <a:t>đoạn</a:t>
+            </a:r>
+            <a:r>
+              <a:rPr lang="en-US" baseline="0" dirty="0" smtClean="0"/>
+              <a:t> test: Unit test, integration test </a:t>
+            </a:r>
+            <a:r>
+              <a:rPr lang="en-US" baseline="0" dirty="0" err="1" smtClean="0"/>
+              <a:t>và</a:t>
+            </a:r>
+            <a:r>
+              <a:rPr lang="en-US" baseline="0" dirty="0" smtClean="0"/>
+              <a:t> system test. </a:t>
+            </a:r>
+            <a:r>
+              <a:rPr lang="en-US" baseline="0" dirty="0" err="1" smtClean="0"/>
+              <a:t>Trong</a:t>
+            </a:r>
+            <a:r>
+              <a:rPr lang="en-US" baseline="0" dirty="0" smtClean="0"/>
+              <a:t> </a:t>
+            </a:r>
+            <a:r>
+              <a:rPr lang="en-US" baseline="0" dirty="0" err="1" smtClean="0"/>
+              <a:t>đó</a:t>
+            </a:r>
+            <a:r>
+              <a:rPr lang="en-US" baseline="0" dirty="0" smtClean="0"/>
+              <a:t> unit test, </a:t>
+            </a:r>
+            <a:r>
+              <a:rPr lang="en-US" baseline="0" dirty="0" err="1" smtClean="0"/>
+              <a:t>chúng</a:t>
+            </a:r>
+            <a:r>
+              <a:rPr lang="en-US" baseline="0" dirty="0" smtClean="0"/>
+              <a:t> e test song </a:t>
+            </a:r>
+            <a:r>
+              <a:rPr lang="en-US" baseline="0" dirty="0" err="1" smtClean="0"/>
+              <a:t>song</a:t>
+            </a:r>
+            <a:r>
+              <a:rPr lang="en-US" baseline="0" dirty="0" smtClean="0"/>
+              <a:t> </a:t>
+            </a:r>
+            <a:r>
+              <a:rPr lang="en-US" baseline="0" dirty="0" err="1" smtClean="0"/>
+              <a:t>trong</a:t>
+            </a:r>
+            <a:r>
+              <a:rPr lang="en-US" baseline="0" dirty="0" smtClean="0"/>
+              <a:t> </a:t>
+            </a:r>
+            <a:r>
+              <a:rPr lang="en-US" baseline="0" dirty="0" err="1" smtClean="0"/>
+              <a:t>quá</a:t>
+            </a:r>
+            <a:r>
+              <a:rPr lang="en-US" baseline="0" dirty="0" smtClean="0"/>
+              <a:t> </a:t>
+            </a:r>
+            <a:r>
+              <a:rPr lang="en-US" baseline="0" dirty="0" err="1" smtClean="0"/>
+              <a:t>trình</a:t>
+            </a:r>
+            <a:r>
+              <a:rPr lang="en-US" baseline="0" dirty="0" smtClean="0"/>
+              <a:t> code.</a:t>
+            </a:r>
+          </a:p>
+        </p:txBody>
+      </p:sp>
+      <p:sp>
+        <p:nvSpPr>
+          <p:cNvPr id="4" name="Slide Number Placeholder 3"/>
+          <p:cNvSpPr>
+            <a:spLocks noGrp="1"/>
+          </p:cNvSpPr>
+          <p:nvPr>
+            <p:ph type="sldNum" sz="quarter" idx="10"/>
+          </p:nvPr>
+        </p:nvSpPr>
+        <p:spPr/>
+        <p:txBody>
+          <a:bodyPr/>
+          <a:lstStyle/>
+          <a:p>
+            <a:fld id="{94349F02-7B7E-4405-841E-9FEA710E9D5A}" type="slidenum">
+              <a:rPr lang="en-US" smtClean="0"/>
+              <a:pPr/>
+              <a:t>29</a:t>
+            </a:fld>
+            <a:endParaRPr lang="en-US"/>
+          </a:p>
+        </p:txBody>
+      </p:sp>
+      <p:sp>
+        <p:nvSpPr>
+          <p:cNvPr id="5" name="Footer Placeholder 4"/>
+          <p:cNvSpPr>
+            <a:spLocks noGrp="1"/>
+          </p:cNvSpPr>
+          <p:nvPr>
+            <p:ph type="ftr" sz="quarter" idx="11"/>
+          </p:nvPr>
+        </p:nvSpPr>
+        <p:spPr/>
+        <p:txBody>
+          <a:bodyPr/>
+          <a:lstStyle/>
+          <a:p>
+            <a:endParaRPr lang="en-US"/>
+          </a:p>
+        </p:txBody>
+      </p:sp>
+    </p:spTree>
+    <p:extLst>
+      <p:ext uri="{BB962C8B-B14F-4D97-AF65-F5344CB8AC3E}">
+        <p14:creationId xmlns:p14="http://schemas.microsoft.com/office/powerpoint/2010/main" val="1189329684"/>
+      </p:ext>
+    </p:extLst>
+  </p:cSld>
+  <p:clrMapOvr>
+    <a:masterClrMapping/>
+  </p:clrMapOvr>
+</p:notes>
+</file>
+
+<file path=ppt/notesSlides/notesSlide23.xml><?xml version="1.0" encoding="utf-8"?>
+<p:notes xmlns:a="http://schemas.openxmlformats.org/drawingml/2006/main" xmlns:r="http://schemas.openxmlformats.org/officeDocument/2006/relationships" xmlns:p="http://schemas.openxmlformats.org/presentationml/2006/main">
+  <p:cSld>
+    <p:spTree>
+      <p:nvGrpSpPr>
+        <p:cNvPr id="1" name=""/>
+        <p:cNvGrpSpPr/>
+        <p:nvPr/>
+      </p:nvGrpSpPr>
+      <p:grpSpPr>
+        <a:xfrm>
+          <a:off x="0" y="0"/>
+          <a:ext cx="0" cy="0"/>
+          <a:chOff x="0" y="0"/>
+          <a:chExt cx="0" cy="0"/>
+        </a:xfrm>
+      </p:grpSpPr>
+      <p:sp>
+        <p:nvSpPr>
+          <p:cNvPr id="2" name="Slide Image Placeholder 1"/>
+          <p:cNvSpPr>
+            <a:spLocks noGrp="1" noRot="1" noChangeAspect="1"/>
+          </p:cNvSpPr>
+          <p:nvPr>
+            <p:ph type="sldImg"/>
+          </p:nvPr>
+        </p:nvSpPr>
+        <p:spPr/>
+      </p:sp>
+      <p:sp>
+        <p:nvSpPr>
+          <p:cNvPr id="3" name="Notes Placeholder 2"/>
+          <p:cNvSpPr>
+            <a:spLocks noGrp="1"/>
+          </p:cNvSpPr>
+          <p:nvPr>
+            <p:ph type="body" idx="1"/>
+          </p:nvPr>
+        </p:nvSpPr>
+        <p:spPr/>
+        <p:txBody>
+          <a:bodyPr/>
+          <a:lstStyle/>
+          <a:p>
+            <a:pPr eaLnBrk="1" hangingPunct="1"/>
+            <a:r>
+              <a:rPr lang="en-US" dirty="0" err="1" smtClean="0"/>
+              <a:t>Chún</a:t>
+            </a:r>
+            <a:r>
+              <a:rPr lang="en-US" baseline="0" dirty="0" err="1" smtClean="0"/>
+              <a:t>g</a:t>
+            </a:r>
+            <a:r>
+              <a:rPr lang="en-US" baseline="0" dirty="0" smtClean="0"/>
+              <a:t> e </a:t>
+            </a:r>
+            <a:r>
+              <a:rPr lang="en-US" baseline="0" dirty="0" err="1" smtClean="0"/>
+              <a:t>sử</a:t>
+            </a:r>
+            <a:r>
+              <a:rPr lang="en-US" baseline="0" dirty="0" smtClean="0"/>
+              <a:t> </a:t>
+            </a:r>
+            <a:r>
+              <a:rPr lang="en-US" baseline="0" dirty="0" err="1" smtClean="0"/>
+              <a:t>dụng</a:t>
+            </a:r>
+            <a:r>
+              <a:rPr lang="en-US" baseline="0" dirty="0" smtClean="0"/>
+              <a:t> V-model </a:t>
+            </a:r>
+            <a:r>
+              <a:rPr lang="en-US" baseline="0" dirty="0" err="1" smtClean="0"/>
+              <a:t>trong</a:t>
+            </a:r>
+            <a:r>
+              <a:rPr lang="en-US" baseline="0" dirty="0" smtClean="0"/>
+              <a:t> </a:t>
+            </a:r>
+            <a:r>
+              <a:rPr lang="en-US" baseline="0" dirty="0" err="1" smtClean="0"/>
+              <a:t>quá</a:t>
+            </a:r>
+            <a:r>
+              <a:rPr lang="en-US" baseline="0" dirty="0" smtClean="0"/>
+              <a:t> </a:t>
+            </a:r>
+            <a:r>
+              <a:rPr lang="en-US" baseline="0" dirty="0" err="1" smtClean="0"/>
+              <a:t>trình</a:t>
+            </a:r>
+            <a:r>
+              <a:rPr lang="en-US" baseline="0" dirty="0" smtClean="0"/>
+              <a:t> test, </a:t>
+            </a:r>
+            <a:r>
+              <a:rPr lang="en-US" baseline="0" dirty="0" err="1" smtClean="0"/>
+              <a:t>mô</a:t>
+            </a:r>
+            <a:r>
+              <a:rPr lang="en-US" baseline="0" dirty="0" smtClean="0"/>
+              <a:t> </a:t>
+            </a:r>
+            <a:r>
+              <a:rPr lang="en-US" baseline="0" dirty="0" err="1" smtClean="0"/>
+              <a:t>hình</a:t>
+            </a:r>
+            <a:r>
+              <a:rPr lang="en-US" baseline="0" dirty="0" smtClean="0"/>
+              <a:t> </a:t>
+            </a:r>
+            <a:r>
+              <a:rPr lang="en-US" baseline="0" dirty="0" err="1" smtClean="0"/>
+              <a:t>này</a:t>
+            </a:r>
+            <a:r>
+              <a:rPr lang="en-US" baseline="0" dirty="0" smtClean="0"/>
+              <a:t> </a:t>
+            </a:r>
+            <a:r>
+              <a:rPr lang="en-US" baseline="0" dirty="0" err="1" smtClean="0"/>
+              <a:t>giúp</a:t>
+            </a:r>
+            <a:r>
+              <a:rPr lang="en-US" baseline="0" dirty="0" smtClean="0"/>
+              <a:t> </a:t>
+            </a:r>
+            <a:r>
+              <a:rPr lang="en-US" baseline="0" dirty="0" err="1" smtClean="0"/>
+              <a:t>nhóm</a:t>
+            </a:r>
+            <a:r>
+              <a:rPr lang="en-US" baseline="0" dirty="0" smtClean="0"/>
+              <a:t> e:</a:t>
+            </a:r>
+          </a:p>
+          <a:p>
+            <a:pPr eaLnBrk="1" hangingPunct="1"/>
+            <a:endParaRPr lang="en-US" dirty="0" smtClean="0"/>
+          </a:p>
+          <a:p>
+            <a:pPr eaLnBrk="1" hangingPunct="1"/>
+            <a:r>
+              <a:rPr lang="en-US" dirty="0" smtClean="0"/>
+              <a:t>- </a:t>
+            </a:r>
+            <a:r>
+              <a:rPr lang="en-US" dirty="0" err="1" smtClean="0"/>
+              <a:t>Có</a:t>
+            </a:r>
+            <a:r>
+              <a:rPr lang="en-US" baseline="0" dirty="0" smtClean="0"/>
+              <a:t> </a:t>
+            </a:r>
+            <a:r>
+              <a:rPr lang="en-US" baseline="0" dirty="0" err="1" smtClean="0"/>
+              <a:t>thể</a:t>
+            </a:r>
+            <a:r>
+              <a:rPr lang="en-US" baseline="0" dirty="0" smtClean="0"/>
+              <a:t> test </a:t>
+            </a:r>
+            <a:r>
+              <a:rPr lang="en-US" baseline="0" dirty="0" err="1" smtClean="0"/>
+              <a:t>cuốn</a:t>
+            </a:r>
+            <a:r>
+              <a:rPr lang="en-US" baseline="0" dirty="0" smtClean="0"/>
+              <a:t> </a:t>
+            </a:r>
+            <a:r>
+              <a:rPr lang="en-US" baseline="0" dirty="0" err="1" smtClean="0"/>
+              <a:t>chiếu</a:t>
+            </a:r>
+            <a:r>
+              <a:rPr lang="en-US" baseline="0" dirty="0" smtClean="0"/>
+              <a:t>, code </a:t>
+            </a:r>
+            <a:r>
+              <a:rPr lang="en-US" baseline="0" dirty="0" err="1" smtClean="0"/>
+              <a:t>và</a:t>
+            </a:r>
+            <a:r>
+              <a:rPr lang="en-US" baseline="0" dirty="0" smtClean="0"/>
+              <a:t> test song </a:t>
+            </a:r>
+            <a:r>
+              <a:rPr lang="en-US" baseline="0" dirty="0" err="1" smtClean="0"/>
+              <a:t>song</a:t>
+            </a:r>
+            <a:r>
+              <a:rPr lang="en-US" baseline="0" dirty="0" smtClean="0"/>
+              <a:t>.</a:t>
+            </a:r>
+            <a:endParaRPr lang="en-US" dirty="0" smtClean="0"/>
+          </a:p>
+          <a:p>
+            <a:pPr eaLnBrk="1" hangingPunct="1"/>
+            <a:r>
+              <a:rPr lang="en-US" dirty="0" smtClean="0"/>
+              <a:t>-</a:t>
+            </a:r>
+            <a:r>
+              <a:rPr lang="en-US" baseline="0" dirty="0" smtClean="0"/>
+              <a:t> </a:t>
+            </a:r>
+            <a:r>
+              <a:rPr lang="en-US" baseline="0" dirty="0" err="1" smtClean="0"/>
+              <a:t>Tận</a:t>
+            </a:r>
+            <a:r>
+              <a:rPr lang="en-US" baseline="0" dirty="0" smtClean="0"/>
+              <a:t> </a:t>
+            </a:r>
+            <a:r>
+              <a:rPr lang="en-US" baseline="0" dirty="0" err="1" smtClean="0"/>
+              <a:t>dụng</a:t>
+            </a:r>
+            <a:r>
+              <a:rPr lang="en-US" baseline="0" dirty="0" smtClean="0"/>
+              <a:t> </a:t>
+            </a:r>
+            <a:r>
+              <a:rPr lang="en-US" baseline="0" dirty="0" err="1" smtClean="0"/>
+              <a:t>tối</a:t>
+            </a:r>
+            <a:r>
+              <a:rPr lang="en-US" baseline="0" dirty="0" smtClean="0"/>
+              <a:t> </a:t>
+            </a:r>
+            <a:r>
+              <a:rPr lang="en-US" baseline="0" dirty="0" err="1" smtClean="0"/>
+              <a:t>đa</a:t>
+            </a:r>
+            <a:r>
+              <a:rPr lang="en-US" baseline="0" dirty="0" smtClean="0"/>
+              <a:t> </a:t>
+            </a:r>
+            <a:r>
+              <a:rPr lang="en-US" baseline="0" dirty="0" err="1" smtClean="0"/>
+              <a:t>thời</a:t>
+            </a:r>
+            <a:r>
+              <a:rPr lang="en-US" baseline="0" dirty="0" smtClean="0"/>
+              <a:t> </a:t>
+            </a:r>
+            <a:r>
+              <a:rPr lang="en-US" baseline="0" dirty="0" err="1" smtClean="0"/>
+              <a:t>gian</a:t>
+            </a:r>
+            <a:r>
+              <a:rPr lang="en-US" baseline="0" dirty="0" smtClean="0"/>
+              <a:t> </a:t>
+            </a:r>
+            <a:r>
+              <a:rPr lang="en-US" baseline="0" dirty="0" err="1" smtClean="0"/>
+              <a:t>của</a:t>
+            </a:r>
+            <a:r>
+              <a:rPr lang="en-US" baseline="0" dirty="0" smtClean="0"/>
+              <a:t> </a:t>
+            </a:r>
+            <a:r>
+              <a:rPr lang="en-US" baseline="0" dirty="0" err="1" smtClean="0"/>
+              <a:t>các</a:t>
+            </a:r>
+            <a:r>
+              <a:rPr lang="en-US" baseline="0" dirty="0" smtClean="0"/>
+              <a:t> </a:t>
+            </a:r>
+            <a:r>
+              <a:rPr lang="en-US" baseline="0" dirty="0" err="1" smtClean="0"/>
+              <a:t>thành</a:t>
+            </a:r>
+            <a:r>
+              <a:rPr lang="en-US" baseline="0" dirty="0" smtClean="0"/>
+              <a:t> </a:t>
+            </a:r>
+            <a:r>
+              <a:rPr lang="en-US" baseline="0" dirty="0" err="1" smtClean="0"/>
+              <a:t>viên</a:t>
+            </a:r>
+            <a:r>
+              <a:rPr lang="en-US" baseline="0" dirty="0" smtClean="0"/>
+              <a:t>.</a:t>
+            </a:r>
+            <a:endParaRPr lang="en-US" dirty="0" smtClean="0"/>
+          </a:p>
+        </p:txBody>
+      </p:sp>
+      <p:sp>
+        <p:nvSpPr>
+          <p:cNvPr id="4" name="Slide Number Placeholder 3"/>
+          <p:cNvSpPr>
+            <a:spLocks noGrp="1"/>
+          </p:cNvSpPr>
+          <p:nvPr>
+            <p:ph type="sldNum" sz="quarter" idx="10"/>
+          </p:nvPr>
+        </p:nvSpPr>
+        <p:spPr/>
+        <p:txBody>
+          <a:bodyPr/>
+          <a:lstStyle/>
+          <a:p>
+            <a:fld id="{94349F02-7B7E-4405-841E-9FEA710E9D5A}" type="slidenum">
+              <a:rPr lang="en-US" smtClean="0"/>
+              <a:pPr/>
+              <a:t>30</a:t>
+            </a:fld>
+            <a:endParaRPr lang="en-US"/>
+          </a:p>
+        </p:txBody>
+      </p:sp>
+      <p:sp>
+        <p:nvSpPr>
+          <p:cNvPr id="5" name="Footer Placeholder 4"/>
+          <p:cNvSpPr>
+            <a:spLocks noGrp="1"/>
+          </p:cNvSpPr>
+          <p:nvPr>
+            <p:ph type="ftr" sz="quarter" idx="11"/>
+          </p:nvPr>
+        </p:nvSpPr>
+        <p:spPr/>
+        <p:txBody>
+          <a:bodyPr/>
+          <a:lstStyle/>
+          <a:p>
+            <a:endParaRPr lang="en-US"/>
+          </a:p>
+        </p:txBody>
+      </p:sp>
+    </p:spTree>
+    <p:extLst>
+      <p:ext uri="{BB962C8B-B14F-4D97-AF65-F5344CB8AC3E}">
+        <p14:creationId xmlns:p14="http://schemas.microsoft.com/office/powerpoint/2010/main" val="4230026582"/>
+      </p:ext>
+    </p:extLst>
+  </p:cSld>
+  <p:clrMapOvr>
+    <a:masterClrMapping/>
+  </p:clrMapOvr>
+</p:notes>
+</file>
+
+<file path=ppt/notesSlides/notesSlide24.xml><?xml version="1.0" encoding="utf-8"?>
+<p:notes xmlns:a="http://schemas.openxmlformats.org/drawingml/2006/main" xmlns:r="http://schemas.openxmlformats.org/officeDocument/2006/relationships" xmlns:p="http://schemas.openxmlformats.org/presentationml/2006/main">
+  <p:cSld>
+    <p:spTree>
+      <p:nvGrpSpPr>
+        <p:cNvPr id="1" name=""/>
+        <p:cNvGrpSpPr/>
+        <p:nvPr/>
+      </p:nvGrpSpPr>
+      <p:grpSpPr>
+        <a:xfrm>
+          <a:off x="0" y="0"/>
+          <a:ext cx="0" cy="0"/>
+          <a:chOff x="0" y="0"/>
+          <a:chExt cx="0" cy="0"/>
+        </a:xfrm>
+      </p:grpSpPr>
+      <p:sp>
+        <p:nvSpPr>
+          <p:cNvPr id="2" name="Slide Image Placeholder 1"/>
+          <p:cNvSpPr>
+            <a:spLocks noGrp="1" noRot="1" noChangeAspect="1"/>
+          </p:cNvSpPr>
+          <p:nvPr>
+            <p:ph type="sldImg"/>
+          </p:nvPr>
+        </p:nvSpPr>
+        <p:spPr/>
+      </p:sp>
+      <p:sp>
+        <p:nvSpPr>
+          <p:cNvPr id="3" name="Notes Placeholder 2"/>
+          <p:cNvSpPr>
+            <a:spLocks noGrp="1"/>
+          </p:cNvSpPr>
+          <p:nvPr>
+            <p:ph type="body" idx="1"/>
+          </p:nvPr>
+        </p:nvSpPr>
+        <p:spPr/>
+        <p:txBody>
+          <a:bodyPr>
+            <a:normAutofit/>
+          </a:bodyPr>
+          <a:lstStyle/>
+          <a:p>
+            <a:r>
+              <a:rPr lang="en-US" dirty="0" err="1" smtClean="0"/>
+              <a:t>Đây</a:t>
+            </a:r>
+            <a:r>
+              <a:rPr lang="en-US" baseline="0" dirty="0" smtClean="0"/>
+              <a:t> </a:t>
+            </a:r>
+            <a:r>
+              <a:rPr lang="en-US" baseline="0" dirty="0" err="1" smtClean="0"/>
+              <a:t>là</a:t>
+            </a:r>
+            <a:r>
+              <a:rPr lang="en-US" baseline="0" dirty="0" smtClean="0"/>
+              <a:t> </a:t>
+            </a:r>
+            <a:r>
+              <a:rPr lang="en-US" baseline="0" dirty="0" err="1" smtClean="0"/>
+              <a:t>kết</a:t>
+            </a:r>
+            <a:r>
+              <a:rPr lang="en-US" baseline="0" dirty="0" smtClean="0"/>
+              <a:t> </a:t>
+            </a:r>
+            <a:r>
+              <a:rPr lang="en-US" baseline="0" dirty="0" err="1" smtClean="0"/>
+              <a:t>quả</a:t>
+            </a:r>
+            <a:r>
+              <a:rPr lang="en-US" baseline="0" dirty="0" smtClean="0"/>
+              <a:t> test </a:t>
+            </a:r>
+            <a:r>
+              <a:rPr lang="en-US" baseline="0" dirty="0" err="1" smtClean="0"/>
+              <a:t>của</a:t>
+            </a:r>
+            <a:r>
+              <a:rPr lang="en-US" baseline="0" dirty="0" smtClean="0"/>
+              <a:t> </a:t>
+            </a:r>
+            <a:r>
+              <a:rPr lang="en-US" baseline="0" dirty="0" err="1" smtClean="0"/>
+              <a:t>nhóm</a:t>
+            </a:r>
+            <a:r>
+              <a:rPr lang="en-US" baseline="0" dirty="0" smtClean="0"/>
+              <a:t> </a:t>
+            </a:r>
+            <a:r>
+              <a:rPr lang="en-US" baseline="0" dirty="0" err="1" smtClean="0"/>
+              <a:t>chúng</a:t>
+            </a:r>
+            <a:r>
+              <a:rPr lang="en-US" baseline="0" dirty="0" smtClean="0"/>
+              <a:t> </a:t>
+            </a:r>
+            <a:r>
+              <a:rPr lang="en-US" baseline="0" dirty="0" err="1" smtClean="0"/>
+              <a:t>em</a:t>
+            </a:r>
+            <a:r>
+              <a:rPr lang="en-US" baseline="0" dirty="0" smtClean="0"/>
+              <a:t>.</a:t>
+            </a:r>
+          </a:p>
+          <a:p>
+            <a:endParaRPr lang="en-US" baseline="0" dirty="0" smtClean="0"/>
+          </a:p>
+          <a:p>
+            <a:r>
+              <a:rPr lang="en-US" baseline="0" dirty="0" smtClean="0"/>
+              <a:t>Acceptance test result</a:t>
+            </a:r>
+          </a:p>
+          <a:p>
+            <a:endParaRPr lang="en-US" baseline="0" dirty="0" smtClean="0"/>
+          </a:p>
+          <a:p>
+            <a:r>
+              <a:rPr lang="en-US" baseline="0" dirty="0" smtClean="0"/>
+              <a:t>Release 29/7   -&gt; acceptance test   30/7 – 3/8</a:t>
+            </a:r>
+          </a:p>
+          <a:p>
+            <a:endParaRPr lang="en-US" baseline="0" dirty="0" smtClean="0"/>
+          </a:p>
+          <a:p>
+            <a:r>
+              <a:rPr lang="en-US" baseline="0" dirty="0" smtClean="0"/>
+              <a:t>log bug &amp; keep contact  (total: 8 </a:t>
+            </a:r>
+            <a:r>
+              <a:rPr lang="en-US" baseline="0" smtClean="0"/>
+              <a:t>bugs)  </a:t>
+            </a:r>
+            <a:endParaRPr lang="en-US" baseline="0" dirty="0" smtClean="0"/>
+          </a:p>
+          <a:p>
+            <a:endParaRPr lang="en-US" baseline="0" dirty="0" smtClean="0"/>
+          </a:p>
+          <a:p>
+            <a:r>
+              <a:rPr lang="en-US" baseline="0" dirty="0" smtClean="0"/>
+              <a:t>Release ( 2</a:t>
+            </a:r>
+            <a:r>
+              <a:rPr lang="en-US" baseline="30000" dirty="0" smtClean="0"/>
+              <a:t>nd</a:t>
+            </a:r>
+            <a:r>
+              <a:rPr lang="en-US" baseline="0" dirty="0" smtClean="0"/>
+              <a:t>)  5/8   -&gt; acceptance test (2</a:t>
+            </a:r>
+            <a:r>
+              <a:rPr lang="en-US" baseline="30000" dirty="0" smtClean="0"/>
+              <a:t>nd</a:t>
+            </a:r>
+            <a:r>
+              <a:rPr lang="en-US" baseline="0" dirty="0" smtClean="0"/>
+              <a:t>) 6/8 – 10/8</a:t>
+            </a:r>
+            <a:endParaRPr lang="en-US" dirty="0"/>
+          </a:p>
+        </p:txBody>
+      </p:sp>
+      <p:sp>
+        <p:nvSpPr>
+          <p:cNvPr id="4" name="Slide Number Placeholder 3"/>
+          <p:cNvSpPr>
+            <a:spLocks noGrp="1"/>
+          </p:cNvSpPr>
+          <p:nvPr>
+            <p:ph type="sldNum" sz="quarter" idx="10"/>
+          </p:nvPr>
+        </p:nvSpPr>
+        <p:spPr/>
+        <p:txBody>
+          <a:bodyPr/>
+          <a:lstStyle/>
+          <a:p>
+            <a:fld id="{94349F02-7B7E-4405-841E-9FEA710E9D5A}" type="slidenum">
+              <a:rPr lang="en-US" smtClean="0"/>
+              <a:pPr/>
+              <a:t>31</a:t>
+            </a:fld>
+            <a:endParaRPr lang="en-US"/>
+          </a:p>
+        </p:txBody>
+      </p:sp>
+      <p:sp>
+        <p:nvSpPr>
+          <p:cNvPr id="5" name="Footer Placeholder 4"/>
+          <p:cNvSpPr>
+            <a:spLocks noGrp="1"/>
+          </p:cNvSpPr>
+          <p:nvPr>
+            <p:ph type="ftr" sz="quarter" idx="11"/>
+          </p:nvPr>
+        </p:nvSpPr>
+        <p:spPr/>
+        <p:txBody>
+          <a:bodyPr/>
+          <a:lstStyle/>
+          <a:p>
+            <a:endParaRPr lang="en-US"/>
+          </a:p>
+        </p:txBody>
+      </p:sp>
+    </p:spTree>
+  </p:cSld>
+  <p:clrMapOvr>
+    <a:masterClrMapping/>
+  </p:clrMapOvr>
+</p:notes>
+</file>
+
+<file path=ppt/notesSlides/notesSlide25.xml><?xml version="1.0" encoding="utf-8"?>
+<p:notes xmlns:a="http://schemas.openxmlformats.org/drawingml/2006/main" xmlns:r="http://schemas.openxmlformats.org/officeDocument/2006/relationships" xmlns:p="http://schemas.openxmlformats.org/presentationml/2006/main">
+  <p:cSld>
+    <p:spTree>
+      <p:nvGrpSpPr>
+        <p:cNvPr id="1" name=""/>
+        <p:cNvGrpSpPr/>
+        <p:nvPr/>
+      </p:nvGrpSpPr>
+      <p:grpSpPr>
+        <a:xfrm>
+          <a:off x="0" y="0"/>
+          <a:ext cx="0" cy="0"/>
+          <a:chOff x="0" y="0"/>
+          <a:chExt cx="0" cy="0"/>
+        </a:xfrm>
+      </p:grpSpPr>
+      <p:sp>
+        <p:nvSpPr>
+          <p:cNvPr id="2" name="Slide Image Placeholder 1"/>
+          <p:cNvSpPr>
+            <a:spLocks noGrp="1" noRot="1" noChangeAspect="1"/>
+          </p:cNvSpPr>
+          <p:nvPr>
+            <p:ph type="sldImg"/>
+          </p:nvPr>
+        </p:nvSpPr>
+        <p:spPr/>
+      </p:sp>
+      <p:sp>
+        <p:nvSpPr>
+          <p:cNvPr id="3" name="Notes Placeholder 2"/>
+          <p:cNvSpPr>
+            <a:spLocks noGrp="1"/>
+          </p:cNvSpPr>
+          <p:nvPr>
+            <p:ph type="body" idx="1"/>
+          </p:nvPr>
+        </p:nvSpPr>
+        <p:spPr/>
+        <p:txBody>
+          <a:bodyPr/>
+          <a:lstStyle/>
+          <a:p>
+            <a:r>
+              <a:rPr lang="en-US" dirty="0" err="1" smtClean="0"/>
+              <a:t>Đây</a:t>
+            </a:r>
+            <a:r>
+              <a:rPr lang="en-US" baseline="0" dirty="0" smtClean="0"/>
+              <a:t> </a:t>
+            </a:r>
+            <a:r>
+              <a:rPr lang="en-US" baseline="0" dirty="0" err="1" smtClean="0"/>
+              <a:t>là</a:t>
+            </a:r>
+            <a:r>
+              <a:rPr lang="en-US" baseline="0" dirty="0" smtClean="0"/>
+              <a:t> ~ </a:t>
+            </a:r>
+            <a:r>
+              <a:rPr lang="en-US" baseline="0" dirty="0" err="1" smtClean="0"/>
+              <a:t>tiêu</a:t>
+            </a:r>
+            <a:r>
+              <a:rPr lang="en-US" baseline="0" dirty="0" smtClean="0"/>
+              <a:t> </a:t>
+            </a:r>
+            <a:r>
+              <a:rPr lang="en-US" baseline="0" dirty="0" err="1" smtClean="0"/>
+              <a:t>chí</a:t>
+            </a:r>
+            <a:r>
+              <a:rPr lang="en-US" baseline="0" dirty="0" smtClean="0"/>
+              <a:t> </a:t>
+            </a:r>
+            <a:r>
+              <a:rPr lang="en-US" baseline="0" dirty="0" err="1" smtClean="0"/>
+              <a:t>thành</a:t>
+            </a:r>
+            <a:r>
+              <a:rPr lang="en-US" baseline="0" dirty="0" smtClean="0"/>
+              <a:t> </a:t>
+            </a:r>
+            <a:r>
+              <a:rPr lang="en-US" baseline="0" dirty="0" err="1" smtClean="0"/>
+              <a:t>công</a:t>
+            </a:r>
+            <a:r>
+              <a:rPr lang="en-US" baseline="0" dirty="0" smtClean="0"/>
+              <a:t> </a:t>
+            </a:r>
+            <a:r>
+              <a:rPr lang="en-US" baseline="0" dirty="0" err="1" smtClean="0"/>
+              <a:t>của</a:t>
+            </a:r>
+            <a:r>
+              <a:rPr lang="en-US" baseline="0" dirty="0" smtClean="0"/>
+              <a:t> </a:t>
+            </a:r>
+            <a:r>
+              <a:rPr lang="en-US" baseline="0" dirty="0" err="1" smtClean="0"/>
+              <a:t>công</a:t>
+            </a:r>
+            <a:r>
+              <a:rPr lang="en-US" baseline="0" dirty="0" smtClean="0"/>
+              <a:t> </a:t>
+            </a:r>
+            <a:r>
+              <a:rPr lang="en-US" baseline="0" dirty="0" err="1" smtClean="0"/>
+              <a:t>đoạn</a:t>
+            </a:r>
+            <a:r>
+              <a:rPr lang="en-US" baseline="0" dirty="0" smtClean="0"/>
+              <a:t> test </a:t>
+            </a:r>
+            <a:r>
+              <a:rPr lang="en-US" baseline="0" dirty="0" err="1" smtClean="0"/>
+              <a:t>mà</a:t>
+            </a:r>
+            <a:r>
+              <a:rPr lang="en-US" baseline="0" dirty="0" smtClean="0"/>
+              <a:t> </a:t>
+            </a:r>
+            <a:r>
+              <a:rPr lang="en-US" baseline="0" dirty="0" err="1" smtClean="0"/>
+              <a:t>nhóm</a:t>
+            </a:r>
+            <a:r>
+              <a:rPr lang="en-US" baseline="0" dirty="0" smtClean="0"/>
+              <a:t> e </a:t>
+            </a:r>
+            <a:r>
+              <a:rPr lang="en-US" baseline="0" dirty="0" err="1" smtClean="0"/>
+              <a:t>đề</a:t>
+            </a:r>
+            <a:r>
+              <a:rPr lang="en-US" baseline="0" dirty="0" smtClean="0"/>
+              <a:t> </a:t>
+            </a:r>
+            <a:r>
+              <a:rPr lang="en-US" baseline="0" dirty="0" err="1" smtClean="0"/>
+              <a:t>ra</a:t>
+            </a:r>
+            <a:r>
+              <a:rPr lang="en-US" baseline="0" dirty="0" smtClean="0"/>
+              <a:t>, </a:t>
+            </a:r>
+            <a:r>
+              <a:rPr lang="en-US" baseline="0" dirty="0" err="1" smtClean="0"/>
+              <a:t>và</a:t>
+            </a:r>
+            <a:r>
+              <a:rPr lang="en-US" baseline="0" dirty="0" smtClean="0"/>
+              <a:t> </a:t>
+            </a:r>
+            <a:r>
+              <a:rPr lang="en-US" baseline="0" dirty="0" err="1" smtClean="0"/>
+              <a:t>sau</a:t>
+            </a:r>
+            <a:r>
+              <a:rPr lang="en-US" baseline="0" dirty="0" smtClean="0"/>
+              <a:t> </a:t>
+            </a:r>
+            <a:r>
+              <a:rPr lang="en-US" baseline="0" dirty="0" err="1" smtClean="0"/>
+              <a:t>khi</a:t>
+            </a:r>
+            <a:r>
+              <a:rPr lang="en-US" baseline="0" dirty="0" smtClean="0"/>
+              <a:t> test, </a:t>
+            </a:r>
+            <a:r>
+              <a:rPr lang="en-US" baseline="0" dirty="0" err="1" smtClean="0"/>
+              <a:t>các</a:t>
+            </a:r>
+            <a:r>
+              <a:rPr lang="en-US" baseline="0" dirty="0" smtClean="0"/>
+              <a:t> </a:t>
+            </a:r>
+            <a:r>
+              <a:rPr lang="en-US" baseline="0" dirty="0" err="1" smtClean="0"/>
+              <a:t>tiêu</a:t>
+            </a:r>
+            <a:r>
+              <a:rPr lang="en-US" baseline="0" dirty="0" smtClean="0"/>
+              <a:t> </a:t>
+            </a:r>
+            <a:r>
+              <a:rPr lang="en-US" baseline="0" dirty="0" err="1" smtClean="0"/>
+              <a:t>chí</a:t>
+            </a:r>
+            <a:r>
+              <a:rPr lang="en-US" baseline="0" dirty="0" smtClean="0"/>
+              <a:t> </a:t>
+            </a:r>
+            <a:r>
+              <a:rPr lang="en-US" baseline="0" dirty="0" err="1" smtClean="0"/>
+              <a:t>đều</a:t>
+            </a:r>
+            <a:r>
+              <a:rPr lang="en-US" baseline="0" dirty="0" smtClean="0"/>
+              <a:t> </a:t>
+            </a:r>
+            <a:r>
+              <a:rPr lang="en-US" baseline="0" dirty="0" err="1" smtClean="0"/>
+              <a:t>đạt</a:t>
+            </a:r>
+            <a:r>
+              <a:rPr lang="en-US" baseline="0" dirty="0" smtClean="0"/>
+              <a:t> </a:t>
+            </a:r>
+            <a:r>
+              <a:rPr lang="en-US" baseline="0" dirty="0" err="1" smtClean="0"/>
+              <a:t>được</a:t>
+            </a:r>
+            <a:endParaRPr lang="en-US" dirty="0"/>
+          </a:p>
+        </p:txBody>
+      </p:sp>
+      <p:sp>
+        <p:nvSpPr>
+          <p:cNvPr id="4" name="Slide Number Placeholder 3"/>
+          <p:cNvSpPr>
+            <a:spLocks noGrp="1"/>
+          </p:cNvSpPr>
+          <p:nvPr>
+            <p:ph type="sldNum" sz="quarter" idx="10"/>
+          </p:nvPr>
+        </p:nvSpPr>
+        <p:spPr/>
+        <p:txBody>
+          <a:bodyPr/>
+          <a:lstStyle/>
+          <a:p>
+            <a:fld id="{94349F02-7B7E-4405-841E-9FEA710E9D5A}" type="slidenum">
+              <a:rPr lang="en-US" smtClean="0"/>
+              <a:pPr/>
+              <a:t>32</a:t>
+            </a:fld>
+            <a:endParaRPr lang="en-US"/>
+          </a:p>
+        </p:txBody>
+      </p:sp>
+      <p:sp>
+        <p:nvSpPr>
+          <p:cNvPr id="5" name="Footer Placeholder 4"/>
+          <p:cNvSpPr>
+            <a:spLocks noGrp="1"/>
+          </p:cNvSpPr>
+          <p:nvPr>
+            <p:ph type="ftr" sz="quarter" idx="11"/>
+          </p:nvPr>
+        </p:nvSpPr>
+        <p:spPr/>
+        <p:txBody>
+          <a:bodyPr/>
+          <a:lstStyle/>
+          <a:p>
+            <a:endParaRPr lang="en-US"/>
+          </a:p>
+        </p:txBody>
+      </p:sp>
+    </p:spTree>
+    <p:extLst>
+      <p:ext uri="{BB962C8B-B14F-4D97-AF65-F5344CB8AC3E}">
+        <p14:creationId xmlns:p14="http://schemas.microsoft.com/office/powerpoint/2010/main" val="2471445808"/>
+      </p:ext>
+    </p:extLst>
+  </p:cSld>
+  <p:clrMapOvr>
+    <a:masterClrMapping/>
+  </p:clrMapOvr>
+</p:notes>
+</file>
+
+<file path=ppt/notesSlides/notesSlide26.xml><?xml version="1.0" encoding="utf-8"?>
+<p:notes xmlns:a="http://schemas.openxmlformats.org/drawingml/2006/main" xmlns:r="http://schemas.openxmlformats.org/officeDocument/2006/relationships" xmlns:p="http://schemas.openxmlformats.org/presentationml/2006/main">
+  <p:cSld>
+    <p:spTree>
+      <p:nvGrpSpPr>
+        <p:cNvPr id="1" name=""/>
+        <p:cNvGrpSpPr/>
+        <p:nvPr/>
+      </p:nvGrpSpPr>
+      <p:grpSpPr>
+        <a:xfrm>
+          <a:off x="0" y="0"/>
+          <a:ext cx="0" cy="0"/>
+          <a:chOff x="0" y="0"/>
+          <a:chExt cx="0" cy="0"/>
+        </a:xfrm>
+      </p:grpSpPr>
+      <p:sp>
+        <p:nvSpPr>
+          <p:cNvPr id="2" name="Slide Image Placeholder 1"/>
+          <p:cNvSpPr>
+            <a:spLocks noGrp="1" noRot="1" noChangeAspect="1"/>
+          </p:cNvSpPr>
+          <p:nvPr>
+            <p:ph type="sldImg"/>
+          </p:nvPr>
+        </p:nvSpPr>
+        <p:spPr/>
+      </p:sp>
+      <p:sp>
+        <p:nvSpPr>
+          <p:cNvPr id="3" name="Notes Placeholder 2"/>
+          <p:cNvSpPr>
+            <a:spLocks noGrp="1"/>
+          </p:cNvSpPr>
+          <p:nvPr>
+            <p:ph type="body" idx="1"/>
+          </p:nvPr>
+        </p:nvSpPr>
+        <p:spPr/>
+        <p:txBody>
+          <a:bodyPr/>
+          <a:lstStyle/>
+          <a:p>
+            <a:r>
+              <a:rPr lang="en-US" dirty="0" err="1" smtClean="0"/>
+              <a:t>Dua</a:t>
+            </a:r>
+            <a:r>
+              <a:rPr lang="en-US" dirty="0" smtClean="0"/>
+              <a:t> </a:t>
+            </a:r>
+            <a:r>
+              <a:rPr lang="en-US" dirty="0" err="1" smtClean="0"/>
+              <a:t>ra</a:t>
+            </a:r>
+            <a:r>
+              <a:rPr lang="en-US" dirty="0" smtClean="0"/>
+              <a:t> </a:t>
+            </a:r>
+            <a:r>
+              <a:rPr lang="en-US" dirty="0" err="1" smtClean="0"/>
+              <a:t>tieu</a:t>
+            </a:r>
+            <a:r>
+              <a:rPr lang="en-US" dirty="0" smtClean="0"/>
+              <a:t> chi </a:t>
+            </a:r>
+            <a:r>
+              <a:rPr lang="en-US" dirty="0" err="1" smtClean="0"/>
+              <a:t>thanh</a:t>
+            </a:r>
+            <a:r>
+              <a:rPr lang="en-US" dirty="0" smtClean="0"/>
+              <a:t> </a:t>
+            </a:r>
+            <a:r>
+              <a:rPr lang="en-US" dirty="0" err="1" smtClean="0"/>
+              <a:t>cong</a:t>
+            </a:r>
+            <a:r>
+              <a:rPr lang="en-US" dirty="0" smtClean="0"/>
+              <a:t> </a:t>
+            </a:r>
+            <a:r>
+              <a:rPr lang="en-US" dirty="0" err="1" smtClean="0"/>
+              <a:t>ve</a:t>
+            </a:r>
+            <a:r>
+              <a:rPr lang="en-US" dirty="0" smtClean="0"/>
+              <a:t> san </a:t>
+            </a:r>
+            <a:r>
+              <a:rPr lang="en-US" dirty="0" err="1" smtClean="0"/>
+              <a:t>pham</a:t>
+            </a:r>
+            <a:r>
+              <a:rPr lang="en-US" dirty="0" smtClean="0"/>
+              <a:t>.</a:t>
+            </a:r>
+            <a:endParaRPr lang="en-US" dirty="0"/>
+          </a:p>
+        </p:txBody>
+      </p:sp>
+      <p:sp>
+        <p:nvSpPr>
+          <p:cNvPr id="4" name="Slide Number Placeholder 3"/>
+          <p:cNvSpPr>
+            <a:spLocks noGrp="1"/>
+          </p:cNvSpPr>
+          <p:nvPr>
+            <p:ph type="sldNum" sz="quarter" idx="10"/>
+          </p:nvPr>
+        </p:nvSpPr>
+        <p:spPr/>
+        <p:txBody>
+          <a:bodyPr/>
+          <a:lstStyle/>
+          <a:p>
+            <a:fld id="{94349F02-7B7E-4405-841E-9FEA710E9D5A}" type="slidenum">
+              <a:rPr lang="en-US" smtClean="0"/>
+              <a:pPr/>
+              <a:t>33</a:t>
+            </a:fld>
+            <a:endParaRPr lang="en-US"/>
+          </a:p>
+        </p:txBody>
+      </p:sp>
+      <p:sp>
+        <p:nvSpPr>
+          <p:cNvPr id="5" name="Footer Placeholder 4"/>
+          <p:cNvSpPr>
+            <a:spLocks noGrp="1"/>
+          </p:cNvSpPr>
+          <p:nvPr>
+            <p:ph type="ftr" sz="quarter" idx="11"/>
+          </p:nvPr>
+        </p:nvSpPr>
+        <p:spPr/>
+        <p:txBody>
+          <a:bodyPr/>
+          <a:lstStyle/>
+          <a:p>
+            <a:endParaRPr lang="en-US"/>
+          </a:p>
+        </p:txBody>
+      </p:sp>
+    </p:spTree>
+    <p:extLst>
+      <p:ext uri="{BB962C8B-B14F-4D97-AF65-F5344CB8AC3E}">
+        <p14:creationId xmlns:p14="http://schemas.microsoft.com/office/powerpoint/2010/main" val="2768051254"/>
+      </p:ext>
+    </p:extLst>
+  </p:cSld>
+  <p:clrMapOvr>
+    <a:masterClrMapping/>
+  </p:clrMapOvr>
+</p:notes>
+</file>
+
+<file path=ppt/notesSlides/notesSlide3.xml><?xml version="1.0" encoding="utf-8"?>
 <p:notes xmlns:a="http://schemas.openxmlformats.org/drawingml/2006/main" xmlns:r="http://schemas.openxmlformats.org/officeDocument/2006/relationships" xmlns:p="http://schemas.openxmlformats.org/presentationml/2006/main">
   <p:cSld>
     <p:spTree>
@@ -25141,2123 +28714,7 @@
 </p:notes>
 </file>
 
-<file path=ppt/notesSlides/notesSlide20.xml><?xml version="1.0" encoding="utf-8"?>
-<p:notes xmlns:a="http://schemas.openxmlformats.org/drawingml/2006/main" xmlns:r="http://schemas.openxmlformats.org/officeDocument/2006/relationships" xmlns:p="http://schemas.openxmlformats.org/presentationml/2006/main">
-  <p:cSld>
-    <p:spTree>
-      <p:nvGrpSpPr>
-        <p:cNvPr id="1" name=""/>
-        <p:cNvGrpSpPr/>
-        <p:nvPr/>
-      </p:nvGrpSpPr>
-      <p:grpSpPr>
-        <a:xfrm>
-          <a:off x="0" y="0"/>
-          <a:ext cx="0" cy="0"/>
-          <a:chOff x="0" y="0"/>
-          <a:chExt cx="0" cy="0"/>
-        </a:xfrm>
-      </p:grpSpPr>
-      <p:sp>
-        <p:nvSpPr>
-          <p:cNvPr id="2" name="Slide Image Placeholder 1"/>
-          <p:cNvSpPr>
-            <a:spLocks noGrp="1" noRot="1" noChangeAspect="1"/>
-          </p:cNvSpPr>
-          <p:nvPr>
-            <p:ph type="sldImg"/>
-          </p:nvPr>
-        </p:nvSpPr>
-        <p:spPr/>
-      </p:sp>
-      <p:sp>
-        <p:nvSpPr>
-          <p:cNvPr id="3" name="Notes Placeholder 2"/>
-          <p:cNvSpPr>
-            <a:spLocks noGrp="1"/>
-          </p:cNvSpPr>
-          <p:nvPr>
-            <p:ph type="body" idx="1"/>
-          </p:nvPr>
-        </p:nvSpPr>
-        <p:spPr/>
-        <p:txBody>
-          <a:bodyPr/>
-          <a:lstStyle/>
-          <a:p>
-            <a:r>
-              <a:rPr lang="en-US" dirty="0" smtClean="0"/>
-              <a:t>Day</a:t>
-            </a:r>
-            <a:r>
-              <a:rPr lang="en-US" baseline="0" dirty="0" smtClean="0"/>
-              <a:t> la </a:t>
-            </a:r>
-            <a:r>
-              <a:rPr lang="en-US" baseline="0" dirty="0" err="1" smtClean="0"/>
-              <a:t>cau</a:t>
-            </a:r>
-            <a:r>
-              <a:rPr lang="en-US" baseline="0" dirty="0" smtClean="0"/>
-              <a:t> </a:t>
-            </a:r>
-            <a:r>
-              <a:rPr lang="en-US" baseline="0" dirty="0" err="1" smtClean="0"/>
-              <a:t>truc</a:t>
-            </a:r>
-            <a:r>
-              <a:rPr lang="en-US" baseline="0" dirty="0" smtClean="0"/>
-              <a:t> database </a:t>
-            </a:r>
-            <a:r>
-              <a:rPr lang="en-US" baseline="0" dirty="0" err="1" smtClean="0"/>
-              <a:t>cua</a:t>
-            </a:r>
-            <a:r>
-              <a:rPr lang="en-US" baseline="0" dirty="0" smtClean="0"/>
-              <a:t> he thong </a:t>
-            </a:r>
-            <a:r>
-              <a:rPr lang="en-US" baseline="0" dirty="0" err="1" smtClean="0"/>
-              <a:t>nhom</a:t>
-            </a:r>
-            <a:r>
-              <a:rPr lang="en-US" baseline="0" dirty="0" smtClean="0"/>
-              <a:t> e, e </a:t>
-            </a:r>
-            <a:r>
-              <a:rPr lang="en-US" baseline="0" dirty="0" err="1" smtClean="0"/>
-              <a:t>xin</a:t>
-            </a:r>
-            <a:r>
-              <a:rPr lang="en-US" baseline="0" dirty="0" smtClean="0"/>
-              <a:t> </a:t>
-            </a:r>
-            <a:r>
-              <a:rPr lang="en-US" baseline="0" dirty="0" err="1" smtClean="0"/>
-              <a:t>phep</a:t>
-            </a:r>
-            <a:r>
-              <a:rPr lang="en-US" baseline="0" dirty="0" smtClean="0"/>
-              <a:t> </a:t>
-            </a:r>
-            <a:r>
-              <a:rPr lang="en-US" baseline="0" dirty="0" err="1" smtClean="0"/>
-              <a:t>mo</a:t>
-            </a:r>
-            <a:r>
-              <a:rPr lang="en-US" baseline="0" dirty="0" smtClean="0"/>
-              <a:t>? </a:t>
-            </a:r>
-            <a:r>
-              <a:rPr lang="en-US" baseline="0" dirty="0" err="1" smtClean="0"/>
-              <a:t>Hinh</a:t>
-            </a:r>
-            <a:r>
-              <a:rPr lang="en-US" baseline="0" dirty="0" smtClean="0"/>
-              <a:t> </a:t>
-            </a:r>
-            <a:r>
-              <a:rPr lang="en-US" baseline="0" dirty="0" err="1" smtClean="0"/>
-              <a:t>lon</a:t>
-            </a:r>
-            <a:r>
-              <a:rPr lang="en-US" baseline="0" dirty="0" smtClean="0"/>
-              <a:t>’ </a:t>
-            </a:r>
-            <a:r>
-              <a:rPr lang="en-US" baseline="0" dirty="0" err="1" smtClean="0"/>
-              <a:t>hon</a:t>
-            </a:r>
-            <a:r>
-              <a:rPr lang="en-US" baseline="0" dirty="0" smtClean="0"/>
-              <a:t> de? </a:t>
-            </a:r>
-            <a:r>
-              <a:rPr lang="en-US" baseline="0" dirty="0" err="1" smtClean="0"/>
-              <a:t>Cac</a:t>
-            </a:r>
-            <a:r>
-              <a:rPr lang="en-US" baseline="0" dirty="0" smtClean="0"/>
-              <a:t> </a:t>
-            </a:r>
-            <a:r>
-              <a:rPr lang="en-US" baseline="0" dirty="0" err="1" smtClean="0"/>
-              <a:t>thay</a:t>
-            </a:r>
-            <a:r>
-              <a:rPr lang="en-US" baseline="0" dirty="0" smtClean="0"/>
-              <a:t> </a:t>
-            </a:r>
-            <a:r>
-              <a:rPr lang="en-US" baseline="0" dirty="0" err="1" smtClean="0"/>
-              <a:t>xem</a:t>
-            </a:r>
-            <a:r>
-              <a:rPr lang="en-US" baseline="0" dirty="0" smtClean="0"/>
-              <a:t>.</a:t>
-            </a:r>
-          </a:p>
-          <a:p>
-            <a:endParaRPr lang="en-US" baseline="0" dirty="0" smtClean="0"/>
-          </a:p>
-          <a:p>
-            <a:endParaRPr lang="en-US" dirty="0" smtClean="0"/>
-          </a:p>
-          <a:p>
-            <a:endParaRPr lang="en-US" dirty="0" smtClean="0"/>
-          </a:p>
-          <a:p>
-            <a:r>
-              <a:rPr lang="en-US" dirty="0" err="1" smtClean="0"/>
-              <a:t>Cái</a:t>
-            </a:r>
-            <a:r>
-              <a:rPr lang="en-US" baseline="0" dirty="0" smtClean="0"/>
-              <a:t> slide </a:t>
-            </a:r>
-            <a:r>
-              <a:rPr lang="en-US" baseline="0" dirty="0" err="1" smtClean="0"/>
-              <a:t>này</a:t>
-            </a:r>
-            <a:r>
-              <a:rPr lang="en-US" baseline="0" dirty="0" smtClean="0"/>
-              <a:t> </a:t>
-            </a:r>
-            <a:r>
-              <a:rPr lang="en-US" baseline="0" dirty="0" err="1" smtClean="0"/>
-              <a:t>bảng</a:t>
-            </a:r>
-            <a:r>
-              <a:rPr lang="en-US" baseline="0" dirty="0" smtClean="0"/>
-              <a:t> </a:t>
-            </a:r>
-            <a:r>
-              <a:rPr lang="en-US" baseline="0" dirty="0" err="1" smtClean="0"/>
-              <a:t>nào</a:t>
-            </a:r>
-            <a:r>
-              <a:rPr lang="en-US" baseline="0" dirty="0" smtClean="0"/>
-              <a:t> </a:t>
-            </a:r>
-            <a:r>
-              <a:rPr lang="en-US" baseline="0" dirty="0" err="1" smtClean="0"/>
-              <a:t>là</a:t>
-            </a:r>
-            <a:r>
-              <a:rPr lang="en-US" baseline="0" dirty="0" smtClean="0"/>
-              <a:t> </a:t>
-            </a:r>
-            <a:r>
-              <a:rPr lang="en-US" baseline="0" dirty="0" err="1" smtClean="0"/>
-              <a:t>bảnh</a:t>
-            </a:r>
-            <a:r>
-              <a:rPr lang="en-US" baseline="0" dirty="0" smtClean="0"/>
-              <a:t> </a:t>
-            </a:r>
-            <a:r>
-              <a:rPr lang="en-US" baseline="0" dirty="0" err="1" smtClean="0"/>
-              <a:t>chính</a:t>
-            </a:r>
-            <a:r>
-              <a:rPr lang="en-US" baseline="0" dirty="0" smtClean="0"/>
-              <a:t> </a:t>
-            </a:r>
-            <a:r>
-              <a:rPr lang="en-US" baseline="0" dirty="0" err="1" smtClean="0"/>
-              <a:t>thì</a:t>
-            </a:r>
-            <a:r>
-              <a:rPr lang="en-US" baseline="0" dirty="0" smtClean="0"/>
-              <a:t> </a:t>
-            </a:r>
-            <a:r>
-              <a:rPr lang="en-US" baseline="0" dirty="0" err="1" smtClean="0"/>
-              <a:t>bôi</a:t>
-            </a:r>
-            <a:r>
-              <a:rPr lang="en-US" baseline="0" dirty="0" smtClean="0"/>
-              <a:t> </a:t>
-            </a:r>
-            <a:r>
-              <a:rPr lang="en-US" baseline="0" dirty="0" err="1" smtClean="0"/>
-              <a:t>màu</a:t>
-            </a:r>
-            <a:r>
-              <a:rPr lang="en-US" baseline="0" dirty="0" smtClean="0"/>
-              <a:t> </a:t>
-            </a:r>
-            <a:r>
-              <a:rPr lang="en-US" baseline="0" dirty="0" err="1" smtClean="0"/>
-              <a:t>quanh</a:t>
-            </a:r>
-            <a:r>
-              <a:rPr lang="en-US" baseline="0" dirty="0" smtClean="0"/>
-              <a:t> </a:t>
-            </a:r>
-            <a:r>
-              <a:rPr lang="en-US" baseline="0" dirty="0" err="1" smtClean="0"/>
-              <a:t>bảng</a:t>
-            </a:r>
-            <a:r>
-              <a:rPr lang="en-US" baseline="0" dirty="0" smtClean="0"/>
-              <a:t> </a:t>
-            </a:r>
-            <a:r>
-              <a:rPr lang="en-US" baseline="0" dirty="0" err="1" smtClean="0"/>
-              <a:t>đó</a:t>
-            </a:r>
-            <a:r>
-              <a:rPr lang="en-US" baseline="0" dirty="0" smtClean="0"/>
-              <a:t> </a:t>
-            </a:r>
-            <a:r>
-              <a:rPr lang="en-US" baseline="0" dirty="0" err="1" smtClean="0"/>
-              <a:t>đi</a:t>
-            </a:r>
-            <a:r>
-              <a:rPr lang="en-US" baseline="0" dirty="0" smtClean="0"/>
-              <a:t> </a:t>
-            </a:r>
-            <a:r>
-              <a:rPr lang="en-US" baseline="0" dirty="0" err="1" smtClean="0"/>
-              <a:t>cho</a:t>
-            </a:r>
-            <a:r>
-              <a:rPr lang="en-US" baseline="0" dirty="0" smtClean="0"/>
-              <a:t> </a:t>
-            </a:r>
-            <a:r>
-              <a:rPr lang="en-US" baseline="0" dirty="0" err="1" smtClean="0"/>
-              <a:t>dễ</a:t>
-            </a:r>
-            <a:r>
-              <a:rPr lang="en-US" baseline="0" dirty="0" smtClean="0"/>
-              <a:t> </a:t>
-            </a:r>
-            <a:r>
-              <a:rPr lang="en-US" baseline="0" dirty="0" err="1" smtClean="0"/>
-              <a:t>nhìn</a:t>
-            </a:r>
-            <a:r>
-              <a:rPr lang="en-US" baseline="0" dirty="0" smtClean="0"/>
-              <a:t>, </a:t>
-            </a:r>
-            <a:r>
-              <a:rPr lang="en-US" baseline="0" dirty="0" err="1" smtClean="0"/>
-              <a:t>cả</a:t>
-            </a:r>
-            <a:r>
-              <a:rPr lang="en-US" baseline="0" dirty="0" smtClean="0"/>
-              <a:t> </a:t>
-            </a:r>
-            <a:r>
-              <a:rPr lang="en-US" baseline="0" dirty="0" err="1" smtClean="0"/>
-              <a:t>cái</a:t>
-            </a:r>
-            <a:r>
-              <a:rPr lang="en-US" baseline="0" dirty="0" smtClean="0"/>
-              <a:t> file class diagram </a:t>
-            </a:r>
-            <a:r>
-              <a:rPr lang="en-US" baseline="0" dirty="0" err="1" smtClean="0"/>
-              <a:t>bên</a:t>
-            </a:r>
-            <a:r>
-              <a:rPr lang="en-US" baseline="0" dirty="0" smtClean="0"/>
-              <a:t> </a:t>
-            </a:r>
-            <a:r>
-              <a:rPr lang="en-US" baseline="0" dirty="0" err="1" smtClean="0"/>
-              <a:t>ngoài</a:t>
-            </a:r>
-            <a:r>
-              <a:rPr lang="en-US" baseline="0" dirty="0" smtClean="0"/>
-              <a:t> </a:t>
-            </a:r>
-            <a:r>
-              <a:rPr lang="en-US" baseline="0" dirty="0" err="1" smtClean="0"/>
-              <a:t>nữa</a:t>
-            </a:r>
-            <a:r>
-              <a:rPr lang="en-US" baseline="0" dirty="0" smtClean="0"/>
-              <a:t>. </a:t>
-            </a:r>
-            <a:r>
-              <a:rPr lang="en-US" baseline="0" dirty="0" err="1" smtClean="0"/>
-              <a:t>Bôi</a:t>
-            </a:r>
-            <a:r>
-              <a:rPr lang="en-US" baseline="0" dirty="0" smtClean="0"/>
-              <a:t> </a:t>
-            </a:r>
-            <a:r>
-              <a:rPr lang="en-US" baseline="0" dirty="0" err="1" smtClean="0"/>
-              <a:t>màu</a:t>
-            </a:r>
-            <a:r>
-              <a:rPr lang="en-US" baseline="0" dirty="0" smtClean="0"/>
-              <a:t> </a:t>
-            </a:r>
-            <a:r>
-              <a:rPr lang="en-US" baseline="0" dirty="0" err="1" smtClean="0"/>
-              <a:t>rõ</a:t>
-            </a:r>
-            <a:r>
-              <a:rPr lang="en-US" baseline="0" dirty="0" smtClean="0"/>
-              <a:t> </a:t>
-            </a:r>
-            <a:r>
-              <a:rPr lang="en-US" baseline="0" dirty="0" err="1" smtClean="0"/>
-              <a:t>bảng</a:t>
-            </a:r>
-            <a:r>
-              <a:rPr lang="en-US" baseline="0" dirty="0" smtClean="0"/>
-              <a:t> </a:t>
-            </a:r>
-            <a:r>
-              <a:rPr lang="en-US" baseline="0" dirty="0" err="1" smtClean="0"/>
-              <a:t>chính</a:t>
-            </a:r>
-            <a:r>
-              <a:rPr lang="en-US" baseline="0" dirty="0" smtClean="0"/>
-              <a:t> </a:t>
-            </a:r>
-            <a:r>
-              <a:rPr lang="en-US" baseline="0" dirty="0" err="1" smtClean="0"/>
-              <a:t>và</a:t>
-            </a:r>
-            <a:r>
-              <a:rPr lang="en-US" baseline="0" dirty="0" smtClean="0"/>
-              <a:t> </a:t>
-            </a:r>
-            <a:r>
-              <a:rPr lang="en-US" baseline="0" dirty="0" err="1" smtClean="0"/>
-              <a:t>khi</a:t>
-            </a:r>
-            <a:r>
-              <a:rPr lang="en-US" baseline="0" dirty="0" smtClean="0"/>
-              <a:t> </a:t>
-            </a:r>
-            <a:r>
-              <a:rPr lang="en-US" baseline="0" dirty="0" err="1" smtClean="0"/>
-              <a:t>nói</a:t>
-            </a:r>
-            <a:r>
-              <a:rPr lang="en-US" baseline="0" dirty="0" smtClean="0"/>
-              <a:t> </a:t>
-            </a:r>
-            <a:r>
-              <a:rPr lang="en-US" baseline="0" dirty="0" err="1" smtClean="0"/>
-              <a:t>thì</a:t>
-            </a:r>
-            <a:r>
-              <a:rPr lang="en-US" baseline="0" dirty="0" smtClean="0"/>
-              <a:t> </a:t>
-            </a:r>
-            <a:r>
-              <a:rPr lang="en-US" baseline="0" dirty="0" err="1" smtClean="0"/>
-              <a:t>giải</a:t>
-            </a:r>
-            <a:r>
-              <a:rPr lang="en-US" baseline="0" dirty="0" smtClean="0"/>
-              <a:t> </a:t>
-            </a:r>
-            <a:r>
-              <a:rPr lang="en-US" baseline="0" dirty="0" err="1" smtClean="0"/>
-              <a:t>thích</a:t>
-            </a:r>
-            <a:r>
-              <a:rPr lang="en-US" baseline="0" dirty="0" smtClean="0"/>
-              <a:t> </a:t>
-            </a:r>
-            <a:r>
-              <a:rPr lang="en-US" baseline="0" dirty="0" err="1" smtClean="0"/>
-              <a:t>rõ</a:t>
-            </a:r>
-            <a:r>
-              <a:rPr lang="en-US" baseline="0" dirty="0" smtClean="0"/>
-              <a:t> </a:t>
-            </a:r>
-            <a:r>
-              <a:rPr lang="en-US" baseline="0" dirty="0" err="1" smtClean="0"/>
-              <a:t>quan</a:t>
-            </a:r>
-            <a:r>
-              <a:rPr lang="en-US" baseline="0" dirty="0" smtClean="0"/>
-              <a:t> </a:t>
-            </a:r>
-            <a:r>
-              <a:rPr lang="en-US" baseline="0" dirty="0" err="1" smtClean="0"/>
-              <a:t>hệ</a:t>
-            </a:r>
-            <a:r>
-              <a:rPr lang="en-US" baseline="0" dirty="0" smtClean="0"/>
-              <a:t> </a:t>
-            </a:r>
-            <a:r>
-              <a:rPr lang="en-US" baseline="0" dirty="0" err="1" smtClean="0"/>
-              <a:t>của</a:t>
-            </a:r>
-            <a:r>
-              <a:rPr lang="en-US" baseline="0" dirty="0" smtClean="0"/>
-              <a:t> </a:t>
-            </a:r>
-            <a:r>
-              <a:rPr lang="en-US" baseline="0" dirty="0" err="1" smtClean="0"/>
-              <a:t>bảng</a:t>
-            </a:r>
-            <a:r>
-              <a:rPr lang="en-US" baseline="0" dirty="0" smtClean="0"/>
-              <a:t> </a:t>
-            </a:r>
-            <a:r>
-              <a:rPr lang="en-US" baseline="0" dirty="0" err="1" smtClean="0"/>
-              <a:t>chính</a:t>
-            </a:r>
-            <a:r>
-              <a:rPr lang="en-US" baseline="0" dirty="0" smtClean="0"/>
-              <a:t> </a:t>
-            </a:r>
-            <a:r>
-              <a:rPr lang="en-US" baseline="0" dirty="0" err="1" smtClean="0"/>
-              <a:t>và</a:t>
-            </a:r>
-            <a:r>
-              <a:rPr lang="en-US" baseline="0" dirty="0" smtClean="0"/>
-              <a:t> </a:t>
-            </a:r>
-            <a:r>
-              <a:rPr lang="en-US" baseline="0" dirty="0" err="1" smtClean="0"/>
-              <a:t>các</a:t>
-            </a:r>
-            <a:r>
-              <a:rPr lang="en-US" baseline="0" dirty="0" smtClean="0"/>
-              <a:t> </a:t>
-            </a:r>
-            <a:r>
-              <a:rPr lang="en-US" baseline="0" dirty="0" err="1" smtClean="0"/>
-              <a:t>bảng</a:t>
-            </a:r>
-            <a:r>
-              <a:rPr lang="en-US" baseline="0" dirty="0" smtClean="0"/>
-              <a:t> </a:t>
-            </a:r>
-            <a:r>
-              <a:rPr lang="en-US" baseline="0" dirty="0" err="1" smtClean="0"/>
-              <a:t>khác</a:t>
-            </a:r>
-            <a:r>
-              <a:rPr lang="en-US" baseline="0" dirty="0" smtClean="0"/>
-              <a:t>. </a:t>
-            </a:r>
-            <a:r>
-              <a:rPr lang="en-US" baseline="0" dirty="0" err="1" smtClean="0"/>
-              <a:t>Bảng</a:t>
-            </a:r>
-            <a:r>
-              <a:rPr lang="en-US" baseline="0" dirty="0" smtClean="0"/>
-              <a:t> </a:t>
-            </a:r>
-            <a:r>
-              <a:rPr lang="en-US" baseline="0" dirty="0" err="1" smtClean="0"/>
-              <a:t>chính</a:t>
-            </a:r>
-            <a:r>
-              <a:rPr lang="en-US" baseline="0" dirty="0" smtClean="0"/>
-              <a:t> ở </a:t>
-            </a:r>
-            <a:r>
-              <a:rPr lang="en-US" baseline="0" dirty="0" err="1" smtClean="0"/>
-              <a:t>đây</a:t>
-            </a:r>
-            <a:r>
-              <a:rPr lang="en-US" baseline="0" dirty="0" smtClean="0"/>
-              <a:t> </a:t>
-            </a:r>
-            <a:r>
-              <a:rPr lang="en-US" baseline="0" dirty="0" err="1" smtClean="0"/>
-              <a:t>mày</a:t>
-            </a:r>
-            <a:r>
-              <a:rPr lang="en-US" baseline="0" dirty="0" smtClean="0"/>
-              <a:t> </a:t>
-            </a:r>
-            <a:r>
-              <a:rPr lang="en-US" baseline="0" dirty="0" err="1" smtClean="0"/>
-              <a:t>làm</a:t>
-            </a:r>
-            <a:r>
-              <a:rPr lang="en-US" baseline="0" dirty="0" smtClean="0"/>
-              <a:t> </a:t>
-            </a:r>
-            <a:r>
-              <a:rPr lang="en-US" baseline="0" dirty="0" err="1" smtClean="0"/>
-              <a:t>cho</a:t>
-            </a:r>
-            <a:r>
-              <a:rPr lang="en-US" baseline="0" dirty="0" smtClean="0"/>
-              <a:t> </a:t>
-            </a:r>
-            <a:r>
-              <a:rPr lang="en-US" baseline="0" dirty="0" err="1" smtClean="0"/>
-              <a:t>tao</a:t>
-            </a:r>
-            <a:r>
-              <a:rPr lang="en-US" baseline="0" dirty="0" smtClean="0"/>
-              <a:t> 2 </a:t>
-            </a:r>
-            <a:r>
-              <a:rPr lang="en-US" baseline="0" dirty="0" err="1" smtClean="0"/>
-              <a:t>bảng</a:t>
-            </a:r>
-            <a:r>
-              <a:rPr lang="en-US" baseline="0" dirty="0" smtClean="0"/>
-              <a:t> </a:t>
-            </a:r>
-            <a:r>
-              <a:rPr lang="en-US" baseline="0" dirty="0" err="1" smtClean="0"/>
-              <a:t>là</a:t>
-            </a:r>
-            <a:r>
-              <a:rPr lang="en-US" baseline="0" dirty="0" smtClean="0"/>
-              <a:t> question </a:t>
-            </a:r>
-            <a:r>
-              <a:rPr lang="en-US" baseline="0" dirty="0" err="1" smtClean="0"/>
-              <a:t>và</a:t>
-            </a:r>
-            <a:r>
-              <a:rPr lang="en-US" baseline="0" dirty="0" smtClean="0"/>
-              <a:t> answer. 2 </a:t>
-            </a:r>
-            <a:r>
-              <a:rPr lang="en-US" baseline="0" dirty="0" err="1" smtClean="0"/>
-              <a:t>bảng</a:t>
-            </a:r>
-            <a:r>
-              <a:rPr lang="en-US" baseline="0" dirty="0" smtClean="0"/>
-              <a:t> </a:t>
-            </a:r>
-            <a:r>
-              <a:rPr lang="en-US" baseline="0" dirty="0" err="1" smtClean="0"/>
-              <a:t>đấy</a:t>
-            </a:r>
-            <a:r>
-              <a:rPr lang="en-US" baseline="0" dirty="0" smtClean="0"/>
-              <a:t> </a:t>
-            </a:r>
-            <a:r>
-              <a:rPr lang="en-US" baseline="0" dirty="0" err="1" smtClean="0"/>
-              <a:t>dễ</a:t>
-            </a:r>
-            <a:r>
-              <a:rPr lang="en-US" baseline="0" dirty="0" smtClean="0"/>
-              <a:t> </a:t>
-            </a:r>
-            <a:r>
-              <a:rPr lang="en-US" baseline="0" dirty="0" err="1" smtClean="0"/>
-              <a:t>nói</a:t>
-            </a:r>
-            <a:r>
-              <a:rPr lang="en-US" baseline="0" dirty="0" smtClean="0"/>
-              <a:t> </a:t>
-            </a:r>
-            <a:r>
-              <a:rPr lang="en-US" baseline="0" dirty="0" err="1" smtClean="0"/>
-              <a:t>nhất</a:t>
-            </a:r>
-            <a:r>
-              <a:rPr lang="en-US" baseline="0" dirty="0" smtClean="0"/>
-              <a:t> </a:t>
-            </a:r>
-            <a:r>
-              <a:rPr lang="en-US" baseline="0" dirty="0" err="1" smtClean="0"/>
-              <a:t>mà</a:t>
-            </a:r>
-            <a:r>
-              <a:rPr lang="en-US" baseline="0" dirty="0" smtClean="0"/>
-              <a:t> </a:t>
-            </a:r>
-            <a:r>
-              <a:rPr lang="en-US" baseline="0" dirty="0" err="1" smtClean="0"/>
-              <a:t>mình</a:t>
-            </a:r>
-            <a:r>
-              <a:rPr lang="en-US" baseline="0" dirty="0" smtClean="0"/>
-              <a:t> code </a:t>
-            </a:r>
-            <a:r>
-              <a:rPr lang="en-US" baseline="0" dirty="0" err="1" smtClean="0"/>
-              <a:t>cũng</a:t>
-            </a:r>
-            <a:r>
-              <a:rPr lang="en-US" baseline="0" dirty="0" smtClean="0"/>
-              <a:t> </a:t>
-            </a:r>
-            <a:r>
-              <a:rPr lang="en-US" baseline="0" dirty="0" err="1" smtClean="0"/>
-              <a:t>xoáy</a:t>
-            </a:r>
-            <a:r>
-              <a:rPr lang="en-US" baseline="0" dirty="0" smtClean="0"/>
-              <a:t> </a:t>
-            </a:r>
-            <a:r>
-              <a:rPr lang="en-US" baseline="0" dirty="0" err="1" smtClean="0"/>
-              <a:t>vào</a:t>
-            </a:r>
-            <a:r>
-              <a:rPr lang="en-US" baseline="0" dirty="0" smtClean="0"/>
-              <a:t> 2 </a:t>
-            </a:r>
-            <a:r>
-              <a:rPr lang="en-US" baseline="0" dirty="0" err="1" smtClean="0"/>
-              <a:t>bảng</a:t>
-            </a:r>
-            <a:r>
-              <a:rPr lang="en-US" baseline="0" dirty="0" smtClean="0"/>
-              <a:t> </a:t>
-            </a:r>
-            <a:r>
-              <a:rPr lang="en-US" baseline="0" dirty="0" err="1" smtClean="0"/>
-              <a:t>đấy</a:t>
-            </a:r>
-            <a:r>
-              <a:rPr lang="en-US" baseline="0" dirty="0" smtClean="0"/>
-              <a:t> </a:t>
-            </a:r>
-            <a:r>
-              <a:rPr lang="en-US" baseline="0" dirty="0" err="1" smtClean="0"/>
-              <a:t>thôi</a:t>
-            </a:r>
-            <a:r>
-              <a:rPr lang="en-US" baseline="0" dirty="0" smtClean="0"/>
-              <a:t>. </a:t>
-            </a:r>
-            <a:r>
-              <a:rPr lang="en-US" baseline="0" dirty="0" err="1" smtClean="0"/>
-              <a:t>Bôi</a:t>
-            </a:r>
-            <a:r>
-              <a:rPr lang="en-US" baseline="0" dirty="0" smtClean="0"/>
-              <a:t> </a:t>
-            </a:r>
-            <a:r>
-              <a:rPr lang="en-US" baseline="0" dirty="0" err="1" smtClean="0"/>
-              <a:t>màu</a:t>
-            </a:r>
-            <a:r>
-              <a:rPr lang="en-US" baseline="0" dirty="0" smtClean="0"/>
-              <a:t> </a:t>
-            </a:r>
-            <a:r>
-              <a:rPr lang="en-US" baseline="0" dirty="0" err="1" smtClean="0"/>
-              <a:t>xanh</a:t>
-            </a:r>
-            <a:r>
-              <a:rPr lang="en-US" baseline="0" dirty="0" smtClean="0"/>
-              <a:t> </a:t>
-            </a:r>
-            <a:r>
-              <a:rPr lang="en-US" baseline="0" dirty="0" err="1" smtClean="0"/>
-              <a:t>đỏ</a:t>
-            </a:r>
-            <a:r>
-              <a:rPr lang="en-US" baseline="0" dirty="0" smtClean="0"/>
-              <a:t> </a:t>
-            </a:r>
-            <a:r>
-              <a:rPr lang="en-US" baseline="0" dirty="0" err="1" smtClean="0"/>
-              <a:t>tím</a:t>
-            </a:r>
-            <a:r>
-              <a:rPr lang="en-US" baseline="0" dirty="0" smtClean="0"/>
-              <a:t> </a:t>
-            </a:r>
-            <a:r>
-              <a:rPr lang="en-US" baseline="0" dirty="0" err="1" smtClean="0"/>
-              <a:t>vàng</a:t>
-            </a:r>
-            <a:r>
-              <a:rPr lang="en-US" baseline="0" dirty="0" smtClean="0"/>
-              <a:t> </a:t>
-            </a:r>
-            <a:r>
-              <a:rPr lang="en-US" baseline="0" dirty="0" err="1" smtClean="0"/>
-              <a:t>gì</a:t>
-            </a:r>
-            <a:r>
-              <a:rPr lang="en-US" baseline="0" dirty="0" smtClean="0"/>
-              <a:t> </a:t>
-            </a:r>
-            <a:r>
-              <a:rPr lang="en-US" baseline="0" dirty="0" err="1" smtClean="0"/>
-              <a:t>gì</a:t>
-            </a:r>
-            <a:r>
-              <a:rPr lang="en-US" baseline="0" dirty="0" smtClean="0"/>
-              <a:t> </a:t>
-            </a:r>
-            <a:r>
-              <a:rPr lang="en-US" baseline="0" dirty="0" err="1" smtClean="0"/>
-              <a:t>đấy</a:t>
-            </a:r>
-            <a:r>
-              <a:rPr lang="en-US" baseline="0" dirty="0" smtClean="0"/>
-              <a:t> </a:t>
-            </a:r>
-            <a:r>
-              <a:rPr lang="en-US" baseline="0" dirty="0" err="1" smtClean="0"/>
-              <a:t>quanh</a:t>
-            </a:r>
-            <a:r>
-              <a:rPr lang="en-US" baseline="0" dirty="0" smtClean="0"/>
-              <a:t> </a:t>
-            </a:r>
-            <a:r>
-              <a:rPr lang="en-US" baseline="0" dirty="0" err="1" smtClean="0"/>
-              <a:t>cái</a:t>
-            </a:r>
-            <a:r>
-              <a:rPr lang="en-US" baseline="0" dirty="0" smtClean="0"/>
-              <a:t> </a:t>
-            </a:r>
-            <a:r>
-              <a:rPr lang="en-US" baseline="0" dirty="0" err="1" smtClean="0"/>
-              <a:t>bảng</a:t>
-            </a:r>
-            <a:r>
-              <a:rPr lang="en-US" baseline="0" dirty="0" smtClean="0"/>
-              <a:t> </a:t>
-            </a:r>
-            <a:r>
-              <a:rPr lang="en-US" baseline="0" dirty="0" err="1" smtClean="0"/>
-              <a:t>chính</a:t>
-            </a:r>
-            <a:r>
-              <a:rPr lang="en-US" baseline="0" dirty="0" smtClean="0"/>
-              <a:t> </a:t>
-            </a:r>
-            <a:r>
-              <a:rPr lang="en-US" baseline="0" dirty="0" err="1" smtClean="0"/>
-              <a:t>cho</a:t>
-            </a:r>
-            <a:r>
-              <a:rPr lang="en-US" baseline="0" dirty="0" smtClean="0"/>
-              <a:t> </a:t>
-            </a:r>
-            <a:r>
-              <a:rPr lang="en-US" baseline="0" dirty="0" err="1" smtClean="0"/>
-              <a:t>nó</a:t>
-            </a:r>
-            <a:r>
-              <a:rPr lang="en-US" baseline="0" dirty="0" smtClean="0"/>
-              <a:t> </a:t>
-            </a:r>
-            <a:r>
-              <a:rPr lang="en-US" baseline="0" dirty="0" err="1" smtClean="0"/>
-              <a:t>nổi</a:t>
-            </a:r>
-            <a:r>
-              <a:rPr lang="en-US" baseline="0" dirty="0" smtClean="0"/>
-              <a:t> </a:t>
-            </a:r>
-            <a:r>
-              <a:rPr lang="en-US" baseline="0" dirty="0" err="1" smtClean="0"/>
-              <a:t>bật</a:t>
-            </a:r>
-            <a:r>
-              <a:rPr lang="en-US" baseline="0" dirty="0" smtClean="0"/>
-              <a:t> </a:t>
-            </a:r>
-            <a:r>
-              <a:rPr lang="en-US" baseline="0" dirty="0" err="1" smtClean="0"/>
-              <a:t>lên</a:t>
-            </a:r>
-            <a:endParaRPr lang="en-US" dirty="0"/>
-          </a:p>
-        </p:txBody>
-      </p:sp>
-      <p:sp>
-        <p:nvSpPr>
-          <p:cNvPr id="4" name="Slide Number Placeholder 3"/>
-          <p:cNvSpPr>
-            <a:spLocks noGrp="1"/>
-          </p:cNvSpPr>
-          <p:nvPr>
-            <p:ph type="sldNum" sz="quarter" idx="10"/>
-          </p:nvPr>
-        </p:nvSpPr>
-        <p:spPr/>
-        <p:txBody>
-          <a:bodyPr/>
-          <a:lstStyle/>
-          <a:p>
-            <a:fld id="{94349F02-7B7E-4405-841E-9FEA710E9D5A}" type="slidenum">
-              <a:rPr lang="en-US" smtClean="0"/>
-              <a:pPr/>
-              <a:t>26</a:t>
-            </a:fld>
-            <a:endParaRPr lang="en-US"/>
-          </a:p>
-        </p:txBody>
-      </p:sp>
-      <p:sp>
-        <p:nvSpPr>
-          <p:cNvPr id="5" name="Footer Placeholder 4"/>
-          <p:cNvSpPr>
-            <a:spLocks noGrp="1"/>
-          </p:cNvSpPr>
-          <p:nvPr>
-            <p:ph type="ftr" sz="quarter" idx="11"/>
-          </p:nvPr>
-        </p:nvSpPr>
-        <p:spPr/>
-        <p:txBody>
-          <a:bodyPr/>
-          <a:lstStyle/>
-          <a:p>
-            <a:endParaRPr lang="en-US"/>
-          </a:p>
-        </p:txBody>
-      </p:sp>
-    </p:spTree>
-    <p:extLst>
-      <p:ext uri="{BB962C8B-B14F-4D97-AF65-F5344CB8AC3E}">
-        <p14:creationId xmlns:p14="http://schemas.microsoft.com/office/powerpoint/2010/main" val="4240182568"/>
-      </p:ext>
-    </p:extLst>
-  </p:cSld>
-  <p:clrMapOvr>
-    <a:masterClrMapping/>
-  </p:clrMapOvr>
-</p:notes>
-</file>
-
-<file path=ppt/notesSlides/notesSlide21.xml><?xml version="1.0" encoding="utf-8"?>
-<p:notes xmlns:a="http://schemas.openxmlformats.org/drawingml/2006/main" xmlns:r="http://schemas.openxmlformats.org/officeDocument/2006/relationships" xmlns:p="http://schemas.openxmlformats.org/presentationml/2006/main">
-  <p:cSld>
-    <p:spTree>
-      <p:nvGrpSpPr>
-        <p:cNvPr id="1" name=""/>
-        <p:cNvGrpSpPr/>
-        <p:nvPr/>
-      </p:nvGrpSpPr>
-      <p:grpSpPr>
-        <a:xfrm>
-          <a:off x="0" y="0"/>
-          <a:ext cx="0" cy="0"/>
-          <a:chOff x="0" y="0"/>
-          <a:chExt cx="0" cy="0"/>
-        </a:xfrm>
-      </p:grpSpPr>
-      <p:sp>
-        <p:nvSpPr>
-          <p:cNvPr id="2" name="Slide Image Placeholder 1"/>
-          <p:cNvSpPr>
-            <a:spLocks noGrp="1" noRot="1" noChangeAspect="1"/>
-          </p:cNvSpPr>
-          <p:nvPr>
-            <p:ph type="sldImg"/>
-          </p:nvPr>
-        </p:nvSpPr>
-        <p:spPr/>
-      </p:sp>
-      <p:sp>
-        <p:nvSpPr>
-          <p:cNvPr id="3" name="Notes Placeholder 2"/>
-          <p:cNvSpPr>
-            <a:spLocks noGrp="1"/>
-          </p:cNvSpPr>
-          <p:nvPr>
-            <p:ph type="body" idx="1"/>
-          </p:nvPr>
-        </p:nvSpPr>
-        <p:spPr/>
-        <p:txBody>
-          <a:bodyPr/>
-          <a:lstStyle/>
-          <a:p>
-            <a:r>
-              <a:rPr lang="en-US" dirty="0" err="1" smtClean="0"/>
-              <a:t>Đồ</a:t>
-            </a:r>
-            <a:r>
-              <a:rPr lang="en-US" baseline="0" dirty="0" smtClean="0"/>
-              <a:t> </a:t>
-            </a:r>
-            <a:r>
-              <a:rPr lang="en-US" baseline="0" dirty="0" err="1" smtClean="0"/>
-              <a:t>án</a:t>
-            </a:r>
-            <a:r>
-              <a:rPr lang="en-US" baseline="0" dirty="0" smtClean="0"/>
-              <a:t> </a:t>
-            </a:r>
-            <a:r>
-              <a:rPr lang="en-US" baseline="0" dirty="0" err="1" smtClean="0"/>
-              <a:t>chúng</a:t>
-            </a:r>
-            <a:r>
-              <a:rPr lang="en-US" baseline="0" dirty="0" smtClean="0"/>
-              <a:t> e </a:t>
-            </a:r>
-            <a:r>
-              <a:rPr lang="en-US" baseline="0" dirty="0" err="1" smtClean="0"/>
-              <a:t>có</a:t>
-            </a:r>
-            <a:r>
-              <a:rPr lang="en-US" baseline="0" dirty="0" smtClean="0"/>
-              <a:t> 3 </a:t>
-            </a:r>
-            <a:r>
-              <a:rPr lang="en-US" baseline="0" dirty="0" err="1" smtClean="0"/>
-              <a:t>giai</a:t>
-            </a:r>
-            <a:r>
-              <a:rPr lang="en-US" baseline="0" dirty="0" smtClean="0"/>
-              <a:t> </a:t>
-            </a:r>
-            <a:r>
-              <a:rPr lang="en-US" baseline="0" dirty="0" err="1" smtClean="0"/>
-              <a:t>đoạn</a:t>
-            </a:r>
-            <a:r>
-              <a:rPr lang="en-US" baseline="0" dirty="0" smtClean="0"/>
-              <a:t> test: Unit test, integration test </a:t>
-            </a:r>
-            <a:r>
-              <a:rPr lang="en-US" baseline="0" dirty="0" err="1" smtClean="0"/>
-              <a:t>và</a:t>
-            </a:r>
-            <a:r>
-              <a:rPr lang="en-US" baseline="0" dirty="0" smtClean="0"/>
-              <a:t> system test. </a:t>
-            </a:r>
-            <a:r>
-              <a:rPr lang="en-US" baseline="0" dirty="0" err="1" smtClean="0"/>
-              <a:t>Trong</a:t>
-            </a:r>
-            <a:r>
-              <a:rPr lang="en-US" baseline="0" dirty="0" smtClean="0"/>
-              <a:t> </a:t>
-            </a:r>
-            <a:r>
-              <a:rPr lang="en-US" baseline="0" dirty="0" err="1" smtClean="0"/>
-              <a:t>đó</a:t>
-            </a:r>
-            <a:r>
-              <a:rPr lang="en-US" baseline="0" dirty="0" smtClean="0"/>
-              <a:t> unit test, </a:t>
-            </a:r>
-            <a:r>
-              <a:rPr lang="en-US" baseline="0" dirty="0" err="1" smtClean="0"/>
-              <a:t>chúng</a:t>
-            </a:r>
-            <a:r>
-              <a:rPr lang="en-US" baseline="0" dirty="0" smtClean="0"/>
-              <a:t> e test song </a:t>
-            </a:r>
-            <a:r>
-              <a:rPr lang="en-US" baseline="0" dirty="0" err="1" smtClean="0"/>
-              <a:t>song</a:t>
-            </a:r>
-            <a:r>
-              <a:rPr lang="en-US" baseline="0" dirty="0" smtClean="0"/>
-              <a:t> </a:t>
-            </a:r>
-            <a:r>
-              <a:rPr lang="en-US" baseline="0" dirty="0" err="1" smtClean="0"/>
-              <a:t>trong</a:t>
-            </a:r>
-            <a:r>
-              <a:rPr lang="en-US" baseline="0" dirty="0" smtClean="0"/>
-              <a:t> </a:t>
-            </a:r>
-            <a:r>
-              <a:rPr lang="en-US" baseline="0" dirty="0" err="1" smtClean="0"/>
-              <a:t>quá</a:t>
-            </a:r>
-            <a:r>
-              <a:rPr lang="en-US" baseline="0" dirty="0" smtClean="0"/>
-              <a:t> </a:t>
-            </a:r>
-            <a:r>
-              <a:rPr lang="en-US" baseline="0" dirty="0" err="1" smtClean="0"/>
-              <a:t>trình</a:t>
-            </a:r>
-            <a:r>
-              <a:rPr lang="en-US" baseline="0" dirty="0" smtClean="0"/>
-              <a:t> code.</a:t>
-            </a:r>
-          </a:p>
-        </p:txBody>
-      </p:sp>
-      <p:sp>
-        <p:nvSpPr>
-          <p:cNvPr id="4" name="Slide Number Placeholder 3"/>
-          <p:cNvSpPr>
-            <a:spLocks noGrp="1"/>
-          </p:cNvSpPr>
-          <p:nvPr>
-            <p:ph type="sldNum" sz="quarter" idx="10"/>
-          </p:nvPr>
-        </p:nvSpPr>
-        <p:spPr/>
-        <p:txBody>
-          <a:bodyPr/>
-          <a:lstStyle/>
-          <a:p>
-            <a:fld id="{94349F02-7B7E-4405-841E-9FEA710E9D5A}" type="slidenum">
-              <a:rPr lang="en-US" smtClean="0"/>
-              <a:pPr/>
-              <a:t>29</a:t>
-            </a:fld>
-            <a:endParaRPr lang="en-US"/>
-          </a:p>
-        </p:txBody>
-      </p:sp>
-      <p:sp>
-        <p:nvSpPr>
-          <p:cNvPr id="5" name="Footer Placeholder 4"/>
-          <p:cNvSpPr>
-            <a:spLocks noGrp="1"/>
-          </p:cNvSpPr>
-          <p:nvPr>
-            <p:ph type="ftr" sz="quarter" idx="11"/>
-          </p:nvPr>
-        </p:nvSpPr>
-        <p:spPr/>
-        <p:txBody>
-          <a:bodyPr/>
-          <a:lstStyle/>
-          <a:p>
-            <a:endParaRPr lang="en-US"/>
-          </a:p>
-        </p:txBody>
-      </p:sp>
-    </p:spTree>
-    <p:extLst>
-      <p:ext uri="{BB962C8B-B14F-4D97-AF65-F5344CB8AC3E}">
-        <p14:creationId xmlns:p14="http://schemas.microsoft.com/office/powerpoint/2010/main" val="1189329684"/>
-      </p:ext>
-    </p:extLst>
-  </p:cSld>
-  <p:clrMapOvr>
-    <a:masterClrMapping/>
-  </p:clrMapOvr>
-</p:notes>
-</file>
-
-<file path=ppt/notesSlides/notesSlide22.xml><?xml version="1.0" encoding="utf-8"?>
-<p:notes xmlns:a="http://schemas.openxmlformats.org/drawingml/2006/main" xmlns:r="http://schemas.openxmlformats.org/officeDocument/2006/relationships" xmlns:p="http://schemas.openxmlformats.org/presentationml/2006/main">
-  <p:cSld>
-    <p:spTree>
-      <p:nvGrpSpPr>
-        <p:cNvPr id="1" name=""/>
-        <p:cNvGrpSpPr/>
-        <p:nvPr/>
-      </p:nvGrpSpPr>
-      <p:grpSpPr>
-        <a:xfrm>
-          <a:off x="0" y="0"/>
-          <a:ext cx="0" cy="0"/>
-          <a:chOff x="0" y="0"/>
-          <a:chExt cx="0" cy="0"/>
-        </a:xfrm>
-      </p:grpSpPr>
-      <p:sp>
-        <p:nvSpPr>
-          <p:cNvPr id="2" name="Slide Image Placeholder 1"/>
-          <p:cNvSpPr>
-            <a:spLocks noGrp="1" noRot="1" noChangeAspect="1"/>
-          </p:cNvSpPr>
-          <p:nvPr>
-            <p:ph type="sldImg"/>
-          </p:nvPr>
-        </p:nvSpPr>
-        <p:spPr/>
-      </p:sp>
-      <p:sp>
-        <p:nvSpPr>
-          <p:cNvPr id="3" name="Notes Placeholder 2"/>
-          <p:cNvSpPr>
-            <a:spLocks noGrp="1"/>
-          </p:cNvSpPr>
-          <p:nvPr>
-            <p:ph type="body" idx="1"/>
-          </p:nvPr>
-        </p:nvSpPr>
-        <p:spPr/>
-        <p:txBody>
-          <a:bodyPr/>
-          <a:lstStyle/>
-          <a:p>
-            <a:pPr eaLnBrk="1" hangingPunct="1"/>
-            <a:r>
-              <a:rPr lang="en-US" dirty="0" err="1" smtClean="0"/>
-              <a:t>Chún</a:t>
-            </a:r>
-            <a:r>
-              <a:rPr lang="en-US" baseline="0" dirty="0" err="1" smtClean="0"/>
-              <a:t>g</a:t>
-            </a:r>
-            <a:r>
-              <a:rPr lang="en-US" baseline="0" dirty="0" smtClean="0"/>
-              <a:t> e </a:t>
-            </a:r>
-            <a:r>
-              <a:rPr lang="en-US" baseline="0" dirty="0" err="1" smtClean="0"/>
-              <a:t>sử</a:t>
-            </a:r>
-            <a:r>
-              <a:rPr lang="en-US" baseline="0" dirty="0" smtClean="0"/>
-              <a:t> </a:t>
-            </a:r>
-            <a:r>
-              <a:rPr lang="en-US" baseline="0" dirty="0" err="1" smtClean="0"/>
-              <a:t>dụng</a:t>
-            </a:r>
-            <a:r>
-              <a:rPr lang="en-US" baseline="0" dirty="0" smtClean="0"/>
-              <a:t> V-model </a:t>
-            </a:r>
-            <a:r>
-              <a:rPr lang="en-US" baseline="0" dirty="0" err="1" smtClean="0"/>
-              <a:t>trong</a:t>
-            </a:r>
-            <a:r>
-              <a:rPr lang="en-US" baseline="0" dirty="0" smtClean="0"/>
-              <a:t> </a:t>
-            </a:r>
-            <a:r>
-              <a:rPr lang="en-US" baseline="0" dirty="0" err="1" smtClean="0"/>
-              <a:t>quá</a:t>
-            </a:r>
-            <a:r>
-              <a:rPr lang="en-US" baseline="0" dirty="0" smtClean="0"/>
-              <a:t> </a:t>
-            </a:r>
-            <a:r>
-              <a:rPr lang="en-US" baseline="0" dirty="0" err="1" smtClean="0"/>
-              <a:t>trình</a:t>
-            </a:r>
-            <a:r>
-              <a:rPr lang="en-US" baseline="0" dirty="0" smtClean="0"/>
-              <a:t> test, </a:t>
-            </a:r>
-            <a:r>
-              <a:rPr lang="en-US" baseline="0" dirty="0" err="1" smtClean="0"/>
-              <a:t>mô</a:t>
-            </a:r>
-            <a:r>
-              <a:rPr lang="en-US" baseline="0" dirty="0" smtClean="0"/>
-              <a:t> </a:t>
-            </a:r>
-            <a:r>
-              <a:rPr lang="en-US" baseline="0" dirty="0" err="1" smtClean="0"/>
-              <a:t>hình</a:t>
-            </a:r>
-            <a:r>
-              <a:rPr lang="en-US" baseline="0" dirty="0" smtClean="0"/>
-              <a:t> </a:t>
-            </a:r>
-            <a:r>
-              <a:rPr lang="en-US" baseline="0" dirty="0" err="1" smtClean="0"/>
-              <a:t>này</a:t>
-            </a:r>
-            <a:r>
-              <a:rPr lang="en-US" baseline="0" dirty="0" smtClean="0"/>
-              <a:t> </a:t>
-            </a:r>
-            <a:r>
-              <a:rPr lang="en-US" baseline="0" dirty="0" err="1" smtClean="0"/>
-              <a:t>giúp</a:t>
-            </a:r>
-            <a:r>
-              <a:rPr lang="en-US" baseline="0" dirty="0" smtClean="0"/>
-              <a:t> </a:t>
-            </a:r>
-            <a:r>
-              <a:rPr lang="en-US" baseline="0" dirty="0" err="1" smtClean="0"/>
-              <a:t>nhóm</a:t>
-            </a:r>
-            <a:r>
-              <a:rPr lang="en-US" baseline="0" dirty="0" smtClean="0"/>
-              <a:t> e:</a:t>
-            </a:r>
-          </a:p>
-          <a:p>
-            <a:pPr eaLnBrk="1" hangingPunct="1"/>
-            <a:endParaRPr lang="en-US" dirty="0" smtClean="0"/>
-          </a:p>
-          <a:p>
-            <a:pPr eaLnBrk="1" hangingPunct="1"/>
-            <a:r>
-              <a:rPr lang="en-US" dirty="0" smtClean="0"/>
-              <a:t>- </a:t>
-            </a:r>
-            <a:r>
-              <a:rPr lang="en-US" dirty="0" err="1" smtClean="0"/>
-              <a:t>Có</a:t>
-            </a:r>
-            <a:r>
-              <a:rPr lang="en-US" baseline="0" dirty="0" smtClean="0"/>
-              <a:t> </a:t>
-            </a:r>
-            <a:r>
-              <a:rPr lang="en-US" baseline="0" dirty="0" err="1" smtClean="0"/>
-              <a:t>thể</a:t>
-            </a:r>
-            <a:r>
-              <a:rPr lang="en-US" baseline="0" dirty="0" smtClean="0"/>
-              <a:t> test </a:t>
-            </a:r>
-            <a:r>
-              <a:rPr lang="en-US" baseline="0" dirty="0" err="1" smtClean="0"/>
-              <a:t>cuốn</a:t>
-            </a:r>
-            <a:r>
-              <a:rPr lang="en-US" baseline="0" dirty="0" smtClean="0"/>
-              <a:t> </a:t>
-            </a:r>
-            <a:r>
-              <a:rPr lang="en-US" baseline="0" dirty="0" err="1" smtClean="0"/>
-              <a:t>chiếu</a:t>
-            </a:r>
-            <a:r>
-              <a:rPr lang="en-US" baseline="0" dirty="0" smtClean="0"/>
-              <a:t>, code </a:t>
-            </a:r>
-            <a:r>
-              <a:rPr lang="en-US" baseline="0" dirty="0" err="1" smtClean="0"/>
-              <a:t>và</a:t>
-            </a:r>
-            <a:r>
-              <a:rPr lang="en-US" baseline="0" dirty="0" smtClean="0"/>
-              <a:t> test song </a:t>
-            </a:r>
-            <a:r>
-              <a:rPr lang="en-US" baseline="0" dirty="0" err="1" smtClean="0"/>
-              <a:t>song</a:t>
-            </a:r>
-            <a:r>
-              <a:rPr lang="en-US" baseline="0" dirty="0" smtClean="0"/>
-              <a:t>.</a:t>
-            </a:r>
-            <a:endParaRPr lang="en-US" dirty="0" smtClean="0"/>
-          </a:p>
-          <a:p>
-            <a:pPr eaLnBrk="1" hangingPunct="1"/>
-            <a:r>
-              <a:rPr lang="en-US" dirty="0" smtClean="0"/>
-              <a:t>-</a:t>
-            </a:r>
-            <a:r>
-              <a:rPr lang="en-US" baseline="0" dirty="0" smtClean="0"/>
-              <a:t> </a:t>
-            </a:r>
-            <a:r>
-              <a:rPr lang="en-US" baseline="0" dirty="0" err="1" smtClean="0"/>
-              <a:t>Tận</a:t>
-            </a:r>
-            <a:r>
-              <a:rPr lang="en-US" baseline="0" dirty="0" smtClean="0"/>
-              <a:t> </a:t>
-            </a:r>
-            <a:r>
-              <a:rPr lang="en-US" baseline="0" dirty="0" err="1" smtClean="0"/>
-              <a:t>dụng</a:t>
-            </a:r>
-            <a:r>
-              <a:rPr lang="en-US" baseline="0" dirty="0" smtClean="0"/>
-              <a:t> </a:t>
-            </a:r>
-            <a:r>
-              <a:rPr lang="en-US" baseline="0" dirty="0" err="1" smtClean="0"/>
-              <a:t>tối</a:t>
-            </a:r>
-            <a:r>
-              <a:rPr lang="en-US" baseline="0" dirty="0" smtClean="0"/>
-              <a:t> </a:t>
-            </a:r>
-            <a:r>
-              <a:rPr lang="en-US" baseline="0" dirty="0" err="1" smtClean="0"/>
-              <a:t>đa</a:t>
-            </a:r>
-            <a:r>
-              <a:rPr lang="en-US" baseline="0" dirty="0" smtClean="0"/>
-              <a:t> </a:t>
-            </a:r>
-            <a:r>
-              <a:rPr lang="en-US" baseline="0" dirty="0" err="1" smtClean="0"/>
-              <a:t>thời</a:t>
-            </a:r>
-            <a:r>
-              <a:rPr lang="en-US" baseline="0" dirty="0" smtClean="0"/>
-              <a:t> </a:t>
-            </a:r>
-            <a:r>
-              <a:rPr lang="en-US" baseline="0" dirty="0" err="1" smtClean="0"/>
-              <a:t>gian</a:t>
-            </a:r>
-            <a:r>
-              <a:rPr lang="en-US" baseline="0" dirty="0" smtClean="0"/>
-              <a:t> </a:t>
-            </a:r>
-            <a:r>
-              <a:rPr lang="en-US" baseline="0" dirty="0" err="1" smtClean="0"/>
-              <a:t>của</a:t>
-            </a:r>
-            <a:r>
-              <a:rPr lang="en-US" baseline="0" dirty="0" smtClean="0"/>
-              <a:t> </a:t>
-            </a:r>
-            <a:r>
-              <a:rPr lang="en-US" baseline="0" dirty="0" err="1" smtClean="0"/>
-              <a:t>các</a:t>
-            </a:r>
-            <a:r>
-              <a:rPr lang="en-US" baseline="0" dirty="0" smtClean="0"/>
-              <a:t> </a:t>
-            </a:r>
-            <a:r>
-              <a:rPr lang="en-US" baseline="0" dirty="0" err="1" smtClean="0"/>
-              <a:t>thành</a:t>
-            </a:r>
-            <a:r>
-              <a:rPr lang="en-US" baseline="0" dirty="0" smtClean="0"/>
-              <a:t> </a:t>
-            </a:r>
-            <a:r>
-              <a:rPr lang="en-US" baseline="0" dirty="0" err="1" smtClean="0"/>
-              <a:t>viên</a:t>
-            </a:r>
-            <a:r>
-              <a:rPr lang="en-US" baseline="0" dirty="0" smtClean="0"/>
-              <a:t>.</a:t>
-            </a:r>
-            <a:endParaRPr lang="en-US" dirty="0" smtClean="0"/>
-          </a:p>
-        </p:txBody>
-      </p:sp>
-      <p:sp>
-        <p:nvSpPr>
-          <p:cNvPr id="4" name="Slide Number Placeholder 3"/>
-          <p:cNvSpPr>
-            <a:spLocks noGrp="1"/>
-          </p:cNvSpPr>
-          <p:nvPr>
-            <p:ph type="sldNum" sz="quarter" idx="10"/>
-          </p:nvPr>
-        </p:nvSpPr>
-        <p:spPr/>
-        <p:txBody>
-          <a:bodyPr/>
-          <a:lstStyle/>
-          <a:p>
-            <a:fld id="{94349F02-7B7E-4405-841E-9FEA710E9D5A}" type="slidenum">
-              <a:rPr lang="en-US" smtClean="0"/>
-              <a:pPr/>
-              <a:t>30</a:t>
-            </a:fld>
-            <a:endParaRPr lang="en-US"/>
-          </a:p>
-        </p:txBody>
-      </p:sp>
-      <p:sp>
-        <p:nvSpPr>
-          <p:cNvPr id="5" name="Footer Placeholder 4"/>
-          <p:cNvSpPr>
-            <a:spLocks noGrp="1"/>
-          </p:cNvSpPr>
-          <p:nvPr>
-            <p:ph type="ftr" sz="quarter" idx="11"/>
-          </p:nvPr>
-        </p:nvSpPr>
-        <p:spPr/>
-        <p:txBody>
-          <a:bodyPr/>
-          <a:lstStyle/>
-          <a:p>
-            <a:endParaRPr lang="en-US"/>
-          </a:p>
-        </p:txBody>
-      </p:sp>
-    </p:spTree>
-    <p:extLst>
-      <p:ext uri="{BB962C8B-B14F-4D97-AF65-F5344CB8AC3E}">
-        <p14:creationId xmlns:p14="http://schemas.microsoft.com/office/powerpoint/2010/main" val="4230026582"/>
-      </p:ext>
-    </p:extLst>
-  </p:cSld>
-  <p:clrMapOvr>
-    <a:masterClrMapping/>
-  </p:clrMapOvr>
-</p:notes>
-</file>
-
-<file path=ppt/notesSlides/notesSlide23.xml><?xml version="1.0" encoding="utf-8"?>
-<p:notes xmlns:a="http://schemas.openxmlformats.org/drawingml/2006/main" xmlns:r="http://schemas.openxmlformats.org/officeDocument/2006/relationships" xmlns:p="http://schemas.openxmlformats.org/presentationml/2006/main">
-  <p:cSld>
-    <p:spTree>
-      <p:nvGrpSpPr>
-        <p:cNvPr id="1" name=""/>
-        <p:cNvGrpSpPr/>
-        <p:nvPr/>
-      </p:nvGrpSpPr>
-      <p:grpSpPr>
-        <a:xfrm>
-          <a:off x="0" y="0"/>
-          <a:ext cx="0" cy="0"/>
-          <a:chOff x="0" y="0"/>
-          <a:chExt cx="0" cy="0"/>
-        </a:xfrm>
-      </p:grpSpPr>
-      <p:sp>
-        <p:nvSpPr>
-          <p:cNvPr id="2" name="Slide Image Placeholder 1"/>
-          <p:cNvSpPr>
-            <a:spLocks noGrp="1" noRot="1" noChangeAspect="1"/>
-          </p:cNvSpPr>
-          <p:nvPr>
-            <p:ph type="sldImg"/>
-          </p:nvPr>
-        </p:nvSpPr>
-        <p:spPr/>
-      </p:sp>
-      <p:sp>
-        <p:nvSpPr>
-          <p:cNvPr id="3" name="Notes Placeholder 2"/>
-          <p:cNvSpPr>
-            <a:spLocks noGrp="1"/>
-          </p:cNvSpPr>
-          <p:nvPr>
-            <p:ph type="body" idx="1"/>
-          </p:nvPr>
-        </p:nvSpPr>
-        <p:spPr/>
-        <p:txBody>
-          <a:bodyPr>
-            <a:normAutofit/>
-          </a:bodyPr>
-          <a:lstStyle/>
-          <a:p>
-            <a:r>
-              <a:rPr lang="en-US" dirty="0" err="1" smtClean="0"/>
-              <a:t>Đây</a:t>
-            </a:r>
-            <a:r>
-              <a:rPr lang="en-US" baseline="0" dirty="0" smtClean="0"/>
-              <a:t> </a:t>
-            </a:r>
-            <a:r>
-              <a:rPr lang="en-US" baseline="0" dirty="0" err="1" smtClean="0"/>
-              <a:t>là</a:t>
-            </a:r>
-            <a:r>
-              <a:rPr lang="en-US" baseline="0" dirty="0" smtClean="0"/>
-              <a:t> </a:t>
-            </a:r>
-            <a:r>
-              <a:rPr lang="en-US" baseline="0" dirty="0" err="1" smtClean="0"/>
-              <a:t>kết</a:t>
-            </a:r>
-            <a:r>
-              <a:rPr lang="en-US" baseline="0" dirty="0" smtClean="0"/>
-              <a:t> </a:t>
-            </a:r>
-            <a:r>
-              <a:rPr lang="en-US" baseline="0" dirty="0" err="1" smtClean="0"/>
-              <a:t>quả</a:t>
-            </a:r>
-            <a:r>
-              <a:rPr lang="en-US" baseline="0" dirty="0" smtClean="0"/>
-              <a:t> test </a:t>
-            </a:r>
-            <a:r>
-              <a:rPr lang="en-US" baseline="0" dirty="0" err="1" smtClean="0"/>
-              <a:t>của</a:t>
-            </a:r>
-            <a:r>
-              <a:rPr lang="en-US" baseline="0" dirty="0" smtClean="0"/>
-              <a:t> </a:t>
-            </a:r>
-            <a:r>
-              <a:rPr lang="en-US" baseline="0" dirty="0" err="1" smtClean="0"/>
-              <a:t>nhóm</a:t>
-            </a:r>
-            <a:r>
-              <a:rPr lang="en-US" baseline="0" dirty="0" smtClean="0"/>
-              <a:t> </a:t>
-            </a:r>
-            <a:r>
-              <a:rPr lang="en-US" baseline="0" dirty="0" err="1" smtClean="0"/>
-              <a:t>chúng</a:t>
-            </a:r>
-            <a:r>
-              <a:rPr lang="en-US" baseline="0" dirty="0" smtClean="0"/>
-              <a:t> </a:t>
-            </a:r>
-            <a:r>
-              <a:rPr lang="en-US" baseline="0" dirty="0" err="1" smtClean="0"/>
-              <a:t>em</a:t>
-            </a:r>
-            <a:r>
-              <a:rPr lang="en-US" baseline="0" dirty="0" smtClean="0"/>
-              <a:t>.</a:t>
-            </a:r>
-          </a:p>
-          <a:p>
-            <a:endParaRPr lang="en-US" baseline="0" dirty="0" smtClean="0"/>
-          </a:p>
-          <a:p>
-            <a:r>
-              <a:rPr lang="en-US" baseline="0" dirty="0" smtClean="0"/>
-              <a:t>Acceptance test result</a:t>
-            </a:r>
-          </a:p>
-          <a:p>
-            <a:endParaRPr lang="en-US" baseline="0" dirty="0" smtClean="0"/>
-          </a:p>
-          <a:p>
-            <a:r>
-              <a:rPr lang="en-US" baseline="0" dirty="0" smtClean="0"/>
-              <a:t>Release 29/7   -&gt; acceptance test   30/7 – 3/8</a:t>
-            </a:r>
-          </a:p>
-          <a:p>
-            <a:endParaRPr lang="en-US" baseline="0" dirty="0" smtClean="0"/>
-          </a:p>
-          <a:p>
-            <a:r>
-              <a:rPr lang="en-US" baseline="0" dirty="0" smtClean="0"/>
-              <a:t>log bug &amp; keep contact  (total: 8 </a:t>
-            </a:r>
-            <a:r>
-              <a:rPr lang="en-US" baseline="0" smtClean="0"/>
-              <a:t>bugs)  </a:t>
-            </a:r>
-            <a:endParaRPr lang="en-US" baseline="0" dirty="0" smtClean="0"/>
-          </a:p>
-          <a:p>
-            <a:endParaRPr lang="en-US" baseline="0" dirty="0" smtClean="0"/>
-          </a:p>
-          <a:p>
-            <a:r>
-              <a:rPr lang="en-US" baseline="0" dirty="0" smtClean="0"/>
-              <a:t>Release ( 2</a:t>
-            </a:r>
-            <a:r>
-              <a:rPr lang="en-US" baseline="30000" dirty="0" smtClean="0"/>
-              <a:t>nd</a:t>
-            </a:r>
-            <a:r>
-              <a:rPr lang="en-US" baseline="0" dirty="0" smtClean="0"/>
-              <a:t>)  5/8   -&gt; acceptance test (2</a:t>
-            </a:r>
-            <a:r>
-              <a:rPr lang="en-US" baseline="30000" dirty="0" smtClean="0"/>
-              <a:t>nd</a:t>
-            </a:r>
-            <a:r>
-              <a:rPr lang="en-US" baseline="0" dirty="0" smtClean="0"/>
-              <a:t>) 6/8 – 10/8</a:t>
-            </a:r>
-            <a:endParaRPr lang="en-US" dirty="0"/>
-          </a:p>
-        </p:txBody>
-      </p:sp>
-      <p:sp>
-        <p:nvSpPr>
-          <p:cNvPr id="4" name="Slide Number Placeholder 3"/>
-          <p:cNvSpPr>
-            <a:spLocks noGrp="1"/>
-          </p:cNvSpPr>
-          <p:nvPr>
-            <p:ph type="sldNum" sz="quarter" idx="10"/>
-          </p:nvPr>
-        </p:nvSpPr>
-        <p:spPr/>
-        <p:txBody>
-          <a:bodyPr/>
-          <a:lstStyle/>
-          <a:p>
-            <a:fld id="{94349F02-7B7E-4405-841E-9FEA710E9D5A}" type="slidenum">
-              <a:rPr lang="en-US" smtClean="0"/>
-              <a:pPr/>
-              <a:t>32</a:t>
-            </a:fld>
-            <a:endParaRPr lang="en-US"/>
-          </a:p>
-        </p:txBody>
-      </p:sp>
-      <p:sp>
-        <p:nvSpPr>
-          <p:cNvPr id="5" name="Footer Placeholder 4"/>
-          <p:cNvSpPr>
-            <a:spLocks noGrp="1"/>
-          </p:cNvSpPr>
-          <p:nvPr>
-            <p:ph type="ftr" sz="quarter" idx="11"/>
-          </p:nvPr>
-        </p:nvSpPr>
-        <p:spPr/>
-        <p:txBody>
-          <a:bodyPr/>
-          <a:lstStyle/>
-          <a:p>
-            <a:endParaRPr lang="en-US"/>
-          </a:p>
-        </p:txBody>
-      </p:sp>
-    </p:spTree>
-  </p:cSld>
-  <p:clrMapOvr>
-    <a:masterClrMapping/>
-  </p:clrMapOvr>
-</p:notes>
-</file>
-
-<file path=ppt/notesSlides/notesSlide24.xml><?xml version="1.0" encoding="utf-8"?>
-<p:notes xmlns:a="http://schemas.openxmlformats.org/drawingml/2006/main" xmlns:r="http://schemas.openxmlformats.org/officeDocument/2006/relationships" xmlns:p="http://schemas.openxmlformats.org/presentationml/2006/main">
-  <p:cSld>
-    <p:spTree>
-      <p:nvGrpSpPr>
-        <p:cNvPr id="1" name=""/>
-        <p:cNvGrpSpPr/>
-        <p:nvPr/>
-      </p:nvGrpSpPr>
-      <p:grpSpPr>
-        <a:xfrm>
-          <a:off x="0" y="0"/>
-          <a:ext cx="0" cy="0"/>
-          <a:chOff x="0" y="0"/>
-          <a:chExt cx="0" cy="0"/>
-        </a:xfrm>
-      </p:grpSpPr>
-      <p:sp>
-        <p:nvSpPr>
-          <p:cNvPr id="2" name="Slide Image Placeholder 1"/>
-          <p:cNvSpPr>
-            <a:spLocks noGrp="1" noRot="1" noChangeAspect="1"/>
-          </p:cNvSpPr>
-          <p:nvPr>
-            <p:ph type="sldImg"/>
-          </p:nvPr>
-        </p:nvSpPr>
-        <p:spPr/>
-      </p:sp>
-      <p:sp>
-        <p:nvSpPr>
-          <p:cNvPr id="3" name="Notes Placeholder 2"/>
-          <p:cNvSpPr>
-            <a:spLocks noGrp="1"/>
-          </p:cNvSpPr>
-          <p:nvPr>
-            <p:ph type="body" idx="1"/>
-          </p:nvPr>
-        </p:nvSpPr>
-        <p:spPr/>
-        <p:txBody>
-          <a:bodyPr/>
-          <a:lstStyle/>
-          <a:p>
-            <a:r>
-              <a:rPr lang="en-US" dirty="0" err="1" smtClean="0"/>
-              <a:t>Đây</a:t>
-            </a:r>
-            <a:r>
-              <a:rPr lang="en-US" baseline="0" dirty="0" smtClean="0"/>
-              <a:t> </a:t>
-            </a:r>
-            <a:r>
-              <a:rPr lang="en-US" baseline="0" dirty="0" err="1" smtClean="0"/>
-              <a:t>là</a:t>
-            </a:r>
-            <a:r>
-              <a:rPr lang="en-US" baseline="0" dirty="0" smtClean="0"/>
-              <a:t> ~ </a:t>
-            </a:r>
-            <a:r>
-              <a:rPr lang="en-US" baseline="0" dirty="0" err="1" smtClean="0"/>
-              <a:t>tiêu</a:t>
-            </a:r>
-            <a:r>
-              <a:rPr lang="en-US" baseline="0" dirty="0" smtClean="0"/>
-              <a:t> </a:t>
-            </a:r>
-            <a:r>
-              <a:rPr lang="en-US" baseline="0" dirty="0" err="1" smtClean="0"/>
-              <a:t>chí</a:t>
-            </a:r>
-            <a:r>
-              <a:rPr lang="en-US" baseline="0" dirty="0" smtClean="0"/>
-              <a:t> </a:t>
-            </a:r>
-            <a:r>
-              <a:rPr lang="en-US" baseline="0" dirty="0" err="1" smtClean="0"/>
-              <a:t>thành</a:t>
-            </a:r>
-            <a:r>
-              <a:rPr lang="en-US" baseline="0" dirty="0" smtClean="0"/>
-              <a:t> </a:t>
-            </a:r>
-            <a:r>
-              <a:rPr lang="en-US" baseline="0" dirty="0" err="1" smtClean="0"/>
-              <a:t>công</a:t>
-            </a:r>
-            <a:r>
-              <a:rPr lang="en-US" baseline="0" dirty="0" smtClean="0"/>
-              <a:t> </a:t>
-            </a:r>
-            <a:r>
-              <a:rPr lang="en-US" baseline="0" dirty="0" err="1" smtClean="0"/>
-              <a:t>của</a:t>
-            </a:r>
-            <a:r>
-              <a:rPr lang="en-US" baseline="0" dirty="0" smtClean="0"/>
-              <a:t> </a:t>
-            </a:r>
-            <a:r>
-              <a:rPr lang="en-US" baseline="0" dirty="0" err="1" smtClean="0"/>
-              <a:t>công</a:t>
-            </a:r>
-            <a:r>
-              <a:rPr lang="en-US" baseline="0" dirty="0" smtClean="0"/>
-              <a:t> </a:t>
-            </a:r>
-            <a:r>
-              <a:rPr lang="en-US" baseline="0" dirty="0" err="1" smtClean="0"/>
-              <a:t>đoạn</a:t>
-            </a:r>
-            <a:r>
-              <a:rPr lang="en-US" baseline="0" dirty="0" smtClean="0"/>
-              <a:t> test </a:t>
-            </a:r>
-            <a:r>
-              <a:rPr lang="en-US" baseline="0" dirty="0" err="1" smtClean="0"/>
-              <a:t>mà</a:t>
-            </a:r>
-            <a:r>
-              <a:rPr lang="en-US" baseline="0" dirty="0" smtClean="0"/>
-              <a:t> </a:t>
-            </a:r>
-            <a:r>
-              <a:rPr lang="en-US" baseline="0" dirty="0" err="1" smtClean="0"/>
-              <a:t>nhóm</a:t>
-            </a:r>
-            <a:r>
-              <a:rPr lang="en-US" baseline="0" dirty="0" smtClean="0"/>
-              <a:t> e </a:t>
-            </a:r>
-            <a:r>
-              <a:rPr lang="en-US" baseline="0" dirty="0" err="1" smtClean="0"/>
-              <a:t>đề</a:t>
-            </a:r>
-            <a:r>
-              <a:rPr lang="en-US" baseline="0" dirty="0" smtClean="0"/>
-              <a:t> </a:t>
-            </a:r>
-            <a:r>
-              <a:rPr lang="en-US" baseline="0" dirty="0" err="1" smtClean="0"/>
-              <a:t>ra</a:t>
-            </a:r>
-            <a:r>
-              <a:rPr lang="en-US" baseline="0" dirty="0" smtClean="0"/>
-              <a:t>, </a:t>
-            </a:r>
-            <a:r>
-              <a:rPr lang="en-US" baseline="0" dirty="0" err="1" smtClean="0"/>
-              <a:t>và</a:t>
-            </a:r>
-            <a:r>
-              <a:rPr lang="en-US" baseline="0" dirty="0" smtClean="0"/>
-              <a:t> </a:t>
-            </a:r>
-            <a:r>
-              <a:rPr lang="en-US" baseline="0" dirty="0" err="1" smtClean="0"/>
-              <a:t>sau</a:t>
-            </a:r>
-            <a:r>
-              <a:rPr lang="en-US" baseline="0" dirty="0" smtClean="0"/>
-              <a:t> </a:t>
-            </a:r>
-            <a:r>
-              <a:rPr lang="en-US" baseline="0" dirty="0" err="1" smtClean="0"/>
-              <a:t>khi</a:t>
-            </a:r>
-            <a:r>
-              <a:rPr lang="en-US" baseline="0" dirty="0" smtClean="0"/>
-              <a:t> test, </a:t>
-            </a:r>
-            <a:r>
-              <a:rPr lang="en-US" baseline="0" dirty="0" err="1" smtClean="0"/>
-              <a:t>các</a:t>
-            </a:r>
-            <a:r>
-              <a:rPr lang="en-US" baseline="0" dirty="0" smtClean="0"/>
-              <a:t> </a:t>
-            </a:r>
-            <a:r>
-              <a:rPr lang="en-US" baseline="0" dirty="0" err="1" smtClean="0"/>
-              <a:t>tiêu</a:t>
-            </a:r>
-            <a:r>
-              <a:rPr lang="en-US" baseline="0" dirty="0" smtClean="0"/>
-              <a:t> </a:t>
-            </a:r>
-            <a:r>
-              <a:rPr lang="en-US" baseline="0" dirty="0" err="1" smtClean="0"/>
-              <a:t>chí</a:t>
-            </a:r>
-            <a:r>
-              <a:rPr lang="en-US" baseline="0" dirty="0" smtClean="0"/>
-              <a:t> </a:t>
-            </a:r>
-            <a:r>
-              <a:rPr lang="en-US" baseline="0" dirty="0" err="1" smtClean="0"/>
-              <a:t>đều</a:t>
-            </a:r>
-            <a:r>
-              <a:rPr lang="en-US" baseline="0" dirty="0" smtClean="0"/>
-              <a:t> </a:t>
-            </a:r>
-            <a:r>
-              <a:rPr lang="en-US" baseline="0" dirty="0" err="1" smtClean="0"/>
-              <a:t>đạt</a:t>
-            </a:r>
-            <a:r>
-              <a:rPr lang="en-US" baseline="0" dirty="0" smtClean="0"/>
-              <a:t> </a:t>
-            </a:r>
-            <a:r>
-              <a:rPr lang="en-US" baseline="0" dirty="0" err="1" smtClean="0"/>
-              <a:t>được</a:t>
-            </a:r>
-            <a:endParaRPr lang="en-US" dirty="0"/>
-          </a:p>
-        </p:txBody>
-      </p:sp>
-      <p:sp>
-        <p:nvSpPr>
-          <p:cNvPr id="4" name="Slide Number Placeholder 3"/>
-          <p:cNvSpPr>
-            <a:spLocks noGrp="1"/>
-          </p:cNvSpPr>
-          <p:nvPr>
-            <p:ph type="sldNum" sz="quarter" idx="10"/>
-          </p:nvPr>
-        </p:nvSpPr>
-        <p:spPr/>
-        <p:txBody>
-          <a:bodyPr/>
-          <a:lstStyle/>
-          <a:p>
-            <a:fld id="{94349F02-7B7E-4405-841E-9FEA710E9D5A}" type="slidenum">
-              <a:rPr lang="en-US" smtClean="0"/>
-              <a:pPr/>
-              <a:t>33</a:t>
-            </a:fld>
-            <a:endParaRPr lang="en-US"/>
-          </a:p>
-        </p:txBody>
-      </p:sp>
-      <p:sp>
-        <p:nvSpPr>
-          <p:cNvPr id="5" name="Footer Placeholder 4"/>
-          <p:cNvSpPr>
-            <a:spLocks noGrp="1"/>
-          </p:cNvSpPr>
-          <p:nvPr>
-            <p:ph type="ftr" sz="quarter" idx="11"/>
-          </p:nvPr>
-        </p:nvSpPr>
-        <p:spPr/>
-        <p:txBody>
-          <a:bodyPr/>
-          <a:lstStyle/>
-          <a:p>
-            <a:endParaRPr lang="en-US"/>
-          </a:p>
-        </p:txBody>
-      </p:sp>
-    </p:spTree>
-    <p:extLst>
-      <p:ext uri="{BB962C8B-B14F-4D97-AF65-F5344CB8AC3E}">
-        <p14:creationId xmlns:p14="http://schemas.microsoft.com/office/powerpoint/2010/main" val="2471445808"/>
-      </p:ext>
-    </p:extLst>
-  </p:cSld>
-  <p:clrMapOvr>
-    <a:masterClrMapping/>
-  </p:clrMapOvr>
-</p:notes>
-</file>
-
-<file path=ppt/notesSlides/notesSlide25.xml><?xml version="1.0" encoding="utf-8"?>
-<p:notes xmlns:a="http://schemas.openxmlformats.org/drawingml/2006/main" xmlns:r="http://schemas.openxmlformats.org/officeDocument/2006/relationships" xmlns:p="http://schemas.openxmlformats.org/presentationml/2006/main">
-  <p:cSld>
-    <p:spTree>
-      <p:nvGrpSpPr>
-        <p:cNvPr id="1" name=""/>
-        <p:cNvGrpSpPr/>
-        <p:nvPr/>
-      </p:nvGrpSpPr>
-      <p:grpSpPr>
-        <a:xfrm>
-          <a:off x="0" y="0"/>
-          <a:ext cx="0" cy="0"/>
-          <a:chOff x="0" y="0"/>
-          <a:chExt cx="0" cy="0"/>
-        </a:xfrm>
-      </p:grpSpPr>
-      <p:sp>
-        <p:nvSpPr>
-          <p:cNvPr id="2" name="Slide Image Placeholder 1"/>
-          <p:cNvSpPr>
-            <a:spLocks noGrp="1" noRot="1" noChangeAspect="1"/>
-          </p:cNvSpPr>
-          <p:nvPr>
-            <p:ph type="sldImg"/>
-          </p:nvPr>
-        </p:nvSpPr>
-        <p:spPr/>
-      </p:sp>
-      <p:sp>
-        <p:nvSpPr>
-          <p:cNvPr id="3" name="Notes Placeholder 2"/>
-          <p:cNvSpPr>
-            <a:spLocks noGrp="1"/>
-          </p:cNvSpPr>
-          <p:nvPr>
-            <p:ph type="body" idx="1"/>
-          </p:nvPr>
-        </p:nvSpPr>
-        <p:spPr/>
-        <p:txBody>
-          <a:bodyPr/>
-          <a:lstStyle/>
-          <a:p>
-            <a:r>
-              <a:rPr lang="en-US" dirty="0" err="1" smtClean="0"/>
-              <a:t>Dua</a:t>
-            </a:r>
-            <a:r>
-              <a:rPr lang="en-US" dirty="0" smtClean="0"/>
-              <a:t> </a:t>
-            </a:r>
-            <a:r>
-              <a:rPr lang="en-US" dirty="0" err="1" smtClean="0"/>
-              <a:t>ra</a:t>
-            </a:r>
-            <a:r>
-              <a:rPr lang="en-US" dirty="0" smtClean="0"/>
-              <a:t> </a:t>
-            </a:r>
-            <a:r>
-              <a:rPr lang="en-US" dirty="0" err="1" smtClean="0"/>
-              <a:t>tieu</a:t>
-            </a:r>
-            <a:r>
-              <a:rPr lang="en-US" dirty="0" smtClean="0"/>
-              <a:t> chi </a:t>
-            </a:r>
-            <a:r>
-              <a:rPr lang="en-US" dirty="0" err="1" smtClean="0"/>
-              <a:t>thanh</a:t>
-            </a:r>
-            <a:r>
-              <a:rPr lang="en-US" dirty="0" smtClean="0"/>
-              <a:t> </a:t>
-            </a:r>
-            <a:r>
-              <a:rPr lang="en-US" dirty="0" err="1" smtClean="0"/>
-              <a:t>cong</a:t>
-            </a:r>
-            <a:r>
-              <a:rPr lang="en-US" dirty="0" smtClean="0"/>
-              <a:t> </a:t>
-            </a:r>
-            <a:r>
-              <a:rPr lang="en-US" dirty="0" err="1" smtClean="0"/>
-              <a:t>ve</a:t>
-            </a:r>
-            <a:r>
-              <a:rPr lang="en-US" dirty="0" smtClean="0"/>
-              <a:t> san </a:t>
-            </a:r>
-            <a:r>
-              <a:rPr lang="en-US" dirty="0" err="1" smtClean="0"/>
-              <a:t>pham</a:t>
-            </a:r>
-            <a:r>
-              <a:rPr lang="en-US" dirty="0" smtClean="0"/>
-              <a:t>.</a:t>
-            </a:r>
-            <a:endParaRPr lang="en-US" dirty="0"/>
-          </a:p>
-        </p:txBody>
-      </p:sp>
-      <p:sp>
-        <p:nvSpPr>
-          <p:cNvPr id="4" name="Slide Number Placeholder 3"/>
-          <p:cNvSpPr>
-            <a:spLocks noGrp="1"/>
-          </p:cNvSpPr>
-          <p:nvPr>
-            <p:ph type="sldNum" sz="quarter" idx="10"/>
-          </p:nvPr>
-        </p:nvSpPr>
-        <p:spPr/>
-        <p:txBody>
-          <a:bodyPr/>
-          <a:lstStyle/>
-          <a:p>
-            <a:fld id="{94349F02-7B7E-4405-841E-9FEA710E9D5A}" type="slidenum">
-              <a:rPr lang="en-US" smtClean="0"/>
-              <a:pPr/>
-              <a:t>34</a:t>
-            </a:fld>
-            <a:endParaRPr lang="en-US"/>
-          </a:p>
-        </p:txBody>
-      </p:sp>
-      <p:sp>
-        <p:nvSpPr>
-          <p:cNvPr id="5" name="Footer Placeholder 4"/>
-          <p:cNvSpPr>
-            <a:spLocks noGrp="1"/>
-          </p:cNvSpPr>
-          <p:nvPr>
-            <p:ph type="ftr" sz="quarter" idx="11"/>
-          </p:nvPr>
-        </p:nvSpPr>
-        <p:spPr/>
-        <p:txBody>
-          <a:bodyPr/>
-          <a:lstStyle/>
-          <a:p>
-            <a:endParaRPr lang="en-US"/>
-          </a:p>
-        </p:txBody>
-      </p:sp>
-    </p:spTree>
-    <p:extLst>
-      <p:ext uri="{BB962C8B-B14F-4D97-AF65-F5344CB8AC3E}">
-        <p14:creationId xmlns:p14="http://schemas.microsoft.com/office/powerpoint/2010/main" val="2768051254"/>
-      </p:ext>
-    </p:extLst>
-  </p:cSld>
-  <p:clrMapOvr>
-    <a:masterClrMapping/>
-  </p:clrMapOvr>
-</p:notes>
-</file>
-
-<file path=ppt/notesSlides/notesSlide3.xml><?xml version="1.0" encoding="utf-8"?>
+<file path=ppt/notesSlides/notesSlide4.xml><?xml version="1.0" encoding="utf-8"?>
 <p:notes xmlns:a="http://schemas.openxmlformats.org/drawingml/2006/main" xmlns:r="http://schemas.openxmlformats.org/officeDocument/2006/relationships" xmlns:p="http://schemas.openxmlformats.org/presentationml/2006/main">
   <p:cSld>
     <p:spTree>
@@ -27341,7 +28798,7 @@
 </p:notes>
 </file>
 
-<file path=ppt/notesSlides/notesSlide4.xml><?xml version="1.0" encoding="utf-8"?>
+<file path=ppt/notesSlides/notesSlide5.xml><?xml version="1.0" encoding="utf-8"?>
 <p:notes xmlns:a="http://schemas.openxmlformats.org/drawingml/2006/main" xmlns:r="http://schemas.openxmlformats.org/officeDocument/2006/relationships" xmlns:p="http://schemas.openxmlformats.org/presentationml/2006/main">
   <p:cSld>
     <p:spTree>
@@ -27445,7 +28902,7 @@
 </p:notes>
 </file>
 
-<file path=ppt/notesSlides/notesSlide5.xml><?xml version="1.0" encoding="utf-8"?>
+<file path=ppt/notesSlides/notesSlide6.xml><?xml version="1.0" encoding="utf-8"?>
 <p:notes xmlns:a="http://schemas.openxmlformats.org/drawingml/2006/main" xmlns:r="http://schemas.openxmlformats.org/officeDocument/2006/relationships" xmlns:p="http://schemas.openxmlformats.org/presentationml/2006/main">
   <p:cSld>
     <p:spTree>
@@ -27549,7 +29006,7 @@
 </p:notes>
 </file>
 
-<file path=ppt/notesSlides/notesSlide6.xml><?xml version="1.0" encoding="utf-8"?>
+<file path=ppt/notesSlides/notesSlide7.xml><?xml version="1.0" encoding="utf-8"?>
 <p:notes xmlns:a="http://schemas.openxmlformats.org/drawingml/2006/main" xmlns:r="http://schemas.openxmlformats.org/officeDocument/2006/relationships" xmlns:p="http://schemas.openxmlformats.org/presentationml/2006/main">
   <p:cSld>
     <p:spTree>
@@ -27633,7 +29090,7 @@
 </p:notes>
 </file>
 
-<file path=ppt/notesSlides/notesSlide7.xml><?xml version="1.0" encoding="utf-8"?>
+<file path=ppt/notesSlides/notesSlide8.xml><?xml version="1.0" encoding="utf-8"?>
 <p:notes xmlns:a="http://schemas.openxmlformats.org/drawingml/2006/main" xmlns:r="http://schemas.openxmlformats.org/officeDocument/2006/relationships" xmlns:p="http://schemas.openxmlformats.org/presentationml/2006/main">
   <p:cSld>
     <p:spTree>
@@ -27737,7 +29194,7 @@
 </p:notes>
 </file>
 
-<file path=ppt/notesSlides/notesSlide8.xml><?xml version="1.0" encoding="utf-8"?>
+<file path=ppt/notesSlides/notesSlide9.xml><?xml version="1.0" encoding="utf-8"?>
 <p:notes xmlns:a="http://schemas.openxmlformats.org/drawingml/2006/main" xmlns:r="http://schemas.openxmlformats.org/officeDocument/2006/relationships" xmlns:p="http://schemas.openxmlformats.org/presentationml/2006/main">
   <p:cSld>
     <p:spTree>
@@ -28205,763 +29662,6 @@
     <p:extLst>
       <p:ext uri="{BB962C8B-B14F-4D97-AF65-F5344CB8AC3E}">
         <p14:creationId xmlns:p14="http://schemas.microsoft.com/office/powerpoint/2010/main" val="893661190"/>
-      </p:ext>
-    </p:extLst>
-  </p:cSld>
-  <p:clrMapOvr>
-    <a:masterClrMapping/>
-  </p:clrMapOvr>
-</p:notes>
-</file>
-
-<file path=ppt/notesSlides/notesSlide9.xml><?xml version="1.0" encoding="utf-8"?>
-<p:notes xmlns:a="http://schemas.openxmlformats.org/drawingml/2006/main" xmlns:r="http://schemas.openxmlformats.org/officeDocument/2006/relationships" xmlns:p="http://schemas.openxmlformats.org/presentationml/2006/main">
-  <p:cSld>
-    <p:spTree>
-      <p:nvGrpSpPr>
-        <p:cNvPr id="1" name=""/>
-        <p:cNvGrpSpPr/>
-        <p:nvPr/>
-      </p:nvGrpSpPr>
-      <p:grpSpPr>
-        <a:xfrm>
-          <a:off x="0" y="0"/>
-          <a:ext cx="0" cy="0"/>
-          <a:chOff x="0" y="0"/>
-          <a:chExt cx="0" cy="0"/>
-        </a:xfrm>
-      </p:grpSpPr>
-      <p:sp>
-        <p:nvSpPr>
-          <p:cNvPr id="2" name="Slide Image Placeholder 1"/>
-          <p:cNvSpPr>
-            <a:spLocks noGrp="1" noRot="1" noChangeAspect="1"/>
-          </p:cNvSpPr>
-          <p:nvPr>
-            <p:ph type="sldImg"/>
-          </p:nvPr>
-        </p:nvSpPr>
-        <p:spPr/>
-      </p:sp>
-      <p:sp>
-        <p:nvSpPr>
-          <p:cNvPr id="3" name="Notes Placeholder 2"/>
-          <p:cNvSpPr>
-            <a:spLocks noGrp="1"/>
-          </p:cNvSpPr>
-          <p:nvPr>
-            <p:ph type="body" idx="1"/>
-          </p:nvPr>
-        </p:nvSpPr>
-        <p:spPr/>
-        <p:txBody>
-          <a:bodyPr/>
-          <a:lstStyle/>
-          <a:p>
-            <a:r>
-              <a:rPr lang="en-US" dirty="0" err="1" smtClean="0"/>
-              <a:t>Nhóm</a:t>
-            </a:r>
-            <a:r>
-              <a:rPr lang="en-US" baseline="0" dirty="0" smtClean="0"/>
-              <a:t> e </a:t>
-            </a:r>
-            <a:r>
-              <a:rPr lang="en-US" baseline="0" dirty="0" err="1" smtClean="0"/>
-              <a:t>sử</a:t>
-            </a:r>
-            <a:r>
-              <a:rPr lang="en-US" baseline="0" dirty="0" smtClean="0"/>
-              <a:t> </a:t>
-            </a:r>
-            <a:r>
-              <a:rPr lang="en-US" baseline="0" dirty="0" err="1" smtClean="0"/>
-              <a:t>dụng</a:t>
-            </a:r>
-            <a:r>
-              <a:rPr lang="en-US" baseline="0" dirty="0" smtClean="0"/>
-              <a:t> email </a:t>
-            </a:r>
-            <a:r>
-              <a:rPr lang="en-US" baseline="0" dirty="0" err="1" smtClean="0"/>
-              <a:t>để</a:t>
-            </a:r>
-            <a:r>
-              <a:rPr lang="en-US" baseline="0" dirty="0" smtClean="0"/>
-              <a:t> </a:t>
-            </a:r>
-            <a:r>
-              <a:rPr lang="en-US" baseline="0" dirty="0" err="1" smtClean="0"/>
-              <a:t>phân</a:t>
-            </a:r>
-            <a:r>
-              <a:rPr lang="en-US" baseline="0" dirty="0" smtClean="0"/>
-              <a:t> </a:t>
-            </a:r>
-            <a:r>
-              <a:rPr lang="en-US" baseline="0" dirty="0" err="1" smtClean="0"/>
-              <a:t>công</a:t>
-            </a:r>
-            <a:r>
-              <a:rPr lang="en-US" baseline="0" dirty="0" smtClean="0"/>
-              <a:t> </a:t>
-            </a:r>
-            <a:r>
-              <a:rPr lang="en-US" baseline="0" dirty="0" err="1" smtClean="0"/>
-              <a:t>công</a:t>
-            </a:r>
-            <a:r>
-              <a:rPr lang="en-US" baseline="0" dirty="0" smtClean="0"/>
-              <a:t> </a:t>
-            </a:r>
-            <a:r>
-              <a:rPr lang="en-US" baseline="0" dirty="0" err="1" smtClean="0"/>
-              <a:t>việc</a:t>
-            </a:r>
-            <a:r>
-              <a:rPr lang="en-US" baseline="0" dirty="0" smtClean="0"/>
-              <a:t>, </a:t>
-            </a:r>
-            <a:r>
-              <a:rPr lang="en-US" baseline="0" dirty="0" err="1" smtClean="0"/>
-              <a:t>dt</a:t>
-            </a:r>
-            <a:r>
-              <a:rPr lang="en-US" baseline="0" dirty="0" smtClean="0"/>
-              <a:t> </a:t>
-            </a:r>
-            <a:r>
-              <a:rPr lang="en-US" baseline="0" dirty="0" err="1" smtClean="0"/>
-              <a:t>và</a:t>
-            </a:r>
-            <a:r>
-              <a:rPr lang="en-US" baseline="0" dirty="0" smtClean="0"/>
-              <a:t> </a:t>
-            </a:r>
-            <a:r>
-              <a:rPr lang="en-US" baseline="0" dirty="0" err="1" smtClean="0"/>
-              <a:t>nik</a:t>
-            </a:r>
-            <a:r>
-              <a:rPr lang="en-US" baseline="0" dirty="0" smtClean="0"/>
-              <a:t> chat </a:t>
-            </a:r>
-            <a:r>
-              <a:rPr lang="en-US" baseline="0" dirty="0" err="1" smtClean="0"/>
-              <a:t>để</a:t>
-            </a:r>
-            <a:r>
-              <a:rPr lang="en-US" baseline="0" dirty="0" smtClean="0"/>
-              <a:t> </a:t>
-            </a:r>
-            <a:r>
-              <a:rPr lang="en-US" baseline="0" dirty="0" err="1" smtClean="0"/>
-              <a:t>liên</a:t>
-            </a:r>
-            <a:r>
-              <a:rPr lang="en-US" baseline="0" dirty="0" smtClean="0"/>
-              <a:t> </a:t>
-            </a:r>
-            <a:r>
-              <a:rPr lang="en-US" baseline="0" dirty="0" err="1" smtClean="0"/>
-              <a:t>lạc</a:t>
-            </a:r>
-            <a:r>
-              <a:rPr lang="en-US" baseline="0" dirty="0" smtClean="0"/>
-              <a:t>, </a:t>
-            </a:r>
-            <a:r>
-              <a:rPr lang="en-US" baseline="0" dirty="0" err="1" smtClean="0"/>
-              <a:t>và</a:t>
-            </a:r>
-            <a:r>
-              <a:rPr lang="en-US" baseline="0" dirty="0" smtClean="0"/>
-              <a:t> </a:t>
-            </a:r>
-            <a:r>
-              <a:rPr lang="en-US" baseline="0" dirty="0" err="1" smtClean="0"/>
-              <a:t>mỗi</a:t>
-            </a:r>
-            <a:r>
-              <a:rPr lang="en-US" baseline="0" dirty="0" smtClean="0"/>
-              <a:t> </a:t>
-            </a:r>
-            <a:r>
-              <a:rPr lang="en-US" baseline="0" dirty="0" err="1" smtClean="0"/>
-              <a:t>tuần</a:t>
-            </a:r>
-            <a:r>
-              <a:rPr lang="en-US" baseline="0" dirty="0" smtClean="0"/>
-              <a:t> </a:t>
-            </a:r>
-            <a:r>
-              <a:rPr lang="en-US" baseline="0" dirty="0" err="1" smtClean="0"/>
-              <a:t>nhóm</a:t>
-            </a:r>
-            <a:r>
-              <a:rPr lang="en-US" baseline="0" dirty="0" smtClean="0"/>
-              <a:t> e </a:t>
-            </a:r>
-            <a:r>
-              <a:rPr lang="en-US" baseline="0" dirty="0" err="1" smtClean="0"/>
-              <a:t>làm</a:t>
-            </a:r>
-            <a:r>
-              <a:rPr lang="en-US" baseline="0" dirty="0" smtClean="0"/>
-              <a:t> </a:t>
-            </a:r>
-            <a:r>
-              <a:rPr lang="en-US" baseline="0" dirty="0" err="1" smtClean="0"/>
-              <a:t>việc</a:t>
-            </a:r>
-            <a:r>
-              <a:rPr lang="en-US" baseline="0" dirty="0" smtClean="0"/>
-              <a:t> 6 </a:t>
-            </a:r>
-            <a:r>
-              <a:rPr lang="en-US" baseline="0" dirty="0" err="1" smtClean="0"/>
-              <a:t>ngày</a:t>
-            </a:r>
-            <a:r>
-              <a:rPr lang="en-US" baseline="0" dirty="0" smtClean="0"/>
-              <a:t>, </a:t>
-            </a:r>
-            <a:r>
-              <a:rPr lang="en-US" baseline="0" dirty="0" err="1" smtClean="0"/>
-              <a:t>và</a:t>
-            </a:r>
-            <a:r>
-              <a:rPr lang="en-US" baseline="0" dirty="0" smtClean="0"/>
-              <a:t> </a:t>
-            </a:r>
-            <a:r>
-              <a:rPr lang="en-US" baseline="0" dirty="0" err="1" smtClean="0"/>
-              <a:t>mỗi</a:t>
-            </a:r>
-            <a:r>
-              <a:rPr lang="en-US" baseline="0" dirty="0" smtClean="0"/>
-              <a:t> </a:t>
-            </a:r>
-            <a:r>
-              <a:rPr lang="en-US" baseline="0" dirty="0" err="1" smtClean="0"/>
-              <a:t>ngày</a:t>
-            </a:r>
-            <a:r>
-              <a:rPr lang="en-US" baseline="0" dirty="0" smtClean="0"/>
-              <a:t> 8 </a:t>
-            </a:r>
-            <a:r>
-              <a:rPr lang="en-US" baseline="0" dirty="0" err="1" smtClean="0"/>
-              <a:t>tiếng</a:t>
-            </a:r>
-            <a:r>
-              <a:rPr lang="en-US" baseline="0" dirty="0" smtClean="0"/>
-              <a:t>, </a:t>
-            </a:r>
-            <a:r>
-              <a:rPr lang="en-US" baseline="0" dirty="0" err="1" smtClean="0"/>
-              <a:t>và</a:t>
-            </a:r>
-            <a:r>
-              <a:rPr lang="en-US" baseline="0" dirty="0" smtClean="0"/>
-              <a:t> </a:t>
-            </a:r>
-            <a:r>
-              <a:rPr lang="en-US" baseline="0" dirty="0" err="1" smtClean="0"/>
-              <a:t>dành</a:t>
-            </a:r>
-            <a:r>
-              <a:rPr lang="en-US" baseline="0" dirty="0" smtClean="0"/>
-              <a:t> </a:t>
-            </a:r>
-            <a:r>
-              <a:rPr lang="en-US" baseline="0" dirty="0" err="1" smtClean="0"/>
-              <a:t>ra</a:t>
-            </a:r>
-            <a:r>
-              <a:rPr lang="en-US" baseline="0" dirty="0" smtClean="0"/>
-              <a:t> 2 </a:t>
-            </a:r>
-            <a:r>
-              <a:rPr lang="en-US" baseline="0" dirty="0" err="1" smtClean="0"/>
-              <a:t>buổi</a:t>
-            </a:r>
-            <a:r>
-              <a:rPr lang="en-US" baseline="0" dirty="0" smtClean="0"/>
-              <a:t> </a:t>
-            </a:r>
-            <a:r>
-              <a:rPr lang="en-US" baseline="0" dirty="0" err="1" smtClean="0"/>
-              <a:t>để</a:t>
-            </a:r>
-            <a:r>
-              <a:rPr lang="en-US" baseline="0" dirty="0" smtClean="0"/>
-              <a:t> </a:t>
-            </a:r>
-            <a:r>
-              <a:rPr lang="en-US" baseline="0" dirty="0" err="1" smtClean="0"/>
-              <a:t>họp</a:t>
-            </a:r>
-            <a:r>
-              <a:rPr lang="en-US" baseline="0" dirty="0" smtClean="0"/>
-              <a:t> </a:t>
-            </a:r>
-            <a:r>
-              <a:rPr lang="en-US" baseline="0" dirty="0" err="1" smtClean="0"/>
-              <a:t>nhóm</a:t>
-            </a:r>
-            <a:r>
-              <a:rPr lang="en-US" baseline="0" dirty="0" smtClean="0"/>
-              <a:t>.</a:t>
-            </a:r>
-            <a:endParaRPr lang="en-US" dirty="0" smtClean="0"/>
-          </a:p>
-          <a:p>
-            <a:endParaRPr lang="en-US" dirty="0" smtClean="0"/>
-          </a:p>
-          <a:p>
-            <a:endParaRPr lang="en-US" dirty="0" smtClean="0"/>
-          </a:p>
-          <a:p>
-            <a:endParaRPr lang="en-US" dirty="0" smtClean="0"/>
-          </a:p>
-          <a:p>
-            <a:endParaRPr lang="en-US" dirty="0" smtClean="0"/>
-          </a:p>
-          <a:p>
-            <a:r>
-              <a:rPr lang="en-US" dirty="0" err="1" smtClean="0"/>
-              <a:t>Dt</a:t>
-            </a:r>
-            <a:r>
-              <a:rPr lang="en-US" baseline="0" dirty="0" smtClean="0"/>
-              <a:t>, yahoo chat de lien lac, </a:t>
-            </a:r>
-            <a:r>
-              <a:rPr lang="en-US" baseline="0" dirty="0" err="1" smtClean="0"/>
-              <a:t>phan</a:t>
-            </a:r>
-            <a:r>
-              <a:rPr lang="en-US" baseline="0" dirty="0" smtClean="0"/>
-              <a:t> </a:t>
-            </a:r>
-            <a:r>
-              <a:rPr lang="en-US" baseline="0" dirty="0" err="1" smtClean="0"/>
-              <a:t>cong</a:t>
-            </a:r>
-            <a:r>
-              <a:rPr lang="en-US" baseline="0" dirty="0" smtClean="0"/>
-              <a:t> </a:t>
-            </a:r>
-            <a:r>
-              <a:rPr lang="en-US" baseline="0" dirty="0" err="1" smtClean="0"/>
-              <a:t>cong</a:t>
-            </a:r>
-            <a:r>
-              <a:rPr lang="en-US" baseline="0" dirty="0" smtClean="0"/>
-              <a:t> </a:t>
-            </a:r>
-            <a:r>
-              <a:rPr lang="en-US" baseline="0" dirty="0" err="1" smtClean="0"/>
-              <a:t>viec</a:t>
-            </a:r>
-            <a:r>
-              <a:rPr lang="en-US" baseline="0" dirty="0" smtClean="0"/>
-              <a:t> dung email, SVN tool de </a:t>
-            </a:r>
-            <a:r>
-              <a:rPr lang="en-US" baseline="0" dirty="0" err="1" smtClean="0"/>
-              <a:t>quan</a:t>
-            </a:r>
-            <a:r>
-              <a:rPr lang="en-US" baseline="0" dirty="0" smtClean="0"/>
-              <a:t> li </a:t>
-            </a:r>
-            <a:r>
-              <a:rPr lang="en-US" baseline="0" dirty="0" err="1" smtClean="0"/>
-              <a:t>suorce</a:t>
-            </a:r>
-            <a:r>
-              <a:rPr lang="en-US" baseline="0" dirty="0" smtClean="0"/>
-              <a:t> code.</a:t>
-            </a:r>
-          </a:p>
-          <a:p>
-            <a:r>
-              <a:rPr lang="en-US" baseline="0" dirty="0" err="1" smtClean="0"/>
-              <a:t>Quản</a:t>
-            </a:r>
-            <a:r>
-              <a:rPr lang="en-US" baseline="0" dirty="0" smtClean="0"/>
-              <a:t> </a:t>
-            </a:r>
-            <a:r>
-              <a:rPr lang="en-US" baseline="0" dirty="0" err="1" smtClean="0"/>
-              <a:t>lý</a:t>
-            </a:r>
-            <a:r>
-              <a:rPr lang="en-US" baseline="0" dirty="0" smtClean="0"/>
-              <a:t> team, </a:t>
-            </a:r>
-            <a:r>
-              <a:rPr lang="en-US" baseline="0" dirty="0" err="1" smtClean="0"/>
-              <a:t>giao</a:t>
-            </a:r>
-            <a:r>
-              <a:rPr lang="en-US" baseline="0" dirty="0" smtClean="0"/>
-              <a:t> </a:t>
-            </a:r>
-            <a:r>
-              <a:rPr lang="en-US" baseline="0" dirty="0" err="1" smtClean="0"/>
-              <a:t>tiếp</a:t>
-            </a:r>
-            <a:r>
-              <a:rPr lang="en-US" baseline="0" dirty="0" smtClean="0"/>
-              <a:t> </a:t>
-            </a:r>
-            <a:r>
-              <a:rPr lang="en-US" baseline="0" dirty="0" err="1" smtClean="0"/>
-              <a:t>kiểu</a:t>
-            </a:r>
-            <a:r>
-              <a:rPr lang="en-US" baseline="0" dirty="0" smtClean="0"/>
-              <a:t> </a:t>
-            </a:r>
-            <a:r>
-              <a:rPr lang="en-US" baseline="0" dirty="0" err="1" smtClean="0"/>
-              <a:t>gì</a:t>
-            </a:r>
-            <a:r>
-              <a:rPr lang="en-US" baseline="0" dirty="0" smtClean="0"/>
-              <a:t>, qua yahoo, mail, </a:t>
-            </a:r>
-            <a:r>
-              <a:rPr lang="en-US" baseline="0" dirty="0" err="1" smtClean="0"/>
-              <a:t>họp</a:t>
-            </a:r>
-            <a:r>
-              <a:rPr lang="en-US" baseline="0" dirty="0" smtClean="0"/>
-              <a:t> </a:t>
-            </a:r>
-            <a:r>
-              <a:rPr lang="en-US" baseline="0" dirty="0" err="1" smtClean="0"/>
-              <a:t>nhóm</a:t>
-            </a:r>
-            <a:r>
-              <a:rPr lang="en-US" baseline="0" dirty="0" smtClean="0"/>
-              <a:t>… (</a:t>
-            </a:r>
-            <a:r>
-              <a:rPr lang="en-US" baseline="0" dirty="0" err="1" smtClean="0"/>
-              <a:t>ghi</a:t>
-            </a:r>
-            <a:r>
-              <a:rPr lang="en-US" baseline="0" dirty="0" smtClean="0"/>
-              <a:t> </a:t>
-            </a:r>
-            <a:r>
-              <a:rPr lang="en-US" baseline="0" dirty="0" err="1" smtClean="0"/>
-              <a:t>rõ</a:t>
-            </a:r>
-            <a:r>
-              <a:rPr lang="en-US" baseline="0" dirty="0" smtClean="0"/>
-              <a:t> version </a:t>
-            </a:r>
-            <a:r>
-              <a:rPr lang="en-US" baseline="0" dirty="0" err="1" smtClean="0"/>
-              <a:t>nếu</a:t>
-            </a:r>
-            <a:r>
-              <a:rPr lang="en-US" baseline="0" dirty="0" smtClean="0"/>
-              <a:t> </a:t>
-            </a:r>
-            <a:r>
-              <a:rPr lang="en-US" baseline="0" dirty="0" err="1" smtClean="0"/>
-              <a:t>dùng</a:t>
-            </a:r>
-            <a:r>
-              <a:rPr lang="en-US" baseline="0" dirty="0" smtClean="0"/>
-              <a:t> </a:t>
-            </a:r>
-            <a:r>
-              <a:rPr lang="en-US" baseline="0" dirty="0" err="1" smtClean="0"/>
-              <a:t>phần</a:t>
-            </a:r>
-            <a:r>
-              <a:rPr lang="en-US" baseline="0" dirty="0" smtClean="0"/>
-              <a:t> </a:t>
-            </a:r>
-            <a:r>
-              <a:rPr lang="en-US" baseline="0" dirty="0" err="1" smtClean="0"/>
-              <a:t>mềm</a:t>
-            </a:r>
-            <a:r>
-              <a:rPr lang="en-US" baseline="0" dirty="0" smtClean="0"/>
-              <a:t>). </a:t>
-            </a:r>
-            <a:r>
-              <a:rPr lang="en-US" baseline="0" dirty="0" err="1" smtClean="0"/>
-              <a:t>Tuần</a:t>
-            </a:r>
-            <a:r>
-              <a:rPr lang="en-US" baseline="0" dirty="0" smtClean="0"/>
-              <a:t> </a:t>
-            </a:r>
-            <a:r>
-              <a:rPr lang="en-US" baseline="0" dirty="0" err="1" smtClean="0"/>
-              <a:t>họp</a:t>
-            </a:r>
-            <a:r>
-              <a:rPr lang="en-US" baseline="0" dirty="0" smtClean="0"/>
-              <a:t> </a:t>
-            </a:r>
-            <a:r>
-              <a:rPr lang="en-US" baseline="0" dirty="0" err="1" smtClean="0"/>
-              <a:t>mấy</a:t>
-            </a:r>
-            <a:r>
-              <a:rPr lang="en-US" baseline="0" dirty="0" smtClean="0"/>
-              <a:t> </a:t>
-            </a:r>
-            <a:r>
-              <a:rPr lang="en-US" baseline="0" dirty="0" err="1" smtClean="0"/>
-              <a:t>buổi</a:t>
-            </a:r>
-            <a:r>
-              <a:rPr lang="en-US" baseline="0" dirty="0" smtClean="0"/>
-              <a:t>, </a:t>
-            </a:r>
-            <a:r>
-              <a:rPr lang="en-US" baseline="0" dirty="0" err="1" smtClean="0"/>
-              <a:t>từ</a:t>
-            </a:r>
-            <a:r>
-              <a:rPr lang="en-US" baseline="0" dirty="0" smtClean="0"/>
-              <a:t> </a:t>
-            </a:r>
-            <a:r>
-              <a:rPr lang="en-US" baseline="0" dirty="0" err="1" smtClean="0"/>
-              <a:t>mấy</a:t>
-            </a:r>
-            <a:r>
-              <a:rPr lang="en-US" baseline="0" dirty="0" smtClean="0"/>
-              <a:t> h </a:t>
-            </a:r>
-            <a:r>
-              <a:rPr lang="en-US" baseline="0" dirty="0" err="1" smtClean="0"/>
-              <a:t>đến</a:t>
-            </a:r>
-            <a:r>
-              <a:rPr lang="en-US" baseline="0" dirty="0" smtClean="0"/>
-              <a:t> </a:t>
-            </a:r>
-            <a:r>
-              <a:rPr lang="en-US" baseline="0" dirty="0" err="1" smtClean="0"/>
-              <a:t>mấy</a:t>
-            </a:r>
-            <a:r>
-              <a:rPr lang="en-US" baseline="0" dirty="0" smtClean="0"/>
-              <a:t> h</a:t>
-            </a:r>
-          </a:p>
-          <a:p>
-            <a:r>
-              <a:rPr lang="en-US" baseline="0" dirty="0" err="1" smtClean="0"/>
-              <a:t>Làm</a:t>
-            </a:r>
-            <a:r>
-              <a:rPr lang="en-US" baseline="0" dirty="0" smtClean="0"/>
-              <a:t> 6 </a:t>
-            </a:r>
-            <a:r>
-              <a:rPr lang="en-US" baseline="0" dirty="0" err="1" smtClean="0"/>
-              <a:t>ngày</a:t>
-            </a:r>
-            <a:r>
-              <a:rPr lang="en-US" baseline="0" dirty="0" smtClean="0"/>
-              <a:t> 1 </a:t>
-            </a:r>
-            <a:r>
-              <a:rPr lang="en-US" baseline="0" dirty="0" err="1" smtClean="0"/>
-              <a:t>tuần</a:t>
-            </a:r>
-            <a:r>
-              <a:rPr lang="en-US" baseline="0" dirty="0" smtClean="0"/>
-              <a:t>, </a:t>
-            </a:r>
-            <a:r>
-              <a:rPr lang="en-US" baseline="0" dirty="0" err="1" smtClean="0"/>
-              <a:t>mỗi</a:t>
-            </a:r>
-            <a:r>
-              <a:rPr lang="en-US" baseline="0" dirty="0" smtClean="0"/>
-              <a:t> </a:t>
-            </a:r>
-            <a:r>
-              <a:rPr lang="en-US" baseline="0" dirty="0" err="1" smtClean="0"/>
-              <a:t>ngày</a:t>
-            </a:r>
-            <a:r>
-              <a:rPr lang="en-US" baseline="0" dirty="0" smtClean="0"/>
-              <a:t> 8 </a:t>
-            </a:r>
-            <a:r>
-              <a:rPr lang="en-US" baseline="0" dirty="0" err="1" smtClean="0"/>
-              <a:t>tiếng</a:t>
-            </a:r>
-            <a:r>
-              <a:rPr lang="en-US" baseline="0" dirty="0" smtClean="0"/>
-              <a:t>, </a:t>
-            </a:r>
-            <a:r>
-              <a:rPr lang="en-US" baseline="0" dirty="0" err="1" smtClean="0"/>
-              <a:t>từ</a:t>
-            </a:r>
-            <a:r>
-              <a:rPr lang="en-US" baseline="0" dirty="0" smtClean="0"/>
-              <a:t> 8h </a:t>
-            </a:r>
-            <a:r>
-              <a:rPr lang="en-US" baseline="0" dirty="0" err="1" smtClean="0"/>
-              <a:t>sáng</a:t>
-            </a:r>
-            <a:r>
-              <a:rPr lang="en-US" baseline="0" dirty="0" smtClean="0"/>
-              <a:t> </a:t>
-            </a:r>
-            <a:r>
-              <a:rPr lang="en-US" baseline="0" dirty="0" err="1" smtClean="0"/>
-              <a:t>đến</a:t>
-            </a:r>
-            <a:r>
-              <a:rPr lang="en-US" baseline="0" dirty="0" smtClean="0"/>
-              <a:t> 5h </a:t>
-            </a:r>
-            <a:r>
-              <a:rPr lang="en-US" baseline="0" dirty="0" err="1" smtClean="0"/>
-              <a:t>chiều</a:t>
-            </a:r>
-            <a:r>
-              <a:rPr lang="en-US" baseline="0" dirty="0" smtClean="0"/>
-              <a:t>, </a:t>
-            </a:r>
-            <a:r>
-              <a:rPr lang="en-US" baseline="0" dirty="0" err="1" smtClean="0"/>
-              <a:t>nghỉ</a:t>
-            </a:r>
-            <a:r>
-              <a:rPr lang="en-US" baseline="0" dirty="0" smtClean="0"/>
-              <a:t> </a:t>
-            </a:r>
-            <a:r>
-              <a:rPr lang="en-US" baseline="0" dirty="0" err="1" smtClean="0"/>
-              <a:t>trưa</a:t>
-            </a:r>
-            <a:r>
-              <a:rPr lang="en-US" baseline="0" dirty="0" smtClean="0"/>
-              <a:t> </a:t>
-            </a:r>
-            <a:r>
-              <a:rPr lang="en-US" baseline="0" dirty="0" err="1" smtClean="0"/>
-              <a:t>từ</a:t>
-            </a:r>
-            <a:r>
-              <a:rPr lang="en-US" baseline="0" dirty="0" smtClean="0"/>
-              <a:t> 12h </a:t>
-            </a:r>
-            <a:r>
-              <a:rPr lang="en-US" baseline="0" dirty="0" err="1" smtClean="0"/>
-              <a:t>đến</a:t>
-            </a:r>
-            <a:r>
-              <a:rPr lang="en-US" baseline="0" dirty="0" smtClean="0"/>
-              <a:t> 1h. </a:t>
-            </a:r>
-            <a:r>
-              <a:rPr lang="en-US" baseline="0" dirty="0" err="1" smtClean="0"/>
-              <a:t>Ghi</a:t>
-            </a:r>
-            <a:r>
-              <a:rPr lang="en-US" baseline="0" dirty="0" smtClean="0"/>
-              <a:t> </a:t>
-            </a:r>
-            <a:r>
-              <a:rPr lang="en-US" baseline="0" dirty="0" err="1" smtClean="0"/>
-              <a:t>mie</a:t>
-            </a:r>
-            <a:r>
-              <a:rPr lang="en-US" baseline="0" dirty="0" smtClean="0"/>
-              <a:t> </a:t>
-            </a:r>
-            <a:r>
-              <a:rPr lang="en-US" baseline="0" dirty="0" err="1" smtClean="0"/>
-              <a:t>vào</a:t>
-            </a:r>
-            <a:r>
-              <a:rPr lang="en-US" baseline="0" dirty="0" smtClean="0"/>
-              <a:t> </a:t>
-            </a:r>
-            <a:r>
-              <a:rPr lang="en-US" baseline="0" dirty="0" err="1" smtClean="0"/>
-              <a:t>đấy</a:t>
-            </a:r>
-            <a:r>
-              <a:rPr lang="en-US" baseline="0" dirty="0" smtClean="0"/>
-              <a:t>.</a:t>
-            </a:r>
-          </a:p>
-          <a:p>
-            <a:endParaRPr lang="en-US" dirty="0"/>
-          </a:p>
-        </p:txBody>
-      </p:sp>
-      <p:sp>
-        <p:nvSpPr>
-          <p:cNvPr id="4" name="Slide Number Placeholder 3"/>
-          <p:cNvSpPr>
-            <a:spLocks noGrp="1"/>
-          </p:cNvSpPr>
-          <p:nvPr>
-            <p:ph type="sldNum" sz="quarter" idx="10"/>
-          </p:nvPr>
-        </p:nvSpPr>
-        <p:spPr/>
-        <p:txBody>
-          <a:bodyPr/>
-          <a:lstStyle/>
-          <a:p>
-            <a:fld id="{94349F02-7B7E-4405-841E-9FEA710E9D5A}" type="slidenum">
-              <a:rPr lang="en-US" smtClean="0"/>
-              <a:pPr/>
-              <a:t>13</a:t>
-            </a:fld>
-            <a:endParaRPr lang="en-US"/>
-          </a:p>
-        </p:txBody>
-      </p:sp>
-      <p:sp>
-        <p:nvSpPr>
-          <p:cNvPr id="5" name="Footer Placeholder 4"/>
-          <p:cNvSpPr>
-            <a:spLocks noGrp="1"/>
-          </p:cNvSpPr>
-          <p:nvPr>
-            <p:ph type="ftr" sz="quarter" idx="11"/>
-          </p:nvPr>
-        </p:nvSpPr>
-        <p:spPr/>
-        <p:txBody>
-          <a:bodyPr/>
-          <a:lstStyle/>
-          <a:p>
-            <a:endParaRPr lang="en-US"/>
-          </a:p>
-        </p:txBody>
-      </p:sp>
-    </p:spTree>
-    <p:extLst>
-      <p:ext uri="{BB962C8B-B14F-4D97-AF65-F5344CB8AC3E}">
-        <p14:creationId xmlns:p14="http://schemas.microsoft.com/office/powerpoint/2010/main" val="3869712850"/>
       </p:ext>
     </p:extLst>
   </p:cSld>
@@ -29225,7 +29925,7 @@
           </a:lstStyle>
           <a:p>
             <a:r>
-              <a:rPr lang="vi-VN" smtClean="0"/>
+              <a:rPr lang="en-US" smtClean="0"/>
               <a:t>www.themegallery.com</a:t>
             </a:r>
             <a:endParaRPr lang="en-US"/>
@@ -29258,7 +29958,7 @@
           <a:p>
             <a:r>
               <a:rPr lang="en-US" smtClean="0"/>
-              <a:t>Company Logo</a:t>
+              <a:t>‹#›</a:t>
             </a:r>
             <a:endParaRPr lang="en-US"/>
           </a:p>
@@ -29530,7 +30230,7 @@
           </a:lstStyle>
           <a:p>
             <a:r>
-              <a:rPr lang="vi-VN" smtClean="0"/>
+              <a:rPr lang="en-US" smtClean="0"/>
               <a:t>www.themegallery.com</a:t>
             </a:r>
             <a:endParaRPr lang="en-US"/>
@@ -29557,9 +30257,10 @@
           </a:lstStyle>
           <a:p>
             <a:r>
-              <a:rPr lang="en-US"/>
-              <a:t>Company Logo</a:t>
-            </a:r>
+              <a:rPr lang="en-US" smtClean="0"/>
+              <a:t>‹#›</a:t>
+            </a:r>
+            <a:endParaRPr lang="en-US"/>
           </a:p>
         </p:txBody>
       </p:sp>
@@ -29732,7 +30433,7 @@
           </a:lstStyle>
           <a:p>
             <a:r>
-              <a:rPr lang="vi-VN" smtClean="0"/>
+              <a:rPr lang="en-US" smtClean="0"/>
               <a:t>www.themegallery.com</a:t>
             </a:r>
             <a:endParaRPr lang="en-US"/>
@@ -29759,9 +30460,10 @@
           </a:lstStyle>
           <a:p>
             <a:r>
-              <a:rPr lang="en-US"/>
-              <a:t>Company Logo</a:t>
-            </a:r>
+              <a:rPr lang="en-US" smtClean="0"/>
+              <a:t>‹#›</a:t>
+            </a:r>
+            <a:endParaRPr lang="en-US"/>
           </a:p>
         </p:txBody>
       </p:sp>
@@ -30035,7 +30737,7 @@
           </a:lstStyle>
           <a:p>
             <a:r>
-              <a:rPr lang="vi-VN" smtClean="0"/>
+              <a:rPr lang="en-US" smtClean="0"/>
               <a:t>www.themegallery.com</a:t>
             </a:r>
             <a:endParaRPr lang="en-US"/>
@@ -30067,9 +30769,10 @@
           </a:lstStyle>
           <a:p>
             <a:r>
-              <a:rPr lang="en-US"/>
-              <a:t>Company Logo</a:t>
-            </a:r>
+              <a:rPr lang="en-US" smtClean="0"/>
+              <a:t>‹#›</a:t>
+            </a:r>
+            <a:endParaRPr lang="en-US"/>
           </a:p>
         </p:txBody>
       </p:sp>
@@ -30234,7 +30937,7 @@
           </a:lstStyle>
           <a:p>
             <a:r>
-              <a:rPr lang="vi-VN" smtClean="0"/>
+              <a:rPr lang="en-US" smtClean="0"/>
               <a:t>www.themegallery.com</a:t>
             </a:r>
             <a:endParaRPr lang="en-US"/>
@@ -30260,10 +30963,12 @@
             </a:lvl1pPr>
           </a:lstStyle>
           <a:p>
-            <a:r>
-              <a:rPr lang="en-US"/>
-              <a:t>Company Logo</a:t>
-            </a:r>
+            <a:fld id="{B880891D-F623-43F5-8A70-E4D501C286D5}" type="slidenum">
+              <a:rPr lang="en-US" smtClean="0"/>
+              <a:pPr/>
+              <a:t>‹#›</a:t>
+            </a:fld>
+            <a:endParaRPr lang="en-US" dirty="0"/>
           </a:p>
         </p:txBody>
       </p:sp>
@@ -30290,11 +30995,6 @@
               <a:rPr lang="en-US" dirty="0" smtClean="0"/>
               <a:t> </a:t>
             </a:r>
-            <a:fld id="{B880891D-F623-43F5-8A70-E4D501C286D5}" type="slidenum">
-              <a:rPr lang="en-US" smtClean="0"/>
-              <a:pPr/>
-              <a:t>‹#›</a:t>
-            </a:fld>
             <a:endParaRPr lang="en-US" dirty="0"/>
           </a:p>
         </p:txBody>
@@ -30448,7 +31148,7 @@
           </a:lstStyle>
           <a:p>
             <a:r>
-              <a:rPr lang="vi-VN" smtClean="0"/>
+              <a:rPr lang="en-US" smtClean="0"/>
               <a:t>www.themegallery.com</a:t>
             </a:r>
             <a:endParaRPr lang="en-US"/>
@@ -30475,9 +31175,10 @@
           </a:lstStyle>
           <a:p>
             <a:r>
-              <a:rPr lang="en-US"/>
-              <a:t>Company Logo</a:t>
-            </a:r>
+              <a:rPr lang="en-US" smtClean="0"/>
+              <a:t>‹#›</a:t>
+            </a:r>
+            <a:endParaRPr lang="en-US"/>
           </a:p>
         </p:txBody>
       </p:sp>
@@ -30755,7 +31456,7 @@
           </a:lstStyle>
           <a:p>
             <a:r>
-              <a:rPr lang="vi-VN" smtClean="0"/>
+              <a:rPr lang="en-US" smtClean="0"/>
               <a:t>www.themegallery.com</a:t>
             </a:r>
             <a:endParaRPr lang="en-US"/>
@@ -30782,9 +31483,10 @@
           </a:lstStyle>
           <a:p>
             <a:r>
-              <a:rPr lang="en-US"/>
-              <a:t>Company Logo</a:t>
-            </a:r>
+              <a:rPr lang="en-US" smtClean="0"/>
+              <a:t>‹#›</a:t>
+            </a:r>
+            <a:endParaRPr lang="en-US"/>
           </a:p>
         </p:txBody>
       </p:sp>
@@ -31161,7 +31863,7 @@
           </a:lstStyle>
           <a:p>
             <a:r>
-              <a:rPr lang="vi-VN" smtClean="0"/>
+              <a:rPr lang="en-US" smtClean="0"/>
               <a:t>www.themegallery.com</a:t>
             </a:r>
             <a:endParaRPr lang="en-US"/>
@@ -31188,9 +31890,10 @@
           </a:lstStyle>
           <a:p>
             <a:r>
-              <a:rPr lang="en-US"/>
-              <a:t>Company Logo</a:t>
-            </a:r>
+              <a:rPr lang="en-US" smtClean="0"/>
+              <a:t>‹#›</a:t>
+            </a:r>
+            <a:endParaRPr lang="en-US"/>
           </a:p>
         </p:txBody>
       </p:sp>
@@ -31321,7 +32024,7 @@
           </a:lstStyle>
           <a:p>
             <a:r>
-              <a:rPr lang="vi-VN" smtClean="0"/>
+              <a:rPr lang="en-US" smtClean="0"/>
               <a:t>www.themegallery.com</a:t>
             </a:r>
             <a:endParaRPr lang="en-US"/>
@@ -31348,9 +32051,10 @@
           </a:lstStyle>
           <a:p>
             <a:r>
-              <a:rPr lang="en-US"/>
-              <a:t>Company Logo</a:t>
-            </a:r>
+              <a:rPr lang="en-US" smtClean="0"/>
+              <a:t>‹#›</a:t>
+            </a:r>
+            <a:endParaRPr lang="en-US"/>
           </a:p>
         </p:txBody>
       </p:sp>
@@ -31427,7 +32131,7 @@
           </a:lstStyle>
           <a:p>
             <a:r>
-              <a:rPr lang="vi-VN" smtClean="0"/>
+              <a:rPr lang="en-US" smtClean="0"/>
               <a:t>www.themegallery.com</a:t>
             </a:r>
             <a:endParaRPr lang="en-US"/>
@@ -31454,9 +32158,10 @@
           </a:lstStyle>
           <a:p>
             <a:r>
-              <a:rPr lang="en-US"/>
-              <a:t>Company Logo</a:t>
-            </a:r>
+              <a:rPr lang="en-US" smtClean="0"/>
+              <a:t>‹#›</a:t>
+            </a:r>
+            <a:endParaRPr lang="en-US"/>
           </a:p>
         </p:txBody>
       </p:sp>
@@ -31718,7 +32423,7 @@
           </a:lstStyle>
           <a:p>
             <a:r>
-              <a:rPr lang="vi-VN" smtClean="0"/>
+              <a:rPr lang="en-US" smtClean="0"/>
               <a:t>www.themegallery.com</a:t>
             </a:r>
             <a:endParaRPr lang="en-US"/>
@@ -31745,9 +32450,10 @@
           </a:lstStyle>
           <a:p>
             <a:r>
-              <a:rPr lang="en-US"/>
-              <a:t>Company Logo</a:t>
-            </a:r>
+              <a:rPr lang="en-US" smtClean="0"/>
+              <a:t>‹#›</a:t>
+            </a:r>
+            <a:endParaRPr lang="en-US"/>
           </a:p>
         </p:txBody>
       </p:sp>
@@ -31993,7 +32699,7 @@
           </a:lstStyle>
           <a:p>
             <a:r>
-              <a:rPr lang="vi-VN" smtClean="0"/>
+              <a:rPr lang="en-US" smtClean="0"/>
               <a:t>www.themegallery.com</a:t>
             </a:r>
             <a:endParaRPr lang="en-US"/>
@@ -32020,9 +32726,10 @@
           </a:lstStyle>
           <a:p>
             <a:r>
-              <a:rPr lang="en-US"/>
-              <a:t>Company Logo</a:t>
-            </a:r>
+              <a:rPr lang="en-US" smtClean="0"/>
+              <a:t>‹#›</a:t>
+            </a:r>
+            <a:endParaRPr lang="en-US"/>
           </a:p>
         </p:txBody>
       </p:sp>
@@ -32443,7 +33150,7 @@
           </a:lstStyle>
           <a:p>
             <a:r>
-              <a:rPr lang="vi-VN" smtClean="0"/>
+              <a:rPr lang="en-US" smtClean="0"/>
               <a:t>www.themegallery.com</a:t>
             </a:r>
             <a:endParaRPr lang="en-US"/>
@@ -32490,9 +33197,10 @@
           </a:lstStyle>
           <a:p>
             <a:r>
-              <a:rPr lang="en-US"/>
-              <a:t>Company Logo</a:t>
-            </a:r>
+              <a:rPr lang="en-US" smtClean="0"/>
+              <a:t>‹#›</a:t>
+            </a:r>
+            <a:endParaRPr lang="en-US"/>
           </a:p>
         </p:txBody>
       </p:sp>
@@ -32601,7 +33309,7 @@
       </p:par>
     </p:tnLst>
   </p:timing>
-  <p:hf hdr="0" ftr="0" dt="0"/>
+  <p:hf sldNum="0" hdr="0" dt="0"/>
   <p:txStyles>
     <p:titleStyle>
       <a:lvl1pPr algn="ctr" rtl="0" eaLnBrk="1" fontAlgn="base" hangingPunct="1">
@@ -33239,12 +33947,12 @@
       </p:pic>
       <p:sp>
         <p:nvSpPr>
-          <p:cNvPr id="8" name="Slide Number Placeholder 7"/>
+          <p:cNvPr id="3" name="Footer Placeholder 2"/>
           <p:cNvSpPr>
             <a:spLocks noGrp="1"/>
           </p:cNvSpPr>
           <p:nvPr>
-            <p:ph type="sldNum" sz="quarter" idx="4"/>
+            <p:ph type="ftr" sz="quarter" idx="3"/>
           </p:nvPr>
         </p:nvSpPr>
         <p:spPr/>
@@ -33252,11 +33960,10 @@
           <a:bodyPr/>
           <a:lstStyle/>
           <a:p>
-            <a:fld id="{27F66E54-3627-4F35-8DF4-1F54E65EB408}" type="slidenum">
+            <a:r>
               <a:rPr lang="en-US" smtClean="0"/>
-              <a:pPr/>
-              <a:t>1</a:t>
-            </a:fld>
+              <a:t>‹#›</a:t>
+            </a:r>
             <a:endParaRPr lang="en-US"/>
           </a:p>
         </p:txBody>
@@ -34641,6 +35348,15 @@
         <p:blipFill>
           <a:blip r:embed="rId4" cstate="print">
             <a:extLst>
+              <a:ext uri="{BEBA8EAE-BF5A-486C-A8C5-ECC9F3942E4B}">
+                <a14:imgProps xmlns:a14="http://schemas.microsoft.com/office/drawing/2010/main">
+                  <a14:imgLayer r:embed="rId5">
+                    <a14:imgEffect>
+                      <a14:backgroundRemoval t="10000" b="90000" l="10000" r="90000"/>
+                    </a14:imgEffect>
+                  </a14:imgLayer>
+                </a14:imgProps>
+              </a:ext>
               <a:ext uri="{28A0092B-C50C-407E-A947-70E740481C1C}">
                 <a14:useLocalDpi xmlns:a14="http://schemas.microsoft.com/office/drawing/2010/main" val="0"/>
               </a:ext>
@@ -34671,6 +35387,15 @@
         <p:blipFill>
           <a:blip r:embed="rId4" cstate="print">
             <a:extLst>
+              <a:ext uri="{BEBA8EAE-BF5A-486C-A8C5-ECC9F3942E4B}">
+                <a14:imgProps xmlns:a14="http://schemas.microsoft.com/office/drawing/2010/main">
+                  <a14:imgLayer r:embed="rId5">
+                    <a14:imgEffect>
+                      <a14:backgroundRemoval t="10000" b="90000" l="10000" r="90000"/>
+                    </a14:imgEffect>
+                  </a14:imgLayer>
+                </a14:imgProps>
+              </a:ext>
               <a:ext uri="{28A0092B-C50C-407E-A947-70E740481C1C}">
                 <a14:useLocalDpi xmlns:a14="http://schemas.microsoft.com/office/drawing/2010/main" val="0"/>
               </a:ext>
@@ -34701,6 +35426,15 @@
         <p:blipFill>
           <a:blip r:embed="rId4" cstate="print">
             <a:extLst>
+              <a:ext uri="{BEBA8EAE-BF5A-486C-A8C5-ECC9F3942E4B}">
+                <a14:imgProps xmlns:a14="http://schemas.microsoft.com/office/drawing/2010/main">
+                  <a14:imgLayer r:embed="rId5">
+                    <a14:imgEffect>
+                      <a14:backgroundRemoval t="10000" b="90000" l="10000" r="90000"/>
+                    </a14:imgEffect>
+                  </a14:imgLayer>
+                </a14:imgProps>
+              </a:ext>
               <a:ext uri="{28A0092B-C50C-407E-A947-70E740481C1C}">
                 <a14:useLocalDpi xmlns:a14="http://schemas.microsoft.com/office/drawing/2010/main" val="0"/>
               </a:ext>
@@ -34911,6 +35645,15 @@
         <p:blipFill>
           <a:blip r:embed="rId4" cstate="print">
             <a:extLst>
+              <a:ext uri="{BEBA8EAE-BF5A-486C-A8C5-ECC9F3942E4B}">
+                <a14:imgProps xmlns:a14="http://schemas.microsoft.com/office/drawing/2010/main">
+                  <a14:imgLayer r:embed="rId5">
+                    <a14:imgEffect>
+                      <a14:backgroundRemoval t="10000" b="90000" l="10000" r="90000"/>
+                    </a14:imgEffect>
+                  </a14:imgLayer>
+                </a14:imgProps>
+              </a:ext>
               <a:ext uri="{28A0092B-C50C-407E-A947-70E740481C1C}">
                 <a14:useLocalDpi xmlns:a14="http://schemas.microsoft.com/office/drawing/2010/main" val="0"/>
               </a:ext>
@@ -34930,6 +35673,29 @@
           </a:prstGeom>
         </p:spPr>
       </p:pic>
+      <p:sp>
+        <p:nvSpPr>
+          <p:cNvPr id="4" name="Footer Placeholder 3"/>
+          <p:cNvSpPr>
+            <a:spLocks noGrp="1"/>
+          </p:cNvSpPr>
+          <p:nvPr>
+            <p:ph type="ftr" sz="quarter" idx="11"/>
+          </p:nvPr>
+        </p:nvSpPr>
+        <p:spPr/>
+        <p:txBody>
+          <a:bodyPr/>
+          <a:lstStyle/>
+          <a:p>
+            <a:fld id="{AD80A860-E571-49B8-95F9-A1ED4C63AE49}" type="slidenum">
+              <a:rPr lang="en-US" smtClean="0"/>
+              <a:t>10</a:t>
+            </a:fld>
+            <a:endParaRPr lang="en-US" dirty="0"/>
+          </a:p>
+        </p:txBody>
+      </p:sp>
     </p:spTree>
     <p:extLst>
       <p:ext uri="{BB962C8B-B14F-4D97-AF65-F5344CB8AC3E}">
@@ -35874,12 +36640,12 @@
       </p:sp>
       <p:sp>
         <p:nvSpPr>
-          <p:cNvPr id="5" name="Slide Number Placeholder 4"/>
+          <p:cNvPr id="4" name="Footer Placeholder 3"/>
           <p:cNvSpPr>
             <a:spLocks noGrp="1"/>
           </p:cNvSpPr>
           <p:nvPr>
-            <p:ph type="sldNum" sz="quarter" idx="12"/>
+            <p:ph type="ftr" sz="quarter" idx="11"/>
           </p:nvPr>
         </p:nvSpPr>
         <p:spPr/>
@@ -35887,13 +36653,8 @@
           <a:bodyPr/>
           <a:lstStyle/>
           <a:p>
-            <a:r>
+            <a:fld id="{20763C20-7F81-423D-B6E7-5FC2C05F131D}" type="slidenum">
               <a:rPr lang="en-US" smtClean="0"/>
-              <a:t>Page </a:t>
-            </a:r>
-            <a:fld id="{B880891D-F623-43F5-8A70-E4D501C286D5}" type="slidenum">
-              <a:rPr lang="en-US" smtClean="0"/>
-              <a:pPr/>
               <a:t>11</a:t>
             </a:fld>
             <a:endParaRPr lang="en-US" dirty="0"/>
@@ -36162,12 +36923,12 @@
       </p:graphicFrame>
       <p:sp>
         <p:nvSpPr>
-          <p:cNvPr id="7" name="Slide Number Placeholder 6"/>
+          <p:cNvPr id="5" name="Footer Placeholder 4"/>
           <p:cNvSpPr>
             <a:spLocks noGrp="1"/>
           </p:cNvSpPr>
           <p:nvPr>
-            <p:ph type="sldNum" sz="quarter" idx="12"/>
+            <p:ph type="ftr" sz="quarter" idx="11"/>
           </p:nvPr>
         </p:nvSpPr>
         <p:spPr/>
@@ -36175,13 +36936,8 @@
           <a:bodyPr/>
           <a:lstStyle/>
           <a:p>
-            <a:r>
+            <a:fld id="{F90D45B7-38FE-4890-8944-EE699862D5CC}" type="slidenum">
               <a:rPr lang="en-US" smtClean="0"/>
-              <a:t>Page </a:t>
-            </a:r>
-            <a:fld id="{B880891D-F623-43F5-8A70-E4D501C286D5}" type="slidenum">
-              <a:rPr lang="en-US" smtClean="0"/>
-              <a:pPr/>
               <a:t>12</a:t>
             </a:fld>
             <a:endParaRPr lang="en-US" dirty="0"/>
@@ -36600,12 +37356,12 @@
       </p:pic>
       <p:sp>
         <p:nvSpPr>
-          <p:cNvPr id="5" name="Slide Number Placeholder 4"/>
+          <p:cNvPr id="7" name="Footer Placeholder 6"/>
           <p:cNvSpPr>
             <a:spLocks noGrp="1"/>
           </p:cNvSpPr>
           <p:nvPr>
-            <p:ph type="sldNum" sz="quarter" idx="12"/>
+            <p:ph type="ftr" sz="quarter" idx="11"/>
           </p:nvPr>
         </p:nvSpPr>
         <p:spPr/>
@@ -36613,13 +37369,8 @@
           <a:bodyPr/>
           <a:lstStyle/>
           <a:p>
-            <a:r>
+            <a:fld id="{F8886C64-DC10-4602-B921-6CCE7C38D0FD}" type="slidenum">
               <a:rPr lang="en-US" smtClean="0"/>
-              <a:t>Page </a:t>
-            </a:r>
-            <a:fld id="{B880891D-F623-43F5-8A70-E4D501C286D5}" type="slidenum">
-              <a:rPr lang="en-US" smtClean="0"/>
-              <a:pPr/>
               <a:t>13</a:t>
             </a:fld>
             <a:endParaRPr lang="en-US" dirty="0"/>
@@ -36785,12 +37536,12 @@
       </p:pic>
       <p:sp>
         <p:nvSpPr>
-          <p:cNvPr id="5" name="Slide Number Placeholder 4"/>
+          <p:cNvPr id="6" name="Footer Placeholder 5"/>
           <p:cNvSpPr>
             <a:spLocks noGrp="1"/>
           </p:cNvSpPr>
           <p:nvPr>
-            <p:ph type="sldNum" sz="quarter" idx="12"/>
+            <p:ph type="ftr" sz="quarter" idx="11"/>
           </p:nvPr>
         </p:nvSpPr>
         <p:spPr/>
@@ -36798,13 +37549,8 @@
           <a:bodyPr/>
           <a:lstStyle/>
           <a:p>
-            <a:r>
+            <a:fld id="{74BED2BC-58FA-49D3-8C97-1869CA1894BC}" type="slidenum">
               <a:rPr lang="en-US" smtClean="0"/>
-              <a:t>Page </a:t>
-            </a:r>
-            <a:fld id="{B880891D-F623-43F5-8A70-E4D501C286D5}" type="slidenum">
-              <a:rPr lang="en-US" smtClean="0"/>
-              <a:pPr/>
               <a:t>14</a:t>
             </a:fld>
             <a:endParaRPr lang="en-US" dirty="0"/>
@@ -37874,12 +38620,12 @@
       </p:graphicFrame>
       <p:sp>
         <p:nvSpPr>
-          <p:cNvPr id="5" name="Slide Number Placeholder 4"/>
+          <p:cNvPr id="7" name="Footer Placeholder 6"/>
           <p:cNvSpPr>
             <a:spLocks noGrp="1"/>
           </p:cNvSpPr>
           <p:nvPr>
-            <p:ph type="sldNum" sz="quarter" idx="12"/>
+            <p:ph type="ftr" sz="quarter" idx="11"/>
           </p:nvPr>
         </p:nvSpPr>
         <p:spPr/>
@@ -37887,13 +38633,8 @@
           <a:bodyPr/>
           <a:lstStyle/>
           <a:p>
-            <a:r>
+            <a:fld id="{A0DB5386-EBAA-4122-AC57-EA66EFD33A8D}" type="slidenum">
               <a:rPr lang="en-US" smtClean="0"/>
-              <a:t>Page </a:t>
-            </a:r>
-            <a:fld id="{B880891D-F623-43F5-8A70-E4D501C286D5}" type="slidenum">
-              <a:rPr lang="en-US" smtClean="0"/>
-              <a:pPr/>
               <a:t>15</a:t>
             </a:fld>
             <a:endParaRPr lang="en-US" dirty="0"/>
@@ -38101,12 +38842,12 @@
       </p:sp>
       <p:sp>
         <p:nvSpPr>
-          <p:cNvPr id="4" name="Slide Number Placeholder 3"/>
+          <p:cNvPr id="6" name="Footer Placeholder 5"/>
           <p:cNvSpPr>
             <a:spLocks noGrp="1"/>
           </p:cNvSpPr>
           <p:nvPr>
-            <p:ph type="sldNum" sz="quarter" idx="12"/>
+            <p:ph type="ftr" sz="quarter" idx="11"/>
           </p:nvPr>
         </p:nvSpPr>
         <p:spPr/>
@@ -38114,13 +38855,8 @@
           <a:bodyPr/>
           <a:lstStyle/>
           <a:p>
-            <a:r>
+            <a:fld id="{A78A6CA1-4A23-4134-8BF6-5D549AF75EAD}" type="slidenum">
               <a:rPr lang="en-US" smtClean="0"/>
-              <a:t>Page </a:t>
-            </a:r>
-            <a:fld id="{B880891D-F623-43F5-8A70-E4D501C286D5}" type="slidenum">
-              <a:rPr lang="en-US" smtClean="0"/>
-              <a:pPr/>
               <a:t>16</a:t>
             </a:fld>
             <a:endParaRPr lang="en-US" dirty="0"/>
@@ -38953,12 +39689,12 @@
       </p:graphicFrame>
       <p:sp>
         <p:nvSpPr>
-          <p:cNvPr id="5" name="Slide Number Placeholder 4"/>
+          <p:cNvPr id="7" name="Footer Placeholder 6"/>
           <p:cNvSpPr>
             <a:spLocks noGrp="1"/>
           </p:cNvSpPr>
           <p:nvPr>
-            <p:ph type="sldNum" sz="quarter" idx="12"/>
+            <p:ph type="ftr" sz="quarter" idx="11"/>
           </p:nvPr>
         </p:nvSpPr>
         <p:spPr/>
@@ -38966,13 +39702,8 @@
           <a:bodyPr/>
           <a:lstStyle/>
           <a:p>
-            <a:r>
+            <a:fld id="{FFEC4510-AC0E-4FA1-9F40-E9DED1BE6BC5}" type="slidenum">
               <a:rPr lang="en-US" smtClean="0"/>
-              <a:t>Page </a:t>
-            </a:r>
-            <a:fld id="{B880891D-F623-43F5-8A70-E4D501C286D5}" type="slidenum">
-              <a:rPr lang="en-US" smtClean="0"/>
-              <a:pPr/>
               <a:t>17</a:t>
             </a:fld>
             <a:endParaRPr lang="en-US" dirty="0"/>
@@ -39192,12 +39923,12 @@
       </p:sp>
       <p:sp>
         <p:nvSpPr>
-          <p:cNvPr id="6" name="Slide Number Placeholder 5"/>
+          <p:cNvPr id="5" name="Footer Placeholder 4"/>
           <p:cNvSpPr>
             <a:spLocks noGrp="1"/>
           </p:cNvSpPr>
           <p:nvPr>
-            <p:ph type="sldNum" sz="quarter" idx="12"/>
+            <p:ph type="ftr" sz="quarter" idx="11"/>
           </p:nvPr>
         </p:nvSpPr>
         <p:spPr/>
@@ -39205,13 +39936,8 @@
           <a:bodyPr/>
           <a:lstStyle/>
           <a:p>
-            <a:r>
+            <a:fld id="{9989A2BD-164E-4ABA-AB60-94B3E2C2D877}" type="slidenum">
               <a:rPr lang="en-US" smtClean="0"/>
-              <a:t>Page </a:t>
-            </a:r>
-            <a:fld id="{B880891D-F623-43F5-8A70-E4D501C286D5}" type="slidenum">
-              <a:rPr lang="en-US" smtClean="0"/>
-              <a:pPr/>
               <a:t>18</a:t>
             </a:fld>
             <a:endParaRPr lang="en-US" dirty="0"/>
@@ -40551,12 +41277,12 @@
       </p:sp>
       <p:sp>
         <p:nvSpPr>
-          <p:cNvPr id="34" name="Slide Number Placeholder 33"/>
+          <p:cNvPr id="5" name="Footer Placeholder 4"/>
           <p:cNvSpPr>
             <a:spLocks noGrp="1"/>
           </p:cNvSpPr>
           <p:nvPr>
-            <p:ph type="sldNum" sz="quarter" idx="12"/>
+            <p:ph type="ftr" sz="quarter" idx="11"/>
           </p:nvPr>
         </p:nvSpPr>
         <p:spPr/>
@@ -40564,13 +41290,8 @@
           <a:bodyPr/>
           <a:lstStyle/>
           <a:p>
-            <a:r>
+            <a:fld id="{106CE892-2E04-4B4A-B9F8-ACED88AE4E49}" type="slidenum">
               <a:rPr lang="en-US" smtClean="0"/>
-              <a:t>Page </a:t>
-            </a:r>
-            <a:fld id="{B880891D-F623-43F5-8A70-E4D501C286D5}" type="slidenum">
-              <a:rPr lang="en-US" smtClean="0"/>
-              <a:pPr/>
               <a:t>19</a:t>
             </a:fld>
             <a:endParaRPr lang="en-US" dirty="0"/>
@@ -40782,18 +41503,18 @@
         </p:xfrm>
         <a:graphic>
           <a:graphicData uri="http://schemas.openxmlformats.org/drawingml/2006/diagram">
-            <dgm:relIds xmlns:dgm="http://schemas.openxmlformats.org/drawingml/2006/diagram" xmlns:r="http://schemas.openxmlformats.org/officeDocument/2006/relationships" r:dm="rId2" r:lo="rId3" r:qs="rId4" r:cs="rId5"/>
+            <dgm:relIds xmlns:dgm="http://schemas.openxmlformats.org/drawingml/2006/diagram" xmlns:r="http://schemas.openxmlformats.org/officeDocument/2006/relationships" r:dm="rId3" r:lo="rId4" r:qs="rId5" r:cs="rId6"/>
           </a:graphicData>
         </a:graphic>
       </p:graphicFrame>
       <p:sp>
         <p:nvSpPr>
-          <p:cNvPr id="6" name="Slide Number Placeholder 5"/>
+          <p:cNvPr id="4" name="Footer Placeholder 3"/>
           <p:cNvSpPr>
             <a:spLocks noGrp="1"/>
           </p:cNvSpPr>
           <p:nvPr>
-            <p:ph type="sldNum" sz="quarter" idx="12"/>
+            <p:ph type="ftr" sz="quarter" idx="11"/>
           </p:nvPr>
         </p:nvSpPr>
         <p:spPr/>
@@ -40801,13 +41522,8 @@
           <a:bodyPr/>
           <a:lstStyle/>
           <a:p>
-            <a:r>
+            <a:fld id="{E058F5D6-A9C3-4613-95AB-30FCE33335B5}" type="slidenum">
               <a:rPr lang="en-US" smtClean="0"/>
-              <a:t>Page </a:t>
-            </a:r>
-            <a:fld id="{B880891D-F623-43F5-8A70-E4D501C286D5}" type="slidenum">
-              <a:rPr lang="en-US" smtClean="0"/>
-              <a:pPr/>
               <a:t>2</a:t>
             </a:fld>
             <a:endParaRPr lang="en-US" dirty="0"/>
@@ -40967,12 +41683,12 @@
       </p:pic>
       <p:sp>
         <p:nvSpPr>
-          <p:cNvPr id="5" name="Slide Number Placeholder 4"/>
+          <p:cNvPr id="7" name="Footer Placeholder 6"/>
           <p:cNvSpPr>
             <a:spLocks noGrp="1"/>
           </p:cNvSpPr>
           <p:nvPr>
-            <p:ph type="sldNum" sz="quarter" idx="12"/>
+            <p:ph type="ftr" sz="quarter" idx="11"/>
           </p:nvPr>
         </p:nvSpPr>
         <p:spPr/>
@@ -40980,13 +41696,8 @@
           <a:bodyPr/>
           <a:lstStyle/>
           <a:p>
-            <a:r>
+            <a:fld id="{A7F597A3-207D-4087-9C8A-B0EB4AD57762}" type="slidenum">
               <a:rPr lang="en-US" smtClean="0"/>
-              <a:t>Page </a:t>
-            </a:r>
-            <a:fld id="{B880891D-F623-43F5-8A70-E4D501C286D5}" type="slidenum">
-              <a:rPr lang="en-US" smtClean="0"/>
-              <a:pPr/>
               <a:t>20</a:t>
             </a:fld>
             <a:endParaRPr lang="en-US" dirty="0"/>
@@ -41149,12 +41860,12 @@
       </p:sp>
       <p:sp>
         <p:nvSpPr>
-          <p:cNvPr id="4" name="Slide Number Placeholder 3"/>
+          <p:cNvPr id="6" name="Footer Placeholder 5"/>
           <p:cNvSpPr>
             <a:spLocks noGrp="1"/>
           </p:cNvSpPr>
           <p:nvPr>
-            <p:ph type="sldNum" sz="quarter" idx="12"/>
+            <p:ph type="ftr" sz="quarter" idx="11"/>
           </p:nvPr>
         </p:nvSpPr>
         <p:spPr/>
@@ -41162,13 +41873,8 @@
           <a:bodyPr/>
           <a:lstStyle/>
           <a:p>
-            <a:r>
+            <a:fld id="{3FA783FB-3A3A-4EC8-A574-3A049385ACC0}" type="slidenum">
               <a:rPr lang="en-US" smtClean="0"/>
-              <a:t>Page </a:t>
-            </a:r>
-            <a:fld id="{B880891D-F623-43F5-8A70-E4D501C286D5}" type="slidenum">
-              <a:rPr lang="en-US" smtClean="0"/>
-              <a:pPr/>
               <a:t>21</a:t>
             </a:fld>
             <a:endParaRPr lang="en-US" dirty="0"/>
@@ -41582,12 +42288,12 @@
       </p:sp>
       <p:sp>
         <p:nvSpPr>
-          <p:cNvPr id="5" name="Slide Number Placeholder 4"/>
+          <p:cNvPr id="7" name="Footer Placeholder 6"/>
           <p:cNvSpPr>
             <a:spLocks noGrp="1"/>
           </p:cNvSpPr>
           <p:nvPr>
-            <p:ph type="sldNum" sz="quarter" idx="12"/>
+            <p:ph type="ftr" sz="quarter" idx="11"/>
           </p:nvPr>
         </p:nvSpPr>
         <p:spPr/>
@@ -41595,13 +42301,8 @@
           <a:bodyPr/>
           <a:lstStyle/>
           <a:p>
-            <a:r>
+            <a:fld id="{D6C4D0D9-6302-47B5-98A8-52BD28134C51}" type="slidenum">
               <a:rPr lang="en-US" smtClean="0"/>
-              <a:t>Page </a:t>
-            </a:r>
-            <a:fld id="{B880891D-F623-43F5-8A70-E4D501C286D5}" type="slidenum">
-              <a:rPr lang="en-US" smtClean="0"/>
-              <a:pPr/>
               <a:t>22</a:t>
             </a:fld>
             <a:endParaRPr lang="en-US" dirty="0"/>
@@ -41728,12 +42429,12 @@
       </p:graphicFrame>
       <p:sp>
         <p:nvSpPr>
-          <p:cNvPr id="6" name="Slide Number Placeholder 5"/>
+          <p:cNvPr id="7" name="Footer Placeholder 6"/>
           <p:cNvSpPr>
             <a:spLocks noGrp="1"/>
           </p:cNvSpPr>
           <p:nvPr>
-            <p:ph type="sldNum" sz="quarter" idx="12"/>
+            <p:ph type="ftr" sz="quarter" idx="11"/>
           </p:nvPr>
         </p:nvSpPr>
         <p:spPr/>
@@ -41741,13 +42442,8 @@
           <a:bodyPr/>
           <a:lstStyle/>
           <a:p>
-            <a:r>
+            <a:fld id="{80D09273-E151-4BEA-BE57-E52887BF0A49}" type="slidenum">
               <a:rPr lang="en-US" smtClean="0"/>
-              <a:t>Page </a:t>
-            </a:r>
-            <a:fld id="{B880891D-F623-43F5-8A70-E4D501C286D5}" type="slidenum">
-              <a:rPr lang="en-US" smtClean="0"/>
-              <a:pPr/>
               <a:t>23</a:t>
             </a:fld>
             <a:endParaRPr lang="en-US" dirty="0"/>
@@ -41910,12 +42606,12 @@
       </p:pic>
       <p:sp>
         <p:nvSpPr>
-          <p:cNvPr id="5" name="Slide Number Placeholder 4"/>
+          <p:cNvPr id="6" name="Footer Placeholder 5"/>
           <p:cNvSpPr>
             <a:spLocks noGrp="1"/>
           </p:cNvSpPr>
           <p:nvPr>
-            <p:ph type="sldNum" sz="quarter" idx="12"/>
+            <p:ph type="ftr" sz="quarter" idx="11"/>
           </p:nvPr>
         </p:nvSpPr>
         <p:spPr/>
@@ -41923,13 +42619,8 @@
           <a:bodyPr/>
           <a:lstStyle/>
           <a:p>
-            <a:r>
+            <a:fld id="{868FD59F-714D-4C72-8491-7B5684071AB6}" type="slidenum">
               <a:rPr lang="en-US" smtClean="0"/>
-              <a:t>Page </a:t>
-            </a:r>
-            <a:fld id="{B880891D-F623-43F5-8A70-E4D501C286D5}" type="slidenum">
-              <a:rPr lang="en-US" smtClean="0"/>
-              <a:pPr/>
               <a:t>24</a:t>
             </a:fld>
             <a:endParaRPr lang="en-US" dirty="0"/>
@@ -42079,12 +42770,12 @@
       </p:pic>
       <p:sp>
         <p:nvSpPr>
-          <p:cNvPr id="5" name="Slide Number Placeholder 4"/>
+          <p:cNvPr id="6" name="Footer Placeholder 5"/>
           <p:cNvSpPr>
             <a:spLocks noGrp="1"/>
           </p:cNvSpPr>
           <p:nvPr>
-            <p:ph type="sldNum" sz="quarter" idx="12"/>
+            <p:ph type="ftr" sz="quarter" idx="11"/>
           </p:nvPr>
         </p:nvSpPr>
         <p:spPr/>
@@ -42092,13 +42783,8 @@
           <a:bodyPr/>
           <a:lstStyle/>
           <a:p>
-            <a:r>
+            <a:fld id="{0BEAE394-FA62-488F-BD6A-33145A567158}" type="slidenum">
               <a:rPr lang="en-US" smtClean="0"/>
-              <a:t>Page </a:t>
-            </a:r>
-            <a:fld id="{B880891D-F623-43F5-8A70-E4D501C286D5}" type="slidenum">
-              <a:rPr lang="en-US" smtClean="0"/>
-              <a:pPr/>
               <a:t>25</a:t>
             </a:fld>
             <a:endParaRPr lang="en-US" dirty="0"/>
@@ -42232,12 +42918,12 @@
       </p:pic>
       <p:sp>
         <p:nvSpPr>
-          <p:cNvPr id="5" name="Slide Number Placeholder 4"/>
+          <p:cNvPr id="6" name="Footer Placeholder 5"/>
           <p:cNvSpPr>
             <a:spLocks noGrp="1"/>
           </p:cNvSpPr>
           <p:nvPr>
-            <p:ph type="sldNum" sz="quarter" idx="12"/>
+            <p:ph type="ftr" sz="quarter" idx="11"/>
           </p:nvPr>
         </p:nvSpPr>
         <p:spPr/>
@@ -42245,13 +42931,8 @@
           <a:bodyPr/>
           <a:lstStyle/>
           <a:p>
-            <a:r>
+            <a:fld id="{880894DA-1340-4183-9DE9-04E2F8E5BDF1}" type="slidenum">
               <a:rPr lang="en-US" smtClean="0"/>
-              <a:t>Page </a:t>
-            </a:r>
-            <a:fld id="{B880891D-F623-43F5-8A70-E4D501C286D5}" type="slidenum">
-              <a:rPr lang="en-US" smtClean="0"/>
-              <a:pPr/>
               <a:t>26</a:t>
             </a:fld>
             <a:endParaRPr lang="en-US" dirty="0"/>
@@ -42386,12 +43067,12 @@
       </p:pic>
       <p:sp>
         <p:nvSpPr>
-          <p:cNvPr id="5" name="Slide Number Placeholder 4"/>
+          <p:cNvPr id="6" name="Footer Placeholder 5"/>
           <p:cNvSpPr>
             <a:spLocks noGrp="1"/>
           </p:cNvSpPr>
           <p:nvPr>
-            <p:ph type="sldNum" sz="quarter" idx="12"/>
+            <p:ph type="ftr" sz="quarter" idx="11"/>
           </p:nvPr>
         </p:nvSpPr>
         <p:spPr/>
@@ -42399,13 +43080,8 @@
           <a:bodyPr/>
           <a:lstStyle/>
           <a:p>
-            <a:r>
+            <a:fld id="{38B658F4-CA58-4245-8A39-090B43688498}" type="slidenum">
               <a:rPr lang="en-US" smtClean="0"/>
-              <a:t>Page </a:t>
-            </a:r>
-            <a:fld id="{B880891D-F623-43F5-8A70-E4D501C286D5}" type="slidenum">
-              <a:rPr lang="en-US" smtClean="0"/>
-              <a:pPr/>
               <a:t>27</a:t>
             </a:fld>
             <a:endParaRPr lang="en-US" dirty="0"/>
@@ -42586,7 +43262,7 @@
           <a:graphicData uri="http://schemas.openxmlformats.org/presentationml/2006/ole">
             <mc:AlternateContent xmlns:mc="http://schemas.openxmlformats.org/markup-compatibility/2006">
               <mc:Choice xmlns:v="urn:schemas-microsoft-com:vml" Requires="v">
-                <p:oleObj spid="_x0000_s6314" name="SmartDraw" r:id="rId3" imgW="8703268" imgH="4533499" progId="">
+                <p:oleObj spid="_x0000_s6318" name="SmartDraw" r:id="rId3" imgW="8703268" imgH="4533499" progId="">
                   <p:embed/>
                 </p:oleObj>
               </mc:Choice>
@@ -42650,12 +43326,12 @@
       </p:graphicFrame>
       <p:sp>
         <p:nvSpPr>
-          <p:cNvPr id="6" name="Slide Number Placeholder 5"/>
+          <p:cNvPr id="8" name="Footer Placeholder 7"/>
           <p:cNvSpPr>
             <a:spLocks noGrp="1"/>
           </p:cNvSpPr>
           <p:nvPr>
-            <p:ph type="sldNum" sz="quarter" idx="12"/>
+            <p:ph type="ftr" sz="quarter" idx="11"/>
           </p:nvPr>
         </p:nvSpPr>
         <p:spPr/>
@@ -42663,13 +43339,8 @@
           <a:bodyPr/>
           <a:lstStyle/>
           <a:p>
-            <a:r>
+            <a:fld id="{75673DF6-EFE7-4A79-9D74-E1D0E7171305}" type="slidenum">
               <a:rPr lang="en-US" smtClean="0"/>
-              <a:t>Page </a:t>
-            </a:r>
-            <a:fld id="{B880891D-F623-43F5-8A70-E4D501C286D5}" type="slidenum">
-              <a:rPr lang="en-US" smtClean="0"/>
-              <a:pPr/>
               <a:t>28</a:t>
             </a:fld>
             <a:endParaRPr lang="en-US" dirty="0"/>
@@ -44539,12 +45210,12 @@
       </p:sp>
       <p:sp>
         <p:nvSpPr>
-          <p:cNvPr id="8" name="Slide Number Placeholder 7"/>
+          <p:cNvPr id="5" name="Footer Placeholder 4"/>
           <p:cNvSpPr>
             <a:spLocks noGrp="1"/>
           </p:cNvSpPr>
           <p:nvPr>
-            <p:ph type="sldNum" sz="quarter" idx="12"/>
+            <p:ph type="ftr" sz="quarter" idx="11"/>
           </p:nvPr>
         </p:nvSpPr>
         <p:spPr/>
@@ -44552,13 +45223,8 @@
           <a:bodyPr/>
           <a:lstStyle/>
           <a:p>
-            <a:r>
+            <a:fld id="{A40EB4D4-4772-4588-AC37-750D990688F0}" type="slidenum">
               <a:rPr lang="en-US" smtClean="0"/>
-              <a:t>Page </a:t>
-            </a:r>
-            <a:fld id="{B880891D-F623-43F5-8A70-E4D501C286D5}" type="slidenum">
-              <a:rPr lang="en-US" smtClean="0"/>
-              <a:pPr/>
               <a:t>29</a:t>
             </a:fld>
             <a:endParaRPr lang="en-US" dirty="0"/>
@@ -44719,12 +45385,12 @@
       </p:pic>
       <p:sp>
         <p:nvSpPr>
-          <p:cNvPr id="5" name="Slide Number Placeholder 4"/>
+          <p:cNvPr id="7" name="Footer Placeholder 6"/>
           <p:cNvSpPr>
             <a:spLocks noGrp="1"/>
           </p:cNvSpPr>
           <p:nvPr>
-            <p:ph type="sldNum" sz="quarter" idx="12"/>
+            <p:ph type="ftr" sz="quarter" idx="11"/>
           </p:nvPr>
         </p:nvSpPr>
         <p:spPr/>
@@ -44732,13 +45398,8 @@
           <a:bodyPr/>
           <a:lstStyle/>
           <a:p>
-            <a:r>
+            <a:fld id="{700661B2-BEB8-4631-9B8F-6993D9B4B0D9}" type="slidenum">
               <a:rPr lang="en-US" smtClean="0"/>
-              <a:t>Page </a:t>
-            </a:r>
-            <a:fld id="{B880891D-F623-43F5-8A70-E4D501C286D5}" type="slidenum">
-              <a:rPr lang="en-US" smtClean="0"/>
-              <a:pPr/>
               <a:t>3</a:t>
             </a:fld>
             <a:endParaRPr lang="en-US" dirty="0"/>
@@ -46126,12 +46787,12 @@
       </p:sp>
       <p:sp>
         <p:nvSpPr>
-          <p:cNvPr id="21" name="Slide Number Placeholder 20"/>
+          <p:cNvPr id="22" name="Footer Placeholder 21"/>
           <p:cNvSpPr>
             <a:spLocks noGrp="1"/>
           </p:cNvSpPr>
           <p:nvPr>
-            <p:ph type="sldNum" sz="quarter" idx="12"/>
+            <p:ph type="ftr" sz="quarter" idx="11"/>
           </p:nvPr>
         </p:nvSpPr>
         <p:spPr/>
@@ -46139,13 +46800,8 @@
           <a:bodyPr/>
           <a:lstStyle/>
           <a:p>
-            <a:r>
+            <a:fld id="{8A1C8B8D-D388-4562-816A-3946045F92FC}" type="slidenum">
               <a:rPr lang="en-US" smtClean="0"/>
-              <a:t>Page </a:t>
-            </a:r>
-            <a:fld id="{B880891D-F623-43F5-8A70-E4D501C286D5}" type="slidenum">
-              <a:rPr lang="en-US" smtClean="0"/>
-              <a:pPr/>
               <a:t>30</a:t>
             </a:fld>
             <a:endParaRPr lang="en-US" dirty="0"/>
@@ -46173,328 +46829,6 @@
 </file>
 
 <file path=ppt/slides/slide31.xml><?xml version="1.0" encoding="utf-8"?>
-<p:sld xmlns:a="http://schemas.openxmlformats.org/drawingml/2006/main" xmlns:r="http://schemas.openxmlformats.org/officeDocument/2006/relationships" xmlns:p="http://schemas.openxmlformats.org/presentationml/2006/main">
-  <p:cSld>
-    <p:spTree>
-      <p:nvGrpSpPr>
-        <p:cNvPr id="1" name=""/>
-        <p:cNvGrpSpPr/>
-        <p:nvPr/>
-      </p:nvGrpSpPr>
-      <p:grpSpPr>
-        <a:xfrm>
-          <a:off x="0" y="0"/>
-          <a:ext cx="0" cy="0"/>
-          <a:chOff x="0" y="0"/>
-          <a:chExt cx="0" cy="0"/>
-        </a:xfrm>
-      </p:grpSpPr>
-      <p:sp>
-        <p:nvSpPr>
-          <p:cNvPr id="2" name="Title 1"/>
-          <p:cNvSpPr>
-            <a:spLocks noGrp="1"/>
-          </p:cNvSpPr>
-          <p:nvPr>
-            <p:ph type="title"/>
-          </p:nvPr>
-        </p:nvSpPr>
-        <p:spPr/>
-        <p:txBody>
-          <a:bodyPr>
-            <a:normAutofit fontScale="90000"/>
-          </a:bodyPr>
-          <a:lstStyle/>
-          <a:p>
-            <a:endParaRPr lang="en-US"/>
-          </a:p>
-        </p:txBody>
-      </p:sp>
-      <p:graphicFrame>
-        <p:nvGraphicFramePr>
-          <p:cNvPr id="6" name="Content Placeholder 5"/>
-          <p:cNvGraphicFramePr>
-            <a:graphicFrameLocks noGrp="1"/>
-          </p:cNvGraphicFramePr>
-          <p:nvPr>
-            <p:ph idx="1"/>
-            <p:extLst>
-              <p:ext uri="{D42A27DB-BD31-4B8C-83A1-F6EECF244321}">
-                <p14:modId xmlns:p14="http://schemas.microsoft.com/office/powerpoint/2010/main" val="144133690"/>
-              </p:ext>
-            </p:extLst>
-          </p:nvPr>
-        </p:nvGraphicFramePr>
-        <p:xfrm>
-          <a:off x="609600" y="1600200"/>
-          <a:ext cx="7543802" cy="457200"/>
-        </p:xfrm>
-        <a:graphic>
-          <a:graphicData uri="http://schemas.openxmlformats.org/drawingml/2006/table">
-            <a:tbl>
-              <a:tblPr firstRow="1" bandRow="1">
-                <a:tableStyleId>{21E4AEA4-8DFA-4A89-87EB-49C32662AFE0}</a:tableStyleId>
-              </a:tblPr>
-              <a:tblGrid>
-                <a:gridCol w="455666"/>
-                <a:gridCol w="915934"/>
-                <a:gridCol w="1371600"/>
-                <a:gridCol w="685800"/>
-                <a:gridCol w="914400"/>
-                <a:gridCol w="990600"/>
-                <a:gridCol w="838200"/>
-                <a:gridCol w="1371602"/>
-              </a:tblGrid>
-              <a:tr h="457200">
-                <a:tc>
-                  <a:txBody>
-                    <a:bodyPr/>
-                    <a:lstStyle/>
-                    <a:p>
-                      <a:pPr algn="ctr"/>
-                      <a:r>
-                        <a:rPr lang="en-US" sz="1400" dirty="0" smtClean="0">
-                          <a:latin typeface="+mn-lt"/>
-                          <a:cs typeface="Arial" pitchFamily="34" charset="0"/>
-                        </a:rPr>
-                        <a:t>ID</a:t>
-                      </a:r>
-                      <a:endParaRPr lang="en-US" sz="1400" dirty="0">
-                        <a:latin typeface="+mn-lt"/>
-                        <a:cs typeface="Arial" pitchFamily="34" charset="0"/>
-                      </a:endParaRPr>
-                    </a:p>
-                  </a:txBody>
-                  <a:tcPr/>
-                </a:tc>
-                <a:tc>
-                  <a:txBody>
-                    <a:bodyPr/>
-                    <a:lstStyle/>
-                    <a:p>
-                      <a:pPr algn="ctr"/>
-                      <a:r>
-                        <a:rPr lang="en-US" sz="1400" dirty="0" smtClean="0">
-                          <a:latin typeface="+mn-lt"/>
-                          <a:cs typeface="Arial" pitchFamily="34" charset="0"/>
-                        </a:rPr>
-                        <a:t>Module</a:t>
-                      </a:r>
-                      <a:endParaRPr lang="en-US" sz="1400" dirty="0">
-                        <a:latin typeface="+mn-lt"/>
-                        <a:cs typeface="Arial" pitchFamily="34" charset="0"/>
-                      </a:endParaRPr>
-                    </a:p>
-                  </a:txBody>
-                  <a:tcPr/>
-                </a:tc>
-                <a:tc>
-                  <a:txBody>
-                    <a:bodyPr/>
-                    <a:lstStyle/>
-                    <a:p>
-                      <a:pPr algn="ctr"/>
-                      <a:r>
-                        <a:rPr lang="en-US" sz="1400" dirty="0" smtClean="0">
-                          <a:latin typeface="+mn-lt"/>
-                          <a:cs typeface="Arial" pitchFamily="34" charset="0"/>
-                        </a:rPr>
-                        <a:t>Description</a:t>
-                      </a:r>
-                      <a:endParaRPr lang="en-US" sz="1400" dirty="0">
-                        <a:latin typeface="+mn-lt"/>
-                        <a:cs typeface="Arial" pitchFamily="34" charset="0"/>
-                      </a:endParaRPr>
-                    </a:p>
-                  </a:txBody>
-                  <a:tcPr/>
-                </a:tc>
-                <a:tc>
-                  <a:txBody>
-                    <a:bodyPr/>
-                    <a:lstStyle/>
-                    <a:p>
-                      <a:pPr algn="ctr"/>
-                      <a:r>
-                        <a:rPr lang="en-US" sz="1400" dirty="0" smtClean="0">
-                          <a:latin typeface="+mn-lt"/>
-                          <a:cs typeface="Arial" pitchFamily="34" charset="0"/>
-                        </a:rPr>
-                        <a:t>Type</a:t>
-                      </a:r>
-                      <a:endParaRPr lang="en-US" sz="1400" dirty="0">
-                        <a:latin typeface="+mn-lt"/>
-                        <a:cs typeface="Arial" pitchFamily="34" charset="0"/>
-                      </a:endParaRPr>
-                    </a:p>
-                  </a:txBody>
-                  <a:tcPr/>
-                </a:tc>
-                <a:tc>
-                  <a:txBody>
-                    <a:bodyPr/>
-                    <a:lstStyle/>
-                    <a:p>
-                      <a:pPr algn="ctr"/>
-                      <a:r>
-                        <a:rPr lang="en-US" sz="1400" dirty="0" smtClean="0">
-                          <a:latin typeface="+mn-lt"/>
-                          <a:cs typeface="Arial" pitchFamily="34" charset="0"/>
-                        </a:rPr>
-                        <a:t>Severity</a:t>
-                      </a:r>
-                      <a:endParaRPr lang="en-US" sz="1400" dirty="0">
-                        <a:latin typeface="+mn-lt"/>
-                        <a:cs typeface="Arial" pitchFamily="34" charset="0"/>
-                      </a:endParaRPr>
-                    </a:p>
-                  </a:txBody>
-                  <a:tcPr/>
-                </a:tc>
-                <a:tc>
-                  <a:txBody>
-                    <a:bodyPr/>
-                    <a:lstStyle/>
-                    <a:p>
-                      <a:pPr algn="ctr"/>
-                      <a:r>
-                        <a:rPr lang="en-US" sz="1400" dirty="0" smtClean="0">
-                          <a:latin typeface="+mn-lt"/>
-                          <a:cs typeface="Arial" pitchFamily="34" charset="0"/>
-                        </a:rPr>
-                        <a:t>Priority</a:t>
-                      </a:r>
-                      <a:endParaRPr lang="en-US" sz="1400" dirty="0">
-                        <a:latin typeface="+mn-lt"/>
-                        <a:cs typeface="Arial" pitchFamily="34" charset="0"/>
-                      </a:endParaRPr>
-                    </a:p>
-                  </a:txBody>
-                  <a:tcPr/>
-                </a:tc>
-                <a:tc>
-                  <a:txBody>
-                    <a:bodyPr/>
-                    <a:lstStyle/>
-                    <a:p>
-                      <a:pPr algn="ctr"/>
-                      <a:r>
-                        <a:rPr lang="en-US" sz="1400" dirty="0" smtClean="0">
-                          <a:latin typeface="+mn-lt"/>
-                          <a:cs typeface="Arial" pitchFamily="34" charset="0"/>
-                        </a:rPr>
-                        <a:t>Status</a:t>
-                      </a:r>
-                      <a:endParaRPr lang="en-US" sz="1400" dirty="0">
-                        <a:latin typeface="+mn-lt"/>
-                        <a:cs typeface="Arial" pitchFamily="34" charset="0"/>
-                      </a:endParaRPr>
-                    </a:p>
-                  </a:txBody>
-                  <a:tcPr/>
-                </a:tc>
-                <a:tc>
-                  <a:txBody>
-                    <a:bodyPr/>
-                    <a:lstStyle/>
-                    <a:p>
-                      <a:pPr algn="ctr"/>
-                      <a:r>
-                        <a:rPr lang="en-US" sz="1400" dirty="0" smtClean="0">
-                          <a:latin typeface="+mn-lt"/>
-                          <a:cs typeface="Arial" pitchFamily="34" charset="0"/>
-                        </a:rPr>
-                        <a:t>Created Date</a:t>
-                      </a:r>
-                      <a:endParaRPr lang="en-US" sz="1400" dirty="0">
-                        <a:latin typeface="+mn-lt"/>
-                        <a:cs typeface="Arial" pitchFamily="34" charset="0"/>
-                      </a:endParaRPr>
-                    </a:p>
-                  </a:txBody>
-                  <a:tcPr/>
-                </a:tc>
-              </a:tr>
-            </a:tbl>
-          </a:graphicData>
-        </a:graphic>
-      </p:graphicFrame>
-      <p:sp>
-        <p:nvSpPr>
-          <p:cNvPr id="7" name="TextBox 6"/>
-          <p:cNvSpPr txBox="1"/>
-          <p:nvPr/>
-        </p:nvSpPr>
-        <p:spPr>
-          <a:xfrm>
-            <a:off x="601580" y="1143000"/>
-            <a:ext cx="1231427" cy="369332"/>
-          </a:xfrm>
-          <a:prstGeom prst="rect">
-            <a:avLst/>
-          </a:prstGeom>
-          <a:noFill/>
-        </p:spPr>
-        <p:txBody>
-          <a:bodyPr wrap="none" rtlCol="0">
-            <a:spAutoFit/>
-          </a:bodyPr>
-          <a:lstStyle/>
-          <a:p>
-            <a:r>
-              <a:rPr lang="en-US" dirty="0" smtClean="0">
-                <a:latin typeface="+mn-lt"/>
-              </a:rPr>
-              <a:t>Defect log:</a:t>
-            </a:r>
-            <a:endParaRPr lang="en-US" dirty="0">
-              <a:latin typeface="+mn-lt"/>
-            </a:endParaRPr>
-          </a:p>
-        </p:txBody>
-      </p:sp>
-      <p:sp>
-        <p:nvSpPr>
-          <p:cNvPr id="8" name="Slide Number Placeholder 7"/>
-          <p:cNvSpPr>
-            <a:spLocks noGrp="1"/>
-          </p:cNvSpPr>
-          <p:nvPr>
-            <p:ph type="sldNum" sz="quarter" idx="12"/>
-          </p:nvPr>
-        </p:nvSpPr>
-        <p:spPr/>
-        <p:txBody>
-          <a:bodyPr/>
-          <a:lstStyle/>
-          <a:p>
-            <a:r>
-              <a:rPr lang="en-US" smtClean="0"/>
-              <a:t>Page </a:t>
-            </a:r>
-            <a:fld id="{B880891D-F623-43F5-8A70-E4D501C286D5}" type="slidenum">
-              <a:rPr lang="en-US" smtClean="0"/>
-              <a:pPr/>
-              <a:t>31</a:t>
-            </a:fld>
-            <a:endParaRPr lang="en-US" dirty="0"/>
-          </a:p>
-        </p:txBody>
-      </p:sp>
-    </p:spTree>
-    <p:extLst>
-      <p:ext uri="{BB962C8B-B14F-4D97-AF65-F5344CB8AC3E}">
-        <p14:creationId xmlns:p14="http://schemas.microsoft.com/office/powerpoint/2010/main" val="1864758400"/>
-      </p:ext>
-    </p:extLst>
-  </p:cSld>
-  <p:clrMapOvr>
-    <a:masterClrMapping/>
-  </p:clrMapOvr>
-</p:sld>
-</file>
-
-<file path=ppt/slides/slide32.xml><?xml version="1.0" encoding="utf-8"?>
 <p:sld xmlns:a="http://schemas.openxmlformats.org/drawingml/2006/main" xmlns:r="http://schemas.openxmlformats.org/officeDocument/2006/relationships" xmlns:p="http://schemas.openxmlformats.org/presentationml/2006/main">
   <p:cSld>
     <p:spTree>
@@ -47876,12 +48210,12 @@
       </p:pic>
       <p:sp>
         <p:nvSpPr>
-          <p:cNvPr id="6" name="Slide Number Placeholder 5"/>
+          <p:cNvPr id="4" name="Footer Placeholder 3"/>
           <p:cNvSpPr>
             <a:spLocks noGrp="1"/>
           </p:cNvSpPr>
           <p:nvPr>
-            <p:ph type="sldNum" sz="quarter" idx="12"/>
+            <p:ph type="ftr" sz="quarter" idx="11"/>
           </p:nvPr>
         </p:nvSpPr>
         <p:spPr/>
@@ -47889,14 +48223,9 @@
           <a:bodyPr/>
           <a:lstStyle/>
           <a:p>
-            <a:r>
+            <a:fld id="{EC015C71-136C-4928-9BAF-7E6D8FFEF7F3}" type="slidenum">
               <a:rPr lang="en-US" smtClean="0"/>
-              <a:t>Page </a:t>
-            </a:r>
-            <a:fld id="{B880891D-F623-43F5-8A70-E4D501C286D5}" type="slidenum">
-              <a:rPr lang="en-US" smtClean="0"/>
-              <a:pPr/>
-              <a:t>32</a:t>
+              <a:t>31</a:t>
             </a:fld>
             <a:endParaRPr lang="en-US" dirty="0"/>
           </a:p>
@@ -47922,7 +48251,7 @@
 </p:sld>
 </file>
 
-<file path=ppt/slides/slide33.xml><?xml version="1.0" encoding="utf-8"?>
+<file path=ppt/slides/slide32.xml><?xml version="1.0" encoding="utf-8"?>
 <p:sld xmlns:a="http://schemas.openxmlformats.org/drawingml/2006/main" xmlns:r="http://schemas.openxmlformats.org/officeDocument/2006/relationships" xmlns:p="http://schemas.openxmlformats.org/presentationml/2006/main">
   <p:cSld>
     <p:spTree>
@@ -48463,12 +48792,12 @@
       </p:graphicFrame>
       <p:sp>
         <p:nvSpPr>
-          <p:cNvPr id="5" name="Slide Number Placeholder 4"/>
+          <p:cNvPr id="7" name="Footer Placeholder 6"/>
           <p:cNvSpPr>
             <a:spLocks noGrp="1"/>
           </p:cNvSpPr>
           <p:nvPr>
-            <p:ph type="sldNum" sz="quarter" idx="12"/>
+            <p:ph type="ftr" sz="quarter" idx="11"/>
           </p:nvPr>
         </p:nvSpPr>
         <p:spPr/>
@@ -48476,14 +48805,9 @@
           <a:bodyPr/>
           <a:lstStyle/>
           <a:p>
-            <a:r>
+            <a:fld id="{5DDB38A5-AAC0-45DA-9FA8-824969C3E71D}" type="slidenum">
               <a:rPr lang="en-US" smtClean="0"/>
-              <a:t>Page </a:t>
-            </a:r>
-            <a:fld id="{B880891D-F623-43F5-8A70-E4D501C286D5}" type="slidenum">
-              <a:rPr lang="en-US" smtClean="0"/>
-              <a:pPr/>
-              <a:t>33</a:t>
+              <a:t>32</a:t>
             </a:fld>
             <a:endParaRPr lang="en-US" dirty="0"/>
           </a:p>
@@ -48509,7 +48833,7 @@
 </p:sld>
 </file>
 
-<file path=ppt/slides/slide34.xml><?xml version="1.0" encoding="utf-8"?>
+<file path=ppt/slides/slide33.xml><?xml version="1.0" encoding="utf-8"?>
 <p:sld xmlns:a="http://schemas.openxmlformats.org/drawingml/2006/main" xmlns:r="http://schemas.openxmlformats.org/officeDocument/2006/relationships" xmlns:p="http://schemas.openxmlformats.org/presentationml/2006/main">
   <p:cSld>
     <p:spTree>
@@ -48758,12 +49082,12 @@
       </p:sp>
       <p:sp>
         <p:nvSpPr>
-          <p:cNvPr id="4" name="Slide Number Placeholder 3"/>
+          <p:cNvPr id="6" name="Footer Placeholder 5"/>
           <p:cNvSpPr>
             <a:spLocks noGrp="1"/>
           </p:cNvSpPr>
           <p:nvPr>
-            <p:ph type="sldNum" sz="quarter" idx="12"/>
+            <p:ph type="ftr" sz="quarter" idx="11"/>
           </p:nvPr>
         </p:nvSpPr>
         <p:spPr/>
@@ -48771,14 +49095,9 @@
           <a:bodyPr/>
           <a:lstStyle/>
           <a:p>
-            <a:r>
+            <a:fld id="{3710E69E-C4DB-48C9-8576-49A414A25867}" type="slidenum">
               <a:rPr lang="en-US" smtClean="0"/>
-              <a:t>Page </a:t>
-            </a:r>
-            <a:fld id="{B880891D-F623-43F5-8A70-E4D501C286D5}" type="slidenum">
-              <a:rPr lang="en-US" smtClean="0"/>
-              <a:pPr/>
-              <a:t>34</a:t>
+              <a:t>33</a:t>
             </a:fld>
             <a:endParaRPr lang="en-US" dirty="0"/>
           </a:p>
@@ -48804,7 +49123,7 @@
 </p:sld>
 </file>
 
-<file path=ppt/slides/slide35.xml><?xml version="1.0" encoding="utf-8"?>
+<file path=ppt/slides/slide34.xml><?xml version="1.0" encoding="utf-8"?>
 <p:sld xmlns:a="http://schemas.openxmlformats.org/drawingml/2006/main" xmlns:r="http://schemas.openxmlformats.org/officeDocument/2006/relationships" xmlns:p="http://schemas.openxmlformats.org/presentationml/2006/main">
   <p:cSld>
     <p:spTree>
@@ -48918,12 +49237,12 @@
       </p:pic>
       <p:sp>
         <p:nvSpPr>
-          <p:cNvPr id="5" name="Slide Number Placeholder 4"/>
+          <p:cNvPr id="6" name="Footer Placeholder 5"/>
           <p:cNvSpPr>
             <a:spLocks noGrp="1"/>
           </p:cNvSpPr>
           <p:nvPr>
-            <p:ph type="sldNum" sz="quarter" idx="12"/>
+            <p:ph type="ftr" sz="quarter" idx="11"/>
           </p:nvPr>
         </p:nvSpPr>
         <p:spPr/>
@@ -48931,14 +49250,9 @@
           <a:bodyPr/>
           <a:lstStyle/>
           <a:p>
-            <a:r>
+            <a:fld id="{1829B69A-5824-4EE2-8DE3-CFEDD7BBBF7F}" type="slidenum">
               <a:rPr lang="en-US" smtClean="0"/>
-              <a:t>Page </a:t>
-            </a:r>
-            <a:fld id="{B880891D-F623-43F5-8A70-E4D501C286D5}" type="slidenum">
-              <a:rPr lang="en-US" smtClean="0"/>
-              <a:pPr/>
-              <a:t>35</a:t>
+              <a:t>34</a:t>
             </a:fld>
             <a:endParaRPr lang="en-US" dirty="0"/>
           </a:p>
@@ -48964,7 +49278,7 @@
 </p:sld>
 </file>
 
-<file path=ppt/slides/slide36.xml><?xml version="1.0" encoding="utf-8"?>
+<file path=ppt/slides/slide35.xml><?xml version="1.0" encoding="utf-8"?>
 <p:sld xmlns:a="http://schemas.openxmlformats.org/drawingml/2006/main" xmlns:r="http://schemas.openxmlformats.org/officeDocument/2006/relationships" xmlns:p="http://schemas.openxmlformats.org/presentationml/2006/main">
   <p:cSld>
     <p:spTree>
@@ -49073,12 +49387,12 @@
       </p:pic>
       <p:sp>
         <p:nvSpPr>
-          <p:cNvPr id="5" name="Slide Number Placeholder 4"/>
+          <p:cNvPr id="6" name="Footer Placeholder 5"/>
           <p:cNvSpPr>
             <a:spLocks noGrp="1"/>
           </p:cNvSpPr>
           <p:nvPr>
-            <p:ph type="sldNum" sz="quarter" idx="12"/>
+            <p:ph type="ftr" sz="quarter" idx="11"/>
           </p:nvPr>
         </p:nvSpPr>
         <p:spPr/>
@@ -49086,14 +49400,9 @@
           <a:bodyPr/>
           <a:lstStyle/>
           <a:p>
-            <a:r>
+            <a:fld id="{DB4EE093-EB09-4DBD-8DA5-EB4E03855E5F}" type="slidenum">
               <a:rPr lang="en-US" smtClean="0"/>
-              <a:t>Page </a:t>
-            </a:r>
-            <a:fld id="{B880891D-F623-43F5-8A70-E4D501C286D5}" type="slidenum">
-              <a:rPr lang="en-US" smtClean="0"/>
-              <a:pPr/>
-              <a:t>36</a:t>
+              <a:t>35</a:t>
             </a:fld>
             <a:endParaRPr lang="en-US" dirty="0"/>
           </a:p>
@@ -49119,7 +49428,7 @@
 </p:sld>
 </file>
 
-<file path=ppt/slides/slide37.xml><?xml version="1.0" encoding="utf-8"?>
+<file path=ppt/slides/slide36.xml><?xml version="1.0" encoding="utf-8"?>
 <p:sld xmlns:a="http://schemas.openxmlformats.org/drawingml/2006/main" xmlns:r="http://schemas.openxmlformats.org/officeDocument/2006/relationships" xmlns:p="http://schemas.openxmlformats.org/presentationml/2006/main">
   <p:cSld>
     <p:spTree>
@@ -49272,30 +49581,6 @@
           </a:extLst>
         </p:spPr>
       </p:pic>
-      <p:sp>
-        <p:nvSpPr>
-          <p:cNvPr id="5" name="Slide Number Placeholder 4"/>
-          <p:cNvSpPr>
-            <a:spLocks noGrp="1"/>
-          </p:cNvSpPr>
-          <p:nvPr>
-            <p:ph type="sldNum" sz="quarter" idx="4"/>
-          </p:nvPr>
-        </p:nvSpPr>
-        <p:spPr/>
-        <p:txBody>
-          <a:bodyPr/>
-          <a:lstStyle/>
-          <a:p>
-            <a:fld id="{27F66E54-3627-4F35-8DF4-1F54E65EB408}" type="slidenum">
-              <a:rPr lang="en-US" smtClean="0"/>
-              <a:pPr/>
-              <a:t>37</a:t>
-            </a:fld>
-            <a:endParaRPr lang="en-US"/>
-          </a:p>
-        </p:txBody>
-      </p:sp>
     </p:spTree>
   </p:cSld>
   <p:clrMapOvr>
@@ -49379,12 +49664,12 @@
       </p:graphicFrame>
       <p:sp>
         <p:nvSpPr>
-          <p:cNvPr id="4" name="Slide Number Placeholder 3"/>
+          <p:cNvPr id="5" name="Footer Placeholder 4"/>
           <p:cNvSpPr>
             <a:spLocks noGrp="1"/>
           </p:cNvSpPr>
           <p:nvPr>
-            <p:ph type="sldNum" sz="quarter" idx="12"/>
+            <p:ph type="ftr" sz="quarter" idx="11"/>
           </p:nvPr>
         </p:nvSpPr>
         <p:spPr/>
@@ -49392,13 +49677,8 @@
           <a:bodyPr/>
           <a:lstStyle/>
           <a:p>
-            <a:r>
+            <a:fld id="{4B4D80DD-BB35-4D2B-A7DF-DD9DE7FC2B1B}" type="slidenum">
               <a:rPr lang="en-US" smtClean="0"/>
-              <a:t>Page </a:t>
-            </a:r>
-            <a:fld id="{B880891D-F623-43F5-8A70-E4D501C286D5}" type="slidenum">
-              <a:rPr lang="en-US" smtClean="0"/>
-              <a:pPr/>
               <a:t>4</a:t>
             </a:fld>
             <a:endParaRPr lang="en-US" dirty="0"/>
@@ -50150,12 +50430,12 @@
       </p:pic>
       <p:sp>
         <p:nvSpPr>
-          <p:cNvPr id="18" name="Slide Number Placeholder 17"/>
+          <p:cNvPr id="3" name="Footer Placeholder 2"/>
           <p:cNvSpPr>
             <a:spLocks noGrp="1"/>
           </p:cNvSpPr>
           <p:nvPr>
-            <p:ph type="sldNum" sz="quarter" idx="12"/>
+            <p:ph type="ftr" sz="quarter" idx="11"/>
           </p:nvPr>
         </p:nvSpPr>
         <p:spPr/>
@@ -50163,13 +50443,8 @@
           <a:bodyPr/>
           <a:lstStyle/>
           <a:p>
-            <a:r>
+            <a:fld id="{CF40C5CE-1A45-468F-9C37-B28C90C93765}" type="slidenum">
               <a:rPr lang="en-US" smtClean="0"/>
-              <a:t>Page </a:t>
-            </a:r>
-            <a:fld id="{B880891D-F623-43F5-8A70-E4D501C286D5}" type="slidenum">
-              <a:rPr lang="en-US" smtClean="0"/>
-              <a:pPr/>
               <a:t>5</a:t>
             </a:fld>
             <a:endParaRPr lang="en-US" dirty="0"/>
@@ -50627,7 +50902,6 @@
               <a:rPr lang="en-US" dirty="0"/>
               <a:t>The Existing System</a:t>
             </a:r>
-            <a:endParaRPr lang="en-US" dirty="0"/>
           </a:p>
         </p:txBody>
       </p:sp>
@@ -51520,6 +51794,15 @@
         <p:blipFill>
           <a:blip r:embed="rId4" cstate="print">
             <a:extLst>
+              <a:ext uri="{BEBA8EAE-BF5A-486C-A8C5-ECC9F3942E4B}">
+                <a14:imgProps xmlns:a14="http://schemas.microsoft.com/office/drawing/2010/main">
+                  <a14:imgLayer r:embed="rId5">
+                    <a14:imgEffect>
+                      <a14:backgroundRemoval t="10000" b="90000" l="10000" r="90000"/>
+                    </a14:imgEffect>
+                  </a14:imgLayer>
+                </a14:imgProps>
+              </a:ext>
               <a:ext uri="{28A0092B-C50C-407E-A947-70E740481C1C}">
                 <a14:useLocalDpi xmlns:a14="http://schemas.microsoft.com/office/drawing/2010/main" val="0"/>
               </a:ext>
@@ -51550,6 +51833,15 @@
         <p:blipFill>
           <a:blip r:embed="rId4" cstate="print">
             <a:extLst>
+              <a:ext uri="{BEBA8EAE-BF5A-486C-A8C5-ECC9F3942E4B}">
+                <a14:imgProps xmlns:a14="http://schemas.microsoft.com/office/drawing/2010/main">
+                  <a14:imgLayer r:embed="rId5">
+                    <a14:imgEffect>
+                      <a14:backgroundRemoval t="10000" b="90000" l="10000" r="90000"/>
+                    </a14:imgEffect>
+                  </a14:imgLayer>
+                </a14:imgProps>
+              </a:ext>
               <a:ext uri="{28A0092B-C50C-407E-A947-70E740481C1C}">
                 <a14:useLocalDpi xmlns:a14="http://schemas.microsoft.com/office/drawing/2010/main" val="0"/>
               </a:ext>
@@ -51580,6 +51872,15 @@
         <p:blipFill>
           <a:blip r:embed="rId4" cstate="print">
             <a:extLst>
+              <a:ext uri="{BEBA8EAE-BF5A-486C-A8C5-ECC9F3942E4B}">
+                <a14:imgProps xmlns:a14="http://schemas.microsoft.com/office/drawing/2010/main">
+                  <a14:imgLayer r:embed="rId5">
+                    <a14:imgEffect>
+                      <a14:backgroundRemoval t="10000" b="90000" l="10000" r="90000"/>
+                    </a14:imgEffect>
+                  </a14:imgLayer>
+                </a14:imgProps>
+              </a:ext>
               <a:ext uri="{28A0092B-C50C-407E-A947-70E740481C1C}">
                 <a14:useLocalDpi xmlns:a14="http://schemas.microsoft.com/office/drawing/2010/main" val="0"/>
               </a:ext>
@@ -51790,6 +52091,15 @@
         <p:blipFill>
           <a:blip r:embed="rId4" cstate="print">
             <a:extLst>
+              <a:ext uri="{BEBA8EAE-BF5A-486C-A8C5-ECC9F3942E4B}">
+                <a14:imgProps xmlns:a14="http://schemas.microsoft.com/office/drawing/2010/main">
+                  <a14:imgLayer r:embed="rId5">
+                    <a14:imgEffect>
+                      <a14:backgroundRemoval t="10000" b="90000" l="10000" r="90000"/>
+                    </a14:imgEffect>
+                  </a14:imgLayer>
+                </a14:imgProps>
+              </a:ext>
               <a:ext uri="{28A0092B-C50C-407E-A947-70E740481C1C}">
                 <a14:useLocalDpi xmlns:a14="http://schemas.microsoft.com/office/drawing/2010/main" val="0"/>
               </a:ext>
@@ -51809,6 +52119,29 @@
           </a:prstGeom>
         </p:spPr>
       </p:pic>
+      <p:sp>
+        <p:nvSpPr>
+          <p:cNvPr id="4" name="Footer Placeholder 3"/>
+          <p:cNvSpPr>
+            <a:spLocks noGrp="1"/>
+          </p:cNvSpPr>
+          <p:nvPr>
+            <p:ph type="ftr" sz="quarter" idx="11"/>
+          </p:nvPr>
+        </p:nvSpPr>
+        <p:spPr/>
+        <p:txBody>
+          <a:bodyPr/>
+          <a:lstStyle/>
+          <a:p>
+            <a:fld id="{5712DB61-2C4A-4C0F-BBDA-88D1D280613E}" type="slidenum">
+              <a:rPr lang="en-US" smtClean="0"/>
+              <a:t>6</a:t>
+            </a:fld>
+            <a:endParaRPr lang="en-US" dirty="0"/>
+          </a:p>
+        </p:txBody>
+      </p:sp>
     </p:spTree>
     <p:extLst>
       <p:ext uri="{BB962C8B-B14F-4D97-AF65-F5344CB8AC3E}">
@@ -52728,12 +53061,12 @@
       </p:graphicFrame>
       <p:sp>
         <p:nvSpPr>
-          <p:cNvPr id="4" name="Slide Number Placeholder 3"/>
+          <p:cNvPr id="5" name="Footer Placeholder 4"/>
           <p:cNvSpPr>
             <a:spLocks noGrp="1"/>
           </p:cNvSpPr>
           <p:nvPr>
-            <p:ph type="sldNum" sz="quarter" idx="12"/>
+            <p:ph type="ftr" sz="quarter" idx="11"/>
           </p:nvPr>
         </p:nvSpPr>
         <p:spPr/>
@@ -52741,13 +53074,8 @@
           <a:bodyPr/>
           <a:lstStyle/>
           <a:p>
-            <a:r>
+            <a:fld id="{5C408887-A8A6-4E8A-A7CD-0C0F04D2AA70}" type="slidenum">
               <a:rPr lang="en-US" smtClean="0"/>
-              <a:t>Page </a:t>
-            </a:r>
-            <a:fld id="{B880891D-F623-43F5-8A70-E4D501C286D5}" type="slidenum">
-              <a:rPr lang="en-US" smtClean="0"/>
-              <a:pPr/>
               <a:t>7</a:t>
             </a:fld>
             <a:endParaRPr lang="en-US" dirty="0"/>
@@ -52974,12 +53302,12 @@
       </p:sp>
       <p:sp>
         <p:nvSpPr>
-          <p:cNvPr id="8" name="Slide Number Placeholder 7"/>
+          <p:cNvPr id="4" name="Footer Placeholder 3"/>
           <p:cNvSpPr>
             <a:spLocks noGrp="1"/>
           </p:cNvSpPr>
           <p:nvPr>
-            <p:ph type="sldNum" sz="quarter" idx="12"/>
+            <p:ph type="ftr" sz="quarter" idx="11"/>
           </p:nvPr>
         </p:nvSpPr>
         <p:spPr/>
@@ -52988,14 +53316,9 @@
           <a:lstStyle/>
           <a:p>
             <a:r>
-              <a:rPr lang="en-US" smtClean="0"/>
-              <a:t>Page </a:t>
-            </a:r>
-            <a:fld id="{B880891D-F623-43F5-8A70-E4D501C286D5}" type="slidenum">
-              <a:rPr lang="en-US" smtClean="0"/>
-              <a:pPr/>
+              <a:rPr lang="en-US" dirty="0" smtClean="0"/>
               <a:t>8</a:t>
-            </a:fld>
+            </a:r>
             <a:endParaRPr lang="en-US" dirty="0"/>
           </a:p>
         </p:txBody>
@@ -53226,12 +53549,12 @@
       </p:sp>
       <p:sp>
         <p:nvSpPr>
-          <p:cNvPr id="7" name="Slide Number Placeholder 6"/>
+          <p:cNvPr id="8" name="Footer Placeholder 7"/>
           <p:cNvSpPr>
             <a:spLocks noGrp="1"/>
           </p:cNvSpPr>
           <p:nvPr>
-            <p:ph type="sldNum" sz="quarter" idx="12"/>
+            <p:ph type="ftr" sz="quarter" idx="11"/>
           </p:nvPr>
         </p:nvSpPr>
         <p:spPr/>
@@ -53240,14 +53563,9 @@
           <a:lstStyle/>
           <a:p>
             <a:r>
-              <a:rPr lang="en-US" smtClean="0"/>
-              <a:t>Page </a:t>
-            </a:r>
-            <a:fld id="{B880891D-F623-43F5-8A70-E4D501C286D5}" type="slidenum">
-              <a:rPr lang="en-US" smtClean="0"/>
-              <a:pPr/>
+              <a:rPr lang="en-US" dirty="0" smtClean="0"/>
               <a:t>9</a:t>
-            </a:fld>
+            </a:r>
             <a:endParaRPr lang="en-US" dirty="0"/>
           </a:p>
         </p:txBody>

--- a/Document/Final report/Slide Present E-Learning.pptx
+++ b/Document/Final report/Slide Present E-Learning.pptx
@@ -6966,19 +6966,19 @@
     </dgm:pt>
   </dgm:ptLst>
   <dgm:cxnLst>
+    <dgm:cxn modelId="{6E67C4D2-80C6-4247-8241-64EA5611C932}" type="presOf" srcId="{9E8C6084-CE2A-466B-A967-47F6FBABEA09}" destId="{BC473F38-5C3F-4B9A-9E50-8E2A00344178}" srcOrd="0" destOrd="0" presId="urn:microsoft.com/office/officeart/2005/8/layout/cycle1"/>
+    <dgm:cxn modelId="{659D4042-7B35-47CB-895E-3F297EA888E2}" type="presOf" srcId="{34BD85C1-B27C-446E-87D3-5D521284A9D2}" destId="{72325E4A-8AA1-4295-86D7-8B07CDB62C5B}" srcOrd="0" destOrd="0" presId="urn:microsoft.com/office/officeart/2005/8/layout/cycle1"/>
     <dgm:cxn modelId="{57AEC4E1-E39B-40BF-A759-05D82CB95A28}" type="presOf" srcId="{0147D4AA-4E15-49E6-A25A-8CD4A35CBFC0}" destId="{2D292C3A-67B0-478E-BF8A-7F0ABB29F864}" srcOrd="0" destOrd="0" presId="urn:microsoft.com/office/officeart/2005/8/layout/cycle1"/>
+    <dgm:cxn modelId="{5BCA9373-7645-4CF4-9146-7F1C0CF5BB64}" type="presOf" srcId="{676731DC-6C25-4BF6-8EF8-176FB71AC90F}" destId="{273E354B-5C77-4A97-B343-41170B6E2412}" srcOrd="0" destOrd="0" presId="urn:microsoft.com/office/officeart/2005/8/layout/cycle1"/>
+    <dgm:cxn modelId="{3EF01423-FB7C-4617-9F73-ED9750A75CAB}" type="presOf" srcId="{2DABDF10-2BB6-4291-835C-5F8B0164934C}" destId="{5979FF20-98E1-4391-BBF7-7F88B24DB2DD}" srcOrd="0" destOrd="0" presId="urn:microsoft.com/office/officeart/2005/8/layout/cycle1"/>
+    <dgm:cxn modelId="{DF7C7B9C-3130-40D9-A675-3451F18E2BA6}" type="presOf" srcId="{67AE712E-3238-46F4-9629-C594F88C428F}" destId="{59B7501A-AFE5-4EA0-B7A8-90C6CA2B9A3D}" srcOrd="0" destOrd="0" presId="urn:microsoft.com/office/officeart/2005/8/layout/cycle1"/>
+    <dgm:cxn modelId="{7C03B323-AACC-48EC-A03A-D6E7CF74182A}" type="presOf" srcId="{4A225F51-0ADF-4A8B-A2D6-7AF3BC8CF1BA}" destId="{6F7BB53F-EE28-4DC0-B3DC-1F944FE1B6FA}" srcOrd="0" destOrd="0" presId="urn:microsoft.com/office/officeart/2005/8/layout/cycle1"/>
+    <dgm:cxn modelId="{CAA8EFFA-73EA-4D93-AF5B-0C2B8D1901A5}" type="presOf" srcId="{B9B6B5B9-A383-4A5E-A39C-6297B835C37B}" destId="{9EB40CAE-1534-45F7-921E-D7F77DEEE6D1}" srcOrd="0" destOrd="0" presId="urn:microsoft.com/office/officeart/2005/8/layout/cycle1"/>
+    <dgm:cxn modelId="{6DC0B433-6BCC-48B8-8319-F0266F3863E1}" srcId="{DFA9B5E4-DF69-43ED-8F65-4EAAEBC2EE53}" destId="{0147D4AA-4E15-49E6-A25A-8CD4A35CBFC0}" srcOrd="3" destOrd="0" parTransId="{32CD8CBE-1D99-415C-80B9-54C68ED4CB0C}" sibTransId="{9E8C6084-CE2A-466B-A967-47F6FBABEA09}"/>
     <dgm:cxn modelId="{D49908A6-7D37-45A9-A97A-404DB2A08845}" srcId="{DFA9B5E4-DF69-43ED-8F65-4EAAEBC2EE53}" destId="{B9B6B5B9-A383-4A5E-A39C-6297B835C37B}" srcOrd="1" destOrd="0" parTransId="{C1E3E11F-4466-488A-8FC0-764483D0AA4C}" sibTransId="{676731DC-6C25-4BF6-8EF8-176FB71AC90F}"/>
-    <dgm:cxn modelId="{659D4042-7B35-47CB-895E-3F297EA888E2}" type="presOf" srcId="{34BD85C1-B27C-446E-87D3-5D521284A9D2}" destId="{72325E4A-8AA1-4295-86D7-8B07CDB62C5B}" srcOrd="0" destOrd="0" presId="urn:microsoft.com/office/officeart/2005/8/layout/cycle1"/>
-    <dgm:cxn modelId="{6DC0B433-6BCC-48B8-8319-F0266F3863E1}" srcId="{DFA9B5E4-DF69-43ED-8F65-4EAAEBC2EE53}" destId="{0147D4AA-4E15-49E6-A25A-8CD4A35CBFC0}" srcOrd="3" destOrd="0" parTransId="{32CD8CBE-1D99-415C-80B9-54C68ED4CB0C}" sibTransId="{9E8C6084-CE2A-466B-A967-47F6FBABEA09}"/>
-    <dgm:cxn modelId="{3EF01423-FB7C-4617-9F73-ED9750A75CAB}" type="presOf" srcId="{2DABDF10-2BB6-4291-835C-5F8B0164934C}" destId="{5979FF20-98E1-4391-BBF7-7F88B24DB2DD}" srcOrd="0" destOrd="0" presId="urn:microsoft.com/office/officeart/2005/8/layout/cycle1"/>
-    <dgm:cxn modelId="{7C03B323-AACC-48EC-A03A-D6E7CF74182A}" type="presOf" srcId="{4A225F51-0ADF-4A8B-A2D6-7AF3BC8CF1BA}" destId="{6F7BB53F-EE28-4DC0-B3DC-1F944FE1B6FA}" srcOrd="0" destOrd="0" presId="urn:microsoft.com/office/officeart/2005/8/layout/cycle1"/>
+    <dgm:cxn modelId="{8D8CF064-9ECD-4B14-822A-874FB4D52420}" srcId="{DFA9B5E4-DF69-43ED-8F65-4EAAEBC2EE53}" destId="{67AE712E-3238-46F4-9629-C594F88C428F}" srcOrd="2" destOrd="0" parTransId="{DA07E244-7E52-4969-9E19-575A4A826AAB}" sibTransId="{2DABDF10-2BB6-4291-835C-5F8B0164934C}"/>
+    <dgm:cxn modelId="{06FAD51A-C087-4BC9-A140-F3F6D944C997}" type="presOf" srcId="{DFA9B5E4-DF69-43ED-8F65-4EAAEBC2EE53}" destId="{7423B5FF-E8AD-4E98-91F0-79AF73CCEE33}" srcOrd="0" destOrd="0" presId="urn:microsoft.com/office/officeart/2005/8/layout/cycle1"/>
     <dgm:cxn modelId="{9CFF92F9-F367-4B26-AF43-9C1BBE37AA5E}" srcId="{DFA9B5E4-DF69-43ED-8F65-4EAAEBC2EE53}" destId="{4A225F51-0ADF-4A8B-A2D6-7AF3BC8CF1BA}" srcOrd="0" destOrd="0" parTransId="{0DF62D19-45E5-4083-B2C8-CA5C840DFCBF}" sibTransId="{34BD85C1-B27C-446E-87D3-5D521284A9D2}"/>
-    <dgm:cxn modelId="{5BCA9373-7645-4CF4-9146-7F1C0CF5BB64}" type="presOf" srcId="{676731DC-6C25-4BF6-8EF8-176FB71AC90F}" destId="{273E354B-5C77-4A97-B343-41170B6E2412}" srcOrd="0" destOrd="0" presId="urn:microsoft.com/office/officeart/2005/8/layout/cycle1"/>
-    <dgm:cxn modelId="{CAA8EFFA-73EA-4D93-AF5B-0C2B8D1901A5}" type="presOf" srcId="{B9B6B5B9-A383-4A5E-A39C-6297B835C37B}" destId="{9EB40CAE-1534-45F7-921E-D7F77DEEE6D1}" srcOrd="0" destOrd="0" presId="urn:microsoft.com/office/officeart/2005/8/layout/cycle1"/>
-    <dgm:cxn modelId="{06FAD51A-C087-4BC9-A140-F3F6D944C997}" type="presOf" srcId="{DFA9B5E4-DF69-43ED-8F65-4EAAEBC2EE53}" destId="{7423B5FF-E8AD-4E98-91F0-79AF73CCEE33}" srcOrd="0" destOrd="0" presId="urn:microsoft.com/office/officeart/2005/8/layout/cycle1"/>
-    <dgm:cxn modelId="{6E67C4D2-80C6-4247-8241-64EA5611C932}" type="presOf" srcId="{9E8C6084-CE2A-466B-A967-47F6FBABEA09}" destId="{BC473F38-5C3F-4B9A-9E50-8E2A00344178}" srcOrd="0" destOrd="0" presId="urn:microsoft.com/office/officeart/2005/8/layout/cycle1"/>
-    <dgm:cxn modelId="{8D8CF064-9ECD-4B14-822A-874FB4D52420}" srcId="{DFA9B5E4-DF69-43ED-8F65-4EAAEBC2EE53}" destId="{67AE712E-3238-46F4-9629-C594F88C428F}" srcOrd="2" destOrd="0" parTransId="{DA07E244-7E52-4969-9E19-575A4A826AAB}" sibTransId="{2DABDF10-2BB6-4291-835C-5F8B0164934C}"/>
-    <dgm:cxn modelId="{DF7C7B9C-3130-40D9-A675-3451F18E2BA6}" type="presOf" srcId="{67AE712E-3238-46F4-9629-C594F88C428F}" destId="{59B7501A-AFE5-4EA0-B7A8-90C6CA2B9A3D}" srcOrd="0" destOrd="0" presId="urn:microsoft.com/office/officeart/2005/8/layout/cycle1"/>
     <dgm:cxn modelId="{A9DA188C-6DE3-478C-8451-7F743E0AFD12}" type="presParOf" srcId="{7423B5FF-E8AD-4E98-91F0-79AF73CCEE33}" destId="{3D680A36-99EC-4A92-AC49-1CB3465B2D40}" srcOrd="0" destOrd="0" presId="urn:microsoft.com/office/officeart/2005/8/layout/cycle1"/>
     <dgm:cxn modelId="{1B173123-E361-49D5-853F-BE470C8A0BBC}" type="presParOf" srcId="{7423B5FF-E8AD-4E98-91F0-79AF73CCEE33}" destId="{6F7BB53F-EE28-4DC0-B3DC-1F944FE1B6FA}" srcOrd="1" destOrd="0" presId="urn:microsoft.com/office/officeart/2005/8/layout/cycle1"/>
     <dgm:cxn modelId="{DADB92BC-78AD-4210-86E7-5B909CC7EF92}" type="presParOf" srcId="{7423B5FF-E8AD-4E98-91F0-79AF73CCEE33}" destId="{72325E4A-8AA1-4295-86D7-8B07CDB62C5B}" srcOrd="2" destOrd="0" presId="urn:microsoft.com/office/officeart/2005/8/layout/cycle1"/>
@@ -11073,603 +11073,6 @@
       <dsp:cNvGrpSpPr/>
     </dsp:nvGrpSpPr>
     <dsp:grpSpPr/>
-    <dsp:sp modelId="{BB84DB34-BA67-4F32-ADA4-2380B8C83095}">
-      <dsp:nvSpPr>
-        <dsp:cNvPr id="0" name=""/>
-        <dsp:cNvSpPr/>
-      </dsp:nvSpPr>
-      <dsp:spPr>
-        <a:xfrm>
-          <a:off x="0" y="0"/>
-          <a:ext cx="8458200" cy="1523999"/>
-        </a:xfrm>
-        <a:prstGeom prst="roundRect">
-          <a:avLst>
-            <a:gd name="adj" fmla="val 10000"/>
-          </a:avLst>
-        </a:prstGeom>
-        <a:solidFill>
-          <a:schemeClr val="accent2">
-            <a:hueOff val="0"/>
-            <a:satOff val="0"/>
-            <a:lumOff val="0"/>
-            <a:alphaOff val="0"/>
-          </a:schemeClr>
-        </a:solidFill>
-        <a:ln w="25400" cap="flat" cmpd="sng" algn="ctr">
-          <a:solidFill>
-            <a:schemeClr val="lt1">
-              <a:hueOff val="0"/>
-              <a:satOff val="0"/>
-              <a:lumOff val="0"/>
-              <a:alphaOff val="0"/>
-            </a:schemeClr>
-          </a:solidFill>
-          <a:prstDash val="solid"/>
-        </a:ln>
-        <a:effectLst/>
-      </dsp:spPr>
-      <dsp:style>
-        <a:lnRef idx="2">
-          <a:scrgbClr r="0" g="0" b="0"/>
-        </a:lnRef>
-        <a:fillRef idx="1">
-          <a:scrgbClr r="0" g="0" b="0"/>
-        </a:fillRef>
-        <a:effectRef idx="0">
-          <a:scrgbClr r="0" g="0" b="0"/>
-        </a:effectRef>
-        <a:fontRef idx="minor">
-          <a:schemeClr val="lt1"/>
-        </a:fontRef>
-      </dsp:style>
-      <dsp:txBody>
-        <a:bodyPr spcFirstLastPara="0" vert="horz" wrap="square" lIns="91440" tIns="91440" rIns="91440" bIns="91440" numCol="1" spcCol="1270" anchor="ctr" anchorCtr="0">
-          <a:noAutofit/>
-        </a:bodyPr>
-        <a:lstStyle/>
-        <a:p>
-          <a:pPr lvl="0" algn="l" defTabSz="1066800">
-            <a:lnSpc>
-              <a:spcPct val="90000"/>
-            </a:lnSpc>
-            <a:spcBef>
-              <a:spcPct val="0"/>
-            </a:spcBef>
-            <a:spcAft>
-              <a:spcPct val="35000"/>
-            </a:spcAft>
-          </a:pPr>
-          <a:r>
-            <a:rPr lang="en-US" sz="2400" b="1" kern="1200" dirty="0" smtClean="0">
-              <a:latin typeface="Corbel (Body)"/>
-            </a:rPr>
-            <a:t>Maintainability</a:t>
-          </a:r>
-          <a:endParaRPr lang="en-US" sz="1900" b="1" kern="1200" dirty="0" smtClean="0">
-            <a:latin typeface="Corbel (Body)"/>
-          </a:endParaRPr>
-        </a:p>
-        <a:p>
-          <a:pPr lvl="0" algn="l" defTabSz="1066800">
-            <a:lnSpc>
-              <a:spcPct val="90000"/>
-            </a:lnSpc>
-            <a:spcBef>
-              <a:spcPct val="0"/>
-            </a:spcBef>
-            <a:spcAft>
-              <a:spcPct val="35000"/>
-            </a:spcAft>
-          </a:pPr>
-          <a:r>
-            <a:rPr lang="en-US" sz="1600" b="1" kern="1200" dirty="0" smtClean="0">
-              <a:latin typeface="Corbel (Body)"/>
-            </a:rPr>
-            <a:t>Changeability</a:t>
-          </a:r>
-          <a:r>
-            <a:rPr lang="en-US" sz="1600" b="0" kern="1200" dirty="0" smtClean="0">
-              <a:latin typeface="Corbel (Body)"/>
-            </a:rPr>
-            <a:t>: Function coded as component of </a:t>
-          </a:r>
-          <a:r>
-            <a:rPr lang="en-US" sz="1600" b="0" kern="1200" dirty="0" err="1" smtClean="0">
-              <a:latin typeface="Corbel (Body)"/>
-            </a:rPr>
-            <a:t>Joomla</a:t>
-          </a:r>
-          <a:r>
-            <a:rPr lang="en-US" sz="1600" b="0" kern="1200" dirty="0" smtClean="0">
-              <a:latin typeface="Corbel (Body)"/>
-            </a:rPr>
-            <a:t>, easy to edit.</a:t>
-          </a:r>
-        </a:p>
-        <a:p>
-          <a:pPr lvl="0" algn="l" defTabSz="1066800">
-            <a:lnSpc>
-              <a:spcPct val="90000"/>
-            </a:lnSpc>
-            <a:spcBef>
-              <a:spcPct val="0"/>
-            </a:spcBef>
-            <a:spcAft>
-              <a:spcPct val="35000"/>
-            </a:spcAft>
-          </a:pPr>
-          <a:r>
-            <a:rPr lang="en-US" sz="1600" b="1" kern="1200" dirty="0" smtClean="0">
-              <a:latin typeface="Corbel (Body)"/>
-            </a:rPr>
-            <a:t>Analyzability</a:t>
-          </a:r>
-          <a:r>
-            <a:rPr lang="en-US" sz="1600" b="0" kern="1200" dirty="0" smtClean="0">
-              <a:latin typeface="Corbel (Body)"/>
-            </a:rPr>
-            <a:t>: Having comment codes to help figure out.</a:t>
-          </a:r>
-          <a:endParaRPr lang="en-US" sz="1600" b="0" kern="1200" dirty="0">
-            <a:latin typeface="Corbel (Body)"/>
-          </a:endParaRPr>
-        </a:p>
-      </dsp:txBody>
-      <dsp:txXfrm>
-        <a:off x="1844040" y="0"/>
-        <a:ext cx="6614160" cy="1523999"/>
-      </dsp:txXfrm>
-    </dsp:sp>
-    <dsp:sp modelId="{BEEFFAAC-A8CD-4433-8EDA-5737C85AB46F}">
-      <dsp:nvSpPr>
-        <dsp:cNvPr id="0" name=""/>
-        <dsp:cNvSpPr/>
-      </dsp:nvSpPr>
-      <dsp:spPr>
-        <a:xfrm>
-          <a:off x="152400" y="152399"/>
-          <a:ext cx="1691640" cy="1219199"/>
-        </a:xfrm>
-        <a:prstGeom prst="roundRect">
-          <a:avLst>
-            <a:gd name="adj" fmla="val 10000"/>
-          </a:avLst>
-        </a:prstGeom>
-        <a:blipFill>
-          <a:blip xmlns:r="http://schemas.openxmlformats.org/officeDocument/2006/relationships" r:embed="rId1">
-            <a:extLst>
-              <a:ext uri="{28A0092B-C50C-407E-A947-70E740481C1C}">
-                <a14:useLocalDpi xmlns:a14="http://schemas.microsoft.com/office/drawing/2010/main" val="0"/>
-              </a:ext>
-            </a:extLst>
-          </a:blip>
-          <a:srcRect/>
-          <a:stretch>
-            <a:fillRect t="-10000" b="-10000"/>
-          </a:stretch>
-        </a:blipFill>
-        <a:ln w="25400" cap="flat" cmpd="sng" algn="ctr">
-          <a:solidFill>
-            <a:schemeClr val="lt1">
-              <a:hueOff val="0"/>
-              <a:satOff val="0"/>
-              <a:lumOff val="0"/>
-              <a:alphaOff val="0"/>
-            </a:schemeClr>
-          </a:solidFill>
-          <a:prstDash val="solid"/>
-        </a:ln>
-        <a:effectLst/>
-      </dsp:spPr>
-      <dsp:style>
-        <a:lnRef idx="2">
-          <a:scrgbClr r="0" g="0" b="0"/>
-        </a:lnRef>
-        <a:fillRef idx="1">
-          <a:scrgbClr r="0" g="0" b="0"/>
-        </a:fillRef>
-        <a:effectRef idx="0">
-          <a:scrgbClr r="0" g="0" b="0"/>
-        </a:effectRef>
-        <a:fontRef idx="minor"/>
-      </dsp:style>
-    </dsp:sp>
-    <dsp:sp modelId="{FF610F31-FA87-446D-9CFF-9000735AAD62}">
-      <dsp:nvSpPr>
-        <dsp:cNvPr id="0" name=""/>
-        <dsp:cNvSpPr/>
-      </dsp:nvSpPr>
-      <dsp:spPr>
-        <a:xfrm>
-          <a:off x="0" y="1676399"/>
-          <a:ext cx="8458200" cy="1523999"/>
-        </a:xfrm>
-        <a:prstGeom prst="roundRect">
-          <a:avLst>
-            <a:gd name="adj" fmla="val 10000"/>
-          </a:avLst>
-        </a:prstGeom>
-        <a:solidFill>
-          <a:schemeClr val="accent3">
-            <a:hueOff val="0"/>
-            <a:satOff val="0"/>
-            <a:lumOff val="0"/>
-            <a:alphaOff val="0"/>
-          </a:schemeClr>
-        </a:solidFill>
-        <a:ln w="25400" cap="flat" cmpd="sng" algn="ctr">
-          <a:solidFill>
-            <a:schemeClr val="lt1">
-              <a:hueOff val="0"/>
-              <a:satOff val="0"/>
-              <a:lumOff val="0"/>
-              <a:alphaOff val="0"/>
-            </a:schemeClr>
-          </a:solidFill>
-          <a:prstDash val="solid"/>
-        </a:ln>
-        <a:effectLst/>
-      </dsp:spPr>
-      <dsp:style>
-        <a:lnRef idx="2">
-          <a:scrgbClr r="0" g="0" b="0"/>
-        </a:lnRef>
-        <a:fillRef idx="1">
-          <a:scrgbClr r="0" g="0" b="0"/>
-        </a:fillRef>
-        <a:effectRef idx="0">
-          <a:scrgbClr r="0" g="0" b="0"/>
-        </a:effectRef>
-        <a:fontRef idx="minor">
-          <a:schemeClr val="lt1"/>
-        </a:fontRef>
-      </dsp:style>
-      <dsp:txBody>
-        <a:bodyPr spcFirstLastPara="0" vert="horz" wrap="square" lIns="91440" tIns="91440" rIns="91440" bIns="91440" numCol="1" spcCol="1270" anchor="ctr" anchorCtr="0">
-          <a:noAutofit/>
-        </a:bodyPr>
-        <a:lstStyle/>
-        <a:p>
-          <a:pPr lvl="0" algn="l" defTabSz="1066800">
-            <a:lnSpc>
-              <a:spcPct val="90000"/>
-            </a:lnSpc>
-            <a:spcBef>
-              <a:spcPct val="0"/>
-            </a:spcBef>
-            <a:spcAft>
-              <a:spcPct val="35000"/>
-            </a:spcAft>
-          </a:pPr>
-          <a:r>
-            <a:rPr lang="en-US" sz="2400" b="1" kern="1200" dirty="0" smtClean="0">
-              <a:latin typeface="Corbel (Body)"/>
-            </a:rPr>
-            <a:t>Usability</a:t>
-          </a:r>
-          <a:endParaRPr lang="en-US" sz="1800" b="1" kern="1200" dirty="0" smtClean="0">
-            <a:latin typeface="Corbel (Body)"/>
-          </a:endParaRPr>
-        </a:p>
-        <a:p>
-          <a:pPr lvl="0" algn="l" defTabSz="1066800">
-            <a:lnSpc>
-              <a:spcPct val="90000"/>
-            </a:lnSpc>
-            <a:spcBef>
-              <a:spcPct val="0"/>
-            </a:spcBef>
-            <a:spcAft>
-              <a:spcPct val="35000"/>
-            </a:spcAft>
-          </a:pPr>
-          <a:r>
-            <a:rPr lang="en-US" sz="1400" b="1" kern="1200" dirty="0" smtClean="0">
-              <a:latin typeface="Corbel (Body)"/>
-            </a:rPr>
-            <a:t>Learnability</a:t>
-          </a:r>
-          <a:r>
-            <a:rPr lang="en-US" sz="1400" b="0" kern="1200" dirty="0" smtClean="0">
-              <a:latin typeface="Corbel (Body)"/>
-            </a:rPr>
-            <a:t>: Content and Question design easy to study with high school student.</a:t>
-          </a:r>
-        </a:p>
-        <a:p>
-          <a:pPr lvl="0" algn="l" defTabSz="1066800">
-            <a:lnSpc>
-              <a:spcPct val="90000"/>
-            </a:lnSpc>
-            <a:spcBef>
-              <a:spcPct val="0"/>
-            </a:spcBef>
-            <a:spcAft>
-              <a:spcPct val="35000"/>
-            </a:spcAft>
-          </a:pPr>
-          <a:r>
-            <a:rPr lang="en-US" sz="1400" b="1" kern="1200" dirty="0" smtClean="0">
-              <a:latin typeface="Corbel (Body)"/>
-            </a:rPr>
-            <a:t>Understandability</a:t>
-          </a:r>
-          <a:r>
-            <a:rPr lang="en-US" sz="1400" b="0" kern="1200" dirty="0" smtClean="0">
-              <a:latin typeface="Corbel (Body)"/>
-            </a:rPr>
-            <a:t>: Control in front page has small numbers and clear meaning.</a:t>
-          </a:r>
-          <a:endParaRPr lang="en-US" sz="1400" b="0" kern="1200" dirty="0">
-            <a:latin typeface="Corbel (Body)"/>
-          </a:endParaRPr>
-        </a:p>
-      </dsp:txBody>
-      <dsp:txXfrm>
-        <a:off x="1844040" y="1676399"/>
-        <a:ext cx="6614160" cy="1523999"/>
-      </dsp:txXfrm>
-    </dsp:sp>
-    <dsp:sp modelId="{5D1ADF10-2035-412E-BD2F-4CE3F3CD30BA}">
-      <dsp:nvSpPr>
-        <dsp:cNvPr id="0" name=""/>
-        <dsp:cNvSpPr/>
-      </dsp:nvSpPr>
-      <dsp:spPr>
-        <a:xfrm>
-          <a:off x="152400" y="1828799"/>
-          <a:ext cx="1691640" cy="1219199"/>
-        </a:xfrm>
-        <a:prstGeom prst="roundRect">
-          <a:avLst>
-            <a:gd name="adj" fmla="val 10000"/>
-          </a:avLst>
-        </a:prstGeom>
-        <a:blipFill>
-          <a:blip xmlns:r="http://schemas.openxmlformats.org/officeDocument/2006/relationships" r:embed="rId2" cstate="print">
-            <a:extLst>
-              <a:ext uri="{28A0092B-C50C-407E-A947-70E740481C1C}">
-                <a14:useLocalDpi xmlns:a14="http://schemas.microsoft.com/office/drawing/2010/main" val="0"/>
-              </a:ext>
-            </a:extLst>
-          </a:blip>
-          <a:srcRect/>
-          <a:stretch>
-            <a:fillRect t="-1000" b="-1000"/>
-          </a:stretch>
-        </a:blipFill>
-        <a:ln w="25400" cap="flat" cmpd="sng" algn="ctr">
-          <a:solidFill>
-            <a:schemeClr val="lt1">
-              <a:hueOff val="0"/>
-              <a:satOff val="0"/>
-              <a:lumOff val="0"/>
-              <a:alphaOff val="0"/>
-            </a:schemeClr>
-          </a:solidFill>
-          <a:prstDash val="solid"/>
-        </a:ln>
-        <a:effectLst/>
-      </dsp:spPr>
-      <dsp:style>
-        <a:lnRef idx="2">
-          <a:scrgbClr r="0" g="0" b="0"/>
-        </a:lnRef>
-        <a:fillRef idx="1">
-          <a:scrgbClr r="0" g="0" b="0"/>
-        </a:fillRef>
-        <a:effectRef idx="0">
-          <a:scrgbClr r="0" g="0" b="0"/>
-        </a:effectRef>
-        <a:fontRef idx="minor"/>
-      </dsp:style>
-    </dsp:sp>
-    <dsp:sp modelId="{B38D2954-72D7-492A-A848-44DFE336F0E0}">
-      <dsp:nvSpPr>
-        <dsp:cNvPr id="0" name=""/>
-        <dsp:cNvSpPr/>
-      </dsp:nvSpPr>
-      <dsp:spPr>
-        <a:xfrm>
-          <a:off x="0" y="3352799"/>
-          <a:ext cx="8458200" cy="1523999"/>
-        </a:xfrm>
-        <a:prstGeom prst="roundRect">
-          <a:avLst>
-            <a:gd name="adj" fmla="val 10000"/>
-          </a:avLst>
-        </a:prstGeom>
-        <a:solidFill>
-          <a:schemeClr val="accent4">
-            <a:hueOff val="0"/>
-            <a:satOff val="0"/>
-            <a:lumOff val="0"/>
-            <a:alphaOff val="0"/>
-          </a:schemeClr>
-        </a:solidFill>
-        <a:ln w="25400" cap="flat" cmpd="sng" algn="ctr">
-          <a:solidFill>
-            <a:schemeClr val="lt1">
-              <a:hueOff val="0"/>
-              <a:satOff val="0"/>
-              <a:lumOff val="0"/>
-              <a:alphaOff val="0"/>
-            </a:schemeClr>
-          </a:solidFill>
-          <a:prstDash val="solid"/>
-        </a:ln>
-        <a:effectLst/>
-      </dsp:spPr>
-      <dsp:style>
-        <a:lnRef idx="2">
-          <a:scrgbClr r="0" g="0" b="0"/>
-        </a:lnRef>
-        <a:fillRef idx="1">
-          <a:scrgbClr r="0" g="0" b="0"/>
-        </a:fillRef>
-        <a:effectRef idx="0">
-          <a:scrgbClr r="0" g="0" b="0"/>
-        </a:effectRef>
-        <a:fontRef idx="minor">
-          <a:schemeClr val="lt1"/>
-        </a:fontRef>
-      </dsp:style>
-      <dsp:txBody>
-        <a:bodyPr spcFirstLastPara="0" vert="horz" wrap="square" lIns="91440" tIns="91440" rIns="91440" bIns="91440" numCol="1" spcCol="1270" anchor="ctr" anchorCtr="0">
-          <a:noAutofit/>
-        </a:bodyPr>
-        <a:lstStyle/>
-        <a:p>
-          <a:pPr lvl="0" algn="l" defTabSz="1066800">
-            <a:lnSpc>
-              <a:spcPct val="90000"/>
-            </a:lnSpc>
-            <a:spcBef>
-              <a:spcPct val="0"/>
-            </a:spcBef>
-            <a:spcAft>
-              <a:spcPct val="35000"/>
-            </a:spcAft>
-          </a:pPr>
-          <a:r>
-            <a:rPr lang="en-US" sz="2400" b="1" kern="1200" dirty="0" smtClean="0">
-              <a:latin typeface="Corbel (Body)"/>
-            </a:rPr>
-            <a:t>Portability</a:t>
-          </a:r>
-          <a:endParaRPr lang="en-US" sz="1800" b="1" kern="1200" dirty="0" smtClean="0">
-            <a:latin typeface="Corbel (Body)"/>
-          </a:endParaRPr>
-        </a:p>
-        <a:p>
-          <a:pPr lvl="0" algn="l" defTabSz="1066800">
-            <a:lnSpc>
-              <a:spcPct val="90000"/>
-            </a:lnSpc>
-            <a:spcBef>
-              <a:spcPct val="0"/>
-            </a:spcBef>
-            <a:spcAft>
-              <a:spcPct val="35000"/>
-            </a:spcAft>
-          </a:pPr>
-          <a:r>
-            <a:rPr lang="en-US" sz="1400" b="1" kern="1200" dirty="0" smtClean="0">
-              <a:latin typeface="Corbel (Body)"/>
-            </a:rPr>
-            <a:t>Adaptability</a:t>
-          </a:r>
-          <a:r>
-            <a:rPr lang="en-US" sz="1400" b="0" kern="1200" dirty="0" smtClean="0">
-              <a:latin typeface="Corbel (Body)"/>
-            </a:rPr>
-            <a:t>: Using PHP to develop, can use in many </a:t>
-          </a:r>
-          <a:r>
-            <a:rPr lang="en-US" sz="1400" b="0" kern="1200" dirty="0" err="1" smtClean="0">
-              <a:latin typeface="Corbel (Body)"/>
-            </a:rPr>
-            <a:t>plattform</a:t>
-          </a:r>
-          <a:endParaRPr lang="en-US" sz="1400" b="0" kern="1200" dirty="0" smtClean="0">
-            <a:latin typeface="Corbel (Body)"/>
-          </a:endParaRPr>
-        </a:p>
-        <a:p>
-          <a:pPr lvl="0" algn="l" defTabSz="1066800">
-            <a:lnSpc>
-              <a:spcPct val="90000"/>
-            </a:lnSpc>
-            <a:spcBef>
-              <a:spcPct val="0"/>
-            </a:spcBef>
-            <a:spcAft>
-              <a:spcPct val="35000"/>
-            </a:spcAft>
-          </a:pPr>
-          <a:r>
-            <a:rPr lang="vi-VN" sz="1400" b="1" kern="1200" dirty="0" smtClean="0">
-              <a:latin typeface="Corbel (Body)"/>
-            </a:rPr>
-            <a:t>Replaceability</a:t>
-          </a:r>
-          <a:r>
-            <a:rPr lang="vi-VN" sz="1400" b="0" kern="1200" dirty="0" smtClean="0">
-              <a:latin typeface="Corbel (Body)"/>
-            </a:rPr>
-            <a:t>: Component/Module use in Joomla can replace independent</a:t>
-          </a:r>
-          <a:r>
-            <a:rPr lang="en-US" sz="1400" b="0" kern="1200" dirty="0" smtClean="0">
-              <a:latin typeface="Corbel (Body)"/>
-            </a:rPr>
-            <a:t>.</a:t>
-          </a:r>
-          <a:endParaRPr lang="en-US" sz="1400" b="0" kern="1200" dirty="0">
-            <a:latin typeface="Corbel (Body)"/>
-          </a:endParaRPr>
-        </a:p>
-      </dsp:txBody>
-      <dsp:txXfrm>
-        <a:off x="1844040" y="3352799"/>
-        <a:ext cx="6614160" cy="1523999"/>
-      </dsp:txXfrm>
-    </dsp:sp>
-    <dsp:sp modelId="{4FF0269B-E64D-46EF-A86E-48F866FA13F4}">
-      <dsp:nvSpPr>
-        <dsp:cNvPr id="0" name=""/>
-        <dsp:cNvSpPr/>
-      </dsp:nvSpPr>
-      <dsp:spPr>
-        <a:xfrm>
-          <a:off x="152400" y="3505199"/>
-          <a:ext cx="1691640" cy="1219199"/>
-        </a:xfrm>
-        <a:prstGeom prst="roundRect">
-          <a:avLst>
-            <a:gd name="adj" fmla="val 10000"/>
-          </a:avLst>
-        </a:prstGeom>
-        <a:blipFill>
-          <a:blip xmlns:r="http://schemas.openxmlformats.org/officeDocument/2006/relationships" r:embed="rId3">
-            <a:extLst>
-              <a:ext uri="{28A0092B-C50C-407E-A947-70E740481C1C}">
-                <a14:useLocalDpi xmlns:a14="http://schemas.microsoft.com/office/drawing/2010/main" val="0"/>
-              </a:ext>
-            </a:extLst>
-          </a:blip>
-          <a:srcRect/>
-          <a:stretch>
-            <a:fillRect l="-4000" r="-4000"/>
-          </a:stretch>
-        </a:blipFill>
-        <a:ln w="25400" cap="flat" cmpd="sng" algn="ctr">
-          <a:solidFill>
-            <a:schemeClr val="lt1">
-              <a:hueOff val="0"/>
-              <a:satOff val="0"/>
-              <a:lumOff val="0"/>
-              <a:alphaOff val="0"/>
-            </a:schemeClr>
-          </a:solidFill>
-          <a:prstDash val="solid"/>
-        </a:ln>
-        <a:effectLst/>
-      </dsp:spPr>
-      <dsp:style>
-        <a:lnRef idx="2">
-          <a:scrgbClr r="0" g="0" b="0"/>
-        </a:lnRef>
-        <a:fillRef idx="1">
-          <a:scrgbClr r="0" g="0" b="0"/>
-        </a:fillRef>
-        <a:effectRef idx="0">
-          <a:scrgbClr r="0" g="0" b="0"/>
-        </a:effectRef>
-        <a:fontRef idx="minor"/>
-      </dsp:style>
-    </dsp:sp>
   </dsp:spTree>
 </dsp:drawing>
 </file>
@@ -40184,7 +39587,7 @@
           <a:graphicData uri="http://schemas.openxmlformats.org/presentationml/2006/ole">
             <mc:AlternateContent xmlns:mc="http://schemas.openxmlformats.org/markup-compatibility/2006">
               <mc:Choice xmlns:v="urn:schemas-microsoft-com:vml" Requires="v">
-                <p:oleObj spid="_x0000_s6321" name="SmartDraw" r:id="rId3" imgW="8703268" imgH="4533499" progId="">
+                <p:oleObj spid="_x0000_s6322" name="SmartDraw" r:id="rId3" imgW="8703268" imgH="4533499" progId="">
                   <p:embed/>
                 </p:oleObj>
               </mc:Choice>
@@ -42350,16 +41753,6 @@
               </a:rPr>
               <a:t>High Level Design</a:t>
             </a:r>
-            <a:endParaRPr kumimoji="0" lang="en-US" sz="1400" b="0" i="0" u="none" strike="noStrike" cap="none" normalizeH="0" baseline="0" dirty="0" smtClean="0">
-              <a:ln>
-                <a:noFill/>
-              </a:ln>
-              <a:solidFill>
-                <a:schemeClr val="tx1"/>
-              </a:solidFill>
-              <a:effectLst/>
-              <a:latin typeface="Arial" charset="0"/>
-            </a:endParaRPr>
           </a:p>
         </p:txBody>
       </p:sp>
@@ -42433,16 +41826,6 @@
               </a:rPr>
               <a:t>Low Level Design</a:t>
             </a:r>
-            <a:endParaRPr kumimoji="0" lang="en-US" sz="1400" b="0" i="0" u="none" strike="noStrike" cap="none" normalizeH="0" baseline="0" dirty="0" smtClean="0">
-              <a:ln>
-                <a:noFill/>
-              </a:ln>
-              <a:solidFill>
-                <a:schemeClr val="tx1"/>
-              </a:solidFill>
-              <a:effectLst/>
-              <a:latin typeface="Arial" charset="0"/>
-            </a:endParaRPr>
           </a:p>
         </p:txBody>
       </p:sp>
@@ -42516,16 +41899,6 @@
               </a:rPr>
               <a:t>Coding</a:t>
             </a:r>
-            <a:endParaRPr kumimoji="0" lang="en-US" sz="1400" b="0" i="0" u="none" strike="noStrike" cap="none" normalizeH="0" baseline="0" dirty="0" smtClean="0">
-              <a:ln>
-                <a:noFill/>
-              </a:ln>
-              <a:solidFill>
-                <a:schemeClr val="tx1"/>
-              </a:solidFill>
-              <a:effectLst/>
-              <a:latin typeface="Arial" charset="0"/>
-            </a:endParaRPr>
           </a:p>
         </p:txBody>
       </p:sp>
@@ -42630,16 +42003,6 @@
               </a:rPr>
               <a:t>Testing</a:t>
             </a:r>
-            <a:endParaRPr kumimoji="0" lang="en-US" sz="1400" b="0" i="0" u="none" strike="noStrike" cap="none" normalizeH="0" baseline="0" dirty="0" smtClean="0">
-              <a:ln>
-                <a:noFill/>
-              </a:ln>
-              <a:solidFill>
-                <a:schemeClr val="tx1"/>
-              </a:solidFill>
-              <a:effectLst/>
-              <a:latin typeface="Arial" charset="0"/>
-            </a:endParaRPr>
           </a:p>
         </p:txBody>
       </p:sp>
@@ -42823,16 +42186,6 @@
               </a:rPr>
               <a:t>System Testing</a:t>
             </a:r>
-            <a:endParaRPr kumimoji="0" lang="en-US" sz="1400" b="0" i="0" u="none" strike="noStrike" cap="none" normalizeH="0" baseline="0" dirty="0" smtClean="0">
-              <a:ln>
-                <a:noFill/>
-              </a:ln>
-              <a:solidFill>
-                <a:schemeClr val="tx1"/>
-              </a:solidFill>
-              <a:effectLst/>
-              <a:latin typeface="Arial" charset="0"/>
-            </a:endParaRPr>
           </a:p>
         </p:txBody>
       </p:sp>
@@ -43632,7 +42985,6 @@
               <a:rPr lang="en-US" sz="1200" dirty="0"/>
               <a:t>Verify</a:t>
             </a:r>
-            <a:endParaRPr lang="en-US" sz="1200" dirty="0"/>
           </a:p>
         </p:txBody>
       </p:sp>
@@ -43662,7 +43014,6 @@
               <a:rPr lang="en-US" sz="1200" dirty="0"/>
               <a:t>Verify</a:t>
             </a:r>
-            <a:endParaRPr lang="en-US" sz="1200" dirty="0"/>
           </a:p>
         </p:txBody>
       </p:sp>
@@ -45348,57 +44699,6 @@
           </a:p>
         </p:txBody>
       </p:sp>
-      <p:pic>
-        <p:nvPicPr>
-          <p:cNvPr id="4" name="Picture 2" descr="D:\e-learning-website\User\NamKT\role vs responsible.png"/>
-          <p:cNvPicPr>
-            <a:picLocks noChangeAspect="1" noChangeArrowheads="1"/>
-          </p:cNvPicPr>
-          <p:nvPr/>
-        </p:nvPicPr>
-        <p:blipFill>
-          <a:blip r:embed="rId3" cstate="print">
-            <a:clrChange>
-              <a:clrFrom>
-                <a:srgbClr val="FFFFFF"/>
-              </a:clrFrom>
-              <a:clrTo>
-                <a:srgbClr val="FFFFFF">
-                  <a:alpha val="0"/>
-                </a:srgbClr>
-              </a:clrTo>
-            </a:clrChange>
-            <a:extLst>
-              <a:ext uri="{28A0092B-C50C-407E-A947-70E740481C1C}">
-                <a14:useLocalDpi xmlns:a14="http://schemas.microsoft.com/office/drawing/2010/main" val="0"/>
-              </a:ext>
-            </a:extLst>
-          </a:blip>
-          <a:srcRect/>
-          <a:stretch>
-            <a:fillRect/>
-          </a:stretch>
-        </p:blipFill>
-        <p:spPr bwMode="auto">
-          <a:xfrm>
-            <a:off x="947058" y="685800"/>
-            <a:ext cx="7270473" cy="5867400"/>
-          </a:xfrm>
-          <a:prstGeom prst="rect">
-            <a:avLst/>
-          </a:prstGeom>
-          <a:noFill/>
-          <a:extLst>
-            <a:ext uri="{909E8E84-426E-40DD-AFC4-6F175D3DCCD1}">
-              <a14:hiddenFill xmlns:a14="http://schemas.microsoft.com/office/drawing/2010/main">
-                <a:solidFill>
-                  <a:srgbClr val="FFFFFF"/>
-                </a:solidFill>
-              </a14:hiddenFill>
-            </a:ext>
-          </a:extLst>
-        </p:spPr>
-      </p:pic>
       <p:sp>
         <p:nvSpPr>
           <p:cNvPr id="5" name="Slide Number Placeholder 4"/>
@@ -45428,6 +44728,47 @@
           </a:p>
         </p:txBody>
       </p:sp>
+      <p:pic>
+        <p:nvPicPr>
+          <p:cNvPr id="7170" name="Picture 2" descr="D:\role.png"/>
+          <p:cNvPicPr>
+            <a:picLocks noChangeAspect="1" noChangeArrowheads="1"/>
+          </p:cNvPicPr>
+          <p:nvPr/>
+        </p:nvPicPr>
+        <p:blipFill>
+          <a:blip r:embed="rId3">
+            <a:extLst>
+              <a:ext uri="{28A0092B-C50C-407E-A947-70E740481C1C}">
+                <a14:useLocalDpi xmlns:a14="http://schemas.microsoft.com/office/drawing/2010/main" val="0"/>
+              </a:ext>
+            </a:extLst>
+          </a:blip>
+          <a:srcRect/>
+          <a:stretch>
+            <a:fillRect/>
+          </a:stretch>
+        </p:blipFill>
+        <p:spPr bwMode="auto">
+          <a:xfrm>
+            <a:off x="5080" y="914400"/>
+            <a:ext cx="8887449" cy="4708525"/>
+          </a:xfrm>
+          <a:prstGeom prst="rect">
+            <a:avLst/>
+          </a:prstGeom>
+          <a:noFill/>
+          <a:extLst>
+            <a:ext uri="{909E8E84-426E-40DD-AFC4-6F175D3DCCD1}">
+              <a14:hiddenFill xmlns:a14="http://schemas.microsoft.com/office/drawing/2010/main">
+                <a:solidFill>
+                  <a:srgbClr val="FFFFFF"/>
+                </a:solidFill>
+              </a14:hiddenFill>
+            </a:ext>
+          </a:extLst>
+        </p:spPr>
+      </p:pic>
     </p:spTree>
     <p:extLst>
       <p:ext uri="{BB962C8B-B14F-4D97-AF65-F5344CB8AC3E}">

--- a/Document/Final report/Slide Present E-Learning.pptx
+++ b/Document/Final report/Slide Present E-Learning.pptx
@@ -24,21 +24,21 @@
     <p:sldId id="331" r:id="rId13"/>
     <p:sldId id="301" r:id="rId14"/>
     <p:sldId id="300" r:id="rId15"/>
-    <p:sldId id="299" r:id="rId16"/>
-    <p:sldId id="333" r:id="rId17"/>
-    <p:sldId id="345" r:id="rId18"/>
-    <p:sldId id="311" r:id="rId19"/>
-    <p:sldId id="310" r:id="rId20"/>
-    <p:sldId id="347" r:id="rId21"/>
-    <p:sldId id="326" r:id="rId22"/>
-    <p:sldId id="309" r:id="rId23"/>
-    <p:sldId id="308" r:id="rId24"/>
-    <p:sldId id="328" r:id="rId25"/>
-    <p:sldId id="307" r:id="rId26"/>
-    <p:sldId id="312" r:id="rId27"/>
-    <p:sldId id="315" r:id="rId28"/>
-    <p:sldId id="313" r:id="rId29"/>
-    <p:sldId id="348" r:id="rId30"/>
+    <p:sldId id="348" r:id="rId16"/>
+    <p:sldId id="299" r:id="rId17"/>
+    <p:sldId id="333" r:id="rId18"/>
+    <p:sldId id="345" r:id="rId19"/>
+    <p:sldId id="311" r:id="rId20"/>
+    <p:sldId id="310" r:id="rId21"/>
+    <p:sldId id="347" r:id="rId22"/>
+    <p:sldId id="326" r:id="rId23"/>
+    <p:sldId id="309" r:id="rId24"/>
+    <p:sldId id="308" r:id="rId25"/>
+    <p:sldId id="328" r:id="rId26"/>
+    <p:sldId id="307" r:id="rId27"/>
+    <p:sldId id="312" r:id="rId28"/>
+    <p:sldId id="315" r:id="rId29"/>
+    <p:sldId id="313" r:id="rId30"/>
     <p:sldId id="332" r:id="rId31"/>
     <p:sldId id="342" r:id="rId32"/>
     <p:sldId id="344" r:id="rId33"/>
@@ -6966,19 +6966,19 @@
     </dgm:pt>
   </dgm:ptLst>
   <dgm:cxnLst>
+    <dgm:cxn modelId="{57AEC4E1-E39B-40BF-A759-05D82CB95A28}" type="presOf" srcId="{0147D4AA-4E15-49E6-A25A-8CD4A35CBFC0}" destId="{2D292C3A-67B0-478E-BF8A-7F0ABB29F864}" srcOrd="0" destOrd="0" presId="urn:microsoft.com/office/officeart/2005/8/layout/cycle1"/>
+    <dgm:cxn modelId="{D49908A6-7D37-45A9-A97A-404DB2A08845}" srcId="{DFA9B5E4-DF69-43ED-8F65-4EAAEBC2EE53}" destId="{B9B6B5B9-A383-4A5E-A39C-6297B835C37B}" srcOrd="1" destOrd="0" parTransId="{C1E3E11F-4466-488A-8FC0-764483D0AA4C}" sibTransId="{676731DC-6C25-4BF6-8EF8-176FB71AC90F}"/>
+    <dgm:cxn modelId="{659D4042-7B35-47CB-895E-3F297EA888E2}" type="presOf" srcId="{34BD85C1-B27C-446E-87D3-5D521284A9D2}" destId="{72325E4A-8AA1-4295-86D7-8B07CDB62C5B}" srcOrd="0" destOrd="0" presId="urn:microsoft.com/office/officeart/2005/8/layout/cycle1"/>
+    <dgm:cxn modelId="{6DC0B433-6BCC-48B8-8319-F0266F3863E1}" srcId="{DFA9B5E4-DF69-43ED-8F65-4EAAEBC2EE53}" destId="{0147D4AA-4E15-49E6-A25A-8CD4A35CBFC0}" srcOrd="3" destOrd="0" parTransId="{32CD8CBE-1D99-415C-80B9-54C68ED4CB0C}" sibTransId="{9E8C6084-CE2A-466B-A967-47F6FBABEA09}"/>
+    <dgm:cxn modelId="{3EF01423-FB7C-4617-9F73-ED9750A75CAB}" type="presOf" srcId="{2DABDF10-2BB6-4291-835C-5F8B0164934C}" destId="{5979FF20-98E1-4391-BBF7-7F88B24DB2DD}" srcOrd="0" destOrd="0" presId="urn:microsoft.com/office/officeart/2005/8/layout/cycle1"/>
+    <dgm:cxn modelId="{7C03B323-AACC-48EC-A03A-D6E7CF74182A}" type="presOf" srcId="{4A225F51-0ADF-4A8B-A2D6-7AF3BC8CF1BA}" destId="{6F7BB53F-EE28-4DC0-B3DC-1F944FE1B6FA}" srcOrd="0" destOrd="0" presId="urn:microsoft.com/office/officeart/2005/8/layout/cycle1"/>
+    <dgm:cxn modelId="{9CFF92F9-F367-4B26-AF43-9C1BBE37AA5E}" srcId="{DFA9B5E4-DF69-43ED-8F65-4EAAEBC2EE53}" destId="{4A225F51-0ADF-4A8B-A2D6-7AF3BC8CF1BA}" srcOrd="0" destOrd="0" parTransId="{0DF62D19-45E5-4083-B2C8-CA5C840DFCBF}" sibTransId="{34BD85C1-B27C-446E-87D3-5D521284A9D2}"/>
+    <dgm:cxn modelId="{5BCA9373-7645-4CF4-9146-7F1C0CF5BB64}" type="presOf" srcId="{676731DC-6C25-4BF6-8EF8-176FB71AC90F}" destId="{273E354B-5C77-4A97-B343-41170B6E2412}" srcOrd="0" destOrd="0" presId="urn:microsoft.com/office/officeart/2005/8/layout/cycle1"/>
+    <dgm:cxn modelId="{CAA8EFFA-73EA-4D93-AF5B-0C2B8D1901A5}" type="presOf" srcId="{B9B6B5B9-A383-4A5E-A39C-6297B835C37B}" destId="{9EB40CAE-1534-45F7-921E-D7F77DEEE6D1}" srcOrd="0" destOrd="0" presId="urn:microsoft.com/office/officeart/2005/8/layout/cycle1"/>
+    <dgm:cxn modelId="{06FAD51A-C087-4BC9-A140-F3F6D944C997}" type="presOf" srcId="{DFA9B5E4-DF69-43ED-8F65-4EAAEBC2EE53}" destId="{7423B5FF-E8AD-4E98-91F0-79AF73CCEE33}" srcOrd="0" destOrd="0" presId="urn:microsoft.com/office/officeart/2005/8/layout/cycle1"/>
     <dgm:cxn modelId="{6E67C4D2-80C6-4247-8241-64EA5611C932}" type="presOf" srcId="{9E8C6084-CE2A-466B-A967-47F6FBABEA09}" destId="{BC473F38-5C3F-4B9A-9E50-8E2A00344178}" srcOrd="0" destOrd="0" presId="urn:microsoft.com/office/officeart/2005/8/layout/cycle1"/>
-    <dgm:cxn modelId="{659D4042-7B35-47CB-895E-3F297EA888E2}" type="presOf" srcId="{34BD85C1-B27C-446E-87D3-5D521284A9D2}" destId="{72325E4A-8AA1-4295-86D7-8B07CDB62C5B}" srcOrd="0" destOrd="0" presId="urn:microsoft.com/office/officeart/2005/8/layout/cycle1"/>
-    <dgm:cxn modelId="{57AEC4E1-E39B-40BF-A759-05D82CB95A28}" type="presOf" srcId="{0147D4AA-4E15-49E6-A25A-8CD4A35CBFC0}" destId="{2D292C3A-67B0-478E-BF8A-7F0ABB29F864}" srcOrd="0" destOrd="0" presId="urn:microsoft.com/office/officeart/2005/8/layout/cycle1"/>
-    <dgm:cxn modelId="{5BCA9373-7645-4CF4-9146-7F1C0CF5BB64}" type="presOf" srcId="{676731DC-6C25-4BF6-8EF8-176FB71AC90F}" destId="{273E354B-5C77-4A97-B343-41170B6E2412}" srcOrd="0" destOrd="0" presId="urn:microsoft.com/office/officeart/2005/8/layout/cycle1"/>
-    <dgm:cxn modelId="{3EF01423-FB7C-4617-9F73-ED9750A75CAB}" type="presOf" srcId="{2DABDF10-2BB6-4291-835C-5F8B0164934C}" destId="{5979FF20-98E1-4391-BBF7-7F88B24DB2DD}" srcOrd="0" destOrd="0" presId="urn:microsoft.com/office/officeart/2005/8/layout/cycle1"/>
+    <dgm:cxn modelId="{8D8CF064-9ECD-4B14-822A-874FB4D52420}" srcId="{DFA9B5E4-DF69-43ED-8F65-4EAAEBC2EE53}" destId="{67AE712E-3238-46F4-9629-C594F88C428F}" srcOrd="2" destOrd="0" parTransId="{DA07E244-7E52-4969-9E19-575A4A826AAB}" sibTransId="{2DABDF10-2BB6-4291-835C-5F8B0164934C}"/>
     <dgm:cxn modelId="{DF7C7B9C-3130-40D9-A675-3451F18E2BA6}" type="presOf" srcId="{67AE712E-3238-46F4-9629-C594F88C428F}" destId="{59B7501A-AFE5-4EA0-B7A8-90C6CA2B9A3D}" srcOrd="0" destOrd="0" presId="urn:microsoft.com/office/officeart/2005/8/layout/cycle1"/>
-    <dgm:cxn modelId="{7C03B323-AACC-48EC-A03A-D6E7CF74182A}" type="presOf" srcId="{4A225F51-0ADF-4A8B-A2D6-7AF3BC8CF1BA}" destId="{6F7BB53F-EE28-4DC0-B3DC-1F944FE1B6FA}" srcOrd="0" destOrd="0" presId="urn:microsoft.com/office/officeart/2005/8/layout/cycle1"/>
-    <dgm:cxn modelId="{CAA8EFFA-73EA-4D93-AF5B-0C2B8D1901A5}" type="presOf" srcId="{B9B6B5B9-A383-4A5E-A39C-6297B835C37B}" destId="{9EB40CAE-1534-45F7-921E-D7F77DEEE6D1}" srcOrd="0" destOrd="0" presId="urn:microsoft.com/office/officeart/2005/8/layout/cycle1"/>
-    <dgm:cxn modelId="{6DC0B433-6BCC-48B8-8319-F0266F3863E1}" srcId="{DFA9B5E4-DF69-43ED-8F65-4EAAEBC2EE53}" destId="{0147D4AA-4E15-49E6-A25A-8CD4A35CBFC0}" srcOrd="3" destOrd="0" parTransId="{32CD8CBE-1D99-415C-80B9-54C68ED4CB0C}" sibTransId="{9E8C6084-CE2A-466B-A967-47F6FBABEA09}"/>
-    <dgm:cxn modelId="{D49908A6-7D37-45A9-A97A-404DB2A08845}" srcId="{DFA9B5E4-DF69-43ED-8F65-4EAAEBC2EE53}" destId="{B9B6B5B9-A383-4A5E-A39C-6297B835C37B}" srcOrd="1" destOrd="0" parTransId="{C1E3E11F-4466-488A-8FC0-764483D0AA4C}" sibTransId="{676731DC-6C25-4BF6-8EF8-176FB71AC90F}"/>
-    <dgm:cxn modelId="{8D8CF064-9ECD-4B14-822A-874FB4D52420}" srcId="{DFA9B5E4-DF69-43ED-8F65-4EAAEBC2EE53}" destId="{67AE712E-3238-46F4-9629-C594F88C428F}" srcOrd="2" destOrd="0" parTransId="{DA07E244-7E52-4969-9E19-575A4A826AAB}" sibTransId="{2DABDF10-2BB6-4291-835C-5F8B0164934C}"/>
-    <dgm:cxn modelId="{06FAD51A-C087-4BC9-A140-F3F6D944C997}" type="presOf" srcId="{DFA9B5E4-DF69-43ED-8F65-4EAAEBC2EE53}" destId="{7423B5FF-E8AD-4E98-91F0-79AF73CCEE33}" srcOrd="0" destOrd="0" presId="urn:microsoft.com/office/officeart/2005/8/layout/cycle1"/>
-    <dgm:cxn modelId="{9CFF92F9-F367-4B26-AF43-9C1BBE37AA5E}" srcId="{DFA9B5E4-DF69-43ED-8F65-4EAAEBC2EE53}" destId="{4A225F51-0ADF-4A8B-A2D6-7AF3BC8CF1BA}" srcOrd="0" destOrd="0" parTransId="{0DF62D19-45E5-4083-B2C8-CA5C840DFCBF}" sibTransId="{34BD85C1-B27C-446E-87D3-5D521284A9D2}"/>
     <dgm:cxn modelId="{A9DA188C-6DE3-478C-8451-7F743E0AFD12}" type="presParOf" srcId="{7423B5FF-E8AD-4E98-91F0-79AF73CCEE33}" destId="{3D680A36-99EC-4A92-AC49-1CB3465B2D40}" srcOrd="0" destOrd="0" presId="urn:microsoft.com/office/officeart/2005/8/layout/cycle1"/>
     <dgm:cxn modelId="{1B173123-E361-49D5-853F-BE470C8A0BBC}" type="presParOf" srcId="{7423B5FF-E8AD-4E98-91F0-79AF73CCEE33}" destId="{6F7BB53F-EE28-4DC0-B3DC-1F944FE1B6FA}" srcOrd="1" destOrd="0" presId="urn:microsoft.com/office/officeart/2005/8/layout/cycle1"/>
     <dgm:cxn modelId="{DADB92BC-78AD-4210-86E7-5B909CC7EF92}" type="presParOf" srcId="{7423B5FF-E8AD-4E98-91F0-79AF73CCEE33}" destId="{72325E4A-8AA1-4295-86D7-8B07CDB62C5B}" srcOrd="2" destOrd="0" presId="urn:microsoft.com/office/officeart/2005/8/layout/cycle1"/>
@@ -7259,6 +7259,63 @@
         </a:p>
       </dgm:t>
     </dgm:pt>
+    <dgm:pt modelId="{AD1765FE-9338-47C6-B53E-7B5C8B103AE4}">
+      <dgm:prSet phldrT="[Text]" custT="1"/>
+      <dgm:spPr/>
+      <dgm:t>
+        <a:bodyPr/>
+        <a:lstStyle/>
+        <a:p>
+          <a:r>
+            <a:rPr lang="en-US" sz="2400" b="1" dirty="0" smtClean="0">
+              <a:latin typeface="Corbel (Body)"/>
+            </a:rPr>
+            <a:t>Performance</a:t>
+          </a:r>
+        </a:p>
+        <a:p>
+          <a:r>
+            <a:rPr lang="en-US" sz="1400" b="0" dirty="0" smtClean="0">
+              <a:latin typeface="Corbel (Body)"/>
+            </a:rPr>
+            <a:t>Each page has been loaded I 3 seconds in maximum time.</a:t>
+          </a:r>
+        </a:p>
+        <a:p>
+          <a:r>
+            <a:rPr lang="en-US" sz="1400" b="0" dirty="0" smtClean="0">
+              <a:latin typeface="Corbel (Body)"/>
+            </a:rPr>
+            <a:t>Can response 2000 as average of access users at the same time.</a:t>
+          </a:r>
+          <a:endParaRPr lang="en-US" sz="1400" b="0" dirty="0">
+            <a:latin typeface="Corbel (Body)"/>
+          </a:endParaRPr>
+        </a:p>
+      </dgm:t>
+    </dgm:pt>
+    <dgm:pt modelId="{4F9B5F85-76B4-49DB-8C67-0AC0DB6E704B}" type="parTrans" cxnId="{92BF26E6-C675-474F-917F-B78F05E45693}">
+      <dgm:prSet/>
+      <dgm:spPr/>
+      <dgm:t>
+        <a:bodyPr/>
+        <a:lstStyle/>
+        <a:p>
+          <a:endParaRPr lang="en-US"/>
+        </a:p>
+      </dgm:t>
+    </dgm:pt>
+    <dgm:pt modelId="{79AE236F-3C2A-4319-967B-01CB41CD9835}" type="sibTrans" cxnId="{92BF26E6-C675-474F-917F-B78F05E45693}">
+      <dgm:prSet/>
+      <dgm:spPr/>
+      <dgm:t>
+        <a:bodyPr/>
+        <a:lstStyle/>
+        <a:p>
+          <a:endParaRPr lang="en-US"/>
+        </a:p>
+      </dgm:t>
+    </dgm:pt>
     <dgm:pt modelId="{0AACF08A-D8EA-4D51-B4CD-CC4D91617BA5}" type="pres">
       <dgm:prSet presAssocID="{628CABA7-E17A-49BB-8C4F-879353F375D9}" presName="linear" presStyleCnt="0">
         <dgm:presLayoutVars>
@@ -7280,7 +7337,7 @@
       <dgm:spPr/>
     </dgm:pt>
     <dgm:pt modelId="{BB84DB34-BA67-4F32-ADA4-2380B8C83095}" type="pres">
-      <dgm:prSet presAssocID="{A7427995-0A0B-4748-86D4-D050EA8AE0E1}" presName="box" presStyleLbl="node1" presStyleIdx="0" presStyleCnt="3"/>
+      <dgm:prSet presAssocID="{A7427995-0A0B-4748-86D4-D050EA8AE0E1}" presName="box" presStyleLbl="node1" presStyleIdx="0" presStyleCnt="4"/>
       <dgm:spPr/>
       <dgm:t>
         <a:bodyPr/>
@@ -7291,7 +7348,7 @@
       </dgm:t>
     </dgm:pt>
     <dgm:pt modelId="{BEEFFAAC-A8CD-4433-8EDA-5737C85AB46F}" type="pres">
-      <dgm:prSet presAssocID="{A7427995-0A0B-4748-86D4-D050EA8AE0E1}" presName="img" presStyleLbl="fgImgPlace1" presStyleIdx="0" presStyleCnt="3"/>
+      <dgm:prSet presAssocID="{A7427995-0A0B-4748-86D4-D050EA8AE0E1}" presName="img" presStyleLbl="fgImgPlace1" presStyleIdx="0" presStyleCnt="4"/>
       <dgm:spPr>
         <a:blipFill>
           <a:blip xmlns:r="http://schemas.openxmlformats.org/officeDocument/2006/relationships" r:embed="rId1">
@@ -7316,7 +7373,7 @@
       </dgm:t>
     </dgm:pt>
     <dgm:pt modelId="{1D231287-9AA4-46E4-8187-F99AB67F0297}" type="pres">
-      <dgm:prSet presAssocID="{A7427995-0A0B-4748-86D4-D050EA8AE0E1}" presName="text" presStyleLbl="node1" presStyleIdx="0" presStyleCnt="3">
+      <dgm:prSet presAssocID="{A7427995-0A0B-4748-86D4-D050EA8AE0E1}" presName="text" presStyleLbl="node1" presStyleIdx="0" presStyleCnt="4">
         <dgm:presLayoutVars>
           <dgm:bulletEnabled val="1"/>
         </dgm:presLayoutVars>
@@ -7339,7 +7396,7 @@
       <dgm:spPr/>
     </dgm:pt>
     <dgm:pt modelId="{FF610F31-FA87-446D-9CFF-9000735AAD62}" type="pres">
-      <dgm:prSet presAssocID="{53A0A517-3DCC-4BCC-8336-45C6949D59C4}" presName="box" presStyleLbl="node1" presStyleIdx="1" presStyleCnt="3"/>
+      <dgm:prSet presAssocID="{53A0A517-3DCC-4BCC-8336-45C6949D59C4}" presName="box" presStyleLbl="node1" presStyleIdx="1" presStyleCnt="4"/>
       <dgm:spPr/>
       <dgm:t>
         <a:bodyPr/>
@@ -7350,7 +7407,7 @@
       </dgm:t>
     </dgm:pt>
     <dgm:pt modelId="{5D1ADF10-2035-412E-BD2F-4CE3F3CD30BA}" type="pres">
-      <dgm:prSet presAssocID="{53A0A517-3DCC-4BCC-8336-45C6949D59C4}" presName="img" presStyleLbl="fgImgPlace1" presStyleIdx="1" presStyleCnt="3"/>
+      <dgm:prSet presAssocID="{53A0A517-3DCC-4BCC-8336-45C6949D59C4}" presName="img" presStyleLbl="fgImgPlace1" presStyleIdx="1" presStyleCnt="4"/>
       <dgm:spPr>
         <a:blipFill>
           <a:blip xmlns:r="http://schemas.openxmlformats.org/officeDocument/2006/relationships" r:embed="rId2" cstate="print">
@@ -7375,7 +7432,7 @@
       </dgm:t>
     </dgm:pt>
     <dgm:pt modelId="{8F4F3AEE-9C65-4304-B42D-27615755F50F}" type="pres">
-      <dgm:prSet presAssocID="{53A0A517-3DCC-4BCC-8336-45C6949D59C4}" presName="text" presStyleLbl="node1" presStyleIdx="1" presStyleCnt="3">
+      <dgm:prSet presAssocID="{53A0A517-3DCC-4BCC-8336-45C6949D59C4}" presName="text" presStyleLbl="node1" presStyleIdx="1" presStyleCnt="4">
         <dgm:presLayoutVars>
           <dgm:bulletEnabled val="1"/>
         </dgm:presLayoutVars>
@@ -7398,7 +7455,7 @@
       <dgm:spPr/>
     </dgm:pt>
     <dgm:pt modelId="{B38D2954-72D7-492A-A848-44DFE336F0E0}" type="pres">
-      <dgm:prSet presAssocID="{5AF3859D-02AC-4411-BC99-AFA82C677F1F}" presName="box" presStyleLbl="node1" presStyleIdx="2" presStyleCnt="3"/>
+      <dgm:prSet presAssocID="{5AF3859D-02AC-4411-BC99-AFA82C677F1F}" presName="box" presStyleLbl="node1" presStyleIdx="2" presStyleCnt="4"/>
       <dgm:spPr/>
       <dgm:t>
         <a:bodyPr/>
@@ -7409,7 +7466,7 @@
       </dgm:t>
     </dgm:pt>
     <dgm:pt modelId="{4FF0269B-E64D-46EF-A86E-48F866FA13F4}" type="pres">
-      <dgm:prSet presAssocID="{5AF3859D-02AC-4411-BC99-AFA82C677F1F}" presName="img" presStyleLbl="fgImgPlace1" presStyleIdx="2" presStyleCnt="3"/>
+      <dgm:prSet presAssocID="{5AF3859D-02AC-4411-BC99-AFA82C677F1F}" presName="img" presStyleLbl="fgImgPlace1" presStyleIdx="2" presStyleCnt="4"/>
       <dgm:spPr>
         <a:blipFill>
           <a:blip xmlns:r="http://schemas.openxmlformats.org/officeDocument/2006/relationships" r:embed="rId3">
@@ -7434,7 +7491,66 @@
       </dgm:t>
     </dgm:pt>
     <dgm:pt modelId="{C2030306-4C9A-4832-ABBB-2E9A66BD91E5}" type="pres">
-      <dgm:prSet presAssocID="{5AF3859D-02AC-4411-BC99-AFA82C677F1F}" presName="text" presStyleLbl="node1" presStyleIdx="2" presStyleCnt="3">
+      <dgm:prSet presAssocID="{5AF3859D-02AC-4411-BC99-AFA82C677F1F}" presName="text" presStyleLbl="node1" presStyleIdx="2" presStyleCnt="4">
+        <dgm:presLayoutVars>
+          <dgm:bulletEnabled val="1"/>
+        </dgm:presLayoutVars>
+      </dgm:prSet>
+      <dgm:spPr/>
+      <dgm:t>
+        <a:bodyPr/>
+        <a:lstStyle/>
+        <a:p>
+          <a:endParaRPr lang="en-US"/>
+        </a:p>
+      </dgm:t>
+    </dgm:pt>
+    <dgm:pt modelId="{1E2F8BA8-BF01-4309-B38C-C2DE7CB51957}" type="pres">
+      <dgm:prSet presAssocID="{E1CBCFF7-0EBC-42B7-A319-8DF12943EFC3}" presName="spacer" presStyleCnt="0"/>
+      <dgm:spPr/>
+    </dgm:pt>
+    <dgm:pt modelId="{D1152707-96A6-4D3F-8FC4-E4EFD927219D}" type="pres">
+      <dgm:prSet presAssocID="{AD1765FE-9338-47C6-B53E-7B5C8B103AE4}" presName="comp" presStyleCnt="0"/>
+      <dgm:spPr/>
+    </dgm:pt>
+    <dgm:pt modelId="{2D779863-9DA2-4F5A-814E-7DE9A25FEE45}" type="pres">
+      <dgm:prSet presAssocID="{AD1765FE-9338-47C6-B53E-7B5C8B103AE4}" presName="box" presStyleLbl="node1" presStyleIdx="3" presStyleCnt="4" custLinFactNeighborX="-901" custLinFactNeighborY="-588"/>
+      <dgm:spPr/>
+      <dgm:t>
+        <a:bodyPr/>
+        <a:lstStyle/>
+        <a:p>
+          <a:endParaRPr lang="en-US"/>
+        </a:p>
+      </dgm:t>
+    </dgm:pt>
+    <dgm:pt modelId="{79D532E0-E956-436D-A85B-5B6A3357FBC0}" type="pres">
+      <dgm:prSet presAssocID="{AD1765FE-9338-47C6-B53E-7B5C8B103AE4}" presName="img" presStyleLbl="fgImgPlace1" presStyleIdx="3" presStyleCnt="4" custAng="0" custScaleY="100840"/>
+      <dgm:spPr>
+        <a:blipFill dpi="0" rotWithShape="1">
+          <a:blip xmlns:r="http://schemas.openxmlformats.org/officeDocument/2006/relationships" r:embed="rId4">
+            <a:extLst>
+              <a:ext uri="{28A0092B-C50C-407E-A947-70E740481C1C}">
+                <a14:useLocalDpi xmlns:a14="http://schemas.microsoft.com/office/drawing/2010/main" val="0"/>
+              </a:ext>
+            </a:extLst>
+          </a:blip>
+          <a:srcRect/>
+          <a:stretch>
+            <a:fillRect l="-1351" r="-1351"/>
+          </a:stretch>
+        </a:blipFill>
+      </dgm:spPr>
+      <dgm:t>
+        <a:bodyPr/>
+        <a:lstStyle/>
+        <a:p>
+          <a:endParaRPr lang="en-US"/>
+        </a:p>
+      </dgm:t>
+    </dgm:pt>
+    <dgm:pt modelId="{7D57651F-A7A0-490A-A871-3353727C6702}" type="pres">
+      <dgm:prSet presAssocID="{AD1765FE-9338-47C6-B53E-7B5C8B103AE4}" presName="text" presStyleLbl="node1" presStyleIdx="3" presStyleCnt="4">
         <dgm:presLayoutVars>
           <dgm:bulletEnabled val="1"/>
         </dgm:presLayoutVars>
@@ -7453,13 +7569,16 @@
     <dgm:cxn modelId="{6B423922-0205-4275-875B-E2BA204D008F}" srcId="{628CABA7-E17A-49BB-8C4F-879353F375D9}" destId="{53A0A517-3DCC-4BCC-8336-45C6949D59C4}" srcOrd="1" destOrd="0" parTransId="{CB68C76B-1135-4535-A287-4D85A8D8B6B8}" sibTransId="{50F222A7-1CB4-41A9-B1AC-D301651F1F95}"/>
     <dgm:cxn modelId="{E13EB2B2-F662-458E-A784-37F2499CE9EA}" type="presOf" srcId="{628CABA7-E17A-49BB-8C4F-879353F375D9}" destId="{0AACF08A-D8EA-4D51-B4CD-CC4D91617BA5}" srcOrd="0" destOrd="0" presId="urn:microsoft.com/office/officeart/2005/8/layout/vList4#1"/>
     <dgm:cxn modelId="{75B59436-68AB-40C6-B9AC-97F92A5B2B20}" srcId="{628CABA7-E17A-49BB-8C4F-879353F375D9}" destId="{5AF3859D-02AC-4411-BC99-AFA82C677F1F}" srcOrd="2" destOrd="0" parTransId="{C47B21B3-EA0F-405C-B768-E3A329267F78}" sibTransId="{E1CBCFF7-0EBC-42B7-A319-8DF12943EFC3}"/>
+    <dgm:cxn modelId="{8B789009-70A9-4553-8F62-4E14F215CECA}" type="presOf" srcId="{AD1765FE-9338-47C6-B53E-7B5C8B103AE4}" destId="{2D779863-9DA2-4F5A-814E-7DE9A25FEE45}" srcOrd="0" destOrd="0" presId="urn:microsoft.com/office/officeart/2005/8/layout/vList4#1"/>
     <dgm:cxn modelId="{15975DD8-2982-4D83-9783-84242464ED5F}" srcId="{628CABA7-E17A-49BB-8C4F-879353F375D9}" destId="{A7427995-0A0B-4748-86D4-D050EA8AE0E1}" srcOrd="0" destOrd="0" parTransId="{BD73CF3C-0CAB-4A1F-B1DC-6FED5C4935EE}" sibTransId="{A25D5149-6F98-429F-81C1-AEC853AA7BF6}"/>
+    <dgm:cxn modelId="{38B534D1-189A-4B3C-8B4A-96F5154B58E1}" type="presOf" srcId="{5AF3859D-02AC-4411-BC99-AFA82C677F1F}" destId="{B38D2954-72D7-492A-A848-44DFE336F0E0}" srcOrd="0" destOrd="0" presId="urn:microsoft.com/office/officeart/2005/8/layout/vList4#1"/>
+    <dgm:cxn modelId="{92BF26E6-C675-474F-917F-B78F05E45693}" srcId="{628CABA7-E17A-49BB-8C4F-879353F375D9}" destId="{AD1765FE-9338-47C6-B53E-7B5C8B103AE4}" srcOrd="3" destOrd="0" parTransId="{4F9B5F85-76B4-49DB-8C67-0AC0DB6E704B}" sibTransId="{79AE236F-3C2A-4319-967B-01CB41CD9835}"/>
+    <dgm:cxn modelId="{FC0C40B1-F2E5-490E-BAA9-2A77D5FD3EFE}" type="presOf" srcId="{5AF3859D-02AC-4411-BC99-AFA82C677F1F}" destId="{C2030306-4C9A-4832-ABBB-2E9A66BD91E5}" srcOrd="1" destOrd="0" presId="urn:microsoft.com/office/officeart/2005/8/layout/vList4#1"/>
+    <dgm:cxn modelId="{6BF62980-FDAC-4C06-864E-0D4364FB0BEB}" type="presOf" srcId="{A7427995-0A0B-4748-86D4-D050EA8AE0E1}" destId="{BB84DB34-BA67-4F32-ADA4-2380B8C83095}" srcOrd="0" destOrd="0" presId="urn:microsoft.com/office/officeart/2005/8/layout/vList4#1"/>
     <dgm:cxn modelId="{CA7250F2-516D-4B28-A0F7-1A103842171A}" type="presOf" srcId="{53A0A517-3DCC-4BCC-8336-45C6949D59C4}" destId="{FF610F31-FA87-446D-9CFF-9000735AAD62}" srcOrd="0" destOrd="0" presId="urn:microsoft.com/office/officeart/2005/8/layout/vList4#1"/>
-    <dgm:cxn modelId="{6BF62980-FDAC-4C06-864E-0D4364FB0BEB}" type="presOf" srcId="{A7427995-0A0B-4748-86D4-D050EA8AE0E1}" destId="{BB84DB34-BA67-4F32-ADA4-2380B8C83095}" srcOrd="0" destOrd="0" presId="urn:microsoft.com/office/officeart/2005/8/layout/vList4#1"/>
-    <dgm:cxn modelId="{FC0C40B1-F2E5-490E-BAA9-2A77D5FD3EFE}" type="presOf" srcId="{5AF3859D-02AC-4411-BC99-AFA82C677F1F}" destId="{C2030306-4C9A-4832-ABBB-2E9A66BD91E5}" srcOrd="1" destOrd="0" presId="urn:microsoft.com/office/officeart/2005/8/layout/vList4#1"/>
     <dgm:cxn modelId="{B2F200AD-8EE4-48B4-B781-FA304BE4F1BF}" type="presOf" srcId="{53A0A517-3DCC-4BCC-8336-45C6949D59C4}" destId="{8F4F3AEE-9C65-4304-B42D-27615755F50F}" srcOrd="1" destOrd="0" presId="urn:microsoft.com/office/officeart/2005/8/layout/vList4#1"/>
     <dgm:cxn modelId="{55643A6B-D65A-4FC1-BB9C-257611E009B2}" type="presOf" srcId="{A7427995-0A0B-4748-86D4-D050EA8AE0E1}" destId="{1D231287-9AA4-46E4-8187-F99AB67F0297}" srcOrd="1" destOrd="0" presId="urn:microsoft.com/office/officeart/2005/8/layout/vList4#1"/>
-    <dgm:cxn modelId="{38B534D1-189A-4B3C-8B4A-96F5154B58E1}" type="presOf" srcId="{5AF3859D-02AC-4411-BC99-AFA82C677F1F}" destId="{B38D2954-72D7-492A-A848-44DFE336F0E0}" srcOrd="0" destOrd="0" presId="urn:microsoft.com/office/officeart/2005/8/layout/vList4#1"/>
+    <dgm:cxn modelId="{AF151020-9BFB-4458-BC31-8B520E866D91}" type="presOf" srcId="{AD1765FE-9338-47C6-B53E-7B5C8B103AE4}" destId="{7D57651F-A7A0-490A-A871-3353727C6702}" srcOrd="1" destOrd="0" presId="urn:microsoft.com/office/officeart/2005/8/layout/vList4#1"/>
     <dgm:cxn modelId="{8F522AF7-F916-4B89-8A4E-788AF5FA4C4B}" type="presParOf" srcId="{0AACF08A-D8EA-4D51-B4CD-CC4D91617BA5}" destId="{A1BBFE5D-5F97-4560-BAFF-3AE755E8A060}" srcOrd="0" destOrd="0" presId="urn:microsoft.com/office/officeart/2005/8/layout/vList4#1"/>
     <dgm:cxn modelId="{B4AAB900-E885-4D62-B42F-6EA6F0F578C2}" type="presParOf" srcId="{A1BBFE5D-5F97-4560-BAFF-3AE755E8A060}" destId="{BB84DB34-BA67-4F32-ADA4-2380B8C83095}" srcOrd="0" destOrd="0" presId="urn:microsoft.com/office/officeart/2005/8/layout/vList4#1"/>
     <dgm:cxn modelId="{163D150C-872F-4D43-9298-F1363529814B}" type="presParOf" srcId="{A1BBFE5D-5F97-4560-BAFF-3AE755E8A060}" destId="{BEEFFAAC-A8CD-4433-8EDA-5737C85AB46F}" srcOrd="1" destOrd="0" presId="urn:microsoft.com/office/officeart/2005/8/layout/vList4#1"/>
@@ -7474,6 +7593,11 @@
     <dgm:cxn modelId="{13F58EF4-38A0-4EC6-9B5D-C7157D000E88}" type="presParOf" srcId="{737F091A-D556-4F5F-9DC4-32AEBE893B23}" destId="{B38D2954-72D7-492A-A848-44DFE336F0E0}" srcOrd="0" destOrd="0" presId="urn:microsoft.com/office/officeart/2005/8/layout/vList4#1"/>
     <dgm:cxn modelId="{509A1FCE-B4DC-468A-978E-505091A53C06}" type="presParOf" srcId="{737F091A-D556-4F5F-9DC4-32AEBE893B23}" destId="{4FF0269B-E64D-46EF-A86E-48F866FA13F4}" srcOrd="1" destOrd="0" presId="urn:microsoft.com/office/officeart/2005/8/layout/vList4#1"/>
     <dgm:cxn modelId="{8C482B4D-9D94-4D37-9CB5-00653FD86120}" type="presParOf" srcId="{737F091A-D556-4F5F-9DC4-32AEBE893B23}" destId="{C2030306-4C9A-4832-ABBB-2E9A66BD91E5}" srcOrd="2" destOrd="0" presId="urn:microsoft.com/office/officeart/2005/8/layout/vList4#1"/>
+    <dgm:cxn modelId="{EBF37989-2084-4935-88DF-30F035AAD071}" type="presParOf" srcId="{0AACF08A-D8EA-4D51-B4CD-CC4D91617BA5}" destId="{1E2F8BA8-BF01-4309-B38C-C2DE7CB51957}" srcOrd="5" destOrd="0" presId="urn:microsoft.com/office/officeart/2005/8/layout/vList4#1"/>
+    <dgm:cxn modelId="{08604005-E1C8-473E-8930-8D9ECA187062}" type="presParOf" srcId="{0AACF08A-D8EA-4D51-B4CD-CC4D91617BA5}" destId="{D1152707-96A6-4D3F-8FC4-E4EFD927219D}" srcOrd="6" destOrd="0" presId="urn:microsoft.com/office/officeart/2005/8/layout/vList4#1"/>
+    <dgm:cxn modelId="{0C3C282A-B169-4E01-909D-97CF91EA9306}" type="presParOf" srcId="{D1152707-96A6-4D3F-8FC4-E4EFD927219D}" destId="{2D779863-9DA2-4F5A-814E-7DE9A25FEE45}" srcOrd="0" destOrd="0" presId="urn:microsoft.com/office/officeart/2005/8/layout/vList4#1"/>
+    <dgm:cxn modelId="{773E508C-3170-4DF0-8B41-BE88F8664C51}" type="presParOf" srcId="{D1152707-96A6-4D3F-8FC4-E4EFD927219D}" destId="{79D532E0-E956-436D-A85B-5B6A3357FBC0}" srcOrd="1" destOrd="0" presId="urn:microsoft.com/office/officeart/2005/8/layout/vList4#1"/>
+    <dgm:cxn modelId="{710BFDCA-30E7-43C0-B3B6-87B841491922}" type="presParOf" srcId="{D1152707-96A6-4D3F-8FC4-E4EFD927219D}" destId="{7D57651F-A7A0-490A-A871-3353727C6702}" srcOrd="2" destOrd="0" presId="urn:microsoft.com/office/officeart/2005/8/layout/vList4#1"/>
   </dgm:cxnLst>
   <dgm:bg/>
   <dgm:whole/>
@@ -11073,6 +11197,778 @@
       <dsp:cNvGrpSpPr/>
     </dsp:nvGrpSpPr>
     <dsp:grpSpPr/>
+    <dsp:sp modelId="{BB84DB34-BA67-4F32-ADA4-2380B8C83095}">
+      <dsp:nvSpPr>
+        <dsp:cNvPr id="0" name=""/>
+        <dsp:cNvSpPr/>
+      </dsp:nvSpPr>
+      <dsp:spPr>
+        <a:xfrm>
+          <a:off x="0" y="0"/>
+          <a:ext cx="8458200" cy="1133474"/>
+        </a:xfrm>
+        <a:prstGeom prst="roundRect">
+          <a:avLst>
+            <a:gd name="adj" fmla="val 10000"/>
+          </a:avLst>
+        </a:prstGeom>
+        <a:solidFill>
+          <a:schemeClr val="accent2">
+            <a:hueOff val="0"/>
+            <a:satOff val="0"/>
+            <a:lumOff val="0"/>
+            <a:alphaOff val="0"/>
+          </a:schemeClr>
+        </a:solidFill>
+        <a:ln w="25400" cap="flat" cmpd="sng" algn="ctr">
+          <a:solidFill>
+            <a:schemeClr val="lt1">
+              <a:hueOff val="0"/>
+              <a:satOff val="0"/>
+              <a:lumOff val="0"/>
+              <a:alphaOff val="0"/>
+            </a:schemeClr>
+          </a:solidFill>
+          <a:prstDash val="solid"/>
+        </a:ln>
+        <a:effectLst/>
+      </dsp:spPr>
+      <dsp:style>
+        <a:lnRef idx="2">
+          <a:scrgbClr r="0" g="0" b="0"/>
+        </a:lnRef>
+        <a:fillRef idx="1">
+          <a:scrgbClr r="0" g="0" b="0"/>
+        </a:fillRef>
+        <a:effectRef idx="0">
+          <a:scrgbClr r="0" g="0" b="0"/>
+        </a:effectRef>
+        <a:fontRef idx="minor">
+          <a:schemeClr val="lt1"/>
+        </a:fontRef>
+      </dsp:style>
+      <dsp:txBody>
+        <a:bodyPr spcFirstLastPara="0" vert="horz" wrap="square" lIns="91440" tIns="91440" rIns="91440" bIns="91440" numCol="1" spcCol="1270" anchor="ctr" anchorCtr="0">
+          <a:noAutofit/>
+        </a:bodyPr>
+        <a:lstStyle/>
+        <a:p>
+          <a:pPr lvl="0" algn="l" defTabSz="1066800">
+            <a:lnSpc>
+              <a:spcPct val="90000"/>
+            </a:lnSpc>
+            <a:spcBef>
+              <a:spcPct val="0"/>
+            </a:spcBef>
+            <a:spcAft>
+              <a:spcPct val="35000"/>
+            </a:spcAft>
+          </a:pPr>
+          <a:r>
+            <a:rPr lang="en-US" sz="2400" b="1" kern="1200" dirty="0" smtClean="0">
+              <a:latin typeface="Corbel (Body)"/>
+            </a:rPr>
+            <a:t>Maintainability</a:t>
+          </a:r>
+          <a:endParaRPr lang="en-US" sz="1900" b="1" kern="1200" dirty="0" smtClean="0">
+            <a:latin typeface="Corbel (Body)"/>
+          </a:endParaRPr>
+        </a:p>
+        <a:p>
+          <a:pPr lvl="0" algn="l" defTabSz="1066800">
+            <a:lnSpc>
+              <a:spcPct val="90000"/>
+            </a:lnSpc>
+            <a:spcBef>
+              <a:spcPct val="0"/>
+            </a:spcBef>
+            <a:spcAft>
+              <a:spcPct val="35000"/>
+            </a:spcAft>
+          </a:pPr>
+          <a:r>
+            <a:rPr lang="en-US" sz="1600" b="1" kern="1200" dirty="0" smtClean="0">
+              <a:latin typeface="Corbel (Body)"/>
+            </a:rPr>
+            <a:t>Changeability</a:t>
+          </a:r>
+          <a:r>
+            <a:rPr lang="en-US" sz="1600" b="0" kern="1200" dirty="0" smtClean="0">
+              <a:latin typeface="Corbel (Body)"/>
+            </a:rPr>
+            <a:t>: Function coded as component of </a:t>
+          </a:r>
+          <a:r>
+            <a:rPr lang="en-US" sz="1600" b="0" kern="1200" dirty="0" err="1" smtClean="0">
+              <a:latin typeface="Corbel (Body)"/>
+            </a:rPr>
+            <a:t>Joomla</a:t>
+          </a:r>
+          <a:r>
+            <a:rPr lang="en-US" sz="1600" b="0" kern="1200" dirty="0" smtClean="0">
+              <a:latin typeface="Corbel (Body)"/>
+            </a:rPr>
+            <a:t>, easy to edit.</a:t>
+          </a:r>
+        </a:p>
+        <a:p>
+          <a:pPr lvl="0" algn="l" defTabSz="1066800">
+            <a:lnSpc>
+              <a:spcPct val="90000"/>
+            </a:lnSpc>
+            <a:spcBef>
+              <a:spcPct val="0"/>
+            </a:spcBef>
+            <a:spcAft>
+              <a:spcPct val="35000"/>
+            </a:spcAft>
+          </a:pPr>
+          <a:r>
+            <a:rPr lang="en-US" sz="1600" b="1" kern="1200" dirty="0" smtClean="0">
+              <a:latin typeface="Corbel (Body)"/>
+            </a:rPr>
+            <a:t>Analyzability</a:t>
+          </a:r>
+          <a:r>
+            <a:rPr lang="en-US" sz="1600" b="0" kern="1200" dirty="0" smtClean="0">
+              <a:latin typeface="Corbel (Body)"/>
+            </a:rPr>
+            <a:t>: Having comment codes to help figure out.</a:t>
+          </a:r>
+          <a:endParaRPr lang="en-US" sz="1600" b="0" kern="1200" dirty="0">
+            <a:latin typeface="Corbel (Body)"/>
+          </a:endParaRPr>
+        </a:p>
+      </dsp:txBody>
+      <dsp:txXfrm>
+        <a:off x="1804987" y="0"/>
+        <a:ext cx="6653212" cy="1133474"/>
+      </dsp:txXfrm>
+    </dsp:sp>
+    <dsp:sp modelId="{BEEFFAAC-A8CD-4433-8EDA-5737C85AB46F}">
+      <dsp:nvSpPr>
+        <dsp:cNvPr id="0" name=""/>
+        <dsp:cNvSpPr/>
+      </dsp:nvSpPr>
+      <dsp:spPr>
+        <a:xfrm>
+          <a:off x="113347" y="113347"/>
+          <a:ext cx="1691640" cy="906779"/>
+        </a:xfrm>
+        <a:prstGeom prst="roundRect">
+          <a:avLst>
+            <a:gd name="adj" fmla="val 10000"/>
+          </a:avLst>
+        </a:prstGeom>
+        <a:blipFill>
+          <a:blip xmlns:r="http://schemas.openxmlformats.org/officeDocument/2006/relationships" r:embed="rId1">
+            <a:extLst>
+              <a:ext uri="{28A0092B-C50C-407E-A947-70E740481C1C}">
+                <a14:useLocalDpi xmlns:a14="http://schemas.microsoft.com/office/drawing/2010/main" val="0"/>
+              </a:ext>
+            </a:extLst>
+          </a:blip>
+          <a:srcRect/>
+          <a:stretch>
+            <a:fillRect t="-10000" b="-10000"/>
+          </a:stretch>
+        </a:blipFill>
+        <a:ln w="25400" cap="flat" cmpd="sng" algn="ctr">
+          <a:solidFill>
+            <a:schemeClr val="lt1">
+              <a:hueOff val="0"/>
+              <a:satOff val="0"/>
+              <a:lumOff val="0"/>
+              <a:alphaOff val="0"/>
+            </a:schemeClr>
+          </a:solidFill>
+          <a:prstDash val="solid"/>
+        </a:ln>
+        <a:effectLst/>
+      </dsp:spPr>
+      <dsp:style>
+        <a:lnRef idx="2">
+          <a:scrgbClr r="0" g="0" b="0"/>
+        </a:lnRef>
+        <a:fillRef idx="1">
+          <a:scrgbClr r="0" g="0" b="0"/>
+        </a:fillRef>
+        <a:effectRef idx="0">
+          <a:scrgbClr r="0" g="0" b="0"/>
+        </a:effectRef>
+        <a:fontRef idx="minor"/>
+      </dsp:style>
+    </dsp:sp>
+    <dsp:sp modelId="{FF610F31-FA87-446D-9CFF-9000735AAD62}">
+      <dsp:nvSpPr>
+        <dsp:cNvPr id="0" name=""/>
+        <dsp:cNvSpPr/>
+      </dsp:nvSpPr>
+      <dsp:spPr>
+        <a:xfrm>
+          <a:off x="0" y="1246822"/>
+          <a:ext cx="8458200" cy="1133474"/>
+        </a:xfrm>
+        <a:prstGeom prst="roundRect">
+          <a:avLst>
+            <a:gd name="adj" fmla="val 10000"/>
+          </a:avLst>
+        </a:prstGeom>
+        <a:solidFill>
+          <a:schemeClr val="accent3">
+            <a:hueOff val="0"/>
+            <a:satOff val="0"/>
+            <a:lumOff val="0"/>
+            <a:alphaOff val="0"/>
+          </a:schemeClr>
+        </a:solidFill>
+        <a:ln w="25400" cap="flat" cmpd="sng" algn="ctr">
+          <a:solidFill>
+            <a:schemeClr val="lt1">
+              <a:hueOff val="0"/>
+              <a:satOff val="0"/>
+              <a:lumOff val="0"/>
+              <a:alphaOff val="0"/>
+            </a:schemeClr>
+          </a:solidFill>
+          <a:prstDash val="solid"/>
+        </a:ln>
+        <a:effectLst/>
+      </dsp:spPr>
+      <dsp:style>
+        <a:lnRef idx="2">
+          <a:scrgbClr r="0" g="0" b="0"/>
+        </a:lnRef>
+        <a:fillRef idx="1">
+          <a:scrgbClr r="0" g="0" b="0"/>
+        </a:fillRef>
+        <a:effectRef idx="0">
+          <a:scrgbClr r="0" g="0" b="0"/>
+        </a:effectRef>
+        <a:fontRef idx="minor">
+          <a:schemeClr val="lt1"/>
+        </a:fontRef>
+      </dsp:style>
+      <dsp:txBody>
+        <a:bodyPr spcFirstLastPara="0" vert="horz" wrap="square" lIns="91440" tIns="91440" rIns="91440" bIns="91440" numCol="1" spcCol="1270" anchor="ctr" anchorCtr="0">
+          <a:noAutofit/>
+        </a:bodyPr>
+        <a:lstStyle/>
+        <a:p>
+          <a:pPr lvl="0" algn="l" defTabSz="1066800">
+            <a:lnSpc>
+              <a:spcPct val="90000"/>
+            </a:lnSpc>
+            <a:spcBef>
+              <a:spcPct val="0"/>
+            </a:spcBef>
+            <a:spcAft>
+              <a:spcPct val="35000"/>
+            </a:spcAft>
+          </a:pPr>
+          <a:r>
+            <a:rPr lang="en-US" sz="2400" b="1" kern="1200" dirty="0" smtClean="0">
+              <a:latin typeface="Corbel (Body)"/>
+            </a:rPr>
+            <a:t>Usability</a:t>
+          </a:r>
+          <a:endParaRPr lang="en-US" sz="1800" b="1" kern="1200" dirty="0" smtClean="0">
+            <a:latin typeface="Corbel (Body)"/>
+          </a:endParaRPr>
+        </a:p>
+        <a:p>
+          <a:pPr lvl="0" algn="l" defTabSz="1066800">
+            <a:lnSpc>
+              <a:spcPct val="90000"/>
+            </a:lnSpc>
+            <a:spcBef>
+              <a:spcPct val="0"/>
+            </a:spcBef>
+            <a:spcAft>
+              <a:spcPct val="35000"/>
+            </a:spcAft>
+          </a:pPr>
+          <a:r>
+            <a:rPr lang="en-US" sz="1400" b="1" kern="1200" dirty="0" smtClean="0">
+              <a:latin typeface="Corbel (Body)"/>
+            </a:rPr>
+            <a:t>Learnability</a:t>
+          </a:r>
+          <a:r>
+            <a:rPr lang="en-US" sz="1400" b="0" kern="1200" dirty="0" smtClean="0">
+              <a:latin typeface="Corbel (Body)"/>
+            </a:rPr>
+            <a:t>: Content and Question design easy to study with high school student.</a:t>
+          </a:r>
+        </a:p>
+        <a:p>
+          <a:pPr lvl="0" algn="l" defTabSz="1066800">
+            <a:lnSpc>
+              <a:spcPct val="90000"/>
+            </a:lnSpc>
+            <a:spcBef>
+              <a:spcPct val="0"/>
+            </a:spcBef>
+            <a:spcAft>
+              <a:spcPct val="35000"/>
+            </a:spcAft>
+          </a:pPr>
+          <a:r>
+            <a:rPr lang="en-US" sz="1400" b="1" kern="1200" dirty="0" smtClean="0">
+              <a:latin typeface="Corbel (Body)"/>
+            </a:rPr>
+            <a:t>Understandability</a:t>
+          </a:r>
+          <a:r>
+            <a:rPr lang="en-US" sz="1400" b="0" kern="1200" dirty="0" smtClean="0">
+              <a:latin typeface="Corbel (Body)"/>
+            </a:rPr>
+            <a:t>: Control in front page has small numbers and clear meaning.</a:t>
+          </a:r>
+          <a:endParaRPr lang="en-US" sz="1400" b="0" kern="1200" dirty="0">
+            <a:latin typeface="Corbel (Body)"/>
+          </a:endParaRPr>
+        </a:p>
+      </dsp:txBody>
+      <dsp:txXfrm>
+        <a:off x="1804987" y="1246822"/>
+        <a:ext cx="6653212" cy="1133474"/>
+      </dsp:txXfrm>
+    </dsp:sp>
+    <dsp:sp modelId="{5D1ADF10-2035-412E-BD2F-4CE3F3CD30BA}">
+      <dsp:nvSpPr>
+        <dsp:cNvPr id="0" name=""/>
+        <dsp:cNvSpPr/>
+      </dsp:nvSpPr>
+      <dsp:spPr>
+        <a:xfrm>
+          <a:off x="113347" y="1360169"/>
+          <a:ext cx="1691640" cy="906779"/>
+        </a:xfrm>
+        <a:prstGeom prst="roundRect">
+          <a:avLst>
+            <a:gd name="adj" fmla="val 10000"/>
+          </a:avLst>
+        </a:prstGeom>
+        <a:blipFill>
+          <a:blip xmlns:r="http://schemas.openxmlformats.org/officeDocument/2006/relationships" r:embed="rId2" cstate="print">
+            <a:extLst>
+              <a:ext uri="{28A0092B-C50C-407E-A947-70E740481C1C}">
+                <a14:useLocalDpi xmlns:a14="http://schemas.microsoft.com/office/drawing/2010/main" val="0"/>
+              </a:ext>
+            </a:extLst>
+          </a:blip>
+          <a:srcRect/>
+          <a:stretch>
+            <a:fillRect t="-1000" b="-1000"/>
+          </a:stretch>
+        </a:blipFill>
+        <a:ln w="25400" cap="flat" cmpd="sng" algn="ctr">
+          <a:solidFill>
+            <a:schemeClr val="lt1">
+              <a:hueOff val="0"/>
+              <a:satOff val="0"/>
+              <a:lumOff val="0"/>
+              <a:alphaOff val="0"/>
+            </a:schemeClr>
+          </a:solidFill>
+          <a:prstDash val="solid"/>
+        </a:ln>
+        <a:effectLst/>
+      </dsp:spPr>
+      <dsp:style>
+        <a:lnRef idx="2">
+          <a:scrgbClr r="0" g="0" b="0"/>
+        </a:lnRef>
+        <a:fillRef idx="1">
+          <a:scrgbClr r="0" g="0" b="0"/>
+        </a:fillRef>
+        <a:effectRef idx="0">
+          <a:scrgbClr r="0" g="0" b="0"/>
+        </a:effectRef>
+        <a:fontRef idx="minor"/>
+      </dsp:style>
+    </dsp:sp>
+    <dsp:sp modelId="{B38D2954-72D7-492A-A848-44DFE336F0E0}">
+      <dsp:nvSpPr>
+        <dsp:cNvPr id="0" name=""/>
+        <dsp:cNvSpPr/>
+      </dsp:nvSpPr>
+      <dsp:spPr>
+        <a:xfrm>
+          <a:off x="0" y="2493644"/>
+          <a:ext cx="8458200" cy="1133474"/>
+        </a:xfrm>
+        <a:prstGeom prst="roundRect">
+          <a:avLst>
+            <a:gd name="adj" fmla="val 10000"/>
+          </a:avLst>
+        </a:prstGeom>
+        <a:solidFill>
+          <a:schemeClr val="accent4">
+            <a:hueOff val="0"/>
+            <a:satOff val="0"/>
+            <a:lumOff val="0"/>
+            <a:alphaOff val="0"/>
+          </a:schemeClr>
+        </a:solidFill>
+        <a:ln w="25400" cap="flat" cmpd="sng" algn="ctr">
+          <a:solidFill>
+            <a:schemeClr val="lt1">
+              <a:hueOff val="0"/>
+              <a:satOff val="0"/>
+              <a:lumOff val="0"/>
+              <a:alphaOff val="0"/>
+            </a:schemeClr>
+          </a:solidFill>
+          <a:prstDash val="solid"/>
+        </a:ln>
+        <a:effectLst/>
+      </dsp:spPr>
+      <dsp:style>
+        <a:lnRef idx="2">
+          <a:scrgbClr r="0" g="0" b="0"/>
+        </a:lnRef>
+        <a:fillRef idx="1">
+          <a:scrgbClr r="0" g="0" b="0"/>
+        </a:fillRef>
+        <a:effectRef idx="0">
+          <a:scrgbClr r="0" g="0" b="0"/>
+        </a:effectRef>
+        <a:fontRef idx="minor">
+          <a:schemeClr val="lt1"/>
+        </a:fontRef>
+      </dsp:style>
+      <dsp:txBody>
+        <a:bodyPr spcFirstLastPara="0" vert="horz" wrap="square" lIns="91440" tIns="91440" rIns="91440" bIns="91440" numCol="1" spcCol="1270" anchor="ctr" anchorCtr="0">
+          <a:noAutofit/>
+        </a:bodyPr>
+        <a:lstStyle/>
+        <a:p>
+          <a:pPr lvl="0" algn="l" defTabSz="1066800">
+            <a:lnSpc>
+              <a:spcPct val="90000"/>
+            </a:lnSpc>
+            <a:spcBef>
+              <a:spcPct val="0"/>
+            </a:spcBef>
+            <a:spcAft>
+              <a:spcPct val="35000"/>
+            </a:spcAft>
+          </a:pPr>
+          <a:r>
+            <a:rPr lang="en-US" sz="2400" b="1" kern="1200" dirty="0" smtClean="0">
+              <a:latin typeface="Corbel (Body)"/>
+            </a:rPr>
+            <a:t>Portability</a:t>
+          </a:r>
+          <a:endParaRPr lang="en-US" sz="1800" b="1" kern="1200" dirty="0" smtClean="0">
+            <a:latin typeface="Corbel (Body)"/>
+          </a:endParaRPr>
+        </a:p>
+        <a:p>
+          <a:pPr lvl="0" algn="l" defTabSz="1066800">
+            <a:lnSpc>
+              <a:spcPct val="90000"/>
+            </a:lnSpc>
+            <a:spcBef>
+              <a:spcPct val="0"/>
+            </a:spcBef>
+            <a:spcAft>
+              <a:spcPct val="35000"/>
+            </a:spcAft>
+          </a:pPr>
+          <a:r>
+            <a:rPr lang="en-US" sz="1400" b="1" kern="1200" dirty="0" smtClean="0">
+              <a:latin typeface="Corbel (Body)"/>
+            </a:rPr>
+            <a:t>Adaptability</a:t>
+          </a:r>
+          <a:r>
+            <a:rPr lang="en-US" sz="1400" b="0" kern="1200" dirty="0" smtClean="0">
+              <a:latin typeface="Corbel (Body)"/>
+            </a:rPr>
+            <a:t>: Using PHP to develop, can use in many </a:t>
+          </a:r>
+          <a:r>
+            <a:rPr lang="en-US" sz="1400" b="0" kern="1200" dirty="0" err="1" smtClean="0">
+              <a:latin typeface="Corbel (Body)"/>
+            </a:rPr>
+            <a:t>plattform</a:t>
+          </a:r>
+          <a:endParaRPr lang="en-US" sz="1400" b="0" kern="1200" dirty="0" smtClean="0">
+            <a:latin typeface="Corbel (Body)"/>
+          </a:endParaRPr>
+        </a:p>
+        <a:p>
+          <a:pPr lvl="0" algn="l" defTabSz="1066800">
+            <a:lnSpc>
+              <a:spcPct val="90000"/>
+            </a:lnSpc>
+            <a:spcBef>
+              <a:spcPct val="0"/>
+            </a:spcBef>
+            <a:spcAft>
+              <a:spcPct val="35000"/>
+            </a:spcAft>
+          </a:pPr>
+          <a:r>
+            <a:rPr lang="vi-VN" sz="1400" b="1" kern="1200" dirty="0" smtClean="0">
+              <a:latin typeface="Corbel (Body)"/>
+            </a:rPr>
+            <a:t>Replaceability</a:t>
+          </a:r>
+          <a:r>
+            <a:rPr lang="vi-VN" sz="1400" b="0" kern="1200" dirty="0" smtClean="0">
+              <a:latin typeface="Corbel (Body)"/>
+            </a:rPr>
+            <a:t>: Component/Module use in Joomla can replace independent</a:t>
+          </a:r>
+          <a:r>
+            <a:rPr lang="en-US" sz="1400" b="0" kern="1200" dirty="0" smtClean="0">
+              <a:latin typeface="Corbel (Body)"/>
+            </a:rPr>
+            <a:t>.</a:t>
+          </a:r>
+          <a:endParaRPr lang="en-US" sz="1400" b="0" kern="1200" dirty="0">
+            <a:latin typeface="Corbel (Body)"/>
+          </a:endParaRPr>
+        </a:p>
+      </dsp:txBody>
+      <dsp:txXfrm>
+        <a:off x="1804987" y="2493644"/>
+        <a:ext cx="6653212" cy="1133474"/>
+      </dsp:txXfrm>
+    </dsp:sp>
+    <dsp:sp modelId="{4FF0269B-E64D-46EF-A86E-48F866FA13F4}">
+      <dsp:nvSpPr>
+        <dsp:cNvPr id="0" name=""/>
+        <dsp:cNvSpPr/>
+      </dsp:nvSpPr>
+      <dsp:spPr>
+        <a:xfrm>
+          <a:off x="113347" y="2606992"/>
+          <a:ext cx="1691640" cy="906779"/>
+        </a:xfrm>
+        <a:prstGeom prst="roundRect">
+          <a:avLst>
+            <a:gd name="adj" fmla="val 10000"/>
+          </a:avLst>
+        </a:prstGeom>
+        <a:blipFill>
+          <a:blip xmlns:r="http://schemas.openxmlformats.org/officeDocument/2006/relationships" r:embed="rId3">
+            <a:extLst>
+              <a:ext uri="{28A0092B-C50C-407E-A947-70E740481C1C}">
+                <a14:useLocalDpi xmlns:a14="http://schemas.microsoft.com/office/drawing/2010/main" val="0"/>
+              </a:ext>
+            </a:extLst>
+          </a:blip>
+          <a:srcRect/>
+          <a:stretch>
+            <a:fillRect l="-4000" r="-4000"/>
+          </a:stretch>
+        </a:blipFill>
+        <a:ln w="25400" cap="flat" cmpd="sng" algn="ctr">
+          <a:solidFill>
+            <a:schemeClr val="lt1">
+              <a:hueOff val="0"/>
+              <a:satOff val="0"/>
+              <a:lumOff val="0"/>
+              <a:alphaOff val="0"/>
+            </a:schemeClr>
+          </a:solidFill>
+          <a:prstDash val="solid"/>
+        </a:ln>
+        <a:effectLst/>
+      </dsp:spPr>
+      <dsp:style>
+        <a:lnRef idx="2">
+          <a:scrgbClr r="0" g="0" b="0"/>
+        </a:lnRef>
+        <a:fillRef idx="1">
+          <a:scrgbClr r="0" g="0" b="0"/>
+        </a:fillRef>
+        <a:effectRef idx="0">
+          <a:scrgbClr r="0" g="0" b="0"/>
+        </a:effectRef>
+        <a:fontRef idx="minor"/>
+      </dsp:style>
+    </dsp:sp>
+    <dsp:sp modelId="{2D779863-9DA2-4F5A-814E-7DE9A25FEE45}">
+      <dsp:nvSpPr>
+        <dsp:cNvPr id="0" name=""/>
+        <dsp:cNvSpPr/>
+      </dsp:nvSpPr>
+      <dsp:spPr>
+        <a:xfrm>
+          <a:off x="0" y="3733802"/>
+          <a:ext cx="8458200" cy="1133475"/>
+        </a:xfrm>
+        <a:prstGeom prst="roundRect">
+          <a:avLst>
+            <a:gd name="adj" fmla="val 10000"/>
+          </a:avLst>
+        </a:prstGeom>
+        <a:solidFill>
+          <a:schemeClr val="accent5">
+            <a:hueOff val="0"/>
+            <a:satOff val="0"/>
+            <a:lumOff val="0"/>
+            <a:alphaOff val="0"/>
+          </a:schemeClr>
+        </a:solidFill>
+        <a:ln w="25400" cap="flat" cmpd="sng" algn="ctr">
+          <a:solidFill>
+            <a:schemeClr val="lt1">
+              <a:hueOff val="0"/>
+              <a:satOff val="0"/>
+              <a:lumOff val="0"/>
+              <a:alphaOff val="0"/>
+            </a:schemeClr>
+          </a:solidFill>
+          <a:prstDash val="solid"/>
+        </a:ln>
+        <a:effectLst/>
+      </dsp:spPr>
+      <dsp:style>
+        <a:lnRef idx="2">
+          <a:scrgbClr r="0" g="0" b="0"/>
+        </a:lnRef>
+        <a:fillRef idx="1">
+          <a:scrgbClr r="0" g="0" b="0"/>
+        </a:fillRef>
+        <a:effectRef idx="0">
+          <a:scrgbClr r="0" g="0" b="0"/>
+        </a:effectRef>
+        <a:fontRef idx="minor">
+          <a:schemeClr val="lt1"/>
+        </a:fontRef>
+      </dsp:style>
+      <dsp:txBody>
+        <a:bodyPr spcFirstLastPara="0" vert="horz" wrap="square" lIns="91440" tIns="91440" rIns="91440" bIns="91440" numCol="1" spcCol="1270" anchor="ctr" anchorCtr="0">
+          <a:noAutofit/>
+        </a:bodyPr>
+        <a:lstStyle/>
+        <a:p>
+          <a:pPr lvl="0" algn="l" defTabSz="1066800">
+            <a:lnSpc>
+              <a:spcPct val="90000"/>
+            </a:lnSpc>
+            <a:spcBef>
+              <a:spcPct val="0"/>
+            </a:spcBef>
+            <a:spcAft>
+              <a:spcPct val="35000"/>
+            </a:spcAft>
+          </a:pPr>
+          <a:r>
+            <a:rPr lang="en-US" sz="2400" b="1" kern="1200" dirty="0" smtClean="0">
+              <a:latin typeface="Corbel (Body)"/>
+            </a:rPr>
+            <a:t>Performance</a:t>
+          </a:r>
+        </a:p>
+        <a:p>
+          <a:pPr lvl="0" algn="l" defTabSz="1066800">
+            <a:lnSpc>
+              <a:spcPct val="90000"/>
+            </a:lnSpc>
+            <a:spcBef>
+              <a:spcPct val="0"/>
+            </a:spcBef>
+            <a:spcAft>
+              <a:spcPct val="35000"/>
+            </a:spcAft>
+          </a:pPr>
+          <a:r>
+            <a:rPr lang="en-US" sz="1400" b="0" kern="1200" dirty="0" smtClean="0">
+              <a:latin typeface="Corbel (Body)"/>
+            </a:rPr>
+            <a:t>Each page has been loaded I 3 seconds in maximum time.</a:t>
+          </a:r>
+        </a:p>
+        <a:p>
+          <a:pPr lvl="0" algn="l" defTabSz="1066800">
+            <a:lnSpc>
+              <a:spcPct val="90000"/>
+            </a:lnSpc>
+            <a:spcBef>
+              <a:spcPct val="0"/>
+            </a:spcBef>
+            <a:spcAft>
+              <a:spcPct val="35000"/>
+            </a:spcAft>
+          </a:pPr>
+          <a:r>
+            <a:rPr lang="en-US" sz="1400" b="0" kern="1200" dirty="0" smtClean="0">
+              <a:latin typeface="Corbel (Body)"/>
+            </a:rPr>
+            <a:t>Can response 2000 as average of access users at the same time.</a:t>
+          </a:r>
+          <a:endParaRPr lang="en-US" sz="1400" b="0" kern="1200" dirty="0">
+            <a:latin typeface="Corbel (Body)"/>
+          </a:endParaRPr>
+        </a:p>
+      </dsp:txBody>
+      <dsp:txXfrm>
+        <a:off x="1804987" y="3733802"/>
+        <a:ext cx="6653212" cy="1133475"/>
+      </dsp:txXfrm>
+    </dsp:sp>
+    <dsp:sp modelId="{79D532E0-E956-436D-A85B-5B6A3357FBC0}">
+      <dsp:nvSpPr>
+        <dsp:cNvPr id="0" name=""/>
+        <dsp:cNvSpPr/>
+      </dsp:nvSpPr>
+      <dsp:spPr>
+        <a:xfrm>
+          <a:off x="113347" y="3850006"/>
+          <a:ext cx="1691640" cy="914396"/>
+        </a:xfrm>
+        <a:prstGeom prst="roundRect">
+          <a:avLst>
+            <a:gd name="adj" fmla="val 10000"/>
+          </a:avLst>
+        </a:prstGeom>
+        <a:blipFill dpi="0" rotWithShape="1">
+          <a:blip xmlns:r="http://schemas.openxmlformats.org/officeDocument/2006/relationships" r:embed="rId4">
+            <a:extLst>
+              <a:ext uri="{28A0092B-C50C-407E-A947-70E740481C1C}">
+                <a14:useLocalDpi xmlns:a14="http://schemas.microsoft.com/office/drawing/2010/main" val="0"/>
+              </a:ext>
+            </a:extLst>
+          </a:blip>
+          <a:srcRect/>
+          <a:stretch>
+            <a:fillRect l="-1351" r="-1351"/>
+          </a:stretch>
+        </a:blipFill>
+        <a:ln w="25400" cap="flat" cmpd="sng" algn="ctr">
+          <a:solidFill>
+            <a:schemeClr val="lt1">
+              <a:hueOff val="0"/>
+              <a:satOff val="0"/>
+              <a:lumOff val="0"/>
+              <a:alphaOff val="0"/>
+            </a:schemeClr>
+          </a:solidFill>
+          <a:prstDash val="solid"/>
+        </a:ln>
+        <a:effectLst/>
+      </dsp:spPr>
+      <dsp:style>
+        <a:lnRef idx="2">
+          <a:scrgbClr r="0" g="0" b="0"/>
+        </a:lnRef>
+        <a:fillRef idx="1">
+          <a:scrgbClr r="0" g="0" b="0"/>
+        </a:fillRef>
+        <a:effectRef idx="0">
+          <a:scrgbClr r="0" g="0" b="0"/>
+        </a:effectRef>
+        <a:fontRef idx="minor"/>
+      </dsp:style>
+    </dsp:sp>
   </dsp:spTree>
 </dsp:drawing>
 </file>
@@ -17497,7 +18393,7 @@
             <a:fld id="{610FD3F4-3AC6-4115-B89C-58BA64686866}" type="datetimeFigureOut">
               <a:rPr lang="vi-VN" smtClean="0"/>
               <a:pPr/>
-              <a:t>25/08/2012</a:t>
+              <a:t>26/08/2012</a:t>
             </a:fld>
             <a:endParaRPr lang="vi-VN"/>
           </a:p>
@@ -17665,7 +18561,7 @@
             <a:fld id="{0B043F58-E72F-4617-9A15-6B7F181D3BA1}" type="datetimeFigureOut">
               <a:rPr lang="en-US" smtClean="0"/>
               <a:pPr/>
-              <a:t>8/25/2012</a:t>
+              <a:t>8/26/2012</a:t>
             </a:fld>
             <a:endParaRPr lang="en-US"/>
           </a:p>
@@ -20831,7 +21727,7 @@
             <a:fld id="{94349F02-7B7E-4405-841E-9FEA710E9D5A}" type="slidenum">
               <a:rPr lang="en-US" smtClean="0"/>
               <a:pPr/>
-              <a:t>14</a:t>
+              <a:t>15</a:t>
             </a:fld>
             <a:endParaRPr lang="en-US"/>
           </a:p>
@@ -21254,7 +22150,7 @@
             <a:fld id="{94349F02-7B7E-4405-841E-9FEA710E9D5A}" type="slidenum">
               <a:rPr lang="en-US" smtClean="0"/>
               <a:pPr/>
-              <a:t>15</a:t>
+              <a:t>16</a:t>
             </a:fld>
             <a:endParaRPr lang="en-US"/>
           </a:p>
@@ -21920,7 +22816,7 @@
             <a:fld id="{94349F02-7B7E-4405-841E-9FEA710E9D5A}" type="slidenum">
               <a:rPr lang="en-US" smtClean="0"/>
               <a:pPr/>
-              <a:t>17</a:t>
+              <a:t>18</a:t>
             </a:fld>
             <a:endParaRPr lang="en-US"/>
           </a:p>
@@ -22088,7 +22984,7 @@
             <a:fld id="{94349F02-7B7E-4405-841E-9FEA710E9D5A}" type="slidenum">
               <a:rPr lang="en-US" smtClean="0"/>
               <a:pPr/>
-              <a:t>18</a:t>
+              <a:t>19</a:t>
             </a:fld>
             <a:endParaRPr lang="en-US"/>
           </a:p>
@@ -22200,7 +23096,7 @@
             <a:fld id="{94349F02-7B7E-4405-841E-9FEA710E9D5A}" type="slidenum">
               <a:rPr lang="en-US" smtClean="0"/>
               <a:pPr/>
-              <a:t>20</a:t>
+              <a:t>21</a:t>
             </a:fld>
             <a:endParaRPr lang="en-US"/>
           </a:p>
@@ -23001,7 +23897,7 @@
             <a:fld id="{94349F02-7B7E-4405-841E-9FEA710E9D5A}" type="slidenum">
               <a:rPr lang="en-US" smtClean="0"/>
               <a:pPr/>
-              <a:t>21</a:t>
+              <a:t>22</a:t>
             </a:fld>
             <a:endParaRPr lang="en-US"/>
           </a:p>
@@ -23958,7 +24854,7 @@
             <a:fld id="{94349F02-7B7E-4405-841E-9FEA710E9D5A}" type="slidenum">
               <a:rPr lang="en-US" smtClean="0"/>
               <a:pPr/>
-              <a:t>22</a:t>
+              <a:t>23</a:t>
             </a:fld>
             <a:endParaRPr lang="en-US"/>
           </a:p>
@@ -24170,7 +25066,7 @@
             <a:fld id="{94349F02-7B7E-4405-841E-9FEA710E9D5A}" type="slidenum">
               <a:rPr lang="en-US" smtClean="0"/>
               <a:pPr/>
-              <a:t>23</a:t>
+              <a:t>24</a:t>
             </a:fld>
             <a:endParaRPr lang="en-US"/>
           </a:p>
@@ -25065,7 +25961,7 @@
             <a:fld id="{94349F02-7B7E-4405-841E-9FEA710E9D5A}" type="slidenum">
               <a:rPr lang="en-US" smtClean="0"/>
               <a:pPr/>
-              <a:t>24</a:t>
+              <a:t>25</a:t>
             </a:fld>
             <a:endParaRPr lang="en-US"/>
           </a:p>
@@ -25381,7 +26277,7 @@
             <a:fld id="{94349F02-7B7E-4405-841E-9FEA710E9D5A}" type="slidenum">
               <a:rPr lang="en-US" smtClean="0"/>
               <a:pPr/>
-              <a:t>27</a:t>
+              <a:t>28</a:t>
             </a:fld>
             <a:endParaRPr lang="en-US"/>
           </a:p>
@@ -32959,7 +33855,15 @@
                   <a:schemeClr val="tx1"/>
                 </a:solidFill>
               </a:rPr>
-              <a:t>Increment deliveries.</a:t>
+              <a:t>Incremental </a:t>
+            </a:r>
+            <a:r>
+              <a:rPr lang="en-US" dirty="0" smtClean="0">
+                <a:solidFill>
+                  <a:schemeClr val="tx1"/>
+                </a:solidFill>
+              </a:rPr>
+              <a:t>deliveries.</a:t>
             </a:r>
           </a:p>
           <a:p>
@@ -33846,14 +34750,14 @@
           <p:nvPr>
             <p:extLst>
               <p:ext uri="{D42A27DB-BD31-4B8C-83A1-F6EECF244321}">
-                <p14:modId xmlns:p14="http://schemas.microsoft.com/office/powerpoint/2010/main" val="1536881768"/>
+                <p14:modId xmlns:p14="http://schemas.microsoft.com/office/powerpoint/2010/main" val="3419540635"/>
               </p:ext>
             </p:extLst>
           </p:nvPr>
         </p:nvGraphicFramePr>
         <p:xfrm>
           <a:off x="228600" y="1524000"/>
-          <a:ext cx="8534401" cy="4480700"/>
+          <a:ext cx="8534401" cy="4614812"/>
         </p:xfrm>
         <a:graphic>
           <a:graphicData uri="http://schemas.openxmlformats.org/drawingml/2006/table">
@@ -34334,14 +35238,28 @@
                           <a:latin typeface="+mn-lt"/>
                           <a:cs typeface="Arial" pitchFamily="34" charset="0"/>
                         </a:rPr>
-                        <a:t>Studying open sources carefully,</a:t>
+                        <a:t>Studying open sources </a:t>
+                      </a:r>
+                      <a:r>
+                        <a:rPr lang="en-US" sz="1600" dirty="0" smtClean="0">
+                          <a:latin typeface="+mn-lt"/>
+                          <a:cs typeface="Arial" pitchFamily="34" charset="0"/>
+                        </a:rPr>
+                        <a:t>before initiating project,</a:t>
                       </a:r>
                       <a:r>
                         <a:rPr lang="en-US" sz="1600" baseline="0" dirty="0" smtClean="0">
                           <a:latin typeface="+mn-lt"/>
                           <a:cs typeface="Arial" pitchFamily="34" charset="0"/>
                         </a:rPr>
-                        <a:t> choose another open sources before.</a:t>
+                        <a:t> </a:t>
+                      </a:r>
+                      <a:r>
+                        <a:rPr lang="en-US" sz="1600" baseline="0" dirty="0" smtClean="0">
+                          <a:latin typeface="+mn-lt"/>
+                          <a:cs typeface="Arial" pitchFamily="34" charset="0"/>
+                        </a:rPr>
+                        <a:t>choose another open sources before.</a:t>
                       </a:r>
                       <a:endParaRPr lang="en-US" sz="1600" dirty="0">
                         <a:latin typeface="+mn-lt"/>
@@ -34886,6 +35804,1641 @@
           <a:p>
             <a:r>
               <a:rPr lang="en-US" dirty="0"/>
+              <a:t>Project Management Plan</a:t>
+            </a:r>
+            <a:endParaRPr lang="en-US" dirty="0"/>
+          </a:p>
+        </p:txBody>
+      </p:sp>
+      <p:sp>
+        <p:nvSpPr>
+          <p:cNvPr id="3" name="Content Placeholder 2"/>
+          <p:cNvSpPr>
+            <a:spLocks noGrp="1"/>
+          </p:cNvSpPr>
+          <p:nvPr>
+            <p:ph idx="1"/>
+          </p:nvPr>
+        </p:nvSpPr>
+        <p:spPr>
+          <a:xfrm>
+            <a:off x="348454" y="914400"/>
+            <a:ext cx="8229600" cy="411163"/>
+          </a:xfrm>
+        </p:spPr>
+        <p:txBody>
+          <a:bodyPr/>
+          <a:lstStyle/>
+          <a:p>
+            <a:r>
+              <a:rPr lang="en-US" dirty="0"/>
+              <a:t>5. Quality Plan</a:t>
+            </a:r>
+          </a:p>
+          <a:p>
+            <a:pPr marL="0" indent="0">
+              <a:buNone/>
+            </a:pPr>
+            <a:endParaRPr lang="en-US" dirty="0"/>
+          </a:p>
+        </p:txBody>
+      </p:sp>
+      <p:sp>
+        <p:nvSpPr>
+          <p:cNvPr id="4" name="Slide Number Placeholder 3"/>
+          <p:cNvSpPr>
+            <a:spLocks noGrp="1"/>
+          </p:cNvSpPr>
+          <p:nvPr>
+            <p:ph type="sldNum" sz="quarter" idx="12"/>
+          </p:nvPr>
+        </p:nvSpPr>
+        <p:spPr>
+          <a:xfrm>
+            <a:off x="6814908" y="6553200"/>
+            <a:ext cx="2133600" cy="228600"/>
+          </a:xfrm>
+        </p:spPr>
+        <p:txBody>
+          <a:bodyPr/>
+          <a:lstStyle/>
+          <a:p>
+            <a:r>
+              <a:rPr lang="en-US" dirty="0" smtClean="0"/>
+              <a:t> </a:t>
+            </a:r>
+            <a:fld id="{B880891D-F623-43F5-8A70-E4D501C286D5}" type="slidenum">
+              <a:rPr lang="en-US" smtClean="0"/>
+              <a:pPr/>
+              <a:t>14</a:t>
+            </a:fld>
+            <a:endParaRPr lang="en-US" dirty="0"/>
+          </a:p>
+        </p:txBody>
+      </p:sp>
+      <p:sp>
+        <p:nvSpPr>
+          <p:cNvPr id="5" name="Oval 4"/>
+          <p:cNvSpPr/>
+          <p:nvPr/>
+        </p:nvSpPr>
+        <p:spPr bwMode="auto">
+          <a:xfrm>
+            <a:off x="1125220" y="2682129"/>
+            <a:ext cx="1752600" cy="838200"/>
+          </a:xfrm>
+          <a:prstGeom prst="ellipse">
+            <a:avLst/>
+          </a:prstGeom>
+          <a:ln>
+            <a:headEnd type="none" w="med" len="med"/>
+            <a:tailEnd type="none" w="med" len="med"/>
+          </a:ln>
+        </p:spPr>
+        <p:style>
+          <a:lnRef idx="2">
+            <a:schemeClr val="accent2"/>
+          </a:lnRef>
+          <a:fillRef idx="1">
+            <a:schemeClr val="lt1"/>
+          </a:fillRef>
+          <a:effectRef idx="0">
+            <a:schemeClr val="accent2"/>
+          </a:effectRef>
+          <a:fontRef idx="minor">
+            <a:schemeClr val="dk1"/>
+          </a:fontRef>
+        </p:style>
+        <p:txBody>
+          <a:bodyPr vert="horz" wrap="square" lIns="91440" tIns="45720" rIns="91440" bIns="45720" numCol="1" rtlCol="0" anchor="ctr" anchorCtr="0" compatLnSpc="1">
+            <a:prstTxWarp prst="textNoShape">
+              <a:avLst/>
+            </a:prstTxWarp>
+          </a:bodyPr>
+          <a:lstStyle/>
+          <a:p>
+            <a:pPr marL="0" marR="0" indent="0" algn="ctr" defTabSz="914400" rtl="0" eaLnBrk="1" fontAlgn="base" latinLnBrk="0" hangingPunct="1">
+              <a:lnSpc>
+                <a:spcPct val="100000"/>
+              </a:lnSpc>
+              <a:spcBef>
+                <a:spcPct val="0"/>
+              </a:spcBef>
+              <a:spcAft>
+                <a:spcPct val="0"/>
+              </a:spcAft>
+              <a:buClrTx/>
+              <a:buSzTx/>
+              <a:buFontTx/>
+              <a:buNone/>
+              <a:tabLst/>
+            </a:pPr>
+            <a:r>
+              <a:rPr kumimoji="0" lang="en-US" sz="1400" b="0" i="0" u="none" strike="noStrike" cap="none" normalizeH="0" baseline="0" dirty="0" smtClean="0">
+                <a:ln>
+                  <a:noFill/>
+                </a:ln>
+                <a:solidFill>
+                  <a:schemeClr val="tx1"/>
+                </a:solidFill>
+                <a:effectLst/>
+                <a:latin typeface="Arial" charset="0"/>
+              </a:rPr>
+              <a:t>High Level Design</a:t>
+            </a:r>
+          </a:p>
+        </p:txBody>
+      </p:sp>
+      <p:sp>
+        <p:nvSpPr>
+          <p:cNvPr id="6" name="Oval 5"/>
+          <p:cNvSpPr/>
+          <p:nvPr/>
+        </p:nvSpPr>
+        <p:spPr bwMode="auto">
+          <a:xfrm>
+            <a:off x="1963420" y="3776869"/>
+            <a:ext cx="1752600" cy="838200"/>
+          </a:xfrm>
+          <a:prstGeom prst="ellipse">
+            <a:avLst/>
+          </a:prstGeom>
+          <a:ln>
+            <a:headEnd type="none" w="med" len="med"/>
+            <a:tailEnd type="none" w="med" len="med"/>
+          </a:ln>
+        </p:spPr>
+        <p:style>
+          <a:lnRef idx="2">
+            <a:schemeClr val="accent2"/>
+          </a:lnRef>
+          <a:fillRef idx="1">
+            <a:schemeClr val="lt1"/>
+          </a:fillRef>
+          <a:effectRef idx="0">
+            <a:schemeClr val="accent2"/>
+          </a:effectRef>
+          <a:fontRef idx="minor">
+            <a:schemeClr val="dk1"/>
+          </a:fontRef>
+        </p:style>
+        <p:txBody>
+          <a:bodyPr vert="horz" wrap="square" lIns="91440" tIns="45720" rIns="91440" bIns="45720" numCol="1" rtlCol="0" anchor="ctr" anchorCtr="0" compatLnSpc="1">
+            <a:prstTxWarp prst="textNoShape">
+              <a:avLst/>
+            </a:prstTxWarp>
+          </a:bodyPr>
+          <a:lstStyle/>
+          <a:p>
+            <a:pPr marL="0" marR="0" indent="0" algn="ctr" defTabSz="914400" rtl="0" eaLnBrk="1" fontAlgn="base" latinLnBrk="0" hangingPunct="1">
+              <a:lnSpc>
+                <a:spcPct val="100000"/>
+              </a:lnSpc>
+              <a:spcBef>
+                <a:spcPct val="0"/>
+              </a:spcBef>
+              <a:spcAft>
+                <a:spcPct val="0"/>
+              </a:spcAft>
+              <a:buClrTx/>
+              <a:buSzTx/>
+              <a:buFontTx/>
+              <a:buNone/>
+              <a:tabLst/>
+            </a:pPr>
+            <a:r>
+              <a:rPr kumimoji="0" lang="en-US" sz="1400" b="0" i="0" u="none" strike="noStrike" cap="none" normalizeH="0" baseline="0" dirty="0" smtClean="0">
+                <a:ln>
+                  <a:noFill/>
+                </a:ln>
+                <a:solidFill>
+                  <a:schemeClr val="tx1"/>
+                </a:solidFill>
+                <a:effectLst/>
+                <a:latin typeface="Arial" charset="0"/>
+              </a:rPr>
+              <a:t>Low Level Design</a:t>
+            </a:r>
+          </a:p>
+        </p:txBody>
+      </p:sp>
+      <p:sp>
+        <p:nvSpPr>
+          <p:cNvPr id="7" name="Oval 6"/>
+          <p:cNvSpPr/>
+          <p:nvPr/>
+        </p:nvSpPr>
+        <p:spPr bwMode="auto">
+          <a:xfrm>
+            <a:off x="3286450" y="5072269"/>
+            <a:ext cx="1752600" cy="838200"/>
+          </a:xfrm>
+          <a:prstGeom prst="ellipse">
+            <a:avLst/>
+          </a:prstGeom>
+          <a:ln>
+            <a:headEnd type="none" w="med" len="med"/>
+            <a:tailEnd type="none" w="med" len="med"/>
+          </a:ln>
+        </p:spPr>
+        <p:style>
+          <a:lnRef idx="2">
+            <a:schemeClr val="accent2"/>
+          </a:lnRef>
+          <a:fillRef idx="1">
+            <a:schemeClr val="lt1"/>
+          </a:fillRef>
+          <a:effectRef idx="0">
+            <a:schemeClr val="accent2"/>
+          </a:effectRef>
+          <a:fontRef idx="minor">
+            <a:schemeClr val="dk1"/>
+          </a:fontRef>
+        </p:style>
+        <p:txBody>
+          <a:bodyPr vert="horz" wrap="square" lIns="91440" tIns="45720" rIns="91440" bIns="45720" numCol="1" rtlCol="0" anchor="ctr" anchorCtr="0" compatLnSpc="1">
+            <a:prstTxWarp prst="textNoShape">
+              <a:avLst/>
+            </a:prstTxWarp>
+          </a:bodyPr>
+          <a:lstStyle/>
+          <a:p>
+            <a:pPr marL="0" marR="0" indent="0" algn="ctr" defTabSz="914400" rtl="0" eaLnBrk="1" fontAlgn="base" latinLnBrk="0" hangingPunct="1">
+              <a:lnSpc>
+                <a:spcPct val="100000"/>
+              </a:lnSpc>
+              <a:spcBef>
+                <a:spcPct val="0"/>
+              </a:spcBef>
+              <a:spcAft>
+                <a:spcPct val="0"/>
+              </a:spcAft>
+              <a:buClrTx/>
+              <a:buSzTx/>
+              <a:buFontTx/>
+              <a:buNone/>
+              <a:tabLst/>
+            </a:pPr>
+            <a:r>
+              <a:rPr kumimoji="0" lang="en-US" sz="1400" b="0" i="0" u="none" strike="noStrike" cap="none" normalizeH="0" baseline="0" dirty="0" smtClean="0">
+                <a:ln>
+                  <a:noFill/>
+                </a:ln>
+                <a:solidFill>
+                  <a:schemeClr val="tx1"/>
+                </a:solidFill>
+                <a:effectLst/>
+                <a:latin typeface="Arial" charset="0"/>
+              </a:rPr>
+              <a:t>Coding</a:t>
+            </a:r>
+          </a:p>
+        </p:txBody>
+      </p:sp>
+      <p:sp>
+        <p:nvSpPr>
+          <p:cNvPr id="8" name="Oval 7"/>
+          <p:cNvSpPr/>
+          <p:nvPr/>
+        </p:nvSpPr>
+        <p:spPr bwMode="auto">
+          <a:xfrm>
+            <a:off x="4609480" y="3776869"/>
+            <a:ext cx="1752600" cy="838200"/>
+          </a:xfrm>
+          <a:prstGeom prst="ellipse">
+            <a:avLst/>
+          </a:prstGeom>
+          <a:ln>
+            <a:headEnd type="none" w="med" len="med"/>
+            <a:tailEnd type="none" w="med" len="med"/>
+          </a:ln>
+        </p:spPr>
+        <p:style>
+          <a:lnRef idx="2">
+            <a:schemeClr val="accent2"/>
+          </a:lnRef>
+          <a:fillRef idx="1">
+            <a:schemeClr val="lt1"/>
+          </a:fillRef>
+          <a:effectRef idx="0">
+            <a:schemeClr val="accent2"/>
+          </a:effectRef>
+          <a:fontRef idx="minor">
+            <a:schemeClr val="dk1"/>
+          </a:fontRef>
+        </p:style>
+        <p:txBody>
+          <a:bodyPr vert="horz" wrap="square" lIns="91440" tIns="45720" rIns="91440" bIns="45720" numCol="1" rtlCol="0" anchor="ctr" anchorCtr="0" compatLnSpc="1">
+            <a:prstTxWarp prst="textNoShape">
+              <a:avLst/>
+            </a:prstTxWarp>
+          </a:bodyPr>
+          <a:lstStyle/>
+          <a:p>
+            <a:pPr marL="0" marR="0" indent="0" algn="ctr" defTabSz="914400" rtl="0" eaLnBrk="1" fontAlgn="base" latinLnBrk="0" hangingPunct="1">
+              <a:lnSpc>
+                <a:spcPct val="100000"/>
+              </a:lnSpc>
+              <a:spcBef>
+                <a:spcPct val="0"/>
+              </a:spcBef>
+              <a:spcAft>
+                <a:spcPct val="0"/>
+              </a:spcAft>
+              <a:buClrTx/>
+              <a:buSzTx/>
+              <a:buFontTx/>
+              <a:buNone/>
+              <a:tabLst/>
+            </a:pPr>
+            <a:r>
+              <a:rPr kumimoji="0" lang="en-US" sz="1400" b="0" i="0" u="none" strike="noStrike" cap="none" normalizeH="0" baseline="0" dirty="0" smtClean="0">
+                <a:ln>
+                  <a:noFill/>
+                </a:ln>
+                <a:solidFill>
+                  <a:schemeClr val="tx1"/>
+                </a:solidFill>
+                <a:effectLst/>
+                <a:latin typeface="Arial" charset="0"/>
+              </a:rPr>
+              <a:t>Unit </a:t>
+            </a:r>
+          </a:p>
+          <a:p>
+            <a:pPr marL="0" marR="0" indent="0" algn="ctr" defTabSz="914400" rtl="0" eaLnBrk="1" fontAlgn="base" latinLnBrk="0" hangingPunct="1">
+              <a:lnSpc>
+                <a:spcPct val="100000"/>
+              </a:lnSpc>
+              <a:spcBef>
+                <a:spcPct val="0"/>
+              </a:spcBef>
+              <a:spcAft>
+                <a:spcPct val="0"/>
+              </a:spcAft>
+              <a:buClrTx/>
+              <a:buSzTx/>
+              <a:buFontTx/>
+              <a:buNone/>
+              <a:tabLst/>
+            </a:pPr>
+            <a:r>
+              <a:rPr kumimoji="0" lang="en-US" sz="1400" b="0" i="0" u="none" strike="noStrike" cap="none" normalizeH="0" baseline="0" dirty="0" smtClean="0">
+                <a:ln>
+                  <a:noFill/>
+                </a:ln>
+                <a:solidFill>
+                  <a:schemeClr val="tx1"/>
+                </a:solidFill>
+                <a:effectLst/>
+                <a:latin typeface="Arial" charset="0"/>
+              </a:rPr>
+              <a:t>Testing</a:t>
+            </a:r>
+          </a:p>
+        </p:txBody>
+      </p:sp>
+      <p:sp>
+        <p:nvSpPr>
+          <p:cNvPr id="9" name="Oval 8"/>
+          <p:cNvSpPr/>
+          <p:nvPr/>
+        </p:nvSpPr>
+        <p:spPr bwMode="auto">
+          <a:xfrm>
+            <a:off x="5457840" y="2682129"/>
+            <a:ext cx="1752600" cy="838200"/>
+          </a:xfrm>
+          <a:prstGeom prst="ellipse">
+            <a:avLst/>
+          </a:prstGeom>
+          <a:ln>
+            <a:headEnd type="none" w="med" len="med"/>
+            <a:tailEnd type="none" w="med" len="med"/>
+          </a:ln>
+        </p:spPr>
+        <p:style>
+          <a:lnRef idx="2">
+            <a:schemeClr val="accent2"/>
+          </a:lnRef>
+          <a:fillRef idx="1">
+            <a:schemeClr val="lt1"/>
+          </a:fillRef>
+          <a:effectRef idx="0">
+            <a:schemeClr val="accent2"/>
+          </a:effectRef>
+          <a:fontRef idx="minor">
+            <a:schemeClr val="dk1"/>
+          </a:fontRef>
+        </p:style>
+        <p:txBody>
+          <a:bodyPr vert="horz" wrap="square" lIns="91440" tIns="45720" rIns="91440" bIns="45720" numCol="1" rtlCol="0" anchor="ctr" anchorCtr="0" compatLnSpc="1">
+            <a:prstTxWarp prst="textNoShape">
+              <a:avLst/>
+            </a:prstTxWarp>
+          </a:bodyPr>
+          <a:lstStyle/>
+          <a:p>
+            <a:pPr marL="0" marR="0" indent="0" algn="ctr" defTabSz="914400" rtl="0" eaLnBrk="1" fontAlgn="base" latinLnBrk="0" hangingPunct="1">
+              <a:lnSpc>
+                <a:spcPct val="100000"/>
+              </a:lnSpc>
+              <a:spcBef>
+                <a:spcPct val="0"/>
+              </a:spcBef>
+              <a:spcAft>
+                <a:spcPct val="0"/>
+              </a:spcAft>
+              <a:buClrTx/>
+              <a:buSzTx/>
+              <a:buFontTx/>
+              <a:buNone/>
+              <a:tabLst/>
+            </a:pPr>
+            <a:r>
+              <a:rPr kumimoji="0" lang="en-US" sz="1400" b="0" i="0" u="none" strike="noStrike" cap="none" normalizeH="0" baseline="0" dirty="0" smtClean="0">
+                <a:ln>
+                  <a:noFill/>
+                </a:ln>
+                <a:solidFill>
+                  <a:schemeClr val="tx1"/>
+                </a:solidFill>
+                <a:effectLst/>
+                <a:latin typeface="Arial" charset="0"/>
+              </a:rPr>
+              <a:t>Integration</a:t>
+            </a:r>
+          </a:p>
+          <a:p>
+            <a:pPr marL="0" marR="0" indent="0" algn="ctr" defTabSz="914400" rtl="0" eaLnBrk="1" fontAlgn="base" latinLnBrk="0" hangingPunct="1">
+              <a:lnSpc>
+                <a:spcPct val="100000"/>
+              </a:lnSpc>
+              <a:spcBef>
+                <a:spcPct val="0"/>
+              </a:spcBef>
+              <a:spcAft>
+                <a:spcPct val="0"/>
+              </a:spcAft>
+              <a:buClrTx/>
+              <a:buSzTx/>
+              <a:buFontTx/>
+              <a:buNone/>
+              <a:tabLst/>
+            </a:pPr>
+            <a:r>
+              <a:rPr lang="en-US" sz="1400" dirty="0" smtClean="0">
+                <a:solidFill>
+                  <a:schemeClr val="tx1"/>
+                </a:solidFill>
+                <a:latin typeface="Arial" charset="0"/>
+              </a:rPr>
+              <a:t>Testing</a:t>
+            </a:r>
+            <a:endParaRPr kumimoji="0" lang="en-US" sz="1400" b="0" i="0" u="none" strike="noStrike" cap="none" normalizeH="0" baseline="0" dirty="0" smtClean="0">
+              <a:ln>
+                <a:noFill/>
+              </a:ln>
+              <a:solidFill>
+                <a:schemeClr val="tx1"/>
+              </a:solidFill>
+              <a:effectLst/>
+              <a:latin typeface="Arial" charset="0"/>
+            </a:endParaRPr>
+          </a:p>
+        </p:txBody>
+      </p:sp>
+      <p:sp>
+        <p:nvSpPr>
+          <p:cNvPr id="10" name="Oval 9"/>
+          <p:cNvSpPr/>
+          <p:nvPr/>
+        </p:nvSpPr>
+        <p:spPr bwMode="auto">
+          <a:xfrm>
+            <a:off x="6192520" y="1511192"/>
+            <a:ext cx="1752600" cy="838200"/>
+          </a:xfrm>
+          <a:prstGeom prst="ellipse">
+            <a:avLst/>
+          </a:prstGeom>
+          <a:ln>
+            <a:headEnd type="none" w="med" len="med"/>
+            <a:tailEnd type="none" w="med" len="med"/>
+          </a:ln>
+        </p:spPr>
+        <p:style>
+          <a:lnRef idx="2">
+            <a:schemeClr val="accent2"/>
+          </a:lnRef>
+          <a:fillRef idx="1">
+            <a:schemeClr val="lt1"/>
+          </a:fillRef>
+          <a:effectRef idx="0">
+            <a:schemeClr val="accent2"/>
+          </a:effectRef>
+          <a:fontRef idx="minor">
+            <a:schemeClr val="dk1"/>
+          </a:fontRef>
+        </p:style>
+        <p:txBody>
+          <a:bodyPr vert="horz" wrap="square" lIns="91440" tIns="45720" rIns="91440" bIns="45720" numCol="1" rtlCol="0" anchor="ctr" anchorCtr="0" compatLnSpc="1">
+            <a:prstTxWarp prst="textNoShape">
+              <a:avLst/>
+            </a:prstTxWarp>
+          </a:bodyPr>
+          <a:lstStyle/>
+          <a:p>
+            <a:pPr marL="0" marR="0" indent="0" algn="ctr" defTabSz="914400" rtl="0" eaLnBrk="1" fontAlgn="base" latinLnBrk="0" hangingPunct="1">
+              <a:lnSpc>
+                <a:spcPct val="100000"/>
+              </a:lnSpc>
+              <a:spcBef>
+                <a:spcPct val="0"/>
+              </a:spcBef>
+              <a:spcAft>
+                <a:spcPct val="0"/>
+              </a:spcAft>
+              <a:buClrTx/>
+              <a:buSzTx/>
+              <a:buFontTx/>
+              <a:buNone/>
+              <a:tabLst/>
+            </a:pPr>
+            <a:r>
+              <a:rPr kumimoji="0" lang="en-US" sz="1400" b="0" i="0" u="none" strike="noStrike" cap="none" normalizeH="0" baseline="0" dirty="0" smtClean="0">
+                <a:ln>
+                  <a:noFill/>
+                </a:ln>
+                <a:solidFill>
+                  <a:schemeClr val="tx1"/>
+                </a:solidFill>
+                <a:effectLst/>
+                <a:latin typeface="Arial" charset="0"/>
+              </a:rPr>
+              <a:t>System Testing</a:t>
+            </a:r>
+          </a:p>
+        </p:txBody>
+      </p:sp>
+      <p:sp>
+        <p:nvSpPr>
+          <p:cNvPr id="11" name="Oval 10"/>
+          <p:cNvSpPr/>
+          <p:nvPr/>
+        </p:nvSpPr>
+        <p:spPr bwMode="auto">
+          <a:xfrm>
+            <a:off x="401320" y="1511189"/>
+            <a:ext cx="1752600" cy="838200"/>
+          </a:xfrm>
+          <a:prstGeom prst="ellipse">
+            <a:avLst/>
+          </a:prstGeom>
+          <a:ln>
+            <a:headEnd type="none" w="med" len="med"/>
+            <a:tailEnd type="none" w="med" len="med"/>
+          </a:ln>
+        </p:spPr>
+        <p:style>
+          <a:lnRef idx="2">
+            <a:schemeClr val="accent2"/>
+          </a:lnRef>
+          <a:fillRef idx="1">
+            <a:schemeClr val="lt1"/>
+          </a:fillRef>
+          <a:effectRef idx="0">
+            <a:schemeClr val="accent2"/>
+          </a:effectRef>
+          <a:fontRef idx="minor">
+            <a:schemeClr val="dk1"/>
+          </a:fontRef>
+        </p:style>
+        <p:txBody>
+          <a:bodyPr vert="horz" wrap="square" lIns="91440" tIns="45720" rIns="91440" bIns="45720" numCol="1" rtlCol="0" anchor="ctr" anchorCtr="0" compatLnSpc="1">
+            <a:prstTxWarp prst="textNoShape">
+              <a:avLst/>
+            </a:prstTxWarp>
+          </a:bodyPr>
+          <a:lstStyle/>
+          <a:p>
+            <a:pPr marL="0" marR="0" indent="0" algn="ctr" defTabSz="914400" rtl="0" eaLnBrk="1" fontAlgn="base" latinLnBrk="0" hangingPunct="1">
+              <a:lnSpc>
+                <a:spcPct val="100000"/>
+              </a:lnSpc>
+              <a:spcBef>
+                <a:spcPct val="0"/>
+              </a:spcBef>
+              <a:spcAft>
+                <a:spcPct val="0"/>
+              </a:spcAft>
+              <a:buClrTx/>
+              <a:buSzTx/>
+              <a:buFontTx/>
+              <a:buNone/>
+              <a:tabLst/>
+            </a:pPr>
+            <a:r>
+              <a:rPr kumimoji="0" lang="en-US" sz="1400" b="0" i="0" u="none" strike="noStrike" cap="none" normalizeH="0" baseline="0" dirty="0" smtClean="0">
+                <a:ln>
+                  <a:noFill/>
+                </a:ln>
+                <a:solidFill>
+                  <a:schemeClr val="tx1"/>
+                </a:solidFill>
+                <a:effectLst/>
+                <a:latin typeface="Arial" charset="0"/>
+              </a:rPr>
+              <a:t>Software Requirement</a:t>
+            </a:r>
+          </a:p>
+          <a:p>
+            <a:pPr marL="0" marR="0" indent="0" algn="ctr" defTabSz="914400" rtl="0" eaLnBrk="1" fontAlgn="base" latinLnBrk="0" hangingPunct="1">
+              <a:lnSpc>
+                <a:spcPct val="100000"/>
+              </a:lnSpc>
+              <a:spcBef>
+                <a:spcPct val="0"/>
+              </a:spcBef>
+              <a:spcAft>
+                <a:spcPct val="0"/>
+              </a:spcAft>
+              <a:buClrTx/>
+              <a:buSzTx/>
+              <a:buFontTx/>
+              <a:buNone/>
+              <a:tabLst/>
+            </a:pPr>
+            <a:r>
+              <a:rPr lang="en-US" sz="1400" dirty="0" smtClean="0">
+                <a:solidFill>
+                  <a:schemeClr val="tx1"/>
+                </a:solidFill>
+                <a:latin typeface="Arial" charset="0"/>
+              </a:rPr>
+              <a:t>Specification</a:t>
+            </a:r>
+            <a:endParaRPr kumimoji="0" lang="en-US" sz="1400" b="0" i="0" u="none" strike="noStrike" cap="none" normalizeH="0" baseline="0" dirty="0" smtClean="0">
+              <a:ln>
+                <a:noFill/>
+              </a:ln>
+              <a:solidFill>
+                <a:schemeClr val="tx1"/>
+              </a:solidFill>
+              <a:effectLst/>
+              <a:latin typeface="Arial" charset="0"/>
+            </a:endParaRPr>
+          </a:p>
+        </p:txBody>
+      </p:sp>
+      <p:cxnSp>
+        <p:nvCxnSpPr>
+          <p:cNvPr id="13" name="Straight Arrow Connector 12"/>
+          <p:cNvCxnSpPr>
+            <a:stCxn id="11" idx="6"/>
+            <a:endCxn id="10" idx="2"/>
+          </p:cNvCxnSpPr>
+          <p:nvPr/>
+        </p:nvCxnSpPr>
+        <p:spPr bwMode="auto">
+          <a:xfrm>
+            <a:off x="2153920" y="1930289"/>
+            <a:ext cx="4038600" cy="3"/>
+          </a:xfrm>
+          <a:prstGeom prst="straightConnector1">
+            <a:avLst/>
+          </a:prstGeom>
+          <a:ln w="12700" cmpd="sng">
+            <a:prstDash val="dash"/>
+            <a:headEnd type="none" w="med" len="med"/>
+            <a:tailEnd type="arrow"/>
+          </a:ln>
+        </p:spPr>
+        <p:style>
+          <a:lnRef idx="1">
+            <a:schemeClr val="dk1"/>
+          </a:lnRef>
+          <a:fillRef idx="0">
+            <a:schemeClr val="dk1"/>
+          </a:fillRef>
+          <a:effectRef idx="0">
+            <a:schemeClr val="dk1"/>
+          </a:effectRef>
+          <a:fontRef idx="minor">
+            <a:schemeClr val="tx1"/>
+          </a:fontRef>
+        </p:style>
+      </p:cxnSp>
+      <p:cxnSp>
+        <p:nvCxnSpPr>
+          <p:cNvPr id="14" name="Straight Arrow Connector 13"/>
+          <p:cNvCxnSpPr>
+            <a:stCxn id="5" idx="6"/>
+            <a:endCxn id="9" idx="2"/>
+          </p:cNvCxnSpPr>
+          <p:nvPr/>
+        </p:nvCxnSpPr>
+        <p:spPr bwMode="auto">
+          <a:xfrm>
+            <a:off x="2877820" y="3101229"/>
+            <a:ext cx="2580020" cy="0"/>
+          </a:xfrm>
+          <a:prstGeom prst="straightConnector1">
+            <a:avLst/>
+          </a:prstGeom>
+          <a:ln w="12700" cmpd="sng">
+            <a:prstDash val="dash"/>
+            <a:headEnd type="none" w="med" len="med"/>
+            <a:tailEnd type="arrow"/>
+          </a:ln>
+        </p:spPr>
+        <p:style>
+          <a:lnRef idx="1">
+            <a:schemeClr val="dk1"/>
+          </a:lnRef>
+          <a:fillRef idx="0">
+            <a:schemeClr val="dk1"/>
+          </a:fillRef>
+          <a:effectRef idx="0">
+            <a:schemeClr val="dk1"/>
+          </a:effectRef>
+          <a:fontRef idx="minor">
+            <a:schemeClr val="tx1"/>
+          </a:fontRef>
+        </p:style>
+      </p:cxnSp>
+      <p:cxnSp>
+        <p:nvCxnSpPr>
+          <p:cNvPr id="17" name="Straight Arrow Connector 16"/>
+          <p:cNvCxnSpPr>
+            <a:stCxn id="6" idx="6"/>
+            <a:endCxn id="8" idx="2"/>
+          </p:cNvCxnSpPr>
+          <p:nvPr/>
+        </p:nvCxnSpPr>
+        <p:spPr bwMode="auto">
+          <a:xfrm>
+            <a:off x="3716020" y="4195969"/>
+            <a:ext cx="893460" cy="0"/>
+          </a:xfrm>
+          <a:prstGeom prst="straightConnector1">
+            <a:avLst/>
+          </a:prstGeom>
+          <a:ln w="12700" cmpd="sng">
+            <a:prstDash val="dash"/>
+            <a:headEnd type="none" w="med" len="med"/>
+            <a:tailEnd type="arrow"/>
+          </a:ln>
+        </p:spPr>
+        <p:style>
+          <a:lnRef idx="1">
+            <a:schemeClr val="dk1"/>
+          </a:lnRef>
+          <a:fillRef idx="0">
+            <a:schemeClr val="dk1"/>
+          </a:fillRef>
+          <a:effectRef idx="0">
+            <a:schemeClr val="dk1"/>
+          </a:effectRef>
+          <a:fontRef idx="minor">
+            <a:schemeClr val="tx1"/>
+          </a:fontRef>
+        </p:style>
+      </p:cxnSp>
+      <p:sp>
+        <p:nvSpPr>
+          <p:cNvPr id="27" name="Curved Right Arrow 26"/>
+          <p:cNvSpPr/>
+          <p:nvPr/>
+        </p:nvSpPr>
+        <p:spPr bwMode="auto">
+          <a:xfrm rot="20289523">
+            <a:off x="398938" y="2384315"/>
+            <a:ext cx="546058" cy="992285"/>
+          </a:xfrm>
+          <a:prstGeom prst="curvedRightArrow">
+            <a:avLst>
+              <a:gd name="adj1" fmla="val 51884"/>
+              <a:gd name="adj2" fmla="val 79159"/>
+              <a:gd name="adj3" fmla="val 29171"/>
+            </a:avLst>
+          </a:prstGeom>
+          <a:solidFill>
+            <a:schemeClr val="tx1">
+              <a:lumMod val="65000"/>
+              <a:lumOff val="35000"/>
+            </a:schemeClr>
+          </a:solidFill>
+          <a:ln>
+            <a:solidFill>
+              <a:schemeClr val="tx1">
+                <a:lumMod val="65000"/>
+                <a:lumOff val="35000"/>
+              </a:schemeClr>
+            </a:solidFill>
+            <a:headEnd type="none" w="med" len="med"/>
+            <a:tailEnd type="none" w="med" len="med"/>
+          </a:ln>
+        </p:spPr>
+        <p:style>
+          <a:lnRef idx="1">
+            <a:schemeClr val="accent4"/>
+          </a:lnRef>
+          <a:fillRef idx="3">
+            <a:schemeClr val="accent4"/>
+          </a:fillRef>
+          <a:effectRef idx="2">
+            <a:schemeClr val="accent4"/>
+          </a:effectRef>
+          <a:fontRef idx="minor">
+            <a:schemeClr val="lt1"/>
+          </a:fontRef>
+        </p:style>
+        <p:txBody>
+          <a:bodyPr vert="horz" wrap="square" lIns="91440" tIns="45720" rIns="91440" bIns="45720" numCol="1" rtlCol="0" anchor="t" anchorCtr="0" compatLnSpc="1">
+            <a:prstTxWarp prst="textNoShape">
+              <a:avLst/>
+            </a:prstTxWarp>
+          </a:bodyPr>
+          <a:lstStyle/>
+          <a:p>
+            <a:pPr marL="0" marR="0" indent="0" algn="l" defTabSz="914400" rtl="0" eaLnBrk="1" fontAlgn="base" latinLnBrk="0" hangingPunct="1">
+              <a:lnSpc>
+                <a:spcPct val="100000"/>
+              </a:lnSpc>
+              <a:spcBef>
+                <a:spcPct val="0"/>
+              </a:spcBef>
+              <a:spcAft>
+                <a:spcPct val="0"/>
+              </a:spcAft>
+              <a:buClrTx/>
+              <a:buSzTx/>
+              <a:buFontTx/>
+              <a:buNone/>
+              <a:tabLst/>
+            </a:pPr>
+            <a:endParaRPr kumimoji="0" lang="en-US" sz="1800" b="0" i="0" u="none" strike="noStrike" cap="none" normalizeH="0" baseline="0" smtClean="0">
+              <a:ln>
+                <a:noFill/>
+              </a:ln>
+              <a:solidFill>
+                <a:schemeClr val="tx1"/>
+              </a:solidFill>
+              <a:effectLst/>
+              <a:latin typeface="Arial" charset="0"/>
+            </a:endParaRPr>
+          </a:p>
+        </p:txBody>
+      </p:sp>
+      <p:sp>
+        <p:nvSpPr>
+          <p:cNvPr id="28" name="Curved Right Arrow 27"/>
+          <p:cNvSpPr/>
+          <p:nvPr/>
+        </p:nvSpPr>
+        <p:spPr bwMode="auto">
+          <a:xfrm rot="20289523">
+            <a:off x="1175904" y="3606613"/>
+            <a:ext cx="546058" cy="992285"/>
+          </a:xfrm>
+          <a:prstGeom prst="curvedRightArrow">
+            <a:avLst>
+              <a:gd name="adj1" fmla="val 51884"/>
+              <a:gd name="adj2" fmla="val 79159"/>
+              <a:gd name="adj3" fmla="val 29171"/>
+            </a:avLst>
+          </a:prstGeom>
+          <a:solidFill>
+            <a:schemeClr val="tx1">
+              <a:lumMod val="65000"/>
+              <a:lumOff val="35000"/>
+            </a:schemeClr>
+          </a:solidFill>
+          <a:ln>
+            <a:solidFill>
+              <a:schemeClr val="tx1">
+                <a:lumMod val="65000"/>
+                <a:lumOff val="35000"/>
+              </a:schemeClr>
+            </a:solidFill>
+            <a:headEnd type="none" w="med" len="med"/>
+            <a:tailEnd type="none" w="med" len="med"/>
+          </a:ln>
+        </p:spPr>
+        <p:style>
+          <a:lnRef idx="1">
+            <a:schemeClr val="accent4"/>
+          </a:lnRef>
+          <a:fillRef idx="3">
+            <a:schemeClr val="accent4"/>
+          </a:fillRef>
+          <a:effectRef idx="2">
+            <a:schemeClr val="accent4"/>
+          </a:effectRef>
+          <a:fontRef idx="minor">
+            <a:schemeClr val="lt1"/>
+          </a:fontRef>
+        </p:style>
+        <p:txBody>
+          <a:bodyPr vert="horz" wrap="square" lIns="91440" tIns="45720" rIns="91440" bIns="45720" numCol="1" rtlCol="0" anchor="t" anchorCtr="0" compatLnSpc="1">
+            <a:prstTxWarp prst="textNoShape">
+              <a:avLst/>
+            </a:prstTxWarp>
+          </a:bodyPr>
+          <a:lstStyle/>
+          <a:p>
+            <a:pPr marL="0" marR="0" indent="0" algn="l" defTabSz="914400" rtl="0" eaLnBrk="1" fontAlgn="base" latinLnBrk="0" hangingPunct="1">
+              <a:lnSpc>
+                <a:spcPct val="100000"/>
+              </a:lnSpc>
+              <a:spcBef>
+                <a:spcPct val="0"/>
+              </a:spcBef>
+              <a:spcAft>
+                <a:spcPct val="0"/>
+              </a:spcAft>
+              <a:buClrTx/>
+              <a:buSzTx/>
+              <a:buFontTx/>
+              <a:buNone/>
+              <a:tabLst/>
+            </a:pPr>
+            <a:endParaRPr kumimoji="0" lang="en-US" sz="1800" b="0" i="0" u="none" strike="noStrike" cap="none" normalizeH="0" baseline="0" smtClean="0">
+              <a:ln>
+                <a:noFill/>
+              </a:ln>
+              <a:solidFill>
+                <a:schemeClr val="tx1"/>
+              </a:solidFill>
+              <a:effectLst/>
+              <a:latin typeface="Arial" charset="0"/>
+            </a:endParaRPr>
+          </a:p>
+        </p:txBody>
+      </p:sp>
+      <p:sp>
+        <p:nvSpPr>
+          <p:cNvPr id="29" name="Curved Right Arrow 28"/>
+          <p:cNvSpPr/>
+          <p:nvPr/>
+        </p:nvSpPr>
+        <p:spPr bwMode="auto">
+          <a:xfrm rot="19311092">
+            <a:off x="2318904" y="4802181"/>
+            <a:ext cx="546058" cy="992285"/>
+          </a:xfrm>
+          <a:prstGeom prst="curvedRightArrow">
+            <a:avLst>
+              <a:gd name="adj1" fmla="val 51884"/>
+              <a:gd name="adj2" fmla="val 79159"/>
+              <a:gd name="adj3" fmla="val 29171"/>
+            </a:avLst>
+          </a:prstGeom>
+          <a:solidFill>
+            <a:schemeClr val="tx1">
+              <a:lumMod val="65000"/>
+              <a:lumOff val="35000"/>
+            </a:schemeClr>
+          </a:solidFill>
+          <a:ln>
+            <a:solidFill>
+              <a:schemeClr val="tx1">
+                <a:lumMod val="65000"/>
+                <a:lumOff val="35000"/>
+              </a:schemeClr>
+            </a:solidFill>
+            <a:headEnd type="none" w="med" len="med"/>
+            <a:tailEnd type="none" w="med" len="med"/>
+          </a:ln>
+        </p:spPr>
+        <p:style>
+          <a:lnRef idx="1">
+            <a:schemeClr val="accent4"/>
+          </a:lnRef>
+          <a:fillRef idx="3">
+            <a:schemeClr val="accent4"/>
+          </a:fillRef>
+          <a:effectRef idx="2">
+            <a:schemeClr val="accent4"/>
+          </a:effectRef>
+          <a:fontRef idx="minor">
+            <a:schemeClr val="lt1"/>
+          </a:fontRef>
+        </p:style>
+        <p:txBody>
+          <a:bodyPr vert="horz" wrap="square" lIns="91440" tIns="45720" rIns="91440" bIns="45720" numCol="1" rtlCol="0" anchor="t" anchorCtr="0" compatLnSpc="1">
+            <a:prstTxWarp prst="textNoShape">
+              <a:avLst/>
+            </a:prstTxWarp>
+          </a:bodyPr>
+          <a:lstStyle/>
+          <a:p>
+            <a:pPr marL="0" marR="0" indent="0" algn="l" defTabSz="914400" rtl="0" eaLnBrk="1" fontAlgn="base" latinLnBrk="0" hangingPunct="1">
+              <a:lnSpc>
+                <a:spcPct val="100000"/>
+              </a:lnSpc>
+              <a:spcBef>
+                <a:spcPct val="0"/>
+              </a:spcBef>
+              <a:spcAft>
+                <a:spcPct val="0"/>
+              </a:spcAft>
+              <a:buClrTx/>
+              <a:buSzTx/>
+              <a:buFontTx/>
+              <a:buNone/>
+              <a:tabLst/>
+            </a:pPr>
+            <a:endParaRPr kumimoji="0" lang="en-US" sz="1800" b="0" i="0" u="none" strike="noStrike" cap="none" normalizeH="0" baseline="0" smtClean="0">
+              <a:ln>
+                <a:noFill/>
+              </a:ln>
+              <a:solidFill>
+                <a:schemeClr val="tx1"/>
+              </a:solidFill>
+              <a:effectLst/>
+              <a:latin typeface="Arial" charset="0"/>
+            </a:endParaRPr>
+          </a:p>
+        </p:txBody>
+      </p:sp>
+      <p:sp>
+        <p:nvSpPr>
+          <p:cNvPr id="30" name="Curved Right Arrow 29"/>
+          <p:cNvSpPr/>
+          <p:nvPr/>
+        </p:nvSpPr>
+        <p:spPr bwMode="auto">
+          <a:xfrm rot="2399045" flipH="1" flipV="1">
+            <a:off x="5386401" y="4719237"/>
+            <a:ext cx="546058" cy="992285"/>
+          </a:xfrm>
+          <a:prstGeom prst="curvedRightArrow">
+            <a:avLst>
+              <a:gd name="adj1" fmla="val 51884"/>
+              <a:gd name="adj2" fmla="val 79159"/>
+              <a:gd name="adj3" fmla="val 29171"/>
+            </a:avLst>
+          </a:prstGeom>
+          <a:solidFill>
+            <a:schemeClr val="tx1">
+              <a:lumMod val="65000"/>
+              <a:lumOff val="35000"/>
+            </a:schemeClr>
+          </a:solidFill>
+          <a:ln>
+            <a:solidFill>
+              <a:schemeClr val="tx1">
+                <a:lumMod val="65000"/>
+                <a:lumOff val="35000"/>
+              </a:schemeClr>
+            </a:solidFill>
+            <a:headEnd type="none" w="med" len="med"/>
+            <a:tailEnd type="none" w="med" len="med"/>
+          </a:ln>
+        </p:spPr>
+        <p:style>
+          <a:lnRef idx="1">
+            <a:schemeClr val="accent4"/>
+          </a:lnRef>
+          <a:fillRef idx="3">
+            <a:schemeClr val="accent4"/>
+          </a:fillRef>
+          <a:effectRef idx="2">
+            <a:schemeClr val="accent4"/>
+          </a:effectRef>
+          <a:fontRef idx="minor">
+            <a:schemeClr val="lt1"/>
+          </a:fontRef>
+        </p:style>
+        <p:txBody>
+          <a:bodyPr vert="horz" wrap="square" lIns="91440" tIns="45720" rIns="91440" bIns="45720" numCol="1" rtlCol="0" anchor="t" anchorCtr="0" compatLnSpc="1">
+            <a:prstTxWarp prst="textNoShape">
+              <a:avLst/>
+            </a:prstTxWarp>
+          </a:bodyPr>
+          <a:lstStyle/>
+          <a:p>
+            <a:pPr marL="0" marR="0" indent="0" algn="l" defTabSz="914400" rtl="0" eaLnBrk="1" fontAlgn="base" latinLnBrk="0" hangingPunct="1">
+              <a:lnSpc>
+                <a:spcPct val="100000"/>
+              </a:lnSpc>
+              <a:spcBef>
+                <a:spcPct val="0"/>
+              </a:spcBef>
+              <a:spcAft>
+                <a:spcPct val="0"/>
+              </a:spcAft>
+              <a:buClrTx/>
+              <a:buSzTx/>
+              <a:buFontTx/>
+              <a:buNone/>
+              <a:tabLst/>
+            </a:pPr>
+            <a:endParaRPr kumimoji="0" lang="en-US" sz="1800" b="0" i="0" u="none" strike="noStrike" cap="none" normalizeH="0" baseline="0" smtClean="0">
+              <a:ln>
+                <a:noFill/>
+              </a:ln>
+              <a:solidFill>
+                <a:schemeClr val="tx1"/>
+              </a:solidFill>
+              <a:effectLst/>
+              <a:latin typeface="Arial" charset="0"/>
+            </a:endParaRPr>
+          </a:p>
+        </p:txBody>
+      </p:sp>
+      <p:sp>
+        <p:nvSpPr>
+          <p:cNvPr id="31" name="Curved Right Arrow 30"/>
+          <p:cNvSpPr/>
+          <p:nvPr/>
+        </p:nvSpPr>
+        <p:spPr bwMode="auto">
+          <a:xfrm rot="1855659" flipH="1" flipV="1">
+            <a:off x="6637295" y="3491452"/>
+            <a:ext cx="546058" cy="992285"/>
+          </a:xfrm>
+          <a:prstGeom prst="curvedRightArrow">
+            <a:avLst>
+              <a:gd name="adj1" fmla="val 51884"/>
+              <a:gd name="adj2" fmla="val 79159"/>
+              <a:gd name="adj3" fmla="val 29171"/>
+            </a:avLst>
+          </a:prstGeom>
+          <a:solidFill>
+            <a:schemeClr val="tx1">
+              <a:lumMod val="65000"/>
+              <a:lumOff val="35000"/>
+            </a:schemeClr>
+          </a:solidFill>
+          <a:ln>
+            <a:solidFill>
+              <a:schemeClr val="tx1">
+                <a:lumMod val="65000"/>
+                <a:lumOff val="35000"/>
+              </a:schemeClr>
+            </a:solidFill>
+            <a:headEnd type="none" w="med" len="med"/>
+            <a:tailEnd type="none" w="med" len="med"/>
+          </a:ln>
+        </p:spPr>
+        <p:style>
+          <a:lnRef idx="1">
+            <a:schemeClr val="accent4"/>
+          </a:lnRef>
+          <a:fillRef idx="3">
+            <a:schemeClr val="accent4"/>
+          </a:fillRef>
+          <a:effectRef idx="2">
+            <a:schemeClr val="accent4"/>
+          </a:effectRef>
+          <a:fontRef idx="minor">
+            <a:schemeClr val="lt1"/>
+          </a:fontRef>
+        </p:style>
+        <p:txBody>
+          <a:bodyPr vert="horz" wrap="square" lIns="91440" tIns="45720" rIns="91440" bIns="45720" numCol="1" rtlCol="0" anchor="t" anchorCtr="0" compatLnSpc="1">
+            <a:prstTxWarp prst="textNoShape">
+              <a:avLst/>
+            </a:prstTxWarp>
+          </a:bodyPr>
+          <a:lstStyle/>
+          <a:p>
+            <a:pPr marL="0" marR="0" indent="0" algn="l" defTabSz="914400" rtl="0" eaLnBrk="1" fontAlgn="base" latinLnBrk="0" hangingPunct="1">
+              <a:lnSpc>
+                <a:spcPct val="100000"/>
+              </a:lnSpc>
+              <a:spcBef>
+                <a:spcPct val="0"/>
+              </a:spcBef>
+              <a:spcAft>
+                <a:spcPct val="0"/>
+              </a:spcAft>
+              <a:buClrTx/>
+              <a:buSzTx/>
+              <a:buFontTx/>
+              <a:buNone/>
+              <a:tabLst/>
+            </a:pPr>
+            <a:endParaRPr kumimoji="0" lang="en-US" sz="1800" b="0" i="0" u="none" strike="noStrike" cap="none" normalizeH="0" baseline="0" smtClean="0">
+              <a:ln>
+                <a:noFill/>
+              </a:ln>
+              <a:solidFill>
+                <a:schemeClr val="tx1"/>
+              </a:solidFill>
+              <a:effectLst/>
+              <a:latin typeface="Arial" charset="0"/>
+            </a:endParaRPr>
+          </a:p>
+        </p:txBody>
+      </p:sp>
+      <p:sp>
+        <p:nvSpPr>
+          <p:cNvPr id="32" name="Curved Right Arrow 31"/>
+          <p:cNvSpPr/>
+          <p:nvPr/>
+        </p:nvSpPr>
+        <p:spPr bwMode="auto">
+          <a:xfrm rot="1855659" flipH="1" flipV="1">
+            <a:off x="7462175" y="2185987"/>
+            <a:ext cx="546058" cy="992285"/>
+          </a:xfrm>
+          <a:prstGeom prst="curvedRightArrow">
+            <a:avLst>
+              <a:gd name="adj1" fmla="val 51884"/>
+              <a:gd name="adj2" fmla="val 79159"/>
+              <a:gd name="adj3" fmla="val 29171"/>
+            </a:avLst>
+          </a:prstGeom>
+          <a:solidFill>
+            <a:schemeClr val="tx1">
+              <a:lumMod val="65000"/>
+              <a:lumOff val="35000"/>
+            </a:schemeClr>
+          </a:solidFill>
+          <a:ln>
+            <a:solidFill>
+              <a:schemeClr val="tx1">
+                <a:lumMod val="65000"/>
+                <a:lumOff val="35000"/>
+              </a:schemeClr>
+            </a:solidFill>
+            <a:headEnd type="none" w="med" len="med"/>
+            <a:tailEnd type="none" w="med" len="med"/>
+          </a:ln>
+        </p:spPr>
+        <p:style>
+          <a:lnRef idx="1">
+            <a:schemeClr val="accent4"/>
+          </a:lnRef>
+          <a:fillRef idx="3">
+            <a:schemeClr val="accent4"/>
+          </a:fillRef>
+          <a:effectRef idx="2">
+            <a:schemeClr val="accent4"/>
+          </a:effectRef>
+          <a:fontRef idx="minor">
+            <a:schemeClr val="lt1"/>
+          </a:fontRef>
+        </p:style>
+        <p:txBody>
+          <a:bodyPr vert="horz" wrap="square" lIns="91440" tIns="45720" rIns="91440" bIns="45720" numCol="1" rtlCol="0" anchor="t" anchorCtr="0" compatLnSpc="1">
+            <a:prstTxWarp prst="textNoShape">
+              <a:avLst/>
+            </a:prstTxWarp>
+          </a:bodyPr>
+          <a:lstStyle/>
+          <a:p>
+            <a:pPr marL="0" marR="0" indent="0" algn="l" defTabSz="914400" rtl="0" eaLnBrk="1" fontAlgn="base" latinLnBrk="0" hangingPunct="1">
+              <a:lnSpc>
+                <a:spcPct val="100000"/>
+              </a:lnSpc>
+              <a:spcBef>
+                <a:spcPct val="0"/>
+              </a:spcBef>
+              <a:spcAft>
+                <a:spcPct val="0"/>
+              </a:spcAft>
+              <a:buClrTx/>
+              <a:buSzTx/>
+              <a:buFontTx/>
+              <a:buNone/>
+              <a:tabLst/>
+            </a:pPr>
+            <a:endParaRPr kumimoji="0" lang="en-US" sz="1800" b="0" i="0" u="none" strike="noStrike" cap="none" normalizeH="0" baseline="0" smtClean="0">
+              <a:ln>
+                <a:noFill/>
+              </a:ln>
+              <a:solidFill>
+                <a:schemeClr val="tx1"/>
+              </a:solidFill>
+              <a:effectLst/>
+              <a:latin typeface="Arial" charset="0"/>
+            </a:endParaRPr>
+          </a:p>
+        </p:txBody>
+      </p:sp>
+      <p:sp>
+        <p:nvSpPr>
+          <p:cNvPr id="34" name="TextBox 33"/>
+          <p:cNvSpPr txBox="1"/>
+          <p:nvPr/>
+        </p:nvSpPr>
+        <p:spPr>
+          <a:xfrm>
+            <a:off x="2687320" y="1653290"/>
+            <a:ext cx="1153842" cy="276999"/>
+          </a:xfrm>
+          <a:prstGeom prst="rect">
+            <a:avLst/>
+          </a:prstGeom>
+          <a:noFill/>
+        </p:spPr>
+        <p:txBody>
+          <a:bodyPr wrap="none" rtlCol="0">
+            <a:spAutoFit/>
+          </a:bodyPr>
+          <a:lstStyle/>
+          <a:p>
+            <a:r>
+              <a:rPr lang="en-US" sz="1200" dirty="0" smtClean="0"/>
+              <a:t>Verify/Validate</a:t>
+            </a:r>
+            <a:endParaRPr lang="en-US" sz="1200" dirty="0"/>
+          </a:p>
+        </p:txBody>
+      </p:sp>
+      <p:sp>
+        <p:nvSpPr>
+          <p:cNvPr id="35" name="TextBox 34"/>
+          <p:cNvSpPr txBox="1"/>
+          <p:nvPr/>
+        </p:nvSpPr>
+        <p:spPr>
+          <a:xfrm>
+            <a:off x="3741442" y="3964255"/>
+            <a:ext cx="568938" cy="276999"/>
+          </a:xfrm>
+          <a:prstGeom prst="rect">
+            <a:avLst/>
+          </a:prstGeom>
+          <a:noFill/>
+        </p:spPr>
+        <p:txBody>
+          <a:bodyPr wrap="none" rtlCol="0">
+            <a:spAutoFit/>
+          </a:bodyPr>
+          <a:lstStyle/>
+          <a:p>
+            <a:r>
+              <a:rPr lang="en-US" sz="1200" dirty="0"/>
+              <a:t>Verify</a:t>
+            </a:r>
+          </a:p>
+        </p:txBody>
+      </p:sp>
+      <p:sp>
+        <p:nvSpPr>
+          <p:cNvPr id="36" name="TextBox 35"/>
+          <p:cNvSpPr txBox="1"/>
+          <p:nvPr/>
+        </p:nvSpPr>
+        <p:spPr>
+          <a:xfrm>
+            <a:off x="3113115" y="2880457"/>
+            <a:ext cx="568938" cy="276999"/>
+          </a:xfrm>
+          <a:prstGeom prst="rect">
+            <a:avLst/>
+          </a:prstGeom>
+          <a:noFill/>
+        </p:spPr>
+        <p:txBody>
+          <a:bodyPr wrap="none" rtlCol="0">
+            <a:spAutoFit/>
+          </a:bodyPr>
+          <a:lstStyle/>
+          <a:p>
+            <a:r>
+              <a:rPr lang="en-US" sz="1200" dirty="0"/>
+              <a:t>Verify</a:t>
+            </a:r>
+          </a:p>
+        </p:txBody>
+      </p:sp>
+      <p:sp>
+        <p:nvSpPr>
+          <p:cNvPr id="40" name="Up-Down Arrow 39"/>
+          <p:cNvSpPr/>
+          <p:nvPr/>
+        </p:nvSpPr>
+        <p:spPr bwMode="auto">
+          <a:xfrm>
+            <a:off x="8119675" y="1530878"/>
+            <a:ext cx="209466" cy="4475477"/>
+          </a:xfrm>
+          <a:prstGeom prst="upDownArrow">
+            <a:avLst/>
+          </a:prstGeom>
+          <a:solidFill>
+            <a:schemeClr val="accent4">
+              <a:lumMod val="75000"/>
+            </a:schemeClr>
+          </a:solidFill>
+          <a:ln w="9525" cap="flat" cmpd="sng" algn="ctr">
+            <a:noFill/>
+            <a:prstDash val="solid"/>
+            <a:round/>
+            <a:headEnd type="none" w="med" len="med"/>
+            <a:tailEnd type="none" w="med" len="med"/>
+          </a:ln>
+          <a:effectLst/>
+        </p:spPr>
+        <p:txBody>
+          <a:bodyPr vert="horz" wrap="square" lIns="91440" tIns="45720" rIns="91440" bIns="45720" numCol="1" rtlCol="0" anchor="t" anchorCtr="0" compatLnSpc="1">
+            <a:prstTxWarp prst="textNoShape">
+              <a:avLst/>
+            </a:prstTxWarp>
+          </a:bodyPr>
+          <a:lstStyle/>
+          <a:p>
+            <a:pPr marL="0" marR="0" indent="0" algn="l" defTabSz="914400" rtl="0" eaLnBrk="1" fontAlgn="base" latinLnBrk="0" hangingPunct="1">
+              <a:lnSpc>
+                <a:spcPct val="100000"/>
+              </a:lnSpc>
+              <a:spcBef>
+                <a:spcPct val="0"/>
+              </a:spcBef>
+              <a:spcAft>
+                <a:spcPct val="0"/>
+              </a:spcAft>
+              <a:buClrTx/>
+              <a:buSzTx/>
+              <a:buFontTx/>
+              <a:buNone/>
+              <a:tabLst/>
+            </a:pPr>
+            <a:endParaRPr kumimoji="0" lang="en-US" sz="1800" b="0" i="0" u="none" strike="noStrike" cap="none" normalizeH="0" baseline="0" smtClean="0">
+              <a:ln>
+                <a:noFill/>
+              </a:ln>
+              <a:solidFill>
+                <a:schemeClr val="tx1"/>
+              </a:solidFill>
+              <a:effectLst/>
+              <a:latin typeface="Arial" charset="0"/>
+            </a:endParaRPr>
+          </a:p>
+        </p:txBody>
+      </p:sp>
+      <p:sp>
+        <p:nvSpPr>
+          <p:cNvPr id="41" name="TextBox 40"/>
+          <p:cNvSpPr txBox="1"/>
+          <p:nvPr/>
+        </p:nvSpPr>
+        <p:spPr>
+          <a:xfrm>
+            <a:off x="8306986" y="3934359"/>
+            <a:ext cx="641522" cy="523220"/>
+          </a:xfrm>
+          <a:prstGeom prst="rect">
+            <a:avLst/>
+          </a:prstGeom>
+          <a:noFill/>
+        </p:spPr>
+        <p:txBody>
+          <a:bodyPr wrap="none" rtlCol="0">
+            <a:spAutoFit/>
+          </a:bodyPr>
+          <a:lstStyle/>
+          <a:p>
+            <a:r>
+              <a:rPr lang="en-US" sz="1400" dirty="0" smtClean="0"/>
+              <a:t>21/6</a:t>
+            </a:r>
+          </a:p>
+          <a:p>
+            <a:r>
+              <a:rPr lang="en-US" sz="1400" dirty="0" smtClean="0"/>
+              <a:t>- 27/7</a:t>
+            </a:r>
+            <a:endParaRPr lang="en-US" sz="1400" dirty="0"/>
+          </a:p>
+        </p:txBody>
+      </p:sp>
+      <p:sp>
+        <p:nvSpPr>
+          <p:cNvPr id="42" name="TextBox 41"/>
+          <p:cNvSpPr txBox="1"/>
+          <p:nvPr/>
+        </p:nvSpPr>
+        <p:spPr>
+          <a:xfrm>
+            <a:off x="8306986" y="2839619"/>
+            <a:ext cx="542136" cy="523220"/>
+          </a:xfrm>
+          <a:prstGeom prst="rect">
+            <a:avLst/>
+          </a:prstGeom>
+          <a:noFill/>
+        </p:spPr>
+        <p:txBody>
+          <a:bodyPr wrap="none" rtlCol="0">
+            <a:spAutoFit/>
+          </a:bodyPr>
+          <a:lstStyle/>
+          <a:p>
+            <a:r>
+              <a:rPr lang="en-US" sz="1400" dirty="0" smtClean="0"/>
+              <a:t>28/7</a:t>
+            </a:r>
+          </a:p>
+          <a:p>
+            <a:r>
+              <a:rPr lang="en-US" sz="1400" dirty="0" smtClean="0"/>
+              <a:t>- 1/8</a:t>
+            </a:r>
+            <a:endParaRPr lang="en-US" sz="1400" dirty="0"/>
+          </a:p>
+        </p:txBody>
+      </p:sp>
+      <p:sp>
+        <p:nvSpPr>
+          <p:cNvPr id="43" name="TextBox 42"/>
+          <p:cNvSpPr txBox="1"/>
+          <p:nvPr/>
+        </p:nvSpPr>
+        <p:spPr>
+          <a:xfrm>
+            <a:off x="8306986" y="1668679"/>
+            <a:ext cx="542136" cy="523220"/>
+          </a:xfrm>
+          <a:prstGeom prst="rect">
+            <a:avLst/>
+          </a:prstGeom>
+          <a:noFill/>
+        </p:spPr>
+        <p:txBody>
+          <a:bodyPr wrap="none" rtlCol="0">
+            <a:spAutoFit/>
+          </a:bodyPr>
+          <a:lstStyle/>
+          <a:p>
+            <a:r>
+              <a:rPr lang="en-US" sz="1400" dirty="0" smtClean="0"/>
+              <a:t>2/7</a:t>
+            </a:r>
+          </a:p>
+          <a:p>
+            <a:r>
+              <a:rPr lang="en-US" sz="1400" dirty="0" smtClean="0"/>
+              <a:t>- 6/8</a:t>
+            </a:r>
+            <a:endParaRPr lang="en-US" sz="1400" dirty="0"/>
+          </a:p>
+        </p:txBody>
+      </p:sp>
+    </p:spTree>
+    <p:extLst>
+      <p:ext uri="{BB962C8B-B14F-4D97-AF65-F5344CB8AC3E}">
+        <p14:creationId xmlns:p14="http://schemas.microsoft.com/office/powerpoint/2010/main" val="1057177130"/>
+      </p:ext>
+    </p:extLst>
+  </p:cSld>
+  <p:clrMapOvr>
+    <a:masterClrMapping/>
+  </p:clrMapOvr>
+  <p:timing>
+    <p:tnLst>
+      <p:par>
+        <p:cTn id="1" dur="indefinite" restart="never" nodeType="tmRoot"/>
+      </p:par>
+    </p:tnLst>
+  </p:timing>
+</p:sld>
+</file>
+
+<file path=ppt/slides/slide15.xml><?xml version="1.0" encoding="utf-8"?>
+<p:sld xmlns:a="http://schemas.openxmlformats.org/drawingml/2006/main" xmlns:r="http://schemas.openxmlformats.org/officeDocument/2006/relationships" xmlns:p="http://schemas.openxmlformats.org/presentationml/2006/main">
+  <p:cSld>
+    <p:spTree>
+      <p:nvGrpSpPr>
+        <p:cNvPr id="1" name=""/>
+        <p:cNvGrpSpPr/>
+        <p:nvPr/>
+      </p:nvGrpSpPr>
+      <p:grpSpPr>
+        <a:xfrm>
+          <a:off x="0" y="0"/>
+          <a:ext cx="0" cy="0"/>
+          <a:chOff x="0" y="0"/>
+          <a:chExt cx="0" cy="0"/>
+        </a:xfrm>
+      </p:grpSpPr>
+      <p:sp>
+        <p:nvSpPr>
+          <p:cNvPr id="2" name="Title 1"/>
+          <p:cNvSpPr>
+            <a:spLocks noGrp="1"/>
+          </p:cNvSpPr>
+          <p:nvPr>
+            <p:ph type="title"/>
+          </p:nvPr>
+        </p:nvSpPr>
+        <p:spPr/>
+        <p:txBody>
+          <a:bodyPr>
+            <a:normAutofit fontScale="90000"/>
+          </a:bodyPr>
+          <a:lstStyle/>
+          <a:p>
+            <a:r>
+              <a:rPr lang="en-US" dirty="0"/>
               <a:t>Project Management </a:t>
             </a:r>
             <a:r>
@@ -35052,7 +37605,7 @@
             <a:fld id="{B880891D-F623-43F5-8A70-E4D501C286D5}" type="slidenum">
               <a:rPr lang="en-US" smtClean="0"/>
               <a:pPr/>
-              <a:t>14</a:t>
+              <a:t>15</a:t>
             </a:fld>
             <a:endParaRPr lang="en-US" dirty="0"/>
           </a:p>
@@ -35078,7 +37631,7 @@
 </p:sld>
 </file>
 
-<file path=ppt/slides/slide15.xml><?xml version="1.0" encoding="utf-8"?>
+<file path=ppt/slides/slide16.xml><?xml version="1.0" encoding="utf-8"?>
 <p:sld xmlns:a="http://schemas.openxmlformats.org/drawingml/2006/main" xmlns:r="http://schemas.openxmlformats.org/officeDocument/2006/relationships" xmlns:p="http://schemas.openxmlformats.org/presentationml/2006/main">
   <p:cSld>
     <p:spTree>
@@ -35905,7 +38458,7 @@
             <a:fld id="{B880891D-F623-43F5-8A70-E4D501C286D5}" type="slidenum">
               <a:rPr lang="en-US" smtClean="0"/>
               <a:pPr/>
-              <a:t>15</a:t>
+              <a:t>16</a:t>
             </a:fld>
             <a:endParaRPr lang="en-US" dirty="0"/>
           </a:p>
@@ -35931,7 +38484,7 @@
 </p:sld>
 </file>
 
-<file path=ppt/slides/slide16.xml><?xml version="1.0" encoding="utf-8"?>
+<file path=ppt/slides/slide17.xml><?xml version="1.0" encoding="utf-8"?>
 <p:sld xmlns:a="http://schemas.openxmlformats.org/drawingml/2006/main" xmlns:r="http://schemas.openxmlformats.org/officeDocument/2006/relationships" xmlns:p="http://schemas.openxmlformats.org/presentationml/2006/main">
   <p:cSld>
     <p:spTree>
@@ -36079,21 +38632,26 @@
           <a:p>
             <a:pPr lvl="1"/>
             <a:r>
-              <a:rPr lang="en-US" sz="2000" b="1" dirty="0">
+              <a:rPr lang="en-US" sz="2000" b="1" dirty="0" smtClean="0">
                 <a:solidFill>
                   <a:schemeClr val="tx1"/>
                 </a:solidFill>
               </a:rPr>
-              <a:t>Tools selection </a:t>
-            </a:r>
-            <a:r>
-              <a:rPr lang="en-US" sz="2000" dirty="0">
+              <a:t>Tools</a:t>
+            </a:r>
+            <a:r>
+              <a:rPr lang="en-US" sz="2000" dirty="0" smtClean="0">
                 <a:solidFill>
                   <a:schemeClr val="tx1"/>
                 </a:solidFill>
               </a:rPr>
               <a:t>:</a:t>
             </a:r>
+            <a:endParaRPr lang="en-US" sz="2000" dirty="0">
+              <a:solidFill>
+                <a:schemeClr val="tx1"/>
+              </a:solidFill>
+            </a:endParaRPr>
           </a:p>
           <a:p>
             <a:pPr lvl="2"/>
@@ -36145,7 +38703,7 @@
             <a:fld id="{B880891D-F623-43F5-8A70-E4D501C286D5}" type="slidenum">
               <a:rPr lang="en-US" smtClean="0"/>
               <a:pPr/>
-              <a:t>16</a:t>
+              <a:t>17</a:t>
             </a:fld>
             <a:endParaRPr lang="en-US" dirty="0"/>
           </a:p>
@@ -36171,7 +38729,7 @@
 </p:sld>
 </file>
 
-<file path=ppt/slides/slide17.xml><?xml version="1.0" encoding="utf-8"?>
+<file path=ppt/slides/slide18.xml><?xml version="1.0" encoding="utf-8"?>
 <p:sld xmlns:a="http://schemas.openxmlformats.org/drawingml/2006/main" xmlns:r="http://schemas.openxmlformats.org/officeDocument/2006/relationships" xmlns:p="http://schemas.openxmlformats.org/presentationml/2006/main">
   <p:cSld>
     <p:spTree>
@@ -36756,7 +39314,7 @@
         </p:nvSpPr>
         <p:spPr bwMode="gray">
           <a:xfrm>
-            <a:off x="3007367" y="1337564"/>
+            <a:off x="3015513" y="2442776"/>
             <a:ext cx="4362262" cy="461665"/>
           </a:xfrm>
           <a:prstGeom prst="rect">
@@ -37082,7 +39640,7 @@
         </p:nvSpPr>
         <p:spPr bwMode="gray">
           <a:xfrm>
-            <a:off x="3007367" y="2477055"/>
+            <a:off x="3025916" y="4505751"/>
             <a:ext cx="4401115" cy="416011"/>
           </a:xfrm>
           <a:prstGeom prst="rect">
@@ -37374,7 +39932,7 @@
         </p:nvSpPr>
         <p:spPr bwMode="gray">
           <a:xfrm>
-            <a:off x="3045413" y="4534760"/>
+            <a:off x="3040913" y="1337564"/>
             <a:ext cx="4400416" cy="461665"/>
           </a:xfrm>
           <a:prstGeom prst="rect">
@@ -37505,7 +40063,7 @@
             <a:fld id="{B880891D-F623-43F5-8A70-E4D501C286D5}" type="slidenum">
               <a:rPr lang="en-US" smtClean="0"/>
               <a:pPr/>
-              <a:t>17</a:t>
+              <a:t>18</a:t>
             </a:fld>
             <a:endParaRPr lang="en-US" dirty="0"/>
           </a:p>
@@ -37531,7 +40089,7 @@
 </p:sld>
 </file>
 
-<file path=ppt/slides/slide18.xml><?xml version="1.0" encoding="utf-8"?>
+<file path=ppt/slides/slide19.xml><?xml version="1.0" encoding="utf-8"?>
 <p:sld xmlns:a="http://schemas.openxmlformats.org/drawingml/2006/main" xmlns:r="http://schemas.openxmlformats.org/officeDocument/2006/relationships" xmlns:p="http://schemas.openxmlformats.org/presentationml/2006/main">
   <p:cSld>
     <p:spTree>
@@ -37685,7 +40243,7 @@
             <a:fld id="{B880891D-F623-43F5-8A70-E4D501C286D5}" type="slidenum">
               <a:rPr lang="en-US" smtClean="0"/>
               <a:pPr/>
-              <a:t>18</a:t>
+              <a:t>19</a:t>
             </a:fld>
             <a:endParaRPr lang="en-US" dirty="0"/>
           </a:p>
@@ -37695,243 +40253,6 @@
     <p:extLst>
       <p:ext uri="{BB962C8B-B14F-4D97-AF65-F5344CB8AC3E}">
         <p14:creationId xmlns:p14="http://schemas.microsoft.com/office/powerpoint/2010/main" val="2392276171"/>
-      </p:ext>
-    </p:extLst>
-  </p:cSld>
-  <p:clrMapOvr>
-    <a:masterClrMapping/>
-  </p:clrMapOvr>
-  <p:timing>
-    <p:tnLst>
-      <p:par>
-        <p:cTn id="1" dur="indefinite" restart="never" nodeType="tmRoot"/>
-      </p:par>
-    </p:tnLst>
-  </p:timing>
-</p:sld>
-</file>
-
-<file path=ppt/slides/slide19.xml><?xml version="1.0" encoding="utf-8"?>
-<p:sld xmlns:a="http://schemas.openxmlformats.org/drawingml/2006/main" xmlns:r="http://schemas.openxmlformats.org/officeDocument/2006/relationships" xmlns:p="http://schemas.openxmlformats.org/presentationml/2006/main">
-  <p:cSld>
-    <p:spTree>
-      <p:nvGrpSpPr>
-        <p:cNvPr id="1" name=""/>
-        <p:cNvGrpSpPr/>
-        <p:nvPr/>
-      </p:nvGrpSpPr>
-      <p:grpSpPr>
-        <a:xfrm>
-          <a:off x="0" y="0"/>
-          <a:ext cx="0" cy="0"/>
-          <a:chOff x="0" y="0"/>
-          <a:chExt cx="0" cy="0"/>
-        </a:xfrm>
-      </p:grpSpPr>
-      <p:sp>
-        <p:nvSpPr>
-          <p:cNvPr id="2" name="Title 1"/>
-          <p:cNvSpPr>
-            <a:spLocks noGrp="1"/>
-          </p:cNvSpPr>
-          <p:nvPr>
-            <p:ph type="title"/>
-          </p:nvPr>
-        </p:nvSpPr>
-        <p:spPr/>
-        <p:txBody>
-          <a:bodyPr>
-            <a:normAutofit fontScale="90000"/>
-          </a:bodyPr>
-          <a:lstStyle/>
-          <a:p>
-            <a:endParaRPr lang="en-US"/>
-          </a:p>
-        </p:txBody>
-      </p:sp>
-      <p:sp>
-        <p:nvSpPr>
-          <p:cNvPr id="3" name="Content Placeholder 2"/>
-          <p:cNvSpPr>
-            <a:spLocks noGrp="1"/>
-          </p:cNvSpPr>
-          <p:nvPr>
-            <p:ph idx="1"/>
-          </p:nvPr>
-        </p:nvSpPr>
-        <p:spPr>
-          <a:xfrm>
-            <a:off x="228600" y="1066800"/>
-            <a:ext cx="8229600" cy="5059363"/>
-          </a:xfrm>
-        </p:spPr>
-        <p:txBody>
-          <a:bodyPr/>
-          <a:lstStyle/>
-          <a:p>
-            <a:pPr lvl="2"/>
-            <a:r>
-              <a:rPr lang="en-US" sz="2200" dirty="0">
-                <a:solidFill>
-                  <a:schemeClr val="tx1"/>
-                </a:solidFill>
-                <a:latin typeface="Corbel (Body)"/>
-              </a:rPr>
-              <a:t>Subject divide smaller follow to university exam preparation</a:t>
-            </a:r>
-          </a:p>
-          <a:p>
-            <a:pPr lvl="3"/>
-            <a:r>
-              <a:rPr lang="en-US" sz="1600" dirty="0">
-                <a:solidFill>
-                  <a:schemeClr val="tx1"/>
-                </a:solidFill>
-                <a:latin typeface="Corbel (Body)"/>
-              </a:rPr>
-              <a:t>Algebra, Geometry, Physics : Chapter</a:t>
-            </a:r>
-          </a:p>
-          <a:p>
-            <a:pPr lvl="3"/>
-            <a:r>
-              <a:rPr lang="en-US" sz="1600" dirty="0">
-                <a:solidFill>
-                  <a:schemeClr val="tx1"/>
-                </a:solidFill>
-                <a:latin typeface="Corbel (Body)"/>
-              </a:rPr>
-              <a:t>English: Grammar Topic </a:t>
-            </a:r>
-          </a:p>
-          <a:p>
-            <a:pPr lvl="2"/>
-            <a:r>
-              <a:rPr lang="en-US" sz="2200" dirty="0">
-                <a:solidFill>
-                  <a:schemeClr val="tx1"/>
-                </a:solidFill>
-                <a:latin typeface="Corbel (Body)"/>
-              </a:rPr>
-              <a:t>Chapter and Grammar Topic has theories</a:t>
-            </a:r>
-          </a:p>
-          <a:p>
-            <a:pPr lvl="2"/>
-            <a:r>
-              <a:rPr lang="en-US" sz="2200" dirty="0">
-                <a:solidFill>
-                  <a:schemeClr val="tx1"/>
-                </a:solidFill>
-                <a:latin typeface="Corbel (Body)"/>
-              </a:rPr>
-              <a:t>Theory contain content, related questions, video(optional)</a:t>
-            </a:r>
-          </a:p>
-          <a:p>
-            <a:pPr lvl="2"/>
-            <a:r>
-              <a:rPr lang="en-US" sz="2200" dirty="0" smtClean="0">
-                <a:solidFill>
-                  <a:schemeClr val="tx1"/>
-                </a:solidFill>
-                <a:latin typeface="Corbel (Body)"/>
-              </a:rPr>
-              <a:t>Reliable source of information: </a:t>
-            </a:r>
-          </a:p>
-          <a:p>
-            <a:pPr lvl="3"/>
-            <a:r>
-              <a:rPr lang="en-US" sz="1800" smtClean="0">
-                <a:solidFill>
-                  <a:schemeClr val="tx1"/>
-                </a:solidFill>
-                <a:latin typeface="Corbel (Body)"/>
-              </a:rPr>
-              <a:t>Information </a:t>
-            </a:r>
-            <a:r>
-              <a:rPr lang="en-US" sz="1800" dirty="0" smtClean="0">
-                <a:solidFill>
-                  <a:schemeClr val="tx1"/>
-                </a:solidFill>
-                <a:latin typeface="Corbel (Body)"/>
-              </a:rPr>
-              <a:t>Supporter</a:t>
-            </a:r>
-          </a:p>
-          <a:p>
-            <a:pPr lvl="3"/>
-            <a:r>
-              <a:rPr lang="en-US" sz="1800" dirty="0" smtClean="0">
-                <a:solidFill>
-                  <a:schemeClr val="tx1"/>
-                </a:solidFill>
-                <a:latin typeface="Corbel (Body)"/>
-              </a:rPr>
-              <a:t>Wikipedia</a:t>
-            </a:r>
-          </a:p>
-          <a:p>
-            <a:pPr lvl="3"/>
-            <a:r>
-              <a:rPr lang="en-US" sz="1800" dirty="0" smtClean="0">
-                <a:solidFill>
-                  <a:schemeClr val="tx1"/>
-                </a:solidFill>
-                <a:latin typeface="Corbel (Body)"/>
-              </a:rPr>
-              <a:t>Vietnam </a:t>
-            </a:r>
-            <a:r>
-              <a:rPr lang="en-US" sz="1800" dirty="0">
-                <a:solidFill>
-                  <a:schemeClr val="tx1"/>
-                </a:solidFill>
-                <a:latin typeface="Corbel (Body)"/>
-              </a:rPr>
-              <a:t>High School Standard Textbooks.</a:t>
-            </a:r>
-          </a:p>
-          <a:p>
-            <a:endParaRPr lang="en-US" dirty="0"/>
-          </a:p>
-        </p:txBody>
-      </p:sp>
-      <p:sp>
-        <p:nvSpPr>
-          <p:cNvPr id="4" name="Slide Number Placeholder 3"/>
-          <p:cNvSpPr>
-            <a:spLocks noGrp="1"/>
-          </p:cNvSpPr>
-          <p:nvPr>
-            <p:ph type="sldNum" sz="quarter" idx="12"/>
-          </p:nvPr>
-        </p:nvSpPr>
-        <p:spPr>
-          <a:xfrm>
-            <a:off x="6781800" y="6553200"/>
-            <a:ext cx="2133600" cy="228600"/>
-          </a:xfrm>
-        </p:spPr>
-        <p:txBody>
-          <a:bodyPr/>
-          <a:lstStyle/>
-          <a:p>
-            <a:fld id="{B880891D-F623-43F5-8A70-E4D501C286D5}" type="slidenum">
-              <a:rPr lang="en-US" smtClean="0"/>
-              <a:pPr/>
-              <a:t>19</a:t>
-            </a:fld>
-            <a:endParaRPr lang="en-US" dirty="0"/>
-          </a:p>
-        </p:txBody>
-      </p:sp>
-    </p:spTree>
-    <p:extLst>
-      <p:ext uri="{BB962C8B-B14F-4D97-AF65-F5344CB8AC3E}">
-        <p14:creationId xmlns:p14="http://schemas.microsoft.com/office/powerpoint/2010/main" val="2998067066"/>
       </p:ext>
     </p:extLst>
   </p:cSld>
@@ -38191,6 +40512,243 @@
 </file>
 
 <file path=ppt/slides/slide20.xml><?xml version="1.0" encoding="utf-8"?>
+<p:sld xmlns:a="http://schemas.openxmlformats.org/drawingml/2006/main" xmlns:r="http://schemas.openxmlformats.org/officeDocument/2006/relationships" xmlns:p="http://schemas.openxmlformats.org/presentationml/2006/main">
+  <p:cSld>
+    <p:spTree>
+      <p:nvGrpSpPr>
+        <p:cNvPr id="1" name=""/>
+        <p:cNvGrpSpPr/>
+        <p:nvPr/>
+      </p:nvGrpSpPr>
+      <p:grpSpPr>
+        <a:xfrm>
+          <a:off x="0" y="0"/>
+          <a:ext cx="0" cy="0"/>
+          <a:chOff x="0" y="0"/>
+          <a:chExt cx="0" cy="0"/>
+        </a:xfrm>
+      </p:grpSpPr>
+      <p:sp>
+        <p:nvSpPr>
+          <p:cNvPr id="2" name="Title 1"/>
+          <p:cNvSpPr>
+            <a:spLocks noGrp="1"/>
+          </p:cNvSpPr>
+          <p:nvPr>
+            <p:ph type="title"/>
+          </p:nvPr>
+        </p:nvSpPr>
+        <p:spPr/>
+        <p:txBody>
+          <a:bodyPr>
+            <a:normAutofit fontScale="90000"/>
+          </a:bodyPr>
+          <a:lstStyle/>
+          <a:p>
+            <a:endParaRPr lang="en-US"/>
+          </a:p>
+        </p:txBody>
+      </p:sp>
+      <p:sp>
+        <p:nvSpPr>
+          <p:cNvPr id="3" name="Content Placeholder 2"/>
+          <p:cNvSpPr>
+            <a:spLocks noGrp="1"/>
+          </p:cNvSpPr>
+          <p:nvPr>
+            <p:ph idx="1"/>
+          </p:nvPr>
+        </p:nvSpPr>
+        <p:spPr>
+          <a:xfrm>
+            <a:off x="228600" y="1066800"/>
+            <a:ext cx="8229600" cy="5059363"/>
+          </a:xfrm>
+        </p:spPr>
+        <p:txBody>
+          <a:bodyPr/>
+          <a:lstStyle/>
+          <a:p>
+            <a:pPr lvl="2"/>
+            <a:r>
+              <a:rPr lang="en-US" sz="2200" dirty="0">
+                <a:solidFill>
+                  <a:schemeClr val="tx1"/>
+                </a:solidFill>
+                <a:latin typeface="Corbel (Body)"/>
+              </a:rPr>
+              <a:t>Subject divide smaller follow to university exam preparation</a:t>
+            </a:r>
+          </a:p>
+          <a:p>
+            <a:pPr lvl="3"/>
+            <a:r>
+              <a:rPr lang="en-US" sz="1600" dirty="0">
+                <a:solidFill>
+                  <a:schemeClr val="tx1"/>
+                </a:solidFill>
+                <a:latin typeface="Corbel (Body)"/>
+              </a:rPr>
+              <a:t>Algebra, Geometry, Physics : Chapter</a:t>
+            </a:r>
+          </a:p>
+          <a:p>
+            <a:pPr lvl="3"/>
+            <a:r>
+              <a:rPr lang="en-US" sz="1600" dirty="0">
+                <a:solidFill>
+                  <a:schemeClr val="tx1"/>
+                </a:solidFill>
+                <a:latin typeface="Corbel (Body)"/>
+              </a:rPr>
+              <a:t>English: Grammar Topic </a:t>
+            </a:r>
+          </a:p>
+          <a:p>
+            <a:pPr lvl="2"/>
+            <a:r>
+              <a:rPr lang="en-US" sz="2200" dirty="0">
+                <a:solidFill>
+                  <a:schemeClr val="tx1"/>
+                </a:solidFill>
+                <a:latin typeface="Corbel (Body)"/>
+              </a:rPr>
+              <a:t>Chapter and Grammar Topic has theories</a:t>
+            </a:r>
+          </a:p>
+          <a:p>
+            <a:pPr lvl="2"/>
+            <a:r>
+              <a:rPr lang="en-US" sz="2200" dirty="0">
+                <a:solidFill>
+                  <a:schemeClr val="tx1"/>
+                </a:solidFill>
+                <a:latin typeface="Corbel (Body)"/>
+              </a:rPr>
+              <a:t>Theory contain content, related questions, video(optional)</a:t>
+            </a:r>
+          </a:p>
+          <a:p>
+            <a:pPr lvl="2"/>
+            <a:r>
+              <a:rPr lang="en-US" sz="2200" dirty="0" smtClean="0">
+                <a:solidFill>
+                  <a:schemeClr val="tx1"/>
+                </a:solidFill>
+                <a:latin typeface="Corbel (Body)"/>
+              </a:rPr>
+              <a:t>Reliable source of information: </a:t>
+            </a:r>
+          </a:p>
+          <a:p>
+            <a:pPr lvl="3"/>
+            <a:r>
+              <a:rPr lang="en-US" sz="1800" smtClean="0">
+                <a:solidFill>
+                  <a:schemeClr val="tx1"/>
+                </a:solidFill>
+                <a:latin typeface="Corbel (Body)"/>
+              </a:rPr>
+              <a:t>Information </a:t>
+            </a:r>
+            <a:r>
+              <a:rPr lang="en-US" sz="1800" dirty="0" smtClean="0">
+                <a:solidFill>
+                  <a:schemeClr val="tx1"/>
+                </a:solidFill>
+                <a:latin typeface="Corbel (Body)"/>
+              </a:rPr>
+              <a:t>Supporter</a:t>
+            </a:r>
+          </a:p>
+          <a:p>
+            <a:pPr lvl="3"/>
+            <a:r>
+              <a:rPr lang="en-US" sz="1800" dirty="0" smtClean="0">
+                <a:solidFill>
+                  <a:schemeClr val="tx1"/>
+                </a:solidFill>
+                <a:latin typeface="Corbel (Body)"/>
+              </a:rPr>
+              <a:t>Wikipedia</a:t>
+            </a:r>
+          </a:p>
+          <a:p>
+            <a:pPr lvl="3"/>
+            <a:r>
+              <a:rPr lang="en-US" sz="1800" dirty="0" smtClean="0">
+                <a:solidFill>
+                  <a:schemeClr val="tx1"/>
+                </a:solidFill>
+                <a:latin typeface="Corbel (Body)"/>
+              </a:rPr>
+              <a:t>Vietnam </a:t>
+            </a:r>
+            <a:r>
+              <a:rPr lang="en-US" sz="1800" dirty="0">
+                <a:solidFill>
+                  <a:schemeClr val="tx1"/>
+                </a:solidFill>
+                <a:latin typeface="Corbel (Body)"/>
+              </a:rPr>
+              <a:t>High School Standard Textbooks.</a:t>
+            </a:r>
+          </a:p>
+          <a:p>
+            <a:endParaRPr lang="en-US" dirty="0"/>
+          </a:p>
+        </p:txBody>
+      </p:sp>
+      <p:sp>
+        <p:nvSpPr>
+          <p:cNvPr id="4" name="Slide Number Placeholder 3"/>
+          <p:cNvSpPr>
+            <a:spLocks noGrp="1"/>
+          </p:cNvSpPr>
+          <p:nvPr>
+            <p:ph type="sldNum" sz="quarter" idx="12"/>
+          </p:nvPr>
+        </p:nvSpPr>
+        <p:spPr>
+          <a:xfrm>
+            <a:off x="6781800" y="6553200"/>
+            <a:ext cx="2133600" cy="228600"/>
+          </a:xfrm>
+        </p:spPr>
+        <p:txBody>
+          <a:bodyPr/>
+          <a:lstStyle/>
+          <a:p>
+            <a:fld id="{B880891D-F623-43F5-8A70-E4D501C286D5}" type="slidenum">
+              <a:rPr lang="en-US" smtClean="0"/>
+              <a:pPr/>
+              <a:t>20</a:t>
+            </a:fld>
+            <a:endParaRPr lang="en-US" dirty="0"/>
+          </a:p>
+        </p:txBody>
+      </p:sp>
+    </p:spTree>
+    <p:extLst>
+      <p:ext uri="{BB962C8B-B14F-4D97-AF65-F5344CB8AC3E}">
+        <p14:creationId xmlns:p14="http://schemas.microsoft.com/office/powerpoint/2010/main" val="2998067066"/>
+      </p:ext>
+    </p:extLst>
+  </p:cSld>
+  <p:clrMapOvr>
+    <a:masterClrMapping/>
+  </p:clrMapOvr>
+  <p:timing>
+    <p:tnLst>
+      <p:par>
+        <p:cTn id="1" dur="indefinite" restart="never" nodeType="tmRoot"/>
+      </p:par>
+    </p:tnLst>
+  </p:timing>
+</p:sld>
+</file>
+
+<file path=ppt/slides/slide21.xml><?xml version="1.0" encoding="utf-8"?>
 <p:sld xmlns:a="http://schemas.openxmlformats.org/drawingml/2006/main" xmlns:r="http://schemas.openxmlformats.org/officeDocument/2006/relationships" xmlns:p="http://schemas.openxmlformats.org/presentationml/2006/main">
   <p:cSld>
     <p:spTree>
@@ -38598,7 +41156,7 @@
             <a:fld id="{B880891D-F623-43F5-8A70-E4D501C286D5}" type="slidenum">
               <a:rPr lang="en-US" smtClean="0"/>
               <a:pPr/>
-              <a:t>20</a:t>
+              <a:t>21</a:t>
             </a:fld>
             <a:endParaRPr lang="en-US" dirty="0"/>
           </a:p>
@@ -38624,7 +41182,7 @@
 </p:sld>
 </file>
 
-<file path=ppt/slides/slide21.xml><?xml version="1.0" encoding="utf-8"?>
+<file path=ppt/slides/slide22.xml><?xml version="1.0" encoding="utf-8"?>
 <p:sld xmlns:a="http://schemas.openxmlformats.org/drawingml/2006/main" xmlns:r="http://schemas.openxmlformats.org/officeDocument/2006/relationships" xmlns:p="http://schemas.openxmlformats.org/presentationml/2006/main">
   <p:cSld>
     <p:spTree>
@@ -38707,7 +41265,7 @@
           <p:nvPr>
             <p:extLst>
               <p:ext uri="{D42A27DB-BD31-4B8C-83A1-F6EECF244321}">
-                <p14:modId xmlns:p14="http://schemas.microsoft.com/office/powerpoint/2010/main" val="1138754423"/>
+                <p14:modId xmlns:p14="http://schemas.microsoft.com/office/powerpoint/2010/main" val="3502856077"/>
               </p:ext>
             </p:extLst>
           </p:nvPr>
@@ -38745,7 +41303,7 @@
             <a:fld id="{B880891D-F623-43F5-8A70-E4D501C286D5}" type="slidenum">
               <a:rPr lang="en-US" smtClean="0"/>
               <a:pPr/>
-              <a:t>21</a:t>
+              <a:t>22</a:t>
             </a:fld>
             <a:endParaRPr lang="en-US" dirty="0"/>
           </a:p>
@@ -38771,7 +41329,7 @@
 </p:sld>
 </file>
 
-<file path=ppt/slides/slide22.xml><?xml version="1.0" encoding="utf-8"?>
+<file path=ppt/slides/slide23.xml><?xml version="1.0" encoding="utf-8"?>
 <p:sld xmlns:a="http://schemas.openxmlformats.org/drawingml/2006/main" xmlns:r="http://schemas.openxmlformats.org/officeDocument/2006/relationships" xmlns:p="http://schemas.openxmlformats.org/presentationml/2006/main">
   <p:cSld>
     <p:spTree>
@@ -38928,7 +41486,7 @@
             <a:fld id="{B880891D-F623-43F5-8A70-E4D501C286D5}" type="slidenum">
               <a:rPr lang="en-US" smtClean="0"/>
               <a:pPr/>
-              <a:t>22</a:t>
+              <a:t>23</a:t>
             </a:fld>
             <a:endParaRPr lang="en-US" dirty="0"/>
           </a:p>
@@ -38954,7 +41512,7 @@
 </p:sld>
 </file>
 
-<file path=ppt/slides/slide23.xml><?xml version="1.0" encoding="utf-8"?>
+<file path=ppt/slides/slide24.xml><?xml version="1.0" encoding="utf-8"?>
 <p:sld xmlns:a="http://schemas.openxmlformats.org/drawingml/2006/main" xmlns:r="http://schemas.openxmlformats.org/officeDocument/2006/relationships" xmlns:p="http://schemas.openxmlformats.org/presentationml/2006/main">
   <p:cSld>
     <p:spTree>
@@ -39098,7 +41656,7 @@
             <a:fld id="{B880891D-F623-43F5-8A70-E4D501C286D5}" type="slidenum">
               <a:rPr lang="en-US" smtClean="0"/>
               <a:pPr/>
-              <a:t>23</a:t>
+              <a:t>24</a:t>
             </a:fld>
             <a:endParaRPr lang="en-US" dirty="0"/>
           </a:p>
@@ -39124,7 +41682,7 @@
 </p:sld>
 </file>
 
-<file path=ppt/slides/slide24.xml><?xml version="1.0" encoding="utf-8"?>
+<file path=ppt/slides/slide25.xml><?xml version="1.0" encoding="utf-8"?>
 <p:sld xmlns:a="http://schemas.openxmlformats.org/drawingml/2006/main" xmlns:r="http://schemas.openxmlformats.org/officeDocument/2006/relationships" xmlns:p="http://schemas.openxmlformats.org/presentationml/2006/main">
   <p:cSld>
     <p:spTree>
@@ -39252,7 +41810,7 @@
             <a:fld id="{B880891D-F623-43F5-8A70-E4D501C286D5}" type="slidenum">
               <a:rPr lang="en-US" smtClean="0"/>
               <a:pPr/>
-              <a:t>24</a:t>
+              <a:t>25</a:t>
             </a:fld>
             <a:endParaRPr lang="en-US" dirty="0"/>
           </a:p>
@@ -39278,7 +41836,7 @@
 </p:sld>
 </file>
 
-<file path=ppt/slides/slide25.xml><?xml version="1.0" encoding="utf-8"?>
+<file path=ppt/slides/slide26.xml><?xml version="1.0" encoding="utf-8"?>
 <p:sld xmlns:a="http://schemas.openxmlformats.org/drawingml/2006/main" xmlns:r="http://schemas.openxmlformats.org/officeDocument/2006/relationships" xmlns:p="http://schemas.openxmlformats.org/presentationml/2006/main">
   <p:cSld>
     <p:spTree>
@@ -39407,7 +41965,7 @@
             <a:fld id="{B880891D-F623-43F5-8A70-E4D501C286D5}" type="slidenum">
               <a:rPr lang="en-US" smtClean="0"/>
               <a:pPr/>
-              <a:t>25</a:t>
+              <a:t>26</a:t>
             </a:fld>
             <a:endParaRPr lang="en-US" dirty="0"/>
           </a:p>
@@ -39433,7 +41991,7 @@
 </p:sld>
 </file>
 
-<file path=ppt/slides/slide26.xml><?xml version="1.0" encoding="utf-8"?>
+<file path=ppt/slides/slide27.xml><?xml version="1.0" encoding="utf-8"?>
 <p:sld xmlns:a="http://schemas.openxmlformats.org/drawingml/2006/main" xmlns:r="http://schemas.openxmlformats.org/officeDocument/2006/relationships" xmlns:p="http://schemas.openxmlformats.org/presentationml/2006/main">
   <p:cSld>
     <p:spTree>
@@ -39587,7 +42145,7 @@
           <a:graphicData uri="http://schemas.openxmlformats.org/presentationml/2006/ole">
             <mc:AlternateContent xmlns:mc="http://schemas.openxmlformats.org/markup-compatibility/2006">
               <mc:Choice xmlns:v="urn:schemas-microsoft-com:vml" Requires="v">
-                <p:oleObj spid="_x0000_s6322" name="SmartDraw" r:id="rId3" imgW="8703268" imgH="4533499" progId="">
+                <p:oleObj spid="_x0000_s6328" name="SmartDraw" r:id="rId3" imgW="8703268" imgH="4533499" progId="">
                   <p:embed/>
                 </p:oleObj>
               </mc:Choice>
@@ -39672,7 +42230,7 @@
             <a:fld id="{B880891D-F623-43F5-8A70-E4D501C286D5}" type="slidenum">
               <a:rPr lang="en-US" smtClean="0"/>
               <a:pPr/>
-              <a:t>26</a:t>
+              <a:t>27</a:t>
             </a:fld>
             <a:endParaRPr lang="en-US" dirty="0"/>
           </a:p>
@@ -39698,7 +42256,7 @@
 </p:sld>
 </file>
 
-<file path=ppt/slides/slide27.xml><?xml version="1.0" encoding="utf-8"?>
+<file path=ppt/slides/slide28.xml><?xml version="1.0" encoding="utf-8"?>
 <p:sld xmlns:a="http://schemas.openxmlformats.org/drawingml/2006/main" xmlns:r="http://schemas.openxmlformats.org/officeDocument/2006/relationships" xmlns:p="http://schemas.openxmlformats.org/presentationml/2006/main">
   <p:cSld>
     <p:spTree>
@@ -41562,7 +44120,7 @@
             <a:fld id="{B880891D-F623-43F5-8A70-E4D501C286D5}" type="slidenum">
               <a:rPr lang="en-US" smtClean="0"/>
               <a:pPr/>
-              <a:t>27</a:t>
+              <a:t>28</a:t>
             </a:fld>
             <a:endParaRPr lang="en-US" dirty="0"/>
           </a:p>
@@ -41572,1628 +44130,6 @@
     <p:extLst>
       <p:ext uri="{BB962C8B-B14F-4D97-AF65-F5344CB8AC3E}">
         <p14:creationId xmlns:p14="http://schemas.microsoft.com/office/powerpoint/2010/main" val="3904268104"/>
-      </p:ext>
-    </p:extLst>
-  </p:cSld>
-  <p:clrMapOvr>
-    <a:masterClrMapping/>
-  </p:clrMapOvr>
-  <p:timing>
-    <p:tnLst>
-      <p:par>
-        <p:cTn id="1" dur="indefinite" restart="never" nodeType="tmRoot"/>
-      </p:par>
-    </p:tnLst>
-  </p:timing>
-</p:sld>
-</file>
-
-<file path=ppt/slides/slide28.xml><?xml version="1.0" encoding="utf-8"?>
-<p:sld xmlns:a="http://schemas.openxmlformats.org/drawingml/2006/main" xmlns:r="http://schemas.openxmlformats.org/officeDocument/2006/relationships" xmlns:p="http://schemas.openxmlformats.org/presentationml/2006/main">
-  <p:cSld>
-    <p:spTree>
-      <p:nvGrpSpPr>
-        <p:cNvPr id="1" name=""/>
-        <p:cNvGrpSpPr/>
-        <p:nvPr/>
-      </p:nvGrpSpPr>
-      <p:grpSpPr>
-        <a:xfrm>
-          <a:off x="0" y="0"/>
-          <a:ext cx="0" cy="0"/>
-          <a:chOff x="0" y="0"/>
-          <a:chExt cx="0" cy="0"/>
-        </a:xfrm>
-      </p:grpSpPr>
-      <p:sp>
-        <p:nvSpPr>
-          <p:cNvPr id="2" name="Title 1"/>
-          <p:cNvSpPr>
-            <a:spLocks noGrp="1"/>
-          </p:cNvSpPr>
-          <p:nvPr>
-            <p:ph type="title"/>
-          </p:nvPr>
-        </p:nvSpPr>
-        <p:spPr/>
-        <p:txBody>
-          <a:bodyPr>
-            <a:normAutofit fontScale="90000"/>
-          </a:bodyPr>
-          <a:lstStyle/>
-          <a:p>
-            <a:endParaRPr lang="en-US"/>
-          </a:p>
-        </p:txBody>
-      </p:sp>
-      <p:sp>
-        <p:nvSpPr>
-          <p:cNvPr id="3" name="Content Placeholder 2"/>
-          <p:cNvSpPr>
-            <a:spLocks noGrp="1"/>
-          </p:cNvSpPr>
-          <p:nvPr>
-            <p:ph idx="1"/>
-          </p:nvPr>
-        </p:nvSpPr>
-        <p:spPr>
-          <a:xfrm>
-            <a:off x="482600" y="5821544"/>
-            <a:ext cx="8229600" cy="411163"/>
-          </a:xfrm>
-        </p:spPr>
-        <p:txBody>
-          <a:bodyPr/>
-          <a:lstStyle/>
-          <a:p>
-            <a:endParaRPr lang="en-US" dirty="0"/>
-          </a:p>
-        </p:txBody>
-      </p:sp>
-      <p:sp>
-        <p:nvSpPr>
-          <p:cNvPr id="4" name="Slide Number Placeholder 3"/>
-          <p:cNvSpPr>
-            <a:spLocks noGrp="1"/>
-          </p:cNvSpPr>
-          <p:nvPr>
-            <p:ph type="sldNum" sz="quarter" idx="12"/>
-          </p:nvPr>
-        </p:nvSpPr>
-        <p:spPr>
-          <a:xfrm>
-            <a:off x="6807200" y="6659744"/>
-            <a:ext cx="2133600" cy="228600"/>
-          </a:xfrm>
-        </p:spPr>
-        <p:txBody>
-          <a:bodyPr/>
-          <a:lstStyle/>
-          <a:p>
-            <a:r>
-              <a:rPr lang="en-US" dirty="0" smtClean="0"/>
-              <a:t> </a:t>
-            </a:r>
-            <a:fld id="{B880891D-F623-43F5-8A70-E4D501C286D5}" type="slidenum">
-              <a:rPr lang="en-US" smtClean="0"/>
-              <a:pPr/>
-              <a:t>28</a:t>
-            </a:fld>
-            <a:endParaRPr lang="en-US" dirty="0"/>
-          </a:p>
-        </p:txBody>
-      </p:sp>
-      <p:sp>
-        <p:nvSpPr>
-          <p:cNvPr id="5" name="Oval 4"/>
-          <p:cNvSpPr/>
-          <p:nvPr/>
-        </p:nvSpPr>
-        <p:spPr bwMode="auto">
-          <a:xfrm>
-            <a:off x="1130300" y="2288404"/>
-            <a:ext cx="1752600" cy="838200"/>
-          </a:xfrm>
-          <a:prstGeom prst="ellipse">
-            <a:avLst/>
-          </a:prstGeom>
-          <a:ln>
-            <a:headEnd type="none" w="med" len="med"/>
-            <a:tailEnd type="none" w="med" len="med"/>
-          </a:ln>
-        </p:spPr>
-        <p:style>
-          <a:lnRef idx="2">
-            <a:schemeClr val="accent2"/>
-          </a:lnRef>
-          <a:fillRef idx="1">
-            <a:schemeClr val="lt1"/>
-          </a:fillRef>
-          <a:effectRef idx="0">
-            <a:schemeClr val="accent2"/>
-          </a:effectRef>
-          <a:fontRef idx="minor">
-            <a:schemeClr val="dk1"/>
-          </a:fontRef>
-        </p:style>
-        <p:txBody>
-          <a:bodyPr vert="horz" wrap="square" lIns="91440" tIns="45720" rIns="91440" bIns="45720" numCol="1" rtlCol="0" anchor="ctr" anchorCtr="0" compatLnSpc="1">
-            <a:prstTxWarp prst="textNoShape">
-              <a:avLst/>
-            </a:prstTxWarp>
-          </a:bodyPr>
-          <a:lstStyle/>
-          <a:p>
-            <a:pPr marL="0" marR="0" indent="0" algn="ctr" defTabSz="914400" rtl="0" eaLnBrk="1" fontAlgn="base" latinLnBrk="0" hangingPunct="1">
-              <a:lnSpc>
-                <a:spcPct val="100000"/>
-              </a:lnSpc>
-              <a:spcBef>
-                <a:spcPct val="0"/>
-              </a:spcBef>
-              <a:spcAft>
-                <a:spcPct val="0"/>
-              </a:spcAft>
-              <a:buClrTx/>
-              <a:buSzTx/>
-              <a:buFontTx/>
-              <a:buNone/>
-              <a:tabLst/>
-            </a:pPr>
-            <a:r>
-              <a:rPr kumimoji="0" lang="en-US" sz="1400" b="0" i="0" u="none" strike="noStrike" cap="none" normalizeH="0" baseline="0" dirty="0" smtClean="0">
-                <a:ln>
-                  <a:noFill/>
-                </a:ln>
-                <a:solidFill>
-                  <a:schemeClr val="tx1"/>
-                </a:solidFill>
-                <a:effectLst/>
-                <a:latin typeface="Arial" charset="0"/>
-              </a:rPr>
-              <a:t>High Level Design</a:t>
-            </a:r>
-          </a:p>
-        </p:txBody>
-      </p:sp>
-      <p:sp>
-        <p:nvSpPr>
-          <p:cNvPr id="6" name="Oval 5"/>
-          <p:cNvSpPr/>
-          <p:nvPr/>
-        </p:nvSpPr>
-        <p:spPr bwMode="auto">
-          <a:xfrm>
-            <a:off x="1968500" y="3383144"/>
-            <a:ext cx="1752600" cy="838200"/>
-          </a:xfrm>
-          <a:prstGeom prst="ellipse">
-            <a:avLst/>
-          </a:prstGeom>
-          <a:ln>
-            <a:headEnd type="none" w="med" len="med"/>
-            <a:tailEnd type="none" w="med" len="med"/>
-          </a:ln>
-        </p:spPr>
-        <p:style>
-          <a:lnRef idx="2">
-            <a:schemeClr val="accent2"/>
-          </a:lnRef>
-          <a:fillRef idx="1">
-            <a:schemeClr val="lt1"/>
-          </a:fillRef>
-          <a:effectRef idx="0">
-            <a:schemeClr val="accent2"/>
-          </a:effectRef>
-          <a:fontRef idx="minor">
-            <a:schemeClr val="dk1"/>
-          </a:fontRef>
-        </p:style>
-        <p:txBody>
-          <a:bodyPr vert="horz" wrap="square" lIns="91440" tIns="45720" rIns="91440" bIns="45720" numCol="1" rtlCol="0" anchor="ctr" anchorCtr="0" compatLnSpc="1">
-            <a:prstTxWarp prst="textNoShape">
-              <a:avLst/>
-            </a:prstTxWarp>
-          </a:bodyPr>
-          <a:lstStyle/>
-          <a:p>
-            <a:pPr marL="0" marR="0" indent="0" algn="ctr" defTabSz="914400" rtl="0" eaLnBrk="1" fontAlgn="base" latinLnBrk="0" hangingPunct="1">
-              <a:lnSpc>
-                <a:spcPct val="100000"/>
-              </a:lnSpc>
-              <a:spcBef>
-                <a:spcPct val="0"/>
-              </a:spcBef>
-              <a:spcAft>
-                <a:spcPct val="0"/>
-              </a:spcAft>
-              <a:buClrTx/>
-              <a:buSzTx/>
-              <a:buFontTx/>
-              <a:buNone/>
-              <a:tabLst/>
-            </a:pPr>
-            <a:r>
-              <a:rPr kumimoji="0" lang="en-US" sz="1400" b="0" i="0" u="none" strike="noStrike" cap="none" normalizeH="0" baseline="0" dirty="0" smtClean="0">
-                <a:ln>
-                  <a:noFill/>
-                </a:ln>
-                <a:solidFill>
-                  <a:schemeClr val="tx1"/>
-                </a:solidFill>
-                <a:effectLst/>
-                <a:latin typeface="Arial" charset="0"/>
-              </a:rPr>
-              <a:t>Low Level Design</a:t>
-            </a:r>
-          </a:p>
-        </p:txBody>
-      </p:sp>
-      <p:sp>
-        <p:nvSpPr>
-          <p:cNvPr id="7" name="Oval 6"/>
-          <p:cNvSpPr/>
-          <p:nvPr/>
-        </p:nvSpPr>
-        <p:spPr bwMode="auto">
-          <a:xfrm>
-            <a:off x="3291530" y="4678544"/>
-            <a:ext cx="1752600" cy="838200"/>
-          </a:xfrm>
-          <a:prstGeom prst="ellipse">
-            <a:avLst/>
-          </a:prstGeom>
-          <a:ln>
-            <a:headEnd type="none" w="med" len="med"/>
-            <a:tailEnd type="none" w="med" len="med"/>
-          </a:ln>
-        </p:spPr>
-        <p:style>
-          <a:lnRef idx="2">
-            <a:schemeClr val="accent2"/>
-          </a:lnRef>
-          <a:fillRef idx="1">
-            <a:schemeClr val="lt1"/>
-          </a:fillRef>
-          <a:effectRef idx="0">
-            <a:schemeClr val="accent2"/>
-          </a:effectRef>
-          <a:fontRef idx="minor">
-            <a:schemeClr val="dk1"/>
-          </a:fontRef>
-        </p:style>
-        <p:txBody>
-          <a:bodyPr vert="horz" wrap="square" lIns="91440" tIns="45720" rIns="91440" bIns="45720" numCol="1" rtlCol="0" anchor="ctr" anchorCtr="0" compatLnSpc="1">
-            <a:prstTxWarp prst="textNoShape">
-              <a:avLst/>
-            </a:prstTxWarp>
-          </a:bodyPr>
-          <a:lstStyle/>
-          <a:p>
-            <a:pPr marL="0" marR="0" indent="0" algn="ctr" defTabSz="914400" rtl="0" eaLnBrk="1" fontAlgn="base" latinLnBrk="0" hangingPunct="1">
-              <a:lnSpc>
-                <a:spcPct val="100000"/>
-              </a:lnSpc>
-              <a:spcBef>
-                <a:spcPct val="0"/>
-              </a:spcBef>
-              <a:spcAft>
-                <a:spcPct val="0"/>
-              </a:spcAft>
-              <a:buClrTx/>
-              <a:buSzTx/>
-              <a:buFontTx/>
-              <a:buNone/>
-              <a:tabLst/>
-            </a:pPr>
-            <a:r>
-              <a:rPr kumimoji="0" lang="en-US" sz="1400" b="0" i="0" u="none" strike="noStrike" cap="none" normalizeH="0" baseline="0" dirty="0" smtClean="0">
-                <a:ln>
-                  <a:noFill/>
-                </a:ln>
-                <a:solidFill>
-                  <a:schemeClr val="tx1"/>
-                </a:solidFill>
-                <a:effectLst/>
-                <a:latin typeface="Arial" charset="0"/>
-              </a:rPr>
-              <a:t>Coding</a:t>
-            </a:r>
-          </a:p>
-        </p:txBody>
-      </p:sp>
-      <p:sp>
-        <p:nvSpPr>
-          <p:cNvPr id="8" name="Oval 7"/>
-          <p:cNvSpPr/>
-          <p:nvPr/>
-        </p:nvSpPr>
-        <p:spPr bwMode="auto">
-          <a:xfrm>
-            <a:off x="4614560" y="3383144"/>
-            <a:ext cx="1752600" cy="838200"/>
-          </a:xfrm>
-          <a:prstGeom prst="ellipse">
-            <a:avLst/>
-          </a:prstGeom>
-          <a:ln>
-            <a:headEnd type="none" w="med" len="med"/>
-            <a:tailEnd type="none" w="med" len="med"/>
-          </a:ln>
-        </p:spPr>
-        <p:style>
-          <a:lnRef idx="2">
-            <a:schemeClr val="accent2"/>
-          </a:lnRef>
-          <a:fillRef idx="1">
-            <a:schemeClr val="lt1"/>
-          </a:fillRef>
-          <a:effectRef idx="0">
-            <a:schemeClr val="accent2"/>
-          </a:effectRef>
-          <a:fontRef idx="minor">
-            <a:schemeClr val="dk1"/>
-          </a:fontRef>
-        </p:style>
-        <p:txBody>
-          <a:bodyPr vert="horz" wrap="square" lIns="91440" tIns="45720" rIns="91440" bIns="45720" numCol="1" rtlCol="0" anchor="ctr" anchorCtr="0" compatLnSpc="1">
-            <a:prstTxWarp prst="textNoShape">
-              <a:avLst/>
-            </a:prstTxWarp>
-          </a:bodyPr>
-          <a:lstStyle/>
-          <a:p>
-            <a:pPr marL="0" marR="0" indent="0" algn="ctr" defTabSz="914400" rtl="0" eaLnBrk="1" fontAlgn="base" latinLnBrk="0" hangingPunct="1">
-              <a:lnSpc>
-                <a:spcPct val="100000"/>
-              </a:lnSpc>
-              <a:spcBef>
-                <a:spcPct val="0"/>
-              </a:spcBef>
-              <a:spcAft>
-                <a:spcPct val="0"/>
-              </a:spcAft>
-              <a:buClrTx/>
-              <a:buSzTx/>
-              <a:buFontTx/>
-              <a:buNone/>
-              <a:tabLst/>
-            </a:pPr>
-            <a:r>
-              <a:rPr kumimoji="0" lang="en-US" sz="1400" b="0" i="0" u="none" strike="noStrike" cap="none" normalizeH="0" baseline="0" dirty="0" smtClean="0">
-                <a:ln>
-                  <a:noFill/>
-                </a:ln>
-                <a:solidFill>
-                  <a:schemeClr val="tx1"/>
-                </a:solidFill>
-                <a:effectLst/>
-                <a:latin typeface="Arial" charset="0"/>
-              </a:rPr>
-              <a:t>Unit </a:t>
-            </a:r>
-          </a:p>
-          <a:p>
-            <a:pPr marL="0" marR="0" indent="0" algn="ctr" defTabSz="914400" rtl="0" eaLnBrk="1" fontAlgn="base" latinLnBrk="0" hangingPunct="1">
-              <a:lnSpc>
-                <a:spcPct val="100000"/>
-              </a:lnSpc>
-              <a:spcBef>
-                <a:spcPct val="0"/>
-              </a:spcBef>
-              <a:spcAft>
-                <a:spcPct val="0"/>
-              </a:spcAft>
-              <a:buClrTx/>
-              <a:buSzTx/>
-              <a:buFontTx/>
-              <a:buNone/>
-              <a:tabLst/>
-            </a:pPr>
-            <a:r>
-              <a:rPr kumimoji="0" lang="en-US" sz="1400" b="0" i="0" u="none" strike="noStrike" cap="none" normalizeH="0" baseline="0" dirty="0" smtClean="0">
-                <a:ln>
-                  <a:noFill/>
-                </a:ln>
-                <a:solidFill>
-                  <a:schemeClr val="tx1"/>
-                </a:solidFill>
-                <a:effectLst/>
-                <a:latin typeface="Arial" charset="0"/>
-              </a:rPr>
-              <a:t>Testing</a:t>
-            </a:r>
-          </a:p>
-        </p:txBody>
-      </p:sp>
-      <p:sp>
-        <p:nvSpPr>
-          <p:cNvPr id="9" name="Oval 8"/>
-          <p:cNvSpPr/>
-          <p:nvPr/>
-        </p:nvSpPr>
-        <p:spPr bwMode="auto">
-          <a:xfrm>
-            <a:off x="5462920" y="2288404"/>
-            <a:ext cx="1752600" cy="838200"/>
-          </a:xfrm>
-          <a:prstGeom prst="ellipse">
-            <a:avLst/>
-          </a:prstGeom>
-          <a:ln>
-            <a:headEnd type="none" w="med" len="med"/>
-            <a:tailEnd type="none" w="med" len="med"/>
-          </a:ln>
-        </p:spPr>
-        <p:style>
-          <a:lnRef idx="2">
-            <a:schemeClr val="accent2"/>
-          </a:lnRef>
-          <a:fillRef idx="1">
-            <a:schemeClr val="lt1"/>
-          </a:fillRef>
-          <a:effectRef idx="0">
-            <a:schemeClr val="accent2"/>
-          </a:effectRef>
-          <a:fontRef idx="minor">
-            <a:schemeClr val="dk1"/>
-          </a:fontRef>
-        </p:style>
-        <p:txBody>
-          <a:bodyPr vert="horz" wrap="square" lIns="91440" tIns="45720" rIns="91440" bIns="45720" numCol="1" rtlCol="0" anchor="ctr" anchorCtr="0" compatLnSpc="1">
-            <a:prstTxWarp prst="textNoShape">
-              <a:avLst/>
-            </a:prstTxWarp>
-          </a:bodyPr>
-          <a:lstStyle/>
-          <a:p>
-            <a:pPr marL="0" marR="0" indent="0" algn="ctr" defTabSz="914400" rtl="0" eaLnBrk="1" fontAlgn="base" latinLnBrk="0" hangingPunct="1">
-              <a:lnSpc>
-                <a:spcPct val="100000"/>
-              </a:lnSpc>
-              <a:spcBef>
-                <a:spcPct val="0"/>
-              </a:spcBef>
-              <a:spcAft>
-                <a:spcPct val="0"/>
-              </a:spcAft>
-              <a:buClrTx/>
-              <a:buSzTx/>
-              <a:buFontTx/>
-              <a:buNone/>
-              <a:tabLst/>
-            </a:pPr>
-            <a:r>
-              <a:rPr kumimoji="0" lang="en-US" sz="1400" b="0" i="0" u="none" strike="noStrike" cap="none" normalizeH="0" baseline="0" dirty="0" smtClean="0">
-                <a:ln>
-                  <a:noFill/>
-                </a:ln>
-                <a:solidFill>
-                  <a:schemeClr val="tx1"/>
-                </a:solidFill>
-                <a:effectLst/>
-                <a:latin typeface="Arial" charset="0"/>
-              </a:rPr>
-              <a:t>Integration</a:t>
-            </a:r>
-          </a:p>
-          <a:p>
-            <a:pPr marL="0" marR="0" indent="0" algn="ctr" defTabSz="914400" rtl="0" eaLnBrk="1" fontAlgn="base" latinLnBrk="0" hangingPunct="1">
-              <a:lnSpc>
-                <a:spcPct val="100000"/>
-              </a:lnSpc>
-              <a:spcBef>
-                <a:spcPct val="0"/>
-              </a:spcBef>
-              <a:spcAft>
-                <a:spcPct val="0"/>
-              </a:spcAft>
-              <a:buClrTx/>
-              <a:buSzTx/>
-              <a:buFontTx/>
-              <a:buNone/>
-              <a:tabLst/>
-            </a:pPr>
-            <a:r>
-              <a:rPr lang="en-US" sz="1400" dirty="0" smtClean="0">
-                <a:solidFill>
-                  <a:schemeClr val="tx1"/>
-                </a:solidFill>
-                <a:latin typeface="Arial" charset="0"/>
-              </a:rPr>
-              <a:t>Testing</a:t>
-            </a:r>
-            <a:endParaRPr kumimoji="0" lang="en-US" sz="1400" b="0" i="0" u="none" strike="noStrike" cap="none" normalizeH="0" baseline="0" dirty="0" smtClean="0">
-              <a:ln>
-                <a:noFill/>
-              </a:ln>
-              <a:solidFill>
-                <a:schemeClr val="tx1"/>
-              </a:solidFill>
-              <a:effectLst/>
-              <a:latin typeface="Arial" charset="0"/>
-            </a:endParaRPr>
-          </a:p>
-        </p:txBody>
-      </p:sp>
-      <p:sp>
-        <p:nvSpPr>
-          <p:cNvPr id="10" name="Oval 9"/>
-          <p:cNvSpPr/>
-          <p:nvPr/>
-        </p:nvSpPr>
-        <p:spPr bwMode="auto">
-          <a:xfrm>
-            <a:off x="6197600" y="1117467"/>
-            <a:ext cx="1752600" cy="838200"/>
-          </a:xfrm>
-          <a:prstGeom prst="ellipse">
-            <a:avLst/>
-          </a:prstGeom>
-          <a:ln>
-            <a:headEnd type="none" w="med" len="med"/>
-            <a:tailEnd type="none" w="med" len="med"/>
-          </a:ln>
-        </p:spPr>
-        <p:style>
-          <a:lnRef idx="2">
-            <a:schemeClr val="accent2"/>
-          </a:lnRef>
-          <a:fillRef idx="1">
-            <a:schemeClr val="lt1"/>
-          </a:fillRef>
-          <a:effectRef idx="0">
-            <a:schemeClr val="accent2"/>
-          </a:effectRef>
-          <a:fontRef idx="minor">
-            <a:schemeClr val="dk1"/>
-          </a:fontRef>
-        </p:style>
-        <p:txBody>
-          <a:bodyPr vert="horz" wrap="square" lIns="91440" tIns="45720" rIns="91440" bIns="45720" numCol="1" rtlCol="0" anchor="ctr" anchorCtr="0" compatLnSpc="1">
-            <a:prstTxWarp prst="textNoShape">
-              <a:avLst/>
-            </a:prstTxWarp>
-          </a:bodyPr>
-          <a:lstStyle/>
-          <a:p>
-            <a:pPr marL="0" marR="0" indent="0" algn="ctr" defTabSz="914400" rtl="0" eaLnBrk="1" fontAlgn="base" latinLnBrk="0" hangingPunct="1">
-              <a:lnSpc>
-                <a:spcPct val="100000"/>
-              </a:lnSpc>
-              <a:spcBef>
-                <a:spcPct val="0"/>
-              </a:spcBef>
-              <a:spcAft>
-                <a:spcPct val="0"/>
-              </a:spcAft>
-              <a:buClrTx/>
-              <a:buSzTx/>
-              <a:buFontTx/>
-              <a:buNone/>
-              <a:tabLst/>
-            </a:pPr>
-            <a:r>
-              <a:rPr kumimoji="0" lang="en-US" sz="1400" b="0" i="0" u="none" strike="noStrike" cap="none" normalizeH="0" baseline="0" dirty="0" smtClean="0">
-                <a:ln>
-                  <a:noFill/>
-                </a:ln>
-                <a:solidFill>
-                  <a:schemeClr val="tx1"/>
-                </a:solidFill>
-                <a:effectLst/>
-                <a:latin typeface="Arial" charset="0"/>
-              </a:rPr>
-              <a:t>System Testing</a:t>
-            </a:r>
-          </a:p>
-        </p:txBody>
-      </p:sp>
-      <p:sp>
-        <p:nvSpPr>
-          <p:cNvPr id="11" name="Oval 10"/>
-          <p:cNvSpPr/>
-          <p:nvPr/>
-        </p:nvSpPr>
-        <p:spPr bwMode="auto">
-          <a:xfrm>
-            <a:off x="406400" y="1117464"/>
-            <a:ext cx="1752600" cy="838200"/>
-          </a:xfrm>
-          <a:prstGeom prst="ellipse">
-            <a:avLst/>
-          </a:prstGeom>
-          <a:ln>
-            <a:headEnd type="none" w="med" len="med"/>
-            <a:tailEnd type="none" w="med" len="med"/>
-          </a:ln>
-        </p:spPr>
-        <p:style>
-          <a:lnRef idx="2">
-            <a:schemeClr val="accent2"/>
-          </a:lnRef>
-          <a:fillRef idx="1">
-            <a:schemeClr val="lt1"/>
-          </a:fillRef>
-          <a:effectRef idx="0">
-            <a:schemeClr val="accent2"/>
-          </a:effectRef>
-          <a:fontRef idx="minor">
-            <a:schemeClr val="dk1"/>
-          </a:fontRef>
-        </p:style>
-        <p:txBody>
-          <a:bodyPr vert="horz" wrap="square" lIns="91440" tIns="45720" rIns="91440" bIns="45720" numCol="1" rtlCol="0" anchor="ctr" anchorCtr="0" compatLnSpc="1">
-            <a:prstTxWarp prst="textNoShape">
-              <a:avLst/>
-            </a:prstTxWarp>
-          </a:bodyPr>
-          <a:lstStyle/>
-          <a:p>
-            <a:pPr marL="0" marR="0" indent="0" algn="ctr" defTabSz="914400" rtl="0" eaLnBrk="1" fontAlgn="base" latinLnBrk="0" hangingPunct="1">
-              <a:lnSpc>
-                <a:spcPct val="100000"/>
-              </a:lnSpc>
-              <a:spcBef>
-                <a:spcPct val="0"/>
-              </a:spcBef>
-              <a:spcAft>
-                <a:spcPct val="0"/>
-              </a:spcAft>
-              <a:buClrTx/>
-              <a:buSzTx/>
-              <a:buFontTx/>
-              <a:buNone/>
-              <a:tabLst/>
-            </a:pPr>
-            <a:r>
-              <a:rPr kumimoji="0" lang="en-US" sz="1400" b="0" i="0" u="none" strike="noStrike" cap="none" normalizeH="0" baseline="0" dirty="0" smtClean="0">
-                <a:ln>
-                  <a:noFill/>
-                </a:ln>
-                <a:solidFill>
-                  <a:schemeClr val="tx1"/>
-                </a:solidFill>
-                <a:effectLst/>
-                <a:latin typeface="Arial" charset="0"/>
-              </a:rPr>
-              <a:t>Software Requirement</a:t>
-            </a:r>
-          </a:p>
-          <a:p>
-            <a:pPr marL="0" marR="0" indent="0" algn="ctr" defTabSz="914400" rtl="0" eaLnBrk="1" fontAlgn="base" latinLnBrk="0" hangingPunct="1">
-              <a:lnSpc>
-                <a:spcPct val="100000"/>
-              </a:lnSpc>
-              <a:spcBef>
-                <a:spcPct val="0"/>
-              </a:spcBef>
-              <a:spcAft>
-                <a:spcPct val="0"/>
-              </a:spcAft>
-              <a:buClrTx/>
-              <a:buSzTx/>
-              <a:buFontTx/>
-              <a:buNone/>
-              <a:tabLst/>
-            </a:pPr>
-            <a:r>
-              <a:rPr lang="en-US" sz="1400" dirty="0" smtClean="0">
-                <a:solidFill>
-                  <a:schemeClr val="tx1"/>
-                </a:solidFill>
-                <a:latin typeface="Arial" charset="0"/>
-              </a:rPr>
-              <a:t>Specification</a:t>
-            </a:r>
-            <a:endParaRPr kumimoji="0" lang="en-US" sz="1400" b="0" i="0" u="none" strike="noStrike" cap="none" normalizeH="0" baseline="0" dirty="0" smtClean="0">
-              <a:ln>
-                <a:noFill/>
-              </a:ln>
-              <a:solidFill>
-                <a:schemeClr val="tx1"/>
-              </a:solidFill>
-              <a:effectLst/>
-              <a:latin typeface="Arial" charset="0"/>
-            </a:endParaRPr>
-          </a:p>
-        </p:txBody>
-      </p:sp>
-      <p:cxnSp>
-        <p:nvCxnSpPr>
-          <p:cNvPr id="13" name="Straight Arrow Connector 12"/>
-          <p:cNvCxnSpPr>
-            <a:stCxn id="11" idx="6"/>
-            <a:endCxn id="10" idx="2"/>
-          </p:cNvCxnSpPr>
-          <p:nvPr/>
-        </p:nvCxnSpPr>
-        <p:spPr bwMode="auto">
-          <a:xfrm>
-            <a:off x="2159000" y="1536564"/>
-            <a:ext cx="4038600" cy="3"/>
-          </a:xfrm>
-          <a:prstGeom prst="straightConnector1">
-            <a:avLst/>
-          </a:prstGeom>
-          <a:ln w="12700" cmpd="sng">
-            <a:prstDash val="dash"/>
-            <a:headEnd type="none" w="med" len="med"/>
-            <a:tailEnd type="arrow"/>
-          </a:ln>
-        </p:spPr>
-        <p:style>
-          <a:lnRef idx="1">
-            <a:schemeClr val="dk1"/>
-          </a:lnRef>
-          <a:fillRef idx="0">
-            <a:schemeClr val="dk1"/>
-          </a:fillRef>
-          <a:effectRef idx="0">
-            <a:schemeClr val="dk1"/>
-          </a:effectRef>
-          <a:fontRef idx="minor">
-            <a:schemeClr val="tx1"/>
-          </a:fontRef>
-        </p:style>
-      </p:cxnSp>
-      <p:cxnSp>
-        <p:nvCxnSpPr>
-          <p:cNvPr id="14" name="Straight Arrow Connector 13"/>
-          <p:cNvCxnSpPr>
-            <a:stCxn id="5" idx="6"/>
-            <a:endCxn id="9" idx="2"/>
-          </p:cNvCxnSpPr>
-          <p:nvPr/>
-        </p:nvCxnSpPr>
-        <p:spPr bwMode="auto">
-          <a:xfrm>
-            <a:off x="2882900" y="2707504"/>
-            <a:ext cx="2580020" cy="0"/>
-          </a:xfrm>
-          <a:prstGeom prst="straightConnector1">
-            <a:avLst/>
-          </a:prstGeom>
-          <a:ln w="12700" cmpd="sng">
-            <a:prstDash val="dash"/>
-            <a:headEnd type="none" w="med" len="med"/>
-            <a:tailEnd type="arrow"/>
-          </a:ln>
-        </p:spPr>
-        <p:style>
-          <a:lnRef idx="1">
-            <a:schemeClr val="dk1"/>
-          </a:lnRef>
-          <a:fillRef idx="0">
-            <a:schemeClr val="dk1"/>
-          </a:fillRef>
-          <a:effectRef idx="0">
-            <a:schemeClr val="dk1"/>
-          </a:effectRef>
-          <a:fontRef idx="minor">
-            <a:schemeClr val="tx1"/>
-          </a:fontRef>
-        </p:style>
-      </p:cxnSp>
-      <p:cxnSp>
-        <p:nvCxnSpPr>
-          <p:cNvPr id="17" name="Straight Arrow Connector 16"/>
-          <p:cNvCxnSpPr>
-            <a:stCxn id="6" idx="6"/>
-            <a:endCxn id="8" idx="2"/>
-          </p:cNvCxnSpPr>
-          <p:nvPr/>
-        </p:nvCxnSpPr>
-        <p:spPr bwMode="auto">
-          <a:xfrm>
-            <a:off x="3721100" y="3802244"/>
-            <a:ext cx="893460" cy="0"/>
-          </a:xfrm>
-          <a:prstGeom prst="straightConnector1">
-            <a:avLst/>
-          </a:prstGeom>
-          <a:ln w="12700" cmpd="sng">
-            <a:prstDash val="dash"/>
-            <a:headEnd type="none" w="med" len="med"/>
-            <a:tailEnd type="arrow"/>
-          </a:ln>
-        </p:spPr>
-        <p:style>
-          <a:lnRef idx="1">
-            <a:schemeClr val="dk1"/>
-          </a:lnRef>
-          <a:fillRef idx="0">
-            <a:schemeClr val="dk1"/>
-          </a:fillRef>
-          <a:effectRef idx="0">
-            <a:schemeClr val="dk1"/>
-          </a:effectRef>
-          <a:fontRef idx="minor">
-            <a:schemeClr val="tx1"/>
-          </a:fontRef>
-        </p:style>
-      </p:cxnSp>
-      <p:sp>
-        <p:nvSpPr>
-          <p:cNvPr id="27" name="Curved Right Arrow 26"/>
-          <p:cNvSpPr/>
-          <p:nvPr/>
-        </p:nvSpPr>
-        <p:spPr bwMode="auto">
-          <a:xfrm rot="20289523">
-            <a:off x="404018" y="1990590"/>
-            <a:ext cx="546058" cy="992285"/>
-          </a:xfrm>
-          <a:prstGeom prst="curvedRightArrow">
-            <a:avLst>
-              <a:gd name="adj1" fmla="val 51884"/>
-              <a:gd name="adj2" fmla="val 79159"/>
-              <a:gd name="adj3" fmla="val 29171"/>
-            </a:avLst>
-          </a:prstGeom>
-          <a:solidFill>
-            <a:schemeClr val="tx1">
-              <a:lumMod val="65000"/>
-              <a:lumOff val="35000"/>
-            </a:schemeClr>
-          </a:solidFill>
-          <a:ln>
-            <a:solidFill>
-              <a:schemeClr val="tx1">
-                <a:lumMod val="65000"/>
-                <a:lumOff val="35000"/>
-              </a:schemeClr>
-            </a:solidFill>
-            <a:headEnd type="none" w="med" len="med"/>
-            <a:tailEnd type="none" w="med" len="med"/>
-          </a:ln>
-        </p:spPr>
-        <p:style>
-          <a:lnRef idx="1">
-            <a:schemeClr val="accent4"/>
-          </a:lnRef>
-          <a:fillRef idx="3">
-            <a:schemeClr val="accent4"/>
-          </a:fillRef>
-          <a:effectRef idx="2">
-            <a:schemeClr val="accent4"/>
-          </a:effectRef>
-          <a:fontRef idx="minor">
-            <a:schemeClr val="lt1"/>
-          </a:fontRef>
-        </p:style>
-        <p:txBody>
-          <a:bodyPr vert="horz" wrap="square" lIns="91440" tIns="45720" rIns="91440" bIns="45720" numCol="1" rtlCol="0" anchor="t" anchorCtr="0" compatLnSpc="1">
-            <a:prstTxWarp prst="textNoShape">
-              <a:avLst/>
-            </a:prstTxWarp>
-          </a:bodyPr>
-          <a:lstStyle/>
-          <a:p>
-            <a:pPr marL="0" marR="0" indent="0" algn="l" defTabSz="914400" rtl="0" eaLnBrk="1" fontAlgn="base" latinLnBrk="0" hangingPunct="1">
-              <a:lnSpc>
-                <a:spcPct val="100000"/>
-              </a:lnSpc>
-              <a:spcBef>
-                <a:spcPct val="0"/>
-              </a:spcBef>
-              <a:spcAft>
-                <a:spcPct val="0"/>
-              </a:spcAft>
-              <a:buClrTx/>
-              <a:buSzTx/>
-              <a:buFontTx/>
-              <a:buNone/>
-              <a:tabLst/>
-            </a:pPr>
-            <a:endParaRPr kumimoji="0" lang="en-US" sz="1800" b="0" i="0" u="none" strike="noStrike" cap="none" normalizeH="0" baseline="0" smtClean="0">
-              <a:ln>
-                <a:noFill/>
-              </a:ln>
-              <a:solidFill>
-                <a:schemeClr val="tx1"/>
-              </a:solidFill>
-              <a:effectLst/>
-              <a:latin typeface="Arial" charset="0"/>
-            </a:endParaRPr>
-          </a:p>
-        </p:txBody>
-      </p:sp>
-      <p:sp>
-        <p:nvSpPr>
-          <p:cNvPr id="28" name="Curved Right Arrow 27"/>
-          <p:cNvSpPr/>
-          <p:nvPr/>
-        </p:nvSpPr>
-        <p:spPr bwMode="auto">
-          <a:xfrm rot="20289523">
-            <a:off x="1180984" y="3212888"/>
-            <a:ext cx="546058" cy="992285"/>
-          </a:xfrm>
-          <a:prstGeom prst="curvedRightArrow">
-            <a:avLst>
-              <a:gd name="adj1" fmla="val 51884"/>
-              <a:gd name="adj2" fmla="val 79159"/>
-              <a:gd name="adj3" fmla="val 29171"/>
-            </a:avLst>
-          </a:prstGeom>
-          <a:solidFill>
-            <a:schemeClr val="tx1">
-              <a:lumMod val="65000"/>
-              <a:lumOff val="35000"/>
-            </a:schemeClr>
-          </a:solidFill>
-          <a:ln>
-            <a:solidFill>
-              <a:schemeClr val="tx1">
-                <a:lumMod val="65000"/>
-                <a:lumOff val="35000"/>
-              </a:schemeClr>
-            </a:solidFill>
-            <a:headEnd type="none" w="med" len="med"/>
-            <a:tailEnd type="none" w="med" len="med"/>
-          </a:ln>
-        </p:spPr>
-        <p:style>
-          <a:lnRef idx="1">
-            <a:schemeClr val="accent4"/>
-          </a:lnRef>
-          <a:fillRef idx="3">
-            <a:schemeClr val="accent4"/>
-          </a:fillRef>
-          <a:effectRef idx="2">
-            <a:schemeClr val="accent4"/>
-          </a:effectRef>
-          <a:fontRef idx="minor">
-            <a:schemeClr val="lt1"/>
-          </a:fontRef>
-        </p:style>
-        <p:txBody>
-          <a:bodyPr vert="horz" wrap="square" lIns="91440" tIns="45720" rIns="91440" bIns="45720" numCol="1" rtlCol="0" anchor="t" anchorCtr="0" compatLnSpc="1">
-            <a:prstTxWarp prst="textNoShape">
-              <a:avLst/>
-            </a:prstTxWarp>
-          </a:bodyPr>
-          <a:lstStyle/>
-          <a:p>
-            <a:pPr marL="0" marR="0" indent="0" algn="l" defTabSz="914400" rtl="0" eaLnBrk="1" fontAlgn="base" latinLnBrk="0" hangingPunct="1">
-              <a:lnSpc>
-                <a:spcPct val="100000"/>
-              </a:lnSpc>
-              <a:spcBef>
-                <a:spcPct val="0"/>
-              </a:spcBef>
-              <a:spcAft>
-                <a:spcPct val="0"/>
-              </a:spcAft>
-              <a:buClrTx/>
-              <a:buSzTx/>
-              <a:buFontTx/>
-              <a:buNone/>
-              <a:tabLst/>
-            </a:pPr>
-            <a:endParaRPr kumimoji="0" lang="en-US" sz="1800" b="0" i="0" u="none" strike="noStrike" cap="none" normalizeH="0" baseline="0" smtClean="0">
-              <a:ln>
-                <a:noFill/>
-              </a:ln>
-              <a:solidFill>
-                <a:schemeClr val="tx1"/>
-              </a:solidFill>
-              <a:effectLst/>
-              <a:latin typeface="Arial" charset="0"/>
-            </a:endParaRPr>
-          </a:p>
-        </p:txBody>
-      </p:sp>
-      <p:sp>
-        <p:nvSpPr>
-          <p:cNvPr id="29" name="Curved Right Arrow 28"/>
-          <p:cNvSpPr/>
-          <p:nvPr/>
-        </p:nvSpPr>
-        <p:spPr bwMode="auto">
-          <a:xfrm rot="19311092">
-            <a:off x="2323984" y="4408456"/>
-            <a:ext cx="546058" cy="992285"/>
-          </a:xfrm>
-          <a:prstGeom prst="curvedRightArrow">
-            <a:avLst>
-              <a:gd name="adj1" fmla="val 51884"/>
-              <a:gd name="adj2" fmla="val 79159"/>
-              <a:gd name="adj3" fmla="val 29171"/>
-            </a:avLst>
-          </a:prstGeom>
-          <a:solidFill>
-            <a:schemeClr val="tx1">
-              <a:lumMod val="65000"/>
-              <a:lumOff val="35000"/>
-            </a:schemeClr>
-          </a:solidFill>
-          <a:ln>
-            <a:solidFill>
-              <a:schemeClr val="tx1">
-                <a:lumMod val="65000"/>
-                <a:lumOff val="35000"/>
-              </a:schemeClr>
-            </a:solidFill>
-            <a:headEnd type="none" w="med" len="med"/>
-            <a:tailEnd type="none" w="med" len="med"/>
-          </a:ln>
-        </p:spPr>
-        <p:style>
-          <a:lnRef idx="1">
-            <a:schemeClr val="accent4"/>
-          </a:lnRef>
-          <a:fillRef idx="3">
-            <a:schemeClr val="accent4"/>
-          </a:fillRef>
-          <a:effectRef idx="2">
-            <a:schemeClr val="accent4"/>
-          </a:effectRef>
-          <a:fontRef idx="minor">
-            <a:schemeClr val="lt1"/>
-          </a:fontRef>
-        </p:style>
-        <p:txBody>
-          <a:bodyPr vert="horz" wrap="square" lIns="91440" tIns="45720" rIns="91440" bIns="45720" numCol="1" rtlCol="0" anchor="t" anchorCtr="0" compatLnSpc="1">
-            <a:prstTxWarp prst="textNoShape">
-              <a:avLst/>
-            </a:prstTxWarp>
-          </a:bodyPr>
-          <a:lstStyle/>
-          <a:p>
-            <a:pPr marL="0" marR="0" indent="0" algn="l" defTabSz="914400" rtl="0" eaLnBrk="1" fontAlgn="base" latinLnBrk="0" hangingPunct="1">
-              <a:lnSpc>
-                <a:spcPct val="100000"/>
-              </a:lnSpc>
-              <a:spcBef>
-                <a:spcPct val="0"/>
-              </a:spcBef>
-              <a:spcAft>
-                <a:spcPct val="0"/>
-              </a:spcAft>
-              <a:buClrTx/>
-              <a:buSzTx/>
-              <a:buFontTx/>
-              <a:buNone/>
-              <a:tabLst/>
-            </a:pPr>
-            <a:endParaRPr kumimoji="0" lang="en-US" sz="1800" b="0" i="0" u="none" strike="noStrike" cap="none" normalizeH="0" baseline="0" smtClean="0">
-              <a:ln>
-                <a:noFill/>
-              </a:ln>
-              <a:solidFill>
-                <a:schemeClr val="tx1"/>
-              </a:solidFill>
-              <a:effectLst/>
-              <a:latin typeface="Arial" charset="0"/>
-            </a:endParaRPr>
-          </a:p>
-        </p:txBody>
-      </p:sp>
-      <p:sp>
-        <p:nvSpPr>
-          <p:cNvPr id="30" name="Curved Right Arrow 29"/>
-          <p:cNvSpPr/>
-          <p:nvPr/>
-        </p:nvSpPr>
-        <p:spPr bwMode="auto">
-          <a:xfrm rot="2399045" flipH="1" flipV="1">
-            <a:off x="5391481" y="4325512"/>
-            <a:ext cx="546058" cy="992285"/>
-          </a:xfrm>
-          <a:prstGeom prst="curvedRightArrow">
-            <a:avLst>
-              <a:gd name="adj1" fmla="val 51884"/>
-              <a:gd name="adj2" fmla="val 79159"/>
-              <a:gd name="adj3" fmla="val 29171"/>
-            </a:avLst>
-          </a:prstGeom>
-          <a:solidFill>
-            <a:schemeClr val="tx1">
-              <a:lumMod val="65000"/>
-              <a:lumOff val="35000"/>
-            </a:schemeClr>
-          </a:solidFill>
-          <a:ln>
-            <a:solidFill>
-              <a:schemeClr val="tx1">
-                <a:lumMod val="65000"/>
-                <a:lumOff val="35000"/>
-              </a:schemeClr>
-            </a:solidFill>
-            <a:headEnd type="none" w="med" len="med"/>
-            <a:tailEnd type="none" w="med" len="med"/>
-          </a:ln>
-        </p:spPr>
-        <p:style>
-          <a:lnRef idx="1">
-            <a:schemeClr val="accent4"/>
-          </a:lnRef>
-          <a:fillRef idx="3">
-            <a:schemeClr val="accent4"/>
-          </a:fillRef>
-          <a:effectRef idx="2">
-            <a:schemeClr val="accent4"/>
-          </a:effectRef>
-          <a:fontRef idx="minor">
-            <a:schemeClr val="lt1"/>
-          </a:fontRef>
-        </p:style>
-        <p:txBody>
-          <a:bodyPr vert="horz" wrap="square" lIns="91440" tIns="45720" rIns="91440" bIns="45720" numCol="1" rtlCol="0" anchor="t" anchorCtr="0" compatLnSpc="1">
-            <a:prstTxWarp prst="textNoShape">
-              <a:avLst/>
-            </a:prstTxWarp>
-          </a:bodyPr>
-          <a:lstStyle/>
-          <a:p>
-            <a:pPr marL="0" marR="0" indent="0" algn="l" defTabSz="914400" rtl="0" eaLnBrk="1" fontAlgn="base" latinLnBrk="0" hangingPunct="1">
-              <a:lnSpc>
-                <a:spcPct val="100000"/>
-              </a:lnSpc>
-              <a:spcBef>
-                <a:spcPct val="0"/>
-              </a:spcBef>
-              <a:spcAft>
-                <a:spcPct val="0"/>
-              </a:spcAft>
-              <a:buClrTx/>
-              <a:buSzTx/>
-              <a:buFontTx/>
-              <a:buNone/>
-              <a:tabLst/>
-            </a:pPr>
-            <a:endParaRPr kumimoji="0" lang="en-US" sz="1800" b="0" i="0" u="none" strike="noStrike" cap="none" normalizeH="0" baseline="0" smtClean="0">
-              <a:ln>
-                <a:noFill/>
-              </a:ln>
-              <a:solidFill>
-                <a:schemeClr val="tx1"/>
-              </a:solidFill>
-              <a:effectLst/>
-              <a:latin typeface="Arial" charset="0"/>
-            </a:endParaRPr>
-          </a:p>
-        </p:txBody>
-      </p:sp>
-      <p:sp>
-        <p:nvSpPr>
-          <p:cNvPr id="31" name="Curved Right Arrow 30"/>
-          <p:cNvSpPr/>
-          <p:nvPr/>
-        </p:nvSpPr>
-        <p:spPr bwMode="auto">
-          <a:xfrm rot="1855659" flipH="1" flipV="1">
-            <a:off x="6642375" y="3097727"/>
-            <a:ext cx="546058" cy="992285"/>
-          </a:xfrm>
-          <a:prstGeom prst="curvedRightArrow">
-            <a:avLst>
-              <a:gd name="adj1" fmla="val 51884"/>
-              <a:gd name="adj2" fmla="val 79159"/>
-              <a:gd name="adj3" fmla="val 29171"/>
-            </a:avLst>
-          </a:prstGeom>
-          <a:solidFill>
-            <a:schemeClr val="tx1">
-              <a:lumMod val="65000"/>
-              <a:lumOff val="35000"/>
-            </a:schemeClr>
-          </a:solidFill>
-          <a:ln>
-            <a:solidFill>
-              <a:schemeClr val="tx1">
-                <a:lumMod val="65000"/>
-                <a:lumOff val="35000"/>
-              </a:schemeClr>
-            </a:solidFill>
-            <a:headEnd type="none" w="med" len="med"/>
-            <a:tailEnd type="none" w="med" len="med"/>
-          </a:ln>
-        </p:spPr>
-        <p:style>
-          <a:lnRef idx="1">
-            <a:schemeClr val="accent4"/>
-          </a:lnRef>
-          <a:fillRef idx="3">
-            <a:schemeClr val="accent4"/>
-          </a:fillRef>
-          <a:effectRef idx="2">
-            <a:schemeClr val="accent4"/>
-          </a:effectRef>
-          <a:fontRef idx="minor">
-            <a:schemeClr val="lt1"/>
-          </a:fontRef>
-        </p:style>
-        <p:txBody>
-          <a:bodyPr vert="horz" wrap="square" lIns="91440" tIns="45720" rIns="91440" bIns="45720" numCol="1" rtlCol="0" anchor="t" anchorCtr="0" compatLnSpc="1">
-            <a:prstTxWarp prst="textNoShape">
-              <a:avLst/>
-            </a:prstTxWarp>
-          </a:bodyPr>
-          <a:lstStyle/>
-          <a:p>
-            <a:pPr marL="0" marR="0" indent="0" algn="l" defTabSz="914400" rtl="0" eaLnBrk="1" fontAlgn="base" latinLnBrk="0" hangingPunct="1">
-              <a:lnSpc>
-                <a:spcPct val="100000"/>
-              </a:lnSpc>
-              <a:spcBef>
-                <a:spcPct val="0"/>
-              </a:spcBef>
-              <a:spcAft>
-                <a:spcPct val="0"/>
-              </a:spcAft>
-              <a:buClrTx/>
-              <a:buSzTx/>
-              <a:buFontTx/>
-              <a:buNone/>
-              <a:tabLst/>
-            </a:pPr>
-            <a:endParaRPr kumimoji="0" lang="en-US" sz="1800" b="0" i="0" u="none" strike="noStrike" cap="none" normalizeH="0" baseline="0" smtClean="0">
-              <a:ln>
-                <a:noFill/>
-              </a:ln>
-              <a:solidFill>
-                <a:schemeClr val="tx1"/>
-              </a:solidFill>
-              <a:effectLst/>
-              <a:latin typeface="Arial" charset="0"/>
-            </a:endParaRPr>
-          </a:p>
-        </p:txBody>
-      </p:sp>
-      <p:sp>
-        <p:nvSpPr>
-          <p:cNvPr id="32" name="Curved Right Arrow 31"/>
-          <p:cNvSpPr/>
-          <p:nvPr/>
-        </p:nvSpPr>
-        <p:spPr bwMode="auto">
-          <a:xfrm rot="1855659" flipH="1" flipV="1">
-            <a:off x="7467255" y="1792262"/>
-            <a:ext cx="546058" cy="992285"/>
-          </a:xfrm>
-          <a:prstGeom prst="curvedRightArrow">
-            <a:avLst>
-              <a:gd name="adj1" fmla="val 51884"/>
-              <a:gd name="adj2" fmla="val 79159"/>
-              <a:gd name="adj3" fmla="val 29171"/>
-            </a:avLst>
-          </a:prstGeom>
-          <a:solidFill>
-            <a:schemeClr val="tx1">
-              <a:lumMod val="65000"/>
-              <a:lumOff val="35000"/>
-            </a:schemeClr>
-          </a:solidFill>
-          <a:ln>
-            <a:solidFill>
-              <a:schemeClr val="tx1">
-                <a:lumMod val="65000"/>
-                <a:lumOff val="35000"/>
-              </a:schemeClr>
-            </a:solidFill>
-            <a:headEnd type="none" w="med" len="med"/>
-            <a:tailEnd type="none" w="med" len="med"/>
-          </a:ln>
-        </p:spPr>
-        <p:style>
-          <a:lnRef idx="1">
-            <a:schemeClr val="accent4"/>
-          </a:lnRef>
-          <a:fillRef idx="3">
-            <a:schemeClr val="accent4"/>
-          </a:fillRef>
-          <a:effectRef idx="2">
-            <a:schemeClr val="accent4"/>
-          </a:effectRef>
-          <a:fontRef idx="minor">
-            <a:schemeClr val="lt1"/>
-          </a:fontRef>
-        </p:style>
-        <p:txBody>
-          <a:bodyPr vert="horz" wrap="square" lIns="91440" tIns="45720" rIns="91440" bIns="45720" numCol="1" rtlCol="0" anchor="t" anchorCtr="0" compatLnSpc="1">
-            <a:prstTxWarp prst="textNoShape">
-              <a:avLst/>
-            </a:prstTxWarp>
-          </a:bodyPr>
-          <a:lstStyle/>
-          <a:p>
-            <a:pPr marL="0" marR="0" indent="0" algn="l" defTabSz="914400" rtl="0" eaLnBrk="1" fontAlgn="base" latinLnBrk="0" hangingPunct="1">
-              <a:lnSpc>
-                <a:spcPct val="100000"/>
-              </a:lnSpc>
-              <a:spcBef>
-                <a:spcPct val="0"/>
-              </a:spcBef>
-              <a:spcAft>
-                <a:spcPct val="0"/>
-              </a:spcAft>
-              <a:buClrTx/>
-              <a:buSzTx/>
-              <a:buFontTx/>
-              <a:buNone/>
-              <a:tabLst/>
-            </a:pPr>
-            <a:endParaRPr kumimoji="0" lang="en-US" sz="1800" b="0" i="0" u="none" strike="noStrike" cap="none" normalizeH="0" baseline="0" smtClean="0">
-              <a:ln>
-                <a:noFill/>
-              </a:ln>
-              <a:solidFill>
-                <a:schemeClr val="tx1"/>
-              </a:solidFill>
-              <a:effectLst/>
-              <a:latin typeface="Arial" charset="0"/>
-            </a:endParaRPr>
-          </a:p>
-        </p:txBody>
-      </p:sp>
-      <p:sp>
-        <p:nvSpPr>
-          <p:cNvPr id="34" name="TextBox 33"/>
-          <p:cNvSpPr txBox="1"/>
-          <p:nvPr/>
-        </p:nvSpPr>
-        <p:spPr>
-          <a:xfrm>
-            <a:off x="2692400" y="1259565"/>
-            <a:ext cx="1153842" cy="276999"/>
-          </a:xfrm>
-          <a:prstGeom prst="rect">
-            <a:avLst/>
-          </a:prstGeom>
-          <a:noFill/>
-        </p:spPr>
-        <p:txBody>
-          <a:bodyPr wrap="none" rtlCol="0">
-            <a:spAutoFit/>
-          </a:bodyPr>
-          <a:lstStyle/>
-          <a:p>
-            <a:r>
-              <a:rPr lang="en-US" sz="1200" dirty="0" smtClean="0"/>
-              <a:t>Verify/Validate</a:t>
-            </a:r>
-            <a:endParaRPr lang="en-US" sz="1200" dirty="0"/>
-          </a:p>
-        </p:txBody>
-      </p:sp>
-      <p:sp>
-        <p:nvSpPr>
-          <p:cNvPr id="35" name="TextBox 34"/>
-          <p:cNvSpPr txBox="1"/>
-          <p:nvPr/>
-        </p:nvSpPr>
-        <p:spPr>
-          <a:xfrm>
-            <a:off x="3746522" y="3570530"/>
-            <a:ext cx="568938" cy="276999"/>
-          </a:xfrm>
-          <a:prstGeom prst="rect">
-            <a:avLst/>
-          </a:prstGeom>
-          <a:noFill/>
-        </p:spPr>
-        <p:txBody>
-          <a:bodyPr wrap="none" rtlCol="0">
-            <a:spAutoFit/>
-          </a:bodyPr>
-          <a:lstStyle/>
-          <a:p>
-            <a:r>
-              <a:rPr lang="en-US" sz="1200" dirty="0"/>
-              <a:t>Verify</a:t>
-            </a:r>
-          </a:p>
-        </p:txBody>
-      </p:sp>
-      <p:sp>
-        <p:nvSpPr>
-          <p:cNvPr id="36" name="TextBox 35"/>
-          <p:cNvSpPr txBox="1"/>
-          <p:nvPr/>
-        </p:nvSpPr>
-        <p:spPr>
-          <a:xfrm>
-            <a:off x="3118195" y="2486732"/>
-            <a:ext cx="568938" cy="276999"/>
-          </a:xfrm>
-          <a:prstGeom prst="rect">
-            <a:avLst/>
-          </a:prstGeom>
-          <a:noFill/>
-        </p:spPr>
-        <p:txBody>
-          <a:bodyPr wrap="none" rtlCol="0">
-            <a:spAutoFit/>
-          </a:bodyPr>
-          <a:lstStyle/>
-          <a:p>
-            <a:r>
-              <a:rPr lang="en-US" sz="1200" dirty="0"/>
-              <a:t>Verify</a:t>
-            </a:r>
-          </a:p>
-        </p:txBody>
-      </p:sp>
-      <p:sp>
-        <p:nvSpPr>
-          <p:cNvPr id="40" name="Up-Down Arrow 39"/>
-          <p:cNvSpPr/>
-          <p:nvPr/>
-        </p:nvSpPr>
-        <p:spPr bwMode="auto">
-          <a:xfrm>
-            <a:off x="8124755" y="1137153"/>
-            <a:ext cx="209466" cy="4475477"/>
-          </a:xfrm>
-          <a:prstGeom prst="upDownArrow">
-            <a:avLst/>
-          </a:prstGeom>
-          <a:solidFill>
-            <a:schemeClr val="accent4">
-              <a:lumMod val="75000"/>
-            </a:schemeClr>
-          </a:solidFill>
-          <a:ln w="9525" cap="flat" cmpd="sng" algn="ctr">
-            <a:noFill/>
-            <a:prstDash val="solid"/>
-            <a:round/>
-            <a:headEnd type="none" w="med" len="med"/>
-            <a:tailEnd type="none" w="med" len="med"/>
-          </a:ln>
-          <a:effectLst/>
-        </p:spPr>
-        <p:txBody>
-          <a:bodyPr vert="horz" wrap="square" lIns="91440" tIns="45720" rIns="91440" bIns="45720" numCol="1" rtlCol="0" anchor="t" anchorCtr="0" compatLnSpc="1">
-            <a:prstTxWarp prst="textNoShape">
-              <a:avLst/>
-            </a:prstTxWarp>
-          </a:bodyPr>
-          <a:lstStyle/>
-          <a:p>
-            <a:pPr marL="0" marR="0" indent="0" algn="l" defTabSz="914400" rtl="0" eaLnBrk="1" fontAlgn="base" latinLnBrk="0" hangingPunct="1">
-              <a:lnSpc>
-                <a:spcPct val="100000"/>
-              </a:lnSpc>
-              <a:spcBef>
-                <a:spcPct val="0"/>
-              </a:spcBef>
-              <a:spcAft>
-                <a:spcPct val="0"/>
-              </a:spcAft>
-              <a:buClrTx/>
-              <a:buSzTx/>
-              <a:buFontTx/>
-              <a:buNone/>
-              <a:tabLst/>
-            </a:pPr>
-            <a:endParaRPr kumimoji="0" lang="en-US" sz="1800" b="0" i="0" u="none" strike="noStrike" cap="none" normalizeH="0" baseline="0" smtClean="0">
-              <a:ln>
-                <a:noFill/>
-              </a:ln>
-              <a:solidFill>
-                <a:schemeClr val="tx1"/>
-              </a:solidFill>
-              <a:effectLst/>
-              <a:latin typeface="Arial" charset="0"/>
-            </a:endParaRPr>
-          </a:p>
-        </p:txBody>
-      </p:sp>
-      <p:sp>
-        <p:nvSpPr>
-          <p:cNvPr id="41" name="TextBox 40"/>
-          <p:cNvSpPr txBox="1"/>
-          <p:nvPr/>
-        </p:nvSpPr>
-        <p:spPr>
-          <a:xfrm>
-            <a:off x="8312066" y="3540634"/>
-            <a:ext cx="641522" cy="523220"/>
-          </a:xfrm>
-          <a:prstGeom prst="rect">
-            <a:avLst/>
-          </a:prstGeom>
-          <a:noFill/>
-        </p:spPr>
-        <p:txBody>
-          <a:bodyPr wrap="none" rtlCol="0">
-            <a:spAutoFit/>
-          </a:bodyPr>
-          <a:lstStyle/>
-          <a:p>
-            <a:r>
-              <a:rPr lang="en-US" sz="1400" dirty="0" smtClean="0"/>
-              <a:t>21/6</a:t>
-            </a:r>
-          </a:p>
-          <a:p>
-            <a:r>
-              <a:rPr lang="en-US" sz="1400" dirty="0" smtClean="0"/>
-              <a:t>- 27/7</a:t>
-            </a:r>
-            <a:endParaRPr lang="en-US" sz="1400" dirty="0"/>
-          </a:p>
-        </p:txBody>
-      </p:sp>
-      <p:sp>
-        <p:nvSpPr>
-          <p:cNvPr id="42" name="TextBox 41"/>
-          <p:cNvSpPr txBox="1"/>
-          <p:nvPr/>
-        </p:nvSpPr>
-        <p:spPr>
-          <a:xfrm>
-            <a:off x="8312066" y="2445894"/>
-            <a:ext cx="542136" cy="523220"/>
-          </a:xfrm>
-          <a:prstGeom prst="rect">
-            <a:avLst/>
-          </a:prstGeom>
-          <a:noFill/>
-        </p:spPr>
-        <p:txBody>
-          <a:bodyPr wrap="none" rtlCol="0">
-            <a:spAutoFit/>
-          </a:bodyPr>
-          <a:lstStyle/>
-          <a:p>
-            <a:r>
-              <a:rPr lang="en-US" sz="1400" dirty="0" smtClean="0"/>
-              <a:t>28/7</a:t>
-            </a:r>
-          </a:p>
-          <a:p>
-            <a:r>
-              <a:rPr lang="en-US" sz="1400" dirty="0" smtClean="0"/>
-              <a:t>- 1/8</a:t>
-            </a:r>
-            <a:endParaRPr lang="en-US" sz="1400" dirty="0"/>
-          </a:p>
-        </p:txBody>
-      </p:sp>
-      <p:sp>
-        <p:nvSpPr>
-          <p:cNvPr id="43" name="TextBox 42"/>
-          <p:cNvSpPr txBox="1"/>
-          <p:nvPr/>
-        </p:nvSpPr>
-        <p:spPr>
-          <a:xfrm>
-            <a:off x="8312066" y="1274954"/>
-            <a:ext cx="542136" cy="523220"/>
-          </a:xfrm>
-          <a:prstGeom prst="rect">
-            <a:avLst/>
-          </a:prstGeom>
-          <a:noFill/>
-        </p:spPr>
-        <p:txBody>
-          <a:bodyPr wrap="none" rtlCol="0">
-            <a:spAutoFit/>
-          </a:bodyPr>
-          <a:lstStyle/>
-          <a:p>
-            <a:r>
-              <a:rPr lang="en-US" sz="1400" dirty="0" smtClean="0"/>
-              <a:t>2/7</a:t>
-            </a:r>
-          </a:p>
-          <a:p>
-            <a:r>
-              <a:rPr lang="en-US" sz="1400" dirty="0" smtClean="0"/>
-              <a:t>- 6/8</a:t>
-            </a:r>
-            <a:endParaRPr lang="en-US" sz="1400" dirty="0"/>
-          </a:p>
-        </p:txBody>
-      </p:sp>
-    </p:spTree>
-    <p:extLst>
-      <p:ext uri="{BB962C8B-B14F-4D97-AF65-F5344CB8AC3E}">
-        <p14:creationId xmlns:p14="http://schemas.microsoft.com/office/powerpoint/2010/main" val="1191744571"/>
       </p:ext>
     </p:extLst>
   </p:cSld>

--- a/Document/Final report/Slide Present E-Learning.pptx
+++ b/Document/Final report/Slide Present E-Learning.pptx
@@ -4637,7 +4637,7 @@
           <a:blip xmlns:r="http://schemas.openxmlformats.org/officeDocument/2006/relationships" r:embed="rId1">
             <a:extLst>
               <a:ext uri="{28A0092B-C50C-407E-A947-70E740481C1C}">
-                <a14:useLocalDpi xmlns:a14="http://schemas.microsoft.com/office/drawing/2010/main" val="0"/>
+                <a14:useLocalDpi xmlns:a14="http://schemas.microsoft.com/office/drawing/2010/main" xmlns="" val="0"/>
               </a:ext>
             </a:extLst>
           </a:blip>
@@ -4736,7 +4736,7 @@
           <a:blip xmlns:r="http://schemas.openxmlformats.org/officeDocument/2006/relationships" r:embed="rId2" cstate="print">
             <a:extLst>
               <a:ext uri="{28A0092B-C50C-407E-A947-70E740481C1C}">
-                <a14:useLocalDpi xmlns:a14="http://schemas.microsoft.com/office/drawing/2010/main" val="0"/>
+                <a14:useLocalDpi xmlns:a14="http://schemas.microsoft.com/office/drawing/2010/main" xmlns="" val="0"/>
               </a:ext>
             </a:extLst>
           </a:blip>
@@ -4828,7 +4828,7 @@
           <a:blip xmlns:r="http://schemas.openxmlformats.org/officeDocument/2006/relationships" r:embed="rId3" cstate="print">
             <a:extLst>
               <a:ext uri="{28A0092B-C50C-407E-A947-70E740481C1C}">
-                <a14:useLocalDpi xmlns:a14="http://schemas.microsoft.com/office/drawing/2010/main" val="0"/>
+                <a14:useLocalDpi xmlns:a14="http://schemas.microsoft.com/office/drawing/2010/main" xmlns="" val="0"/>
               </a:ext>
             </a:extLst>
           </a:blip>
@@ -4927,7 +4927,7 @@
           <a:blip xmlns:r="http://schemas.openxmlformats.org/officeDocument/2006/relationships" r:embed="rId4">
             <a:extLst>
               <a:ext uri="{28A0092B-C50C-407E-A947-70E740481C1C}">
-                <a14:useLocalDpi xmlns:a14="http://schemas.microsoft.com/office/drawing/2010/main" val="0"/>
+                <a14:useLocalDpi xmlns:a14="http://schemas.microsoft.com/office/drawing/2010/main" xmlns="" val="0"/>
               </a:ext>
             </a:extLst>
           </a:blip>
@@ -5019,7 +5019,7 @@
           <a:blip xmlns:r="http://schemas.openxmlformats.org/officeDocument/2006/relationships" r:embed="rId5" cstate="print">
             <a:extLst>
               <a:ext uri="{28A0092B-C50C-407E-A947-70E740481C1C}">
-                <a14:useLocalDpi xmlns:a14="http://schemas.microsoft.com/office/drawing/2010/main" val="0"/>
+                <a14:useLocalDpi xmlns:a14="http://schemas.microsoft.com/office/drawing/2010/main" xmlns="" val="0"/>
               </a:ext>
             </a:extLst>
           </a:blip>
@@ -5111,7 +5111,7 @@
           <a:blip xmlns:r="http://schemas.openxmlformats.org/officeDocument/2006/relationships" r:embed="rId6" cstate="print">
             <a:extLst>
               <a:ext uri="{28A0092B-C50C-407E-A947-70E740481C1C}">
-                <a14:useLocalDpi xmlns:a14="http://schemas.microsoft.com/office/drawing/2010/main" val="0"/>
+                <a14:useLocalDpi xmlns:a14="http://schemas.microsoft.com/office/drawing/2010/main" xmlns="" val="0"/>
               </a:ext>
             </a:extLst>
           </a:blip>
@@ -5155,19 +5155,19 @@
     </dgm:pt>
   </dgm:ptLst>
   <dgm:cxnLst>
+    <dgm:cxn modelId="{DC5D2B54-0452-484F-9EF0-EA4195AF0019}" type="presOf" srcId="{8C27282A-191D-448A-BCED-50575180D32C}" destId="{F28972D2-3023-4D92-BAFD-BF64138E2A2C}" srcOrd="0" destOrd="0" presId="urn:microsoft.com/office/officeart/2008/layout/CaptionedPictures"/>
+    <dgm:cxn modelId="{DE8078E5-5362-4DEB-89BE-4B27AED66672}" srcId="{DAA90998-9D53-4FCB-ACD7-112EE1852243}" destId="{5BD2A0A4-3EA3-4622-A17A-0D8B04B94D33}" srcOrd="0" destOrd="0" parTransId="{81F5E17E-14FE-4F98-80F1-76C23870B086}" sibTransId="{38A5F7DF-81D5-4C2E-8321-A8BC54C0BAFD}"/>
+    <dgm:cxn modelId="{CB45810D-4221-4FCD-BA1F-C17A0829DC01}" type="presOf" srcId="{DAA90998-9D53-4FCB-ACD7-112EE1852243}" destId="{23B2E224-D368-4F93-9C9E-48B39968B703}" srcOrd="0" destOrd="0" presId="urn:microsoft.com/office/officeart/2008/layout/CaptionedPictures"/>
+    <dgm:cxn modelId="{ED1E3214-FB5D-4657-A29B-B5A868CB806F}" srcId="{DAA90998-9D53-4FCB-ACD7-112EE1852243}" destId="{E37D0F6B-92E9-4E32-8E80-E9EFB3ED369E}" srcOrd="4" destOrd="0" parTransId="{8F019096-7207-4C2C-9E45-7B47F41C84C9}" sibTransId="{D99A582B-97A6-42C0-A23D-A3C06C81818F}"/>
+    <dgm:cxn modelId="{872A2F95-C4DA-4D51-9D86-C42EE2677F17}" type="presOf" srcId="{E37D0F6B-92E9-4E32-8E80-E9EFB3ED369E}" destId="{8D682407-1DA8-425B-B97F-9FF635B6BD1D}" srcOrd="0" destOrd="0" presId="urn:microsoft.com/office/officeart/2008/layout/CaptionedPictures"/>
+    <dgm:cxn modelId="{05016CF2-AF6E-4F4D-9350-11A053DA4500}" type="presOf" srcId="{EFDDBAD6-CA03-4219-82E0-DE3629E8A851}" destId="{0BADA6C6-447D-4838-8789-DB095AF4F31C}" srcOrd="0" destOrd="0" presId="urn:microsoft.com/office/officeart/2008/layout/CaptionedPictures"/>
+    <dgm:cxn modelId="{4BB661C2-2367-4796-A197-1192122A95EF}" type="presOf" srcId="{1BB734FE-98A4-4FF1-B2E4-F314BED9C776}" destId="{E4C5B287-9328-47E2-8820-9C7E7697973A}" srcOrd="0" destOrd="0" presId="urn:microsoft.com/office/officeart/2008/layout/CaptionedPictures"/>
+    <dgm:cxn modelId="{A411C1D7-5B8D-4FC5-A4C6-B88A68494750}" type="presOf" srcId="{DE9415C9-2B72-4726-8439-2C4B3D95C67B}" destId="{7B1F2456-5BED-45DE-8A8F-60C019D3B35C}" srcOrd="0" destOrd="0" presId="urn:microsoft.com/office/officeart/2008/layout/CaptionedPictures"/>
+    <dgm:cxn modelId="{5F8EF21E-1F0A-459A-AC3E-3D61BAEFAE23}" srcId="{DAA90998-9D53-4FCB-ACD7-112EE1852243}" destId="{1BB734FE-98A4-4FF1-B2E4-F314BED9C776}" srcOrd="1" destOrd="0" parTransId="{78FBF91F-C307-4FE0-AC5D-2E9CF731C633}" sibTransId="{7EDF5836-00ED-48BA-BEBD-85FCB0A20823}"/>
+    <dgm:cxn modelId="{B823AE12-FA73-464C-8F5E-A84685820ABA}" type="presOf" srcId="{5BD2A0A4-3EA3-4622-A17A-0D8B04B94D33}" destId="{ADD9D8E1-08FF-4F82-B0AF-8ED4B73F83BD}" srcOrd="0" destOrd="0" presId="urn:microsoft.com/office/officeart/2008/layout/CaptionedPictures"/>
     <dgm:cxn modelId="{0224598B-7477-41BE-A18A-4108BC3D2753}" srcId="{DAA90998-9D53-4FCB-ACD7-112EE1852243}" destId="{8C27282A-191D-448A-BCED-50575180D32C}" srcOrd="5" destOrd="0" parTransId="{007E2102-AEBE-4182-8CDA-06E589E15FC3}" sibTransId="{7C532651-80C5-42B5-9EDD-8FD621226226}"/>
-    <dgm:cxn modelId="{CB45810D-4221-4FCD-BA1F-C17A0829DC01}" type="presOf" srcId="{DAA90998-9D53-4FCB-ACD7-112EE1852243}" destId="{23B2E224-D368-4F93-9C9E-48B39968B703}" srcOrd="0" destOrd="0" presId="urn:microsoft.com/office/officeart/2008/layout/CaptionedPictures"/>
+    <dgm:cxn modelId="{234CD5D3-1C4E-45E3-AFCA-8A311268B3FE}" srcId="{DAA90998-9D53-4FCB-ACD7-112EE1852243}" destId="{DE9415C9-2B72-4726-8439-2C4B3D95C67B}" srcOrd="2" destOrd="0" parTransId="{27F6BCFA-DE2C-4191-A178-5ED58399D609}" sibTransId="{62C13114-07FF-4C02-8E68-59525B729D64}"/>
     <dgm:cxn modelId="{27215882-2C2D-40EB-9D43-ACC2CA89FFC7}" srcId="{DAA90998-9D53-4FCB-ACD7-112EE1852243}" destId="{EFDDBAD6-CA03-4219-82E0-DE3629E8A851}" srcOrd="3" destOrd="0" parTransId="{D2FFDC92-5114-4285-AB7A-41B5400DDDEB}" sibTransId="{204F5DC6-3C86-405D-A68F-1F539CC98BA2}"/>
-    <dgm:cxn modelId="{B823AE12-FA73-464C-8F5E-A84685820ABA}" type="presOf" srcId="{5BD2A0A4-3EA3-4622-A17A-0D8B04B94D33}" destId="{ADD9D8E1-08FF-4F82-B0AF-8ED4B73F83BD}" srcOrd="0" destOrd="0" presId="urn:microsoft.com/office/officeart/2008/layout/CaptionedPictures"/>
-    <dgm:cxn modelId="{ED1E3214-FB5D-4657-A29B-B5A868CB806F}" srcId="{DAA90998-9D53-4FCB-ACD7-112EE1852243}" destId="{E37D0F6B-92E9-4E32-8E80-E9EFB3ED369E}" srcOrd="4" destOrd="0" parTransId="{8F019096-7207-4C2C-9E45-7B47F41C84C9}" sibTransId="{D99A582B-97A6-42C0-A23D-A3C06C81818F}"/>
-    <dgm:cxn modelId="{4BB661C2-2367-4796-A197-1192122A95EF}" type="presOf" srcId="{1BB734FE-98A4-4FF1-B2E4-F314BED9C776}" destId="{E4C5B287-9328-47E2-8820-9C7E7697973A}" srcOrd="0" destOrd="0" presId="urn:microsoft.com/office/officeart/2008/layout/CaptionedPictures"/>
-    <dgm:cxn modelId="{5F8EF21E-1F0A-459A-AC3E-3D61BAEFAE23}" srcId="{DAA90998-9D53-4FCB-ACD7-112EE1852243}" destId="{1BB734FE-98A4-4FF1-B2E4-F314BED9C776}" srcOrd="1" destOrd="0" parTransId="{78FBF91F-C307-4FE0-AC5D-2E9CF731C633}" sibTransId="{7EDF5836-00ED-48BA-BEBD-85FCB0A20823}"/>
-    <dgm:cxn modelId="{A411C1D7-5B8D-4FC5-A4C6-B88A68494750}" type="presOf" srcId="{DE9415C9-2B72-4726-8439-2C4B3D95C67B}" destId="{7B1F2456-5BED-45DE-8A8F-60C019D3B35C}" srcOrd="0" destOrd="0" presId="urn:microsoft.com/office/officeart/2008/layout/CaptionedPictures"/>
-    <dgm:cxn modelId="{872A2F95-C4DA-4D51-9D86-C42EE2677F17}" type="presOf" srcId="{E37D0F6B-92E9-4E32-8E80-E9EFB3ED369E}" destId="{8D682407-1DA8-425B-B97F-9FF635B6BD1D}" srcOrd="0" destOrd="0" presId="urn:microsoft.com/office/officeart/2008/layout/CaptionedPictures"/>
-    <dgm:cxn modelId="{DE8078E5-5362-4DEB-89BE-4B27AED66672}" srcId="{DAA90998-9D53-4FCB-ACD7-112EE1852243}" destId="{5BD2A0A4-3EA3-4622-A17A-0D8B04B94D33}" srcOrd="0" destOrd="0" parTransId="{81F5E17E-14FE-4F98-80F1-76C23870B086}" sibTransId="{38A5F7DF-81D5-4C2E-8321-A8BC54C0BAFD}"/>
-    <dgm:cxn modelId="{234CD5D3-1C4E-45E3-AFCA-8A311268B3FE}" srcId="{DAA90998-9D53-4FCB-ACD7-112EE1852243}" destId="{DE9415C9-2B72-4726-8439-2C4B3D95C67B}" srcOrd="2" destOrd="0" parTransId="{27F6BCFA-DE2C-4191-A178-5ED58399D609}" sibTransId="{62C13114-07FF-4C02-8E68-59525B729D64}"/>
-    <dgm:cxn modelId="{DC5D2B54-0452-484F-9EF0-EA4195AF0019}" type="presOf" srcId="{8C27282A-191D-448A-BCED-50575180D32C}" destId="{F28972D2-3023-4D92-BAFD-BF64138E2A2C}" srcOrd="0" destOrd="0" presId="urn:microsoft.com/office/officeart/2008/layout/CaptionedPictures"/>
-    <dgm:cxn modelId="{05016CF2-AF6E-4F4D-9350-11A053DA4500}" type="presOf" srcId="{EFDDBAD6-CA03-4219-82E0-DE3629E8A851}" destId="{0BADA6C6-447D-4838-8789-DB095AF4F31C}" srcOrd="0" destOrd="0" presId="urn:microsoft.com/office/officeart/2008/layout/CaptionedPictures"/>
     <dgm:cxn modelId="{8385B063-2E88-470B-81FE-96ADCD1FAB2F}" type="presParOf" srcId="{23B2E224-D368-4F93-9C9E-48B39968B703}" destId="{8E1D3E46-35E2-43AD-8E47-AE3DD7A05DDC}" srcOrd="0" destOrd="0" presId="urn:microsoft.com/office/officeart/2008/layout/CaptionedPictures"/>
     <dgm:cxn modelId="{19574413-CD88-4C82-A49A-1D312035FCA5}" type="presParOf" srcId="{8E1D3E46-35E2-43AD-8E47-AE3DD7A05DDC}" destId="{5DA9F644-DE1C-49BC-9F68-77F5C520D7C6}" srcOrd="0" destOrd="0" presId="urn:microsoft.com/office/officeart/2008/layout/CaptionedPictures"/>
     <dgm:cxn modelId="{2BF50B43-5019-413B-AB6D-2D48AD7936A0}" type="presParOf" srcId="{8E1D3E46-35E2-43AD-8E47-AE3DD7A05DDC}" destId="{F938772A-A136-49F2-A97E-92DD4DD2234A}" srcOrd="1" destOrd="0" presId="urn:microsoft.com/office/officeart/2008/layout/CaptionedPictures"/>
@@ -5214,7 +5214,7 @@
   <dgm:whole/>
   <dgm:extLst>
     <a:ext uri="http://schemas.microsoft.com/office/drawing/2008/diagram">
-      <dsp:dataModelExt xmlns:dsp="http://schemas.microsoft.com/office/drawing/2008/diagram" relId="rId7" minVer="http://schemas.openxmlformats.org/drawingml/2006/diagram"/>
+      <dsp:dataModelExt xmlns:dsp="http://schemas.microsoft.com/office/drawing/2008/diagram" xmlns="" relId="rId7" minVer="http://schemas.openxmlformats.org/drawingml/2006/diagram"/>
     </a:ext>
   </dgm:extLst>
 </dgm:dataModel>
@@ -6284,43 +6284,43 @@
     </dgm:pt>
   </dgm:ptLst>
   <dgm:cxnLst>
+    <dgm:cxn modelId="{62DF17DF-E4F4-4BB9-81A3-B5EF4907BF0A}" srcId="{E2EEF7D3-C703-4969-B969-FFC964DD1B82}" destId="{06DD8F9D-51DF-423B-90A9-33361ECF13EB}" srcOrd="0" destOrd="0" parTransId="{8E75A072-3CD7-415B-95ED-1D25264DFD00}" sibTransId="{77108BEB-9E6D-4573-9CE7-1ABB62A6E449}"/>
+    <dgm:cxn modelId="{CA14834C-8EEF-47AA-B825-71021370136D}" srcId="{18F07AEC-3B58-4249-AC61-89573791DF85}" destId="{18A8B32D-1CE0-4361-95BC-94818F7B4A14}" srcOrd="5" destOrd="0" parTransId="{B97060DE-E98C-4ED6-9577-A7B305FB9017}" sibTransId="{E3A70270-9FED-4F70-A43D-9EEAA546F01B}"/>
+    <dgm:cxn modelId="{36D751D4-33DF-452C-BE82-21637E278738}" type="presOf" srcId="{F3F06A60-E4FE-4E03-BC83-454F6C57D999}" destId="{BC3BEEAE-C28C-44D0-9EAA-9D4FBA3D6755}" srcOrd="0" destOrd="0" presId="urn:microsoft.com/office/officeart/2005/8/layout/vList5"/>
+    <dgm:cxn modelId="{76DF94BA-0F3A-4919-8A97-5D9601F75D82}" srcId="{18F07AEC-3B58-4249-AC61-89573791DF85}" destId="{D39ED147-7883-40ED-A01C-39D218765668}" srcOrd="1" destOrd="0" parTransId="{E544B62C-E634-4E4A-B8D8-EEC69A8BDE45}" sibTransId="{D98A861D-E023-4922-BE02-996BA2CE4E39}"/>
+    <dgm:cxn modelId="{BF5F79D9-F511-4D46-A5B3-013566A35168}" srcId="{18F07AEC-3B58-4249-AC61-89573791DF85}" destId="{D0D7EE09-312F-467E-A3B8-87081594A9CF}" srcOrd="4" destOrd="0" parTransId="{B777786C-909C-4A98-B464-362DAB5188BB}" sibTransId="{BEF45399-2403-4F4B-A6D7-24C175D69FC8}"/>
+    <dgm:cxn modelId="{DCA986CE-A36D-4E2C-AD2A-BECD29A5C548}" srcId="{5FFCDB36-C340-4466-BC1F-D3A1156E86A3}" destId="{E85B40CE-F3F5-4A35-8012-146935055984}" srcOrd="0" destOrd="0" parTransId="{18056958-59E4-4703-A820-9FA88CCD122B}" sibTransId="{253CDA68-F997-45FA-9FF8-5489E12983B4}"/>
+    <dgm:cxn modelId="{B3B4095D-D916-4E79-B4E3-7F7B80BD6630}" type="presOf" srcId="{18A8B32D-1CE0-4361-95BC-94818F7B4A14}" destId="{7D29A3BB-251E-48D2-AB2F-58D754BCED1A}" srcOrd="0" destOrd="0" presId="urn:microsoft.com/office/officeart/2005/8/layout/vList5"/>
+    <dgm:cxn modelId="{94B9F691-7AAB-4515-B538-A08F45C7C8AD}" type="presOf" srcId="{E2EEF7D3-C703-4969-B969-FFC964DD1B82}" destId="{F7AA96E1-2309-4BB6-9E58-83C9AF8D6988}" srcOrd="0" destOrd="0" presId="urn:microsoft.com/office/officeart/2005/8/layout/vList5"/>
+    <dgm:cxn modelId="{FD57F127-4A94-4D37-872D-788DC309B1AD}" type="presOf" srcId="{919A7D91-4C2B-469D-ABF2-268AF5F32FEF}" destId="{D3BBC018-3D15-407E-940A-8515B3043132}" srcOrd="0" destOrd="0" presId="urn:microsoft.com/office/officeart/2005/8/layout/vList5"/>
+    <dgm:cxn modelId="{2AF241FE-6B9A-4A76-AB9C-B10310FD717E}" srcId="{CC184973-6944-48E5-83D5-7BF22DD7E4A4}" destId="{23432ADC-13F5-48B4-A8DF-F85F38FD3B85}" srcOrd="0" destOrd="0" parTransId="{817735FE-4B27-4317-A229-9FD7E95E84C4}" sibTransId="{A29BDA27-DA61-4014-A677-A7F0A1783D35}"/>
+    <dgm:cxn modelId="{59B6A49A-1DB3-4F30-94D0-B3DDD34D7C28}" type="presOf" srcId="{18F07AEC-3B58-4249-AC61-89573791DF85}" destId="{CF4F16C4-9B26-4072-A3E7-0DE1807256EC}" srcOrd="0" destOrd="0" presId="urn:microsoft.com/office/officeart/2005/8/layout/vList5"/>
+    <dgm:cxn modelId="{B44F9483-796A-4830-AE4F-05EA9AFDCB11}" type="presOf" srcId="{06DD8F9D-51DF-423B-90A9-33361ECF13EB}" destId="{EA9ACC33-627A-4012-BAD4-055B5D3A47A5}" srcOrd="0" destOrd="0" presId="urn:microsoft.com/office/officeart/2005/8/layout/vList5"/>
+    <dgm:cxn modelId="{302D63C0-8CF5-453D-B2ED-1E7C1BA1D970}" type="presOf" srcId="{9FF532B5-1666-4953-8569-751A1288326A}" destId="{4EF168DF-699D-4FC3-ABD2-A264DA331F94}" srcOrd="0" destOrd="0" presId="urn:microsoft.com/office/officeart/2005/8/layout/vList5"/>
+    <dgm:cxn modelId="{AFB2CC52-3BD8-492D-B609-1640EEA97655}" srcId="{18F07AEC-3B58-4249-AC61-89573791DF85}" destId="{6DF5B08A-9121-40E1-92E9-79333FC8F2D2}" srcOrd="0" destOrd="0" parTransId="{0B3AE333-500A-4C00-8CC8-4A288C18EFBC}" sibTransId="{B7BC1E4D-660A-44D8-8E98-251164D8FB65}"/>
+    <dgm:cxn modelId="{ADD9E39A-D089-435F-B055-2D7F6AC0B688}" srcId="{9FF532B5-1666-4953-8569-751A1288326A}" destId="{F3F06A60-E4FE-4E03-BC83-454F6C57D999}" srcOrd="0" destOrd="0" parTransId="{AAF769EE-63ED-44CF-8491-E0ACDCCD300C}" sibTransId="{0A2055C6-3329-4E01-81F0-3181F92B11A7}"/>
+    <dgm:cxn modelId="{9A798682-9024-4BBA-A03F-C61EA01CFE6D}" srcId="{D39ED147-7883-40ED-A01C-39D218765668}" destId="{2AB0744B-4C55-4915-986D-59BCAC94C6D1}" srcOrd="0" destOrd="0" parTransId="{AED36316-4066-4A97-AA90-0ECD4D9A0C18}" sibTransId="{3F074F33-390D-4AF3-932B-1090EEB96753}"/>
+    <dgm:cxn modelId="{A83FB6CF-4F29-49C5-B2E5-009001129E38}" type="presOf" srcId="{5FFCDB36-C340-4466-BC1F-D3A1156E86A3}" destId="{980614D2-6E8D-4269-A6C3-D16F908BD573}" srcOrd="0" destOrd="0" presId="urn:microsoft.com/office/officeart/2005/8/layout/vList5"/>
     <dgm:cxn modelId="{EC8A8D41-3E62-4DEF-8E7E-FBB122701AA0}" srcId="{18F07AEC-3B58-4249-AC61-89573791DF85}" destId="{E2EEF7D3-C703-4969-B969-FFC964DD1B82}" srcOrd="3" destOrd="0" parTransId="{86498C36-E943-47F5-9083-7DD8754F1E6F}" sibTransId="{E8BDE5DA-CCE8-48CE-8C27-FA27D41E594F}"/>
-    <dgm:cxn modelId="{A83FB6CF-4F29-49C5-B2E5-009001129E38}" type="presOf" srcId="{5FFCDB36-C340-4466-BC1F-D3A1156E86A3}" destId="{980614D2-6E8D-4269-A6C3-D16F908BD573}" srcOrd="0" destOrd="0" presId="urn:microsoft.com/office/officeart/2005/8/layout/vList5"/>
+    <dgm:cxn modelId="{741725A5-8320-418B-9DCC-391EFAAC93CE}" type="presOf" srcId="{6DF5B08A-9121-40E1-92E9-79333FC8F2D2}" destId="{FFBF79ED-6C84-4740-A093-8C6BAA74CCBA}" srcOrd="0" destOrd="0" presId="urn:microsoft.com/office/officeart/2005/8/layout/vList5"/>
+    <dgm:cxn modelId="{EA771B39-B8AD-43AA-B3CE-2781051B7DE3}" srcId="{18F07AEC-3B58-4249-AC61-89573791DF85}" destId="{68F57FBB-B606-43B3-BDE5-0086440864DE}" srcOrd="7" destOrd="0" parTransId="{9E8E323E-2A56-488E-88D6-76181026DA12}" sibTransId="{0A3286BB-3C3B-4A99-96CE-F1D148A90D43}"/>
     <dgm:cxn modelId="{A98D5762-E816-4AD4-BDBA-61EBD4E2E469}" srcId="{18F07AEC-3B58-4249-AC61-89573791DF85}" destId="{CC184973-6944-48E5-83D5-7BF22DD7E4A4}" srcOrd="2" destOrd="0" parTransId="{24ED9C99-64C5-4200-A8D6-F1518CA0389E}" sibTransId="{719991BF-AFF8-4998-9E9F-445EFB2CFEA6}"/>
-    <dgm:cxn modelId="{DCA986CE-A36D-4E2C-AD2A-BECD29A5C548}" srcId="{5FFCDB36-C340-4466-BC1F-D3A1156E86A3}" destId="{E85B40CE-F3F5-4A35-8012-146935055984}" srcOrd="0" destOrd="0" parTransId="{18056958-59E4-4703-A820-9FA88CCD122B}" sibTransId="{253CDA68-F997-45FA-9FF8-5489E12983B4}"/>
-    <dgm:cxn modelId="{F47C9A74-99D1-4676-B952-C0138019D92D}" srcId="{18F07AEC-3B58-4249-AC61-89573791DF85}" destId="{5FFCDB36-C340-4466-BC1F-D3A1156E86A3}" srcOrd="6" destOrd="0" parTransId="{E451D9D1-9B01-4694-B2E8-3CD489536F35}" sibTransId="{82D4DA05-8D56-4535-98EE-674D0599E724}"/>
-    <dgm:cxn modelId="{ADD9E39A-D089-435F-B055-2D7F6AC0B688}" srcId="{9FF532B5-1666-4953-8569-751A1288326A}" destId="{F3F06A60-E4FE-4E03-BC83-454F6C57D999}" srcOrd="0" destOrd="0" parTransId="{AAF769EE-63ED-44CF-8491-E0ACDCCD300C}" sibTransId="{0A2055C6-3329-4E01-81F0-3181F92B11A7}"/>
-    <dgm:cxn modelId="{EA771B39-B8AD-43AA-B3CE-2781051B7DE3}" srcId="{18F07AEC-3B58-4249-AC61-89573791DF85}" destId="{68F57FBB-B606-43B3-BDE5-0086440864DE}" srcOrd="7" destOrd="0" parTransId="{9E8E323E-2A56-488E-88D6-76181026DA12}" sibTransId="{0A3286BB-3C3B-4A99-96CE-F1D148A90D43}"/>
+    <dgm:cxn modelId="{6D1C41B5-14CA-4684-9EA3-5808705DD656}" srcId="{18F07AEC-3B58-4249-AC61-89573791DF85}" destId="{9FF532B5-1666-4953-8569-751A1288326A}" srcOrd="8" destOrd="0" parTransId="{383606AF-A2A8-4D39-8C86-33F49039BF95}" sibTransId="{141E149D-6F13-4AC6-903D-F7DAF0C44C79}"/>
+    <dgm:cxn modelId="{856DC133-D1A6-4603-9D22-D30BB2C8B71C}" srcId="{68F57FBB-B606-43B3-BDE5-0086440864DE}" destId="{9EF1BFA8-F5D9-41D7-8824-7A8DC0C76220}" srcOrd="0" destOrd="0" parTransId="{C7C660A9-0A42-41A4-AC6B-5EF69774D6EC}" sibTransId="{81DD41D5-27B9-4E82-820F-9ABACB85E8C4}"/>
+    <dgm:cxn modelId="{D7C063CB-FA11-4FFD-A300-A4815936D8FC}" srcId="{18A8B32D-1CE0-4361-95BC-94818F7B4A14}" destId="{B485304A-C50D-49B2-87B1-14EBC0F9C4E9}" srcOrd="0" destOrd="0" parTransId="{E2B8F8AB-E490-4179-84F0-89887A8F00E4}" sibTransId="{0A63BC6E-1835-4C6A-B591-8462CD67189B}"/>
+    <dgm:cxn modelId="{5B3ABE03-74F2-4BC7-B43C-02FCE1CF396A}" type="presOf" srcId="{D0D7EE09-312F-467E-A3B8-87081594A9CF}" destId="{D755CEE6-2460-46EB-9DE4-A76FA986A80B}" srcOrd="0" destOrd="0" presId="urn:microsoft.com/office/officeart/2005/8/layout/vList5"/>
+    <dgm:cxn modelId="{05454130-EC06-46FE-BAF0-3FB1B827960E}" srcId="{D0D7EE09-312F-467E-A3B8-87081594A9CF}" destId="{B3988049-209F-4579-86B9-378F696D8DF3}" srcOrd="0" destOrd="0" parTransId="{CDBFA944-7297-42E9-A8C5-3BEBD05342D9}" sibTransId="{151ABA36-1F97-46B7-8295-DFDFCC3A7E2E}"/>
+    <dgm:cxn modelId="{B1409A7A-B7F9-4F92-83A6-175FB91FACD9}" type="presOf" srcId="{9EF1BFA8-F5D9-41D7-8824-7A8DC0C76220}" destId="{A695E545-D25E-42BF-8CD6-8C192DD77DBB}" srcOrd="0" destOrd="0" presId="urn:microsoft.com/office/officeart/2005/8/layout/vList5"/>
     <dgm:cxn modelId="{3B9F55F6-AA98-421B-8E5B-403351151EF2}" type="presOf" srcId="{E85B40CE-F3F5-4A35-8012-146935055984}" destId="{C192857F-BCF2-4F76-9C52-BE86884030CF}" srcOrd="0" destOrd="0" presId="urn:microsoft.com/office/officeart/2005/8/layout/vList5"/>
     <dgm:cxn modelId="{1A5F5CF0-CC3F-4DB1-98A4-DD7C5D3EFE70}" type="presOf" srcId="{23432ADC-13F5-48B4-A8DF-F85F38FD3B85}" destId="{3F02C0AD-B77A-40A7-A02E-70AC774A5504}" srcOrd="0" destOrd="0" presId="urn:microsoft.com/office/officeart/2005/8/layout/vList5"/>
-    <dgm:cxn modelId="{5B3ABE03-74F2-4BC7-B43C-02FCE1CF396A}" type="presOf" srcId="{D0D7EE09-312F-467E-A3B8-87081594A9CF}" destId="{D755CEE6-2460-46EB-9DE4-A76FA986A80B}" srcOrd="0" destOrd="0" presId="urn:microsoft.com/office/officeart/2005/8/layout/vList5"/>
-    <dgm:cxn modelId="{BF5F79D9-F511-4D46-A5B3-013566A35168}" srcId="{18F07AEC-3B58-4249-AC61-89573791DF85}" destId="{D0D7EE09-312F-467E-A3B8-87081594A9CF}" srcOrd="4" destOrd="0" parTransId="{B777786C-909C-4A98-B464-362DAB5188BB}" sibTransId="{BEF45399-2403-4F4B-A6D7-24C175D69FC8}"/>
-    <dgm:cxn modelId="{302D63C0-8CF5-453D-B2ED-1E7C1BA1D970}" type="presOf" srcId="{9FF532B5-1666-4953-8569-751A1288326A}" destId="{4EF168DF-699D-4FC3-ABD2-A264DA331F94}" srcOrd="0" destOrd="0" presId="urn:microsoft.com/office/officeart/2005/8/layout/vList5"/>
-    <dgm:cxn modelId="{FD57F127-4A94-4D37-872D-788DC309B1AD}" type="presOf" srcId="{919A7D91-4C2B-469D-ABF2-268AF5F32FEF}" destId="{D3BBC018-3D15-407E-940A-8515B3043132}" srcOrd="0" destOrd="0" presId="urn:microsoft.com/office/officeart/2005/8/layout/vList5"/>
-    <dgm:cxn modelId="{AFB2CC52-3BD8-492D-B609-1640EEA97655}" srcId="{18F07AEC-3B58-4249-AC61-89573791DF85}" destId="{6DF5B08A-9121-40E1-92E9-79333FC8F2D2}" srcOrd="0" destOrd="0" parTransId="{0B3AE333-500A-4C00-8CC8-4A288C18EFBC}" sibTransId="{B7BC1E4D-660A-44D8-8E98-251164D8FB65}"/>
+    <dgm:cxn modelId="{834B55D7-0BB3-4CA7-B2A3-E1778D705B5B}" type="presOf" srcId="{B485304A-C50D-49B2-87B1-14EBC0F9C4E9}" destId="{1DA7F4AD-B1A3-4274-9671-1C85B090FE2C}" srcOrd="0" destOrd="0" presId="urn:microsoft.com/office/officeart/2005/8/layout/vList5"/>
+    <dgm:cxn modelId="{0654805B-EB28-4029-8C8E-218FA1CD2DDA}" srcId="{6DF5B08A-9121-40E1-92E9-79333FC8F2D2}" destId="{919A7D91-4C2B-469D-ABF2-268AF5F32FEF}" srcOrd="0" destOrd="0" parTransId="{2DC41896-6F61-4725-93DF-570BA8F117FD}" sibTransId="{A1886E6A-D368-4837-8D02-66DD04613EE0}"/>
+    <dgm:cxn modelId="{065FE0E7-5838-489E-A3BD-16874C7FB5A1}" type="presOf" srcId="{CC184973-6944-48E5-83D5-7BF22DD7E4A4}" destId="{43CC9052-EEDA-408C-BA6B-77EA607F0F97}" srcOrd="0" destOrd="0" presId="urn:microsoft.com/office/officeart/2005/8/layout/vList5"/>
+    <dgm:cxn modelId="{F47C9A74-99D1-4676-B952-C0138019D92D}" srcId="{18F07AEC-3B58-4249-AC61-89573791DF85}" destId="{5FFCDB36-C340-4466-BC1F-D3A1156E86A3}" srcOrd="6" destOrd="0" parTransId="{E451D9D1-9B01-4694-B2E8-3CD489536F35}" sibTransId="{82D4DA05-8D56-4535-98EE-674D0599E724}"/>
+    <dgm:cxn modelId="{F900DD45-0DBF-4408-AEDA-2B1DF3196140}" type="presOf" srcId="{D39ED147-7883-40ED-A01C-39D218765668}" destId="{A9930DDA-01CC-43AA-BA32-1E49BA73E50D}" srcOrd="0" destOrd="0" presId="urn:microsoft.com/office/officeart/2005/8/layout/vList5"/>
+    <dgm:cxn modelId="{68D55932-9FB6-4B1F-9D35-EBE9710C955B}" type="presOf" srcId="{B3988049-209F-4579-86B9-378F696D8DF3}" destId="{FDF3CCB1-A33C-4739-A245-FB92188AA165}" srcOrd="0" destOrd="0" presId="urn:microsoft.com/office/officeart/2005/8/layout/vList5"/>
+    <dgm:cxn modelId="{5134F363-4143-45A9-9C22-2F82D5017C73}" type="presOf" srcId="{68F57FBB-B606-43B3-BDE5-0086440864DE}" destId="{C5922F51-FA5B-4B33-8A64-A1D857D2BBE2}" srcOrd="0" destOrd="0" presId="urn:microsoft.com/office/officeart/2005/8/layout/vList5"/>
     <dgm:cxn modelId="{61A2D7FB-4FDF-4A2F-96E5-B04BA9DDE04D}" type="presOf" srcId="{2AB0744B-4C55-4915-986D-59BCAC94C6D1}" destId="{E938BCE9-633E-4B3F-85C7-EF9941E5E123}" srcOrd="0" destOrd="0" presId="urn:microsoft.com/office/officeart/2005/8/layout/vList5"/>
-    <dgm:cxn modelId="{0654805B-EB28-4029-8C8E-218FA1CD2DDA}" srcId="{6DF5B08A-9121-40E1-92E9-79333FC8F2D2}" destId="{919A7D91-4C2B-469D-ABF2-268AF5F32FEF}" srcOrd="0" destOrd="0" parTransId="{2DC41896-6F61-4725-93DF-570BA8F117FD}" sibTransId="{A1886E6A-D368-4837-8D02-66DD04613EE0}"/>
-    <dgm:cxn modelId="{36D751D4-33DF-452C-BE82-21637E278738}" type="presOf" srcId="{F3F06A60-E4FE-4E03-BC83-454F6C57D999}" destId="{BC3BEEAE-C28C-44D0-9EAA-9D4FBA3D6755}" srcOrd="0" destOrd="0" presId="urn:microsoft.com/office/officeart/2005/8/layout/vList5"/>
-    <dgm:cxn modelId="{B1409A7A-B7F9-4F92-83A6-175FB91FACD9}" type="presOf" srcId="{9EF1BFA8-F5D9-41D7-8824-7A8DC0C76220}" destId="{A695E545-D25E-42BF-8CD6-8C192DD77DBB}" srcOrd="0" destOrd="0" presId="urn:microsoft.com/office/officeart/2005/8/layout/vList5"/>
-    <dgm:cxn modelId="{D7C063CB-FA11-4FFD-A300-A4815936D8FC}" srcId="{18A8B32D-1CE0-4361-95BC-94818F7B4A14}" destId="{B485304A-C50D-49B2-87B1-14EBC0F9C4E9}" srcOrd="0" destOrd="0" parTransId="{E2B8F8AB-E490-4179-84F0-89887A8F00E4}" sibTransId="{0A63BC6E-1835-4C6A-B591-8462CD67189B}"/>
-    <dgm:cxn modelId="{B3B4095D-D916-4E79-B4E3-7F7B80BD6630}" type="presOf" srcId="{18A8B32D-1CE0-4361-95BC-94818F7B4A14}" destId="{7D29A3BB-251E-48D2-AB2F-58D754BCED1A}" srcOrd="0" destOrd="0" presId="urn:microsoft.com/office/officeart/2005/8/layout/vList5"/>
-    <dgm:cxn modelId="{05454130-EC06-46FE-BAF0-3FB1B827960E}" srcId="{D0D7EE09-312F-467E-A3B8-87081594A9CF}" destId="{B3988049-209F-4579-86B9-378F696D8DF3}" srcOrd="0" destOrd="0" parTransId="{CDBFA944-7297-42E9-A8C5-3BEBD05342D9}" sibTransId="{151ABA36-1F97-46B7-8295-DFDFCC3A7E2E}"/>
-    <dgm:cxn modelId="{6D1C41B5-14CA-4684-9EA3-5808705DD656}" srcId="{18F07AEC-3B58-4249-AC61-89573791DF85}" destId="{9FF532B5-1666-4953-8569-751A1288326A}" srcOrd="8" destOrd="0" parTransId="{383606AF-A2A8-4D39-8C86-33F49039BF95}" sibTransId="{141E149D-6F13-4AC6-903D-F7DAF0C44C79}"/>
-    <dgm:cxn modelId="{68D55932-9FB6-4B1F-9D35-EBE9710C955B}" type="presOf" srcId="{B3988049-209F-4579-86B9-378F696D8DF3}" destId="{FDF3CCB1-A33C-4739-A245-FB92188AA165}" srcOrd="0" destOrd="0" presId="urn:microsoft.com/office/officeart/2005/8/layout/vList5"/>
-    <dgm:cxn modelId="{94B9F691-7AAB-4515-B538-A08F45C7C8AD}" type="presOf" srcId="{E2EEF7D3-C703-4969-B969-FFC964DD1B82}" destId="{F7AA96E1-2309-4BB6-9E58-83C9AF8D6988}" srcOrd="0" destOrd="0" presId="urn:microsoft.com/office/officeart/2005/8/layout/vList5"/>
-    <dgm:cxn modelId="{834B55D7-0BB3-4CA7-B2A3-E1778D705B5B}" type="presOf" srcId="{B485304A-C50D-49B2-87B1-14EBC0F9C4E9}" destId="{1DA7F4AD-B1A3-4274-9671-1C85B090FE2C}" srcOrd="0" destOrd="0" presId="urn:microsoft.com/office/officeart/2005/8/layout/vList5"/>
-    <dgm:cxn modelId="{065FE0E7-5838-489E-A3BD-16874C7FB5A1}" type="presOf" srcId="{CC184973-6944-48E5-83D5-7BF22DD7E4A4}" destId="{43CC9052-EEDA-408C-BA6B-77EA607F0F97}" srcOrd="0" destOrd="0" presId="urn:microsoft.com/office/officeart/2005/8/layout/vList5"/>
-    <dgm:cxn modelId="{76DF94BA-0F3A-4919-8A97-5D9601F75D82}" srcId="{18F07AEC-3B58-4249-AC61-89573791DF85}" destId="{D39ED147-7883-40ED-A01C-39D218765668}" srcOrd="1" destOrd="0" parTransId="{E544B62C-E634-4E4A-B8D8-EEC69A8BDE45}" sibTransId="{D98A861D-E023-4922-BE02-996BA2CE4E39}"/>
-    <dgm:cxn modelId="{B44F9483-796A-4830-AE4F-05EA9AFDCB11}" type="presOf" srcId="{06DD8F9D-51DF-423B-90A9-33361ECF13EB}" destId="{EA9ACC33-627A-4012-BAD4-055B5D3A47A5}" srcOrd="0" destOrd="0" presId="urn:microsoft.com/office/officeart/2005/8/layout/vList5"/>
-    <dgm:cxn modelId="{2AF241FE-6B9A-4A76-AB9C-B10310FD717E}" srcId="{CC184973-6944-48E5-83D5-7BF22DD7E4A4}" destId="{23432ADC-13F5-48B4-A8DF-F85F38FD3B85}" srcOrd="0" destOrd="0" parTransId="{817735FE-4B27-4317-A229-9FD7E95E84C4}" sibTransId="{A29BDA27-DA61-4014-A677-A7F0A1783D35}"/>
-    <dgm:cxn modelId="{F900DD45-0DBF-4408-AEDA-2B1DF3196140}" type="presOf" srcId="{D39ED147-7883-40ED-A01C-39D218765668}" destId="{A9930DDA-01CC-43AA-BA32-1E49BA73E50D}" srcOrd="0" destOrd="0" presId="urn:microsoft.com/office/officeart/2005/8/layout/vList5"/>
-    <dgm:cxn modelId="{62DF17DF-E4F4-4BB9-81A3-B5EF4907BF0A}" srcId="{E2EEF7D3-C703-4969-B969-FFC964DD1B82}" destId="{06DD8F9D-51DF-423B-90A9-33361ECF13EB}" srcOrd="0" destOrd="0" parTransId="{8E75A072-3CD7-415B-95ED-1D25264DFD00}" sibTransId="{77108BEB-9E6D-4573-9CE7-1ABB62A6E449}"/>
-    <dgm:cxn modelId="{59B6A49A-1DB3-4F30-94D0-B3DDD34D7C28}" type="presOf" srcId="{18F07AEC-3B58-4249-AC61-89573791DF85}" destId="{CF4F16C4-9B26-4072-A3E7-0DE1807256EC}" srcOrd="0" destOrd="0" presId="urn:microsoft.com/office/officeart/2005/8/layout/vList5"/>
-    <dgm:cxn modelId="{5134F363-4143-45A9-9C22-2F82D5017C73}" type="presOf" srcId="{68F57FBB-B606-43B3-BDE5-0086440864DE}" destId="{C5922F51-FA5B-4B33-8A64-A1D857D2BBE2}" srcOrd="0" destOrd="0" presId="urn:microsoft.com/office/officeart/2005/8/layout/vList5"/>
-    <dgm:cxn modelId="{856DC133-D1A6-4603-9D22-D30BB2C8B71C}" srcId="{68F57FBB-B606-43B3-BDE5-0086440864DE}" destId="{9EF1BFA8-F5D9-41D7-8824-7A8DC0C76220}" srcOrd="0" destOrd="0" parTransId="{C7C660A9-0A42-41A4-AC6B-5EF69774D6EC}" sibTransId="{81DD41D5-27B9-4E82-820F-9ABACB85E8C4}"/>
-    <dgm:cxn modelId="{CA14834C-8EEF-47AA-B825-71021370136D}" srcId="{18F07AEC-3B58-4249-AC61-89573791DF85}" destId="{18A8B32D-1CE0-4361-95BC-94818F7B4A14}" srcOrd="5" destOrd="0" parTransId="{B97060DE-E98C-4ED6-9577-A7B305FB9017}" sibTransId="{E3A70270-9FED-4F70-A43D-9EEAA546F01B}"/>
-    <dgm:cxn modelId="{741725A5-8320-418B-9DCC-391EFAAC93CE}" type="presOf" srcId="{6DF5B08A-9121-40E1-92E9-79333FC8F2D2}" destId="{FFBF79ED-6C84-4740-A093-8C6BAA74CCBA}" srcOrd="0" destOrd="0" presId="urn:microsoft.com/office/officeart/2005/8/layout/vList5"/>
-    <dgm:cxn modelId="{9A798682-9024-4BBA-A03F-C61EA01CFE6D}" srcId="{D39ED147-7883-40ED-A01C-39D218765668}" destId="{2AB0744B-4C55-4915-986D-59BCAC94C6D1}" srcOrd="0" destOrd="0" parTransId="{AED36316-4066-4A97-AA90-0ECD4D9A0C18}" sibTransId="{3F074F33-390D-4AF3-932B-1090EEB96753}"/>
     <dgm:cxn modelId="{ECC5F625-0005-4F55-9FC6-0620302D27D1}" type="presParOf" srcId="{CF4F16C4-9B26-4072-A3E7-0DE1807256EC}" destId="{EB0F75D5-72CF-4195-81BC-7063DD2C8ED6}" srcOrd="0" destOrd="0" presId="urn:microsoft.com/office/officeart/2005/8/layout/vList5"/>
     <dgm:cxn modelId="{033FA559-B311-48A5-B906-7C2F8B807A0B}" type="presParOf" srcId="{EB0F75D5-72CF-4195-81BC-7063DD2C8ED6}" destId="{FFBF79ED-6C84-4740-A093-8C6BAA74CCBA}" srcOrd="0" destOrd="0" presId="urn:microsoft.com/office/officeart/2005/8/layout/vList5"/>
     <dgm:cxn modelId="{91F3BA06-7699-4A34-8718-57ADFD44F371}" type="presParOf" srcId="{EB0F75D5-72CF-4195-81BC-7063DD2C8ED6}" destId="{D3BBC018-3D15-407E-940A-8515B3043132}" srcOrd="1" destOrd="0" presId="urn:microsoft.com/office/officeart/2005/8/layout/vList5"/>
@@ -6361,7 +6361,7 @@
   <dgm:whole/>
   <dgm:extLst>
     <a:ext uri="http://schemas.microsoft.com/office/drawing/2008/diagram">
-      <dsp:dataModelExt xmlns:dsp="http://schemas.microsoft.com/office/drawing/2008/diagram" relId="rId7" minVer="http://schemas.openxmlformats.org/drawingml/2006/diagram"/>
+      <dsp:dataModelExt xmlns:dsp="http://schemas.microsoft.com/office/drawing/2008/diagram" xmlns="" relId="rId7" minVer="http://schemas.openxmlformats.org/drawingml/2006/diagram"/>
     </a:ext>
   </dgm:extLst>
 </dgm:dataModel>
@@ -6621,19 +6621,19 @@
     </dgm:pt>
   </dgm:ptLst>
   <dgm:cxnLst>
+    <dgm:cxn modelId="{D30B9849-8A8B-4C7A-A944-3381572C6D1F}" type="presOf" srcId="{CD4B3AF2-A4E3-437D-862C-BCFB07B91261}" destId="{5626A1AC-7DE7-43A4-BC31-0EF441869A61}" srcOrd="0" destOrd="0" presId="urn:microsoft.com/office/officeart/2005/8/layout/cycle2"/>
+    <dgm:cxn modelId="{D2E79470-D9E9-4892-BE62-E0206AD685A1}" type="presOf" srcId="{9C823C0C-3CC7-4D7D-9080-0ABA75F7D335}" destId="{06092BB6-D1B8-49FC-9ED7-80B712D9132A}" srcOrd="0" destOrd="0" presId="urn:microsoft.com/office/officeart/2005/8/layout/cycle2"/>
+    <dgm:cxn modelId="{3D2B93C5-1708-46E7-BBAA-B309611D4A56}" type="presOf" srcId="{62053166-BD92-44B1-8F42-18302FFF8FA3}" destId="{889CC303-AD36-472B-B3EC-7323354AC3F4}" srcOrd="0" destOrd="0" presId="urn:microsoft.com/office/officeart/2005/8/layout/cycle2"/>
     <dgm:cxn modelId="{BED6E860-CC21-4520-8C38-F562BF5D5A59}" srcId="{57FF6C8B-B79F-4F54-8B0C-7FD9294411A0}" destId="{0CA4721F-943A-4AD3-8031-E7E0F6618157}" srcOrd="1" destOrd="0" parTransId="{305EB9C2-EC2D-4D6C-A730-BF00EC22A3C4}" sibTransId="{62053166-BD92-44B1-8F42-18302FFF8FA3}"/>
-    <dgm:cxn modelId="{D30B9849-8A8B-4C7A-A944-3381572C6D1F}" type="presOf" srcId="{CD4B3AF2-A4E3-437D-862C-BCFB07B91261}" destId="{5626A1AC-7DE7-43A4-BC31-0EF441869A61}" srcOrd="0" destOrd="0" presId="urn:microsoft.com/office/officeart/2005/8/layout/cycle2"/>
+    <dgm:cxn modelId="{D18B1866-C9A8-45F5-906F-35E6129A9A2C}" type="presOf" srcId="{0CA4721F-943A-4AD3-8031-E7E0F6618157}" destId="{86E18E54-4C11-49D1-BF3C-DB9A672440AF}" srcOrd="0" destOrd="0" presId="urn:microsoft.com/office/officeart/2005/8/layout/cycle2"/>
+    <dgm:cxn modelId="{258AED5D-CD2B-4ECC-B47E-E78169A5EC27}" srcId="{57FF6C8B-B79F-4F54-8B0C-7FD9294411A0}" destId="{BE4155EF-520E-4C24-B4D6-E4F22BF4B3FC}" srcOrd="0" destOrd="0" parTransId="{A2110811-898C-4AC4-8A07-0CD9E9A39187}" sibTransId="{D869C028-25AF-40E8-BF42-0CAA5593F6EC}"/>
+    <dgm:cxn modelId="{BEAF4E3E-E916-44F3-BC4F-9117ACF64BFA}" type="presOf" srcId="{CD4B3AF2-A4E3-437D-862C-BCFB07B91261}" destId="{E4E68292-C058-48D1-B1A1-C3E441610132}" srcOrd="1" destOrd="0" presId="urn:microsoft.com/office/officeart/2005/8/layout/cycle2"/>
+    <dgm:cxn modelId="{F111397E-5B34-44B5-8D97-648327D2404D}" type="presOf" srcId="{D869C028-25AF-40E8-BF42-0CAA5593F6EC}" destId="{9CC21CC6-BC52-4860-831C-E5BE1A00D6B3}" srcOrd="0" destOrd="0" presId="urn:microsoft.com/office/officeart/2005/8/layout/cycle2"/>
+    <dgm:cxn modelId="{E87C8A6A-4A3A-4B04-818D-4EF72CA3E4B8}" type="presOf" srcId="{57FF6C8B-B79F-4F54-8B0C-7FD9294411A0}" destId="{C4291B4D-26D9-4807-885F-95746C1D8EAD}" srcOrd="0" destOrd="0" presId="urn:microsoft.com/office/officeart/2005/8/layout/cycle2"/>
     <dgm:cxn modelId="{CBD4432A-4999-45CD-8CC8-332DA2580983}" type="presOf" srcId="{62053166-BD92-44B1-8F42-18302FFF8FA3}" destId="{21F82ACB-FEB0-46AC-9B8D-BDB0184385DB}" srcOrd="1" destOrd="0" presId="urn:microsoft.com/office/officeart/2005/8/layout/cycle2"/>
+    <dgm:cxn modelId="{B1ABBEEE-95E0-455F-A314-B456802E67D4}" type="presOf" srcId="{BE4155EF-520E-4C24-B4D6-E4F22BF4B3FC}" destId="{4F292142-B9EF-494B-9A07-3804047027F3}" srcOrd="0" destOrd="0" presId="urn:microsoft.com/office/officeart/2005/8/layout/cycle2"/>
     <dgm:cxn modelId="{0B785C5D-9A65-4198-A525-07C04C24BB54}" srcId="{57FF6C8B-B79F-4F54-8B0C-7FD9294411A0}" destId="{9C823C0C-3CC7-4D7D-9080-0ABA75F7D335}" srcOrd="2" destOrd="0" parTransId="{4DB94E40-3123-4C20-9A79-986B3A6B0269}" sibTransId="{CD4B3AF2-A4E3-437D-862C-BCFB07B91261}"/>
     <dgm:cxn modelId="{185015C8-BE41-441D-B6B0-9FE48D10444E}" type="presOf" srcId="{D869C028-25AF-40E8-BF42-0CAA5593F6EC}" destId="{8133223A-2895-4693-8685-A2D177DB09C9}" srcOrd="1" destOrd="0" presId="urn:microsoft.com/office/officeart/2005/8/layout/cycle2"/>
-    <dgm:cxn modelId="{3D2B93C5-1708-46E7-BBAA-B309611D4A56}" type="presOf" srcId="{62053166-BD92-44B1-8F42-18302FFF8FA3}" destId="{889CC303-AD36-472B-B3EC-7323354AC3F4}" srcOrd="0" destOrd="0" presId="urn:microsoft.com/office/officeart/2005/8/layout/cycle2"/>
-    <dgm:cxn modelId="{258AED5D-CD2B-4ECC-B47E-E78169A5EC27}" srcId="{57FF6C8B-B79F-4F54-8B0C-7FD9294411A0}" destId="{BE4155EF-520E-4C24-B4D6-E4F22BF4B3FC}" srcOrd="0" destOrd="0" parTransId="{A2110811-898C-4AC4-8A07-0CD9E9A39187}" sibTransId="{D869C028-25AF-40E8-BF42-0CAA5593F6EC}"/>
-    <dgm:cxn modelId="{D2E79470-D9E9-4892-BE62-E0206AD685A1}" type="presOf" srcId="{9C823C0C-3CC7-4D7D-9080-0ABA75F7D335}" destId="{06092BB6-D1B8-49FC-9ED7-80B712D9132A}" srcOrd="0" destOrd="0" presId="urn:microsoft.com/office/officeart/2005/8/layout/cycle2"/>
-    <dgm:cxn modelId="{D18B1866-C9A8-45F5-906F-35E6129A9A2C}" type="presOf" srcId="{0CA4721F-943A-4AD3-8031-E7E0F6618157}" destId="{86E18E54-4C11-49D1-BF3C-DB9A672440AF}" srcOrd="0" destOrd="0" presId="urn:microsoft.com/office/officeart/2005/8/layout/cycle2"/>
-    <dgm:cxn modelId="{F111397E-5B34-44B5-8D97-648327D2404D}" type="presOf" srcId="{D869C028-25AF-40E8-BF42-0CAA5593F6EC}" destId="{9CC21CC6-BC52-4860-831C-E5BE1A00D6B3}" srcOrd="0" destOrd="0" presId="urn:microsoft.com/office/officeart/2005/8/layout/cycle2"/>
-    <dgm:cxn modelId="{BEAF4E3E-E916-44F3-BC4F-9117ACF64BFA}" type="presOf" srcId="{CD4B3AF2-A4E3-437D-862C-BCFB07B91261}" destId="{E4E68292-C058-48D1-B1A1-C3E441610132}" srcOrd="1" destOrd="0" presId="urn:microsoft.com/office/officeart/2005/8/layout/cycle2"/>
-    <dgm:cxn modelId="{B1ABBEEE-95E0-455F-A314-B456802E67D4}" type="presOf" srcId="{BE4155EF-520E-4C24-B4D6-E4F22BF4B3FC}" destId="{4F292142-B9EF-494B-9A07-3804047027F3}" srcOrd="0" destOrd="0" presId="urn:microsoft.com/office/officeart/2005/8/layout/cycle2"/>
-    <dgm:cxn modelId="{E87C8A6A-4A3A-4B04-818D-4EF72CA3E4B8}" type="presOf" srcId="{57FF6C8B-B79F-4F54-8B0C-7FD9294411A0}" destId="{C4291B4D-26D9-4807-885F-95746C1D8EAD}" srcOrd="0" destOrd="0" presId="urn:microsoft.com/office/officeart/2005/8/layout/cycle2"/>
     <dgm:cxn modelId="{F1B6F8B6-6919-4631-9AE1-39ED96E78B4B}" type="presParOf" srcId="{C4291B4D-26D9-4807-885F-95746C1D8EAD}" destId="{4F292142-B9EF-494B-9A07-3804047027F3}" srcOrd="0" destOrd="0" presId="urn:microsoft.com/office/officeart/2005/8/layout/cycle2"/>
     <dgm:cxn modelId="{87FC84F8-0340-4CED-849C-3294B888A165}" type="presParOf" srcId="{C4291B4D-26D9-4807-885F-95746C1D8EAD}" destId="{9CC21CC6-BC52-4860-831C-E5BE1A00D6B3}" srcOrd="1" destOrd="0" presId="urn:microsoft.com/office/officeart/2005/8/layout/cycle2"/>
     <dgm:cxn modelId="{F61B2AAC-B5C9-477F-BDC2-B87A6AA90A3A}" type="presParOf" srcId="{9CC21CC6-BC52-4860-831C-E5BE1A00D6B3}" destId="{8133223A-2895-4693-8685-A2D177DB09C9}" srcOrd="0" destOrd="0" presId="urn:microsoft.com/office/officeart/2005/8/layout/cycle2"/>
@@ -6648,7 +6648,7 @@
   <dgm:whole/>
   <dgm:extLst>
     <a:ext uri="http://schemas.microsoft.com/office/drawing/2008/diagram">
-      <dsp:dataModelExt xmlns:dsp="http://schemas.microsoft.com/office/drawing/2008/diagram" relId="rId7" minVer="http://schemas.openxmlformats.org/drawingml/2006/diagram"/>
+      <dsp:dataModelExt xmlns:dsp="http://schemas.microsoft.com/office/drawing/2008/diagram" xmlns="" relId="rId7" minVer="http://schemas.openxmlformats.org/drawingml/2006/diagram"/>
     </a:ext>
   </dgm:extLst>
 </dgm:dataModel>
@@ -6966,19 +6966,19 @@
     </dgm:pt>
   </dgm:ptLst>
   <dgm:cxnLst>
+    <dgm:cxn modelId="{6E67C4D2-80C6-4247-8241-64EA5611C932}" type="presOf" srcId="{9E8C6084-CE2A-466B-A967-47F6FBABEA09}" destId="{BC473F38-5C3F-4B9A-9E50-8E2A00344178}" srcOrd="0" destOrd="0" presId="urn:microsoft.com/office/officeart/2005/8/layout/cycle1"/>
+    <dgm:cxn modelId="{7C03B323-AACC-48EC-A03A-D6E7CF74182A}" type="presOf" srcId="{4A225F51-0ADF-4A8B-A2D6-7AF3BC8CF1BA}" destId="{6F7BB53F-EE28-4DC0-B3DC-1F944FE1B6FA}" srcOrd="0" destOrd="0" presId="urn:microsoft.com/office/officeart/2005/8/layout/cycle1"/>
+    <dgm:cxn modelId="{DF7C7B9C-3130-40D9-A675-3451F18E2BA6}" type="presOf" srcId="{67AE712E-3238-46F4-9629-C594F88C428F}" destId="{59B7501A-AFE5-4EA0-B7A8-90C6CA2B9A3D}" srcOrd="0" destOrd="0" presId="urn:microsoft.com/office/officeart/2005/8/layout/cycle1"/>
+    <dgm:cxn modelId="{3EF01423-FB7C-4617-9F73-ED9750A75CAB}" type="presOf" srcId="{2DABDF10-2BB6-4291-835C-5F8B0164934C}" destId="{5979FF20-98E1-4391-BBF7-7F88B24DB2DD}" srcOrd="0" destOrd="0" presId="urn:microsoft.com/office/officeart/2005/8/layout/cycle1"/>
+    <dgm:cxn modelId="{8D8CF064-9ECD-4B14-822A-874FB4D52420}" srcId="{DFA9B5E4-DF69-43ED-8F65-4EAAEBC2EE53}" destId="{67AE712E-3238-46F4-9629-C594F88C428F}" srcOrd="2" destOrd="0" parTransId="{DA07E244-7E52-4969-9E19-575A4A826AAB}" sibTransId="{2DABDF10-2BB6-4291-835C-5F8B0164934C}"/>
+    <dgm:cxn modelId="{9CFF92F9-F367-4B26-AF43-9C1BBE37AA5E}" srcId="{DFA9B5E4-DF69-43ED-8F65-4EAAEBC2EE53}" destId="{4A225F51-0ADF-4A8B-A2D6-7AF3BC8CF1BA}" srcOrd="0" destOrd="0" parTransId="{0DF62D19-45E5-4083-B2C8-CA5C840DFCBF}" sibTransId="{34BD85C1-B27C-446E-87D3-5D521284A9D2}"/>
+    <dgm:cxn modelId="{659D4042-7B35-47CB-895E-3F297EA888E2}" type="presOf" srcId="{34BD85C1-B27C-446E-87D3-5D521284A9D2}" destId="{72325E4A-8AA1-4295-86D7-8B07CDB62C5B}" srcOrd="0" destOrd="0" presId="urn:microsoft.com/office/officeart/2005/8/layout/cycle1"/>
     <dgm:cxn modelId="{57AEC4E1-E39B-40BF-A759-05D82CB95A28}" type="presOf" srcId="{0147D4AA-4E15-49E6-A25A-8CD4A35CBFC0}" destId="{2D292C3A-67B0-478E-BF8A-7F0ABB29F864}" srcOrd="0" destOrd="0" presId="urn:microsoft.com/office/officeart/2005/8/layout/cycle1"/>
+    <dgm:cxn modelId="{06FAD51A-C087-4BC9-A140-F3F6D944C997}" type="presOf" srcId="{DFA9B5E4-DF69-43ED-8F65-4EAAEBC2EE53}" destId="{7423B5FF-E8AD-4E98-91F0-79AF73CCEE33}" srcOrd="0" destOrd="0" presId="urn:microsoft.com/office/officeart/2005/8/layout/cycle1"/>
+    <dgm:cxn modelId="{5BCA9373-7645-4CF4-9146-7F1C0CF5BB64}" type="presOf" srcId="{676731DC-6C25-4BF6-8EF8-176FB71AC90F}" destId="{273E354B-5C77-4A97-B343-41170B6E2412}" srcOrd="0" destOrd="0" presId="urn:microsoft.com/office/officeart/2005/8/layout/cycle1"/>
     <dgm:cxn modelId="{D49908A6-7D37-45A9-A97A-404DB2A08845}" srcId="{DFA9B5E4-DF69-43ED-8F65-4EAAEBC2EE53}" destId="{B9B6B5B9-A383-4A5E-A39C-6297B835C37B}" srcOrd="1" destOrd="0" parTransId="{C1E3E11F-4466-488A-8FC0-764483D0AA4C}" sibTransId="{676731DC-6C25-4BF6-8EF8-176FB71AC90F}"/>
-    <dgm:cxn modelId="{659D4042-7B35-47CB-895E-3F297EA888E2}" type="presOf" srcId="{34BD85C1-B27C-446E-87D3-5D521284A9D2}" destId="{72325E4A-8AA1-4295-86D7-8B07CDB62C5B}" srcOrd="0" destOrd="0" presId="urn:microsoft.com/office/officeart/2005/8/layout/cycle1"/>
     <dgm:cxn modelId="{6DC0B433-6BCC-48B8-8319-F0266F3863E1}" srcId="{DFA9B5E4-DF69-43ED-8F65-4EAAEBC2EE53}" destId="{0147D4AA-4E15-49E6-A25A-8CD4A35CBFC0}" srcOrd="3" destOrd="0" parTransId="{32CD8CBE-1D99-415C-80B9-54C68ED4CB0C}" sibTransId="{9E8C6084-CE2A-466B-A967-47F6FBABEA09}"/>
-    <dgm:cxn modelId="{3EF01423-FB7C-4617-9F73-ED9750A75CAB}" type="presOf" srcId="{2DABDF10-2BB6-4291-835C-5F8B0164934C}" destId="{5979FF20-98E1-4391-BBF7-7F88B24DB2DD}" srcOrd="0" destOrd="0" presId="urn:microsoft.com/office/officeart/2005/8/layout/cycle1"/>
-    <dgm:cxn modelId="{7C03B323-AACC-48EC-A03A-D6E7CF74182A}" type="presOf" srcId="{4A225F51-0ADF-4A8B-A2D6-7AF3BC8CF1BA}" destId="{6F7BB53F-EE28-4DC0-B3DC-1F944FE1B6FA}" srcOrd="0" destOrd="0" presId="urn:microsoft.com/office/officeart/2005/8/layout/cycle1"/>
-    <dgm:cxn modelId="{9CFF92F9-F367-4B26-AF43-9C1BBE37AA5E}" srcId="{DFA9B5E4-DF69-43ED-8F65-4EAAEBC2EE53}" destId="{4A225F51-0ADF-4A8B-A2D6-7AF3BC8CF1BA}" srcOrd="0" destOrd="0" parTransId="{0DF62D19-45E5-4083-B2C8-CA5C840DFCBF}" sibTransId="{34BD85C1-B27C-446E-87D3-5D521284A9D2}"/>
-    <dgm:cxn modelId="{5BCA9373-7645-4CF4-9146-7F1C0CF5BB64}" type="presOf" srcId="{676731DC-6C25-4BF6-8EF8-176FB71AC90F}" destId="{273E354B-5C77-4A97-B343-41170B6E2412}" srcOrd="0" destOrd="0" presId="urn:microsoft.com/office/officeart/2005/8/layout/cycle1"/>
     <dgm:cxn modelId="{CAA8EFFA-73EA-4D93-AF5B-0C2B8D1901A5}" type="presOf" srcId="{B9B6B5B9-A383-4A5E-A39C-6297B835C37B}" destId="{9EB40CAE-1534-45F7-921E-D7F77DEEE6D1}" srcOrd="0" destOrd="0" presId="urn:microsoft.com/office/officeart/2005/8/layout/cycle1"/>
-    <dgm:cxn modelId="{06FAD51A-C087-4BC9-A140-F3F6D944C997}" type="presOf" srcId="{DFA9B5E4-DF69-43ED-8F65-4EAAEBC2EE53}" destId="{7423B5FF-E8AD-4E98-91F0-79AF73CCEE33}" srcOrd="0" destOrd="0" presId="urn:microsoft.com/office/officeart/2005/8/layout/cycle1"/>
-    <dgm:cxn modelId="{6E67C4D2-80C6-4247-8241-64EA5611C932}" type="presOf" srcId="{9E8C6084-CE2A-466B-A967-47F6FBABEA09}" destId="{BC473F38-5C3F-4B9A-9E50-8E2A00344178}" srcOrd="0" destOrd="0" presId="urn:microsoft.com/office/officeart/2005/8/layout/cycle1"/>
-    <dgm:cxn modelId="{8D8CF064-9ECD-4B14-822A-874FB4D52420}" srcId="{DFA9B5E4-DF69-43ED-8F65-4EAAEBC2EE53}" destId="{67AE712E-3238-46F4-9629-C594F88C428F}" srcOrd="2" destOrd="0" parTransId="{DA07E244-7E52-4969-9E19-575A4A826AAB}" sibTransId="{2DABDF10-2BB6-4291-835C-5F8B0164934C}"/>
-    <dgm:cxn modelId="{DF7C7B9C-3130-40D9-A675-3451F18E2BA6}" type="presOf" srcId="{67AE712E-3238-46F4-9629-C594F88C428F}" destId="{59B7501A-AFE5-4EA0-B7A8-90C6CA2B9A3D}" srcOrd="0" destOrd="0" presId="urn:microsoft.com/office/officeart/2005/8/layout/cycle1"/>
     <dgm:cxn modelId="{A9DA188C-6DE3-478C-8451-7F743E0AFD12}" type="presParOf" srcId="{7423B5FF-E8AD-4E98-91F0-79AF73CCEE33}" destId="{3D680A36-99EC-4A92-AC49-1CB3465B2D40}" srcOrd="0" destOrd="0" presId="urn:microsoft.com/office/officeart/2005/8/layout/cycle1"/>
     <dgm:cxn modelId="{1B173123-E361-49D5-853F-BE470C8A0BBC}" type="presParOf" srcId="{7423B5FF-E8AD-4E98-91F0-79AF73CCEE33}" destId="{6F7BB53F-EE28-4DC0-B3DC-1F944FE1B6FA}" srcOrd="1" destOrd="0" presId="urn:microsoft.com/office/officeart/2005/8/layout/cycle1"/>
     <dgm:cxn modelId="{DADB92BC-78AD-4210-86E7-5B909CC7EF92}" type="presParOf" srcId="{7423B5FF-E8AD-4E98-91F0-79AF73CCEE33}" destId="{72325E4A-8AA1-4295-86D7-8B07CDB62C5B}" srcOrd="2" destOrd="0" presId="urn:microsoft.com/office/officeart/2005/8/layout/cycle1"/>
@@ -6996,7 +6996,7 @@
   <dgm:whole/>
   <dgm:extLst>
     <a:ext uri="http://schemas.microsoft.com/office/drawing/2008/diagram">
-      <dsp:dataModelExt xmlns:dsp="http://schemas.microsoft.com/office/drawing/2008/diagram" relId="rId8" minVer="http://schemas.openxmlformats.org/drawingml/2006/diagram"/>
+      <dsp:dataModelExt xmlns:dsp="http://schemas.microsoft.com/office/drawing/2008/diagram" xmlns="" relId="rId8" minVer="http://schemas.openxmlformats.org/drawingml/2006/diagram"/>
     </a:ext>
   </dgm:extLst>
 </dgm:dataModel>
@@ -7203,10 +7203,10 @@
             <a:t>: Using PHP to develop, can use in many </a:t>
           </a:r>
           <a:r>
-            <a:rPr lang="en-US" sz="1400" b="0" dirty="0" err="1" smtClean="0">
+            <a:rPr lang="en-US" sz="1400" b="0" dirty="0" smtClean="0">
               <a:latin typeface="Corbel (Body)"/>
             </a:rPr>
-            <a:t>plattform</a:t>
+            <a:t>platform</a:t>
           </a:r>
           <a:endParaRPr lang="en-US" sz="1400" b="0" dirty="0" smtClean="0">
             <a:latin typeface="Corbel (Body)"/>
@@ -7354,7 +7354,7 @@
           <a:blip xmlns:r="http://schemas.openxmlformats.org/officeDocument/2006/relationships" r:embed="rId1">
             <a:extLst>
               <a:ext uri="{28A0092B-C50C-407E-A947-70E740481C1C}">
-                <a14:useLocalDpi xmlns:a14="http://schemas.microsoft.com/office/drawing/2010/main" val="0"/>
+                <a14:useLocalDpi xmlns:a14="http://schemas.microsoft.com/office/drawing/2010/main" xmlns="" val="0"/>
               </a:ext>
             </a:extLst>
           </a:blip>
@@ -7413,7 +7413,7 @@
           <a:blip xmlns:r="http://schemas.openxmlformats.org/officeDocument/2006/relationships" r:embed="rId2" cstate="print">
             <a:extLst>
               <a:ext uri="{28A0092B-C50C-407E-A947-70E740481C1C}">
-                <a14:useLocalDpi xmlns:a14="http://schemas.microsoft.com/office/drawing/2010/main" val="0"/>
+                <a14:useLocalDpi xmlns:a14="http://schemas.microsoft.com/office/drawing/2010/main" xmlns="" val="0"/>
               </a:ext>
             </a:extLst>
           </a:blip>
@@ -7472,7 +7472,7 @@
           <a:blip xmlns:r="http://schemas.openxmlformats.org/officeDocument/2006/relationships" r:embed="rId3">
             <a:extLst>
               <a:ext uri="{28A0092B-C50C-407E-A947-70E740481C1C}">
-                <a14:useLocalDpi xmlns:a14="http://schemas.microsoft.com/office/drawing/2010/main" val="0"/>
+                <a14:useLocalDpi xmlns:a14="http://schemas.microsoft.com/office/drawing/2010/main" xmlns="" val="0"/>
               </a:ext>
             </a:extLst>
           </a:blip>
@@ -7531,7 +7531,7 @@
           <a:blip xmlns:r="http://schemas.openxmlformats.org/officeDocument/2006/relationships" r:embed="rId4">
             <a:extLst>
               <a:ext uri="{28A0092B-C50C-407E-A947-70E740481C1C}">
-                <a14:useLocalDpi xmlns:a14="http://schemas.microsoft.com/office/drawing/2010/main" val="0"/>
+                <a14:useLocalDpi xmlns:a14="http://schemas.microsoft.com/office/drawing/2010/main" xmlns="" val="0"/>
               </a:ext>
             </a:extLst>
           </a:blip>
@@ -7566,19 +7566,19 @@
     </dgm:pt>
   </dgm:ptLst>
   <dgm:cxnLst>
+    <dgm:cxn modelId="{38B534D1-189A-4B3C-8B4A-96F5154B58E1}" type="presOf" srcId="{5AF3859D-02AC-4411-BC99-AFA82C677F1F}" destId="{B38D2954-72D7-492A-A848-44DFE336F0E0}" srcOrd="0" destOrd="0" presId="urn:microsoft.com/office/officeart/2005/8/layout/vList4#1"/>
+    <dgm:cxn modelId="{AF151020-9BFB-4458-BC31-8B520E866D91}" type="presOf" srcId="{AD1765FE-9338-47C6-B53E-7B5C8B103AE4}" destId="{7D57651F-A7A0-490A-A871-3353727C6702}" srcOrd="1" destOrd="0" presId="urn:microsoft.com/office/officeart/2005/8/layout/vList4#1"/>
+    <dgm:cxn modelId="{8B789009-70A9-4553-8F62-4E14F215CECA}" type="presOf" srcId="{AD1765FE-9338-47C6-B53E-7B5C8B103AE4}" destId="{2D779863-9DA2-4F5A-814E-7DE9A25FEE45}" srcOrd="0" destOrd="0" presId="urn:microsoft.com/office/officeart/2005/8/layout/vList4#1"/>
+    <dgm:cxn modelId="{CA7250F2-516D-4B28-A0F7-1A103842171A}" type="presOf" srcId="{53A0A517-3DCC-4BCC-8336-45C6949D59C4}" destId="{FF610F31-FA87-446D-9CFF-9000735AAD62}" srcOrd="0" destOrd="0" presId="urn:microsoft.com/office/officeart/2005/8/layout/vList4#1"/>
+    <dgm:cxn modelId="{15975DD8-2982-4D83-9783-84242464ED5F}" srcId="{628CABA7-E17A-49BB-8C4F-879353F375D9}" destId="{A7427995-0A0B-4748-86D4-D050EA8AE0E1}" srcOrd="0" destOrd="0" parTransId="{BD73CF3C-0CAB-4A1F-B1DC-6FED5C4935EE}" sibTransId="{A25D5149-6F98-429F-81C1-AEC853AA7BF6}"/>
     <dgm:cxn modelId="{6B423922-0205-4275-875B-E2BA204D008F}" srcId="{628CABA7-E17A-49BB-8C4F-879353F375D9}" destId="{53A0A517-3DCC-4BCC-8336-45C6949D59C4}" srcOrd="1" destOrd="0" parTransId="{CB68C76B-1135-4535-A287-4D85A8D8B6B8}" sibTransId="{50F222A7-1CB4-41A9-B1AC-D301651F1F95}"/>
+    <dgm:cxn modelId="{FC0C40B1-F2E5-490E-BAA9-2A77D5FD3EFE}" type="presOf" srcId="{5AF3859D-02AC-4411-BC99-AFA82C677F1F}" destId="{C2030306-4C9A-4832-ABBB-2E9A66BD91E5}" srcOrd="1" destOrd="0" presId="urn:microsoft.com/office/officeart/2005/8/layout/vList4#1"/>
+    <dgm:cxn modelId="{75B59436-68AB-40C6-B9AC-97F92A5B2B20}" srcId="{628CABA7-E17A-49BB-8C4F-879353F375D9}" destId="{5AF3859D-02AC-4411-BC99-AFA82C677F1F}" srcOrd="2" destOrd="0" parTransId="{C47B21B3-EA0F-405C-B768-E3A329267F78}" sibTransId="{E1CBCFF7-0EBC-42B7-A319-8DF12943EFC3}"/>
+    <dgm:cxn modelId="{92BF26E6-C675-474F-917F-B78F05E45693}" srcId="{628CABA7-E17A-49BB-8C4F-879353F375D9}" destId="{AD1765FE-9338-47C6-B53E-7B5C8B103AE4}" srcOrd="3" destOrd="0" parTransId="{4F9B5F85-76B4-49DB-8C67-0AC0DB6E704B}" sibTransId="{79AE236F-3C2A-4319-967B-01CB41CD9835}"/>
     <dgm:cxn modelId="{E13EB2B2-F662-458E-A784-37F2499CE9EA}" type="presOf" srcId="{628CABA7-E17A-49BB-8C4F-879353F375D9}" destId="{0AACF08A-D8EA-4D51-B4CD-CC4D91617BA5}" srcOrd="0" destOrd="0" presId="urn:microsoft.com/office/officeart/2005/8/layout/vList4#1"/>
-    <dgm:cxn modelId="{75B59436-68AB-40C6-B9AC-97F92A5B2B20}" srcId="{628CABA7-E17A-49BB-8C4F-879353F375D9}" destId="{5AF3859D-02AC-4411-BC99-AFA82C677F1F}" srcOrd="2" destOrd="0" parTransId="{C47B21B3-EA0F-405C-B768-E3A329267F78}" sibTransId="{E1CBCFF7-0EBC-42B7-A319-8DF12943EFC3}"/>
-    <dgm:cxn modelId="{8B789009-70A9-4553-8F62-4E14F215CECA}" type="presOf" srcId="{AD1765FE-9338-47C6-B53E-7B5C8B103AE4}" destId="{2D779863-9DA2-4F5A-814E-7DE9A25FEE45}" srcOrd="0" destOrd="0" presId="urn:microsoft.com/office/officeart/2005/8/layout/vList4#1"/>
-    <dgm:cxn modelId="{15975DD8-2982-4D83-9783-84242464ED5F}" srcId="{628CABA7-E17A-49BB-8C4F-879353F375D9}" destId="{A7427995-0A0B-4748-86D4-D050EA8AE0E1}" srcOrd="0" destOrd="0" parTransId="{BD73CF3C-0CAB-4A1F-B1DC-6FED5C4935EE}" sibTransId="{A25D5149-6F98-429F-81C1-AEC853AA7BF6}"/>
-    <dgm:cxn modelId="{38B534D1-189A-4B3C-8B4A-96F5154B58E1}" type="presOf" srcId="{5AF3859D-02AC-4411-BC99-AFA82C677F1F}" destId="{B38D2954-72D7-492A-A848-44DFE336F0E0}" srcOrd="0" destOrd="0" presId="urn:microsoft.com/office/officeart/2005/8/layout/vList4#1"/>
-    <dgm:cxn modelId="{92BF26E6-C675-474F-917F-B78F05E45693}" srcId="{628CABA7-E17A-49BB-8C4F-879353F375D9}" destId="{AD1765FE-9338-47C6-B53E-7B5C8B103AE4}" srcOrd="3" destOrd="0" parTransId="{4F9B5F85-76B4-49DB-8C67-0AC0DB6E704B}" sibTransId="{79AE236F-3C2A-4319-967B-01CB41CD9835}"/>
-    <dgm:cxn modelId="{FC0C40B1-F2E5-490E-BAA9-2A77D5FD3EFE}" type="presOf" srcId="{5AF3859D-02AC-4411-BC99-AFA82C677F1F}" destId="{C2030306-4C9A-4832-ABBB-2E9A66BD91E5}" srcOrd="1" destOrd="0" presId="urn:microsoft.com/office/officeart/2005/8/layout/vList4#1"/>
+    <dgm:cxn modelId="{55643A6B-D65A-4FC1-BB9C-257611E009B2}" type="presOf" srcId="{A7427995-0A0B-4748-86D4-D050EA8AE0E1}" destId="{1D231287-9AA4-46E4-8187-F99AB67F0297}" srcOrd="1" destOrd="0" presId="urn:microsoft.com/office/officeart/2005/8/layout/vList4#1"/>
     <dgm:cxn modelId="{6BF62980-FDAC-4C06-864E-0D4364FB0BEB}" type="presOf" srcId="{A7427995-0A0B-4748-86D4-D050EA8AE0E1}" destId="{BB84DB34-BA67-4F32-ADA4-2380B8C83095}" srcOrd="0" destOrd="0" presId="urn:microsoft.com/office/officeart/2005/8/layout/vList4#1"/>
-    <dgm:cxn modelId="{CA7250F2-516D-4B28-A0F7-1A103842171A}" type="presOf" srcId="{53A0A517-3DCC-4BCC-8336-45C6949D59C4}" destId="{FF610F31-FA87-446D-9CFF-9000735AAD62}" srcOrd="0" destOrd="0" presId="urn:microsoft.com/office/officeart/2005/8/layout/vList4#1"/>
     <dgm:cxn modelId="{B2F200AD-8EE4-48B4-B781-FA304BE4F1BF}" type="presOf" srcId="{53A0A517-3DCC-4BCC-8336-45C6949D59C4}" destId="{8F4F3AEE-9C65-4304-B42D-27615755F50F}" srcOrd="1" destOrd="0" presId="urn:microsoft.com/office/officeart/2005/8/layout/vList4#1"/>
-    <dgm:cxn modelId="{55643A6B-D65A-4FC1-BB9C-257611E009B2}" type="presOf" srcId="{A7427995-0A0B-4748-86D4-D050EA8AE0E1}" destId="{1D231287-9AA4-46E4-8187-F99AB67F0297}" srcOrd="1" destOrd="0" presId="urn:microsoft.com/office/officeart/2005/8/layout/vList4#1"/>
-    <dgm:cxn modelId="{AF151020-9BFB-4458-BC31-8B520E866D91}" type="presOf" srcId="{AD1765FE-9338-47C6-B53E-7B5C8B103AE4}" destId="{7D57651F-A7A0-490A-A871-3353727C6702}" srcOrd="1" destOrd="0" presId="urn:microsoft.com/office/officeart/2005/8/layout/vList4#1"/>
     <dgm:cxn modelId="{8F522AF7-F916-4B89-8A4E-788AF5FA4C4B}" type="presParOf" srcId="{0AACF08A-D8EA-4D51-B4CD-CC4D91617BA5}" destId="{A1BBFE5D-5F97-4560-BAFF-3AE755E8A060}" srcOrd="0" destOrd="0" presId="urn:microsoft.com/office/officeart/2005/8/layout/vList4#1"/>
     <dgm:cxn modelId="{B4AAB900-E885-4D62-B42F-6EA6F0F578C2}" type="presParOf" srcId="{A1BBFE5D-5F97-4560-BAFF-3AE755E8A060}" destId="{BB84DB34-BA67-4F32-ADA4-2380B8C83095}" srcOrd="0" destOrd="0" presId="urn:microsoft.com/office/officeart/2005/8/layout/vList4#1"/>
     <dgm:cxn modelId="{163D150C-872F-4D43-9298-F1363529814B}" type="presParOf" srcId="{A1BBFE5D-5F97-4560-BAFF-3AE755E8A060}" destId="{BEEFFAAC-A8CD-4433-8EDA-5737C85AB46F}" srcOrd="1" destOrd="0" presId="urn:microsoft.com/office/officeart/2005/8/layout/vList4#1"/>
@@ -7603,14 +7603,14 @@
   <dgm:whole/>
   <dgm:extLst>
     <a:ext uri="http://schemas.microsoft.com/office/drawing/2008/diagram">
-      <dsp:dataModelExt xmlns:dsp="http://schemas.microsoft.com/office/drawing/2008/diagram" relId="rId7" minVer="http://schemas.openxmlformats.org/drawingml/2006/diagram"/>
+      <dsp:dataModelExt xmlns:dsp="http://schemas.microsoft.com/office/drawing/2008/diagram" xmlns="" relId="rId7" minVer="http://schemas.openxmlformats.org/drawingml/2006/diagram"/>
     </a:ext>
   </dgm:extLst>
 </dgm:dataModel>
 </file>
 
 <file path=ppt/diagrams/drawing1.xml><?xml version="1.0" encoding="utf-8"?>
-<dsp:drawing xmlns:dgm="http://schemas.openxmlformats.org/drawingml/2006/diagram" xmlns:dsp="http://schemas.microsoft.com/office/drawing/2008/diagram" xmlns:a="http://schemas.openxmlformats.org/drawingml/2006/main">
+<dsp:drawing xmlns:dgm="http://schemas.openxmlformats.org/drawingml/2006/diagram" xmlns:a="http://schemas.openxmlformats.org/drawingml/2006/main" xmlns:dsp="http://schemas.microsoft.com/office/drawing/2008/diagram">
   <dsp:spTree>
     <dsp:nvGrpSpPr>
       <dsp:cNvPr id="0" name=""/>
@@ -7673,7 +7673,7 @@
           <a:blip xmlns:r="http://schemas.openxmlformats.org/officeDocument/2006/relationships" r:embed="rId1">
             <a:extLst>
               <a:ext uri="{28A0092B-C50C-407E-A947-70E740481C1C}">
-                <a14:useLocalDpi xmlns:a14="http://schemas.microsoft.com/office/drawing/2010/main" val="0"/>
+                <a14:useLocalDpi xmlns:a14="http://schemas.microsoft.com/office/drawing/2010/main" xmlns="" val="0"/>
               </a:ext>
             </a:extLst>
           </a:blip>
@@ -7841,7 +7841,7 @@
           <a:blip xmlns:r="http://schemas.openxmlformats.org/officeDocument/2006/relationships" r:embed="rId2" cstate="print">
             <a:extLst>
               <a:ext uri="{28A0092B-C50C-407E-A947-70E740481C1C}">
-                <a14:useLocalDpi xmlns:a14="http://schemas.microsoft.com/office/drawing/2010/main" val="0"/>
+                <a14:useLocalDpi xmlns:a14="http://schemas.microsoft.com/office/drawing/2010/main" xmlns="" val="0"/>
               </a:ext>
             </a:extLst>
           </a:blip>
@@ -7992,7 +7992,7 @@
           <a:blip xmlns:r="http://schemas.openxmlformats.org/officeDocument/2006/relationships" r:embed="rId3" cstate="print">
             <a:extLst>
               <a:ext uri="{28A0092B-C50C-407E-A947-70E740481C1C}">
-                <a14:useLocalDpi xmlns:a14="http://schemas.microsoft.com/office/drawing/2010/main" val="0"/>
+                <a14:useLocalDpi xmlns:a14="http://schemas.microsoft.com/office/drawing/2010/main" xmlns="" val="0"/>
               </a:ext>
             </a:extLst>
           </a:blip>
@@ -8143,7 +8143,7 @@
           <a:blip xmlns:r="http://schemas.openxmlformats.org/officeDocument/2006/relationships" r:embed="rId4">
             <a:extLst>
               <a:ext uri="{28A0092B-C50C-407E-A947-70E740481C1C}">
-                <a14:useLocalDpi xmlns:a14="http://schemas.microsoft.com/office/drawing/2010/main" val="0"/>
+                <a14:useLocalDpi xmlns:a14="http://schemas.microsoft.com/office/drawing/2010/main" xmlns="" val="0"/>
               </a:ext>
             </a:extLst>
           </a:blip>
@@ -8294,7 +8294,7 @@
           <a:blip xmlns:r="http://schemas.openxmlformats.org/officeDocument/2006/relationships" r:embed="rId5" cstate="print">
             <a:extLst>
               <a:ext uri="{28A0092B-C50C-407E-A947-70E740481C1C}">
-                <a14:useLocalDpi xmlns:a14="http://schemas.microsoft.com/office/drawing/2010/main" val="0"/>
+                <a14:useLocalDpi xmlns:a14="http://schemas.microsoft.com/office/drawing/2010/main" xmlns="" val="0"/>
               </a:ext>
             </a:extLst>
           </a:blip>
@@ -8445,7 +8445,7 @@
           <a:blip xmlns:r="http://schemas.openxmlformats.org/officeDocument/2006/relationships" r:embed="rId6" cstate="print">
             <a:extLst>
               <a:ext uri="{28A0092B-C50C-407E-A947-70E740481C1C}">
-                <a14:useLocalDpi xmlns:a14="http://schemas.microsoft.com/office/drawing/2010/main" val="0"/>
+                <a14:useLocalDpi xmlns:a14="http://schemas.microsoft.com/office/drawing/2010/main" xmlns="" val="0"/>
               </a:ext>
             </a:extLst>
           </a:blip>
@@ -8545,7 +8545,7 @@
 </file>
 
 <file path=ppt/diagrams/drawing2.xml><?xml version="1.0" encoding="utf-8"?>
-<dsp:drawing xmlns:dgm="http://schemas.openxmlformats.org/drawingml/2006/diagram" xmlns:dsp="http://schemas.microsoft.com/office/drawing/2008/diagram" xmlns:a="http://schemas.openxmlformats.org/drawingml/2006/main">
+<dsp:drawing xmlns:dgm="http://schemas.openxmlformats.org/drawingml/2006/diagram" xmlns:a="http://schemas.openxmlformats.org/drawingml/2006/main" xmlns:dsp="http://schemas.microsoft.com/office/drawing/2008/diagram">
   <dsp:spTree>
     <dsp:nvGrpSpPr>
       <dsp:cNvPr id="0" name=""/>
@@ -8629,9 +8629,9 @@
           <a:endParaRPr lang="en-US" sz="1700" kern="1200" dirty="0"/>
         </a:p>
       </dsp:txBody>
-      <dsp:txXfrm rot="-5400000">
-        <a:off x="2590795" y="77369"/>
-        <a:ext cx="3855726" cy="394175"/>
+      <dsp:txXfrm rot="5400000">
+        <a:off x="4310908" y="-1664068"/>
+        <a:ext cx="436823" cy="3877050"/>
       </dsp:txXfrm>
     </dsp:sp>
     <dsp:sp modelId="{FFBF79ED-6C84-4740-A093-8C6BAA74CCBA}">
@@ -8707,8 +8707,8 @@
         </a:p>
       </dsp:txBody>
       <dsp:txXfrm>
-        <a:off x="1788409" y="28096"/>
-        <a:ext cx="775730" cy="492719"/>
+        <a:off x="1761754" y="1441"/>
+        <a:ext cx="829040" cy="546029"/>
       </dsp:txXfrm>
     </dsp:sp>
     <dsp:sp modelId="{E938BCE9-633E-4B3F-85C7-EF9941E5E123}">
@@ -8788,9 +8788,9 @@
           <a:endParaRPr lang="en-US" sz="1700" kern="1200" dirty="0"/>
         </a:p>
       </dsp:txBody>
-      <dsp:txXfrm rot="-5400000">
-        <a:off x="2590795" y="650700"/>
-        <a:ext cx="3855726" cy="394175"/>
+      <dsp:txXfrm rot="5400000">
+        <a:off x="4310908" y="-1090737"/>
+        <a:ext cx="436823" cy="3877050"/>
       </dsp:txXfrm>
     </dsp:sp>
     <dsp:sp modelId="{A9930DDA-01CC-43AA-BA32-1E49BA73E50D}">
@@ -8866,8 +8866,8 @@
         </a:p>
       </dsp:txBody>
       <dsp:txXfrm>
-        <a:off x="1788409" y="601428"/>
-        <a:ext cx="775730" cy="492719"/>
+        <a:off x="1761754" y="574773"/>
+        <a:ext cx="829040" cy="546029"/>
       </dsp:txXfrm>
     </dsp:sp>
     <dsp:sp modelId="{3F02C0AD-B77A-40A7-A02E-70AC774A5504}">
@@ -8947,9 +8947,9 @@
           <a:endParaRPr lang="en-US" sz="1700" kern="1200" dirty="0"/>
         </a:p>
       </dsp:txBody>
-      <dsp:txXfrm rot="-5400000">
-        <a:off x="2590795" y="1224032"/>
-        <a:ext cx="3855726" cy="394175"/>
+      <dsp:txXfrm rot="5400000">
+        <a:off x="4310908" y="-517405"/>
+        <a:ext cx="436823" cy="3877050"/>
       </dsp:txXfrm>
     </dsp:sp>
     <dsp:sp modelId="{43CC9052-EEDA-408C-BA6B-77EA607F0F97}">
@@ -9025,8 +9025,8 @@
         </a:p>
       </dsp:txBody>
       <dsp:txXfrm>
-        <a:off x="1788409" y="1174759"/>
-        <a:ext cx="775730" cy="492719"/>
+        <a:off x="1761754" y="1148104"/>
+        <a:ext cx="829040" cy="546029"/>
       </dsp:txXfrm>
     </dsp:sp>
     <dsp:sp modelId="{EA9ACC33-627A-4012-BAD4-055B5D3A47A5}">
@@ -9106,9 +9106,9 @@
           <a:endParaRPr lang="en-US" sz="1700" kern="1200" dirty="0"/>
         </a:p>
       </dsp:txBody>
-      <dsp:txXfrm rot="-5400000">
-        <a:off x="2590795" y="1797362"/>
-        <a:ext cx="3855726" cy="394175"/>
+      <dsp:txXfrm rot="5400000">
+        <a:off x="4310908" y="55925"/>
+        <a:ext cx="436823" cy="3877050"/>
       </dsp:txXfrm>
     </dsp:sp>
     <dsp:sp modelId="{F7AA96E1-2309-4BB6-9E58-83C9AF8D6988}">
@@ -9184,8 +9184,8 @@
         </a:p>
       </dsp:txBody>
       <dsp:txXfrm>
-        <a:off x="1788409" y="1748090"/>
-        <a:ext cx="775730" cy="492719"/>
+        <a:off x="1761754" y="1721435"/>
+        <a:ext cx="829040" cy="546029"/>
       </dsp:txXfrm>
     </dsp:sp>
     <dsp:sp modelId="{FDF3CCB1-A33C-4739-A245-FB92188AA165}">
@@ -9265,9 +9265,9 @@
           <a:endParaRPr lang="en-US" sz="1700" kern="1200" dirty="0"/>
         </a:p>
       </dsp:txBody>
-      <dsp:txXfrm rot="-5400000">
-        <a:off x="2590795" y="2370693"/>
-        <a:ext cx="3855726" cy="394175"/>
+      <dsp:txXfrm rot="5400000">
+        <a:off x="4310908" y="629256"/>
+        <a:ext cx="436823" cy="3877050"/>
       </dsp:txXfrm>
     </dsp:sp>
     <dsp:sp modelId="{D755CEE6-2460-46EB-9DE4-A76FA986A80B}">
@@ -9343,8 +9343,8 @@
         </a:p>
       </dsp:txBody>
       <dsp:txXfrm>
-        <a:off x="1788409" y="2321421"/>
-        <a:ext cx="775730" cy="492719"/>
+        <a:off x="1761754" y="2294766"/>
+        <a:ext cx="829040" cy="546029"/>
       </dsp:txXfrm>
     </dsp:sp>
     <dsp:sp modelId="{1DA7F4AD-B1A3-4274-9671-1C85B090FE2C}">
@@ -9424,9 +9424,9 @@
           <a:endParaRPr lang="en-US" sz="1700" kern="1200" dirty="0"/>
         </a:p>
       </dsp:txBody>
-      <dsp:txXfrm rot="-5400000">
-        <a:off x="2590795" y="2944024"/>
-        <a:ext cx="3855726" cy="394175"/>
+      <dsp:txXfrm rot="5400000">
+        <a:off x="4310908" y="1202587"/>
+        <a:ext cx="436823" cy="3877050"/>
       </dsp:txXfrm>
     </dsp:sp>
     <dsp:sp modelId="{7D29A3BB-251E-48D2-AB2F-58D754BCED1A}">
@@ -9502,8 +9502,8 @@
         </a:p>
       </dsp:txBody>
       <dsp:txXfrm>
-        <a:off x="1788409" y="2894752"/>
-        <a:ext cx="775730" cy="492719"/>
+        <a:off x="1761754" y="2868097"/>
+        <a:ext cx="829040" cy="546029"/>
       </dsp:txXfrm>
     </dsp:sp>
     <dsp:sp modelId="{C192857F-BCF2-4F76-9C52-BE86884030CF}">
@@ -9583,9 +9583,9 @@
           <a:endParaRPr lang="en-US" sz="1700" kern="1200" dirty="0"/>
         </a:p>
       </dsp:txBody>
-      <dsp:txXfrm rot="-5400000">
-        <a:off x="2590795" y="3517355"/>
-        <a:ext cx="3855726" cy="394175"/>
+      <dsp:txXfrm rot="5400000">
+        <a:off x="4310908" y="1775918"/>
+        <a:ext cx="436823" cy="3877050"/>
       </dsp:txXfrm>
     </dsp:sp>
     <dsp:sp modelId="{980614D2-6E8D-4269-A6C3-D16F908BD573}">
@@ -9661,8 +9661,8 @@
         </a:p>
       </dsp:txBody>
       <dsp:txXfrm>
-        <a:off x="1788409" y="3468084"/>
-        <a:ext cx="775730" cy="492719"/>
+        <a:off x="1761754" y="3441429"/>
+        <a:ext cx="829040" cy="546029"/>
       </dsp:txXfrm>
     </dsp:sp>
     <dsp:sp modelId="{A695E545-D25E-42BF-8CD6-8C192DD77DBB}">
@@ -9742,9 +9742,9 @@
           <a:endParaRPr lang="en-US" sz="1700" kern="1200" dirty="0"/>
         </a:p>
       </dsp:txBody>
-      <dsp:txXfrm rot="-5400000">
-        <a:off x="2590795" y="4090687"/>
-        <a:ext cx="3855726" cy="394175"/>
+      <dsp:txXfrm rot="5400000">
+        <a:off x="4310908" y="2349250"/>
+        <a:ext cx="436823" cy="3877050"/>
       </dsp:txXfrm>
     </dsp:sp>
     <dsp:sp modelId="{C5922F51-FA5B-4B33-8A64-A1D857D2BBE2}">
@@ -9820,8 +9820,8 @@
         </a:p>
       </dsp:txBody>
       <dsp:txXfrm>
-        <a:off x="1788409" y="4041415"/>
-        <a:ext cx="775730" cy="492719"/>
+        <a:off x="1761754" y="4014760"/>
+        <a:ext cx="829040" cy="546029"/>
       </dsp:txXfrm>
     </dsp:sp>
     <dsp:sp modelId="{BC3BEEAE-C28C-44D0-9EAA-9D4FBA3D6755}">
@@ -9901,9 +9901,9 @@
           <a:endParaRPr lang="en-US" sz="1700" b="1" kern="1200" dirty="0"/>
         </a:p>
       </dsp:txBody>
-      <dsp:txXfrm rot="-5400000">
-        <a:off x="2590795" y="4664018"/>
-        <a:ext cx="3855726" cy="394175"/>
+      <dsp:txXfrm rot="5400000">
+        <a:off x="4310908" y="2922581"/>
+        <a:ext cx="436823" cy="3877050"/>
       </dsp:txXfrm>
     </dsp:sp>
     <dsp:sp modelId="{4EF168DF-699D-4FC3-ABD2-A264DA331F94}">
@@ -9979,8 +9979,8 @@
         </a:p>
       </dsp:txBody>
       <dsp:txXfrm>
-        <a:off x="1788409" y="4614746"/>
-        <a:ext cx="775730" cy="492719"/>
+        <a:off x="1761754" y="4588091"/>
+        <a:ext cx="829040" cy="546029"/>
       </dsp:txXfrm>
     </dsp:sp>
   </dsp:spTree>
@@ -9988,7 +9988,7 @@
 </file>
 
 <file path=ppt/diagrams/drawing3.xml><?xml version="1.0" encoding="utf-8"?>
-<dsp:drawing xmlns:dgm="http://schemas.openxmlformats.org/drawingml/2006/diagram" xmlns:dsp="http://schemas.microsoft.com/office/drawing/2008/diagram" xmlns:a="http://schemas.openxmlformats.org/drawingml/2006/main">
+<dsp:drawing xmlns:dgm="http://schemas.openxmlformats.org/drawingml/2006/diagram" xmlns:a="http://schemas.openxmlformats.org/drawingml/2006/main" xmlns:dsp="http://schemas.microsoft.com/office/drawing/2008/diagram">
   <dsp:spTree>
     <dsp:nvGrpSpPr>
       <dsp:cNvPr id="0" name=""/>
@@ -10104,8 +10104,8 @@
         </a:p>
       </dsp:txBody>
       <dsp:txXfrm>
-        <a:off x="1804405" y="421044"/>
-        <a:ext cx="1420389" cy="1420389"/>
+        <a:off x="1510233" y="126872"/>
+        <a:ext cx="2008733" cy="2008733"/>
       </dsp:txXfrm>
     </dsp:sp>
     <dsp:sp modelId="{9CC21CC6-BC52-4860-831C-E5BE1A00D6B3}">
@@ -10218,9 +10218,9 @@
           <a:endParaRPr lang="en-US" sz="1500" kern="1200"/>
         </a:p>
       </dsp:txBody>
-      <dsp:txXfrm>
-        <a:off x="3034206" y="2152355"/>
-        <a:ext cx="374720" cy="406769"/>
+      <dsp:txXfrm rot="3600000">
+        <a:off x="2994057" y="2086305"/>
+        <a:ext cx="535314" cy="677947"/>
       </dsp:txXfrm>
     </dsp:sp>
     <dsp:sp modelId="{86E18E54-4C11-49D1-BF3C-DB9A672440AF}">
@@ -10332,8 +10332,8 @@
         </a:p>
       </dsp:txBody>
       <dsp:txXfrm>
-        <a:off x="3313785" y="3035366"/>
-        <a:ext cx="1420389" cy="1420389"/>
+        <a:off x="3019613" y="2741194"/>
+        <a:ext cx="2008733" cy="2008733"/>
       </dsp:txXfrm>
     </dsp:sp>
     <dsp:sp modelId="{889CC303-AD36-472B-B3EC-7323354AC3F4}">
@@ -10447,8 +10447,8 @@
         </a:p>
       </dsp:txBody>
       <dsp:txXfrm rot="10800000">
-        <a:off x="2422687" y="3542176"/>
-        <a:ext cx="374720" cy="406769"/>
+        <a:off x="2262093" y="3406587"/>
+        <a:ext cx="535314" cy="677947"/>
       </dsp:txXfrm>
     </dsp:sp>
     <dsp:sp modelId="{06092BB6-D1B8-49FC-9ED7-80B712D9132A}">
@@ -10560,8 +10560,8 @@
         </a:p>
       </dsp:txBody>
       <dsp:txXfrm>
-        <a:off x="295025" y="3035366"/>
-        <a:ext cx="1420389" cy="1420389"/>
+        <a:off x="853" y="2741194"/>
+        <a:ext cx="2008733" cy="2008733"/>
       </dsp:txXfrm>
     </dsp:sp>
     <dsp:sp modelId="{5626A1AC-7DE7-43A4-BC31-0EF441869A61}">
@@ -10674,9 +10674,9 @@
           <a:endParaRPr lang="en-US" sz="1500" kern="1200"/>
         </a:p>
       </dsp:txBody>
-      <dsp:txXfrm>
-        <a:off x="1524826" y="2317674"/>
-        <a:ext cx="374720" cy="406769"/>
+      <dsp:txXfrm rot="18000000">
+        <a:off x="1484677" y="2112546"/>
+        <a:ext cx="535314" cy="677947"/>
       </dsp:txXfrm>
     </dsp:sp>
   </dsp:spTree>
@@ -10684,7 +10684,7 @@
 </file>
 
 <file path=ppt/diagrams/drawing4.xml><?xml version="1.0" encoding="utf-8"?>
-<dsp:drawing xmlns:dgm="http://schemas.openxmlformats.org/drawingml/2006/diagram" xmlns:dsp="http://schemas.microsoft.com/office/drawing/2008/diagram" xmlns:a="http://schemas.openxmlformats.org/drawingml/2006/main">
+<dsp:drawing xmlns:dgm="http://schemas.openxmlformats.org/drawingml/2006/diagram" xmlns:a="http://schemas.openxmlformats.org/drawingml/2006/main" xmlns:dsp="http://schemas.microsoft.com/office/drawing/2008/diagram">
   <dsp:spTree>
     <dsp:nvGrpSpPr>
       <dsp:cNvPr id="0" name=""/>
@@ -11190,7 +11190,7 @@
 </file>
 
 <file path=ppt/diagrams/drawing5.xml><?xml version="1.0" encoding="utf-8"?>
-<dsp:drawing xmlns:dgm="http://schemas.openxmlformats.org/drawingml/2006/diagram" xmlns:dsp="http://schemas.microsoft.com/office/drawing/2008/diagram" xmlns:a="http://schemas.openxmlformats.org/drawingml/2006/main">
+<dsp:drawing xmlns:dgm="http://schemas.openxmlformats.org/drawingml/2006/diagram" xmlns:a="http://schemas.openxmlformats.org/drawingml/2006/main" xmlns:dsp="http://schemas.microsoft.com/office/drawing/2008/diagram">
   <dsp:spTree>
     <dsp:nvGrpSpPr>
       <dsp:cNvPr id="0" name=""/>
@@ -11364,7 +11364,7 @@
           <a:blip xmlns:r="http://schemas.openxmlformats.org/officeDocument/2006/relationships" r:embed="rId1">
             <a:extLst>
               <a:ext uri="{28A0092B-C50C-407E-A947-70E740481C1C}">
-                <a14:useLocalDpi xmlns:a14="http://schemas.microsoft.com/office/drawing/2010/main" val="0"/>
+                <a14:useLocalDpi xmlns:a14="http://schemas.microsoft.com/office/drawing/2010/main" xmlns="" val="0"/>
               </a:ext>
             </a:extLst>
           </a:blip>
@@ -11554,7 +11554,7 @@
           <a:blip xmlns:r="http://schemas.openxmlformats.org/officeDocument/2006/relationships" r:embed="rId2" cstate="print">
             <a:extLst>
               <a:ext uri="{28A0092B-C50C-407E-A947-70E740481C1C}">
-                <a14:useLocalDpi xmlns:a14="http://schemas.microsoft.com/office/drawing/2010/main" val="0"/>
+                <a14:useLocalDpi xmlns:a14="http://schemas.microsoft.com/office/drawing/2010/main" xmlns="" val="0"/>
               </a:ext>
             </a:extLst>
           </a:blip>
@@ -11691,10 +11691,10 @@
             <a:t>: Using PHP to develop, can use in many </a:t>
           </a:r>
           <a:r>
-            <a:rPr lang="en-US" sz="1400" b="0" kern="1200" dirty="0" err="1" smtClean="0">
+            <a:rPr lang="en-US" sz="1400" b="0" kern="1200" dirty="0" smtClean="0">
               <a:latin typeface="Corbel (Body)"/>
             </a:rPr>
-            <a:t>plattform</a:t>
+            <a:t>platform</a:t>
           </a:r>
           <a:endParaRPr lang="en-US" sz="1400" b="0" kern="1200" dirty="0" smtClean="0">
             <a:latin typeface="Corbel (Body)"/>
@@ -11759,7 +11759,7 @@
           <a:blip xmlns:r="http://schemas.openxmlformats.org/officeDocument/2006/relationships" r:embed="rId3">
             <a:extLst>
               <a:ext uri="{28A0092B-C50C-407E-A947-70E740481C1C}">
-                <a14:useLocalDpi xmlns:a14="http://schemas.microsoft.com/office/drawing/2010/main" val="0"/>
+                <a14:useLocalDpi xmlns:a14="http://schemas.microsoft.com/office/drawing/2010/main" xmlns="" val="0"/>
               </a:ext>
             </a:extLst>
           </a:blip>
@@ -11934,7 +11934,7 @@
           <a:blip xmlns:r="http://schemas.openxmlformats.org/officeDocument/2006/relationships" r:embed="rId4">
             <a:extLst>
               <a:ext uri="{28A0092B-C50C-407E-A947-70E740481C1C}">
-                <a14:useLocalDpi xmlns:a14="http://schemas.microsoft.com/office/drawing/2010/main" val="0"/>
+                <a14:useLocalDpi xmlns:a14="http://schemas.microsoft.com/office/drawing/2010/main" xmlns="" val="0"/>
               </a:ext>
             </a:extLst>
           </a:blip>
@@ -18393,7 +18393,7 @@
             <a:fld id="{610FD3F4-3AC6-4115-B89C-58BA64686866}" type="datetimeFigureOut">
               <a:rPr lang="vi-VN" smtClean="0"/>
               <a:pPr/>
-              <a:t>26/08/2012</a:t>
+              <a:t>Thứ Hai 27/08/2012</a:t>
             </a:fld>
             <a:endParaRPr lang="vi-VN"/>
           </a:p>
@@ -18469,7 +18469,7 @@
     </p:spTree>
     <p:extLst>
       <p:ext uri="{BB962C8B-B14F-4D97-AF65-F5344CB8AC3E}">
-        <p14:creationId xmlns:p14="http://schemas.microsoft.com/office/powerpoint/2010/main" val="3216110365"/>
+        <p14:creationId xmlns:p14="http://schemas.microsoft.com/office/powerpoint/2010/main" xmlns="" val="3216110365"/>
       </p:ext>
     </p:extLst>
   </p:cSld>
@@ -18561,7 +18561,7 @@
             <a:fld id="{0B043F58-E72F-4617-9A15-6B7F181D3BA1}" type="datetimeFigureOut">
               <a:rPr lang="en-US" smtClean="0"/>
               <a:pPr/>
-              <a:t>8/26/2012</a:t>
+              <a:t>8/27/2012</a:t>
             </a:fld>
             <a:endParaRPr lang="en-US"/>
           </a:p>
@@ -18730,7 +18730,7 @@
     </p:spTree>
     <p:extLst>
       <p:ext uri="{BB962C8B-B14F-4D97-AF65-F5344CB8AC3E}">
-        <p14:creationId xmlns:p14="http://schemas.microsoft.com/office/powerpoint/2010/main" val="2251084409"/>
+        <p14:creationId xmlns:p14="http://schemas.microsoft.com/office/powerpoint/2010/main" xmlns="" val="2251084409"/>
       </p:ext>
     </p:extLst>
   </p:cSld>
@@ -18925,7 +18925,7 @@
     </p:spTree>
     <p:extLst>
       <p:ext uri="{BB962C8B-B14F-4D97-AF65-F5344CB8AC3E}">
-        <p14:creationId xmlns:p14="http://schemas.microsoft.com/office/powerpoint/2010/main" val="1143174376"/>
+        <p14:creationId xmlns:p14="http://schemas.microsoft.com/office/powerpoint/2010/main" xmlns="" val="1143174376"/>
       </p:ext>
     </p:extLst>
   </p:cSld>
@@ -20524,7 +20524,7 @@
     </p:spTree>
     <p:extLst>
       <p:ext uri="{BB962C8B-B14F-4D97-AF65-F5344CB8AC3E}">
-        <p14:creationId xmlns:p14="http://schemas.microsoft.com/office/powerpoint/2010/main" val="972028398"/>
+        <p14:creationId xmlns:p14="http://schemas.microsoft.com/office/powerpoint/2010/main" xmlns="" val="972028398"/>
       </p:ext>
     </p:extLst>
   </p:cSld>
@@ -21755,7 +21755,7 @@
     </p:spTree>
     <p:extLst>
       <p:ext uri="{BB962C8B-B14F-4D97-AF65-F5344CB8AC3E}">
-        <p14:creationId xmlns:p14="http://schemas.microsoft.com/office/powerpoint/2010/main" val="2719096395"/>
+        <p14:creationId xmlns:p14="http://schemas.microsoft.com/office/powerpoint/2010/main" xmlns="" val="2719096395"/>
       </p:ext>
     </p:extLst>
   </p:cSld>
@@ -22178,7 +22178,7 @@
     </p:spTree>
     <p:extLst>
       <p:ext uri="{BB962C8B-B14F-4D97-AF65-F5344CB8AC3E}">
-        <p14:creationId xmlns:p14="http://schemas.microsoft.com/office/powerpoint/2010/main" val="1570548648"/>
+        <p14:creationId xmlns:p14="http://schemas.microsoft.com/office/powerpoint/2010/main" xmlns="" val="1570548648"/>
       </p:ext>
     </p:extLst>
   </p:cSld>
@@ -22844,7 +22844,7 @@
     </p:spTree>
     <p:extLst>
       <p:ext uri="{BB962C8B-B14F-4D97-AF65-F5344CB8AC3E}">
-        <p14:creationId xmlns:p14="http://schemas.microsoft.com/office/powerpoint/2010/main" val="1511879922"/>
+        <p14:creationId xmlns:p14="http://schemas.microsoft.com/office/powerpoint/2010/main" xmlns="" val="1511879922"/>
       </p:ext>
     </p:extLst>
   </p:cSld>
@@ -23012,7 +23012,7 @@
     </p:spTree>
     <p:extLst>
       <p:ext uri="{BB962C8B-B14F-4D97-AF65-F5344CB8AC3E}">
-        <p14:creationId xmlns:p14="http://schemas.microsoft.com/office/powerpoint/2010/main" val="2295364296"/>
+        <p14:creationId xmlns:p14="http://schemas.microsoft.com/office/powerpoint/2010/main" xmlns="" val="2295364296"/>
       </p:ext>
     </p:extLst>
   </p:cSld>
@@ -23124,7 +23124,7 @@
     </p:spTree>
     <p:extLst>
       <p:ext uri="{BB962C8B-B14F-4D97-AF65-F5344CB8AC3E}">
-        <p14:creationId xmlns:p14="http://schemas.microsoft.com/office/powerpoint/2010/main" val="574989522"/>
+        <p14:creationId xmlns:p14="http://schemas.microsoft.com/office/powerpoint/2010/main" xmlns="" val="574989522"/>
       </p:ext>
     </p:extLst>
   </p:cSld>
@@ -23925,7 +23925,7 @@
     </p:spTree>
     <p:extLst>
       <p:ext uri="{BB962C8B-B14F-4D97-AF65-F5344CB8AC3E}">
-        <p14:creationId xmlns:p14="http://schemas.microsoft.com/office/powerpoint/2010/main" val="566254435"/>
+        <p14:creationId xmlns:p14="http://schemas.microsoft.com/office/powerpoint/2010/main" xmlns="" val="566254435"/>
       </p:ext>
     </p:extLst>
   </p:cSld>
@@ -24882,7 +24882,7 @@
     </p:spTree>
     <p:extLst>
       <p:ext uri="{BB962C8B-B14F-4D97-AF65-F5344CB8AC3E}">
-        <p14:creationId xmlns:p14="http://schemas.microsoft.com/office/powerpoint/2010/main" val="536148658"/>
+        <p14:creationId xmlns:p14="http://schemas.microsoft.com/office/powerpoint/2010/main" xmlns="" val="536148658"/>
       </p:ext>
     </p:extLst>
   </p:cSld>
@@ -25094,7 +25094,7 @@
     </p:spTree>
     <p:extLst>
       <p:ext uri="{BB962C8B-B14F-4D97-AF65-F5344CB8AC3E}">
-        <p14:creationId xmlns:p14="http://schemas.microsoft.com/office/powerpoint/2010/main" val="2435548979"/>
+        <p14:creationId xmlns:p14="http://schemas.microsoft.com/office/powerpoint/2010/main" xmlns="" val="2435548979"/>
       </p:ext>
     </p:extLst>
   </p:cSld>
@@ -25989,7 +25989,7 @@
     </p:spTree>
     <p:extLst>
       <p:ext uri="{BB962C8B-B14F-4D97-AF65-F5344CB8AC3E}">
-        <p14:creationId xmlns:p14="http://schemas.microsoft.com/office/powerpoint/2010/main" val="4240182568"/>
+        <p14:creationId xmlns:p14="http://schemas.microsoft.com/office/powerpoint/2010/main" xmlns="" val="4240182568"/>
       </p:ext>
     </p:extLst>
   </p:cSld>
@@ -26305,7 +26305,7 @@
     </p:spTree>
     <p:extLst>
       <p:ext uri="{BB962C8B-B14F-4D97-AF65-F5344CB8AC3E}">
-        <p14:creationId xmlns:p14="http://schemas.microsoft.com/office/powerpoint/2010/main" val="1189329684"/>
+        <p14:creationId xmlns:p14="http://schemas.microsoft.com/office/powerpoint/2010/main" xmlns="" val="1189329684"/>
       </p:ext>
     </p:extLst>
   </p:cSld>
@@ -26653,7 +26653,7 @@
     </p:spTree>
     <p:extLst>
       <p:ext uri="{BB962C8B-B14F-4D97-AF65-F5344CB8AC3E}">
-        <p14:creationId xmlns:p14="http://schemas.microsoft.com/office/powerpoint/2010/main" val="4230026582"/>
+        <p14:creationId xmlns:p14="http://schemas.microsoft.com/office/powerpoint/2010/main" xmlns="" val="4230026582"/>
       </p:ext>
     </p:extLst>
   </p:cSld>
@@ -27151,7 +27151,7 @@
     </p:spTree>
     <p:extLst>
       <p:ext uri="{BB962C8B-B14F-4D97-AF65-F5344CB8AC3E}">
-        <p14:creationId xmlns:p14="http://schemas.microsoft.com/office/powerpoint/2010/main" val="2471445808"/>
+        <p14:creationId xmlns:p14="http://schemas.microsoft.com/office/powerpoint/2010/main" xmlns="" val="2471445808"/>
       </p:ext>
     </p:extLst>
   </p:cSld>
@@ -27311,7 +27311,7 @@
     </p:spTree>
     <p:extLst>
       <p:ext uri="{BB962C8B-B14F-4D97-AF65-F5344CB8AC3E}">
-        <p14:creationId xmlns:p14="http://schemas.microsoft.com/office/powerpoint/2010/main" val="2768051254"/>
+        <p14:creationId xmlns:p14="http://schemas.microsoft.com/office/powerpoint/2010/main" xmlns="" val="2768051254"/>
       </p:ext>
     </p:extLst>
   </p:cSld>
@@ -27415,7 +27415,7 @@
     </p:spTree>
     <p:extLst>
       <p:ext uri="{BB962C8B-B14F-4D97-AF65-F5344CB8AC3E}">
-        <p14:creationId xmlns:p14="http://schemas.microsoft.com/office/powerpoint/2010/main" val="1499446452"/>
+        <p14:creationId xmlns:p14="http://schemas.microsoft.com/office/powerpoint/2010/main" xmlns="" val="1499446452"/>
       </p:ext>
     </p:extLst>
   </p:cSld>
@@ -27519,7 +27519,7 @@
     </p:spTree>
     <p:extLst>
       <p:ext uri="{BB962C8B-B14F-4D97-AF65-F5344CB8AC3E}">
-        <p14:creationId xmlns:p14="http://schemas.microsoft.com/office/powerpoint/2010/main" val="3721190443"/>
+        <p14:creationId xmlns:p14="http://schemas.microsoft.com/office/powerpoint/2010/main" xmlns="" val="3721190443"/>
       </p:ext>
     </p:extLst>
   </p:cSld>
@@ -27623,7 +27623,7 @@
     </p:spTree>
     <p:extLst>
       <p:ext uri="{BB962C8B-B14F-4D97-AF65-F5344CB8AC3E}">
-        <p14:creationId xmlns:p14="http://schemas.microsoft.com/office/powerpoint/2010/main" val="3721190443"/>
+        <p14:creationId xmlns:p14="http://schemas.microsoft.com/office/powerpoint/2010/main" xmlns="" val="3721190443"/>
       </p:ext>
     </p:extLst>
   </p:cSld>
@@ -27727,7 +27727,7 @@
     </p:spTree>
     <p:extLst>
       <p:ext uri="{BB962C8B-B14F-4D97-AF65-F5344CB8AC3E}">
-        <p14:creationId xmlns:p14="http://schemas.microsoft.com/office/powerpoint/2010/main" val="3721190443"/>
+        <p14:creationId xmlns:p14="http://schemas.microsoft.com/office/powerpoint/2010/main" xmlns="" val="3721190443"/>
       </p:ext>
     </p:extLst>
   </p:cSld>
@@ -28204,7 +28204,7 @@
     </p:spTree>
     <p:extLst>
       <p:ext uri="{BB962C8B-B14F-4D97-AF65-F5344CB8AC3E}">
-        <p14:creationId xmlns:p14="http://schemas.microsoft.com/office/powerpoint/2010/main" val="893661190"/>
+        <p14:creationId xmlns:p14="http://schemas.microsoft.com/office/powerpoint/2010/main" xmlns="" val="893661190"/>
       </p:ext>
     </p:extLst>
   </p:cSld>
@@ -28961,7 +28961,7 @@
     </p:spTree>
     <p:extLst>
       <p:ext uri="{BB962C8B-B14F-4D97-AF65-F5344CB8AC3E}">
-        <p14:creationId xmlns:p14="http://schemas.microsoft.com/office/powerpoint/2010/main" val="3869712850"/>
+        <p14:creationId xmlns:p14="http://schemas.microsoft.com/office/powerpoint/2010/main" xmlns="" val="3869712850"/>
       </p:ext>
     </p:extLst>
   </p:cSld>
@@ -29457,7 +29457,7 @@
     </p:spTree>
     <p:extLst>
       <p:ext uri="{BB962C8B-B14F-4D97-AF65-F5344CB8AC3E}">
-        <p14:creationId xmlns:p14="http://schemas.microsoft.com/office/powerpoint/2010/main" val="580897764"/>
+        <p14:creationId xmlns:p14="http://schemas.microsoft.com/office/powerpoint/2010/main" xmlns="" val="580897764"/>
       </p:ext>
     </p:extLst>
   </p:cSld>
@@ -33630,7 +33630,7 @@
           <a:blip r:embed="rId2" cstate="print">
             <a:extLst>
               <a:ext uri="{28A0092B-C50C-407E-A947-70E740481C1C}">
-                <a14:useLocalDpi xmlns:a14="http://schemas.microsoft.com/office/drawing/2010/main" val="0"/>
+                <a14:useLocalDpi xmlns:a14="http://schemas.microsoft.com/office/drawing/2010/main" xmlns="" val="0"/>
               </a:ext>
             </a:extLst>
           </a:blip>
@@ -33654,14 +33654,14 @@
           <a:effectLst/>
           <a:extLst>
             <a:ext uri="{909E8E84-426E-40DD-AFC4-6F175D3DCCD1}">
-              <a14:hiddenFill xmlns:a14="http://schemas.microsoft.com/office/drawing/2010/main">
+              <a14:hiddenFill xmlns:a14="http://schemas.microsoft.com/office/drawing/2010/main" xmlns="">
                 <a:solidFill>
                   <a:schemeClr val="accent1"/>
                 </a:solidFill>
               </a14:hiddenFill>
             </a:ext>
             <a:ext uri="{91240B29-F687-4F45-9708-019B960494DF}">
-              <a14:hiddenLine xmlns:a14="http://schemas.microsoft.com/office/drawing/2010/main" w="9525">
+              <a14:hiddenLine xmlns:a14="http://schemas.microsoft.com/office/drawing/2010/main" xmlns="" w="9525">
                 <a:solidFill>
                   <a:schemeClr val="tx1"/>
                 </a:solidFill>
@@ -33671,7 +33671,7 @@
               </a14:hiddenLine>
             </a:ext>
             <a:ext uri="{AF507438-7753-43E0-B8FC-AC1667EBCBE1}">
-              <a14:hiddenEffects xmlns:a14="http://schemas.microsoft.com/office/drawing/2010/main">
+              <a14:hiddenEffects xmlns:a14="http://schemas.microsoft.com/office/drawing/2010/main" xmlns="">
                 <a:effectLst>
                   <a:outerShdw dist="35921" dir="2700000" algn="ctr" rotWithShape="0">
                     <a:schemeClr val="bg2"/>
@@ -33704,7 +33704,7 @@
             </a:clrChange>
             <a:extLst>
               <a:ext uri="{28A0092B-C50C-407E-A947-70E740481C1C}">
-                <a14:useLocalDpi xmlns:a14="http://schemas.microsoft.com/office/drawing/2010/main" val="0"/>
+                <a14:useLocalDpi xmlns:a14="http://schemas.microsoft.com/office/drawing/2010/main" xmlns="" val="0"/>
               </a:ext>
             </a:extLst>
           </a:blip>
@@ -33724,7 +33724,7 @@
           <a:noFill/>
           <a:extLst>
             <a:ext uri="{909E8E84-426E-40DD-AFC4-6F175D3DCCD1}">
-              <a14:hiddenFill xmlns:a14="http://schemas.microsoft.com/office/drawing/2010/main">
+              <a14:hiddenFill xmlns:a14="http://schemas.microsoft.com/office/drawing/2010/main" xmlns="">
                 <a:solidFill>
                   <a:srgbClr val="FFFFFF"/>
                 </a:solidFill>
@@ -33855,15 +33855,7 @@
                   <a:schemeClr val="tx1"/>
                 </a:solidFill>
               </a:rPr>
-              <a:t>Incremental </a:t>
-            </a:r>
-            <a:r>
-              <a:rPr lang="en-US" dirty="0" smtClean="0">
-                <a:solidFill>
-                  <a:schemeClr val="tx1"/>
-                </a:solidFill>
-              </a:rPr>
-              <a:t>deliveries.</a:t>
+              <a:t>Incremental deliveries.</a:t>
             </a:r>
           </a:p>
           <a:p>
@@ -33923,7 +33915,7 @@
           <a:blip r:embed="rId3" cstate="print">
             <a:extLst>
               <a:ext uri="{28A0092B-C50C-407E-A947-70E740481C1C}">
-                <a14:useLocalDpi xmlns:a14="http://schemas.microsoft.com/office/drawing/2010/main" val="0"/>
+                <a14:useLocalDpi xmlns:a14="http://schemas.microsoft.com/office/drawing/2010/main" xmlns="" val="0"/>
               </a:ext>
             </a:extLst>
           </a:blip>
@@ -34022,7 +34014,7 @@
     </p:spTree>
     <p:extLst>
       <p:ext uri="{BB962C8B-B14F-4D97-AF65-F5344CB8AC3E}">
-        <p14:creationId xmlns:p14="http://schemas.microsoft.com/office/powerpoint/2010/main" val="1151573643"/>
+        <p14:creationId xmlns:p14="http://schemas.microsoft.com/office/powerpoint/2010/main" xmlns="" val="1151573643"/>
       </p:ext>
     </p:extLst>
   </p:cSld>
@@ -34461,7 +34453,7 @@
     </p:spTree>
     <p:extLst>
       <p:ext uri="{BB962C8B-B14F-4D97-AF65-F5344CB8AC3E}">
-        <p14:creationId xmlns:p14="http://schemas.microsoft.com/office/powerpoint/2010/main" val="1391535743"/>
+        <p14:creationId xmlns:p14="http://schemas.microsoft.com/office/powerpoint/2010/main" xmlns="" val="1391535743"/>
       </p:ext>
     </p:extLst>
   </p:cSld>
@@ -34563,7 +34555,7 @@
           <a:blip r:embed="rId3" cstate="print">
             <a:extLst>
               <a:ext uri="{28A0092B-C50C-407E-A947-70E740481C1C}">
-                <a14:useLocalDpi xmlns:a14="http://schemas.microsoft.com/office/drawing/2010/main" val="0"/>
+                <a14:useLocalDpi xmlns:a14="http://schemas.microsoft.com/office/drawing/2010/main" xmlns="" val="0"/>
               </a:ext>
             </a:extLst>
           </a:blip>
@@ -34587,14 +34579,14 @@
           <a:effectLst/>
           <a:extLst>
             <a:ext uri="{909E8E84-426E-40DD-AFC4-6F175D3DCCD1}">
-              <a14:hiddenFill xmlns:a14="http://schemas.microsoft.com/office/drawing/2010/main">
+              <a14:hiddenFill xmlns:a14="http://schemas.microsoft.com/office/drawing/2010/main" xmlns="">
                 <a:solidFill>
                   <a:schemeClr val="accent1"/>
                 </a:solidFill>
               </a14:hiddenFill>
             </a:ext>
             <a:ext uri="{91240B29-F687-4F45-9708-019B960494DF}">
-              <a14:hiddenLine xmlns:a14="http://schemas.microsoft.com/office/drawing/2010/main" w="9525">
+              <a14:hiddenLine xmlns:a14="http://schemas.microsoft.com/office/drawing/2010/main" xmlns="" w="9525">
                 <a:solidFill>
                   <a:schemeClr val="tx1"/>
                 </a:solidFill>
@@ -34604,7 +34596,7 @@
               </a14:hiddenLine>
             </a:ext>
             <a:ext uri="{AF507438-7753-43E0-B8FC-AC1667EBCBE1}">
-              <a14:hiddenEffects xmlns:a14="http://schemas.microsoft.com/office/drawing/2010/main">
+              <a14:hiddenEffects xmlns:a14="http://schemas.microsoft.com/office/drawing/2010/main" xmlns="">
                 <a:effectLst>
                   <a:outerShdw dist="35921" dir="2700000" algn="ctr" rotWithShape="0">
                     <a:schemeClr val="bg2"/>
@@ -34647,7 +34639,7 @@
     </p:spTree>
     <p:extLst>
       <p:ext uri="{BB962C8B-B14F-4D97-AF65-F5344CB8AC3E}">
-        <p14:creationId xmlns:p14="http://schemas.microsoft.com/office/powerpoint/2010/main" val="2846401812"/>
+        <p14:creationId xmlns:p14="http://schemas.microsoft.com/office/powerpoint/2010/main" xmlns="" val="2846401812"/>
       </p:ext>
     </p:extLst>
   </p:cSld>
@@ -34750,7 +34742,7 @@
           <p:nvPr>
             <p:extLst>
               <p:ext uri="{D42A27DB-BD31-4B8C-83A1-F6EECF244321}">
-                <p14:modId xmlns:p14="http://schemas.microsoft.com/office/powerpoint/2010/main" val="3419540635"/>
+                <p14:modId xmlns:p14="http://schemas.microsoft.com/office/powerpoint/2010/main" xmlns="" val="3419540635"/>
               </p:ext>
             </p:extLst>
           </p:nvPr>
@@ -35238,28 +35230,14 @@
                           <a:latin typeface="+mn-lt"/>
                           <a:cs typeface="Arial" pitchFamily="34" charset="0"/>
                         </a:rPr>
-                        <a:t>Studying open sources </a:t>
-                      </a:r>
-                      <a:r>
-                        <a:rPr lang="en-US" sz="1600" dirty="0" smtClean="0">
-                          <a:latin typeface="+mn-lt"/>
-                          <a:cs typeface="Arial" pitchFamily="34" charset="0"/>
-                        </a:rPr>
-                        <a:t>before initiating project,</a:t>
+                        <a:t>Studying open sources before initiating project,</a:t>
                       </a:r>
                       <a:r>
                         <a:rPr lang="en-US" sz="1600" baseline="0" dirty="0" smtClean="0">
                           <a:latin typeface="+mn-lt"/>
                           <a:cs typeface="Arial" pitchFamily="34" charset="0"/>
                         </a:rPr>
-                        <a:t> </a:t>
-                      </a:r>
-                      <a:r>
-                        <a:rPr lang="en-US" sz="1600" baseline="0" dirty="0" smtClean="0">
-                          <a:latin typeface="+mn-lt"/>
-                          <a:cs typeface="Arial" pitchFamily="34" charset="0"/>
-                        </a:rPr>
-                        <a:t>choose another open sources before.</a:t>
+                        <a:t> choose another open sources before.</a:t>
                       </a:r>
                       <a:endParaRPr lang="en-US" sz="1600" dirty="0">
                         <a:latin typeface="+mn-lt"/>
@@ -35751,7 +35729,7 @@
     </p:spTree>
     <p:extLst>
       <p:ext uri="{BB962C8B-B14F-4D97-AF65-F5344CB8AC3E}">
-        <p14:creationId xmlns:p14="http://schemas.microsoft.com/office/powerpoint/2010/main" val="2460086861"/>
+        <p14:creationId xmlns:p14="http://schemas.microsoft.com/office/powerpoint/2010/main" xmlns="" val="2460086861"/>
       </p:ext>
     </p:extLst>
   </p:cSld>
@@ -35806,7 +35784,6 @@
               <a:rPr lang="en-US" dirty="0"/>
               <a:t>Project Management Plan</a:t>
             </a:r>
-            <a:endParaRPr lang="en-US" dirty="0"/>
           </a:p>
         </p:txBody>
       </p:sp>
@@ -37386,7 +37363,7 @@
     </p:spTree>
     <p:extLst>
       <p:ext uri="{BB962C8B-B14F-4D97-AF65-F5344CB8AC3E}">
-        <p14:creationId xmlns:p14="http://schemas.microsoft.com/office/powerpoint/2010/main" val="1057177130"/>
+        <p14:creationId xmlns:p14="http://schemas.microsoft.com/office/powerpoint/2010/main" xmlns="" val="1057177130"/>
       </p:ext>
     </p:extLst>
   </p:cSld>
@@ -37614,7 +37591,7 @@
     </p:spTree>
     <p:extLst>
       <p:ext uri="{BB962C8B-B14F-4D97-AF65-F5344CB8AC3E}">
-        <p14:creationId xmlns:p14="http://schemas.microsoft.com/office/powerpoint/2010/main" val="3808929868"/>
+        <p14:creationId xmlns:p14="http://schemas.microsoft.com/office/powerpoint/2010/main" xmlns="" val="3808929868"/>
       </p:ext>
     </p:extLst>
   </p:cSld>
@@ -37727,7 +37704,7 @@
           <p:nvPr>
             <p:extLst>
               <p:ext uri="{D42A27DB-BD31-4B8C-83A1-F6EECF244321}">
-                <p14:modId xmlns:p14="http://schemas.microsoft.com/office/powerpoint/2010/main" val="754835419"/>
+                <p14:modId xmlns:p14="http://schemas.microsoft.com/office/powerpoint/2010/main" xmlns="" val="754835419"/>
               </p:ext>
             </p:extLst>
           </p:nvPr>
@@ -38467,7 +38444,7 @@
     </p:spTree>
     <p:extLst>
       <p:ext uri="{BB962C8B-B14F-4D97-AF65-F5344CB8AC3E}">
-        <p14:creationId xmlns:p14="http://schemas.microsoft.com/office/powerpoint/2010/main" val="2917690252"/>
+        <p14:creationId xmlns:p14="http://schemas.microsoft.com/office/powerpoint/2010/main" xmlns="" val="2917690252"/>
       </p:ext>
     </p:extLst>
   </p:cSld>
@@ -38712,7 +38689,7 @@
     </p:spTree>
     <p:extLst>
       <p:ext uri="{BB962C8B-B14F-4D97-AF65-F5344CB8AC3E}">
-        <p14:creationId xmlns:p14="http://schemas.microsoft.com/office/powerpoint/2010/main" val="4129225617"/>
+        <p14:creationId xmlns:p14="http://schemas.microsoft.com/office/powerpoint/2010/main" xmlns="" val="4129225617"/>
       </p:ext>
     </p:extLst>
   </p:cSld>
@@ -40072,7 +40049,7 @@
     </p:spTree>
     <p:extLst>
       <p:ext uri="{BB962C8B-B14F-4D97-AF65-F5344CB8AC3E}">
-        <p14:creationId xmlns:p14="http://schemas.microsoft.com/office/powerpoint/2010/main" val="265081296"/>
+        <p14:creationId xmlns:p14="http://schemas.microsoft.com/office/powerpoint/2010/main" xmlns="" val="265081296"/>
       </p:ext>
     </p:extLst>
   </p:cSld>
@@ -40252,7 +40229,7 @@
     </p:spTree>
     <p:extLst>
       <p:ext uri="{BB962C8B-B14F-4D97-AF65-F5344CB8AC3E}">
-        <p14:creationId xmlns:p14="http://schemas.microsoft.com/office/powerpoint/2010/main" val="2392276171"/>
+        <p14:creationId xmlns:p14="http://schemas.microsoft.com/office/powerpoint/2010/main" xmlns="" val="2392276171"/>
       </p:ext>
     </p:extLst>
   </p:cSld>
@@ -40443,7 +40420,7 @@
             <p:ph idx="1"/>
             <p:extLst>
               <p:ext uri="{D42A27DB-BD31-4B8C-83A1-F6EECF244321}">
-                <p14:modId xmlns:p14="http://schemas.microsoft.com/office/powerpoint/2010/main" val="234204948"/>
+                <p14:modId xmlns:p14="http://schemas.microsoft.com/office/powerpoint/2010/main" xmlns="" val="234204948"/>
               </p:ext>
             </p:extLst>
           </p:nvPr>
@@ -40494,7 +40471,7 @@
     </p:spTree>
     <p:extLst>
       <p:ext uri="{BB962C8B-B14F-4D97-AF65-F5344CB8AC3E}">
-        <p14:creationId xmlns:p14="http://schemas.microsoft.com/office/powerpoint/2010/main" val="1559235473"/>
+        <p14:creationId xmlns:p14="http://schemas.microsoft.com/office/powerpoint/2010/main" xmlns="" val="1559235473"/>
       </p:ext>
     </p:extLst>
   </p:cSld>
@@ -40545,7 +40522,11 @@
           </a:bodyPr>
           <a:lstStyle/>
           <a:p>
-            <a:endParaRPr lang="en-US"/>
+            <a:r>
+              <a:rPr lang="en-US" dirty="0" smtClean="0"/>
+              <a:t>Software Requirement Specification </a:t>
+            </a:r>
+            <a:endParaRPr lang="en-US" dirty="0"/>
           </a:p>
         </p:txBody>
       </p:sp>
@@ -40731,7 +40712,7 @@
     </p:spTree>
     <p:extLst>
       <p:ext uri="{BB962C8B-B14F-4D97-AF65-F5344CB8AC3E}">
-        <p14:creationId xmlns:p14="http://schemas.microsoft.com/office/powerpoint/2010/main" val="2998067066"/>
+        <p14:creationId xmlns:p14="http://schemas.microsoft.com/office/powerpoint/2010/main" xmlns="" val="2998067066"/>
       </p:ext>
     </p:extLst>
   </p:cSld>
@@ -41165,7 +41146,7 @@
     </p:spTree>
     <p:extLst>
       <p:ext uri="{BB962C8B-B14F-4D97-AF65-F5344CB8AC3E}">
-        <p14:creationId xmlns:p14="http://schemas.microsoft.com/office/powerpoint/2010/main" val="4029143049"/>
+        <p14:creationId xmlns:p14="http://schemas.microsoft.com/office/powerpoint/2010/main" xmlns="" val="4029143049"/>
       </p:ext>
     </p:extLst>
   </p:cSld>
@@ -41265,7 +41246,7 @@
           <p:nvPr>
             <p:extLst>
               <p:ext uri="{D42A27DB-BD31-4B8C-83A1-F6EECF244321}">
-                <p14:modId xmlns:p14="http://schemas.microsoft.com/office/powerpoint/2010/main" val="3502856077"/>
+                <p14:modId xmlns:p14="http://schemas.microsoft.com/office/powerpoint/2010/main" xmlns="" val="3502856077"/>
               </p:ext>
             </p:extLst>
           </p:nvPr>
@@ -41312,7 +41293,7 @@
     </p:spTree>
     <p:extLst>
       <p:ext uri="{BB962C8B-B14F-4D97-AF65-F5344CB8AC3E}">
-        <p14:creationId xmlns:p14="http://schemas.microsoft.com/office/powerpoint/2010/main" val="1777227116"/>
+        <p14:creationId xmlns:p14="http://schemas.microsoft.com/office/powerpoint/2010/main" xmlns="" val="1777227116"/>
       </p:ext>
     </p:extLst>
   </p:cSld>
@@ -41411,7 +41392,7 @@
           <a:blip r:embed="rId3" cstate="print">
             <a:extLst>
               <a:ext uri="{28A0092B-C50C-407E-A947-70E740481C1C}">
-                <a14:useLocalDpi xmlns:a14="http://schemas.microsoft.com/office/drawing/2010/main" val="0"/>
+                <a14:useLocalDpi xmlns:a14="http://schemas.microsoft.com/office/drawing/2010/main" xmlns="" val="0"/>
               </a:ext>
             </a:extLst>
           </a:blip>
@@ -41435,14 +41416,14 @@
           <a:effectLst/>
           <a:extLst>
             <a:ext uri="{909E8E84-426E-40DD-AFC4-6F175D3DCCD1}">
-              <a14:hiddenFill xmlns:a14="http://schemas.microsoft.com/office/drawing/2010/main">
+              <a14:hiddenFill xmlns:a14="http://schemas.microsoft.com/office/drawing/2010/main" xmlns="">
                 <a:solidFill>
                   <a:schemeClr val="accent1"/>
                 </a:solidFill>
               </a14:hiddenFill>
             </a:ext>
             <a:ext uri="{91240B29-F687-4F45-9708-019B960494DF}">
-              <a14:hiddenLine xmlns:a14="http://schemas.microsoft.com/office/drawing/2010/main" w="9525">
+              <a14:hiddenLine xmlns:a14="http://schemas.microsoft.com/office/drawing/2010/main" xmlns="" w="9525">
                 <a:solidFill>
                   <a:schemeClr val="tx1"/>
                 </a:solidFill>
@@ -41452,7 +41433,7 @@
               </a14:hiddenLine>
             </a:ext>
             <a:ext uri="{AF507438-7753-43E0-B8FC-AC1667EBCBE1}">
-              <a14:hiddenEffects xmlns:a14="http://schemas.microsoft.com/office/drawing/2010/main">
+              <a14:hiddenEffects xmlns:a14="http://schemas.microsoft.com/office/drawing/2010/main" xmlns="">
                 <a:effectLst>
                   <a:outerShdw dist="35921" dir="2700000" algn="ctr" rotWithShape="0">
                     <a:schemeClr val="bg2"/>
@@ -41495,7 +41476,7 @@
     </p:spTree>
     <p:extLst>
       <p:ext uri="{BB962C8B-B14F-4D97-AF65-F5344CB8AC3E}">
-        <p14:creationId xmlns:p14="http://schemas.microsoft.com/office/powerpoint/2010/main" val="2721602220"/>
+        <p14:creationId xmlns:p14="http://schemas.microsoft.com/office/powerpoint/2010/main" xmlns="" val="2721602220"/>
       </p:ext>
     </p:extLst>
   </p:cSld>
@@ -41581,7 +41562,7 @@
           <a:blip r:embed="rId3" cstate="print">
             <a:extLst>
               <a:ext uri="{28A0092B-C50C-407E-A947-70E740481C1C}">
-                <a14:useLocalDpi xmlns:a14="http://schemas.microsoft.com/office/drawing/2010/main" val="0"/>
+                <a14:useLocalDpi xmlns:a14="http://schemas.microsoft.com/office/drawing/2010/main" xmlns="" val="0"/>
               </a:ext>
             </a:extLst>
           </a:blip>
@@ -41605,14 +41586,14 @@
           <a:effectLst/>
           <a:extLst>
             <a:ext uri="{909E8E84-426E-40DD-AFC4-6F175D3DCCD1}">
-              <a14:hiddenFill xmlns:a14="http://schemas.microsoft.com/office/drawing/2010/main">
+              <a14:hiddenFill xmlns:a14="http://schemas.microsoft.com/office/drawing/2010/main" xmlns="">
                 <a:solidFill>
                   <a:schemeClr val="accent1"/>
                 </a:solidFill>
               </a14:hiddenFill>
             </a:ext>
             <a:ext uri="{91240B29-F687-4F45-9708-019B960494DF}">
-              <a14:hiddenLine xmlns:a14="http://schemas.microsoft.com/office/drawing/2010/main" w="9525">
+              <a14:hiddenLine xmlns:a14="http://schemas.microsoft.com/office/drawing/2010/main" xmlns="" w="9525">
                 <a:solidFill>
                   <a:schemeClr val="tx1"/>
                 </a:solidFill>
@@ -41622,7 +41603,7 @@
               </a14:hiddenLine>
             </a:ext>
             <a:ext uri="{AF507438-7753-43E0-B8FC-AC1667EBCBE1}">
-              <a14:hiddenEffects xmlns:a14="http://schemas.microsoft.com/office/drawing/2010/main">
+              <a14:hiddenEffects xmlns:a14="http://schemas.microsoft.com/office/drawing/2010/main" xmlns="">
                 <a:effectLst>
                   <a:outerShdw dist="35921" dir="2700000" algn="ctr" rotWithShape="0">
                     <a:schemeClr val="bg2"/>
@@ -41665,7 +41646,7 @@
     </p:spTree>
     <p:extLst>
       <p:ext uri="{BB962C8B-B14F-4D97-AF65-F5344CB8AC3E}">
-        <p14:creationId xmlns:p14="http://schemas.microsoft.com/office/powerpoint/2010/main" val="1720134740"/>
+        <p14:creationId xmlns:p14="http://schemas.microsoft.com/office/powerpoint/2010/main" xmlns="" val="1720134740"/>
       </p:ext>
     </p:extLst>
   </p:cSld>
@@ -41758,7 +41739,7 @@
           <a:blip r:embed="rId3" cstate="print">
             <a:extLst>
               <a:ext uri="{28A0092B-C50C-407E-A947-70E740481C1C}">
-                <a14:useLocalDpi xmlns:a14="http://schemas.microsoft.com/office/drawing/2010/main" val="0"/>
+                <a14:useLocalDpi xmlns:a14="http://schemas.microsoft.com/office/drawing/2010/main" xmlns="" val="0"/>
               </a:ext>
             </a:extLst>
           </a:blip>
@@ -41778,7 +41759,7 @@
           <a:noFill/>
           <a:extLst>
             <a:ext uri="{909E8E84-426E-40DD-AFC4-6F175D3DCCD1}">
-              <a14:hiddenFill xmlns:a14="http://schemas.microsoft.com/office/drawing/2010/main">
+              <a14:hiddenFill xmlns:a14="http://schemas.microsoft.com/office/drawing/2010/main" xmlns="">
                 <a:solidFill>
                   <a:srgbClr val="FFFFFF"/>
                 </a:solidFill>
@@ -41819,7 +41800,7 @@
     </p:spTree>
     <p:extLst>
       <p:ext uri="{BB962C8B-B14F-4D97-AF65-F5344CB8AC3E}">
-        <p14:creationId xmlns:p14="http://schemas.microsoft.com/office/powerpoint/2010/main" val="2326736502"/>
+        <p14:creationId xmlns:p14="http://schemas.microsoft.com/office/powerpoint/2010/main" xmlns="" val="2326736502"/>
       </p:ext>
     </p:extLst>
   </p:cSld>
@@ -41915,7 +41896,7 @@
           <a:blip r:embed="rId2" cstate="print">
             <a:extLst>
               <a:ext uri="{28A0092B-C50C-407E-A947-70E740481C1C}">
-                <a14:useLocalDpi xmlns:a14="http://schemas.microsoft.com/office/drawing/2010/main" val="0"/>
+                <a14:useLocalDpi xmlns:a14="http://schemas.microsoft.com/office/drawing/2010/main" xmlns="" val="0"/>
               </a:ext>
             </a:extLst>
           </a:blip>
@@ -41974,7 +41955,7 @@
     </p:spTree>
     <p:extLst>
       <p:ext uri="{BB962C8B-B14F-4D97-AF65-F5344CB8AC3E}">
-        <p14:creationId xmlns:p14="http://schemas.microsoft.com/office/powerpoint/2010/main" val="1306001424"/>
+        <p14:creationId xmlns:p14="http://schemas.microsoft.com/office/powerpoint/2010/main" xmlns="" val="1306001424"/>
       </p:ext>
     </p:extLst>
   </p:cSld>
@@ -42083,14 +42064,14 @@
           <a:effectLst/>
           <a:extLst>
             <a:ext uri="{909E8E84-426E-40DD-AFC4-6F175D3DCCD1}">
-              <a14:hiddenFill xmlns:a14="http://schemas.microsoft.com/office/drawing/2010/main">
+              <a14:hiddenFill xmlns:a14="http://schemas.microsoft.com/office/drawing/2010/main" xmlns="">
                 <a:solidFill>
                   <a:schemeClr val="accent1"/>
                 </a:solidFill>
               </a14:hiddenFill>
             </a:ext>
             <a:ext uri="{91240B29-F687-4F45-9708-019B960494DF}">
-              <a14:hiddenLine xmlns:a14="http://schemas.microsoft.com/office/drawing/2010/main" w="9525">
+              <a14:hiddenLine xmlns:a14="http://schemas.microsoft.com/office/drawing/2010/main" xmlns="" w="9525">
                 <a:solidFill>
                   <a:schemeClr val="tx1"/>
                 </a:solidFill>
@@ -42100,7 +42081,7 @@
               </a14:hiddenLine>
             </a:ext>
             <a:ext uri="{AF507438-7753-43E0-B8FC-AC1667EBCBE1}">
-              <a14:hiddenEffects xmlns:a14="http://schemas.microsoft.com/office/drawing/2010/main">
+              <a14:hiddenEffects xmlns:a14="http://schemas.microsoft.com/office/drawing/2010/main" xmlns="">
                 <a:effectLst>
                   <a:outerShdw dist="35921" dir="2700000" algn="ctr" rotWithShape="0">
                     <a:schemeClr val="bg2"/>
@@ -42132,7 +42113,7 @@
           <p:nvPr>
             <p:extLst>
               <p:ext uri="{D42A27DB-BD31-4B8C-83A1-F6EECF244321}">
-                <p14:modId xmlns:p14="http://schemas.microsoft.com/office/powerpoint/2010/main" val="483797009"/>
+                <p14:modId xmlns:p14="http://schemas.microsoft.com/office/powerpoint/2010/main" xmlns="" val="483797009"/>
               </p:ext>
             </p:extLst>
           </p:nvPr>
@@ -42143,67 +42124,9 @@
         </p:xfrm>
         <a:graphic>
           <a:graphicData uri="http://schemas.openxmlformats.org/presentationml/2006/ole">
-            <mc:AlternateContent xmlns:mc="http://schemas.openxmlformats.org/markup-compatibility/2006">
-              <mc:Choice xmlns:v="urn:schemas-microsoft-com:vml" Requires="v">
-                <p:oleObj spid="_x0000_s6328" name="SmartDraw" r:id="rId3" imgW="8703268" imgH="4533499" progId="">
-                  <p:embed/>
-                </p:oleObj>
-              </mc:Choice>
-              <mc:Fallback>
-                <p:oleObj name="SmartDraw" r:id="rId3" imgW="8703268" imgH="4533499" progId="">
-                  <p:embed/>
-                  <p:pic>
-                    <p:nvPicPr>
-                      <p:cNvPr id="0" name="Picture 166"/>
-                      <p:cNvPicPr>
-                        <a:picLocks noChangeAspect="1" noChangeArrowheads="1"/>
-                      </p:cNvPicPr>
-                      <p:nvPr/>
-                    </p:nvPicPr>
-                    <p:blipFill>
-                      <a:blip r:embed="rId4">
-                        <a:extLst>
-                          <a:ext uri="{28A0092B-C50C-407E-A947-70E740481C1C}">
-                            <a14:useLocalDpi xmlns:a14="http://schemas.microsoft.com/office/drawing/2010/main" val="0"/>
-                          </a:ext>
-                        </a:extLst>
-                      </a:blip>
-                      <a:srcRect/>
-                      <a:stretch>
-                        <a:fillRect/>
-                      </a:stretch>
-                    </p:blipFill>
-                    <p:spPr bwMode="auto">
-                      <a:xfrm>
-                        <a:off x="105981" y="1447800"/>
-                        <a:ext cx="8932037" cy="5257800"/>
-                      </a:xfrm>
-                      <a:prstGeom prst="rect">
-                        <a:avLst/>
-                      </a:prstGeom>
-                      <a:noFill/>
-                      <a:ln w="9525">
-                        <a:solidFill>
-                          <a:srgbClr val="A6A6A6"/>
-                        </a:solidFill>
-                        <a:miter lim="800000"/>
-                        <a:headEnd/>
-                        <a:tailEnd/>
-                      </a:ln>
-                      <a:extLst>
-                        <a:ext uri="{909E8E84-426E-40DD-AFC4-6F175D3DCCD1}">
-                          <a14:hiddenFill xmlns:a14="http://schemas.microsoft.com/office/drawing/2010/main">
-                            <a:solidFill>
-                              <a:srgbClr val="FFFFFF"/>
-                            </a:solidFill>
-                          </a14:hiddenFill>
-                        </a:ext>
-                      </a:extLst>
-                    </p:spPr>
-                  </p:pic>
-                </p:oleObj>
-              </mc:Fallback>
-            </mc:AlternateContent>
+            <p:oleObj spid="_x0000_s6328" name="SmartDraw" r:id="rId3" imgW="8703268" imgH="4533499" progId="">
+              <p:embed/>
+            </p:oleObj>
           </a:graphicData>
         </a:graphic>
       </p:graphicFrame>
@@ -42239,7 +42162,7 @@
     </p:spTree>
     <p:extLst>
       <p:ext uri="{BB962C8B-B14F-4D97-AF65-F5344CB8AC3E}">
-        <p14:creationId xmlns:p14="http://schemas.microsoft.com/office/powerpoint/2010/main" val="3198098921"/>
+        <p14:creationId xmlns:p14="http://schemas.microsoft.com/office/powerpoint/2010/main" xmlns="" val="3198098921"/>
       </p:ext>
     </p:extLst>
   </p:cSld>
@@ -42335,7 +42258,7 @@
           <p:nvPr>
             <p:extLst>
               <p:ext uri="{D42A27DB-BD31-4B8C-83A1-F6EECF244321}">
-                <p14:modId xmlns:p14="http://schemas.microsoft.com/office/powerpoint/2010/main" val="3785461631"/>
+                <p14:modId xmlns:p14="http://schemas.microsoft.com/office/powerpoint/2010/main" xmlns="" val="3785461631"/>
               </p:ext>
             </p:extLst>
           </p:nvPr>
@@ -43096,7 +43019,7 @@
           <p:nvPr>
             <p:extLst>
               <p:ext uri="{D42A27DB-BD31-4B8C-83A1-F6EECF244321}">
-                <p14:modId xmlns:p14="http://schemas.microsoft.com/office/powerpoint/2010/main" val="3682741106"/>
+                <p14:modId xmlns:p14="http://schemas.microsoft.com/office/powerpoint/2010/main" xmlns="" val="3682741106"/>
               </p:ext>
             </p:extLst>
           </p:nvPr>
@@ -44129,7 +44052,7 @@
     </p:spTree>
     <p:extLst>
       <p:ext uri="{BB962C8B-B14F-4D97-AF65-F5344CB8AC3E}">
-        <p14:creationId xmlns:p14="http://schemas.microsoft.com/office/powerpoint/2010/main" val="3904268104"/>
+        <p14:creationId xmlns:p14="http://schemas.microsoft.com/office/powerpoint/2010/main" xmlns="" val="3904268104"/>
       </p:ext>
     </p:extLst>
   </p:cSld>
@@ -45537,7 +45460,7 @@
     </p:spTree>
     <p:extLst>
       <p:ext uri="{BB962C8B-B14F-4D97-AF65-F5344CB8AC3E}">
-        <p14:creationId xmlns:p14="http://schemas.microsoft.com/office/powerpoint/2010/main" val="3226277825"/>
+        <p14:creationId xmlns:p14="http://schemas.microsoft.com/office/powerpoint/2010/main" xmlns="" val="3226277825"/>
       </p:ext>
     </p:extLst>
   </p:cSld>
@@ -45673,10 +45596,10 @@
           <p:nvPr/>
         </p:nvPicPr>
         <p:blipFill>
-          <a:blip r:embed="rId3">
+          <a:blip r:embed="rId3" cstate="print">
             <a:extLst>
               <a:ext uri="{28A0092B-C50C-407E-A947-70E740481C1C}">
-                <a14:useLocalDpi xmlns:a14="http://schemas.microsoft.com/office/drawing/2010/main" val="0"/>
+                <a14:useLocalDpi xmlns:a14="http://schemas.microsoft.com/office/drawing/2010/main" xmlns="" val="0"/>
               </a:ext>
             </a:extLst>
           </a:blip>
@@ -45696,7 +45619,7 @@
           <a:noFill/>
           <a:extLst>
             <a:ext uri="{909E8E84-426E-40DD-AFC4-6F175D3DCCD1}">
-              <a14:hiddenFill xmlns:a14="http://schemas.microsoft.com/office/drawing/2010/main">
+              <a14:hiddenFill xmlns:a14="http://schemas.microsoft.com/office/drawing/2010/main" xmlns="">
                 <a:solidFill>
                   <a:srgbClr val="FFFFFF"/>
                 </a:solidFill>
@@ -45708,7 +45631,7 @@
     </p:spTree>
     <p:extLst>
       <p:ext uri="{BB962C8B-B14F-4D97-AF65-F5344CB8AC3E}">
-        <p14:creationId xmlns:p14="http://schemas.microsoft.com/office/powerpoint/2010/main" val="3027925592"/>
+        <p14:creationId xmlns:p14="http://schemas.microsoft.com/office/powerpoint/2010/main" xmlns="" val="3027925592"/>
       </p:ext>
     </p:extLst>
   </p:cSld>
@@ -45999,7 +45922,7 @@
           <p:nvPr>
             <p:extLst>
               <p:ext uri="{D42A27DB-BD31-4B8C-83A1-F6EECF244321}">
-                <p14:modId xmlns:p14="http://schemas.microsoft.com/office/powerpoint/2010/main" val="1185613386"/>
+                <p14:modId xmlns:p14="http://schemas.microsoft.com/office/powerpoint/2010/main" xmlns="" val="1185613386"/>
               </p:ext>
             </p:extLst>
           </p:nvPr>
@@ -47137,7 +47060,7 @@
     </p:spTree>
     <p:extLst>
       <p:ext uri="{BB962C8B-B14F-4D97-AF65-F5344CB8AC3E}">
-        <p14:creationId xmlns:p14="http://schemas.microsoft.com/office/powerpoint/2010/main" val="2593402030"/>
+        <p14:creationId xmlns:p14="http://schemas.microsoft.com/office/powerpoint/2010/main" xmlns="" val="2593402030"/>
       </p:ext>
     </p:extLst>
   </p:cSld>
@@ -47234,7 +47157,7 @@
           <p:nvPr>
             <p:extLst>
               <p:ext uri="{D42A27DB-BD31-4B8C-83A1-F6EECF244321}">
-                <p14:modId xmlns:p14="http://schemas.microsoft.com/office/powerpoint/2010/main" val="4167145886"/>
+                <p14:modId xmlns:p14="http://schemas.microsoft.com/office/powerpoint/2010/main" xmlns="" val="4167145886"/>
               </p:ext>
             </p:extLst>
           </p:nvPr>
@@ -47725,7 +47648,7 @@
     </p:spTree>
     <p:extLst>
       <p:ext uri="{BB962C8B-B14F-4D97-AF65-F5344CB8AC3E}">
-        <p14:creationId xmlns:p14="http://schemas.microsoft.com/office/powerpoint/2010/main" val="2010495315"/>
+        <p14:creationId xmlns:p14="http://schemas.microsoft.com/office/powerpoint/2010/main" xmlns="" val="2010495315"/>
       </p:ext>
     </p:extLst>
   </p:cSld>
@@ -48021,7 +47944,7 @@
     </p:spTree>
     <p:extLst>
       <p:ext uri="{BB962C8B-B14F-4D97-AF65-F5344CB8AC3E}">
-        <p14:creationId xmlns:p14="http://schemas.microsoft.com/office/powerpoint/2010/main" val="50293957"/>
+        <p14:creationId xmlns:p14="http://schemas.microsoft.com/office/powerpoint/2010/main" xmlns="" val="50293957"/>
       </p:ext>
     </p:extLst>
   </p:cSld>
@@ -48107,7 +48030,7 @@
           <a:blip r:embed="rId2" cstate="print">
             <a:extLst>
               <a:ext uri="{BEBA8EAE-BF5A-486C-A8C5-ECC9F3942E4B}">
-                <a14:imgProps xmlns:a14="http://schemas.microsoft.com/office/drawing/2010/main">
+                <a14:imgProps xmlns:a14="http://schemas.microsoft.com/office/drawing/2010/main" xmlns="">
                   <a14:imgLayer r:embed="rId3">
                     <a14:imgEffect>
                       <a14:backgroundRemoval t="3833" b="100000" l="0" r="95729">
@@ -48121,7 +48044,7 @@
                 </a14:imgProps>
               </a:ext>
               <a:ext uri="{28A0092B-C50C-407E-A947-70E740481C1C}">
-                <a14:useLocalDpi xmlns:a14="http://schemas.microsoft.com/office/drawing/2010/main" val="0"/>
+                <a14:useLocalDpi xmlns:a14="http://schemas.microsoft.com/office/drawing/2010/main" xmlns="" val="0"/>
               </a:ext>
             </a:extLst>
           </a:blip>
@@ -48141,7 +48064,7 @@
           <a:noFill/>
           <a:extLst>
             <a:ext uri="{909E8E84-426E-40DD-AFC4-6F175D3DCCD1}">
-              <a14:hiddenFill xmlns:a14="http://schemas.microsoft.com/office/drawing/2010/main">
+              <a14:hiddenFill xmlns:a14="http://schemas.microsoft.com/office/drawing/2010/main" xmlns="">
                 <a:solidFill>
                   <a:srgbClr val="FFFFFF"/>
                 </a:solidFill>
@@ -48182,7 +48105,7 @@
     </p:spTree>
     <p:extLst>
       <p:ext uri="{BB962C8B-B14F-4D97-AF65-F5344CB8AC3E}">
-        <p14:creationId xmlns:p14="http://schemas.microsoft.com/office/powerpoint/2010/main" val="3553399333"/>
+        <p14:creationId xmlns:p14="http://schemas.microsoft.com/office/powerpoint/2010/main" xmlns="" val="3553399333"/>
       </p:ext>
     </p:extLst>
   </p:cSld>
@@ -48268,7 +48191,7 @@
           <a:blip r:embed="rId2" cstate="print">
             <a:extLst>
               <a:ext uri="{BEBA8EAE-BF5A-486C-A8C5-ECC9F3942E4B}">
-                <a14:imgProps xmlns:a14="http://schemas.microsoft.com/office/drawing/2010/main">
+                <a14:imgProps xmlns:a14="http://schemas.microsoft.com/office/drawing/2010/main" xmlns="">
                   <a14:imgLayer r:embed="rId3">
                     <a14:imgEffect>
                       <a14:backgroundRemoval t="2721" b="91837" l="4000" r="93833"/>
@@ -48277,7 +48200,7 @@
                 </a14:imgProps>
               </a:ext>
               <a:ext uri="{28A0092B-C50C-407E-A947-70E740481C1C}">
-                <a14:useLocalDpi xmlns:a14="http://schemas.microsoft.com/office/drawing/2010/main" val="0"/>
+                <a14:useLocalDpi xmlns:a14="http://schemas.microsoft.com/office/drawing/2010/main" xmlns="" val="0"/>
               </a:ext>
             </a:extLst>
           </a:blip>
@@ -48297,7 +48220,7 @@
           <a:noFill/>
           <a:extLst>
             <a:ext uri="{909E8E84-426E-40DD-AFC4-6F175D3DCCD1}">
-              <a14:hiddenFill xmlns:a14="http://schemas.microsoft.com/office/drawing/2010/main">
+              <a14:hiddenFill xmlns:a14="http://schemas.microsoft.com/office/drawing/2010/main" xmlns="">
                 <a:solidFill>
                   <a:srgbClr val="FFFFFF"/>
                 </a:solidFill>
@@ -48338,7 +48261,7 @@
     </p:spTree>
     <p:extLst>
       <p:ext uri="{BB962C8B-B14F-4D97-AF65-F5344CB8AC3E}">
-        <p14:creationId xmlns:p14="http://schemas.microsoft.com/office/powerpoint/2010/main" val="4114496383"/>
+        <p14:creationId xmlns:p14="http://schemas.microsoft.com/office/powerpoint/2010/main" xmlns="" val="4114496383"/>
       </p:ext>
     </p:extLst>
   </p:cSld>
@@ -48456,7 +48379,7 @@
           <a:blip r:embed="rId2" cstate="print">
             <a:extLst>
               <a:ext uri="{28A0092B-C50C-407E-A947-70E740481C1C}">
-                <a14:useLocalDpi xmlns:a14="http://schemas.microsoft.com/office/drawing/2010/main" val="0"/>
+                <a14:useLocalDpi xmlns:a14="http://schemas.microsoft.com/office/drawing/2010/main" xmlns="" val="0"/>
               </a:ext>
             </a:extLst>
           </a:blip>
@@ -48480,14 +48403,14 @@
           <a:effectLst/>
           <a:extLst>
             <a:ext uri="{909E8E84-426E-40DD-AFC4-6F175D3DCCD1}">
-              <a14:hiddenFill xmlns:a14="http://schemas.microsoft.com/office/drawing/2010/main">
+              <a14:hiddenFill xmlns:a14="http://schemas.microsoft.com/office/drawing/2010/main" xmlns="">
                 <a:solidFill>
                   <a:schemeClr val="accent1"/>
                 </a:solidFill>
               </a14:hiddenFill>
             </a:ext>
             <a:ext uri="{91240B29-F687-4F45-9708-019B960494DF}">
-              <a14:hiddenLine xmlns:a14="http://schemas.microsoft.com/office/drawing/2010/main" w="9525">
+              <a14:hiddenLine xmlns:a14="http://schemas.microsoft.com/office/drawing/2010/main" xmlns="" w="9525">
                 <a:solidFill>
                   <a:schemeClr val="tx1"/>
                 </a:solidFill>
@@ -48497,7 +48420,7 @@
               </a14:hiddenLine>
             </a:ext>
             <a:ext uri="{AF507438-7753-43E0-B8FC-AC1667EBCBE1}">
-              <a14:hiddenEffects xmlns:a14="http://schemas.microsoft.com/office/drawing/2010/main">
+              <a14:hiddenEffects xmlns:a14="http://schemas.microsoft.com/office/drawing/2010/main" xmlns="">
                 <a:effectLst>
                   <a:outerShdw dist="35921" dir="2700000" algn="ctr" rotWithShape="0">
                     <a:schemeClr val="bg2"/>
@@ -48574,7 +48497,7 @@
             <p:ph idx="1"/>
             <p:extLst>
               <p:ext uri="{D42A27DB-BD31-4B8C-83A1-F6EECF244321}">
-                <p14:modId xmlns:p14="http://schemas.microsoft.com/office/powerpoint/2010/main" val="2987147244"/>
+                <p14:modId xmlns:p14="http://schemas.microsoft.com/office/powerpoint/2010/main" xmlns="" val="2987147244"/>
               </p:ext>
             </p:extLst>
           </p:nvPr>
@@ -48621,7 +48544,7 @@
     </p:spTree>
     <p:extLst>
       <p:ext uri="{BB962C8B-B14F-4D97-AF65-F5344CB8AC3E}">
-        <p14:creationId xmlns:p14="http://schemas.microsoft.com/office/powerpoint/2010/main" val="911404920"/>
+        <p14:creationId xmlns:p14="http://schemas.microsoft.com/office/powerpoint/2010/main" xmlns="" val="911404920"/>
       </p:ext>
     </p:extLst>
   </p:cSld>
@@ -48846,7 +48769,7 @@
           <a:blip r:embed="rId2" cstate="print">
             <a:extLst>
               <a:ext uri="{BEBA8EAE-BF5A-486C-A8C5-ECC9F3942E4B}">
-                <a14:imgProps xmlns:a14="http://schemas.microsoft.com/office/drawing/2010/main">
+                <a14:imgProps xmlns:a14="http://schemas.microsoft.com/office/drawing/2010/main" xmlns="">
                   <a14:imgLayer r:embed="rId3">
                     <a14:imgEffect>
                       <a14:backgroundRemoval t="0" b="100000" l="0" r="100000">
@@ -48859,7 +48782,7 @@
                 </a14:imgProps>
               </a:ext>
               <a:ext uri="{28A0092B-C50C-407E-A947-70E740481C1C}">
-                <a14:useLocalDpi xmlns:a14="http://schemas.microsoft.com/office/drawing/2010/main" val="0"/>
+                <a14:useLocalDpi xmlns:a14="http://schemas.microsoft.com/office/drawing/2010/main" xmlns="" val="0"/>
               </a:ext>
             </a:extLst>
           </a:blip>
@@ -48886,14 +48809,14 @@
           <a:effectLst/>
           <a:extLst>
             <a:ext uri="{909E8E84-426E-40DD-AFC4-6F175D3DCCD1}">
-              <a14:hiddenFill xmlns:a14="http://schemas.microsoft.com/office/drawing/2010/main">
+              <a14:hiddenFill xmlns:a14="http://schemas.microsoft.com/office/drawing/2010/main" xmlns="">
                 <a:solidFill>
                   <a:schemeClr val="accent1"/>
                 </a:solidFill>
               </a14:hiddenFill>
             </a:ext>
             <a:ext uri="{AF507438-7753-43E0-B8FC-AC1667EBCBE1}">
-              <a14:hiddenEffects xmlns:a14="http://schemas.microsoft.com/office/drawing/2010/main">
+              <a14:hiddenEffects xmlns:a14="http://schemas.microsoft.com/office/drawing/2010/main" xmlns="">
                 <a:effectLst>
                   <a:outerShdw dist="35921" dir="2700000" algn="ctr" rotWithShape="0">
                     <a:schemeClr val="bg2"/>
@@ -48987,7 +48910,7 @@
           <a:blip r:embed="rId4" cstate="print">
             <a:extLst>
               <a:ext uri="{BEBA8EAE-BF5A-486C-A8C5-ECC9F3942E4B}">
-                <a14:imgProps xmlns:a14="http://schemas.microsoft.com/office/drawing/2010/main">
+                <a14:imgProps xmlns:a14="http://schemas.microsoft.com/office/drawing/2010/main" xmlns="">
                   <a14:imgLayer r:embed="rId5">
                     <a14:imgEffect>
                       <a14:backgroundRemoval t="11207" b="99138" l="939" r="98592">
@@ -49006,7 +48929,7 @@
                 </a14:imgProps>
               </a:ext>
               <a:ext uri="{28A0092B-C50C-407E-A947-70E740481C1C}">
-                <a14:useLocalDpi xmlns:a14="http://schemas.microsoft.com/office/drawing/2010/main" val="0"/>
+                <a14:useLocalDpi xmlns:a14="http://schemas.microsoft.com/office/drawing/2010/main" xmlns="" val="0"/>
               </a:ext>
             </a:extLst>
           </a:blip>
@@ -49030,14 +48953,14 @@
           <a:effectLst/>
           <a:extLst>
             <a:ext uri="{909E8E84-426E-40DD-AFC4-6F175D3DCCD1}">
-              <a14:hiddenFill xmlns:a14="http://schemas.microsoft.com/office/drawing/2010/main">
+              <a14:hiddenFill xmlns:a14="http://schemas.microsoft.com/office/drawing/2010/main" xmlns="">
                 <a:solidFill>
                   <a:schemeClr val="accent1"/>
                 </a:solidFill>
               </a14:hiddenFill>
             </a:ext>
             <a:ext uri="{91240B29-F687-4F45-9708-019B960494DF}">
-              <a14:hiddenLine xmlns:a14="http://schemas.microsoft.com/office/drawing/2010/main" w="9525">
+              <a14:hiddenLine xmlns:a14="http://schemas.microsoft.com/office/drawing/2010/main" xmlns="" w="9525">
                 <a:solidFill>
                   <a:schemeClr val="tx1"/>
                 </a:solidFill>
@@ -49047,7 +48970,7 @@
               </a14:hiddenLine>
             </a:ext>
             <a:ext uri="{AF507438-7753-43E0-B8FC-AC1667EBCBE1}">
-              <a14:hiddenEffects xmlns:a14="http://schemas.microsoft.com/office/drawing/2010/main">
+              <a14:hiddenEffects xmlns:a14="http://schemas.microsoft.com/office/drawing/2010/main" xmlns="">
                 <a:effectLst>
                   <a:outerShdw dist="35921" dir="2700000" algn="ctr" rotWithShape="0">
                     <a:schemeClr val="bg2"/>
@@ -49104,7 +49027,7 @@
           <a:blip r:embed="rId6" cstate="print">
             <a:extLst>
               <a:ext uri="{BEBA8EAE-BF5A-486C-A8C5-ECC9F3942E4B}">
-                <a14:imgProps xmlns:a14="http://schemas.microsoft.com/office/drawing/2010/main">
+                <a14:imgProps xmlns:a14="http://schemas.microsoft.com/office/drawing/2010/main" xmlns="">
                   <a14:imgLayer r:embed="rId7">
                     <a14:imgEffect>
                       <a14:backgroundRemoval t="0" b="100000" l="0" r="100000">
@@ -49116,7 +49039,7 @@
                 </a14:imgProps>
               </a:ext>
               <a:ext uri="{28A0092B-C50C-407E-A947-70E740481C1C}">
-                <a14:useLocalDpi xmlns:a14="http://schemas.microsoft.com/office/drawing/2010/main" val="0"/>
+                <a14:useLocalDpi xmlns:a14="http://schemas.microsoft.com/office/drawing/2010/main" xmlns="" val="0"/>
               </a:ext>
             </a:extLst>
           </a:blip>
@@ -49140,14 +49063,14 @@
           <a:effectLst/>
           <a:extLst>
             <a:ext uri="{909E8E84-426E-40DD-AFC4-6F175D3DCCD1}">
-              <a14:hiddenFill xmlns:a14="http://schemas.microsoft.com/office/drawing/2010/main">
+              <a14:hiddenFill xmlns:a14="http://schemas.microsoft.com/office/drawing/2010/main" xmlns="">
                 <a:solidFill>
                   <a:schemeClr val="accent1"/>
                 </a:solidFill>
               </a14:hiddenFill>
             </a:ext>
             <a:ext uri="{91240B29-F687-4F45-9708-019B960494DF}">
-              <a14:hiddenLine xmlns:a14="http://schemas.microsoft.com/office/drawing/2010/main" w="9525">
+              <a14:hiddenLine xmlns:a14="http://schemas.microsoft.com/office/drawing/2010/main" xmlns="" w="9525">
                 <a:solidFill>
                   <a:schemeClr val="tx1"/>
                 </a:solidFill>
@@ -49157,7 +49080,7 @@
               </a14:hiddenLine>
             </a:ext>
             <a:ext uri="{AF507438-7753-43E0-B8FC-AC1667EBCBE1}">
-              <a14:hiddenEffects xmlns:a14="http://schemas.microsoft.com/office/drawing/2010/main">
+              <a14:hiddenEffects xmlns:a14="http://schemas.microsoft.com/office/drawing/2010/main" xmlns="">
                 <a:effectLst>
                   <a:outerShdw dist="35921" dir="2700000" algn="ctr" rotWithShape="0">
                     <a:schemeClr val="bg2"/>
@@ -49180,7 +49103,7 @@
           <a:blip r:embed="rId8" cstate="print">
             <a:extLst>
               <a:ext uri="{BEBA8EAE-BF5A-486C-A8C5-ECC9F3942E4B}">
-                <a14:imgProps xmlns:a14="http://schemas.microsoft.com/office/drawing/2010/main">
+                <a14:imgProps xmlns:a14="http://schemas.microsoft.com/office/drawing/2010/main" xmlns="">
                   <a14:imgLayer r:embed="rId9">
                     <a14:imgEffect>
                       <a14:backgroundRemoval t="0" b="100000" l="0" r="100000">
@@ -49201,7 +49124,7 @@
                 </a14:imgProps>
               </a:ext>
               <a:ext uri="{28A0092B-C50C-407E-A947-70E740481C1C}">
-                <a14:useLocalDpi xmlns:a14="http://schemas.microsoft.com/office/drawing/2010/main" val="0"/>
+                <a14:useLocalDpi xmlns:a14="http://schemas.microsoft.com/office/drawing/2010/main" xmlns="" val="0"/>
               </a:ext>
             </a:extLst>
           </a:blip>
@@ -49221,7 +49144,7 @@
           <a:noFill/>
           <a:extLst>
             <a:ext uri="{909E8E84-426E-40DD-AFC4-6F175D3DCCD1}">
-              <a14:hiddenFill xmlns:a14="http://schemas.microsoft.com/office/drawing/2010/main">
+              <a14:hiddenFill xmlns:a14="http://schemas.microsoft.com/office/drawing/2010/main" xmlns="">
                 <a:solidFill>
                   <a:srgbClr val="FFFFFF"/>
                 </a:solidFill>
@@ -49242,7 +49165,7 @@
           <a:blip r:embed="rId10" cstate="print">
             <a:extLst>
               <a:ext uri="{28A0092B-C50C-407E-A947-70E740481C1C}">
-                <a14:useLocalDpi xmlns:a14="http://schemas.microsoft.com/office/drawing/2010/main" val="0"/>
+                <a14:useLocalDpi xmlns:a14="http://schemas.microsoft.com/office/drawing/2010/main" xmlns="" val="0"/>
               </a:ext>
             </a:extLst>
           </a:blip>
@@ -49272,7 +49195,7 @@
           <a:blip r:embed="rId11" cstate="print">
             <a:extLst>
               <a:ext uri="{28A0092B-C50C-407E-A947-70E740481C1C}">
-                <a14:useLocalDpi xmlns:a14="http://schemas.microsoft.com/office/drawing/2010/main" val="0"/>
+                <a14:useLocalDpi xmlns:a14="http://schemas.microsoft.com/office/drawing/2010/main" xmlns="" val="0"/>
               </a:ext>
             </a:extLst>
           </a:blip>
@@ -49302,7 +49225,7 @@
           <a:blip r:embed="rId12" cstate="print">
             <a:extLst>
               <a:ext uri="{28A0092B-C50C-407E-A947-70E740481C1C}">
-                <a14:useLocalDpi xmlns:a14="http://schemas.microsoft.com/office/drawing/2010/main" val="0"/>
+                <a14:useLocalDpi xmlns:a14="http://schemas.microsoft.com/office/drawing/2010/main" xmlns="" val="0"/>
               </a:ext>
             </a:extLst>
           </a:blip>
@@ -49332,7 +49255,7 @@
           <a:blip r:embed="rId13" cstate="print">
             <a:extLst>
               <a:ext uri="{28A0092B-C50C-407E-A947-70E740481C1C}">
-                <a14:useLocalDpi xmlns:a14="http://schemas.microsoft.com/office/drawing/2010/main" val="0"/>
+                <a14:useLocalDpi xmlns:a14="http://schemas.microsoft.com/office/drawing/2010/main" xmlns="" val="0"/>
               </a:ext>
             </a:extLst>
           </a:blip>
@@ -49362,7 +49285,7 @@
           <a:blip r:embed="rId14" cstate="print">
             <a:extLst>
               <a:ext uri="{28A0092B-C50C-407E-A947-70E740481C1C}">
-                <a14:useLocalDpi xmlns:a14="http://schemas.microsoft.com/office/drawing/2010/main" val="0"/>
+                <a14:useLocalDpi xmlns:a14="http://schemas.microsoft.com/office/drawing/2010/main" xmlns="" val="0"/>
               </a:ext>
             </a:extLst>
           </a:blip>
@@ -49412,7 +49335,7 @@
     </p:spTree>
     <p:extLst>
       <p:ext uri="{BB962C8B-B14F-4D97-AF65-F5344CB8AC3E}">
-        <p14:creationId xmlns:p14="http://schemas.microsoft.com/office/powerpoint/2010/main" val="2727124599"/>
+        <p14:creationId xmlns:p14="http://schemas.microsoft.com/office/powerpoint/2010/main" xmlns="" val="2727124599"/>
       </p:ext>
     </p:extLst>
   </p:cSld>
@@ -49874,7 +49797,7 @@
             <p:ph idx="1"/>
             <p:extLst>
               <p:ext uri="{D42A27DB-BD31-4B8C-83A1-F6EECF244321}">
-                <p14:modId xmlns:p14="http://schemas.microsoft.com/office/powerpoint/2010/main" val="1489446828"/>
+                <p14:modId xmlns:p14="http://schemas.microsoft.com/office/powerpoint/2010/main" xmlns="" val="1489446828"/>
               </p:ext>
             </p:extLst>
           </p:nvPr>
@@ -50751,7 +50674,7 @@
     </p:spTree>
     <p:extLst>
       <p:ext uri="{BB962C8B-B14F-4D97-AF65-F5344CB8AC3E}">
-        <p14:creationId xmlns:p14="http://schemas.microsoft.com/office/powerpoint/2010/main" val="431095956"/>
+        <p14:creationId xmlns:p14="http://schemas.microsoft.com/office/powerpoint/2010/main" xmlns="" val="431095956"/>
       </p:ext>
     </p:extLst>
   </p:cSld>
@@ -50817,7 +50740,7 @@
           <p:nvPr>
             <p:extLst>
               <p:ext uri="{D42A27DB-BD31-4B8C-83A1-F6EECF244321}">
-                <p14:modId xmlns:p14="http://schemas.microsoft.com/office/powerpoint/2010/main" val="923272072"/>
+                <p14:modId xmlns:p14="http://schemas.microsoft.com/office/powerpoint/2010/main" xmlns="" val="923272072"/>
               </p:ext>
             </p:extLst>
           </p:nvPr>
@@ -50998,7 +50921,7 @@
     </p:spTree>
     <p:extLst>
       <p:ext uri="{BB962C8B-B14F-4D97-AF65-F5344CB8AC3E}">
-        <p14:creationId xmlns:p14="http://schemas.microsoft.com/office/powerpoint/2010/main" val="2703683866"/>
+        <p14:creationId xmlns:p14="http://schemas.microsoft.com/office/powerpoint/2010/main" xmlns="" val="2703683866"/>
       </p:ext>
     </p:extLst>
   </p:cSld>
@@ -51160,7 +51083,7 @@
           <a:blip r:embed="rId3" cstate="print">
             <a:extLst>
               <a:ext uri="{28A0092B-C50C-407E-A947-70E740481C1C}">
-                <a14:useLocalDpi xmlns:a14="http://schemas.microsoft.com/office/drawing/2010/main" val="0"/>
+                <a14:useLocalDpi xmlns:a14="http://schemas.microsoft.com/office/drawing/2010/main" xmlns="" val="0"/>
               </a:ext>
             </a:extLst>
           </a:blip>
@@ -51180,7 +51103,7 @@
           <a:noFill/>
           <a:extLst>
             <a:ext uri="{909E8E84-426E-40DD-AFC4-6F175D3DCCD1}">
-              <a14:hiddenFill xmlns:a14="http://schemas.microsoft.com/office/drawing/2010/main">
+              <a14:hiddenFill xmlns:a14="http://schemas.microsoft.com/office/drawing/2010/main" xmlns="">
                 <a:solidFill>
                   <a:srgbClr val="FFFFFF"/>
                 </a:solidFill>
@@ -51251,7 +51174,7 @@
     </p:spTree>
     <p:extLst>
       <p:ext uri="{BB962C8B-B14F-4D97-AF65-F5344CB8AC3E}">
-        <p14:creationId xmlns:p14="http://schemas.microsoft.com/office/powerpoint/2010/main" val="3292726667"/>
+        <p14:creationId xmlns:p14="http://schemas.microsoft.com/office/powerpoint/2010/main" xmlns="" val="3292726667"/>
       </p:ext>
     </p:extLst>
   </p:cSld>
@@ -51320,7 +51243,7 @@
             <p:ph idx="1"/>
             <p:extLst>
               <p:ext uri="{D42A27DB-BD31-4B8C-83A1-F6EECF244321}">
-                <p14:modId xmlns:p14="http://schemas.microsoft.com/office/powerpoint/2010/main" val="3337210044"/>
+                <p14:modId xmlns:p14="http://schemas.microsoft.com/office/powerpoint/2010/main" xmlns="" val="3337210044"/>
               </p:ext>
             </p:extLst>
           </p:nvPr>
@@ -52222,7 +52145,7 @@
     </p:spTree>
     <p:extLst>
       <p:ext uri="{BB962C8B-B14F-4D97-AF65-F5344CB8AC3E}">
-        <p14:creationId xmlns:p14="http://schemas.microsoft.com/office/powerpoint/2010/main" val="4000462946"/>
+        <p14:creationId xmlns:p14="http://schemas.microsoft.com/office/powerpoint/2010/main" xmlns="" val="4000462946"/>
       </p:ext>
     </p:extLst>
   </p:cSld>

--- a/Document/Final report/Slide Present E-Learning.pptx
+++ b/Document/Final report/Slide Present E-Learning.pptx
@@ -6968,19 +6968,19 @@
     </dgm:pt>
   </dgm:ptLst>
   <dgm:cxnLst>
+    <dgm:cxn modelId="{6E67C4D2-80C6-4247-8241-64EA5611C932}" type="presOf" srcId="{9E8C6084-CE2A-466B-A967-47F6FBABEA09}" destId="{BC473F38-5C3F-4B9A-9E50-8E2A00344178}" srcOrd="0" destOrd="0" presId="urn:microsoft.com/office/officeart/2005/8/layout/cycle1"/>
+    <dgm:cxn modelId="{659D4042-7B35-47CB-895E-3F297EA888E2}" type="presOf" srcId="{34BD85C1-B27C-446E-87D3-5D521284A9D2}" destId="{72325E4A-8AA1-4295-86D7-8B07CDB62C5B}" srcOrd="0" destOrd="0" presId="urn:microsoft.com/office/officeart/2005/8/layout/cycle1"/>
     <dgm:cxn modelId="{57AEC4E1-E39B-40BF-A759-05D82CB95A28}" type="presOf" srcId="{0147D4AA-4E15-49E6-A25A-8CD4A35CBFC0}" destId="{2D292C3A-67B0-478E-BF8A-7F0ABB29F864}" srcOrd="0" destOrd="0" presId="urn:microsoft.com/office/officeart/2005/8/layout/cycle1"/>
+    <dgm:cxn modelId="{5BCA9373-7645-4CF4-9146-7F1C0CF5BB64}" type="presOf" srcId="{676731DC-6C25-4BF6-8EF8-176FB71AC90F}" destId="{273E354B-5C77-4A97-B343-41170B6E2412}" srcOrd="0" destOrd="0" presId="urn:microsoft.com/office/officeart/2005/8/layout/cycle1"/>
+    <dgm:cxn modelId="{3EF01423-FB7C-4617-9F73-ED9750A75CAB}" type="presOf" srcId="{2DABDF10-2BB6-4291-835C-5F8B0164934C}" destId="{5979FF20-98E1-4391-BBF7-7F88B24DB2DD}" srcOrd="0" destOrd="0" presId="urn:microsoft.com/office/officeart/2005/8/layout/cycle1"/>
+    <dgm:cxn modelId="{DF7C7B9C-3130-40D9-A675-3451F18E2BA6}" type="presOf" srcId="{67AE712E-3238-46F4-9629-C594F88C428F}" destId="{59B7501A-AFE5-4EA0-B7A8-90C6CA2B9A3D}" srcOrd="0" destOrd="0" presId="urn:microsoft.com/office/officeart/2005/8/layout/cycle1"/>
+    <dgm:cxn modelId="{7C03B323-AACC-48EC-A03A-D6E7CF74182A}" type="presOf" srcId="{4A225F51-0ADF-4A8B-A2D6-7AF3BC8CF1BA}" destId="{6F7BB53F-EE28-4DC0-B3DC-1F944FE1B6FA}" srcOrd="0" destOrd="0" presId="urn:microsoft.com/office/officeart/2005/8/layout/cycle1"/>
+    <dgm:cxn modelId="{CAA8EFFA-73EA-4D93-AF5B-0C2B8D1901A5}" type="presOf" srcId="{B9B6B5B9-A383-4A5E-A39C-6297B835C37B}" destId="{9EB40CAE-1534-45F7-921E-D7F77DEEE6D1}" srcOrd="0" destOrd="0" presId="urn:microsoft.com/office/officeart/2005/8/layout/cycle1"/>
+    <dgm:cxn modelId="{6DC0B433-6BCC-48B8-8319-F0266F3863E1}" srcId="{DFA9B5E4-DF69-43ED-8F65-4EAAEBC2EE53}" destId="{0147D4AA-4E15-49E6-A25A-8CD4A35CBFC0}" srcOrd="3" destOrd="0" parTransId="{32CD8CBE-1D99-415C-80B9-54C68ED4CB0C}" sibTransId="{9E8C6084-CE2A-466B-A967-47F6FBABEA09}"/>
     <dgm:cxn modelId="{D49908A6-7D37-45A9-A97A-404DB2A08845}" srcId="{DFA9B5E4-DF69-43ED-8F65-4EAAEBC2EE53}" destId="{B9B6B5B9-A383-4A5E-A39C-6297B835C37B}" srcOrd="1" destOrd="0" parTransId="{C1E3E11F-4466-488A-8FC0-764483D0AA4C}" sibTransId="{676731DC-6C25-4BF6-8EF8-176FB71AC90F}"/>
-    <dgm:cxn modelId="{659D4042-7B35-47CB-895E-3F297EA888E2}" type="presOf" srcId="{34BD85C1-B27C-446E-87D3-5D521284A9D2}" destId="{72325E4A-8AA1-4295-86D7-8B07CDB62C5B}" srcOrd="0" destOrd="0" presId="urn:microsoft.com/office/officeart/2005/8/layout/cycle1"/>
-    <dgm:cxn modelId="{6DC0B433-6BCC-48B8-8319-F0266F3863E1}" srcId="{DFA9B5E4-DF69-43ED-8F65-4EAAEBC2EE53}" destId="{0147D4AA-4E15-49E6-A25A-8CD4A35CBFC0}" srcOrd="3" destOrd="0" parTransId="{32CD8CBE-1D99-415C-80B9-54C68ED4CB0C}" sibTransId="{9E8C6084-CE2A-466B-A967-47F6FBABEA09}"/>
-    <dgm:cxn modelId="{3EF01423-FB7C-4617-9F73-ED9750A75CAB}" type="presOf" srcId="{2DABDF10-2BB6-4291-835C-5F8B0164934C}" destId="{5979FF20-98E1-4391-BBF7-7F88B24DB2DD}" srcOrd="0" destOrd="0" presId="urn:microsoft.com/office/officeart/2005/8/layout/cycle1"/>
-    <dgm:cxn modelId="{7C03B323-AACC-48EC-A03A-D6E7CF74182A}" type="presOf" srcId="{4A225F51-0ADF-4A8B-A2D6-7AF3BC8CF1BA}" destId="{6F7BB53F-EE28-4DC0-B3DC-1F944FE1B6FA}" srcOrd="0" destOrd="0" presId="urn:microsoft.com/office/officeart/2005/8/layout/cycle1"/>
+    <dgm:cxn modelId="{8D8CF064-9ECD-4B14-822A-874FB4D52420}" srcId="{DFA9B5E4-DF69-43ED-8F65-4EAAEBC2EE53}" destId="{67AE712E-3238-46F4-9629-C594F88C428F}" srcOrd="2" destOrd="0" parTransId="{DA07E244-7E52-4969-9E19-575A4A826AAB}" sibTransId="{2DABDF10-2BB6-4291-835C-5F8B0164934C}"/>
+    <dgm:cxn modelId="{06FAD51A-C087-4BC9-A140-F3F6D944C997}" type="presOf" srcId="{DFA9B5E4-DF69-43ED-8F65-4EAAEBC2EE53}" destId="{7423B5FF-E8AD-4E98-91F0-79AF73CCEE33}" srcOrd="0" destOrd="0" presId="urn:microsoft.com/office/officeart/2005/8/layout/cycle1"/>
     <dgm:cxn modelId="{9CFF92F9-F367-4B26-AF43-9C1BBE37AA5E}" srcId="{DFA9B5E4-DF69-43ED-8F65-4EAAEBC2EE53}" destId="{4A225F51-0ADF-4A8B-A2D6-7AF3BC8CF1BA}" srcOrd="0" destOrd="0" parTransId="{0DF62D19-45E5-4083-B2C8-CA5C840DFCBF}" sibTransId="{34BD85C1-B27C-446E-87D3-5D521284A9D2}"/>
-    <dgm:cxn modelId="{5BCA9373-7645-4CF4-9146-7F1C0CF5BB64}" type="presOf" srcId="{676731DC-6C25-4BF6-8EF8-176FB71AC90F}" destId="{273E354B-5C77-4A97-B343-41170B6E2412}" srcOrd="0" destOrd="0" presId="urn:microsoft.com/office/officeart/2005/8/layout/cycle1"/>
-    <dgm:cxn modelId="{CAA8EFFA-73EA-4D93-AF5B-0C2B8D1901A5}" type="presOf" srcId="{B9B6B5B9-A383-4A5E-A39C-6297B835C37B}" destId="{9EB40CAE-1534-45F7-921E-D7F77DEEE6D1}" srcOrd="0" destOrd="0" presId="urn:microsoft.com/office/officeart/2005/8/layout/cycle1"/>
-    <dgm:cxn modelId="{06FAD51A-C087-4BC9-A140-F3F6D944C997}" type="presOf" srcId="{DFA9B5E4-DF69-43ED-8F65-4EAAEBC2EE53}" destId="{7423B5FF-E8AD-4E98-91F0-79AF73CCEE33}" srcOrd="0" destOrd="0" presId="urn:microsoft.com/office/officeart/2005/8/layout/cycle1"/>
-    <dgm:cxn modelId="{6E67C4D2-80C6-4247-8241-64EA5611C932}" type="presOf" srcId="{9E8C6084-CE2A-466B-A967-47F6FBABEA09}" destId="{BC473F38-5C3F-4B9A-9E50-8E2A00344178}" srcOrd="0" destOrd="0" presId="urn:microsoft.com/office/officeart/2005/8/layout/cycle1"/>
-    <dgm:cxn modelId="{8D8CF064-9ECD-4B14-822A-874FB4D52420}" srcId="{DFA9B5E4-DF69-43ED-8F65-4EAAEBC2EE53}" destId="{67AE712E-3238-46F4-9629-C594F88C428F}" srcOrd="2" destOrd="0" parTransId="{DA07E244-7E52-4969-9E19-575A4A826AAB}" sibTransId="{2DABDF10-2BB6-4291-835C-5F8B0164934C}"/>
-    <dgm:cxn modelId="{DF7C7B9C-3130-40D9-A675-3451F18E2BA6}" type="presOf" srcId="{67AE712E-3238-46F4-9629-C594F88C428F}" destId="{59B7501A-AFE5-4EA0-B7A8-90C6CA2B9A3D}" srcOrd="0" destOrd="0" presId="urn:microsoft.com/office/officeart/2005/8/layout/cycle1"/>
     <dgm:cxn modelId="{A9DA188C-6DE3-478C-8451-7F743E0AFD12}" type="presParOf" srcId="{7423B5FF-E8AD-4E98-91F0-79AF73CCEE33}" destId="{3D680A36-99EC-4A92-AC49-1CB3465B2D40}" srcOrd="0" destOrd="0" presId="urn:microsoft.com/office/officeart/2005/8/layout/cycle1"/>
     <dgm:cxn modelId="{1B173123-E361-49D5-853F-BE470C8A0BBC}" type="presParOf" srcId="{7423B5FF-E8AD-4E98-91F0-79AF73CCEE33}" destId="{6F7BB53F-EE28-4DC0-B3DC-1F944FE1B6FA}" srcOrd="1" destOrd="0" presId="urn:microsoft.com/office/officeart/2005/8/layout/cycle1"/>
     <dgm:cxn modelId="{DADB92BC-78AD-4210-86E7-5B909CC7EF92}" type="presParOf" srcId="{7423B5FF-E8AD-4E98-91F0-79AF73CCEE33}" destId="{72325E4A-8AA1-4295-86D7-8B07CDB62C5B}" srcOrd="2" destOrd="0" presId="urn:microsoft.com/office/officeart/2005/8/layout/cycle1"/>
@@ -11190,6 +11190,769 @@
       <dsp:cNvGrpSpPr/>
     </dsp:nvGrpSpPr>
     <dsp:grpSpPr/>
+    <dsp:sp modelId="{BB84DB34-BA67-4F32-ADA4-2380B8C83095}">
+      <dsp:nvSpPr>
+        <dsp:cNvPr id="0" name=""/>
+        <dsp:cNvSpPr/>
+      </dsp:nvSpPr>
+      <dsp:spPr>
+        <a:xfrm>
+          <a:off x="0" y="0"/>
+          <a:ext cx="8458200" cy="1133474"/>
+        </a:xfrm>
+        <a:prstGeom prst="roundRect">
+          <a:avLst>
+            <a:gd name="adj" fmla="val 10000"/>
+          </a:avLst>
+        </a:prstGeom>
+        <a:solidFill>
+          <a:schemeClr val="accent2">
+            <a:hueOff val="0"/>
+            <a:satOff val="0"/>
+            <a:lumOff val="0"/>
+            <a:alphaOff val="0"/>
+          </a:schemeClr>
+        </a:solidFill>
+        <a:ln w="25400" cap="flat" cmpd="sng" algn="ctr">
+          <a:solidFill>
+            <a:schemeClr val="lt1">
+              <a:hueOff val="0"/>
+              <a:satOff val="0"/>
+              <a:lumOff val="0"/>
+              <a:alphaOff val="0"/>
+            </a:schemeClr>
+          </a:solidFill>
+          <a:prstDash val="solid"/>
+        </a:ln>
+        <a:effectLst/>
+      </dsp:spPr>
+      <dsp:style>
+        <a:lnRef idx="2">
+          <a:scrgbClr r="0" g="0" b="0"/>
+        </a:lnRef>
+        <a:fillRef idx="1">
+          <a:scrgbClr r="0" g="0" b="0"/>
+        </a:fillRef>
+        <a:effectRef idx="0">
+          <a:scrgbClr r="0" g="0" b="0"/>
+        </a:effectRef>
+        <a:fontRef idx="minor">
+          <a:schemeClr val="lt1"/>
+        </a:fontRef>
+      </dsp:style>
+      <dsp:txBody>
+        <a:bodyPr spcFirstLastPara="0" vert="horz" wrap="square" lIns="91440" tIns="91440" rIns="91440" bIns="91440" numCol="1" spcCol="1270" anchor="ctr" anchorCtr="0">
+          <a:noAutofit/>
+        </a:bodyPr>
+        <a:lstStyle/>
+        <a:p>
+          <a:pPr lvl="0" algn="l" defTabSz="1066800">
+            <a:lnSpc>
+              <a:spcPct val="90000"/>
+            </a:lnSpc>
+            <a:spcBef>
+              <a:spcPct val="0"/>
+            </a:spcBef>
+            <a:spcAft>
+              <a:spcPct val="35000"/>
+            </a:spcAft>
+          </a:pPr>
+          <a:r>
+            <a:rPr lang="en-US" sz="2400" b="1" kern="1200" dirty="0" smtClean="0">
+              <a:latin typeface="Corbel (Body)"/>
+            </a:rPr>
+            <a:t>Maintainability</a:t>
+          </a:r>
+          <a:endParaRPr lang="en-US" sz="1900" b="1" kern="1200" dirty="0" smtClean="0">
+            <a:latin typeface="Corbel (Body)"/>
+          </a:endParaRPr>
+        </a:p>
+        <a:p>
+          <a:pPr lvl="0" algn="l" defTabSz="1066800">
+            <a:lnSpc>
+              <a:spcPct val="90000"/>
+            </a:lnSpc>
+            <a:spcBef>
+              <a:spcPct val="0"/>
+            </a:spcBef>
+            <a:spcAft>
+              <a:spcPct val="35000"/>
+            </a:spcAft>
+          </a:pPr>
+          <a:r>
+            <a:rPr lang="en-US" sz="1600" b="1" kern="1200" dirty="0" smtClean="0">
+              <a:latin typeface="Corbel (Body)"/>
+            </a:rPr>
+            <a:t>Changeability</a:t>
+          </a:r>
+          <a:r>
+            <a:rPr lang="en-US" sz="1600" b="0" kern="1200" dirty="0" smtClean="0">
+              <a:latin typeface="Corbel (Body)"/>
+            </a:rPr>
+            <a:t>: Function coded as component of </a:t>
+          </a:r>
+          <a:r>
+            <a:rPr lang="en-US" sz="1600" b="0" kern="1200" dirty="0" err="1" smtClean="0">
+              <a:latin typeface="Corbel (Body)"/>
+            </a:rPr>
+            <a:t>Joomla</a:t>
+          </a:r>
+          <a:r>
+            <a:rPr lang="en-US" sz="1600" b="0" kern="1200" dirty="0" smtClean="0">
+              <a:latin typeface="Corbel (Body)"/>
+            </a:rPr>
+            <a:t>, easy to edit.</a:t>
+          </a:r>
+        </a:p>
+        <a:p>
+          <a:pPr lvl="0" algn="l" defTabSz="1066800">
+            <a:lnSpc>
+              <a:spcPct val="90000"/>
+            </a:lnSpc>
+            <a:spcBef>
+              <a:spcPct val="0"/>
+            </a:spcBef>
+            <a:spcAft>
+              <a:spcPct val="35000"/>
+            </a:spcAft>
+          </a:pPr>
+          <a:r>
+            <a:rPr lang="en-US" sz="1600" b="1" kern="1200" dirty="0" smtClean="0">
+              <a:latin typeface="Corbel (Body)"/>
+            </a:rPr>
+            <a:t>Analyzability</a:t>
+          </a:r>
+          <a:r>
+            <a:rPr lang="en-US" sz="1600" b="0" kern="1200" dirty="0" smtClean="0">
+              <a:latin typeface="Corbel (Body)"/>
+            </a:rPr>
+            <a:t>: Having comment codes to help figure out.</a:t>
+          </a:r>
+          <a:endParaRPr lang="en-US" sz="1600" b="0" kern="1200" dirty="0">
+            <a:latin typeface="Corbel (Body)"/>
+          </a:endParaRPr>
+        </a:p>
+      </dsp:txBody>
+      <dsp:txXfrm>
+        <a:off x="1804987" y="0"/>
+        <a:ext cx="6653212" cy="1133474"/>
+      </dsp:txXfrm>
+    </dsp:sp>
+    <dsp:sp modelId="{BEEFFAAC-A8CD-4433-8EDA-5737C85AB46F}">
+      <dsp:nvSpPr>
+        <dsp:cNvPr id="0" name=""/>
+        <dsp:cNvSpPr/>
+      </dsp:nvSpPr>
+      <dsp:spPr>
+        <a:xfrm>
+          <a:off x="113347" y="113347"/>
+          <a:ext cx="1691640" cy="906779"/>
+        </a:xfrm>
+        <a:prstGeom prst="roundRect">
+          <a:avLst>
+            <a:gd name="adj" fmla="val 10000"/>
+          </a:avLst>
+        </a:prstGeom>
+        <a:blipFill>
+          <a:blip xmlns:r="http://schemas.openxmlformats.org/officeDocument/2006/relationships" r:embed="rId1">
+            <a:extLst>
+              <a:ext uri="{28A0092B-C50C-407E-A947-70E740481C1C}">
+                <a14:useLocalDpi xmlns:a14="http://schemas.microsoft.com/office/drawing/2010/main" val="0"/>
+              </a:ext>
+            </a:extLst>
+          </a:blip>
+          <a:srcRect/>
+          <a:stretch>
+            <a:fillRect t="-10000" b="-10000"/>
+          </a:stretch>
+        </a:blipFill>
+        <a:ln w="25400" cap="flat" cmpd="sng" algn="ctr">
+          <a:solidFill>
+            <a:schemeClr val="lt1">
+              <a:hueOff val="0"/>
+              <a:satOff val="0"/>
+              <a:lumOff val="0"/>
+              <a:alphaOff val="0"/>
+            </a:schemeClr>
+          </a:solidFill>
+          <a:prstDash val="solid"/>
+        </a:ln>
+        <a:effectLst/>
+      </dsp:spPr>
+      <dsp:style>
+        <a:lnRef idx="2">
+          <a:scrgbClr r="0" g="0" b="0"/>
+        </a:lnRef>
+        <a:fillRef idx="1">
+          <a:scrgbClr r="0" g="0" b="0"/>
+        </a:fillRef>
+        <a:effectRef idx="0">
+          <a:scrgbClr r="0" g="0" b="0"/>
+        </a:effectRef>
+        <a:fontRef idx="minor"/>
+      </dsp:style>
+    </dsp:sp>
+    <dsp:sp modelId="{FF610F31-FA87-446D-9CFF-9000735AAD62}">
+      <dsp:nvSpPr>
+        <dsp:cNvPr id="0" name=""/>
+        <dsp:cNvSpPr/>
+      </dsp:nvSpPr>
+      <dsp:spPr>
+        <a:xfrm>
+          <a:off x="0" y="1246822"/>
+          <a:ext cx="8458200" cy="1133474"/>
+        </a:xfrm>
+        <a:prstGeom prst="roundRect">
+          <a:avLst>
+            <a:gd name="adj" fmla="val 10000"/>
+          </a:avLst>
+        </a:prstGeom>
+        <a:solidFill>
+          <a:schemeClr val="accent3">
+            <a:hueOff val="0"/>
+            <a:satOff val="0"/>
+            <a:lumOff val="0"/>
+            <a:alphaOff val="0"/>
+          </a:schemeClr>
+        </a:solidFill>
+        <a:ln w="25400" cap="flat" cmpd="sng" algn="ctr">
+          <a:solidFill>
+            <a:schemeClr val="lt1">
+              <a:hueOff val="0"/>
+              <a:satOff val="0"/>
+              <a:lumOff val="0"/>
+              <a:alphaOff val="0"/>
+            </a:schemeClr>
+          </a:solidFill>
+          <a:prstDash val="solid"/>
+        </a:ln>
+        <a:effectLst/>
+      </dsp:spPr>
+      <dsp:style>
+        <a:lnRef idx="2">
+          <a:scrgbClr r="0" g="0" b="0"/>
+        </a:lnRef>
+        <a:fillRef idx="1">
+          <a:scrgbClr r="0" g="0" b="0"/>
+        </a:fillRef>
+        <a:effectRef idx="0">
+          <a:scrgbClr r="0" g="0" b="0"/>
+        </a:effectRef>
+        <a:fontRef idx="minor">
+          <a:schemeClr val="lt1"/>
+        </a:fontRef>
+      </dsp:style>
+      <dsp:txBody>
+        <a:bodyPr spcFirstLastPara="0" vert="horz" wrap="square" lIns="91440" tIns="91440" rIns="91440" bIns="91440" numCol="1" spcCol="1270" anchor="ctr" anchorCtr="0">
+          <a:noAutofit/>
+        </a:bodyPr>
+        <a:lstStyle/>
+        <a:p>
+          <a:pPr lvl="0" algn="l" defTabSz="1066800">
+            <a:lnSpc>
+              <a:spcPct val="90000"/>
+            </a:lnSpc>
+            <a:spcBef>
+              <a:spcPct val="0"/>
+            </a:spcBef>
+            <a:spcAft>
+              <a:spcPct val="35000"/>
+            </a:spcAft>
+          </a:pPr>
+          <a:r>
+            <a:rPr lang="en-US" sz="2400" b="1" kern="1200" dirty="0" smtClean="0">
+              <a:latin typeface="Corbel (Body)"/>
+            </a:rPr>
+            <a:t>Usability</a:t>
+          </a:r>
+          <a:endParaRPr lang="en-US" sz="1800" b="1" kern="1200" dirty="0" smtClean="0">
+            <a:latin typeface="Corbel (Body)"/>
+          </a:endParaRPr>
+        </a:p>
+        <a:p>
+          <a:pPr lvl="0" algn="l" defTabSz="1066800">
+            <a:lnSpc>
+              <a:spcPct val="90000"/>
+            </a:lnSpc>
+            <a:spcBef>
+              <a:spcPct val="0"/>
+            </a:spcBef>
+            <a:spcAft>
+              <a:spcPct val="35000"/>
+            </a:spcAft>
+          </a:pPr>
+          <a:r>
+            <a:rPr lang="en-US" sz="1400" b="1" kern="1200" dirty="0" smtClean="0">
+              <a:latin typeface="Corbel (Body)"/>
+            </a:rPr>
+            <a:t>Learnability</a:t>
+          </a:r>
+          <a:r>
+            <a:rPr lang="en-US" sz="1400" b="0" kern="1200" dirty="0" smtClean="0">
+              <a:latin typeface="Corbel (Body)"/>
+            </a:rPr>
+            <a:t>: Content and Question design easy to study with high school student.</a:t>
+          </a:r>
+        </a:p>
+        <a:p>
+          <a:pPr lvl="0" algn="l" defTabSz="1066800">
+            <a:lnSpc>
+              <a:spcPct val="90000"/>
+            </a:lnSpc>
+            <a:spcBef>
+              <a:spcPct val="0"/>
+            </a:spcBef>
+            <a:spcAft>
+              <a:spcPct val="35000"/>
+            </a:spcAft>
+          </a:pPr>
+          <a:r>
+            <a:rPr lang="en-US" sz="1400" b="1" kern="1200" dirty="0" smtClean="0">
+              <a:latin typeface="Corbel (Body)"/>
+            </a:rPr>
+            <a:t>Understandability</a:t>
+          </a:r>
+          <a:r>
+            <a:rPr lang="en-US" sz="1400" b="0" kern="1200" dirty="0" smtClean="0">
+              <a:latin typeface="Corbel (Body)"/>
+            </a:rPr>
+            <a:t>: Control in front page has small numbers and clear meaning.</a:t>
+          </a:r>
+          <a:endParaRPr lang="en-US" sz="1400" b="0" kern="1200" dirty="0">
+            <a:latin typeface="Corbel (Body)"/>
+          </a:endParaRPr>
+        </a:p>
+      </dsp:txBody>
+      <dsp:txXfrm>
+        <a:off x="1804987" y="1246822"/>
+        <a:ext cx="6653212" cy="1133474"/>
+      </dsp:txXfrm>
+    </dsp:sp>
+    <dsp:sp modelId="{5D1ADF10-2035-412E-BD2F-4CE3F3CD30BA}">
+      <dsp:nvSpPr>
+        <dsp:cNvPr id="0" name=""/>
+        <dsp:cNvSpPr/>
+      </dsp:nvSpPr>
+      <dsp:spPr>
+        <a:xfrm>
+          <a:off x="113347" y="1360169"/>
+          <a:ext cx="1691640" cy="906779"/>
+        </a:xfrm>
+        <a:prstGeom prst="roundRect">
+          <a:avLst>
+            <a:gd name="adj" fmla="val 10000"/>
+          </a:avLst>
+        </a:prstGeom>
+        <a:blipFill>
+          <a:blip xmlns:r="http://schemas.openxmlformats.org/officeDocument/2006/relationships" r:embed="rId2" cstate="print">
+            <a:extLst>
+              <a:ext uri="{28A0092B-C50C-407E-A947-70E740481C1C}">
+                <a14:useLocalDpi xmlns:a14="http://schemas.microsoft.com/office/drawing/2010/main" val="0"/>
+              </a:ext>
+            </a:extLst>
+          </a:blip>
+          <a:srcRect/>
+          <a:stretch>
+            <a:fillRect t="-1000" b="-1000"/>
+          </a:stretch>
+        </a:blipFill>
+        <a:ln w="25400" cap="flat" cmpd="sng" algn="ctr">
+          <a:solidFill>
+            <a:schemeClr val="lt1">
+              <a:hueOff val="0"/>
+              <a:satOff val="0"/>
+              <a:lumOff val="0"/>
+              <a:alphaOff val="0"/>
+            </a:schemeClr>
+          </a:solidFill>
+          <a:prstDash val="solid"/>
+        </a:ln>
+        <a:effectLst/>
+      </dsp:spPr>
+      <dsp:style>
+        <a:lnRef idx="2">
+          <a:scrgbClr r="0" g="0" b="0"/>
+        </a:lnRef>
+        <a:fillRef idx="1">
+          <a:scrgbClr r="0" g="0" b="0"/>
+        </a:fillRef>
+        <a:effectRef idx="0">
+          <a:scrgbClr r="0" g="0" b="0"/>
+        </a:effectRef>
+        <a:fontRef idx="minor"/>
+      </dsp:style>
+    </dsp:sp>
+    <dsp:sp modelId="{B38D2954-72D7-492A-A848-44DFE336F0E0}">
+      <dsp:nvSpPr>
+        <dsp:cNvPr id="0" name=""/>
+        <dsp:cNvSpPr/>
+      </dsp:nvSpPr>
+      <dsp:spPr>
+        <a:xfrm>
+          <a:off x="0" y="2493644"/>
+          <a:ext cx="8458200" cy="1133474"/>
+        </a:xfrm>
+        <a:prstGeom prst="roundRect">
+          <a:avLst>
+            <a:gd name="adj" fmla="val 10000"/>
+          </a:avLst>
+        </a:prstGeom>
+        <a:solidFill>
+          <a:schemeClr val="accent4">
+            <a:hueOff val="0"/>
+            <a:satOff val="0"/>
+            <a:lumOff val="0"/>
+            <a:alphaOff val="0"/>
+          </a:schemeClr>
+        </a:solidFill>
+        <a:ln w="25400" cap="flat" cmpd="sng" algn="ctr">
+          <a:solidFill>
+            <a:schemeClr val="lt1">
+              <a:hueOff val="0"/>
+              <a:satOff val="0"/>
+              <a:lumOff val="0"/>
+              <a:alphaOff val="0"/>
+            </a:schemeClr>
+          </a:solidFill>
+          <a:prstDash val="solid"/>
+        </a:ln>
+        <a:effectLst/>
+      </dsp:spPr>
+      <dsp:style>
+        <a:lnRef idx="2">
+          <a:scrgbClr r="0" g="0" b="0"/>
+        </a:lnRef>
+        <a:fillRef idx="1">
+          <a:scrgbClr r="0" g="0" b="0"/>
+        </a:fillRef>
+        <a:effectRef idx="0">
+          <a:scrgbClr r="0" g="0" b="0"/>
+        </a:effectRef>
+        <a:fontRef idx="minor">
+          <a:schemeClr val="lt1"/>
+        </a:fontRef>
+      </dsp:style>
+      <dsp:txBody>
+        <a:bodyPr spcFirstLastPara="0" vert="horz" wrap="square" lIns="91440" tIns="91440" rIns="91440" bIns="91440" numCol="1" spcCol="1270" anchor="ctr" anchorCtr="0">
+          <a:noAutofit/>
+        </a:bodyPr>
+        <a:lstStyle/>
+        <a:p>
+          <a:pPr lvl="0" algn="l" defTabSz="1066800">
+            <a:lnSpc>
+              <a:spcPct val="90000"/>
+            </a:lnSpc>
+            <a:spcBef>
+              <a:spcPct val="0"/>
+            </a:spcBef>
+            <a:spcAft>
+              <a:spcPct val="35000"/>
+            </a:spcAft>
+          </a:pPr>
+          <a:r>
+            <a:rPr lang="en-US" sz="2400" b="1" kern="1200" dirty="0" smtClean="0">
+              <a:latin typeface="Corbel (Body)"/>
+            </a:rPr>
+            <a:t>Portability</a:t>
+          </a:r>
+          <a:endParaRPr lang="en-US" sz="1800" b="1" kern="1200" dirty="0" smtClean="0">
+            <a:latin typeface="Corbel (Body)"/>
+          </a:endParaRPr>
+        </a:p>
+        <a:p>
+          <a:pPr lvl="0" algn="l" defTabSz="1066800">
+            <a:lnSpc>
+              <a:spcPct val="90000"/>
+            </a:lnSpc>
+            <a:spcBef>
+              <a:spcPct val="0"/>
+            </a:spcBef>
+            <a:spcAft>
+              <a:spcPct val="35000"/>
+            </a:spcAft>
+          </a:pPr>
+          <a:r>
+            <a:rPr lang="en-US" sz="1400" b="1" kern="1200" dirty="0" smtClean="0">
+              <a:latin typeface="Corbel (Body)"/>
+            </a:rPr>
+            <a:t>Adaptability</a:t>
+          </a:r>
+          <a:r>
+            <a:rPr lang="en-US" sz="1400" b="0" kern="1200" dirty="0" smtClean="0">
+              <a:latin typeface="Corbel (Body)"/>
+            </a:rPr>
+            <a:t>: Using PHP to develop, can use in many platform</a:t>
+          </a:r>
+        </a:p>
+        <a:p>
+          <a:pPr lvl="0" algn="l" defTabSz="1066800">
+            <a:lnSpc>
+              <a:spcPct val="90000"/>
+            </a:lnSpc>
+            <a:spcBef>
+              <a:spcPct val="0"/>
+            </a:spcBef>
+            <a:spcAft>
+              <a:spcPct val="35000"/>
+            </a:spcAft>
+          </a:pPr>
+          <a:r>
+            <a:rPr lang="vi-VN" sz="1400" b="1" kern="1200" dirty="0" smtClean="0">
+              <a:latin typeface="Corbel (Body)"/>
+            </a:rPr>
+            <a:t>Replaceability</a:t>
+          </a:r>
+          <a:r>
+            <a:rPr lang="vi-VN" sz="1400" b="0" kern="1200" dirty="0" smtClean="0">
+              <a:latin typeface="Corbel (Body)"/>
+            </a:rPr>
+            <a:t>: Component/Module use in Joomla can replace independent</a:t>
+          </a:r>
+          <a:r>
+            <a:rPr lang="en-US" sz="1400" b="0" kern="1200" dirty="0" smtClean="0">
+              <a:latin typeface="Corbel (Body)"/>
+            </a:rPr>
+            <a:t>.</a:t>
+          </a:r>
+          <a:endParaRPr lang="en-US" sz="1400" b="0" kern="1200" dirty="0">
+            <a:latin typeface="Corbel (Body)"/>
+          </a:endParaRPr>
+        </a:p>
+      </dsp:txBody>
+      <dsp:txXfrm>
+        <a:off x="1804987" y="2493644"/>
+        <a:ext cx="6653212" cy="1133474"/>
+      </dsp:txXfrm>
+    </dsp:sp>
+    <dsp:sp modelId="{4FF0269B-E64D-46EF-A86E-48F866FA13F4}">
+      <dsp:nvSpPr>
+        <dsp:cNvPr id="0" name=""/>
+        <dsp:cNvSpPr/>
+      </dsp:nvSpPr>
+      <dsp:spPr>
+        <a:xfrm>
+          <a:off x="113347" y="2606992"/>
+          <a:ext cx="1691640" cy="906779"/>
+        </a:xfrm>
+        <a:prstGeom prst="roundRect">
+          <a:avLst>
+            <a:gd name="adj" fmla="val 10000"/>
+          </a:avLst>
+        </a:prstGeom>
+        <a:blipFill>
+          <a:blip xmlns:r="http://schemas.openxmlformats.org/officeDocument/2006/relationships" r:embed="rId3">
+            <a:extLst>
+              <a:ext uri="{28A0092B-C50C-407E-A947-70E740481C1C}">
+                <a14:useLocalDpi xmlns:a14="http://schemas.microsoft.com/office/drawing/2010/main" val="0"/>
+              </a:ext>
+            </a:extLst>
+          </a:blip>
+          <a:srcRect/>
+          <a:stretch>
+            <a:fillRect l="-4000" r="-4000"/>
+          </a:stretch>
+        </a:blipFill>
+        <a:ln w="25400" cap="flat" cmpd="sng" algn="ctr">
+          <a:solidFill>
+            <a:schemeClr val="lt1">
+              <a:hueOff val="0"/>
+              <a:satOff val="0"/>
+              <a:lumOff val="0"/>
+              <a:alphaOff val="0"/>
+            </a:schemeClr>
+          </a:solidFill>
+          <a:prstDash val="solid"/>
+        </a:ln>
+        <a:effectLst/>
+      </dsp:spPr>
+      <dsp:style>
+        <a:lnRef idx="2">
+          <a:scrgbClr r="0" g="0" b="0"/>
+        </a:lnRef>
+        <a:fillRef idx="1">
+          <a:scrgbClr r="0" g="0" b="0"/>
+        </a:fillRef>
+        <a:effectRef idx="0">
+          <a:scrgbClr r="0" g="0" b="0"/>
+        </a:effectRef>
+        <a:fontRef idx="minor"/>
+      </dsp:style>
+    </dsp:sp>
+    <dsp:sp modelId="{2D779863-9DA2-4F5A-814E-7DE9A25FEE45}">
+      <dsp:nvSpPr>
+        <dsp:cNvPr id="0" name=""/>
+        <dsp:cNvSpPr/>
+      </dsp:nvSpPr>
+      <dsp:spPr>
+        <a:xfrm>
+          <a:off x="0" y="3733802"/>
+          <a:ext cx="8458200" cy="1133475"/>
+        </a:xfrm>
+        <a:prstGeom prst="roundRect">
+          <a:avLst>
+            <a:gd name="adj" fmla="val 10000"/>
+          </a:avLst>
+        </a:prstGeom>
+        <a:solidFill>
+          <a:schemeClr val="accent5">
+            <a:hueOff val="0"/>
+            <a:satOff val="0"/>
+            <a:lumOff val="0"/>
+            <a:alphaOff val="0"/>
+          </a:schemeClr>
+        </a:solidFill>
+        <a:ln w="25400" cap="flat" cmpd="sng" algn="ctr">
+          <a:solidFill>
+            <a:schemeClr val="lt1">
+              <a:hueOff val="0"/>
+              <a:satOff val="0"/>
+              <a:lumOff val="0"/>
+              <a:alphaOff val="0"/>
+            </a:schemeClr>
+          </a:solidFill>
+          <a:prstDash val="solid"/>
+        </a:ln>
+        <a:effectLst/>
+      </dsp:spPr>
+      <dsp:style>
+        <a:lnRef idx="2">
+          <a:scrgbClr r="0" g="0" b="0"/>
+        </a:lnRef>
+        <a:fillRef idx="1">
+          <a:scrgbClr r="0" g="0" b="0"/>
+        </a:fillRef>
+        <a:effectRef idx="0">
+          <a:scrgbClr r="0" g="0" b="0"/>
+        </a:effectRef>
+        <a:fontRef idx="minor">
+          <a:schemeClr val="lt1"/>
+        </a:fontRef>
+      </dsp:style>
+      <dsp:txBody>
+        <a:bodyPr spcFirstLastPara="0" vert="horz" wrap="square" lIns="91440" tIns="91440" rIns="91440" bIns="91440" numCol="1" spcCol="1270" anchor="ctr" anchorCtr="0">
+          <a:noAutofit/>
+        </a:bodyPr>
+        <a:lstStyle/>
+        <a:p>
+          <a:pPr lvl="0" algn="l" defTabSz="1066800">
+            <a:lnSpc>
+              <a:spcPct val="90000"/>
+            </a:lnSpc>
+            <a:spcBef>
+              <a:spcPct val="0"/>
+            </a:spcBef>
+            <a:spcAft>
+              <a:spcPct val="35000"/>
+            </a:spcAft>
+          </a:pPr>
+          <a:r>
+            <a:rPr lang="en-US" sz="2400" b="1" kern="1200" dirty="0" smtClean="0">
+              <a:latin typeface="Corbel (Body)"/>
+            </a:rPr>
+            <a:t>Performance</a:t>
+          </a:r>
+        </a:p>
+        <a:p>
+          <a:pPr lvl="0" algn="l" defTabSz="1066800">
+            <a:lnSpc>
+              <a:spcPct val="90000"/>
+            </a:lnSpc>
+            <a:spcBef>
+              <a:spcPct val="0"/>
+            </a:spcBef>
+            <a:spcAft>
+              <a:spcPct val="35000"/>
+            </a:spcAft>
+          </a:pPr>
+          <a:r>
+            <a:rPr lang="en-US" sz="1400" b="0" kern="1200" dirty="0" smtClean="0">
+              <a:latin typeface="Corbel (Body)"/>
+            </a:rPr>
+            <a:t>Each page has been loaded I 3 seconds in maximum time.</a:t>
+          </a:r>
+        </a:p>
+        <a:p>
+          <a:pPr lvl="0" algn="l" defTabSz="1066800">
+            <a:lnSpc>
+              <a:spcPct val="90000"/>
+            </a:lnSpc>
+            <a:spcBef>
+              <a:spcPct val="0"/>
+            </a:spcBef>
+            <a:spcAft>
+              <a:spcPct val="35000"/>
+            </a:spcAft>
+          </a:pPr>
+          <a:r>
+            <a:rPr lang="en-US" sz="1400" b="0" kern="1200" dirty="0" smtClean="0">
+              <a:latin typeface="Corbel (Body)"/>
+            </a:rPr>
+            <a:t>Can response 2000 as average of access users at the same time.</a:t>
+          </a:r>
+          <a:endParaRPr lang="en-US" sz="1400" b="0" kern="1200" dirty="0">
+            <a:latin typeface="Corbel (Body)"/>
+          </a:endParaRPr>
+        </a:p>
+      </dsp:txBody>
+      <dsp:txXfrm>
+        <a:off x="1804987" y="3733802"/>
+        <a:ext cx="6653212" cy="1133475"/>
+      </dsp:txXfrm>
+    </dsp:sp>
+    <dsp:sp modelId="{79D532E0-E956-436D-A85B-5B6A3357FBC0}">
+      <dsp:nvSpPr>
+        <dsp:cNvPr id="0" name=""/>
+        <dsp:cNvSpPr/>
+      </dsp:nvSpPr>
+      <dsp:spPr>
+        <a:xfrm>
+          <a:off x="113347" y="3850006"/>
+          <a:ext cx="1691640" cy="914396"/>
+        </a:xfrm>
+        <a:prstGeom prst="roundRect">
+          <a:avLst>
+            <a:gd name="adj" fmla="val 10000"/>
+          </a:avLst>
+        </a:prstGeom>
+        <a:blipFill dpi="0" rotWithShape="1">
+          <a:blip xmlns:r="http://schemas.openxmlformats.org/officeDocument/2006/relationships" r:embed="rId4">
+            <a:extLst>
+              <a:ext uri="{28A0092B-C50C-407E-A947-70E740481C1C}">
+                <a14:useLocalDpi xmlns:a14="http://schemas.microsoft.com/office/drawing/2010/main" val="0"/>
+              </a:ext>
+            </a:extLst>
+          </a:blip>
+          <a:srcRect/>
+          <a:stretch>
+            <a:fillRect l="-1351" r="-1351"/>
+          </a:stretch>
+        </a:blipFill>
+        <a:ln w="25400" cap="flat" cmpd="sng" algn="ctr">
+          <a:solidFill>
+            <a:schemeClr val="lt1">
+              <a:hueOff val="0"/>
+              <a:satOff val="0"/>
+              <a:lumOff val="0"/>
+              <a:alphaOff val="0"/>
+            </a:schemeClr>
+          </a:solidFill>
+          <a:prstDash val="solid"/>
+        </a:ln>
+        <a:effectLst/>
+      </dsp:spPr>
+      <dsp:style>
+        <a:lnRef idx="2">
+          <a:scrgbClr r="0" g="0" b="0"/>
+        </a:lnRef>
+        <a:fillRef idx="1">
+          <a:scrgbClr r="0" g="0" b="0"/>
+        </a:fillRef>
+        <a:effectRef idx="0">
+          <a:scrgbClr r="0" g="0" b="0"/>
+        </a:effectRef>
+        <a:fontRef idx="minor"/>
+      </dsp:style>
+    </dsp:sp>
   </dsp:spTree>
 </dsp:drawing>
 </file>
@@ -43454,16 +44217,45 @@
           </a:p>
         </p:txBody>
       </p:sp>
+      <p:sp>
+        <p:nvSpPr>
+          <p:cNvPr id="5" name="Slide Number Placeholder 4"/>
+          <p:cNvSpPr>
+            <a:spLocks noGrp="1"/>
+          </p:cNvSpPr>
+          <p:nvPr>
+            <p:ph type="sldNum" sz="quarter" idx="12"/>
+          </p:nvPr>
+        </p:nvSpPr>
+        <p:spPr>
+          <a:xfrm>
+            <a:off x="6781800" y="6477000"/>
+            <a:ext cx="2133600" cy="228600"/>
+          </a:xfrm>
+        </p:spPr>
+        <p:txBody>
+          <a:bodyPr/>
+          <a:lstStyle/>
+          <a:p>
+            <a:fld id="{B880891D-F623-43F5-8A70-E4D501C286D5}" type="slidenum">
+              <a:rPr lang="en-US" smtClean="0"/>
+              <a:pPr/>
+              <a:t>25</a:t>
+            </a:fld>
+            <a:endParaRPr lang="en-US" dirty="0"/>
+          </a:p>
+        </p:txBody>
+      </p:sp>
       <p:pic>
         <p:nvPicPr>
-          <p:cNvPr id="8195" name="Picture 3"/>
+          <p:cNvPr id="7170" name="Picture 2"/>
           <p:cNvPicPr>
             <a:picLocks noChangeAspect="1" noChangeArrowheads="1"/>
           </p:cNvPicPr>
           <p:nvPr/>
         </p:nvPicPr>
         <p:blipFill>
-          <a:blip r:embed="rId3" cstate="print">
+          <a:blip r:embed="rId3">
             <a:extLst>
               <a:ext uri="{28A0092B-C50C-407E-A947-70E740481C1C}">
                 <a14:useLocalDpi xmlns:a14="http://schemas.microsoft.com/office/drawing/2010/main" val="0"/>
@@ -43477,8 +44269,8 @@
         </p:blipFill>
         <p:spPr bwMode="auto">
           <a:xfrm>
-            <a:off x="685800" y="1219200"/>
-            <a:ext cx="7831834" cy="5917141"/>
+            <a:off x="741680" y="1295400"/>
+            <a:ext cx="7648575" cy="5781675"/>
           </a:xfrm>
           <a:prstGeom prst="rect">
             <a:avLst/>
@@ -43518,35 +44310,6 @@
           </a:extLst>
         </p:spPr>
       </p:pic>
-      <p:sp>
-        <p:nvSpPr>
-          <p:cNvPr id="5" name="Slide Number Placeholder 4"/>
-          <p:cNvSpPr>
-            <a:spLocks noGrp="1"/>
-          </p:cNvSpPr>
-          <p:nvPr>
-            <p:ph type="sldNum" sz="quarter" idx="12"/>
-          </p:nvPr>
-        </p:nvSpPr>
-        <p:spPr>
-          <a:xfrm>
-            <a:off x="6781800" y="6477000"/>
-            <a:ext cx="2133600" cy="228600"/>
-          </a:xfrm>
-        </p:spPr>
-        <p:txBody>
-          <a:bodyPr/>
-          <a:lstStyle/>
-          <a:p>
-            <a:fld id="{B880891D-F623-43F5-8A70-E4D501C286D5}" type="slidenum">
-              <a:rPr lang="en-US" smtClean="0"/>
-              <a:pPr/>
-              <a:t>25</a:t>
-            </a:fld>
-            <a:endParaRPr lang="en-US" dirty="0"/>
-          </a:p>
-        </p:txBody>
-      </p:sp>
     </p:spTree>
     <p:extLst>
       <p:ext uri="{BB962C8B-B14F-4D97-AF65-F5344CB8AC3E}">
@@ -44200,7 +44963,7 @@
           <a:graphicData uri="http://schemas.openxmlformats.org/presentationml/2006/ole">
             <mc:AlternateContent xmlns:mc="http://schemas.openxmlformats.org/markup-compatibility/2006">
               <mc:Choice xmlns:v="urn:schemas-microsoft-com:vml" Requires="v">
-                <p:oleObj spid="_x0000_s6329" name="SmartDraw" r:id="rId3" imgW="8703268" imgH="4533499" progId="">
+                <p:oleObj spid="_x0000_s6330" name="SmartDraw" r:id="rId3" imgW="8703268" imgH="4533499" progId="">
                   <p:embed/>
                 </p:oleObj>
               </mc:Choice>

--- a/Document/Final report/Slide Present E-Learning.pptx
+++ b/Document/Final report/Slide Present E-Learning.pptx
@@ -6968,19 +6968,19 @@
     </dgm:pt>
   </dgm:ptLst>
   <dgm:cxnLst>
+    <dgm:cxn modelId="{57AEC4E1-E39B-40BF-A759-05D82CB95A28}" type="presOf" srcId="{0147D4AA-4E15-49E6-A25A-8CD4A35CBFC0}" destId="{2D292C3A-67B0-478E-BF8A-7F0ABB29F864}" srcOrd="0" destOrd="0" presId="urn:microsoft.com/office/officeart/2005/8/layout/cycle1"/>
+    <dgm:cxn modelId="{D49908A6-7D37-45A9-A97A-404DB2A08845}" srcId="{DFA9B5E4-DF69-43ED-8F65-4EAAEBC2EE53}" destId="{B9B6B5B9-A383-4A5E-A39C-6297B835C37B}" srcOrd="1" destOrd="0" parTransId="{C1E3E11F-4466-488A-8FC0-764483D0AA4C}" sibTransId="{676731DC-6C25-4BF6-8EF8-176FB71AC90F}"/>
+    <dgm:cxn modelId="{659D4042-7B35-47CB-895E-3F297EA888E2}" type="presOf" srcId="{34BD85C1-B27C-446E-87D3-5D521284A9D2}" destId="{72325E4A-8AA1-4295-86D7-8B07CDB62C5B}" srcOrd="0" destOrd="0" presId="urn:microsoft.com/office/officeart/2005/8/layout/cycle1"/>
+    <dgm:cxn modelId="{6DC0B433-6BCC-48B8-8319-F0266F3863E1}" srcId="{DFA9B5E4-DF69-43ED-8F65-4EAAEBC2EE53}" destId="{0147D4AA-4E15-49E6-A25A-8CD4A35CBFC0}" srcOrd="3" destOrd="0" parTransId="{32CD8CBE-1D99-415C-80B9-54C68ED4CB0C}" sibTransId="{9E8C6084-CE2A-466B-A967-47F6FBABEA09}"/>
+    <dgm:cxn modelId="{3EF01423-FB7C-4617-9F73-ED9750A75CAB}" type="presOf" srcId="{2DABDF10-2BB6-4291-835C-5F8B0164934C}" destId="{5979FF20-98E1-4391-BBF7-7F88B24DB2DD}" srcOrd="0" destOrd="0" presId="urn:microsoft.com/office/officeart/2005/8/layout/cycle1"/>
+    <dgm:cxn modelId="{7C03B323-AACC-48EC-A03A-D6E7CF74182A}" type="presOf" srcId="{4A225F51-0ADF-4A8B-A2D6-7AF3BC8CF1BA}" destId="{6F7BB53F-EE28-4DC0-B3DC-1F944FE1B6FA}" srcOrd="0" destOrd="0" presId="urn:microsoft.com/office/officeart/2005/8/layout/cycle1"/>
+    <dgm:cxn modelId="{9CFF92F9-F367-4B26-AF43-9C1BBE37AA5E}" srcId="{DFA9B5E4-DF69-43ED-8F65-4EAAEBC2EE53}" destId="{4A225F51-0ADF-4A8B-A2D6-7AF3BC8CF1BA}" srcOrd="0" destOrd="0" parTransId="{0DF62D19-45E5-4083-B2C8-CA5C840DFCBF}" sibTransId="{34BD85C1-B27C-446E-87D3-5D521284A9D2}"/>
+    <dgm:cxn modelId="{5BCA9373-7645-4CF4-9146-7F1C0CF5BB64}" type="presOf" srcId="{676731DC-6C25-4BF6-8EF8-176FB71AC90F}" destId="{273E354B-5C77-4A97-B343-41170B6E2412}" srcOrd="0" destOrd="0" presId="urn:microsoft.com/office/officeart/2005/8/layout/cycle1"/>
+    <dgm:cxn modelId="{CAA8EFFA-73EA-4D93-AF5B-0C2B8D1901A5}" type="presOf" srcId="{B9B6B5B9-A383-4A5E-A39C-6297B835C37B}" destId="{9EB40CAE-1534-45F7-921E-D7F77DEEE6D1}" srcOrd="0" destOrd="0" presId="urn:microsoft.com/office/officeart/2005/8/layout/cycle1"/>
+    <dgm:cxn modelId="{06FAD51A-C087-4BC9-A140-F3F6D944C997}" type="presOf" srcId="{DFA9B5E4-DF69-43ED-8F65-4EAAEBC2EE53}" destId="{7423B5FF-E8AD-4E98-91F0-79AF73CCEE33}" srcOrd="0" destOrd="0" presId="urn:microsoft.com/office/officeart/2005/8/layout/cycle1"/>
     <dgm:cxn modelId="{6E67C4D2-80C6-4247-8241-64EA5611C932}" type="presOf" srcId="{9E8C6084-CE2A-466B-A967-47F6FBABEA09}" destId="{BC473F38-5C3F-4B9A-9E50-8E2A00344178}" srcOrd="0" destOrd="0" presId="urn:microsoft.com/office/officeart/2005/8/layout/cycle1"/>
-    <dgm:cxn modelId="{659D4042-7B35-47CB-895E-3F297EA888E2}" type="presOf" srcId="{34BD85C1-B27C-446E-87D3-5D521284A9D2}" destId="{72325E4A-8AA1-4295-86D7-8B07CDB62C5B}" srcOrd="0" destOrd="0" presId="urn:microsoft.com/office/officeart/2005/8/layout/cycle1"/>
-    <dgm:cxn modelId="{57AEC4E1-E39B-40BF-A759-05D82CB95A28}" type="presOf" srcId="{0147D4AA-4E15-49E6-A25A-8CD4A35CBFC0}" destId="{2D292C3A-67B0-478E-BF8A-7F0ABB29F864}" srcOrd="0" destOrd="0" presId="urn:microsoft.com/office/officeart/2005/8/layout/cycle1"/>
-    <dgm:cxn modelId="{5BCA9373-7645-4CF4-9146-7F1C0CF5BB64}" type="presOf" srcId="{676731DC-6C25-4BF6-8EF8-176FB71AC90F}" destId="{273E354B-5C77-4A97-B343-41170B6E2412}" srcOrd="0" destOrd="0" presId="urn:microsoft.com/office/officeart/2005/8/layout/cycle1"/>
-    <dgm:cxn modelId="{3EF01423-FB7C-4617-9F73-ED9750A75CAB}" type="presOf" srcId="{2DABDF10-2BB6-4291-835C-5F8B0164934C}" destId="{5979FF20-98E1-4391-BBF7-7F88B24DB2DD}" srcOrd="0" destOrd="0" presId="urn:microsoft.com/office/officeart/2005/8/layout/cycle1"/>
+    <dgm:cxn modelId="{8D8CF064-9ECD-4B14-822A-874FB4D52420}" srcId="{DFA9B5E4-DF69-43ED-8F65-4EAAEBC2EE53}" destId="{67AE712E-3238-46F4-9629-C594F88C428F}" srcOrd="2" destOrd="0" parTransId="{DA07E244-7E52-4969-9E19-575A4A826AAB}" sibTransId="{2DABDF10-2BB6-4291-835C-5F8B0164934C}"/>
     <dgm:cxn modelId="{DF7C7B9C-3130-40D9-A675-3451F18E2BA6}" type="presOf" srcId="{67AE712E-3238-46F4-9629-C594F88C428F}" destId="{59B7501A-AFE5-4EA0-B7A8-90C6CA2B9A3D}" srcOrd="0" destOrd="0" presId="urn:microsoft.com/office/officeart/2005/8/layout/cycle1"/>
-    <dgm:cxn modelId="{7C03B323-AACC-48EC-A03A-D6E7CF74182A}" type="presOf" srcId="{4A225F51-0ADF-4A8B-A2D6-7AF3BC8CF1BA}" destId="{6F7BB53F-EE28-4DC0-B3DC-1F944FE1B6FA}" srcOrd="0" destOrd="0" presId="urn:microsoft.com/office/officeart/2005/8/layout/cycle1"/>
-    <dgm:cxn modelId="{CAA8EFFA-73EA-4D93-AF5B-0C2B8D1901A5}" type="presOf" srcId="{B9B6B5B9-A383-4A5E-A39C-6297B835C37B}" destId="{9EB40CAE-1534-45F7-921E-D7F77DEEE6D1}" srcOrd="0" destOrd="0" presId="urn:microsoft.com/office/officeart/2005/8/layout/cycle1"/>
-    <dgm:cxn modelId="{6DC0B433-6BCC-48B8-8319-F0266F3863E1}" srcId="{DFA9B5E4-DF69-43ED-8F65-4EAAEBC2EE53}" destId="{0147D4AA-4E15-49E6-A25A-8CD4A35CBFC0}" srcOrd="3" destOrd="0" parTransId="{32CD8CBE-1D99-415C-80B9-54C68ED4CB0C}" sibTransId="{9E8C6084-CE2A-466B-A967-47F6FBABEA09}"/>
-    <dgm:cxn modelId="{D49908A6-7D37-45A9-A97A-404DB2A08845}" srcId="{DFA9B5E4-DF69-43ED-8F65-4EAAEBC2EE53}" destId="{B9B6B5B9-A383-4A5E-A39C-6297B835C37B}" srcOrd="1" destOrd="0" parTransId="{C1E3E11F-4466-488A-8FC0-764483D0AA4C}" sibTransId="{676731DC-6C25-4BF6-8EF8-176FB71AC90F}"/>
-    <dgm:cxn modelId="{8D8CF064-9ECD-4B14-822A-874FB4D52420}" srcId="{DFA9B5E4-DF69-43ED-8F65-4EAAEBC2EE53}" destId="{67AE712E-3238-46F4-9629-C594F88C428F}" srcOrd="2" destOrd="0" parTransId="{DA07E244-7E52-4969-9E19-575A4A826AAB}" sibTransId="{2DABDF10-2BB6-4291-835C-5F8B0164934C}"/>
-    <dgm:cxn modelId="{06FAD51A-C087-4BC9-A140-F3F6D944C997}" type="presOf" srcId="{DFA9B5E4-DF69-43ED-8F65-4EAAEBC2EE53}" destId="{7423B5FF-E8AD-4E98-91F0-79AF73CCEE33}" srcOrd="0" destOrd="0" presId="urn:microsoft.com/office/officeart/2005/8/layout/cycle1"/>
-    <dgm:cxn modelId="{9CFF92F9-F367-4B26-AF43-9C1BBE37AA5E}" srcId="{DFA9B5E4-DF69-43ED-8F65-4EAAEBC2EE53}" destId="{4A225F51-0ADF-4A8B-A2D6-7AF3BC8CF1BA}" srcOrd="0" destOrd="0" parTransId="{0DF62D19-45E5-4083-B2C8-CA5C840DFCBF}" sibTransId="{34BD85C1-B27C-446E-87D3-5D521284A9D2}"/>
     <dgm:cxn modelId="{A9DA188C-6DE3-478C-8451-7F743E0AFD12}" type="presParOf" srcId="{7423B5FF-E8AD-4E98-91F0-79AF73CCEE33}" destId="{3D680A36-99EC-4A92-AC49-1CB3465B2D40}" srcOrd="0" destOrd="0" presId="urn:microsoft.com/office/officeart/2005/8/layout/cycle1"/>
     <dgm:cxn modelId="{1B173123-E361-49D5-853F-BE470C8A0BBC}" type="presParOf" srcId="{7423B5FF-E8AD-4E98-91F0-79AF73CCEE33}" destId="{6F7BB53F-EE28-4DC0-B3DC-1F944FE1B6FA}" srcOrd="1" destOrd="0" presId="urn:microsoft.com/office/officeart/2005/8/layout/cycle1"/>
     <dgm:cxn modelId="{DADB92BC-78AD-4210-86E7-5B909CC7EF92}" type="presParOf" srcId="{7423B5FF-E8AD-4E98-91F0-79AF73CCEE33}" destId="{72325E4A-8AA1-4295-86D7-8B07CDB62C5B}" srcOrd="2" destOrd="0" presId="urn:microsoft.com/office/officeart/2005/8/layout/cycle1"/>
@@ -11190,769 +11190,6 @@
       <dsp:cNvGrpSpPr/>
     </dsp:nvGrpSpPr>
     <dsp:grpSpPr/>
-    <dsp:sp modelId="{BB84DB34-BA67-4F32-ADA4-2380B8C83095}">
-      <dsp:nvSpPr>
-        <dsp:cNvPr id="0" name=""/>
-        <dsp:cNvSpPr/>
-      </dsp:nvSpPr>
-      <dsp:spPr>
-        <a:xfrm>
-          <a:off x="0" y="0"/>
-          <a:ext cx="8458200" cy="1133474"/>
-        </a:xfrm>
-        <a:prstGeom prst="roundRect">
-          <a:avLst>
-            <a:gd name="adj" fmla="val 10000"/>
-          </a:avLst>
-        </a:prstGeom>
-        <a:solidFill>
-          <a:schemeClr val="accent2">
-            <a:hueOff val="0"/>
-            <a:satOff val="0"/>
-            <a:lumOff val="0"/>
-            <a:alphaOff val="0"/>
-          </a:schemeClr>
-        </a:solidFill>
-        <a:ln w="25400" cap="flat" cmpd="sng" algn="ctr">
-          <a:solidFill>
-            <a:schemeClr val="lt1">
-              <a:hueOff val="0"/>
-              <a:satOff val="0"/>
-              <a:lumOff val="0"/>
-              <a:alphaOff val="0"/>
-            </a:schemeClr>
-          </a:solidFill>
-          <a:prstDash val="solid"/>
-        </a:ln>
-        <a:effectLst/>
-      </dsp:spPr>
-      <dsp:style>
-        <a:lnRef idx="2">
-          <a:scrgbClr r="0" g="0" b="0"/>
-        </a:lnRef>
-        <a:fillRef idx="1">
-          <a:scrgbClr r="0" g="0" b="0"/>
-        </a:fillRef>
-        <a:effectRef idx="0">
-          <a:scrgbClr r="0" g="0" b="0"/>
-        </a:effectRef>
-        <a:fontRef idx="minor">
-          <a:schemeClr val="lt1"/>
-        </a:fontRef>
-      </dsp:style>
-      <dsp:txBody>
-        <a:bodyPr spcFirstLastPara="0" vert="horz" wrap="square" lIns="91440" tIns="91440" rIns="91440" bIns="91440" numCol="1" spcCol="1270" anchor="ctr" anchorCtr="0">
-          <a:noAutofit/>
-        </a:bodyPr>
-        <a:lstStyle/>
-        <a:p>
-          <a:pPr lvl="0" algn="l" defTabSz="1066800">
-            <a:lnSpc>
-              <a:spcPct val="90000"/>
-            </a:lnSpc>
-            <a:spcBef>
-              <a:spcPct val="0"/>
-            </a:spcBef>
-            <a:spcAft>
-              <a:spcPct val="35000"/>
-            </a:spcAft>
-          </a:pPr>
-          <a:r>
-            <a:rPr lang="en-US" sz="2400" b="1" kern="1200" dirty="0" smtClean="0">
-              <a:latin typeface="Corbel (Body)"/>
-            </a:rPr>
-            <a:t>Maintainability</a:t>
-          </a:r>
-          <a:endParaRPr lang="en-US" sz="1900" b="1" kern="1200" dirty="0" smtClean="0">
-            <a:latin typeface="Corbel (Body)"/>
-          </a:endParaRPr>
-        </a:p>
-        <a:p>
-          <a:pPr lvl="0" algn="l" defTabSz="1066800">
-            <a:lnSpc>
-              <a:spcPct val="90000"/>
-            </a:lnSpc>
-            <a:spcBef>
-              <a:spcPct val="0"/>
-            </a:spcBef>
-            <a:spcAft>
-              <a:spcPct val="35000"/>
-            </a:spcAft>
-          </a:pPr>
-          <a:r>
-            <a:rPr lang="en-US" sz="1600" b="1" kern="1200" dirty="0" smtClean="0">
-              <a:latin typeface="Corbel (Body)"/>
-            </a:rPr>
-            <a:t>Changeability</a:t>
-          </a:r>
-          <a:r>
-            <a:rPr lang="en-US" sz="1600" b="0" kern="1200" dirty="0" smtClean="0">
-              <a:latin typeface="Corbel (Body)"/>
-            </a:rPr>
-            <a:t>: Function coded as component of </a:t>
-          </a:r>
-          <a:r>
-            <a:rPr lang="en-US" sz="1600" b="0" kern="1200" dirty="0" err="1" smtClean="0">
-              <a:latin typeface="Corbel (Body)"/>
-            </a:rPr>
-            <a:t>Joomla</a:t>
-          </a:r>
-          <a:r>
-            <a:rPr lang="en-US" sz="1600" b="0" kern="1200" dirty="0" smtClean="0">
-              <a:latin typeface="Corbel (Body)"/>
-            </a:rPr>
-            <a:t>, easy to edit.</a:t>
-          </a:r>
-        </a:p>
-        <a:p>
-          <a:pPr lvl="0" algn="l" defTabSz="1066800">
-            <a:lnSpc>
-              <a:spcPct val="90000"/>
-            </a:lnSpc>
-            <a:spcBef>
-              <a:spcPct val="0"/>
-            </a:spcBef>
-            <a:spcAft>
-              <a:spcPct val="35000"/>
-            </a:spcAft>
-          </a:pPr>
-          <a:r>
-            <a:rPr lang="en-US" sz="1600" b="1" kern="1200" dirty="0" smtClean="0">
-              <a:latin typeface="Corbel (Body)"/>
-            </a:rPr>
-            <a:t>Analyzability</a:t>
-          </a:r>
-          <a:r>
-            <a:rPr lang="en-US" sz="1600" b="0" kern="1200" dirty="0" smtClean="0">
-              <a:latin typeface="Corbel (Body)"/>
-            </a:rPr>
-            <a:t>: Having comment codes to help figure out.</a:t>
-          </a:r>
-          <a:endParaRPr lang="en-US" sz="1600" b="0" kern="1200" dirty="0">
-            <a:latin typeface="Corbel (Body)"/>
-          </a:endParaRPr>
-        </a:p>
-      </dsp:txBody>
-      <dsp:txXfrm>
-        <a:off x="1804987" y="0"/>
-        <a:ext cx="6653212" cy="1133474"/>
-      </dsp:txXfrm>
-    </dsp:sp>
-    <dsp:sp modelId="{BEEFFAAC-A8CD-4433-8EDA-5737C85AB46F}">
-      <dsp:nvSpPr>
-        <dsp:cNvPr id="0" name=""/>
-        <dsp:cNvSpPr/>
-      </dsp:nvSpPr>
-      <dsp:spPr>
-        <a:xfrm>
-          <a:off x="113347" y="113347"/>
-          <a:ext cx="1691640" cy="906779"/>
-        </a:xfrm>
-        <a:prstGeom prst="roundRect">
-          <a:avLst>
-            <a:gd name="adj" fmla="val 10000"/>
-          </a:avLst>
-        </a:prstGeom>
-        <a:blipFill>
-          <a:blip xmlns:r="http://schemas.openxmlformats.org/officeDocument/2006/relationships" r:embed="rId1">
-            <a:extLst>
-              <a:ext uri="{28A0092B-C50C-407E-A947-70E740481C1C}">
-                <a14:useLocalDpi xmlns:a14="http://schemas.microsoft.com/office/drawing/2010/main" val="0"/>
-              </a:ext>
-            </a:extLst>
-          </a:blip>
-          <a:srcRect/>
-          <a:stretch>
-            <a:fillRect t="-10000" b="-10000"/>
-          </a:stretch>
-        </a:blipFill>
-        <a:ln w="25400" cap="flat" cmpd="sng" algn="ctr">
-          <a:solidFill>
-            <a:schemeClr val="lt1">
-              <a:hueOff val="0"/>
-              <a:satOff val="0"/>
-              <a:lumOff val="0"/>
-              <a:alphaOff val="0"/>
-            </a:schemeClr>
-          </a:solidFill>
-          <a:prstDash val="solid"/>
-        </a:ln>
-        <a:effectLst/>
-      </dsp:spPr>
-      <dsp:style>
-        <a:lnRef idx="2">
-          <a:scrgbClr r="0" g="0" b="0"/>
-        </a:lnRef>
-        <a:fillRef idx="1">
-          <a:scrgbClr r="0" g="0" b="0"/>
-        </a:fillRef>
-        <a:effectRef idx="0">
-          <a:scrgbClr r="0" g="0" b="0"/>
-        </a:effectRef>
-        <a:fontRef idx="minor"/>
-      </dsp:style>
-    </dsp:sp>
-    <dsp:sp modelId="{FF610F31-FA87-446D-9CFF-9000735AAD62}">
-      <dsp:nvSpPr>
-        <dsp:cNvPr id="0" name=""/>
-        <dsp:cNvSpPr/>
-      </dsp:nvSpPr>
-      <dsp:spPr>
-        <a:xfrm>
-          <a:off x="0" y="1246822"/>
-          <a:ext cx="8458200" cy="1133474"/>
-        </a:xfrm>
-        <a:prstGeom prst="roundRect">
-          <a:avLst>
-            <a:gd name="adj" fmla="val 10000"/>
-          </a:avLst>
-        </a:prstGeom>
-        <a:solidFill>
-          <a:schemeClr val="accent3">
-            <a:hueOff val="0"/>
-            <a:satOff val="0"/>
-            <a:lumOff val="0"/>
-            <a:alphaOff val="0"/>
-          </a:schemeClr>
-        </a:solidFill>
-        <a:ln w="25400" cap="flat" cmpd="sng" algn="ctr">
-          <a:solidFill>
-            <a:schemeClr val="lt1">
-              <a:hueOff val="0"/>
-              <a:satOff val="0"/>
-              <a:lumOff val="0"/>
-              <a:alphaOff val="0"/>
-            </a:schemeClr>
-          </a:solidFill>
-          <a:prstDash val="solid"/>
-        </a:ln>
-        <a:effectLst/>
-      </dsp:spPr>
-      <dsp:style>
-        <a:lnRef idx="2">
-          <a:scrgbClr r="0" g="0" b="0"/>
-        </a:lnRef>
-        <a:fillRef idx="1">
-          <a:scrgbClr r="0" g="0" b="0"/>
-        </a:fillRef>
-        <a:effectRef idx="0">
-          <a:scrgbClr r="0" g="0" b="0"/>
-        </a:effectRef>
-        <a:fontRef idx="minor">
-          <a:schemeClr val="lt1"/>
-        </a:fontRef>
-      </dsp:style>
-      <dsp:txBody>
-        <a:bodyPr spcFirstLastPara="0" vert="horz" wrap="square" lIns="91440" tIns="91440" rIns="91440" bIns="91440" numCol="1" spcCol="1270" anchor="ctr" anchorCtr="0">
-          <a:noAutofit/>
-        </a:bodyPr>
-        <a:lstStyle/>
-        <a:p>
-          <a:pPr lvl="0" algn="l" defTabSz="1066800">
-            <a:lnSpc>
-              <a:spcPct val="90000"/>
-            </a:lnSpc>
-            <a:spcBef>
-              <a:spcPct val="0"/>
-            </a:spcBef>
-            <a:spcAft>
-              <a:spcPct val="35000"/>
-            </a:spcAft>
-          </a:pPr>
-          <a:r>
-            <a:rPr lang="en-US" sz="2400" b="1" kern="1200" dirty="0" smtClean="0">
-              <a:latin typeface="Corbel (Body)"/>
-            </a:rPr>
-            <a:t>Usability</a:t>
-          </a:r>
-          <a:endParaRPr lang="en-US" sz="1800" b="1" kern="1200" dirty="0" smtClean="0">
-            <a:latin typeface="Corbel (Body)"/>
-          </a:endParaRPr>
-        </a:p>
-        <a:p>
-          <a:pPr lvl="0" algn="l" defTabSz="1066800">
-            <a:lnSpc>
-              <a:spcPct val="90000"/>
-            </a:lnSpc>
-            <a:spcBef>
-              <a:spcPct val="0"/>
-            </a:spcBef>
-            <a:spcAft>
-              <a:spcPct val="35000"/>
-            </a:spcAft>
-          </a:pPr>
-          <a:r>
-            <a:rPr lang="en-US" sz="1400" b="1" kern="1200" dirty="0" smtClean="0">
-              <a:latin typeface="Corbel (Body)"/>
-            </a:rPr>
-            <a:t>Learnability</a:t>
-          </a:r>
-          <a:r>
-            <a:rPr lang="en-US" sz="1400" b="0" kern="1200" dirty="0" smtClean="0">
-              <a:latin typeface="Corbel (Body)"/>
-            </a:rPr>
-            <a:t>: Content and Question design easy to study with high school student.</a:t>
-          </a:r>
-        </a:p>
-        <a:p>
-          <a:pPr lvl="0" algn="l" defTabSz="1066800">
-            <a:lnSpc>
-              <a:spcPct val="90000"/>
-            </a:lnSpc>
-            <a:spcBef>
-              <a:spcPct val="0"/>
-            </a:spcBef>
-            <a:spcAft>
-              <a:spcPct val="35000"/>
-            </a:spcAft>
-          </a:pPr>
-          <a:r>
-            <a:rPr lang="en-US" sz="1400" b="1" kern="1200" dirty="0" smtClean="0">
-              <a:latin typeface="Corbel (Body)"/>
-            </a:rPr>
-            <a:t>Understandability</a:t>
-          </a:r>
-          <a:r>
-            <a:rPr lang="en-US" sz="1400" b="0" kern="1200" dirty="0" smtClean="0">
-              <a:latin typeface="Corbel (Body)"/>
-            </a:rPr>
-            <a:t>: Control in front page has small numbers and clear meaning.</a:t>
-          </a:r>
-          <a:endParaRPr lang="en-US" sz="1400" b="0" kern="1200" dirty="0">
-            <a:latin typeface="Corbel (Body)"/>
-          </a:endParaRPr>
-        </a:p>
-      </dsp:txBody>
-      <dsp:txXfrm>
-        <a:off x="1804987" y="1246822"/>
-        <a:ext cx="6653212" cy="1133474"/>
-      </dsp:txXfrm>
-    </dsp:sp>
-    <dsp:sp modelId="{5D1ADF10-2035-412E-BD2F-4CE3F3CD30BA}">
-      <dsp:nvSpPr>
-        <dsp:cNvPr id="0" name=""/>
-        <dsp:cNvSpPr/>
-      </dsp:nvSpPr>
-      <dsp:spPr>
-        <a:xfrm>
-          <a:off x="113347" y="1360169"/>
-          <a:ext cx="1691640" cy="906779"/>
-        </a:xfrm>
-        <a:prstGeom prst="roundRect">
-          <a:avLst>
-            <a:gd name="adj" fmla="val 10000"/>
-          </a:avLst>
-        </a:prstGeom>
-        <a:blipFill>
-          <a:blip xmlns:r="http://schemas.openxmlformats.org/officeDocument/2006/relationships" r:embed="rId2" cstate="print">
-            <a:extLst>
-              <a:ext uri="{28A0092B-C50C-407E-A947-70E740481C1C}">
-                <a14:useLocalDpi xmlns:a14="http://schemas.microsoft.com/office/drawing/2010/main" val="0"/>
-              </a:ext>
-            </a:extLst>
-          </a:blip>
-          <a:srcRect/>
-          <a:stretch>
-            <a:fillRect t="-1000" b="-1000"/>
-          </a:stretch>
-        </a:blipFill>
-        <a:ln w="25400" cap="flat" cmpd="sng" algn="ctr">
-          <a:solidFill>
-            <a:schemeClr val="lt1">
-              <a:hueOff val="0"/>
-              <a:satOff val="0"/>
-              <a:lumOff val="0"/>
-              <a:alphaOff val="0"/>
-            </a:schemeClr>
-          </a:solidFill>
-          <a:prstDash val="solid"/>
-        </a:ln>
-        <a:effectLst/>
-      </dsp:spPr>
-      <dsp:style>
-        <a:lnRef idx="2">
-          <a:scrgbClr r="0" g="0" b="0"/>
-        </a:lnRef>
-        <a:fillRef idx="1">
-          <a:scrgbClr r="0" g="0" b="0"/>
-        </a:fillRef>
-        <a:effectRef idx="0">
-          <a:scrgbClr r="0" g="0" b="0"/>
-        </a:effectRef>
-        <a:fontRef idx="minor"/>
-      </dsp:style>
-    </dsp:sp>
-    <dsp:sp modelId="{B38D2954-72D7-492A-A848-44DFE336F0E0}">
-      <dsp:nvSpPr>
-        <dsp:cNvPr id="0" name=""/>
-        <dsp:cNvSpPr/>
-      </dsp:nvSpPr>
-      <dsp:spPr>
-        <a:xfrm>
-          <a:off x="0" y="2493644"/>
-          <a:ext cx="8458200" cy="1133474"/>
-        </a:xfrm>
-        <a:prstGeom prst="roundRect">
-          <a:avLst>
-            <a:gd name="adj" fmla="val 10000"/>
-          </a:avLst>
-        </a:prstGeom>
-        <a:solidFill>
-          <a:schemeClr val="accent4">
-            <a:hueOff val="0"/>
-            <a:satOff val="0"/>
-            <a:lumOff val="0"/>
-            <a:alphaOff val="0"/>
-          </a:schemeClr>
-        </a:solidFill>
-        <a:ln w="25400" cap="flat" cmpd="sng" algn="ctr">
-          <a:solidFill>
-            <a:schemeClr val="lt1">
-              <a:hueOff val="0"/>
-              <a:satOff val="0"/>
-              <a:lumOff val="0"/>
-              <a:alphaOff val="0"/>
-            </a:schemeClr>
-          </a:solidFill>
-          <a:prstDash val="solid"/>
-        </a:ln>
-        <a:effectLst/>
-      </dsp:spPr>
-      <dsp:style>
-        <a:lnRef idx="2">
-          <a:scrgbClr r="0" g="0" b="0"/>
-        </a:lnRef>
-        <a:fillRef idx="1">
-          <a:scrgbClr r="0" g="0" b="0"/>
-        </a:fillRef>
-        <a:effectRef idx="0">
-          <a:scrgbClr r="0" g="0" b="0"/>
-        </a:effectRef>
-        <a:fontRef idx="minor">
-          <a:schemeClr val="lt1"/>
-        </a:fontRef>
-      </dsp:style>
-      <dsp:txBody>
-        <a:bodyPr spcFirstLastPara="0" vert="horz" wrap="square" lIns="91440" tIns="91440" rIns="91440" bIns="91440" numCol="1" spcCol="1270" anchor="ctr" anchorCtr="0">
-          <a:noAutofit/>
-        </a:bodyPr>
-        <a:lstStyle/>
-        <a:p>
-          <a:pPr lvl="0" algn="l" defTabSz="1066800">
-            <a:lnSpc>
-              <a:spcPct val="90000"/>
-            </a:lnSpc>
-            <a:spcBef>
-              <a:spcPct val="0"/>
-            </a:spcBef>
-            <a:spcAft>
-              <a:spcPct val="35000"/>
-            </a:spcAft>
-          </a:pPr>
-          <a:r>
-            <a:rPr lang="en-US" sz="2400" b="1" kern="1200" dirty="0" smtClean="0">
-              <a:latin typeface="Corbel (Body)"/>
-            </a:rPr>
-            <a:t>Portability</a:t>
-          </a:r>
-          <a:endParaRPr lang="en-US" sz="1800" b="1" kern="1200" dirty="0" smtClean="0">
-            <a:latin typeface="Corbel (Body)"/>
-          </a:endParaRPr>
-        </a:p>
-        <a:p>
-          <a:pPr lvl="0" algn="l" defTabSz="1066800">
-            <a:lnSpc>
-              <a:spcPct val="90000"/>
-            </a:lnSpc>
-            <a:spcBef>
-              <a:spcPct val="0"/>
-            </a:spcBef>
-            <a:spcAft>
-              <a:spcPct val="35000"/>
-            </a:spcAft>
-          </a:pPr>
-          <a:r>
-            <a:rPr lang="en-US" sz="1400" b="1" kern="1200" dirty="0" smtClean="0">
-              <a:latin typeface="Corbel (Body)"/>
-            </a:rPr>
-            <a:t>Adaptability</a:t>
-          </a:r>
-          <a:r>
-            <a:rPr lang="en-US" sz="1400" b="0" kern="1200" dirty="0" smtClean="0">
-              <a:latin typeface="Corbel (Body)"/>
-            </a:rPr>
-            <a:t>: Using PHP to develop, can use in many platform</a:t>
-          </a:r>
-        </a:p>
-        <a:p>
-          <a:pPr lvl="0" algn="l" defTabSz="1066800">
-            <a:lnSpc>
-              <a:spcPct val="90000"/>
-            </a:lnSpc>
-            <a:spcBef>
-              <a:spcPct val="0"/>
-            </a:spcBef>
-            <a:spcAft>
-              <a:spcPct val="35000"/>
-            </a:spcAft>
-          </a:pPr>
-          <a:r>
-            <a:rPr lang="vi-VN" sz="1400" b="1" kern="1200" dirty="0" smtClean="0">
-              <a:latin typeface="Corbel (Body)"/>
-            </a:rPr>
-            <a:t>Replaceability</a:t>
-          </a:r>
-          <a:r>
-            <a:rPr lang="vi-VN" sz="1400" b="0" kern="1200" dirty="0" smtClean="0">
-              <a:latin typeface="Corbel (Body)"/>
-            </a:rPr>
-            <a:t>: Component/Module use in Joomla can replace independent</a:t>
-          </a:r>
-          <a:r>
-            <a:rPr lang="en-US" sz="1400" b="0" kern="1200" dirty="0" smtClean="0">
-              <a:latin typeface="Corbel (Body)"/>
-            </a:rPr>
-            <a:t>.</a:t>
-          </a:r>
-          <a:endParaRPr lang="en-US" sz="1400" b="0" kern="1200" dirty="0">
-            <a:latin typeface="Corbel (Body)"/>
-          </a:endParaRPr>
-        </a:p>
-      </dsp:txBody>
-      <dsp:txXfrm>
-        <a:off x="1804987" y="2493644"/>
-        <a:ext cx="6653212" cy="1133474"/>
-      </dsp:txXfrm>
-    </dsp:sp>
-    <dsp:sp modelId="{4FF0269B-E64D-46EF-A86E-48F866FA13F4}">
-      <dsp:nvSpPr>
-        <dsp:cNvPr id="0" name=""/>
-        <dsp:cNvSpPr/>
-      </dsp:nvSpPr>
-      <dsp:spPr>
-        <a:xfrm>
-          <a:off x="113347" y="2606992"/>
-          <a:ext cx="1691640" cy="906779"/>
-        </a:xfrm>
-        <a:prstGeom prst="roundRect">
-          <a:avLst>
-            <a:gd name="adj" fmla="val 10000"/>
-          </a:avLst>
-        </a:prstGeom>
-        <a:blipFill>
-          <a:blip xmlns:r="http://schemas.openxmlformats.org/officeDocument/2006/relationships" r:embed="rId3">
-            <a:extLst>
-              <a:ext uri="{28A0092B-C50C-407E-A947-70E740481C1C}">
-                <a14:useLocalDpi xmlns:a14="http://schemas.microsoft.com/office/drawing/2010/main" val="0"/>
-              </a:ext>
-            </a:extLst>
-          </a:blip>
-          <a:srcRect/>
-          <a:stretch>
-            <a:fillRect l="-4000" r="-4000"/>
-          </a:stretch>
-        </a:blipFill>
-        <a:ln w="25400" cap="flat" cmpd="sng" algn="ctr">
-          <a:solidFill>
-            <a:schemeClr val="lt1">
-              <a:hueOff val="0"/>
-              <a:satOff val="0"/>
-              <a:lumOff val="0"/>
-              <a:alphaOff val="0"/>
-            </a:schemeClr>
-          </a:solidFill>
-          <a:prstDash val="solid"/>
-        </a:ln>
-        <a:effectLst/>
-      </dsp:spPr>
-      <dsp:style>
-        <a:lnRef idx="2">
-          <a:scrgbClr r="0" g="0" b="0"/>
-        </a:lnRef>
-        <a:fillRef idx="1">
-          <a:scrgbClr r="0" g="0" b="0"/>
-        </a:fillRef>
-        <a:effectRef idx="0">
-          <a:scrgbClr r="0" g="0" b="0"/>
-        </a:effectRef>
-        <a:fontRef idx="minor"/>
-      </dsp:style>
-    </dsp:sp>
-    <dsp:sp modelId="{2D779863-9DA2-4F5A-814E-7DE9A25FEE45}">
-      <dsp:nvSpPr>
-        <dsp:cNvPr id="0" name=""/>
-        <dsp:cNvSpPr/>
-      </dsp:nvSpPr>
-      <dsp:spPr>
-        <a:xfrm>
-          <a:off x="0" y="3733802"/>
-          <a:ext cx="8458200" cy="1133475"/>
-        </a:xfrm>
-        <a:prstGeom prst="roundRect">
-          <a:avLst>
-            <a:gd name="adj" fmla="val 10000"/>
-          </a:avLst>
-        </a:prstGeom>
-        <a:solidFill>
-          <a:schemeClr val="accent5">
-            <a:hueOff val="0"/>
-            <a:satOff val="0"/>
-            <a:lumOff val="0"/>
-            <a:alphaOff val="0"/>
-          </a:schemeClr>
-        </a:solidFill>
-        <a:ln w="25400" cap="flat" cmpd="sng" algn="ctr">
-          <a:solidFill>
-            <a:schemeClr val="lt1">
-              <a:hueOff val="0"/>
-              <a:satOff val="0"/>
-              <a:lumOff val="0"/>
-              <a:alphaOff val="0"/>
-            </a:schemeClr>
-          </a:solidFill>
-          <a:prstDash val="solid"/>
-        </a:ln>
-        <a:effectLst/>
-      </dsp:spPr>
-      <dsp:style>
-        <a:lnRef idx="2">
-          <a:scrgbClr r="0" g="0" b="0"/>
-        </a:lnRef>
-        <a:fillRef idx="1">
-          <a:scrgbClr r="0" g="0" b="0"/>
-        </a:fillRef>
-        <a:effectRef idx="0">
-          <a:scrgbClr r="0" g="0" b="0"/>
-        </a:effectRef>
-        <a:fontRef idx="minor">
-          <a:schemeClr val="lt1"/>
-        </a:fontRef>
-      </dsp:style>
-      <dsp:txBody>
-        <a:bodyPr spcFirstLastPara="0" vert="horz" wrap="square" lIns="91440" tIns="91440" rIns="91440" bIns="91440" numCol="1" spcCol="1270" anchor="ctr" anchorCtr="0">
-          <a:noAutofit/>
-        </a:bodyPr>
-        <a:lstStyle/>
-        <a:p>
-          <a:pPr lvl="0" algn="l" defTabSz="1066800">
-            <a:lnSpc>
-              <a:spcPct val="90000"/>
-            </a:lnSpc>
-            <a:spcBef>
-              <a:spcPct val="0"/>
-            </a:spcBef>
-            <a:spcAft>
-              <a:spcPct val="35000"/>
-            </a:spcAft>
-          </a:pPr>
-          <a:r>
-            <a:rPr lang="en-US" sz="2400" b="1" kern="1200" dirty="0" smtClean="0">
-              <a:latin typeface="Corbel (Body)"/>
-            </a:rPr>
-            <a:t>Performance</a:t>
-          </a:r>
-        </a:p>
-        <a:p>
-          <a:pPr lvl="0" algn="l" defTabSz="1066800">
-            <a:lnSpc>
-              <a:spcPct val="90000"/>
-            </a:lnSpc>
-            <a:spcBef>
-              <a:spcPct val="0"/>
-            </a:spcBef>
-            <a:spcAft>
-              <a:spcPct val="35000"/>
-            </a:spcAft>
-          </a:pPr>
-          <a:r>
-            <a:rPr lang="en-US" sz="1400" b="0" kern="1200" dirty="0" smtClean="0">
-              <a:latin typeface="Corbel (Body)"/>
-            </a:rPr>
-            <a:t>Each page has been loaded I 3 seconds in maximum time.</a:t>
-          </a:r>
-        </a:p>
-        <a:p>
-          <a:pPr lvl="0" algn="l" defTabSz="1066800">
-            <a:lnSpc>
-              <a:spcPct val="90000"/>
-            </a:lnSpc>
-            <a:spcBef>
-              <a:spcPct val="0"/>
-            </a:spcBef>
-            <a:spcAft>
-              <a:spcPct val="35000"/>
-            </a:spcAft>
-          </a:pPr>
-          <a:r>
-            <a:rPr lang="en-US" sz="1400" b="0" kern="1200" dirty="0" smtClean="0">
-              <a:latin typeface="Corbel (Body)"/>
-            </a:rPr>
-            <a:t>Can response 2000 as average of access users at the same time.</a:t>
-          </a:r>
-          <a:endParaRPr lang="en-US" sz="1400" b="0" kern="1200" dirty="0">
-            <a:latin typeface="Corbel (Body)"/>
-          </a:endParaRPr>
-        </a:p>
-      </dsp:txBody>
-      <dsp:txXfrm>
-        <a:off x="1804987" y="3733802"/>
-        <a:ext cx="6653212" cy="1133475"/>
-      </dsp:txXfrm>
-    </dsp:sp>
-    <dsp:sp modelId="{79D532E0-E956-436D-A85B-5B6A3357FBC0}">
-      <dsp:nvSpPr>
-        <dsp:cNvPr id="0" name=""/>
-        <dsp:cNvSpPr/>
-      </dsp:nvSpPr>
-      <dsp:spPr>
-        <a:xfrm>
-          <a:off x="113347" y="3850006"/>
-          <a:ext cx="1691640" cy="914396"/>
-        </a:xfrm>
-        <a:prstGeom prst="roundRect">
-          <a:avLst>
-            <a:gd name="adj" fmla="val 10000"/>
-          </a:avLst>
-        </a:prstGeom>
-        <a:blipFill dpi="0" rotWithShape="1">
-          <a:blip xmlns:r="http://schemas.openxmlformats.org/officeDocument/2006/relationships" r:embed="rId4">
-            <a:extLst>
-              <a:ext uri="{28A0092B-C50C-407E-A947-70E740481C1C}">
-                <a14:useLocalDpi xmlns:a14="http://schemas.microsoft.com/office/drawing/2010/main" val="0"/>
-              </a:ext>
-            </a:extLst>
-          </a:blip>
-          <a:srcRect/>
-          <a:stretch>
-            <a:fillRect l="-1351" r="-1351"/>
-          </a:stretch>
-        </a:blipFill>
-        <a:ln w="25400" cap="flat" cmpd="sng" algn="ctr">
-          <a:solidFill>
-            <a:schemeClr val="lt1">
-              <a:hueOff val="0"/>
-              <a:satOff val="0"/>
-              <a:lumOff val="0"/>
-              <a:alphaOff val="0"/>
-            </a:schemeClr>
-          </a:solidFill>
-          <a:prstDash val="solid"/>
-        </a:ln>
-        <a:effectLst/>
-      </dsp:spPr>
-      <dsp:style>
-        <a:lnRef idx="2">
-          <a:scrgbClr r="0" g="0" b="0"/>
-        </a:lnRef>
-        <a:fillRef idx="1">
-          <a:scrgbClr r="0" g="0" b="0"/>
-        </a:fillRef>
-        <a:effectRef idx="0">
-          <a:scrgbClr r="0" g="0" b="0"/>
-        </a:effectRef>
-        <a:fontRef idx="minor"/>
-      </dsp:style>
-    </dsp:sp>
   </dsp:spTree>
 </dsp:drawing>
 </file>
@@ -20266,19 +19503,19 @@
             </a:r>
             <a:r>
               <a:rPr lang="en-US" baseline="0" dirty="0" err="1" smtClean="0"/>
-              <a:t>gặp</a:t>
-            </a:r>
-            <a:r>
-              <a:rPr lang="en-US" baseline="0" dirty="0" smtClean="0"/>
-              <a:t> </a:t>
-            </a:r>
-            <a:r>
-              <a:rPr lang="en-US" baseline="0" dirty="0" err="1" smtClean="0"/>
-              <a:t>phải</a:t>
-            </a:r>
-            <a:r>
-              <a:rPr lang="en-US" baseline="0" dirty="0" smtClean="0"/>
-              <a:t> </a:t>
+              <a:t>luong</a:t>
+            </a:r>
+            <a:r>
+              <a:rPr lang="en-US" baseline="0" dirty="0" smtClean="0"/>
+              <a:t> </a:t>
+            </a:r>
+            <a:r>
+              <a:rPr lang="en-US" baseline="0" dirty="0" err="1" smtClean="0"/>
+              <a:t>truoc</a:t>
+            </a:r>
+            <a:r>
+              <a:rPr lang="en-US" baseline="0" dirty="0" smtClean="0"/>
+              <a:t>  </a:t>
             </a:r>
             <a:r>
               <a:rPr lang="en-US" baseline="0" dirty="0" err="1" smtClean="0"/>
@@ -29556,6 +28793,386 @@
             </a:r>
           </a:p>
           <a:p>
+            <a:r>
+              <a:rPr lang="en-US" baseline="0" dirty="0" err="1" smtClean="0"/>
+              <a:t>nhom</a:t>
+            </a:r>
+            <a:r>
+              <a:rPr lang="en-US" baseline="0" dirty="0" smtClean="0"/>
+              <a:t> </a:t>
+            </a:r>
+            <a:r>
+              <a:rPr lang="en-US" baseline="0" dirty="0" err="1" smtClean="0"/>
+              <a:t>em</a:t>
+            </a:r>
+            <a:r>
+              <a:rPr lang="en-US" baseline="0" dirty="0" smtClean="0"/>
+              <a:t>  </a:t>
+            </a:r>
+            <a:r>
+              <a:rPr lang="en-US" baseline="0" dirty="0" err="1" smtClean="0"/>
+              <a:t>thay</a:t>
+            </a:r>
+            <a:r>
+              <a:rPr lang="en-US" baseline="0" dirty="0" smtClean="0"/>
+              <a:t> rang </a:t>
+            </a:r>
+            <a:r>
+              <a:rPr lang="en-US" baseline="0" dirty="0" err="1" smtClean="0"/>
+              <a:t>kinh</a:t>
+            </a:r>
+            <a:r>
+              <a:rPr lang="en-US" baseline="0" dirty="0" smtClean="0"/>
+              <a:t> </a:t>
+            </a:r>
+            <a:r>
+              <a:rPr lang="en-US" baseline="0" dirty="0" err="1" smtClean="0"/>
+              <a:t>nghiem</a:t>
+            </a:r>
+            <a:r>
+              <a:rPr lang="en-US" baseline="0" dirty="0" smtClean="0"/>
+              <a:t> </a:t>
+            </a:r>
+            <a:r>
+              <a:rPr lang="en-US" baseline="0" dirty="0" err="1" smtClean="0"/>
+              <a:t>quan</a:t>
+            </a:r>
+            <a:r>
+              <a:rPr lang="en-US" baseline="0" dirty="0" smtClean="0"/>
+              <a:t> </a:t>
+            </a:r>
+            <a:r>
+              <a:rPr lang="en-US" baseline="0" dirty="0" err="1" smtClean="0"/>
+              <a:t>ly</a:t>
+            </a:r>
+            <a:r>
+              <a:rPr lang="en-US" baseline="0" dirty="0" smtClean="0"/>
+              <a:t> du an </a:t>
+            </a:r>
+            <a:r>
+              <a:rPr lang="en-US" baseline="0" dirty="0" err="1" smtClean="0"/>
+              <a:t>cua</a:t>
+            </a:r>
+            <a:r>
+              <a:rPr lang="en-US" baseline="0" dirty="0" smtClean="0"/>
+              <a:t> minh con </a:t>
+            </a:r>
+            <a:r>
+              <a:rPr lang="en-US" baseline="0" dirty="0" err="1" smtClean="0"/>
+              <a:t>yeu</a:t>
+            </a:r>
+            <a:r>
+              <a:rPr lang="en-US" baseline="0" dirty="0" smtClean="0"/>
+              <a:t> </a:t>
+            </a:r>
+            <a:r>
+              <a:rPr lang="en-US" baseline="0" dirty="0" err="1" smtClean="0"/>
+              <a:t>nen</a:t>
+            </a:r>
+            <a:r>
+              <a:rPr lang="en-US" baseline="0" dirty="0" smtClean="0"/>
+              <a:t> </a:t>
+            </a:r>
+            <a:r>
+              <a:rPr lang="en-US" baseline="0" dirty="0" err="1" smtClean="0"/>
+              <a:t>mo</a:t>
+            </a:r>
+            <a:r>
+              <a:rPr lang="en-US" baseline="0" dirty="0" smtClean="0"/>
+              <a:t> </a:t>
+            </a:r>
+            <a:r>
+              <a:rPr lang="en-US" baseline="0" dirty="0" err="1" smtClean="0"/>
+              <a:t>hinh</a:t>
+            </a:r>
+            <a:r>
+              <a:rPr lang="en-US" baseline="0" dirty="0" smtClean="0"/>
+              <a:t> nay rat </a:t>
+            </a:r>
+            <a:r>
+              <a:rPr lang="en-US" baseline="0" dirty="0" err="1" smtClean="0"/>
+              <a:t>phu</a:t>
+            </a:r>
+            <a:r>
+              <a:rPr lang="en-US" baseline="0" dirty="0" smtClean="0"/>
+              <a:t> hop</a:t>
+            </a:r>
+          </a:p>
+          <a:p>
+            <a:r>
+              <a:rPr lang="en-US" baseline="0" dirty="0" smtClean="0"/>
+              <a:t>, bon </a:t>
+            </a:r>
+            <a:r>
+              <a:rPr lang="en-US" baseline="0" dirty="0" err="1" smtClean="0"/>
+              <a:t>em</a:t>
+            </a:r>
+            <a:r>
+              <a:rPr lang="en-US" baseline="0" dirty="0" smtClean="0"/>
+              <a:t> chia </a:t>
+            </a:r>
+            <a:r>
+              <a:rPr lang="en-US" baseline="0" dirty="0" err="1" smtClean="0"/>
+              <a:t>nho</a:t>
+            </a:r>
+            <a:r>
+              <a:rPr lang="en-US" baseline="0" dirty="0" smtClean="0"/>
+              <a:t> </a:t>
+            </a:r>
+            <a:r>
+              <a:rPr lang="en-US" baseline="0" dirty="0" err="1" smtClean="0"/>
+              <a:t>tung</a:t>
+            </a:r>
+            <a:r>
+              <a:rPr lang="en-US" baseline="0" dirty="0" smtClean="0"/>
+              <a:t> milestone  </a:t>
+            </a:r>
+            <a:r>
+              <a:rPr lang="en-US" baseline="0" dirty="0" err="1" smtClean="0"/>
+              <a:t>trong</a:t>
+            </a:r>
+            <a:r>
+              <a:rPr lang="en-US" baseline="0" dirty="0" smtClean="0"/>
+              <a:t> report </a:t>
+            </a:r>
+            <a:r>
+              <a:rPr lang="en-US" baseline="0" dirty="0" err="1" smtClean="0"/>
+              <a:t>ra</a:t>
+            </a:r>
+            <a:r>
+              <a:rPr lang="en-US" baseline="0" dirty="0" smtClean="0"/>
+              <a:t> de </a:t>
+            </a:r>
+            <a:r>
+              <a:rPr lang="en-US" baseline="0" dirty="0" err="1" smtClean="0"/>
+              <a:t>nop</a:t>
+            </a:r>
+            <a:r>
+              <a:rPr lang="en-US" baseline="0" dirty="0" smtClean="0"/>
+              <a:t> </a:t>
+            </a:r>
+            <a:r>
+              <a:rPr lang="en-US" baseline="0" dirty="0" err="1" smtClean="0"/>
+              <a:t>lan</a:t>
+            </a:r>
+            <a:r>
+              <a:rPr lang="en-US" baseline="0" dirty="0" smtClean="0"/>
+              <a:t> </a:t>
+            </a:r>
+            <a:r>
+              <a:rPr lang="en-US" baseline="0" dirty="0" err="1" smtClean="0"/>
+              <a:t>luot</a:t>
+            </a:r>
+            <a:r>
+              <a:rPr lang="en-US" baseline="0" dirty="0" smtClean="0"/>
+              <a:t> </a:t>
+            </a:r>
+            <a:r>
+              <a:rPr lang="en-US" baseline="0" dirty="0" err="1" smtClean="0"/>
+              <a:t>cho</a:t>
+            </a:r>
+            <a:r>
+              <a:rPr lang="en-US" baseline="0" dirty="0" smtClean="0"/>
+              <a:t> </a:t>
+            </a:r>
+            <a:r>
+              <a:rPr lang="en-US" baseline="0" dirty="0" err="1" smtClean="0"/>
+              <a:t>thay</a:t>
+            </a:r>
+            <a:r>
+              <a:rPr lang="en-US" baseline="0" dirty="0" smtClean="0"/>
+              <a:t> </a:t>
+            </a:r>
+            <a:r>
+              <a:rPr lang="en-US" baseline="0" dirty="0" err="1" smtClean="0"/>
+              <a:t>huong</a:t>
+            </a:r>
+            <a:r>
+              <a:rPr lang="en-US" baseline="0" dirty="0" smtClean="0"/>
+              <a:t> </a:t>
+            </a:r>
+            <a:r>
+              <a:rPr lang="en-US" baseline="0" dirty="0" err="1" smtClean="0"/>
+              <a:t>dan</a:t>
+            </a:r>
+            <a:r>
+              <a:rPr lang="en-US" baseline="0" dirty="0" smtClean="0"/>
+              <a:t> review </a:t>
+            </a:r>
+            <a:r>
+              <a:rPr lang="en-US" baseline="0" dirty="0" err="1" smtClean="0"/>
+              <a:t>truoc</a:t>
+            </a:r>
+            <a:r>
+              <a:rPr lang="en-US" baseline="0" dirty="0" smtClean="0"/>
+              <a:t> </a:t>
+            </a:r>
+            <a:r>
+              <a:rPr lang="en-US" baseline="0" dirty="0" err="1" smtClean="0"/>
+              <a:t>chu</a:t>
+            </a:r>
+            <a:r>
+              <a:rPr lang="en-US" baseline="0" dirty="0" smtClean="0"/>
+              <a:t> </a:t>
+            </a:r>
+            <a:r>
+              <a:rPr lang="en-US" baseline="0" dirty="0" err="1" smtClean="0"/>
+              <a:t>khong</a:t>
+            </a:r>
+            <a:r>
+              <a:rPr lang="en-US" baseline="0" dirty="0" smtClean="0"/>
+              <a:t> </a:t>
+            </a:r>
+            <a:r>
+              <a:rPr lang="en-US" baseline="0" dirty="0" err="1" smtClean="0"/>
+              <a:t>cho</a:t>
+            </a:r>
+            <a:r>
+              <a:rPr lang="en-US" baseline="0" dirty="0" smtClean="0"/>
+              <a:t> den </a:t>
+            </a:r>
+            <a:r>
+              <a:rPr lang="en-US" baseline="0" dirty="0" err="1" smtClean="0"/>
+              <a:t>han</a:t>
+            </a:r>
+            <a:r>
+              <a:rPr lang="en-US" baseline="0" dirty="0" smtClean="0"/>
+              <a:t> </a:t>
+            </a:r>
+            <a:r>
+              <a:rPr lang="en-US" baseline="0" dirty="0" err="1" smtClean="0"/>
+              <a:t>nop</a:t>
+            </a:r>
+            <a:r>
+              <a:rPr lang="en-US" baseline="0" dirty="0" smtClean="0"/>
+              <a:t> 1 </a:t>
+            </a:r>
+            <a:r>
+              <a:rPr lang="en-US" baseline="0" dirty="0" err="1" smtClean="0"/>
+              <a:t>luc</a:t>
+            </a:r>
+            <a:r>
+              <a:rPr lang="en-US" baseline="0" dirty="0" smtClean="0"/>
+              <a:t> </a:t>
+            </a:r>
+          </a:p>
+          <a:p>
+            <a:r>
+              <a:rPr lang="en-US" baseline="0" dirty="0" smtClean="0"/>
+              <a:t>vi </a:t>
+            </a:r>
+            <a:r>
+              <a:rPr lang="en-US" baseline="0" dirty="0" err="1" smtClean="0"/>
+              <a:t>neu</a:t>
+            </a:r>
+            <a:r>
+              <a:rPr lang="en-US" baseline="0" dirty="0" smtClean="0"/>
+              <a:t> lam </a:t>
+            </a:r>
+            <a:r>
+              <a:rPr lang="en-US" baseline="0" dirty="0" err="1" smtClean="0"/>
+              <a:t>nhu</a:t>
+            </a:r>
+            <a:r>
+              <a:rPr lang="en-US" baseline="0" dirty="0" smtClean="0"/>
+              <a:t> the </a:t>
+            </a:r>
+            <a:r>
+              <a:rPr lang="en-US" baseline="0" dirty="0" err="1" smtClean="0"/>
+              <a:t>neu</a:t>
+            </a:r>
+            <a:r>
+              <a:rPr lang="en-US" baseline="0" dirty="0" smtClean="0"/>
+              <a:t> co </a:t>
+            </a:r>
+            <a:r>
+              <a:rPr lang="en-US" baseline="0" dirty="0" err="1" smtClean="0"/>
+              <a:t>sai</a:t>
+            </a:r>
+            <a:r>
+              <a:rPr lang="en-US" baseline="0" dirty="0" smtClean="0"/>
+              <a:t> sot </a:t>
+            </a:r>
+            <a:r>
+              <a:rPr lang="en-US" baseline="0" dirty="0" err="1" smtClean="0"/>
+              <a:t>thi</a:t>
+            </a:r>
+            <a:r>
+              <a:rPr lang="en-US" baseline="0" dirty="0" smtClean="0"/>
+              <a:t> </a:t>
+            </a:r>
+            <a:r>
+              <a:rPr lang="en-US" baseline="0" dirty="0" err="1" smtClean="0"/>
+              <a:t>chung</a:t>
+            </a:r>
+            <a:r>
+              <a:rPr lang="en-US" baseline="0" dirty="0" smtClean="0"/>
+              <a:t> </a:t>
+            </a:r>
+            <a:r>
+              <a:rPr lang="en-US" baseline="0" dirty="0" err="1" smtClean="0"/>
+              <a:t>em</a:t>
+            </a:r>
+            <a:r>
+              <a:rPr lang="en-US" baseline="0" dirty="0" smtClean="0"/>
+              <a:t> </a:t>
+            </a:r>
+            <a:r>
+              <a:rPr lang="en-US" baseline="0" dirty="0" err="1" smtClean="0"/>
+              <a:t>phai</a:t>
+            </a:r>
+            <a:r>
+              <a:rPr lang="en-US" baseline="0" dirty="0" smtClean="0"/>
+              <a:t> lam </a:t>
+            </a:r>
+            <a:r>
+              <a:rPr lang="en-US" baseline="0" dirty="0" err="1" smtClean="0"/>
+              <a:t>lai</a:t>
+            </a:r>
+            <a:r>
+              <a:rPr lang="en-US" baseline="0" dirty="0" smtClean="0"/>
+              <a:t> </a:t>
+            </a:r>
+            <a:r>
+              <a:rPr lang="en-US" baseline="0" dirty="0" err="1" smtClean="0"/>
+              <a:t>dan</a:t>
+            </a:r>
+            <a:r>
+              <a:rPr lang="en-US" baseline="0" dirty="0" smtClean="0"/>
+              <a:t> </a:t>
+            </a:r>
+            <a:r>
+              <a:rPr lang="en-US" baseline="0" dirty="0" err="1" smtClean="0"/>
+              <a:t>toi</a:t>
+            </a:r>
+            <a:r>
+              <a:rPr lang="en-US" baseline="0" dirty="0" smtClean="0"/>
+              <a:t> </a:t>
+            </a:r>
+            <a:r>
+              <a:rPr lang="en-US" baseline="0" dirty="0" err="1" smtClean="0"/>
+              <a:t>viec</a:t>
+            </a:r>
+            <a:r>
+              <a:rPr lang="en-US" baseline="0" dirty="0" smtClean="0"/>
+              <a:t> </a:t>
+            </a:r>
+            <a:r>
+              <a:rPr lang="en-US" baseline="0" dirty="0" err="1" smtClean="0"/>
+              <a:t>cham</a:t>
+            </a:r>
+            <a:r>
+              <a:rPr lang="en-US" baseline="0" dirty="0" smtClean="0"/>
+              <a:t> </a:t>
+            </a:r>
+            <a:r>
+              <a:rPr lang="en-US" baseline="0" dirty="0" err="1" smtClean="0"/>
+              <a:t>tien</a:t>
+            </a:r>
+            <a:r>
+              <a:rPr lang="en-US" baseline="0" smtClean="0"/>
+              <a:t> do du an</a:t>
+            </a:r>
             <a:endParaRPr lang="en-US" baseline="0" dirty="0" smtClean="0"/>
           </a:p>
           <a:p>
@@ -44963,7 +44580,7 @@
           <a:graphicData uri="http://schemas.openxmlformats.org/presentationml/2006/ole">
             <mc:AlternateContent xmlns:mc="http://schemas.openxmlformats.org/markup-compatibility/2006">
               <mc:Choice xmlns:v="urn:schemas-microsoft-com:vml" Requires="v">
-                <p:oleObj spid="_x0000_s6330" name="SmartDraw" r:id="rId3" imgW="8703268" imgH="4533499" progId="">
+                <p:oleObj spid="_x0000_s6334" name="SmartDraw" r:id="rId3" imgW="8703268" imgH="4533499" progId="">
                   <p:embed/>
                 </p:oleObj>
               </mc:Choice>

--- a/Document/Final report/Slide Present E-Learning.pptx
+++ b/Document/Final report/Slide Present E-Learning.pptx
@@ -6968,19 +6968,19 @@
     </dgm:pt>
   </dgm:ptLst>
   <dgm:cxnLst>
+    <dgm:cxn modelId="{6E67C4D2-80C6-4247-8241-64EA5611C932}" type="presOf" srcId="{9E8C6084-CE2A-466B-A967-47F6FBABEA09}" destId="{BC473F38-5C3F-4B9A-9E50-8E2A00344178}" srcOrd="0" destOrd="0" presId="urn:microsoft.com/office/officeart/2005/8/layout/cycle1"/>
+    <dgm:cxn modelId="{659D4042-7B35-47CB-895E-3F297EA888E2}" type="presOf" srcId="{34BD85C1-B27C-446E-87D3-5D521284A9D2}" destId="{72325E4A-8AA1-4295-86D7-8B07CDB62C5B}" srcOrd="0" destOrd="0" presId="urn:microsoft.com/office/officeart/2005/8/layout/cycle1"/>
     <dgm:cxn modelId="{57AEC4E1-E39B-40BF-A759-05D82CB95A28}" type="presOf" srcId="{0147D4AA-4E15-49E6-A25A-8CD4A35CBFC0}" destId="{2D292C3A-67B0-478E-BF8A-7F0ABB29F864}" srcOrd="0" destOrd="0" presId="urn:microsoft.com/office/officeart/2005/8/layout/cycle1"/>
+    <dgm:cxn modelId="{5BCA9373-7645-4CF4-9146-7F1C0CF5BB64}" type="presOf" srcId="{676731DC-6C25-4BF6-8EF8-176FB71AC90F}" destId="{273E354B-5C77-4A97-B343-41170B6E2412}" srcOrd="0" destOrd="0" presId="urn:microsoft.com/office/officeart/2005/8/layout/cycle1"/>
+    <dgm:cxn modelId="{3EF01423-FB7C-4617-9F73-ED9750A75CAB}" type="presOf" srcId="{2DABDF10-2BB6-4291-835C-5F8B0164934C}" destId="{5979FF20-98E1-4391-BBF7-7F88B24DB2DD}" srcOrd="0" destOrd="0" presId="urn:microsoft.com/office/officeart/2005/8/layout/cycle1"/>
+    <dgm:cxn modelId="{DF7C7B9C-3130-40D9-A675-3451F18E2BA6}" type="presOf" srcId="{67AE712E-3238-46F4-9629-C594F88C428F}" destId="{59B7501A-AFE5-4EA0-B7A8-90C6CA2B9A3D}" srcOrd="0" destOrd="0" presId="urn:microsoft.com/office/officeart/2005/8/layout/cycle1"/>
+    <dgm:cxn modelId="{7C03B323-AACC-48EC-A03A-D6E7CF74182A}" type="presOf" srcId="{4A225F51-0ADF-4A8B-A2D6-7AF3BC8CF1BA}" destId="{6F7BB53F-EE28-4DC0-B3DC-1F944FE1B6FA}" srcOrd="0" destOrd="0" presId="urn:microsoft.com/office/officeart/2005/8/layout/cycle1"/>
+    <dgm:cxn modelId="{CAA8EFFA-73EA-4D93-AF5B-0C2B8D1901A5}" type="presOf" srcId="{B9B6B5B9-A383-4A5E-A39C-6297B835C37B}" destId="{9EB40CAE-1534-45F7-921E-D7F77DEEE6D1}" srcOrd="0" destOrd="0" presId="urn:microsoft.com/office/officeart/2005/8/layout/cycle1"/>
+    <dgm:cxn modelId="{6DC0B433-6BCC-48B8-8319-F0266F3863E1}" srcId="{DFA9B5E4-DF69-43ED-8F65-4EAAEBC2EE53}" destId="{0147D4AA-4E15-49E6-A25A-8CD4A35CBFC0}" srcOrd="3" destOrd="0" parTransId="{32CD8CBE-1D99-415C-80B9-54C68ED4CB0C}" sibTransId="{9E8C6084-CE2A-466B-A967-47F6FBABEA09}"/>
     <dgm:cxn modelId="{D49908A6-7D37-45A9-A97A-404DB2A08845}" srcId="{DFA9B5E4-DF69-43ED-8F65-4EAAEBC2EE53}" destId="{B9B6B5B9-A383-4A5E-A39C-6297B835C37B}" srcOrd="1" destOrd="0" parTransId="{C1E3E11F-4466-488A-8FC0-764483D0AA4C}" sibTransId="{676731DC-6C25-4BF6-8EF8-176FB71AC90F}"/>
-    <dgm:cxn modelId="{659D4042-7B35-47CB-895E-3F297EA888E2}" type="presOf" srcId="{34BD85C1-B27C-446E-87D3-5D521284A9D2}" destId="{72325E4A-8AA1-4295-86D7-8B07CDB62C5B}" srcOrd="0" destOrd="0" presId="urn:microsoft.com/office/officeart/2005/8/layout/cycle1"/>
-    <dgm:cxn modelId="{6DC0B433-6BCC-48B8-8319-F0266F3863E1}" srcId="{DFA9B5E4-DF69-43ED-8F65-4EAAEBC2EE53}" destId="{0147D4AA-4E15-49E6-A25A-8CD4A35CBFC0}" srcOrd="3" destOrd="0" parTransId="{32CD8CBE-1D99-415C-80B9-54C68ED4CB0C}" sibTransId="{9E8C6084-CE2A-466B-A967-47F6FBABEA09}"/>
-    <dgm:cxn modelId="{3EF01423-FB7C-4617-9F73-ED9750A75CAB}" type="presOf" srcId="{2DABDF10-2BB6-4291-835C-5F8B0164934C}" destId="{5979FF20-98E1-4391-BBF7-7F88B24DB2DD}" srcOrd="0" destOrd="0" presId="urn:microsoft.com/office/officeart/2005/8/layout/cycle1"/>
-    <dgm:cxn modelId="{7C03B323-AACC-48EC-A03A-D6E7CF74182A}" type="presOf" srcId="{4A225F51-0ADF-4A8B-A2D6-7AF3BC8CF1BA}" destId="{6F7BB53F-EE28-4DC0-B3DC-1F944FE1B6FA}" srcOrd="0" destOrd="0" presId="urn:microsoft.com/office/officeart/2005/8/layout/cycle1"/>
+    <dgm:cxn modelId="{8D8CF064-9ECD-4B14-822A-874FB4D52420}" srcId="{DFA9B5E4-DF69-43ED-8F65-4EAAEBC2EE53}" destId="{67AE712E-3238-46F4-9629-C594F88C428F}" srcOrd="2" destOrd="0" parTransId="{DA07E244-7E52-4969-9E19-575A4A826AAB}" sibTransId="{2DABDF10-2BB6-4291-835C-5F8B0164934C}"/>
+    <dgm:cxn modelId="{06FAD51A-C087-4BC9-A140-F3F6D944C997}" type="presOf" srcId="{DFA9B5E4-DF69-43ED-8F65-4EAAEBC2EE53}" destId="{7423B5FF-E8AD-4E98-91F0-79AF73CCEE33}" srcOrd="0" destOrd="0" presId="urn:microsoft.com/office/officeart/2005/8/layout/cycle1"/>
     <dgm:cxn modelId="{9CFF92F9-F367-4B26-AF43-9C1BBE37AA5E}" srcId="{DFA9B5E4-DF69-43ED-8F65-4EAAEBC2EE53}" destId="{4A225F51-0ADF-4A8B-A2D6-7AF3BC8CF1BA}" srcOrd="0" destOrd="0" parTransId="{0DF62D19-45E5-4083-B2C8-CA5C840DFCBF}" sibTransId="{34BD85C1-B27C-446E-87D3-5D521284A9D2}"/>
-    <dgm:cxn modelId="{5BCA9373-7645-4CF4-9146-7F1C0CF5BB64}" type="presOf" srcId="{676731DC-6C25-4BF6-8EF8-176FB71AC90F}" destId="{273E354B-5C77-4A97-B343-41170B6E2412}" srcOrd="0" destOrd="0" presId="urn:microsoft.com/office/officeart/2005/8/layout/cycle1"/>
-    <dgm:cxn modelId="{CAA8EFFA-73EA-4D93-AF5B-0C2B8D1901A5}" type="presOf" srcId="{B9B6B5B9-A383-4A5E-A39C-6297B835C37B}" destId="{9EB40CAE-1534-45F7-921E-D7F77DEEE6D1}" srcOrd="0" destOrd="0" presId="urn:microsoft.com/office/officeart/2005/8/layout/cycle1"/>
-    <dgm:cxn modelId="{06FAD51A-C087-4BC9-A140-F3F6D944C997}" type="presOf" srcId="{DFA9B5E4-DF69-43ED-8F65-4EAAEBC2EE53}" destId="{7423B5FF-E8AD-4E98-91F0-79AF73CCEE33}" srcOrd="0" destOrd="0" presId="urn:microsoft.com/office/officeart/2005/8/layout/cycle1"/>
-    <dgm:cxn modelId="{6E67C4D2-80C6-4247-8241-64EA5611C932}" type="presOf" srcId="{9E8C6084-CE2A-466B-A967-47F6FBABEA09}" destId="{BC473F38-5C3F-4B9A-9E50-8E2A00344178}" srcOrd="0" destOrd="0" presId="urn:microsoft.com/office/officeart/2005/8/layout/cycle1"/>
-    <dgm:cxn modelId="{8D8CF064-9ECD-4B14-822A-874FB4D52420}" srcId="{DFA9B5E4-DF69-43ED-8F65-4EAAEBC2EE53}" destId="{67AE712E-3238-46F4-9629-C594F88C428F}" srcOrd="2" destOrd="0" parTransId="{DA07E244-7E52-4969-9E19-575A4A826AAB}" sibTransId="{2DABDF10-2BB6-4291-835C-5F8B0164934C}"/>
-    <dgm:cxn modelId="{DF7C7B9C-3130-40D9-A675-3451F18E2BA6}" type="presOf" srcId="{67AE712E-3238-46F4-9629-C594F88C428F}" destId="{59B7501A-AFE5-4EA0-B7A8-90C6CA2B9A3D}" srcOrd="0" destOrd="0" presId="urn:microsoft.com/office/officeart/2005/8/layout/cycle1"/>
     <dgm:cxn modelId="{A9DA188C-6DE3-478C-8451-7F743E0AFD12}" type="presParOf" srcId="{7423B5FF-E8AD-4E98-91F0-79AF73CCEE33}" destId="{3D680A36-99EC-4A92-AC49-1CB3465B2D40}" srcOrd="0" destOrd="0" presId="urn:microsoft.com/office/officeart/2005/8/layout/cycle1"/>
     <dgm:cxn modelId="{1B173123-E361-49D5-853F-BE470C8A0BBC}" type="presParOf" srcId="{7423B5FF-E8AD-4E98-91F0-79AF73CCEE33}" destId="{6F7BB53F-EE28-4DC0-B3DC-1F944FE1B6FA}" srcOrd="1" destOrd="0" presId="urn:microsoft.com/office/officeart/2005/8/layout/cycle1"/>
     <dgm:cxn modelId="{DADB92BC-78AD-4210-86E7-5B909CC7EF92}" type="presParOf" srcId="{7423B5FF-E8AD-4E98-91F0-79AF73CCEE33}" destId="{72325E4A-8AA1-4295-86D7-8B07CDB62C5B}" srcOrd="2" destOrd="0" presId="urn:microsoft.com/office/officeart/2005/8/layout/cycle1"/>
@@ -38267,6 +38267,39 @@
             </a:r>
           </a:p>
           <a:p>
+            <a:pPr lvl="1"/>
+            <a:r>
+              <a:rPr lang="en-US" sz="2200" dirty="0">
+                <a:solidFill>
+                  <a:schemeClr val="tx1"/>
+                </a:solidFill>
+              </a:rPr>
+              <a:t>Determine types of test:</a:t>
+            </a:r>
+          </a:p>
+          <a:p>
+            <a:pPr lvl="2"/>
+            <a:r>
+              <a:rPr lang="en-US" sz="2200" dirty="0">
+                <a:solidFill>
+                  <a:schemeClr val="tx1"/>
+                </a:solidFill>
+              </a:rPr>
+              <a:t>Unit test, integration test, system test.</a:t>
+            </a:r>
+          </a:p>
+          <a:p>
+            <a:pPr lvl="2"/>
+            <a:r>
+              <a:rPr lang="en-US" sz="2200" dirty="0">
+                <a:solidFill>
+                  <a:schemeClr val="tx1"/>
+                </a:solidFill>
+              </a:rPr>
+              <a:t>Unit test is executed with code.</a:t>
+            </a:r>
+          </a:p>
+          <a:p>
             <a:pPr marL="0" indent="0">
               <a:buNone/>
             </a:pPr>
@@ -38307,65 +38340,441 @@
           </a:p>
         </p:txBody>
       </p:sp>
-      <p:sp>
-        <p:nvSpPr>
-          <p:cNvPr id="5" name="Oval 4"/>
-          <p:cNvSpPr/>
+      <p:grpSp>
+        <p:nvGrpSpPr>
+          <p:cNvPr id="12" name="Group 11"/>
+          <p:cNvGrpSpPr/>
           <p:nvPr/>
-        </p:nvSpPr>
-        <p:spPr bwMode="auto">
+        </p:nvGrpSpPr>
+        <p:grpSpPr>
           <a:xfrm>
-            <a:off x="1125220" y="2682129"/>
-            <a:ext cx="1752600" cy="838200"/>
+            <a:off x="947814" y="2590800"/>
+            <a:ext cx="7586586" cy="3884067"/>
+            <a:chOff x="398938" y="1511189"/>
+            <a:chExt cx="8549570" cy="4495166"/>
           </a:xfrm>
-          <a:prstGeom prst="ellipse">
-            <a:avLst/>
-          </a:prstGeom>
-          <a:ln>
-            <a:headEnd type="none" w="med" len="med"/>
-            <a:tailEnd type="none" w="med" len="med"/>
-          </a:ln>
-        </p:spPr>
-        <p:style>
-          <a:lnRef idx="2">
-            <a:schemeClr val="accent2"/>
-          </a:lnRef>
-          <a:fillRef idx="1">
-            <a:schemeClr val="lt1"/>
-          </a:fillRef>
-          <a:effectRef idx="0">
-            <a:schemeClr val="accent2"/>
-          </a:effectRef>
-          <a:fontRef idx="minor">
-            <a:schemeClr val="dk1"/>
-          </a:fontRef>
-        </p:style>
-        <p:txBody>
-          <a:bodyPr vert="horz" wrap="square" lIns="91440" tIns="45720" rIns="91440" bIns="45720" numCol="1" rtlCol="0" anchor="ctr" anchorCtr="0" compatLnSpc="1">
-            <a:prstTxWarp prst="textNoShape">
+        </p:grpSpPr>
+        <p:sp>
+          <p:nvSpPr>
+            <p:cNvPr id="5" name="Oval 4"/>
+            <p:cNvSpPr/>
+            <p:nvPr/>
+          </p:nvSpPr>
+          <p:spPr bwMode="auto">
+            <a:xfrm>
+              <a:off x="1125220" y="2682129"/>
+              <a:ext cx="1752600" cy="838200"/>
+            </a:xfrm>
+            <a:prstGeom prst="ellipse">
               <a:avLst/>
-            </a:prstTxWarp>
-          </a:bodyPr>
-          <a:lstStyle/>
-          <a:p>
-            <a:pPr marL="0" marR="0" indent="0" algn="ctr" defTabSz="914400" rtl="0" eaLnBrk="1" fontAlgn="base" latinLnBrk="0" hangingPunct="1">
-              <a:lnSpc>
-                <a:spcPct val="100000"/>
-              </a:lnSpc>
-              <a:spcBef>
-                <a:spcPct val="0"/>
-              </a:spcBef>
-              <a:spcAft>
-                <a:spcPct val="0"/>
-              </a:spcAft>
-              <a:buClrTx/>
-              <a:buSzTx/>
-              <a:buFontTx/>
-              <a:buNone/>
-              <a:tabLst/>
-            </a:pPr>
-            <a:r>
-              <a:rPr kumimoji="0" lang="en-US" sz="1400" b="0" i="0" u="none" strike="noStrike" cap="none" normalizeH="0" baseline="0" dirty="0" smtClean="0">
+            </a:prstGeom>
+            <a:ln>
+              <a:headEnd type="none" w="med" len="med"/>
+              <a:tailEnd type="none" w="med" len="med"/>
+            </a:ln>
+          </p:spPr>
+          <p:style>
+            <a:lnRef idx="2">
+              <a:schemeClr val="accent2"/>
+            </a:lnRef>
+            <a:fillRef idx="1">
+              <a:schemeClr val="lt1"/>
+            </a:fillRef>
+            <a:effectRef idx="0">
+              <a:schemeClr val="accent2"/>
+            </a:effectRef>
+            <a:fontRef idx="minor">
+              <a:schemeClr val="dk1"/>
+            </a:fontRef>
+          </p:style>
+          <p:txBody>
+            <a:bodyPr vert="horz" wrap="square" lIns="91440" tIns="45720" rIns="91440" bIns="45720" numCol="1" rtlCol="0" anchor="ctr" anchorCtr="0" compatLnSpc="1">
+              <a:prstTxWarp prst="textNoShape">
+                <a:avLst/>
+              </a:prstTxWarp>
+            </a:bodyPr>
+            <a:lstStyle/>
+            <a:p>
+              <a:pPr marL="0" marR="0" indent="0" algn="ctr" defTabSz="914400" rtl="0" eaLnBrk="1" fontAlgn="base" latinLnBrk="0" hangingPunct="1">
+                <a:lnSpc>
+                  <a:spcPct val="100000"/>
+                </a:lnSpc>
+                <a:spcBef>
+                  <a:spcPct val="0"/>
+                </a:spcBef>
+                <a:spcAft>
+                  <a:spcPct val="0"/>
+                </a:spcAft>
+                <a:buClrTx/>
+                <a:buSzTx/>
+                <a:buFontTx/>
+                <a:buNone/>
+                <a:tabLst/>
+              </a:pPr>
+              <a:r>
+                <a:rPr kumimoji="0" lang="en-US" sz="1400" b="0" i="0" u="none" strike="noStrike" cap="none" normalizeH="0" baseline="0" dirty="0" smtClean="0">
+                  <a:ln>
+                    <a:noFill/>
+                  </a:ln>
+                  <a:solidFill>
+                    <a:schemeClr val="tx1"/>
+                  </a:solidFill>
+                  <a:effectLst/>
+                  <a:latin typeface="Arial" charset="0"/>
+                </a:rPr>
+                <a:t>High Level Design</a:t>
+              </a:r>
+            </a:p>
+          </p:txBody>
+        </p:sp>
+        <p:sp>
+          <p:nvSpPr>
+            <p:cNvPr id="6" name="Oval 5"/>
+            <p:cNvSpPr/>
+            <p:nvPr/>
+          </p:nvSpPr>
+          <p:spPr bwMode="auto">
+            <a:xfrm>
+              <a:off x="1963420" y="3776869"/>
+              <a:ext cx="1752600" cy="838200"/>
+            </a:xfrm>
+            <a:prstGeom prst="ellipse">
+              <a:avLst/>
+            </a:prstGeom>
+            <a:ln>
+              <a:headEnd type="none" w="med" len="med"/>
+              <a:tailEnd type="none" w="med" len="med"/>
+            </a:ln>
+          </p:spPr>
+          <p:style>
+            <a:lnRef idx="2">
+              <a:schemeClr val="accent2"/>
+            </a:lnRef>
+            <a:fillRef idx="1">
+              <a:schemeClr val="lt1"/>
+            </a:fillRef>
+            <a:effectRef idx="0">
+              <a:schemeClr val="accent2"/>
+            </a:effectRef>
+            <a:fontRef idx="minor">
+              <a:schemeClr val="dk1"/>
+            </a:fontRef>
+          </p:style>
+          <p:txBody>
+            <a:bodyPr vert="horz" wrap="square" lIns="91440" tIns="45720" rIns="91440" bIns="45720" numCol="1" rtlCol="0" anchor="ctr" anchorCtr="0" compatLnSpc="1">
+              <a:prstTxWarp prst="textNoShape">
+                <a:avLst/>
+              </a:prstTxWarp>
+            </a:bodyPr>
+            <a:lstStyle/>
+            <a:p>
+              <a:pPr marL="0" marR="0" indent="0" algn="ctr" defTabSz="914400" rtl="0" eaLnBrk="1" fontAlgn="base" latinLnBrk="0" hangingPunct="1">
+                <a:lnSpc>
+                  <a:spcPct val="100000"/>
+                </a:lnSpc>
+                <a:spcBef>
+                  <a:spcPct val="0"/>
+                </a:spcBef>
+                <a:spcAft>
+                  <a:spcPct val="0"/>
+                </a:spcAft>
+                <a:buClrTx/>
+                <a:buSzTx/>
+                <a:buFontTx/>
+                <a:buNone/>
+                <a:tabLst/>
+              </a:pPr>
+              <a:r>
+                <a:rPr kumimoji="0" lang="en-US" sz="1400" b="0" i="0" u="none" strike="noStrike" cap="none" normalizeH="0" baseline="0" dirty="0" smtClean="0">
+                  <a:ln>
+                    <a:noFill/>
+                  </a:ln>
+                  <a:solidFill>
+                    <a:schemeClr val="tx1"/>
+                  </a:solidFill>
+                  <a:effectLst/>
+                  <a:latin typeface="Arial" charset="0"/>
+                </a:rPr>
+                <a:t>Low Level Design</a:t>
+              </a:r>
+            </a:p>
+          </p:txBody>
+        </p:sp>
+        <p:sp>
+          <p:nvSpPr>
+            <p:cNvPr id="7" name="Oval 6"/>
+            <p:cNvSpPr/>
+            <p:nvPr/>
+          </p:nvSpPr>
+          <p:spPr bwMode="auto">
+            <a:xfrm>
+              <a:off x="3286450" y="5072269"/>
+              <a:ext cx="1752600" cy="838200"/>
+            </a:xfrm>
+            <a:prstGeom prst="ellipse">
+              <a:avLst/>
+            </a:prstGeom>
+            <a:ln>
+              <a:headEnd type="none" w="med" len="med"/>
+              <a:tailEnd type="none" w="med" len="med"/>
+            </a:ln>
+          </p:spPr>
+          <p:style>
+            <a:lnRef idx="2">
+              <a:schemeClr val="accent2"/>
+            </a:lnRef>
+            <a:fillRef idx="1">
+              <a:schemeClr val="lt1"/>
+            </a:fillRef>
+            <a:effectRef idx="0">
+              <a:schemeClr val="accent2"/>
+            </a:effectRef>
+            <a:fontRef idx="minor">
+              <a:schemeClr val="dk1"/>
+            </a:fontRef>
+          </p:style>
+          <p:txBody>
+            <a:bodyPr vert="horz" wrap="square" lIns="91440" tIns="45720" rIns="91440" bIns="45720" numCol="1" rtlCol="0" anchor="ctr" anchorCtr="0" compatLnSpc="1">
+              <a:prstTxWarp prst="textNoShape">
+                <a:avLst/>
+              </a:prstTxWarp>
+            </a:bodyPr>
+            <a:lstStyle/>
+            <a:p>
+              <a:pPr marL="0" marR="0" indent="0" algn="ctr" defTabSz="914400" rtl="0" eaLnBrk="1" fontAlgn="base" latinLnBrk="0" hangingPunct="1">
+                <a:lnSpc>
+                  <a:spcPct val="100000"/>
+                </a:lnSpc>
+                <a:spcBef>
+                  <a:spcPct val="0"/>
+                </a:spcBef>
+                <a:spcAft>
+                  <a:spcPct val="0"/>
+                </a:spcAft>
+                <a:buClrTx/>
+                <a:buSzTx/>
+                <a:buFontTx/>
+                <a:buNone/>
+                <a:tabLst/>
+              </a:pPr>
+              <a:r>
+                <a:rPr kumimoji="0" lang="en-US" sz="1400" b="0" i="0" u="none" strike="noStrike" cap="none" normalizeH="0" baseline="0" dirty="0" smtClean="0">
+                  <a:ln>
+                    <a:noFill/>
+                  </a:ln>
+                  <a:solidFill>
+                    <a:schemeClr val="tx1"/>
+                  </a:solidFill>
+                  <a:effectLst/>
+                  <a:latin typeface="Arial" charset="0"/>
+                </a:rPr>
+                <a:t>Coding</a:t>
+              </a:r>
+            </a:p>
+          </p:txBody>
+        </p:sp>
+        <p:sp>
+          <p:nvSpPr>
+            <p:cNvPr id="8" name="Oval 7"/>
+            <p:cNvSpPr/>
+            <p:nvPr/>
+          </p:nvSpPr>
+          <p:spPr bwMode="auto">
+            <a:xfrm>
+              <a:off x="4609480" y="3776869"/>
+              <a:ext cx="1752600" cy="838200"/>
+            </a:xfrm>
+            <a:prstGeom prst="ellipse">
+              <a:avLst/>
+            </a:prstGeom>
+            <a:ln>
+              <a:headEnd type="none" w="med" len="med"/>
+              <a:tailEnd type="none" w="med" len="med"/>
+            </a:ln>
+          </p:spPr>
+          <p:style>
+            <a:lnRef idx="2">
+              <a:schemeClr val="accent2"/>
+            </a:lnRef>
+            <a:fillRef idx="1">
+              <a:schemeClr val="lt1"/>
+            </a:fillRef>
+            <a:effectRef idx="0">
+              <a:schemeClr val="accent2"/>
+            </a:effectRef>
+            <a:fontRef idx="minor">
+              <a:schemeClr val="dk1"/>
+            </a:fontRef>
+          </p:style>
+          <p:txBody>
+            <a:bodyPr vert="horz" wrap="square" lIns="91440" tIns="45720" rIns="91440" bIns="45720" numCol="1" rtlCol="0" anchor="ctr" anchorCtr="0" compatLnSpc="1">
+              <a:prstTxWarp prst="textNoShape">
+                <a:avLst/>
+              </a:prstTxWarp>
+            </a:bodyPr>
+            <a:lstStyle/>
+            <a:p>
+              <a:pPr marL="0" marR="0" indent="0" algn="ctr" defTabSz="914400" rtl="0" eaLnBrk="1" fontAlgn="base" latinLnBrk="0" hangingPunct="1">
+                <a:lnSpc>
+                  <a:spcPct val="100000"/>
+                </a:lnSpc>
+                <a:spcBef>
+                  <a:spcPct val="0"/>
+                </a:spcBef>
+                <a:spcAft>
+                  <a:spcPct val="0"/>
+                </a:spcAft>
+                <a:buClrTx/>
+                <a:buSzTx/>
+                <a:buFontTx/>
+                <a:buNone/>
+                <a:tabLst/>
+              </a:pPr>
+              <a:r>
+                <a:rPr kumimoji="0" lang="en-US" sz="1400" b="0" i="0" u="none" strike="noStrike" cap="none" normalizeH="0" baseline="0" dirty="0" smtClean="0">
+                  <a:ln>
+                    <a:noFill/>
+                  </a:ln>
+                  <a:solidFill>
+                    <a:schemeClr val="tx1"/>
+                  </a:solidFill>
+                  <a:effectLst/>
+                  <a:latin typeface="Arial" charset="0"/>
+                </a:rPr>
+                <a:t>Unit </a:t>
+              </a:r>
+            </a:p>
+            <a:p>
+              <a:pPr marL="0" marR="0" indent="0" algn="ctr" defTabSz="914400" rtl="0" eaLnBrk="1" fontAlgn="base" latinLnBrk="0" hangingPunct="1">
+                <a:lnSpc>
+                  <a:spcPct val="100000"/>
+                </a:lnSpc>
+                <a:spcBef>
+                  <a:spcPct val="0"/>
+                </a:spcBef>
+                <a:spcAft>
+                  <a:spcPct val="0"/>
+                </a:spcAft>
+                <a:buClrTx/>
+                <a:buSzTx/>
+                <a:buFontTx/>
+                <a:buNone/>
+                <a:tabLst/>
+              </a:pPr>
+              <a:r>
+                <a:rPr kumimoji="0" lang="en-US" sz="1400" b="0" i="0" u="none" strike="noStrike" cap="none" normalizeH="0" baseline="0" dirty="0" smtClean="0">
+                  <a:ln>
+                    <a:noFill/>
+                  </a:ln>
+                  <a:solidFill>
+                    <a:schemeClr val="tx1"/>
+                  </a:solidFill>
+                  <a:effectLst/>
+                  <a:latin typeface="Arial" charset="0"/>
+                </a:rPr>
+                <a:t>Testing</a:t>
+              </a:r>
+            </a:p>
+          </p:txBody>
+        </p:sp>
+        <p:sp>
+          <p:nvSpPr>
+            <p:cNvPr id="9" name="Oval 8"/>
+            <p:cNvSpPr/>
+            <p:nvPr/>
+          </p:nvSpPr>
+          <p:spPr bwMode="auto">
+            <a:xfrm>
+              <a:off x="5457840" y="2682129"/>
+              <a:ext cx="1752600" cy="838200"/>
+            </a:xfrm>
+            <a:prstGeom prst="ellipse">
+              <a:avLst/>
+            </a:prstGeom>
+            <a:ln>
+              <a:headEnd type="none" w="med" len="med"/>
+              <a:tailEnd type="none" w="med" len="med"/>
+            </a:ln>
+          </p:spPr>
+          <p:style>
+            <a:lnRef idx="2">
+              <a:schemeClr val="accent2"/>
+            </a:lnRef>
+            <a:fillRef idx="1">
+              <a:schemeClr val="lt1"/>
+            </a:fillRef>
+            <a:effectRef idx="0">
+              <a:schemeClr val="accent2"/>
+            </a:effectRef>
+            <a:fontRef idx="minor">
+              <a:schemeClr val="dk1"/>
+            </a:fontRef>
+          </p:style>
+          <p:txBody>
+            <a:bodyPr vert="horz" wrap="square" lIns="91440" tIns="45720" rIns="91440" bIns="45720" numCol="1" rtlCol="0" anchor="ctr" anchorCtr="0" compatLnSpc="1">
+              <a:prstTxWarp prst="textNoShape">
+                <a:avLst/>
+              </a:prstTxWarp>
+            </a:bodyPr>
+            <a:lstStyle/>
+            <a:p>
+              <a:pPr marL="0" marR="0" indent="0" algn="ctr" defTabSz="914400" rtl="0" eaLnBrk="1" fontAlgn="base" latinLnBrk="0" hangingPunct="1">
+                <a:lnSpc>
+                  <a:spcPct val="100000"/>
+                </a:lnSpc>
+                <a:spcBef>
+                  <a:spcPct val="0"/>
+                </a:spcBef>
+                <a:spcAft>
+                  <a:spcPct val="0"/>
+                </a:spcAft>
+                <a:buClrTx/>
+                <a:buSzTx/>
+                <a:buFontTx/>
+                <a:buNone/>
+                <a:tabLst/>
+              </a:pPr>
+              <a:r>
+                <a:rPr kumimoji="0" lang="en-US" sz="1400" b="0" i="0" u="none" strike="noStrike" cap="none" normalizeH="0" baseline="0" dirty="0" smtClean="0">
+                  <a:ln>
+                    <a:noFill/>
+                  </a:ln>
+                  <a:solidFill>
+                    <a:schemeClr val="tx1"/>
+                  </a:solidFill>
+                  <a:effectLst/>
+                  <a:latin typeface="Arial" charset="0"/>
+                </a:rPr>
+                <a:t>Integration</a:t>
+              </a:r>
+            </a:p>
+            <a:p>
+              <a:pPr marL="0" marR="0" indent="0" algn="ctr" defTabSz="914400" rtl="0" eaLnBrk="1" fontAlgn="base" latinLnBrk="0" hangingPunct="1">
+                <a:lnSpc>
+                  <a:spcPct val="100000"/>
+                </a:lnSpc>
+                <a:spcBef>
+                  <a:spcPct val="0"/>
+                </a:spcBef>
+                <a:spcAft>
+                  <a:spcPct val="0"/>
+                </a:spcAft>
+                <a:buClrTx/>
+                <a:buSzTx/>
+                <a:buFontTx/>
+                <a:buNone/>
+                <a:tabLst/>
+              </a:pPr>
+              <a:r>
+                <a:rPr lang="en-US" sz="1400" dirty="0" smtClean="0">
+                  <a:solidFill>
+                    <a:schemeClr val="tx1"/>
+                  </a:solidFill>
+                  <a:latin typeface="Arial" charset="0"/>
+                </a:rPr>
+                <a:t>Testing</a:t>
+              </a:r>
+              <a:endParaRPr kumimoji="0" lang="en-US" sz="1400" b="0" i="0" u="none" strike="noStrike" cap="none" normalizeH="0" baseline="0" dirty="0" smtClean="0">
                 <a:ln>
                   <a:noFill/>
                 </a:ln>
@@ -38374,71 +38783,181 @@
                 </a:solidFill>
                 <a:effectLst/>
                 <a:latin typeface="Arial" charset="0"/>
-              </a:rPr>
-              <a:t>High Level Design</a:t>
-            </a:r>
-          </a:p>
-        </p:txBody>
-      </p:sp>
-      <p:sp>
-        <p:nvSpPr>
-          <p:cNvPr id="6" name="Oval 5"/>
-          <p:cNvSpPr/>
-          <p:nvPr/>
-        </p:nvSpPr>
-        <p:spPr bwMode="auto">
-          <a:xfrm>
-            <a:off x="1963420" y="3776869"/>
-            <a:ext cx="1752600" cy="838200"/>
-          </a:xfrm>
-          <a:prstGeom prst="ellipse">
-            <a:avLst/>
-          </a:prstGeom>
-          <a:ln>
-            <a:headEnd type="none" w="med" len="med"/>
-            <a:tailEnd type="none" w="med" len="med"/>
-          </a:ln>
-        </p:spPr>
-        <p:style>
-          <a:lnRef idx="2">
-            <a:schemeClr val="accent2"/>
-          </a:lnRef>
-          <a:fillRef idx="1">
-            <a:schemeClr val="lt1"/>
-          </a:fillRef>
-          <a:effectRef idx="0">
-            <a:schemeClr val="accent2"/>
-          </a:effectRef>
-          <a:fontRef idx="minor">
-            <a:schemeClr val="dk1"/>
-          </a:fontRef>
-        </p:style>
-        <p:txBody>
-          <a:bodyPr vert="horz" wrap="square" lIns="91440" tIns="45720" rIns="91440" bIns="45720" numCol="1" rtlCol="0" anchor="ctr" anchorCtr="0" compatLnSpc="1">
-            <a:prstTxWarp prst="textNoShape">
+              </a:endParaRPr>
+            </a:p>
+          </p:txBody>
+        </p:sp>
+        <p:sp>
+          <p:nvSpPr>
+            <p:cNvPr id="10" name="Oval 9"/>
+            <p:cNvSpPr/>
+            <p:nvPr/>
+          </p:nvSpPr>
+          <p:spPr bwMode="auto">
+            <a:xfrm>
+              <a:off x="6192520" y="1511192"/>
+              <a:ext cx="1752600" cy="838200"/>
+            </a:xfrm>
+            <a:prstGeom prst="ellipse">
               <a:avLst/>
-            </a:prstTxWarp>
-          </a:bodyPr>
-          <a:lstStyle/>
-          <a:p>
-            <a:pPr marL="0" marR="0" indent="0" algn="ctr" defTabSz="914400" rtl="0" eaLnBrk="1" fontAlgn="base" latinLnBrk="0" hangingPunct="1">
-              <a:lnSpc>
-                <a:spcPct val="100000"/>
-              </a:lnSpc>
-              <a:spcBef>
-                <a:spcPct val="0"/>
-              </a:spcBef>
-              <a:spcAft>
-                <a:spcPct val="0"/>
-              </a:spcAft>
-              <a:buClrTx/>
-              <a:buSzTx/>
-              <a:buFontTx/>
-              <a:buNone/>
-              <a:tabLst/>
-            </a:pPr>
-            <a:r>
-              <a:rPr kumimoji="0" lang="en-US" sz="1400" b="0" i="0" u="none" strike="noStrike" cap="none" normalizeH="0" baseline="0" dirty="0" smtClean="0">
+            </a:prstGeom>
+            <a:ln>
+              <a:headEnd type="none" w="med" len="med"/>
+              <a:tailEnd type="none" w="med" len="med"/>
+            </a:ln>
+          </p:spPr>
+          <p:style>
+            <a:lnRef idx="2">
+              <a:schemeClr val="accent2"/>
+            </a:lnRef>
+            <a:fillRef idx="1">
+              <a:schemeClr val="lt1"/>
+            </a:fillRef>
+            <a:effectRef idx="0">
+              <a:schemeClr val="accent2"/>
+            </a:effectRef>
+            <a:fontRef idx="minor">
+              <a:schemeClr val="dk1"/>
+            </a:fontRef>
+          </p:style>
+          <p:txBody>
+            <a:bodyPr vert="horz" wrap="square" lIns="91440" tIns="45720" rIns="91440" bIns="45720" numCol="1" rtlCol="0" anchor="ctr" anchorCtr="0" compatLnSpc="1">
+              <a:prstTxWarp prst="textNoShape">
+                <a:avLst/>
+              </a:prstTxWarp>
+            </a:bodyPr>
+            <a:lstStyle/>
+            <a:p>
+              <a:pPr marL="0" marR="0" indent="0" algn="ctr" defTabSz="914400" rtl="0" eaLnBrk="1" fontAlgn="base" latinLnBrk="0" hangingPunct="1">
+                <a:lnSpc>
+                  <a:spcPct val="100000"/>
+                </a:lnSpc>
+                <a:spcBef>
+                  <a:spcPct val="0"/>
+                </a:spcBef>
+                <a:spcAft>
+                  <a:spcPct val="0"/>
+                </a:spcAft>
+                <a:buClrTx/>
+                <a:buSzTx/>
+                <a:buFontTx/>
+                <a:buNone/>
+                <a:tabLst/>
+              </a:pPr>
+              <a:r>
+                <a:rPr kumimoji="0" lang="en-US" sz="1400" b="0" i="0" u="none" strike="noStrike" cap="none" normalizeH="0" baseline="0" dirty="0" smtClean="0">
+                  <a:ln>
+                    <a:noFill/>
+                  </a:ln>
+                  <a:solidFill>
+                    <a:schemeClr val="tx1"/>
+                  </a:solidFill>
+                  <a:effectLst/>
+                  <a:latin typeface="Arial" charset="0"/>
+                </a:rPr>
+                <a:t>System Testing</a:t>
+              </a:r>
+            </a:p>
+          </p:txBody>
+        </p:sp>
+        <p:sp>
+          <p:nvSpPr>
+            <p:cNvPr id="11" name="Oval 10"/>
+            <p:cNvSpPr/>
+            <p:nvPr/>
+          </p:nvSpPr>
+          <p:spPr bwMode="auto">
+            <a:xfrm>
+              <a:off x="401320" y="1511189"/>
+              <a:ext cx="2190612" cy="838200"/>
+            </a:xfrm>
+            <a:prstGeom prst="ellipse">
+              <a:avLst/>
+            </a:prstGeom>
+            <a:ln>
+              <a:headEnd type="none" w="med" len="med"/>
+              <a:tailEnd type="none" w="med" len="med"/>
+            </a:ln>
+          </p:spPr>
+          <p:style>
+            <a:lnRef idx="2">
+              <a:schemeClr val="accent2"/>
+            </a:lnRef>
+            <a:fillRef idx="1">
+              <a:schemeClr val="lt1"/>
+            </a:fillRef>
+            <a:effectRef idx="0">
+              <a:schemeClr val="accent2"/>
+            </a:effectRef>
+            <a:fontRef idx="minor">
+              <a:schemeClr val="dk1"/>
+            </a:fontRef>
+          </p:style>
+          <p:txBody>
+            <a:bodyPr vert="horz" wrap="square" lIns="91440" tIns="45720" rIns="91440" bIns="45720" numCol="1" rtlCol="0" anchor="ctr" anchorCtr="0" compatLnSpc="1">
+              <a:prstTxWarp prst="textNoShape">
+                <a:avLst/>
+              </a:prstTxWarp>
+            </a:bodyPr>
+            <a:lstStyle/>
+            <a:p>
+              <a:pPr marL="0" marR="0" indent="0" algn="ctr" defTabSz="914400" rtl="0" eaLnBrk="1" fontAlgn="base" latinLnBrk="0" hangingPunct="1">
+                <a:lnSpc>
+                  <a:spcPct val="100000"/>
+                </a:lnSpc>
+                <a:spcBef>
+                  <a:spcPct val="0"/>
+                </a:spcBef>
+                <a:spcAft>
+                  <a:spcPct val="0"/>
+                </a:spcAft>
+                <a:buClrTx/>
+                <a:buSzTx/>
+                <a:buFontTx/>
+                <a:buNone/>
+                <a:tabLst/>
+              </a:pPr>
+              <a:r>
+                <a:rPr kumimoji="0" lang="en-US" sz="1400" b="0" i="0" u="none" strike="noStrike" cap="none" normalizeH="0" baseline="0" dirty="0" smtClean="0">
+                  <a:ln>
+                    <a:noFill/>
+                  </a:ln>
+                  <a:solidFill>
+                    <a:schemeClr val="tx1"/>
+                  </a:solidFill>
+                  <a:effectLst/>
+                  <a:latin typeface="Arial" charset="0"/>
+                </a:rPr>
+                <a:t>Software Requirement</a:t>
+              </a:r>
+            </a:p>
+            <a:p>
+              <a:pPr marL="0" marR="0" indent="0" algn="ctr" defTabSz="914400" rtl="0" eaLnBrk="1" fontAlgn="base" latinLnBrk="0" hangingPunct="1">
+                <a:lnSpc>
+                  <a:spcPct val="100000"/>
+                </a:lnSpc>
+                <a:spcBef>
+                  <a:spcPct val="0"/>
+                </a:spcBef>
+                <a:spcAft>
+                  <a:spcPct val="0"/>
+                </a:spcAft>
+                <a:buClrTx/>
+                <a:buSzTx/>
+                <a:buFontTx/>
+                <a:buNone/>
+                <a:tabLst/>
+              </a:pPr>
+              <a:r>
+                <a:rPr lang="en-US" sz="1400" dirty="0" smtClean="0">
+                  <a:solidFill>
+                    <a:schemeClr val="tx1"/>
+                  </a:solidFill>
+                  <a:latin typeface="Arial" charset="0"/>
+                </a:rPr>
+                <a:t>Specification</a:t>
+              </a:r>
+              <a:endParaRPr kumimoji="0" lang="en-US" sz="1400" b="0" i="0" u="none" strike="noStrike" cap="none" normalizeH="0" baseline="0" dirty="0" smtClean="0">
                 <a:ln>
                   <a:noFill/>
                 </a:ln>
@@ -38447,71 +38966,198 @@
                 </a:solidFill>
                 <a:effectLst/>
                 <a:latin typeface="Arial" charset="0"/>
-              </a:rPr>
-              <a:t>Low Level Design</a:t>
-            </a:r>
-          </a:p>
-        </p:txBody>
-      </p:sp>
-      <p:sp>
-        <p:nvSpPr>
-          <p:cNvPr id="7" name="Oval 6"/>
-          <p:cNvSpPr/>
-          <p:nvPr/>
-        </p:nvSpPr>
-        <p:spPr bwMode="auto">
-          <a:xfrm>
-            <a:off x="3286450" y="5072269"/>
-            <a:ext cx="1752600" cy="838200"/>
-          </a:xfrm>
-          <a:prstGeom prst="ellipse">
-            <a:avLst/>
-          </a:prstGeom>
-          <a:ln>
-            <a:headEnd type="none" w="med" len="med"/>
-            <a:tailEnd type="none" w="med" len="med"/>
-          </a:ln>
-        </p:spPr>
-        <p:style>
-          <a:lnRef idx="2">
-            <a:schemeClr val="accent2"/>
-          </a:lnRef>
-          <a:fillRef idx="1">
-            <a:schemeClr val="lt1"/>
-          </a:fillRef>
-          <a:effectRef idx="0">
-            <a:schemeClr val="accent2"/>
-          </a:effectRef>
-          <a:fontRef idx="minor">
-            <a:schemeClr val="dk1"/>
-          </a:fontRef>
-        </p:style>
-        <p:txBody>
-          <a:bodyPr vert="horz" wrap="square" lIns="91440" tIns="45720" rIns="91440" bIns="45720" numCol="1" rtlCol="0" anchor="ctr" anchorCtr="0" compatLnSpc="1">
-            <a:prstTxWarp prst="textNoShape">
+              </a:endParaRPr>
+            </a:p>
+          </p:txBody>
+        </p:sp>
+        <p:cxnSp>
+          <p:nvCxnSpPr>
+            <p:cNvPr id="13" name="Straight Arrow Connector 12"/>
+            <p:cNvCxnSpPr>
+              <a:stCxn id="11" idx="6"/>
+              <a:endCxn id="10" idx="2"/>
+            </p:cNvCxnSpPr>
+            <p:nvPr/>
+          </p:nvCxnSpPr>
+          <p:spPr bwMode="auto">
+            <a:xfrm>
+              <a:off x="2591933" y="1930289"/>
+              <a:ext cx="3600588" cy="3"/>
+            </a:xfrm>
+            <a:prstGeom prst="straightConnector1">
               <a:avLst/>
-            </a:prstTxWarp>
-          </a:bodyPr>
-          <a:lstStyle/>
-          <a:p>
-            <a:pPr marL="0" marR="0" indent="0" algn="ctr" defTabSz="914400" rtl="0" eaLnBrk="1" fontAlgn="base" latinLnBrk="0" hangingPunct="1">
-              <a:lnSpc>
-                <a:spcPct val="100000"/>
-              </a:lnSpc>
-              <a:spcBef>
-                <a:spcPct val="0"/>
-              </a:spcBef>
-              <a:spcAft>
-                <a:spcPct val="0"/>
-              </a:spcAft>
-              <a:buClrTx/>
-              <a:buSzTx/>
-              <a:buFontTx/>
-              <a:buNone/>
-              <a:tabLst/>
-            </a:pPr>
-            <a:r>
-              <a:rPr kumimoji="0" lang="en-US" sz="1400" b="0" i="0" u="none" strike="noStrike" cap="none" normalizeH="0" baseline="0" dirty="0" smtClean="0">
+            </a:prstGeom>
+            <a:ln w="12700" cmpd="sng">
+              <a:prstDash val="dash"/>
+              <a:headEnd type="none" w="med" len="med"/>
+              <a:tailEnd type="arrow"/>
+            </a:ln>
+          </p:spPr>
+          <p:style>
+            <a:lnRef idx="1">
+              <a:schemeClr val="dk1"/>
+            </a:lnRef>
+            <a:fillRef idx="0">
+              <a:schemeClr val="dk1"/>
+            </a:fillRef>
+            <a:effectRef idx="0">
+              <a:schemeClr val="dk1"/>
+            </a:effectRef>
+            <a:fontRef idx="minor">
+              <a:schemeClr val="tx1"/>
+            </a:fontRef>
+          </p:style>
+        </p:cxnSp>
+        <p:cxnSp>
+          <p:nvCxnSpPr>
+            <p:cNvPr id="14" name="Straight Arrow Connector 13"/>
+            <p:cNvCxnSpPr>
+              <a:stCxn id="5" idx="6"/>
+              <a:endCxn id="9" idx="2"/>
+            </p:cNvCxnSpPr>
+            <p:nvPr/>
+          </p:nvCxnSpPr>
+          <p:spPr bwMode="auto">
+            <a:xfrm>
+              <a:off x="2877820" y="3101229"/>
+              <a:ext cx="2580020" cy="0"/>
+            </a:xfrm>
+            <a:prstGeom prst="straightConnector1">
+              <a:avLst/>
+            </a:prstGeom>
+            <a:ln w="12700" cmpd="sng">
+              <a:prstDash val="dash"/>
+              <a:headEnd type="none" w="med" len="med"/>
+              <a:tailEnd type="arrow"/>
+            </a:ln>
+          </p:spPr>
+          <p:style>
+            <a:lnRef idx="1">
+              <a:schemeClr val="dk1"/>
+            </a:lnRef>
+            <a:fillRef idx="0">
+              <a:schemeClr val="dk1"/>
+            </a:fillRef>
+            <a:effectRef idx="0">
+              <a:schemeClr val="dk1"/>
+            </a:effectRef>
+            <a:fontRef idx="minor">
+              <a:schemeClr val="tx1"/>
+            </a:fontRef>
+          </p:style>
+        </p:cxnSp>
+        <p:cxnSp>
+          <p:nvCxnSpPr>
+            <p:cNvPr id="17" name="Straight Arrow Connector 16"/>
+            <p:cNvCxnSpPr>
+              <a:stCxn id="6" idx="6"/>
+              <a:endCxn id="8" idx="2"/>
+            </p:cNvCxnSpPr>
+            <p:nvPr/>
+          </p:nvCxnSpPr>
+          <p:spPr bwMode="auto">
+            <a:xfrm>
+              <a:off x="3716020" y="4195969"/>
+              <a:ext cx="893460" cy="0"/>
+            </a:xfrm>
+            <a:prstGeom prst="straightConnector1">
+              <a:avLst/>
+            </a:prstGeom>
+            <a:ln w="12700" cmpd="sng">
+              <a:prstDash val="dash"/>
+              <a:headEnd type="none" w="med" len="med"/>
+              <a:tailEnd type="arrow"/>
+            </a:ln>
+          </p:spPr>
+          <p:style>
+            <a:lnRef idx="1">
+              <a:schemeClr val="dk1"/>
+            </a:lnRef>
+            <a:fillRef idx="0">
+              <a:schemeClr val="dk1"/>
+            </a:fillRef>
+            <a:effectRef idx="0">
+              <a:schemeClr val="dk1"/>
+            </a:effectRef>
+            <a:fontRef idx="minor">
+              <a:schemeClr val="tx1"/>
+            </a:fontRef>
+          </p:style>
+        </p:cxnSp>
+        <p:sp>
+          <p:nvSpPr>
+            <p:cNvPr id="27" name="Curved Right Arrow 26"/>
+            <p:cNvSpPr/>
+            <p:nvPr/>
+          </p:nvSpPr>
+          <p:spPr bwMode="auto">
+            <a:xfrm rot="20289523">
+              <a:off x="398938" y="2384315"/>
+              <a:ext cx="546058" cy="992285"/>
+            </a:xfrm>
+            <a:prstGeom prst="curvedRightArrow">
+              <a:avLst>
+                <a:gd name="adj1" fmla="val 51884"/>
+                <a:gd name="adj2" fmla="val 79159"/>
+                <a:gd name="adj3" fmla="val 29171"/>
+              </a:avLst>
+            </a:prstGeom>
+            <a:solidFill>
+              <a:schemeClr val="tx1">
+                <a:lumMod val="65000"/>
+                <a:lumOff val="35000"/>
+              </a:schemeClr>
+            </a:solidFill>
+            <a:ln>
+              <a:solidFill>
+                <a:schemeClr val="tx1">
+                  <a:lumMod val="65000"/>
+                  <a:lumOff val="35000"/>
+                </a:schemeClr>
+              </a:solidFill>
+              <a:headEnd type="none" w="med" len="med"/>
+              <a:tailEnd type="none" w="med" len="med"/>
+            </a:ln>
+          </p:spPr>
+          <p:style>
+            <a:lnRef idx="1">
+              <a:schemeClr val="accent4"/>
+            </a:lnRef>
+            <a:fillRef idx="3">
+              <a:schemeClr val="accent4"/>
+            </a:fillRef>
+            <a:effectRef idx="2">
+              <a:schemeClr val="accent4"/>
+            </a:effectRef>
+            <a:fontRef idx="minor">
+              <a:schemeClr val="lt1"/>
+            </a:fontRef>
+          </p:style>
+          <p:txBody>
+            <a:bodyPr vert="horz" wrap="square" lIns="91440" tIns="45720" rIns="91440" bIns="45720" numCol="1" rtlCol="0" anchor="t" anchorCtr="0" compatLnSpc="1">
+              <a:prstTxWarp prst="textNoShape">
+                <a:avLst/>
+              </a:prstTxWarp>
+            </a:bodyPr>
+            <a:lstStyle/>
+            <a:p>
+              <a:pPr marL="0" marR="0" indent="0" algn="l" defTabSz="914400" rtl="0" eaLnBrk="1" fontAlgn="base" latinLnBrk="0" hangingPunct="1">
+                <a:lnSpc>
+                  <a:spcPct val="100000"/>
+                </a:lnSpc>
+                <a:spcBef>
+                  <a:spcPct val="0"/>
+                </a:spcBef>
+                <a:spcAft>
+                  <a:spcPct val="0"/>
+                </a:spcAft>
+                <a:buClrTx/>
+                <a:buSzTx/>
+                <a:buFontTx/>
+                <a:buNone/>
+                <a:tabLst/>
+              </a:pPr>
+              <a:endParaRPr kumimoji="0" lang="en-US" sz="1800" b="0" i="0" u="none" strike="noStrike" cap="none" normalizeH="0" baseline="0" smtClean="0">
                 <a:ln>
                   <a:noFill/>
                 </a:ln>
@@ -38520,71 +39166,84 @@
                 </a:solidFill>
                 <a:effectLst/>
                 <a:latin typeface="Arial" charset="0"/>
-              </a:rPr>
-              <a:t>Coding</a:t>
-            </a:r>
-          </a:p>
-        </p:txBody>
-      </p:sp>
-      <p:sp>
-        <p:nvSpPr>
-          <p:cNvPr id="8" name="Oval 7"/>
-          <p:cNvSpPr/>
-          <p:nvPr/>
-        </p:nvSpPr>
-        <p:spPr bwMode="auto">
-          <a:xfrm>
-            <a:off x="4609480" y="3776869"/>
-            <a:ext cx="1752600" cy="838200"/>
-          </a:xfrm>
-          <a:prstGeom prst="ellipse">
-            <a:avLst/>
-          </a:prstGeom>
-          <a:ln>
-            <a:headEnd type="none" w="med" len="med"/>
-            <a:tailEnd type="none" w="med" len="med"/>
-          </a:ln>
-        </p:spPr>
-        <p:style>
-          <a:lnRef idx="2">
-            <a:schemeClr val="accent2"/>
-          </a:lnRef>
-          <a:fillRef idx="1">
-            <a:schemeClr val="lt1"/>
-          </a:fillRef>
-          <a:effectRef idx="0">
-            <a:schemeClr val="accent2"/>
-          </a:effectRef>
-          <a:fontRef idx="minor">
-            <a:schemeClr val="dk1"/>
-          </a:fontRef>
-        </p:style>
-        <p:txBody>
-          <a:bodyPr vert="horz" wrap="square" lIns="91440" tIns="45720" rIns="91440" bIns="45720" numCol="1" rtlCol="0" anchor="ctr" anchorCtr="0" compatLnSpc="1">
-            <a:prstTxWarp prst="textNoShape">
-              <a:avLst/>
-            </a:prstTxWarp>
-          </a:bodyPr>
-          <a:lstStyle/>
-          <a:p>
-            <a:pPr marL="0" marR="0" indent="0" algn="ctr" defTabSz="914400" rtl="0" eaLnBrk="1" fontAlgn="base" latinLnBrk="0" hangingPunct="1">
-              <a:lnSpc>
-                <a:spcPct val="100000"/>
-              </a:lnSpc>
-              <a:spcBef>
-                <a:spcPct val="0"/>
-              </a:spcBef>
-              <a:spcAft>
-                <a:spcPct val="0"/>
-              </a:spcAft>
-              <a:buClrTx/>
-              <a:buSzTx/>
-              <a:buFontTx/>
-              <a:buNone/>
-              <a:tabLst/>
-            </a:pPr>
-            <a:r>
-              <a:rPr kumimoji="0" lang="en-US" sz="1400" b="0" i="0" u="none" strike="noStrike" cap="none" normalizeH="0" baseline="0" dirty="0" smtClean="0">
+              </a:endParaRPr>
+            </a:p>
+          </p:txBody>
+        </p:sp>
+        <p:sp>
+          <p:nvSpPr>
+            <p:cNvPr id="28" name="Curved Right Arrow 27"/>
+            <p:cNvSpPr/>
+            <p:nvPr/>
+          </p:nvSpPr>
+          <p:spPr bwMode="auto">
+            <a:xfrm rot="20289523">
+              <a:off x="1175904" y="3606613"/>
+              <a:ext cx="546058" cy="992285"/>
+            </a:xfrm>
+            <a:prstGeom prst="curvedRightArrow">
+              <a:avLst>
+                <a:gd name="adj1" fmla="val 51884"/>
+                <a:gd name="adj2" fmla="val 79159"/>
+                <a:gd name="adj3" fmla="val 29171"/>
+              </a:avLst>
+            </a:prstGeom>
+            <a:solidFill>
+              <a:schemeClr val="tx1">
+                <a:lumMod val="65000"/>
+                <a:lumOff val="35000"/>
+              </a:schemeClr>
+            </a:solidFill>
+            <a:ln>
+              <a:solidFill>
+                <a:schemeClr val="tx1">
+                  <a:lumMod val="65000"/>
+                  <a:lumOff val="35000"/>
+                </a:schemeClr>
+              </a:solidFill>
+              <a:headEnd type="none" w="med" len="med"/>
+              <a:tailEnd type="none" w="med" len="med"/>
+            </a:ln>
+          </p:spPr>
+          <p:style>
+            <a:lnRef idx="1">
+              <a:schemeClr val="accent4"/>
+            </a:lnRef>
+            <a:fillRef idx="3">
+              <a:schemeClr val="accent4"/>
+            </a:fillRef>
+            <a:effectRef idx="2">
+              <a:schemeClr val="accent4"/>
+            </a:effectRef>
+            <a:fontRef idx="minor">
+              <a:schemeClr val="lt1"/>
+            </a:fontRef>
+          </p:style>
+          <p:txBody>
+            <a:bodyPr vert="horz" wrap="square" lIns="91440" tIns="45720" rIns="91440" bIns="45720" numCol="1" rtlCol="0" anchor="t" anchorCtr="0" compatLnSpc="1">
+              <a:prstTxWarp prst="textNoShape">
+                <a:avLst/>
+              </a:prstTxWarp>
+            </a:bodyPr>
+            <a:lstStyle/>
+            <a:p>
+              <a:pPr marL="0" marR="0" indent="0" algn="l" defTabSz="914400" rtl="0" eaLnBrk="1" fontAlgn="base" latinLnBrk="0" hangingPunct="1">
+                <a:lnSpc>
+                  <a:spcPct val="100000"/>
+                </a:lnSpc>
+                <a:spcBef>
+                  <a:spcPct val="0"/>
+                </a:spcBef>
+                <a:spcAft>
+                  <a:spcPct val="0"/>
+                </a:spcAft>
+                <a:buClrTx/>
+                <a:buSzTx/>
+                <a:buFontTx/>
+                <a:buNone/>
+                <a:tabLst/>
+              </a:pPr>
+              <a:endParaRPr kumimoji="0" lang="en-US" sz="1800" b="0" i="0" u="none" strike="noStrike" cap="none" normalizeH="0" baseline="0" smtClean="0">
                 <a:ln>
                   <a:noFill/>
                 </a:ln>
@@ -38593,29 +39252,84 @@
                 </a:solidFill>
                 <a:effectLst/>
                 <a:latin typeface="Arial" charset="0"/>
-              </a:rPr>
-              <a:t>Unit </a:t>
-            </a:r>
-          </a:p>
-          <a:p>
-            <a:pPr marL="0" marR="0" indent="0" algn="ctr" defTabSz="914400" rtl="0" eaLnBrk="1" fontAlgn="base" latinLnBrk="0" hangingPunct="1">
-              <a:lnSpc>
-                <a:spcPct val="100000"/>
-              </a:lnSpc>
-              <a:spcBef>
-                <a:spcPct val="0"/>
-              </a:spcBef>
-              <a:spcAft>
-                <a:spcPct val="0"/>
-              </a:spcAft>
-              <a:buClrTx/>
-              <a:buSzTx/>
-              <a:buFontTx/>
-              <a:buNone/>
-              <a:tabLst/>
-            </a:pPr>
-            <a:r>
-              <a:rPr kumimoji="0" lang="en-US" sz="1400" b="0" i="0" u="none" strike="noStrike" cap="none" normalizeH="0" baseline="0" dirty="0" smtClean="0">
+              </a:endParaRPr>
+            </a:p>
+          </p:txBody>
+        </p:sp>
+        <p:sp>
+          <p:nvSpPr>
+            <p:cNvPr id="29" name="Curved Right Arrow 28"/>
+            <p:cNvSpPr/>
+            <p:nvPr/>
+          </p:nvSpPr>
+          <p:spPr bwMode="auto">
+            <a:xfrm rot="19311092">
+              <a:off x="2318904" y="4802181"/>
+              <a:ext cx="546058" cy="992285"/>
+            </a:xfrm>
+            <a:prstGeom prst="curvedRightArrow">
+              <a:avLst>
+                <a:gd name="adj1" fmla="val 51884"/>
+                <a:gd name="adj2" fmla="val 79159"/>
+                <a:gd name="adj3" fmla="val 29171"/>
+              </a:avLst>
+            </a:prstGeom>
+            <a:solidFill>
+              <a:schemeClr val="tx1">
+                <a:lumMod val="65000"/>
+                <a:lumOff val="35000"/>
+              </a:schemeClr>
+            </a:solidFill>
+            <a:ln>
+              <a:solidFill>
+                <a:schemeClr val="tx1">
+                  <a:lumMod val="65000"/>
+                  <a:lumOff val="35000"/>
+                </a:schemeClr>
+              </a:solidFill>
+              <a:headEnd type="none" w="med" len="med"/>
+              <a:tailEnd type="none" w="med" len="med"/>
+            </a:ln>
+          </p:spPr>
+          <p:style>
+            <a:lnRef idx="1">
+              <a:schemeClr val="accent4"/>
+            </a:lnRef>
+            <a:fillRef idx="3">
+              <a:schemeClr val="accent4"/>
+            </a:fillRef>
+            <a:effectRef idx="2">
+              <a:schemeClr val="accent4"/>
+            </a:effectRef>
+            <a:fontRef idx="minor">
+              <a:schemeClr val="lt1"/>
+            </a:fontRef>
+          </p:style>
+          <p:txBody>
+            <a:bodyPr vert="horz" wrap="square" lIns="91440" tIns="45720" rIns="91440" bIns="45720" numCol="1" rtlCol="0" anchor="t" anchorCtr="0" compatLnSpc="1">
+              <a:prstTxWarp prst="textNoShape">
+                <a:avLst/>
+              </a:prstTxWarp>
+            </a:bodyPr>
+            <a:lstStyle/>
+            <a:p>
+              <a:pPr marL="0" marR="0" indent="0" algn="l" defTabSz="914400" rtl="0" eaLnBrk="1" fontAlgn="base" latinLnBrk="0" hangingPunct="1">
+                <a:lnSpc>
+                  <a:spcPct val="100000"/>
+                </a:lnSpc>
+                <a:spcBef>
+                  <a:spcPct val="0"/>
+                </a:spcBef>
+                <a:spcAft>
+                  <a:spcPct val="0"/>
+                </a:spcAft>
+                <a:buClrTx/>
+                <a:buSzTx/>
+                <a:buFontTx/>
+                <a:buNone/>
+                <a:tabLst/>
+              </a:pPr>
+              <a:endParaRPr kumimoji="0" lang="en-US" sz="1800" b="0" i="0" u="none" strike="noStrike" cap="none" normalizeH="0" baseline="0" smtClean="0">
                 <a:ln>
                   <a:noFill/>
                 </a:ln>
@@ -38624,71 +39338,84 @@
                 </a:solidFill>
                 <a:effectLst/>
                 <a:latin typeface="Arial" charset="0"/>
-              </a:rPr>
-              <a:t>Testing</a:t>
-            </a:r>
-          </a:p>
-        </p:txBody>
-      </p:sp>
-      <p:sp>
-        <p:nvSpPr>
-          <p:cNvPr id="9" name="Oval 8"/>
-          <p:cNvSpPr/>
-          <p:nvPr/>
-        </p:nvSpPr>
-        <p:spPr bwMode="auto">
-          <a:xfrm>
-            <a:off x="5457840" y="2682129"/>
-            <a:ext cx="1752600" cy="838200"/>
-          </a:xfrm>
-          <a:prstGeom prst="ellipse">
-            <a:avLst/>
-          </a:prstGeom>
-          <a:ln>
-            <a:headEnd type="none" w="med" len="med"/>
-            <a:tailEnd type="none" w="med" len="med"/>
-          </a:ln>
-        </p:spPr>
-        <p:style>
-          <a:lnRef idx="2">
-            <a:schemeClr val="accent2"/>
-          </a:lnRef>
-          <a:fillRef idx="1">
-            <a:schemeClr val="lt1"/>
-          </a:fillRef>
-          <a:effectRef idx="0">
-            <a:schemeClr val="accent2"/>
-          </a:effectRef>
-          <a:fontRef idx="minor">
-            <a:schemeClr val="dk1"/>
-          </a:fontRef>
-        </p:style>
-        <p:txBody>
-          <a:bodyPr vert="horz" wrap="square" lIns="91440" tIns="45720" rIns="91440" bIns="45720" numCol="1" rtlCol="0" anchor="ctr" anchorCtr="0" compatLnSpc="1">
-            <a:prstTxWarp prst="textNoShape">
-              <a:avLst/>
-            </a:prstTxWarp>
-          </a:bodyPr>
-          <a:lstStyle/>
-          <a:p>
-            <a:pPr marL="0" marR="0" indent="0" algn="ctr" defTabSz="914400" rtl="0" eaLnBrk="1" fontAlgn="base" latinLnBrk="0" hangingPunct="1">
-              <a:lnSpc>
-                <a:spcPct val="100000"/>
-              </a:lnSpc>
-              <a:spcBef>
-                <a:spcPct val="0"/>
-              </a:spcBef>
-              <a:spcAft>
-                <a:spcPct val="0"/>
-              </a:spcAft>
-              <a:buClrTx/>
-              <a:buSzTx/>
-              <a:buFontTx/>
-              <a:buNone/>
-              <a:tabLst/>
-            </a:pPr>
-            <a:r>
-              <a:rPr kumimoji="0" lang="en-US" sz="1400" b="0" i="0" u="none" strike="noStrike" cap="none" normalizeH="0" baseline="0" dirty="0" smtClean="0">
+              </a:endParaRPr>
+            </a:p>
+          </p:txBody>
+        </p:sp>
+        <p:sp>
+          <p:nvSpPr>
+            <p:cNvPr id="30" name="Curved Right Arrow 29"/>
+            <p:cNvSpPr/>
+            <p:nvPr/>
+          </p:nvSpPr>
+          <p:spPr bwMode="auto">
+            <a:xfrm rot="2399045" flipH="1" flipV="1">
+              <a:off x="5386401" y="4719237"/>
+              <a:ext cx="546058" cy="992285"/>
+            </a:xfrm>
+            <a:prstGeom prst="curvedRightArrow">
+              <a:avLst>
+                <a:gd name="adj1" fmla="val 51884"/>
+                <a:gd name="adj2" fmla="val 79159"/>
+                <a:gd name="adj3" fmla="val 29171"/>
+              </a:avLst>
+            </a:prstGeom>
+            <a:solidFill>
+              <a:schemeClr val="tx1">
+                <a:lumMod val="65000"/>
+                <a:lumOff val="35000"/>
+              </a:schemeClr>
+            </a:solidFill>
+            <a:ln>
+              <a:solidFill>
+                <a:schemeClr val="tx1">
+                  <a:lumMod val="65000"/>
+                  <a:lumOff val="35000"/>
+                </a:schemeClr>
+              </a:solidFill>
+              <a:headEnd type="none" w="med" len="med"/>
+              <a:tailEnd type="none" w="med" len="med"/>
+            </a:ln>
+          </p:spPr>
+          <p:style>
+            <a:lnRef idx="1">
+              <a:schemeClr val="accent4"/>
+            </a:lnRef>
+            <a:fillRef idx="3">
+              <a:schemeClr val="accent4"/>
+            </a:fillRef>
+            <a:effectRef idx="2">
+              <a:schemeClr val="accent4"/>
+            </a:effectRef>
+            <a:fontRef idx="minor">
+              <a:schemeClr val="lt1"/>
+            </a:fontRef>
+          </p:style>
+          <p:txBody>
+            <a:bodyPr vert="horz" wrap="square" lIns="91440" tIns="45720" rIns="91440" bIns="45720" numCol="1" rtlCol="0" anchor="t" anchorCtr="0" compatLnSpc="1">
+              <a:prstTxWarp prst="textNoShape">
+                <a:avLst/>
+              </a:prstTxWarp>
+            </a:bodyPr>
+            <a:lstStyle/>
+            <a:p>
+              <a:pPr marL="0" marR="0" indent="0" algn="l" defTabSz="914400" rtl="0" eaLnBrk="1" fontAlgn="base" latinLnBrk="0" hangingPunct="1">
+                <a:lnSpc>
+                  <a:spcPct val="100000"/>
+                </a:lnSpc>
+                <a:spcBef>
+                  <a:spcPct val="0"/>
+                </a:spcBef>
+                <a:spcAft>
+                  <a:spcPct val="0"/>
+                </a:spcAft>
+                <a:buClrTx/>
+                <a:buSzTx/>
+                <a:buFontTx/>
+                <a:buNone/>
+                <a:tabLst/>
+              </a:pPr>
+              <a:endParaRPr kumimoji="0" lang="en-US" sz="1800" b="0" i="0" u="none" strike="noStrike" cap="none" normalizeH="0" baseline="0" smtClean="0">
                 <a:ln>
                   <a:noFill/>
                 </a:ln>
@@ -38697,108 +39424,84 @@
                 </a:solidFill>
                 <a:effectLst/>
                 <a:latin typeface="Arial" charset="0"/>
-              </a:rPr>
-              <a:t>Integration</a:t>
-            </a:r>
-          </a:p>
-          <a:p>
-            <a:pPr marL="0" marR="0" indent="0" algn="ctr" defTabSz="914400" rtl="0" eaLnBrk="1" fontAlgn="base" latinLnBrk="0" hangingPunct="1">
-              <a:lnSpc>
-                <a:spcPct val="100000"/>
-              </a:lnSpc>
-              <a:spcBef>
-                <a:spcPct val="0"/>
-              </a:spcBef>
-              <a:spcAft>
-                <a:spcPct val="0"/>
-              </a:spcAft>
-              <a:buClrTx/>
-              <a:buSzTx/>
-              <a:buFontTx/>
-              <a:buNone/>
-              <a:tabLst/>
-            </a:pPr>
-            <a:r>
-              <a:rPr lang="en-US" sz="1400" dirty="0" smtClean="0">
-                <a:solidFill>
-                  <a:schemeClr val="tx1"/>
-                </a:solidFill>
-                <a:latin typeface="Arial" charset="0"/>
-              </a:rPr>
-              <a:t>Testing</a:t>
-            </a:r>
-            <a:endParaRPr kumimoji="0" lang="en-US" sz="1400" b="0" i="0" u="none" strike="noStrike" cap="none" normalizeH="0" baseline="0" dirty="0" smtClean="0">
-              <a:ln>
-                <a:noFill/>
-              </a:ln>
+              </a:endParaRPr>
+            </a:p>
+          </p:txBody>
+        </p:sp>
+        <p:sp>
+          <p:nvSpPr>
+            <p:cNvPr id="31" name="Curved Right Arrow 30"/>
+            <p:cNvSpPr/>
+            <p:nvPr/>
+          </p:nvSpPr>
+          <p:spPr bwMode="auto">
+            <a:xfrm rot="1855659" flipH="1" flipV="1">
+              <a:off x="6637295" y="3491452"/>
+              <a:ext cx="546058" cy="992285"/>
+            </a:xfrm>
+            <a:prstGeom prst="curvedRightArrow">
+              <a:avLst>
+                <a:gd name="adj1" fmla="val 51884"/>
+                <a:gd name="adj2" fmla="val 79159"/>
+                <a:gd name="adj3" fmla="val 29171"/>
+              </a:avLst>
+            </a:prstGeom>
+            <a:solidFill>
+              <a:schemeClr val="tx1">
+                <a:lumMod val="65000"/>
+                <a:lumOff val="35000"/>
+              </a:schemeClr>
+            </a:solidFill>
+            <a:ln>
               <a:solidFill>
-                <a:schemeClr val="tx1"/>
+                <a:schemeClr val="tx1">
+                  <a:lumMod val="65000"/>
+                  <a:lumOff val="35000"/>
+                </a:schemeClr>
               </a:solidFill>
-              <a:effectLst/>
-              <a:latin typeface="Arial" charset="0"/>
-            </a:endParaRPr>
-          </a:p>
-        </p:txBody>
-      </p:sp>
-      <p:sp>
-        <p:nvSpPr>
-          <p:cNvPr id="10" name="Oval 9"/>
-          <p:cNvSpPr/>
-          <p:nvPr/>
-        </p:nvSpPr>
-        <p:spPr bwMode="auto">
-          <a:xfrm>
-            <a:off x="6192520" y="1511192"/>
-            <a:ext cx="1752600" cy="838200"/>
-          </a:xfrm>
-          <a:prstGeom prst="ellipse">
-            <a:avLst/>
-          </a:prstGeom>
-          <a:ln>
-            <a:headEnd type="none" w="med" len="med"/>
-            <a:tailEnd type="none" w="med" len="med"/>
-          </a:ln>
-        </p:spPr>
-        <p:style>
-          <a:lnRef idx="2">
-            <a:schemeClr val="accent2"/>
-          </a:lnRef>
-          <a:fillRef idx="1">
-            <a:schemeClr val="lt1"/>
-          </a:fillRef>
-          <a:effectRef idx="0">
-            <a:schemeClr val="accent2"/>
-          </a:effectRef>
-          <a:fontRef idx="minor">
-            <a:schemeClr val="dk1"/>
-          </a:fontRef>
-        </p:style>
-        <p:txBody>
-          <a:bodyPr vert="horz" wrap="square" lIns="91440" tIns="45720" rIns="91440" bIns="45720" numCol="1" rtlCol="0" anchor="ctr" anchorCtr="0" compatLnSpc="1">
-            <a:prstTxWarp prst="textNoShape">
-              <a:avLst/>
-            </a:prstTxWarp>
-          </a:bodyPr>
-          <a:lstStyle/>
-          <a:p>
-            <a:pPr marL="0" marR="0" indent="0" algn="ctr" defTabSz="914400" rtl="0" eaLnBrk="1" fontAlgn="base" latinLnBrk="0" hangingPunct="1">
-              <a:lnSpc>
-                <a:spcPct val="100000"/>
-              </a:lnSpc>
-              <a:spcBef>
-                <a:spcPct val="0"/>
-              </a:spcBef>
-              <a:spcAft>
-                <a:spcPct val="0"/>
-              </a:spcAft>
-              <a:buClrTx/>
-              <a:buSzTx/>
-              <a:buFontTx/>
-              <a:buNone/>
-              <a:tabLst/>
-          